--- a/verteidigung/verteidigung.pptx
+++ b/verteidigung/verteidigung.pptx
@@ -5,10 +5,10 @@
     <p:sldMasterId id="2147483891" r:id="rId1"/>
   </p:sldMasterIdLst>
   <p:notesMasterIdLst>
-    <p:notesMasterId r:id="rId20"/>
+    <p:notesMasterId r:id="rId25"/>
   </p:notesMasterIdLst>
   <p:handoutMasterIdLst>
-    <p:handoutMasterId r:id="rId21"/>
+    <p:handoutMasterId r:id="rId26"/>
   </p:handoutMasterIdLst>
   <p:sldIdLst>
     <p:sldId id="256" r:id="rId2"/>
@@ -19,33 +19,38 @@
     <p:sldId id="278" r:id="rId7"/>
     <p:sldId id="279" r:id="rId8"/>
     <p:sldId id="280" r:id="rId9"/>
-    <p:sldId id="272" r:id="rId10"/>
-    <p:sldId id="281" r:id="rId11"/>
-    <p:sldId id="282" r:id="rId12"/>
+    <p:sldId id="281" r:id="rId10"/>
+    <p:sldId id="282" r:id="rId11"/>
+    <p:sldId id="272" r:id="rId12"/>
     <p:sldId id="283" r:id="rId13"/>
-    <p:sldId id="274" r:id="rId14"/>
-    <p:sldId id="284" r:id="rId15"/>
-    <p:sldId id="285" r:id="rId16"/>
-    <p:sldId id="286" r:id="rId17"/>
-    <p:sldId id="276" r:id="rId18"/>
-    <p:sldId id="277" r:id="rId19"/>
+    <p:sldId id="287" r:id="rId14"/>
+    <p:sldId id="274" r:id="rId15"/>
+    <p:sldId id="284" r:id="rId16"/>
+    <p:sldId id="285" r:id="rId17"/>
+    <p:sldId id="286" r:id="rId18"/>
+    <p:sldId id="276" r:id="rId19"/>
+    <p:sldId id="277" r:id="rId20"/>
+    <p:sldId id="290" r:id="rId21"/>
+    <p:sldId id="291" r:id="rId22"/>
+    <p:sldId id="288" r:id="rId23"/>
+    <p:sldId id="289" r:id="rId24"/>
   </p:sldIdLst>
   <p:sldSz cx="12192000" cy="6858000"/>
   <p:notesSz cx="6858000" cy="9144000"/>
   <p:embeddedFontLst>
     <p:embeddedFont>
       <p:font typeface="Calibri" panose="020F0502020204030204" pitchFamily="34" charset="0"/>
-      <p:regular r:id="rId22"/>
-      <p:bold r:id="rId23"/>
-      <p:italic r:id="rId24"/>
-      <p:boldItalic r:id="rId25"/>
+      <p:regular r:id="rId27"/>
+      <p:bold r:id="rId28"/>
+      <p:italic r:id="rId29"/>
+      <p:boldItalic r:id="rId30"/>
     </p:embeddedFont>
     <p:embeddedFont>
       <p:font typeface="Open Sans" panose="020B0604020202020204" charset="0"/>
-      <p:regular r:id="rId26"/>
-      <p:bold r:id="rId27"/>
-      <p:italic r:id="rId28"/>
-      <p:boldItalic r:id="rId29"/>
+      <p:regular r:id="rId31"/>
+      <p:bold r:id="rId32"/>
+      <p:italic r:id="rId33"/>
+      <p:boldItalic r:id="rId34"/>
     </p:embeddedFont>
   </p:embeddedFontLst>
   <p:defaultTextStyle>
@@ -156,16 +161,21 @@
             <p14:sldId id="278"/>
             <p14:sldId id="279"/>
             <p14:sldId id="280"/>
-            <p14:sldId id="272"/>
             <p14:sldId id="281"/>
             <p14:sldId id="282"/>
+            <p14:sldId id="272"/>
             <p14:sldId id="283"/>
+            <p14:sldId id="287"/>
             <p14:sldId id="274"/>
             <p14:sldId id="284"/>
             <p14:sldId id="285"/>
             <p14:sldId id="286"/>
             <p14:sldId id="276"/>
             <p14:sldId id="277"/>
+            <p14:sldId id="290"/>
+            <p14:sldId id="291"/>
+            <p14:sldId id="288"/>
+            <p14:sldId id="289"/>
           </p14:sldIdLst>
         </p14:section>
       </p14:sectionLst>
@@ -186,7 +196,7 @@
       </p:ext>
     </p:extLst>
   </p:cmAuthor>
-  <p:cmAuthor id="2" name="Martin" initials="M" lastIdx="3" clrIdx="1">
+  <p:cmAuthor id="2" name="Martin" initials="M" lastIdx="6" clrIdx="1">
     <p:extLst>
       <p:ext uri="{19B8F6BF-5375-455C-9EA6-DF929625EA0E}">
         <p15:presenceInfo xmlns:p15="http://schemas.microsoft.com/office/powerpoint/2012/main" userId="Martin" providerId="None"/>
@@ -224,6 +234,43 @@
 </p:cmLst>
 </file>
 
+<file path=ppt/comments/comment3.xml><?xml version="1.0" encoding="utf-8"?>
+<p:cmLst xmlns:a="http://schemas.openxmlformats.org/drawingml/2006/main" xmlns:r="http://schemas.openxmlformats.org/officeDocument/2006/relationships" xmlns:p="http://schemas.openxmlformats.org/presentationml/2006/main">
+  <p:cm authorId="2" dt="2019-11-21T11:20:22.027" idx="4">
+    <p:pos x="10" y="10"/>
+    <p:text>wie lässt sich diese Folie sinnvoll gestalten??</p:text>
+    <p:extLst>
+      <p:ext uri="{C676402C-5697-4E1C-873F-D02D1690AC5C}">
+        <p15:threadingInfo xmlns:p15="http://schemas.microsoft.com/office/powerpoint/2012/main" timeZoneBias="-60"/>
+      </p:ext>
+    </p:extLst>
+  </p:cm>
+  <p:cm authorId="2" dt="2019-11-21T15:31:08.583" idx="6">
+    <p:pos x="576" y="1330"/>
+    <p:text>die Bestandteile im Detail sind eher von geringerem Interesse, eher erklären, warum Wahl von Google STT über DeepSpeech, außerdem Grafik von MessageBus, da dieser relevant für Verständnis der Funktionsweise des Systems</p:text>
+    <p:extLst>
+      <p:ext uri="{C676402C-5697-4E1C-873F-D02D1690AC5C}">
+        <p15:threadingInfo xmlns:p15="http://schemas.microsoft.com/office/powerpoint/2012/main" timeZoneBias="-60"/>
+      </p:ext>
+    </p:extLst>
+  </p:cm>
+</p:cmLst>
+</file>
+
+<file path=ppt/comments/comment4.xml><?xml version="1.0" encoding="utf-8"?>
+<p:cmLst xmlns:a="http://schemas.openxmlformats.org/drawingml/2006/main" xmlns:r="http://schemas.openxmlformats.org/officeDocument/2006/relationships" xmlns:p="http://schemas.openxmlformats.org/presentationml/2006/main">
+  <p:cm authorId="2" dt="2019-11-21T15:30:18.313" idx="5">
+    <p:pos x="10" y="10"/>
+    <p:text>hier die Zusatzinformationen vorbereiten, die eventuell für Beantwortung benötigt werden</p:text>
+    <p:extLst>
+      <p:ext uri="{C676402C-5697-4E1C-873F-D02D1690AC5C}">
+        <p15:threadingInfo xmlns:p15="http://schemas.microsoft.com/office/powerpoint/2012/main" timeZoneBias="-60"/>
+      </p:ext>
+    </p:extLst>
+  </p:cm>
+</p:cmLst>
+</file>
+
 <file path=ppt/diagrams/colors1.xml><?xml version="1.0" encoding="utf-8"?>
 <dgm:colorsDef xmlns:dgm="http://schemas.openxmlformats.org/drawingml/2006/diagram" xmlns:a="http://schemas.openxmlformats.org/drawingml/2006/main" uniqueId="urn:microsoft.com/office/officeart/2005/8/colors/accent1_2">
   <dgm:title val=""/>
@@ -1719,6 +1766,1500 @@
 </file>
 
 <file path=ppt/diagrams/colors3.xml><?xml version="1.0" encoding="utf-8"?>
+<dgm:colorsDef xmlns:dgm="http://schemas.openxmlformats.org/drawingml/2006/diagram" xmlns:a="http://schemas.openxmlformats.org/drawingml/2006/main" uniqueId="urn:microsoft.com/office/officeart/2005/8/colors/accent1_2">
+  <dgm:title val=""/>
+  <dgm:desc val=""/>
+  <dgm:catLst>
+    <dgm:cat type="accent1" pri="11200"/>
+  </dgm:catLst>
+  <dgm:styleLbl name="node0">
+    <dgm:fillClrLst meth="repeat">
+      <a:schemeClr val="accent1"/>
+    </dgm:fillClrLst>
+    <dgm:linClrLst meth="repeat">
+      <a:schemeClr val="lt1"/>
+    </dgm:linClrLst>
+    <dgm:effectClrLst/>
+    <dgm:txLinClrLst/>
+    <dgm:txFillClrLst/>
+    <dgm:txEffectClrLst/>
+  </dgm:styleLbl>
+  <dgm:styleLbl name="alignNode1">
+    <dgm:fillClrLst meth="repeat">
+      <a:schemeClr val="accent1"/>
+    </dgm:fillClrLst>
+    <dgm:linClrLst meth="repeat">
+      <a:schemeClr val="accent1"/>
+    </dgm:linClrLst>
+    <dgm:effectClrLst/>
+    <dgm:txLinClrLst/>
+    <dgm:txFillClrLst/>
+    <dgm:txEffectClrLst/>
+  </dgm:styleLbl>
+  <dgm:styleLbl name="node1">
+    <dgm:fillClrLst meth="repeat">
+      <a:schemeClr val="accent1"/>
+    </dgm:fillClrLst>
+    <dgm:linClrLst meth="repeat">
+      <a:schemeClr val="lt1"/>
+    </dgm:linClrLst>
+    <dgm:effectClrLst/>
+    <dgm:txLinClrLst/>
+    <dgm:txFillClrLst/>
+    <dgm:txEffectClrLst/>
+  </dgm:styleLbl>
+  <dgm:styleLbl name="lnNode1">
+    <dgm:fillClrLst meth="repeat">
+      <a:schemeClr val="accent1"/>
+    </dgm:fillClrLst>
+    <dgm:linClrLst meth="repeat">
+      <a:schemeClr val="lt1"/>
+    </dgm:linClrLst>
+    <dgm:effectClrLst/>
+    <dgm:txLinClrLst/>
+    <dgm:txFillClrLst/>
+    <dgm:txEffectClrLst/>
+  </dgm:styleLbl>
+  <dgm:styleLbl name="vennNode1">
+    <dgm:fillClrLst meth="repeat">
+      <a:schemeClr val="accent1">
+        <a:alpha val="50000"/>
+      </a:schemeClr>
+    </dgm:fillClrLst>
+    <dgm:linClrLst meth="repeat">
+      <a:schemeClr val="lt1"/>
+    </dgm:linClrLst>
+    <dgm:effectClrLst/>
+    <dgm:txLinClrLst/>
+    <dgm:txFillClrLst/>
+    <dgm:txEffectClrLst/>
+  </dgm:styleLbl>
+  <dgm:styleLbl name="node2">
+    <dgm:fillClrLst meth="repeat">
+      <a:schemeClr val="accent1"/>
+    </dgm:fillClrLst>
+    <dgm:linClrLst meth="repeat">
+      <a:schemeClr val="lt1"/>
+    </dgm:linClrLst>
+    <dgm:effectClrLst/>
+    <dgm:txLinClrLst/>
+    <dgm:txFillClrLst/>
+    <dgm:txEffectClrLst/>
+  </dgm:styleLbl>
+  <dgm:styleLbl name="node3">
+    <dgm:fillClrLst meth="repeat">
+      <a:schemeClr val="accent1"/>
+    </dgm:fillClrLst>
+    <dgm:linClrLst meth="repeat">
+      <a:schemeClr val="lt1"/>
+    </dgm:linClrLst>
+    <dgm:effectClrLst/>
+    <dgm:txLinClrLst/>
+    <dgm:txFillClrLst/>
+    <dgm:txEffectClrLst/>
+  </dgm:styleLbl>
+  <dgm:styleLbl name="node4">
+    <dgm:fillClrLst meth="repeat">
+      <a:schemeClr val="accent1"/>
+    </dgm:fillClrLst>
+    <dgm:linClrLst meth="repeat">
+      <a:schemeClr val="lt1"/>
+    </dgm:linClrLst>
+    <dgm:effectClrLst/>
+    <dgm:txLinClrLst/>
+    <dgm:txFillClrLst/>
+    <dgm:txEffectClrLst/>
+  </dgm:styleLbl>
+  <dgm:styleLbl name="fgImgPlace1">
+    <dgm:fillClrLst meth="repeat">
+      <a:schemeClr val="accent1">
+        <a:tint val="50000"/>
+      </a:schemeClr>
+    </dgm:fillClrLst>
+    <dgm:linClrLst meth="repeat">
+      <a:schemeClr val="lt1"/>
+    </dgm:linClrLst>
+    <dgm:effectClrLst/>
+    <dgm:txLinClrLst/>
+    <dgm:txFillClrLst meth="repeat">
+      <a:schemeClr val="lt1"/>
+    </dgm:txFillClrLst>
+    <dgm:txEffectClrLst/>
+  </dgm:styleLbl>
+  <dgm:styleLbl name="alignImgPlace1">
+    <dgm:fillClrLst meth="repeat">
+      <a:schemeClr val="accent1">
+        <a:tint val="50000"/>
+      </a:schemeClr>
+    </dgm:fillClrLst>
+    <dgm:linClrLst meth="repeat">
+      <a:schemeClr val="lt1"/>
+    </dgm:linClrLst>
+    <dgm:effectClrLst/>
+    <dgm:txLinClrLst/>
+    <dgm:txFillClrLst meth="repeat">
+      <a:schemeClr val="lt1"/>
+    </dgm:txFillClrLst>
+    <dgm:txEffectClrLst/>
+  </dgm:styleLbl>
+  <dgm:styleLbl name="bgImgPlace1">
+    <dgm:fillClrLst meth="repeat">
+      <a:schemeClr val="accent1">
+        <a:tint val="50000"/>
+      </a:schemeClr>
+    </dgm:fillClrLst>
+    <dgm:linClrLst meth="repeat">
+      <a:schemeClr val="lt1"/>
+    </dgm:linClrLst>
+    <dgm:effectClrLst/>
+    <dgm:txLinClrLst/>
+    <dgm:txFillClrLst meth="repeat">
+      <a:schemeClr val="lt1"/>
+    </dgm:txFillClrLst>
+    <dgm:txEffectClrLst/>
+  </dgm:styleLbl>
+  <dgm:styleLbl name="sibTrans2D1">
+    <dgm:fillClrLst meth="repeat">
+      <a:schemeClr val="accent1">
+        <a:tint val="60000"/>
+      </a:schemeClr>
+    </dgm:fillClrLst>
+    <dgm:linClrLst meth="repeat">
+      <a:schemeClr val="accent1">
+        <a:tint val="60000"/>
+      </a:schemeClr>
+    </dgm:linClrLst>
+    <dgm:effectClrLst/>
+    <dgm:txLinClrLst/>
+    <dgm:txFillClrLst/>
+    <dgm:txEffectClrLst/>
+  </dgm:styleLbl>
+  <dgm:styleLbl name="fgSibTrans2D1">
+    <dgm:fillClrLst meth="repeat">
+      <a:schemeClr val="accent1">
+        <a:tint val="60000"/>
+      </a:schemeClr>
+    </dgm:fillClrLst>
+    <dgm:linClrLst meth="repeat">
+      <a:schemeClr val="accent1">
+        <a:tint val="60000"/>
+      </a:schemeClr>
+    </dgm:linClrLst>
+    <dgm:effectClrLst/>
+    <dgm:txLinClrLst/>
+    <dgm:txFillClrLst/>
+    <dgm:txEffectClrLst/>
+  </dgm:styleLbl>
+  <dgm:styleLbl name="bgSibTrans2D1">
+    <dgm:fillClrLst meth="repeat">
+      <a:schemeClr val="accent1">
+        <a:tint val="60000"/>
+      </a:schemeClr>
+    </dgm:fillClrLst>
+    <dgm:linClrLst meth="repeat">
+      <a:schemeClr val="accent1">
+        <a:tint val="60000"/>
+      </a:schemeClr>
+    </dgm:linClrLst>
+    <dgm:effectClrLst/>
+    <dgm:txLinClrLst/>
+    <dgm:txFillClrLst/>
+    <dgm:txEffectClrLst/>
+  </dgm:styleLbl>
+  <dgm:styleLbl name="sibTrans1D1">
+    <dgm:fillClrLst meth="repeat">
+      <a:schemeClr val="accent1"/>
+    </dgm:fillClrLst>
+    <dgm:linClrLst meth="repeat">
+      <a:schemeClr val="accent1"/>
+    </dgm:linClrLst>
+    <dgm:effectClrLst/>
+    <dgm:txLinClrLst/>
+    <dgm:txFillClrLst meth="repeat">
+      <a:schemeClr val="tx1"/>
+    </dgm:txFillClrLst>
+    <dgm:txEffectClrLst/>
+  </dgm:styleLbl>
+  <dgm:styleLbl name="callout">
+    <dgm:fillClrLst meth="repeat">
+      <a:schemeClr val="accent1"/>
+    </dgm:fillClrLst>
+    <dgm:linClrLst meth="repeat">
+      <a:schemeClr val="accent1">
+        <a:tint val="50000"/>
+      </a:schemeClr>
+    </dgm:linClrLst>
+    <dgm:effectClrLst/>
+    <dgm:txLinClrLst/>
+    <dgm:txFillClrLst meth="repeat">
+      <a:schemeClr val="tx1"/>
+    </dgm:txFillClrLst>
+    <dgm:txEffectClrLst/>
+  </dgm:styleLbl>
+  <dgm:styleLbl name="asst0">
+    <dgm:fillClrLst meth="repeat">
+      <a:schemeClr val="accent1"/>
+    </dgm:fillClrLst>
+    <dgm:linClrLst meth="repeat">
+      <a:schemeClr val="lt1"/>
+    </dgm:linClrLst>
+    <dgm:effectClrLst/>
+    <dgm:txLinClrLst/>
+    <dgm:txFillClrLst/>
+    <dgm:txEffectClrLst/>
+  </dgm:styleLbl>
+  <dgm:styleLbl name="asst1">
+    <dgm:fillClrLst meth="repeat">
+      <a:schemeClr val="accent1"/>
+    </dgm:fillClrLst>
+    <dgm:linClrLst meth="repeat">
+      <a:schemeClr val="lt1"/>
+    </dgm:linClrLst>
+    <dgm:effectClrLst/>
+    <dgm:txLinClrLst/>
+    <dgm:txFillClrLst/>
+    <dgm:txEffectClrLst/>
+  </dgm:styleLbl>
+  <dgm:styleLbl name="asst2">
+    <dgm:fillClrLst meth="repeat">
+      <a:schemeClr val="accent1"/>
+    </dgm:fillClrLst>
+    <dgm:linClrLst meth="repeat">
+      <a:schemeClr val="lt1"/>
+    </dgm:linClrLst>
+    <dgm:effectClrLst/>
+    <dgm:txLinClrLst/>
+    <dgm:txFillClrLst/>
+    <dgm:txEffectClrLst/>
+  </dgm:styleLbl>
+  <dgm:styleLbl name="asst3">
+    <dgm:fillClrLst meth="repeat">
+      <a:schemeClr val="accent1"/>
+    </dgm:fillClrLst>
+    <dgm:linClrLst meth="repeat">
+      <a:schemeClr val="lt1"/>
+    </dgm:linClrLst>
+    <dgm:effectClrLst/>
+    <dgm:txLinClrLst/>
+    <dgm:txFillClrLst/>
+    <dgm:txEffectClrLst/>
+  </dgm:styleLbl>
+  <dgm:styleLbl name="asst4">
+    <dgm:fillClrLst meth="repeat">
+      <a:schemeClr val="accent1"/>
+    </dgm:fillClrLst>
+    <dgm:linClrLst meth="repeat">
+      <a:schemeClr val="lt1"/>
+    </dgm:linClrLst>
+    <dgm:effectClrLst/>
+    <dgm:txLinClrLst/>
+    <dgm:txFillClrLst/>
+    <dgm:txEffectClrLst/>
+  </dgm:styleLbl>
+  <dgm:styleLbl name="parChTrans2D1">
+    <dgm:fillClrLst meth="repeat">
+      <a:schemeClr val="accent1">
+        <a:tint val="60000"/>
+      </a:schemeClr>
+    </dgm:fillClrLst>
+    <dgm:linClrLst meth="repeat">
+      <a:schemeClr val="accent1">
+        <a:tint val="60000"/>
+      </a:schemeClr>
+    </dgm:linClrLst>
+    <dgm:effectClrLst/>
+    <dgm:txLinClrLst/>
+    <dgm:txFillClrLst meth="repeat">
+      <a:schemeClr val="lt1"/>
+    </dgm:txFillClrLst>
+    <dgm:txEffectClrLst/>
+  </dgm:styleLbl>
+  <dgm:styleLbl name="parChTrans2D2">
+    <dgm:fillClrLst meth="repeat">
+      <a:schemeClr val="accent1"/>
+    </dgm:fillClrLst>
+    <dgm:linClrLst meth="repeat">
+      <a:schemeClr val="accent1"/>
+    </dgm:linClrLst>
+    <dgm:effectClrLst/>
+    <dgm:txLinClrLst/>
+    <dgm:txFillClrLst meth="repeat">
+      <a:schemeClr val="lt1"/>
+    </dgm:txFillClrLst>
+    <dgm:txEffectClrLst/>
+  </dgm:styleLbl>
+  <dgm:styleLbl name="parChTrans2D3">
+    <dgm:fillClrLst meth="repeat">
+      <a:schemeClr val="accent1"/>
+    </dgm:fillClrLst>
+    <dgm:linClrLst meth="repeat">
+      <a:schemeClr val="accent1"/>
+    </dgm:linClrLst>
+    <dgm:effectClrLst/>
+    <dgm:txLinClrLst/>
+    <dgm:txFillClrLst meth="repeat">
+      <a:schemeClr val="lt1"/>
+    </dgm:txFillClrLst>
+    <dgm:txEffectClrLst/>
+  </dgm:styleLbl>
+  <dgm:styleLbl name="parChTrans2D4">
+    <dgm:fillClrLst meth="repeat">
+      <a:schemeClr val="accent1"/>
+    </dgm:fillClrLst>
+    <dgm:linClrLst meth="repeat">
+      <a:schemeClr val="accent1"/>
+    </dgm:linClrLst>
+    <dgm:effectClrLst/>
+    <dgm:txLinClrLst/>
+    <dgm:txFillClrLst meth="repeat">
+      <a:schemeClr val="lt1"/>
+    </dgm:txFillClrLst>
+    <dgm:txEffectClrLst/>
+  </dgm:styleLbl>
+  <dgm:styleLbl name="parChTrans1D1">
+    <dgm:fillClrLst meth="repeat">
+      <a:schemeClr val="accent1"/>
+    </dgm:fillClrLst>
+    <dgm:linClrLst meth="repeat">
+      <a:schemeClr val="accent1">
+        <a:shade val="60000"/>
+      </a:schemeClr>
+    </dgm:linClrLst>
+    <dgm:effectClrLst/>
+    <dgm:txLinClrLst/>
+    <dgm:txFillClrLst meth="repeat">
+      <a:schemeClr val="tx1"/>
+    </dgm:txFillClrLst>
+    <dgm:txEffectClrLst/>
+  </dgm:styleLbl>
+  <dgm:styleLbl name="parChTrans1D2">
+    <dgm:fillClrLst meth="repeat">
+      <a:schemeClr val="accent1"/>
+    </dgm:fillClrLst>
+    <dgm:linClrLst meth="repeat">
+      <a:schemeClr val="accent1">
+        <a:shade val="60000"/>
+      </a:schemeClr>
+    </dgm:linClrLst>
+    <dgm:effectClrLst/>
+    <dgm:txLinClrLst/>
+    <dgm:txFillClrLst meth="repeat">
+      <a:schemeClr val="tx1"/>
+    </dgm:txFillClrLst>
+    <dgm:txEffectClrLst/>
+  </dgm:styleLbl>
+  <dgm:styleLbl name="parChTrans1D3">
+    <dgm:fillClrLst meth="repeat">
+      <a:schemeClr val="accent1"/>
+    </dgm:fillClrLst>
+    <dgm:linClrLst meth="repeat">
+      <a:schemeClr val="accent1">
+        <a:shade val="80000"/>
+      </a:schemeClr>
+    </dgm:linClrLst>
+    <dgm:effectClrLst/>
+    <dgm:txLinClrLst/>
+    <dgm:txFillClrLst meth="repeat">
+      <a:schemeClr val="tx1"/>
+    </dgm:txFillClrLst>
+    <dgm:txEffectClrLst/>
+  </dgm:styleLbl>
+  <dgm:styleLbl name="parChTrans1D4">
+    <dgm:fillClrLst meth="repeat">
+      <a:schemeClr val="accent1"/>
+    </dgm:fillClrLst>
+    <dgm:linClrLst meth="repeat">
+      <a:schemeClr val="accent1">
+        <a:shade val="80000"/>
+      </a:schemeClr>
+    </dgm:linClrLst>
+    <dgm:effectClrLst/>
+    <dgm:txLinClrLst/>
+    <dgm:txFillClrLst meth="repeat">
+      <a:schemeClr val="tx1"/>
+    </dgm:txFillClrLst>
+    <dgm:txEffectClrLst/>
+  </dgm:styleLbl>
+  <dgm:styleLbl name="fgAcc1">
+    <dgm:fillClrLst meth="repeat">
+      <a:schemeClr val="lt1">
+        <a:alpha val="90000"/>
+      </a:schemeClr>
+    </dgm:fillClrLst>
+    <dgm:linClrLst meth="repeat">
+      <a:schemeClr val="accent1"/>
+    </dgm:linClrLst>
+    <dgm:effectClrLst/>
+    <dgm:txLinClrLst/>
+    <dgm:txFillClrLst meth="repeat">
+      <a:schemeClr val="dk1"/>
+    </dgm:txFillClrLst>
+    <dgm:txEffectClrLst/>
+  </dgm:styleLbl>
+  <dgm:styleLbl name="conFgAcc1">
+    <dgm:fillClrLst meth="repeat">
+      <a:schemeClr val="lt1">
+        <a:alpha val="90000"/>
+      </a:schemeClr>
+    </dgm:fillClrLst>
+    <dgm:linClrLst meth="repeat">
+      <a:schemeClr val="accent1"/>
+    </dgm:linClrLst>
+    <dgm:effectClrLst/>
+    <dgm:txLinClrLst/>
+    <dgm:txFillClrLst meth="repeat">
+      <a:schemeClr val="dk1"/>
+    </dgm:txFillClrLst>
+    <dgm:txEffectClrLst/>
+  </dgm:styleLbl>
+  <dgm:styleLbl name="alignAcc1">
+    <dgm:fillClrLst meth="repeat">
+      <a:schemeClr val="lt1">
+        <a:alpha val="90000"/>
+      </a:schemeClr>
+    </dgm:fillClrLst>
+    <dgm:linClrLst meth="repeat">
+      <a:schemeClr val="accent1"/>
+    </dgm:linClrLst>
+    <dgm:effectClrLst/>
+    <dgm:txLinClrLst/>
+    <dgm:txFillClrLst meth="repeat">
+      <a:schemeClr val="dk1"/>
+    </dgm:txFillClrLst>
+    <dgm:txEffectClrLst/>
+  </dgm:styleLbl>
+  <dgm:styleLbl name="trAlignAcc1">
+    <dgm:fillClrLst meth="repeat">
+      <a:schemeClr val="lt1">
+        <a:alpha val="40000"/>
+      </a:schemeClr>
+    </dgm:fillClrLst>
+    <dgm:linClrLst meth="repeat">
+      <a:schemeClr val="accent1"/>
+    </dgm:linClrLst>
+    <dgm:effectClrLst/>
+    <dgm:txLinClrLst/>
+    <dgm:txFillClrLst meth="repeat">
+      <a:schemeClr val="dk1"/>
+    </dgm:txFillClrLst>
+    <dgm:txEffectClrLst/>
+  </dgm:styleLbl>
+  <dgm:styleLbl name="bgAcc1">
+    <dgm:fillClrLst meth="repeat">
+      <a:schemeClr val="lt1">
+        <a:alpha val="90000"/>
+      </a:schemeClr>
+    </dgm:fillClrLst>
+    <dgm:linClrLst meth="repeat">
+      <a:schemeClr val="accent1"/>
+    </dgm:linClrLst>
+    <dgm:effectClrLst/>
+    <dgm:txLinClrLst/>
+    <dgm:txFillClrLst meth="repeat">
+      <a:schemeClr val="dk1"/>
+    </dgm:txFillClrLst>
+    <dgm:txEffectClrLst/>
+  </dgm:styleLbl>
+  <dgm:styleLbl name="solidFgAcc1">
+    <dgm:fillClrLst meth="repeat">
+      <a:schemeClr val="lt1"/>
+    </dgm:fillClrLst>
+    <dgm:linClrLst meth="repeat">
+      <a:schemeClr val="accent1"/>
+    </dgm:linClrLst>
+    <dgm:effectClrLst/>
+    <dgm:txLinClrLst/>
+    <dgm:txFillClrLst meth="repeat">
+      <a:schemeClr val="dk1"/>
+    </dgm:txFillClrLst>
+    <dgm:txEffectClrLst/>
+  </dgm:styleLbl>
+  <dgm:styleLbl name="solidAlignAcc1">
+    <dgm:fillClrLst meth="repeat">
+      <a:schemeClr val="lt1"/>
+    </dgm:fillClrLst>
+    <dgm:linClrLst meth="repeat">
+      <a:schemeClr val="accent1"/>
+    </dgm:linClrLst>
+    <dgm:effectClrLst/>
+    <dgm:txLinClrLst/>
+    <dgm:txFillClrLst meth="repeat">
+      <a:schemeClr val="dk1"/>
+    </dgm:txFillClrLst>
+    <dgm:txEffectClrLst/>
+  </dgm:styleLbl>
+  <dgm:styleLbl name="solidBgAcc1">
+    <dgm:fillClrLst meth="repeat">
+      <a:schemeClr val="lt1"/>
+    </dgm:fillClrLst>
+    <dgm:linClrLst meth="repeat">
+      <a:schemeClr val="accent1"/>
+    </dgm:linClrLst>
+    <dgm:effectClrLst/>
+    <dgm:txLinClrLst/>
+    <dgm:txFillClrLst meth="repeat">
+      <a:schemeClr val="dk1"/>
+    </dgm:txFillClrLst>
+    <dgm:txEffectClrLst/>
+  </dgm:styleLbl>
+  <dgm:styleLbl name="fgAccFollowNode1">
+    <dgm:fillClrLst meth="repeat">
+      <a:schemeClr val="accent1">
+        <a:alpha val="90000"/>
+        <a:tint val="40000"/>
+      </a:schemeClr>
+    </dgm:fillClrLst>
+    <dgm:linClrLst meth="repeat">
+      <a:schemeClr val="accent1">
+        <a:alpha val="90000"/>
+        <a:tint val="40000"/>
+      </a:schemeClr>
+    </dgm:linClrLst>
+    <dgm:effectClrLst/>
+    <dgm:txLinClrLst/>
+    <dgm:txFillClrLst meth="repeat">
+      <a:schemeClr val="dk1"/>
+    </dgm:txFillClrLst>
+    <dgm:txEffectClrLst/>
+  </dgm:styleLbl>
+  <dgm:styleLbl name="alignAccFollowNode1">
+    <dgm:fillClrLst meth="repeat">
+      <a:schemeClr val="accent1">
+        <a:alpha val="90000"/>
+        <a:tint val="40000"/>
+      </a:schemeClr>
+    </dgm:fillClrLst>
+    <dgm:linClrLst meth="repeat">
+      <a:schemeClr val="accent1">
+        <a:alpha val="90000"/>
+        <a:tint val="40000"/>
+      </a:schemeClr>
+    </dgm:linClrLst>
+    <dgm:effectClrLst/>
+    <dgm:txLinClrLst/>
+    <dgm:txFillClrLst meth="repeat">
+      <a:schemeClr val="dk1"/>
+    </dgm:txFillClrLst>
+    <dgm:txEffectClrLst/>
+  </dgm:styleLbl>
+  <dgm:styleLbl name="bgAccFollowNode1">
+    <dgm:fillClrLst meth="repeat">
+      <a:schemeClr val="accent1">
+        <a:alpha val="90000"/>
+        <a:tint val="40000"/>
+      </a:schemeClr>
+    </dgm:fillClrLst>
+    <dgm:linClrLst meth="repeat">
+      <a:schemeClr val="accent1">
+        <a:alpha val="90000"/>
+        <a:tint val="40000"/>
+      </a:schemeClr>
+    </dgm:linClrLst>
+    <dgm:effectClrLst/>
+    <dgm:txLinClrLst/>
+    <dgm:txFillClrLst meth="repeat">
+      <a:schemeClr val="dk1"/>
+    </dgm:txFillClrLst>
+    <dgm:txEffectClrLst/>
+  </dgm:styleLbl>
+  <dgm:styleLbl name="fgAcc0">
+    <dgm:fillClrLst meth="repeat">
+      <a:schemeClr val="lt1">
+        <a:alpha val="90000"/>
+      </a:schemeClr>
+    </dgm:fillClrLst>
+    <dgm:linClrLst meth="repeat">
+      <a:schemeClr val="accent1"/>
+    </dgm:linClrLst>
+    <dgm:effectClrLst/>
+    <dgm:txLinClrLst/>
+    <dgm:txFillClrLst meth="repeat">
+      <a:schemeClr val="dk1"/>
+    </dgm:txFillClrLst>
+    <dgm:txEffectClrLst/>
+  </dgm:styleLbl>
+  <dgm:styleLbl name="fgAcc2">
+    <dgm:fillClrLst meth="repeat">
+      <a:schemeClr val="lt1">
+        <a:alpha val="90000"/>
+      </a:schemeClr>
+    </dgm:fillClrLst>
+    <dgm:linClrLst meth="repeat">
+      <a:schemeClr val="accent1"/>
+    </dgm:linClrLst>
+    <dgm:effectClrLst/>
+    <dgm:txLinClrLst/>
+    <dgm:txFillClrLst meth="repeat">
+      <a:schemeClr val="dk1"/>
+    </dgm:txFillClrLst>
+    <dgm:txEffectClrLst/>
+  </dgm:styleLbl>
+  <dgm:styleLbl name="fgAcc3">
+    <dgm:fillClrLst meth="repeat">
+      <a:schemeClr val="lt1">
+        <a:alpha val="90000"/>
+      </a:schemeClr>
+    </dgm:fillClrLst>
+    <dgm:linClrLst meth="repeat">
+      <a:schemeClr val="accent1"/>
+    </dgm:linClrLst>
+    <dgm:effectClrLst/>
+    <dgm:txLinClrLst/>
+    <dgm:txFillClrLst meth="repeat">
+      <a:schemeClr val="dk1"/>
+    </dgm:txFillClrLst>
+    <dgm:txEffectClrLst/>
+  </dgm:styleLbl>
+  <dgm:styleLbl name="fgAcc4">
+    <dgm:fillClrLst meth="repeat">
+      <a:schemeClr val="lt1">
+        <a:alpha val="90000"/>
+      </a:schemeClr>
+    </dgm:fillClrLst>
+    <dgm:linClrLst meth="repeat">
+      <a:schemeClr val="accent1"/>
+    </dgm:linClrLst>
+    <dgm:effectClrLst/>
+    <dgm:txLinClrLst/>
+    <dgm:txFillClrLst meth="repeat">
+      <a:schemeClr val="dk1"/>
+    </dgm:txFillClrLst>
+    <dgm:txEffectClrLst/>
+  </dgm:styleLbl>
+  <dgm:styleLbl name="bgShp">
+    <dgm:fillClrLst meth="repeat">
+      <a:schemeClr val="accent1">
+        <a:tint val="40000"/>
+      </a:schemeClr>
+    </dgm:fillClrLst>
+    <dgm:linClrLst meth="repeat">
+      <a:schemeClr val="accent1"/>
+    </dgm:linClrLst>
+    <dgm:effectClrLst/>
+    <dgm:txLinClrLst/>
+    <dgm:txFillClrLst meth="repeat">
+      <a:schemeClr val="dk1"/>
+    </dgm:txFillClrLst>
+    <dgm:txEffectClrLst/>
+  </dgm:styleLbl>
+  <dgm:styleLbl name="dkBgShp">
+    <dgm:fillClrLst meth="repeat">
+      <a:schemeClr val="accent1">
+        <a:shade val="80000"/>
+      </a:schemeClr>
+    </dgm:fillClrLst>
+    <dgm:linClrLst meth="repeat">
+      <a:schemeClr val="accent1"/>
+    </dgm:linClrLst>
+    <dgm:effectClrLst/>
+    <dgm:txLinClrLst/>
+    <dgm:txFillClrLst meth="repeat">
+      <a:schemeClr val="lt1"/>
+    </dgm:txFillClrLst>
+    <dgm:txEffectClrLst/>
+  </dgm:styleLbl>
+  <dgm:styleLbl name="trBgShp">
+    <dgm:fillClrLst meth="repeat">
+      <a:schemeClr val="accent1">
+        <a:tint val="50000"/>
+        <a:alpha val="40000"/>
+      </a:schemeClr>
+    </dgm:fillClrLst>
+    <dgm:linClrLst meth="repeat">
+      <a:schemeClr val="accent1"/>
+    </dgm:linClrLst>
+    <dgm:effectClrLst/>
+    <dgm:txLinClrLst/>
+    <dgm:txFillClrLst meth="repeat">
+      <a:schemeClr val="lt1"/>
+    </dgm:txFillClrLst>
+    <dgm:txEffectClrLst/>
+  </dgm:styleLbl>
+  <dgm:styleLbl name="fgShp">
+    <dgm:fillClrLst meth="repeat">
+      <a:schemeClr val="accent1">
+        <a:tint val="60000"/>
+      </a:schemeClr>
+    </dgm:fillClrLst>
+    <dgm:linClrLst meth="repeat">
+      <a:schemeClr val="lt1"/>
+    </dgm:linClrLst>
+    <dgm:effectClrLst/>
+    <dgm:txLinClrLst/>
+    <dgm:txFillClrLst meth="repeat">
+      <a:schemeClr val="dk1"/>
+    </dgm:txFillClrLst>
+    <dgm:txEffectClrLst/>
+  </dgm:styleLbl>
+  <dgm:styleLbl name="revTx">
+    <dgm:fillClrLst meth="repeat">
+      <a:schemeClr val="lt1">
+        <a:alpha val="0"/>
+      </a:schemeClr>
+    </dgm:fillClrLst>
+    <dgm:linClrLst meth="repeat">
+      <a:schemeClr val="dk1">
+        <a:alpha val="0"/>
+      </a:schemeClr>
+    </dgm:linClrLst>
+    <dgm:effectClrLst/>
+    <dgm:txLinClrLst/>
+    <dgm:txFillClrLst meth="repeat">
+      <a:schemeClr val="tx1"/>
+    </dgm:txFillClrLst>
+    <dgm:txEffectClrLst/>
+  </dgm:styleLbl>
+</dgm:colorsDef>
+</file>
+
+<file path=ppt/diagrams/colors4.xml><?xml version="1.0" encoding="utf-8"?>
+<dgm:colorsDef xmlns:dgm="http://schemas.openxmlformats.org/drawingml/2006/diagram" xmlns:a="http://schemas.openxmlformats.org/drawingml/2006/main" uniqueId="urn:microsoft.com/office/officeart/2005/8/colors/accent1_2">
+  <dgm:title val=""/>
+  <dgm:desc val=""/>
+  <dgm:catLst>
+    <dgm:cat type="accent1" pri="11200"/>
+  </dgm:catLst>
+  <dgm:styleLbl name="node0">
+    <dgm:fillClrLst meth="repeat">
+      <a:schemeClr val="accent1"/>
+    </dgm:fillClrLst>
+    <dgm:linClrLst meth="repeat">
+      <a:schemeClr val="lt1"/>
+    </dgm:linClrLst>
+    <dgm:effectClrLst/>
+    <dgm:txLinClrLst/>
+    <dgm:txFillClrLst/>
+    <dgm:txEffectClrLst/>
+  </dgm:styleLbl>
+  <dgm:styleLbl name="alignNode1">
+    <dgm:fillClrLst meth="repeat">
+      <a:schemeClr val="accent1"/>
+    </dgm:fillClrLst>
+    <dgm:linClrLst meth="repeat">
+      <a:schemeClr val="accent1"/>
+    </dgm:linClrLst>
+    <dgm:effectClrLst/>
+    <dgm:txLinClrLst/>
+    <dgm:txFillClrLst/>
+    <dgm:txEffectClrLst/>
+  </dgm:styleLbl>
+  <dgm:styleLbl name="node1">
+    <dgm:fillClrLst meth="repeat">
+      <a:schemeClr val="accent1"/>
+    </dgm:fillClrLst>
+    <dgm:linClrLst meth="repeat">
+      <a:schemeClr val="lt1"/>
+    </dgm:linClrLst>
+    <dgm:effectClrLst/>
+    <dgm:txLinClrLst/>
+    <dgm:txFillClrLst/>
+    <dgm:txEffectClrLst/>
+  </dgm:styleLbl>
+  <dgm:styleLbl name="lnNode1">
+    <dgm:fillClrLst meth="repeat">
+      <a:schemeClr val="accent1"/>
+    </dgm:fillClrLst>
+    <dgm:linClrLst meth="repeat">
+      <a:schemeClr val="lt1"/>
+    </dgm:linClrLst>
+    <dgm:effectClrLst/>
+    <dgm:txLinClrLst/>
+    <dgm:txFillClrLst/>
+    <dgm:txEffectClrLst/>
+  </dgm:styleLbl>
+  <dgm:styleLbl name="vennNode1">
+    <dgm:fillClrLst meth="repeat">
+      <a:schemeClr val="accent1">
+        <a:alpha val="50000"/>
+      </a:schemeClr>
+    </dgm:fillClrLst>
+    <dgm:linClrLst meth="repeat">
+      <a:schemeClr val="lt1"/>
+    </dgm:linClrLst>
+    <dgm:effectClrLst/>
+    <dgm:txLinClrLst/>
+    <dgm:txFillClrLst/>
+    <dgm:txEffectClrLst/>
+  </dgm:styleLbl>
+  <dgm:styleLbl name="node2">
+    <dgm:fillClrLst meth="repeat">
+      <a:schemeClr val="accent1"/>
+    </dgm:fillClrLst>
+    <dgm:linClrLst meth="repeat">
+      <a:schemeClr val="lt1"/>
+    </dgm:linClrLst>
+    <dgm:effectClrLst/>
+    <dgm:txLinClrLst/>
+    <dgm:txFillClrLst/>
+    <dgm:txEffectClrLst/>
+  </dgm:styleLbl>
+  <dgm:styleLbl name="node3">
+    <dgm:fillClrLst meth="repeat">
+      <a:schemeClr val="accent1"/>
+    </dgm:fillClrLst>
+    <dgm:linClrLst meth="repeat">
+      <a:schemeClr val="lt1"/>
+    </dgm:linClrLst>
+    <dgm:effectClrLst/>
+    <dgm:txLinClrLst/>
+    <dgm:txFillClrLst/>
+    <dgm:txEffectClrLst/>
+  </dgm:styleLbl>
+  <dgm:styleLbl name="node4">
+    <dgm:fillClrLst meth="repeat">
+      <a:schemeClr val="accent1"/>
+    </dgm:fillClrLst>
+    <dgm:linClrLst meth="repeat">
+      <a:schemeClr val="lt1"/>
+    </dgm:linClrLst>
+    <dgm:effectClrLst/>
+    <dgm:txLinClrLst/>
+    <dgm:txFillClrLst/>
+    <dgm:txEffectClrLst/>
+  </dgm:styleLbl>
+  <dgm:styleLbl name="fgImgPlace1">
+    <dgm:fillClrLst meth="repeat">
+      <a:schemeClr val="accent1">
+        <a:tint val="50000"/>
+      </a:schemeClr>
+    </dgm:fillClrLst>
+    <dgm:linClrLst meth="repeat">
+      <a:schemeClr val="lt1"/>
+    </dgm:linClrLst>
+    <dgm:effectClrLst/>
+    <dgm:txLinClrLst/>
+    <dgm:txFillClrLst meth="repeat">
+      <a:schemeClr val="lt1"/>
+    </dgm:txFillClrLst>
+    <dgm:txEffectClrLst/>
+  </dgm:styleLbl>
+  <dgm:styleLbl name="alignImgPlace1">
+    <dgm:fillClrLst meth="repeat">
+      <a:schemeClr val="accent1">
+        <a:tint val="50000"/>
+      </a:schemeClr>
+    </dgm:fillClrLst>
+    <dgm:linClrLst meth="repeat">
+      <a:schemeClr val="lt1"/>
+    </dgm:linClrLst>
+    <dgm:effectClrLst/>
+    <dgm:txLinClrLst/>
+    <dgm:txFillClrLst meth="repeat">
+      <a:schemeClr val="lt1"/>
+    </dgm:txFillClrLst>
+    <dgm:txEffectClrLst/>
+  </dgm:styleLbl>
+  <dgm:styleLbl name="bgImgPlace1">
+    <dgm:fillClrLst meth="repeat">
+      <a:schemeClr val="accent1">
+        <a:tint val="50000"/>
+      </a:schemeClr>
+    </dgm:fillClrLst>
+    <dgm:linClrLst meth="repeat">
+      <a:schemeClr val="lt1"/>
+    </dgm:linClrLst>
+    <dgm:effectClrLst/>
+    <dgm:txLinClrLst/>
+    <dgm:txFillClrLst meth="repeat">
+      <a:schemeClr val="lt1"/>
+    </dgm:txFillClrLst>
+    <dgm:txEffectClrLst/>
+  </dgm:styleLbl>
+  <dgm:styleLbl name="sibTrans2D1">
+    <dgm:fillClrLst meth="repeat">
+      <a:schemeClr val="accent1">
+        <a:tint val="60000"/>
+      </a:schemeClr>
+    </dgm:fillClrLst>
+    <dgm:linClrLst meth="repeat">
+      <a:schemeClr val="accent1">
+        <a:tint val="60000"/>
+      </a:schemeClr>
+    </dgm:linClrLst>
+    <dgm:effectClrLst/>
+    <dgm:txLinClrLst/>
+    <dgm:txFillClrLst/>
+    <dgm:txEffectClrLst/>
+  </dgm:styleLbl>
+  <dgm:styleLbl name="fgSibTrans2D1">
+    <dgm:fillClrLst meth="repeat">
+      <a:schemeClr val="accent1">
+        <a:tint val="60000"/>
+      </a:schemeClr>
+    </dgm:fillClrLst>
+    <dgm:linClrLst meth="repeat">
+      <a:schemeClr val="accent1">
+        <a:tint val="60000"/>
+      </a:schemeClr>
+    </dgm:linClrLst>
+    <dgm:effectClrLst/>
+    <dgm:txLinClrLst/>
+    <dgm:txFillClrLst/>
+    <dgm:txEffectClrLst/>
+  </dgm:styleLbl>
+  <dgm:styleLbl name="bgSibTrans2D1">
+    <dgm:fillClrLst meth="repeat">
+      <a:schemeClr val="accent1">
+        <a:tint val="60000"/>
+      </a:schemeClr>
+    </dgm:fillClrLst>
+    <dgm:linClrLst meth="repeat">
+      <a:schemeClr val="accent1">
+        <a:tint val="60000"/>
+      </a:schemeClr>
+    </dgm:linClrLst>
+    <dgm:effectClrLst/>
+    <dgm:txLinClrLst/>
+    <dgm:txFillClrLst/>
+    <dgm:txEffectClrLst/>
+  </dgm:styleLbl>
+  <dgm:styleLbl name="sibTrans1D1">
+    <dgm:fillClrLst meth="repeat">
+      <a:schemeClr val="accent1"/>
+    </dgm:fillClrLst>
+    <dgm:linClrLst meth="repeat">
+      <a:schemeClr val="accent1"/>
+    </dgm:linClrLst>
+    <dgm:effectClrLst/>
+    <dgm:txLinClrLst/>
+    <dgm:txFillClrLst meth="repeat">
+      <a:schemeClr val="tx1"/>
+    </dgm:txFillClrLst>
+    <dgm:txEffectClrLst/>
+  </dgm:styleLbl>
+  <dgm:styleLbl name="callout">
+    <dgm:fillClrLst meth="repeat">
+      <a:schemeClr val="accent1"/>
+    </dgm:fillClrLst>
+    <dgm:linClrLst meth="repeat">
+      <a:schemeClr val="accent1">
+        <a:tint val="50000"/>
+      </a:schemeClr>
+    </dgm:linClrLst>
+    <dgm:effectClrLst/>
+    <dgm:txLinClrLst/>
+    <dgm:txFillClrLst meth="repeat">
+      <a:schemeClr val="tx1"/>
+    </dgm:txFillClrLst>
+    <dgm:txEffectClrLst/>
+  </dgm:styleLbl>
+  <dgm:styleLbl name="asst0">
+    <dgm:fillClrLst meth="repeat">
+      <a:schemeClr val="accent1"/>
+    </dgm:fillClrLst>
+    <dgm:linClrLst meth="repeat">
+      <a:schemeClr val="lt1"/>
+    </dgm:linClrLst>
+    <dgm:effectClrLst/>
+    <dgm:txLinClrLst/>
+    <dgm:txFillClrLst/>
+    <dgm:txEffectClrLst/>
+  </dgm:styleLbl>
+  <dgm:styleLbl name="asst1">
+    <dgm:fillClrLst meth="repeat">
+      <a:schemeClr val="accent1"/>
+    </dgm:fillClrLst>
+    <dgm:linClrLst meth="repeat">
+      <a:schemeClr val="lt1"/>
+    </dgm:linClrLst>
+    <dgm:effectClrLst/>
+    <dgm:txLinClrLst/>
+    <dgm:txFillClrLst/>
+    <dgm:txEffectClrLst/>
+  </dgm:styleLbl>
+  <dgm:styleLbl name="asst2">
+    <dgm:fillClrLst meth="repeat">
+      <a:schemeClr val="accent1"/>
+    </dgm:fillClrLst>
+    <dgm:linClrLst meth="repeat">
+      <a:schemeClr val="lt1"/>
+    </dgm:linClrLst>
+    <dgm:effectClrLst/>
+    <dgm:txLinClrLst/>
+    <dgm:txFillClrLst/>
+    <dgm:txEffectClrLst/>
+  </dgm:styleLbl>
+  <dgm:styleLbl name="asst3">
+    <dgm:fillClrLst meth="repeat">
+      <a:schemeClr val="accent1"/>
+    </dgm:fillClrLst>
+    <dgm:linClrLst meth="repeat">
+      <a:schemeClr val="lt1"/>
+    </dgm:linClrLst>
+    <dgm:effectClrLst/>
+    <dgm:txLinClrLst/>
+    <dgm:txFillClrLst/>
+    <dgm:txEffectClrLst/>
+  </dgm:styleLbl>
+  <dgm:styleLbl name="asst4">
+    <dgm:fillClrLst meth="repeat">
+      <a:schemeClr val="accent1"/>
+    </dgm:fillClrLst>
+    <dgm:linClrLst meth="repeat">
+      <a:schemeClr val="lt1"/>
+    </dgm:linClrLst>
+    <dgm:effectClrLst/>
+    <dgm:txLinClrLst/>
+    <dgm:txFillClrLst/>
+    <dgm:txEffectClrLst/>
+  </dgm:styleLbl>
+  <dgm:styleLbl name="parChTrans2D1">
+    <dgm:fillClrLst meth="repeat">
+      <a:schemeClr val="accent1">
+        <a:tint val="60000"/>
+      </a:schemeClr>
+    </dgm:fillClrLst>
+    <dgm:linClrLst meth="repeat">
+      <a:schemeClr val="accent1">
+        <a:tint val="60000"/>
+      </a:schemeClr>
+    </dgm:linClrLst>
+    <dgm:effectClrLst/>
+    <dgm:txLinClrLst/>
+    <dgm:txFillClrLst meth="repeat">
+      <a:schemeClr val="lt1"/>
+    </dgm:txFillClrLst>
+    <dgm:txEffectClrLst/>
+  </dgm:styleLbl>
+  <dgm:styleLbl name="parChTrans2D2">
+    <dgm:fillClrLst meth="repeat">
+      <a:schemeClr val="accent1"/>
+    </dgm:fillClrLst>
+    <dgm:linClrLst meth="repeat">
+      <a:schemeClr val="accent1"/>
+    </dgm:linClrLst>
+    <dgm:effectClrLst/>
+    <dgm:txLinClrLst/>
+    <dgm:txFillClrLst meth="repeat">
+      <a:schemeClr val="lt1"/>
+    </dgm:txFillClrLst>
+    <dgm:txEffectClrLst/>
+  </dgm:styleLbl>
+  <dgm:styleLbl name="parChTrans2D3">
+    <dgm:fillClrLst meth="repeat">
+      <a:schemeClr val="accent1"/>
+    </dgm:fillClrLst>
+    <dgm:linClrLst meth="repeat">
+      <a:schemeClr val="accent1"/>
+    </dgm:linClrLst>
+    <dgm:effectClrLst/>
+    <dgm:txLinClrLst/>
+    <dgm:txFillClrLst meth="repeat">
+      <a:schemeClr val="lt1"/>
+    </dgm:txFillClrLst>
+    <dgm:txEffectClrLst/>
+  </dgm:styleLbl>
+  <dgm:styleLbl name="parChTrans2D4">
+    <dgm:fillClrLst meth="repeat">
+      <a:schemeClr val="accent1"/>
+    </dgm:fillClrLst>
+    <dgm:linClrLst meth="repeat">
+      <a:schemeClr val="accent1"/>
+    </dgm:linClrLst>
+    <dgm:effectClrLst/>
+    <dgm:txLinClrLst/>
+    <dgm:txFillClrLst meth="repeat">
+      <a:schemeClr val="lt1"/>
+    </dgm:txFillClrLst>
+    <dgm:txEffectClrLst/>
+  </dgm:styleLbl>
+  <dgm:styleLbl name="parChTrans1D1">
+    <dgm:fillClrLst meth="repeat">
+      <a:schemeClr val="accent1"/>
+    </dgm:fillClrLst>
+    <dgm:linClrLst meth="repeat">
+      <a:schemeClr val="accent1">
+        <a:shade val="60000"/>
+      </a:schemeClr>
+    </dgm:linClrLst>
+    <dgm:effectClrLst/>
+    <dgm:txLinClrLst/>
+    <dgm:txFillClrLst meth="repeat">
+      <a:schemeClr val="tx1"/>
+    </dgm:txFillClrLst>
+    <dgm:txEffectClrLst/>
+  </dgm:styleLbl>
+  <dgm:styleLbl name="parChTrans1D2">
+    <dgm:fillClrLst meth="repeat">
+      <a:schemeClr val="accent1"/>
+    </dgm:fillClrLst>
+    <dgm:linClrLst meth="repeat">
+      <a:schemeClr val="accent1">
+        <a:shade val="60000"/>
+      </a:schemeClr>
+    </dgm:linClrLst>
+    <dgm:effectClrLst/>
+    <dgm:txLinClrLst/>
+    <dgm:txFillClrLst meth="repeat">
+      <a:schemeClr val="tx1"/>
+    </dgm:txFillClrLst>
+    <dgm:txEffectClrLst/>
+  </dgm:styleLbl>
+  <dgm:styleLbl name="parChTrans1D3">
+    <dgm:fillClrLst meth="repeat">
+      <a:schemeClr val="accent1"/>
+    </dgm:fillClrLst>
+    <dgm:linClrLst meth="repeat">
+      <a:schemeClr val="accent1">
+        <a:shade val="80000"/>
+      </a:schemeClr>
+    </dgm:linClrLst>
+    <dgm:effectClrLst/>
+    <dgm:txLinClrLst/>
+    <dgm:txFillClrLst meth="repeat">
+      <a:schemeClr val="tx1"/>
+    </dgm:txFillClrLst>
+    <dgm:txEffectClrLst/>
+  </dgm:styleLbl>
+  <dgm:styleLbl name="parChTrans1D4">
+    <dgm:fillClrLst meth="repeat">
+      <a:schemeClr val="accent1"/>
+    </dgm:fillClrLst>
+    <dgm:linClrLst meth="repeat">
+      <a:schemeClr val="accent1">
+        <a:shade val="80000"/>
+      </a:schemeClr>
+    </dgm:linClrLst>
+    <dgm:effectClrLst/>
+    <dgm:txLinClrLst/>
+    <dgm:txFillClrLst meth="repeat">
+      <a:schemeClr val="tx1"/>
+    </dgm:txFillClrLst>
+    <dgm:txEffectClrLst/>
+  </dgm:styleLbl>
+  <dgm:styleLbl name="fgAcc1">
+    <dgm:fillClrLst meth="repeat">
+      <a:schemeClr val="lt1">
+        <a:alpha val="90000"/>
+      </a:schemeClr>
+    </dgm:fillClrLst>
+    <dgm:linClrLst meth="repeat">
+      <a:schemeClr val="accent1"/>
+    </dgm:linClrLst>
+    <dgm:effectClrLst/>
+    <dgm:txLinClrLst/>
+    <dgm:txFillClrLst meth="repeat">
+      <a:schemeClr val="dk1"/>
+    </dgm:txFillClrLst>
+    <dgm:txEffectClrLst/>
+  </dgm:styleLbl>
+  <dgm:styleLbl name="conFgAcc1">
+    <dgm:fillClrLst meth="repeat">
+      <a:schemeClr val="lt1">
+        <a:alpha val="90000"/>
+      </a:schemeClr>
+    </dgm:fillClrLst>
+    <dgm:linClrLst meth="repeat">
+      <a:schemeClr val="accent1"/>
+    </dgm:linClrLst>
+    <dgm:effectClrLst/>
+    <dgm:txLinClrLst/>
+    <dgm:txFillClrLst meth="repeat">
+      <a:schemeClr val="dk1"/>
+    </dgm:txFillClrLst>
+    <dgm:txEffectClrLst/>
+  </dgm:styleLbl>
+  <dgm:styleLbl name="alignAcc1">
+    <dgm:fillClrLst meth="repeat">
+      <a:schemeClr val="lt1">
+        <a:alpha val="90000"/>
+      </a:schemeClr>
+    </dgm:fillClrLst>
+    <dgm:linClrLst meth="repeat">
+      <a:schemeClr val="accent1"/>
+    </dgm:linClrLst>
+    <dgm:effectClrLst/>
+    <dgm:txLinClrLst/>
+    <dgm:txFillClrLst meth="repeat">
+      <a:schemeClr val="dk1"/>
+    </dgm:txFillClrLst>
+    <dgm:txEffectClrLst/>
+  </dgm:styleLbl>
+  <dgm:styleLbl name="trAlignAcc1">
+    <dgm:fillClrLst meth="repeat">
+      <a:schemeClr val="lt1">
+        <a:alpha val="40000"/>
+      </a:schemeClr>
+    </dgm:fillClrLst>
+    <dgm:linClrLst meth="repeat">
+      <a:schemeClr val="accent1"/>
+    </dgm:linClrLst>
+    <dgm:effectClrLst/>
+    <dgm:txLinClrLst/>
+    <dgm:txFillClrLst meth="repeat">
+      <a:schemeClr val="dk1"/>
+    </dgm:txFillClrLst>
+    <dgm:txEffectClrLst/>
+  </dgm:styleLbl>
+  <dgm:styleLbl name="bgAcc1">
+    <dgm:fillClrLst meth="repeat">
+      <a:schemeClr val="lt1">
+        <a:alpha val="90000"/>
+      </a:schemeClr>
+    </dgm:fillClrLst>
+    <dgm:linClrLst meth="repeat">
+      <a:schemeClr val="accent1"/>
+    </dgm:linClrLst>
+    <dgm:effectClrLst/>
+    <dgm:txLinClrLst/>
+    <dgm:txFillClrLst meth="repeat">
+      <a:schemeClr val="dk1"/>
+    </dgm:txFillClrLst>
+    <dgm:txEffectClrLst/>
+  </dgm:styleLbl>
+  <dgm:styleLbl name="solidFgAcc1">
+    <dgm:fillClrLst meth="repeat">
+      <a:schemeClr val="lt1"/>
+    </dgm:fillClrLst>
+    <dgm:linClrLst meth="repeat">
+      <a:schemeClr val="accent1"/>
+    </dgm:linClrLst>
+    <dgm:effectClrLst/>
+    <dgm:txLinClrLst/>
+    <dgm:txFillClrLst meth="repeat">
+      <a:schemeClr val="dk1"/>
+    </dgm:txFillClrLst>
+    <dgm:txEffectClrLst/>
+  </dgm:styleLbl>
+  <dgm:styleLbl name="solidAlignAcc1">
+    <dgm:fillClrLst meth="repeat">
+      <a:schemeClr val="lt1"/>
+    </dgm:fillClrLst>
+    <dgm:linClrLst meth="repeat">
+      <a:schemeClr val="accent1"/>
+    </dgm:linClrLst>
+    <dgm:effectClrLst/>
+    <dgm:txLinClrLst/>
+    <dgm:txFillClrLst meth="repeat">
+      <a:schemeClr val="dk1"/>
+    </dgm:txFillClrLst>
+    <dgm:txEffectClrLst/>
+  </dgm:styleLbl>
+  <dgm:styleLbl name="solidBgAcc1">
+    <dgm:fillClrLst meth="repeat">
+      <a:schemeClr val="lt1"/>
+    </dgm:fillClrLst>
+    <dgm:linClrLst meth="repeat">
+      <a:schemeClr val="accent1"/>
+    </dgm:linClrLst>
+    <dgm:effectClrLst/>
+    <dgm:txLinClrLst/>
+    <dgm:txFillClrLst meth="repeat">
+      <a:schemeClr val="dk1"/>
+    </dgm:txFillClrLst>
+    <dgm:txEffectClrLst/>
+  </dgm:styleLbl>
+  <dgm:styleLbl name="fgAccFollowNode1">
+    <dgm:fillClrLst meth="repeat">
+      <a:schemeClr val="accent1">
+        <a:alpha val="90000"/>
+        <a:tint val="40000"/>
+      </a:schemeClr>
+    </dgm:fillClrLst>
+    <dgm:linClrLst meth="repeat">
+      <a:schemeClr val="accent1">
+        <a:alpha val="90000"/>
+        <a:tint val="40000"/>
+      </a:schemeClr>
+    </dgm:linClrLst>
+    <dgm:effectClrLst/>
+    <dgm:txLinClrLst/>
+    <dgm:txFillClrLst meth="repeat">
+      <a:schemeClr val="dk1"/>
+    </dgm:txFillClrLst>
+    <dgm:txEffectClrLst/>
+  </dgm:styleLbl>
+  <dgm:styleLbl name="alignAccFollowNode1">
+    <dgm:fillClrLst meth="repeat">
+      <a:schemeClr val="accent1">
+        <a:alpha val="90000"/>
+        <a:tint val="40000"/>
+      </a:schemeClr>
+    </dgm:fillClrLst>
+    <dgm:linClrLst meth="repeat">
+      <a:schemeClr val="accent1">
+        <a:alpha val="90000"/>
+        <a:tint val="40000"/>
+      </a:schemeClr>
+    </dgm:linClrLst>
+    <dgm:effectClrLst/>
+    <dgm:txLinClrLst/>
+    <dgm:txFillClrLst meth="repeat">
+      <a:schemeClr val="dk1"/>
+    </dgm:txFillClrLst>
+    <dgm:txEffectClrLst/>
+  </dgm:styleLbl>
+  <dgm:styleLbl name="bgAccFollowNode1">
+    <dgm:fillClrLst meth="repeat">
+      <a:schemeClr val="accent1">
+        <a:alpha val="90000"/>
+        <a:tint val="40000"/>
+      </a:schemeClr>
+    </dgm:fillClrLst>
+    <dgm:linClrLst meth="repeat">
+      <a:schemeClr val="accent1">
+        <a:alpha val="90000"/>
+        <a:tint val="40000"/>
+      </a:schemeClr>
+    </dgm:linClrLst>
+    <dgm:effectClrLst/>
+    <dgm:txLinClrLst/>
+    <dgm:txFillClrLst meth="repeat">
+      <a:schemeClr val="dk1"/>
+    </dgm:txFillClrLst>
+    <dgm:txEffectClrLst/>
+  </dgm:styleLbl>
+  <dgm:styleLbl name="fgAcc0">
+    <dgm:fillClrLst meth="repeat">
+      <a:schemeClr val="lt1">
+        <a:alpha val="90000"/>
+      </a:schemeClr>
+    </dgm:fillClrLst>
+    <dgm:linClrLst meth="repeat">
+      <a:schemeClr val="accent1"/>
+    </dgm:linClrLst>
+    <dgm:effectClrLst/>
+    <dgm:txLinClrLst/>
+    <dgm:txFillClrLst meth="repeat">
+      <a:schemeClr val="dk1"/>
+    </dgm:txFillClrLst>
+    <dgm:txEffectClrLst/>
+  </dgm:styleLbl>
+  <dgm:styleLbl name="fgAcc2">
+    <dgm:fillClrLst meth="repeat">
+      <a:schemeClr val="lt1">
+        <a:alpha val="90000"/>
+      </a:schemeClr>
+    </dgm:fillClrLst>
+    <dgm:linClrLst meth="repeat">
+      <a:schemeClr val="accent1"/>
+    </dgm:linClrLst>
+    <dgm:effectClrLst/>
+    <dgm:txLinClrLst/>
+    <dgm:txFillClrLst meth="repeat">
+      <a:schemeClr val="dk1"/>
+    </dgm:txFillClrLst>
+    <dgm:txEffectClrLst/>
+  </dgm:styleLbl>
+  <dgm:styleLbl name="fgAcc3">
+    <dgm:fillClrLst meth="repeat">
+      <a:schemeClr val="lt1">
+        <a:alpha val="90000"/>
+      </a:schemeClr>
+    </dgm:fillClrLst>
+    <dgm:linClrLst meth="repeat">
+      <a:schemeClr val="accent1"/>
+    </dgm:linClrLst>
+    <dgm:effectClrLst/>
+    <dgm:txLinClrLst/>
+    <dgm:txFillClrLst meth="repeat">
+      <a:schemeClr val="dk1"/>
+    </dgm:txFillClrLst>
+    <dgm:txEffectClrLst/>
+  </dgm:styleLbl>
+  <dgm:styleLbl name="fgAcc4">
+    <dgm:fillClrLst meth="repeat">
+      <a:schemeClr val="lt1">
+        <a:alpha val="90000"/>
+      </a:schemeClr>
+    </dgm:fillClrLst>
+    <dgm:linClrLst meth="repeat">
+      <a:schemeClr val="accent1"/>
+    </dgm:linClrLst>
+    <dgm:effectClrLst/>
+    <dgm:txLinClrLst/>
+    <dgm:txFillClrLst meth="repeat">
+      <a:schemeClr val="dk1"/>
+    </dgm:txFillClrLst>
+    <dgm:txEffectClrLst/>
+  </dgm:styleLbl>
+  <dgm:styleLbl name="bgShp">
+    <dgm:fillClrLst meth="repeat">
+      <a:schemeClr val="accent1">
+        <a:tint val="40000"/>
+      </a:schemeClr>
+    </dgm:fillClrLst>
+    <dgm:linClrLst meth="repeat">
+      <a:schemeClr val="accent1"/>
+    </dgm:linClrLst>
+    <dgm:effectClrLst/>
+    <dgm:txLinClrLst/>
+    <dgm:txFillClrLst meth="repeat">
+      <a:schemeClr val="dk1"/>
+    </dgm:txFillClrLst>
+    <dgm:txEffectClrLst/>
+  </dgm:styleLbl>
+  <dgm:styleLbl name="dkBgShp">
+    <dgm:fillClrLst meth="repeat">
+      <a:schemeClr val="accent1">
+        <a:shade val="80000"/>
+      </a:schemeClr>
+    </dgm:fillClrLst>
+    <dgm:linClrLst meth="repeat">
+      <a:schemeClr val="accent1"/>
+    </dgm:linClrLst>
+    <dgm:effectClrLst/>
+    <dgm:txLinClrLst/>
+    <dgm:txFillClrLst meth="repeat">
+      <a:schemeClr val="lt1"/>
+    </dgm:txFillClrLst>
+    <dgm:txEffectClrLst/>
+  </dgm:styleLbl>
+  <dgm:styleLbl name="trBgShp">
+    <dgm:fillClrLst meth="repeat">
+      <a:schemeClr val="accent1">
+        <a:tint val="50000"/>
+        <a:alpha val="40000"/>
+      </a:schemeClr>
+    </dgm:fillClrLst>
+    <dgm:linClrLst meth="repeat">
+      <a:schemeClr val="accent1"/>
+    </dgm:linClrLst>
+    <dgm:effectClrLst/>
+    <dgm:txLinClrLst/>
+    <dgm:txFillClrLst meth="repeat">
+      <a:schemeClr val="lt1"/>
+    </dgm:txFillClrLst>
+    <dgm:txEffectClrLst/>
+  </dgm:styleLbl>
+  <dgm:styleLbl name="fgShp">
+    <dgm:fillClrLst meth="repeat">
+      <a:schemeClr val="accent1">
+        <a:tint val="60000"/>
+      </a:schemeClr>
+    </dgm:fillClrLst>
+    <dgm:linClrLst meth="repeat">
+      <a:schemeClr val="lt1"/>
+    </dgm:linClrLst>
+    <dgm:effectClrLst/>
+    <dgm:txLinClrLst/>
+    <dgm:txFillClrLst meth="repeat">
+      <a:schemeClr val="dk1"/>
+    </dgm:txFillClrLst>
+    <dgm:txEffectClrLst/>
+  </dgm:styleLbl>
+  <dgm:styleLbl name="revTx">
+    <dgm:fillClrLst meth="repeat">
+      <a:schemeClr val="lt1">
+        <a:alpha val="0"/>
+      </a:schemeClr>
+    </dgm:fillClrLst>
+    <dgm:linClrLst meth="repeat">
+      <a:schemeClr val="dk1">
+        <a:alpha val="0"/>
+      </a:schemeClr>
+    </dgm:linClrLst>
+    <dgm:effectClrLst/>
+    <dgm:txLinClrLst/>
+    <dgm:txFillClrLst meth="repeat">
+      <a:schemeClr val="tx1"/>
+    </dgm:txFillClrLst>
+    <dgm:txEffectClrLst/>
+  </dgm:styleLbl>
+</dgm:colorsDef>
+</file>
+
+<file path=ppt/diagrams/colors5.xml><?xml version="1.0" encoding="utf-8"?>
 <dgm:colorsDef xmlns:dgm="http://schemas.openxmlformats.org/drawingml/2006/diagram" xmlns:a="http://schemas.openxmlformats.org/drawingml/2006/main" uniqueId="urn:microsoft.com/office/officeart/2005/8/colors/accent1_2">
   <dgm:title val=""/>
   <dgm:desc val=""/>
@@ -3305,6 +4846,718 @@
     <dgm:cxn modelId="{5B9669D1-D05D-4A02-BF97-6E630C1B4B10}" srcId="{0F00EF19-60C3-46B4-A4CD-7D119C1BA512}" destId="{F87FCF17-536E-4D14-8F0E-67B377101832}" srcOrd="2" destOrd="0" parTransId="{5CF15917-9824-4787-A660-607002ADEAB2}" sibTransId="{95360F48-B064-4115-9989-C3BAB94B36EF}"/>
     <dgm:cxn modelId="{C30816BA-3B33-420A-9457-D0D24F8F2583}" type="presParOf" srcId="{003AEAB9-F4F7-4A56-B7A7-B3A19FA501D2}" destId="{5614F034-8AB8-4EBE-ACDD-D0A46DD7C079}" srcOrd="0" destOrd="0" presId="urn:microsoft.com/office/officeart/2005/8/layout/vList2"/>
     <dgm:cxn modelId="{02A9CE5F-4FBE-46F4-9675-A797724F13BA}" type="presParOf" srcId="{003AEAB9-F4F7-4A56-B7A7-B3A19FA501D2}" destId="{F668552C-9D35-4361-88EF-2C54D5020D2A}" srcOrd="1" destOrd="0" presId="urn:microsoft.com/office/officeart/2005/8/layout/vList2"/>
+  </dgm:cxnLst>
+  <dgm:bg/>
+  <dgm:whole/>
+  <dgm:extLst>
+    <a:ext uri="http://schemas.microsoft.com/office/drawing/2008/diagram">
+      <dsp:dataModelExt xmlns:dsp="http://schemas.microsoft.com/office/drawing/2008/diagram" relId="rId6" minVer="http://schemas.openxmlformats.org/drawingml/2006/diagram"/>
+    </a:ext>
+  </dgm:extLst>
+</dgm:dataModel>
+</file>
+
+<file path=ppt/diagrams/data4.xml><?xml version="1.0" encoding="utf-8"?>
+<dgm:dataModel xmlns:dgm="http://schemas.openxmlformats.org/drawingml/2006/diagram" xmlns:a="http://schemas.openxmlformats.org/drawingml/2006/main">
+  <dgm:ptLst>
+    <dgm:pt modelId="{98178139-093B-4885-9A8E-2F97EBF3C515}" type="doc">
+      <dgm:prSet loTypeId="urn:microsoft.com/office/officeart/2008/layout/PictureStrips" loCatId="list" qsTypeId="urn:microsoft.com/office/officeart/2005/8/quickstyle/simple1" qsCatId="simple" csTypeId="urn:microsoft.com/office/officeart/2005/8/colors/accent1_2" csCatId="accent1" phldr="1"/>
+      <dgm:spPr/>
+      <dgm:t>
+        <a:bodyPr/>
+        <a:lstStyle/>
+        <a:p>
+          <a:endParaRPr lang="de-DE"/>
+        </a:p>
+      </dgm:t>
+    </dgm:pt>
+    <dgm:pt modelId="{E6C9F924-505E-445F-A62B-9456AA9EBAB4}">
+      <dgm:prSet/>
+      <dgm:spPr/>
+      <dgm:t>
+        <a:bodyPr/>
+        <a:lstStyle/>
+        <a:p>
+          <a:r>
+            <a:rPr lang="de-DE" dirty="0"/>
+            <a:t>Pflege von Patienten</a:t>
+          </a:r>
+        </a:p>
+      </dgm:t>
+    </dgm:pt>
+    <dgm:pt modelId="{95369929-27A5-4A44-89C1-E4CF1CE95A85}" type="parTrans" cxnId="{9FEB34C9-65AB-439B-847D-25654703E194}">
+      <dgm:prSet/>
+      <dgm:spPr/>
+      <dgm:t>
+        <a:bodyPr/>
+        <a:lstStyle/>
+        <a:p>
+          <a:endParaRPr lang="de-DE"/>
+        </a:p>
+      </dgm:t>
+    </dgm:pt>
+    <dgm:pt modelId="{61A2D47E-25AE-4E53-811E-7A8EFA244B0D}" type="sibTrans" cxnId="{9FEB34C9-65AB-439B-847D-25654703E194}">
+      <dgm:prSet/>
+      <dgm:spPr/>
+      <dgm:t>
+        <a:bodyPr/>
+        <a:lstStyle/>
+        <a:p>
+          <a:endParaRPr lang="de-DE"/>
+        </a:p>
+      </dgm:t>
+    </dgm:pt>
+    <dgm:pt modelId="{1BB0C428-A73A-4513-B171-5043A833A4FE}">
+      <dgm:prSet/>
+      <dgm:spPr/>
+      <dgm:t>
+        <a:bodyPr/>
+        <a:lstStyle/>
+        <a:p>
+          <a:r>
+            <a:rPr lang="de-DE" dirty="0"/>
+            <a:t>Unabhängigkeit der Patienten</a:t>
+          </a:r>
+        </a:p>
+      </dgm:t>
+    </dgm:pt>
+    <dgm:pt modelId="{2654D6E3-785B-4F64-AA5C-9839F09567B5}" type="parTrans" cxnId="{8213BB20-4F12-4551-9508-9613A1564FFD}">
+      <dgm:prSet/>
+      <dgm:spPr/>
+      <dgm:t>
+        <a:bodyPr/>
+        <a:lstStyle/>
+        <a:p>
+          <a:endParaRPr lang="de-DE"/>
+        </a:p>
+      </dgm:t>
+    </dgm:pt>
+    <dgm:pt modelId="{C7FA1AF3-B5D7-46AC-9151-E974A10F3232}" type="sibTrans" cxnId="{8213BB20-4F12-4551-9508-9613A1564FFD}">
+      <dgm:prSet/>
+      <dgm:spPr/>
+      <dgm:t>
+        <a:bodyPr/>
+        <a:lstStyle/>
+        <a:p>
+          <a:endParaRPr lang="de-DE"/>
+        </a:p>
+      </dgm:t>
+    </dgm:pt>
+    <dgm:pt modelId="{F5539D45-2927-4F59-9113-F505DB212276}">
+      <dgm:prSet/>
+      <dgm:spPr/>
+      <dgm:t>
+        <a:bodyPr/>
+        <a:lstStyle/>
+        <a:p>
+          <a:r>
+            <a:rPr lang="de-DE" dirty="0"/>
+            <a:t>Mobilitätshilfe</a:t>
+          </a:r>
+        </a:p>
+      </dgm:t>
+    </dgm:pt>
+    <dgm:pt modelId="{C4D0F55C-5D72-448A-A51B-6049E2F1CBAB}" type="parTrans" cxnId="{9D42423F-652F-43F7-B490-2679A567AD93}">
+      <dgm:prSet/>
+      <dgm:spPr/>
+      <dgm:t>
+        <a:bodyPr/>
+        <a:lstStyle/>
+        <a:p>
+          <a:endParaRPr lang="de-DE"/>
+        </a:p>
+      </dgm:t>
+    </dgm:pt>
+    <dgm:pt modelId="{0C2309E3-E7DB-40CB-A9B6-406F54312C1D}" type="sibTrans" cxnId="{9D42423F-652F-43F7-B490-2679A567AD93}">
+      <dgm:prSet/>
+      <dgm:spPr/>
+      <dgm:t>
+        <a:bodyPr/>
+        <a:lstStyle/>
+        <a:p>
+          <a:endParaRPr lang="de-DE"/>
+        </a:p>
+      </dgm:t>
+    </dgm:pt>
+    <dgm:pt modelId="{882E1440-09D9-4A94-A05D-48D579947211}">
+      <dgm:prSet/>
+      <dgm:spPr/>
+      <dgm:t>
+        <a:bodyPr/>
+        <a:lstStyle/>
+        <a:p>
+          <a:r>
+            <a:rPr lang="de-DE" dirty="0"/>
+            <a:t>Haushaltshilfe (z.B. Bodenreinigung)</a:t>
+          </a:r>
+        </a:p>
+      </dgm:t>
+    </dgm:pt>
+    <dgm:pt modelId="{5C29F4BE-1FED-4380-9835-1B347A4164B6}" type="parTrans" cxnId="{72D76684-348F-4887-8637-54F2FA570602}">
+      <dgm:prSet/>
+      <dgm:spPr/>
+      <dgm:t>
+        <a:bodyPr/>
+        <a:lstStyle/>
+        <a:p>
+          <a:endParaRPr lang="de-DE"/>
+        </a:p>
+      </dgm:t>
+    </dgm:pt>
+    <dgm:pt modelId="{60F9DB66-33A3-452E-B54C-A5A99E952848}" type="sibTrans" cxnId="{72D76684-348F-4887-8637-54F2FA570602}">
+      <dgm:prSet/>
+      <dgm:spPr/>
+      <dgm:t>
+        <a:bodyPr/>
+        <a:lstStyle/>
+        <a:p>
+          <a:endParaRPr lang="de-DE"/>
+        </a:p>
+      </dgm:t>
+    </dgm:pt>
+    <dgm:pt modelId="{830AC063-D972-4AFE-BCDA-9B26E23F3F2B}">
+      <dgm:prSet/>
+      <dgm:spPr/>
+      <dgm:t>
+        <a:bodyPr/>
+        <a:lstStyle/>
+        <a:p>
+          <a:r>
+            <a:rPr lang="de-DE" dirty="0"/>
+            <a:t>Navigationshilfe</a:t>
+          </a:r>
+        </a:p>
+      </dgm:t>
+    </dgm:pt>
+    <dgm:pt modelId="{C7F74A85-9FE6-48CF-BD30-E6F2AB00BF98}" type="parTrans" cxnId="{CF9CD9DD-DD00-435B-B683-0959633D8366}">
+      <dgm:prSet/>
+      <dgm:spPr/>
+      <dgm:t>
+        <a:bodyPr/>
+        <a:lstStyle/>
+        <a:p>
+          <a:endParaRPr lang="de-DE"/>
+        </a:p>
+      </dgm:t>
+    </dgm:pt>
+    <dgm:pt modelId="{BD992315-6E17-4C22-8CEC-3D8BFF4EC0A1}" type="sibTrans" cxnId="{CF9CD9DD-DD00-435B-B683-0959633D8366}">
+      <dgm:prSet/>
+      <dgm:spPr/>
+      <dgm:t>
+        <a:bodyPr/>
+        <a:lstStyle/>
+        <a:p>
+          <a:endParaRPr lang="de-DE"/>
+        </a:p>
+      </dgm:t>
+    </dgm:pt>
+    <dgm:pt modelId="{8B37E1F5-058F-4531-9CBF-F44E5007C3A5}" type="pres">
+      <dgm:prSet presAssocID="{98178139-093B-4885-9A8E-2F97EBF3C515}" presName="Name0" presStyleCnt="0">
+        <dgm:presLayoutVars>
+          <dgm:dir/>
+          <dgm:resizeHandles val="exact"/>
+        </dgm:presLayoutVars>
+      </dgm:prSet>
+      <dgm:spPr/>
+    </dgm:pt>
+    <dgm:pt modelId="{027C31CF-F6EC-4209-958F-89B26267F181}" type="pres">
+      <dgm:prSet presAssocID="{E6C9F924-505E-445F-A62B-9456AA9EBAB4}" presName="composite" presStyleCnt="0"/>
+      <dgm:spPr/>
+    </dgm:pt>
+    <dgm:pt modelId="{05C356D0-36E1-410B-91CD-E7A1B403FF43}" type="pres">
+      <dgm:prSet presAssocID="{E6C9F924-505E-445F-A62B-9456AA9EBAB4}" presName="rect1" presStyleLbl="trAlignAcc1" presStyleIdx="0" presStyleCnt="5">
+        <dgm:presLayoutVars>
+          <dgm:bulletEnabled val="1"/>
+        </dgm:presLayoutVars>
+      </dgm:prSet>
+      <dgm:spPr/>
+    </dgm:pt>
+    <dgm:pt modelId="{D84607BC-A35A-41DD-AD7A-0C6168BE3248}" type="pres">
+      <dgm:prSet presAssocID="{E6C9F924-505E-445F-A62B-9456AA9EBAB4}" presName="rect2" presStyleLbl="fgImgPlace1" presStyleIdx="0" presStyleCnt="5"/>
+      <dgm:spPr>
+        <a:blipFill>
+          <a:blip xmlns:r="http://schemas.openxmlformats.org/officeDocument/2006/relationships" r:embed="rId1" cstate="print">
+            <a:extLst>
+              <a:ext uri="{28A0092B-C50C-407E-A947-70E740481C1C}">
+                <a14:useLocalDpi xmlns:a14="http://schemas.microsoft.com/office/drawing/2010/main" val="0"/>
+              </a:ext>
+            </a:extLst>
+          </a:blip>
+          <a:srcRect/>
+          <a:stretch>
+            <a:fillRect l="-25000" r="-25000"/>
+          </a:stretch>
+        </a:blipFill>
+      </dgm:spPr>
+    </dgm:pt>
+    <dgm:pt modelId="{C126AAC2-0A9A-42DE-A300-C633B9A6C6CC}" type="pres">
+      <dgm:prSet presAssocID="{61A2D47E-25AE-4E53-811E-7A8EFA244B0D}" presName="sibTrans" presStyleCnt="0"/>
+      <dgm:spPr/>
+    </dgm:pt>
+    <dgm:pt modelId="{D007DED9-B59A-4FEF-A00B-9AD54421D583}" type="pres">
+      <dgm:prSet presAssocID="{1BB0C428-A73A-4513-B171-5043A833A4FE}" presName="composite" presStyleCnt="0"/>
+      <dgm:spPr/>
+    </dgm:pt>
+    <dgm:pt modelId="{D220D71F-33CA-45EE-8094-08C7D00F5A61}" type="pres">
+      <dgm:prSet presAssocID="{1BB0C428-A73A-4513-B171-5043A833A4FE}" presName="rect1" presStyleLbl="trAlignAcc1" presStyleIdx="1" presStyleCnt="5">
+        <dgm:presLayoutVars>
+          <dgm:bulletEnabled val="1"/>
+        </dgm:presLayoutVars>
+      </dgm:prSet>
+      <dgm:spPr/>
+    </dgm:pt>
+    <dgm:pt modelId="{A20CF708-D7F0-4367-813D-BAC15C29E67B}" type="pres">
+      <dgm:prSet presAssocID="{1BB0C428-A73A-4513-B171-5043A833A4FE}" presName="rect2" presStyleLbl="fgImgPlace1" presStyleIdx="1" presStyleCnt="5" custLinFactNeighborX="969" custLinFactNeighborY="-2189"/>
+      <dgm:spPr>
+        <a:blipFill>
+          <a:blip xmlns:r="http://schemas.openxmlformats.org/officeDocument/2006/relationships" r:embed="rId2" cstate="print">
+            <a:extLst>
+              <a:ext uri="{28A0092B-C50C-407E-A947-70E740481C1C}">
+                <a14:useLocalDpi xmlns:a14="http://schemas.microsoft.com/office/drawing/2010/main" val="0"/>
+              </a:ext>
+            </a:extLst>
+          </a:blip>
+          <a:srcRect/>
+          <a:stretch>
+            <a:fillRect l="-42000" r="-42000"/>
+          </a:stretch>
+        </a:blipFill>
+      </dgm:spPr>
+    </dgm:pt>
+    <dgm:pt modelId="{A63CEF9D-1785-41B3-8EF1-1ED32A244F7B}" type="pres">
+      <dgm:prSet presAssocID="{C7FA1AF3-B5D7-46AC-9151-E974A10F3232}" presName="sibTrans" presStyleCnt="0"/>
+      <dgm:spPr/>
+    </dgm:pt>
+    <dgm:pt modelId="{9CE4569E-4495-475A-AE06-12407A1A60F0}" type="pres">
+      <dgm:prSet presAssocID="{F5539D45-2927-4F59-9113-F505DB212276}" presName="composite" presStyleCnt="0"/>
+      <dgm:spPr/>
+    </dgm:pt>
+    <dgm:pt modelId="{01D90C9B-D089-432E-BBE6-063A096D1590}" type="pres">
+      <dgm:prSet presAssocID="{F5539D45-2927-4F59-9113-F505DB212276}" presName="rect1" presStyleLbl="trAlignAcc1" presStyleIdx="2" presStyleCnt="5">
+        <dgm:presLayoutVars>
+          <dgm:bulletEnabled val="1"/>
+        </dgm:presLayoutVars>
+      </dgm:prSet>
+      <dgm:spPr/>
+    </dgm:pt>
+    <dgm:pt modelId="{CFDE84F1-C7B8-4744-96BD-6B7D357642CC}" type="pres">
+      <dgm:prSet presAssocID="{F5539D45-2927-4F59-9113-F505DB212276}" presName="rect2" presStyleLbl="fgImgPlace1" presStyleIdx="2" presStyleCnt="5"/>
+      <dgm:spPr>
+        <a:blipFill>
+          <a:blip xmlns:r="http://schemas.openxmlformats.org/officeDocument/2006/relationships" r:embed="rId3">
+            <a:extLst>
+              <a:ext uri="{28A0092B-C50C-407E-A947-70E740481C1C}">
+                <a14:useLocalDpi xmlns:a14="http://schemas.microsoft.com/office/drawing/2010/main" val="0"/>
+              </a:ext>
+            </a:extLst>
+          </a:blip>
+          <a:srcRect/>
+          <a:stretch>
+            <a:fillRect l="-63000" r="-63000"/>
+          </a:stretch>
+        </a:blipFill>
+      </dgm:spPr>
+    </dgm:pt>
+    <dgm:pt modelId="{96BBF0E5-0091-4327-AE3B-5E918F4AC35D}" type="pres">
+      <dgm:prSet presAssocID="{0C2309E3-E7DB-40CB-A9B6-406F54312C1D}" presName="sibTrans" presStyleCnt="0"/>
+      <dgm:spPr/>
+    </dgm:pt>
+    <dgm:pt modelId="{2BE60769-D80D-4A88-8683-BD63A8A0BF30}" type="pres">
+      <dgm:prSet presAssocID="{830AC063-D972-4AFE-BCDA-9B26E23F3F2B}" presName="composite" presStyleCnt="0"/>
+      <dgm:spPr/>
+    </dgm:pt>
+    <dgm:pt modelId="{EDF71F60-9264-453C-A7EA-E5538C33B341}" type="pres">
+      <dgm:prSet presAssocID="{830AC063-D972-4AFE-BCDA-9B26E23F3F2B}" presName="rect1" presStyleLbl="trAlignAcc1" presStyleIdx="3" presStyleCnt="5">
+        <dgm:presLayoutVars>
+          <dgm:bulletEnabled val="1"/>
+        </dgm:presLayoutVars>
+      </dgm:prSet>
+      <dgm:spPr/>
+    </dgm:pt>
+    <dgm:pt modelId="{C2BAA2A9-D58C-4390-8DE3-92B73925D193}" type="pres">
+      <dgm:prSet presAssocID="{830AC063-D972-4AFE-BCDA-9B26E23F3F2B}" presName="rect2" presStyleLbl="fgImgPlace1" presStyleIdx="3" presStyleCnt="5"/>
+      <dgm:spPr>
+        <a:blipFill>
+          <a:blip xmlns:r="http://schemas.openxmlformats.org/officeDocument/2006/relationships" r:embed="rId4" cstate="print">
+            <a:extLst>
+              <a:ext uri="{28A0092B-C50C-407E-A947-70E740481C1C}">
+                <a14:useLocalDpi xmlns:a14="http://schemas.microsoft.com/office/drawing/2010/main" val="0"/>
+              </a:ext>
+              <a:ext uri="{837473B0-CC2E-450A-ABE3-18F120FF3D39}">
+                <a1611:picAttrSrcUrl xmlns:a1611="http://schemas.microsoft.com/office/drawing/2016/11/main" r:id="rId5"/>
+              </a:ext>
+            </a:extLst>
+          </a:blip>
+          <a:srcRect/>
+          <a:stretch>
+            <a:fillRect l="-35000" r="-35000"/>
+          </a:stretch>
+        </a:blipFill>
+      </dgm:spPr>
+    </dgm:pt>
+    <dgm:pt modelId="{3E676089-7F08-4A95-8452-A26343A04DE6}" type="pres">
+      <dgm:prSet presAssocID="{BD992315-6E17-4C22-8CEC-3D8BFF4EC0A1}" presName="sibTrans" presStyleCnt="0"/>
+      <dgm:spPr/>
+    </dgm:pt>
+    <dgm:pt modelId="{44D736EB-48B2-4765-BE40-3A5E0DB01F6E}" type="pres">
+      <dgm:prSet presAssocID="{882E1440-09D9-4A94-A05D-48D579947211}" presName="composite" presStyleCnt="0"/>
+      <dgm:spPr/>
+    </dgm:pt>
+    <dgm:pt modelId="{0C89D51E-9C45-4F1B-BE61-57A326E6EF65}" type="pres">
+      <dgm:prSet presAssocID="{882E1440-09D9-4A94-A05D-48D579947211}" presName="rect1" presStyleLbl="trAlignAcc1" presStyleIdx="4" presStyleCnt="5">
+        <dgm:presLayoutVars>
+          <dgm:bulletEnabled val="1"/>
+        </dgm:presLayoutVars>
+      </dgm:prSet>
+      <dgm:spPr/>
+    </dgm:pt>
+    <dgm:pt modelId="{FCADE709-3E49-45E6-A8FC-E6F3B094A439}" type="pres">
+      <dgm:prSet presAssocID="{882E1440-09D9-4A94-A05D-48D579947211}" presName="rect2" presStyleLbl="fgImgPlace1" presStyleIdx="4" presStyleCnt="5"/>
+      <dgm:spPr>
+        <a:blipFill>
+          <a:blip xmlns:r="http://schemas.openxmlformats.org/officeDocument/2006/relationships" r:embed="rId6" cstate="print">
+            <a:extLst>
+              <a:ext uri="{28A0092B-C50C-407E-A947-70E740481C1C}">
+                <a14:useLocalDpi xmlns:a14="http://schemas.microsoft.com/office/drawing/2010/main" val="0"/>
+              </a:ext>
+            </a:extLst>
+          </a:blip>
+          <a:srcRect/>
+          <a:stretch>
+            <a:fillRect l="-83000" r="-83000"/>
+          </a:stretch>
+        </a:blipFill>
+      </dgm:spPr>
+    </dgm:pt>
+  </dgm:ptLst>
+  <dgm:cxnLst>
+    <dgm:cxn modelId="{8213BB20-4F12-4551-9508-9613A1564FFD}" srcId="{98178139-093B-4885-9A8E-2F97EBF3C515}" destId="{1BB0C428-A73A-4513-B171-5043A833A4FE}" srcOrd="1" destOrd="0" parTransId="{2654D6E3-785B-4F64-AA5C-9839F09567B5}" sibTransId="{C7FA1AF3-B5D7-46AC-9151-E974A10F3232}"/>
+    <dgm:cxn modelId="{F1CFDA2E-D18A-4116-8612-4550C0998EB8}" type="presOf" srcId="{830AC063-D972-4AFE-BCDA-9B26E23F3F2B}" destId="{EDF71F60-9264-453C-A7EA-E5538C33B341}" srcOrd="0" destOrd="0" presId="urn:microsoft.com/office/officeart/2008/layout/PictureStrips"/>
+    <dgm:cxn modelId="{9D42423F-652F-43F7-B490-2679A567AD93}" srcId="{98178139-093B-4885-9A8E-2F97EBF3C515}" destId="{F5539D45-2927-4F59-9113-F505DB212276}" srcOrd="2" destOrd="0" parTransId="{C4D0F55C-5D72-448A-A51B-6049E2F1CBAB}" sibTransId="{0C2309E3-E7DB-40CB-A9B6-406F54312C1D}"/>
+    <dgm:cxn modelId="{72D76684-348F-4887-8637-54F2FA570602}" srcId="{98178139-093B-4885-9A8E-2F97EBF3C515}" destId="{882E1440-09D9-4A94-A05D-48D579947211}" srcOrd="4" destOrd="0" parTransId="{5C29F4BE-1FED-4380-9835-1B347A4164B6}" sibTransId="{60F9DB66-33A3-452E-B54C-A5A99E952848}"/>
+    <dgm:cxn modelId="{F7EFB685-59D9-44E3-AFAC-61637137C43A}" type="presOf" srcId="{98178139-093B-4885-9A8E-2F97EBF3C515}" destId="{8B37E1F5-058F-4531-9CBF-F44E5007C3A5}" srcOrd="0" destOrd="0" presId="urn:microsoft.com/office/officeart/2008/layout/PictureStrips"/>
+    <dgm:cxn modelId="{BD5B1DB9-4F58-4E0D-9B4E-A8556B5C94B2}" type="presOf" srcId="{E6C9F924-505E-445F-A62B-9456AA9EBAB4}" destId="{05C356D0-36E1-410B-91CD-E7A1B403FF43}" srcOrd="0" destOrd="0" presId="urn:microsoft.com/office/officeart/2008/layout/PictureStrips"/>
+    <dgm:cxn modelId="{00479DBF-88BD-4FF5-9FAC-FAA6D5FE0915}" type="presOf" srcId="{882E1440-09D9-4A94-A05D-48D579947211}" destId="{0C89D51E-9C45-4F1B-BE61-57A326E6EF65}" srcOrd="0" destOrd="0" presId="urn:microsoft.com/office/officeart/2008/layout/PictureStrips"/>
+    <dgm:cxn modelId="{9FEB34C9-65AB-439B-847D-25654703E194}" srcId="{98178139-093B-4885-9A8E-2F97EBF3C515}" destId="{E6C9F924-505E-445F-A62B-9456AA9EBAB4}" srcOrd="0" destOrd="0" parTransId="{95369929-27A5-4A44-89C1-E4CF1CE95A85}" sibTransId="{61A2D47E-25AE-4E53-811E-7A8EFA244B0D}"/>
+    <dgm:cxn modelId="{FC628DDD-536D-4F6B-8E3A-8954A500B259}" type="presOf" srcId="{1BB0C428-A73A-4513-B171-5043A833A4FE}" destId="{D220D71F-33CA-45EE-8094-08C7D00F5A61}" srcOrd="0" destOrd="0" presId="urn:microsoft.com/office/officeart/2008/layout/PictureStrips"/>
+    <dgm:cxn modelId="{CF9CD9DD-DD00-435B-B683-0959633D8366}" srcId="{98178139-093B-4885-9A8E-2F97EBF3C515}" destId="{830AC063-D972-4AFE-BCDA-9B26E23F3F2B}" srcOrd="3" destOrd="0" parTransId="{C7F74A85-9FE6-48CF-BD30-E6F2AB00BF98}" sibTransId="{BD992315-6E17-4C22-8CEC-3D8BFF4EC0A1}"/>
+    <dgm:cxn modelId="{A834AAF0-3315-4F38-8B83-89D7F0994CD9}" type="presOf" srcId="{F5539D45-2927-4F59-9113-F505DB212276}" destId="{01D90C9B-D089-432E-BBE6-063A096D1590}" srcOrd="0" destOrd="0" presId="urn:microsoft.com/office/officeart/2008/layout/PictureStrips"/>
+    <dgm:cxn modelId="{1B68C581-917C-4B83-8E79-7ABECBA0A5C6}" type="presParOf" srcId="{8B37E1F5-058F-4531-9CBF-F44E5007C3A5}" destId="{027C31CF-F6EC-4209-958F-89B26267F181}" srcOrd="0" destOrd="0" presId="urn:microsoft.com/office/officeart/2008/layout/PictureStrips"/>
+    <dgm:cxn modelId="{6E326B9F-781F-4EC6-8A11-5D45B802889F}" type="presParOf" srcId="{027C31CF-F6EC-4209-958F-89B26267F181}" destId="{05C356D0-36E1-410B-91CD-E7A1B403FF43}" srcOrd="0" destOrd="0" presId="urn:microsoft.com/office/officeart/2008/layout/PictureStrips"/>
+    <dgm:cxn modelId="{E7CD5EDA-BF60-42FA-8829-176937BE7786}" type="presParOf" srcId="{027C31CF-F6EC-4209-958F-89B26267F181}" destId="{D84607BC-A35A-41DD-AD7A-0C6168BE3248}" srcOrd="1" destOrd="0" presId="urn:microsoft.com/office/officeart/2008/layout/PictureStrips"/>
+    <dgm:cxn modelId="{4D22F9AF-777B-41FA-9F75-D09D746EC505}" type="presParOf" srcId="{8B37E1F5-058F-4531-9CBF-F44E5007C3A5}" destId="{C126AAC2-0A9A-42DE-A300-C633B9A6C6CC}" srcOrd="1" destOrd="0" presId="urn:microsoft.com/office/officeart/2008/layout/PictureStrips"/>
+    <dgm:cxn modelId="{3A716271-2015-4006-BF78-75ECAB7FF391}" type="presParOf" srcId="{8B37E1F5-058F-4531-9CBF-F44E5007C3A5}" destId="{D007DED9-B59A-4FEF-A00B-9AD54421D583}" srcOrd="2" destOrd="0" presId="urn:microsoft.com/office/officeart/2008/layout/PictureStrips"/>
+    <dgm:cxn modelId="{59F98AF5-D81B-49D3-9B90-0F228B93F71E}" type="presParOf" srcId="{D007DED9-B59A-4FEF-A00B-9AD54421D583}" destId="{D220D71F-33CA-45EE-8094-08C7D00F5A61}" srcOrd="0" destOrd="0" presId="urn:microsoft.com/office/officeart/2008/layout/PictureStrips"/>
+    <dgm:cxn modelId="{064179D5-F1BB-4836-9A61-2BCCB73D9C91}" type="presParOf" srcId="{D007DED9-B59A-4FEF-A00B-9AD54421D583}" destId="{A20CF708-D7F0-4367-813D-BAC15C29E67B}" srcOrd="1" destOrd="0" presId="urn:microsoft.com/office/officeart/2008/layout/PictureStrips"/>
+    <dgm:cxn modelId="{A1F3DA4A-1A1A-4419-BF58-83B03F061F66}" type="presParOf" srcId="{8B37E1F5-058F-4531-9CBF-F44E5007C3A5}" destId="{A63CEF9D-1785-41B3-8EF1-1ED32A244F7B}" srcOrd="3" destOrd="0" presId="urn:microsoft.com/office/officeart/2008/layout/PictureStrips"/>
+    <dgm:cxn modelId="{D375A724-1039-4506-9DB7-CF7FC3D92C70}" type="presParOf" srcId="{8B37E1F5-058F-4531-9CBF-F44E5007C3A5}" destId="{9CE4569E-4495-475A-AE06-12407A1A60F0}" srcOrd="4" destOrd="0" presId="urn:microsoft.com/office/officeart/2008/layout/PictureStrips"/>
+    <dgm:cxn modelId="{28BDE55B-7A39-4786-A7F7-27D7C6E8CCD4}" type="presParOf" srcId="{9CE4569E-4495-475A-AE06-12407A1A60F0}" destId="{01D90C9B-D089-432E-BBE6-063A096D1590}" srcOrd="0" destOrd="0" presId="urn:microsoft.com/office/officeart/2008/layout/PictureStrips"/>
+    <dgm:cxn modelId="{4755D48C-9556-4D86-9AD8-3CA87CF034D6}" type="presParOf" srcId="{9CE4569E-4495-475A-AE06-12407A1A60F0}" destId="{CFDE84F1-C7B8-4744-96BD-6B7D357642CC}" srcOrd="1" destOrd="0" presId="urn:microsoft.com/office/officeart/2008/layout/PictureStrips"/>
+    <dgm:cxn modelId="{0629F8EF-DF6F-4566-B52E-BFF730B942ED}" type="presParOf" srcId="{8B37E1F5-058F-4531-9CBF-F44E5007C3A5}" destId="{96BBF0E5-0091-4327-AE3B-5E918F4AC35D}" srcOrd="5" destOrd="0" presId="urn:microsoft.com/office/officeart/2008/layout/PictureStrips"/>
+    <dgm:cxn modelId="{4B090CC8-A85D-4E11-B275-18DE74469014}" type="presParOf" srcId="{8B37E1F5-058F-4531-9CBF-F44E5007C3A5}" destId="{2BE60769-D80D-4A88-8683-BD63A8A0BF30}" srcOrd="6" destOrd="0" presId="urn:microsoft.com/office/officeart/2008/layout/PictureStrips"/>
+    <dgm:cxn modelId="{5053A949-F0CB-4C2D-8383-D47774DFBC86}" type="presParOf" srcId="{2BE60769-D80D-4A88-8683-BD63A8A0BF30}" destId="{EDF71F60-9264-453C-A7EA-E5538C33B341}" srcOrd="0" destOrd="0" presId="urn:microsoft.com/office/officeart/2008/layout/PictureStrips"/>
+    <dgm:cxn modelId="{FD12D8EE-7309-4A31-AFC9-7C2A2E87FE2F}" type="presParOf" srcId="{2BE60769-D80D-4A88-8683-BD63A8A0BF30}" destId="{C2BAA2A9-D58C-4390-8DE3-92B73925D193}" srcOrd="1" destOrd="0" presId="urn:microsoft.com/office/officeart/2008/layout/PictureStrips"/>
+    <dgm:cxn modelId="{8C05611A-06C3-4734-BBA8-40193F110D9F}" type="presParOf" srcId="{8B37E1F5-058F-4531-9CBF-F44E5007C3A5}" destId="{3E676089-7F08-4A95-8452-A26343A04DE6}" srcOrd="7" destOrd="0" presId="urn:microsoft.com/office/officeart/2008/layout/PictureStrips"/>
+    <dgm:cxn modelId="{397DC85E-DDCC-47D5-8509-2F00C2DCF4EA}" type="presParOf" srcId="{8B37E1F5-058F-4531-9CBF-F44E5007C3A5}" destId="{44D736EB-48B2-4765-BE40-3A5E0DB01F6E}" srcOrd="8" destOrd="0" presId="urn:microsoft.com/office/officeart/2008/layout/PictureStrips"/>
+    <dgm:cxn modelId="{250C14B3-D0DB-4063-91AC-6ED807A8447B}" type="presParOf" srcId="{44D736EB-48B2-4765-BE40-3A5E0DB01F6E}" destId="{0C89D51E-9C45-4F1B-BE61-57A326E6EF65}" srcOrd="0" destOrd="0" presId="urn:microsoft.com/office/officeart/2008/layout/PictureStrips"/>
+    <dgm:cxn modelId="{A80D9C95-F93A-4D69-AEAC-3D49CD578F87}" type="presParOf" srcId="{44D736EB-48B2-4765-BE40-3A5E0DB01F6E}" destId="{FCADE709-3E49-45E6-A8FC-E6F3B094A439}" srcOrd="1" destOrd="0" presId="urn:microsoft.com/office/officeart/2008/layout/PictureStrips"/>
+  </dgm:cxnLst>
+  <dgm:bg/>
+  <dgm:whole/>
+  <dgm:extLst>
+    <a:ext uri="http://schemas.microsoft.com/office/drawing/2008/diagram">
+      <dsp:dataModelExt xmlns:dsp="http://schemas.microsoft.com/office/drawing/2008/diagram" relId="rId6" minVer="http://schemas.openxmlformats.org/drawingml/2006/diagram"/>
+    </a:ext>
+  </dgm:extLst>
+</dgm:dataModel>
+</file>
+
+<file path=ppt/diagrams/data5.xml><?xml version="1.0" encoding="utf-8"?>
+<dgm:dataModel xmlns:dgm="http://schemas.openxmlformats.org/drawingml/2006/diagram" xmlns:a="http://schemas.openxmlformats.org/drawingml/2006/main">
+  <dgm:ptLst>
+    <dgm:pt modelId="{8772810B-62F4-49D6-9690-3F1834164A09}" type="doc">
+      <dgm:prSet loTypeId="urn:microsoft.com/office/officeart/2005/8/layout/vList2" loCatId="list" qsTypeId="urn:microsoft.com/office/officeart/2005/8/quickstyle/simple1" qsCatId="simple" csTypeId="urn:microsoft.com/office/officeart/2005/8/colors/accent1_2" csCatId="accent1" phldr="1"/>
+      <dgm:spPr/>
+      <dgm:t>
+        <a:bodyPr/>
+        <a:lstStyle/>
+        <a:p>
+          <a:endParaRPr lang="de-DE"/>
+        </a:p>
+      </dgm:t>
+    </dgm:pt>
+    <dgm:pt modelId="{DFFC3C7D-F5EA-4A44-ACA4-2D8C9B2521D7}">
+      <dgm:prSet/>
+      <dgm:spPr/>
+      <dgm:t>
+        <a:bodyPr/>
+        <a:lstStyle/>
+        <a:p>
+          <a:r>
+            <a:rPr lang="de-DE" dirty="0"/>
+            <a:t>Steuerung des Roboters mit natürlicher Sprache</a:t>
+          </a:r>
+        </a:p>
+      </dgm:t>
+    </dgm:pt>
+    <dgm:pt modelId="{00351BF8-A3F3-471A-983E-3EEAEB40F7D7}" type="parTrans" cxnId="{4BE5E230-62CF-4046-958F-4FE5B6EB72C3}">
+      <dgm:prSet/>
+      <dgm:spPr/>
+      <dgm:t>
+        <a:bodyPr/>
+        <a:lstStyle/>
+        <a:p>
+          <a:endParaRPr lang="de-DE"/>
+        </a:p>
+      </dgm:t>
+    </dgm:pt>
+    <dgm:pt modelId="{0701BFF3-2052-4A14-9181-9C26FB99D927}" type="sibTrans" cxnId="{4BE5E230-62CF-4046-958F-4FE5B6EB72C3}">
+      <dgm:prSet/>
+      <dgm:spPr/>
+      <dgm:t>
+        <a:bodyPr/>
+        <a:lstStyle/>
+        <a:p>
+          <a:endParaRPr lang="de-DE"/>
+        </a:p>
+      </dgm:t>
+    </dgm:pt>
+    <dgm:pt modelId="{B8F56BA3-87FA-41A3-98E2-DAF4EBFE6EFB}">
+      <dgm:prSet/>
+      <dgm:spPr/>
+      <dgm:t>
+        <a:bodyPr/>
+        <a:lstStyle/>
+        <a:p>
+          <a:r>
+            <a:rPr lang="de-DE" dirty="0"/>
+            <a:t>Bedienung ohne Vorwissen</a:t>
+          </a:r>
+        </a:p>
+      </dgm:t>
+    </dgm:pt>
+    <dgm:pt modelId="{2B33692B-0F01-4CA5-BF7B-ADB4136BB069}" type="parTrans" cxnId="{93D4EB95-03BB-4D39-A7F7-DF6468D0F90B}">
+      <dgm:prSet/>
+      <dgm:spPr/>
+      <dgm:t>
+        <a:bodyPr/>
+        <a:lstStyle/>
+        <a:p>
+          <a:endParaRPr lang="de-DE"/>
+        </a:p>
+      </dgm:t>
+    </dgm:pt>
+    <dgm:pt modelId="{26E25DB2-E33B-4BC7-9FB7-7D7F514FCCCD}" type="sibTrans" cxnId="{93D4EB95-03BB-4D39-A7F7-DF6468D0F90B}">
+      <dgm:prSet/>
+      <dgm:spPr/>
+      <dgm:t>
+        <a:bodyPr/>
+        <a:lstStyle/>
+        <a:p>
+          <a:endParaRPr lang="de-DE"/>
+        </a:p>
+      </dgm:t>
+    </dgm:pt>
+    <dgm:pt modelId="{C53D7F14-AFC0-466A-8428-ED83EF507C66}">
+      <dgm:prSet/>
+      <dgm:spPr/>
+      <dgm:t>
+        <a:bodyPr/>
+        <a:lstStyle/>
+        <a:p>
+          <a:r>
+            <a:rPr lang="de-DE" dirty="0"/>
+            <a:t>möglichst freie Wortwahl für Befehle</a:t>
+          </a:r>
+        </a:p>
+      </dgm:t>
+    </dgm:pt>
+    <dgm:pt modelId="{D82548CA-CB51-430F-A6AE-32DBC9CDB2D3}" type="parTrans" cxnId="{2ABF14EE-0F90-4883-B335-97AE3BAF102B}">
+      <dgm:prSet/>
+      <dgm:spPr/>
+      <dgm:t>
+        <a:bodyPr/>
+        <a:lstStyle/>
+        <a:p>
+          <a:endParaRPr lang="de-DE"/>
+        </a:p>
+      </dgm:t>
+    </dgm:pt>
+    <dgm:pt modelId="{BFC4FC87-F198-4173-9A4C-270B57A15E15}" type="sibTrans" cxnId="{2ABF14EE-0F90-4883-B335-97AE3BAF102B}">
+      <dgm:prSet/>
+      <dgm:spPr/>
+      <dgm:t>
+        <a:bodyPr/>
+        <a:lstStyle/>
+        <a:p>
+          <a:endParaRPr lang="de-DE"/>
+        </a:p>
+      </dgm:t>
+    </dgm:pt>
+    <dgm:pt modelId="{571800A1-F784-4BD1-8ED5-F4A38DED9334}">
+      <dgm:prSet/>
+      <dgm:spPr/>
+      <dgm:t>
+        <a:bodyPr/>
+        <a:lstStyle/>
+        <a:p>
+          <a:r>
+            <a:rPr lang="de-DE" dirty="0"/>
+            <a:t>Schutz der Privatsphäre</a:t>
+          </a:r>
+        </a:p>
+      </dgm:t>
+    </dgm:pt>
+    <dgm:pt modelId="{9359C970-5399-4444-B6DD-B31C299B89CE}" type="parTrans" cxnId="{F7101478-3B48-43B9-8F93-D55B7E0911AC}">
+      <dgm:prSet/>
+      <dgm:spPr/>
+      <dgm:t>
+        <a:bodyPr/>
+        <a:lstStyle/>
+        <a:p>
+          <a:endParaRPr lang="de-DE"/>
+        </a:p>
+      </dgm:t>
+    </dgm:pt>
+    <dgm:pt modelId="{59AF476A-6A20-43FD-A5C1-241A847A58F4}" type="sibTrans" cxnId="{F7101478-3B48-43B9-8F93-D55B7E0911AC}">
+      <dgm:prSet/>
+      <dgm:spPr/>
+      <dgm:t>
+        <a:bodyPr/>
+        <a:lstStyle/>
+        <a:p>
+          <a:endParaRPr lang="de-DE"/>
+        </a:p>
+      </dgm:t>
+    </dgm:pt>
+    <dgm:pt modelId="{D9E380D3-ACE2-4FC3-9357-30F8FBEDE161}">
+      <dgm:prSet/>
+      <dgm:spPr/>
+      <dgm:t>
+        <a:bodyPr/>
+        <a:lstStyle/>
+        <a:p>
+          <a:r>
+            <a:rPr lang="de-DE" dirty="0"/>
+            <a:t>Anpassungen an (Kern-)Funktionen möglich</a:t>
+          </a:r>
+        </a:p>
+      </dgm:t>
+    </dgm:pt>
+    <dgm:pt modelId="{86EC94B6-11EC-4A87-9FB6-3BD97924318A}" type="parTrans" cxnId="{BC4BDC8A-9353-41C6-8808-C781A7327C53}">
+      <dgm:prSet/>
+      <dgm:spPr/>
+      <dgm:t>
+        <a:bodyPr/>
+        <a:lstStyle/>
+        <a:p>
+          <a:endParaRPr lang="de-DE"/>
+        </a:p>
+      </dgm:t>
+    </dgm:pt>
+    <dgm:pt modelId="{06A85352-BBA7-4FB0-9622-9EF702D25EEE}" type="sibTrans" cxnId="{BC4BDC8A-9353-41C6-8808-C781A7327C53}">
+      <dgm:prSet/>
+      <dgm:spPr/>
+      <dgm:t>
+        <a:bodyPr/>
+        <a:lstStyle/>
+        <a:p>
+          <a:endParaRPr lang="de-DE"/>
+        </a:p>
+      </dgm:t>
+    </dgm:pt>
+    <dgm:pt modelId="{F9E44A32-200B-47CB-89B1-44013F8C8DFA}" type="pres">
+      <dgm:prSet presAssocID="{8772810B-62F4-49D6-9690-3F1834164A09}" presName="linear" presStyleCnt="0">
+        <dgm:presLayoutVars>
+          <dgm:animLvl val="lvl"/>
+          <dgm:resizeHandles val="exact"/>
+        </dgm:presLayoutVars>
+      </dgm:prSet>
+      <dgm:spPr/>
+    </dgm:pt>
+    <dgm:pt modelId="{F3505ED3-94CA-42A3-AEBB-B2669B9D474A}" type="pres">
+      <dgm:prSet presAssocID="{DFFC3C7D-F5EA-4A44-ACA4-2D8C9B2521D7}" presName="parentText" presStyleLbl="node1" presStyleIdx="0" presStyleCnt="5">
+        <dgm:presLayoutVars>
+          <dgm:chMax val="0"/>
+          <dgm:bulletEnabled val="1"/>
+        </dgm:presLayoutVars>
+      </dgm:prSet>
+      <dgm:spPr/>
+    </dgm:pt>
+    <dgm:pt modelId="{E634252D-A866-4F71-9E48-9E718987AA5C}" type="pres">
+      <dgm:prSet presAssocID="{0701BFF3-2052-4A14-9181-9C26FB99D927}" presName="spacer" presStyleCnt="0"/>
+      <dgm:spPr/>
+    </dgm:pt>
+    <dgm:pt modelId="{7393F93C-24E6-4D59-99AE-31D74326B3AA}" type="pres">
+      <dgm:prSet presAssocID="{B8F56BA3-87FA-41A3-98E2-DAF4EBFE6EFB}" presName="parentText" presStyleLbl="node1" presStyleIdx="1" presStyleCnt="5" custLinFactNeighborY="-7914">
+        <dgm:presLayoutVars>
+          <dgm:chMax val="0"/>
+          <dgm:bulletEnabled val="1"/>
+        </dgm:presLayoutVars>
+      </dgm:prSet>
+      <dgm:spPr/>
+    </dgm:pt>
+    <dgm:pt modelId="{5B4CAFB6-6864-46EB-AF67-3C40F0C16CFF}" type="pres">
+      <dgm:prSet presAssocID="{26E25DB2-E33B-4BC7-9FB7-7D7F514FCCCD}" presName="spacer" presStyleCnt="0"/>
+      <dgm:spPr/>
+    </dgm:pt>
+    <dgm:pt modelId="{F9107D6F-FB34-4B90-B0B7-77ABF544BC20}" type="pres">
+      <dgm:prSet presAssocID="{C53D7F14-AFC0-466A-8428-ED83EF507C66}" presName="parentText" presStyleLbl="node1" presStyleIdx="2" presStyleCnt="5">
+        <dgm:presLayoutVars>
+          <dgm:chMax val="0"/>
+          <dgm:bulletEnabled val="1"/>
+        </dgm:presLayoutVars>
+      </dgm:prSet>
+      <dgm:spPr/>
+    </dgm:pt>
+    <dgm:pt modelId="{6537C17C-9D73-4EFA-B480-4C515B3FE2E1}" type="pres">
+      <dgm:prSet presAssocID="{BFC4FC87-F198-4173-9A4C-270B57A15E15}" presName="spacer" presStyleCnt="0"/>
+      <dgm:spPr/>
+    </dgm:pt>
+    <dgm:pt modelId="{939EC2AC-5425-400E-B7ED-78BD68B7B7C2}" type="pres">
+      <dgm:prSet presAssocID="{571800A1-F784-4BD1-8ED5-F4A38DED9334}" presName="parentText" presStyleLbl="node1" presStyleIdx="3" presStyleCnt="5">
+        <dgm:presLayoutVars>
+          <dgm:chMax val="0"/>
+          <dgm:bulletEnabled val="1"/>
+        </dgm:presLayoutVars>
+      </dgm:prSet>
+      <dgm:spPr/>
+    </dgm:pt>
+    <dgm:pt modelId="{02F080E3-5B0D-4B8D-B57A-9B8748654D20}" type="pres">
+      <dgm:prSet presAssocID="{59AF476A-6A20-43FD-A5C1-241A847A58F4}" presName="spacer" presStyleCnt="0"/>
+      <dgm:spPr/>
+    </dgm:pt>
+    <dgm:pt modelId="{C7E85622-FB29-4BB5-BAEC-020EA11AC2AA}" type="pres">
+      <dgm:prSet presAssocID="{D9E380D3-ACE2-4FC3-9357-30F8FBEDE161}" presName="parentText" presStyleLbl="node1" presStyleIdx="4" presStyleCnt="5">
+        <dgm:presLayoutVars>
+          <dgm:chMax val="0"/>
+          <dgm:bulletEnabled val="1"/>
+        </dgm:presLayoutVars>
+      </dgm:prSet>
+      <dgm:spPr/>
+    </dgm:pt>
+  </dgm:ptLst>
+  <dgm:cxnLst>
+    <dgm:cxn modelId="{F6937214-E49E-4C1F-8173-D9DDF6840759}" type="presOf" srcId="{C53D7F14-AFC0-466A-8428-ED83EF507C66}" destId="{F9107D6F-FB34-4B90-B0B7-77ABF544BC20}" srcOrd="0" destOrd="0" presId="urn:microsoft.com/office/officeart/2005/8/layout/vList2"/>
+    <dgm:cxn modelId="{4BE5E230-62CF-4046-958F-4FE5B6EB72C3}" srcId="{8772810B-62F4-49D6-9690-3F1834164A09}" destId="{DFFC3C7D-F5EA-4A44-ACA4-2D8C9B2521D7}" srcOrd="0" destOrd="0" parTransId="{00351BF8-A3F3-471A-983E-3EEAEB40F7D7}" sibTransId="{0701BFF3-2052-4A14-9181-9C26FB99D927}"/>
+    <dgm:cxn modelId="{7C037F69-2109-4814-A3F2-88CA23A71273}" type="presOf" srcId="{8772810B-62F4-49D6-9690-3F1834164A09}" destId="{F9E44A32-200B-47CB-89B1-44013F8C8DFA}" srcOrd="0" destOrd="0" presId="urn:microsoft.com/office/officeart/2005/8/layout/vList2"/>
+    <dgm:cxn modelId="{EB0B2A57-A527-4407-BC7F-3448EDC79BF1}" type="presOf" srcId="{DFFC3C7D-F5EA-4A44-ACA4-2D8C9B2521D7}" destId="{F3505ED3-94CA-42A3-AEBB-B2669B9D474A}" srcOrd="0" destOrd="0" presId="urn:microsoft.com/office/officeart/2005/8/layout/vList2"/>
+    <dgm:cxn modelId="{F7101478-3B48-43B9-8F93-D55B7E0911AC}" srcId="{8772810B-62F4-49D6-9690-3F1834164A09}" destId="{571800A1-F784-4BD1-8ED5-F4A38DED9334}" srcOrd="3" destOrd="0" parTransId="{9359C970-5399-4444-B6DD-B31C299B89CE}" sibTransId="{59AF476A-6A20-43FD-A5C1-241A847A58F4}"/>
+    <dgm:cxn modelId="{BC4BDC8A-9353-41C6-8808-C781A7327C53}" srcId="{8772810B-62F4-49D6-9690-3F1834164A09}" destId="{D9E380D3-ACE2-4FC3-9357-30F8FBEDE161}" srcOrd="4" destOrd="0" parTransId="{86EC94B6-11EC-4A87-9FB6-3BD97924318A}" sibTransId="{06A85352-BBA7-4FB0-9622-9EF702D25EEE}"/>
+    <dgm:cxn modelId="{93D4EB95-03BB-4D39-A7F7-DF6468D0F90B}" srcId="{8772810B-62F4-49D6-9690-3F1834164A09}" destId="{B8F56BA3-87FA-41A3-98E2-DAF4EBFE6EFB}" srcOrd="1" destOrd="0" parTransId="{2B33692B-0F01-4CA5-BF7B-ADB4136BB069}" sibTransId="{26E25DB2-E33B-4BC7-9FB7-7D7F514FCCCD}"/>
+    <dgm:cxn modelId="{E8AC63B0-04D4-4E9D-A668-AD01AEAC7300}" type="presOf" srcId="{B8F56BA3-87FA-41A3-98E2-DAF4EBFE6EFB}" destId="{7393F93C-24E6-4D59-99AE-31D74326B3AA}" srcOrd="0" destOrd="0" presId="urn:microsoft.com/office/officeart/2005/8/layout/vList2"/>
+    <dgm:cxn modelId="{2ABF14EE-0F90-4883-B335-97AE3BAF102B}" srcId="{8772810B-62F4-49D6-9690-3F1834164A09}" destId="{C53D7F14-AFC0-466A-8428-ED83EF507C66}" srcOrd="2" destOrd="0" parTransId="{D82548CA-CB51-430F-A6AE-32DBC9CDB2D3}" sibTransId="{BFC4FC87-F198-4173-9A4C-270B57A15E15}"/>
+    <dgm:cxn modelId="{124315F2-6871-44E9-BF5D-60FA85A48AC5}" type="presOf" srcId="{571800A1-F784-4BD1-8ED5-F4A38DED9334}" destId="{939EC2AC-5425-400E-B7ED-78BD68B7B7C2}" srcOrd="0" destOrd="0" presId="urn:microsoft.com/office/officeart/2005/8/layout/vList2"/>
+    <dgm:cxn modelId="{6BB21AF8-41A7-4FE3-B603-752DB2E48A8D}" type="presOf" srcId="{D9E380D3-ACE2-4FC3-9357-30F8FBEDE161}" destId="{C7E85622-FB29-4BB5-BAEC-020EA11AC2AA}" srcOrd="0" destOrd="0" presId="urn:microsoft.com/office/officeart/2005/8/layout/vList2"/>
+    <dgm:cxn modelId="{0DB2C503-4A6C-42B3-93FB-0066A18E0633}" type="presParOf" srcId="{F9E44A32-200B-47CB-89B1-44013F8C8DFA}" destId="{F3505ED3-94CA-42A3-AEBB-B2669B9D474A}" srcOrd="0" destOrd="0" presId="urn:microsoft.com/office/officeart/2005/8/layout/vList2"/>
+    <dgm:cxn modelId="{60031C22-7A29-4815-BEA9-2DF5FAA126CC}" type="presParOf" srcId="{F9E44A32-200B-47CB-89B1-44013F8C8DFA}" destId="{E634252D-A866-4F71-9E48-9E718987AA5C}" srcOrd="1" destOrd="0" presId="urn:microsoft.com/office/officeart/2005/8/layout/vList2"/>
+    <dgm:cxn modelId="{08B120E0-4D4D-46FE-AD17-593C4A3672A3}" type="presParOf" srcId="{F9E44A32-200B-47CB-89B1-44013F8C8DFA}" destId="{7393F93C-24E6-4D59-99AE-31D74326B3AA}" srcOrd="2" destOrd="0" presId="urn:microsoft.com/office/officeart/2005/8/layout/vList2"/>
+    <dgm:cxn modelId="{AD22550F-9604-4C38-B28F-03C5D5288C35}" type="presParOf" srcId="{F9E44A32-200B-47CB-89B1-44013F8C8DFA}" destId="{5B4CAFB6-6864-46EB-AF67-3C40F0C16CFF}" srcOrd="3" destOrd="0" presId="urn:microsoft.com/office/officeart/2005/8/layout/vList2"/>
+    <dgm:cxn modelId="{B76AE0E0-AB91-4673-B5F9-C9AF51566236}" type="presParOf" srcId="{F9E44A32-200B-47CB-89B1-44013F8C8DFA}" destId="{F9107D6F-FB34-4B90-B0B7-77ABF544BC20}" srcOrd="4" destOrd="0" presId="urn:microsoft.com/office/officeart/2005/8/layout/vList2"/>
+    <dgm:cxn modelId="{056F8DCC-ECB2-4027-A79C-A6324A0E2036}" type="presParOf" srcId="{F9E44A32-200B-47CB-89B1-44013F8C8DFA}" destId="{6537C17C-9D73-4EFA-B480-4C515B3FE2E1}" srcOrd="5" destOrd="0" presId="urn:microsoft.com/office/officeart/2005/8/layout/vList2"/>
+    <dgm:cxn modelId="{2E79FDD6-8464-451D-9213-2DE819798887}" type="presParOf" srcId="{F9E44A32-200B-47CB-89B1-44013F8C8DFA}" destId="{939EC2AC-5425-400E-B7ED-78BD68B7B7C2}" srcOrd="6" destOrd="0" presId="urn:microsoft.com/office/officeart/2005/8/layout/vList2"/>
+    <dgm:cxn modelId="{39A256B7-8259-4964-BD83-CA996C65A3E5}" type="presParOf" srcId="{F9E44A32-200B-47CB-89B1-44013F8C8DFA}" destId="{02F080E3-5B0D-4B8D-B57A-9B8748654D20}" srcOrd="7" destOrd="0" presId="urn:microsoft.com/office/officeart/2005/8/layout/vList2"/>
+    <dgm:cxn modelId="{810B2B9E-0CDB-4C23-9F3F-80FF99C920D4}" type="presParOf" srcId="{F9E44A32-200B-47CB-89B1-44013F8C8DFA}" destId="{C7E85622-FB29-4BB5-BAEC-020EA11AC2AA}" srcOrd="8" destOrd="0" presId="urn:microsoft.com/office/officeart/2005/8/layout/vList2"/>
   </dgm:cxnLst>
   <dgm:bg/>
   <dgm:whole/>
@@ -4393,6 +6646,1073 @@
 </dsp:drawing>
 </file>
 
+<file path=ppt/diagrams/drawing4.xml><?xml version="1.0" encoding="utf-8"?>
+<dsp:drawing xmlns:dgm="http://schemas.openxmlformats.org/drawingml/2006/diagram" xmlns:dsp="http://schemas.microsoft.com/office/drawing/2008/diagram" xmlns:a="http://schemas.openxmlformats.org/drawingml/2006/main">
+  <dsp:spTree>
+    <dsp:nvGrpSpPr>
+      <dsp:cNvPr id="0" name=""/>
+      <dsp:cNvGrpSpPr/>
+    </dsp:nvGrpSpPr>
+    <dsp:grpSpPr/>
+    <dsp:sp modelId="{05C356D0-36E1-410B-91CD-E7A1B403FF43}">
+      <dsp:nvSpPr>
+        <dsp:cNvPr id="0" name=""/>
+        <dsp:cNvSpPr/>
+      </dsp:nvSpPr>
+      <dsp:spPr>
+        <a:xfrm>
+          <a:off x="1322057" y="250414"/>
+          <a:ext cx="4499477" cy="1406086"/>
+        </a:xfrm>
+        <a:prstGeom prst="rect">
+          <a:avLst/>
+        </a:prstGeom>
+        <a:solidFill>
+          <a:schemeClr val="lt1">
+            <a:alpha val="40000"/>
+            <a:hueOff val="0"/>
+            <a:satOff val="0"/>
+            <a:lumOff val="0"/>
+            <a:alphaOff val="0"/>
+          </a:schemeClr>
+        </a:solidFill>
+        <a:ln w="6350" cap="flat" cmpd="sng" algn="ctr">
+          <a:solidFill>
+            <a:schemeClr val="accent1">
+              <a:hueOff val="0"/>
+              <a:satOff val="0"/>
+              <a:lumOff val="0"/>
+              <a:alphaOff val="0"/>
+            </a:schemeClr>
+          </a:solidFill>
+          <a:prstDash val="solid"/>
+          <a:miter lim="800000"/>
+        </a:ln>
+        <a:effectLst/>
+      </dsp:spPr>
+      <dsp:style>
+        <a:lnRef idx="1">
+          <a:scrgbClr r="0" g="0" b="0"/>
+        </a:lnRef>
+        <a:fillRef idx="1">
+          <a:scrgbClr r="0" g="0" b="0"/>
+        </a:fillRef>
+        <a:effectRef idx="0">
+          <a:scrgbClr r="0" g="0" b="0"/>
+        </a:effectRef>
+        <a:fontRef idx="minor"/>
+      </dsp:style>
+      <dsp:txBody>
+        <a:bodyPr spcFirstLastPara="0" vert="horz" wrap="square" lIns="952390" tIns="114300" rIns="114300" bIns="114300" numCol="1" spcCol="1270" anchor="ctr" anchorCtr="0">
+          <a:noAutofit/>
+        </a:bodyPr>
+        <a:lstStyle/>
+        <a:p>
+          <a:pPr marL="0" lvl="0" indent="0" algn="l" defTabSz="1333500">
+            <a:lnSpc>
+              <a:spcPct val="90000"/>
+            </a:lnSpc>
+            <a:spcBef>
+              <a:spcPct val="0"/>
+            </a:spcBef>
+            <a:spcAft>
+              <a:spcPct val="35000"/>
+            </a:spcAft>
+            <a:buNone/>
+          </a:pPr>
+          <a:r>
+            <a:rPr lang="de-DE" sz="3000" kern="1200" dirty="0"/>
+            <a:t>Pflege von Patienten</a:t>
+          </a:r>
+        </a:p>
+      </dsp:txBody>
+      <dsp:txXfrm>
+        <a:off x="1322057" y="250414"/>
+        <a:ext cx="4499477" cy="1406086"/>
+      </dsp:txXfrm>
+    </dsp:sp>
+    <dsp:sp modelId="{D84607BC-A35A-41DD-AD7A-0C6168BE3248}">
+      <dsp:nvSpPr>
+        <dsp:cNvPr id="0" name=""/>
+        <dsp:cNvSpPr/>
+      </dsp:nvSpPr>
+      <dsp:spPr>
+        <a:xfrm>
+          <a:off x="1134579" y="47313"/>
+          <a:ext cx="984260" cy="1476391"/>
+        </a:xfrm>
+        <a:prstGeom prst="rect">
+          <a:avLst/>
+        </a:prstGeom>
+        <a:blipFill>
+          <a:blip xmlns:r="http://schemas.openxmlformats.org/officeDocument/2006/relationships" r:embed="rId1" cstate="print">
+            <a:extLst>
+              <a:ext uri="{28A0092B-C50C-407E-A947-70E740481C1C}">
+                <a14:useLocalDpi xmlns:a14="http://schemas.microsoft.com/office/drawing/2010/main" val="0"/>
+              </a:ext>
+            </a:extLst>
+          </a:blip>
+          <a:srcRect/>
+          <a:stretch>
+            <a:fillRect l="-25000" r="-25000"/>
+          </a:stretch>
+        </a:blipFill>
+        <a:ln w="12700" cap="flat" cmpd="sng" algn="ctr">
+          <a:solidFill>
+            <a:schemeClr val="lt1">
+              <a:hueOff val="0"/>
+              <a:satOff val="0"/>
+              <a:lumOff val="0"/>
+              <a:alphaOff val="0"/>
+            </a:schemeClr>
+          </a:solidFill>
+          <a:prstDash val="solid"/>
+          <a:miter lim="800000"/>
+        </a:ln>
+        <a:effectLst/>
+      </dsp:spPr>
+      <dsp:style>
+        <a:lnRef idx="2">
+          <a:scrgbClr r="0" g="0" b="0"/>
+        </a:lnRef>
+        <a:fillRef idx="1">
+          <a:scrgbClr r="0" g="0" b="0"/>
+        </a:fillRef>
+        <a:effectRef idx="0">
+          <a:scrgbClr r="0" g="0" b="0"/>
+        </a:effectRef>
+        <a:fontRef idx="minor"/>
+      </dsp:style>
+    </dsp:sp>
+    <dsp:sp modelId="{D220D71F-33CA-45EE-8094-08C7D00F5A61}">
+      <dsp:nvSpPr>
+        <dsp:cNvPr id="0" name=""/>
+        <dsp:cNvSpPr/>
+      </dsp:nvSpPr>
+      <dsp:spPr>
+        <a:xfrm>
+          <a:off x="6216419" y="250414"/>
+          <a:ext cx="4499477" cy="1406086"/>
+        </a:xfrm>
+        <a:prstGeom prst="rect">
+          <a:avLst/>
+        </a:prstGeom>
+        <a:solidFill>
+          <a:schemeClr val="lt1">
+            <a:alpha val="40000"/>
+            <a:hueOff val="0"/>
+            <a:satOff val="0"/>
+            <a:lumOff val="0"/>
+            <a:alphaOff val="0"/>
+          </a:schemeClr>
+        </a:solidFill>
+        <a:ln w="6350" cap="flat" cmpd="sng" algn="ctr">
+          <a:solidFill>
+            <a:schemeClr val="accent1">
+              <a:hueOff val="0"/>
+              <a:satOff val="0"/>
+              <a:lumOff val="0"/>
+              <a:alphaOff val="0"/>
+            </a:schemeClr>
+          </a:solidFill>
+          <a:prstDash val="solid"/>
+          <a:miter lim="800000"/>
+        </a:ln>
+        <a:effectLst/>
+      </dsp:spPr>
+      <dsp:style>
+        <a:lnRef idx="1">
+          <a:scrgbClr r="0" g="0" b="0"/>
+        </a:lnRef>
+        <a:fillRef idx="1">
+          <a:scrgbClr r="0" g="0" b="0"/>
+        </a:fillRef>
+        <a:effectRef idx="0">
+          <a:scrgbClr r="0" g="0" b="0"/>
+        </a:effectRef>
+        <a:fontRef idx="minor"/>
+      </dsp:style>
+      <dsp:txBody>
+        <a:bodyPr spcFirstLastPara="0" vert="horz" wrap="square" lIns="952390" tIns="114300" rIns="114300" bIns="114300" numCol="1" spcCol="1270" anchor="ctr" anchorCtr="0">
+          <a:noAutofit/>
+        </a:bodyPr>
+        <a:lstStyle/>
+        <a:p>
+          <a:pPr marL="0" lvl="0" indent="0" algn="l" defTabSz="1333500">
+            <a:lnSpc>
+              <a:spcPct val="90000"/>
+            </a:lnSpc>
+            <a:spcBef>
+              <a:spcPct val="0"/>
+            </a:spcBef>
+            <a:spcAft>
+              <a:spcPct val="35000"/>
+            </a:spcAft>
+            <a:buNone/>
+          </a:pPr>
+          <a:r>
+            <a:rPr lang="de-DE" sz="3000" kern="1200" dirty="0"/>
+            <a:t>Unabhängigkeit der Patienten</a:t>
+          </a:r>
+        </a:p>
+      </dsp:txBody>
+      <dsp:txXfrm>
+        <a:off x="6216419" y="250414"/>
+        <a:ext cx="4499477" cy="1406086"/>
+      </dsp:txXfrm>
+    </dsp:sp>
+    <dsp:sp modelId="{A20CF708-D7F0-4367-813D-BAC15C29E67B}">
+      <dsp:nvSpPr>
+        <dsp:cNvPr id="0" name=""/>
+        <dsp:cNvSpPr/>
+      </dsp:nvSpPr>
+      <dsp:spPr>
+        <a:xfrm>
+          <a:off x="6038478" y="14995"/>
+          <a:ext cx="984260" cy="1476391"/>
+        </a:xfrm>
+        <a:prstGeom prst="rect">
+          <a:avLst/>
+        </a:prstGeom>
+        <a:blipFill>
+          <a:blip xmlns:r="http://schemas.openxmlformats.org/officeDocument/2006/relationships" r:embed="rId2" cstate="print">
+            <a:extLst>
+              <a:ext uri="{28A0092B-C50C-407E-A947-70E740481C1C}">
+                <a14:useLocalDpi xmlns:a14="http://schemas.microsoft.com/office/drawing/2010/main" val="0"/>
+              </a:ext>
+            </a:extLst>
+          </a:blip>
+          <a:srcRect/>
+          <a:stretch>
+            <a:fillRect l="-42000" r="-42000"/>
+          </a:stretch>
+        </a:blipFill>
+        <a:ln w="12700" cap="flat" cmpd="sng" algn="ctr">
+          <a:solidFill>
+            <a:schemeClr val="lt1">
+              <a:hueOff val="0"/>
+              <a:satOff val="0"/>
+              <a:lumOff val="0"/>
+              <a:alphaOff val="0"/>
+            </a:schemeClr>
+          </a:solidFill>
+          <a:prstDash val="solid"/>
+          <a:miter lim="800000"/>
+        </a:ln>
+        <a:effectLst/>
+      </dsp:spPr>
+      <dsp:style>
+        <a:lnRef idx="2">
+          <a:scrgbClr r="0" g="0" b="0"/>
+        </a:lnRef>
+        <a:fillRef idx="1">
+          <a:scrgbClr r="0" g="0" b="0"/>
+        </a:fillRef>
+        <a:effectRef idx="0">
+          <a:scrgbClr r="0" g="0" b="0"/>
+        </a:effectRef>
+        <a:fontRef idx="minor"/>
+      </dsp:style>
+    </dsp:sp>
+    <dsp:sp modelId="{01D90C9B-D089-432E-BBE6-063A096D1590}">
+      <dsp:nvSpPr>
+        <dsp:cNvPr id="0" name=""/>
+        <dsp:cNvSpPr/>
+      </dsp:nvSpPr>
+      <dsp:spPr>
+        <a:xfrm>
+          <a:off x="1322057" y="2020521"/>
+          <a:ext cx="4499477" cy="1406086"/>
+        </a:xfrm>
+        <a:prstGeom prst="rect">
+          <a:avLst/>
+        </a:prstGeom>
+        <a:solidFill>
+          <a:schemeClr val="lt1">
+            <a:alpha val="40000"/>
+            <a:hueOff val="0"/>
+            <a:satOff val="0"/>
+            <a:lumOff val="0"/>
+            <a:alphaOff val="0"/>
+          </a:schemeClr>
+        </a:solidFill>
+        <a:ln w="6350" cap="flat" cmpd="sng" algn="ctr">
+          <a:solidFill>
+            <a:schemeClr val="accent1">
+              <a:hueOff val="0"/>
+              <a:satOff val="0"/>
+              <a:lumOff val="0"/>
+              <a:alphaOff val="0"/>
+            </a:schemeClr>
+          </a:solidFill>
+          <a:prstDash val="solid"/>
+          <a:miter lim="800000"/>
+        </a:ln>
+        <a:effectLst/>
+      </dsp:spPr>
+      <dsp:style>
+        <a:lnRef idx="1">
+          <a:scrgbClr r="0" g="0" b="0"/>
+        </a:lnRef>
+        <a:fillRef idx="1">
+          <a:scrgbClr r="0" g="0" b="0"/>
+        </a:fillRef>
+        <a:effectRef idx="0">
+          <a:scrgbClr r="0" g="0" b="0"/>
+        </a:effectRef>
+        <a:fontRef idx="minor"/>
+      </dsp:style>
+      <dsp:txBody>
+        <a:bodyPr spcFirstLastPara="0" vert="horz" wrap="square" lIns="952390" tIns="114300" rIns="114300" bIns="114300" numCol="1" spcCol="1270" anchor="ctr" anchorCtr="0">
+          <a:noAutofit/>
+        </a:bodyPr>
+        <a:lstStyle/>
+        <a:p>
+          <a:pPr marL="0" lvl="0" indent="0" algn="l" defTabSz="1333500">
+            <a:lnSpc>
+              <a:spcPct val="90000"/>
+            </a:lnSpc>
+            <a:spcBef>
+              <a:spcPct val="0"/>
+            </a:spcBef>
+            <a:spcAft>
+              <a:spcPct val="35000"/>
+            </a:spcAft>
+            <a:buNone/>
+          </a:pPr>
+          <a:r>
+            <a:rPr lang="de-DE" sz="3000" kern="1200" dirty="0"/>
+            <a:t>Mobilitätshilfe</a:t>
+          </a:r>
+        </a:p>
+      </dsp:txBody>
+      <dsp:txXfrm>
+        <a:off x="1322057" y="2020521"/>
+        <a:ext cx="4499477" cy="1406086"/>
+      </dsp:txXfrm>
+    </dsp:sp>
+    <dsp:sp modelId="{CFDE84F1-C7B8-4744-96BD-6B7D357642CC}">
+      <dsp:nvSpPr>
+        <dsp:cNvPr id="0" name=""/>
+        <dsp:cNvSpPr/>
+      </dsp:nvSpPr>
+      <dsp:spPr>
+        <a:xfrm>
+          <a:off x="1134579" y="1817420"/>
+          <a:ext cx="984260" cy="1476391"/>
+        </a:xfrm>
+        <a:prstGeom prst="rect">
+          <a:avLst/>
+        </a:prstGeom>
+        <a:blipFill>
+          <a:blip xmlns:r="http://schemas.openxmlformats.org/officeDocument/2006/relationships" r:embed="rId3">
+            <a:extLst>
+              <a:ext uri="{28A0092B-C50C-407E-A947-70E740481C1C}">
+                <a14:useLocalDpi xmlns:a14="http://schemas.microsoft.com/office/drawing/2010/main" val="0"/>
+              </a:ext>
+            </a:extLst>
+          </a:blip>
+          <a:srcRect/>
+          <a:stretch>
+            <a:fillRect l="-63000" r="-63000"/>
+          </a:stretch>
+        </a:blipFill>
+        <a:ln w="12700" cap="flat" cmpd="sng" algn="ctr">
+          <a:solidFill>
+            <a:schemeClr val="lt1">
+              <a:hueOff val="0"/>
+              <a:satOff val="0"/>
+              <a:lumOff val="0"/>
+              <a:alphaOff val="0"/>
+            </a:schemeClr>
+          </a:solidFill>
+          <a:prstDash val="solid"/>
+          <a:miter lim="800000"/>
+        </a:ln>
+        <a:effectLst/>
+      </dsp:spPr>
+      <dsp:style>
+        <a:lnRef idx="2">
+          <a:scrgbClr r="0" g="0" b="0"/>
+        </a:lnRef>
+        <a:fillRef idx="1">
+          <a:scrgbClr r="0" g="0" b="0"/>
+        </a:fillRef>
+        <a:effectRef idx="0">
+          <a:scrgbClr r="0" g="0" b="0"/>
+        </a:effectRef>
+        <a:fontRef idx="minor"/>
+      </dsp:style>
+    </dsp:sp>
+    <dsp:sp modelId="{EDF71F60-9264-453C-A7EA-E5538C33B341}">
+      <dsp:nvSpPr>
+        <dsp:cNvPr id="0" name=""/>
+        <dsp:cNvSpPr/>
+      </dsp:nvSpPr>
+      <dsp:spPr>
+        <a:xfrm>
+          <a:off x="6216419" y="2020521"/>
+          <a:ext cx="4499477" cy="1406086"/>
+        </a:xfrm>
+        <a:prstGeom prst="rect">
+          <a:avLst/>
+        </a:prstGeom>
+        <a:solidFill>
+          <a:schemeClr val="lt1">
+            <a:alpha val="40000"/>
+            <a:hueOff val="0"/>
+            <a:satOff val="0"/>
+            <a:lumOff val="0"/>
+            <a:alphaOff val="0"/>
+          </a:schemeClr>
+        </a:solidFill>
+        <a:ln w="6350" cap="flat" cmpd="sng" algn="ctr">
+          <a:solidFill>
+            <a:schemeClr val="accent1">
+              <a:hueOff val="0"/>
+              <a:satOff val="0"/>
+              <a:lumOff val="0"/>
+              <a:alphaOff val="0"/>
+            </a:schemeClr>
+          </a:solidFill>
+          <a:prstDash val="solid"/>
+          <a:miter lim="800000"/>
+        </a:ln>
+        <a:effectLst/>
+      </dsp:spPr>
+      <dsp:style>
+        <a:lnRef idx="1">
+          <a:scrgbClr r="0" g="0" b="0"/>
+        </a:lnRef>
+        <a:fillRef idx="1">
+          <a:scrgbClr r="0" g="0" b="0"/>
+        </a:fillRef>
+        <a:effectRef idx="0">
+          <a:scrgbClr r="0" g="0" b="0"/>
+        </a:effectRef>
+        <a:fontRef idx="minor"/>
+      </dsp:style>
+      <dsp:txBody>
+        <a:bodyPr spcFirstLastPara="0" vert="horz" wrap="square" lIns="952390" tIns="114300" rIns="114300" bIns="114300" numCol="1" spcCol="1270" anchor="ctr" anchorCtr="0">
+          <a:noAutofit/>
+        </a:bodyPr>
+        <a:lstStyle/>
+        <a:p>
+          <a:pPr marL="0" lvl="0" indent="0" algn="l" defTabSz="1333500">
+            <a:lnSpc>
+              <a:spcPct val="90000"/>
+            </a:lnSpc>
+            <a:spcBef>
+              <a:spcPct val="0"/>
+            </a:spcBef>
+            <a:spcAft>
+              <a:spcPct val="35000"/>
+            </a:spcAft>
+            <a:buNone/>
+          </a:pPr>
+          <a:r>
+            <a:rPr lang="de-DE" sz="3000" kern="1200" dirty="0"/>
+            <a:t>Navigationshilfe</a:t>
+          </a:r>
+        </a:p>
+      </dsp:txBody>
+      <dsp:txXfrm>
+        <a:off x="6216419" y="2020521"/>
+        <a:ext cx="4499477" cy="1406086"/>
+      </dsp:txXfrm>
+    </dsp:sp>
+    <dsp:sp modelId="{C2BAA2A9-D58C-4390-8DE3-92B73925D193}">
+      <dsp:nvSpPr>
+        <dsp:cNvPr id="0" name=""/>
+        <dsp:cNvSpPr/>
+      </dsp:nvSpPr>
+      <dsp:spPr>
+        <a:xfrm>
+          <a:off x="6028941" y="1817420"/>
+          <a:ext cx="984260" cy="1476391"/>
+        </a:xfrm>
+        <a:prstGeom prst="rect">
+          <a:avLst/>
+        </a:prstGeom>
+        <a:blipFill>
+          <a:blip xmlns:r="http://schemas.openxmlformats.org/officeDocument/2006/relationships" r:embed="rId4" cstate="print">
+            <a:extLst>
+              <a:ext uri="{28A0092B-C50C-407E-A947-70E740481C1C}">
+                <a14:useLocalDpi xmlns:a14="http://schemas.microsoft.com/office/drawing/2010/main" val="0"/>
+              </a:ext>
+              <a:ext uri="{837473B0-CC2E-450A-ABE3-18F120FF3D39}">
+                <a1611:picAttrSrcUrl xmlns:a1611="http://schemas.microsoft.com/office/drawing/2016/11/main" r:id="rId5"/>
+              </a:ext>
+            </a:extLst>
+          </a:blip>
+          <a:srcRect/>
+          <a:stretch>
+            <a:fillRect l="-35000" r="-35000"/>
+          </a:stretch>
+        </a:blipFill>
+        <a:ln w="12700" cap="flat" cmpd="sng" algn="ctr">
+          <a:solidFill>
+            <a:schemeClr val="lt1">
+              <a:hueOff val="0"/>
+              <a:satOff val="0"/>
+              <a:lumOff val="0"/>
+              <a:alphaOff val="0"/>
+            </a:schemeClr>
+          </a:solidFill>
+          <a:prstDash val="solid"/>
+          <a:miter lim="800000"/>
+        </a:ln>
+        <a:effectLst/>
+      </dsp:spPr>
+      <dsp:style>
+        <a:lnRef idx="2">
+          <a:scrgbClr r="0" g="0" b="0"/>
+        </a:lnRef>
+        <a:fillRef idx="1">
+          <a:scrgbClr r="0" g="0" b="0"/>
+        </a:fillRef>
+        <a:effectRef idx="0">
+          <a:scrgbClr r="0" g="0" b="0"/>
+        </a:effectRef>
+        <a:fontRef idx="minor"/>
+      </dsp:style>
+    </dsp:sp>
+    <dsp:sp modelId="{0C89D51E-9C45-4F1B-BE61-57A326E6EF65}">
+      <dsp:nvSpPr>
+        <dsp:cNvPr id="0" name=""/>
+        <dsp:cNvSpPr/>
+      </dsp:nvSpPr>
+      <dsp:spPr>
+        <a:xfrm>
+          <a:off x="3769238" y="3790628"/>
+          <a:ext cx="4499477" cy="1406086"/>
+        </a:xfrm>
+        <a:prstGeom prst="rect">
+          <a:avLst/>
+        </a:prstGeom>
+        <a:solidFill>
+          <a:schemeClr val="lt1">
+            <a:alpha val="40000"/>
+            <a:hueOff val="0"/>
+            <a:satOff val="0"/>
+            <a:lumOff val="0"/>
+            <a:alphaOff val="0"/>
+          </a:schemeClr>
+        </a:solidFill>
+        <a:ln w="6350" cap="flat" cmpd="sng" algn="ctr">
+          <a:solidFill>
+            <a:schemeClr val="accent1">
+              <a:hueOff val="0"/>
+              <a:satOff val="0"/>
+              <a:lumOff val="0"/>
+              <a:alphaOff val="0"/>
+            </a:schemeClr>
+          </a:solidFill>
+          <a:prstDash val="solid"/>
+          <a:miter lim="800000"/>
+        </a:ln>
+        <a:effectLst/>
+      </dsp:spPr>
+      <dsp:style>
+        <a:lnRef idx="1">
+          <a:scrgbClr r="0" g="0" b="0"/>
+        </a:lnRef>
+        <a:fillRef idx="1">
+          <a:scrgbClr r="0" g="0" b="0"/>
+        </a:fillRef>
+        <a:effectRef idx="0">
+          <a:scrgbClr r="0" g="0" b="0"/>
+        </a:effectRef>
+        <a:fontRef idx="minor"/>
+      </dsp:style>
+      <dsp:txBody>
+        <a:bodyPr spcFirstLastPara="0" vert="horz" wrap="square" lIns="952390" tIns="114300" rIns="114300" bIns="114300" numCol="1" spcCol="1270" anchor="ctr" anchorCtr="0">
+          <a:noAutofit/>
+        </a:bodyPr>
+        <a:lstStyle/>
+        <a:p>
+          <a:pPr marL="0" lvl="0" indent="0" algn="l" defTabSz="1333500">
+            <a:lnSpc>
+              <a:spcPct val="90000"/>
+            </a:lnSpc>
+            <a:spcBef>
+              <a:spcPct val="0"/>
+            </a:spcBef>
+            <a:spcAft>
+              <a:spcPct val="35000"/>
+            </a:spcAft>
+            <a:buNone/>
+          </a:pPr>
+          <a:r>
+            <a:rPr lang="de-DE" sz="3000" kern="1200" dirty="0"/>
+            <a:t>Haushaltshilfe (z.B. Bodenreinigung)</a:t>
+          </a:r>
+        </a:p>
+      </dsp:txBody>
+      <dsp:txXfrm>
+        <a:off x="3769238" y="3790628"/>
+        <a:ext cx="4499477" cy="1406086"/>
+      </dsp:txXfrm>
+    </dsp:sp>
+    <dsp:sp modelId="{FCADE709-3E49-45E6-A8FC-E6F3B094A439}">
+      <dsp:nvSpPr>
+        <dsp:cNvPr id="0" name=""/>
+        <dsp:cNvSpPr/>
+      </dsp:nvSpPr>
+      <dsp:spPr>
+        <a:xfrm>
+          <a:off x="3581760" y="3587527"/>
+          <a:ext cx="984260" cy="1476391"/>
+        </a:xfrm>
+        <a:prstGeom prst="rect">
+          <a:avLst/>
+        </a:prstGeom>
+        <a:blipFill>
+          <a:blip xmlns:r="http://schemas.openxmlformats.org/officeDocument/2006/relationships" r:embed="rId6" cstate="print">
+            <a:extLst>
+              <a:ext uri="{28A0092B-C50C-407E-A947-70E740481C1C}">
+                <a14:useLocalDpi xmlns:a14="http://schemas.microsoft.com/office/drawing/2010/main" val="0"/>
+              </a:ext>
+            </a:extLst>
+          </a:blip>
+          <a:srcRect/>
+          <a:stretch>
+            <a:fillRect l="-83000" r="-83000"/>
+          </a:stretch>
+        </a:blipFill>
+        <a:ln w="12700" cap="flat" cmpd="sng" algn="ctr">
+          <a:solidFill>
+            <a:schemeClr val="lt1">
+              <a:hueOff val="0"/>
+              <a:satOff val="0"/>
+              <a:lumOff val="0"/>
+              <a:alphaOff val="0"/>
+            </a:schemeClr>
+          </a:solidFill>
+          <a:prstDash val="solid"/>
+          <a:miter lim="800000"/>
+        </a:ln>
+        <a:effectLst/>
+      </dsp:spPr>
+      <dsp:style>
+        <a:lnRef idx="2">
+          <a:scrgbClr r="0" g="0" b="0"/>
+        </a:lnRef>
+        <a:fillRef idx="1">
+          <a:scrgbClr r="0" g="0" b="0"/>
+        </a:fillRef>
+        <a:effectRef idx="0">
+          <a:scrgbClr r="0" g="0" b="0"/>
+        </a:effectRef>
+        <a:fontRef idx="minor"/>
+      </dsp:style>
+    </dsp:sp>
+  </dsp:spTree>
+</dsp:drawing>
+</file>
+
+<file path=ppt/diagrams/drawing5.xml><?xml version="1.0" encoding="utf-8"?>
+<dsp:drawing xmlns:dgm="http://schemas.openxmlformats.org/drawingml/2006/diagram" xmlns:dsp="http://schemas.microsoft.com/office/drawing/2008/diagram" xmlns:a="http://schemas.openxmlformats.org/drawingml/2006/main">
+  <dsp:spTree>
+    <dsp:nvGrpSpPr>
+      <dsp:cNvPr id="0" name=""/>
+      <dsp:cNvGrpSpPr/>
+    </dsp:nvGrpSpPr>
+    <dsp:grpSpPr/>
+    <dsp:sp modelId="{F3505ED3-94CA-42A3-AEBB-B2669B9D474A}">
+      <dsp:nvSpPr>
+        <dsp:cNvPr id="0" name=""/>
+        <dsp:cNvSpPr/>
+      </dsp:nvSpPr>
+      <dsp:spPr>
+        <a:xfrm>
+          <a:off x="0" y="15765"/>
+          <a:ext cx="10066150" cy="875160"/>
+        </a:xfrm>
+        <a:prstGeom prst="roundRect">
+          <a:avLst/>
+        </a:prstGeom>
+        <a:solidFill>
+          <a:schemeClr val="accent1">
+            <a:hueOff val="0"/>
+            <a:satOff val="0"/>
+            <a:lumOff val="0"/>
+            <a:alphaOff val="0"/>
+          </a:schemeClr>
+        </a:solidFill>
+        <a:ln w="12700" cap="flat" cmpd="sng" algn="ctr">
+          <a:solidFill>
+            <a:schemeClr val="lt1">
+              <a:hueOff val="0"/>
+              <a:satOff val="0"/>
+              <a:lumOff val="0"/>
+              <a:alphaOff val="0"/>
+            </a:schemeClr>
+          </a:solidFill>
+          <a:prstDash val="solid"/>
+          <a:miter lim="800000"/>
+        </a:ln>
+        <a:effectLst/>
+      </dsp:spPr>
+      <dsp:style>
+        <a:lnRef idx="2">
+          <a:scrgbClr r="0" g="0" b="0"/>
+        </a:lnRef>
+        <a:fillRef idx="1">
+          <a:scrgbClr r="0" g="0" b="0"/>
+        </a:fillRef>
+        <a:effectRef idx="0">
+          <a:scrgbClr r="0" g="0" b="0"/>
+        </a:effectRef>
+        <a:fontRef idx="minor">
+          <a:schemeClr val="lt1"/>
+        </a:fontRef>
+      </dsp:style>
+      <dsp:txBody>
+        <a:bodyPr spcFirstLastPara="0" vert="horz" wrap="square" lIns="129540" tIns="129540" rIns="129540" bIns="129540" numCol="1" spcCol="1270" anchor="ctr" anchorCtr="0">
+          <a:noAutofit/>
+        </a:bodyPr>
+        <a:lstStyle/>
+        <a:p>
+          <a:pPr marL="0" lvl="0" indent="0" algn="l" defTabSz="1511300">
+            <a:lnSpc>
+              <a:spcPct val="90000"/>
+            </a:lnSpc>
+            <a:spcBef>
+              <a:spcPct val="0"/>
+            </a:spcBef>
+            <a:spcAft>
+              <a:spcPct val="35000"/>
+            </a:spcAft>
+            <a:buNone/>
+          </a:pPr>
+          <a:r>
+            <a:rPr lang="de-DE" sz="3400" kern="1200" dirty="0"/>
+            <a:t>Steuerung des Roboters mit natürlicher Sprache</a:t>
+          </a:r>
+        </a:p>
+      </dsp:txBody>
+      <dsp:txXfrm>
+        <a:off x="42722" y="58487"/>
+        <a:ext cx="9980706" cy="789716"/>
+      </dsp:txXfrm>
+    </dsp:sp>
+    <dsp:sp modelId="{7393F93C-24E6-4D59-99AE-31D74326B3AA}">
+      <dsp:nvSpPr>
+        <dsp:cNvPr id="0" name=""/>
+        <dsp:cNvSpPr/>
+      </dsp:nvSpPr>
+      <dsp:spPr>
+        <a:xfrm>
+          <a:off x="0" y="981096"/>
+          <a:ext cx="10066150" cy="875160"/>
+        </a:xfrm>
+        <a:prstGeom prst="roundRect">
+          <a:avLst/>
+        </a:prstGeom>
+        <a:solidFill>
+          <a:schemeClr val="accent1">
+            <a:hueOff val="0"/>
+            <a:satOff val="0"/>
+            <a:lumOff val="0"/>
+            <a:alphaOff val="0"/>
+          </a:schemeClr>
+        </a:solidFill>
+        <a:ln w="12700" cap="flat" cmpd="sng" algn="ctr">
+          <a:solidFill>
+            <a:schemeClr val="lt1">
+              <a:hueOff val="0"/>
+              <a:satOff val="0"/>
+              <a:lumOff val="0"/>
+              <a:alphaOff val="0"/>
+            </a:schemeClr>
+          </a:solidFill>
+          <a:prstDash val="solid"/>
+          <a:miter lim="800000"/>
+        </a:ln>
+        <a:effectLst/>
+      </dsp:spPr>
+      <dsp:style>
+        <a:lnRef idx="2">
+          <a:scrgbClr r="0" g="0" b="0"/>
+        </a:lnRef>
+        <a:fillRef idx="1">
+          <a:scrgbClr r="0" g="0" b="0"/>
+        </a:fillRef>
+        <a:effectRef idx="0">
+          <a:scrgbClr r="0" g="0" b="0"/>
+        </a:effectRef>
+        <a:fontRef idx="minor">
+          <a:schemeClr val="lt1"/>
+        </a:fontRef>
+      </dsp:style>
+      <dsp:txBody>
+        <a:bodyPr spcFirstLastPara="0" vert="horz" wrap="square" lIns="129540" tIns="129540" rIns="129540" bIns="129540" numCol="1" spcCol="1270" anchor="ctr" anchorCtr="0">
+          <a:noAutofit/>
+        </a:bodyPr>
+        <a:lstStyle/>
+        <a:p>
+          <a:pPr marL="0" lvl="0" indent="0" algn="l" defTabSz="1511300">
+            <a:lnSpc>
+              <a:spcPct val="90000"/>
+            </a:lnSpc>
+            <a:spcBef>
+              <a:spcPct val="0"/>
+            </a:spcBef>
+            <a:spcAft>
+              <a:spcPct val="35000"/>
+            </a:spcAft>
+            <a:buNone/>
+          </a:pPr>
+          <a:r>
+            <a:rPr lang="de-DE" sz="3400" kern="1200" dirty="0"/>
+            <a:t>Bedienung ohne Vorwissen</a:t>
+          </a:r>
+        </a:p>
+      </dsp:txBody>
+      <dsp:txXfrm>
+        <a:off x="42722" y="1023818"/>
+        <a:ext cx="9980706" cy="789716"/>
+      </dsp:txXfrm>
+    </dsp:sp>
+    <dsp:sp modelId="{F9107D6F-FB34-4B90-B0B7-77ABF544BC20}">
+      <dsp:nvSpPr>
+        <dsp:cNvPr id="0" name=""/>
+        <dsp:cNvSpPr/>
+      </dsp:nvSpPr>
+      <dsp:spPr>
+        <a:xfrm>
+          <a:off x="0" y="1961926"/>
+          <a:ext cx="10066150" cy="875160"/>
+        </a:xfrm>
+        <a:prstGeom prst="roundRect">
+          <a:avLst/>
+        </a:prstGeom>
+        <a:solidFill>
+          <a:schemeClr val="accent1">
+            <a:hueOff val="0"/>
+            <a:satOff val="0"/>
+            <a:lumOff val="0"/>
+            <a:alphaOff val="0"/>
+          </a:schemeClr>
+        </a:solidFill>
+        <a:ln w="12700" cap="flat" cmpd="sng" algn="ctr">
+          <a:solidFill>
+            <a:schemeClr val="lt1">
+              <a:hueOff val="0"/>
+              <a:satOff val="0"/>
+              <a:lumOff val="0"/>
+              <a:alphaOff val="0"/>
+            </a:schemeClr>
+          </a:solidFill>
+          <a:prstDash val="solid"/>
+          <a:miter lim="800000"/>
+        </a:ln>
+        <a:effectLst/>
+      </dsp:spPr>
+      <dsp:style>
+        <a:lnRef idx="2">
+          <a:scrgbClr r="0" g="0" b="0"/>
+        </a:lnRef>
+        <a:fillRef idx="1">
+          <a:scrgbClr r="0" g="0" b="0"/>
+        </a:fillRef>
+        <a:effectRef idx="0">
+          <a:scrgbClr r="0" g="0" b="0"/>
+        </a:effectRef>
+        <a:fontRef idx="minor">
+          <a:schemeClr val="lt1"/>
+        </a:fontRef>
+      </dsp:style>
+      <dsp:txBody>
+        <a:bodyPr spcFirstLastPara="0" vert="horz" wrap="square" lIns="129540" tIns="129540" rIns="129540" bIns="129540" numCol="1" spcCol="1270" anchor="ctr" anchorCtr="0">
+          <a:noAutofit/>
+        </a:bodyPr>
+        <a:lstStyle/>
+        <a:p>
+          <a:pPr marL="0" lvl="0" indent="0" algn="l" defTabSz="1511300">
+            <a:lnSpc>
+              <a:spcPct val="90000"/>
+            </a:lnSpc>
+            <a:spcBef>
+              <a:spcPct val="0"/>
+            </a:spcBef>
+            <a:spcAft>
+              <a:spcPct val="35000"/>
+            </a:spcAft>
+            <a:buNone/>
+          </a:pPr>
+          <a:r>
+            <a:rPr lang="de-DE" sz="3400" kern="1200" dirty="0"/>
+            <a:t>möglichst freie Wortwahl für Befehle</a:t>
+          </a:r>
+        </a:p>
+      </dsp:txBody>
+      <dsp:txXfrm>
+        <a:off x="42722" y="2004648"/>
+        <a:ext cx="9980706" cy="789716"/>
+      </dsp:txXfrm>
+    </dsp:sp>
+    <dsp:sp modelId="{939EC2AC-5425-400E-B7ED-78BD68B7B7C2}">
+      <dsp:nvSpPr>
+        <dsp:cNvPr id="0" name=""/>
+        <dsp:cNvSpPr/>
+      </dsp:nvSpPr>
+      <dsp:spPr>
+        <a:xfrm>
+          <a:off x="0" y="2935006"/>
+          <a:ext cx="10066150" cy="875160"/>
+        </a:xfrm>
+        <a:prstGeom prst="roundRect">
+          <a:avLst/>
+        </a:prstGeom>
+        <a:solidFill>
+          <a:schemeClr val="accent1">
+            <a:hueOff val="0"/>
+            <a:satOff val="0"/>
+            <a:lumOff val="0"/>
+            <a:alphaOff val="0"/>
+          </a:schemeClr>
+        </a:solidFill>
+        <a:ln w="12700" cap="flat" cmpd="sng" algn="ctr">
+          <a:solidFill>
+            <a:schemeClr val="lt1">
+              <a:hueOff val="0"/>
+              <a:satOff val="0"/>
+              <a:lumOff val="0"/>
+              <a:alphaOff val="0"/>
+            </a:schemeClr>
+          </a:solidFill>
+          <a:prstDash val="solid"/>
+          <a:miter lim="800000"/>
+        </a:ln>
+        <a:effectLst/>
+      </dsp:spPr>
+      <dsp:style>
+        <a:lnRef idx="2">
+          <a:scrgbClr r="0" g="0" b="0"/>
+        </a:lnRef>
+        <a:fillRef idx="1">
+          <a:scrgbClr r="0" g="0" b="0"/>
+        </a:fillRef>
+        <a:effectRef idx="0">
+          <a:scrgbClr r="0" g="0" b="0"/>
+        </a:effectRef>
+        <a:fontRef idx="minor">
+          <a:schemeClr val="lt1"/>
+        </a:fontRef>
+      </dsp:style>
+      <dsp:txBody>
+        <a:bodyPr spcFirstLastPara="0" vert="horz" wrap="square" lIns="129540" tIns="129540" rIns="129540" bIns="129540" numCol="1" spcCol="1270" anchor="ctr" anchorCtr="0">
+          <a:noAutofit/>
+        </a:bodyPr>
+        <a:lstStyle/>
+        <a:p>
+          <a:pPr marL="0" lvl="0" indent="0" algn="l" defTabSz="1511300">
+            <a:lnSpc>
+              <a:spcPct val="90000"/>
+            </a:lnSpc>
+            <a:spcBef>
+              <a:spcPct val="0"/>
+            </a:spcBef>
+            <a:spcAft>
+              <a:spcPct val="35000"/>
+            </a:spcAft>
+            <a:buNone/>
+          </a:pPr>
+          <a:r>
+            <a:rPr lang="de-DE" sz="3400" kern="1200" dirty="0"/>
+            <a:t>Schutz der Privatsphäre</a:t>
+          </a:r>
+        </a:p>
+      </dsp:txBody>
+      <dsp:txXfrm>
+        <a:off x="42722" y="2977728"/>
+        <a:ext cx="9980706" cy="789716"/>
+      </dsp:txXfrm>
+    </dsp:sp>
+    <dsp:sp modelId="{C7E85622-FB29-4BB5-BAEC-020EA11AC2AA}">
+      <dsp:nvSpPr>
+        <dsp:cNvPr id="0" name=""/>
+        <dsp:cNvSpPr/>
+      </dsp:nvSpPr>
+      <dsp:spPr>
+        <a:xfrm>
+          <a:off x="0" y="3908086"/>
+          <a:ext cx="10066150" cy="875160"/>
+        </a:xfrm>
+        <a:prstGeom prst="roundRect">
+          <a:avLst/>
+        </a:prstGeom>
+        <a:solidFill>
+          <a:schemeClr val="accent1">
+            <a:hueOff val="0"/>
+            <a:satOff val="0"/>
+            <a:lumOff val="0"/>
+            <a:alphaOff val="0"/>
+          </a:schemeClr>
+        </a:solidFill>
+        <a:ln w="12700" cap="flat" cmpd="sng" algn="ctr">
+          <a:solidFill>
+            <a:schemeClr val="lt1">
+              <a:hueOff val="0"/>
+              <a:satOff val="0"/>
+              <a:lumOff val="0"/>
+              <a:alphaOff val="0"/>
+            </a:schemeClr>
+          </a:solidFill>
+          <a:prstDash val="solid"/>
+          <a:miter lim="800000"/>
+        </a:ln>
+        <a:effectLst/>
+      </dsp:spPr>
+      <dsp:style>
+        <a:lnRef idx="2">
+          <a:scrgbClr r="0" g="0" b="0"/>
+        </a:lnRef>
+        <a:fillRef idx="1">
+          <a:scrgbClr r="0" g="0" b="0"/>
+        </a:fillRef>
+        <a:effectRef idx="0">
+          <a:scrgbClr r="0" g="0" b="0"/>
+        </a:effectRef>
+        <a:fontRef idx="minor">
+          <a:schemeClr val="lt1"/>
+        </a:fontRef>
+      </dsp:style>
+      <dsp:txBody>
+        <a:bodyPr spcFirstLastPara="0" vert="horz" wrap="square" lIns="129540" tIns="129540" rIns="129540" bIns="129540" numCol="1" spcCol="1270" anchor="ctr" anchorCtr="0">
+          <a:noAutofit/>
+        </a:bodyPr>
+        <a:lstStyle/>
+        <a:p>
+          <a:pPr marL="0" lvl="0" indent="0" algn="l" defTabSz="1511300">
+            <a:lnSpc>
+              <a:spcPct val="90000"/>
+            </a:lnSpc>
+            <a:spcBef>
+              <a:spcPct val="0"/>
+            </a:spcBef>
+            <a:spcAft>
+              <a:spcPct val="35000"/>
+            </a:spcAft>
+            <a:buNone/>
+          </a:pPr>
+          <a:r>
+            <a:rPr lang="de-DE" sz="3400" kern="1200" dirty="0"/>
+            <a:t>Anpassungen an (Kern-)Funktionen möglich</a:t>
+          </a:r>
+        </a:p>
+      </dsp:txBody>
+      <dsp:txXfrm>
+        <a:off x="42722" y="3950808"/>
+        <a:ext cx="9980706" cy="789716"/>
+      </dsp:txXfrm>
+    </dsp:sp>
+  </dsp:spTree>
+</dsp:drawing>
+</file>
+
 <file path=ppt/diagrams/layout1.xml><?xml version="1.0" encoding="utf-8"?>
 <dgm:layoutDef xmlns:dgm="http://schemas.openxmlformats.org/drawingml/2006/diagram" xmlns:a="http://schemas.openxmlformats.org/drawingml/2006/main" uniqueId="urn:microsoft.com/office/officeart/2005/8/layout/default">
   <dgm:title val=""/>
@@ -4854,6 +8174,368 @@
 </dgm:layoutDef>
 </file>
 
+<file path=ppt/diagrams/layout4.xml><?xml version="1.0" encoding="utf-8"?>
+<dgm:layoutDef xmlns:dgm="http://schemas.openxmlformats.org/drawingml/2006/diagram" xmlns:a="http://schemas.openxmlformats.org/drawingml/2006/main" uniqueId="urn:microsoft.com/office/officeart/2008/layout/PictureStrips">
+  <dgm:title val=""/>
+  <dgm:desc val=""/>
+  <dgm:catLst>
+    <dgm:cat type="list" pri="12500"/>
+    <dgm:cat type="picture" pri="13000"/>
+    <dgm:cat type="pictureconvert" pri="13000"/>
+  </dgm:catLst>
+  <dgm:sampData>
+    <dgm:dataModel>
+      <dgm:ptLst>
+        <dgm:pt modelId="0" type="doc"/>
+        <dgm:pt modelId="10">
+          <dgm:prSet phldr="1"/>
+        </dgm:pt>
+        <dgm:pt modelId="20">
+          <dgm:prSet phldr="1"/>
+        </dgm:pt>
+        <dgm:pt modelId="30">
+          <dgm:prSet phldr="1"/>
+        </dgm:pt>
+      </dgm:ptLst>
+      <dgm:cxnLst>
+        <dgm:cxn modelId="40" srcId="0" destId="10" srcOrd="0" destOrd="0"/>
+        <dgm:cxn modelId="50" srcId="0" destId="20" srcOrd="1" destOrd="0"/>
+        <dgm:cxn modelId="60" srcId="0" destId="30" srcOrd="2" destOrd="0"/>
+      </dgm:cxnLst>
+      <dgm:bg/>
+      <dgm:whole/>
+    </dgm:dataModel>
+  </dgm:sampData>
+  <dgm:styleData>
+    <dgm:dataModel>
+      <dgm:ptLst>
+        <dgm:pt modelId="0" type="doc"/>
+        <dgm:pt modelId="10">
+          <dgm:prSet phldr="1"/>
+        </dgm:pt>
+        <dgm:pt modelId="20">
+          <dgm:prSet phldr="1"/>
+        </dgm:pt>
+      </dgm:ptLst>
+      <dgm:cxnLst>
+        <dgm:cxn modelId="40" srcId="0" destId="10" srcOrd="0" destOrd="0"/>
+        <dgm:cxn modelId="50" srcId="0" destId="20" srcOrd="1" destOrd="0"/>
+      </dgm:cxnLst>
+      <dgm:bg/>
+      <dgm:whole/>
+    </dgm:dataModel>
+  </dgm:styleData>
+  <dgm:clrData>
+    <dgm:dataModel>
+      <dgm:ptLst>
+        <dgm:pt modelId="0" type="doc"/>
+        <dgm:pt modelId="10">
+          <dgm:prSet phldr="1"/>
+        </dgm:pt>
+        <dgm:pt modelId="20">
+          <dgm:prSet phldr="1"/>
+        </dgm:pt>
+        <dgm:pt modelId="30">
+          <dgm:prSet phldr="1"/>
+        </dgm:pt>
+        <dgm:pt modelId="40">
+          <dgm:prSet phldr="1"/>
+        </dgm:pt>
+      </dgm:ptLst>
+      <dgm:cxnLst>
+        <dgm:cxn modelId="40" srcId="0" destId="10" srcOrd="0" destOrd="0"/>
+        <dgm:cxn modelId="50" srcId="0" destId="20" srcOrd="1" destOrd="0"/>
+        <dgm:cxn modelId="60" srcId="0" destId="30" srcOrd="2" destOrd="0"/>
+        <dgm:cxn modelId="70" srcId="0" destId="40" srcOrd="2" destOrd="0"/>
+      </dgm:cxnLst>
+      <dgm:bg/>
+      <dgm:whole/>
+    </dgm:dataModel>
+  </dgm:clrData>
+  <dgm:layoutNode name="Name0">
+    <dgm:varLst>
+      <dgm:dir/>
+      <dgm:resizeHandles val="exact"/>
+    </dgm:varLst>
+    <dgm:choose name="Name1">
+      <dgm:if name="Name2" func="var" arg="dir" op="equ" val="norm">
+        <dgm:alg type="snake">
+          <dgm:param type="off" val="ctr"/>
+        </dgm:alg>
+      </dgm:if>
+      <dgm:else name="Name3">
+        <dgm:alg type="snake">
+          <dgm:param type="off" val="ctr"/>
+          <dgm:param type="grDir" val="tR"/>
+        </dgm:alg>
+      </dgm:else>
+    </dgm:choose>
+    <dgm:shape xmlns:r="http://schemas.openxmlformats.org/officeDocument/2006/relationships" r:blip="">
+      <dgm:adjLst/>
+    </dgm:shape>
+    <dgm:constrLst>
+      <dgm:constr type="primFontSz" for="des" ptType="node" op="equ" val="65"/>
+      <dgm:constr type="w" for="ch" forName="composite" refType="w"/>
+      <dgm:constr type="h" for="ch" forName="composite" refType="h"/>
+      <dgm:constr type="sp" refType="h" refFor="ch" refForName="composite" op="equ" fact="0.1"/>
+      <dgm:constr type="h" for="ch" forName="sibTrans" refType="h" refFor="ch" refForName="composite" op="equ" fact="0.1"/>
+      <dgm:constr type="w" for="ch" forName="sibTrans" refType="h" refFor="ch" refForName="sibTrans" op="equ"/>
+    </dgm:constrLst>
+    <dgm:forEach name="nodesForEach" axis="ch" ptType="node">
+      <dgm:layoutNode name="composite">
+        <dgm:alg type="composite">
+          <dgm:param type="ar" val="3"/>
+        </dgm:alg>
+        <dgm:shape xmlns:r="http://schemas.openxmlformats.org/officeDocument/2006/relationships" r:blip="">
+          <dgm:adjLst/>
+        </dgm:shape>
+        <dgm:choose name="Name4">
+          <dgm:if name="Name5" func="var" arg="dir" op="equ" val="norm">
+            <dgm:constrLst>
+              <dgm:constr type="l" for="ch" forName="rect1" refType="w" fact="0.04"/>
+              <dgm:constr type="t" for="ch" forName="rect1" refType="h" fact="0.13"/>
+              <dgm:constr type="w" for="ch" forName="rect1" refType="w" fact="0.96"/>
+              <dgm:constr type="h" for="ch" forName="rect1" refType="h" fact="0.9"/>
+              <dgm:constr type="l" for="ch" forName="rect2" refType="w" fact="0"/>
+              <dgm:constr type="t" for="ch" forName="rect2" refType="h" fact="0"/>
+              <dgm:constr type="w" for="ch" forName="rect2" refType="w" fact="0.21"/>
+              <dgm:constr type="h" for="ch" forName="rect2" refType="w" fact="0.315"/>
+            </dgm:constrLst>
+          </dgm:if>
+          <dgm:else name="Name6">
+            <dgm:constrLst>
+              <dgm:constr type="l" for="ch" forName="rect1" refType="w" fact="0"/>
+              <dgm:constr type="t" for="ch" forName="rect1" refType="h" fact="0.13"/>
+              <dgm:constr type="w" for="ch" forName="rect1" refType="w" fact="0.96"/>
+              <dgm:constr type="h" for="ch" forName="rect1" refType="h" fact="0.9"/>
+              <dgm:constr type="l" for="ch" forName="rect2" refType="w" fact="0.79"/>
+              <dgm:constr type="t" for="ch" forName="rect2" refType="h" fact="0"/>
+              <dgm:constr type="w" for="ch" forName="rect2" refType="w" fact="0.21"/>
+              <dgm:constr type="h" for="ch" forName="rect2" refType="w" fact="0.315"/>
+            </dgm:constrLst>
+          </dgm:else>
+        </dgm:choose>
+        <dgm:layoutNode name="rect1" styleLbl="trAlignAcc1">
+          <dgm:varLst>
+            <dgm:bulletEnabled val="1"/>
+          </dgm:varLst>
+          <dgm:alg type="tx">
+            <dgm:param type="parTxLTRAlign" val="l"/>
+          </dgm:alg>
+          <dgm:shape xmlns:r="http://schemas.openxmlformats.org/officeDocument/2006/relationships" type="rect" r:blip="">
+            <dgm:adjLst/>
+          </dgm:shape>
+          <dgm:presOf axis="desOrSelf" ptType="node"/>
+          <dgm:choose name="Name7">
+            <dgm:if name="Name8" func="var" arg="dir" op="equ" val="norm">
+              <dgm:constrLst>
+                <dgm:constr type="lMarg" refType="w" fact="0.6"/>
+                <dgm:constr type="rMarg" refType="primFontSz" fact="0.3"/>
+                <dgm:constr type="tMarg" refType="primFontSz" fact="0.3"/>
+                <dgm:constr type="bMarg" refType="primFontSz" fact="0.3"/>
+              </dgm:constrLst>
+            </dgm:if>
+            <dgm:else name="Name9">
+              <dgm:constrLst>
+                <dgm:constr type="lMarg" refType="primFontSz" fact="0.3"/>
+                <dgm:constr type="rMarg" refType="w" fact="0.6"/>
+                <dgm:constr type="tMarg" refType="primFontSz" fact="0.3"/>
+                <dgm:constr type="bMarg" refType="primFontSz" fact="0.3"/>
+              </dgm:constrLst>
+            </dgm:else>
+          </dgm:choose>
+          <dgm:ruleLst>
+            <dgm:rule type="primFontSz" val="5" fact="NaN" max="NaN"/>
+          </dgm:ruleLst>
+        </dgm:layoutNode>
+        <dgm:layoutNode name="rect2" styleLbl="fgImgPlace1">
+          <dgm:alg type="sp"/>
+          <dgm:shape xmlns:r="http://schemas.openxmlformats.org/officeDocument/2006/relationships" type="rect" r:blip="" blipPhldr="1">
+            <dgm:adjLst/>
+          </dgm:shape>
+          <dgm:presOf/>
+        </dgm:layoutNode>
+      </dgm:layoutNode>
+      <dgm:forEach name="sibTransForEach" axis="followSib" ptType="sibTrans" cnt="1">
+        <dgm:layoutNode name="sibTrans">
+          <dgm:alg type="sp"/>
+          <dgm:shape xmlns:r="http://schemas.openxmlformats.org/officeDocument/2006/relationships" r:blip="">
+            <dgm:adjLst/>
+          </dgm:shape>
+        </dgm:layoutNode>
+      </dgm:forEach>
+    </dgm:forEach>
+  </dgm:layoutNode>
+</dgm:layoutDef>
+</file>
+
+<file path=ppt/diagrams/layout5.xml><?xml version="1.0" encoding="utf-8"?>
+<dgm:layoutDef xmlns:dgm="http://schemas.openxmlformats.org/drawingml/2006/diagram" xmlns:a="http://schemas.openxmlformats.org/drawingml/2006/main" uniqueId="urn:microsoft.com/office/officeart/2005/8/layout/vList2">
+  <dgm:title val=""/>
+  <dgm:desc val=""/>
+  <dgm:catLst>
+    <dgm:cat type="list" pri="3000"/>
+    <dgm:cat type="convert" pri="1000"/>
+  </dgm:catLst>
+  <dgm:sampData>
+    <dgm:dataModel>
+      <dgm:ptLst>
+        <dgm:pt modelId="0" type="doc"/>
+        <dgm:pt modelId="1">
+          <dgm:prSet phldr="1"/>
+        </dgm:pt>
+        <dgm:pt modelId="11">
+          <dgm:prSet phldr="1"/>
+        </dgm:pt>
+        <dgm:pt modelId="2">
+          <dgm:prSet phldr="1"/>
+        </dgm:pt>
+        <dgm:pt modelId="21">
+          <dgm:prSet phldr="1"/>
+        </dgm:pt>
+      </dgm:ptLst>
+      <dgm:cxnLst>
+        <dgm:cxn modelId="4" srcId="0" destId="1" srcOrd="0" destOrd="0"/>
+        <dgm:cxn modelId="5" srcId="0" destId="2" srcOrd="1" destOrd="0"/>
+        <dgm:cxn modelId="12" srcId="1" destId="11" srcOrd="0" destOrd="0"/>
+        <dgm:cxn modelId="23" srcId="2" destId="21" srcOrd="0" destOrd="0"/>
+      </dgm:cxnLst>
+      <dgm:bg/>
+      <dgm:whole/>
+    </dgm:dataModel>
+  </dgm:sampData>
+  <dgm:styleData>
+    <dgm:dataModel>
+      <dgm:ptLst>
+        <dgm:pt modelId="0" type="doc"/>
+        <dgm:pt modelId="1"/>
+        <dgm:pt modelId="2"/>
+      </dgm:ptLst>
+      <dgm:cxnLst>
+        <dgm:cxn modelId="3" srcId="0" destId="1" srcOrd="0" destOrd="0"/>
+        <dgm:cxn modelId="4" srcId="0" destId="2" srcOrd="1" destOrd="0"/>
+      </dgm:cxnLst>
+      <dgm:bg/>
+      <dgm:whole/>
+    </dgm:dataModel>
+  </dgm:styleData>
+  <dgm:clrData>
+    <dgm:dataModel>
+      <dgm:ptLst>
+        <dgm:pt modelId="0" type="doc"/>
+        <dgm:pt modelId="1"/>
+        <dgm:pt modelId="2"/>
+        <dgm:pt modelId="3"/>
+        <dgm:pt modelId="4"/>
+      </dgm:ptLst>
+      <dgm:cxnLst>
+        <dgm:cxn modelId="5" srcId="0" destId="1" srcOrd="0" destOrd="0"/>
+        <dgm:cxn modelId="6" srcId="0" destId="2" srcOrd="1" destOrd="0"/>
+        <dgm:cxn modelId="7" srcId="0" destId="3" srcOrd="2" destOrd="0"/>
+        <dgm:cxn modelId="8" srcId="0" destId="4" srcOrd="3" destOrd="0"/>
+      </dgm:cxnLst>
+      <dgm:bg/>
+      <dgm:whole/>
+    </dgm:dataModel>
+  </dgm:clrData>
+  <dgm:layoutNode name="linear">
+    <dgm:varLst>
+      <dgm:animLvl val="lvl"/>
+      <dgm:resizeHandles val="exact"/>
+    </dgm:varLst>
+    <dgm:alg type="lin">
+      <dgm:param type="linDir" val="fromT"/>
+      <dgm:param type="vertAlign" val="mid"/>
+    </dgm:alg>
+    <dgm:shape xmlns:r="http://schemas.openxmlformats.org/officeDocument/2006/relationships" r:blip="">
+      <dgm:adjLst/>
+    </dgm:shape>
+    <dgm:presOf/>
+    <dgm:constrLst>
+      <dgm:constr type="w" for="ch" forName="parentText" refType="w"/>
+      <dgm:constr type="h" for="ch" forName="parentText" refType="primFontSz" refFor="ch" refForName="parentText" fact="0.52"/>
+      <dgm:constr type="w" for="ch" forName="childText" refType="w"/>
+      <dgm:constr type="h" for="ch" forName="childText" refType="primFontSz" refFor="ch" refForName="parentText" fact="0.46"/>
+      <dgm:constr type="h" for="ch" forName="parentText" op="equ"/>
+      <dgm:constr type="primFontSz" for="ch" forName="parentText" op="equ" val="65"/>
+      <dgm:constr type="primFontSz" for="ch" forName="childText" refType="primFontSz" refFor="ch" refForName="parentText" op="equ"/>
+      <dgm:constr type="h" for="ch" forName="spacer" refType="primFontSz" refFor="ch" refForName="parentText" fact="0.08"/>
+    </dgm:constrLst>
+    <dgm:ruleLst>
+      <dgm:rule type="primFontSz" for="ch" forName="parentText" val="5" fact="NaN" max="NaN"/>
+    </dgm:ruleLst>
+    <dgm:forEach name="Name0" axis="ch" ptType="node">
+      <dgm:layoutNode name="parentText" styleLbl="node1">
+        <dgm:varLst>
+          <dgm:chMax val="0"/>
+          <dgm:bulletEnabled val="1"/>
+        </dgm:varLst>
+        <dgm:alg type="tx">
+          <dgm:param type="parTxLTRAlign" val="l"/>
+          <dgm:param type="parTxRTLAlign" val="r"/>
+        </dgm:alg>
+        <dgm:shape xmlns:r="http://schemas.openxmlformats.org/officeDocument/2006/relationships" type="roundRect" r:blip="">
+          <dgm:adjLst/>
+        </dgm:shape>
+        <dgm:presOf axis="self"/>
+        <dgm:constrLst>
+          <dgm:constr type="tMarg" refType="primFontSz" fact="0.3"/>
+          <dgm:constr type="bMarg" refType="primFontSz" fact="0.3"/>
+          <dgm:constr type="lMarg" refType="primFontSz" fact="0.3"/>
+          <dgm:constr type="rMarg" refType="primFontSz" fact="0.3"/>
+        </dgm:constrLst>
+        <dgm:ruleLst>
+          <dgm:rule type="h" val="INF" fact="NaN" max="NaN"/>
+        </dgm:ruleLst>
+      </dgm:layoutNode>
+      <dgm:choose name="Name1">
+        <dgm:if name="Name2" axis="ch" ptType="node" func="cnt" op="gte" val="1">
+          <dgm:layoutNode name="childText" styleLbl="revTx">
+            <dgm:varLst>
+              <dgm:bulletEnabled val="1"/>
+            </dgm:varLst>
+            <dgm:alg type="tx">
+              <dgm:param type="stBulletLvl" val="1"/>
+              <dgm:param type="lnSpAfChP" val="20"/>
+            </dgm:alg>
+            <dgm:shape xmlns:r="http://schemas.openxmlformats.org/officeDocument/2006/relationships" type="rect" r:blip="">
+              <dgm:adjLst/>
+            </dgm:shape>
+            <dgm:presOf axis="des" ptType="node"/>
+            <dgm:constrLst>
+              <dgm:constr type="tMarg" refType="primFontSz" fact="0.1"/>
+              <dgm:constr type="bMarg" refType="primFontSz" fact="0.1"/>
+              <dgm:constr type="lMarg" refType="w" fact="0.09"/>
+            </dgm:constrLst>
+            <dgm:ruleLst>
+              <dgm:rule type="h" val="INF" fact="NaN" max="NaN"/>
+            </dgm:ruleLst>
+          </dgm:layoutNode>
+        </dgm:if>
+        <dgm:else name="Name3">
+          <dgm:choose name="Name4">
+            <dgm:if name="Name5" axis="par ch" ptType="doc node" func="cnt" op="gte" val="2">
+              <dgm:forEach name="Name6" axis="followSib" ptType="sibTrans" cnt="1">
+                <dgm:layoutNode name="spacer">
+                  <dgm:alg type="sp"/>
+                  <dgm:shape xmlns:r="http://schemas.openxmlformats.org/officeDocument/2006/relationships" r:blip="">
+                    <dgm:adjLst/>
+                  </dgm:shape>
+                  <dgm:presOf/>
+                  <dgm:constrLst/>
+                  <dgm:ruleLst/>
+                </dgm:layoutNode>
+              </dgm:forEach>
+            </dgm:if>
+            <dgm:else name="Name7"/>
+          </dgm:choose>
+        </dgm:else>
+      </dgm:choose>
+    </dgm:forEach>
+  </dgm:layoutNode>
+</dgm:layoutDef>
+</file>
+
 <file path=ppt/diagrams/quickStyle1.xml><?xml version="1.0" encoding="utf-8"?>
 <dgm:styleDef xmlns:dgm="http://schemas.openxmlformats.org/drawingml/2006/diagram" xmlns:a="http://schemas.openxmlformats.org/drawingml/2006/main" uniqueId="urn:microsoft.com/office/officeart/2005/8/quickstyle/simple1">
   <dgm:title val=""/>
@@ -6923,6 +10605,2074 @@
 </file>
 
 <file path=ppt/diagrams/quickStyle3.xml><?xml version="1.0" encoding="utf-8"?>
+<dgm:styleDef xmlns:dgm="http://schemas.openxmlformats.org/drawingml/2006/diagram" xmlns:a="http://schemas.openxmlformats.org/drawingml/2006/main" uniqueId="urn:microsoft.com/office/officeart/2005/8/quickstyle/simple1">
+  <dgm:title val=""/>
+  <dgm:desc val=""/>
+  <dgm:catLst>
+    <dgm:cat type="simple" pri="10100"/>
+  </dgm:catLst>
+  <dgm:scene3d>
+    <a:camera prst="orthographicFront"/>
+    <a:lightRig rig="threePt" dir="t"/>
+  </dgm:scene3d>
+  <dgm:styleLbl name="node0">
+    <dgm:scene3d>
+      <a:camera prst="orthographicFront"/>
+      <a:lightRig rig="threePt" dir="t"/>
+    </dgm:scene3d>
+    <dgm:sp3d/>
+    <dgm:txPr/>
+    <dgm:style>
+      <a:lnRef idx="2">
+        <a:scrgbClr r="0" g="0" b="0"/>
+      </a:lnRef>
+      <a:fillRef idx="1">
+        <a:scrgbClr r="0" g="0" b="0"/>
+      </a:fillRef>
+      <a:effectRef idx="0">
+        <a:scrgbClr r="0" g="0" b="0"/>
+      </a:effectRef>
+      <a:fontRef idx="minor">
+        <a:schemeClr val="lt1"/>
+      </a:fontRef>
+    </dgm:style>
+  </dgm:styleLbl>
+  <dgm:styleLbl name="lnNode1">
+    <dgm:scene3d>
+      <a:camera prst="orthographicFront"/>
+      <a:lightRig rig="threePt" dir="t"/>
+    </dgm:scene3d>
+    <dgm:sp3d/>
+    <dgm:txPr/>
+    <dgm:style>
+      <a:lnRef idx="2">
+        <a:scrgbClr r="0" g="0" b="0"/>
+      </a:lnRef>
+      <a:fillRef idx="1">
+        <a:scrgbClr r="0" g="0" b="0"/>
+      </a:fillRef>
+      <a:effectRef idx="0">
+        <a:scrgbClr r="0" g="0" b="0"/>
+      </a:effectRef>
+      <a:fontRef idx="minor">
+        <a:schemeClr val="lt1"/>
+      </a:fontRef>
+    </dgm:style>
+  </dgm:styleLbl>
+  <dgm:styleLbl name="vennNode1">
+    <dgm:scene3d>
+      <a:camera prst="orthographicFront"/>
+      <a:lightRig rig="threePt" dir="t"/>
+    </dgm:scene3d>
+    <dgm:sp3d/>
+    <dgm:txPr/>
+    <dgm:style>
+      <a:lnRef idx="2">
+        <a:scrgbClr r="0" g="0" b="0"/>
+      </a:lnRef>
+      <a:fillRef idx="1">
+        <a:scrgbClr r="0" g="0" b="0"/>
+      </a:fillRef>
+      <a:effectRef idx="0">
+        <a:scrgbClr r="0" g="0" b="0"/>
+      </a:effectRef>
+      <a:fontRef idx="minor">
+        <a:schemeClr val="tx1"/>
+      </a:fontRef>
+    </dgm:style>
+  </dgm:styleLbl>
+  <dgm:styleLbl name="alignNode1">
+    <dgm:scene3d>
+      <a:camera prst="orthographicFront"/>
+      <a:lightRig rig="threePt" dir="t"/>
+    </dgm:scene3d>
+    <dgm:sp3d/>
+    <dgm:txPr/>
+    <dgm:style>
+      <a:lnRef idx="2">
+        <a:scrgbClr r="0" g="0" b="0"/>
+      </a:lnRef>
+      <a:fillRef idx="1">
+        <a:scrgbClr r="0" g="0" b="0"/>
+      </a:fillRef>
+      <a:effectRef idx="0">
+        <a:scrgbClr r="0" g="0" b="0"/>
+      </a:effectRef>
+      <a:fontRef idx="minor">
+        <a:schemeClr val="lt1"/>
+      </a:fontRef>
+    </dgm:style>
+  </dgm:styleLbl>
+  <dgm:styleLbl name="node1">
+    <dgm:scene3d>
+      <a:camera prst="orthographicFront"/>
+      <a:lightRig rig="threePt" dir="t"/>
+    </dgm:scene3d>
+    <dgm:sp3d/>
+    <dgm:txPr/>
+    <dgm:style>
+      <a:lnRef idx="2">
+        <a:scrgbClr r="0" g="0" b="0"/>
+      </a:lnRef>
+      <a:fillRef idx="1">
+        <a:scrgbClr r="0" g="0" b="0"/>
+      </a:fillRef>
+      <a:effectRef idx="0">
+        <a:scrgbClr r="0" g="0" b="0"/>
+      </a:effectRef>
+      <a:fontRef idx="minor">
+        <a:schemeClr val="lt1"/>
+      </a:fontRef>
+    </dgm:style>
+  </dgm:styleLbl>
+  <dgm:styleLbl name="node2">
+    <dgm:scene3d>
+      <a:camera prst="orthographicFront"/>
+      <a:lightRig rig="threePt" dir="t"/>
+    </dgm:scene3d>
+    <dgm:sp3d/>
+    <dgm:txPr/>
+    <dgm:style>
+      <a:lnRef idx="2">
+        <a:scrgbClr r="0" g="0" b="0"/>
+      </a:lnRef>
+      <a:fillRef idx="1">
+        <a:scrgbClr r="0" g="0" b="0"/>
+      </a:fillRef>
+      <a:effectRef idx="0">
+        <a:scrgbClr r="0" g="0" b="0"/>
+      </a:effectRef>
+      <a:fontRef idx="minor">
+        <a:schemeClr val="lt1"/>
+      </a:fontRef>
+    </dgm:style>
+  </dgm:styleLbl>
+  <dgm:styleLbl name="node3">
+    <dgm:scene3d>
+      <a:camera prst="orthographicFront"/>
+      <a:lightRig rig="threePt" dir="t"/>
+    </dgm:scene3d>
+    <dgm:sp3d/>
+    <dgm:txPr/>
+    <dgm:style>
+      <a:lnRef idx="2">
+        <a:scrgbClr r="0" g="0" b="0"/>
+      </a:lnRef>
+      <a:fillRef idx="1">
+        <a:scrgbClr r="0" g="0" b="0"/>
+      </a:fillRef>
+      <a:effectRef idx="0">
+        <a:scrgbClr r="0" g="0" b="0"/>
+      </a:effectRef>
+      <a:fontRef idx="minor">
+        <a:schemeClr val="lt1"/>
+      </a:fontRef>
+    </dgm:style>
+  </dgm:styleLbl>
+  <dgm:styleLbl name="node4">
+    <dgm:scene3d>
+      <a:camera prst="orthographicFront"/>
+      <a:lightRig rig="threePt" dir="t"/>
+    </dgm:scene3d>
+    <dgm:sp3d/>
+    <dgm:txPr/>
+    <dgm:style>
+      <a:lnRef idx="2">
+        <a:scrgbClr r="0" g="0" b="0"/>
+      </a:lnRef>
+      <a:fillRef idx="1">
+        <a:scrgbClr r="0" g="0" b="0"/>
+      </a:fillRef>
+      <a:effectRef idx="0">
+        <a:scrgbClr r="0" g="0" b="0"/>
+      </a:effectRef>
+      <a:fontRef idx="minor">
+        <a:schemeClr val="lt1"/>
+      </a:fontRef>
+    </dgm:style>
+  </dgm:styleLbl>
+  <dgm:styleLbl name="fgImgPlace1">
+    <dgm:scene3d>
+      <a:camera prst="orthographicFront"/>
+      <a:lightRig rig="threePt" dir="t"/>
+    </dgm:scene3d>
+    <dgm:sp3d/>
+    <dgm:txPr/>
+    <dgm:style>
+      <a:lnRef idx="2">
+        <a:scrgbClr r="0" g="0" b="0"/>
+      </a:lnRef>
+      <a:fillRef idx="1">
+        <a:scrgbClr r="0" g="0" b="0"/>
+      </a:fillRef>
+      <a:effectRef idx="0">
+        <a:scrgbClr r="0" g="0" b="0"/>
+      </a:effectRef>
+      <a:fontRef idx="minor"/>
+    </dgm:style>
+  </dgm:styleLbl>
+  <dgm:styleLbl name="alignImgPlace1">
+    <dgm:scene3d>
+      <a:camera prst="orthographicFront"/>
+      <a:lightRig rig="threePt" dir="t"/>
+    </dgm:scene3d>
+    <dgm:sp3d/>
+    <dgm:txPr/>
+    <dgm:style>
+      <a:lnRef idx="2">
+        <a:scrgbClr r="0" g="0" b="0"/>
+      </a:lnRef>
+      <a:fillRef idx="1">
+        <a:scrgbClr r="0" g="0" b="0"/>
+      </a:fillRef>
+      <a:effectRef idx="0">
+        <a:scrgbClr r="0" g="0" b="0"/>
+      </a:effectRef>
+      <a:fontRef idx="minor"/>
+    </dgm:style>
+  </dgm:styleLbl>
+  <dgm:styleLbl name="bgImgPlace1">
+    <dgm:scene3d>
+      <a:camera prst="orthographicFront"/>
+      <a:lightRig rig="threePt" dir="t"/>
+    </dgm:scene3d>
+    <dgm:sp3d/>
+    <dgm:txPr/>
+    <dgm:style>
+      <a:lnRef idx="2">
+        <a:scrgbClr r="0" g="0" b="0"/>
+      </a:lnRef>
+      <a:fillRef idx="1">
+        <a:scrgbClr r="0" g="0" b="0"/>
+      </a:fillRef>
+      <a:effectRef idx="0">
+        <a:scrgbClr r="0" g="0" b="0"/>
+      </a:effectRef>
+      <a:fontRef idx="minor"/>
+    </dgm:style>
+  </dgm:styleLbl>
+  <dgm:styleLbl name="sibTrans2D1">
+    <dgm:scene3d>
+      <a:camera prst="orthographicFront"/>
+      <a:lightRig rig="threePt" dir="t"/>
+    </dgm:scene3d>
+    <dgm:sp3d/>
+    <dgm:txPr/>
+    <dgm:style>
+      <a:lnRef idx="0">
+        <a:scrgbClr r="0" g="0" b="0"/>
+      </a:lnRef>
+      <a:fillRef idx="1">
+        <a:scrgbClr r="0" g="0" b="0"/>
+      </a:fillRef>
+      <a:effectRef idx="0">
+        <a:scrgbClr r="0" g="0" b="0"/>
+      </a:effectRef>
+      <a:fontRef idx="minor">
+        <a:schemeClr val="lt1"/>
+      </a:fontRef>
+    </dgm:style>
+  </dgm:styleLbl>
+  <dgm:styleLbl name="fgSibTrans2D1">
+    <dgm:scene3d>
+      <a:camera prst="orthographicFront"/>
+      <a:lightRig rig="threePt" dir="t"/>
+    </dgm:scene3d>
+    <dgm:sp3d/>
+    <dgm:txPr/>
+    <dgm:style>
+      <a:lnRef idx="0">
+        <a:scrgbClr r="0" g="0" b="0"/>
+      </a:lnRef>
+      <a:fillRef idx="1">
+        <a:scrgbClr r="0" g="0" b="0"/>
+      </a:fillRef>
+      <a:effectRef idx="0">
+        <a:scrgbClr r="0" g="0" b="0"/>
+      </a:effectRef>
+      <a:fontRef idx="minor">
+        <a:schemeClr val="lt1"/>
+      </a:fontRef>
+    </dgm:style>
+  </dgm:styleLbl>
+  <dgm:styleLbl name="bgSibTrans2D1">
+    <dgm:scene3d>
+      <a:camera prst="orthographicFront"/>
+      <a:lightRig rig="threePt" dir="t"/>
+    </dgm:scene3d>
+    <dgm:sp3d/>
+    <dgm:txPr/>
+    <dgm:style>
+      <a:lnRef idx="0">
+        <a:scrgbClr r="0" g="0" b="0"/>
+      </a:lnRef>
+      <a:fillRef idx="1">
+        <a:scrgbClr r="0" g="0" b="0"/>
+      </a:fillRef>
+      <a:effectRef idx="0">
+        <a:scrgbClr r="0" g="0" b="0"/>
+      </a:effectRef>
+      <a:fontRef idx="minor">
+        <a:schemeClr val="lt1"/>
+      </a:fontRef>
+    </dgm:style>
+  </dgm:styleLbl>
+  <dgm:styleLbl name="sibTrans1D1">
+    <dgm:scene3d>
+      <a:camera prst="orthographicFront"/>
+      <a:lightRig rig="threePt" dir="t"/>
+    </dgm:scene3d>
+    <dgm:sp3d/>
+    <dgm:txPr/>
+    <dgm:style>
+      <a:lnRef idx="1">
+        <a:scrgbClr r="0" g="0" b="0"/>
+      </a:lnRef>
+      <a:fillRef idx="0">
+        <a:scrgbClr r="0" g="0" b="0"/>
+      </a:fillRef>
+      <a:effectRef idx="0">
+        <a:scrgbClr r="0" g="0" b="0"/>
+      </a:effectRef>
+      <a:fontRef idx="minor"/>
+    </dgm:style>
+  </dgm:styleLbl>
+  <dgm:styleLbl name="callout">
+    <dgm:scene3d>
+      <a:camera prst="orthographicFront"/>
+      <a:lightRig rig="threePt" dir="t"/>
+    </dgm:scene3d>
+    <dgm:sp3d/>
+    <dgm:txPr/>
+    <dgm:style>
+      <a:lnRef idx="2">
+        <a:scrgbClr r="0" g="0" b="0"/>
+      </a:lnRef>
+      <a:fillRef idx="1">
+        <a:scrgbClr r="0" g="0" b="0"/>
+      </a:fillRef>
+      <a:effectRef idx="0">
+        <a:scrgbClr r="0" g="0" b="0"/>
+      </a:effectRef>
+      <a:fontRef idx="minor"/>
+    </dgm:style>
+  </dgm:styleLbl>
+  <dgm:styleLbl name="asst0">
+    <dgm:scene3d>
+      <a:camera prst="orthographicFront"/>
+      <a:lightRig rig="threePt" dir="t"/>
+    </dgm:scene3d>
+    <dgm:sp3d/>
+    <dgm:txPr/>
+    <dgm:style>
+      <a:lnRef idx="2">
+        <a:scrgbClr r="0" g="0" b="0"/>
+      </a:lnRef>
+      <a:fillRef idx="1">
+        <a:scrgbClr r="0" g="0" b="0"/>
+      </a:fillRef>
+      <a:effectRef idx="0">
+        <a:scrgbClr r="0" g="0" b="0"/>
+      </a:effectRef>
+      <a:fontRef idx="minor">
+        <a:schemeClr val="lt1"/>
+      </a:fontRef>
+    </dgm:style>
+  </dgm:styleLbl>
+  <dgm:styleLbl name="asst1">
+    <dgm:scene3d>
+      <a:camera prst="orthographicFront"/>
+      <a:lightRig rig="threePt" dir="t"/>
+    </dgm:scene3d>
+    <dgm:sp3d/>
+    <dgm:txPr/>
+    <dgm:style>
+      <a:lnRef idx="2">
+        <a:scrgbClr r="0" g="0" b="0"/>
+      </a:lnRef>
+      <a:fillRef idx="1">
+        <a:scrgbClr r="0" g="0" b="0"/>
+      </a:fillRef>
+      <a:effectRef idx="0">
+        <a:scrgbClr r="0" g="0" b="0"/>
+      </a:effectRef>
+      <a:fontRef idx="minor">
+        <a:schemeClr val="lt1"/>
+      </a:fontRef>
+    </dgm:style>
+  </dgm:styleLbl>
+  <dgm:styleLbl name="asst2">
+    <dgm:scene3d>
+      <a:camera prst="orthographicFront"/>
+      <a:lightRig rig="threePt" dir="t"/>
+    </dgm:scene3d>
+    <dgm:sp3d/>
+    <dgm:txPr/>
+    <dgm:style>
+      <a:lnRef idx="2">
+        <a:scrgbClr r="0" g="0" b="0"/>
+      </a:lnRef>
+      <a:fillRef idx="1">
+        <a:scrgbClr r="0" g="0" b="0"/>
+      </a:fillRef>
+      <a:effectRef idx="0">
+        <a:scrgbClr r="0" g="0" b="0"/>
+      </a:effectRef>
+      <a:fontRef idx="minor">
+        <a:schemeClr val="lt1"/>
+      </a:fontRef>
+    </dgm:style>
+  </dgm:styleLbl>
+  <dgm:styleLbl name="asst3">
+    <dgm:scene3d>
+      <a:camera prst="orthographicFront"/>
+      <a:lightRig rig="threePt" dir="t"/>
+    </dgm:scene3d>
+    <dgm:sp3d/>
+    <dgm:txPr/>
+    <dgm:style>
+      <a:lnRef idx="2">
+        <a:scrgbClr r="0" g="0" b="0"/>
+      </a:lnRef>
+      <a:fillRef idx="1">
+        <a:scrgbClr r="0" g="0" b="0"/>
+      </a:fillRef>
+      <a:effectRef idx="0">
+        <a:scrgbClr r="0" g="0" b="0"/>
+      </a:effectRef>
+      <a:fontRef idx="minor">
+        <a:schemeClr val="lt1"/>
+      </a:fontRef>
+    </dgm:style>
+  </dgm:styleLbl>
+  <dgm:styleLbl name="asst4">
+    <dgm:scene3d>
+      <a:camera prst="orthographicFront"/>
+      <a:lightRig rig="threePt" dir="t"/>
+    </dgm:scene3d>
+    <dgm:sp3d/>
+    <dgm:txPr/>
+    <dgm:style>
+      <a:lnRef idx="2">
+        <a:scrgbClr r="0" g="0" b="0"/>
+      </a:lnRef>
+      <a:fillRef idx="1">
+        <a:scrgbClr r="0" g="0" b="0"/>
+      </a:fillRef>
+      <a:effectRef idx="0">
+        <a:scrgbClr r="0" g="0" b="0"/>
+      </a:effectRef>
+      <a:fontRef idx="minor">
+        <a:schemeClr val="lt1"/>
+      </a:fontRef>
+    </dgm:style>
+  </dgm:styleLbl>
+  <dgm:styleLbl name="parChTrans2D1">
+    <dgm:scene3d>
+      <a:camera prst="orthographicFront"/>
+      <a:lightRig rig="threePt" dir="t"/>
+    </dgm:scene3d>
+    <dgm:sp3d/>
+    <dgm:txPr/>
+    <dgm:style>
+      <a:lnRef idx="2">
+        <a:scrgbClr r="0" g="0" b="0"/>
+      </a:lnRef>
+      <a:fillRef idx="1">
+        <a:scrgbClr r="0" g="0" b="0"/>
+      </a:fillRef>
+      <a:effectRef idx="0">
+        <a:scrgbClr r="0" g="0" b="0"/>
+      </a:effectRef>
+      <a:fontRef idx="minor">
+        <a:schemeClr val="lt1"/>
+      </a:fontRef>
+    </dgm:style>
+  </dgm:styleLbl>
+  <dgm:styleLbl name="parChTrans2D2">
+    <dgm:scene3d>
+      <a:camera prst="orthographicFront"/>
+      <a:lightRig rig="threePt" dir="t"/>
+    </dgm:scene3d>
+    <dgm:sp3d/>
+    <dgm:txPr/>
+    <dgm:style>
+      <a:lnRef idx="2">
+        <a:scrgbClr r="0" g="0" b="0"/>
+      </a:lnRef>
+      <a:fillRef idx="1">
+        <a:scrgbClr r="0" g="0" b="0"/>
+      </a:fillRef>
+      <a:effectRef idx="0">
+        <a:scrgbClr r="0" g="0" b="0"/>
+      </a:effectRef>
+      <a:fontRef idx="minor">
+        <a:schemeClr val="lt1"/>
+      </a:fontRef>
+    </dgm:style>
+  </dgm:styleLbl>
+  <dgm:styleLbl name="parChTrans2D3">
+    <dgm:scene3d>
+      <a:camera prst="orthographicFront"/>
+      <a:lightRig rig="threePt" dir="t"/>
+    </dgm:scene3d>
+    <dgm:sp3d/>
+    <dgm:txPr/>
+    <dgm:style>
+      <a:lnRef idx="2">
+        <a:scrgbClr r="0" g="0" b="0"/>
+      </a:lnRef>
+      <a:fillRef idx="1">
+        <a:scrgbClr r="0" g="0" b="0"/>
+      </a:fillRef>
+      <a:effectRef idx="0">
+        <a:scrgbClr r="0" g="0" b="0"/>
+      </a:effectRef>
+      <a:fontRef idx="minor">
+        <a:schemeClr val="lt1"/>
+      </a:fontRef>
+    </dgm:style>
+  </dgm:styleLbl>
+  <dgm:styleLbl name="parChTrans2D4">
+    <dgm:scene3d>
+      <a:camera prst="orthographicFront"/>
+      <a:lightRig rig="threePt" dir="t"/>
+    </dgm:scene3d>
+    <dgm:sp3d/>
+    <dgm:txPr/>
+    <dgm:style>
+      <a:lnRef idx="2">
+        <a:scrgbClr r="0" g="0" b="0"/>
+      </a:lnRef>
+      <a:fillRef idx="1">
+        <a:scrgbClr r="0" g="0" b="0"/>
+      </a:fillRef>
+      <a:effectRef idx="0">
+        <a:scrgbClr r="0" g="0" b="0"/>
+      </a:effectRef>
+      <a:fontRef idx="minor">
+        <a:schemeClr val="lt1"/>
+      </a:fontRef>
+    </dgm:style>
+  </dgm:styleLbl>
+  <dgm:styleLbl name="parChTrans1D1">
+    <dgm:scene3d>
+      <a:camera prst="orthographicFront"/>
+      <a:lightRig rig="threePt" dir="t"/>
+    </dgm:scene3d>
+    <dgm:sp3d/>
+    <dgm:txPr/>
+    <dgm:style>
+      <a:lnRef idx="2">
+        <a:scrgbClr r="0" g="0" b="0"/>
+      </a:lnRef>
+      <a:fillRef idx="0">
+        <a:scrgbClr r="0" g="0" b="0"/>
+      </a:fillRef>
+      <a:effectRef idx="0">
+        <a:scrgbClr r="0" g="0" b="0"/>
+      </a:effectRef>
+      <a:fontRef idx="minor"/>
+    </dgm:style>
+  </dgm:styleLbl>
+  <dgm:styleLbl name="parChTrans1D2">
+    <dgm:scene3d>
+      <a:camera prst="orthographicFront"/>
+      <a:lightRig rig="threePt" dir="t"/>
+    </dgm:scene3d>
+    <dgm:sp3d/>
+    <dgm:txPr/>
+    <dgm:style>
+      <a:lnRef idx="2">
+        <a:scrgbClr r="0" g="0" b="0"/>
+      </a:lnRef>
+      <a:fillRef idx="0">
+        <a:scrgbClr r="0" g="0" b="0"/>
+      </a:fillRef>
+      <a:effectRef idx="0">
+        <a:scrgbClr r="0" g="0" b="0"/>
+      </a:effectRef>
+      <a:fontRef idx="minor"/>
+    </dgm:style>
+  </dgm:styleLbl>
+  <dgm:styleLbl name="parChTrans1D3">
+    <dgm:scene3d>
+      <a:camera prst="orthographicFront"/>
+      <a:lightRig rig="threePt" dir="t"/>
+    </dgm:scene3d>
+    <dgm:sp3d/>
+    <dgm:txPr/>
+    <dgm:style>
+      <a:lnRef idx="2">
+        <a:scrgbClr r="0" g="0" b="0"/>
+      </a:lnRef>
+      <a:fillRef idx="0">
+        <a:scrgbClr r="0" g="0" b="0"/>
+      </a:fillRef>
+      <a:effectRef idx="0">
+        <a:scrgbClr r="0" g="0" b="0"/>
+      </a:effectRef>
+      <a:fontRef idx="minor"/>
+    </dgm:style>
+  </dgm:styleLbl>
+  <dgm:styleLbl name="parChTrans1D4">
+    <dgm:scene3d>
+      <a:camera prst="orthographicFront"/>
+      <a:lightRig rig="threePt" dir="t"/>
+    </dgm:scene3d>
+    <dgm:sp3d/>
+    <dgm:txPr/>
+    <dgm:style>
+      <a:lnRef idx="2">
+        <a:scrgbClr r="0" g="0" b="0"/>
+      </a:lnRef>
+      <a:fillRef idx="0">
+        <a:scrgbClr r="0" g="0" b="0"/>
+      </a:fillRef>
+      <a:effectRef idx="0">
+        <a:scrgbClr r="0" g="0" b="0"/>
+      </a:effectRef>
+      <a:fontRef idx="minor"/>
+    </dgm:style>
+  </dgm:styleLbl>
+  <dgm:styleLbl name="fgAcc1">
+    <dgm:scene3d>
+      <a:camera prst="orthographicFront"/>
+      <a:lightRig rig="threePt" dir="t"/>
+    </dgm:scene3d>
+    <dgm:sp3d/>
+    <dgm:txPr/>
+    <dgm:style>
+      <a:lnRef idx="2">
+        <a:scrgbClr r="0" g="0" b="0"/>
+      </a:lnRef>
+      <a:fillRef idx="1">
+        <a:scrgbClr r="0" g="0" b="0"/>
+      </a:fillRef>
+      <a:effectRef idx="0">
+        <a:scrgbClr r="0" g="0" b="0"/>
+      </a:effectRef>
+      <a:fontRef idx="minor"/>
+    </dgm:style>
+  </dgm:styleLbl>
+  <dgm:styleLbl name="conFgAcc1">
+    <dgm:scene3d>
+      <a:camera prst="orthographicFront"/>
+      <a:lightRig rig="threePt" dir="t"/>
+    </dgm:scene3d>
+    <dgm:sp3d/>
+    <dgm:txPr/>
+    <dgm:style>
+      <a:lnRef idx="2">
+        <a:scrgbClr r="0" g="0" b="0"/>
+      </a:lnRef>
+      <a:fillRef idx="1">
+        <a:scrgbClr r="0" g="0" b="0"/>
+      </a:fillRef>
+      <a:effectRef idx="0">
+        <a:scrgbClr r="0" g="0" b="0"/>
+      </a:effectRef>
+      <a:fontRef idx="minor"/>
+    </dgm:style>
+  </dgm:styleLbl>
+  <dgm:styleLbl name="alignAcc1">
+    <dgm:scene3d>
+      <a:camera prst="orthographicFront"/>
+      <a:lightRig rig="threePt" dir="t"/>
+    </dgm:scene3d>
+    <dgm:sp3d/>
+    <dgm:txPr/>
+    <dgm:style>
+      <a:lnRef idx="2">
+        <a:scrgbClr r="0" g="0" b="0"/>
+      </a:lnRef>
+      <a:fillRef idx="1">
+        <a:scrgbClr r="0" g="0" b="0"/>
+      </a:fillRef>
+      <a:effectRef idx="0">
+        <a:scrgbClr r="0" g="0" b="0"/>
+      </a:effectRef>
+      <a:fontRef idx="minor"/>
+    </dgm:style>
+  </dgm:styleLbl>
+  <dgm:styleLbl name="trAlignAcc1">
+    <dgm:scene3d>
+      <a:camera prst="orthographicFront"/>
+      <a:lightRig rig="threePt" dir="t"/>
+    </dgm:scene3d>
+    <dgm:sp3d/>
+    <dgm:txPr/>
+    <dgm:style>
+      <a:lnRef idx="1">
+        <a:scrgbClr r="0" g="0" b="0"/>
+      </a:lnRef>
+      <a:fillRef idx="1">
+        <a:scrgbClr r="0" g="0" b="0"/>
+      </a:fillRef>
+      <a:effectRef idx="0">
+        <a:scrgbClr r="0" g="0" b="0"/>
+      </a:effectRef>
+      <a:fontRef idx="minor"/>
+    </dgm:style>
+  </dgm:styleLbl>
+  <dgm:styleLbl name="bgAcc1">
+    <dgm:scene3d>
+      <a:camera prst="orthographicFront"/>
+      <a:lightRig rig="threePt" dir="t"/>
+    </dgm:scene3d>
+    <dgm:sp3d/>
+    <dgm:txPr/>
+    <dgm:style>
+      <a:lnRef idx="2">
+        <a:scrgbClr r="0" g="0" b="0"/>
+      </a:lnRef>
+      <a:fillRef idx="1">
+        <a:scrgbClr r="0" g="0" b="0"/>
+      </a:fillRef>
+      <a:effectRef idx="0">
+        <a:scrgbClr r="0" g="0" b="0"/>
+      </a:effectRef>
+      <a:fontRef idx="minor"/>
+    </dgm:style>
+  </dgm:styleLbl>
+  <dgm:styleLbl name="solidFgAcc1">
+    <dgm:scene3d>
+      <a:camera prst="orthographicFront"/>
+      <a:lightRig rig="threePt" dir="t"/>
+    </dgm:scene3d>
+    <dgm:sp3d/>
+    <dgm:txPr/>
+    <dgm:style>
+      <a:lnRef idx="2">
+        <a:scrgbClr r="0" g="0" b="0"/>
+      </a:lnRef>
+      <a:fillRef idx="1">
+        <a:scrgbClr r="0" g="0" b="0"/>
+      </a:fillRef>
+      <a:effectRef idx="0">
+        <a:scrgbClr r="0" g="0" b="0"/>
+      </a:effectRef>
+      <a:fontRef idx="minor"/>
+    </dgm:style>
+  </dgm:styleLbl>
+  <dgm:styleLbl name="solidAlignAcc1">
+    <dgm:scene3d>
+      <a:camera prst="orthographicFront"/>
+      <a:lightRig rig="threePt" dir="t"/>
+    </dgm:scene3d>
+    <dgm:sp3d/>
+    <dgm:txPr/>
+    <dgm:style>
+      <a:lnRef idx="2">
+        <a:scrgbClr r="0" g="0" b="0"/>
+      </a:lnRef>
+      <a:fillRef idx="1">
+        <a:scrgbClr r="0" g="0" b="0"/>
+      </a:fillRef>
+      <a:effectRef idx="0">
+        <a:scrgbClr r="0" g="0" b="0"/>
+      </a:effectRef>
+      <a:fontRef idx="minor"/>
+    </dgm:style>
+  </dgm:styleLbl>
+  <dgm:styleLbl name="solidBgAcc1">
+    <dgm:scene3d>
+      <a:camera prst="orthographicFront"/>
+      <a:lightRig rig="threePt" dir="t"/>
+    </dgm:scene3d>
+    <dgm:sp3d/>
+    <dgm:txPr/>
+    <dgm:style>
+      <a:lnRef idx="2">
+        <a:scrgbClr r="0" g="0" b="0"/>
+      </a:lnRef>
+      <a:fillRef idx="1">
+        <a:scrgbClr r="0" g="0" b="0"/>
+      </a:fillRef>
+      <a:effectRef idx="0">
+        <a:scrgbClr r="0" g="0" b="0"/>
+      </a:effectRef>
+      <a:fontRef idx="minor"/>
+    </dgm:style>
+  </dgm:styleLbl>
+  <dgm:styleLbl name="fgAccFollowNode1">
+    <dgm:scene3d>
+      <a:camera prst="orthographicFront"/>
+      <a:lightRig rig="threePt" dir="t"/>
+    </dgm:scene3d>
+    <dgm:sp3d/>
+    <dgm:txPr/>
+    <dgm:style>
+      <a:lnRef idx="2">
+        <a:scrgbClr r="0" g="0" b="0"/>
+      </a:lnRef>
+      <a:fillRef idx="1">
+        <a:scrgbClr r="0" g="0" b="0"/>
+      </a:fillRef>
+      <a:effectRef idx="0">
+        <a:scrgbClr r="0" g="0" b="0"/>
+      </a:effectRef>
+      <a:fontRef idx="minor"/>
+    </dgm:style>
+  </dgm:styleLbl>
+  <dgm:styleLbl name="alignAccFollowNode1">
+    <dgm:scene3d>
+      <a:camera prst="orthographicFront"/>
+      <a:lightRig rig="threePt" dir="t"/>
+    </dgm:scene3d>
+    <dgm:sp3d/>
+    <dgm:txPr/>
+    <dgm:style>
+      <a:lnRef idx="2">
+        <a:scrgbClr r="0" g="0" b="0"/>
+      </a:lnRef>
+      <a:fillRef idx="1">
+        <a:scrgbClr r="0" g="0" b="0"/>
+      </a:fillRef>
+      <a:effectRef idx="0">
+        <a:scrgbClr r="0" g="0" b="0"/>
+      </a:effectRef>
+      <a:fontRef idx="minor"/>
+    </dgm:style>
+  </dgm:styleLbl>
+  <dgm:styleLbl name="bgAccFollowNode1">
+    <dgm:scene3d>
+      <a:camera prst="orthographicFront"/>
+      <a:lightRig rig="threePt" dir="t"/>
+    </dgm:scene3d>
+    <dgm:sp3d/>
+    <dgm:txPr/>
+    <dgm:style>
+      <a:lnRef idx="2">
+        <a:scrgbClr r="0" g="0" b="0"/>
+      </a:lnRef>
+      <a:fillRef idx="1">
+        <a:scrgbClr r="0" g="0" b="0"/>
+      </a:fillRef>
+      <a:effectRef idx="0">
+        <a:scrgbClr r="0" g="0" b="0"/>
+      </a:effectRef>
+      <a:fontRef idx="minor"/>
+    </dgm:style>
+  </dgm:styleLbl>
+  <dgm:styleLbl name="fgAcc0">
+    <dgm:scene3d>
+      <a:camera prst="orthographicFront"/>
+      <a:lightRig rig="threePt" dir="t"/>
+    </dgm:scene3d>
+    <dgm:sp3d/>
+    <dgm:txPr/>
+    <dgm:style>
+      <a:lnRef idx="2">
+        <a:scrgbClr r="0" g="0" b="0"/>
+      </a:lnRef>
+      <a:fillRef idx="1">
+        <a:scrgbClr r="0" g="0" b="0"/>
+      </a:fillRef>
+      <a:effectRef idx="0">
+        <a:scrgbClr r="0" g="0" b="0"/>
+      </a:effectRef>
+      <a:fontRef idx="minor"/>
+    </dgm:style>
+  </dgm:styleLbl>
+  <dgm:styleLbl name="fgAcc2">
+    <dgm:scene3d>
+      <a:camera prst="orthographicFront"/>
+      <a:lightRig rig="threePt" dir="t"/>
+    </dgm:scene3d>
+    <dgm:sp3d/>
+    <dgm:txPr/>
+    <dgm:style>
+      <a:lnRef idx="2">
+        <a:scrgbClr r="0" g="0" b="0"/>
+      </a:lnRef>
+      <a:fillRef idx="1">
+        <a:scrgbClr r="0" g="0" b="0"/>
+      </a:fillRef>
+      <a:effectRef idx="0">
+        <a:scrgbClr r="0" g="0" b="0"/>
+      </a:effectRef>
+      <a:fontRef idx="minor"/>
+    </dgm:style>
+  </dgm:styleLbl>
+  <dgm:styleLbl name="fgAcc3">
+    <dgm:scene3d>
+      <a:camera prst="orthographicFront"/>
+      <a:lightRig rig="threePt" dir="t"/>
+    </dgm:scene3d>
+    <dgm:sp3d/>
+    <dgm:txPr/>
+    <dgm:style>
+      <a:lnRef idx="2">
+        <a:scrgbClr r="0" g="0" b="0"/>
+      </a:lnRef>
+      <a:fillRef idx="1">
+        <a:scrgbClr r="0" g="0" b="0"/>
+      </a:fillRef>
+      <a:effectRef idx="0">
+        <a:scrgbClr r="0" g="0" b="0"/>
+      </a:effectRef>
+      <a:fontRef idx="minor"/>
+    </dgm:style>
+  </dgm:styleLbl>
+  <dgm:styleLbl name="fgAcc4">
+    <dgm:scene3d>
+      <a:camera prst="orthographicFront"/>
+      <a:lightRig rig="threePt" dir="t"/>
+    </dgm:scene3d>
+    <dgm:sp3d/>
+    <dgm:txPr/>
+    <dgm:style>
+      <a:lnRef idx="2">
+        <a:scrgbClr r="0" g="0" b="0"/>
+      </a:lnRef>
+      <a:fillRef idx="1">
+        <a:scrgbClr r="0" g="0" b="0"/>
+      </a:fillRef>
+      <a:effectRef idx="0">
+        <a:scrgbClr r="0" g="0" b="0"/>
+      </a:effectRef>
+      <a:fontRef idx="minor"/>
+    </dgm:style>
+  </dgm:styleLbl>
+  <dgm:styleLbl name="bgShp">
+    <dgm:scene3d>
+      <a:camera prst="orthographicFront"/>
+      <a:lightRig rig="threePt" dir="t"/>
+    </dgm:scene3d>
+    <dgm:sp3d/>
+    <dgm:txPr/>
+    <dgm:style>
+      <a:lnRef idx="0">
+        <a:scrgbClr r="0" g="0" b="0"/>
+      </a:lnRef>
+      <a:fillRef idx="1">
+        <a:scrgbClr r="0" g="0" b="0"/>
+      </a:fillRef>
+      <a:effectRef idx="0">
+        <a:scrgbClr r="0" g="0" b="0"/>
+      </a:effectRef>
+      <a:fontRef idx="minor"/>
+    </dgm:style>
+  </dgm:styleLbl>
+  <dgm:styleLbl name="dkBgShp">
+    <dgm:scene3d>
+      <a:camera prst="orthographicFront"/>
+      <a:lightRig rig="threePt" dir="t"/>
+    </dgm:scene3d>
+    <dgm:sp3d/>
+    <dgm:txPr/>
+    <dgm:style>
+      <a:lnRef idx="0">
+        <a:scrgbClr r="0" g="0" b="0"/>
+      </a:lnRef>
+      <a:fillRef idx="1">
+        <a:scrgbClr r="0" g="0" b="0"/>
+      </a:fillRef>
+      <a:effectRef idx="0">
+        <a:scrgbClr r="0" g="0" b="0"/>
+      </a:effectRef>
+      <a:fontRef idx="minor"/>
+    </dgm:style>
+  </dgm:styleLbl>
+  <dgm:styleLbl name="trBgShp">
+    <dgm:scene3d>
+      <a:camera prst="orthographicFront"/>
+      <a:lightRig rig="threePt" dir="t"/>
+    </dgm:scene3d>
+    <dgm:sp3d/>
+    <dgm:txPr/>
+    <dgm:style>
+      <a:lnRef idx="0">
+        <a:scrgbClr r="0" g="0" b="0"/>
+      </a:lnRef>
+      <a:fillRef idx="1">
+        <a:scrgbClr r="0" g="0" b="0"/>
+      </a:fillRef>
+      <a:effectRef idx="0">
+        <a:scrgbClr r="0" g="0" b="0"/>
+      </a:effectRef>
+      <a:fontRef idx="minor"/>
+    </dgm:style>
+  </dgm:styleLbl>
+  <dgm:styleLbl name="fgShp">
+    <dgm:scene3d>
+      <a:camera prst="orthographicFront"/>
+      <a:lightRig rig="threePt" dir="t"/>
+    </dgm:scene3d>
+    <dgm:sp3d/>
+    <dgm:txPr/>
+    <dgm:style>
+      <a:lnRef idx="2">
+        <a:scrgbClr r="0" g="0" b="0"/>
+      </a:lnRef>
+      <a:fillRef idx="1">
+        <a:scrgbClr r="0" g="0" b="0"/>
+      </a:fillRef>
+      <a:effectRef idx="0">
+        <a:scrgbClr r="0" g="0" b="0"/>
+      </a:effectRef>
+      <a:fontRef idx="minor"/>
+    </dgm:style>
+  </dgm:styleLbl>
+  <dgm:styleLbl name="revTx">
+    <dgm:scene3d>
+      <a:camera prst="orthographicFront"/>
+      <a:lightRig rig="threePt" dir="t"/>
+    </dgm:scene3d>
+    <dgm:sp3d/>
+    <dgm:txPr/>
+    <dgm:style>
+      <a:lnRef idx="0">
+        <a:scrgbClr r="0" g="0" b="0"/>
+      </a:lnRef>
+      <a:fillRef idx="0">
+        <a:scrgbClr r="0" g="0" b="0"/>
+      </a:fillRef>
+      <a:effectRef idx="0">
+        <a:scrgbClr r="0" g="0" b="0"/>
+      </a:effectRef>
+      <a:fontRef idx="minor"/>
+    </dgm:style>
+  </dgm:styleLbl>
+</dgm:styleDef>
+</file>
+
+<file path=ppt/diagrams/quickStyle4.xml><?xml version="1.0" encoding="utf-8"?>
+<dgm:styleDef xmlns:dgm="http://schemas.openxmlformats.org/drawingml/2006/diagram" xmlns:a="http://schemas.openxmlformats.org/drawingml/2006/main" uniqueId="urn:microsoft.com/office/officeart/2005/8/quickstyle/simple1">
+  <dgm:title val=""/>
+  <dgm:desc val=""/>
+  <dgm:catLst>
+    <dgm:cat type="simple" pri="10100"/>
+  </dgm:catLst>
+  <dgm:scene3d>
+    <a:camera prst="orthographicFront"/>
+    <a:lightRig rig="threePt" dir="t"/>
+  </dgm:scene3d>
+  <dgm:styleLbl name="node0">
+    <dgm:scene3d>
+      <a:camera prst="orthographicFront"/>
+      <a:lightRig rig="threePt" dir="t"/>
+    </dgm:scene3d>
+    <dgm:sp3d/>
+    <dgm:txPr/>
+    <dgm:style>
+      <a:lnRef idx="2">
+        <a:scrgbClr r="0" g="0" b="0"/>
+      </a:lnRef>
+      <a:fillRef idx="1">
+        <a:scrgbClr r="0" g="0" b="0"/>
+      </a:fillRef>
+      <a:effectRef idx="0">
+        <a:scrgbClr r="0" g="0" b="0"/>
+      </a:effectRef>
+      <a:fontRef idx="minor">
+        <a:schemeClr val="lt1"/>
+      </a:fontRef>
+    </dgm:style>
+  </dgm:styleLbl>
+  <dgm:styleLbl name="lnNode1">
+    <dgm:scene3d>
+      <a:camera prst="orthographicFront"/>
+      <a:lightRig rig="threePt" dir="t"/>
+    </dgm:scene3d>
+    <dgm:sp3d/>
+    <dgm:txPr/>
+    <dgm:style>
+      <a:lnRef idx="2">
+        <a:scrgbClr r="0" g="0" b="0"/>
+      </a:lnRef>
+      <a:fillRef idx="1">
+        <a:scrgbClr r="0" g="0" b="0"/>
+      </a:fillRef>
+      <a:effectRef idx="0">
+        <a:scrgbClr r="0" g="0" b="0"/>
+      </a:effectRef>
+      <a:fontRef idx="minor">
+        <a:schemeClr val="lt1"/>
+      </a:fontRef>
+    </dgm:style>
+  </dgm:styleLbl>
+  <dgm:styleLbl name="vennNode1">
+    <dgm:scene3d>
+      <a:camera prst="orthographicFront"/>
+      <a:lightRig rig="threePt" dir="t"/>
+    </dgm:scene3d>
+    <dgm:sp3d/>
+    <dgm:txPr/>
+    <dgm:style>
+      <a:lnRef idx="2">
+        <a:scrgbClr r="0" g="0" b="0"/>
+      </a:lnRef>
+      <a:fillRef idx="1">
+        <a:scrgbClr r="0" g="0" b="0"/>
+      </a:fillRef>
+      <a:effectRef idx="0">
+        <a:scrgbClr r="0" g="0" b="0"/>
+      </a:effectRef>
+      <a:fontRef idx="minor">
+        <a:schemeClr val="tx1"/>
+      </a:fontRef>
+    </dgm:style>
+  </dgm:styleLbl>
+  <dgm:styleLbl name="alignNode1">
+    <dgm:scene3d>
+      <a:camera prst="orthographicFront"/>
+      <a:lightRig rig="threePt" dir="t"/>
+    </dgm:scene3d>
+    <dgm:sp3d/>
+    <dgm:txPr/>
+    <dgm:style>
+      <a:lnRef idx="2">
+        <a:scrgbClr r="0" g="0" b="0"/>
+      </a:lnRef>
+      <a:fillRef idx="1">
+        <a:scrgbClr r="0" g="0" b="0"/>
+      </a:fillRef>
+      <a:effectRef idx="0">
+        <a:scrgbClr r="0" g="0" b="0"/>
+      </a:effectRef>
+      <a:fontRef idx="minor">
+        <a:schemeClr val="lt1"/>
+      </a:fontRef>
+    </dgm:style>
+  </dgm:styleLbl>
+  <dgm:styleLbl name="node1">
+    <dgm:scene3d>
+      <a:camera prst="orthographicFront"/>
+      <a:lightRig rig="threePt" dir="t"/>
+    </dgm:scene3d>
+    <dgm:sp3d/>
+    <dgm:txPr/>
+    <dgm:style>
+      <a:lnRef idx="2">
+        <a:scrgbClr r="0" g="0" b="0"/>
+      </a:lnRef>
+      <a:fillRef idx="1">
+        <a:scrgbClr r="0" g="0" b="0"/>
+      </a:fillRef>
+      <a:effectRef idx="0">
+        <a:scrgbClr r="0" g="0" b="0"/>
+      </a:effectRef>
+      <a:fontRef idx="minor">
+        <a:schemeClr val="lt1"/>
+      </a:fontRef>
+    </dgm:style>
+  </dgm:styleLbl>
+  <dgm:styleLbl name="node2">
+    <dgm:scene3d>
+      <a:camera prst="orthographicFront"/>
+      <a:lightRig rig="threePt" dir="t"/>
+    </dgm:scene3d>
+    <dgm:sp3d/>
+    <dgm:txPr/>
+    <dgm:style>
+      <a:lnRef idx="2">
+        <a:scrgbClr r="0" g="0" b="0"/>
+      </a:lnRef>
+      <a:fillRef idx="1">
+        <a:scrgbClr r="0" g="0" b="0"/>
+      </a:fillRef>
+      <a:effectRef idx="0">
+        <a:scrgbClr r="0" g="0" b="0"/>
+      </a:effectRef>
+      <a:fontRef idx="minor">
+        <a:schemeClr val="lt1"/>
+      </a:fontRef>
+    </dgm:style>
+  </dgm:styleLbl>
+  <dgm:styleLbl name="node3">
+    <dgm:scene3d>
+      <a:camera prst="orthographicFront"/>
+      <a:lightRig rig="threePt" dir="t"/>
+    </dgm:scene3d>
+    <dgm:sp3d/>
+    <dgm:txPr/>
+    <dgm:style>
+      <a:lnRef idx="2">
+        <a:scrgbClr r="0" g="0" b="0"/>
+      </a:lnRef>
+      <a:fillRef idx="1">
+        <a:scrgbClr r="0" g="0" b="0"/>
+      </a:fillRef>
+      <a:effectRef idx="0">
+        <a:scrgbClr r="0" g="0" b="0"/>
+      </a:effectRef>
+      <a:fontRef idx="minor">
+        <a:schemeClr val="lt1"/>
+      </a:fontRef>
+    </dgm:style>
+  </dgm:styleLbl>
+  <dgm:styleLbl name="node4">
+    <dgm:scene3d>
+      <a:camera prst="orthographicFront"/>
+      <a:lightRig rig="threePt" dir="t"/>
+    </dgm:scene3d>
+    <dgm:sp3d/>
+    <dgm:txPr/>
+    <dgm:style>
+      <a:lnRef idx="2">
+        <a:scrgbClr r="0" g="0" b="0"/>
+      </a:lnRef>
+      <a:fillRef idx="1">
+        <a:scrgbClr r="0" g="0" b="0"/>
+      </a:fillRef>
+      <a:effectRef idx="0">
+        <a:scrgbClr r="0" g="0" b="0"/>
+      </a:effectRef>
+      <a:fontRef idx="minor">
+        <a:schemeClr val="lt1"/>
+      </a:fontRef>
+    </dgm:style>
+  </dgm:styleLbl>
+  <dgm:styleLbl name="fgImgPlace1">
+    <dgm:scene3d>
+      <a:camera prst="orthographicFront"/>
+      <a:lightRig rig="threePt" dir="t"/>
+    </dgm:scene3d>
+    <dgm:sp3d/>
+    <dgm:txPr/>
+    <dgm:style>
+      <a:lnRef idx="2">
+        <a:scrgbClr r="0" g="0" b="0"/>
+      </a:lnRef>
+      <a:fillRef idx="1">
+        <a:scrgbClr r="0" g="0" b="0"/>
+      </a:fillRef>
+      <a:effectRef idx="0">
+        <a:scrgbClr r="0" g="0" b="0"/>
+      </a:effectRef>
+      <a:fontRef idx="minor"/>
+    </dgm:style>
+  </dgm:styleLbl>
+  <dgm:styleLbl name="alignImgPlace1">
+    <dgm:scene3d>
+      <a:camera prst="orthographicFront"/>
+      <a:lightRig rig="threePt" dir="t"/>
+    </dgm:scene3d>
+    <dgm:sp3d/>
+    <dgm:txPr/>
+    <dgm:style>
+      <a:lnRef idx="2">
+        <a:scrgbClr r="0" g="0" b="0"/>
+      </a:lnRef>
+      <a:fillRef idx="1">
+        <a:scrgbClr r="0" g="0" b="0"/>
+      </a:fillRef>
+      <a:effectRef idx="0">
+        <a:scrgbClr r="0" g="0" b="0"/>
+      </a:effectRef>
+      <a:fontRef idx="minor"/>
+    </dgm:style>
+  </dgm:styleLbl>
+  <dgm:styleLbl name="bgImgPlace1">
+    <dgm:scene3d>
+      <a:camera prst="orthographicFront"/>
+      <a:lightRig rig="threePt" dir="t"/>
+    </dgm:scene3d>
+    <dgm:sp3d/>
+    <dgm:txPr/>
+    <dgm:style>
+      <a:lnRef idx="2">
+        <a:scrgbClr r="0" g="0" b="0"/>
+      </a:lnRef>
+      <a:fillRef idx="1">
+        <a:scrgbClr r="0" g="0" b="0"/>
+      </a:fillRef>
+      <a:effectRef idx="0">
+        <a:scrgbClr r="0" g="0" b="0"/>
+      </a:effectRef>
+      <a:fontRef idx="minor"/>
+    </dgm:style>
+  </dgm:styleLbl>
+  <dgm:styleLbl name="sibTrans2D1">
+    <dgm:scene3d>
+      <a:camera prst="orthographicFront"/>
+      <a:lightRig rig="threePt" dir="t"/>
+    </dgm:scene3d>
+    <dgm:sp3d/>
+    <dgm:txPr/>
+    <dgm:style>
+      <a:lnRef idx="0">
+        <a:scrgbClr r="0" g="0" b="0"/>
+      </a:lnRef>
+      <a:fillRef idx="1">
+        <a:scrgbClr r="0" g="0" b="0"/>
+      </a:fillRef>
+      <a:effectRef idx="0">
+        <a:scrgbClr r="0" g="0" b="0"/>
+      </a:effectRef>
+      <a:fontRef idx="minor">
+        <a:schemeClr val="lt1"/>
+      </a:fontRef>
+    </dgm:style>
+  </dgm:styleLbl>
+  <dgm:styleLbl name="fgSibTrans2D1">
+    <dgm:scene3d>
+      <a:camera prst="orthographicFront"/>
+      <a:lightRig rig="threePt" dir="t"/>
+    </dgm:scene3d>
+    <dgm:sp3d/>
+    <dgm:txPr/>
+    <dgm:style>
+      <a:lnRef idx="0">
+        <a:scrgbClr r="0" g="0" b="0"/>
+      </a:lnRef>
+      <a:fillRef idx="1">
+        <a:scrgbClr r="0" g="0" b="0"/>
+      </a:fillRef>
+      <a:effectRef idx="0">
+        <a:scrgbClr r="0" g="0" b="0"/>
+      </a:effectRef>
+      <a:fontRef idx="minor">
+        <a:schemeClr val="lt1"/>
+      </a:fontRef>
+    </dgm:style>
+  </dgm:styleLbl>
+  <dgm:styleLbl name="bgSibTrans2D1">
+    <dgm:scene3d>
+      <a:camera prst="orthographicFront"/>
+      <a:lightRig rig="threePt" dir="t"/>
+    </dgm:scene3d>
+    <dgm:sp3d/>
+    <dgm:txPr/>
+    <dgm:style>
+      <a:lnRef idx="0">
+        <a:scrgbClr r="0" g="0" b="0"/>
+      </a:lnRef>
+      <a:fillRef idx="1">
+        <a:scrgbClr r="0" g="0" b="0"/>
+      </a:fillRef>
+      <a:effectRef idx="0">
+        <a:scrgbClr r="0" g="0" b="0"/>
+      </a:effectRef>
+      <a:fontRef idx="minor">
+        <a:schemeClr val="lt1"/>
+      </a:fontRef>
+    </dgm:style>
+  </dgm:styleLbl>
+  <dgm:styleLbl name="sibTrans1D1">
+    <dgm:scene3d>
+      <a:camera prst="orthographicFront"/>
+      <a:lightRig rig="threePt" dir="t"/>
+    </dgm:scene3d>
+    <dgm:sp3d/>
+    <dgm:txPr/>
+    <dgm:style>
+      <a:lnRef idx="1">
+        <a:scrgbClr r="0" g="0" b="0"/>
+      </a:lnRef>
+      <a:fillRef idx="0">
+        <a:scrgbClr r="0" g="0" b="0"/>
+      </a:fillRef>
+      <a:effectRef idx="0">
+        <a:scrgbClr r="0" g="0" b="0"/>
+      </a:effectRef>
+      <a:fontRef idx="minor"/>
+    </dgm:style>
+  </dgm:styleLbl>
+  <dgm:styleLbl name="callout">
+    <dgm:scene3d>
+      <a:camera prst="orthographicFront"/>
+      <a:lightRig rig="threePt" dir="t"/>
+    </dgm:scene3d>
+    <dgm:sp3d/>
+    <dgm:txPr/>
+    <dgm:style>
+      <a:lnRef idx="2">
+        <a:scrgbClr r="0" g="0" b="0"/>
+      </a:lnRef>
+      <a:fillRef idx="1">
+        <a:scrgbClr r="0" g="0" b="0"/>
+      </a:fillRef>
+      <a:effectRef idx="0">
+        <a:scrgbClr r="0" g="0" b="0"/>
+      </a:effectRef>
+      <a:fontRef idx="minor"/>
+    </dgm:style>
+  </dgm:styleLbl>
+  <dgm:styleLbl name="asst0">
+    <dgm:scene3d>
+      <a:camera prst="orthographicFront"/>
+      <a:lightRig rig="threePt" dir="t"/>
+    </dgm:scene3d>
+    <dgm:sp3d/>
+    <dgm:txPr/>
+    <dgm:style>
+      <a:lnRef idx="2">
+        <a:scrgbClr r="0" g="0" b="0"/>
+      </a:lnRef>
+      <a:fillRef idx="1">
+        <a:scrgbClr r="0" g="0" b="0"/>
+      </a:fillRef>
+      <a:effectRef idx="0">
+        <a:scrgbClr r="0" g="0" b="0"/>
+      </a:effectRef>
+      <a:fontRef idx="minor">
+        <a:schemeClr val="lt1"/>
+      </a:fontRef>
+    </dgm:style>
+  </dgm:styleLbl>
+  <dgm:styleLbl name="asst1">
+    <dgm:scene3d>
+      <a:camera prst="orthographicFront"/>
+      <a:lightRig rig="threePt" dir="t"/>
+    </dgm:scene3d>
+    <dgm:sp3d/>
+    <dgm:txPr/>
+    <dgm:style>
+      <a:lnRef idx="2">
+        <a:scrgbClr r="0" g="0" b="0"/>
+      </a:lnRef>
+      <a:fillRef idx="1">
+        <a:scrgbClr r="0" g="0" b="0"/>
+      </a:fillRef>
+      <a:effectRef idx="0">
+        <a:scrgbClr r="0" g="0" b="0"/>
+      </a:effectRef>
+      <a:fontRef idx="minor">
+        <a:schemeClr val="lt1"/>
+      </a:fontRef>
+    </dgm:style>
+  </dgm:styleLbl>
+  <dgm:styleLbl name="asst2">
+    <dgm:scene3d>
+      <a:camera prst="orthographicFront"/>
+      <a:lightRig rig="threePt" dir="t"/>
+    </dgm:scene3d>
+    <dgm:sp3d/>
+    <dgm:txPr/>
+    <dgm:style>
+      <a:lnRef idx="2">
+        <a:scrgbClr r="0" g="0" b="0"/>
+      </a:lnRef>
+      <a:fillRef idx="1">
+        <a:scrgbClr r="0" g="0" b="0"/>
+      </a:fillRef>
+      <a:effectRef idx="0">
+        <a:scrgbClr r="0" g="0" b="0"/>
+      </a:effectRef>
+      <a:fontRef idx="minor">
+        <a:schemeClr val="lt1"/>
+      </a:fontRef>
+    </dgm:style>
+  </dgm:styleLbl>
+  <dgm:styleLbl name="asst3">
+    <dgm:scene3d>
+      <a:camera prst="orthographicFront"/>
+      <a:lightRig rig="threePt" dir="t"/>
+    </dgm:scene3d>
+    <dgm:sp3d/>
+    <dgm:txPr/>
+    <dgm:style>
+      <a:lnRef idx="2">
+        <a:scrgbClr r="0" g="0" b="0"/>
+      </a:lnRef>
+      <a:fillRef idx="1">
+        <a:scrgbClr r="0" g="0" b="0"/>
+      </a:fillRef>
+      <a:effectRef idx="0">
+        <a:scrgbClr r="0" g="0" b="0"/>
+      </a:effectRef>
+      <a:fontRef idx="minor">
+        <a:schemeClr val="lt1"/>
+      </a:fontRef>
+    </dgm:style>
+  </dgm:styleLbl>
+  <dgm:styleLbl name="asst4">
+    <dgm:scene3d>
+      <a:camera prst="orthographicFront"/>
+      <a:lightRig rig="threePt" dir="t"/>
+    </dgm:scene3d>
+    <dgm:sp3d/>
+    <dgm:txPr/>
+    <dgm:style>
+      <a:lnRef idx="2">
+        <a:scrgbClr r="0" g="0" b="0"/>
+      </a:lnRef>
+      <a:fillRef idx="1">
+        <a:scrgbClr r="0" g="0" b="0"/>
+      </a:fillRef>
+      <a:effectRef idx="0">
+        <a:scrgbClr r="0" g="0" b="0"/>
+      </a:effectRef>
+      <a:fontRef idx="minor">
+        <a:schemeClr val="lt1"/>
+      </a:fontRef>
+    </dgm:style>
+  </dgm:styleLbl>
+  <dgm:styleLbl name="parChTrans2D1">
+    <dgm:scene3d>
+      <a:camera prst="orthographicFront"/>
+      <a:lightRig rig="threePt" dir="t"/>
+    </dgm:scene3d>
+    <dgm:sp3d/>
+    <dgm:txPr/>
+    <dgm:style>
+      <a:lnRef idx="2">
+        <a:scrgbClr r="0" g="0" b="0"/>
+      </a:lnRef>
+      <a:fillRef idx="1">
+        <a:scrgbClr r="0" g="0" b="0"/>
+      </a:fillRef>
+      <a:effectRef idx="0">
+        <a:scrgbClr r="0" g="0" b="0"/>
+      </a:effectRef>
+      <a:fontRef idx="minor">
+        <a:schemeClr val="lt1"/>
+      </a:fontRef>
+    </dgm:style>
+  </dgm:styleLbl>
+  <dgm:styleLbl name="parChTrans2D2">
+    <dgm:scene3d>
+      <a:camera prst="orthographicFront"/>
+      <a:lightRig rig="threePt" dir="t"/>
+    </dgm:scene3d>
+    <dgm:sp3d/>
+    <dgm:txPr/>
+    <dgm:style>
+      <a:lnRef idx="2">
+        <a:scrgbClr r="0" g="0" b="0"/>
+      </a:lnRef>
+      <a:fillRef idx="1">
+        <a:scrgbClr r="0" g="0" b="0"/>
+      </a:fillRef>
+      <a:effectRef idx="0">
+        <a:scrgbClr r="0" g="0" b="0"/>
+      </a:effectRef>
+      <a:fontRef idx="minor">
+        <a:schemeClr val="lt1"/>
+      </a:fontRef>
+    </dgm:style>
+  </dgm:styleLbl>
+  <dgm:styleLbl name="parChTrans2D3">
+    <dgm:scene3d>
+      <a:camera prst="orthographicFront"/>
+      <a:lightRig rig="threePt" dir="t"/>
+    </dgm:scene3d>
+    <dgm:sp3d/>
+    <dgm:txPr/>
+    <dgm:style>
+      <a:lnRef idx="2">
+        <a:scrgbClr r="0" g="0" b="0"/>
+      </a:lnRef>
+      <a:fillRef idx="1">
+        <a:scrgbClr r="0" g="0" b="0"/>
+      </a:fillRef>
+      <a:effectRef idx="0">
+        <a:scrgbClr r="0" g="0" b="0"/>
+      </a:effectRef>
+      <a:fontRef idx="minor">
+        <a:schemeClr val="lt1"/>
+      </a:fontRef>
+    </dgm:style>
+  </dgm:styleLbl>
+  <dgm:styleLbl name="parChTrans2D4">
+    <dgm:scene3d>
+      <a:camera prst="orthographicFront"/>
+      <a:lightRig rig="threePt" dir="t"/>
+    </dgm:scene3d>
+    <dgm:sp3d/>
+    <dgm:txPr/>
+    <dgm:style>
+      <a:lnRef idx="2">
+        <a:scrgbClr r="0" g="0" b="0"/>
+      </a:lnRef>
+      <a:fillRef idx="1">
+        <a:scrgbClr r="0" g="0" b="0"/>
+      </a:fillRef>
+      <a:effectRef idx="0">
+        <a:scrgbClr r="0" g="0" b="0"/>
+      </a:effectRef>
+      <a:fontRef idx="minor">
+        <a:schemeClr val="lt1"/>
+      </a:fontRef>
+    </dgm:style>
+  </dgm:styleLbl>
+  <dgm:styleLbl name="parChTrans1D1">
+    <dgm:scene3d>
+      <a:camera prst="orthographicFront"/>
+      <a:lightRig rig="threePt" dir="t"/>
+    </dgm:scene3d>
+    <dgm:sp3d/>
+    <dgm:txPr/>
+    <dgm:style>
+      <a:lnRef idx="2">
+        <a:scrgbClr r="0" g="0" b="0"/>
+      </a:lnRef>
+      <a:fillRef idx="0">
+        <a:scrgbClr r="0" g="0" b="0"/>
+      </a:fillRef>
+      <a:effectRef idx="0">
+        <a:scrgbClr r="0" g="0" b="0"/>
+      </a:effectRef>
+      <a:fontRef idx="minor"/>
+    </dgm:style>
+  </dgm:styleLbl>
+  <dgm:styleLbl name="parChTrans1D2">
+    <dgm:scene3d>
+      <a:camera prst="orthographicFront"/>
+      <a:lightRig rig="threePt" dir="t"/>
+    </dgm:scene3d>
+    <dgm:sp3d/>
+    <dgm:txPr/>
+    <dgm:style>
+      <a:lnRef idx="2">
+        <a:scrgbClr r="0" g="0" b="0"/>
+      </a:lnRef>
+      <a:fillRef idx="0">
+        <a:scrgbClr r="0" g="0" b="0"/>
+      </a:fillRef>
+      <a:effectRef idx="0">
+        <a:scrgbClr r="0" g="0" b="0"/>
+      </a:effectRef>
+      <a:fontRef idx="minor"/>
+    </dgm:style>
+  </dgm:styleLbl>
+  <dgm:styleLbl name="parChTrans1D3">
+    <dgm:scene3d>
+      <a:camera prst="orthographicFront"/>
+      <a:lightRig rig="threePt" dir="t"/>
+    </dgm:scene3d>
+    <dgm:sp3d/>
+    <dgm:txPr/>
+    <dgm:style>
+      <a:lnRef idx="2">
+        <a:scrgbClr r="0" g="0" b="0"/>
+      </a:lnRef>
+      <a:fillRef idx="0">
+        <a:scrgbClr r="0" g="0" b="0"/>
+      </a:fillRef>
+      <a:effectRef idx="0">
+        <a:scrgbClr r="0" g="0" b="0"/>
+      </a:effectRef>
+      <a:fontRef idx="minor"/>
+    </dgm:style>
+  </dgm:styleLbl>
+  <dgm:styleLbl name="parChTrans1D4">
+    <dgm:scene3d>
+      <a:camera prst="orthographicFront"/>
+      <a:lightRig rig="threePt" dir="t"/>
+    </dgm:scene3d>
+    <dgm:sp3d/>
+    <dgm:txPr/>
+    <dgm:style>
+      <a:lnRef idx="2">
+        <a:scrgbClr r="0" g="0" b="0"/>
+      </a:lnRef>
+      <a:fillRef idx="0">
+        <a:scrgbClr r="0" g="0" b="0"/>
+      </a:fillRef>
+      <a:effectRef idx="0">
+        <a:scrgbClr r="0" g="0" b="0"/>
+      </a:effectRef>
+      <a:fontRef idx="minor"/>
+    </dgm:style>
+  </dgm:styleLbl>
+  <dgm:styleLbl name="fgAcc1">
+    <dgm:scene3d>
+      <a:camera prst="orthographicFront"/>
+      <a:lightRig rig="threePt" dir="t"/>
+    </dgm:scene3d>
+    <dgm:sp3d/>
+    <dgm:txPr/>
+    <dgm:style>
+      <a:lnRef idx="2">
+        <a:scrgbClr r="0" g="0" b="0"/>
+      </a:lnRef>
+      <a:fillRef idx="1">
+        <a:scrgbClr r="0" g="0" b="0"/>
+      </a:fillRef>
+      <a:effectRef idx="0">
+        <a:scrgbClr r="0" g="0" b="0"/>
+      </a:effectRef>
+      <a:fontRef idx="minor"/>
+    </dgm:style>
+  </dgm:styleLbl>
+  <dgm:styleLbl name="conFgAcc1">
+    <dgm:scene3d>
+      <a:camera prst="orthographicFront"/>
+      <a:lightRig rig="threePt" dir="t"/>
+    </dgm:scene3d>
+    <dgm:sp3d/>
+    <dgm:txPr/>
+    <dgm:style>
+      <a:lnRef idx="2">
+        <a:scrgbClr r="0" g="0" b="0"/>
+      </a:lnRef>
+      <a:fillRef idx="1">
+        <a:scrgbClr r="0" g="0" b="0"/>
+      </a:fillRef>
+      <a:effectRef idx="0">
+        <a:scrgbClr r="0" g="0" b="0"/>
+      </a:effectRef>
+      <a:fontRef idx="minor"/>
+    </dgm:style>
+  </dgm:styleLbl>
+  <dgm:styleLbl name="alignAcc1">
+    <dgm:scene3d>
+      <a:camera prst="orthographicFront"/>
+      <a:lightRig rig="threePt" dir="t"/>
+    </dgm:scene3d>
+    <dgm:sp3d/>
+    <dgm:txPr/>
+    <dgm:style>
+      <a:lnRef idx="2">
+        <a:scrgbClr r="0" g="0" b="0"/>
+      </a:lnRef>
+      <a:fillRef idx="1">
+        <a:scrgbClr r="0" g="0" b="0"/>
+      </a:fillRef>
+      <a:effectRef idx="0">
+        <a:scrgbClr r="0" g="0" b="0"/>
+      </a:effectRef>
+      <a:fontRef idx="minor"/>
+    </dgm:style>
+  </dgm:styleLbl>
+  <dgm:styleLbl name="trAlignAcc1">
+    <dgm:scene3d>
+      <a:camera prst="orthographicFront"/>
+      <a:lightRig rig="threePt" dir="t"/>
+    </dgm:scene3d>
+    <dgm:sp3d/>
+    <dgm:txPr/>
+    <dgm:style>
+      <a:lnRef idx="1">
+        <a:scrgbClr r="0" g="0" b="0"/>
+      </a:lnRef>
+      <a:fillRef idx="1">
+        <a:scrgbClr r="0" g="0" b="0"/>
+      </a:fillRef>
+      <a:effectRef idx="0">
+        <a:scrgbClr r="0" g="0" b="0"/>
+      </a:effectRef>
+      <a:fontRef idx="minor"/>
+    </dgm:style>
+  </dgm:styleLbl>
+  <dgm:styleLbl name="bgAcc1">
+    <dgm:scene3d>
+      <a:camera prst="orthographicFront"/>
+      <a:lightRig rig="threePt" dir="t"/>
+    </dgm:scene3d>
+    <dgm:sp3d/>
+    <dgm:txPr/>
+    <dgm:style>
+      <a:lnRef idx="2">
+        <a:scrgbClr r="0" g="0" b="0"/>
+      </a:lnRef>
+      <a:fillRef idx="1">
+        <a:scrgbClr r="0" g="0" b="0"/>
+      </a:fillRef>
+      <a:effectRef idx="0">
+        <a:scrgbClr r="0" g="0" b="0"/>
+      </a:effectRef>
+      <a:fontRef idx="minor"/>
+    </dgm:style>
+  </dgm:styleLbl>
+  <dgm:styleLbl name="solidFgAcc1">
+    <dgm:scene3d>
+      <a:camera prst="orthographicFront"/>
+      <a:lightRig rig="threePt" dir="t"/>
+    </dgm:scene3d>
+    <dgm:sp3d/>
+    <dgm:txPr/>
+    <dgm:style>
+      <a:lnRef idx="2">
+        <a:scrgbClr r="0" g="0" b="0"/>
+      </a:lnRef>
+      <a:fillRef idx="1">
+        <a:scrgbClr r="0" g="0" b="0"/>
+      </a:fillRef>
+      <a:effectRef idx="0">
+        <a:scrgbClr r="0" g="0" b="0"/>
+      </a:effectRef>
+      <a:fontRef idx="minor"/>
+    </dgm:style>
+  </dgm:styleLbl>
+  <dgm:styleLbl name="solidAlignAcc1">
+    <dgm:scene3d>
+      <a:camera prst="orthographicFront"/>
+      <a:lightRig rig="threePt" dir="t"/>
+    </dgm:scene3d>
+    <dgm:sp3d/>
+    <dgm:txPr/>
+    <dgm:style>
+      <a:lnRef idx="2">
+        <a:scrgbClr r="0" g="0" b="0"/>
+      </a:lnRef>
+      <a:fillRef idx="1">
+        <a:scrgbClr r="0" g="0" b="0"/>
+      </a:fillRef>
+      <a:effectRef idx="0">
+        <a:scrgbClr r="0" g="0" b="0"/>
+      </a:effectRef>
+      <a:fontRef idx="minor"/>
+    </dgm:style>
+  </dgm:styleLbl>
+  <dgm:styleLbl name="solidBgAcc1">
+    <dgm:scene3d>
+      <a:camera prst="orthographicFront"/>
+      <a:lightRig rig="threePt" dir="t"/>
+    </dgm:scene3d>
+    <dgm:sp3d/>
+    <dgm:txPr/>
+    <dgm:style>
+      <a:lnRef idx="2">
+        <a:scrgbClr r="0" g="0" b="0"/>
+      </a:lnRef>
+      <a:fillRef idx="1">
+        <a:scrgbClr r="0" g="0" b="0"/>
+      </a:fillRef>
+      <a:effectRef idx="0">
+        <a:scrgbClr r="0" g="0" b="0"/>
+      </a:effectRef>
+      <a:fontRef idx="minor"/>
+    </dgm:style>
+  </dgm:styleLbl>
+  <dgm:styleLbl name="fgAccFollowNode1">
+    <dgm:scene3d>
+      <a:camera prst="orthographicFront"/>
+      <a:lightRig rig="threePt" dir="t"/>
+    </dgm:scene3d>
+    <dgm:sp3d/>
+    <dgm:txPr/>
+    <dgm:style>
+      <a:lnRef idx="2">
+        <a:scrgbClr r="0" g="0" b="0"/>
+      </a:lnRef>
+      <a:fillRef idx="1">
+        <a:scrgbClr r="0" g="0" b="0"/>
+      </a:fillRef>
+      <a:effectRef idx="0">
+        <a:scrgbClr r="0" g="0" b="0"/>
+      </a:effectRef>
+      <a:fontRef idx="minor"/>
+    </dgm:style>
+  </dgm:styleLbl>
+  <dgm:styleLbl name="alignAccFollowNode1">
+    <dgm:scene3d>
+      <a:camera prst="orthographicFront"/>
+      <a:lightRig rig="threePt" dir="t"/>
+    </dgm:scene3d>
+    <dgm:sp3d/>
+    <dgm:txPr/>
+    <dgm:style>
+      <a:lnRef idx="2">
+        <a:scrgbClr r="0" g="0" b="0"/>
+      </a:lnRef>
+      <a:fillRef idx="1">
+        <a:scrgbClr r="0" g="0" b="0"/>
+      </a:fillRef>
+      <a:effectRef idx="0">
+        <a:scrgbClr r="0" g="0" b="0"/>
+      </a:effectRef>
+      <a:fontRef idx="minor"/>
+    </dgm:style>
+  </dgm:styleLbl>
+  <dgm:styleLbl name="bgAccFollowNode1">
+    <dgm:scene3d>
+      <a:camera prst="orthographicFront"/>
+      <a:lightRig rig="threePt" dir="t"/>
+    </dgm:scene3d>
+    <dgm:sp3d/>
+    <dgm:txPr/>
+    <dgm:style>
+      <a:lnRef idx="2">
+        <a:scrgbClr r="0" g="0" b="0"/>
+      </a:lnRef>
+      <a:fillRef idx="1">
+        <a:scrgbClr r="0" g="0" b="0"/>
+      </a:fillRef>
+      <a:effectRef idx="0">
+        <a:scrgbClr r="0" g="0" b="0"/>
+      </a:effectRef>
+      <a:fontRef idx="minor"/>
+    </dgm:style>
+  </dgm:styleLbl>
+  <dgm:styleLbl name="fgAcc0">
+    <dgm:scene3d>
+      <a:camera prst="orthographicFront"/>
+      <a:lightRig rig="threePt" dir="t"/>
+    </dgm:scene3d>
+    <dgm:sp3d/>
+    <dgm:txPr/>
+    <dgm:style>
+      <a:lnRef idx="2">
+        <a:scrgbClr r="0" g="0" b="0"/>
+      </a:lnRef>
+      <a:fillRef idx="1">
+        <a:scrgbClr r="0" g="0" b="0"/>
+      </a:fillRef>
+      <a:effectRef idx="0">
+        <a:scrgbClr r="0" g="0" b="0"/>
+      </a:effectRef>
+      <a:fontRef idx="minor"/>
+    </dgm:style>
+  </dgm:styleLbl>
+  <dgm:styleLbl name="fgAcc2">
+    <dgm:scene3d>
+      <a:camera prst="orthographicFront"/>
+      <a:lightRig rig="threePt" dir="t"/>
+    </dgm:scene3d>
+    <dgm:sp3d/>
+    <dgm:txPr/>
+    <dgm:style>
+      <a:lnRef idx="2">
+        <a:scrgbClr r="0" g="0" b="0"/>
+      </a:lnRef>
+      <a:fillRef idx="1">
+        <a:scrgbClr r="0" g="0" b="0"/>
+      </a:fillRef>
+      <a:effectRef idx="0">
+        <a:scrgbClr r="0" g="0" b="0"/>
+      </a:effectRef>
+      <a:fontRef idx="minor"/>
+    </dgm:style>
+  </dgm:styleLbl>
+  <dgm:styleLbl name="fgAcc3">
+    <dgm:scene3d>
+      <a:camera prst="orthographicFront"/>
+      <a:lightRig rig="threePt" dir="t"/>
+    </dgm:scene3d>
+    <dgm:sp3d/>
+    <dgm:txPr/>
+    <dgm:style>
+      <a:lnRef idx="2">
+        <a:scrgbClr r="0" g="0" b="0"/>
+      </a:lnRef>
+      <a:fillRef idx="1">
+        <a:scrgbClr r="0" g="0" b="0"/>
+      </a:fillRef>
+      <a:effectRef idx="0">
+        <a:scrgbClr r="0" g="0" b="0"/>
+      </a:effectRef>
+      <a:fontRef idx="minor"/>
+    </dgm:style>
+  </dgm:styleLbl>
+  <dgm:styleLbl name="fgAcc4">
+    <dgm:scene3d>
+      <a:camera prst="orthographicFront"/>
+      <a:lightRig rig="threePt" dir="t"/>
+    </dgm:scene3d>
+    <dgm:sp3d/>
+    <dgm:txPr/>
+    <dgm:style>
+      <a:lnRef idx="2">
+        <a:scrgbClr r="0" g="0" b="0"/>
+      </a:lnRef>
+      <a:fillRef idx="1">
+        <a:scrgbClr r="0" g="0" b="0"/>
+      </a:fillRef>
+      <a:effectRef idx="0">
+        <a:scrgbClr r="0" g="0" b="0"/>
+      </a:effectRef>
+      <a:fontRef idx="minor"/>
+    </dgm:style>
+  </dgm:styleLbl>
+  <dgm:styleLbl name="bgShp">
+    <dgm:scene3d>
+      <a:camera prst="orthographicFront"/>
+      <a:lightRig rig="threePt" dir="t"/>
+    </dgm:scene3d>
+    <dgm:sp3d/>
+    <dgm:txPr/>
+    <dgm:style>
+      <a:lnRef idx="0">
+        <a:scrgbClr r="0" g="0" b="0"/>
+      </a:lnRef>
+      <a:fillRef idx="1">
+        <a:scrgbClr r="0" g="0" b="0"/>
+      </a:fillRef>
+      <a:effectRef idx="0">
+        <a:scrgbClr r="0" g="0" b="0"/>
+      </a:effectRef>
+      <a:fontRef idx="minor"/>
+    </dgm:style>
+  </dgm:styleLbl>
+  <dgm:styleLbl name="dkBgShp">
+    <dgm:scene3d>
+      <a:camera prst="orthographicFront"/>
+      <a:lightRig rig="threePt" dir="t"/>
+    </dgm:scene3d>
+    <dgm:sp3d/>
+    <dgm:txPr/>
+    <dgm:style>
+      <a:lnRef idx="0">
+        <a:scrgbClr r="0" g="0" b="0"/>
+      </a:lnRef>
+      <a:fillRef idx="1">
+        <a:scrgbClr r="0" g="0" b="0"/>
+      </a:fillRef>
+      <a:effectRef idx="0">
+        <a:scrgbClr r="0" g="0" b="0"/>
+      </a:effectRef>
+      <a:fontRef idx="minor"/>
+    </dgm:style>
+  </dgm:styleLbl>
+  <dgm:styleLbl name="trBgShp">
+    <dgm:scene3d>
+      <a:camera prst="orthographicFront"/>
+      <a:lightRig rig="threePt" dir="t"/>
+    </dgm:scene3d>
+    <dgm:sp3d/>
+    <dgm:txPr/>
+    <dgm:style>
+      <a:lnRef idx="0">
+        <a:scrgbClr r="0" g="0" b="0"/>
+      </a:lnRef>
+      <a:fillRef idx="1">
+        <a:scrgbClr r="0" g="0" b="0"/>
+      </a:fillRef>
+      <a:effectRef idx="0">
+        <a:scrgbClr r="0" g="0" b="0"/>
+      </a:effectRef>
+      <a:fontRef idx="minor"/>
+    </dgm:style>
+  </dgm:styleLbl>
+  <dgm:styleLbl name="fgShp">
+    <dgm:scene3d>
+      <a:camera prst="orthographicFront"/>
+      <a:lightRig rig="threePt" dir="t"/>
+    </dgm:scene3d>
+    <dgm:sp3d/>
+    <dgm:txPr/>
+    <dgm:style>
+      <a:lnRef idx="2">
+        <a:scrgbClr r="0" g="0" b="0"/>
+      </a:lnRef>
+      <a:fillRef idx="1">
+        <a:scrgbClr r="0" g="0" b="0"/>
+      </a:fillRef>
+      <a:effectRef idx="0">
+        <a:scrgbClr r="0" g="0" b="0"/>
+      </a:effectRef>
+      <a:fontRef idx="minor"/>
+    </dgm:style>
+  </dgm:styleLbl>
+  <dgm:styleLbl name="revTx">
+    <dgm:scene3d>
+      <a:camera prst="orthographicFront"/>
+      <a:lightRig rig="threePt" dir="t"/>
+    </dgm:scene3d>
+    <dgm:sp3d/>
+    <dgm:txPr/>
+    <dgm:style>
+      <a:lnRef idx="0">
+        <a:scrgbClr r="0" g="0" b="0"/>
+      </a:lnRef>
+      <a:fillRef idx="0">
+        <a:scrgbClr r="0" g="0" b="0"/>
+      </a:fillRef>
+      <a:effectRef idx="0">
+        <a:scrgbClr r="0" g="0" b="0"/>
+      </a:effectRef>
+      <a:fontRef idx="minor"/>
+    </dgm:style>
+  </dgm:styleLbl>
+</dgm:styleDef>
+</file>
+
+<file path=ppt/diagrams/quickStyle5.xml><?xml version="1.0" encoding="utf-8"?>
 <dgm:styleDef xmlns:dgm="http://schemas.openxmlformats.org/drawingml/2006/diagram" xmlns:a="http://schemas.openxmlformats.org/drawingml/2006/main" uniqueId="urn:microsoft.com/office/officeart/2005/8/quickstyle/simple1">
   <dgm:title val=""/>
   <dgm:desc val=""/>
@@ -8038,7 +13788,7 @@
           <a:p>
             <a:fld id="{C6AC6211-610F-44E5-BF19-D3CDF6EDD281}" type="datetimeFigureOut">
               <a:rPr lang="de-DE" smtClean="0"/>
-              <a:t>20.11.2019</a:t>
+              <a:t>21.11.2019</a:t>
             </a:fld>
             <a:endParaRPr lang="de-DE"/>
           </a:p>
@@ -8204,7 +13954,7 @@
           <a:p>
             <a:fld id="{347435D3-23A6-45D3-8DFA-7317DC1E7A64}" type="datetimeFigureOut">
               <a:rPr lang="de-DE" smtClean="0"/>
-              <a:t>20.11.2019</a:t>
+              <a:t>21.11.2019</a:t>
             </a:fld>
             <a:endParaRPr lang="de-DE"/>
           </a:p>
@@ -11615,7 +17365,7 @@
           <p:cNvPr id="2" name="Titel 1">
             <a:extLst>
               <a:ext uri="{FF2B5EF4-FFF2-40B4-BE49-F238E27FC236}">
-                <a16:creationId xmlns:a16="http://schemas.microsoft.com/office/drawing/2014/main" id="{3AC1F2FF-9D58-429E-8174-14B3339122A5}"/>
+                <a16:creationId xmlns:a16="http://schemas.microsoft.com/office/drawing/2014/main" id="{D4AA14FD-CD28-44BB-ADBE-13BF21982478}"/>
               </a:ext>
             </a:extLst>
           </p:cNvPr>
@@ -11633,40 +17383,46 @@
           <a:p>
             <a:r>
               <a:rPr lang="de-DE" dirty="0"/>
-              <a:t>Konzept - Geeignete Einsatzszenarien</a:t>
+              <a:t>Konzept – Kernanforderungen</a:t>
             </a:r>
           </a:p>
         </p:txBody>
       </p:sp>
-      <p:sp>
-        <p:nvSpPr>
-          <p:cNvPr id="3" name="Inhaltsplatzhalter 2">
+      <p:graphicFrame>
+        <p:nvGraphicFramePr>
+          <p:cNvPr id="4" name="Inhaltsplatzhalter 3">
             <a:extLst>
               <a:ext uri="{FF2B5EF4-FFF2-40B4-BE49-F238E27FC236}">
-                <a16:creationId xmlns:a16="http://schemas.microsoft.com/office/drawing/2014/main" id="{4E3F8C54-9742-4607-AE11-A47A09986ED8}"/>
+                <a16:creationId xmlns:a16="http://schemas.microsoft.com/office/drawing/2014/main" id="{D0AA7CBB-D298-4B70-B985-7FF846536EF0}"/>
               </a:ext>
             </a:extLst>
           </p:cNvPr>
-          <p:cNvSpPr>
-            <a:spLocks noGrp="1"/>
-          </p:cNvSpPr>
+          <p:cNvGraphicFramePr>
+            <a:graphicFrameLocks noGrp="1"/>
+          </p:cNvGraphicFramePr>
           <p:nvPr>
             <p:ph sz="quarter" idx="10"/>
+            <p:extLst>
+              <p:ext uri="{D42A27DB-BD31-4B8C-83A1-F6EECF244321}">
+                <p14:modId xmlns:p14="http://schemas.microsoft.com/office/powerpoint/2010/main" val="3765620766"/>
+              </p:ext>
+            </p:extLst>
           </p:nvPr>
-        </p:nvSpPr>
-        <p:spPr/>
-        <p:txBody>
-          <a:bodyPr/>
-          <a:lstStyle/>
-          <a:p>
-            <a:endParaRPr lang="de-DE"/>
-          </a:p>
-        </p:txBody>
-      </p:sp>
+        </p:nvGraphicFramePr>
+        <p:xfrm>
+          <a:off x="1062925" y="1029494"/>
+          <a:ext cx="10066150" cy="4799012"/>
+        </p:xfrm>
+        <a:graphic>
+          <a:graphicData uri="http://schemas.openxmlformats.org/drawingml/2006/diagram">
+            <dgm:relIds xmlns:dgm="http://schemas.openxmlformats.org/drawingml/2006/diagram" xmlns:r="http://schemas.openxmlformats.org/officeDocument/2006/relationships" r:dm="rId2" r:lo="rId3" r:qs="rId4" r:cs="rId5"/>
+          </a:graphicData>
+        </a:graphic>
+      </p:graphicFrame>
     </p:spTree>
     <p:extLst>
       <p:ext uri="{BB962C8B-B14F-4D97-AF65-F5344CB8AC3E}">
-        <p14:creationId xmlns:p14="http://schemas.microsoft.com/office/powerpoint/2010/main" val="3876607144"/>
+        <p14:creationId xmlns:p14="http://schemas.microsoft.com/office/powerpoint/2010/main" val="2292009409"/>
       </p:ext>
     </p:extLst>
   </p:cSld>
@@ -11698,7 +17454,7 @@
           <p:cNvPr id="2" name="Titel 1">
             <a:extLst>
               <a:ext uri="{FF2B5EF4-FFF2-40B4-BE49-F238E27FC236}">
-                <a16:creationId xmlns:a16="http://schemas.microsoft.com/office/drawing/2014/main" id="{D4AA14FD-CD28-44BB-ADBE-13BF21982478}"/>
+                <a16:creationId xmlns:a16="http://schemas.microsoft.com/office/drawing/2014/main" id="{0231FB51-B0A5-4159-AE41-DB1C26D5CD9F}"/>
               </a:ext>
             </a:extLst>
           </p:cNvPr>
@@ -11716,7 +17472,7 @@
           <a:p>
             <a:r>
               <a:rPr lang="de-DE" dirty="0"/>
-              <a:t>Konzept – Anforderungen</a:t>
+              <a:t>Auswahl eines Sprachassistenten</a:t>
             </a:r>
           </a:p>
         </p:txBody>
@@ -11726,7 +17482,7 @@
           <p:cNvPr id="3" name="Inhaltsplatzhalter 2">
             <a:extLst>
               <a:ext uri="{FF2B5EF4-FFF2-40B4-BE49-F238E27FC236}">
-                <a16:creationId xmlns:a16="http://schemas.microsoft.com/office/drawing/2014/main" id="{EA184A8A-D3ED-4D90-B7B3-3BC90B0AF157}"/>
+                <a16:creationId xmlns:a16="http://schemas.microsoft.com/office/drawing/2014/main" id="{DD11B5B1-85C2-4748-8697-213F5FAE8FB8}"/>
               </a:ext>
             </a:extLst>
           </p:cNvPr>
@@ -11742,14 +17498,115 @@
           <a:bodyPr/>
           <a:lstStyle/>
           <a:p>
-            <a:endParaRPr lang="de-DE"/>
+            <a:pPr marL="285750" indent="-285750">
+              <a:buFont typeface="Arial" panose="020B0604020202020204" pitchFamily="34" charset="0"/>
+              <a:buChar char="•"/>
+            </a:pPr>
+            <a:r>
+              <a:rPr lang="de-DE" dirty="0"/>
+              <a:t>Vergleich verschiedener Sprachassistenten, Ergebnis: Mycroft am besten geeignet</a:t>
+            </a:r>
+          </a:p>
+          <a:p>
+            <a:pPr marL="285750" indent="-285750">
+              <a:buFont typeface="Arial" panose="020B0604020202020204" pitchFamily="34" charset="0"/>
+              <a:buChar char="•"/>
+            </a:pPr>
+            <a:r>
+              <a:rPr lang="de-DE" dirty="0"/>
+              <a:t>-&gt; welche Bestandteile werden eingesetzt (und warum </a:t>
+            </a:r>
+            <a:r>
+              <a:rPr lang="de-DE" dirty="0" err="1"/>
+              <a:t>bzw</a:t>
+            </a:r>
+            <a:r>
+              <a:rPr lang="de-DE" dirty="0"/>
+              <a:t> warum nicht)</a:t>
+            </a:r>
+          </a:p>
+          <a:p>
+            <a:endParaRPr lang="de-DE" dirty="0"/>
+          </a:p>
+        </p:txBody>
+      </p:sp>
+      <p:pic>
+        <p:nvPicPr>
+          <p:cNvPr id="4" name="Inhaltsplatzhalter 5">
+            <a:extLst>
+              <a:ext uri="{FF2B5EF4-FFF2-40B4-BE49-F238E27FC236}">
+                <a16:creationId xmlns:a16="http://schemas.microsoft.com/office/drawing/2014/main" id="{6A75BD11-6BA7-4AE9-B2FA-1A7488100401}"/>
+              </a:ext>
+            </a:extLst>
+          </p:cNvPr>
+          <p:cNvPicPr>
+            <a:picLocks noChangeAspect="1"/>
+          </p:cNvPicPr>
+          <p:nvPr/>
+        </p:nvPicPr>
+        <p:blipFill>
+          <a:blip r:embed="rId2" cstate="print">
+            <a:extLst>
+              <a:ext uri="{28A0092B-C50C-407E-A947-70E740481C1C}">
+                <a14:useLocalDpi xmlns:a14="http://schemas.microsoft.com/office/drawing/2010/main" val="0"/>
+              </a:ext>
+            </a:extLst>
+          </a:blip>
+          <a:stretch>
+            <a:fillRect/>
+          </a:stretch>
+        </p:blipFill>
+        <p:spPr>
+          <a:xfrm>
+            <a:off x="10036560" y="348675"/>
+            <a:ext cx="1418839" cy="1135638"/>
+          </a:xfrm>
+          <a:prstGeom prst="rect">
+            <a:avLst/>
+          </a:prstGeom>
+          <a:ln>
+            <a:noFill/>
+          </a:ln>
+        </p:spPr>
+      </p:pic>
+      <p:sp>
+        <p:nvSpPr>
+          <p:cNvPr id="5" name="Rechteck 4">
+            <a:extLst>
+              <a:ext uri="{FF2B5EF4-FFF2-40B4-BE49-F238E27FC236}">
+                <a16:creationId xmlns:a16="http://schemas.microsoft.com/office/drawing/2014/main" id="{3EF0B8FA-A0B1-4C85-8740-5C2F589136C6}"/>
+              </a:ext>
+            </a:extLst>
+          </p:cNvPr>
+          <p:cNvSpPr/>
+          <p:nvPr/>
+        </p:nvSpPr>
+        <p:spPr>
+          <a:xfrm>
+            <a:off x="11077200" y="421868"/>
+            <a:ext cx="1114800" cy="630942"/>
+          </a:xfrm>
+          <a:prstGeom prst="rect">
+            <a:avLst/>
+          </a:prstGeom>
+        </p:spPr>
+        <p:txBody>
+          <a:bodyPr wrap="square">
+            <a:spAutoFit/>
+          </a:bodyPr>
+          <a:lstStyle/>
+          <a:p>
+            <a:r>
+              <a:rPr lang="de-DE" sz="700" dirty="0"/>
+              <a:t>https://mycroft.ai/wp-content/uploads/2019/01/Mycroft_logo_two_markandtype_hires.png</a:t>
+            </a:r>
           </a:p>
         </p:txBody>
       </p:sp>
     </p:spTree>
     <p:extLst>
       <p:ext uri="{BB962C8B-B14F-4D97-AF65-F5344CB8AC3E}">
-        <p14:creationId xmlns:p14="http://schemas.microsoft.com/office/powerpoint/2010/main" val="2292009409"/>
+        <p14:creationId xmlns:p14="http://schemas.microsoft.com/office/powerpoint/2010/main" val="3113656784"/>
       </p:ext>
     </p:extLst>
   </p:cSld>
@@ -11776,6 +17633,41 @@
           <a:chExt cx="0" cy="0"/>
         </a:xfrm>
       </p:grpSpPr>
+      <p:pic>
+        <p:nvPicPr>
+          <p:cNvPr id="5" name="Inhaltsplatzhalter 4">
+            <a:extLst>
+              <a:ext uri="{FF2B5EF4-FFF2-40B4-BE49-F238E27FC236}">
+                <a16:creationId xmlns:a16="http://schemas.microsoft.com/office/drawing/2014/main" id="{9DDC0930-ABA1-490C-A84C-8FDEB57D2EA9}"/>
+              </a:ext>
+            </a:extLst>
+          </p:cNvPr>
+          <p:cNvPicPr>
+            <a:picLocks noGrp="1" noChangeAspect="1"/>
+          </p:cNvPicPr>
+          <p:nvPr>
+            <p:ph sz="quarter" idx="10"/>
+          </p:nvPr>
+        </p:nvPicPr>
+        <p:blipFill>
+          <a:blip r:embed="rId2">
+            <a:extLst>
+              <a:ext uri="{28A0092B-C50C-407E-A947-70E740481C1C}">
+                <a14:useLocalDpi xmlns:a14="http://schemas.microsoft.com/office/drawing/2010/main" val="0"/>
+              </a:ext>
+            </a:extLst>
+          </a:blip>
+          <a:stretch>
+            <a:fillRect/>
+          </a:stretch>
+        </p:blipFill>
+        <p:spPr>
+          <a:xfrm>
+            <a:off x="2068286" y="963951"/>
+            <a:ext cx="8055427" cy="4930097"/>
+          </a:xfrm>
+        </p:spPr>
+      </p:pic>
       <p:sp>
         <p:nvSpPr>
           <p:cNvPr id="2" name="Titel 1">
@@ -11804,12 +17696,70 @@
           </a:p>
         </p:txBody>
       </p:sp>
+    </p:spTree>
+    <p:extLst>
+      <p:ext uri="{BB962C8B-B14F-4D97-AF65-F5344CB8AC3E}">
+        <p14:creationId xmlns:p14="http://schemas.microsoft.com/office/powerpoint/2010/main" val="1769400332"/>
+      </p:ext>
+    </p:extLst>
+  </p:cSld>
+  <p:clrMapOvr>
+    <a:masterClrMapping/>
+  </p:clrMapOvr>
+</p:sld>
+</file>
+
+<file path=ppt/slides/slide13.xml><?xml version="1.0" encoding="utf-8"?>
+<p:sld xmlns:a="http://schemas.openxmlformats.org/drawingml/2006/main" xmlns:r="http://schemas.openxmlformats.org/officeDocument/2006/relationships" xmlns:p="http://schemas.openxmlformats.org/presentationml/2006/main">
+  <p:cSld>
+    <p:spTree>
+      <p:nvGrpSpPr>
+        <p:cNvPr id="1" name=""/>
+        <p:cNvGrpSpPr/>
+        <p:nvPr/>
+      </p:nvGrpSpPr>
+      <p:grpSpPr>
+        <a:xfrm>
+          <a:off x="0" y="0"/>
+          <a:ext cx="0" cy="0"/>
+          <a:chOff x="0" y="0"/>
+          <a:chExt cx="0" cy="0"/>
+        </a:xfrm>
+      </p:grpSpPr>
       <p:sp>
         <p:nvSpPr>
-          <p:cNvPr id="3" name="Inhaltsplatzhalter 2">
+          <p:cNvPr id="2" name="Titel 1">
             <a:extLst>
               <a:ext uri="{FF2B5EF4-FFF2-40B4-BE49-F238E27FC236}">
-                <a16:creationId xmlns:a16="http://schemas.microsoft.com/office/drawing/2014/main" id="{38193BD9-B0B3-4D53-B156-DCC437D09BA2}"/>
+                <a16:creationId xmlns:a16="http://schemas.microsoft.com/office/drawing/2014/main" id="{48A3E2EF-CDD2-4AB6-B9B8-58A1CAC509B5}"/>
+              </a:ext>
+            </a:extLst>
+          </p:cNvPr>
+          <p:cNvSpPr>
+            <a:spLocks noGrp="1"/>
+          </p:cNvSpPr>
+          <p:nvPr>
+            <p:ph type="title"/>
+          </p:nvPr>
+        </p:nvSpPr>
+        <p:spPr/>
+        <p:txBody>
+          <a:bodyPr/>
+          <a:lstStyle/>
+          <a:p>
+            <a:r>
+              <a:rPr lang="de-DE" dirty="0"/>
+              <a:t>Konzept –  Befehlsbestätigung</a:t>
+            </a:r>
+          </a:p>
+        </p:txBody>
+      </p:sp>
+      <p:sp>
+        <p:nvSpPr>
+          <p:cNvPr id="6" name="Inhaltsplatzhalter 5">
+            <a:extLst>
+              <a:ext uri="{FF2B5EF4-FFF2-40B4-BE49-F238E27FC236}">
+                <a16:creationId xmlns:a16="http://schemas.microsoft.com/office/drawing/2014/main" id="{EDA5D1B4-28EA-43B1-AE8C-877BAA8063F4}"/>
               </a:ext>
             </a:extLst>
           </p:cNvPr>
@@ -11825,14 +17775,59 @@
           <a:bodyPr/>
           <a:lstStyle/>
           <a:p>
-            <a:endParaRPr lang="de-DE"/>
+            <a:r>
+              <a:rPr lang="de-DE" dirty="0"/>
+              <a:t>Hier die Sequenzdiagramme als Grafik</a:t>
+            </a:r>
+          </a:p>
+          <a:p>
+            <a:endParaRPr lang="de-DE" dirty="0"/>
+          </a:p>
+          <a:p>
+            <a:endParaRPr lang="de-DE" dirty="0"/>
           </a:p>
         </p:txBody>
       </p:sp>
+      <p:pic>
+        <p:nvPicPr>
+          <p:cNvPr id="9" name="Grafik 8">
+            <a:extLst>
+              <a:ext uri="{FF2B5EF4-FFF2-40B4-BE49-F238E27FC236}">
+                <a16:creationId xmlns:a16="http://schemas.microsoft.com/office/drawing/2014/main" id="{9BD8F204-9093-46FE-8913-96B2E919AE27}"/>
+              </a:ext>
+            </a:extLst>
+          </p:cNvPr>
+          <p:cNvPicPr>
+            <a:picLocks noChangeAspect="1"/>
+          </p:cNvPicPr>
+          <p:nvPr/>
+        </p:nvPicPr>
+        <p:blipFill>
+          <a:blip r:embed="rId2" cstate="print">
+            <a:extLst>
+              <a:ext uri="{28A0092B-C50C-407E-A947-70E740481C1C}">
+                <a14:useLocalDpi xmlns:a14="http://schemas.microsoft.com/office/drawing/2010/main" val="0"/>
+              </a:ext>
+            </a:extLst>
+          </a:blip>
+          <a:stretch>
+            <a:fillRect/>
+          </a:stretch>
+        </p:blipFill>
+        <p:spPr>
+          <a:xfrm rot="5400000">
+            <a:off x="5562600" y="854304"/>
+            <a:ext cx="6858000" cy="5149392"/>
+          </a:xfrm>
+          <a:prstGeom prst="rect">
+            <a:avLst/>
+          </a:prstGeom>
+        </p:spPr>
+      </p:pic>
     </p:spTree>
     <p:extLst>
       <p:ext uri="{BB962C8B-B14F-4D97-AF65-F5344CB8AC3E}">
-        <p14:creationId xmlns:p14="http://schemas.microsoft.com/office/powerpoint/2010/main" val="1769400332"/>
+        <p14:creationId xmlns:p14="http://schemas.microsoft.com/office/powerpoint/2010/main" val="3667164616"/>
       </p:ext>
     </p:extLst>
   </p:cSld>
@@ -11842,7 +17837,7 @@
 </p:sld>
 </file>
 
-<file path=ppt/slides/slide13.xml><?xml version="1.0" encoding="utf-8"?>
+<file path=ppt/slides/slide14.xml><?xml version="1.0" encoding="utf-8"?>
 <p:sld xmlns:a="http://schemas.openxmlformats.org/drawingml/2006/main" xmlns:r="http://schemas.openxmlformats.org/officeDocument/2006/relationships" xmlns:p="http://schemas.openxmlformats.org/presentationml/2006/main">
   <p:cSld>
     <p:spTree>
@@ -11954,7 +17949,7 @@
 </p:sld>
 </file>
 
-<file path=ppt/slides/slide14.xml><?xml version="1.0" encoding="utf-8"?>
+<file path=ppt/slides/slide15.xml><?xml version="1.0" encoding="utf-8"?>
 <p:sld xmlns:a="http://schemas.openxmlformats.org/drawingml/2006/main" xmlns:r="http://schemas.openxmlformats.org/officeDocument/2006/relationships" xmlns:p="http://schemas.openxmlformats.org/presentationml/2006/main">
   <p:cSld>
     <p:spTree>
@@ -12020,7 +18015,16 @@
           <a:bodyPr/>
           <a:lstStyle/>
           <a:p>
-            <a:endParaRPr lang="de-DE"/>
+            <a:r>
+              <a:rPr lang="de-DE" dirty="0"/>
+              <a:t>Welche Anforderungen wurden erfüllt</a:t>
+            </a:r>
+          </a:p>
+          <a:p>
+            <a:r>
+              <a:rPr lang="de-DE" dirty="0"/>
+              <a:t>Und welche werden aus welchen Gründen nichterfüllt?</a:t>
+            </a:r>
           </a:p>
         </p:txBody>
       </p:sp>
@@ -12037,7 +18041,7 @@
 </p:sld>
 </file>
 
-<file path=ppt/slides/slide15.xml><?xml version="1.0" encoding="utf-8"?>
+<file path=ppt/slides/slide16.xml><?xml version="1.0" encoding="utf-8"?>
 <p:sld xmlns:a="http://schemas.openxmlformats.org/drawingml/2006/main" xmlns:r="http://schemas.openxmlformats.org/officeDocument/2006/relationships" xmlns:p="http://schemas.openxmlformats.org/presentationml/2006/main">
   <p:cSld>
     <p:spTree>
@@ -12103,7 +18107,70 @@
           <a:bodyPr/>
           <a:lstStyle/>
           <a:p>
-            <a:endParaRPr lang="de-DE"/>
+            <a:r>
+              <a:rPr lang="de-DE" dirty="0"/>
+              <a:t>Wie wurde die Evaluation aufgebaut -&gt; Hypothese, Art der Eva, Probanden, Fragen (SUS &amp; eigene)</a:t>
+            </a:r>
+          </a:p>
+          <a:p>
+            <a:r>
+              <a:rPr lang="de-DE" dirty="0"/>
+              <a:t>Hypothesen:</a:t>
+            </a:r>
+          </a:p>
+          <a:p>
+            <a:endParaRPr lang="de-DE" dirty="0"/>
+          </a:p>
+          <a:p>
+            <a:pPr marL="342900" indent="-342900">
+              <a:buFont typeface="+mj-lt"/>
+              <a:buAutoNum type="alphaLcPeriod"/>
+            </a:pPr>
+            <a:r>
+              <a:rPr lang="de-DE" dirty="0"/>
+              <a:t>Nutzung ist selbsterklärend</a:t>
+            </a:r>
+          </a:p>
+          <a:p>
+            <a:pPr marL="342900" indent="-342900">
+              <a:buFont typeface="+mj-lt"/>
+              <a:buAutoNum type="alphaLcPeriod"/>
+            </a:pPr>
+            <a:r>
+              <a:rPr lang="de-DE" dirty="0"/>
+              <a:t>Gefühl von Natürlichkeit</a:t>
+            </a:r>
+          </a:p>
+          <a:p>
+            <a:pPr marL="342900" indent="-342900">
+              <a:buFont typeface="+mj-lt"/>
+              <a:buAutoNum type="alphaLcPeriod"/>
+            </a:pPr>
+            <a:r>
+              <a:rPr lang="de-DE" dirty="0"/>
+              <a:t>Datenschutz erhöht Bereitschaft zur Nutzung</a:t>
+            </a:r>
+          </a:p>
+          <a:p>
+            <a:endParaRPr lang="de-DE" dirty="0"/>
+          </a:p>
+          <a:p>
+            <a:r>
+              <a:rPr lang="de-DE" dirty="0"/>
+              <a:t>Unterteilung in 2 Teile: Quantitativ (SUS &amp; eigene Fragen), Qualitativ (Erhebung spezifischer Gründe für Antworten)</a:t>
+            </a:r>
+          </a:p>
+          <a:p>
+            <a:endParaRPr lang="de-DE" dirty="0"/>
+          </a:p>
+          <a:p>
+            <a:r>
+              <a:rPr lang="de-DE" dirty="0"/>
+              <a:t>Pilotstudie mit 12 Teilnehmern, größtenteils unter 30</a:t>
+            </a:r>
+          </a:p>
+          <a:p>
+            <a:endParaRPr lang="de-DE" dirty="0"/>
           </a:p>
         </p:txBody>
       </p:sp>
@@ -12120,7 +18187,7 @@
 </p:sld>
 </file>
 
-<file path=ppt/slides/slide16.xml><?xml version="1.0" encoding="utf-8"?>
+<file path=ppt/slides/slide17.xml><?xml version="1.0" encoding="utf-8"?>
 <p:sld xmlns:a="http://schemas.openxmlformats.org/drawingml/2006/main" xmlns:r="http://schemas.openxmlformats.org/officeDocument/2006/relationships" xmlns:p="http://schemas.openxmlformats.org/presentationml/2006/main">
   <p:cSld>
     <p:spTree>
@@ -12186,7 +18253,28 @@
           <a:bodyPr/>
           <a:lstStyle/>
           <a:p>
-            <a:endParaRPr lang="de-DE"/>
+            <a:r>
+              <a:rPr lang="de-DE" dirty="0"/>
+              <a:t>Welche Ergebnisse hat SUS erzielt -&gt; wie sind diese zu verstehen</a:t>
+            </a:r>
+          </a:p>
+          <a:p>
+            <a:r>
+              <a:rPr lang="de-DE" dirty="0"/>
+              <a:t>Welche Ergebnisse hat die eigene Befragung erzielt</a:t>
+            </a:r>
+          </a:p>
+          <a:p>
+            <a:endParaRPr lang="de-DE" dirty="0"/>
+          </a:p>
+          <a:p>
+            <a:r>
+              <a:rPr lang="de-DE" dirty="0"/>
+              <a:t>Extra Folie oder hier: was kann aus den Ergebnissen abgeleitet werden?</a:t>
+            </a:r>
+          </a:p>
+          <a:p>
+            <a:endParaRPr lang="de-DE" dirty="0"/>
           </a:p>
         </p:txBody>
       </p:sp>
@@ -12203,7 +18291,7 @@
 </p:sld>
 </file>
 
-<file path=ppt/slides/slide17.xml><?xml version="1.0" encoding="utf-8"?>
+<file path=ppt/slides/slide18.xml><?xml version="1.0" encoding="utf-8"?>
 <p:sld xmlns:a="http://schemas.openxmlformats.org/drawingml/2006/main" xmlns:r="http://schemas.openxmlformats.org/officeDocument/2006/relationships" xmlns:p="http://schemas.openxmlformats.org/presentationml/2006/main">
   <p:cSld>
     <p:spTree>
@@ -12274,6 +18362,24 @@
               <a:t>Besonders auf die Diskussion &amp; Ausblick eingehen</a:t>
             </a:r>
           </a:p>
+          <a:p>
+            <a:endParaRPr lang="de-DE" dirty="0"/>
+          </a:p>
+          <a:p>
+            <a:r>
+              <a:rPr lang="de-DE" dirty="0"/>
+              <a:t>Diskussion: was verbesserungswürdig/gut</a:t>
+            </a:r>
+          </a:p>
+          <a:p>
+            <a:endParaRPr lang="de-DE" dirty="0"/>
+          </a:p>
+          <a:p>
+            <a:r>
+              <a:rPr lang="de-DE" dirty="0"/>
+              <a:t>Ausblick: welche Änderungen sind für eine Verbesserung des Systems möglich</a:t>
+            </a:r>
+          </a:p>
         </p:txBody>
       </p:sp>
     </p:spTree>
@@ -12289,7 +18395,7 @@
 </p:sld>
 </file>
 
-<file path=ppt/slides/slide18.xml><?xml version="1.0" encoding="utf-8"?>
+<file path=ppt/slides/slide19.xml><?xml version="1.0" encoding="utf-8"?>
 <p:sld xmlns:a="http://schemas.openxmlformats.org/drawingml/2006/main" xmlns:r="http://schemas.openxmlformats.org/officeDocument/2006/relationships" xmlns:p="http://schemas.openxmlformats.org/presentationml/2006/main">
   <p:cSld>
     <p:spTree>
@@ -12385,7 +18491,7 @@
           <a:lstStyle/>
           <a:p>
             <a:r>
-              <a:rPr lang="de-DE" b="0" dirty="0"/>
+              <a:rPr lang="de-DE" dirty="0"/>
               <a:t>Gliederung</a:t>
             </a:r>
           </a:p>
@@ -12479,6 +18585,338 @@
     <p:extLst>
       <p:ext uri="{BB962C8B-B14F-4D97-AF65-F5344CB8AC3E}">
         <p14:creationId xmlns:p14="http://schemas.microsoft.com/office/powerpoint/2010/main" val="296809162"/>
+      </p:ext>
+    </p:extLst>
+  </p:cSld>
+  <p:clrMapOvr>
+    <a:masterClrMapping/>
+  </p:clrMapOvr>
+</p:sld>
+</file>
+
+<file path=ppt/slides/slide20.xml><?xml version="1.0" encoding="utf-8"?>
+<p:sld xmlns:a="http://schemas.openxmlformats.org/drawingml/2006/main" xmlns:r="http://schemas.openxmlformats.org/officeDocument/2006/relationships" xmlns:p="http://schemas.openxmlformats.org/presentationml/2006/main">
+  <p:cSld>
+    <p:spTree>
+      <p:nvGrpSpPr>
+        <p:cNvPr id="1" name=""/>
+        <p:cNvGrpSpPr/>
+        <p:nvPr/>
+      </p:nvGrpSpPr>
+      <p:grpSpPr>
+        <a:xfrm>
+          <a:off x="0" y="0"/>
+          <a:ext cx="0" cy="0"/>
+          <a:chOff x="0" y="0"/>
+          <a:chExt cx="0" cy="0"/>
+        </a:xfrm>
+      </p:grpSpPr>
+      <p:sp>
+        <p:nvSpPr>
+          <p:cNvPr id="2" name="Titel 1">
+            <a:extLst>
+              <a:ext uri="{FF2B5EF4-FFF2-40B4-BE49-F238E27FC236}">
+                <a16:creationId xmlns:a16="http://schemas.microsoft.com/office/drawing/2014/main" id="{96F595E9-357D-4FBA-89FB-B13C3414A40A}"/>
+              </a:ext>
+            </a:extLst>
+          </p:cNvPr>
+          <p:cNvSpPr>
+            <a:spLocks noGrp="1"/>
+          </p:cNvSpPr>
+          <p:nvPr>
+            <p:ph type="title"/>
+          </p:nvPr>
+        </p:nvSpPr>
+        <p:spPr/>
+        <p:txBody>
+          <a:bodyPr/>
+          <a:lstStyle/>
+          <a:p>
+            <a:r>
+              <a:rPr lang="de-DE" dirty="0"/>
+              <a:t>Anhang</a:t>
+            </a:r>
+          </a:p>
+        </p:txBody>
+      </p:sp>
+      <p:sp>
+        <p:nvSpPr>
+          <p:cNvPr id="3" name="Inhaltsplatzhalter 2">
+            <a:extLst>
+              <a:ext uri="{FF2B5EF4-FFF2-40B4-BE49-F238E27FC236}">
+                <a16:creationId xmlns:a16="http://schemas.microsoft.com/office/drawing/2014/main" id="{055F85BE-74E6-4E2F-A2DB-9285DEB55AF3}"/>
+              </a:ext>
+            </a:extLst>
+          </p:cNvPr>
+          <p:cNvSpPr>
+            <a:spLocks noGrp="1"/>
+          </p:cNvSpPr>
+          <p:nvPr>
+            <p:ph sz="quarter" idx="10"/>
+          </p:nvPr>
+        </p:nvSpPr>
+        <p:spPr/>
+        <p:txBody>
+          <a:bodyPr/>
+          <a:lstStyle/>
+          <a:p>
+            <a:endParaRPr lang="de-DE"/>
+          </a:p>
+        </p:txBody>
+      </p:sp>
+    </p:spTree>
+    <p:extLst>
+      <p:ext uri="{BB962C8B-B14F-4D97-AF65-F5344CB8AC3E}">
+        <p14:creationId xmlns:p14="http://schemas.microsoft.com/office/powerpoint/2010/main" val="215880519"/>
+      </p:ext>
+    </p:extLst>
+  </p:cSld>
+  <p:clrMapOvr>
+    <a:masterClrMapping/>
+  </p:clrMapOvr>
+</p:sld>
+</file>
+
+<file path=ppt/slides/slide21.xml><?xml version="1.0" encoding="utf-8"?>
+<p:sld xmlns:a="http://schemas.openxmlformats.org/drawingml/2006/main" xmlns:r="http://schemas.openxmlformats.org/officeDocument/2006/relationships" xmlns:p="http://schemas.openxmlformats.org/presentationml/2006/main">
+  <p:cSld>
+    <p:spTree>
+      <p:nvGrpSpPr>
+        <p:cNvPr id="1" name=""/>
+        <p:cNvGrpSpPr/>
+        <p:nvPr/>
+      </p:nvGrpSpPr>
+      <p:grpSpPr>
+        <a:xfrm>
+          <a:off x="0" y="0"/>
+          <a:ext cx="0" cy="0"/>
+          <a:chOff x="0" y="0"/>
+          <a:chExt cx="0" cy="0"/>
+        </a:xfrm>
+      </p:grpSpPr>
+      <p:sp>
+        <p:nvSpPr>
+          <p:cNvPr id="2" name="Titel 1">
+            <a:extLst>
+              <a:ext uri="{FF2B5EF4-FFF2-40B4-BE49-F238E27FC236}">
+                <a16:creationId xmlns:a16="http://schemas.microsoft.com/office/drawing/2014/main" id="{B2DE300C-A5C9-4D49-8FC1-CB7EBF93AD02}"/>
+              </a:ext>
+            </a:extLst>
+          </p:cNvPr>
+          <p:cNvSpPr>
+            <a:spLocks noGrp="1"/>
+          </p:cNvSpPr>
+          <p:nvPr>
+            <p:ph type="title"/>
+          </p:nvPr>
+        </p:nvSpPr>
+        <p:spPr/>
+        <p:txBody>
+          <a:bodyPr/>
+          <a:lstStyle/>
+          <a:p>
+            <a:r>
+              <a:rPr lang="de-DE" dirty="0"/>
+              <a:t>Sequenzdiagramme</a:t>
+            </a:r>
+          </a:p>
+        </p:txBody>
+      </p:sp>
+      <p:sp>
+        <p:nvSpPr>
+          <p:cNvPr id="3" name="Inhaltsplatzhalter 2">
+            <a:extLst>
+              <a:ext uri="{FF2B5EF4-FFF2-40B4-BE49-F238E27FC236}">
+                <a16:creationId xmlns:a16="http://schemas.microsoft.com/office/drawing/2014/main" id="{5DDC87C7-2986-4CE0-B42F-FC62CB42A165}"/>
+              </a:ext>
+            </a:extLst>
+          </p:cNvPr>
+          <p:cNvSpPr>
+            <a:spLocks noGrp="1"/>
+          </p:cNvSpPr>
+          <p:nvPr>
+            <p:ph sz="quarter" idx="10"/>
+          </p:nvPr>
+        </p:nvSpPr>
+        <p:spPr/>
+        <p:txBody>
+          <a:bodyPr/>
+          <a:lstStyle/>
+          <a:p>
+            <a:endParaRPr lang="de-DE"/>
+          </a:p>
+        </p:txBody>
+      </p:sp>
+    </p:spTree>
+    <p:extLst>
+      <p:ext uri="{BB962C8B-B14F-4D97-AF65-F5344CB8AC3E}">
+        <p14:creationId xmlns:p14="http://schemas.microsoft.com/office/powerpoint/2010/main" val="3835697773"/>
+      </p:ext>
+    </p:extLst>
+  </p:cSld>
+  <p:clrMapOvr>
+    <a:masterClrMapping/>
+  </p:clrMapOvr>
+</p:sld>
+</file>
+
+<file path=ppt/slides/slide22.xml><?xml version="1.0" encoding="utf-8"?>
+<p:sld xmlns:a="http://schemas.openxmlformats.org/drawingml/2006/main" xmlns:r="http://schemas.openxmlformats.org/officeDocument/2006/relationships" xmlns:p="http://schemas.openxmlformats.org/presentationml/2006/main">
+  <p:cSld>
+    <p:spTree>
+      <p:nvGrpSpPr>
+        <p:cNvPr id="1" name=""/>
+        <p:cNvGrpSpPr/>
+        <p:nvPr/>
+      </p:nvGrpSpPr>
+      <p:grpSpPr>
+        <a:xfrm>
+          <a:off x="0" y="0"/>
+          <a:ext cx="0" cy="0"/>
+          <a:chOff x="0" y="0"/>
+          <a:chExt cx="0" cy="0"/>
+        </a:xfrm>
+      </p:grpSpPr>
+      <p:sp>
+        <p:nvSpPr>
+          <p:cNvPr id="2" name="Titel 1">
+            <a:extLst>
+              <a:ext uri="{FF2B5EF4-FFF2-40B4-BE49-F238E27FC236}">
+                <a16:creationId xmlns:a16="http://schemas.microsoft.com/office/drawing/2014/main" id="{10A95F16-C03E-4C82-A2D1-FF10C6C16550}"/>
+              </a:ext>
+            </a:extLst>
+          </p:cNvPr>
+          <p:cNvSpPr>
+            <a:spLocks noGrp="1"/>
+          </p:cNvSpPr>
+          <p:nvPr>
+            <p:ph type="title"/>
+          </p:nvPr>
+        </p:nvSpPr>
+        <p:spPr/>
+        <p:txBody>
+          <a:bodyPr/>
+          <a:lstStyle/>
+          <a:p>
+            <a:r>
+              <a:rPr lang="de-DE" dirty="0"/>
+              <a:t>Ergebnisse der Studie im Detail</a:t>
+            </a:r>
+          </a:p>
+        </p:txBody>
+      </p:sp>
+      <p:sp>
+        <p:nvSpPr>
+          <p:cNvPr id="3" name="Inhaltsplatzhalter 2">
+            <a:extLst>
+              <a:ext uri="{FF2B5EF4-FFF2-40B4-BE49-F238E27FC236}">
+                <a16:creationId xmlns:a16="http://schemas.microsoft.com/office/drawing/2014/main" id="{D9ED6403-E153-4A21-8817-39FFD049E789}"/>
+              </a:ext>
+            </a:extLst>
+          </p:cNvPr>
+          <p:cNvSpPr>
+            <a:spLocks noGrp="1"/>
+          </p:cNvSpPr>
+          <p:nvPr>
+            <p:ph sz="quarter" idx="10"/>
+          </p:nvPr>
+        </p:nvSpPr>
+        <p:spPr/>
+        <p:txBody>
+          <a:bodyPr/>
+          <a:lstStyle/>
+          <a:p>
+            <a:endParaRPr lang="de-DE"/>
+          </a:p>
+        </p:txBody>
+      </p:sp>
+    </p:spTree>
+    <p:extLst>
+      <p:ext uri="{BB962C8B-B14F-4D97-AF65-F5344CB8AC3E}">
+        <p14:creationId xmlns:p14="http://schemas.microsoft.com/office/powerpoint/2010/main" val="3007156635"/>
+      </p:ext>
+    </p:extLst>
+  </p:cSld>
+  <p:clrMapOvr>
+    <a:masterClrMapping/>
+  </p:clrMapOvr>
+</p:sld>
+</file>
+
+<file path=ppt/slides/slide23.xml><?xml version="1.0" encoding="utf-8"?>
+<p:sld xmlns:a="http://schemas.openxmlformats.org/drawingml/2006/main" xmlns:r="http://schemas.openxmlformats.org/officeDocument/2006/relationships" xmlns:p="http://schemas.openxmlformats.org/presentationml/2006/main">
+  <p:cSld>
+    <p:spTree>
+      <p:nvGrpSpPr>
+        <p:cNvPr id="1" name=""/>
+        <p:cNvGrpSpPr/>
+        <p:nvPr/>
+      </p:nvGrpSpPr>
+      <p:grpSpPr>
+        <a:xfrm>
+          <a:off x="0" y="0"/>
+          <a:ext cx="0" cy="0"/>
+          <a:chOff x="0" y="0"/>
+          <a:chExt cx="0" cy="0"/>
+        </a:xfrm>
+      </p:grpSpPr>
+      <p:sp>
+        <p:nvSpPr>
+          <p:cNvPr id="2" name="Titel 1">
+            <a:extLst>
+              <a:ext uri="{FF2B5EF4-FFF2-40B4-BE49-F238E27FC236}">
+                <a16:creationId xmlns:a16="http://schemas.microsoft.com/office/drawing/2014/main" id="{1BE9BA6F-9437-40AD-BBAE-3EB5ECA58C05}"/>
+              </a:ext>
+            </a:extLst>
+          </p:cNvPr>
+          <p:cNvSpPr>
+            <a:spLocks noGrp="1"/>
+          </p:cNvSpPr>
+          <p:nvPr>
+            <p:ph type="title"/>
+          </p:nvPr>
+        </p:nvSpPr>
+        <p:spPr/>
+        <p:txBody>
+          <a:bodyPr/>
+          <a:lstStyle/>
+          <a:p>
+            <a:r>
+              <a:rPr lang="de-DE" dirty="0"/>
+              <a:t>Anforderungen im Detail</a:t>
+            </a:r>
+          </a:p>
+        </p:txBody>
+      </p:sp>
+      <p:sp>
+        <p:nvSpPr>
+          <p:cNvPr id="3" name="Inhaltsplatzhalter 2">
+            <a:extLst>
+              <a:ext uri="{FF2B5EF4-FFF2-40B4-BE49-F238E27FC236}">
+                <a16:creationId xmlns:a16="http://schemas.microsoft.com/office/drawing/2014/main" id="{79A72454-BE76-470B-8AD0-EB210CFB7EDE}"/>
+              </a:ext>
+            </a:extLst>
+          </p:cNvPr>
+          <p:cNvSpPr>
+            <a:spLocks noGrp="1"/>
+          </p:cNvSpPr>
+          <p:nvPr>
+            <p:ph sz="quarter" idx="10"/>
+          </p:nvPr>
+        </p:nvSpPr>
+        <p:spPr/>
+        <p:txBody>
+          <a:bodyPr/>
+          <a:lstStyle/>
+          <a:p>
+            <a:endParaRPr lang="de-DE"/>
+          </a:p>
+        </p:txBody>
+      </p:sp>
+    </p:spTree>
+    <p:extLst>
+      <p:ext uri="{BB962C8B-B14F-4D97-AF65-F5344CB8AC3E}">
+        <p14:creationId xmlns:p14="http://schemas.microsoft.com/office/powerpoint/2010/main" val="4137237640"/>
       </p:ext>
     </p:extLst>
   </p:cSld>
@@ -12705,113 +19143,6 @@
             <a:r>
               <a:rPr lang="de-DE" dirty="0"/>
               <a:t>Betrachtungen zum Datenschutz - DSGVO</a:t>
-            </a:r>
-          </a:p>
-        </p:txBody>
-      </p:sp>
-      <p:sp>
-        <p:nvSpPr>
-          <p:cNvPr id="3" name="Inhaltsplatzhalter 2">
-            <a:extLst>
-              <a:ext uri="{FF2B5EF4-FFF2-40B4-BE49-F238E27FC236}">
-                <a16:creationId xmlns:a16="http://schemas.microsoft.com/office/drawing/2014/main" id="{DFFD4B1C-CF0A-45F1-8945-9D6DD261DE41}"/>
-              </a:ext>
-            </a:extLst>
-          </p:cNvPr>
-          <p:cNvSpPr>
-            <a:spLocks noGrp="1"/>
-          </p:cNvSpPr>
-          <p:nvPr>
-            <p:ph sz="quarter" idx="10"/>
-          </p:nvPr>
-        </p:nvSpPr>
-        <p:spPr>
-          <a:xfrm>
-            <a:off x="874712" y="7194233"/>
-            <a:ext cx="10580688" cy="4344987"/>
-          </a:xfrm>
-        </p:spPr>
-        <p:txBody>
-          <a:bodyPr/>
-          <a:lstStyle/>
-          <a:p>
-            <a:pPr marL="285750" indent="-285750">
-              <a:buFont typeface="Arial" panose="020B0604020202020204" pitchFamily="34" charset="0"/>
-              <a:buChar char="•"/>
-            </a:pPr>
-            <a:r>
-              <a:rPr lang="de-DE" dirty="0"/>
-              <a:t>Wichtiger Punkt: DSGVO</a:t>
-            </a:r>
-          </a:p>
-          <a:p>
-            <a:pPr marL="285750" indent="-285750">
-              <a:buFont typeface="Arial" panose="020B0604020202020204" pitchFamily="34" charset="0"/>
-              <a:buChar char="•"/>
-            </a:pPr>
-            <a:r>
-              <a:rPr lang="de-DE" dirty="0"/>
-              <a:t>Einige Artikel von besonderer Bedeutung</a:t>
-            </a:r>
-          </a:p>
-          <a:p>
-            <a:pPr marL="681692" lvl="1" indent="-285750">
-              <a:buFont typeface="Arial" panose="020B0604020202020204" pitchFamily="34" charset="0"/>
-              <a:buChar char="•"/>
-            </a:pPr>
-            <a:r>
-              <a:rPr lang="de-DE" dirty="0"/>
-              <a:t>Artikel 3: „Räumlicher Anwendungsbereich“</a:t>
-            </a:r>
-          </a:p>
-          <a:p>
-            <a:pPr marL="681692" lvl="1" indent="-285750">
-              <a:buFont typeface="Arial" panose="020B0604020202020204" pitchFamily="34" charset="0"/>
-              <a:buChar char="•"/>
-            </a:pPr>
-            <a:r>
-              <a:rPr lang="de-DE" dirty="0"/>
-              <a:t>Artikel 5: „Grundsätze für die die Verarbeitung personenbezogener Daten“</a:t>
-            </a:r>
-          </a:p>
-          <a:p>
-            <a:pPr marL="681692" lvl="1" indent="-285750">
-              <a:buFont typeface="Arial" panose="020B0604020202020204" pitchFamily="34" charset="0"/>
-              <a:buChar char="•"/>
-            </a:pPr>
-            <a:r>
-              <a:rPr lang="de-DE" dirty="0"/>
-              <a:t>Artikel 17: „Recht auf Löschung“</a:t>
-            </a:r>
-          </a:p>
-          <a:p>
-            <a:pPr marL="681692" lvl="1" indent="-285750">
-              <a:buFont typeface="Arial" panose="020B0604020202020204" pitchFamily="34" charset="0"/>
-              <a:buChar char="•"/>
-            </a:pPr>
-            <a:r>
-              <a:rPr lang="de-DE" dirty="0"/>
-              <a:t>Artikel 25: „Datenschutz durch Technikgestaltung und durch datenschutzfreundliche Voreinstellungen“</a:t>
-            </a:r>
-          </a:p>
-          <a:p>
-            <a:pPr marL="285750" indent="-285750">
-              <a:buFont typeface="Arial" panose="020B0604020202020204" pitchFamily="34" charset="0"/>
-              <a:buChar char="•"/>
-            </a:pPr>
-            <a:r>
-              <a:rPr lang="de-DE" dirty="0"/>
-              <a:t>Potentielle Konflikte:</a:t>
-            </a:r>
-          </a:p>
-          <a:p>
-            <a:pPr marL="285750" indent="-285750">
-              <a:buFont typeface="Arial" panose="020B0604020202020204" pitchFamily="34" charset="0"/>
-              <a:buChar char="•"/>
-            </a:pPr>
-            <a:r>
-              <a:rPr lang="de-DE" dirty="0"/>
-              <a:t>Mögliche Bedrohungen durch Dritte -&gt; hier auf die Grafik referenzieren</a:t>
             </a:r>
           </a:p>
         </p:txBody>
@@ -13253,7 +19584,7 @@
         <p:spPr>
           <a:xfrm>
             <a:off x="736601" y="3866159"/>
-            <a:ext cx="2250439" cy="553998"/>
+            <a:ext cx="2250439" cy="415498"/>
           </a:xfrm>
           <a:prstGeom prst="rect">
             <a:avLst/>
@@ -13266,7 +19597,7 @@
           <a:lstStyle/>
           <a:p>
             <a:r>
-              <a:rPr lang="de-DE" sz="1000" dirty="0"/>
+              <a:rPr lang="de-DE" sz="700" dirty="0"/>
               <a:t>https://mycroft.ai/wp-content/uploads/2019/01/Mycroft_logo_two_markandtype_hires.png</a:t>
             </a:r>
           </a:p>
@@ -13323,7 +19654,7 @@
         <p:spPr>
           <a:xfrm>
             <a:off x="4323080" y="3927714"/>
-            <a:ext cx="3545840" cy="430887"/>
+            <a:ext cx="3545840" cy="200055"/>
           </a:xfrm>
           <a:prstGeom prst="rect">
             <a:avLst/>
@@ -13336,7 +19667,7 @@
           <a:lstStyle/>
           <a:p>
             <a:r>
-              <a:rPr lang="de-DE" sz="1100" dirty="0"/>
+              <a:rPr lang="de-DE" sz="700" dirty="0"/>
               <a:t>https://www.panbachi.de/wp-content/uploads/2019/04/snips.jpg</a:t>
             </a:r>
           </a:p>
@@ -13386,8 +19717,8 @@
         </p:nvSpPr>
         <p:spPr>
           <a:xfrm rot="10800000" flipV="1">
-            <a:off x="8361680" y="3927713"/>
-            <a:ext cx="4931506" cy="430887"/>
+            <a:off x="8361680" y="4043128"/>
+            <a:ext cx="4931506" cy="200055"/>
           </a:xfrm>
           <a:prstGeom prst="rect">
             <a:avLst/>
@@ -13400,8 +19731,189 @@
           <a:lstStyle/>
           <a:p>
             <a:r>
-              <a:rPr lang="de-DE" sz="1100" dirty="0"/>
+              <a:rPr lang="de-DE" sz="700" dirty="0"/>
               <a:t>https://i0.wp.com/stadt-bremerhaven.de/wp-content/uploads/2018/02/amazon-alexa.jpg</a:t>
+            </a:r>
+          </a:p>
+        </p:txBody>
+      </p:sp>
+      <p:sp>
+        <p:nvSpPr>
+          <p:cNvPr id="9" name="Inhaltsplatzhalter 2">
+            <a:extLst>
+              <a:ext uri="{FF2B5EF4-FFF2-40B4-BE49-F238E27FC236}">
+                <a16:creationId xmlns:a16="http://schemas.microsoft.com/office/drawing/2014/main" id="{32A74BF0-BED8-4E9A-AB0C-790FC1E88870}"/>
+              </a:ext>
+            </a:extLst>
+          </p:cNvPr>
+          <p:cNvSpPr txBox="1">
+            <a:spLocks/>
+          </p:cNvSpPr>
+          <p:nvPr/>
+        </p:nvSpPr>
+        <p:spPr>
+          <a:xfrm>
+            <a:off x="110359" y="4652072"/>
+            <a:ext cx="11345040" cy="1177228"/>
+          </a:xfrm>
+          <a:prstGeom prst="rect">
+            <a:avLst/>
+          </a:prstGeom>
+          <a:ln>
+            <a:noFill/>
+          </a:ln>
+        </p:spPr>
+        <p:txBody>
+          <a:bodyPr vert="horz" lIns="0" tIns="0" rIns="0" bIns="0" rtlCol="0">
+            <a:noAutofit/>
+          </a:bodyPr>
+          <a:lstStyle>
+            <a:lvl1pPr marL="0" indent="0" algn="l" defTabSz="914269" rtl="0" eaLnBrk="1" latinLnBrk="0" hangingPunct="1">
+              <a:spcBef>
+                <a:spcPts val="1200"/>
+              </a:spcBef>
+              <a:buFont typeface="Arial" panose="020B0604020202020204" pitchFamily="34" charset="0"/>
+              <a:buNone/>
+              <a:defRPr sz="1600" kern="1200">
+                <a:solidFill>
+                  <a:schemeClr val="tx2"/>
+                </a:solidFill>
+                <a:latin typeface="Open Sans" panose="020B0606030504020204" pitchFamily="34" charset="0"/>
+                <a:ea typeface="+mn-ea"/>
+                <a:cs typeface="+mn-cs"/>
+              </a:defRPr>
+            </a:lvl1pPr>
+            <a:lvl2pPr marL="395942" indent="-323953" algn="l" defTabSz="914269" rtl="0" eaLnBrk="1" latinLnBrk="0" hangingPunct="1">
+              <a:spcBef>
+                <a:spcPts val="300"/>
+              </a:spcBef>
+              <a:buFont typeface="Open Sans" panose="020B0606030504020204" pitchFamily="34" charset="0"/>
+              <a:buChar char="—"/>
+              <a:defRPr sz="1600" kern="1200">
+                <a:solidFill>
+                  <a:schemeClr val="tx2"/>
+                </a:solidFill>
+                <a:latin typeface="Open Sans" panose="020B0606030504020204" pitchFamily="34" charset="0"/>
+                <a:ea typeface="+mn-ea"/>
+                <a:cs typeface="+mn-cs"/>
+              </a:defRPr>
+            </a:lvl2pPr>
+            <a:lvl3pPr marL="0" indent="0" algn="l" defTabSz="914269" rtl="0" eaLnBrk="1" latinLnBrk="0" hangingPunct="1">
+              <a:spcBef>
+                <a:spcPts val="1200"/>
+              </a:spcBef>
+              <a:buFont typeface="Arial" panose="020B0604020202020204" pitchFamily="34" charset="0"/>
+              <a:buNone/>
+              <a:defRPr sz="1400" kern="1200">
+                <a:solidFill>
+                  <a:schemeClr val="tx2"/>
+                </a:solidFill>
+                <a:latin typeface="Open Sans" panose="020B0606030504020204" pitchFamily="34" charset="0"/>
+                <a:ea typeface="+mn-ea"/>
+                <a:cs typeface="+mn-cs"/>
+              </a:defRPr>
+            </a:lvl3pPr>
+            <a:lvl4pPr marL="395942" indent="-215969" algn="l" defTabSz="914269" rtl="0" eaLnBrk="1" latinLnBrk="0" hangingPunct="1">
+              <a:spcBef>
+                <a:spcPts val="300"/>
+              </a:spcBef>
+              <a:buFont typeface="Symbol" panose="05050102010706020507" pitchFamily="18" charset="2"/>
+              <a:buChar char="-"/>
+              <a:defRPr sz="1400" kern="1200">
+                <a:solidFill>
+                  <a:schemeClr val="tx2"/>
+                </a:solidFill>
+                <a:latin typeface="Open Sans" panose="020B0606030504020204" pitchFamily="34" charset="0"/>
+                <a:ea typeface="+mn-ea"/>
+                <a:cs typeface="+mn-cs"/>
+              </a:defRPr>
+            </a:lvl4pPr>
+            <a:lvl5pPr marL="575916" indent="-179362" algn="l" defTabSz="914269" rtl="0" eaLnBrk="1" latinLnBrk="0" hangingPunct="1">
+              <a:spcBef>
+                <a:spcPts val="300"/>
+              </a:spcBef>
+              <a:buFont typeface="Symbol" panose="05050102010706020507" pitchFamily="18" charset="2"/>
+              <a:buChar char="-"/>
+              <a:defRPr sz="1400" kern="1200" baseline="0">
+                <a:solidFill>
+                  <a:schemeClr val="tx2"/>
+                </a:solidFill>
+                <a:latin typeface="Open Sans" panose="020B0606030504020204" pitchFamily="34" charset="0"/>
+                <a:ea typeface="+mn-ea"/>
+                <a:cs typeface="+mn-cs"/>
+              </a:defRPr>
+            </a:lvl5pPr>
+            <a:lvl6pPr marL="358723" indent="0" algn="l" defTabSz="914269" rtl="0" eaLnBrk="1" latinLnBrk="0" hangingPunct="1">
+              <a:spcBef>
+                <a:spcPts val="0"/>
+              </a:spcBef>
+              <a:buFont typeface="Arial" panose="020B0604020202020204" pitchFamily="34" charset="0"/>
+              <a:buNone/>
+              <a:defRPr sz="3200" b="1" kern="1200">
+                <a:solidFill>
+                  <a:schemeClr val="bg1"/>
+                </a:solidFill>
+                <a:latin typeface="+mn-lt"/>
+                <a:ea typeface="+mn-ea"/>
+                <a:cs typeface="+mn-cs"/>
+              </a:defRPr>
+            </a:lvl6pPr>
+            <a:lvl7pPr marL="358723" indent="0" algn="l" defTabSz="914269" rtl="0" eaLnBrk="1" latinLnBrk="0" hangingPunct="1">
+              <a:spcBef>
+                <a:spcPts val="0"/>
+              </a:spcBef>
+              <a:buFont typeface="Arial" panose="020B0604020202020204" pitchFamily="34" charset="0"/>
+              <a:buNone/>
+              <a:defRPr sz="3200" kern="1200">
+                <a:solidFill>
+                  <a:schemeClr val="bg1"/>
+                </a:solidFill>
+                <a:latin typeface="+mn-lt"/>
+                <a:ea typeface="+mn-ea"/>
+                <a:cs typeface="+mn-cs"/>
+              </a:defRPr>
+            </a:lvl7pPr>
+            <a:lvl8pPr marL="3428502" indent="-228566" algn="l" defTabSz="914269" rtl="0" eaLnBrk="1" latinLnBrk="0" hangingPunct="1">
+              <a:spcBef>
+                <a:spcPct val="20000"/>
+              </a:spcBef>
+              <a:buFont typeface="Arial" panose="020B0604020202020204" pitchFamily="34" charset="0"/>
+              <a:buChar char="•"/>
+              <a:defRPr sz="2000" kern="1200">
+                <a:solidFill>
+                  <a:schemeClr val="tx1"/>
+                </a:solidFill>
+                <a:latin typeface="+mn-lt"/>
+                <a:ea typeface="+mn-ea"/>
+                <a:cs typeface="+mn-cs"/>
+              </a:defRPr>
+            </a:lvl8pPr>
+            <a:lvl9pPr marL="3885635" indent="-228566" algn="l" defTabSz="914269" rtl="0" eaLnBrk="1" latinLnBrk="0" hangingPunct="1">
+              <a:spcBef>
+                <a:spcPct val="20000"/>
+              </a:spcBef>
+              <a:buFont typeface="Arial" panose="020B0604020202020204" pitchFamily="34" charset="0"/>
+              <a:buChar char="•"/>
+              <a:defRPr sz="2000" kern="1200">
+                <a:solidFill>
+                  <a:schemeClr val="tx1"/>
+                </a:solidFill>
+                <a:latin typeface="+mn-lt"/>
+                <a:ea typeface="+mn-ea"/>
+                <a:cs typeface="+mn-cs"/>
+              </a:defRPr>
+            </a:lvl9pPr>
+          </a:lstStyle>
+          <a:p>
+            <a:r>
+              <a:rPr lang="de-DE" sz="1400" dirty="0"/>
+              <a:t>Besonderheit:</a:t>
+            </a:r>
+          </a:p>
+          <a:p>
+            <a:r>
+              <a:rPr lang="de-DE" dirty="0"/>
+              <a:t>	Modular			             Datenschutz im Mittelpunkt			Marktführer</a:t>
             </a:r>
           </a:p>
         </p:txBody>
@@ -13441,7 +19953,7 @@
           <p:cNvPr id="2" name="Titel 1">
             <a:extLst>
               <a:ext uri="{FF2B5EF4-FFF2-40B4-BE49-F238E27FC236}">
-                <a16:creationId xmlns:a16="http://schemas.microsoft.com/office/drawing/2014/main" id="{0231FB51-B0A5-4159-AE41-DB1C26D5CD9F}"/>
+                <a16:creationId xmlns:a16="http://schemas.microsoft.com/office/drawing/2014/main" id="{3AC1F2FF-9D58-429E-8174-14B3339122A5}"/>
               </a:ext>
             </a:extLst>
           </p:cNvPr>
@@ -13459,64 +19971,46 @@
           <a:p>
             <a:r>
               <a:rPr lang="de-DE" dirty="0"/>
-              <a:t>Funktionsweise von Mycroft AI</a:t>
+              <a:t>Konzept - Geeignete Einsatzszenarien</a:t>
             </a:r>
           </a:p>
         </p:txBody>
       </p:sp>
-      <p:sp>
-        <p:nvSpPr>
-          <p:cNvPr id="3" name="Inhaltsplatzhalter 2">
+      <p:graphicFrame>
+        <p:nvGraphicFramePr>
+          <p:cNvPr id="4" name="Inhaltsplatzhalter 3">
             <a:extLst>
               <a:ext uri="{FF2B5EF4-FFF2-40B4-BE49-F238E27FC236}">
-                <a16:creationId xmlns:a16="http://schemas.microsoft.com/office/drawing/2014/main" id="{DD11B5B1-85C2-4748-8697-213F5FAE8FB8}"/>
+                <a16:creationId xmlns:a16="http://schemas.microsoft.com/office/drawing/2014/main" id="{3556AA12-8949-4CF3-BDFF-2002C31D2077}"/>
               </a:ext>
             </a:extLst>
           </p:cNvPr>
-          <p:cNvSpPr>
-            <a:spLocks noGrp="1"/>
-          </p:cNvSpPr>
+          <p:cNvGraphicFramePr>
+            <a:graphicFrameLocks noGrp="1"/>
+          </p:cNvGraphicFramePr>
           <p:nvPr>
             <p:ph sz="quarter" idx="10"/>
+            <p:extLst>
+              <p:ext uri="{D42A27DB-BD31-4B8C-83A1-F6EECF244321}">
+                <p14:modId xmlns:p14="http://schemas.microsoft.com/office/powerpoint/2010/main" val="685721724"/>
+              </p:ext>
+            </p:extLst>
           </p:nvPr>
-        </p:nvSpPr>
-        <p:spPr/>
-        <p:txBody>
-          <a:bodyPr/>
-          <a:lstStyle/>
-          <a:p>
-            <a:pPr marL="285750" indent="-285750">
-              <a:buFont typeface="Arial" panose="020B0604020202020204" pitchFamily="34" charset="0"/>
-              <a:buChar char="•"/>
-            </a:pPr>
-            <a:r>
-              <a:rPr lang="de-DE" dirty="0"/>
-              <a:t>Vergleich verschiedener Sprachassistenten, Ergebnis: Mycroft am besten geeignet</a:t>
-            </a:r>
-          </a:p>
-          <a:p>
-            <a:pPr marL="285750" indent="-285750">
-              <a:buFont typeface="Arial" panose="020B0604020202020204" pitchFamily="34" charset="0"/>
-              <a:buChar char="•"/>
-            </a:pPr>
-            <a:r>
-              <a:rPr lang="de-DE" dirty="0"/>
-              <a:t>Tabelle?</a:t>
-            </a:r>
-          </a:p>
-          <a:p>
-            <a:pPr marL="285750" indent="-285750">
-              <a:buFont typeface="Arial" panose="020B0604020202020204" pitchFamily="34" charset="0"/>
-              <a:buChar char="•"/>
-            </a:pPr>
-            <a:endParaRPr lang="de-DE" dirty="0"/>
-          </a:p>
-        </p:txBody>
-      </p:sp>
+        </p:nvGraphicFramePr>
+        <p:xfrm>
+          <a:off x="341522" y="881349"/>
+          <a:ext cx="11850477" cy="5244029"/>
+        </p:xfrm>
+        <a:graphic>
+          <a:graphicData uri="http://schemas.openxmlformats.org/drawingml/2006/diagram">
+            <dgm:relIds xmlns:dgm="http://schemas.openxmlformats.org/drawingml/2006/diagram" xmlns:r="http://schemas.openxmlformats.org/officeDocument/2006/relationships" r:dm="rId2" r:lo="rId3" r:qs="rId4" r:cs="rId5"/>
+          </a:graphicData>
+        </a:graphic>
+      </p:graphicFrame>
     </p:spTree>
     <p:extLst>
       <p:ext uri="{BB962C8B-B14F-4D97-AF65-F5344CB8AC3E}">
-        <p14:creationId xmlns:p14="http://schemas.microsoft.com/office/powerpoint/2010/main" val="3113656784"/>
+        <p14:creationId xmlns:p14="http://schemas.microsoft.com/office/powerpoint/2010/main" val="3876607144"/>
       </p:ext>
     </p:extLst>
   </p:cSld>

--- a/verteidigung/verteidigung.pptx
+++ b/verteidigung/verteidigung.pptx
@@ -236,29 +236,6 @@
 
 <file path=ppt/comments/comment3.xml><?xml version="1.0" encoding="utf-8"?>
 <p:cmLst xmlns:a="http://schemas.openxmlformats.org/drawingml/2006/main" xmlns:r="http://schemas.openxmlformats.org/officeDocument/2006/relationships" xmlns:p="http://schemas.openxmlformats.org/presentationml/2006/main">
-  <p:cm authorId="2" dt="2019-11-21T11:20:22.027" idx="4">
-    <p:pos x="10" y="10"/>
-    <p:text>wie lässt sich diese Folie sinnvoll gestalten??</p:text>
-    <p:extLst>
-      <p:ext uri="{C676402C-5697-4E1C-873F-D02D1690AC5C}">
-        <p15:threadingInfo xmlns:p15="http://schemas.microsoft.com/office/powerpoint/2012/main" timeZoneBias="-60"/>
-      </p:ext>
-    </p:extLst>
-  </p:cm>
-  <p:cm authorId="2" dt="2019-11-21T15:31:08.583" idx="6">
-    <p:pos x="576" y="1330"/>
-    <p:text>die Bestandteile im Detail sind eher von geringerem Interesse, eher erklären, warum Wahl von Google STT über DeepSpeech, außerdem Grafik von MessageBus, da dieser relevant für Verständnis der Funktionsweise des Systems</p:text>
-    <p:extLst>
-      <p:ext uri="{C676402C-5697-4E1C-873F-D02D1690AC5C}">
-        <p15:threadingInfo xmlns:p15="http://schemas.microsoft.com/office/powerpoint/2012/main" timeZoneBias="-60"/>
-      </p:ext>
-    </p:extLst>
-  </p:cm>
-</p:cmLst>
-</file>
-
-<file path=ppt/comments/comment4.xml><?xml version="1.0" encoding="utf-8"?>
-<p:cmLst xmlns:a="http://schemas.openxmlformats.org/drawingml/2006/main" xmlns:r="http://schemas.openxmlformats.org/officeDocument/2006/relationships" xmlns:p="http://schemas.openxmlformats.org/presentationml/2006/main">
   <p:cm authorId="2" dt="2019-11-21T15:30:18.313" idx="5">
     <p:pos x="10" y="10"/>
     <p:text>hier die Zusatzinformationen vorbereiten, die eventuell für Beantwortung benötigt werden</p:text>
@@ -3260,6 +3237,1500 @@
 </file>
 
 <file path=ppt/diagrams/colors5.xml><?xml version="1.0" encoding="utf-8"?>
+<dgm:colorsDef xmlns:dgm="http://schemas.openxmlformats.org/drawingml/2006/diagram" xmlns:a="http://schemas.openxmlformats.org/drawingml/2006/main" uniqueId="urn:microsoft.com/office/officeart/2005/8/colors/accent1_2">
+  <dgm:title val=""/>
+  <dgm:desc val=""/>
+  <dgm:catLst>
+    <dgm:cat type="accent1" pri="11200"/>
+  </dgm:catLst>
+  <dgm:styleLbl name="node0">
+    <dgm:fillClrLst meth="repeat">
+      <a:schemeClr val="accent1"/>
+    </dgm:fillClrLst>
+    <dgm:linClrLst meth="repeat">
+      <a:schemeClr val="lt1"/>
+    </dgm:linClrLst>
+    <dgm:effectClrLst/>
+    <dgm:txLinClrLst/>
+    <dgm:txFillClrLst/>
+    <dgm:txEffectClrLst/>
+  </dgm:styleLbl>
+  <dgm:styleLbl name="alignNode1">
+    <dgm:fillClrLst meth="repeat">
+      <a:schemeClr val="accent1"/>
+    </dgm:fillClrLst>
+    <dgm:linClrLst meth="repeat">
+      <a:schemeClr val="accent1"/>
+    </dgm:linClrLst>
+    <dgm:effectClrLst/>
+    <dgm:txLinClrLst/>
+    <dgm:txFillClrLst/>
+    <dgm:txEffectClrLst/>
+  </dgm:styleLbl>
+  <dgm:styleLbl name="node1">
+    <dgm:fillClrLst meth="repeat">
+      <a:schemeClr val="accent1"/>
+    </dgm:fillClrLst>
+    <dgm:linClrLst meth="repeat">
+      <a:schemeClr val="lt1"/>
+    </dgm:linClrLst>
+    <dgm:effectClrLst/>
+    <dgm:txLinClrLst/>
+    <dgm:txFillClrLst/>
+    <dgm:txEffectClrLst/>
+  </dgm:styleLbl>
+  <dgm:styleLbl name="lnNode1">
+    <dgm:fillClrLst meth="repeat">
+      <a:schemeClr val="accent1"/>
+    </dgm:fillClrLst>
+    <dgm:linClrLst meth="repeat">
+      <a:schemeClr val="lt1"/>
+    </dgm:linClrLst>
+    <dgm:effectClrLst/>
+    <dgm:txLinClrLst/>
+    <dgm:txFillClrLst/>
+    <dgm:txEffectClrLst/>
+  </dgm:styleLbl>
+  <dgm:styleLbl name="vennNode1">
+    <dgm:fillClrLst meth="repeat">
+      <a:schemeClr val="accent1">
+        <a:alpha val="50000"/>
+      </a:schemeClr>
+    </dgm:fillClrLst>
+    <dgm:linClrLst meth="repeat">
+      <a:schemeClr val="lt1"/>
+    </dgm:linClrLst>
+    <dgm:effectClrLst/>
+    <dgm:txLinClrLst/>
+    <dgm:txFillClrLst/>
+    <dgm:txEffectClrLst/>
+  </dgm:styleLbl>
+  <dgm:styleLbl name="node2">
+    <dgm:fillClrLst meth="repeat">
+      <a:schemeClr val="accent1"/>
+    </dgm:fillClrLst>
+    <dgm:linClrLst meth="repeat">
+      <a:schemeClr val="lt1"/>
+    </dgm:linClrLst>
+    <dgm:effectClrLst/>
+    <dgm:txLinClrLst/>
+    <dgm:txFillClrLst/>
+    <dgm:txEffectClrLst/>
+  </dgm:styleLbl>
+  <dgm:styleLbl name="node3">
+    <dgm:fillClrLst meth="repeat">
+      <a:schemeClr val="accent1"/>
+    </dgm:fillClrLst>
+    <dgm:linClrLst meth="repeat">
+      <a:schemeClr val="lt1"/>
+    </dgm:linClrLst>
+    <dgm:effectClrLst/>
+    <dgm:txLinClrLst/>
+    <dgm:txFillClrLst/>
+    <dgm:txEffectClrLst/>
+  </dgm:styleLbl>
+  <dgm:styleLbl name="node4">
+    <dgm:fillClrLst meth="repeat">
+      <a:schemeClr val="accent1"/>
+    </dgm:fillClrLst>
+    <dgm:linClrLst meth="repeat">
+      <a:schemeClr val="lt1"/>
+    </dgm:linClrLst>
+    <dgm:effectClrLst/>
+    <dgm:txLinClrLst/>
+    <dgm:txFillClrLst/>
+    <dgm:txEffectClrLst/>
+  </dgm:styleLbl>
+  <dgm:styleLbl name="fgImgPlace1">
+    <dgm:fillClrLst meth="repeat">
+      <a:schemeClr val="accent1">
+        <a:tint val="50000"/>
+      </a:schemeClr>
+    </dgm:fillClrLst>
+    <dgm:linClrLst meth="repeat">
+      <a:schemeClr val="lt1"/>
+    </dgm:linClrLst>
+    <dgm:effectClrLst/>
+    <dgm:txLinClrLst/>
+    <dgm:txFillClrLst meth="repeat">
+      <a:schemeClr val="lt1"/>
+    </dgm:txFillClrLst>
+    <dgm:txEffectClrLst/>
+  </dgm:styleLbl>
+  <dgm:styleLbl name="alignImgPlace1">
+    <dgm:fillClrLst meth="repeat">
+      <a:schemeClr val="accent1">
+        <a:tint val="50000"/>
+      </a:schemeClr>
+    </dgm:fillClrLst>
+    <dgm:linClrLst meth="repeat">
+      <a:schemeClr val="lt1"/>
+    </dgm:linClrLst>
+    <dgm:effectClrLst/>
+    <dgm:txLinClrLst/>
+    <dgm:txFillClrLst meth="repeat">
+      <a:schemeClr val="lt1"/>
+    </dgm:txFillClrLst>
+    <dgm:txEffectClrLst/>
+  </dgm:styleLbl>
+  <dgm:styleLbl name="bgImgPlace1">
+    <dgm:fillClrLst meth="repeat">
+      <a:schemeClr val="accent1">
+        <a:tint val="50000"/>
+      </a:schemeClr>
+    </dgm:fillClrLst>
+    <dgm:linClrLst meth="repeat">
+      <a:schemeClr val="lt1"/>
+    </dgm:linClrLst>
+    <dgm:effectClrLst/>
+    <dgm:txLinClrLst/>
+    <dgm:txFillClrLst meth="repeat">
+      <a:schemeClr val="lt1"/>
+    </dgm:txFillClrLst>
+    <dgm:txEffectClrLst/>
+  </dgm:styleLbl>
+  <dgm:styleLbl name="sibTrans2D1">
+    <dgm:fillClrLst meth="repeat">
+      <a:schemeClr val="accent1">
+        <a:tint val="60000"/>
+      </a:schemeClr>
+    </dgm:fillClrLst>
+    <dgm:linClrLst meth="repeat">
+      <a:schemeClr val="accent1">
+        <a:tint val="60000"/>
+      </a:schemeClr>
+    </dgm:linClrLst>
+    <dgm:effectClrLst/>
+    <dgm:txLinClrLst/>
+    <dgm:txFillClrLst/>
+    <dgm:txEffectClrLst/>
+  </dgm:styleLbl>
+  <dgm:styleLbl name="fgSibTrans2D1">
+    <dgm:fillClrLst meth="repeat">
+      <a:schemeClr val="accent1">
+        <a:tint val="60000"/>
+      </a:schemeClr>
+    </dgm:fillClrLst>
+    <dgm:linClrLst meth="repeat">
+      <a:schemeClr val="accent1">
+        <a:tint val="60000"/>
+      </a:schemeClr>
+    </dgm:linClrLst>
+    <dgm:effectClrLst/>
+    <dgm:txLinClrLst/>
+    <dgm:txFillClrLst/>
+    <dgm:txEffectClrLst/>
+  </dgm:styleLbl>
+  <dgm:styleLbl name="bgSibTrans2D1">
+    <dgm:fillClrLst meth="repeat">
+      <a:schemeClr val="accent1">
+        <a:tint val="60000"/>
+      </a:schemeClr>
+    </dgm:fillClrLst>
+    <dgm:linClrLst meth="repeat">
+      <a:schemeClr val="accent1">
+        <a:tint val="60000"/>
+      </a:schemeClr>
+    </dgm:linClrLst>
+    <dgm:effectClrLst/>
+    <dgm:txLinClrLst/>
+    <dgm:txFillClrLst/>
+    <dgm:txEffectClrLst/>
+  </dgm:styleLbl>
+  <dgm:styleLbl name="sibTrans1D1">
+    <dgm:fillClrLst meth="repeat">
+      <a:schemeClr val="accent1"/>
+    </dgm:fillClrLst>
+    <dgm:linClrLst meth="repeat">
+      <a:schemeClr val="accent1"/>
+    </dgm:linClrLst>
+    <dgm:effectClrLst/>
+    <dgm:txLinClrLst/>
+    <dgm:txFillClrLst meth="repeat">
+      <a:schemeClr val="tx1"/>
+    </dgm:txFillClrLst>
+    <dgm:txEffectClrLst/>
+  </dgm:styleLbl>
+  <dgm:styleLbl name="callout">
+    <dgm:fillClrLst meth="repeat">
+      <a:schemeClr val="accent1"/>
+    </dgm:fillClrLst>
+    <dgm:linClrLst meth="repeat">
+      <a:schemeClr val="accent1">
+        <a:tint val="50000"/>
+      </a:schemeClr>
+    </dgm:linClrLst>
+    <dgm:effectClrLst/>
+    <dgm:txLinClrLst/>
+    <dgm:txFillClrLst meth="repeat">
+      <a:schemeClr val="tx1"/>
+    </dgm:txFillClrLst>
+    <dgm:txEffectClrLst/>
+  </dgm:styleLbl>
+  <dgm:styleLbl name="asst0">
+    <dgm:fillClrLst meth="repeat">
+      <a:schemeClr val="accent1"/>
+    </dgm:fillClrLst>
+    <dgm:linClrLst meth="repeat">
+      <a:schemeClr val="lt1"/>
+    </dgm:linClrLst>
+    <dgm:effectClrLst/>
+    <dgm:txLinClrLst/>
+    <dgm:txFillClrLst/>
+    <dgm:txEffectClrLst/>
+  </dgm:styleLbl>
+  <dgm:styleLbl name="asst1">
+    <dgm:fillClrLst meth="repeat">
+      <a:schemeClr val="accent1"/>
+    </dgm:fillClrLst>
+    <dgm:linClrLst meth="repeat">
+      <a:schemeClr val="lt1"/>
+    </dgm:linClrLst>
+    <dgm:effectClrLst/>
+    <dgm:txLinClrLst/>
+    <dgm:txFillClrLst/>
+    <dgm:txEffectClrLst/>
+  </dgm:styleLbl>
+  <dgm:styleLbl name="asst2">
+    <dgm:fillClrLst meth="repeat">
+      <a:schemeClr val="accent1"/>
+    </dgm:fillClrLst>
+    <dgm:linClrLst meth="repeat">
+      <a:schemeClr val="lt1"/>
+    </dgm:linClrLst>
+    <dgm:effectClrLst/>
+    <dgm:txLinClrLst/>
+    <dgm:txFillClrLst/>
+    <dgm:txEffectClrLst/>
+  </dgm:styleLbl>
+  <dgm:styleLbl name="asst3">
+    <dgm:fillClrLst meth="repeat">
+      <a:schemeClr val="accent1"/>
+    </dgm:fillClrLst>
+    <dgm:linClrLst meth="repeat">
+      <a:schemeClr val="lt1"/>
+    </dgm:linClrLst>
+    <dgm:effectClrLst/>
+    <dgm:txLinClrLst/>
+    <dgm:txFillClrLst/>
+    <dgm:txEffectClrLst/>
+  </dgm:styleLbl>
+  <dgm:styleLbl name="asst4">
+    <dgm:fillClrLst meth="repeat">
+      <a:schemeClr val="accent1"/>
+    </dgm:fillClrLst>
+    <dgm:linClrLst meth="repeat">
+      <a:schemeClr val="lt1"/>
+    </dgm:linClrLst>
+    <dgm:effectClrLst/>
+    <dgm:txLinClrLst/>
+    <dgm:txFillClrLst/>
+    <dgm:txEffectClrLst/>
+  </dgm:styleLbl>
+  <dgm:styleLbl name="parChTrans2D1">
+    <dgm:fillClrLst meth="repeat">
+      <a:schemeClr val="accent1">
+        <a:tint val="60000"/>
+      </a:schemeClr>
+    </dgm:fillClrLst>
+    <dgm:linClrLst meth="repeat">
+      <a:schemeClr val="accent1">
+        <a:tint val="60000"/>
+      </a:schemeClr>
+    </dgm:linClrLst>
+    <dgm:effectClrLst/>
+    <dgm:txLinClrLst/>
+    <dgm:txFillClrLst meth="repeat">
+      <a:schemeClr val="lt1"/>
+    </dgm:txFillClrLst>
+    <dgm:txEffectClrLst/>
+  </dgm:styleLbl>
+  <dgm:styleLbl name="parChTrans2D2">
+    <dgm:fillClrLst meth="repeat">
+      <a:schemeClr val="accent1"/>
+    </dgm:fillClrLst>
+    <dgm:linClrLst meth="repeat">
+      <a:schemeClr val="accent1"/>
+    </dgm:linClrLst>
+    <dgm:effectClrLst/>
+    <dgm:txLinClrLst/>
+    <dgm:txFillClrLst meth="repeat">
+      <a:schemeClr val="lt1"/>
+    </dgm:txFillClrLst>
+    <dgm:txEffectClrLst/>
+  </dgm:styleLbl>
+  <dgm:styleLbl name="parChTrans2D3">
+    <dgm:fillClrLst meth="repeat">
+      <a:schemeClr val="accent1"/>
+    </dgm:fillClrLst>
+    <dgm:linClrLst meth="repeat">
+      <a:schemeClr val="accent1"/>
+    </dgm:linClrLst>
+    <dgm:effectClrLst/>
+    <dgm:txLinClrLst/>
+    <dgm:txFillClrLst meth="repeat">
+      <a:schemeClr val="lt1"/>
+    </dgm:txFillClrLst>
+    <dgm:txEffectClrLst/>
+  </dgm:styleLbl>
+  <dgm:styleLbl name="parChTrans2D4">
+    <dgm:fillClrLst meth="repeat">
+      <a:schemeClr val="accent1"/>
+    </dgm:fillClrLst>
+    <dgm:linClrLst meth="repeat">
+      <a:schemeClr val="accent1"/>
+    </dgm:linClrLst>
+    <dgm:effectClrLst/>
+    <dgm:txLinClrLst/>
+    <dgm:txFillClrLst meth="repeat">
+      <a:schemeClr val="lt1"/>
+    </dgm:txFillClrLst>
+    <dgm:txEffectClrLst/>
+  </dgm:styleLbl>
+  <dgm:styleLbl name="parChTrans1D1">
+    <dgm:fillClrLst meth="repeat">
+      <a:schemeClr val="accent1"/>
+    </dgm:fillClrLst>
+    <dgm:linClrLst meth="repeat">
+      <a:schemeClr val="accent1">
+        <a:shade val="60000"/>
+      </a:schemeClr>
+    </dgm:linClrLst>
+    <dgm:effectClrLst/>
+    <dgm:txLinClrLst/>
+    <dgm:txFillClrLst meth="repeat">
+      <a:schemeClr val="tx1"/>
+    </dgm:txFillClrLst>
+    <dgm:txEffectClrLst/>
+  </dgm:styleLbl>
+  <dgm:styleLbl name="parChTrans1D2">
+    <dgm:fillClrLst meth="repeat">
+      <a:schemeClr val="accent1"/>
+    </dgm:fillClrLst>
+    <dgm:linClrLst meth="repeat">
+      <a:schemeClr val="accent1">
+        <a:shade val="60000"/>
+      </a:schemeClr>
+    </dgm:linClrLst>
+    <dgm:effectClrLst/>
+    <dgm:txLinClrLst/>
+    <dgm:txFillClrLst meth="repeat">
+      <a:schemeClr val="tx1"/>
+    </dgm:txFillClrLst>
+    <dgm:txEffectClrLst/>
+  </dgm:styleLbl>
+  <dgm:styleLbl name="parChTrans1D3">
+    <dgm:fillClrLst meth="repeat">
+      <a:schemeClr val="accent1"/>
+    </dgm:fillClrLst>
+    <dgm:linClrLst meth="repeat">
+      <a:schemeClr val="accent1">
+        <a:shade val="80000"/>
+      </a:schemeClr>
+    </dgm:linClrLst>
+    <dgm:effectClrLst/>
+    <dgm:txLinClrLst/>
+    <dgm:txFillClrLst meth="repeat">
+      <a:schemeClr val="tx1"/>
+    </dgm:txFillClrLst>
+    <dgm:txEffectClrLst/>
+  </dgm:styleLbl>
+  <dgm:styleLbl name="parChTrans1D4">
+    <dgm:fillClrLst meth="repeat">
+      <a:schemeClr val="accent1"/>
+    </dgm:fillClrLst>
+    <dgm:linClrLst meth="repeat">
+      <a:schemeClr val="accent1">
+        <a:shade val="80000"/>
+      </a:schemeClr>
+    </dgm:linClrLst>
+    <dgm:effectClrLst/>
+    <dgm:txLinClrLst/>
+    <dgm:txFillClrLst meth="repeat">
+      <a:schemeClr val="tx1"/>
+    </dgm:txFillClrLst>
+    <dgm:txEffectClrLst/>
+  </dgm:styleLbl>
+  <dgm:styleLbl name="fgAcc1">
+    <dgm:fillClrLst meth="repeat">
+      <a:schemeClr val="lt1">
+        <a:alpha val="90000"/>
+      </a:schemeClr>
+    </dgm:fillClrLst>
+    <dgm:linClrLst meth="repeat">
+      <a:schemeClr val="accent1"/>
+    </dgm:linClrLst>
+    <dgm:effectClrLst/>
+    <dgm:txLinClrLst/>
+    <dgm:txFillClrLst meth="repeat">
+      <a:schemeClr val="dk1"/>
+    </dgm:txFillClrLst>
+    <dgm:txEffectClrLst/>
+  </dgm:styleLbl>
+  <dgm:styleLbl name="conFgAcc1">
+    <dgm:fillClrLst meth="repeat">
+      <a:schemeClr val="lt1">
+        <a:alpha val="90000"/>
+      </a:schemeClr>
+    </dgm:fillClrLst>
+    <dgm:linClrLst meth="repeat">
+      <a:schemeClr val="accent1"/>
+    </dgm:linClrLst>
+    <dgm:effectClrLst/>
+    <dgm:txLinClrLst/>
+    <dgm:txFillClrLst meth="repeat">
+      <a:schemeClr val="dk1"/>
+    </dgm:txFillClrLst>
+    <dgm:txEffectClrLst/>
+  </dgm:styleLbl>
+  <dgm:styleLbl name="alignAcc1">
+    <dgm:fillClrLst meth="repeat">
+      <a:schemeClr val="lt1">
+        <a:alpha val="90000"/>
+      </a:schemeClr>
+    </dgm:fillClrLst>
+    <dgm:linClrLst meth="repeat">
+      <a:schemeClr val="accent1"/>
+    </dgm:linClrLst>
+    <dgm:effectClrLst/>
+    <dgm:txLinClrLst/>
+    <dgm:txFillClrLst meth="repeat">
+      <a:schemeClr val="dk1"/>
+    </dgm:txFillClrLst>
+    <dgm:txEffectClrLst/>
+  </dgm:styleLbl>
+  <dgm:styleLbl name="trAlignAcc1">
+    <dgm:fillClrLst meth="repeat">
+      <a:schemeClr val="lt1">
+        <a:alpha val="40000"/>
+      </a:schemeClr>
+    </dgm:fillClrLst>
+    <dgm:linClrLst meth="repeat">
+      <a:schemeClr val="accent1"/>
+    </dgm:linClrLst>
+    <dgm:effectClrLst/>
+    <dgm:txLinClrLst/>
+    <dgm:txFillClrLst meth="repeat">
+      <a:schemeClr val="dk1"/>
+    </dgm:txFillClrLst>
+    <dgm:txEffectClrLst/>
+  </dgm:styleLbl>
+  <dgm:styleLbl name="bgAcc1">
+    <dgm:fillClrLst meth="repeat">
+      <a:schemeClr val="lt1">
+        <a:alpha val="90000"/>
+      </a:schemeClr>
+    </dgm:fillClrLst>
+    <dgm:linClrLst meth="repeat">
+      <a:schemeClr val="accent1"/>
+    </dgm:linClrLst>
+    <dgm:effectClrLst/>
+    <dgm:txLinClrLst/>
+    <dgm:txFillClrLst meth="repeat">
+      <a:schemeClr val="dk1"/>
+    </dgm:txFillClrLst>
+    <dgm:txEffectClrLst/>
+  </dgm:styleLbl>
+  <dgm:styleLbl name="solidFgAcc1">
+    <dgm:fillClrLst meth="repeat">
+      <a:schemeClr val="lt1"/>
+    </dgm:fillClrLst>
+    <dgm:linClrLst meth="repeat">
+      <a:schemeClr val="accent1"/>
+    </dgm:linClrLst>
+    <dgm:effectClrLst/>
+    <dgm:txLinClrLst/>
+    <dgm:txFillClrLst meth="repeat">
+      <a:schemeClr val="dk1"/>
+    </dgm:txFillClrLst>
+    <dgm:txEffectClrLst/>
+  </dgm:styleLbl>
+  <dgm:styleLbl name="solidAlignAcc1">
+    <dgm:fillClrLst meth="repeat">
+      <a:schemeClr val="lt1"/>
+    </dgm:fillClrLst>
+    <dgm:linClrLst meth="repeat">
+      <a:schemeClr val="accent1"/>
+    </dgm:linClrLst>
+    <dgm:effectClrLst/>
+    <dgm:txLinClrLst/>
+    <dgm:txFillClrLst meth="repeat">
+      <a:schemeClr val="dk1"/>
+    </dgm:txFillClrLst>
+    <dgm:txEffectClrLst/>
+  </dgm:styleLbl>
+  <dgm:styleLbl name="solidBgAcc1">
+    <dgm:fillClrLst meth="repeat">
+      <a:schemeClr val="lt1"/>
+    </dgm:fillClrLst>
+    <dgm:linClrLst meth="repeat">
+      <a:schemeClr val="accent1"/>
+    </dgm:linClrLst>
+    <dgm:effectClrLst/>
+    <dgm:txLinClrLst/>
+    <dgm:txFillClrLst meth="repeat">
+      <a:schemeClr val="dk1"/>
+    </dgm:txFillClrLst>
+    <dgm:txEffectClrLst/>
+  </dgm:styleLbl>
+  <dgm:styleLbl name="fgAccFollowNode1">
+    <dgm:fillClrLst meth="repeat">
+      <a:schemeClr val="accent1">
+        <a:alpha val="90000"/>
+        <a:tint val="40000"/>
+      </a:schemeClr>
+    </dgm:fillClrLst>
+    <dgm:linClrLst meth="repeat">
+      <a:schemeClr val="accent1">
+        <a:alpha val="90000"/>
+        <a:tint val="40000"/>
+      </a:schemeClr>
+    </dgm:linClrLst>
+    <dgm:effectClrLst/>
+    <dgm:txLinClrLst/>
+    <dgm:txFillClrLst meth="repeat">
+      <a:schemeClr val="dk1"/>
+    </dgm:txFillClrLst>
+    <dgm:txEffectClrLst/>
+  </dgm:styleLbl>
+  <dgm:styleLbl name="alignAccFollowNode1">
+    <dgm:fillClrLst meth="repeat">
+      <a:schemeClr val="accent1">
+        <a:alpha val="90000"/>
+        <a:tint val="40000"/>
+      </a:schemeClr>
+    </dgm:fillClrLst>
+    <dgm:linClrLst meth="repeat">
+      <a:schemeClr val="accent1">
+        <a:alpha val="90000"/>
+        <a:tint val="40000"/>
+      </a:schemeClr>
+    </dgm:linClrLst>
+    <dgm:effectClrLst/>
+    <dgm:txLinClrLst/>
+    <dgm:txFillClrLst meth="repeat">
+      <a:schemeClr val="dk1"/>
+    </dgm:txFillClrLst>
+    <dgm:txEffectClrLst/>
+  </dgm:styleLbl>
+  <dgm:styleLbl name="bgAccFollowNode1">
+    <dgm:fillClrLst meth="repeat">
+      <a:schemeClr val="accent1">
+        <a:alpha val="90000"/>
+        <a:tint val="40000"/>
+      </a:schemeClr>
+    </dgm:fillClrLst>
+    <dgm:linClrLst meth="repeat">
+      <a:schemeClr val="accent1">
+        <a:alpha val="90000"/>
+        <a:tint val="40000"/>
+      </a:schemeClr>
+    </dgm:linClrLst>
+    <dgm:effectClrLst/>
+    <dgm:txLinClrLst/>
+    <dgm:txFillClrLst meth="repeat">
+      <a:schemeClr val="dk1"/>
+    </dgm:txFillClrLst>
+    <dgm:txEffectClrLst/>
+  </dgm:styleLbl>
+  <dgm:styleLbl name="fgAcc0">
+    <dgm:fillClrLst meth="repeat">
+      <a:schemeClr val="lt1">
+        <a:alpha val="90000"/>
+      </a:schemeClr>
+    </dgm:fillClrLst>
+    <dgm:linClrLst meth="repeat">
+      <a:schemeClr val="accent1"/>
+    </dgm:linClrLst>
+    <dgm:effectClrLst/>
+    <dgm:txLinClrLst/>
+    <dgm:txFillClrLst meth="repeat">
+      <a:schemeClr val="dk1"/>
+    </dgm:txFillClrLst>
+    <dgm:txEffectClrLst/>
+  </dgm:styleLbl>
+  <dgm:styleLbl name="fgAcc2">
+    <dgm:fillClrLst meth="repeat">
+      <a:schemeClr val="lt1">
+        <a:alpha val="90000"/>
+      </a:schemeClr>
+    </dgm:fillClrLst>
+    <dgm:linClrLst meth="repeat">
+      <a:schemeClr val="accent1"/>
+    </dgm:linClrLst>
+    <dgm:effectClrLst/>
+    <dgm:txLinClrLst/>
+    <dgm:txFillClrLst meth="repeat">
+      <a:schemeClr val="dk1"/>
+    </dgm:txFillClrLst>
+    <dgm:txEffectClrLst/>
+  </dgm:styleLbl>
+  <dgm:styleLbl name="fgAcc3">
+    <dgm:fillClrLst meth="repeat">
+      <a:schemeClr val="lt1">
+        <a:alpha val="90000"/>
+      </a:schemeClr>
+    </dgm:fillClrLst>
+    <dgm:linClrLst meth="repeat">
+      <a:schemeClr val="accent1"/>
+    </dgm:linClrLst>
+    <dgm:effectClrLst/>
+    <dgm:txLinClrLst/>
+    <dgm:txFillClrLst meth="repeat">
+      <a:schemeClr val="dk1"/>
+    </dgm:txFillClrLst>
+    <dgm:txEffectClrLst/>
+  </dgm:styleLbl>
+  <dgm:styleLbl name="fgAcc4">
+    <dgm:fillClrLst meth="repeat">
+      <a:schemeClr val="lt1">
+        <a:alpha val="90000"/>
+      </a:schemeClr>
+    </dgm:fillClrLst>
+    <dgm:linClrLst meth="repeat">
+      <a:schemeClr val="accent1"/>
+    </dgm:linClrLst>
+    <dgm:effectClrLst/>
+    <dgm:txLinClrLst/>
+    <dgm:txFillClrLst meth="repeat">
+      <a:schemeClr val="dk1"/>
+    </dgm:txFillClrLst>
+    <dgm:txEffectClrLst/>
+  </dgm:styleLbl>
+  <dgm:styleLbl name="bgShp">
+    <dgm:fillClrLst meth="repeat">
+      <a:schemeClr val="accent1">
+        <a:tint val="40000"/>
+      </a:schemeClr>
+    </dgm:fillClrLst>
+    <dgm:linClrLst meth="repeat">
+      <a:schemeClr val="accent1"/>
+    </dgm:linClrLst>
+    <dgm:effectClrLst/>
+    <dgm:txLinClrLst/>
+    <dgm:txFillClrLst meth="repeat">
+      <a:schemeClr val="dk1"/>
+    </dgm:txFillClrLst>
+    <dgm:txEffectClrLst/>
+  </dgm:styleLbl>
+  <dgm:styleLbl name="dkBgShp">
+    <dgm:fillClrLst meth="repeat">
+      <a:schemeClr val="accent1">
+        <a:shade val="80000"/>
+      </a:schemeClr>
+    </dgm:fillClrLst>
+    <dgm:linClrLst meth="repeat">
+      <a:schemeClr val="accent1"/>
+    </dgm:linClrLst>
+    <dgm:effectClrLst/>
+    <dgm:txLinClrLst/>
+    <dgm:txFillClrLst meth="repeat">
+      <a:schemeClr val="lt1"/>
+    </dgm:txFillClrLst>
+    <dgm:txEffectClrLst/>
+  </dgm:styleLbl>
+  <dgm:styleLbl name="trBgShp">
+    <dgm:fillClrLst meth="repeat">
+      <a:schemeClr val="accent1">
+        <a:tint val="50000"/>
+        <a:alpha val="40000"/>
+      </a:schemeClr>
+    </dgm:fillClrLst>
+    <dgm:linClrLst meth="repeat">
+      <a:schemeClr val="accent1"/>
+    </dgm:linClrLst>
+    <dgm:effectClrLst/>
+    <dgm:txLinClrLst/>
+    <dgm:txFillClrLst meth="repeat">
+      <a:schemeClr val="lt1"/>
+    </dgm:txFillClrLst>
+    <dgm:txEffectClrLst/>
+  </dgm:styleLbl>
+  <dgm:styleLbl name="fgShp">
+    <dgm:fillClrLst meth="repeat">
+      <a:schemeClr val="accent1">
+        <a:tint val="60000"/>
+      </a:schemeClr>
+    </dgm:fillClrLst>
+    <dgm:linClrLst meth="repeat">
+      <a:schemeClr val="lt1"/>
+    </dgm:linClrLst>
+    <dgm:effectClrLst/>
+    <dgm:txLinClrLst/>
+    <dgm:txFillClrLst meth="repeat">
+      <a:schemeClr val="dk1"/>
+    </dgm:txFillClrLst>
+    <dgm:txEffectClrLst/>
+  </dgm:styleLbl>
+  <dgm:styleLbl name="revTx">
+    <dgm:fillClrLst meth="repeat">
+      <a:schemeClr val="lt1">
+        <a:alpha val="0"/>
+      </a:schemeClr>
+    </dgm:fillClrLst>
+    <dgm:linClrLst meth="repeat">
+      <a:schemeClr val="dk1">
+        <a:alpha val="0"/>
+      </a:schemeClr>
+    </dgm:linClrLst>
+    <dgm:effectClrLst/>
+    <dgm:txLinClrLst/>
+    <dgm:txFillClrLst meth="repeat">
+      <a:schemeClr val="tx1"/>
+    </dgm:txFillClrLst>
+    <dgm:txEffectClrLst/>
+  </dgm:styleLbl>
+</dgm:colorsDef>
+</file>
+
+<file path=ppt/diagrams/colors6.xml><?xml version="1.0" encoding="utf-8"?>
+<dgm:colorsDef xmlns:dgm="http://schemas.openxmlformats.org/drawingml/2006/diagram" xmlns:a="http://schemas.openxmlformats.org/drawingml/2006/main" uniqueId="urn:microsoft.com/office/officeart/2005/8/colors/accent1_2">
+  <dgm:title val=""/>
+  <dgm:desc val=""/>
+  <dgm:catLst>
+    <dgm:cat type="accent1" pri="11200"/>
+  </dgm:catLst>
+  <dgm:styleLbl name="node0">
+    <dgm:fillClrLst meth="repeat">
+      <a:schemeClr val="accent1"/>
+    </dgm:fillClrLst>
+    <dgm:linClrLst meth="repeat">
+      <a:schemeClr val="lt1"/>
+    </dgm:linClrLst>
+    <dgm:effectClrLst/>
+    <dgm:txLinClrLst/>
+    <dgm:txFillClrLst/>
+    <dgm:txEffectClrLst/>
+  </dgm:styleLbl>
+  <dgm:styleLbl name="alignNode1">
+    <dgm:fillClrLst meth="repeat">
+      <a:schemeClr val="accent1"/>
+    </dgm:fillClrLst>
+    <dgm:linClrLst meth="repeat">
+      <a:schemeClr val="accent1"/>
+    </dgm:linClrLst>
+    <dgm:effectClrLst/>
+    <dgm:txLinClrLst/>
+    <dgm:txFillClrLst/>
+    <dgm:txEffectClrLst/>
+  </dgm:styleLbl>
+  <dgm:styleLbl name="node1">
+    <dgm:fillClrLst meth="repeat">
+      <a:schemeClr val="accent1"/>
+    </dgm:fillClrLst>
+    <dgm:linClrLst meth="repeat">
+      <a:schemeClr val="lt1"/>
+    </dgm:linClrLst>
+    <dgm:effectClrLst/>
+    <dgm:txLinClrLst/>
+    <dgm:txFillClrLst/>
+    <dgm:txEffectClrLst/>
+  </dgm:styleLbl>
+  <dgm:styleLbl name="lnNode1">
+    <dgm:fillClrLst meth="repeat">
+      <a:schemeClr val="accent1"/>
+    </dgm:fillClrLst>
+    <dgm:linClrLst meth="repeat">
+      <a:schemeClr val="lt1"/>
+    </dgm:linClrLst>
+    <dgm:effectClrLst/>
+    <dgm:txLinClrLst/>
+    <dgm:txFillClrLst/>
+    <dgm:txEffectClrLst/>
+  </dgm:styleLbl>
+  <dgm:styleLbl name="vennNode1">
+    <dgm:fillClrLst meth="repeat">
+      <a:schemeClr val="accent1">
+        <a:alpha val="50000"/>
+      </a:schemeClr>
+    </dgm:fillClrLst>
+    <dgm:linClrLst meth="repeat">
+      <a:schemeClr val="lt1"/>
+    </dgm:linClrLst>
+    <dgm:effectClrLst/>
+    <dgm:txLinClrLst/>
+    <dgm:txFillClrLst/>
+    <dgm:txEffectClrLst/>
+  </dgm:styleLbl>
+  <dgm:styleLbl name="node2">
+    <dgm:fillClrLst meth="repeat">
+      <a:schemeClr val="accent1"/>
+    </dgm:fillClrLst>
+    <dgm:linClrLst meth="repeat">
+      <a:schemeClr val="lt1"/>
+    </dgm:linClrLst>
+    <dgm:effectClrLst/>
+    <dgm:txLinClrLst/>
+    <dgm:txFillClrLst/>
+    <dgm:txEffectClrLst/>
+  </dgm:styleLbl>
+  <dgm:styleLbl name="node3">
+    <dgm:fillClrLst meth="repeat">
+      <a:schemeClr val="accent1"/>
+    </dgm:fillClrLst>
+    <dgm:linClrLst meth="repeat">
+      <a:schemeClr val="lt1"/>
+    </dgm:linClrLst>
+    <dgm:effectClrLst/>
+    <dgm:txLinClrLst/>
+    <dgm:txFillClrLst/>
+    <dgm:txEffectClrLst/>
+  </dgm:styleLbl>
+  <dgm:styleLbl name="node4">
+    <dgm:fillClrLst meth="repeat">
+      <a:schemeClr val="accent1"/>
+    </dgm:fillClrLst>
+    <dgm:linClrLst meth="repeat">
+      <a:schemeClr val="lt1"/>
+    </dgm:linClrLst>
+    <dgm:effectClrLst/>
+    <dgm:txLinClrLst/>
+    <dgm:txFillClrLst/>
+    <dgm:txEffectClrLst/>
+  </dgm:styleLbl>
+  <dgm:styleLbl name="fgImgPlace1">
+    <dgm:fillClrLst meth="repeat">
+      <a:schemeClr val="accent1">
+        <a:tint val="50000"/>
+      </a:schemeClr>
+    </dgm:fillClrLst>
+    <dgm:linClrLst meth="repeat">
+      <a:schemeClr val="lt1"/>
+    </dgm:linClrLst>
+    <dgm:effectClrLst/>
+    <dgm:txLinClrLst/>
+    <dgm:txFillClrLst meth="repeat">
+      <a:schemeClr val="lt1"/>
+    </dgm:txFillClrLst>
+    <dgm:txEffectClrLst/>
+  </dgm:styleLbl>
+  <dgm:styleLbl name="alignImgPlace1">
+    <dgm:fillClrLst meth="repeat">
+      <a:schemeClr val="accent1">
+        <a:tint val="50000"/>
+      </a:schemeClr>
+    </dgm:fillClrLst>
+    <dgm:linClrLst meth="repeat">
+      <a:schemeClr val="lt1"/>
+    </dgm:linClrLst>
+    <dgm:effectClrLst/>
+    <dgm:txLinClrLst/>
+    <dgm:txFillClrLst meth="repeat">
+      <a:schemeClr val="lt1"/>
+    </dgm:txFillClrLst>
+    <dgm:txEffectClrLst/>
+  </dgm:styleLbl>
+  <dgm:styleLbl name="bgImgPlace1">
+    <dgm:fillClrLst meth="repeat">
+      <a:schemeClr val="accent1">
+        <a:tint val="50000"/>
+      </a:schemeClr>
+    </dgm:fillClrLst>
+    <dgm:linClrLst meth="repeat">
+      <a:schemeClr val="lt1"/>
+    </dgm:linClrLst>
+    <dgm:effectClrLst/>
+    <dgm:txLinClrLst/>
+    <dgm:txFillClrLst meth="repeat">
+      <a:schemeClr val="lt1"/>
+    </dgm:txFillClrLst>
+    <dgm:txEffectClrLst/>
+  </dgm:styleLbl>
+  <dgm:styleLbl name="sibTrans2D1">
+    <dgm:fillClrLst meth="repeat">
+      <a:schemeClr val="accent1">
+        <a:tint val="60000"/>
+      </a:schemeClr>
+    </dgm:fillClrLst>
+    <dgm:linClrLst meth="repeat">
+      <a:schemeClr val="accent1">
+        <a:tint val="60000"/>
+      </a:schemeClr>
+    </dgm:linClrLst>
+    <dgm:effectClrLst/>
+    <dgm:txLinClrLst/>
+    <dgm:txFillClrLst/>
+    <dgm:txEffectClrLst/>
+  </dgm:styleLbl>
+  <dgm:styleLbl name="fgSibTrans2D1">
+    <dgm:fillClrLst meth="repeat">
+      <a:schemeClr val="accent1">
+        <a:tint val="60000"/>
+      </a:schemeClr>
+    </dgm:fillClrLst>
+    <dgm:linClrLst meth="repeat">
+      <a:schemeClr val="accent1">
+        <a:tint val="60000"/>
+      </a:schemeClr>
+    </dgm:linClrLst>
+    <dgm:effectClrLst/>
+    <dgm:txLinClrLst/>
+    <dgm:txFillClrLst/>
+    <dgm:txEffectClrLst/>
+  </dgm:styleLbl>
+  <dgm:styleLbl name="bgSibTrans2D1">
+    <dgm:fillClrLst meth="repeat">
+      <a:schemeClr val="accent1">
+        <a:tint val="60000"/>
+      </a:schemeClr>
+    </dgm:fillClrLst>
+    <dgm:linClrLst meth="repeat">
+      <a:schemeClr val="accent1">
+        <a:tint val="60000"/>
+      </a:schemeClr>
+    </dgm:linClrLst>
+    <dgm:effectClrLst/>
+    <dgm:txLinClrLst/>
+    <dgm:txFillClrLst/>
+    <dgm:txEffectClrLst/>
+  </dgm:styleLbl>
+  <dgm:styleLbl name="sibTrans1D1">
+    <dgm:fillClrLst meth="repeat">
+      <a:schemeClr val="accent1"/>
+    </dgm:fillClrLst>
+    <dgm:linClrLst meth="repeat">
+      <a:schemeClr val="accent1"/>
+    </dgm:linClrLst>
+    <dgm:effectClrLst/>
+    <dgm:txLinClrLst/>
+    <dgm:txFillClrLst meth="repeat">
+      <a:schemeClr val="tx1"/>
+    </dgm:txFillClrLst>
+    <dgm:txEffectClrLst/>
+  </dgm:styleLbl>
+  <dgm:styleLbl name="callout">
+    <dgm:fillClrLst meth="repeat">
+      <a:schemeClr val="accent1"/>
+    </dgm:fillClrLst>
+    <dgm:linClrLst meth="repeat">
+      <a:schemeClr val="accent1">
+        <a:tint val="50000"/>
+      </a:schemeClr>
+    </dgm:linClrLst>
+    <dgm:effectClrLst/>
+    <dgm:txLinClrLst/>
+    <dgm:txFillClrLst meth="repeat">
+      <a:schemeClr val="tx1"/>
+    </dgm:txFillClrLst>
+    <dgm:txEffectClrLst/>
+  </dgm:styleLbl>
+  <dgm:styleLbl name="asst0">
+    <dgm:fillClrLst meth="repeat">
+      <a:schemeClr val="accent1"/>
+    </dgm:fillClrLst>
+    <dgm:linClrLst meth="repeat">
+      <a:schemeClr val="lt1"/>
+    </dgm:linClrLst>
+    <dgm:effectClrLst/>
+    <dgm:txLinClrLst/>
+    <dgm:txFillClrLst/>
+    <dgm:txEffectClrLst/>
+  </dgm:styleLbl>
+  <dgm:styleLbl name="asst1">
+    <dgm:fillClrLst meth="repeat">
+      <a:schemeClr val="accent1"/>
+    </dgm:fillClrLst>
+    <dgm:linClrLst meth="repeat">
+      <a:schemeClr val="lt1"/>
+    </dgm:linClrLst>
+    <dgm:effectClrLst/>
+    <dgm:txLinClrLst/>
+    <dgm:txFillClrLst/>
+    <dgm:txEffectClrLst/>
+  </dgm:styleLbl>
+  <dgm:styleLbl name="asst2">
+    <dgm:fillClrLst meth="repeat">
+      <a:schemeClr val="accent1"/>
+    </dgm:fillClrLst>
+    <dgm:linClrLst meth="repeat">
+      <a:schemeClr val="lt1"/>
+    </dgm:linClrLst>
+    <dgm:effectClrLst/>
+    <dgm:txLinClrLst/>
+    <dgm:txFillClrLst/>
+    <dgm:txEffectClrLst/>
+  </dgm:styleLbl>
+  <dgm:styleLbl name="asst3">
+    <dgm:fillClrLst meth="repeat">
+      <a:schemeClr val="accent1"/>
+    </dgm:fillClrLst>
+    <dgm:linClrLst meth="repeat">
+      <a:schemeClr val="lt1"/>
+    </dgm:linClrLst>
+    <dgm:effectClrLst/>
+    <dgm:txLinClrLst/>
+    <dgm:txFillClrLst/>
+    <dgm:txEffectClrLst/>
+  </dgm:styleLbl>
+  <dgm:styleLbl name="asst4">
+    <dgm:fillClrLst meth="repeat">
+      <a:schemeClr val="accent1"/>
+    </dgm:fillClrLst>
+    <dgm:linClrLst meth="repeat">
+      <a:schemeClr val="lt1"/>
+    </dgm:linClrLst>
+    <dgm:effectClrLst/>
+    <dgm:txLinClrLst/>
+    <dgm:txFillClrLst/>
+    <dgm:txEffectClrLst/>
+  </dgm:styleLbl>
+  <dgm:styleLbl name="parChTrans2D1">
+    <dgm:fillClrLst meth="repeat">
+      <a:schemeClr val="accent1">
+        <a:tint val="60000"/>
+      </a:schemeClr>
+    </dgm:fillClrLst>
+    <dgm:linClrLst meth="repeat">
+      <a:schemeClr val="accent1">
+        <a:tint val="60000"/>
+      </a:schemeClr>
+    </dgm:linClrLst>
+    <dgm:effectClrLst/>
+    <dgm:txLinClrLst/>
+    <dgm:txFillClrLst meth="repeat">
+      <a:schemeClr val="lt1"/>
+    </dgm:txFillClrLst>
+    <dgm:txEffectClrLst/>
+  </dgm:styleLbl>
+  <dgm:styleLbl name="parChTrans2D2">
+    <dgm:fillClrLst meth="repeat">
+      <a:schemeClr val="accent1"/>
+    </dgm:fillClrLst>
+    <dgm:linClrLst meth="repeat">
+      <a:schemeClr val="accent1"/>
+    </dgm:linClrLst>
+    <dgm:effectClrLst/>
+    <dgm:txLinClrLst/>
+    <dgm:txFillClrLst meth="repeat">
+      <a:schemeClr val="lt1"/>
+    </dgm:txFillClrLst>
+    <dgm:txEffectClrLst/>
+  </dgm:styleLbl>
+  <dgm:styleLbl name="parChTrans2D3">
+    <dgm:fillClrLst meth="repeat">
+      <a:schemeClr val="accent1"/>
+    </dgm:fillClrLst>
+    <dgm:linClrLst meth="repeat">
+      <a:schemeClr val="accent1"/>
+    </dgm:linClrLst>
+    <dgm:effectClrLst/>
+    <dgm:txLinClrLst/>
+    <dgm:txFillClrLst meth="repeat">
+      <a:schemeClr val="lt1"/>
+    </dgm:txFillClrLst>
+    <dgm:txEffectClrLst/>
+  </dgm:styleLbl>
+  <dgm:styleLbl name="parChTrans2D4">
+    <dgm:fillClrLst meth="repeat">
+      <a:schemeClr val="accent1"/>
+    </dgm:fillClrLst>
+    <dgm:linClrLst meth="repeat">
+      <a:schemeClr val="accent1"/>
+    </dgm:linClrLst>
+    <dgm:effectClrLst/>
+    <dgm:txLinClrLst/>
+    <dgm:txFillClrLst meth="repeat">
+      <a:schemeClr val="lt1"/>
+    </dgm:txFillClrLst>
+    <dgm:txEffectClrLst/>
+  </dgm:styleLbl>
+  <dgm:styleLbl name="parChTrans1D1">
+    <dgm:fillClrLst meth="repeat">
+      <a:schemeClr val="accent1"/>
+    </dgm:fillClrLst>
+    <dgm:linClrLst meth="repeat">
+      <a:schemeClr val="accent1">
+        <a:shade val="60000"/>
+      </a:schemeClr>
+    </dgm:linClrLst>
+    <dgm:effectClrLst/>
+    <dgm:txLinClrLst/>
+    <dgm:txFillClrLst meth="repeat">
+      <a:schemeClr val="tx1"/>
+    </dgm:txFillClrLst>
+    <dgm:txEffectClrLst/>
+  </dgm:styleLbl>
+  <dgm:styleLbl name="parChTrans1D2">
+    <dgm:fillClrLst meth="repeat">
+      <a:schemeClr val="accent1"/>
+    </dgm:fillClrLst>
+    <dgm:linClrLst meth="repeat">
+      <a:schemeClr val="accent1">
+        <a:shade val="60000"/>
+      </a:schemeClr>
+    </dgm:linClrLst>
+    <dgm:effectClrLst/>
+    <dgm:txLinClrLst/>
+    <dgm:txFillClrLst meth="repeat">
+      <a:schemeClr val="tx1"/>
+    </dgm:txFillClrLst>
+    <dgm:txEffectClrLst/>
+  </dgm:styleLbl>
+  <dgm:styleLbl name="parChTrans1D3">
+    <dgm:fillClrLst meth="repeat">
+      <a:schemeClr val="accent1"/>
+    </dgm:fillClrLst>
+    <dgm:linClrLst meth="repeat">
+      <a:schemeClr val="accent1">
+        <a:shade val="80000"/>
+      </a:schemeClr>
+    </dgm:linClrLst>
+    <dgm:effectClrLst/>
+    <dgm:txLinClrLst/>
+    <dgm:txFillClrLst meth="repeat">
+      <a:schemeClr val="tx1"/>
+    </dgm:txFillClrLst>
+    <dgm:txEffectClrLst/>
+  </dgm:styleLbl>
+  <dgm:styleLbl name="parChTrans1D4">
+    <dgm:fillClrLst meth="repeat">
+      <a:schemeClr val="accent1"/>
+    </dgm:fillClrLst>
+    <dgm:linClrLst meth="repeat">
+      <a:schemeClr val="accent1">
+        <a:shade val="80000"/>
+      </a:schemeClr>
+    </dgm:linClrLst>
+    <dgm:effectClrLst/>
+    <dgm:txLinClrLst/>
+    <dgm:txFillClrLst meth="repeat">
+      <a:schemeClr val="tx1"/>
+    </dgm:txFillClrLst>
+    <dgm:txEffectClrLst/>
+  </dgm:styleLbl>
+  <dgm:styleLbl name="fgAcc1">
+    <dgm:fillClrLst meth="repeat">
+      <a:schemeClr val="lt1">
+        <a:alpha val="90000"/>
+      </a:schemeClr>
+    </dgm:fillClrLst>
+    <dgm:linClrLst meth="repeat">
+      <a:schemeClr val="accent1"/>
+    </dgm:linClrLst>
+    <dgm:effectClrLst/>
+    <dgm:txLinClrLst/>
+    <dgm:txFillClrLst meth="repeat">
+      <a:schemeClr val="dk1"/>
+    </dgm:txFillClrLst>
+    <dgm:txEffectClrLst/>
+  </dgm:styleLbl>
+  <dgm:styleLbl name="conFgAcc1">
+    <dgm:fillClrLst meth="repeat">
+      <a:schemeClr val="lt1">
+        <a:alpha val="90000"/>
+      </a:schemeClr>
+    </dgm:fillClrLst>
+    <dgm:linClrLst meth="repeat">
+      <a:schemeClr val="accent1"/>
+    </dgm:linClrLst>
+    <dgm:effectClrLst/>
+    <dgm:txLinClrLst/>
+    <dgm:txFillClrLst meth="repeat">
+      <a:schemeClr val="dk1"/>
+    </dgm:txFillClrLst>
+    <dgm:txEffectClrLst/>
+  </dgm:styleLbl>
+  <dgm:styleLbl name="alignAcc1">
+    <dgm:fillClrLst meth="repeat">
+      <a:schemeClr val="lt1">
+        <a:alpha val="90000"/>
+      </a:schemeClr>
+    </dgm:fillClrLst>
+    <dgm:linClrLst meth="repeat">
+      <a:schemeClr val="accent1"/>
+    </dgm:linClrLst>
+    <dgm:effectClrLst/>
+    <dgm:txLinClrLst/>
+    <dgm:txFillClrLst meth="repeat">
+      <a:schemeClr val="dk1"/>
+    </dgm:txFillClrLst>
+    <dgm:txEffectClrLst/>
+  </dgm:styleLbl>
+  <dgm:styleLbl name="trAlignAcc1">
+    <dgm:fillClrLst meth="repeat">
+      <a:schemeClr val="lt1">
+        <a:alpha val="40000"/>
+      </a:schemeClr>
+    </dgm:fillClrLst>
+    <dgm:linClrLst meth="repeat">
+      <a:schemeClr val="accent1"/>
+    </dgm:linClrLst>
+    <dgm:effectClrLst/>
+    <dgm:txLinClrLst/>
+    <dgm:txFillClrLst meth="repeat">
+      <a:schemeClr val="dk1"/>
+    </dgm:txFillClrLst>
+    <dgm:txEffectClrLst/>
+  </dgm:styleLbl>
+  <dgm:styleLbl name="bgAcc1">
+    <dgm:fillClrLst meth="repeat">
+      <a:schemeClr val="lt1">
+        <a:alpha val="90000"/>
+      </a:schemeClr>
+    </dgm:fillClrLst>
+    <dgm:linClrLst meth="repeat">
+      <a:schemeClr val="accent1"/>
+    </dgm:linClrLst>
+    <dgm:effectClrLst/>
+    <dgm:txLinClrLst/>
+    <dgm:txFillClrLst meth="repeat">
+      <a:schemeClr val="dk1"/>
+    </dgm:txFillClrLst>
+    <dgm:txEffectClrLst/>
+  </dgm:styleLbl>
+  <dgm:styleLbl name="solidFgAcc1">
+    <dgm:fillClrLst meth="repeat">
+      <a:schemeClr val="lt1"/>
+    </dgm:fillClrLst>
+    <dgm:linClrLst meth="repeat">
+      <a:schemeClr val="accent1"/>
+    </dgm:linClrLst>
+    <dgm:effectClrLst/>
+    <dgm:txLinClrLst/>
+    <dgm:txFillClrLst meth="repeat">
+      <a:schemeClr val="dk1"/>
+    </dgm:txFillClrLst>
+    <dgm:txEffectClrLst/>
+  </dgm:styleLbl>
+  <dgm:styleLbl name="solidAlignAcc1">
+    <dgm:fillClrLst meth="repeat">
+      <a:schemeClr val="lt1"/>
+    </dgm:fillClrLst>
+    <dgm:linClrLst meth="repeat">
+      <a:schemeClr val="accent1"/>
+    </dgm:linClrLst>
+    <dgm:effectClrLst/>
+    <dgm:txLinClrLst/>
+    <dgm:txFillClrLst meth="repeat">
+      <a:schemeClr val="dk1"/>
+    </dgm:txFillClrLst>
+    <dgm:txEffectClrLst/>
+  </dgm:styleLbl>
+  <dgm:styleLbl name="solidBgAcc1">
+    <dgm:fillClrLst meth="repeat">
+      <a:schemeClr val="lt1"/>
+    </dgm:fillClrLst>
+    <dgm:linClrLst meth="repeat">
+      <a:schemeClr val="accent1"/>
+    </dgm:linClrLst>
+    <dgm:effectClrLst/>
+    <dgm:txLinClrLst/>
+    <dgm:txFillClrLst meth="repeat">
+      <a:schemeClr val="dk1"/>
+    </dgm:txFillClrLst>
+    <dgm:txEffectClrLst/>
+  </dgm:styleLbl>
+  <dgm:styleLbl name="fgAccFollowNode1">
+    <dgm:fillClrLst meth="repeat">
+      <a:schemeClr val="accent1">
+        <a:alpha val="90000"/>
+        <a:tint val="40000"/>
+      </a:schemeClr>
+    </dgm:fillClrLst>
+    <dgm:linClrLst meth="repeat">
+      <a:schemeClr val="accent1">
+        <a:alpha val="90000"/>
+        <a:tint val="40000"/>
+      </a:schemeClr>
+    </dgm:linClrLst>
+    <dgm:effectClrLst/>
+    <dgm:txLinClrLst/>
+    <dgm:txFillClrLst meth="repeat">
+      <a:schemeClr val="dk1"/>
+    </dgm:txFillClrLst>
+    <dgm:txEffectClrLst/>
+  </dgm:styleLbl>
+  <dgm:styleLbl name="alignAccFollowNode1">
+    <dgm:fillClrLst meth="repeat">
+      <a:schemeClr val="accent1">
+        <a:alpha val="90000"/>
+        <a:tint val="40000"/>
+      </a:schemeClr>
+    </dgm:fillClrLst>
+    <dgm:linClrLst meth="repeat">
+      <a:schemeClr val="accent1">
+        <a:alpha val="90000"/>
+        <a:tint val="40000"/>
+      </a:schemeClr>
+    </dgm:linClrLst>
+    <dgm:effectClrLst/>
+    <dgm:txLinClrLst/>
+    <dgm:txFillClrLst meth="repeat">
+      <a:schemeClr val="dk1"/>
+    </dgm:txFillClrLst>
+    <dgm:txEffectClrLst/>
+  </dgm:styleLbl>
+  <dgm:styleLbl name="bgAccFollowNode1">
+    <dgm:fillClrLst meth="repeat">
+      <a:schemeClr val="accent1">
+        <a:alpha val="90000"/>
+        <a:tint val="40000"/>
+      </a:schemeClr>
+    </dgm:fillClrLst>
+    <dgm:linClrLst meth="repeat">
+      <a:schemeClr val="accent1">
+        <a:alpha val="90000"/>
+        <a:tint val="40000"/>
+      </a:schemeClr>
+    </dgm:linClrLst>
+    <dgm:effectClrLst/>
+    <dgm:txLinClrLst/>
+    <dgm:txFillClrLst meth="repeat">
+      <a:schemeClr val="dk1"/>
+    </dgm:txFillClrLst>
+    <dgm:txEffectClrLst/>
+  </dgm:styleLbl>
+  <dgm:styleLbl name="fgAcc0">
+    <dgm:fillClrLst meth="repeat">
+      <a:schemeClr val="lt1">
+        <a:alpha val="90000"/>
+      </a:schemeClr>
+    </dgm:fillClrLst>
+    <dgm:linClrLst meth="repeat">
+      <a:schemeClr val="accent1"/>
+    </dgm:linClrLst>
+    <dgm:effectClrLst/>
+    <dgm:txLinClrLst/>
+    <dgm:txFillClrLst meth="repeat">
+      <a:schemeClr val="dk1"/>
+    </dgm:txFillClrLst>
+    <dgm:txEffectClrLst/>
+  </dgm:styleLbl>
+  <dgm:styleLbl name="fgAcc2">
+    <dgm:fillClrLst meth="repeat">
+      <a:schemeClr val="lt1">
+        <a:alpha val="90000"/>
+      </a:schemeClr>
+    </dgm:fillClrLst>
+    <dgm:linClrLst meth="repeat">
+      <a:schemeClr val="accent1"/>
+    </dgm:linClrLst>
+    <dgm:effectClrLst/>
+    <dgm:txLinClrLst/>
+    <dgm:txFillClrLst meth="repeat">
+      <a:schemeClr val="dk1"/>
+    </dgm:txFillClrLst>
+    <dgm:txEffectClrLst/>
+  </dgm:styleLbl>
+  <dgm:styleLbl name="fgAcc3">
+    <dgm:fillClrLst meth="repeat">
+      <a:schemeClr val="lt1">
+        <a:alpha val="90000"/>
+      </a:schemeClr>
+    </dgm:fillClrLst>
+    <dgm:linClrLst meth="repeat">
+      <a:schemeClr val="accent1"/>
+    </dgm:linClrLst>
+    <dgm:effectClrLst/>
+    <dgm:txLinClrLst/>
+    <dgm:txFillClrLst meth="repeat">
+      <a:schemeClr val="dk1"/>
+    </dgm:txFillClrLst>
+    <dgm:txEffectClrLst/>
+  </dgm:styleLbl>
+  <dgm:styleLbl name="fgAcc4">
+    <dgm:fillClrLst meth="repeat">
+      <a:schemeClr val="lt1">
+        <a:alpha val="90000"/>
+      </a:schemeClr>
+    </dgm:fillClrLst>
+    <dgm:linClrLst meth="repeat">
+      <a:schemeClr val="accent1"/>
+    </dgm:linClrLst>
+    <dgm:effectClrLst/>
+    <dgm:txLinClrLst/>
+    <dgm:txFillClrLst meth="repeat">
+      <a:schemeClr val="dk1"/>
+    </dgm:txFillClrLst>
+    <dgm:txEffectClrLst/>
+  </dgm:styleLbl>
+  <dgm:styleLbl name="bgShp">
+    <dgm:fillClrLst meth="repeat">
+      <a:schemeClr val="accent1">
+        <a:tint val="40000"/>
+      </a:schemeClr>
+    </dgm:fillClrLst>
+    <dgm:linClrLst meth="repeat">
+      <a:schemeClr val="accent1"/>
+    </dgm:linClrLst>
+    <dgm:effectClrLst/>
+    <dgm:txLinClrLst/>
+    <dgm:txFillClrLst meth="repeat">
+      <a:schemeClr val="dk1"/>
+    </dgm:txFillClrLst>
+    <dgm:txEffectClrLst/>
+  </dgm:styleLbl>
+  <dgm:styleLbl name="dkBgShp">
+    <dgm:fillClrLst meth="repeat">
+      <a:schemeClr val="accent1">
+        <a:shade val="80000"/>
+      </a:schemeClr>
+    </dgm:fillClrLst>
+    <dgm:linClrLst meth="repeat">
+      <a:schemeClr val="accent1"/>
+    </dgm:linClrLst>
+    <dgm:effectClrLst/>
+    <dgm:txLinClrLst/>
+    <dgm:txFillClrLst meth="repeat">
+      <a:schemeClr val="lt1"/>
+    </dgm:txFillClrLst>
+    <dgm:txEffectClrLst/>
+  </dgm:styleLbl>
+  <dgm:styleLbl name="trBgShp">
+    <dgm:fillClrLst meth="repeat">
+      <a:schemeClr val="accent1">
+        <a:tint val="50000"/>
+        <a:alpha val="40000"/>
+      </a:schemeClr>
+    </dgm:fillClrLst>
+    <dgm:linClrLst meth="repeat">
+      <a:schemeClr val="accent1"/>
+    </dgm:linClrLst>
+    <dgm:effectClrLst/>
+    <dgm:txLinClrLst/>
+    <dgm:txFillClrLst meth="repeat">
+      <a:schemeClr val="lt1"/>
+    </dgm:txFillClrLst>
+    <dgm:txEffectClrLst/>
+  </dgm:styleLbl>
+  <dgm:styleLbl name="fgShp">
+    <dgm:fillClrLst meth="repeat">
+      <a:schemeClr val="accent1">
+        <a:tint val="60000"/>
+      </a:schemeClr>
+    </dgm:fillClrLst>
+    <dgm:linClrLst meth="repeat">
+      <a:schemeClr val="lt1"/>
+    </dgm:linClrLst>
+    <dgm:effectClrLst/>
+    <dgm:txLinClrLst/>
+    <dgm:txFillClrLst meth="repeat">
+      <a:schemeClr val="dk1"/>
+    </dgm:txFillClrLst>
+    <dgm:txEffectClrLst/>
+  </dgm:styleLbl>
+  <dgm:styleLbl name="revTx">
+    <dgm:fillClrLst meth="repeat">
+      <a:schemeClr val="lt1">
+        <a:alpha val="0"/>
+      </a:schemeClr>
+    </dgm:fillClrLst>
+    <dgm:linClrLst meth="repeat">
+      <a:schemeClr val="dk1">
+        <a:alpha val="0"/>
+      </a:schemeClr>
+    </dgm:linClrLst>
+    <dgm:effectClrLst/>
+    <dgm:txLinClrLst/>
+    <dgm:txFillClrLst meth="repeat">
+      <a:schemeClr val="tx1"/>
+    </dgm:txFillClrLst>
+    <dgm:txEffectClrLst/>
+  </dgm:styleLbl>
+</dgm:colorsDef>
+</file>
+
+<file path=ppt/diagrams/colors7.xml><?xml version="1.0" encoding="utf-8"?>
 <dgm:colorsDef xmlns:dgm="http://schemas.openxmlformats.org/drawingml/2006/diagram" xmlns:a="http://schemas.openxmlformats.org/drawingml/2006/main" uniqueId="urn:microsoft.com/office/officeart/2005/8/colors/accent1_2">
   <dgm:title val=""/>
   <dgm:desc val=""/>
@@ -5564,6 +7035,446 @@
   <dgm:extLst>
     <a:ext uri="http://schemas.microsoft.com/office/drawing/2008/diagram">
       <dsp:dataModelExt xmlns:dsp="http://schemas.microsoft.com/office/drawing/2008/diagram" relId="rId6" minVer="http://schemas.openxmlformats.org/drawingml/2006/diagram"/>
+    </a:ext>
+  </dgm:extLst>
+</dgm:dataModel>
+</file>
+
+<file path=ppt/diagrams/data6.xml><?xml version="1.0" encoding="utf-8"?>
+<dgm:dataModel xmlns:dgm="http://schemas.openxmlformats.org/drawingml/2006/diagram" xmlns:a="http://schemas.openxmlformats.org/drawingml/2006/main">
+  <dgm:ptLst>
+    <dgm:pt modelId="{D9A7FE03-7CF6-4F09-8213-33F0C4DC92E4}" type="doc">
+      <dgm:prSet loTypeId="urn:microsoft.com/office/officeart/2005/8/layout/lProcess3" loCatId="process" qsTypeId="urn:microsoft.com/office/officeart/2005/8/quickstyle/simple1" qsCatId="simple" csTypeId="urn:microsoft.com/office/officeart/2005/8/colors/accent1_2" csCatId="accent1" phldr="1"/>
+      <dgm:spPr/>
+      <dgm:t>
+        <a:bodyPr/>
+        <a:lstStyle/>
+        <a:p>
+          <a:endParaRPr lang="de-DE"/>
+        </a:p>
+      </dgm:t>
+    </dgm:pt>
+    <dgm:pt modelId="{94E298EC-2A29-448D-A729-6D823B3B2770}">
+      <dgm:prSet/>
+      <dgm:spPr/>
+      <dgm:t>
+        <a:bodyPr/>
+        <a:lstStyle/>
+        <a:p>
+          <a:r>
+            <a:rPr lang="de-DE" dirty="0"/>
+            <a:t>Hypothesen</a:t>
+          </a:r>
+        </a:p>
+      </dgm:t>
+    </dgm:pt>
+    <dgm:pt modelId="{ABAFA18C-48F0-45FE-A75F-2F695AE0E53D}" type="parTrans" cxnId="{D4EA7C88-D728-4119-8B73-560444EB856E}">
+      <dgm:prSet/>
+      <dgm:spPr/>
+      <dgm:t>
+        <a:bodyPr/>
+        <a:lstStyle/>
+        <a:p>
+          <a:endParaRPr lang="de-DE"/>
+        </a:p>
+      </dgm:t>
+    </dgm:pt>
+    <dgm:pt modelId="{4F37EA4D-EDA6-4862-BA7C-E0259C1634D9}" type="sibTrans" cxnId="{D4EA7C88-D728-4119-8B73-560444EB856E}">
+      <dgm:prSet/>
+      <dgm:spPr/>
+      <dgm:t>
+        <a:bodyPr/>
+        <a:lstStyle/>
+        <a:p>
+          <a:endParaRPr lang="de-DE"/>
+        </a:p>
+      </dgm:t>
+    </dgm:pt>
+    <dgm:pt modelId="{ADBBFF63-0505-458F-922A-179E0CD2F561}">
+      <dgm:prSet/>
+      <dgm:spPr/>
+      <dgm:t>
+        <a:bodyPr/>
+        <a:lstStyle/>
+        <a:p>
+          <a:r>
+            <a:rPr lang="de-DE"/>
+            <a:t>Nutzung ist selbsterklärend</a:t>
+          </a:r>
+        </a:p>
+      </dgm:t>
+    </dgm:pt>
+    <dgm:pt modelId="{85AA027B-966C-413D-B933-0AE56B3E9901}" type="parTrans" cxnId="{6F1AA64D-4EBE-482F-A24D-6AB201BE10A9}">
+      <dgm:prSet/>
+      <dgm:spPr/>
+      <dgm:t>
+        <a:bodyPr/>
+        <a:lstStyle/>
+        <a:p>
+          <a:endParaRPr lang="de-DE"/>
+        </a:p>
+      </dgm:t>
+    </dgm:pt>
+    <dgm:pt modelId="{89BA8FBB-B827-49DD-9AA5-36FC4C274D21}" type="sibTrans" cxnId="{6F1AA64D-4EBE-482F-A24D-6AB201BE10A9}">
+      <dgm:prSet/>
+      <dgm:spPr/>
+      <dgm:t>
+        <a:bodyPr/>
+        <a:lstStyle/>
+        <a:p>
+          <a:endParaRPr lang="de-DE"/>
+        </a:p>
+      </dgm:t>
+    </dgm:pt>
+    <dgm:pt modelId="{4C1110F0-40B0-408D-99DE-2B86F1F155AB}">
+      <dgm:prSet/>
+      <dgm:spPr/>
+      <dgm:t>
+        <a:bodyPr/>
+        <a:lstStyle/>
+        <a:p>
+          <a:r>
+            <a:rPr lang="de-DE" dirty="0"/>
+            <a:t>Gefühl von Natürlichkeit</a:t>
+          </a:r>
+        </a:p>
+      </dgm:t>
+    </dgm:pt>
+    <dgm:pt modelId="{C6639014-84AF-42FB-8A61-8AB3701BA6FE}" type="parTrans" cxnId="{D2A0AB6F-71F0-4646-8C11-CD79EA6E8A06}">
+      <dgm:prSet/>
+      <dgm:spPr/>
+      <dgm:t>
+        <a:bodyPr/>
+        <a:lstStyle/>
+        <a:p>
+          <a:endParaRPr lang="de-DE"/>
+        </a:p>
+      </dgm:t>
+    </dgm:pt>
+    <dgm:pt modelId="{566FEAB1-5063-4CC8-A533-8504E9745C94}" type="sibTrans" cxnId="{D2A0AB6F-71F0-4646-8C11-CD79EA6E8A06}">
+      <dgm:prSet/>
+      <dgm:spPr/>
+      <dgm:t>
+        <a:bodyPr/>
+        <a:lstStyle/>
+        <a:p>
+          <a:endParaRPr lang="de-DE"/>
+        </a:p>
+      </dgm:t>
+    </dgm:pt>
+    <dgm:pt modelId="{61DE167A-B4CB-406F-B292-6C82B9619EAD}">
+      <dgm:prSet/>
+      <dgm:spPr/>
+      <dgm:t>
+        <a:bodyPr/>
+        <a:lstStyle/>
+        <a:p>
+          <a:r>
+            <a:rPr lang="de-DE"/>
+            <a:t>Datenschutz erhöht Bereitschaft zur Nutzung</a:t>
+          </a:r>
+        </a:p>
+      </dgm:t>
+    </dgm:pt>
+    <dgm:pt modelId="{D3E1B8F4-14BE-4622-B048-6512EF15EFF1}" type="parTrans" cxnId="{7EE006F9-ADDE-4159-890A-B0AC7A19F02D}">
+      <dgm:prSet/>
+      <dgm:spPr/>
+      <dgm:t>
+        <a:bodyPr/>
+        <a:lstStyle/>
+        <a:p>
+          <a:endParaRPr lang="de-DE"/>
+        </a:p>
+      </dgm:t>
+    </dgm:pt>
+    <dgm:pt modelId="{E1826605-5C1F-4B6E-9D46-87271F91CC78}" type="sibTrans" cxnId="{7EE006F9-ADDE-4159-890A-B0AC7A19F02D}">
+      <dgm:prSet/>
+      <dgm:spPr/>
+      <dgm:t>
+        <a:bodyPr/>
+        <a:lstStyle/>
+        <a:p>
+          <a:endParaRPr lang="de-DE"/>
+        </a:p>
+      </dgm:t>
+    </dgm:pt>
+    <dgm:pt modelId="{9C80347B-66A3-48E2-9EE8-3070F3D85EAE}" type="pres">
+      <dgm:prSet presAssocID="{D9A7FE03-7CF6-4F09-8213-33F0C4DC92E4}" presName="Name0" presStyleCnt="0">
+        <dgm:presLayoutVars>
+          <dgm:chPref val="3"/>
+          <dgm:dir/>
+          <dgm:animLvl val="lvl"/>
+          <dgm:resizeHandles/>
+        </dgm:presLayoutVars>
+      </dgm:prSet>
+      <dgm:spPr/>
+    </dgm:pt>
+    <dgm:pt modelId="{D906318E-F3BA-4C60-A04F-D5AFDB70F71F}" type="pres">
+      <dgm:prSet presAssocID="{94E298EC-2A29-448D-A729-6D823B3B2770}" presName="horFlow" presStyleCnt="0"/>
+      <dgm:spPr/>
+    </dgm:pt>
+    <dgm:pt modelId="{B93A7241-D74C-46B6-A1CF-021E81C1CE95}" type="pres">
+      <dgm:prSet presAssocID="{94E298EC-2A29-448D-A729-6D823B3B2770}" presName="bigChev" presStyleLbl="node1" presStyleIdx="0" presStyleCnt="1"/>
+      <dgm:spPr/>
+    </dgm:pt>
+    <dgm:pt modelId="{04A9A243-7422-4E08-82FF-352EC0ADE1DC}" type="pres">
+      <dgm:prSet presAssocID="{85AA027B-966C-413D-B933-0AE56B3E9901}" presName="parTrans" presStyleCnt="0"/>
+      <dgm:spPr/>
+    </dgm:pt>
+    <dgm:pt modelId="{1107599F-9E43-42B1-A089-A9393A1BBEFA}" type="pres">
+      <dgm:prSet presAssocID="{ADBBFF63-0505-458F-922A-179E0CD2F561}" presName="node" presStyleLbl="alignAccFollowNode1" presStyleIdx="0" presStyleCnt="3">
+        <dgm:presLayoutVars>
+          <dgm:bulletEnabled val="1"/>
+        </dgm:presLayoutVars>
+      </dgm:prSet>
+      <dgm:spPr/>
+    </dgm:pt>
+    <dgm:pt modelId="{5F8CD101-D9CA-4FBB-9623-70A2E326B4B1}" type="pres">
+      <dgm:prSet presAssocID="{89BA8FBB-B827-49DD-9AA5-36FC4C274D21}" presName="sibTrans" presStyleCnt="0"/>
+      <dgm:spPr/>
+    </dgm:pt>
+    <dgm:pt modelId="{B41C0435-9F75-4905-B680-1E44DB9C2A49}" type="pres">
+      <dgm:prSet presAssocID="{4C1110F0-40B0-408D-99DE-2B86F1F155AB}" presName="node" presStyleLbl="alignAccFollowNode1" presStyleIdx="1" presStyleCnt="3">
+        <dgm:presLayoutVars>
+          <dgm:bulletEnabled val="1"/>
+        </dgm:presLayoutVars>
+      </dgm:prSet>
+      <dgm:spPr/>
+    </dgm:pt>
+    <dgm:pt modelId="{E8602AE1-2971-49A2-911E-E52768014A60}" type="pres">
+      <dgm:prSet presAssocID="{566FEAB1-5063-4CC8-A533-8504E9745C94}" presName="sibTrans" presStyleCnt="0"/>
+      <dgm:spPr/>
+    </dgm:pt>
+    <dgm:pt modelId="{E64522DB-4E3E-431D-9187-EFE621B066BB}" type="pres">
+      <dgm:prSet presAssocID="{61DE167A-B4CB-406F-B292-6C82B9619EAD}" presName="node" presStyleLbl="alignAccFollowNode1" presStyleIdx="2" presStyleCnt="3">
+        <dgm:presLayoutVars>
+          <dgm:bulletEnabled val="1"/>
+        </dgm:presLayoutVars>
+      </dgm:prSet>
+      <dgm:spPr/>
+    </dgm:pt>
+  </dgm:ptLst>
+  <dgm:cxnLst>
+    <dgm:cxn modelId="{7D5E6531-166B-4526-8551-CC41A142467C}" type="presOf" srcId="{61DE167A-B4CB-406F-B292-6C82B9619EAD}" destId="{E64522DB-4E3E-431D-9187-EFE621B066BB}" srcOrd="0" destOrd="0" presId="urn:microsoft.com/office/officeart/2005/8/layout/lProcess3"/>
+    <dgm:cxn modelId="{290BEA37-A765-4B24-945A-44F5EBAF4633}" type="presOf" srcId="{D9A7FE03-7CF6-4F09-8213-33F0C4DC92E4}" destId="{9C80347B-66A3-48E2-9EE8-3070F3D85EAE}" srcOrd="0" destOrd="0" presId="urn:microsoft.com/office/officeart/2005/8/layout/lProcess3"/>
+    <dgm:cxn modelId="{06D3C464-610F-402D-8887-E4F781C2FC3E}" type="presOf" srcId="{4C1110F0-40B0-408D-99DE-2B86F1F155AB}" destId="{B41C0435-9F75-4905-B680-1E44DB9C2A49}" srcOrd="0" destOrd="0" presId="urn:microsoft.com/office/officeart/2005/8/layout/lProcess3"/>
+    <dgm:cxn modelId="{6F1AA64D-4EBE-482F-A24D-6AB201BE10A9}" srcId="{94E298EC-2A29-448D-A729-6D823B3B2770}" destId="{ADBBFF63-0505-458F-922A-179E0CD2F561}" srcOrd="0" destOrd="0" parTransId="{85AA027B-966C-413D-B933-0AE56B3E9901}" sibTransId="{89BA8FBB-B827-49DD-9AA5-36FC4C274D21}"/>
+    <dgm:cxn modelId="{D2A0AB6F-71F0-4646-8C11-CD79EA6E8A06}" srcId="{94E298EC-2A29-448D-A729-6D823B3B2770}" destId="{4C1110F0-40B0-408D-99DE-2B86F1F155AB}" srcOrd="1" destOrd="0" parTransId="{C6639014-84AF-42FB-8A61-8AB3701BA6FE}" sibTransId="{566FEAB1-5063-4CC8-A533-8504E9745C94}"/>
+    <dgm:cxn modelId="{D4EA7C88-D728-4119-8B73-560444EB856E}" srcId="{D9A7FE03-7CF6-4F09-8213-33F0C4DC92E4}" destId="{94E298EC-2A29-448D-A729-6D823B3B2770}" srcOrd="0" destOrd="0" parTransId="{ABAFA18C-48F0-45FE-A75F-2F695AE0E53D}" sibTransId="{4F37EA4D-EDA6-4862-BA7C-E0259C1634D9}"/>
+    <dgm:cxn modelId="{9A12A4A4-9EC6-44A1-A89C-AA612D8A735F}" type="presOf" srcId="{94E298EC-2A29-448D-A729-6D823B3B2770}" destId="{B93A7241-D74C-46B6-A1CF-021E81C1CE95}" srcOrd="0" destOrd="0" presId="urn:microsoft.com/office/officeart/2005/8/layout/lProcess3"/>
+    <dgm:cxn modelId="{69B100A5-93B3-49FC-A858-EC9627F88DC5}" type="presOf" srcId="{ADBBFF63-0505-458F-922A-179E0CD2F561}" destId="{1107599F-9E43-42B1-A089-A9393A1BBEFA}" srcOrd="0" destOrd="0" presId="urn:microsoft.com/office/officeart/2005/8/layout/lProcess3"/>
+    <dgm:cxn modelId="{7EE006F9-ADDE-4159-890A-B0AC7A19F02D}" srcId="{94E298EC-2A29-448D-A729-6D823B3B2770}" destId="{61DE167A-B4CB-406F-B292-6C82B9619EAD}" srcOrd="2" destOrd="0" parTransId="{D3E1B8F4-14BE-4622-B048-6512EF15EFF1}" sibTransId="{E1826605-5C1F-4B6E-9D46-87271F91CC78}"/>
+    <dgm:cxn modelId="{189C6836-A64C-4DF0-8525-CD7B5553C749}" type="presParOf" srcId="{9C80347B-66A3-48E2-9EE8-3070F3D85EAE}" destId="{D906318E-F3BA-4C60-A04F-D5AFDB70F71F}" srcOrd="0" destOrd="0" presId="urn:microsoft.com/office/officeart/2005/8/layout/lProcess3"/>
+    <dgm:cxn modelId="{A6E44CB1-19A5-42E1-881F-41D1261ECFE3}" type="presParOf" srcId="{D906318E-F3BA-4C60-A04F-D5AFDB70F71F}" destId="{B93A7241-D74C-46B6-A1CF-021E81C1CE95}" srcOrd="0" destOrd="0" presId="urn:microsoft.com/office/officeart/2005/8/layout/lProcess3"/>
+    <dgm:cxn modelId="{15C546A1-B356-4B85-A75E-DB5E81716334}" type="presParOf" srcId="{D906318E-F3BA-4C60-A04F-D5AFDB70F71F}" destId="{04A9A243-7422-4E08-82FF-352EC0ADE1DC}" srcOrd="1" destOrd="0" presId="urn:microsoft.com/office/officeart/2005/8/layout/lProcess3"/>
+    <dgm:cxn modelId="{352519BE-A66B-4D33-8A0D-4519F14835BD}" type="presParOf" srcId="{D906318E-F3BA-4C60-A04F-D5AFDB70F71F}" destId="{1107599F-9E43-42B1-A089-A9393A1BBEFA}" srcOrd="2" destOrd="0" presId="urn:microsoft.com/office/officeart/2005/8/layout/lProcess3"/>
+    <dgm:cxn modelId="{5E2198A2-763F-4119-B2C9-7FA44DAAF165}" type="presParOf" srcId="{D906318E-F3BA-4C60-A04F-D5AFDB70F71F}" destId="{5F8CD101-D9CA-4FBB-9623-70A2E326B4B1}" srcOrd="3" destOrd="0" presId="urn:microsoft.com/office/officeart/2005/8/layout/lProcess3"/>
+    <dgm:cxn modelId="{40071BE6-A372-425F-B0EA-3B2D00BC4A4B}" type="presParOf" srcId="{D906318E-F3BA-4C60-A04F-D5AFDB70F71F}" destId="{B41C0435-9F75-4905-B680-1E44DB9C2A49}" srcOrd="4" destOrd="0" presId="urn:microsoft.com/office/officeart/2005/8/layout/lProcess3"/>
+    <dgm:cxn modelId="{5C39AB92-1370-46C2-A5B7-51700ADE07E7}" type="presParOf" srcId="{D906318E-F3BA-4C60-A04F-D5AFDB70F71F}" destId="{E8602AE1-2971-49A2-911E-E52768014A60}" srcOrd="5" destOrd="0" presId="urn:microsoft.com/office/officeart/2005/8/layout/lProcess3"/>
+    <dgm:cxn modelId="{474F4E64-64D2-4442-A5D9-AB2802D2604D}" type="presParOf" srcId="{D906318E-F3BA-4C60-A04F-D5AFDB70F71F}" destId="{E64522DB-4E3E-431D-9187-EFE621B066BB}" srcOrd="6" destOrd="0" presId="urn:microsoft.com/office/officeart/2005/8/layout/lProcess3"/>
+  </dgm:cxnLst>
+  <dgm:bg/>
+  <dgm:whole/>
+  <dgm:extLst>
+    <a:ext uri="http://schemas.microsoft.com/office/drawing/2008/diagram">
+      <dsp:dataModelExt xmlns:dsp="http://schemas.microsoft.com/office/drawing/2008/diagram" relId="rId6" minVer="http://schemas.openxmlformats.org/drawingml/2006/diagram"/>
+    </a:ext>
+  </dgm:extLst>
+</dgm:dataModel>
+</file>
+
+<file path=ppt/diagrams/data7.xml><?xml version="1.0" encoding="utf-8"?>
+<dgm:dataModel xmlns:dgm="http://schemas.openxmlformats.org/drawingml/2006/diagram" xmlns:a="http://schemas.openxmlformats.org/drawingml/2006/main">
+  <dgm:ptLst>
+    <dgm:pt modelId="{1F0E7F6F-445D-45BB-96BB-EA3F8472A33D}" type="doc">
+      <dgm:prSet loTypeId="urn:microsoft.com/office/officeart/2005/8/layout/chart3" loCatId="cycle" qsTypeId="urn:microsoft.com/office/officeart/2005/8/quickstyle/simple1" qsCatId="simple" csTypeId="urn:microsoft.com/office/officeart/2005/8/colors/accent1_2" csCatId="accent1" phldr="1"/>
+      <dgm:spPr/>
+    </dgm:pt>
+    <dgm:pt modelId="{90E678A8-4847-4B51-A2AF-7E4F77EF1C74}">
+      <dgm:prSet phldrT="[Text]"/>
+      <dgm:spPr/>
+      <dgm:t>
+        <a:bodyPr/>
+        <a:lstStyle/>
+        <a:p>
+          <a:r>
+            <a:rPr lang="de-DE" dirty="0"/>
+            <a:t>eigene Fragen</a:t>
+          </a:r>
+        </a:p>
+      </dgm:t>
+    </dgm:pt>
+    <dgm:pt modelId="{21A0E59A-8C0B-4291-931F-FCD23441F79D}" type="parTrans" cxnId="{86AD799B-89E1-48EB-9C3A-71F8AEBD1526}">
+      <dgm:prSet/>
+      <dgm:spPr/>
+      <dgm:t>
+        <a:bodyPr/>
+        <a:lstStyle/>
+        <a:p>
+          <a:endParaRPr lang="de-DE"/>
+        </a:p>
+      </dgm:t>
+    </dgm:pt>
+    <dgm:pt modelId="{856C5A85-E34F-4526-A55C-438F7EC77A0A}" type="sibTrans" cxnId="{86AD799B-89E1-48EB-9C3A-71F8AEBD1526}">
+      <dgm:prSet/>
+      <dgm:spPr/>
+      <dgm:t>
+        <a:bodyPr/>
+        <a:lstStyle/>
+        <a:p>
+          <a:endParaRPr lang="de-DE"/>
+        </a:p>
+      </dgm:t>
+    </dgm:pt>
+    <dgm:pt modelId="{7BF52609-2B38-4388-8F48-0E29D9F76884}">
+      <dgm:prSet phldrT="[Text]"/>
+      <dgm:spPr/>
+      <dgm:t>
+        <a:bodyPr/>
+        <a:lstStyle/>
+        <a:p>
+          <a:r>
+            <a:rPr lang="de-DE" dirty="0"/>
+            <a:t>Gespräch</a:t>
+          </a:r>
+        </a:p>
+      </dgm:t>
+    </dgm:pt>
+    <dgm:pt modelId="{8B790148-FDB2-4D43-9770-44E7CA92CB16}" type="parTrans" cxnId="{231B6959-6DDD-4068-9CE0-1DBA6B231F5B}">
+      <dgm:prSet/>
+      <dgm:spPr/>
+      <dgm:t>
+        <a:bodyPr/>
+        <a:lstStyle/>
+        <a:p>
+          <a:endParaRPr lang="de-DE"/>
+        </a:p>
+      </dgm:t>
+    </dgm:pt>
+    <dgm:pt modelId="{F3E99AD2-E711-4543-8D0B-E73C44DB0891}" type="sibTrans" cxnId="{231B6959-6DDD-4068-9CE0-1DBA6B231F5B}">
+      <dgm:prSet/>
+      <dgm:spPr/>
+      <dgm:t>
+        <a:bodyPr/>
+        <a:lstStyle/>
+        <a:p>
+          <a:endParaRPr lang="de-DE"/>
+        </a:p>
+      </dgm:t>
+    </dgm:pt>
+    <dgm:pt modelId="{42593D0B-C21F-4B12-A1A3-261373C25C9E}">
+      <dgm:prSet phldrT="[Text]"/>
+      <dgm:spPr/>
+      <dgm:t>
+        <a:bodyPr/>
+        <a:lstStyle/>
+        <a:p>
+          <a:r>
+            <a:rPr lang="de-DE"/>
+            <a:t>SUS</a:t>
+          </a:r>
+          <a:endParaRPr lang="de-DE" dirty="0"/>
+        </a:p>
+      </dgm:t>
+    </dgm:pt>
+    <dgm:pt modelId="{329B0F1C-B24E-4218-8B22-900E6275E6CD}" type="parTrans" cxnId="{9A4BE26E-8E01-46EE-B29C-B4B96B3BE719}">
+      <dgm:prSet/>
+      <dgm:spPr/>
+      <dgm:t>
+        <a:bodyPr/>
+        <a:lstStyle/>
+        <a:p>
+          <a:endParaRPr lang="de-DE"/>
+        </a:p>
+      </dgm:t>
+    </dgm:pt>
+    <dgm:pt modelId="{D6BD53C6-E1DB-495D-BB75-50C1E4386A70}" type="sibTrans" cxnId="{9A4BE26E-8E01-46EE-B29C-B4B96B3BE719}">
+      <dgm:prSet/>
+      <dgm:spPr/>
+      <dgm:t>
+        <a:bodyPr/>
+        <a:lstStyle/>
+        <a:p>
+          <a:endParaRPr lang="de-DE"/>
+        </a:p>
+      </dgm:t>
+    </dgm:pt>
+    <dgm:pt modelId="{D90F17E3-F0A6-420D-9AA8-5324E65DF908}" type="pres">
+      <dgm:prSet presAssocID="{1F0E7F6F-445D-45BB-96BB-EA3F8472A33D}" presName="compositeShape" presStyleCnt="0">
+        <dgm:presLayoutVars>
+          <dgm:chMax val="7"/>
+          <dgm:dir/>
+          <dgm:resizeHandles val="exact"/>
+        </dgm:presLayoutVars>
+      </dgm:prSet>
+      <dgm:spPr/>
+    </dgm:pt>
+    <dgm:pt modelId="{0D7612AD-D431-40BC-9D3C-DBE69AEB85D9}" type="pres">
+      <dgm:prSet presAssocID="{1F0E7F6F-445D-45BB-96BB-EA3F8472A33D}" presName="wedge1" presStyleLbl="node1" presStyleIdx="0" presStyleCnt="3" custLinFactNeighborX="-5261" custLinFactNeighborY="3093"/>
+      <dgm:spPr/>
+    </dgm:pt>
+    <dgm:pt modelId="{12839283-A646-447A-8CCF-13144B7FBC17}" type="pres">
+      <dgm:prSet presAssocID="{1F0E7F6F-445D-45BB-96BB-EA3F8472A33D}" presName="wedge1Tx" presStyleLbl="node1" presStyleIdx="0" presStyleCnt="3">
+        <dgm:presLayoutVars>
+          <dgm:chMax val="0"/>
+          <dgm:chPref val="0"/>
+          <dgm:bulletEnabled val="1"/>
+        </dgm:presLayoutVars>
+      </dgm:prSet>
+      <dgm:spPr/>
+    </dgm:pt>
+    <dgm:pt modelId="{E1489697-3C7B-4D39-B7EF-6ED9AFDE6713}" type="pres">
+      <dgm:prSet presAssocID="{1F0E7F6F-445D-45BB-96BB-EA3F8472A33D}" presName="wedge2" presStyleLbl="node1" presStyleIdx="1" presStyleCnt="3"/>
+      <dgm:spPr/>
+    </dgm:pt>
+    <dgm:pt modelId="{DDF426E1-95D0-4479-A5AA-1F86A35BF4D7}" type="pres">
+      <dgm:prSet presAssocID="{1F0E7F6F-445D-45BB-96BB-EA3F8472A33D}" presName="wedge2Tx" presStyleLbl="node1" presStyleIdx="1" presStyleCnt="3">
+        <dgm:presLayoutVars>
+          <dgm:chMax val="0"/>
+          <dgm:chPref val="0"/>
+          <dgm:bulletEnabled val="1"/>
+        </dgm:presLayoutVars>
+      </dgm:prSet>
+      <dgm:spPr/>
+    </dgm:pt>
+    <dgm:pt modelId="{0A29A75D-50B5-43F2-8052-335D00D2D313}" type="pres">
+      <dgm:prSet presAssocID="{1F0E7F6F-445D-45BB-96BB-EA3F8472A33D}" presName="wedge3" presStyleLbl="node1" presStyleIdx="2" presStyleCnt="3"/>
+      <dgm:spPr/>
+    </dgm:pt>
+    <dgm:pt modelId="{9B8410FC-798B-40C8-ADAB-2614F513D04C}" type="pres">
+      <dgm:prSet presAssocID="{1F0E7F6F-445D-45BB-96BB-EA3F8472A33D}" presName="wedge3Tx" presStyleLbl="node1" presStyleIdx="2" presStyleCnt="3">
+        <dgm:presLayoutVars>
+          <dgm:chMax val="0"/>
+          <dgm:chPref val="0"/>
+          <dgm:bulletEnabled val="1"/>
+        </dgm:presLayoutVars>
+      </dgm:prSet>
+      <dgm:spPr/>
+    </dgm:pt>
+  </dgm:ptLst>
+  <dgm:cxnLst>
+    <dgm:cxn modelId="{ACE26709-4E89-4434-9987-0DF7165F181E}" type="presOf" srcId="{1F0E7F6F-445D-45BB-96BB-EA3F8472A33D}" destId="{D90F17E3-F0A6-420D-9AA8-5324E65DF908}" srcOrd="0" destOrd="0" presId="urn:microsoft.com/office/officeart/2005/8/layout/chart3"/>
+    <dgm:cxn modelId="{B80A4048-A239-42F0-9365-0851EFB54A58}" type="presOf" srcId="{42593D0B-C21F-4B12-A1A3-261373C25C9E}" destId="{0A29A75D-50B5-43F2-8052-335D00D2D313}" srcOrd="0" destOrd="0" presId="urn:microsoft.com/office/officeart/2005/8/layout/chart3"/>
+    <dgm:cxn modelId="{3398736B-1944-49B1-8048-85DF4AF48549}" type="presOf" srcId="{42593D0B-C21F-4B12-A1A3-261373C25C9E}" destId="{9B8410FC-798B-40C8-ADAB-2614F513D04C}" srcOrd="1" destOrd="0" presId="urn:microsoft.com/office/officeart/2005/8/layout/chart3"/>
+    <dgm:cxn modelId="{9A4BE26E-8E01-46EE-B29C-B4B96B3BE719}" srcId="{1F0E7F6F-445D-45BB-96BB-EA3F8472A33D}" destId="{42593D0B-C21F-4B12-A1A3-261373C25C9E}" srcOrd="2" destOrd="0" parTransId="{329B0F1C-B24E-4218-8B22-900E6275E6CD}" sibTransId="{D6BD53C6-E1DB-495D-BB75-50C1E4386A70}"/>
+    <dgm:cxn modelId="{231B6959-6DDD-4068-9CE0-1DBA6B231F5B}" srcId="{1F0E7F6F-445D-45BB-96BB-EA3F8472A33D}" destId="{7BF52609-2B38-4388-8F48-0E29D9F76884}" srcOrd="1" destOrd="0" parTransId="{8B790148-FDB2-4D43-9770-44E7CA92CB16}" sibTransId="{F3E99AD2-E711-4543-8D0B-E73C44DB0891}"/>
+    <dgm:cxn modelId="{DBD5897B-3217-43E1-8E0B-C8E5105ECC7D}" type="presOf" srcId="{90E678A8-4847-4B51-A2AF-7E4F77EF1C74}" destId="{12839283-A646-447A-8CCF-13144B7FBC17}" srcOrd="1" destOrd="0" presId="urn:microsoft.com/office/officeart/2005/8/layout/chart3"/>
+    <dgm:cxn modelId="{9ED1B17D-8998-44BD-875A-871F3B405E62}" type="presOf" srcId="{7BF52609-2B38-4388-8F48-0E29D9F76884}" destId="{E1489697-3C7B-4D39-B7EF-6ED9AFDE6713}" srcOrd="0" destOrd="0" presId="urn:microsoft.com/office/officeart/2005/8/layout/chart3"/>
+    <dgm:cxn modelId="{86AD799B-89E1-48EB-9C3A-71F8AEBD1526}" srcId="{1F0E7F6F-445D-45BB-96BB-EA3F8472A33D}" destId="{90E678A8-4847-4B51-A2AF-7E4F77EF1C74}" srcOrd="0" destOrd="0" parTransId="{21A0E59A-8C0B-4291-931F-FCD23441F79D}" sibTransId="{856C5A85-E34F-4526-A55C-438F7EC77A0A}"/>
+    <dgm:cxn modelId="{645A46AE-A60A-4C3E-BD67-D4982BD536D8}" type="presOf" srcId="{90E678A8-4847-4B51-A2AF-7E4F77EF1C74}" destId="{0D7612AD-D431-40BC-9D3C-DBE69AEB85D9}" srcOrd="0" destOrd="0" presId="urn:microsoft.com/office/officeart/2005/8/layout/chart3"/>
+    <dgm:cxn modelId="{A7DD96F5-DB15-45A4-B1DA-1E121401E527}" type="presOf" srcId="{7BF52609-2B38-4388-8F48-0E29D9F76884}" destId="{DDF426E1-95D0-4479-A5AA-1F86A35BF4D7}" srcOrd="1" destOrd="0" presId="urn:microsoft.com/office/officeart/2005/8/layout/chart3"/>
+    <dgm:cxn modelId="{05BAD264-B386-4F05-A8AF-1FA521FDA450}" type="presParOf" srcId="{D90F17E3-F0A6-420D-9AA8-5324E65DF908}" destId="{0D7612AD-D431-40BC-9D3C-DBE69AEB85D9}" srcOrd="0" destOrd="0" presId="urn:microsoft.com/office/officeart/2005/8/layout/chart3"/>
+    <dgm:cxn modelId="{3AB31009-81BF-4CC1-9432-A5954738EE6B}" type="presParOf" srcId="{D90F17E3-F0A6-420D-9AA8-5324E65DF908}" destId="{12839283-A646-447A-8CCF-13144B7FBC17}" srcOrd="1" destOrd="0" presId="urn:microsoft.com/office/officeart/2005/8/layout/chart3"/>
+    <dgm:cxn modelId="{CF46D801-DD58-49D5-9DCA-EA41C181F980}" type="presParOf" srcId="{D90F17E3-F0A6-420D-9AA8-5324E65DF908}" destId="{E1489697-3C7B-4D39-B7EF-6ED9AFDE6713}" srcOrd="2" destOrd="0" presId="urn:microsoft.com/office/officeart/2005/8/layout/chart3"/>
+    <dgm:cxn modelId="{E37B6E4D-AA8C-45D8-91B3-A6D099FA455B}" type="presParOf" srcId="{D90F17E3-F0A6-420D-9AA8-5324E65DF908}" destId="{DDF426E1-95D0-4479-A5AA-1F86A35BF4D7}" srcOrd="3" destOrd="0" presId="urn:microsoft.com/office/officeart/2005/8/layout/chart3"/>
+    <dgm:cxn modelId="{758F6BDD-3F25-4FFA-BB01-9460E7EC60E4}" type="presParOf" srcId="{D90F17E3-F0A6-420D-9AA8-5324E65DF908}" destId="{0A29A75D-50B5-43F2-8052-335D00D2D313}" srcOrd="4" destOrd="0" presId="urn:microsoft.com/office/officeart/2005/8/layout/chart3"/>
+    <dgm:cxn modelId="{F94FE7E3-74AE-40AE-9BDA-A516EF423463}" type="presParOf" srcId="{D90F17E3-F0A6-420D-9AA8-5324E65DF908}" destId="{9B8410FC-798B-40C8-ADAB-2614F513D04C}" srcOrd="5" destOrd="0" presId="urn:microsoft.com/office/officeart/2005/8/layout/chart3"/>
+  </dgm:cxnLst>
+  <dgm:bg/>
+  <dgm:whole/>
+  <dgm:extLst>
+    <a:ext uri="http://schemas.microsoft.com/office/drawing/2008/diagram">
+      <dsp:dataModelExt xmlns:dsp="http://schemas.microsoft.com/office/drawing/2008/diagram" relId="rId11" minVer="http://schemas.openxmlformats.org/drawingml/2006/diagram"/>
     </a:ext>
   </dgm:extLst>
 </dgm:dataModel>
@@ -7713,6 +9624,592 @@
 </dsp:drawing>
 </file>
 
+<file path=ppt/diagrams/drawing6.xml><?xml version="1.0" encoding="utf-8"?>
+<dsp:drawing xmlns:dgm="http://schemas.openxmlformats.org/drawingml/2006/diagram" xmlns:dsp="http://schemas.microsoft.com/office/drawing/2008/diagram" xmlns:a="http://schemas.openxmlformats.org/drawingml/2006/main">
+  <dsp:spTree>
+    <dsp:nvGrpSpPr>
+      <dsp:cNvPr id="0" name=""/>
+      <dsp:cNvGrpSpPr/>
+    </dsp:nvGrpSpPr>
+    <dsp:grpSpPr/>
+    <dsp:sp modelId="{B93A7241-D74C-46B6-A1CF-021E81C1CE95}">
+      <dsp:nvSpPr>
+        <dsp:cNvPr id="0" name=""/>
+        <dsp:cNvSpPr/>
+      </dsp:nvSpPr>
+      <dsp:spPr>
+        <a:xfrm>
+          <a:off x="6301" y="845903"/>
+          <a:ext cx="3232866" cy="1293146"/>
+        </a:xfrm>
+        <a:prstGeom prst="chevron">
+          <a:avLst/>
+        </a:prstGeom>
+        <a:solidFill>
+          <a:schemeClr val="accent1">
+            <a:hueOff val="0"/>
+            <a:satOff val="0"/>
+            <a:lumOff val="0"/>
+            <a:alphaOff val="0"/>
+          </a:schemeClr>
+        </a:solidFill>
+        <a:ln w="12700" cap="flat" cmpd="sng" algn="ctr">
+          <a:solidFill>
+            <a:schemeClr val="lt1">
+              <a:hueOff val="0"/>
+              <a:satOff val="0"/>
+              <a:lumOff val="0"/>
+              <a:alphaOff val="0"/>
+            </a:schemeClr>
+          </a:solidFill>
+          <a:prstDash val="solid"/>
+          <a:miter lim="800000"/>
+        </a:ln>
+        <a:effectLst/>
+      </dsp:spPr>
+      <dsp:style>
+        <a:lnRef idx="2">
+          <a:scrgbClr r="0" g="0" b="0"/>
+        </a:lnRef>
+        <a:fillRef idx="1">
+          <a:scrgbClr r="0" g="0" b="0"/>
+        </a:fillRef>
+        <a:effectRef idx="0">
+          <a:scrgbClr r="0" g="0" b="0"/>
+        </a:effectRef>
+        <a:fontRef idx="minor">
+          <a:schemeClr val="lt1"/>
+        </a:fontRef>
+      </dsp:style>
+      <dsp:txBody>
+        <a:bodyPr spcFirstLastPara="0" vert="horz" wrap="square" lIns="33020" tIns="16510" rIns="0" bIns="16510" numCol="1" spcCol="1270" anchor="ctr" anchorCtr="0">
+          <a:noAutofit/>
+        </a:bodyPr>
+        <a:lstStyle/>
+        <a:p>
+          <a:pPr marL="0" lvl="0" indent="0" algn="ctr" defTabSz="1155700">
+            <a:lnSpc>
+              <a:spcPct val="90000"/>
+            </a:lnSpc>
+            <a:spcBef>
+              <a:spcPct val="0"/>
+            </a:spcBef>
+            <a:spcAft>
+              <a:spcPct val="35000"/>
+            </a:spcAft>
+            <a:buNone/>
+          </a:pPr>
+          <a:r>
+            <a:rPr lang="de-DE" sz="2600" kern="1200" dirty="0"/>
+            <a:t>Hypothesen</a:t>
+          </a:r>
+        </a:p>
+      </dsp:txBody>
+      <dsp:txXfrm>
+        <a:off x="652874" y="845903"/>
+        <a:ext cx="1939720" cy="1293146"/>
+      </dsp:txXfrm>
+    </dsp:sp>
+    <dsp:sp modelId="{1107599F-9E43-42B1-A089-A9393A1BBEFA}">
+      <dsp:nvSpPr>
+        <dsp:cNvPr id="0" name=""/>
+        <dsp:cNvSpPr/>
+      </dsp:nvSpPr>
+      <dsp:spPr>
+        <a:xfrm>
+          <a:off x="2818895" y="955821"/>
+          <a:ext cx="2683278" cy="1073311"/>
+        </a:xfrm>
+        <a:prstGeom prst="chevron">
+          <a:avLst/>
+        </a:prstGeom>
+        <a:solidFill>
+          <a:schemeClr val="accent1">
+            <a:alpha val="90000"/>
+            <a:tint val="40000"/>
+            <a:hueOff val="0"/>
+            <a:satOff val="0"/>
+            <a:lumOff val="0"/>
+            <a:alphaOff val="0"/>
+          </a:schemeClr>
+        </a:solidFill>
+        <a:ln w="12700" cap="flat" cmpd="sng" algn="ctr">
+          <a:solidFill>
+            <a:schemeClr val="accent1">
+              <a:alpha val="90000"/>
+              <a:tint val="40000"/>
+              <a:hueOff val="0"/>
+              <a:satOff val="0"/>
+              <a:lumOff val="0"/>
+              <a:alphaOff val="0"/>
+            </a:schemeClr>
+          </a:solidFill>
+          <a:prstDash val="solid"/>
+          <a:miter lim="800000"/>
+        </a:ln>
+        <a:effectLst/>
+      </dsp:spPr>
+      <dsp:style>
+        <a:lnRef idx="2">
+          <a:scrgbClr r="0" g="0" b="0"/>
+        </a:lnRef>
+        <a:fillRef idx="1">
+          <a:scrgbClr r="0" g="0" b="0"/>
+        </a:fillRef>
+        <a:effectRef idx="0">
+          <a:scrgbClr r="0" g="0" b="0"/>
+        </a:effectRef>
+        <a:fontRef idx="minor"/>
+      </dsp:style>
+      <dsp:txBody>
+        <a:bodyPr spcFirstLastPara="0" vert="horz" wrap="square" lIns="20320" tIns="10160" rIns="0" bIns="10160" numCol="1" spcCol="1270" anchor="ctr" anchorCtr="0">
+          <a:noAutofit/>
+        </a:bodyPr>
+        <a:lstStyle/>
+        <a:p>
+          <a:pPr marL="0" lvl="0" indent="0" algn="ctr" defTabSz="711200">
+            <a:lnSpc>
+              <a:spcPct val="90000"/>
+            </a:lnSpc>
+            <a:spcBef>
+              <a:spcPct val="0"/>
+            </a:spcBef>
+            <a:spcAft>
+              <a:spcPct val="35000"/>
+            </a:spcAft>
+            <a:buNone/>
+          </a:pPr>
+          <a:r>
+            <a:rPr lang="de-DE" sz="1600" kern="1200"/>
+            <a:t>Nutzung ist selbsterklärend</a:t>
+          </a:r>
+        </a:p>
+      </dsp:txBody>
+      <dsp:txXfrm>
+        <a:off x="3355551" y="955821"/>
+        <a:ext cx="1609967" cy="1073311"/>
+      </dsp:txXfrm>
+    </dsp:sp>
+    <dsp:sp modelId="{B41C0435-9F75-4905-B680-1E44DB9C2A49}">
+      <dsp:nvSpPr>
+        <dsp:cNvPr id="0" name=""/>
+        <dsp:cNvSpPr/>
+      </dsp:nvSpPr>
+      <dsp:spPr>
+        <a:xfrm>
+          <a:off x="5126514" y="955821"/>
+          <a:ext cx="2683278" cy="1073311"/>
+        </a:xfrm>
+        <a:prstGeom prst="chevron">
+          <a:avLst/>
+        </a:prstGeom>
+        <a:solidFill>
+          <a:schemeClr val="accent1">
+            <a:alpha val="90000"/>
+            <a:tint val="40000"/>
+            <a:hueOff val="0"/>
+            <a:satOff val="0"/>
+            <a:lumOff val="0"/>
+            <a:alphaOff val="0"/>
+          </a:schemeClr>
+        </a:solidFill>
+        <a:ln w="12700" cap="flat" cmpd="sng" algn="ctr">
+          <a:solidFill>
+            <a:schemeClr val="accent1">
+              <a:alpha val="90000"/>
+              <a:tint val="40000"/>
+              <a:hueOff val="0"/>
+              <a:satOff val="0"/>
+              <a:lumOff val="0"/>
+              <a:alphaOff val="0"/>
+            </a:schemeClr>
+          </a:solidFill>
+          <a:prstDash val="solid"/>
+          <a:miter lim="800000"/>
+        </a:ln>
+        <a:effectLst/>
+      </dsp:spPr>
+      <dsp:style>
+        <a:lnRef idx="2">
+          <a:scrgbClr r="0" g="0" b="0"/>
+        </a:lnRef>
+        <a:fillRef idx="1">
+          <a:scrgbClr r="0" g="0" b="0"/>
+        </a:fillRef>
+        <a:effectRef idx="0">
+          <a:scrgbClr r="0" g="0" b="0"/>
+        </a:effectRef>
+        <a:fontRef idx="minor"/>
+      </dsp:style>
+      <dsp:txBody>
+        <a:bodyPr spcFirstLastPara="0" vert="horz" wrap="square" lIns="20320" tIns="10160" rIns="0" bIns="10160" numCol="1" spcCol="1270" anchor="ctr" anchorCtr="0">
+          <a:noAutofit/>
+        </a:bodyPr>
+        <a:lstStyle/>
+        <a:p>
+          <a:pPr marL="0" lvl="0" indent="0" algn="ctr" defTabSz="711200">
+            <a:lnSpc>
+              <a:spcPct val="90000"/>
+            </a:lnSpc>
+            <a:spcBef>
+              <a:spcPct val="0"/>
+            </a:spcBef>
+            <a:spcAft>
+              <a:spcPct val="35000"/>
+            </a:spcAft>
+            <a:buNone/>
+          </a:pPr>
+          <a:r>
+            <a:rPr lang="de-DE" sz="1600" kern="1200" dirty="0"/>
+            <a:t>Gefühl von Natürlichkeit</a:t>
+          </a:r>
+        </a:p>
+      </dsp:txBody>
+      <dsp:txXfrm>
+        <a:off x="5663170" y="955821"/>
+        <a:ext cx="1609967" cy="1073311"/>
+      </dsp:txXfrm>
+    </dsp:sp>
+    <dsp:sp modelId="{E64522DB-4E3E-431D-9187-EFE621B066BB}">
+      <dsp:nvSpPr>
+        <dsp:cNvPr id="0" name=""/>
+        <dsp:cNvSpPr/>
+      </dsp:nvSpPr>
+      <dsp:spPr>
+        <a:xfrm>
+          <a:off x="7434134" y="955821"/>
+          <a:ext cx="2683278" cy="1073311"/>
+        </a:xfrm>
+        <a:prstGeom prst="chevron">
+          <a:avLst/>
+        </a:prstGeom>
+        <a:solidFill>
+          <a:schemeClr val="accent1">
+            <a:alpha val="90000"/>
+            <a:tint val="40000"/>
+            <a:hueOff val="0"/>
+            <a:satOff val="0"/>
+            <a:lumOff val="0"/>
+            <a:alphaOff val="0"/>
+          </a:schemeClr>
+        </a:solidFill>
+        <a:ln w="12700" cap="flat" cmpd="sng" algn="ctr">
+          <a:solidFill>
+            <a:schemeClr val="accent1">
+              <a:alpha val="90000"/>
+              <a:tint val="40000"/>
+              <a:hueOff val="0"/>
+              <a:satOff val="0"/>
+              <a:lumOff val="0"/>
+              <a:alphaOff val="0"/>
+            </a:schemeClr>
+          </a:solidFill>
+          <a:prstDash val="solid"/>
+          <a:miter lim="800000"/>
+        </a:ln>
+        <a:effectLst/>
+      </dsp:spPr>
+      <dsp:style>
+        <a:lnRef idx="2">
+          <a:scrgbClr r="0" g="0" b="0"/>
+        </a:lnRef>
+        <a:fillRef idx="1">
+          <a:scrgbClr r="0" g="0" b="0"/>
+        </a:fillRef>
+        <a:effectRef idx="0">
+          <a:scrgbClr r="0" g="0" b="0"/>
+        </a:effectRef>
+        <a:fontRef idx="minor"/>
+      </dsp:style>
+      <dsp:txBody>
+        <a:bodyPr spcFirstLastPara="0" vert="horz" wrap="square" lIns="20320" tIns="10160" rIns="0" bIns="10160" numCol="1" spcCol="1270" anchor="ctr" anchorCtr="0">
+          <a:noAutofit/>
+        </a:bodyPr>
+        <a:lstStyle/>
+        <a:p>
+          <a:pPr marL="0" lvl="0" indent="0" algn="ctr" defTabSz="711200">
+            <a:lnSpc>
+              <a:spcPct val="90000"/>
+            </a:lnSpc>
+            <a:spcBef>
+              <a:spcPct val="0"/>
+            </a:spcBef>
+            <a:spcAft>
+              <a:spcPct val="35000"/>
+            </a:spcAft>
+            <a:buNone/>
+          </a:pPr>
+          <a:r>
+            <a:rPr lang="de-DE" sz="1600" kern="1200"/>
+            <a:t>Datenschutz erhöht Bereitschaft zur Nutzung</a:t>
+          </a:r>
+        </a:p>
+      </dsp:txBody>
+      <dsp:txXfrm>
+        <a:off x="7970790" y="955821"/>
+        <a:ext cx="1609967" cy="1073311"/>
+      </dsp:txXfrm>
+    </dsp:sp>
+  </dsp:spTree>
+</dsp:drawing>
+</file>
+
+<file path=ppt/diagrams/drawing7.xml><?xml version="1.0" encoding="utf-8"?>
+<dsp:drawing xmlns:dgm="http://schemas.openxmlformats.org/drawingml/2006/diagram" xmlns:dsp="http://schemas.microsoft.com/office/drawing/2008/diagram" xmlns:a="http://schemas.openxmlformats.org/drawingml/2006/main">
+  <dsp:spTree>
+    <dsp:nvGrpSpPr>
+      <dsp:cNvPr id="0" name=""/>
+      <dsp:cNvGrpSpPr/>
+    </dsp:nvGrpSpPr>
+    <dsp:grpSpPr/>
+    <dsp:sp modelId="{0D7612AD-D431-40BC-9D3C-DBE69AEB85D9}">
+      <dsp:nvSpPr>
+        <dsp:cNvPr id="0" name=""/>
+        <dsp:cNvSpPr/>
+      </dsp:nvSpPr>
+      <dsp:spPr>
+        <a:xfrm>
+          <a:off x="1360629" y="385560"/>
+          <a:ext cx="3464559" cy="3464559"/>
+        </a:xfrm>
+        <a:prstGeom prst="pie">
+          <a:avLst>
+            <a:gd name="adj1" fmla="val 16200000"/>
+            <a:gd name="adj2" fmla="val 1800000"/>
+          </a:avLst>
+        </a:prstGeom>
+        <a:solidFill>
+          <a:schemeClr val="accent1">
+            <a:hueOff val="0"/>
+            <a:satOff val="0"/>
+            <a:lumOff val="0"/>
+            <a:alphaOff val="0"/>
+          </a:schemeClr>
+        </a:solidFill>
+        <a:ln w="12700" cap="flat" cmpd="sng" algn="ctr">
+          <a:solidFill>
+            <a:schemeClr val="lt1">
+              <a:hueOff val="0"/>
+              <a:satOff val="0"/>
+              <a:lumOff val="0"/>
+              <a:alphaOff val="0"/>
+            </a:schemeClr>
+          </a:solidFill>
+          <a:prstDash val="solid"/>
+          <a:miter lim="800000"/>
+        </a:ln>
+        <a:effectLst/>
+      </dsp:spPr>
+      <dsp:style>
+        <a:lnRef idx="2">
+          <a:scrgbClr r="0" g="0" b="0"/>
+        </a:lnRef>
+        <a:fillRef idx="1">
+          <a:scrgbClr r="0" g="0" b="0"/>
+        </a:fillRef>
+        <a:effectRef idx="0">
+          <a:scrgbClr r="0" g="0" b="0"/>
+        </a:effectRef>
+        <a:fontRef idx="minor">
+          <a:schemeClr val="lt1"/>
+        </a:fontRef>
+      </dsp:style>
+      <dsp:txBody>
+        <a:bodyPr spcFirstLastPara="0" vert="horz" wrap="square" lIns="33020" tIns="33020" rIns="33020" bIns="33020" numCol="1" spcCol="1270" anchor="ctr" anchorCtr="0">
+          <a:noAutofit/>
+        </a:bodyPr>
+        <a:lstStyle/>
+        <a:p>
+          <a:pPr marL="0" lvl="0" indent="0" algn="ctr" defTabSz="1155700">
+            <a:lnSpc>
+              <a:spcPct val="90000"/>
+            </a:lnSpc>
+            <a:spcBef>
+              <a:spcPct val="0"/>
+            </a:spcBef>
+            <a:spcAft>
+              <a:spcPct val="35000"/>
+            </a:spcAft>
+            <a:buNone/>
+          </a:pPr>
+          <a:r>
+            <a:rPr lang="de-DE" sz="2600" kern="1200" dirty="0"/>
+            <a:t>eigene Fragen</a:t>
+          </a:r>
+        </a:p>
+      </dsp:txBody>
+      <dsp:txXfrm>
+        <a:off x="3244278" y="1024854"/>
+        <a:ext cx="1175475" cy="1154853"/>
+      </dsp:txXfrm>
+    </dsp:sp>
+    <dsp:sp modelId="{E1489697-3C7B-4D39-B7EF-6ED9AFDE6713}">
+      <dsp:nvSpPr>
+        <dsp:cNvPr id="0" name=""/>
+        <dsp:cNvSpPr/>
+      </dsp:nvSpPr>
+      <dsp:spPr>
+        <a:xfrm>
+          <a:off x="1364310" y="381514"/>
+          <a:ext cx="3464559" cy="3464559"/>
+        </a:xfrm>
+        <a:prstGeom prst="pie">
+          <a:avLst>
+            <a:gd name="adj1" fmla="val 1800000"/>
+            <a:gd name="adj2" fmla="val 9000000"/>
+          </a:avLst>
+        </a:prstGeom>
+        <a:solidFill>
+          <a:schemeClr val="accent1">
+            <a:hueOff val="0"/>
+            <a:satOff val="0"/>
+            <a:lumOff val="0"/>
+            <a:alphaOff val="0"/>
+          </a:schemeClr>
+        </a:solidFill>
+        <a:ln w="12700" cap="flat" cmpd="sng" algn="ctr">
+          <a:solidFill>
+            <a:schemeClr val="lt1">
+              <a:hueOff val="0"/>
+              <a:satOff val="0"/>
+              <a:lumOff val="0"/>
+              <a:alphaOff val="0"/>
+            </a:schemeClr>
+          </a:solidFill>
+          <a:prstDash val="solid"/>
+          <a:miter lim="800000"/>
+        </a:ln>
+        <a:effectLst/>
+      </dsp:spPr>
+      <dsp:style>
+        <a:lnRef idx="2">
+          <a:scrgbClr r="0" g="0" b="0"/>
+        </a:lnRef>
+        <a:fillRef idx="1">
+          <a:scrgbClr r="0" g="0" b="0"/>
+        </a:fillRef>
+        <a:effectRef idx="0">
+          <a:scrgbClr r="0" g="0" b="0"/>
+        </a:effectRef>
+        <a:fontRef idx="minor">
+          <a:schemeClr val="lt1"/>
+        </a:fontRef>
+      </dsp:style>
+      <dsp:txBody>
+        <a:bodyPr spcFirstLastPara="0" vert="horz" wrap="square" lIns="33020" tIns="33020" rIns="33020" bIns="33020" numCol="1" spcCol="1270" anchor="ctr" anchorCtr="0">
+          <a:noAutofit/>
+        </a:bodyPr>
+        <a:lstStyle/>
+        <a:p>
+          <a:pPr marL="0" lvl="0" indent="0" algn="ctr" defTabSz="1155700">
+            <a:lnSpc>
+              <a:spcPct val="90000"/>
+            </a:lnSpc>
+            <a:spcBef>
+              <a:spcPct val="0"/>
+            </a:spcBef>
+            <a:spcAft>
+              <a:spcPct val="35000"/>
+            </a:spcAft>
+            <a:buNone/>
+          </a:pPr>
+          <a:r>
+            <a:rPr lang="de-DE" sz="2600" kern="1200" dirty="0"/>
+            <a:t>Gespräch</a:t>
+          </a:r>
+        </a:p>
+      </dsp:txBody>
+      <dsp:txXfrm>
+        <a:off x="2312940" y="2567486"/>
+        <a:ext cx="1567300" cy="1072363"/>
+      </dsp:txXfrm>
+    </dsp:sp>
+    <dsp:sp modelId="{0A29A75D-50B5-43F2-8052-335D00D2D313}">
+      <dsp:nvSpPr>
+        <dsp:cNvPr id="0" name=""/>
+        <dsp:cNvSpPr/>
+      </dsp:nvSpPr>
+      <dsp:spPr>
+        <a:xfrm>
+          <a:off x="1364310" y="381514"/>
+          <a:ext cx="3464559" cy="3464559"/>
+        </a:xfrm>
+        <a:prstGeom prst="pie">
+          <a:avLst>
+            <a:gd name="adj1" fmla="val 9000000"/>
+            <a:gd name="adj2" fmla="val 16200000"/>
+          </a:avLst>
+        </a:prstGeom>
+        <a:solidFill>
+          <a:schemeClr val="accent1">
+            <a:hueOff val="0"/>
+            <a:satOff val="0"/>
+            <a:lumOff val="0"/>
+            <a:alphaOff val="0"/>
+          </a:schemeClr>
+        </a:solidFill>
+        <a:ln w="12700" cap="flat" cmpd="sng" algn="ctr">
+          <a:solidFill>
+            <a:schemeClr val="lt1">
+              <a:hueOff val="0"/>
+              <a:satOff val="0"/>
+              <a:lumOff val="0"/>
+              <a:alphaOff val="0"/>
+            </a:schemeClr>
+          </a:solidFill>
+          <a:prstDash val="solid"/>
+          <a:miter lim="800000"/>
+        </a:ln>
+        <a:effectLst/>
+      </dsp:spPr>
+      <dsp:style>
+        <a:lnRef idx="2">
+          <a:scrgbClr r="0" g="0" b="0"/>
+        </a:lnRef>
+        <a:fillRef idx="1">
+          <a:scrgbClr r="0" g="0" b="0"/>
+        </a:fillRef>
+        <a:effectRef idx="0">
+          <a:scrgbClr r="0" g="0" b="0"/>
+        </a:effectRef>
+        <a:fontRef idx="minor">
+          <a:schemeClr val="lt1"/>
+        </a:fontRef>
+      </dsp:style>
+      <dsp:txBody>
+        <a:bodyPr spcFirstLastPara="0" vert="horz" wrap="square" lIns="33020" tIns="33020" rIns="33020" bIns="33020" numCol="1" spcCol="1270" anchor="ctr" anchorCtr="0">
+          <a:noAutofit/>
+        </a:bodyPr>
+        <a:lstStyle/>
+        <a:p>
+          <a:pPr marL="0" lvl="0" indent="0" algn="ctr" defTabSz="1155700">
+            <a:lnSpc>
+              <a:spcPct val="90000"/>
+            </a:lnSpc>
+            <a:spcBef>
+              <a:spcPct val="0"/>
+            </a:spcBef>
+            <a:spcAft>
+              <a:spcPct val="35000"/>
+            </a:spcAft>
+            <a:buNone/>
+          </a:pPr>
+          <a:r>
+            <a:rPr lang="de-DE" sz="2600" kern="1200"/>
+            <a:t>SUS</a:t>
+          </a:r>
+          <a:endParaRPr lang="de-DE" sz="2600" kern="1200" dirty="0"/>
+        </a:p>
+      </dsp:txBody>
+      <dsp:txXfrm>
+        <a:off x="1735513" y="1062052"/>
+        <a:ext cx="1175475" cy="1154853"/>
+      </dsp:txXfrm>
+    </dsp:sp>
+  </dsp:spTree>
+</dsp:drawing>
+</file>
+
 <file path=ppt/diagrams/layout1.xml><?xml version="1.0" encoding="utf-8"?>
 <dgm:layoutDef xmlns:dgm="http://schemas.openxmlformats.org/drawingml/2006/diagram" xmlns:a="http://schemas.openxmlformats.org/drawingml/2006/main" uniqueId="urn:microsoft.com/office/officeart/2005/8/layout/default">
   <dgm:title val=""/>
@@ -8536,6 +11033,1592 @@
 </dgm:layoutDef>
 </file>
 
+<file path=ppt/diagrams/layout6.xml><?xml version="1.0" encoding="utf-8"?>
+<dgm:layoutDef xmlns:dgm="http://schemas.openxmlformats.org/drawingml/2006/diagram" xmlns:a="http://schemas.openxmlformats.org/drawingml/2006/main" uniqueId="urn:microsoft.com/office/officeart/2005/8/layout/lProcess3">
+  <dgm:title val=""/>
+  <dgm:desc val=""/>
+  <dgm:catLst>
+    <dgm:cat type="process" pri="11000"/>
+    <dgm:cat type="convert" pri="12000"/>
+  </dgm:catLst>
+  <dgm:sampData>
+    <dgm:dataModel>
+      <dgm:ptLst>
+        <dgm:pt modelId="0" type="doc"/>
+        <dgm:pt modelId="1">
+          <dgm:prSet phldr="1"/>
+        </dgm:pt>
+        <dgm:pt modelId="11">
+          <dgm:prSet phldr="1"/>
+        </dgm:pt>
+        <dgm:pt modelId="12">
+          <dgm:prSet phldr="1"/>
+        </dgm:pt>
+        <dgm:pt modelId="2">
+          <dgm:prSet phldr="1"/>
+        </dgm:pt>
+        <dgm:pt modelId="21">
+          <dgm:prSet phldr="1"/>
+        </dgm:pt>
+        <dgm:pt modelId="22">
+          <dgm:prSet phldr="1"/>
+        </dgm:pt>
+        <dgm:pt modelId="3">
+          <dgm:prSet phldr="1"/>
+        </dgm:pt>
+        <dgm:pt modelId="31">
+          <dgm:prSet phldr="1"/>
+        </dgm:pt>
+        <dgm:pt modelId="32">
+          <dgm:prSet phldr="1"/>
+        </dgm:pt>
+      </dgm:ptLst>
+      <dgm:cxnLst>
+        <dgm:cxn modelId="4" srcId="0" destId="1" srcOrd="0" destOrd="0"/>
+        <dgm:cxn modelId="5" srcId="0" destId="2" srcOrd="1" destOrd="0"/>
+        <dgm:cxn modelId="6" srcId="0" destId="3" srcOrd="2" destOrd="0"/>
+        <dgm:cxn modelId="41" srcId="1" destId="11" srcOrd="0" destOrd="0"/>
+        <dgm:cxn modelId="42" srcId="1" destId="12" srcOrd="1" destOrd="0"/>
+        <dgm:cxn modelId="51" srcId="2" destId="21" srcOrd="0" destOrd="0"/>
+        <dgm:cxn modelId="52" srcId="2" destId="22" srcOrd="1" destOrd="0"/>
+        <dgm:cxn modelId="61" srcId="3" destId="31" srcOrd="0" destOrd="0"/>
+        <dgm:cxn modelId="62" srcId="3" destId="32" srcOrd="1" destOrd="0"/>
+      </dgm:cxnLst>
+      <dgm:bg/>
+      <dgm:whole/>
+    </dgm:dataModel>
+  </dgm:sampData>
+  <dgm:styleData>
+    <dgm:dataModel>
+      <dgm:ptLst>
+        <dgm:pt modelId="0" type="doc"/>
+        <dgm:pt modelId="1"/>
+        <dgm:pt modelId="2"/>
+      </dgm:ptLst>
+      <dgm:cxnLst>
+        <dgm:cxn modelId="4" srcId="0" destId="1" srcOrd="0" destOrd="0"/>
+        <dgm:cxn modelId="5" srcId="1" destId="2" srcOrd="0" destOrd="0"/>
+      </dgm:cxnLst>
+      <dgm:bg/>
+      <dgm:whole/>
+    </dgm:dataModel>
+  </dgm:styleData>
+  <dgm:clrData>
+    <dgm:dataModel>
+      <dgm:ptLst>
+        <dgm:pt modelId="0" type="doc"/>
+        <dgm:pt modelId="1"/>
+        <dgm:pt modelId="11"/>
+        <dgm:pt modelId="2"/>
+        <dgm:pt modelId="21"/>
+        <dgm:pt modelId="3"/>
+        <dgm:pt modelId="31"/>
+        <dgm:pt modelId="4"/>
+        <dgm:pt modelId="41"/>
+      </dgm:ptLst>
+      <dgm:cxnLst>
+        <dgm:cxn modelId="5" srcId="0" destId="1" srcOrd="0" destOrd="0"/>
+        <dgm:cxn modelId="6" srcId="0" destId="2" srcOrd="1" destOrd="0"/>
+        <dgm:cxn modelId="7" srcId="0" destId="3" srcOrd="2" destOrd="0"/>
+        <dgm:cxn modelId="8" srcId="0" destId="4" srcOrd="3" destOrd="0"/>
+        <dgm:cxn modelId="51" srcId="1" destId="11" srcOrd="0" destOrd="0"/>
+        <dgm:cxn modelId="61" srcId="2" destId="21" srcOrd="0" destOrd="0"/>
+        <dgm:cxn modelId="71" srcId="3" destId="31" srcOrd="0" destOrd="0"/>
+        <dgm:cxn modelId="81" srcId="4" destId="41" srcOrd="0" destOrd="0"/>
+      </dgm:cxnLst>
+      <dgm:bg/>
+      <dgm:whole/>
+    </dgm:dataModel>
+  </dgm:clrData>
+  <dgm:layoutNode name="Name0">
+    <dgm:varLst>
+      <dgm:chPref val="3"/>
+      <dgm:dir/>
+      <dgm:animLvl val="lvl"/>
+      <dgm:resizeHandles/>
+    </dgm:varLst>
+    <dgm:choose name="Name1">
+      <dgm:if name="Name2" func="var" arg="dir" op="equ" val="norm">
+        <dgm:alg type="lin">
+          <dgm:param type="linDir" val="fromT"/>
+          <dgm:param type="vertAlign" val="mid"/>
+          <dgm:param type="nodeHorzAlign" val="l"/>
+          <dgm:param type="nodeVertAlign" val="t"/>
+          <dgm:param type="fallback" val="2D"/>
+        </dgm:alg>
+      </dgm:if>
+      <dgm:else name="Name3">
+        <dgm:alg type="lin">
+          <dgm:param type="linDir" val="fromT"/>
+          <dgm:param type="vertAlign" val="mid"/>
+          <dgm:param type="nodeHorzAlign" val="r"/>
+          <dgm:param type="nodeVertAlign" val="t"/>
+          <dgm:param type="fallback" val="2D"/>
+        </dgm:alg>
+      </dgm:else>
+    </dgm:choose>
+    <dgm:shape xmlns:r="http://schemas.openxmlformats.org/officeDocument/2006/relationships" r:blip="">
+      <dgm:adjLst/>
+    </dgm:shape>
+    <dgm:presOf/>
+    <dgm:constrLst>
+      <dgm:constr type="w" for="des" forName="bigChev" refType="w"/>
+      <dgm:constr type="h" for="des" forName="bigChev" refType="w" refFor="des" refForName="bigChev" op="equ" fact="0.4"/>
+      <dgm:constr type="w" for="des" forName="node" refType="w" refFor="des" refForName="bigChev" fact="0.83"/>
+      <dgm:constr type="h" for="des" forName="node" refType="w" refFor="des" refForName="node" op="equ" fact="0.4"/>
+      <dgm:constr type="w" for="des" forName="parTrans" refType="w" refFor="des" refForName="bigChev" op="equ" fact="-0.13"/>
+      <dgm:constr type="w" for="des" forName="sibTrans" refType="w" refFor="des" refForName="node" op="equ" fact="-0.14"/>
+      <dgm:constr type="h" for="ch" forName="vSp" refType="h" refFor="des" refForName="bigChev" op="equ" fact="0.14"/>
+      <dgm:constr type="primFontSz" for="des" forName="node" op="equ"/>
+      <dgm:constr type="primFontSz" for="des" forName="bigChev" op="equ"/>
+    </dgm:constrLst>
+    <dgm:ruleLst/>
+    <dgm:forEach name="Name4" axis="ch" ptType="node">
+      <dgm:layoutNode name="horFlow">
+        <dgm:choose name="Name5">
+          <dgm:if name="Name6" func="var" arg="dir" op="equ" val="norm">
+            <dgm:alg type="lin">
+              <dgm:param type="linDir" val="fromL"/>
+              <dgm:param type="nodeHorzAlign" val="l"/>
+              <dgm:param type="nodeVertAlign" val="mid"/>
+              <dgm:param type="fallback" val="2D"/>
+            </dgm:alg>
+          </dgm:if>
+          <dgm:else name="Name7">
+            <dgm:alg type="lin">
+              <dgm:param type="linDir" val="fromR"/>
+              <dgm:param type="nodeHorzAlign" val="r"/>
+              <dgm:param type="nodeVertAlign" val="mid"/>
+              <dgm:param type="fallback" val="2D"/>
+            </dgm:alg>
+          </dgm:else>
+        </dgm:choose>
+        <dgm:shape xmlns:r="http://schemas.openxmlformats.org/officeDocument/2006/relationships" r:blip="">
+          <dgm:adjLst/>
+        </dgm:shape>
+        <dgm:presOf/>
+        <dgm:constrLst/>
+        <dgm:ruleLst/>
+        <dgm:layoutNode name="bigChev" styleLbl="node1">
+          <dgm:alg type="tx"/>
+          <dgm:choose name="Name8">
+            <dgm:if name="Name9" func="var" arg="dir" op="equ" val="norm">
+              <dgm:shape xmlns:r="http://schemas.openxmlformats.org/officeDocument/2006/relationships" type="chevron" r:blip="">
+                <dgm:adjLst/>
+              </dgm:shape>
+              <dgm:presOf axis="self"/>
+              <dgm:constrLst>
+                <dgm:constr type="primFontSz" val="65"/>
+                <dgm:constr type="rMarg"/>
+                <dgm:constr type="lMarg" refType="primFontSz" fact="0.1"/>
+                <dgm:constr type="tMarg" refType="primFontSz" fact="0.05"/>
+                <dgm:constr type="bMarg" refType="primFontSz" fact="0.05"/>
+              </dgm:constrLst>
+            </dgm:if>
+            <dgm:else name="Name10">
+              <dgm:shape xmlns:r="http://schemas.openxmlformats.org/officeDocument/2006/relationships" rot="180" type="chevron" r:blip="">
+                <dgm:adjLst/>
+              </dgm:shape>
+              <dgm:presOf axis="self"/>
+              <dgm:constrLst>
+                <dgm:constr type="primFontSz" val="65"/>
+                <dgm:constr type="lMarg"/>
+                <dgm:constr type="rMarg" refType="primFontSz" fact="0.1"/>
+                <dgm:constr type="tMarg" refType="primFontSz" fact="0.05"/>
+                <dgm:constr type="bMarg" refType="primFontSz" fact="0.05"/>
+              </dgm:constrLst>
+            </dgm:else>
+          </dgm:choose>
+          <dgm:ruleLst>
+            <dgm:rule type="primFontSz" val="5" fact="NaN" max="NaN"/>
+          </dgm:ruleLst>
+        </dgm:layoutNode>
+        <dgm:forEach name="parTransForEach" axis="ch" ptType="parTrans" cnt="1">
+          <dgm:layoutNode name="parTrans">
+            <dgm:alg type="sp"/>
+            <dgm:shape xmlns:r="http://schemas.openxmlformats.org/officeDocument/2006/relationships" r:blip="">
+              <dgm:adjLst/>
+            </dgm:shape>
+            <dgm:presOf/>
+            <dgm:constrLst/>
+            <dgm:ruleLst/>
+          </dgm:layoutNode>
+        </dgm:forEach>
+        <dgm:forEach name="Name11" axis="ch" ptType="node">
+          <dgm:layoutNode name="node" styleLbl="alignAccFollowNode1">
+            <dgm:varLst>
+              <dgm:bulletEnabled val="1"/>
+            </dgm:varLst>
+            <dgm:alg type="tx"/>
+            <dgm:choose name="Name12">
+              <dgm:if name="Name13" func="var" arg="dir" op="equ" val="norm">
+                <dgm:shape xmlns:r="http://schemas.openxmlformats.org/officeDocument/2006/relationships" type="chevron" r:blip="">
+                  <dgm:adjLst/>
+                </dgm:shape>
+                <dgm:presOf axis="desOrSelf" ptType="node"/>
+                <dgm:constrLst>
+                  <dgm:constr type="primFontSz" val="65"/>
+                  <dgm:constr type="rMarg"/>
+                  <dgm:constr type="lMarg" refType="primFontSz" fact="0.1"/>
+                  <dgm:constr type="tMarg" refType="primFontSz" fact="0.05"/>
+                  <dgm:constr type="bMarg" refType="primFontSz" fact="0.05"/>
+                </dgm:constrLst>
+              </dgm:if>
+              <dgm:else name="Name14">
+                <dgm:shape xmlns:r="http://schemas.openxmlformats.org/officeDocument/2006/relationships" rot="180" type="chevron" r:blip="">
+                  <dgm:adjLst/>
+                </dgm:shape>
+                <dgm:presOf axis="desOrSelf" ptType="node"/>
+                <dgm:constrLst>
+                  <dgm:constr type="primFontSz" val="65"/>
+                  <dgm:constr type="lMarg"/>
+                  <dgm:constr type="rMarg" refType="primFontSz" fact="0.1"/>
+                  <dgm:constr type="tMarg" refType="primFontSz" fact="0.05"/>
+                  <dgm:constr type="bMarg" refType="primFontSz" fact="0.05"/>
+                </dgm:constrLst>
+              </dgm:else>
+            </dgm:choose>
+            <dgm:ruleLst>
+              <dgm:rule type="primFontSz" val="5" fact="NaN" max="NaN"/>
+            </dgm:ruleLst>
+          </dgm:layoutNode>
+          <dgm:forEach name="sibTransForEach" axis="followSib" ptType="sibTrans" cnt="1">
+            <dgm:layoutNode name="sibTrans">
+              <dgm:alg type="sp"/>
+              <dgm:shape xmlns:r="http://schemas.openxmlformats.org/officeDocument/2006/relationships" r:blip="">
+                <dgm:adjLst/>
+              </dgm:shape>
+              <dgm:presOf/>
+              <dgm:constrLst/>
+              <dgm:ruleLst/>
+            </dgm:layoutNode>
+          </dgm:forEach>
+        </dgm:forEach>
+      </dgm:layoutNode>
+      <dgm:choose name="Name15">
+        <dgm:if name="Name16" axis="self" ptType="node" func="revPos" op="gte" val="2">
+          <dgm:layoutNode name="vSp">
+            <dgm:alg type="sp"/>
+            <dgm:shape xmlns:r="http://schemas.openxmlformats.org/officeDocument/2006/relationships" r:blip="">
+              <dgm:adjLst/>
+            </dgm:shape>
+            <dgm:presOf/>
+            <dgm:constrLst/>
+            <dgm:ruleLst/>
+          </dgm:layoutNode>
+        </dgm:if>
+        <dgm:else name="Name17"/>
+      </dgm:choose>
+    </dgm:forEach>
+  </dgm:layoutNode>
+</dgm:layoutDef>
+</file>
+
+<file path=ppt/diagrams/layout7.xml><?xml version="1.0" encoding="utf-8"?>
+<dgm:layoutDef xmlns:dgm="http://schemas.openxmlformats.org/drawingml/2006/diagram" xmlns:a="http://schemas.openxmlformats.org/drawingml/2006/main" uniqueId="urn:microsoft.com/office/officeart/2005/8/layout/chart3">
+  <dgm:title val=""/>
+  <dgm:desc val=""/>
+  <dgm:catLst>
+    <dgm:cat type="relationship" pri="27000"/>
+    <dgm:cat type="cycle" pri="8000"/>
+  </dgm:catLst>
+  <dgm:sampData useDef="1">
+    <dgm:dataModel>
+      <dgm:ptLst/>
+      <dgm:bg/>
+      <dgm:whole/>
+    </dgm:dataModel>
+  </dgm:sampData>
+  <dgm:styleData useDef="1">
+    <dgm:dataModel>
+      <dgm:ptLst/>
+      <dgm:bg/>
+      <dgm:whole/>
+    </dgm:dataModel>
+  </dgm:styleData>
+  <dgm:clrData>
+    <dgm:dataModel>
+      <dgm:ptLst>
+        <dgm:pt modelId="0" type="doc"/>
+        <dgm:pt modelId="1"/>
+        <dgm:pt modelId="2"/>
+        <dgm:pt modelId="3"/>
+        <dgm:pt modelId="4"/>
+        <dgm:pt modelId="5"/>
+        <dgm:pt modelId="6"/>
+      </dgm:ptLst>
+      <dgm:cxnLst>
+        <dgm:cxn modelId="7" srcId="0" destId="1" srcOrd="0" destOrd="0"/>
+        <dgm:cxn modelId="8" srcId="0" destId="2" srcOrd="1" destOrd="0"/>
+        <dgm:cxn modelId="9" srcId="0" destId="3" srcOrd="2" destOrd="0"/>
+        <dgm:cxn modelId="10" srcId="0" destId="4" srcOrd="3" destOrd="0"/>
+        <dgm:cxn modelId="11" srcId="0" destId="5" srcOrd="4" destOrd="0"/>
+        <dgm:cxn modelId="12" srcId="0" destId="6" srcOrd="5" destOrd="0"/>
+      </dgm:cxnLst>
+      <dgm:bg/>
+      <dgm:whole/>
+    </dgm:dataModel>
+  </dgm:clrData>
+  <dgm:layoutNode name="compositeShape">
+    <dgm:varLst>
+      <dgm:chMax val="7"/>
+      <dgm:dir/>
+      <dgm:resizeHandles val="exact"/>
+    </dgm:varLst>
+    <dgm:alg type="composite">
+      <dgm:param type="horzAlign" val="ctr"/>
+      <dgm:param type="vertAlign" val="mid"/>
+      <dgm:param type="ar" val="1"/>
+    </dgm:alg>
+    <dgm:presOf/>
+    <dgm:shape xmlns:r="http://schemas.openxmlformats.org/officeDocument/2006/relationships" r:blip="">
+      <dgm:adjLst/>
+    </dgm:shape>
+    <dgm:choose name="Name0">
+      <dgm:if name="Name1" axis="ch" ptType="node" func="cnt" op="equ" val="1">
+        <dgm:constrLst>
+          <dgm:constr type="l" for="ch" forName="wedge1" refType="w" fact="0.08"/>
+          <dgm:constr type="t" for="ch" forName="wedge1" refType="w" fact="0.08"/>
+          <dgm:constr type="w" for="ch" forName="wedge1" refType="w" fact="0.84"/>
+          <dgm:constr type="h" for="ch" forName="wedge1" refType="h" fact="0.84"/>
+          <dgm:constr type="l" for="ch" forName="wedge1Tx" refType="w" fact="0.205"/>
+          <dgm:constr type="t" for="ch" forName="wedge1Tx" refType="h" fact="0.205"/>
+          <dgm:constr type="w" for="ch" forName="wedge1Tx" refType="w" fact="0.59"/>
+          <dgm:constr type="h" for="ch" forName="wedge1Tx" refType="h" fact="0.59"/>
+          <dgm:constr type="primFontSz" for="ch" ptType="node" op="equ"/>
+        </dgm:constrLst>
+      </dgm:if>
+      <dgm:if name="Name2" axis="ch" ptType="node" func="cnt" op="equ" val="2">
+        <dgm:constrLst>
+          <dgm:constr type="l" for="ch" forName="wedge1" refType="w" fact="0.1"/>
+          <dgm:constr type="t" for="ch" forName="wedge1" refType="w" fact="0.08"/>
+          <dgm:constr type="w" for="ch" forName="wedge1" refType="w" fact="0.84"/>
+          <dgm:constr type="h" for="ch" forName="wedge1" refType="h" fact="0.84"/>
+          <dgm:constr type="l" for="ch" forName="wedge1Tx" refType="w" fact="0.52"/>
+          <dgm:constr type="t" for="ch" forName="wedge1Tx" refType="h" fact="0.205"/>
+          <dgm:constr type="w" for="ch" forName="wedge1Tx" refType="w" fact="0.295"/>
+          <dgm:constr type="h" for="ch" forName="wedge1Tx" refType="h" fact="0.59"/>
+          <dgm:constr type="l" for="ch" forName="wedge2" refType="w" fact="0.08"/>
+          <dgm:constr type="t" for="ch" forName="wedge2" refType="w" fact="0.08"/>
+          <dgm:constr type="w" for="ch" forName="wedge2" refType="w" fact="0.84"/>
+          <dgm:constr type="h" for="ch" forName="wedge2" refType="h" fact="0.84"/>
+          <dgm:constr type="l" for="ch" forName="wedge2Tx" refType="w" fact="0.2"/>
+          <dgm:constr type="t" for="ch" forName="wedge2Tx" refType="h" fact="0.205"/>
+          <dgm:constr type="w" for="ch" forName="wedge2Tx" refType="w" fact="0.295"/>
+          <dgm:constr type="h" for="ch" forName="wedge2Tx" refType="h" fact="0.59"/>
+          <dgm:constr type="primFontSz" for="ch" ptType="node" op="equ"/>
+        </dgm:constrLst>
+      </dgm:if>
+      <dgm:if name="Name3" axis="ch" ptType="node" func="cnt" op="equ" val="3">
+        <dgm:choose name="Name4">
+          <dgm:if name="Name5" func="var" arg="dir" op="equ" val="norm">
+            <dgm:constrLst>
+              <dgm:constr type="l" for="ch" forName="wedge1" refType="w" fact="0.1233"/>
+              <dgm:constr type="t" for="ch" forName="wedge1" refType="w" fact="0.055"/>
+              <dgm:constr type="w" for="ch" forName="wedge1" refType="w" fact="0.84"/>
+              <dgm:constr type="h" for="ch" forName="wedge1" refType="h" fact="0.84"/>
+              <dgm:constr type="l" for="ch" forName="wedge1Tx" refType="w" fact="0.58"/>
+              <dgm:constr type="t" for="ch" forName="wedge1Tx" refType="h" fact="0.21"/>
+              <dgm:constr type="w" for="ch" forName="wedge1Tx" refType="w" fact="0.285"/>
+              <dgm:constr type="h" for="ch" forName="wedge1Tx" refType="h" fact="0.28"/>
+              <dgm:constr type="l" for="ch" forName="wedge2" refType="w" fact="0.08"/>
+              <dgm:constr type="t" for="ch" forName="wedge2" refType="w" fact="0.08"/>
+              <dgm:constr type="w" for="ch" forName="wedge2" refType="w" fact="0.84"/>
+              <dgm:constr type="h" for="ch" forName="wedge2" refType="h" fact="0.84"/>
+              <dgm:constr type="l" for="ch" forName="wedge2Tx" refType="w" fact="0.31"/>
+              <dgm:constr type="t" for="ch" forName="wedge2Tx" refType="h" fact="0.61"/>
+              <dgm:constr type="w" for="ch" forName="wedge2Tx" refType="w" fact="0.38"/>
+              <dgm:constr type="h" for="ch" forName="wedge2Tx" refType="h" fact="0.26"/>
+              <dgm:constr type="l" for="ch" forName="wedge3" refType="w" fact="0.08"/>
+              <dgm:constr type="t" for="ch" forName="wedge3" refType="w" fact="0.08"/>
+              <dgm:constr type="w" for="ch" forName="wedge3" refType="w" fact="0.84"/>
+              <dgm:constr type="h" for="ch" forName="wedge3" refType="h" fact="0.84"/>
+              <dgm:constr type="l" for="ch" forName="wedge3Tx" refType="w" fact="0.17"/>
+              <dgm:constr type="t" for="ch" forName="wedge3Tx" refType="h" fact="0.245"/>
+              <dgm:constr type="w" for="ch" forName="wedge3Tx" refType="w" fact="0.285"/>
+              <dgm:constr type="h" for="ch" forName="wedge3Tx" refType="h" fact="0.28"/>
+              <dgm:constr type="primFontSz" for="ch" ptType="node" op="equ"/>
+            </dgm:constrLst>
+          </dgm:if>
+          <dgm:else name="Name6">
+            <dgm:constrLst>
+              <dgm:constr type="l" for="ch" forName="wedge1" refType="w" fact="0.08"/>
+              <dgm:constr type="t" for="ch" forName="wedge1" refType="w" fact="0.08"/>
+              <dgm:constr type="w" for="ch" forName="wedge1" refType="w" fact="0.84"/>
+              <dgm:constr type="h" for="ch" forName="wedge1" refType="h" fact="0.84"/>
+              <dgm:constr type="l" for="ch" forName="wedge1Tx" refType="w" fact="0.545"/>
+              <dgm:constr type="t" for="ch" forName="wedge1Tx" refType="h" fact="0.245"/>
+              <dgm:constr type="w" for="ch" forName="wedge1Tx" refType="w" fact="0.285"/>
+              <dgm:constr type="h" for="ch" forName="wedge1Tx" refType="h" fact="0.28"/>
+              <dgm:constr type="l" for="ch" forName="wedge2" refType="w" fact="0.08"/>
+              <dgm:constr type="t" for="ch" forName="wedge2" refType="w" fact="0.08"/>
+              <dgm:constr type="w" for="ch" forName="wedge2" refType="w" fact="0.84"/>
+              <dgm:constr type="h" for="ch" forName="wedge2" refType="h" fact="0.84"/>
+              <dgm:constr type="l" for="ch" forName="wedge2Tx" refType="w" fact="0.31"/>
+              <dgm:constr type="t" for="ch" forName="wedge2Tx" refType="h" fact="0.61"/>
+              <dgm:constr type="w" for="ch" forName="wedge2Tx" refType="w" fact="0.38"/>
+              <dgm:constr type="h" for="ch" forName="wedge2Tx" refType="h" fact="0.26"/>
+              <dgm:constr type="l" for="ch" forName="wedge3" refType="w" fact="0.0367"/>
+              <dgm:constr type="t" for="ch" forName="wedge3" refType="w" fact="0.055"/>
+              <dgm:constr type="w" for="ch" forName="wedge3" refType="w" fact="0.84"/>
+              <dgm:constr type="h" for="ch" forName="wedge3" refType="h" fact="0.84"/>
+              <dgm:constr type="l" for="ch" forName="wedge3Tx" refType="w" fact="0.14"/>
+              <dgm:constr type="t" for="ch" forName="wedge3Tx" refType="h" fact="0.21"/>
+              <dgm:constr type="w" for="ch" forName="wedge3Tx" refType="w" fact="0.285"/>
+              <dgm:constr type="h" for="ch" forName="wedge3Tx" refType="h" fact="0.28"/>
+              <dgm:constr type="primFontSz" for="ch" ptType="node" op="equ"/>
+            </dgm:constrLst>
+          </dgm:else>
+        </dgm:choose>
+      </dgm:if>
+      <dgm:if name="Name7" axis="ch" ptType="node" func="cnt" op="equ" val="4">
+        <dgm:choose name="Name8">
+          <dgm:if name="Name9" func="var" arg="dir" op="equ" val="norm">
+            <dgm:constrLst>
+              <dgm:constr type="l" for="ch" forName="wedge1" refType="w" fact="0.1154"/>
+              <dgm:constr type="t" for="ch" forName="wedge1" refType="w" fact="0.0446"/>
+              <dgm:constr type="w" for="ch" forName="wedge1" refType="w" fact="0.84"/>
+              <dgm:constr type="h" for="ch" forName="wedge1" refType="h" fact="0.84"/>
+              <dgm:constr type="l" for="ch" forName="wedge1Tx" refType="w" fact="0.545"/>
+              <dgm:constr type="t" for="ch" forName="wedge1Tx" refType="h" fact="0.2"/>
+              <dgm:constr type="w" for="ch" forName="wedge1Tx" refType="w" fact="0.31"/>
+              <dgm:constr type="h" for="ch" forName="wedge1Tx" refType="h" fact="0.25"/>
+              <dgm:constr type="l" for="ch" forName="wedge2" refType="w" fact="0.08"/>
+              <dgm:constr type="t" for="ch" forName="wedge2" refType="w" fact="0.08"/>
+              <dgm:constr type="w" for="ch" forName="wedge2" refType="w" fact="0.84"/>
+              <dgm:constr type="h" for="ch" forName="wedge2" refType="h" fact="0.84"/>
+              <dgm:constr type="l" for="ch" forName="wedge2Tx" refType="w" fact="0.515"/>
+              <dgm:constr type="t" for="ch" forName="wedge2Tx" refType="h" fact="0.515"/>
+              <dgm:constr type="w" for="ch" forName="wedge2Tx" refType="w" fact="0.31"/>
+              <dgm:constr type="h" for="ch" forName="wedge2Tx" refType="h" fact="0.25"/>
+              <dgm:constr type="l" for="ch" forName="wedge3" refType="w" fact="0.08"/>
+              <dgm:constr type="t" for="ch" forName="wedge3" refType="w" fact="0.08"/>
+              <dgm:constr type="w" for="ch" forName="wedge3" refType="w" fact="0.84"/>
+              <dgm:constr type="h" for="ch" forName="wedge3" refType="h" fact="0.84"/>
+              <dgm:constr type="l" for="ch" forName="wedge3Tx" refType="w" fact="0.175"/>
+              <dgm:constr type="t" for="ch" forName="wedge3Tx" refType="h" fact="0.515"/>
+              <dgm:constr type="w" for="ch" forName="wedge3Tx" refType="w" fact="0.31"/>
+              <dgm:constr type="h" for="ch" forName="wedge3Tx" refType="h" fact="0.25"/>
+              <dgm:constr type="l" for="ch" forName="wedge4" refType="w" fact="0.08"/>
+              <dgm:constr type="t" for="ch" forName="wedge4" refType="h" fact="0.08"/>
+              <dgm:constr type="w" for="ch" forName="wedge4" refType="w" fact="0.84"/>
+              <dgm:constr type="h" for="ch" forName="wedge4" refType="h" fact="0.84"/>
+              <dgm:constr type="l" for="ch" forName="wedge4Tx" refType="w" fact="0.175"/>
+              <dgm:constr type="t" for="ch" forName="wedge4Tx" refType="h" fact="0.235"/>
+              <dgm:constr type="w" for="ch" forName="wedge4Tx" refType="w" fact="0.31"/>
+              <dgm:constr type="h" for="ch" forName="wedge4Tx" refType="h" fact="0.25"/>
+              <dgm:constr type="primFontSz" for="ch" ptType="node" op="equ"/>
+            </dgm:constrLst>
+          </dgm:if>
+          <dgm:else name="Name10">
+            <dgm:constrLst>
+              <dgm:constr type="l" for="ch" forName="wedge1" refType="w" fact="0.08"/>
+              <dgm:constr type="t" for="ch" forName="wedge1" refType="w" fact="0.08"/>
+              <dgm:constr type="w" for="ch" forName="wedge1" refType="w" fact="0.84"/>
+              <dgm:constr type="h" for="ch" forName="wedge1" refType="h" fact="0.84"/>
+              <dgm:constr type="l" for="ch" forName="wedge1Tx" refType="w" fact="0.515"/>
+              <dgm:constr type="t" for="ch" forName="wedge1Tx" refType="h" fact="0.235"/>
+              <dgm:constr type="w" for="ch" forName="wedge1Tx" refType="w" fact="0.31"/>
+              <dgm:constr type="h" for="ch" forName="wedge1Tx" refType="h" fact="0.25"/>
+              <dgm:constr type="l" for="ch" forName="wedge2" refType="w" fact="0.08"/>
+              <dgm:constr type="t" for="ch" forName="wedge2" refType="w" fact="0.08"/>
+              <dgm:constr type="w" for="ch" forName="wedge2" refType="w" fact="0.84"/>
+              <dgm:constr type="h" for="ch" forName="wedge2" refType="h" fact="0.84"/>
+              <dgm:constr type="l" for="ch" forName="wedge2Tx" refType="w" fact="0.515"/>
+              <dgm:constr type="t" for="ch" forName="wedge2Tx" refType="h" fact="0.515"/>
+              <dgm:constr type="w" for="ch" forName="wedge2Tx" refType="w" fact="0.31"/>
+              <dgm:constr type="h" for="ch" forName="wedge2Tx" refType="h" fact="0.25"/>
+              <dgm:constr type="l" for="ch" forName="wedge3" refType="w" fact="0.08"/>
+              <dgm:constr type="t" for="ch" forName="wedge3" refType="w" fact="0.08"/>
+              <dgm:constr type="w" for="ch" forName="wedge3" refType="w" fact="0.84"/>
+              <dgm:constr type="h" for="ch" forName="wedge3" refType="h" fact="0.84"/>
+              <dgm:constr type="l" for="ch" forName="wedge3Tx" refType="w" fact="0.175"/>
+              <dgm:constr type="t" for="ch" forName="wedge3Tx" refType="h" fact="0.515"/>
+              <dgm:constr type="w" for="ch" forName="wedge3Tx" refType="w" fact="0.31"/>
+              <dgm:constr type="h" for="ch" forName="wedge3Tx" refType="h" fact="0.25"/>
+              <dgm:constr type="l" for="ch" forName="wedge4" refType="w" fact="0.0446"/>
+              <dgm:constr type="t" for="ch" forName="wedge4" refType="h" fact="0.0446"/>
+              <dgm:constr type="w" for="ch" forName="wedge4" refType="w" fact="0.84"/>
+              <dgm:constr type="h" for="ch" forName="wedge4" refType="h" fact="0.84"/>
+              <dgm:constr type="l" for="ch" forName="wedge4Tx" refType="w" fact="0.145"/>
+              <dgm:constr type="t" for="ch" forName="wedge4Tx" refType="h" fact="0.2"/>
+              <dgm:constr type="w" for="ch" forName="wedge4Tx" refType="w" fact="0.31"/>
+              <dgm:constr type="h" for="ch" forName="wedge4Tx" refType="h" fact="0.25"/>
+              <dgm:constr type="primFontSz" for="ch" ptType="node" op="equ"/>
+            </dgm:constrLst>
+          </dgm:else>
+        </dgm:choose>
+      </dgm:if>
+      <dgm:if name="Name11" axis="ch" ptType="node" func="cnt" op="equ" val="5">
+        <dgm:choose name="Name12">
+          <dgm:if name="Name13" func="var" arg="dir" op="equ" val="norm">
+            <dgm:constrLst>
+              <dgm:constr type="l" for="ch" forName="wedge1" refType="w" fact="0.1094"/>
+              <dgm:constr type="t" for="ch" forName="wedge1" refType="w" fact="0.0395"/>
+              <dgm:constr type="w" for="ch" forName="wedge1" refType="w" fact="0.84"/>
+              <dgm:constr type="h" for="ch" forName="wedge1" refType="h" fact="0.84"/>
+              <dgm:constr type="l" for="ch" forName="wedge1Tx" refType="w" fact="0.54"/>
+              <dgm:constr type="t" for="ch" forName="wedge1Tx" refType="h" fact="0.165"/>
+              <dgm:constr type="w" for="ch" forName="wedge1Tx" refType="w" fact="0.285"/>
+              <dgm:constr type="h" for="ch" forName="wedge1Tx" refType="h" fact="0.195"/>
+              <dgm:constr type="l" for="ch" forName="wedge2" refType="w" fact="0.08"/>
+              <dgm:constr type="t" for="ch" forName="wedge2" refType="w" fact="0.08"/>
+              <dgm:constr type="w" for="ch" forName="wedge2" refType="w" fact="0.84"/>
+              <dgm:constr type="h" for="ch" forName="wedge2" refType="h" fact="0.84"/>
+              <dgm:constr type="l" for="ch" forName="wedge2Tx" refType="w" fact="0.629"/>
+              <dgm:constr type="t" for="ch" forName="wedge2Tx" refType="h" fact="0.46"/>
+              <dgm:constr type="w" for="ch" forName="wedge2Tx" refType="w" fact="0.25"/>
+              <dgm:constr type="h" for="ch" forName="wedge2Tx" refType="h" fact="0.211"/>
+              <dgm:constr type="l" for="ch" forName="wedge3" refType="w" fact="0.08"/>
+              <dgm:constr type="t" for="ch" forName="wedge3" refType="w" fact="0.08"/>
+              <dgm:constr type="w" for="ch" forName="wedge3" refType="w" fact="0.84"/>
+              <dgm:constr type="h" for="ch" forName="wedge3" refType="h" fact="0.84"/>
+              <dgm:constr type="l" for="ch" forName="wedge3Tx" refType="w" fact="0.35"/>
+              <dgm:constr type="t" for="ch" forName="wedge3Tx" refType="h" fact="0.71"/>
+              <dgm:constr type="w" for="ch" forName="wedge3Tx" refType="w" fact="0.3"/>
+              <dgm:constr type="h" for="ch" forName="wedge3Tx" refType="h" fact="0.18"/>
+              <dgm:constr type="l" for="ch" forName="wedge4" refType="w" fact="0.08"/>
+              <dgm:constr type="t" for="ch" forName="wedge4" refType="h" fact="0.08"/>
+              <dgm:constr type="w" for="ch" forName="wedge4" refType="w" fact="0.84"/>
+              <dgm:constr type="h" for="ch" forName="wedge4" refType="h" fact="0.84"/>
+              <dgm:constr type="l" for="ch" forName="wedge4Tx" refType="w" fact="0.12"/>
+              <dgm:constr type="t" for="ch" forName="wedge4Tx" refType="h" fact="0.46"/>
+              <dgm:constr type="w" for="ch" forName="wedge4Tx" refType="w" fact="0.25"/>
+              <dgm:constr type="h" for="ch" forName="wedge4Tx" refType="h" fact="0.211"/>
+              <dgm:constr type="l" for="ch" forName="wedge5" refType="w" fact="0.08"/>
+              <dgm:constr type="t" for="ch" forName="wedge5" refType="h" fact="0.08"/>
+              <dgm:constr type="w" for="ch" forName="wedge5" refType="w" fact="0.84"/>
+              <dgm:constr type="h" for="ch" forName="wedge5" refType="h" fact="0.84"/>
+              <dgm:constr type="l" for="ch" forName="wedge5Tx" refType="w" fact="0.2025"/>
+              <dgm:constr type="t" for="ch" forName="wedge5Tx" refType="h" fact="0.208"/>
+              <dgm:constr type="w" for="ch" forName="wedge5Tx" refType="w" fact="0.285"/>
+              <dgm:constr type="h" for="ch" forName="wedge5Tx" refType="h" fact="0.195"/>
+              <dgm:constr type="primFontSz" for="ch" ptType="node" op="equ"/>
+            </dgm:constrLst>
+          </dgm:if>
+          <dgm:else name="Name14">
+            <dgm:constrLst>
+              <dgm:constr type="l" for="ch" forName="wedge1" refType="w" fact="0.08"/>
+              <dgm:constr type="t" for="ch" forName="wedge1" refType="w" fact="0.08"/>
+              <dgm:constr type="w" for="ch" forName="wedge1" refType="w" fact="0.84"/>
+              <dgm:constr type="h" for="ch" forName="wedge1" refType="h" fact="0.84"/>
+              <dgm:constr type="l" for="ch" forName="wedge1Tx" refType="w" fact="0.51"/>
+              <dgm:constr type="t" for="ch" forName="wedge1Tx" refType="h" fact="0.208"/>
+              <dgm:constr type="w" for="ch" forName="wedge1Tx" refType="w" fact="0.285"/>
+              <dgm:constr type="h" for="ch" forName="wedge1Tx" refType="h" fact="0.195"/>
+              <dgm:constr type="l" for="ch" forName="wedge2" refType="w" fact="0.08"/>
+              <dgm:constr type="t" for="ch" forName="wedge2" refType="w" fact="0.08"/>
+              <dgm:constr type="w" for="ch" forName="wedge2" refType="w" fact="0.84"/>
+              <dgm:constr type="h" for="ch" forName="wedge2" refType="h" fact="0.84"/>
+              <dgm:constr type="l" for="ch" forName="wedge2Tx" refType="w" fact="0.629"/>
+              <dgm:constr type="t" for="ch" forName="wedge2Tx" refType="h" fact="0.46"/>
+              <dgm:constr type="w" for="ch" forName="wedge2Tx" refType="w" fact="0.25"/>
+              <dgm:constr type="h" for="ch" forName="wedge2Tx" refType="h" fact="0.211"/>
+              <dgm:constr type="l" for="ch" forName="wedge3" refType="w" fact="0.08"/>
+              <dgm:constr type="t" for="ch" forName="wedge3" refType="w" fact="0.08"/>
+              <dgm:constr type="w" for="ch" forName="wedge3" refType="w" fact="0.84"/>
+              <dgm:constr type="h" for="ch" forName="wedge3" refType="h" fact="0.84"/>
+              <dgm:constr type="l" for="ch" forName="wedge3Tx" refType="w" fact="0.35"/>
+              <dgm:constr type="t" for="ch" forName="wedge3Tx" refType="h" fact="0.71"/>
+              <dgm:constr type="w" for="ch" forName="wedge3Tx" refType="w" fact="0.3"/>
+              <dgm:constr type="h" for="ch" forName="wedge3Tx" refType="h" fact="0.18"/>
+              <dgm:constr type="l" for="ch" forName="wedge4" refType="w" fact="0.08"/>
+              <dgm:constr type="t" for="ch" forName="wedge4" refType="h" fact="0.08"/>
+              <dgm:constr type="w" for="ch" forName="wedge4" refType="w" fact="0.84"/>
+              <dgm:constr type="h" for="ch" forName="wedge4" refType="h" fact="0.84"/>
+              <dgm:constr type="l" for="ch" forName="wedge4Tx" refType="w" fact="0.12"/>
+              <dgm:constr type="t" for="ch" forName="wedge4Tx" refType="h" fact="0.46"/>
+              <dgm:constr type="w" for="ch" forName="wedge4Tx" refType="w" fact="0.25"/>
+              <dgm:constr type="h" for="ch" forName="wedge4Tx" refType="h" fact="0.211"/>
+              <dgm:constr type="l" for="ch" forName="wedge5" refType="w" fact="0.0506"/>
+              <dgm:constr type="t" for="ch" forName="wedge5" refType="h" fact="0.0395"/>
+              <dgm:constr type="w" for="ch" forName="wedge5" refType="w" fact="0.84"/>
+              <dgm:constr type="h" for="ch" forName="wedge5" refType="h" fact="0.84"/>
+              <dgm:constr type="l" for="ch" forName="wedge5Tx" refType="w" fact="0.18"/>
+              <dgm:constr type="t" for="ch" forName="wedge5Tx" refType="h" fact="0.165"/>
+              <dgm:constr type="w" for="ch" forName="wedge5Tx" refType="w" fact="0.285"/>
+              <dgm:constr type="h" for="ch" forName="wedge5Tx" refType="h" fact="0.195"/>
+              <dgm:constr type="primFontSz" for="ch" ptType="node" op="equ"/>
+            </dgm:constrLst>
+          </dgm:else>
+        </dgm:choose>
+      </dgm:if>
+      <dgm:if name="Name15" axis="ch" ptType="node" func="cnt" op="equ" val="6">
+        <dgm:choose name="Name16">
+          <dgm:if name="Name17" func="var" arg="dir" op="equ" val="norm">
+            <dgm:constrLst>
+              <dgm:constr type="l" for="ch" forName="wedge1" refType="w" fact="0.105"/>
+              <dgm:constr type="t" for="ch" forName="wedge1" refType="w" fact="0.0367"/>
+              <dgm:constr type="w" for="ch" forName="wedge1" refType="w" fact="0.84"/>
+              <dgm:constr type="h" for="ch" forName="wedge1" refType="h" fact="0.84"/>
+              <dgm:constr type="l" for="ch" forName="wedge1Tx" refType="w" fact="0.534"/>
+              <dgm:constr type="t" for="ch" forName="wedge1Tx" refType="h" fact="0.1267"/>
+              <dgm:constr type="w" for="ch" forName="wedge1Tx" refType="w" fact="0.245"/>
+              <dgm:constr type="h" for="ch" forName="wedge1Tx" refType="h" fact="0.18"/>
+              <dgm:constr type="l" for="ch" forName="wedge2" refType="w" fact="0.08"/>
+              <dgm:constr type="t" for="ch" forName="wedge2" refType="w" fact="0.08"/>
+              <dgm:constr type="w" for="ch" forName="wedge2" refType="w" fact="0.84"/>
+              <dgm:constr type="h" for="ch" forName="wedge2" refType="h" fact="0.84"/>
+              <dgm:constr type="l" for="ch" forName="wedge2Tx" refType="w" fact="0.655"/>
+              <dgm:constr type="t" for="ch" forName="wedge2Tx" refType="h" fact="0.415"/>
+              <dgm:constr type="w" for="ch" forName="wedge2Tx" refType="w" fact="0.254"/>
+              <dgm:constr type="h" for="ch" forName="wedge2Tx" refType="h" fact="0.17"/>
+              <dgm:constr type="l" for="ch" forName="wedge3" refType="w" fact="0.08"/>
+              <dgm:constr type="t" for="ch" forName="wedge3" refType="w" fact="0.08"/>
+              <dgm:constr type="w" for="ch" forName="wedge3" refType="w" fact="0.84"/>
+              <dgm:constr type="h" for="ch" forName="wedge3" refType="h" fact="0.84"/>
+              <dgm:constr type="l" for="ch" forName="wedge3Tx" refType="w" fact="0.509"/>
+              <dgm:constr type="t" for="ch" forName="wedge3Tx" refType="h" fact="0.65"/>
+              <dgm:constr type="w" for="ch" forName="wedge3Tx" refType="w" fact="0.245"/>
+              <dgm:constr type="h" for="ch" forName="wedge3Tx" refType="h" fact="0.18"/>
+              <dgm:constr type="l" for="ch" forName="wedge4" refType="w" fact="0.08"/>
+              <dgm:constr type="t" for="ch" forName="wedge4" refType="h" fact="0.08"/>
+              <dgm:constr type="w" for="ch" forName="wedge4" refType="w" fact="0.84"/>
+              <dgm:constr type="h" for="ch" forName="wedge4" refType="h" fact="0.84"/>
+              <dgm:constr type="l" for="ch" forName="wedge4Tx" refType="w" fact="0.246"/>
+              <dgm:constr type="t" for="ch" forName="wedge4Tx" refType="h" fact="0.65"/>
+              <dgm:constr type="w" for="ch" forName="wedge4Tx" refType="w" fact="0.245"/>
+              <dgm:constr type="h" for="ch" forName="wedge4Tx" refType="h" fact="0.18"/>
+              <dgm:constr type="l" for="ch" forName="wedge5" refType="w" fact="0.08"/>
+              <dgm:constr type="t" for="ch" forName="wedge5" refType="h" fact="0.08"/>
+              <dgm:constr type="w" for="ch" forName="wedge5" refType="w" fact="0.84"/>
+              <dgm:constr type="h" for="ch" forName="wedge5" refType="h" fact="0.84"/>
+              <dgm:constr type="l" for="ch" forName="wedge5Tx" refType="w" fact="0.093"/>
+              <dgm:constr type="t" for="ch" forName="wedge5Tx" refType="h" fact="0.415"/>
+              <dgm:constr type="w" for="ch" forName="wedge5Tx" refType="w" fact="0.254"/>
+              <dgm:constr type="h" for="ch" forName="wedge5Tx" refType="h" fact="0.17"/>
+              <dgm:constr type="l" for="ch" forName="wedge6" refType="w" fact="0.08"/>
+              <dgm:constr type="t" for="ch" forName="wedge6" refType="h" fact="0.08"/>
+              <dgm:constr type="w" for="ch" forName="wedge6" refType="w" fact="0.84"/>
+              <dgm:constr type="h" for="ch" forName="wedge6" refType="h" fact="0.84"/>
+              <dgm:constr type="l" for="ch" forName="wedge6Tx" refType="w" fact="0.246"/>
+              <dgm:constr type="t" for="ch" forName="wedge6Tx" refType="h" fact="0.17"/>
+              <dgm:constr type="w" for="ch" forName="wedge6Tx" refType="w" fact="0.245"/>
+              <dgm:constr type="h" for="ch" forName="wedge6Tx" refType="h" fact="0.18"/>
+              <dgm:constr type="primFontSz" for="ch" ptType="node" op="equ"/>
+            </dgm:constrLst>
+          </dgm:if>
+          <dgm:else name="Name18">
+            <dgm:constrLst>
+              <dgm:constr type="l" for="ch" forName="wedge1" refType="w" fact="0.08"/>
+              <dgm:constr type="t" for="ch" forName="wedge1" refType="w" fact="0.08"/>
+              <dgm:constr type="w" for="ch" forName="wedge1" refType="w" fact="0.84"/>
+              <dgm:constr type="h" for="ch" forName="wedge1" refType="h" fact="0.84"/>
+              <dgm:constr type="l" for="ch" forName="wedge1Tx" refType="w" fact="0.509"/>
+              <dgm:constr type="t" for="ch" forName="wedge1Tx" refType="h" fact="0.17"/>
+              <dgm:constr type="w" for="ch" forName="wedge1Tx" refType="w" fact="0.245"/>
+              <dgm:constr type="h" for="ch" forName="wedge1Tx" refType="h" fact="0.18"/>
+              <dgm:constr type="l" for="ch" forName="wedge2" refType="w" fact="0.08"/>
+              <dgm:constr type="t" for="ch" forName="wedge2" refType="w" fact="0.08"/>
+              <dgm:constr type="w" for="ch" forName="wedge2" refType="w" fact="0.84"/>
+              <dgm:constr type="h" for="ch" forName="wedge2" refType="h" fact="0.84"/>
+              <dgm:constr type="l" for="ch" forName="wedge2Tx" refType="w" fact="0.655"/>
+              <dgm:constr type="t" for="ch" forName="wedge2Tx" refType="h" fact="0.415"/>
+              <dgm:constr type="w" for="ch" forName="wedge2Tx" refType="w" fact="0.254"/>
+              <dgm:constr type="h" for="ch" forName="wedge2Tx" refType="h" fact="0.17"/>
+              <dgm:constr type="l" for="ch" forName="wedge3" refType="w" fact="0.08"/>
+              <dgm:constr type="t" for="ch" forName="wedge3" refType="w" fact="0.08"/>
+              <dgm:constr type="w" for="ch" forName="wedge3" refType="w" fact="0.84"/>
+              <dgm:constr type="h" for="ch" forName="wedge3" refType="h" fact="0.84"/>
+              <dgm:constr type="l" for="ch" forName="wedge3Tx" refType="w" fact="0.509"/>
+              <dgm:constr type="t" for="ch" forName="wedge3Tx" refType="h" fact="0.65"/>
+              <dgm:constr type="w" for="ch" forName="wedge3Tx" refType="w" fact="0.245"/>
+              <dgm:constr type="h" for="ch" forName="wedge3Tx" refType="h" fact="0.18"/>
+              <dgm:constr type="l" for="ch" forName="wedge4" refType="w" fact="0.08"/>
+              <dgm:constr type="t" for="ch" forName="wedge4" refType="h" fact="0.08"/>
+              <dgm:constr type="w" for="ch" forName="wedge4" refType="w" fact="0.84"/>
+              <dgm:constr type="h" for="ch" forName="wedge4" refType="h" fact="0.84"/>
+              <dgm:constr type="l" for="ch" forName="wedge4Tx" refType="w" fact="0.246"/>
+              <dgm:constr type="t" for="ch" forName="wedge4Tx" refType="h" fact="0.65"/>
+              <dgm:constr type="w" for="ch" forName="wedge4Tx" refType="w" fact="0.245"/>
+              <dgm:constr type="h" for="ch" forName="wedge4Tx" refType="h" fact="0.18"/>
+              <dgm:constr type="l" for="ch" forName="wedge5" refType="w" fact="0.08"/>
+              <dgm:constr type="t" for="ch" forName="wedge5" refType="h" fact="0.08"/>
+              <dgm:constr type="w" for="ch" forName="wedge5" refType="w" fact="0.84"/>
+              <dgm:constr type="h" for="ch" forName="wedge5" refType="h" fact="0.84"/>
+              <dgm:constr type="l" for="ch" forName="wedge5Tx" refType="w" fact="0.093"/>
+              <dgm:constr type="t" for="ch" forName="wedge5Tx" refType="h" fact="0.415"/>
+              <dgm:constr type="w" for="ch" forName="wedge5Tx" refType="w" fact="0.254"/>
+              <dgm:constr type="h" for="ch" forName="wedge5Tx" refType="h" fact="0.17"/>
+              <dgm:constr type="l" for="ch" forName="wedge6" refType="w" fact="0.055"/>
+              <dgm:constr type="t" for="ch" forName="wedge6" refType="h" fact="0.0367"/>
+              <dgm:constr type="w" for="ch" forName="wedge6" refType="w" fact="0.84"/>
+              <dgm:constr type="h" for="ch" forName="wedge6" refType="h" fact="0.84"/>
+              <dgm:constr type="l" for="ch" forName="wedge6Tx" refType="w" fact="0.221"/>
+              <dgm:constr type="t" for="ch" forName="wedge6Tx" refType="h" fact="0.1267"/>
+              <dgm:constr type="w" for="ch" forName="wedge6Tx" refType="w" fact="0.245"/>
+              <dgm:constr type="h" for="ch" forName="wedge6Tx" refType="h" fact="0.18"/>
+              <dgm:constr type="primFontSz" for="ch" ptType="node" op="equ"/>
+            </dgm:constrLst>
+          </dgm:else>
+        </dgm:choose>
+      </dgm:if>
+      <dgm:else name="Name19">
+        <dgm:choose name="Name20">
+          <dgm:if name="Name21" func="var" arg="dir" op="equ" val="norm">
+            <dgm:constrLst>
+              <dgm:constr type="l" for="ch" forName="wedge1" refType="w" fact="0.1017"/>
+              <dgm:constr type="t" for="ch" forName="wedge1" refType="w" fact="0.035"/>
+              <dgm:constr type="w" for="ch" forName="wedge1" refType="w" fact="0.84"/>
+              <dgm:constr type="h" for="ch" forName="wedge1" refType="h" fact="0.84"/>
+              <dgm:constr type="l" for="ch" forName="wedge1Tx" refType="w" fact="0.53"/>
+              <dgm:constr type="t" for="ch" forName="wedge1Tx" refType="h" fact="0.115"/>
+              <dgm:constr type="w" for="ch" forName="wedge1Tx" refType="w" fact="0.23"/>
+              <dgm:constr type="h" for="ch" forName="wedge1Tx" refType="h" fact="0.145"/>
+              <dgm:constr type="l" for="ch" forName="wedge2" refType="w" fact="0.08"/>
+              <dgm:constr type="t" for="ch" forName="wedge2" refType="w" fact="0.08"/>
+              <dgm:constr type="w" for="ch" forName="wedge2" refType="w" fact="0.84"/>
+              <dgm:constr type="h" for="ch" forName="wedge2" refType="h" fact="0.84"/>
+              <dgm:constr type="l" for="ch" forName="wedge2Tx" refType="w" fact="0.655"/>
+              <dgm:constr type="t" for="ch" forName="wedge2Tx" refType="h" fact="0.38"/>
+              <dgm:constr type="w" for="ch" forName="wedge2Tx" refType="w" fact="0.244"/>
+              <dgm:constr type="h" for="ch" forName="wedge2Tx" refType="h" fact="0.155"/>
+              <dgm:constr type="l" for="ch" forName="wedge3" refType="w" fact="0.08"/>
+              <dgm:constr type="t" for="ch" forName="wedge3" refType="w" fact="0.08"/>
+              <dgm:constr type="w" for="ch" forName="wedge3" refType="w" fact="0.84"/>
+              <dgm:constr type="h" for="ch" forName="wedge3" refType="h" fact="0.84"/>
+              <dgm:constr type="l" for="ch" forName="wedge3Tx" refType="w" fact="0.62"/>
+              <dgm:constr type="t" for="ch" forName="wedge3Tx" refType="h" fact="0.58"/>
+              <dgm:constr type="w" for="ch" forName="wedge3Tx" refType="w" fact="0.22"/>
+              <dgm:constr type="h" for="ch" forName="wedge3Tx" refType="h" fact="0.16"/>
+              <dgm:constr type="l" for="ch" forName="wedge4" refType="w" fact="0.08"/>
+              <dgm:constr type="t" for="ch" forName="wedge4" refType="h" fact="0.08"/>
+              <dgm:constr type="w" for="ch" forName="wedge4" refType="w" fact="0.84"/>
+              <dgm:constr type="h" for="ch" forName="wedge4" refType="h" fact="0.84"/>
+              <dgm:constr type="l" for="ch" forName="wedge4Tx" refType="w" fact="0.3875"/>
+              <dgm:constr type="t" for="ch" forName="wedge4Tx" refType="h" fact="0.74"/>
+              <dgm:constr type="w" for="ch" forName="wedge4Tx" refType="w" fact="0.225"/>
+              <dgm:constr type="h" for="ch" forName="wedge4Tx" refType="h" fact="0.16"/>
+              <dgm:constr type="l" for="ch" forName="wedge5" refType="w" fact="0.08"/>
+              <dgm:constr type="t" for="ch" forName="wedge5" refType="h" fact="0.08"/>
+              <dgm:constr type="w" for="ch" forName="wedge5" refType="w" fact="0.84"/>
+              <dgm:constr type="h" for="ch" forName="wedge5" refType="h" fact="0.84"/>
+              <dgm:constr type="l" for="ch" forName="wedge5Tx" refType="w" fact="0.16"/>
+              <dgm:constr type="t" for="ch" forName="wedge5Tx" refType="h" fact="0.58"/>
+              <dgm:constr type="w" for="ch" forName="wedge5Tx" refType="w" fact="0.22"/>
+              <dgm:constr type="h" for="ch" forName="wedge5Tx" refType="h" fact="0.16"/>
+              <dgm:constr type="l" for="ch" forName="wedge6" refType="w" fact="0.08"/>
+              <dgm:constr type="t" for="ch" forName="wedge6" refType="h" fact="0.08"/>
+              <dgm:constr type="w" for="ch" forName="wedge6" refType="w" fact="0.84"/>
+              <dgm:constr type="h" for="ch" forName="wedge6" refType="h" fact="0.84"/>
+              <dgm:constr type="l" for="ch" forName="wedge6Tx" refType="w" fact="0.101"/>
+              <dgm:constr type="t" for="ch" forName="wedge6Tx" refType="h" fact="0.38"/>
+              <dgm:constr type="w" for="ch" forName="wedge6Tx" refType="w" fact="0.244"/>
+              <dgm:constr type="h" for="ch" forName="wedge6Tx" refType="h" fact="0.155"/>
+              <dgm:constr type="l" for="ch" forName="wedge7" refType="w" fact="0.08"/>
+              <dgm:constr type="t" for="ch" forName="wedge7" refType="h" fact="0.08"/>
+              <dgm:constr type="w" for="ch" forName="wedge7" refType="w" fact="0.84"/>
+              <dgm:constr type="h" for="ch" forName="wedge7" refType="h" fact="0.84"/>
+              <dgm:constr type="l" for="ch" forName="wedge7Tx" refType="w" fact="0.262"/>
+              <dgm:constr type="t" for="ch" forName="wedge7Tx" refType="h" fact="0.16"/>
+              <dgm:constr type="w" for="ch" forName="wedge7Tx" refType="w" fact="0.23"/>
+              <dgm:constr type="h" for="ch" forName="wedge7Tx" refType="h" fact="0.145"/>
+              <dgm:constr type="primFontSz" for="ch" ptType="node" op="equ"/>
+            </dgm:constrLst>
+          </dgm:if>
+          <dgm:else name="Name22">
+            <dgm:constrLst>
+              <dgm:constr type="l" for="ch" forName="wedge1" refType="w" fact="0.08"/>
+              <dgm:constr type="t" for="ch" forName="wedge1" refType="w" fact="0.08"/>
+              <dgm:constr type="w" for="ch" forName="wedge1" refType="w" fact="0.84"/>
+              <dgm:constr type="h" for="ch" forName="wedge1" refType="h" fact="0.84"/>
+              <dgm:constr type="l" for="ch" forName="wedge1Tx" refType="w" fact="0.508"/>
+              <dgm:constr type="t" for="ch" forName="wedge1Tx" refType="h" fact="0.16"/>
+              <dgm:constr type="w" for="ch" forName="wedge1Tx" refType="w" fact="0.23"/>
+              <dgm:constr type="h" for="ch" forName="wedge1Tx" refType="h" fact="0.145"/>
+              <dgm:constr type="l" for="ch" forName="wedge2" refType="w" fact="0.08"/>
+              <dgm:constr type="t" for="ch" forName="wedge2" refType="w" fact="0.08"/>
+              <dgm:constr type="w" for="ch" forName="wedge2" refType="w" fact="0.84"/>
+              <dgm:constr type="h" for="ch" forName="wedge2" refType="h" fact="0.84"/>
+              <dgm:constr type="l" for="ch" forName="wedge2Tx" refType="w" fact="0.655"/>
+              <dgm:constr type="t" for="ch" forName="wedge2Tx" refType="h" fact="0.38"/>
+              <dgm:constr type="w" for="ch" forName="wedge2Tx" refType="w" fact="0.244"/>
+              <dgm:constr type="h" for="ch" forName="wedge2Tx" refType="h" fact="0.155"/>
+              <dgm:constr type="l" for="ch" forName="wedge3" refType="w" fact="0.08"/>
+              <dgm:constr type="t" for="ch" forName="wedge3" refType="w" fact="0.08"/>
+              <dgm:constr type="w" for="ch" forName="wedge3" refType="w" fact="0.84"/>
+              <dgm:constr type="h" for="ch" forName="wedge3" refType="h" fact="0.84"/>
+              <dgm:constr type="l" for="ch" forName="wedge3Tx" refType="w" fact="0.62"/>
+              <dgm:constr type="t" for="ch" forName="wedge3Tx" refType="h" fact="0.58"/>
+              <dgm:constr type="w" for="ch" forName="wedge3Tx" refType="w" fact="0.22"/>
+              <dgm:constr type="h" for="ch" forName="wedge3Tx" refType="h" fact="0.16"/>
+              <dgm:constr type="l" for="ch" forName="wedge4" refType="w" fact="0.08"/>
+              <dgm:constr type="t" for="ch" forName="wedge4" refType="h" fact="0.08"/>
+              <dgm:constr type="w" for="ch" forName="wedge4" refType="w" fact="0.84"/>
+              <dgm:constr type="h" for="ch" forName="wedge4" refType="h" fact="0.84"/>
+              <dgm:constr type="l" for="ch" forName="wedge4Tx" refType="w" fact="0.3875"/>
+              <dgm:constr type="t" for="ch" forName="wedge4Tx" refType="h" fact="0.74"/>
+              <dgm:constr type="w" for="ch" forName="wedge4Tx" refType="w" fact="0.225"/>
+              <dgm:constr type="h" for="ch" forName="wedge4Tx" refType="h" fact="0.16"/>
+              <dgm:constr type="l" for="ch" forName="wedge5" refType="w" fact="0.08"/>
+              <dgm:constr type="t" for="ch" forName="wedge5" refType="h" fact="0.08"/>
+              <dgm:constr type="w" for="ch" forName="wedge5" refType="w" fact="0.84"/>
+              <dgm:constr type="h" for="ch" forName="wedge5" refType="h" fact="0.84"/>
+              <dgm:constr type="l" for="ch" forName="wedge5Tx" refType="w" fact="0.16"/>
+              <dgm:constr type="t" for="ch" forName="wedge5Tx" refType="h" fact="0.58"/>
+              <dgm:constr type="w" for="ch" forName="wedge5Tx" refType="w" fact="0.22"/>
+              <dgm:constr type="h" for="ch" forName="wedge5Tx" refType="h" fact="0.16"/>
+              <dgm:constr type="l" for="ch" forName="wedge6" refType="w" fact="0.08"/>
+              <dgm:constr type="t" for="ch" forName="wedge6" refType="h" fact="0.08"/>
+              <dgm:constr type="w" for="ch" forName="wedge6" refType="w" fact="0.84"/>
+              <dgm:constr type="h" for="ch" forName="wedge6" refType="h" fact="0.84"/>
+              <dgm:constr type="l" for="ch" forName="wedge6Tx" refType="w" fact="0.101"/>
+              <dgm:constr type="t" for="ch" forName="wedge6Tx" refType="h" fact="0.38"/>
+              <dgm:constr type="w" for="ch" forName="wedge6Tx" refType="w" fact="0.244"/>
+              <dgm:constr type="h" for="ch" forName="wedge6Tx" refType="h" fact="0.155"/>
+              <dgm:constr type="l" for="ch" forName="wedge7" refType="w" fact="0.0583"/>
+              <dgm:constr type="t" for="ch" forName="wedge7" refType="h" fact="0.035"/>
+              <dgm:constr type="w" for="ch" forName="wedge7" refType="w" fact="0.84"/>
+              <dgm:constr type="h" for="ch" forName="wedge7" refType="h" fact="0.84"/>
+              <dgm:constr type="l" for="ch" forName="wedge7Tx" refType="w" fact="0.2403"/>
+              <dgm:constr type="t" for="ch" forName="wedge7Tx" refType="h" fact="0.115"/>
+              <dgm:constr type="w" for="ch" forName="wedge7Tx" refType="w" fact="0.23"/>
+              <dgm:constr type="h" for="ch" forName="wedge7Tx" refType="h" fact="0.145"/>
+              <dgm:constr type="primFontSz" for="ch" ptType="node" op="equ"/>
+            </dgm:constrLst>
+          </dgm:else>
+        </dgm:choose>
+      </dgm:else>
+    </dgm:choose>
+    <dgm:ruleLst/>
+    <dgm:choose name="Name23">
+      <dgm:if name="Name24" axis="ch" ptType="node" func="cnt" op="gte" val="1">
+        <dgm:layoutNode name="wedge1">
+          <dgm:alg type="sp"/>
+          <dgm:choose name="Name25">
+            <dgm:if name="Name26" axis="ch" ptType="node" func="cnt" op="equ" val="1">
+              <dgm:shape xmlns:r="http://schemas.openxmlformats.org/officeDocument/2006/relationships" type="ellipse" r:blip="">
+                <dgm:adjLst/>
+              </dgm:shape>
+            </dgm:if>
+            <dgm:if name="Name27" axis="ch" ptType="node" func="cnt" op="equ" val="2">
+              <dgm:shape xmlns:r="http://schemas.openxmlformats.org/officeDocument/2006/relationships" type="pie" r:blip="">
+                <dgm:adjLst>
+                  <dgm:adj idx="1" val="270"/>
+                  <dgm:adj idx="2" val="90"/>
+                </dgm:adjLst>
+              </dgm:shape>
+            </dgm:if>
+            <dgm:if name="Name28" axis="ch" ptType="node" func="cnt" op="equ" val="3">
+              <dgm:shape xmlns:r="http://schemas.openxmlformats.org/officeDocument/2006/relationships" type="pie" r:blip="">
+                <dgm:adjLst>
+                  <dgm:adj idx="1" val="270"/>
+                  <dgm:adj idx="2" val="30"/>
+                </dgm:adjLst>
+              </dgm:shape>
+            </dgm:if>
+            <dgm:if name="Name29" axis="ch" ptType="node" func="cnt" op="equ" val="4">
+              <dgm:shape xmlns:r="http://schemas.openxmlformats.org/officeDocument/2006/relationships" type="pie" r:blip="">
+                <dgm:adjLst>
+                  <dgm:adj idx="1" val="270"/>
+                  <dgm:adj idx="2" val="0"/>
+                </dgm:adjLst>
+              </dgm:shape>
+            </dgm:if>
+            <dgm:if name="Name30" axis="ch" ptType="node" func="cnt" op="equ" val="5">
+              <dgm:shape xmlns:r="http://schemas.openxmlformats.org/officeDocument/2006/relationships" type="pie" r:blip="">
+                <dgm:adjLst>
+                  <dgm:adj idx="1" val="270"/>
+                  <dgm:adj idx="2" val="342"/>
+                </dgm:adjLst>
+              </dgm:shape>
+            </dgm:if>
+            <dgm:if name="Name31" axis="ch" ptType="node" func="cnt" op="equ" val="6">
+              <dgm:shape xmlns:r="http://schemas.openxmlformats.org/officeDocument/2006/relationships" type="pie" r:blip="">
+                <dgm:adjLst>
+                  <dgm:adj idx="1" val="270"/>
+                  <dgm:adj idx="2" val="330"/>
+                </dgm:adjLst>
+              </dgm:shape>
+            </dgm:if>
+            <dgm:else name="Name32">
+              <dgm:shape xmlns:r="http://schemas.openxmlformats.org/officeDocument/2006/relationships" type="pie" r:blip="">
+                <dgm:adjLst>
+                  <dgm:adj idx="1" val="270"/>
+                  <dgm:adj idx="2" val="321.4286"/>
+                </dgm:adjLst>
+              </dgm:shape>
+            </dgm:else>
+          </dgm:choose>
+          <dgm:choose name="Name33">
+            <dgm:if name="Name34" func="var" arg="dir" op="equ" val="norm">
+              <dgm:presOf axis="ch desOrSelf" ptType="node node" st="1 1" cnt="1 0"/>
+            </dgm:if>
+            <dgm:else name="Name35">
+              <dgm:choose name="Name36">
+                <dgm:if name="Name37" axis="ch" ptType="node" func="cnt" op="equ" val="1">
+                  <dgm:presOf axis="ch desOrSelf" ptType="node node" st="1 1" cnt="1 0"/>
+                </dgm:if>
+                <dgm:if name="Name38" axis="ch" ptType="node" func="cnt" op="equ" val="2">
+                  <dgm:presOf axis="ch desOrSelf" ptType="node node" st="2 1" cnt="1 0"/>
+                </dgm:if>
+                <dgm:if name="Name39" axis="ch" ptType="node" func="cnt" op="equ" val="3">
+                  <dgm:presOf axis="ch desOrSelf" ptType="node node" st="3 1" cnt="1 0"/>
+                </dgm:if>
+                <dgm:if name="Name40" axis="ch" ptType="node" func="cnt" op="equ" val="4">
+                  <dgm:presOf axis="ch desOrSelf" ptType="node node" st="4 1" cnt="1 0"/>
+                </dgm:if>
+                <dgm:if name="Name41" axis="ch" ptType="node" func="cnt" op="equ" val="5">
+                  <dgm:presOf axis="ch desOrSelf" ptType="node node" st="5 1" cnt="1 0"/>
+                </dgm:if>
+                <dgm:if name="Name42" axis="ch" ptType="node" func="cnt" op="equ" val="6">
+                  <dgm:presOf axis="ch desOrSelf" ptType="node node" st="6 1" cnt="1 0"/>
+                </dgm:if>
+                <dgm:else name="Name43">
+                  <dgm:presOf axis="ch desOrSelf" ptType="node node" st="7 1" cnt="1 0"/>
+                </dgm:else>
+              </dgm:choose>
+            </dgm:else>
+          </dgm:choose>
+          <dgm:constrLst/>
+          <dgm:ruleLst/>
+        </dgm:layoutNode>
+        <dgm:layoutNode name="wedge1Tx" moveWith="wedge1">
+          <dgm:varLst>
+            <dgm:chMax val="0"/>
+            <dgm:chPref val="0"/>
+            <dgm:bulletEnabled val="1"/>
+          </dgm:varLst>
+          <dgm:alg type="tx"/>
+          <dgm:shape xmlns:r="http://schemas.openxmlformats.org/officeDocument/2006/relationships" type="rect" r:blip="" hideGeom="1">
+            <dgm:adjLst/>
+          </dgm:shape>
+          <dgm:choose name="Name44">
+            <dgm:if name="Name45" func="var" arg="dir" op="equ" val="norm">
+              <dgm:presOf axis="ch desOrSelf" ptType="node node" st="1 1" cnt="1 0"/>
+            </dgm:if>
+            <dgm:else name="Name46">
+              <dgm:choose name="Name47">
+                <dgm:if name="Name48" axis="ch" ptType="node" func="cnt" op="equ" val="1">
+                  <dgm:presOf axis="ch desOrSelf" ptType="node node" st="1 1" cnt="1 0"/>
+                </dgm:if>
+                <dgm:if name="Name49" axis="ch" ptType="node" func="cnt" op="equ" val="2">
+                  <dgm:presOf axis="ch desOrSelf" ptType="node node" st="2 1" cnt="1 0"/>
+                </dgm:if>
+                <dgm:if name="Name50" axis="ch" ptType="node" func="cnt" op="equ" val="3">
+                  <dgm:presOf axis="ch desOrSelf" ptType="node node" st="3 1" cnt="1 0"/>
+                </dgm:if>
+                <dgm:if name="Name51" axis="ch" ptType="node" func="cnt" op="equ" val="4">
+                  <dgm:presOf axis="ch desOrSelf" ptType="node node" st="4 1" cnt="1 0"/>
+                </dgm:if>
+                <dgm:if name="Name52" axis="ch" ptType="node" func="cnt" op="equ" val="5">
+                  <dgm:presOf axis="ch desOrSelf" ptType="node node" st="5 1" cnt="1 0"/>
+                </dgm:if>
+                <dgm:if name="Name53" axis="ch" ptType="node" func="cnt" op="equ" val="6">
+                  <dgm:presOf axis="ch desOrSelf" ptType="node node" st="6 1" cnt="1 0"/>
+                </dgm:if>
+                <dgm:else name="Name54">
+                  <dgm:presOf axis="ch desOrSelf" ptType="node node" st="7 1" cnt="1 0"/>
+                </dgm:else>
+              </dgm:choose>
+            </dgm:else>
+          </dgm:choose>
+          <dgm:constrLst>
+            <dgm:constr type="tMarg" refType="primFontSz" fact="0.1"/>
+            <dgm:constr type="bMarg" refType="primFontSz" fact="0.1"/>
+            <dgm:constr type="lMarg" refType="primFontSz" fact="0.1"/>
+            <dgm:constr type="rMarg" refType="primFontSz" fact="0.1"/>
+            <dgm:constr type="primFontSz" val="65"/>
+          </dgm:constrLst>
+          <dgm:ruleLst>
+            <dgm:rule type="primFontSz" val="5" fact="NaN" max="NaN"/>
+          </dgm:ruleLst>
+        </dgm:layoutNode>
+      </dgm:if>
+      <dgm:else name="Name55"/>
+    </dgm:choose>
+    <dgm:choose name="Name56">
+      <dgm:if name="Name57" axis="ch" ptType="node" func="cnt" op="gte" val="2">
+        <dgm:layoutNode name="wedge2">
+          <dgm:alg type="sp"/>
+          <dgm:choose name="Name58">
+            <dgm:if name="Name59" axis="ch" ptType="node" func="cnt" op="equ" val="2">
+              <dgm:shape xmlns:r="http://schemas.openxmlformats.org/officeDocument/2006/relationships" type="pie" r:blip="">
+                <dgm:adjLst>
+                  <dgm:adj idx="1" val="90"/>
+                  <dgm:adj idx="2" val="270"/>
+                </dgm:adjLst>
+              </dgm:shape>
+            </dgm:if>
+            <dgm:if name="Name60" axis="ch" ptType="node" func="cnt" op="equ" val="3">
+              <dgm:shape xmlns:r="http://schemas.openxmlformats.org/officeDocument/2006/relationships" type="pie" r:blip="">
+                <dgm:adjLst>
+                  <dgm:adj idx="1" val="30"/>
+                  <dgm:adj idx="2" val="150"/>
+                </dgm:adjLst>
+              </dgm:shape>
+            </dgm:if>
+            <dgm:if name="Name61" axis="ch" ptType="node" func="cnt" op="equ" val="4">
+              <dgm:shape xmlns:r="http://schemas.openxmlformats.org/officeDocument/2006/relationships" type="pie" r:blip="">
+                <dgm:adjLst>
+                  <dgm:adj idx="1" val="0"/>
+                  <dgm:adj idx="2" val="90"/>
+                </dgm:adjLst>
+              </dgm:shape>
+            </dgm:if>
+            <dgm:if name="Name62" axis="ch" ptType="node" func="cnt" op="equ" val="5">
+              <dgm:shape xmlns:r="http://schemas.openxmlformats.org/officeDocument/2006/relationships" type="pie" r:blip="">
+                <dgm:adjLst>
+                  <dgm:adj idx="1" val="342"/>
+                  <dgm:adj idx="2" val="54"/>
+                </dgm:adjLst>
+              </dgm:shape>
+            </dgm:if>
+            <dgm:if name="Name63" axis="ch" ptType="node" func="cnt" op="equ" val="6">
+              <dgm:shape xmlns:r="http://schemas.openxmlformats.org/officeDocument/2006/relationships" type="pie" r:blip="">
+                <dgm:adjLst>
+                  <dgm:adj idx="1" val="330"/>
+                  <dgm:adj idx="2" val="30"/>
+                </dgm:adjLst>
+              </dgm:shape>
+            </dgm:if>
+            <dgm:else name="Name64">
+              <dgm:shape xmlns:r="http://schemas.openxmlformats.org/officeDocument/2006/relationships" type="pie" r:blip="">
+                <dgm:adjLst>
+                  <dgm:adj idx="1" val="321.4286"/>
+                  <dgm:adj idx="2" val="12.85714"/>
+                </dgm:adjLst>
+              </dgm:shape>
+            </dgm:else>
+          </dgm:choose>
+          <dgm:choose name="Name65">
+            <dgm:if name="Name66" func="var" arg="dir" op="equ" val="norm">
+              <dgm:presOf axis="ch desOrSelf" ptType="node node" st="2 1" cnt="1 0"/>
+            </dgm:if>
+            <dgm:else name="Name67">
+              <dgm:choose name="Name68">
+                <dgm:if name="Name69" axis="ch" ptType="node" func="cnt" op="equ" val="2">
+                  <dgm:presOf axis="ch desOrSelf" ptType="node node" st="1 1" cnt="1 0"/>
+                </dgm:if>
+                <dgm:if name="Name70" axis="ch" ptType="node" func="cnt" op="equ" val="3">
+                  <dgm:presOf axis="ch desOrSelf" ptType="node node" st="2 1" cnt="1 0"/>
+                </dgm:if>
+                <dgm:if name="Name71" axis="ch" ptType="node" func="cnt" op="equ" val="4">
+                  <dgm:presOf axis="ch desOrSelf" ptType="node node" st="3 1" cnt="1 0"/>
+                </dgm:if>
+                <dgm:if name="Name72" axis="ch" ptType="node" func="cnt" op="equ" val="5">
+                  <dgm:presOf axis="ch desOrSelf" ptType="node node" st="4 1" cnt="1 0"/>
+                </dgm:if>
+                <dgm:if name="Name73" axis="ch" ptType="node" func="cnt" op="equ" val="6">
+                  <dgm:presOf axis="ch desOrSelf" ptType="node node" st="5 1" cnt="1 0"/>
+                </dgm:if>
+                <dgm:else name="Name74">
+                  <dgm:presOf axis="ch desOrSelf" ptType="node node" st="6 1" cnt="1 0"/>
+                </dgm:else>
+              </dgm:choose>
+            </dgm:else>
+          </dgm:choose>
+          <dgm:constrLst/>
+          <dgm:ruleLst/>
+        </dgm:layoutNode>
+        <dgm:layoutNode name="wedge2Tx" moveWith="wedge2">
+          <dgm:varLst>
+            <dgm:chMax val="0"/>
+            <dgm:chPref val="0"/>
+            <dgm:bulletEnabled val="1"/>
+          </dgm:varLst>
+          <dgm:alg type="tx"/>
+          <dgm:shape xmlns:r="http://schemas.openxmlformats.org/officeDocument/2006/relationships" type="rect" r:blip="" hideGeom="1">
+            <dgm:adjLst/>
+          </dgm:shape>
+          <dgm:choose name="Name75">
+            <dgm:if name="Name76" func="var" arg="dir" op="equ" val="norm">
+              <dgm:presOf axis="ch desOrSelf" ptType="node node" st="2 1" cnt="1 0"/>
+            </dgm:if>
+            <dgm:else name="Name77">
+              <dgm:choose name="Name78">
+                <dgm:if name="Name79" axis="ch" ptType="node" func="cnt" op="equ" val="2">
+                  <dgm:presOf axis="ch desOrSelf" ptType="node node" st="1 1" cnt="1 0"/>
+                </dgm:if>
+                <dgm:if name="Name80" axis="ch" ptType="node" func="cnt" op="equ" val="3">
+                  <dgm:presOf axis="ch desOrSelf" ptType="node node" st="2 1" cnt="1 0"/>
+                </dgm:if>
+                <dgm:if name="Name81" axis="ch" ptType="node" func="cnt" op="equ" val="4">
+                  <dgm:presOf axis="ch desOrSelf" ptType="node node" st="3 1" cnt="1 0"/>
+                </dgm:if>
+                <dgm:if name="Name82" axis="ch" ptType="node" func="cnt" op="equ" val="5">
+                  <dgm:presOf axis="ch desOrSelf" ptType="node node" st="4 1" cnt="1 0"/>
+                </dgm:if>
+                <dgm:if name="Name83" axis="ch" ptType="node" func="cnt" op="equ" val="6">
+                  <dgm:presOf axis="ch desOrSelf" ptType="node node" st="5 1" cnt="1 0"/>
+                </dgm:if>
+                <dgm:else name="Name84">
+                  <dgm:presOf axis="ch desOrSelf" ptType="node node" st="6 1" cnt="1 0"/>
+                </dgm:else>
+              </dgm:choose>
+            </dgm:else>
+          </dgm:choose>
+          <dgm:constrLst>
+            <dgm:constr type="tMarg" refType="primFontSz" fact="0.1"/>
+            <dgm:constr type="bMarg" refType="primFontSz" fact="0.1"/>
+            <dgm:constr type="lMarg" refType="primFontSz" fact="0.1"/>
+            <dgm:constr type="rMarg" refType="primFontSz" fact="0.1"/>
+            <dgm:constr type="primFontSz" val="65"/>
+          </dgm:constrLst>
+          <dgm:ruleLst>
+            <dgm:rule type="primFontSz" val="5" fact="NaN" max="NaN"/>
+          </dgm:ruleLst>
+        </dgm:layoutNode>
+      </dgm:if>
+      <dgm:else name="Name85"/>
+    </dgm:choose>
+    <dgm:choose name="Name86">
+      <dgm:if name="Name87" axis="ch" ptType="node" func="cnt" op="gte" val="3">
+        <dgm:layoutNode name="wedge3">
+          <dgm:alg type="sp"/>
+          <dgm:choose name="Name88">
+            <dgm:if name="Name89" axis="ch" ptType="node" func="cnt" op="equ" val="3">
+              <dgm:shape xmlns:r="http://schemas.openxmlformats.org/officeDocument/2006/relationships" type="pie" r:blip="">
+                <dgm:adjLst>
+                  <dgm:adj idx="1" val="150"/>
+                  <dgm:adj idx="2" val="270"/>
+                </dgm:adjLst>
+              </dgm:shape>
+            </dgm:if>
+            <dgm:if name="Name90" axis="ch" ptType="node" func="cnt" op="equ" val="4">
+              <dgm:shape xmlns:r="http://schemas.openxmlformats.org/officeDocument/2006/relationships" type="pie" r:blip="">
+                <dgm:adjLst>
+                  <dgm:adj idx="1" val="90"/>
+                  <dgm:adj idx="2" val="180"/>
+                </dgm:adjLst>
+              </dgm:shape>
+            </dgm:if>
+            <dgm:if name="Name91" axis="ch" ptType="node" func="cnt" op="equ" val="5">
+              <dgm:shape xmlns:r="http://schemas.openxmlformats.org/officeDocument/2006/relationships" type="pie" r:blip="">
+                <dgm:adjLst>
+                  <dgm:adj idx="1" val="54"/>
+                  <dgm:adj idx="2" val="126"/>
+                </dgm:adjLst>
+              </dgm:shape>
+            </dgm:if>
+            <dgm:if name="Name92" axis="ch" ptType="node" func="cnt" op="equ" val="6">
+              <dgm:shape xmlns:r="http://schemas.openxmlformats.org/officeDocument/2006/relationships" type="pie" r:blip="">
+                <dgm:adjLst>
+                  <dgm:adj idx="1" val="30"/>
+                  <dgm:adj idx="2" val="90"/>
+                </dgm:adjLst>
+              </dgm:shape>
+            </dgm:if>
+            <dgm:else name="Name93">
+              <dgm:shape xmlns:r="http://schemas.openxmlformats.org/officeDocument/2006/relationships" type="pie" r:blip="">
+                <dgm:adjLst>
+                  <dgm:adj idx="1" val="12.85714"/>
+                  <dgm:adj idx="2" val="64.28571"/>
+                </dgm:adjLst>
+              </dgm:shape>
+            </dgm:else>
+          </dgm:choose>
+          <dgm:choose name="Name94">
+            <dgm:if name="Name95" func="var" arg="dir" op="equ" val="norm">
+              <dgm:presOf axis="ch desOrSelf" ptType="node node" st="3 1" cnt="1 0"/>
+            </dgm:if>
+            <dgm:else name="Name96">
+              <dgm:choose name="Name97">
+                <dgm:if name="Name98" axis="ch" ptType="node" func="cnt" op="equ" val="3">
+                  <dgm:presOf axis="ch desOrSelf" ptType="node node" st="1 1" cnt="1 0"/>
+                </dgm:if>
+                <dgm:if name="Name99" axis="ch" ptType="node" func="cnt" op="equ" val="4">
+                  <dgm:presOf axis="ch desOrSelf" ptType="node node" st="2 1" cnt="1 0"/>
+                </dgm:if>
+                <dgm:if name="Name100" axis="ch" ptType="node" func="cnt" op="equ" val="5">
+                  <dgm:presOf axis="ch desOrSelf" ptType="node node" st="3 1" cnt="1 0"/>
+                </dgm:if>
+                <dgm:if name="Name101" axis="ch" ptType="node" func="cnt" op="equ" val="6">
+                  <dgm:presOf axis="ch desOrSelf" ptType="node node" st="4 1" cnt="1 0"/>
+                </dgm:if>
+                <dgm:else name="Name102">
+                  <dgm:presOf axis="ch desOrSelf" ptType="node node" st="5 1" cnt="1 0"/>
+                </dgm:else>
+              </dgm:choose>
+            </dgm:else>
+          </dgm:choose>
+          <dgm:constrLst/>
+          <dgm:ruleLst/>
+        </dgm:layoutNode>
+        <dgm:layoutNode name="wedge3Tx" moveWith="wedge3">
+          <dgm:varLst>
+            <dgm:chMax val="0"/>
+            <dgm:chPref val="0"/>
+            <dgm:bulletEnabled val="1"/>
+          </dgm:varLst>
+          <dgm:alg type="tx"/>
+          <dgm:shape xmlns:r="http://schemas.openxmlformats.org/officeDocument/2006/relationships" type="rect" r:blip="" hideGeom="1">
+            <dgm:adjLst/>
+          </dgm:shape>
+          <dgm:choose name="Name103">
+            <dgm:if name="Name104" func="var" arg="dir" op="equ" val="norm">
+              <dgm:presOf axis="ch desOrSelf" ptType="node node" st="3 1" cnt="1 0"/>
+            </dgm:if>
+            <dgm:else name="Name105">
+              <dgm:choose name="Name106">
+                <dgm:if name="Name107" axis="ch" ptType="node" func="cnt" op="equ" val="3">
+                  <dgm:presOf axis="ch desOrSelf" ptType="node node" st="1 1" cnt="1 0"/>
+                </dgm:if>
+                <dgm:if name="Name108" axis="ch" ptType="node" func="cnt" op="equ" val="4">
+                  <dgm:presOf axis="ch desOrSelf" ptType="node node" st="2 1" cnt="1 0"/>
+                </dgm:if>
+                <dgm:if name="Name109" axis="ch" ptType="node" func="cnt" op="equ" val="5">
+                  <dgm:presOf axis="ch desOrSelf" ptType="node node" st="3 1" cnt="1 0"/>
+                </dgm:if>
+                <dgm:if name="Name110" axis="ch" ptType="node" func="cnt" op="equ" val="6">
+                  <dgm:presOf axis="ch desOrSelf" ptType="node node" st="4 1" cnt="1 0"/>
+                </dgm:if>
+                <dgm:else name="Name111">
+                  <dgm:presOf axis="ch desOrSelf" ptType="node node" st="5 1" cnt="1 0"/>
+                </dgm:else>
+              </dgm:choose>
+            </dgm:else>
+          </dgm:choose>
+          <dgm:constrLst>
+            <dgm:constr type="tMarg" refType="primFontSz" fact="0.1"/>
+            <dgm:constr type="bMarg" refType="primFontSz" fact="0.1"/>
+            <dgm:constr type="lMarg" refType="primFontSz" fact="0.1"/>
+            <dgm:constr type="rMarg" refType="primFontSz" fact="0.1"/>
+            <dgm:constr type="primFontSz" val="65"/>
+          </dgm:constrLst>
+          <dgm:ruleLst>
+            <dgm:rule type="primFontSz" val="5" fact="NaN" max="NaN"/>
+          </dgm:ruleLst>
+        </dgm:layoutNode>
+      </dgm:if>
+      <dgm:else name="Name112"/>
+    </dgm:choose>
+    <dgm:choose name="Name113">
+      <dgm:if name="Name114" axis="ch" ptType="node" func="cnt" op="gte" val="4">
+        <dgm:layoutNode name="wedge4">
+          <dgm:alg type="sp"/>
+          <dgm:choose name="Name115">
+            <dgm:if name="Name116" axis="ch" ptType="node" func="cnt" op="equ" val="4">
+              <dgm:shape xmlns:r="http://schemas.openxmlformats.org/officeDocument/2006/relationships" type="pie" r:blip="">
+                <dgm:adjLst>
+                  <dgm:adj idx="1" val="180"/>
+                  <dgm:adj idx="2" val="270"/>
+                </dgm:adjLst>
+              </dgm:shape>
+            </dgm:if>
+            <dgm:if name="Name117" axis="ch" ptType="node" func="cnt" op="equ" val="5">
+              <dgm:shape xmlns:r="http://schemas.openxmlformats.org/officeDocument/2006/relationships" type="pie" r:blip="">
+                <dgm:adjLst>
+                  <dgm:adj idx="1" val="126"/>
+                  <dgm:adj idx="2" val="198"/>
+                </dgm:adjLst>
+              </dgm:shape>
+            </dgm:if>
+            <dgm:if name="Name118" axis="ch" ptType="node" func="cnt" op="equ" val="6">
+              <dgm:shape xmlns:r="http://schemas.openxmlformats.org/officeDocument/2006/relationships" type="pie" r:blip="">
+                <dgm:adjLst>
+                  <dgm:adj idx="1" val="90"/>
+                  <dgm:adj idx="2" val="150"/>
+                </dgm:adjLst>
+              </dgm:shape>
+            </dgm:if>
+            <dgm:else name="Name119">
+              <dgm:shape xmlns:r="http://schemas.openxmlformats.org/officeDocument/2006/relationships" type="pie" r:blip="">
+                <dgm:adjLst>
+                  <dgm:adj idx="1" val="64.2871"/>
+                  <dgm:adj idx="2" val="115.7143"/>
+                </dgm:adjLst>
+              </dgm:shape>
+            </dgm:else>
+          </dgm:choose>
+          <dgm:choose name="Name120">
+            <dgm:if name="Name121" func="var" arg="dir" op="equ" val="norm">
+              <dgm:presOf axis="ch desOrSelf" ptType="node node" st="4 1" cnt="1 0"/>
+            </dgm:if>
+            <dgm:else name="Name122">
+              <dgm:choose name="Name123">
+                <dgm:if name="Name124" axis="ch" ptType="node" func="cnt" op="equ" val="4">
+                  <dgm:presOf axis="ch desOrSelf" ptType="node node" st="1 1" cnt="1 0"/>
+                </dgm:if>
+                <dgm:if name="Name125" axis="ch" ptType="node" func="cnt" op="equ" val="5">
+                  <dgm:presOf axis="ch desOrSelf" ptType="node node" st="2 1" cnt="1 0"/>
+                </dgm:if>
+                <dgm:if name="Name126" axis="ch" ptType="node" func="cnt" op="equ" val="6">
+                  <dgm:presOf axis="ch desOrSelf" ptType="node node" st="3 1" cnt="1 0"/>
+                </dgm:if>
+                <dgm:else name="Name127">
+                  <dgm:presOf axis="ch desOrSelf" ptType="node node" st="4 1" cnt="1 0"/>
+                </dgm:else>
+              </dgm:choose>
+            </dgm:else>
+          </dgm:choose>
+          <dgm:constrLst/>
+          <dgm:ruleLst/>
+        </dgm:layoutNode>
+        <dgm:layoutNode name="wedge4Tx" moveWith="wedge4">
+          <dgm:varLst>
+            <dgm:chMax val="0"/>
+            <dgm:chPref val="0"/>
+            <dgm:bulletEnabled val="1"/>
+          </dgm:varLst>
+          <dgm:alg type="tx"/>
+          <dgm:shape xmlns:r="http://schemas.openxmlformats.org/officeDocument/2006/relationships" type="rect" r:blip="" hideGeom="1">
+            <dgm:adjLst/>
+          </dgm:shape>
+          <dgm:choose name="Name128">
+            <dgm:if name="Name129" func="var" arg="dir" op="equ" val="norm">
+              <dgm:presOf axis="ch desOrSelf" ptType="node node" st="4 1" cnt="1 0"/>
+            </dgm:if>
+            <dgm:else name="Name130">
+              <dgm:choose name="Name131">
+                <dgm:if name="Name132" axis="ch" ptType="node" func="cnt" op="equ" val="4">
+                  <dgm:presOf axis="ch desOrSelf" ptType="node node" st="1 1" cnt="1 0"/>
+                </dgm:if>
+                <dgm:if name="Name133" axis="ch" ptType="node" func="cnt" op="equ" val="5">
+                  <dgm:presOf axis="ch desOrSelf" ptType="node node" st="2 1" cnt="1 0"/>
+                </dgm:if>
+                <dgm:if name="Name134" axis="ch" ptType="node" func="cnt" op="equ" val="6">
+                  <dgm:presOf axis="ch desOrSelf" ptType="node node" st="3 1" cnt="1 0"/>
+                </dgm:if>
+                <dgm:else name="Name135">
+                  <dgm:presOf axis="ch desOrSelf" ptType="node node" st="4 1" cnt="1 0"/>
+                </dgm:else>
+              </dgm:choose>
+            </dgm:else>
+          </dgm:choose>
+          <dgm:constrLst>
+            <dgm:constr type="tMarg" refType="primFontSz" fact="0.1"/>
+            <dgm:constr type="bMarg" refType="primFontSz" fact="0.1"/>
+            <dgm:constr type="lMarg" refType="primFontSz" fact="0.1"/>
+            <dgm:constr type="rMarg" refType="primFontSz" fact="0.1"/>
+            <dgm:constr type="primFontSz" val="65"/>
+          </dgm:constrLst>
+          <dgm:ruleLst>
+            <dgm:rule type="primFontSz" val="5" fact="NaN" max="NaN"/>
+          </dgm:ruleLst>
+        </dgm:layoutNode>
+      </dgm:if>
+      <dgm:else name="Name136"/>
+    </dgm:choose>
+    <dgm:choose name="Name137">
+      <dgm:if name="Name138" axis="ch" ptType="node" func="cnt" op="gte" val="5">
+        <dgm:layoutNode name="wedge5">
+          <dgm:alg type="sp"/>
+          <dgm:choose name="Name139">
+            <dgm:if name="Name140" axis="ch" ptType="node" func="cnt" op="equ" val="5">
+              <dgm:shape xmlns:r="http://schemas.openxmlformats.org/officeDocument/2006/relationships" type="pie" r:blip="">
+                <dgm:adjLst>
+                  <dgm:adj idx="1" val="198"/>
+                  <dgm:adj idx="2" val="270"/>
+                </dgm:adjLst>
+              </dgm:shape>
+            </dgm:if>
+            <dgm:if name="Name141" axis="ch" ptType="node" func="cnt" op="equ" val="6">
+              <dgm:shape xmlns:r="http://schemas.openxmlformats.org/officeDocument/2006/relationships" type="pie" r:blip="">
+                <dgm:adjLst>
+                  <dgm:adj idx="1" val="150"/>
+                  <dgm:adj idx="2" val="210"/>
+                </dgm:adjLst>
+              </dgm:shape>
+            </dgm:if>
+            <dgm:else name="Name142">
+              <dgm:shape xmlns:r="http://schemas.openxmlformats.org/officeDocument/2006/relationships" type="pie" r:blip="">
+                <dgm:adjLst>
+                  <dgm:adj idx="1" val="115.7143"/>
+                  <dgm:adj idx="2" val="167.1429"/>
+                </dgm:adjLst>
+              </dgm:shape>
+            </dgm:else>
+          </dgm:choose>
+          <dgm:choose name="Name143">
+            <dgm:if name="Name144" func="var" arg="dir" op="equ" val="norm">
+              <dgm:presOf axis="ch desOrSelf" ptType="node node" st="5 1" cnt="1 0"/>
+            </dgm:if>
+            <dgm:else name="Name145">
+              <dgm:choose name="Name146">
+                <dgm:if name="Name147" axis="ch" ptType="node" func="cnt" op="equ" val="5">
+                  <dgm:presOf axis="ch desOrSelf" ptType="node node" st="1 1" cnt="1 0"/>
+                </dgm:if>
+                <dgm:if name="Name148" axis="ch" ptType="node" func="cnt" op="equ" val="6">
+                  <dgm:presOf axis="ch desOrSelf" ptType="node node" st="2 1" cnt="1 0"/>
+                </dgm:if>
+                <dgm:else name="Name149">
+                  <dgm:presOf axis="ch desOrSelf" ptType="node node" st="3 1" cnt="1 0"/>
+                </dgm:else>
+              </dgm:choose>
+            </dgm:else>
+          </dgm:choose>
+          <dgm:constrLst/>
+          <dgm:ruleLst/>
+        </dgm:layoutNode>
+        <dgm:layoutNode name="wedge5Tx" moveWith="wedge5">
+          <dgm:varLst>
+            <dgm:chMax val="0"/>
+            <dgm:chPref val="0"/>
+            <dgm:bulletEnabled val="1"/>
+          </dgm:varLst>
+          <dgm:alg type="tx"/>
+          <dgm:shape xmlns:r="http://schemas.openxmlformats.org/officeDocument/2006/relationships" type="rect" r:blip="" hideGeom="1">
+            <dgm:adjLst/>
+          </dgm:shape>
+          <dgm:choose name="Name150">
+            <dgm:if name="Name151" func="var" arg="dir" op="equ" val="norm">
+              <dgm:presOf axis="ch desOrSelf" ptType="node node" st="5 1" cnt="1 0"/>
+            </dgm:if>
+            <dgm:else name="Name152">
+              <dgm:choose name="Name153">
+                <dgm:if name="Name154" axis="ch" ptType="node" func="cnt" op="equ" val="5">
+                  <dgm:presOf axis="ch desOrSelf" ptType="node node" st="1 1" cnt="1 0"/>
+                </dgm:if>
+                <dgm:if name="Name155" axis="ch" ptType="node" func="cnt" op="equ" val="6">
+                  <dgm:presOf axis="ch desOrSelf" ptType="node node" st="2 1" cnt="1 0"/>
+                </dgm:if>
+                <dgm:else name="Name156">
+                  <dgm:presOf axis="ch desOrSelf" ptType="node node" st="3 1" cnt="1 0"/>
+                </dgm:else>
+              </dgm:choose>
+            </dgm:else>
+          </dgm:choose>
+          <dgm:constrLst>
+            <dgm:constr type="tMarg" refType="primFontSz" fact="0.1"/>
+            <dgm:constr type="bMarg" refType="primFontSz" fact="0.1"/>
+            <dgm:constr type="lMarg" refType="primFontSz" fact="0.1"/>
+            <dgm:constr type="rMarg" refType="primFontSz" fact="0.1"/>
+            <dgm:constr type="primFontSz" val="65"/>
+          </dgm:constrLst>
+          <dgm:ruleLst>
+            <dgm:rule type="primFontSz" val="5" fact="NaN" max="NaN"/>
+          </dgm:ruleLst>
+        </dgm:layoutNode>
+      </dgm:if>
+      <dgm:else name="Name157"/>
+    </dgm:choose>
+    <dgm:choose name="Name158">
+      <dgm:if name="Name159" axis="ch" ptType="node" func="cnt" op="gte" val="6">
+        <dgm:layoutNode name="wedge6">
+          <dgm:alg type="sp"/>
+          <dgm:choose name="Name160">
+            <dgm:if name="Name161" axis="ch" ptType="node" func="cnt" op="equ" val="6">
+              <dgm:shape xmlns:r="http://schemas.openxmlformats.org/officeDocument/2006/relationships" type="pie" r:blip="">
+                <dgm:adjLst>
+                  <dgm:adj idx="1" val="210"/>
+                  <dgm:adj idx="2" val="270"/>
+                </dgm:adjLst>
+              </dgm:shape>
+            </dgm:if>
+            <dgm:else name="Name162">
+              <dgm:shape xmlns:r="http://schemas.openxmlformats.org/officeDocument/2006/relationships" type="pie" r:blip="">
+                <dgm:adjLst>
+                  <dgm:adj idx="1" val="167.1429"/>
+                  <dgm:adj idx="2" val="218.5714"/>
+                </dgm:adjLst>
+              </dgm:shape>
+            </dgm:else>
+          </dgm:choose>
+          <dgm:choose name="Name163">
+            <dgm:if name="Name164" func="var" arg="dir" op="equ" val="norm">
+              <dgm:presOf axis="ch desOrSelf" ptType="node node" st="6 1" cnt="1 0"/>
+            </dgm:if>
+            <dgm:else name="Name165">
+              <dgm:choose name="Name166">
+                <dgm:if name="Name167" axis="ch" ptType="node" func="cnt" op="equ" val="6">
+                  <dgm:presOf axis="ch desOrSelf" ptType="node node" st="1 1" cnt="1 0"/>
+                </dgm:if>
+                <dgm:else name="Name168">
+                  <dgm:presOf axis="ch desOrSelf" ptType="node node" st="2 1" cnt="1 0"/>
+                </dgm:else>
+              </dgm:choose>
+            </dgm:else>
+          </dgm:choose>
+          <dgm:constrLst/>
+          <dgm:ruleLst/>
+        </dgm:layoutNode>
+        <dgm:layoutNode name="wedge6Tx" moveWith="wedge6">
+          <dgm:varLst>
+            <dgm:chMax val="0"/>
+            <dgm:chPref val="0"/>
+            <dgm:bulletEnabled val="1"/>
+          </dgm:varLst>
+          <dgm:alg type="tx"/>
+          <dgm:shape xmlns:r="http://schemas.openxmlformats.org/officeDocument/2006/relationships" type="rect" r:blip="" hideGeom="1">
+            <dgm:adjLst/>
+          </dgm:shape>
+          <dgm:choose name="Name169">
+            <dgm:if name="Name170" func="var" arg="dir" op="equ" val="norm">
+              <dgm:presOf axis="ch desOrSelf" ptType="node node" st="6 1" cnt="1 0"/>
+            </dgm:if>
+            <dgm:else name="Name171">
+              <dgm:choose name="Name172">
+                <dgm:if name="Name173" axis="ch" ptType="node" func="cnt" op="equ" val="6">
+                  <dgm:presOf axis="ch desOrSelf" ptType="node node" st="1 1" cnt="1 0"/>
+                </dgm:if>
+                <dgm:else name="Name174">
+                  <dgm:presOf axis="ch desOrSelf" ptType="node node" st="2 1" cnt="1 0"/>
+                </dgm:else>
+              </dgm:choose>
+            </dgm:else>
+          </dgm:choose>
+          <dgm:constrLst>
+            <dgm:constr type="tMarg" refType="primFontSz" fact="0.1"/>
+            <dgm:constr type="bMarg" refType="primFontSz" fact="0.1"/>
+            <dgm:constr type="lMarg" refType="primFontSz" fact="0.1"/>
+            <dgm:constr type="rMarg" refType="primFontSz" fact="0.1"/>
+            <dgm:constr type="primFontSz" val="65"/>
+          </dgm:constrLst>
+          <dgm:ruleLst>
+            <dgm:rule type="primFontSz" val="5" fact="NaN" max="NaN"/>
+          </dgm:ruleLst>
+        </dgm:layoutNode>
+      </dgm:if>
+      <dgm:else name="Name175"/>
+    </dgm:choose>
+    <dgm:choose name="Name176">
+      <dgm:if name="Name177" axis="ch" ptType="node" func="cnt" op="gte" val="7">
+        <dgm:layoutNode name="wedge7">
+          <dgm:alg type="sp"/>
+          <dgm:shape xmlns:r="http://schemas.openxmlformats.org/officeDocument/2006/relationships" type="pie" r:blip="">
+            <dgm:adjLst>
+              <dgm:adj idx="1" val="218.5714"/>
+              <dgm:adj idx="2" val="270"/>
+            </dgm:adjLst>
+          </dgm:shape>
+          <dgm:choose name="Name178">
+            <dgm:if name="Name179" func="var" arg="dir" op="equ" val="norm">
+              <dgm:presOf axis="ch desOrSelf" ptType="node node" st="7 1" cnt="1 0"/>
+            </dgm:if>
+            <dgm:else name="Name180">
+              <dgm:presOf axis="ch desOrSelf" ptType="node node" st="1 1" cnt="1 0"/>
+            </dgm:else>
+          </dgm:choose>
+          <dgm:constrLst/>
+          <dgm:ruleLst/>
+        </dgm:layoutNode>
+        <dgm:layoutNode name="wedge7Tx" moveWith="wedge7">
+          <dgm:varLst>
+            <dgm:chMax val="0"/>
+            <dgm:chPref val="0"/>
+            <dgm:bulletEnabled val="1"/>
+          </dgm:varLst>
+          <dgm:alg type="tx"/>
+          <dgm:shape xmlns:r="http://schemas.openxmlformats.org/officeDocument/2006/relationships" type="rect" r:blip="" hideGeom="1">
+            <dgm:adjLst/>
+          </dgm:shape>
+          <dgm:choose name="Name181">
+            <dgm:if name="Name182" func="var" arg="dir" op="equ" val="norm">
+              <dgm:presOf axis="ch desOrSelf" ptType="node node" st="7 1" cnt="1 0"/>
+            </dgm:if>
+            <dgm:else name="Name183">
+              <dgm:presOf axis="ch desOrSelf" ptType="node node" st="1 1" cnt="1 0"/>
+            </dgm:else>
+          </dgm:choose>
+          <dgm:constrLst>
+            <dgm:constr type="tMarg" refType="primFontSz" fact="0.1"/>
+            <dgm:constr type="bMarg" refType="primFontSz" fact="0.1"/>
+            <dgm:constr type="lMarg" refType="primFontSz" fact="0.1"/>
+            <dgm:constr type="rMarg" refType="primFontSz" fact="0.1"/>
+            <dgm:constr type="primFontSz" val="65"/>
+          </dgm:constrLst>
+          <dgm:ruleLst>
+            <dgm:rule type="primFontSz" val="5" fact="NaN" max="NaN"/>
+          </dgm:ruleLst>
+        </dgm:layoutNode>
+      </dgm:if>
+      <dgm:else name="Name184"/>
+    </dgm:choose>
+  </dgm:layoutNode>
+</dgm:layoutDef>
+</file>
+
 <file path=ppt/diagrams/quickStyle1.xml><?xml version="1.0" encoding="utf-8"?>
 <dgm:styleDef xmlns:dgm="http://schemas.openxmlformats.org/drawingml/2006/diagram" xmlns:a="http://schemas.openxmlformats.org/drawingml/2006/main" uniqueId="urn:microsoft.com/office/officeart/2005/8/quickstyle/simple1">
   <dgm:title val=""/>
@@ -12673,6 +16756,2074 @@
 </file>
 
 <file path=ppt/diagrams/quickStyle5.xml><?xml version="1.0" encoding="utf-8"?>
+<dgm:styleDef xmlns:dgm="http://schemas.openxmlformats.org/drawingml/2006/diagram" xmlns:a="http://schemas.openxmlformats.org/drawingml/2006/main" uniqueId="urn:microsoft.com/office/officeart/2005/8/quickstyle/simple1">
+  <dgm:title val=""/>
+  <dgm:desc val=""/>
+  <dgm:catLst>
+    <dgm:cat type="simple" pri="10100"/>
+  </dgm:catLst>
+  <dgm:scene3d>
+    <a:camera prst="orthographicFront"/>
+    <a:lightRig rig="threePt" dir="t"/>
+  </dgm:scene3d>
+  <dgm:styleLbl name="node0">
+    <dgm:scene3d>
+      <a:camera prst="orthographicFront"/>
+      <a:lightRig rig="threePt" dir="t"/>
+    </dgm:scene3d>
+    <dgm:sp3d/>
+    <dgm:txPr/>
+    <dgm:style>
+      <a:lnRef idx="2">
+        <a:scrgbClr r="0" g="0" b="0"/>
+      </a:lnRef>
+      <a:fillRef idx="1">
+        <a:scrgbClr r="0" g="0" b="0"/>
+      </a:fillRef>
+      <a:effectRef idx="0">
+        <a:scrgbClr r="0" g="0" b="0"/>
+      </a:effectRef>
+      <a:fontRef idx="minor">
+        <a:schemeClr val="lt1"/>
+      </a:fontRef>
+    </dgm:style>
+  </dgm:styleLbl>
+  <dgm:styleLbl name="lnNode1">
+    <dgm:scene3d>
+      <a:camera prst="orthographicFront"/>
+      <a:lightRig rig="threePt" dir="t"/>
+    </dgm:scene3d>
+    <dgm:sp3d/>
+    <dgm:txPr/>
+    <dgm:style>
+      <a:lnRef idx="2">
+        <a:scrgbClr r="0" g="0" b="0"/>
+      </a:lnRef>
+      <a:fillRef idx="1">
+        <a:scrgbClr r="0" g="0" b="0"/>
+      </a:fillRef>
+      <a:effectRef idx="0">
+        <a:scrgbClr r="0" g="0" b="0"/>
+      </a:effectRef>
+      <a:fontRef idx="minor">
+        <a:schemeClr val="lt1"/>
+      </a:fontRef>
+    </dgm:style>
+  </dgm:styleLbl>
+  <dgm:styleLbl name="vennNode1">
+    <dgm:scene3d>
+      <a:camera prst="orthographicFront"/>
+      <a:lightRig rig="threePt" dir="t"/>
+    </dgm:scene3d>
+    <dgm:sp3d/>
+    <dgm:txPr/>
+    <dgm:style>
+      <a:lnRef idx="2">
+        <a:scrgbClr r="0" g="0" b="0"/>
+      </a:lnRef>
+      <a:fillRef idx="1">
+        <a:scrgbClr r="0" g="0" b="0"/>
+      </a:fillRef>
+      <a:effectRef idx="0">
+        <a:scrgbClr r="0" g="0" b="0"/>
+      </a:effectRef>
+      <a:fontRef idx="minor">
+        <a:schemeClr val="tx1"/>
+      </a:fontRef>
+    </dgm:style>
+  </dgm:styleLbl>
+  <dgm:styleLbl name="alignNode1">
+    <dgm:scene3d>
+      <a:camera prst="orthographicFront"/>
+      <a:lightRig rig="threePt" dir="t"/>
+    </dgm:scene3d>
+    <dgm:sp3d/>
+    <dgm:txPr/>
+    <dgm:style>
+      <a:lnRef idx="2">
+        <a:scrgbClr r="0" g="0" b="0"/>
+      </a:lnRef>
+      <a:fillRef idx="1">
+        <a:scrgbClr r="0" g="0" b="0"/>
+      </a:fillRef>
+      <a:effectRef idx="0">
+        <a:scrgbClr r="0" g="0" b="0"/>
+      </a:effectRef>
+      <a:fontRef idx="minor">
+        <a:schemeClr val="lt1"/>
+      </a:fontRef>
+    </dgm:style>
+  </dgm:styleLbl>
+  <dgm:styleLbl name="node1">
+    <dgm:scene3d>
+      <a:camera prst="orthographicFront"/>
+      <a:lightRig rig="threePt" dir="t"/>
+    </dgm:scene3d>
+    <dgm:sp3d/>
+    <dgm:txPr/>
+    <dgm:style>
+      <a:lnRef idx="2">
+        <a:scrgbClr r="0" g="0" b="0"/>
+      </a:lnRef>
+      <a:fillRef idx="1">
+        <a:scrgbClr r="0" g="0" b="0"/>
+      </a:fillRef>
+      <a:effectRef idx="0">
+        <a:scrgbClr r="0" g="0" b="0"/>
+      </a:effectRef>
+      <a:fontRef idx="minor">
+        <a:schemeClr val="lt1"/>
+      </a:fontRef>
+    </dgm:style>
+  </dgm:styleLbl>
+  <dgm:styleLbl name="node2">
+    <dgm:scene3d>
+      <a:camera prst="orthographicFront"/>
+      <a:lightRig rig="threePt" dir="t"/>
+    </dgm:scene3d>
+    <dgm:sp3d/>
+    <dgm:txPr/>
+    <dgm:style>
+      <a:lnRef idx="2">
+        <a:scrgbClr r="0" g="0" b="0"/>
+      </a:lnRef>
+      <a:fillRef idx="1">
+        <a:scrgbClr r="0" g="0" b="0"/>
+      </a:fillRef>
+      <a:effectRef idx="0">
+        <a:scrgbClr r="0" g="0" b="0"/>
+      </a:effectRef>
+      <a:fontRef idx="minor">
+        <a:schemeClr val="lt1"/>
+      </a:fontRef>
+    </dgm:style>
+  </dgm:styleLbl>
+  <dgm:styleLbl name="node3">
+    <dgm:scene3d>
+      <a:camera prst="orthographicFront"/>
+      <a:lightRig rig="threePt" dir="t"/>
+    </dgm:scene3d>
+    <dgm:sp3d/>
+    <dgm:txPr/>
+    <dgm:style>
+      <a:lnRef idx="2">
+        <a:scrgbClr r="0" g="0" b="0"/>
+      </a:lnRef>
+      <a:fillRef idx="1">
+        <a:scrgbClr r="0" g="0" b="0"/>
+      </a:fillRef>
+      <a:effectRef idx="0">
+        <a:scrgbClr r="0" g="0" b="0"/>
+      </a:effectRef>
+      <a:fontRef idx="minor">
+        <a:schemeClr val="lt1"/>
+      </a:fontRef>
+    </dgm:style>
+  </dgm:styleLbl>
+  <dgm:styleLbl name="node4">
+    <dgm:scene3d>
+      <a:camera prst="orthographicFront"/>
+      <a:lightRig rig="threePt" dir="t"/>
+    </dgm:scene3d>
+    <dgm:sp3d/>
+    <dgm:txPr/>
+    <dgm:style>
+      <a:lnRef idx="2">
+        <a:scrgbClr r="0" g="0" b="0"/>
+      </a:lnRef>
+      <a:fillRef idx="1">
+        <a:scrgbClr r="0" g="0" b="0"/>
+      </a:fillRef>
+      <a:effectRef idx="0">
+        <a:scrgbClr r="0" g="0" b="0"/>
+      </a:effectRef>
+      <a:fontRef idx="minor">
+        <a:schemeClr val="lt1"/>
+      </a:fontRef>
+    </dgm:style>
+  </dgm:styleLbl>
+  <dgm:styleLbl name="fgImgPlace1">
+    <dgm:scene3d>
+      <a:camera prst="orthographicFront"/>
+      <a:lightRig rig="threePt" dir="t"/>
+    </dgm:scene3d>
+    <dgm:sp3d/>
+    <dgm:txPr/>
+    <dgm:style>
+      <a:lnRef idx="2">
+        <a:scrgbClr r="0" g="0" b="0"/>
+      </a:lnRef>
+      <a:fillRef idx="1">
+        <a:scrgbClr r="0" g="0" b="0"/>
+      </a:fillRef>
+      <a:effectRef idx="0">
+        <a:scrgbClr r="0" g="0" b="0"/>
+      </a:effectRef>
+      <a:fontRef idx="minor"/>
+    </dgm:style>
+  </dgm:styleLbl>
+  <dgm:styleLbl name="alignImgPlace1">
+    <dgm:scene3d>
+      <a:camera prst="orthographicFront"/>
+      <a:lightRig rig="threePt" dir="t"/>
+    </dgm:scene3d>
+    <dgm:sp3d/>
+    <dgm:txPr/>
+    <dgm:style>
+      <a:lnRef idx="2">
+        <a:scrgbClr r="0" g="0" b="0"/>
+      </a:lnRef>
+      <a:fillRef idx="1">
+        <a:scrgbClr r="0" g="0" b="0"/>
+      </a:fillRef>
+      <a:effectRef idx="0">
+        <a:scrgbClr r="0" g="0" b="0"/>
+      </a:effectRef>
+      <a:fontRef idx="minor"/>
+    </dgm:style>
+  </dgm:styleLbl>
+  <dgm:styleLbl name="bgImgPlace1">
+    <dgm:scene3d>
+      <a:camera prst="orthographicFront"/>
+      <a:lightRig rig="threePt" dir="t"/>
+    </dgm:scene3d>
+    <dgm:sp3d/>
+    <dgm:txPr/>
+    <dgm:style>
+      <a:lnRef idx="2">
+        <a:scrgbClr r="0" g="0" b="0"/>
+      </a:lnRef>
+      <a:fillRef idx="1">
+        <a:scrgbClr r="0" g="0" b="0"/>
+      </a:fillRef>
+      <a:effectRef idx="0">
+        <a:scrgbClr r="0" g="0" b="0"/>
+      </a:effectRef>
+      <a:fontRef idx="minor"/>
+    </dgm:style>
+  </dgm:styleLbl>
+  <dgm:styleLbl name="sibTrans2D1">
+    <dgm:scene3d>
+      <a:camera prst="orthographicFront"/>
+      <a:lightRig rig="threePt" dir="t"/>
+    </dgm:scene3d>
+    <dgm:sp3d/>
+    <dgm:txPr/>
+    <dgm:style>
+      <a:lnRef idx="0">
+        <a:scrgbClr r="0" g="0" b="0"/>
+      </a:lnRef>
+      <a:fillRef idx="1">
+        <a:scrgbClr r="0" g="0" b="0"/>
+      </a:fillRef>
+      <a:effectRef idx="0">
+        <a:scrgbClr r="0" g="0" b="0"/>
+      </a:effectRef>
+      <a:fontRef idx="minor">
+        <a:schemeClr val="lt1"/>
+      </a:fontRef>
+    </dgm:style>
+  </dgm:styleLbl>
+  <dgm:styleLbl name="fgSibTrans2D1">
+    <dgm:scene3d>
+      <a:camera prst="orthographicFront"/>
+      <a:lightRig rig="threePt" dir="t"/>
+    </dgm:scene3d>
+    <dgm:sp3d/>
+    <dgm:txPr/>
+    <dgm:style>
+      <a:lnRef idx="0">
+        <a:scrgbClr r="0" g="0" b="0"/>
+      </a:lnRef>
+      <a:fillRef idx="1">
+        <a:scrgbClr r="0" g="0" b="0"/>
+      </a:fillRef>
+      <a:effectRef idx="0">
+        <a:scrgbClr r="0" g="0" b="0"/>
+      </a:effectRef>
+      <a:fontRef idx="minor">
+        <a:schemeClr val="lt1"/>
+      </a:fontRef>
+    </dgm:style>
+  </dgm:styleLbl>
+  <dgm:styleLbl name="bgSibTrans2D1">
+    <dgm:scene3d>
+      <a:camera prst="orthographicFront"/>
+      <a:lightRig rig="threePt" dir="t"/>
+    </dgm:scene3d>
+    <dgm:sp3d/>
+    <dgm:txPr/>
+    <dgm:style>
+      <a:lnRef idx="0">
+        <a:scrgbClr r="0" g="0" b="0"/>
+      </a:lnRef>
+      <a:fillRef idx="1">
+        <a:scrgbClr r="0" g="0" b="0"/>
+      </a:fillRef>
+      <a:effectRef idx="0">
+        <a:scrgbClr r="0" g="0" b="0"/>
+      </a:effectRef>
+      <a:fontRef idx="minor">
+        <a:schemeClr val="lt1"/>
+      </a:fontRef>
+    </dgm:style>
+  </dgm:styleLbl>
+  <dgm:styleLbl name="sibTrans1D1">
+    <dgm:scene3d>
+      <a:camera prst="orthographicFront"/>
+      <a:lightRig rig="threePt" dir="t"/>
+    </dgm:scene3d>
+    <dgm:sp3d/>
+    <dgm:txPr/>
+    <dgm:style>
+      <a:lnRef idx="1">
+        <a:scrgbClr r="0" g="0" b="0"/>
+      </a:lnRef>
+      <a:fillRef idx="0">
+        <a:scrgbClr r="0" g="0" b="0"/>
+      </a:fillRef>
+      <a:effectRef idx="0">
+        <a:scrgbClr r="0" g="0" b="0"/>
+      </a:effectRef>
+      <a:fontRef idx="minor"/>
+    </dgm:style>
+  </dgm:styleLbl>
+  <dgm:styleLbl name="callout">
+    <dgm:scene3d>
+      <a:camera prst="orthographicFront"/>
+      <a:lightRig rig="threePt" dir="t"/>
+    </dgm:scene3d>
+    <dgm:sp3d/>
+    <dgm:txPr/>
+    <dgm:style>
+      <a:lnRef idx="2">
+        <a:scrgbClr r="0" g="0" b="0"/>
+      </a:lnRef>
+      <a:fillRef idx="1">
+        <a:scrgbClr r="0" g="0" b="0"/>
+      </a:fillRef>
+      <a:effectRef idx="0">
+        <a:scrgbClr r="0" g="0" b="0"/>
+      </a:effectRef>
+      <a:fontRef idx="minor"/>
+    </dgm:style>
+  </dgm:styleLbl>
+  <dgm:styleLbl name="asst0">
+    <dgm:scene3d>
+      <a:camera prst="orthographicFront"/>
+      <a:lightRig rig="threePt" dir="t"/>
+    </dgm:scene3d>
+    <dgm:sp3d/>
+    <dgm:txPr/>
+    <dgm:style>
+      <a:lnRef idx="2">
+        <a:scrgbClr r="0" g="0" b="0"/>
+      </a:lnRef>
+      <a:fillRef idx="1">
+        <a:scrgbClr r="0" g="0" b="0"/>
+      </a:fillRef>
+      <a:effectRef idx="0">
+        <a:scrgbClr r="0" g="0" b="0"/>
+      </a:effectRef>
+      <a:fontRef idx="minor">
+        <a:schemeClr val="lt1"/>
+      </a:fontRef>
+    </dgm:style>
+  </dgm:styleLbl>
+  <dgm:styleLbl name="asst1">
+    <dgm:scene3d>
+      <a:camera prst="orthographicFront"/>
+      <a:lightRig rig="threePt" dir="t"/>
+    </dgm:scene3d>
+    <dgm:sp3d/>
+    <dgm:txPr/>
+    <dgm:style>
+      <a:lnRef idx="2">
+        <a:scrgbClr r="0" g="0" b="0"/>
+      </a:lnRef>
+      <a:fillRef idx="1">
+        <a:scrgbClr r="0" g="0" b="0"/>
+      </a:fillRef>
+      <a:effectRef idx="0">
+        <a:scrgbClr r="0" g="0" b="0"/>
+      </a:effectRef>
+      <a:fontRef idx="minor">
+        <a:schemeClr val="lt1"/>
+      </a:fontRef>
+    </dgm:style>
+  </dgm:styleLbl>
+  <dgm:styleLbl name="asst2">
+    <dgm:scene3d>
+      <a:camera prst="orthographicFront"/>
+      <a:lightRig rig="threePt" dir="t"/>
+    </dgm:scene3d>
+    <dgm:sp3d/>
+    <dgm:txPr/>
+    <dgm:style>
+      <a:lnRef idx="2">
+        <a:scrgbClr r="0" g="0" b="0"/>
+      </a:lnRef>
+      <a:fillRef idx="1">
+        <a:scrgbClr r="0" g="0" b="0"/>
+      </a:fillRef>
+      <a:effectRef idx="0">
+        <a:scrgbClr r="0" g="0" b="0"/>
+      </a:effectRef>
+      <a:fontRef idx="minor">
+        <a:schemeClr val="lt1"/>
+      </a:fontRef>
+    </dgm:style>
+  </dgm:styleLbl>
+  <dgm:styleLbl name="asst3">
+    <dgm:scene3d>
+      <a:camera prst="orthographicFront"/>
+      <a:lightRig rig="threePt" dir="t"/>
+    </dgm:scene3d>
+    <dgm:sp3d/>
+    <dgm:txPr/>
+    <dgm:style>
+      <a:lnRef idx="2">
+        <a:scrgbClr r="0" g="0" b="0"/>
+      </a:lnRef>
+      <a:fillRef idx="1">
+        <a:scrgbClr r="0" g="0" b="0"/>
+      </a:fillRef>
+      <a:effectRef idx="0">
+        <a:scrgbClr r="0" g="0" b="0"/>
+      </a:effectRef>
+      <a:fontRef idx="minor">
+        <a:schemeClr val="lt1"/>
+      </a:fontRef>
+    </dgm:style>
+  </dgm:styleLbl>
+  <dgm:styleLbl name="asst4">
+    <dgm:scene3d>
+      <a:camera prst="orthographicFront"/>
+      <a:lightRig rig="threePt" dir="t"/>
+    </dgm:scene3d>
+    <dgm:sp3d/>
+    <dgm:txPr/>
+    <dgm:style>
+      <a:lnRef idx="2">
+        <a:scrgbClr r="0" g="0" b="0"/>
+      </a:lnRef>
+      <a:fillRef idx="1">
+        <a:scrgbClr r="0" g="0" b="0"/>
+      </a:fillRef>
+      <a:effectRef idx="0">
+        <a:scrgbClr r="0" g="0" b="0"/>
+      </a:effectRef>
+      <a:fontRef idx="minor">
+        <a:schemeClr val="lt1"/>
+      </a:fontRef>
+    </dgm:style>
+  </dgm:styleLbl>
+  <dgm:styleLbl name="parChTrans2D1">
+    <dgm:scene3d>
+      <a:camera prst="orthographicFront"/>
+      <a:lightRig rig="threePt" dir="t"/>
+    </dgm:scene3d>
+    <dgm:sp3d/>
+    <dgm:txPr/>
+    <dgm:style>
+      <a:lnRef idx="2">
+        <a:scrgbClr r="0" g="0" b="0"/>
+      </a:lnRef>
+      <a:fillRef idx="1">
+        <a:scrgbClr r="0" g="0" b="0"/>
+      </a:fillRef>
+      <a:effectRef idx="0">
+        <a:scrgbClr r="0" g="0" b="0"/>
+      </a:effectRef>
+      <a:fontRef idx="minor">
+        <a:schemeClr val="lt1"/>
+      </a:fontRef>
+    </dgm:style>
+  </dgm:styleLbl>
+  <dgm:styleLbl name="parChTrans2D2">
+    <dgm:scene3d>
+      <a:camera prst="orthographicFront"/>
+      <a:lightRig rig="threePt" dir="t"/>
+    </dgm:scene3d>
+    <dgm:sp3d/>
+    <dgm:txPr/>
+    <dgm:style>
+      <a:lnRef idx="2">
+        <a:scrgbClr r="0" g="0" b="0"/>
+      </a:lnRef>
+      <a:fillRef idx="1">
+        <a:scrgbClr r="0" g="0" b="0"/>
+      </a:fillRef>
+      <a:effectRef idx="0">
+        <a:scrgbClr r="0" g="0" b="0"/>
+      </a:effectRef>
+      <a:fontRef idx="minor">
+        <a:schemeClr val="lt1"/>
+      </a:fontRef>
+    </dgm:style>
+  </dgm:styleLbl>
+  <dgm:styleLbl name="parChTrans2D3">
+    <dgm:scene3d>
+      <a:camera prst="orthographicFront"/>
+      <a:lightRig rig="threePt" dir="t"/>
+    </dgm:scene3d>
+    <dgm:sp3d/>
+    <dgm:txPr/>
+    <dgm:style>
+      <a:lnRef idx="2">
+        <a:scrgbClr r="0" g="0" b="0"/>
+      </a:lnRef>
+      <a:fillRef idx="1">
+        <a:scrgbClr r="0" g="0" b="0"/>
+      </a:fillRef>
+      <a:effectRef idx="0">
+        <a:scrgbClr r="0" g="0" b="0"/>
+      </a:effectRef>
+      <a:fontRef idx="minor">
+        <a:schemeClr val="lt1"/>
+      </a:fontRef>
+    </dgm:style>
+  </dgm:styleLbl>
+  <dgm:styleLbl name="parChTrans2D4">
+    <dgm:scene3d>
+      <a:camera prst="orthographicFront"/>
+      <a:lightRig rig="threePt" dir="t"/>
+    </dgm:scene3d>
+    <dgm:sp3d/>
+    <dgm:txPr/>
+    <dgm:style>
+      <a:lnRef idx="2">
+        <a:scrgbClr r="0" g="0" b="0"/>
+      </a:lnRef>
+      <a:fillRef idx="1">
+        <a:scrgbClr r="0" g="0" b="0"/>
+      </a:fillRef>
+      <a:effectRef idx="0">
+        <a:scrgbClr r="0" g="0" b="0"/>
+      </a:effectRef>
+      <a:fontRef idx="minor">
+        <a:schemeClr val="lt1"/>
+      </a:fontRef>
+    </dgm:style>
+  </dgm:styleLbl>
+  <dgm:styleLbl name="parChTrans1D1">
+    <dgm:scene3d>
+      <a:camera prst="orthographicFront"/>
+      <a:lightRig rig="threePt" dir="t"/>
+    </dgm:scene3d>
+    <dgm:sp3d/>
+    <dgm:txPr/>
+    <dgm:style>
+      <a:lnRef idx="2">
+        <a:scrgbClr r="0" g="0" b="0"/>
+      </a:lnRef>
+      <a:fillRef idx="0">
+        <a:scrgbClr r="0" g="0" b="0"/>
+      </a:fillRef>
+      <a:effectRef idx="0">
+        <a:scrgbClr r="0" g="0" b="0"/>
+      </a:effectRef>
+      <a:fontRef idx="minor"/>
+    </dgm:style>
+  </dgm:styleLbl>
+  <dgm:styleLbl name="parChTrans1D2">
+    <dgm:scene3d>
+      <a:camera prst="orthographicFront"/>
+      <a:lightRig rig="threePt" dir="t"/>
+    </dgm:scene3d>
+    <dgm:sp3d/>
+    <dgm:txPr/>
+    <dgm:style>
+      <a:lnRef idx="2">
+        <a:scrgbClr r="0" g="0" b="0"/>
+      </a:lnRef>
+      <a:fillRef idx="0">
+        <a:scrgbClr r="0" g="0" b="0"/>
+      </a:fillRef>
+      <a:effectRef idx="0">
+        <a:scrgbClr r="0" g="0" b="0"/>
+      </a:effectRef>
+      <a:fontRef idx="minor"/>
+    </dgm:style>
+  </dgm:styleLbl>
+  <dgm:styleLbl name="parChTrans1D3">
+    <dgm:scene3d>
+      <a:camera prst="orthographicFront"/>
+      <a:lightRig rig="threePt" dir="t"/>
+    </dgm:scene3d>
+    <dgm:sp3d/>
+    <dgm:txPr/>
+    <dgm:style>
+      <a:lnRef idx="2">
+        <a:scrgbClr r="0" g="0" b="0"/>
+      </a:lnRef>
+      <a:fillRef idx="0">
+        <a:scrgbClr r="0" g="0" b="0"/>
+      </a:fillRef>
+      <a:effectRef idx="0">
+        <a:scrgbClr r="0" g="0" b="0"/>
+      </a:effectRef>
+      <a:fontRef idx="minor"/>
+    </dgm:style>
+  </dgm:styleLbl>
+  <dgm:styleLbl name="parChTrans1D4">
+    <dgm:scene3d>
+      <a:camera prst="orthographicFront"/>
+      <a:lightRig rig="threePt" dir="t"/>
+    </dgm:scene3d>
+    <dgm:sp3d/>
+    <dgm:txPr/>
+    <dgm:style>
+      <a:lnRef idx="2">
+        <a:scrgbClr r="0" g="0" b="0"/>
+      </a:lnRef>
+      <a:fillRef idx="0">
+        <a:scrgbClr r="0" g="0" b="0"/>
+      </a:fillRef>
+      <a:effectRef idx="0">
+        <a:scrgbClr r="0" g="0" b="0"/>
+      </a:effectRef>
+      <a:fontRef idx="minor"/>
+    </dgm:style>
+  </dgm:styleLbl>
+  <dgm:styleLbl name="fgAcc1">
+    <dgm:scene3d>
+      <a:camera prst="orthographicFront"/>
+      <a:lightRig rig="threePt" dir="t"/>
+    </dgm:scene3d>
+    <dgm:sp3d/>
+    <dgm:txPr/>
+    <dgm:style>
+      <a:lnRef idx="2">
+        <a:scrgbClr r="0" g="0" b="0"/>
+      </a:lnRef>
+      <a:fillRef idx="1">
+        <a:scrgbClr r="0" g="0" b="0"/>
+      </a:fillRef>
+      <a:effectRef idx="0">
+        <a:scrgbClr r="0" g="0" b="0"/>
+      </a:effectRef>
+      <a:fontRef idx="minor"/>
+    </dgm:style>
+  </dgm:styleLbl>
+  <dgm:styleLbl name="conFgAcc1">
+    <dgm:scene3d>
+      <a:camera prst="orthographicFront"/>
+      <a:lightRig rig="threePt" dir="t"/>
+    </dgm:scene3d>
+    <dgm:sp3d/>
+    <dgm:txPr/>
+    <dgm:style>
+      <a:lnRef idx="2">
+        <a:scrgbClr r="0" g="0" b="0"/>
+      </a:lnRef>
+      <a:fillRef idx="1">
+        <a:scrgbClr r="0" g="0" b="0"/>
+      </a:fillRef>
+      <a:effectRef idx="0">
+        <a:scrgbClr r="0" g="0" b="0"/>
+      </a:effectRef>
+      <a:fontRef idx="minor"/>
+    </dgm:style>
+  </dgm:styleLbl>
+  <dgm:styleLbl name="alignAcc1">
+    <dgm:scene3d>
+      <a:camera prst="orthographicFront"/>
+      <a:lightRig rig="threePt" dir="t"/>
+    </dgm:scene3d>
+    <dgm:sp3d/>
+    <dgm:txPr/>
+    <dgm:style>
+      <a:lnRef idx="2">
+        <a:scrgbClr r="0" g="0" b="0"/>
+      </a:lnRef>
+      <a:fillRef idx="1">
+        <a:scrgbClr r="0" g="0" b="0"/>
+      </a:fillRef>
+      <a:effectRef idx="0">
+        <a:scrgbClr r="0" g="0" b="0"/>
+      </a:effectRef>
+      <a:fontRef idx="minor"/>
+    </dgm:style>
+  </dgm:styleLbl>
+  <dgm:styleLbl name="trAlignAcc1">
+    <dgm:scene3d>
+      <a:camera prst="orthographicFront"/>
+      <a:lightRig rig="threePt" dir="t"/>
+    </dgm:scene3d>
+    <dgm:sp3d/>
+    <dgm:txPr/>
+    <dgm:style>
+      <a:lnRef idx="1">
+        <a:scrgbClr r="0" g="0" b="0"/>
+      </a:lnRef>
+      <a:fillRef idx="1">
+        <a:scrgbClr r="0" g="0" b="0"/>
+      </a:fillRef>
+      <a:effectRef idx="0">
+        <a:scrgbClr r="0" g="0" b="0"/>
+      </a:effectRef>
+      <a:fontRef idx="minor"/>
+    </dgm:style>
+  </dgm:styleLbl>
+  <dgm:styleLbl name="bgAcc1">
+    <dgm:scene3d>
+      <a:camera prst="orthographicFront"/>
+      <a:lightRig rig="threePt" dir="t"/>
+    </dgm:scene3d>
+    <dgm:sp3d/>
+    <dgm:txPr/>
+    <dgm:style>
+      <a:lnRef idx="2">
+        <a:scrgbClr r="0" g="0" b="0"/>
+      </a:lnRef>
+      <a:fillRef idx="1">
+        <a:scrgbClr r="0" g="0" b="0"/>
+      </a:fillRef>
+      <a:effectRef idx="0">
+        <a:scrgbClr r="0" g="0" b="0"/>
+      </a:effectRef>
+      <a:fontRef idx="minor"/>
+    </dgm:style>
+  </dgm:styleLbl>
+  <dgm:styleLbl name="solidFgAcc1">
+    <dgm:scene3d>
+      <a:camera prst="orthographicFront"/>
+      <a:lightRig rig="threePt" dir="t"/>
+    </dgm:scene3d>
+    <dgm:sp3d/>
+    <dgm:txPr/>
+    <dgm:style>
+      <a:lnRef idx="2">
+        <a:scrgbClr r="0" g="0" b="0"/>
+      </a:lnRef>
+      <a:fillRef idx="1">
+        <a:scrgbClr r="0" g="0" b="0"/>
+      </a:fillRef>
+      <a:effectRef idx="0">
+        <a:scrgbClr r="0" g="0" b="0"/>
+      </a:effectRef>
+      <a:fontRef idx="minor"/>
+    </dgm:style>
+  </dgm:styleLbl>
+  <dgm:styleLbl name="solidAlignAcc1">
+    <dgm:scene3d>
+      <a:camera prst="orthographicFront"/>
+      <a:lightRig rig="threePt" dir="t"/>
+    </dgm:scene3d>
+    <dgm:sp3d/>
+    <dgm:txPr/>
+    <dgm:style>
+      <a:lnRef idx="2">
+        <a:scrgbClr r="0" g="0" b="0"/>
+      </a:lnRef>
+      <a:fillRef idx="1">
+        <a:scrgbClr r="0" g="0" b="0"/>
+      </a:fillRef>
+      <a:effectRef idx="0">
+        <a:scrgbClr r="0" g="0" b="0"/>
+      </a:effectRef>
+      <a:fontRef idx="minor"/>
+    </dgm:style>
+  </dgm:styleLbl>
+  <dgm:styleLbl name="solidBgAcc1">
+    <dgm:scene3d>
+      <a:camera prst="orthographicFront"/>
+      <a:lightRig rig="threePt" dir="t"/>
+    </dgm:scene3d>
+    <dgm:sp3d/>
+    <dgm:txPr/>
+    <dgm:style>
+      <a:lnRef idx="2">
+        <a:scrgbClr r="0" g="0" b="0"/>
+      </a:lnRef>
+      <a:fillRef idx="1">
+        <a:scrgbClr r="0" g="0" b="0"/>
+      </a:fillRef>
+      <a:effectRef idx="0">
+        <a:scrgbClr r="0" g="0" b="0"/>
+      </a:effectRef>
+      <a:fontRef idx="minor"/>
+    </dgm:style>
+  </dgm:styleLbl>
+  <dgm:styleLbl name="fgAccFollowNode1">
+    <dgm:scene3d>
+      <a:camera prst="orthographicFront"/>
+      <a:lightRig rig="threePt" dir="t"/>
+    </dgm:scene3d>
+    <dgm:sp3d/>
+    <dgm:txPr/>
+    <dgm:style>
+      <a:lnRef idx="2">
+        <a:scrgbClr r="0" g="0" b="0"/>
+      </a:lnRef>
+      <a:fillRef idx="1">
+        <a:scrgbClr r="0" g="0" b="0"/>
+      </a:fillRef>
+      <a:effectRef idx="0">
+        <a:scrgbClr r="0" g="0" b="0"/>
+      </a:effectRef>
+      <a:fontRef idx="minor"/>
+    </dgm:style>
+  </dgm:styleLbl>
+  <dgm:styleLbl name="alignAccFollowNode1">
+    <dgm:scene3d>
+      <a:camera prst="orthographicFront"/>
+      <a:lightRig rig="threePt" dir="t"/>
+    </dgm:scene3d>
+    <dgm:sp3d/>
+    <dgm:txPr/>
+    <dgm:style>
+      <a:lnRef idx="2">
+        <a:scrgbClr r="0" g="0" b="0"/>
+      </a:lnRef>
+      <a:fillRef idx="1">
+        <a:scrgbClr r="0" g="0" b="0"/>
+      </a:fillRef>
+      <a:effectRef idx="0">
+        <a:scrgbClr r="0" g="0" b="0"/>
+      </a:effectRef>
+      <a:fontRef idx="minor"/>
+    </dgm:style>
+  </dgm:styleLbl>
+  <dgm:styleLbl name="bgAccFollowNode1">
+    <dgm:scene3d>
+      <a:camera prst="orthographicFront"/>
+      <a:lightRig rig="threePt" dir="t"/>
+    </dgm:scene3d>
+    <dgm:sp3d/>
+    <dgm:txPr/>
+    <dgm:style>
+      <a:lnRef idx="2">
+        <a:scrgbClr r="0" g="0" b="0"/>
+      </a:lnRef>
+      <a:fillRef idx="1">
+        <a:scrgbClr r="0" g="0" b="0"/>
+      </a:fillRef>
+      <a:effectRef idx="0">
+        <a:scrgbClr r="0" g="0" b="0"/>
+      </a:effectRef>
+      <a:fontRef idx="minor"/>
+    </dgm:style>
+  </dgm:styleLbl>
+  <dgm:styleLbl name="fgAcc0">
+    <dgm:scene3d>
+      <a:camera prst="orthographicFront"/>
+      <a:lightRig rig="threePt" dir="t"/>
+    </dgm:scene3d>
+    <dgm:sp3d/>
+    <dgm:txPr/>
+    <dgm:style>
+      <a:lnRef idx="2">
+        <a:scrgbClr r="0" g="0" b="0"/>
+      </a:lnRef>
+      <a:fillRef idx="1">
+        <a:scrgbClr r="0" g="0" b="0"/>
+      </a:fillRef>
+      <a:effectRef idx="0">
+        <a:scrgbClr r="0" g="0" b="0"/>
+      </a:effectRef>
+      <a:fontRef idx="minor"/>
+    </dgm:style>
+  </dgm:styleLbl>
+  <dgm:styleLbl name="fgAcc2">
+    <dgm:scene3d>
+      <a:camera prst="orthographicFront"/>
+      <a:lightRig rig="threePt" dir="t"/>
+    </dgm:scene3d>
+    <dgm:sp3d/>
+    <dgm:txPr/>
+    <dgm:style>
+      <a:lnRef idx="2">
+        <a:scrgbClr r="0" g="0" b="0"/>
+      </a:lnRef>
+      <a:fillRef idx="1">
+        <a:scrgbClr r="0" g="0" b="0"/>
+      </a:fillRef>
+      <a:effectRef idx="0">
+        <a:scrgbClr r="0" g="0" b="0"/>
+      </a:effectRef>
+      <a:fontRef idx="minor"/>
+    </dgm:style>
+  </dgm:styleLbl>
+  <dgm:styleLbl name="fgAcc3">
+    <dgm:scene3d>
+      <a:camera prst="orthographicFront"/>
+      <a:lightRig rig="threePt" dir="t"/>
+    </dgm:scene3d>
+    <dgm:sp3d/>
+    <dgm:txPr/>
+    <dgm:style>
+      <a:lnRef idx="2">
+        <a:scrgbClr r="0" g="0" b="0"/>
+      </a:lnRef>
+      <a:fillRef idx="1">
+        <a:scrgbClr r="0" g="0" b="0"/>
+      </a:fillRef>
+      <a:effectRef idx="0">
+        <a:scrgbClr r="0" g="0" b="0"/>
+      </a:effectRef>
+      <a:fontRef idx="minor"/>
+    </dgm:style>
+  </dgm:styleLbl>
+  <dgm:styleLbl name="fgAcc4">
+    <dgm:scene3d>
+      <a:camera prst="orthographicFront"/>
+      <a:lightRig rig="threePt" dir="t"/>
+    </dgm:scene3d>
+    <dgm:sp3d/>
+    <dgm:txPr/>
+    <dgm:style>
+      <a:lnRef idx="2">
+        <a:scrgbClr r="0" g="0" b="0"/>
+      </a:lnRef>
+      <a:fillRef idx="1">
+        <a:scrgbClr r="0" g="0" b="0"/>
+      </a:fillRef>
+      <a:effectRef idx="0">
+        <a:scrgbClr r="0" g="0" b="0"/>
+      </a:effectRef>
+      <a:fontRef idx="minor"/>
+    </dgm:style>
+  </dgm:styleLbl>
+  <dgm:styleLbl name="bgShp">
+    <dgm:scene3d>
+      <a:camera prst="orthographicFront"/>
+      <a:lightRig rig="threePt" dir="t"/>
+    </dgm:scene3d>
+    <dgm:sp3d/>
+    <dgm:txPr/>
+    <dgm:style>
+      <a:lnRef idx="0">
+        <a:scrgbClr r="0" g="0" b="0"/>
+      </a:lnRef>
+      <a:fillRef idx="1">
+        <a:scrgbClr r="0" g="0" b="0"/>
+      </a:fillRef>
+      <a:effectRef idx="0">
+        <a:scrgbClr r="0" g="0" b="0"/>
+      </a:effectRef>
+      <a:fontRef idx="minor"/>
+    </dgm:style>
+  </dgm:styleLbl>
+  <dgm:styleLbl name="dkBgShp">
+    <dgm:scene3d>
+      <a:camera prst="orthographicFront"/>
+      <a:lightRig rig="threePt" dir="t"/>
+    </dgm:scene3d>
+    <dgm:sp3d/>
+    <dgm:txPr/>
+    <dgm:style>
+      <a:lnRef idx="0">
+        <a:scrgbClr r="0" g="0" b="0"/>
+      </a:lnRef>
+      <a:fillRef idx="1">
+        <a:scrgbClr r="0" g="0" b="0"/>
+      </a:fillRef>
+      <a:effectRef idx="0">
+        <a:scrgbClr r="0" g="0" b="0"/>
+      </a:effectRef>
+      <a:fontRef idx="minor"/>
+    </dgm:style>
+  </dgm:styleLbl>
+  <dgm:styleLbl name="trBgShp">
+    <dgm:scene3d>
+      <a:camera prst="orthographicFront"/>
+      <a:lightRig rig="threePt" dir="t"/>
+    </dgm:scene3d>
+    <dgm:sp3d/>
+    <dgm:txPr/>
+    <dgm:style>
+      <a:lnRef idx="0">
+        <a:scrgbClr r="0" g="0" b="0"/>
+      </a:lnRef>
+      <a:fillRef idx="1">
+        <a:scrgbClr r="0" g="0" b="0"/>
+      </a:fillRef>
+      <a:effectRef idx="0">
+        <a:scrgbClr r="0" g="0" b="0"/>
+      </a:effectRef>
+      <a:fontRef idx="minor"/>
+    </dgm:style>
+  </dgm:styleLbl>
+  <dgm:styleLbl name="fgShp">
+    <dgm:scene3d>
+      <a:camera prst="orthographicFront"/>
+      <a:lightRig rig="threePt" dir="t"/>
+    </dgm:scene3d>
+    <dgm:sp3d/>
+    <dgm:txPr/>
+    <dgm:style>
+      <a:lnRef idx="2">
+        <a:scrgbClr r="0" g="0" b="0"/>
+      </a:lnRef>
+      <a:fillRef idx="1">
+        <a:scrgbClr r="0" g="0" b="0"/>
+      </a:fillRef>
+      <a:effectRef idx="0">
+        <a:scrgbClr r="0" g="0" b="0"/>
+      </a:effectRef>
+      <a:fontRef idx="minor"/>
+    </dgm:style>
+  </dgm:styleLbl>
+  <dgm:styleLbl name="revTx">
+    <dgm:scene3d>
+      <a:camera prst="orthographicFront"/>
+      <a:lightRig rig="threePt" dir="t"/>
+    </dgm:scene3d>
+    <dgm:sp3d/>
+    <dgm:txPr/>
+    <dgm:style>
+      <a:lnRef idx="0">
+        <a:scrgbClr r="0" g="0" b="0"/>
+      </a:lnRef>
+      <a:fillRef idx="0">
+        <a:scrgbClr r="0" g="0" b="0"/>
+      </a:fillRef>
+      <a:effectRef idx="0">
+        <a:scrgbClr r="0" g="0" b="0"/>
+      </a:effectRef>
+      <a:fontRef idx="minor"/>
+    </dgm:style>
+  </dgm:styleLbl>
+</dgm:styleDef>
+</file>
+
+<file path=ppt/diagrams/quickStyle6.xml><?xml version="1.0" encoding="utf-8"?>
+<dgm:styleDef xmlns:dgm="http://schemas.openxmlformats.org/drawingml/2006/diagram" xmlns:a="http://schemas.openxmlformats.org/drawingml/2006/main" uniqueId="urn:microsoft.com/office/officeart/2005/8/quickstyle/simple1">
+  <dgm:title val=""/>
+  <dgm:desc val=""/>
+  <dgm:catLst>
+    <dgm:cat type="simple" pri="10100"/>
+  </dgm:catLst>
+  <dgm:scene3d>
+    <a:camera prst="orthographicFront"/>
+    <a:lightRig rig="threePt" dir="t"/>
+  </dgm:scene3d>
+  <dgm:styleLbl name="node0">
+    <dgm:scene3d>
+      <a:camera prst="orthographicFront"/>
+      <a:lightRig rig="threePt" dir="t"/>
+    </dgm:scene3d>
+    <dgm:sp3d/>
+    <dgm:txPr/>
+    <dgm:style>
+      <a:lnRef idx="2">
+        <a:scrgbClr r="0" g="0" b="0"/>
+      </a:lnRef>
+      <a:fillRef idx="1">
+        <a:scrgbClr r="0" g="0" b="0"/>
+      </a:fillRef>
+      <a:effectRef idx="0">
+        <a:scrgbClr r="0" g="0" b="0"/>
+      </a:effectRef>
+      <a:fontRef idx="minor">
+        <a:schemeClr val="lt1"/>
+      </a:fontRef>
+    </dgm:style>
+  </dgm:styleLbl>
+  <dgm:styleLbl name="lnNode1">
+    <dgm:scene3d>
+      <a:camera prst="orthographicFront"/>
+      <a:lightRig rig="threePt" dir="t"/>
+    </dgm:scene3d>
+    <dgm:sp3d/>
+    <dgm:txPr/>
+    <dgm:style>
+      <a:lnRef idx="2">
+        <a:scrgbClr r="0" g="0" b="0"/>
+      </a:lnRef>
+      <a:fillRef idx="1">
+        <a:scrgbClr r="0" g="0" b="0"/>
+      </a:fillRef>
+      <a:effectRef idx="0">
+        <a:scrgbClr r="0" g="0" b="0"/>
+      </a:effectRef>
+      <a:fontRef idx="minor">
+        <a:schemeClr val="lt1"/>
+      </a:fontRef>
+    </dgm:style>
+  </dgm:styleLbl>
+  <dgm:styleLbl name="vennNode1">
+    <dgm:scene3d>
+      <a:camera prst="orthographicFront"/>
+      <a:lightRig rig="threePt" dir="t"/>
+    </dgm:scene3d>
+    <dgm:sp3d/>
+    <dgm:txPr/>
+    <dgm:style>
+      <a:lnRef idx="2">
+        <a:scrgbClr r="0" g="0" b="0"/>
+      </a:lnRef>
+      <a:fillRef idx="1">
+        <a:scrgbClr r="0" g="0" b="0"/>
+      </a:fillRef>
+      <a:effectRef idx="0">
+        <a:scrgbClr r="0" g="0" b="0"/>
+      </a:effectRef>
+      <a:fontRef idx="minor">
+        <a:schemeClr val="tx1"/>
+      </a:fontRef>
+    </dgm:style>
+  </dgm:styleLbl>
+  <dgm:styleLbl name="alignNode1">
+    <dgm:scene3d>
+      <a:camera prst="orthographicFront"/>
+      <a:lightRig rig="threePt" dir="t"/>
+    </dgm:scene3d>
+    <dgm:sp3d/>
+    <dgm:txPr/>
+    <dgm:style>
+      <a:lnRef idx="2">
+        <a:scrgbClr r="0" g="0" b="0"/>
+      </a:lnRef>
+      <a:fillRef idx="1">
+        <a:scrgbClr r="0" g="0" b="0"/>
+      </a:fillRef>
+      <a:effectRef idx="0">
+        <a:scrgbClr r="0" g="0" b="0"/>
+      </a:effectRef>
+      <a:fontRef idx="minor">
+        <a:schemeClr val="lt1"/>
+      </a:fontRef>
+    </dgm:style>
+  </dgm:styleLbl>
+  <dgm:styleLbl name="node1">
+    <dgm:scene3d>
+      <a:camera prst="orthographicFront"/>
+      <a:lightRig rig="threePt" dir="t"/>
+    </dgm:scene3d>
+    <dgm:sp3d/>
+    <dgm:txPr/>
+    <dgm:style>
+      <a:lnRef idx="2">
+        <a:scrgbClr r="0" g="0" b="0"/>
+      </a:lnRef>
+      <a:fillRef idx="1">
+        <a:scrgbClr r="0" g="0" b="0"/>
+      </a:fillRef>
+      <a:effectRef idx="0">
+        <a:scrgbClr r="0" g="0" b="0"/>
+      </a:effectRef>
+      <a:fontRef idx="minor">
+        <a:schemeClr val="lt1"/>
+      </a:fontRef>
+    </dgm:style>
+  </dgm:styleLbl>
+  <dgm:styleLbl name="node2">
+    <dgm:scene3d>
+      <a:camera prst="orthographicFront"/>
+      <a:lightRig rig="threePt" dir="t"/>
+    </dgm:scene3d>
+    <dgm:sp3d/>
+    <dgm:txPr/>
+    <dgm:style>
+      <a:lnRef idx="2">
+        <a:scrgbClr r="0" g="0" b="0"/>
+      </a:lnRef>
+      <a:fillRef idx="1">
+        <a:scrgbClr r="0" g="0" b="0"/>
+      </a:fillRef>
+      <a:effectRef idx="0">
+        <a:scrgbClr r="0" g="0" b="0"/>
+      </a:effectRef>
+      <a:fontRef idx="minor">
+        <a:schemeClr val="lt1"/>
+      </a:fontRef>
+    </dgm:style>
+  </dgm:styleLbl>
+  <dgm:styleLbl name="node3">
+    <dgm:scene3d>
+      <a:camera prst="orthographicFront"/>
+      <a:lightRig rig="threePt" dir="t"/>
+    </dgm:scene3d>
+    <dgm:sp3d/>
+    <dgm:txPr/>
+    <dgm:style>
+      <a:lnRef idx="2">
+        <a:scrgbClr r="0" g="0" b="0"/>
+      </a:lnRef>
+      <a:fillRef idx="1">
+        <a:scrgbClr r="0" g="0" b="0"/>
+      </a:fillRef>
+      <a:effectRef idx="0">
+        <a:scrgbClr r="0" g="0" b="0"/>
+      </a:effectRef>
+      <a:fontRef idx="minor">
+        <a:schemeClr val="lt1"/>
+      </a:fontRef>
+    </dgm:style>
+  </dgm:styleLbl>
+  <dgm:styleLbl name="node4">
+    <dgm:scene3d>
+      <a:camera prst="orthographicFront"/>
+      <a:lightRig rig="threePt" dir="t"/>
+    </dgm:scene3d>
+    <dgm:sp3d/>
+    <dgm:txPr/>
+    <dgm:style>
+      <a:lnRef idx="2">
+        <a:scrgbClr r="0" g="0" b="0"/>
+      </a:lnRef>
+      <a:fillRef idx="1">
+        <a:scrgbClr r="0" g="0" b="0"/>
+      </a:fillRef>
+      <a:effectRef idx="0">
+        <a:scrgbClr r="0" g="0" b="0"/>
+      </a:effectRef>
+      <a:fontRef idx="minor">
+        <a:schemeClr val="lt1"/>
+      </a:fontRef>
+    </dgm:style>
+  </dgm:styleLbl>
+  <dgm:styleLbl name="fgImgPlace1">
+    <dgm:scene3d>
+      <a:camera prst="orthographicFront"/>
+      <a:lightRig rig="threePt" dir="t"/>
+    </dgm:scene3d>
+    <dgm:sp3d/>
+    <dgm:txPr/>
+    <dgm:style>
+      <a:lnRef idx="2">
+        <a:scrgbClr r="0" g="0" b="0"/>
+      </a:lnRef>
+      <a:fillRef idx="1">
+        <a:scrgbClr r="0" g="0" b="0"/>
+      </a:fillRef>
+      <a:effectRef idx="0">
+        <a:scrgbClr r="0" g="0" b="0"/>
+      </a:effectRef>
+      <a:fontRef idx="minor"/>
+    </dgm:style>
+  </dgm:styleLbl>
+  <dgm:styleLbl name="alignImgPlace1">
+    <dgm:scene3d>
+      <a:camera prst="orthographicFront"/>
+      <a:lightRig rig="threePt" dir="t"/>
+    </dgm:scene3d>
+    <dgm:sp3d/>
+    <dgm:txPr/>
+    <dgm:style>
+      <a:lnRef idx="2">
+        <a:scrgbClr r="0" g="0" b="0"/>
+      </a:lnRef>
+      <a:fillRef idx="1">
+        <a:scrgbClr r="0" g="0" b="0"/>
+      </a:fillRef>
+      <a:effectRef idx="0">
+        <a:scrgbClr r="0" g="0" b="0"/>
+      </a:effectRef>
+      <a:fontRef idx="minor"/>
+    </dgm:style>
+  </dgm:styleLbl>
+  <dgm:styleLbl name="bgImgPlace1">
+    <dgm:scene3d>
+      <a:camera prst="orthographicFront"/>
+      <a:lightRig rig="threePt" dir="t"/>
+    </dgm:scene3d>
+    <dgm:sp3d/>
+    <dgm:txPr/>
+    <dgm:style>
+      <a:lnRef idx="2">
+        <a:scrgbClr r="0" g="0" b="0"/>
+      </a:lnRef>
+      <a:fillRef idx="1">
+        <a:scrgbClr r="0" g="0" b="0"/>
+      </a:fillRef>
+      <a:effectRef idx="0">
+        <a:scrgbClr r="0" g="0" b="0"/>
+      </a:effectRef>
+      <a:fontRef idx="minor"/>
+    </dgm:style>
+  </dgm:styleLbl>
+  <dgm:styleLbl name="sibTrans2D1">
+    <dgm:scene3d>
+      <a:camera prst="orthographicFront"/>
+      <a:lightRig rig="threePt" dir="t"/>
+    </dgm:scene3d>
+    <dgm:sp3d/>
+    <dgm:txPr/>
+    <dgm:style>
+      <a:lnRef idx="0">
+        <a:scrgbClr r="0" g="0" b="0"/>
+      </a:lnRef>
+      <a:fillRef idx="1">
+        <a:scrgbClr r="0" g="0" b="0"/>
+      </a:fillRef>
+      <a:effectRef idx="0">
+        <a:scrgbClr r="0" g="0" b="0"/>
+      </a:effectRef>
+      <a:fontRef idx="minor">
+        <a:schemeClr val="lt1"/>
+      </a:fontRef>
+    </dgm:style>
+  </dgm:styleLbl>
+  <dgm:styleLbl name="fgSibTrans2D1">
+    <dgm:scene3d>
+      <a:camera prst="orthographicFront"/>
+      <a:lightRig rig="threePt" dir="t"/>
+    </dgm:scene3d>
+    <dgm:sp3d/>
+    <dgm:txPr/>
+    <dgm:style>
+      <a:lnRef idx="0">
+        <a:scrgbClr r="0" g="0" b="0"/>
+      </a:lnRef>
+      <a:fillRef idx="1">
+        <a:scrgbClr r="0" g="0" b="0"/>
+      </a:fillRef>
+      <a:effectRef idx="0">
+        <a:scrgbClr r="0" g="0" b="0"/>
+      </a:effectRef>
+      <a:fontRef idx="minor">
+        <a:schemeClr val="lt1"/>
+      </a:fontRef>
+    </dgm:style>
+  </dgm:styleLbl>
+  <dgm:styleLbl name="bgSibTrans2D1">
+    <dgm:scene3d>
+      <a:camera prst="orthographicFront"/>
+      <a:lightRig rig="threePt" dir="t"/>
+    </dgm:scene3d>
+    <dgm:sp3d/>
+    <dgm:txPr/>
+    <dgm:style>
+      <a:lnRef idx="0">
+        <a:scrgbClr r="0" g="0" b="0"/>
+      </a:lnRef>
+      <a:fillRef idx="1">
+        <a:scrgbClr r="0" g="0" b="0"/>
+      </a:fillRef>
+      <a:effectRef idx="0">
+        <a:scrgbClr r="0" g="0" b="0"/>
+      </a:effectRef>
+      <a:fontRef idx="minor">
+        <a:schemeClr val="lt1"/>
+      </a:fontRef>
+    </dgm:style>
+  </dgm:styleLbl>
+  <dgm:styleLbl name="sibTrans1D1">
+    <dgm:scene3d>
+      <a:camera prst="orthographicFront"/>
+      <a:lightRig rig="threePt" dir="t"/>
+    </dgm:scene3d>
+    <dgm:sp3d/>
+    <dgm:txPr/>
+    <dgm:style>
+      <a:lnRef idx="1">
+        <a:scrgbClr r="0" g="0" b="0"/>
+      </a:lnRef>
+      <a:fillRef idx="0">
+        <a:scrgbClr r="0" g="0" b="0"/>
+      </a:fillRef>
+      <a:effectRef idx="0">
+        <a:scrgbClr r="0" g="0" b="0"/>
+      </a:effectRef>
+      <a:fontRef idx="minor"/>
+    </dgm:style>
+  </dgm:styleLbl>
+  <dgm:styleLbl name="callout">
+    <dgm:scene3d>
+      <a:camera prst="orthographicFront"/>
+      <a:lightRig rig="threePt" dir="t"/>
+    </dgm:scene3d>
+    <dgm:sp3d/>
+    <dgm:txPr/>
+    <dgm:style>
+      <a:lnRef idx="2">
+        <a:scrgbClr r="0" g="0" b="0"/>
+      </a:lnRef>
+      <a:fillRef idx="1">
+        <a:scrgbClr r="0" g="0" b="0"/>
+      </a:fillRef>
+      <a:effectRef idx="0">
+        <a:scrgbClr r="0" g="0" b="0"/>
+      </a:effectRef>
+      <a:fontRef idx="minor"/>
+    </dgm:style>
+  </dgm:styleLbl>
+  <dgm:styleLbl name="asst0">
+    <dgm:scene3d>
+      <a:camera prst="orthographicFront"/>
+      <a:lightRig rig="threePt" dir="t"/>
+    </dgm:scene3d>
+    <dgm:sp3d/>
+    <dgm:txPr/>
+    <dgm:style>
+      <a:lnRef idx="2">
+        <a:scrgbClr r="0" g="0" b="0"/>
+      </a:lnRef>
+      <a:fillRef idx="1">
+        <a:scrgbClr r="0" g="0" b="0"/>
+      </a:fillRef>
+      <a:effectRef idx="0">
+        <a:scrgbClr r="0" g="0" b="0"/>
+      </a:effectRef>
+      <a:fontRef idx="minor">
+        <a:schemeClr val="lt1"/>
+      </a:fontRef>
+    </dgm:style>
+  </dgm:styleLbl>
+  <dgm:styleLbl name="asst1">
+    <dgm:scene3d>
+      <a:camera prst="orthographicFront"/>
+      <a:lightRig rig="threePt" dir="t"/>
+    </dgm:scene3d>
+    <dgm:sp3d/>
+    <dgm:txPr/>
+    <dgm:style>
+      <a:lnRef idx="2">
+        <a:scrgbClr r="0" g="0" b="0"/>
+      </a:lnRef>
+      <a:fillRef idx="1">
+        <a:scrgbClr r="0" g="0" b="0"/>
+      </a:fillRef>
+      <a:effectRef idx="0">
+        <a:scrgbClr r="0" g="0" b="0"/>
+      </a:effectRef>
+      <a:fontRef idx="minor">
+        <a:schemeClr val="lt1"/>
+      </a:fontRef>
+    </dgm:style>
+  </dgm:styleLbl>
+  <dgm:styleLbl name="asst2">
+    <dgm:scene3d>
+      <a:camera prst="orthographicFront"/>
+      <a:lightRig rig="threePt" dir="t"/>
+    </dgm:scene3d>
+    <dgm:sp3d/>
+    <dgm:txPr/>
+    <dgm:style>
+      <a:lnRef idx="2">
+        <a:scrgbClr r="0" g="0" b="0"/>
+      </a:lnRef>
+      <a:fillRef idx="1">
+        <a:scrgbClr r="0" g="0" b="0"/>
+      </a:fillRef>
+      <a:effectRef idx="0">
+        <a:scrgbClr r="0" g="0" b="0"/>
+      </a:effectRef>
+      <a:fontRef idx="minor">
+        <a:schemeClr val="lt1"/>
+      </a:fontRef>
+    </dgm:style>
+  </dgm:styleLbl>
+  <dgm:styleLbl name="asst3">
+    <dgm:scene3d>
+      <a:camera prst="orthographicFront"/>
+      <a:lightRig rig="threePt" dir="t"/>
+    </dgm:scene3d>
+    <dgm:sp3d/>
+    <dgm:txPr/>
+    <dgm:style>
+      <a:lnRef idx="2">
+        <a:scrgbClr r="0" g="0" b="0"/>
+      </a:lnRef>
+      <a:fillRef idx="1">
+        <a:scrgbClr r="0" g="0" b="0"/>
+      </a:fillRef>
+      <a:effectRef idx="0">
+        <a:scrgbClr r="0" g="0" b="0"/>
+      </a:effectRef>
+      <a:fontRef idx="minor">
+        <a:schemeClr val="lt1"/>
+      </a:fontRef>
+    </dgm:style>
+  </dgm:styleLbl>
+  <dgm:styleLbl name="asst4">
+    <dgm:scene3d>
+      <a:camera prst="orthographicFront"/>
+      <a:lightRig rig="threePt" dir="t"/>
+    </dgm:scene3d>
+    <dgm:sp3d/>
+    <dgm:txPr/>
+    <dgm:style>
+      <a:lnRef idx="2">
+        <a:scrgbClr r="0" g="0" b="0"/>
+      </a:lnRef>
+      <a:fillRef idx="1">
+        <a:scrgbClr r="0" g="0" b="0"/>
+      </a:fillRef>
+      <a:effectRef idx="0">
+        <a:scrgbClr r="0" g="0" b="0"/>
+      </a:effectRef>
+      <a:fontRef idx="minor">
+        <a:schemeClr val="lt1"/>
+      </a:fontRef>
+    </dgm:style>
+  </dgm:styleLbl>
+  <dgm:styleLbl name="parChTrans2D1">
+    <dgm:scene3d>
+      <a:camera prst="orthographicFront"/>
+      <a:lightRig rig="threePt" dir="t"/>
+    </dgm:scene3d>
+    <dgm:sp3d/>
+    <dgm:txPr/>
+    <dgm:style>
+      <a:lnRef idx="2">
+        <a:scrgbClr r="0" g="0" b="0"/>
+      </a:lnRef>
+      <a:fillRef idx="1">
+        <a:scrgbClr r="0" g="0" b="0"/>
+      </a:fillRef>
+      <a:effectRef idx="0">
+        <a:scrgbClr r="0" g="0" b="0"/>
+      </a:effectRef>
+      <a:fontRef idx="minor">
+        <a:schemeClr val="lt1"/>
+      </a:fontRef>
+    </dgm:style>
+  </dgm:styleLbl>
+  <dgm:styleLbl name="parChTrans2D2">
+    <dgm:scene3d>
+      <a:camera prst="orthographicFront"/>
+      <a:lightRig rig="threePt" dir="t"/>
+    </dgm:scene3d>
+    <dgm:sp3d/>
+    <dgm:txPr/>
+    <dgm:style>
+      <a:lnRef idx="2">
+        <a:scrgbClr r="0" g="0" b="0"/>
+      </a:lnRef>
+      <a:fillRef idx="1">
+        <a:scrgbClr r="0" g="0" b="0"/>
+      </a:fillRef>
+      <a:effectRef idx="0">
+        <a:scrgbClr r="0" g="0" b="0"/>
+      </a:effectRef>
+      <a:fontRef idx="minor">
+        <a:schemeClr val="lt1"/>
+      </a:fontRef>
+    </dgm:style>
+  </dgm:styleLbl>
+  <dgm:styleLbl name="parChTrans2D3">
+    <dgm:scene3d>
+      <a:camera prst="orthographicFront"/>
+      <a:lightRig rig="threePt" dir="t"/>
+    </dgm:scene3d>
+    <dgm:sp3d/>
+    <dgm:txPr/>
+    <dgm:style>
+      <a:lnRef idx="2">
+        <a:scrgbClr r="0" g="0" b="0"/>
+      </a:lnRef>
+      <a:fillRef idx="1">
+        <a:scrgbClr r="0" g="0" b="0"/>
+      </a:fillRef>
+      <a:effectRef idx="0">
+        <a:scrgbClr r="0" g="0" b="0"/>
+      </a:effectRef>
+      <a:fontRef idx="minor">
+        <a:schemeClr val="lt1"/>
+      </a:fontRef>
+    </dgm:style>
+  </dgm:styleLbl>
+  <dgm:styleLbl name="parChTrans2D4">
+    <dgm:scene3d>
+      <a:camera prst="orthographicFront"/>
+      <a:lightRig rig="threePt" dir="t"/>
+    </dgm:scene3d>
+    <dgm:sp3d/>
+    <dgm:txPr/>
+    <dgm:style>
+      <a:lnRef idx="2">
+        <a:scrgbClr r="0" g="0" b="0"/>
+      </a:lnRef>
+      <a:fillRef idx="1">
+        <a:scrgbClr r="0" g="0" b="0"/>
+      </a:fillRef>
+      <a:effectRef idx="0">
+        <a:scrgbClr r="0" g="0" b="0"/>
+      </a:effectRef>
+      <a:fontRef idx="minor">
+        <a:schemeClr val="lt1"/>
+      </a:fontRef>
+    </dgm:style>
+  </dgm:styleLbl>
+  <dgm:styleLbl name="parChTrans1D1">
+    <dgm:scene3d>
+      <a:camera prst="orthographicFront"/>
+      <a:lightRig rig="threePt" dir="t"/>
+    </dgm:scene3d>
+    <dgm:sp3d/>
+    <dgm:txPr/>
+    <dgm:style>
+      <a:lnRef idx="2">
+        <a:scrgbClr r="0" g="0" b="0"/>
+      </a:lnRef>
+      <a:fillRef idx="0">
+        <a:scrgbClr r="0" g="0" b="0"/>
+      </a:fillRef>
+      <a:effectRef idx="0">
+        <a:scrgbClr r="0" g="0" b="0"/>
+      </a:effectRef>
+      <a:fontRef idx="minor"/>
+    </dgm:style>
+  </dgm:styleLbl>
+  <dgm:styleLbl name="parChTrans1D2">
+    <dgm:scene3d>
+      <a:camera prst="orthographicFront"/>
+      <a:lightRig rig="threePt" dir="t"/>
+    </dgm:scene3d>
+    <dgm:sp3d/>
+    <dgm:txPr/>
+    <dgm:style>
+      <a:lnRef idx="2">
+        <a:scrgbClr r="0" g="0" b="0"/>
+      </a:lnRef>
+      <a:fillRef idx="0">
+        <a:scrgbClr r="0" g="0" b="0"/>
+      </a:fillRef>
+      <a:effectRef idx="0">
+        <a:scrgbClr r="0" g="0" b="0"/>
+      </a:effectRef>
+      <a:fontRef idx="minor"/>
+    </dgm:style>
+  </dgm:styleLbl>
+  <dgm:styleLbl name="parChTrans1D3">
+    <dgm:scene3d>
+      <a:camera prst="orthographicFront"/>
+      <a:lightRig rig="threePt" dir="t"/>
+    </dgm:scene3d>
+    <dgm:sp3d/>
+    <dgm:txPr/>
+    <dgm:style>
+      <a:lnRef idx="2">
+        <a:scrgbClr r="0" g="0" b="0"/>
+      </a:lnRef>
+      <a:fillRef idx="0">
+        <a:scrgbClr r="0" g="0" b="0"/>
+      </a:fillRef>
+      <a:effectRef idx="0">
+        <a:scrgbClr r="0" g="0" b="0"/>
+      </a:effectRef>
+      <a:fontRef idx="minor"/>
+    </dgm:style>
+  </dgm:styleLbl>
+  <dgm:styleLbl name="parChTrans1D4">
+    <dgm:scene3d>
+      <a:camera prst="orthographicFront"/>
+      <a:lightRig rig="threePt" dir="t"/>
+    </dgm:scene3d>
+    <dgm:sp3d/>
+    <dgm:txPr/>
+    <dgm:style>
+      <a:lnRef idx="2">
+        <a:scrgbClr r="0" g="0" b="0"/>
+      </a:lnRef>
+      <a:fillRef idx="0">
+        <a:scrgbClr r="0" g="0" b="0"/>
+      </a:fillRef>
+      <a:effectRef idx="0">
+        <a:scrgbClr r="0" g="0" b="0"/>
+      </a:effectRef>
+      <a:fontRef idx="minor"/>
+    </dgm:style>
+  </dgm:styleLbl>
+  <dgm:styleLbl name="fgAcc1">
+    <dgm:scene3d>
+      <a:camera prst="orthographicFront"/>
+      <a:lightRig rig="threePt" dir="t"/>
+    </dgm:scene3d>
+    <dgm:sp3d/>
+    <dgm:txPr/>
+    <dgm:style>
+      <a:lnRef idx="2">
+        <a:scrgbClr r="0" g="0" b="0"/>
+      </a:lnRef>
+      <a:fillRef idx="1">
+        <a:scrgbClr r="0" g="0" b="0"/>
+      </a:fillRef>
+      <a:effectRef idx="0">
+        <a:scrgbClr r="0" g="0" b="0"/>
+      </a:effectRef>
+      <a:fontRef idx="minor"/>
+    </dgm:style>
+  </dgm:styleLbl>
+  <dgm:styleLbl name="conFgAcc1">
+    <dgm:scene3d>
+      <a:camera prst="orthographicFront"/>
+      <a:lightRig rig="threePt" dir="t"/>
+    </dgm:scene3d>
+    <dgm:sp3d/>
+    <dgm:txPr/>
+    <dgm:style>
+      <a:lnRef idx="2">
+        <a:scrgbClr r="0" g="0" b="0"/>
+      </a:lnRef>
+      <a:fillRef idx="1">
+        <a:scrgbClr r="0" g="0" b="0"/>
+      </a:fillRef>
+      <a:effectRef idx="0">
+        <a:scrgbClr r="0" g="0" b="0"/>
+      </a:effectRef>
+      <a:fontRef idx="minor"/>
+    </dgm:style>
+  </dgm:styleLbl>
+  <dgm:styleLbl name="alignAcc1">
+    <dgm:scene3d>
+      <a:camera prst="orthographicFront"/>
+      <a:lightRig rig="threePt" dir="t"/>
+    </dgm:scene3d>
+    <dgm:sp3d/>
+    <dgm:txPr/>
+    <dgm:style>
+      <a:lnRef idx="2">
+        <a:scrgbClr r="0" g="0" b="0"/>
+      </a:lnRef>
+      <a:fillRef idx="1">
+        <a:scrgbClr r="0" g="0" b="0"/>
+      </a:fillRef>
+      <a:effectRef idx="0">
+        <a:scrgbClr r="0" g="0" b="0"/>
+      </a:effectRef>
+      <a:fontRef idx="minor"/>
+    </dgm:style>
+  </dgm:styleLbl>
+  <dgm:styleLbl name="trAlignAcc1">
+    <dgm:scene3d>
+      <a:camera prst="orthographicFront"/>
+      <a:lightRig rig="threePt" dir="t"/>
+    </dgm:scene3d>
+    <dgm:sp3d/>
+    <dgm:txPr/>
+    <dgm:style>
+      <a:lnRef idx="1">
+        <a:scrgbClr r="0" g="0" b="0"/>
+      </a:lnRef>
+      <a:fillRef idx="1">
+        <a:scrgbClr r="0" g="0" b="0"/>
+      </a:fillRef>
+      <a:effectRef idx="0">
+        <a:scrgbClr r="0" g="0" b="0"/>
+      </a:effectRef>
+      <a:fontRef idx="minor"/>
+    </dgm:style>
+  </dgm:styleLbl>
+  <dgm:styleLbl name="bgAcc1">
+    <dgm:scene3d>
+      <a:camera prst="orthographicFront"/>
+      <a:lightRig rig="threePt" dir="t"/>
+    </dgm:scene3d>
+    <dgm:sp3d/>
+    <dgm:txPr/>
+    <dgm:style>
+      <a:lnRef idx="2">
+        <a:scrgbClr r="0" g="0" b="0"/>
+      </a:lnRef>
+      <a:fillRef idx="1">
+        <a:scrgbClr r="0" g="0" b="0"/>
+      </a:fillRef>
+      <a:effectRef idx="0">
+        <a:scrgbClr r="0" g="0" b="0"/>
+      </a:effectRef>
+      <a:fontRef idx="minor"/>
+    </dgm:style>
+  </dgm:styleLbl>
+  <dgm:styleLbl name="solidFgAcc1">
+    <dgm:scene3d>
+      <a:camera prst="orthographicFront"/>
+      <a:lightRig rig="threePt" dir="t"/>
+    </dgm:scene3d>
+    <dgm:sp3d/>
+    <dgm:txPr/>
+    <dgm:style>
+      <a:lnRef idx="2">
+        <a:scrgbClr r="0" g="0" b="0"/>
+      </a:lnRef>
+      <a:fillRef idx="1">
+        <a:scrgbClr r="0" g="0" b="0"/>
+      </a:fillRef>
+      <a:effectRef idx="0">
+        <a:scrgbClr r="0" g="0" b="0"/>
+      </a:effectRef>
+      <a:fontRef idx="minor"/>
+    </dgm:style>
+  </dgm:styleLbl>
+  <dgm:styleLbl name="solidAlignAcc1">
+    <dgm:scene3d>
+      <a:camera prst="orthographicFront"/>
+      <a:lightRig rig="threePt" dir="t"/>
+    </dgm:scene3d>
+    <dgm:sp3d/>
+    <dgm:txPr/>
+    <dgm:style>
+      <a:lnRef idx="2">
+        <a:scrgbClr r="0" g="0" b="0"/>
+      </a:lnRef>
+      <a:fillRef idx="1">
+        <a:scrgbClr r="0" g="0" b="0"/>
+      </a:fillRef>
+      <a:effectRef idx="0">
+        <a:scrgbClr r="0" g="0" b="0"/>
+      </a:effectRef>
+      <a:fontRef idx="minor"/>
+    </dgm:style>
+  </dgm:styleLbl>
+  <dgm:styleLbl name="solidBgAcc1">
+    <dgm:scene3d>
+      <a:camera prst="orthographicFront"/>
+      <a:lightRig rig="threePt" dir="t"/>
+    </dgm:scene3d>
+    <dgm:sp3d/>
+    <dgm:txPr/>
+    <dgm:style>
+      <a:lnRef idx="2">
+        <a:scrgbClr r="0" g="0" b="0"/>
+      </a:lnRef>
+      <a:fillRef idx="1">
+        <a:scrgbClr r="0" g="0" b="0"/>
+      </a:fillRef>
+      <a:effectRef idx="0">
+        <a:scrgbClr r="0" g="0" b="0"/>
+      </a:effectRef>
+      <a:fontRef idx="minor"/>
+    </dgm:style>
+  </dgm:styleLbl>
+  <dgm:styleLbl name="fgAccFollowNode1">
+    <dgm:scene3d>
+      <a:camera prst="orthographicFront"/>
+      <a:lightRig rig="threePt" dir="t"/>
+    </dgm:scene3d>
+    <dgm:sp3d/>
+    <dgm:txPr/>
+    <dgm:style>
+      <a:lnRef idx="2">
+        <a:scrgbClr r="0" g="0" b="0"/>
+      </a:lnRef>
+      <a:fillRef idx="1">
+        <a:scrgbClr r="0" g="0" b="0"/>
+      </a:fillRef>
+      <a:effectRef idx="0">
+        <a:scrgbClr r="0" g="0" b="0"/>
+      </a:effectRef>
+      <a:fontRef idx="minor"/>
+    </dgm:style>
+  </dgm:styleLbl>
+  <dgm:styleLbl name="alignAccFollowNode1">
+    <dgm:scene3d>
+      <a:camera prst="orthographicFront"/>
+      <a:lightRig rig="threePt" dir="t"/>
+    </dgm:scene3d>
+    <dgm:sp3d/>
+    <dgm:txPr/>
+    <dgm:style>
+      <a:lnRef idx="2">
+        <a:scrgbClr r="0" g="0" b="0"/>
+      </a:lnRef>
+      <a:fillRef idx="1">
+        <a:scrgbClr r="0" g="0" b="0"/>
+      </a:fillRef>
+      <a:effectRef idx="0">
+        <a:scrgbClr r="0" g="0" b="0"/>
+      </a:effectRef>
+      <a:fontRef idx="minor"/>
+    </dgm:style>
+  </dgm:styleLbl>
+  <dgm:styleLbl name="bgAccFollowNode1">
+    <dgm:scene3d>
+      <a:camera prst="orthographicFront"/>
+      <a:lightRig rig="threePt" dir="t"/>
+    </dgm:scene3d>
+    <dgm:sp3d/>
+    <dgm:txPr/>
+    <dgm:style>
+      <a:lnRef idx="2">
+        <a:scrgbClr r="0" g="0" b="0"/>
+      </a:lnRef>
+      <a:fillRef idx="1">
+        <a:scrgbClr r="0" g="0" b="0"/>
+      </a:fillRef>
+      <a:effectRef idx="0">
+        <a:scrgbClr r="0" g="0" b="0"/>
+      </a:effectRef>
+      <a:fontRef idx="minor"/>
+    </dgm:style>
+  </dgm:styleLbl>
+  <dgm:styleLbl name="fgAcc0">
+    <dgm:scene3d>
+      <a:camera prst="orthographicFront"/>
+      <a:lightRig rig="threePt" dir="t"/>
+    </dgm:scene3d>
+    <dgm:sp3d/>
+    <dgm:txPr/>
+    <dgm:style>
+      <a:lnRef idx="2">
+        <a:scrgbClr r="0" g="0" b="0"/>
+      </a:lnRef>
+      <a:fillRef idx="1">
+        <a:scrgbClr r="0" g="0" b="0"/>
+      </a:fillRef>
+      <a:effectRef idx="0">
+        <a:scrgbClr r="0" g="0" b="0"/>
+      </a:effectRef>
+      <a:fontRef idx="minor"/>
+    </dgm:style>
+  </dgm:styleLbl>
+  <dgm:styleLbl name="fgAcc2">
+    <dgm:scene3d>
+      <a:camera prst="orthographicFront"/>
+      <a:lightRig rig="threePt" dir="t"/>
+    </dgm:scene3d>
+    <dgm:sp3d/>
+    <dgm:txPr/>
+    <dgm:style>
+      <a:lnRef idx="2">
+        <a:scrgbClr r="0" g="0" b="0"/>
+      </a:lnRef>
+      <a:fillRef idx="1">
+        <a:scrgbClr r="0" g="0" b="0"/>
+      </a:fillRef>
+      <a:effectRef idx="0">
+        <a:scrgbClr r="0" g="0" b="0"/>
+      </a:effectRef>
+      <a:fontRef idx="minor"/>
+    </dgm:style>
+  </dgm:styleLbl>
+  <dgm:styleLbl name="fgAcc3">
+    <dgm:scene3d>
+      <a:camera prst="orthographicFront"/>
+      <a:lightRig rig="threePt" dir="t"/>
+    </dgm:scene3d>
+    <dgm:sp3d/>
+    <dgm:txPr/>
+    <dgm:style>
+      <a:lnRef idx="2">
+        <a:scrgbClr r="0" g="0" b="0"/>
+      </a:lnRef>
+      <a:fillRef idx="1">
+        <a:scrgbClr r="0" g="0" b="0"/>
+      </a:fillRef>
+      <a:effectRef idx="0">
+        <a:scrgbClr r="0" g="0" b="0"/>
+      </a:effectRef>
+      <a:fontRef idx="minor"/>
+    </dgm:style>
+  </dgm:styleLbl>
+  <dgm:styleLbl name="fgAcc4">
+    <dgm:scene3d>
+      <a:camera prst="orthographicFront"/>
+      <a:lightRig rig="threePt" dir="t"/>
+    </dgm:scene3d>
+    <dgm:sp3d/>
+    <dgm:txPr/>
+    <dgm:style>
+      <a:lnRef idx="2">
+        <a:scrgbClr r="0" g="0" b="0"/>
+      </a:lnRef>
+      <a:fillRef idx="1">
+        <a:scrgbClr r="0" g="0" b="0"/>
+      </a:fillRef>
+      <a:effectRef idx="0">
+        <a:scrgbClr r="0" g="0" b="0"/>
+      </a:effectRef>
+      <a:fontRef idx="minor"/>
+    </dgm:style>
+  </dgm:styleLbl>
+  <dgm:styleLbl name="bgShp">
+    <dgm:scene3d>
+      <a:camera prst="orthographicFront"/>
+      <a:lightRig rig="threePt" dir="t"/>
+    </dgm:scene3d>
+    <dgm:sp3d/>
+    <dgm:txPr/>
+    <dgm:style>
+      <a:lnRef idx="0">
+        <a:scrgbClr r="0" g="0" b="0"/>
+      </a:lnRef>
+      <a:fillRef idx="1">
+        <a:scrgbClr r="0" g="0" b="0"/>
+      </a:fillRef>
+      <a:effectRef idx="0">
+        <a:scrgbClr r="0" g="0" b="0"/>
+      </a:effectRef>
+      <a:fontRef idx="minor"/>
+    </dgm:style>
+  </dgm:styleLbl>
+  <dgm:styleLbl name="dkBgShp">
+    <dgm:scene3d>
+      <a:camera prst="orthographicFront"/>
+      <a:lightRig rig="threePt" dir="t"/>
+    </dgm:scene3d>
+    <dgm:sp3d/>
+    <dgm:txPr/>
+    <dgm:style>
+      <a:lnRef idx="0">
+        <a:scrgbClr r="0" g="0" b="0"/>
+      </a:lnRef>
+      <a:fillRef idx="1">
+        <a:scrgbClr r="0" g="0" b="0"/>
+      </a:fillRef>
+      <a:effectRef idx="0">
+        <a:scrgbClr r="0" g="0" b="0"/>
+      </a:effectRef>
+      <a:fontRef idx="minor"/>
+    </dgm:style>
+  </dgm:styleLbl>
+  <dgm:styleLbl name="trBgShp">
+    <dgm:scene3d>
+      <a:camera prst="orthographicFront"/>
+      <a:lightRig rig="threePt" dir="t"/>
+    </dgm:scene3d>
+    <dgm:sp3d/>
+    <dgm:txPr/>
+    <dgm:style>
+      <a:lnRef idx="0">
+        <a:scrgbClr r="0" g="0" b="0"/>
+      </a:lnRef>
+      <a:fillRef idx="1">
+        <a:scrgbClr r="0" g="0" b="0"/>
+      </a:fillRef>
+      <a:effectRef idx="0">
+        <a:scrgbClr r="0" g="0" b="0"/>
+      </a:effectRef>
+      <a:fontRef idx="minor"/>
+    </dgm:style>
+  </dgm:styleLbl>
+  <dgm:styleLbl name="fgShp">
+    <dgm:scene3d>
+      <a:camera prst="orthographicFront"/>
+      <a:lightRig rig="threePt" dir="t"/>
+    </dgm:scene3d>
+    <dgm:sp3d/>
+    <dgm:txPr/>
+    <dgm:style>
+      <a:lnRef idx="2">
+        <a:scrgbClr r="0" g="0" b="0"/>
+      </a:lnRef>
+      <a:fillRef idx="1">
+        <a:scrgbClr r="0" g="0" b="0"/>
+      </a:fillRef>
+      <a:effectRef idx="0">
+        <a:scrgbClr r="0" g="0" b="0"/>
+      </a:effectRef>
+      <a:fontRef idx="minor"/>
+    </dgm:style>
+  </dgm:styleLbl>
+  <dgm:styleLbl name="revTx">
+    <dgm:scene3d>
+      <a:camera prst="orthographicFront"/>
+      <a:lightRig rig="threePt" dir="t"/>
+    </dgm:scene3d>
+    <dgm:sp3d/>
+    <dgm:txPr/>
+    <dgm:style>
+      <a:lnRef idx="0">
+        <a:scrgbClr r="0" g="0" b="0"/>
+      </a:lnRef>
+      <a:fillRef idx="0">
+        <a:scrgbClr r="0" g="0" b="0"/>
+      </a:fillRef>
+      <a:effectRef idx="0">
+        <a:scrgbClr r="0" g="0" b="0"/>
+      </a:effectRef>
+      <a:fontRef idx="minor"/>
+    </dgm:style>
+  </dgm:styleLbl>
+</dgm:styleDef>
+</file>
+
+<file path=ppt/diagrams/quickStyle7.xml><?xml version="1.0" encoding="utf-8"?>
 <dgm:styleDef xmlns:dgm="http://schemas.openxmlformats.org/drawingml/2006/diagram" xmlns:a="http://schemas.openxmlformats.org/drawingml/2006/main" uniqueId="urn:microsoft.com/office/officeart/2005/8/quickstyle/simple1">
   <dgm:title val=""/>
   <dgm:desc val=""/>
@@ -13788,7 +19939,7 @@
           <a:p>
             <a:fld id="{C6AC6211-610F-44E5-BF19-D3CDF6EDD281}" type="datetimeFigureOut">
               <a:rPr lang="de-DE" smtClean="0"/>
-              <a:t>21.11.2019</a:t>
+              <a:t>25.11.2019</a:t>
             </a:fld>
             <a:endParaRPr lang="de-DE"/>
           </a:p>
@@ -13954,7 +20105,7 @@
           <a:p>
             <a:fld id="{347435D3-23A6-45D3-8DFA-7317DC1E7A64}" type="datetimeFigureOut">
               <a:rPr lang="de-DE" smtClean="0"/>
-              <a:t>21.11.2019</a:t>
+              <a:t>25.11.2019</a:t>
             </a:fld>
             <a:endParaRPr lang="de-DE"/>
           </a:p>
@@ -17472,61 +23623,8 @@
           <a:p>
             <a:r>
               <a:rPr lang="de-DE" dirty="0"/>
-              <a:t>Auswahl eines Sprachassistenten</a:t>
+              <a:t>Mycroft AI</a:t>
             </a:r>
-          </a:p>
-        </p:txBody>
-      </p:sp>
-      <p:sp>
-        <p:nvSpPr>
-          <p:cNvPr id="3" name="Inhaltsplatzhalter 2">
-            <a:extLst>
-              <a:ext uri="{FF2B5EF4-FFF2-40B4-BE49-F238E27FC236}">
-                <a16:creationId xmlns:a16="http://schemas.microsoft.com/office/drawing/2014/main" id="{DD11B5B1-85C2-4748-8697-213F5FAE8FB8}"/>
-              </a:ext>
-            </a:extLst>
-          </p:cNvPr>
-          <p:cNvSpPr>
-            <a:spLocks noGrp="1"/>
-          </p:cNvSpPr>
-          <p:nvPr>
-            <p:ph sz="quarter" idx="10"/>
-          </p:nvPr>
-        </p:nvSpPr>
-        <p:spPr/>
-        <p:txBody>
-          <a:bodyPr/>
-          <a:lstStyle/>
-          <a:p>
-            <a:pPr marL="285750" indent="-285750">
-              <a:buFont typeface="Arial" panose="020B0604020202020204" pitchFamily="34" charset="0"/>
-              <a:buChar char="•"/>
-            </a:pPr>
-            <a:r>
-              <a:rPr lang="de-DE" dirty="0"/>
-              <a:t>Vergleich verschiedener Sprachassistenten, Ergebnis: Mycroft am besten geeignet</a:t>
-            </a:r>
-          </a:p>
-          <a:p>
-            <a:pPr marL="285750" indent="-285750">
-              <a:buFont typeface="Arial" panose="020B0604020202020204" pitchFamily="34" charset="0"/>
-              <a:buChar char="•"/>
-            </a:pPr>
-            <a:r>
-              <a:rPr lang="de-DE" dirty="0"/>
-              <a:t>-&gt; welche Bestandteile werden eingesetzt (und warum </a:t>
-            </a:r>
-            <a:r>
-              <a:rPr lang="de-DE" dirty="0" err="1"/>
-              <a:t>bzw</a:t>
-            </a:r>
-            <a:r>
-              <a:rPr lang="de-DE" dirty="0"/>
-              <a:t> warum nicht)</a:t>
-            </a:r>
-          </a:p>
-          <a:p>
-            <a:endParaRPr lang="de-DE" dirty="0"/>
           </a:p>
         </p:txBody>
       </p:sp>
@@ -17603,6 +23701,42 @@
           </a:p>
         </p:txBody>
       </p:sp>
+      <p:pic>
+        <p:nvPicPr>
+          <p:cNvPr id="11" name="Grafik 10">
+            <a:extLst>
+              <a:ext uri="{FF2B5EF4-FFF2-40B4-BE49-F238E27FC236}">
+                <a16:creationId xmlns:a16="http://schemas.microsoft.com/office/drawing/2014/main" id="{AE761B5E-8364-4AC8-82DB-C54605BB2641}"/>
+              </a:ext>
+            </a:extLst>
+          </p:cNvPr>
+          <p:cNvPicPr>
+            <a:picLocks noChangeAspect="1"/>
+          </p:cNvPicPr>
+          <p:nvPr/>
+        </p:nvPicPr>
+        <p:blipFill>
+          <a:blip r:embed="rId3">
+            <a:extLst>
+              <a:ext uri="{28A0092B-C50C-407E-A947-70E740481C1C}">
+                <a14:useLocalDpi xmlns:a14="http://schemas.microsoft.com/office/drawing/2010/main" val="0"/>
+              </a:ext>
+            </a:extLst>
+          </a:blip>
+          <a:stretch>
+            <a:fillRect/>
+          </a:stretch>
+        </p:blipFill>
+        <p:spPr>
+          <a:xfrm>
+            <a:off x="2253367" y="1561168"/>
+            <a:ext cx="7685265" cy="3735664"/>
+          </a:xfrm>
+          <a:prstGeom prst="rect">
+            <a:avLst/>
+          </a:prstGeom>
+        </p:spPr>
+      </p:pic>
     </p:spTree>
     <p:extLst>
       <p:ext uri="{BB962C8B-B14F-4D97-AF65-F5344CB8AC3E}">
@@ -17754,46 +23888,12 @@
           </a:p>
         </p:txBody>
       </p:sp>
-      <p:sp>
-        <p:nvSpPr>
-          <p:cNvPr id="6" name="Inhaltsplatzhalter 5">
+      <p:pic>
+        <p:nvPicPr>
+          <p:cNvPr id="7" name="Grafik 6">
             <a:extLst>
               <a:ext uri="{FF2B5EF4-FFF2-40B4-BE49-F238E27FC236}">
-                <a16:creationId xmlns:a16="http://schemas.microsoft.com/office/drawing/2014/main" id="{EDA5D1B4-28EA-43B1-AE8C-877BAA8063F4}"/>
-              </a:ext>
-            </a:extLst>
-          </p:cNvPr>
-          <p:cNvSpPr>
-            <a:spLocks noGrp="1"/>
-          </p:cNvSpPr>
-          <p:nvPr>
-            <p:ph sz="quarter" idx="10"/>
-          </p:nvPr>
-        </p:nvSpPr>
-        <p:spPr/>
-        <p:txBody>
-          <a:bodyPr/>
-          <a:lstStyle/>
-          <a:p>
-            <a:r>
-              <a:rPr lang="de-DE" dirty="0"/>
-              <a:t>Hier die Sequenzdiagramme als Grafik</a:t>
-            </a:r>
-          </a:p>
-          <a:p>
-            <a:endParaRPr lang="de-DE" dirty="0"/>
-          </a:p>
-          <a:p>
-            <a:endParaRPr lang="de-DE" dirty="0"/>
-          </a:p>
-        </p:txBody>
-      </p:sp>
-      <p:pic>
-        <p:nvPicPr>
-          <p:cNvPr id="9" name="Grafik 8">
-            <a:extLst>
-              <a:ext uri="{FF2B5EF4-FFF2-40B4-BE49-F238E27FC236}">
-                <a16:creationId xmlns:a16="http://schemas.microsoft.com/office/drawing/2014/main" id="{9BD8F204-9093-46FE-8913-96B2E919AE27}"/>
+                <a16:creationId xmlns:a16="http://schemas.microsoft.com/office/drawing/2014/main" id="{7BC988C1-DB1C-447C-BA95-285394B222A4}"/>
               </a:ext>
             </a:extLst>
           </p:cNvPr>
@@ -17803,7 +23903,7 @@
           <p:nvPr/>
         </p:nvPicPr>
         <p:blipFill>
-          <a:blip r:embed="rId2" cstate="print">
+          <a:blip r:embed="rId2">
             <a:extLst>
               <a:ext uri="{28A0092B-C50C-407E-A947-70E740481C1C}">
                 <a14:useLocalDpi xmlns:a14="http://schemas.microsoft.com/office/drawing/2010/main" val="0"/>
@@ -17815,9 +23915,9 @@
           </a:stretch>
         </p:blipFill>
         <p:spPr>
-          <a:xfrm rot="5400000">
-            <a:off x="5562600" y="854304"/>
-            <a:ext cx="6858000" cy="5149392"/>
+          <a:xfrm>
+            <a:off x="1495295" y="2123146"/>
+            <a:ext cx="9758169" cy="2611707"/>
           </a:xfrm>
           <a:prstGeom prst="rect">
             <a:avLst/>
@@ -18086,94 +24186,62 @@
           </a:p>
         </p:txBody>
       </p:sp>
-      <p:sp>
-        <p:nvSpPr>
-          <p:cNvPr id="3" name="Inhaltsplatzhalter 2">
+      <p:graphicFrame>
+        <p:nvGraphicFramePr>
+          <p:cNvPr id="5" name="Diagramm 4">
             <a:extLst>
               <a:ext uri="{FF2B5EF4-FFF2-40B4-BE49-F238E27FC236}">
-                <a16:creationId xmlns:a16="http://schemas.microsoft.com/office/drawing/2014/main" id="{05974316-600A-4F5D-9A95-15612978C887}"/>
+                <a16:creationId xmlns:a16="http://schemas.microsoft.com/office/drawing/2014/main" id="{6F84B56C-98F2-4766-AA9C-B5198633A6B8}"/>
               </a:ext>
             </a:extLst>
           </p:cNvPr>
-          <p:cNvSpPr>
-            <a:spLocks noGrp="1"/>
-          </p:cNvSpPr>
+          <p:cNvGraphicFramePr/>
           <p:nvPr>
-            <p:ph sz="quarter" idx="10"/>
+            <p:extLst>
+              <p:ext uri="{D42A27DB-BD31-4B8C-83A1-F6EECF244321}">
+                <p14:modId xmlns:p14="http://schemas.microsoft.com/office/powerpoint/2010/main" val="927207611"/>
+              </p:ext>
+            </p:extLst>
           </p:nvPr>
-        </p:nvSpPr>
-        <p:spPr/>
-        <p:txBody>
-          <a:bodyPr/>
-          <a:lstStyle/>
-          <a:p>
-            <a:r>
-              <a:rPr lang="de-DE" dirty="0"/>
-              <a:t>Wie wurde die Evaluation aufgebaut -&gt; Hypothese, Art der Eva, Probanden, Fragen (SUS &amp; eigene)</a:t>
-            </a:r>
-          </a:p>
-          <a:p>
-            <a:r>
-              <a:rPr lang="de-DE" dirty="0"/>
-              <a:t>Hypothesen:</a:t>
-            </a:r>
-          </a:p>
-          <a:p>
-            <a:endParaRPr lang="de-DE" dirty="0"/>
-          </a:p>
-          <a:p>
-            <a:pPr marL="342900" indent="-342900">
-              <a:buFont typeface="+mj-lt"/>
-              <a:buAutoNum type="alphaLcPeriod"/>
-            </a:pPr>
-            <a:r>
-              <a:rPr lang="de-DE" dirty="0"/>
-              <a:t>Nutzung ist selbsterklärend</a:t>
-            </a:r>
-          </a:p>
-          <a:p>
-            <a:pPr marL="342900" indent="-342900">
-              <a:buFont typeface="+mj-lt"/>
-              <a:buAutoNum type="alphaLcPeriod"/>
-            </a:pPr>
-            <a:r>
-              <a:rPr lang="de-DE" dirty="0"/>
-              <a:t>Gefühl von Natürlichkeit</a:t>
-            </a:r>
-          </a:p>
-          <a:p>
-            <a:pPr marL="342900" indent="-342900">
-              <a:buFont typeface="+mj-lt"/>
-              <a:buAutoNum type="alphaLcPeriod"/>
-            </a:pPr>
-            <a:r>
-              <a:rPr lang="de-DE" dirty="0"/>
-              <a:t>Datenschutz erhöht Bereitschaft zur Nutzung</a:t>
-            </a:r>
-          </a:p>
-          <a:p>
-            <a:endParaRPr lang="de-DE" dirty="0"/>
-          </a:p>
-          <a:p>
-            <a:r>
-              <a:rPr lang="de-DE" dirty="0"/>
-              <a:t>Unterteilung in 2 Teile: Quantitativ (SUS &amp; eigene Fragen), Qualitativ (Erhebung spezifischer Gründe für Antworten)</a:t>
-            </a:r>
-          </a:p>
-          <a:p>
-            <a:endParaRPr lang="de-DE" dirty="0"/>
-          </a:p>
-          <a:p>
-            <a:r>
-              <a:rPr lang="de-DE" dirty="0"/>
-              <a:t>Pilotstudie mit 12 Teilnehmern, größtenteils unter 30</a:t>
-            </a:r>
-          </a:p>
-          <a:p>
-            <a:endParaRPr lang="de-DE" dirty="0"/>
-          </a:p>
-        </p:txBody>
-      </p:sp>
+        </p:nvGraphicFramePr>
+        <p:xfrm>
+          <a:off x="805656" y="119517"/>
+          <a:ext cx="10123715" cy="2984954"/>
+        </p:xfrm>
+        <a:graphic>
+          <a:graphicData uri="http://schemas.openxmlformats.org/drawingml/2006/diagram">
+            <dgm:relIds xmlns:dgm="http://schemas.openxmlformats.org/drawingml/2006/diagram" xmlns:r="http://schemas.openxmlformats.org/officeDocument/2006/relationships" r:dm="rId2" r:lo="rId3" r:qs="rId4" r:cs="rId5"/>
+          </a:graphicData>
+        </a:graphic>
+      </p:graphicFrame>
+      <p:graphicFrame>
+        <p:nvGraphicFramePr>
+          <p:cNvPr id="6" name="Diagramm 5">
+            <a:extLst>
+              <a:ext uri="{FF2B5EF4-FFF2-40B4-BE49-F238E27FC236}">
+                <a16:creationId xmlns:a16="http://schemas.microsoft.com/office/drawing/2014/main" id="{EB887BFE-3CF3-40A3-9515-310C0A769B6B}"/>
+              </a:ext>
+            </a:extLst>
+          </p:cNvPr>
+          <p:cNvGraphicFramePr/>
+          <p:nvPr>
+            <p:extLst>
+              <p:ext uri="{D42A27DB-BD31-4B8C-83A1-F6EECF244321}">
+                <p14:modId xmlns:p14="http://schemas.microsoft.com/office/powerpoint/2010/main" val="2285874309"/>
+              </p:ext>
+            </p:extLst>
+          </p:nvPr>
+        </p:nvGraphicFramePr>
+        <p:xfrm>
+          <a:off x="2910114" y="2111829"/>
+          <a:ext cx="6371771" cy="4124476"/>
+        </p:xfrm>
+        <a:graphic>
+          <a:graphicData uri="http://schemas.openxmlformats.org/drawingml/2006/diagram">
+            <dgm:relIds xmlns:dgm="http://schemas.openxmlformats.org/drawingml/2006/diagram" xmlns:r="http://schemas.openxmlformats.org/officeDocument/2006/relationships" r:dm="rId7" r:lo="rId8" r:qs="rId9" r:cs="rId10"/>
+          </a:graphicData>
+        </a:graphic>
+      </p:graphicFrame>
     </p:spTree>
     <p:extLst>
       <p:ext uri="{BB962C8B-B14F-4D97-AF65-F5344CB8AC3E}">
@@ -18272,6 +24340,24 @@
               <a:rPr lang="de-DE" dirty="0"/>
               <a:t>Extra Folie oder hier: was kann aus den Ergebnissen abgeleitet werden?</a:t>
             </a:r>
+          </a:p>
+          <a:p>
+            <a:endParaRPr lang="de-DE" dirty="0"/>
+          </a:p>
+          <a:p>
+            <a:r>
+              <a:rPr lang="de-DE" dirty="0"/>
+              <a:t>SUS: 70 Punkte</a:t>
+            </a:r>
+          </a:p>
+          <a:p>
+            <a:r>
+              <a:rPr lang="de-DE" dirty="0"/>
+              <a:t>Nicht als natürlich empfunden</a:t>
+            </a:r>
+          </a:p>
+          <a:p>
+            <a:endParaRPr lang="de-DE" dirty="0"/>
           </a:p>
           <a:p>
             <a:endParaRPr lang="de-DE" dirty="0"/>

--- a/verteidigung/verteidigung.pptx
+++ b/verteidigung/verteidigung.pptx
@@ -196,7 +196,7 @@
       </p:ext>
     </p:extLst>
   </p:cmAuthor>
-  <p:cmAuthor id="2" name="Martin" initials="M" lastIdx="6" clrIdx="1">
+  <p:cmAuthor id="2" name="Martin" initials="M" lastIdx="9" clrIdx="1">
     <p:extLst>
       <p:ext uri="{19B8F6BF-5375-455C-9EA6-DF929625EA0E}">
         <p15:presenceInfo xmlns:p15="http://schemas.microsoft.com/office/powerpoint/2012/main" userId="Martin" providerId="None"/>
@@ -208,9 +208,9 @@
 
 <file path=ppt/comments/comment1.xml><?xml version="1.0" encoding="utf-8"?>
 <p:cmLst xmlns:a="http://schemas.openxmlformats.org/drawingml/2006/main" xmlns:r="http://schemas.openxmlformats.org/officeDocument/2006/relationships" xmlns:p="http://schemas.openxmlformats.org/presentationml/2006/main">
-  <p:cm authorId="2" dt="2019-11-20T12:05:52.219" idx="1">
-    <p:pos x="1673" y="844"/>
-    <p:text>auch die Motivation in Vortrag aufnehmen?</p:text>
+  <p:cm authorId="2" dt="2019-11-26T11:59:31.539" idx="8">
+    <p:pos x="10" y="10"/>
+    <p:text>hier präziser -&gt; mehr auf die vorherige Folie (mit den Anforderungen) eingehen</p:text>
     <p:extLst>
       <p:ext uri="{C676402C-5697-4E1C-873F-D02D1690AC5C}">
         <p15:threadingInfo xmlns:p15="http://schemas.microsoft.com/office/powerpoint/2012/main" timeZoneBias="-60"/>
@@ -221,20 +221,6 @@
 </file>
 
 <file path=ppt/comments/comment2.xml><?xml version="1.0" encoding="utf-8"?>
-<p:cmLst xmlns:a="http://schemas.openxmlformats.org/drawingml/2006/main" xmlns:r="http://schemas.openxmlformats.org/officeDocument/2006/relationships" xmlns:p="http://schemas.openxmlformats.org/presentationml/2006/main">
-  <p:cm authorId="2" dt="2019-11-20T14:34:55.455" idx="2">
-    <p:pos x="6907" y="528"/>
-    <p:text>die Beschriftung der Angriffe ändern, so dass sie Text sind</p:text>
-    <p:extLst>
-      <p:ext uri="{C676402C-5697-4E1C-873F-D02D1690AC5C}">
-        <p15:threadingInfo xmlns:p15="http://schemas.microsoft.com/office/powerpoint/2012/main" timeZoneBias="-60"/>
-      </p:ext>
-    </p:extLst>
-  </p:cm>
-</p:cmLst>
-</file>
-
-<file path=ppt/comments/comment3.xml><?xml version="1.0" encoding="utf-8"?>
 <p:cmLst xmlns:a="http://schemas.openxmlformats.org/drawingml/2006/main" xmlns:r="http://schemas.openxmlformats.org/officeDocument/2006/relationships" xmlns:p="http://schemas.openxmlformats.org/presentationml/2006/main">
   <p:cm authorId="2" dt="2019-11-21T15:30:18.313" idx="5">
     <p:pos x="10" y="10"/>
@@ -4731,6 +4717,753 @@
 </file>
 
 <file path=ppt/diagrams/colors7.xml><?xml version="1.0" encoding="utf-8"?>
+<dgm:colorsDef xmlns:dgm="http://schemas.openxmlformats.org/drawingml/2006/diagram" xmlns:a="http://schemas.openxmlformats.org/drawingml/2006/main" uniqueId="urn:microsoft.com/office/officeart/2005/8/colors/accent1_2">
+  <dgm:title val=""/>
+  <dgm:desc val=""/>
+  <dgm:catLst>
+    <dgm:cat type="accent1" pri="11200"/>
+  </dgm:catLst>
+  <dgm:styleLbl name="node0">
+    <dgm:fillClrLst meth="repeat">
+      <a:schemeClr val="accent1"/>
+    </dgm:fillClrLst>
+    <dgm:linClrLst meth="repeat">
+      <a:schemeClr val="lt1"/>
+    </dgm:linClrLst>
+    <dgm:effectClrLst/>
+    <dgm:txLinClrLst/>
+    <dgm:txFillClrLst/>
+    <dgm:txEffectClrLst/>
+  </dgm:styleLbl>
+  <dgm:styleLbl name="alignNode1">
+    <dgm:fillClrLst meth="repeat">
+      <a:schemeClr val="accent1"/>
+    </dgm:fillClrLst>
+    <dgm:linClrLst meth="repeat">
+      <a:schemeClr val="accent1"/>
+    </dgm:linClrLst>
+    <dgm:effectClrLst/>
+    <dgm:txLinClrLst/>
+    <dgm:txFillClrLst/>
+    <dgm:txEffectClrLst/>
+  </dgm:styleLbl>
+  <dgm:styleLbl name="node1">
+    <dgm:fillClrLst meth="repeat">
+      <a:schemeClr val="accent1"/>
+    </dgm:fillClrLst>
+    <dgm:linClrLst meth="repeat">
+      <a:schemeClr val="lt1"/>
+    </dgm:linClrLst>
+    <dgm:effectClrLst/>
+    <dgm:txLinClrLst/>
+    <dgm:txFillClrLst/>
+    <dgm:txEffectClrLst/>
+  </dgm:styleLbl>
+  <dgm:styleLbl name="lnNode1">
+    <dgm:fillClrLst meth="repeat">
+      <a:schemeClr val="accent1"/>
+    </dgm:fillClrLst>
+    <dgm:linClrLst meth="repeat">
+      <a:schemeClr val="lt1"/>
+    </dgm:linClrLst>
+    <dgm:effectClrLst/>
+    <dgm:txLinClrLst/>
+    <dgm:txFillClrLst/>
+    <dgm:txEffectClrLst/>
+  </dgm:styleLbl>
+  <dgm:styleLbl name="vennNode1">
+    <dgm:fillClrLst meth="repeat">
+      <a:schemeClr val="accent1">
+        <a:alpha val="50000"/>
+      </a:schemeClr>
+    </dgm:fillClrLst>
+    <dgm:linClrLst meth="repeat">
+      <a:schemeClr val="lt1"/>
+    </dgm:linClrLst>
+    <dgm:effectClrLst/>
+    <dgm:txLinClrLst/>
+    <dgm:txFillClrLst/>
+    <dgm:txEffectClrLst/>
+  </dgm:styleLbl>
+  <dgm:styleLbl name="node2">
+    <dgm:fillClrLst meth="repeat">
+      <a:schemeClr val="accent1"/>
+    </dgm:fillClrLst>
+    <dgm:linClrLst meth="repeat">
+      <a:schemeClr val="lt1"/>
+    </dgm:linClrLst>
+    <dgm:effectClrLst/>
+    <dgm:txLinClrLst/>
+    <dgm:txFillClrLst/>
+    <dgm:txEffectClrLst/>
+  </dgm:styleLbl>
+  <dgm:styleLbl name="node3">
+    <dgm:fillClrLst meth="repeat">
+      <a:schemeClr val="accent1"/>
+    </dgm:fillClrLst>
+    <dgm:linClrLst meth="repeat">
+      <a:schemeClr val="lt1"/>
+    </dgm:linClrLst>
+    <dgm:effectClrLst/>
+    <dgm:txLinClrLst/>
+    <dgm:txFillClrLst/>
+    <dgm:txEffectClrLst/>
+  </dgm:styleLbl>
+  <dgm:styleLbl name="node4">
+    <dgm:fillClrLst meth="repeat">
+      <a:schemeClr val="accent1"/>
+    </dgm:fillClrLst>
+    <dgm:linClrLst meth="repeat">
+      <a:schemeClr val="lt1"/>
+    </dgm:linClrLst>
+    <dgm:effectClrLst/>
+    <dgm:txLinClrLst/>
+    <dgm:txFillClrLst/>
+    <dgm:txEffectClrLst/>
+  </dgm:styleLbl>
+  <dgm:styleLbl name="fgImgPlace1">
+    <dgm:fillClrLst meth="repeat">
+      <a:schemeClr val="accent1">
+        <a:tint val="50000"/>
+      </a:schemeClr>
+    </dgm:fillClrLst>
+    <dgm:linClrLst meth="repeat">
+      <a:schemeClr val="lt1"/>
+    </dgm:linClrLst>
+    <dgm:effectClrLst/>
+    <dgm:txLinClrLst/>
+    <dgm:txFillClrLst meth="repeat">
+      <a:schemeClr val="lt1"/>
+    </dgm:txFillClrLst>
+    <dgm:txEffectClrLst/>
+  </dgm:styleLbl>
+  <dgm:styleLbl name="alignImgPlace1">
+    <dgm:fillClrLst meth="repeat">
+      <a:schemeClr val="accent1">
+        <a:tint val="50000"/>
+      </a:schemeClr>
+    </dgm:fillClrLst>
+    <dgm:linClrLst meth="repeat">
+      <a:schemeClr val="lt1"/>
+    </dgm:linClrLst>
+    <dgm:effectClrLst/>
+    <dgm:txLinClrLst/>
+    <dgm:txFillClrLst meth="repeat">
+      <a:schemeClr val="lt1"/>
+    </dgm:txFillClrLst>
+    <dgm:txEffectClrLst/>
+  </dgm:styleLbl>
+  <dgm:styleLbl name="bgImgPlace1">
+    <dgm:fillClrLst meth="repeat">
+      <a:schemeClr val="accent1">
+        <a:tint val="50000"/>
+      </a:schemeClr>
+    </dgm:fillClrLst>
+    <dgm:linClrLst meth="repeat">
+      <a:schemeClr val="lt1"/>
+    </dgm:linClrLst>
+    <dgm:effectClrLst/>
+    <dgm:txLinClrLst/>
+    <dgm:txFillClrLst meth="repeat">
+      <a:schemeClr val="lt1"/>
+    </dgm:txFillClrLst>
+    <dgm:txEffectClrLst/>
+  </dgm:styleLbl>
+  <dgm:styleLbl name="sibTrans2D1">
+    <dgm:fillClrLst meth="repeat">
+      <a:schemeClr val="accent1">
+        <a:tint val="60000"/>
+      </a:schemeClr>
+    </dgm:fillClrLst>
+    <dgm:linClrLst meth="repeat">
+      <a:schemeClr val="accent1">
+        <a:tint val="60000"/>
+      </a:schemeClr>
+    </dgm:linClrLst>
+    <dgm:effectClrLst/>
+    <dgm:txLinClrLst/>
+    <dgm:txFillClrLst/>
+    <dgm:txEffectClrLst/>
+  </dgm:styleLbl>
+  <dgm:styleLbl name="fgSibTrans2D1">
+    <dgm:fillClrLst meth="repeat">
+      <a:schemeClr val="accent1">
+        <a:tint val="60000"/>
+      </a:schemeClr>
+    </dgm:fillClrLst>
+    <dgm:linClrLst meth="repeat">
+      <a:schemeClr val="accent1">
+        <a:tint val="60000"/>
+      </a:schemeClr>
+    </dgm:linClrLst>
+    <dgm:effectClrLst/>
+    <dgm:txLinClrLst/>
+    <dgm:txFillClrLst/>
+    <dgm:txEffectClrLst/>
+  </dgm:styleLbl>
+  <dgm:styleLbl name="bgSibTrans2D1">
+    <dgm:fillClrLst meth="repeat">
+      <a:schemeClr val="accent1">
+        <a:tint val="60000"/>
+      </a:schemeClr>
+    </dgm:fillClrLst>
+    <dgm:linClrLst meth="repeat">
+      <a:schemeClr val="accent1">
+        <a:tint val="60000"/>
+      </a:schemeClr>
+    </dgm:linClrLst>
+    <dgm:effectClrLst/>
+    <dgm:txLinClrLst/>
+    <dgm:txFillClrLst/>
+    <dgm:txEffectClrLst/>
+  </dgm:styleLbl>
+  <dgm:styleLbl name="sibTrans1D1">
+    <dgm:fillClrLst meth="repeat">
+      <a:schemeClr val="accent1"/>
+    </dgm:fillClrLst>
+    <dgm:linClrLst meth="repeat">
+      <a:schemeClr val="accent1"/>
+    </dgm:linClrLst>
+    <dgm:effectClrLst/>
+    <dgm:txLinClrLst/>
+    <dgm:txFillClrLst meth="repeat">
+      <a:schemeClr val="tx1"/>
+    </dgm:txFillClrLst>
+    <dgm:txEffectClrLst/>
+  </dgm:styleLbl>
+  <dgm:styleLbl name="callout">
+    <dgm:fillClrLst meth="repeat">
+      <a:schemeClr val="accent1"/>
+    </dgm:fillClrLst>
+    <dgm:linClrLst meth="repeat">
+      <a:schemeClr val="accent1">
+        <a:tint val="50000"/>
+      </a:schemeClr>
+    </dgm:linClrLst>
+    <dgm:effectClrLst/>
+    <dgm:txLinClrLst/>
+    <dgm:txFillClrLst meth="repeat">
+      <a:schemeClr val="tx1"/>
+    </dgm:txFillClrLst>
+    <dgm:txEffectClrLst/>
+  </dgm:styleLbl>
+  <dgm:styleLbl name="asst0">
+    <dgm:fillClrLst meth="repeat">
+      <a:schemeClr val="accent1"/>
+    </dgm:fillClrLst>
+    <dgm:linClrLst meth="repeat">
+      <a:schemeClr val="lt1"/>
+    </dgm:linClrLst>
+    <dgm:effectClrLst/>
+    <dgm:txLinClrLst/>
+    <dgm:txFillClrLst/>
+    <dgm:txEffectClrLst/>
+  </dgm:styleLbl>
+  <dgm:styleLbl name="asst1">
+    <dgm:fillClrLst meth="repeat">
+      <a:schemeClr val="accent1"/>
+    </dgm:fillClrLst>
+    <dgm:linClrLst meth="repeat">
+      <a:schemeClr val="lt1"/>
+    </dgm:linClrLst>
+    <dgm:effectClrLst/>
+    <dgm:txLinClrLst/>
+    <dgm:txFillClrLst/>
+    <dgm:txEffectClrLst/>
+  </dgm:styleLbl>
+  <dgm:styleLbl name="asst2">
+    <dgm:fillClrLst meth="repeat">
+      <a:schemeClr val="accent1"/>
+    </dgm:fillClrLst>
+    <dgm:linClrLst meth="repeat">
+      <a:schemeClr val="lt1"/>
+    </dgm:linClrLst>
+    <dgm:effectClrLst/>
+    <dgm:txLinClrLst/>
+    <dgm:txFillClrLst/>
+    <dgm:txEffectClrLst/>
+  </dgm:styleLbl>
+  <dgm:styleLbl name="asst3">
+    <dgm:fillClrLst meth="repeat">
+      <a:schemeClr val="accent1"/>
+    </dgm:fillClrLst>
+    <dgm:linClrLst meth="repeat">
+      <a:schemeClr val="lt1"/>
+    </dgm:linClrLst>
+    <dgm:effectClrLst/>
+    <dgm:txLinClrLst/>
+    <dgm:txFillClrLst/>
+    <dgm:txEffectClrLst/>
+  </dgm:styleLbl>
+  <dgm:styleLbl name="asst4">
+    <dgm:fillClrLst meth="repeat">
+      <a:schemeClr val="accent1"/>
+    </dgm:fillClrLst>
+    <dgm:linClrLst meth="repeat">
+      <a:schemeClr val="lt1"/>
+    </dgm:linClrLst>
+    <dgm:effectClrLst/>
+    <dgm:txLinClrLst/>
+    <dgm:txFillClrLst/>
+    <dgm:txEffectClrLst/>
+  </dgm:styleLbl>
+  <dgm:styleLbl name="parChTrans2D1">
+    <dgm:fillClrLst meth="repeat">
+      <a:schemeClr val="accent1">
+        <a:tint val="60000"/>
+      </a:schemeClr>
+    </dgm:fillClrLst>
+    <dgm:linClrLst meth="repeat">
+      <a:schemeClr val="accent1">
+        <a:tint val="60000"/>
+      </a:schemeClr>
+    </dgm:linClrLst>
+    <dgm:effectClrLst/>
+    <dgm:txLinClrLst/>
+    <dgm:txFillClrLst meth="repeat">
+      <a:schemeClr val="lt1"/>
+    </dgm:txFillClrLst>
+    <dgm:txEffectClrLst/>
+  </dgm:styleLbl>
+  <dgm:styleLbl name="parChTrans2D2">
+    <dgm:fillClrLst meth="repeat">
+      <a:schemeClr val="accent1"/>
+    </dgm:fillClrLst>
+    <dgm:linClrLst meth="repeat">
+      <a:schemeClr val="accent1"/>
+    </dgm:linClrLst>
+    <dgm:effectClrLst/>
+    <dgm:txLinClrLst/>
+    <dgm:txFillClrLst meth="repeat">
+      <a:schemeClr val="lt1"/>
+    </dgm:txFillClrLst>
+    <dgm:txEffectClrLst/>
+  </dgm:styleLbl>
+  <dgm:styleLbl name="parChTrans2D3">
+    <dgm:fillClrLst meth="repeat">
+      <a:schemeClr val="accent1"/>
+    </dgm:fillClrLst>
+    <dgm:linClrLst meth="repeat">
+      <a:schemeClr val="accent1"/>
+    </dgm:linClrLst>
+    <dgm:effectClrLst/>
+    <dgm:txLinClrLst/>
+    <dgm:txFillClrLst meth="repeat">
+      <a:schemeClr val="lt1"/>
+    </dgm:txFillClrLst>
+    <dgm:txEffectClrLst/>
+  </dgm:styleLbl>
+  <dgm:styleLbl name="parChTrans2D4">
+    <dgm:fillClrLst meth="repeat">
+      <a:schemeClr val="accent1"/>
+    </dgm:fillClrLst>
+    <dgm:linClrLst meth="repeat">
+      <a:schemeClr val="accent1"/>
+    </dgm:linClrLst>
+    <dgm:effectClrLst/>
+    <dgm:txLinClrLst/>
+    <dgm:txFillClrLst meth="repeat">
+      <a:schemeClr val="lt1"/>
+    </dgm:txFillClrLst>
+    <dgm:txEffectClrLst/>
+  </dgm:styleLbl>
+  <dgm:styleLbl name="parChTrans1D1">
+    <dgm:fillClrLst meth="repeat">
+      <a:schemeClr val="accent1"/>
+    </dgm:fillClrLst>
+    <dgm:linClrLst meth="repeat">
+      <a:schemeClr val="accent1">
+        <a:shade val="60000"/>
+      </a:schemeClr>
+    </dgm:linClrLst>
+    <dgm:effectClrLst/>
+    <dgm:txLinClrLst/>
+    <dgm:txFillClrLst meth="repeat">
+      <a:schemeClr val="tx1"/>
+    </dgm:txFillClrLst>
+    <dgm:txEffectClrLst/>
+  </dgm:styleLbl>
+  <dgm:styleLbl name="parChTrans1D2">
+    <dgm:fillClrLst meth="repeat">
+      <a:schemeClr val="accent1"/>
+    </dgm:fillClrLst>
+    <dgm:linClrLst meth="repeat">
+      <a:schemeClr val="accent1">
+        <a:shade val="60000"/>
+      </a:schemeClr>
+    </dgm:linClrLst>
+    <dgm:effectClrLst/>
+    <dgm:txLinClrLst/>
+    <dgm:txFillClrLst meth="repeat">
+      <a:schemeClr val="tx1"/>
+    </dgm:txFillClrLst>
+    <dgm:txEffectClrLst/>
+  </dgm:styleLbl>
+  <dgm:styleLbl name="parChTrans1D3">
+    <dgm:fillClrLst meth="repeat">
+      <a:schemeClr val="accent1"/>
+    </dgm:fillClrLst>
+    <dgm:linClrLst meth="repeat">
+      <a:schemeClr val="accent1">
+        <a:shade val="80000"/>
+      </a:schemeClr>
+    </dgm:linClrLst>
+    <dgm:effectClrLst/>
+    <dgm:txLinClrLst/>
+    <dgm:txFillClrLst meth="repeat">
+      <a:schemeClr val="tx1"/>
+    </dgm:txFillClrLst>
+    <dgm:txEffectClrLst/>
+  </dgm:styleLbl>
+  <dgm:styleLbl name="parChTrans1D4">
+    <dgm:fillClrLst meth="repeat">
+      <a:schemeClr val="accent1"/>
+    </dgm:fillClrLst>
+    <dgm:linClrLst meth="repeat">
+      <a:schemeClr val="accent1">
+        <a:shade val="80000"/>
+      </a:schemeClr>
+    </dgm:linClrLst>
+    <dgm:effectClrLst/>
+    <dgm:txLinClrLst/>
+    <dgm:txFillClrLst meth="repeat">
+      <a:schemeClr val="tx1"/>
+    </dgm:txFillClrLst>
+    <dgm:txEffectClrLst/>
+  </dgm:styleLbl>
+  <dgm:styleLbl name="fgAcc1">
+    <dgm:fillClrLst meth="repeat">
+      <a:schemeClr val="lt1">
+        <a:alpha val="90000"/>
+      </a:schemeClr>
+    </dgm:fillClrLst>
+    <dgm:linClrLst meth="repeat">
+      <a:schemeClr val="accent1"/>
+    </dgm:linClrLst>
+    <dgm:effectClrLst/>
+    <dgm:txLinClrLst/>
+    <dgm:txFillClrLst meth="repeat">
+      <a:schemeClr val="dk1"/>
+    </dgm:txFillClrLst>
+    <dgm:txEffectClrLst/>
+  </dgm:styleLbl>
+  <dgm:styleLbl name="conFgAcc1">
+    <dgm:fillClrLst meth="repeat">
+      <a:schemeClr val="lt1">
+        <a:alpha val="90000"/>
+      </a:schemeClr>
+    </dgm:fillClrLst>
+    <dgm:linClrLst meth="repeat">
+      <a:schemeClr val="accent1"/>
+    </dgm:linClrLst>
+    <dgm:effectClrLst/>
+    <dgm:txLinClrLst/>
+    <dgm:txFillClrLst meth="repeat">
+      <a:schemeClr val="dk1"/>
+    </dgm:txFillClrLst>
+    <dgm:txEffectClrLst/>
+  </dgm:styleLbl>
+  <dgm:styleLbl name="alignAcc1">
+    <dgm:fillClrLst meth="repeat">
+      <a:schemeClr val="lt1">
+        <a:alpha val="90000"/>
+      </a:schemeClr>
+    </dgm:fillClrLst>
+    <dgm:linClrLst meth="repeat">
+      <a:schemeClr val="accent1"/>
+    </dgm:linClrLst>
+    <dgm:effectClrLst/>
+    <dgm:txLinClrLst/>
+    <dgm:txFillClrLst meth="repeat">
+      <a:schemeClr val="dk1"/>
+    </dgm:txFillClrLst>
+    <dgm:txEffectClrLst/>
+  </dgm:styleLbl>
+  <dgm:styleLbl name="trAlignAcc1">
+    <dgm:fillClrLst meth="repeat">
+      <a:schemeClr val="lt1">
+        <a:alpha val="40000"/>
+      </a:schemeClr>
+    </dgm:fillClrLst>
+    <dgm:linClrLst meth="repeat">
+      <a:schemeClr val="accent1"/>
+    </dgm:linClrLst>
+    <dgm:effectClrLst/>
+    <dgm:txLinClrLst/>
+    <dgm:txFillClrLst meth="repeat">
+      <a:schemeClr val="dk1"/>
+    </dgm:txFillClrLst>
+    <dgm:txEffectClrLst/>
+  </dgm:styleLbl>
+  <dgm:styleLbl name="bgAcc1">
+    <dgm:fillClrLst meth="repeat">
+      <a:schemeClr val="lt1">
+        <a:alpha val="90000"/>
+      </a:schemeClr>
+    </dgm:fillClrLst>
+    <dgm:linClrLst meth="repeat">
+      <a:schemeClr val="accent1"/>
+    </dgm:linClrLst>
+    <dgm:effectClrLst/>
+    <dgm:txLinClrLst/>
+    <dgm:txFillClrLst meth="repeat">
+      <a:schemeClr val="dk1"/>
+    </dgm:txFillClrLst>
+    <dgm:txEffectClrLst/>
+  </dgm:styleLbl>
+  <dgm:styleLbl name="solidFgAcc1">
+    <dgm:fillClrLst meth="repeat">
+      <a:schemeClr val="lt1"/>
+    </dgm:fillClrLst>
+    <dgm:linClrLst meth="repeat">
+      <a:schemeClr val="accent1"/>
+    </dgm:linClrLst>
+    <dgm:effectClrLst/>
+    <dgm:txLinClrLst/>
+    <dgm:txFillClrLst meth="repeat">
+      <a:schemeClr val="dk1"/>
+    </dgm:txFillClrLst>
+    <dgm:txEffectClrLst/>
+  </dgm:styleLbl>
+  <dgm:styleLbl name="solidAlignAcc1">
+    <dgm:fillClrLst meth="repeat">
+      <a:schemeClr val="lt1"/>
+    </dgm:fillClrLst>
+    <dgm:linClrLst meth="repeat">
+      <a:schemeClr val="accent1"/>
+    </dgm:linClrLst>
+    <dgm:effectClrLst/>
+    <dgm:txLinClrLst/>
+    <dgm:txFillClrLst meth="repeat">
+      <a:schemeClr val="dk1"/>
+    </dgm:txFillClrLst>
+    <dgm:txEffectClrLst/>
+  </dgm:styleLbl>
+  <dgm:styleLbl name="solidBgAcc1">
+    <dgm:fillClrLst meth="repeat">
+      <a:schemeClr val="lt1"/>
+    </dgm:fillClrLst>
+    <dgm:linClrLst meth="repeat">
+      <a:schemeClr val="accent1"/>
+    </dgm:linClrLst>
+    <dgm:effectClrLst/>
+    <dgm:txLinClrLst/>
+    <dgm:txFillClrLst meth="repeat">
+      <a:schemeClr val="dk1"/>
+    </dgm:txFillClrLst>
+    <dgm:txEffectClrLst/>
+  </dgm:styleLbl>
+  <dgm:styleLbl name="fgAccFollowNode1">
+    <dgm:fillClrLst meth="repeat">
+      <a:schemeClr val="accent1">
+        <a:alpha val="90000"/>
+        <a:tint val="40000"/>
+      </a:schemeClr>
+    </dgm:fillClrLst>
+    <dgm:linClrLst meth="repeat">
+      <a:schemeClr val="accent1">
+        <a:alpha val="90000"/>
+        <a:tint val="40000"/>
+      </a:schemeClr>
+    </dgm:linClrLst>
+    <dgm:effectClrLst/>
+    <dgm:txLinClrLst/>
+    <dgm:txFillClrLst meth="repeat">
+      <a:schemeClr val="dk1"/>
+    </dgm:txFillClrLst>
+    <dgm:txEffectClrLst/>
+  </dgm:styleLbl>
+  <dgm:styleLbl name="alignAccFollowNode1">
+    <dgm:fillClrLst meth="repeat">
+      <a:schemeClr val="accent1">
+        <a:alpha val="90000"/>
+        <a:tint val="40000"/>
+      </a:schemeClr>
+    </dgm:fillClrLst>
+    <dgm:linClrLst meth="repeat">
+      <a:schemeClr val="accent1">
+        <a:alpha val="90000"/>
+        <a:tint val="40000"/>
+      </a:schemeClr>
+    </dgm:linClrLst>
+    <dgm:effectClrLst/>
+    <dgm:txLinClrLst/>
+    <dgm:txFillClrLst meth="repeat">
+      <a:schemeClr val="dk1"/>
+    </dgm:txFillClrLst>
+    <dgm:txEffectClrLst/>
+  </dgm:styleLbl>
+  <dgm:styleLbl name="bgAccFollowNode1">
+    <dgm:fillClrLst meth="repeat">
+      <a:schemeClr val="accent1">
+        <a:alpha val="90000"/>
+        <a:tint val="40000"/>
+      </a:schemeClr>
+    </dgm:fillClrLst>
+    <dgm:linClrLst meth="repeat">
+      <a:schemeClr val="accent1">
+        <a:alpha val="90000"/>
+        <a:tint val="40000"/>
+      </a:schemeClr>
+    </dgm:linClrLst>
+    <dgm:effectClrLst/>
+    <dgm:txLinClrLst/>
+    <dgm:txFillClrLst meth="repeat">
+      <a:schemeClr val="dk1"/>
+    </dgm:txFillClrLst>
+    <dgm:txEffectClrLst/>
+  </dgm:styleLbl>
+  <dgm:styleLbl name="fgAcc0">
+    <dgm:fillClrLst meth="repeat">
+      <a:schemeClr val="lt1">
+        <a:alpha val="90000"/>
+      </a:schemeClr>
+    </dgm:fillClrLst>
+    <dgm:linClrLst meth="repeat">
+      <a:schemeClr val="accent1"/>
+    </dgm:linClrLst>
+    <dgm:effectClrLst/>
+    <dgm:txLinClrLst/>
+    <dgm:txFillClrLst meth="repeat">
+      <a:schemeClr val="dk1"/>
+    </dgm:txFillClrLst>
+    <dgm:txEffectClrLst/>
+  </dgm:styleLbl>
+  <dgm:styleLbl name="fgAcc2">
+    <dgm:fillClrLst meth="repeat">
+      <a:schemeClr val="lt1">
+        <a:alpha val="90000"/>
+      </a:schemeClr>
+    </dgm:fillClrLst>
+    <dgm:linClrLst meth="repeat">
+      <a:schemeClr val="accent1"/>
+    </dgm:linClrLst>
+    <dgm:effectClrLst/>
+    <dgm:txLinClrLst/>
+    <dgm:txFillClrLst meth="repeat">
+      <a:schemeClr val="dk1"/>
+    </dgm:txFillClrLst>
+    <dgm:txEffectClrLst/>
+  </dgm:styleLbl>
+  <dgm:styleLbl name="fgAcc3">
+    <dgm:fillClrLst meth="repeat">
+      <a:schemeClr val="lt1">
+        <a:alpha val="90000"/>
+      </a:schemeClr>
+    </dgm:fillClrLst>
+    <dgm:linClrLst meth="repeat">
+      <a:schemeClr val="accent1"/>
+    </dgm:linClrLst>
+    <dgm:effectClrLst/>
+    <dgm:txLinClrLst/>
+    <dgm:txFillClrLst meth="repeat">
+      <a:schemeClr val="dk1"/>
+    </dgm:txFillClrLst>
+    <dgm:txEffectClrLst/>
+  </dgm:styleLbl>
+  <dgm:styleLbl name="fgAcc4">
+    <dgm:fillClrLst meth="repeat">
+      <a:schemeClr val="lt1">
+        <a:alpha val="90000"/>
+      </a:schemeClr>
+    </dgm:fillClrLst>
+    <dgm:linClrLst meth="repeat">
+      <a:schemeClr val="accent1"/>
+    </dgm:linClrLst>
+    <dgm:effectClrLst/>
+    <dgm:txLinClrLst/>
+    <dgm:txFillClrLst meth="repeat">
+      <a:schemeClr val="dk1"/>
+    </dgm:txFillClrLst>
+    <dgm:txEffectClrLst/>
+  </dgm:styleLbl>
+  <dgm:styleLbl name="bgShp">
+    <dgm:fillClrLst meth="repeat">
+      <a:schemeClr val="accent1">
+        <a:tint val="40000"/>
+      </a:schemeClr>
+    </dgm:fillClrLst>
+    <dgm:linClrLst meth="repeat">
+      <a:schemeClr val="accent1"/>
+    </dgm:linClrLst>
+    <dgm:effectClrLst/>
+    <dgm:txLinClrLst/>
+    <dgm:txFillClrLst meth="repeat">
+      <a:schemeClr val="dk1"/>
+    </dgm:txFillClrLst>
+    <dgm:txEffectClrLst/>
+  </dgm:styleLbl>
+  <dgm:styleLbl name="dkBgShp">
+    <dgm:fillClrLst meth="repeat">
+      <a:schemeClr val="accent1">
+        <a:shade val="80000"/>
+      </a:schemeClr>
+    </dgm:fillClrLst>
+    <dgm:linClrLst meth="repeat">
+      <a:schemeClr val="accent1"/>
+    </dgm:linClrLst>
+    <dgm:effectClrLst/>
+    <dgm:txLinClrLst/>
+    <dgm:txFillClrLst meth="repeat">
+      <a:schemeClr val="lt1"/>
+    </dgm:txFillClrLst>
+    <dgm:txEffectClrLst/>
+  </dgm:styleLbl>
+  <dgm:styleLbl name="trBgShp">
+    <dgm:fillClrLst meth="repeat">
+      <a:schemeClr val="accent1">
+        <a:tint val="50000"/>
+        <a:alpha val="40000"/>
+      </a:schemeClr>
+    </dgm:fillClrLst>
+    <dgm:linClrLst meth="repeat">
+      <a:schemeClr val="accent1"/>
+    </dgm:linClrLst>
+    <dgm:effectClrLst/>
+    <dgm:txLinClrLst/>
+    <dgm:txFillClrLst meth="repeat">
+      <a:schemeClr val="lt1"/>
+    </dgm:txFillClrLst>
+    <dgm:txEffectClrLst/>
+  </dgm:styleLbl>
+  <dgm:styleLbl name="fgShp">
+    <dgm:fillClrLst meth="repeat">
+      <a:schemeClr val="accent1">
+        <a:tint val="60000"/>
+      </a:schemeClr>
+    </dgm:fillClrLst>
+    <dgm:linClrLst meth="repeat">
+      <a:schemeClr val="lt1"/>
+    </dgm:linClrLst>
+    <dgm:effectClrLst/>
+    <dgm:txLinClrLst/>
+    <dgm:txFillClrLst meth="repeat">
+      <a:schemeClr val="dk1"/>
+    </dgm:txFillClrLst>
+    <dgm:txEffectClrLst/>
+  </dgm:styleLbl>
+  <dgm:styleLbl name="revTx">
+    <dgm:fillClrLst meth="repeat">
+      <a:schemeClr val="lt1">
+        <a:alpha val="0"/>
+      </a:schemeClr>
+    </dgm:fillClrLst>
+    <dgm:linClrLst meth="repeat">
+      <a:schemeClr val="dk1">
+        <a:alpha val="0"/>
+      </a:schemeClr>
+    </dgm:linClrLst>
+    <dgm:effectClrLst/>
+    <dgm:txLinClrLst/>
+    <dgm:txFillClrLst meth="repeat">
+      <a:schemeClr val="tx1"/>
+    </dgm:txFillClrLst>
+    <dgm:txEffectClrLst/>
+  </dgm:styleLbl>
+</dgm:colorsDef>
+</file>
+
+<file path=ppt/diagrams/colors8.xml><?xml version="1.0" encoding="utf-8"?>
 <dgm:colorsDef xmlns:dgm="http://schemas.openxmlformats.org/drawingml/2006/diagram" xmlns:a="http://schemas.openxmlformats.org/drawingml/2006/main" uniqueId="urn:microsoft.com/office/officeart/2005/8/colors/accent1_2">
   <dgm:title val=""/>
   <dgm:desc val=""/>
@@ -7043,6 +7776,551 @@
 <file path=ppt/diagrams/data6.xml><?xml version="1.0" encoding="utf-8"?>
 <dgm:dataModel xmlns:dgm="http://schemas.openxmlformats.org/drawingml/2006/diagram" xmlns:a="http://schemas.openxmlformats.org/drawingml/2006/main">
   <dgm:ptLst>
+    <dgm:pt modelId="{F244C66F-8689-4AF8-9771-8AEF1471ABC5}" type="doc">
+      <dgm:prSet loTypeId="urn:microsoft.com/office/officeart/2005/8/layout/vList4" loCatId="list" qsTypeId="urn:microsoft.com/office/officeart/2005/8/quickstyle/simple1" qsCatId="simple" csTypeId="urn:microsoft.com/office/officeart/2005/8/colors/accent1_2" csCatId="accent1" phldr="1"/>
+      <dgm:spPr/>
+      <dgm:t>
+        <a:bodyPr/>
+        <a:lstStyle/>
+        <a:p>
+          <a:endParaRPr lang="de-DE"/>
+        </a:p>
+      </dgm:t>
+    </dgm:pt>
+    <dgm:pt modelId="{1525DACB-A18F-4EEA-AFEC-314E5F7A12AA}">
+      <dgm:prSet/>
+      <dgm:spPr/>
+      <dgm:t>
+        <a:bodyPr/>
+        <a:lstStyle/>
+        <a:p>
+          <a:r>
+            <a:rPr lang="de-DE" dirty="0"/>
+            <a:t>Drehung</a:t>
+          </a:r>
+        </a:p>
+      </dgm:t>
+    </dgm:pt>
+    <dgm:pt modelId="{375F462B-98A8-44E2-A7C3-2BEB93E481C3}" type="parTrans" cxnId="{F17EECB0-D8C5-4F5A-90E7-E80B11F93CFF}">
+      <dgm:prSet/>
+      <dgm:spPr/>
+      <dgm:t>
+        <a:bodyPr/>
+        <a:lstStyle/>
+        <a:p>
+          <a:endParaRPr lang="de-DE"/>
+        </a:p>
+      </dgm:t>
+    </dgm:pt>
+    <dgm:pt modelId="{2A40B089-9F55-44E6-A586-A7F697305F97}" type="sibTrans" cxnId="{F17EECB0-D8C5-4F5A-90E7-E80B11F93CFF}">
+      <dgm:prSet/>
+      <dgm:spPr/>
+      <dgm:t>
+        <a:bodyPr/>
+        <a:lstStyle/>
+        <a:p>
+          <a:endParaRPr lang="de-DE"/>
+        </a:p>
+      </dgm:t>
+    </dgm:pt>
+    <dgm:pt modelId="{1D70E854-6D44-486E-9391-16182549EA95}">
+      <dgm:prSet/>
+      <dgm:spPr/>
+      <dgm:t>
+        <a:bodyPr/>
+        <a:lstStyle/>
+        <a:p>
+          <a:r>
+            <a:rPr lang="de-DE" dirty="0"/>
+            <a:t>zu Raum fahren</a:t>
+          </a:r>
+        </a:p>
+      </dgm:t>
+    </dgm:pt>
+    <dgm:pt modelId="{D2E1E890-D79A-4301-884D-95B6DF51DC59}" type="parTrans" cxnId="{B6173556-8B39-4587-BC2F-BED6DEE4BD80}">
+      <dgm:prSet/>
+      <dgm:spPr/>
+      <dgm:t>
+        <a:bodyPr/>
+        <a:lstStyle/>
+        <a:p>
+          <a:endParaRPr lang="de-DE"/>
+        </a:p>
+      </dgm:t>
+    </dgm:pt>
+    <dgm:pt modelId="{1143893E-B73B-4355-A7D7-C1C02CB21AA6}" type="sibTrans" cxnId="{B6173556-8B39-4587-BC2F-BED6DEE4BD80}">
+      <dgm:prSet/>
+      <dgm:spPr/>
+      <dgm:t>
+        <a:bodyPr/>
+        <a:lstStyle/>
+        <a:p>
+          <a:endParaRPr lang="de-DE"/>
+        </a:p>
+      </dgm:t>
+    </dgm:pt>
+    <dgm:pt modelId="{80DB2653-14C9-42C5-918A-A43166DEC571}">
+      <dgm:prSet/>
+      <dgm:spPr/>
+      <dgm:t>
+        <a:bodyPr/>
+        <a:lstStyle/>
+        <a:p>
+          <a:r>
+            <a:rPr lang="de-DE" dirty="0"/>
+            <a:t>Gegenstand bringen</a:t>
+          </a:r>
+        </a:p>
+      </dgm:t>
+    </dgm:pt>
+    <dgm:pt modelId="{DCF6A541-F171-47A5-8EF2-7D8E4EDE0E02}" type="parTrans" cxnId="{3F3818DF-19A4-478C-A3DF-6D96530F79B7}">
+      <dgm:prSet/>
+      <dgm:spPr/>
+      <dgm:t>
+        <a:bodyPr/>
+        <a:lstStyle/>
+        <a:p>
+          <a:endParaRPr lang="de-DE"/>
+        </a:p>
+      </dgm:t>
+    </dgm:pt>
+    <dgm:pt modelId="{3235B9AF-CB5E-4235-A526-7D39A24E7A58}" type="sibTrans" cxnId="{3F3818DF-19A4-478C-A3DF-6D96530F79B7}">
+      <dgm:prSet/>
+      <dgm:spPr/>
+      <dgm:t>
+        <a:bodyPr/>
+        <a:lstStyle/>
+        <a:p>
+          <a:endParaRPr lang="de-DE"/>
+        </a:p>
+      </dgm:t>
+    </dgm:pt>
+    <dgm:pt modelId="{9AAF7EDF-010A-403B-8A8F-EC447D92068B}">
+      <dgm:prSet/>
+      <dgm:spPr/>
+      <dgm:t>
+        <a:bodyPr/>
+        <a:lstStyle/>
+        <a:p>
+          <a:r>
+            <a:rPr lang="de-DE" dirty="0"/>
+            <a:t>Nutzer ansprechen</a:t>
+          </a:r>
+        </a:p>
+      </dgm:t>
+    </dgm:pt>
+    <dgm:pt modelId="{A5862004-1E05-4E99-8611-4F6F65C67397}" type="parTrans" cxnId="{2CD244FF-7C1D-4542-9131-7A48B6E7CD57}">
+      <dgm:prSet/>
+      <dgm:spPr/>
+      <dgm:t>
+        <a:bodyPr/>
+        <a:lstStyle/>
+        <a:p>
+          <a:endParaRPr lang="de-DE"/>
+        </a:p>
+      </dgm:t>
+    </dgm:pt>
+    <dgm:pt modelId="{1F60F31B-B8EF-480E-A9FB-5D8BA9FBD3C8}" type="sibTrans" cxnId="{2CD244FF-7C1D-4542-9131-7A48B6E7CD57}">
+      <dgm:prSet/>
+      <dgm:spPr/>
+      <dgm:t>
+        <a:bodyPr/>
+        <a:lstStyle/>
+        <a:p>
+          <a:endParaRPr lang="de-DE"/>
+        </a:p>
+      </dgm:t>
+    </dgm:pt>
+    <dgm:pt modelId="{D0072536-10E4-4A46-AD9B-80A589F17BE9}">
+      <dgm:prSet/>
+      <dgm:spPr/>
+      <dgm:t>
+        <a:bodyPr/>
+        <a:lstStyle/>
+        <a:p>
+          <a:r>
+            <a:rPr lang="de-DE" dirty="0"/>
+            <a:t>aus dem Weg fahren</a:t>
+          </a:r>
+        </a:p>
+      </dgm:t>
+    </dgm:pt>
+    <dgm:pt modelId="{AE0CD9E0-E3B2-44E1-AD60-A2FF41770831}" type="parTrans" cxnId="{EB61BEB9-E0CB-4819-82C5-801294F167EF}">
+      <dgm:prSet/>
+      <dgm:spPr/>
+      <dgm:t>
+        <a:bodyPr/>
+        <a:lstStyle/>
+        <a:p>
+          <a:endParaRPr lang="de-DE"/>
+        </a:p>
+      </dgm:t>
+    </dgm:pt>
+    <dgm:pt modelId="{639FD2FD-0B6E-4A2D-80F9-7A12F4248603}" type="sibTrans" cxnId="{EB61BEB9-E0CB-4819-82C5-801294F167EF}">
+      <dgm:prSet/>
+      <dgm:spPr/>
+      <dgm:t>
+        <a:bodyPr/>
+        <a:lstStyle/>
+        <a:p>
+          <a:endParaRPr lang="de-DE"/>
+        </a:p>
+      </dgm:t>
+    </dgm:pt>
+    <dgm:pt modelId="{7DE40D7B-5F0E-469D-8197-57EED7EC3688}">
+      <dgm:prSet/>
+      <dgm:spPr/>
+      <dgm:t>
+        <a:bodyPr/>
+        <a:lstStyle/>
+        <a:p>
+          <a:r>
+            <a:rPr lang="de-DE" dirty="0"/>
+            <a:t> zurückkehren</a:t>
+          </a:r>
+        </a:p>
+      </dgm:t>
+    </dgm:pt>
+    <dgm:pt modelId="{A8C10447-B7D7-4C4E-A2EF-C9CAD8E9B430}" type="parTrans" cxnId="{0A3EFD24-AA06-4652-A537-96950A5756C5}">
+      <dgm:prSet/>
+      <dgm:spPr/>
+      <dgm:t>
+        <a:bodyPr/>
+        <a:lstStyle/>
+        <a:p>
+          <a:endParaRPr lang="de-DE"/>
+        </a:p>
+      </dgm:t>
+    </dgm:pt>
+    <dgm:pt modelId="{573C7F7F-131D-4131-BDD8-581FA6B8F435}" type="sibTrans" cxnId="{0A3EFD24-AA06-4652-A537-96950A5756C5}">
+      <dgm:prSet/>
+      <dgm:spPr/>
+      <dgm:t>
+        <a:bodyPr/>
+        <a:lstStyle/>
+        <a:p>
+          <a:endParaRPr lang="de-DE"/>
+        </a:p>
+      </dgm:t>
+    </dgm:pt>
+    <dgm:pt modelId="{CE19517B-084F-4604-9085-D407AE9D4D44}" type="pres">
+      <dgm:prSet presAssocID="{F244C66F-8689-4AF8-9771-8AEF1471ABC5}" presName="linear" presStyleCnt="0">
+        <dgm:presLayoutVars>
+          <dgm:dir/>
+          <dgm:resizeHandles val="exact"/>
+        </dgm:presLayoutVars>
+      </dgm:prSet>
+      <dgm:spPr/>
+    </dgm:pt>
+    <dgm:pt modelId="{F42BE03A-9474-4D65-AA59-A9DF34D66A13}" type="pres">
+      <dgm:prSet presAssocID="{1525DACB-A18F-4EEA-AFEC-314E5F7A12AA}" presName="comp" presStyleCnt="0"/>
+      <dgm:spPr/>
+    </dgm:pt>
+    <dgm:pt modelId="{5A8A1DA8-9E7C-4899-9767-80EAD0D379B3}" type="pres">
+      <dgm:prSet presAssocID="{1525DACB-A18F-4EEA-AFEC-314E5F7A12AA}" presName="box" presStyleLbl="node1" presStyleIdx="0" presStyleCnt="6"/>
+      <dgm:spPr/>
+    </dgm:pt>
+    <dgm:pt modelId="{55916C73-BD82-4317-82F7-BAD3663A7FE9}" type="pres">
+      <dgm:prSet presAssocID="{1525DACB-A18F-4EEA-AFEC-314E5F7A12AA}" presName="img" presStyleLbl="fgImgPlace1" presStyleIdx="0" presStyleCnt="6" custScaleX="57625" custScaleY="118824"/>
+      <dgm:spPr>
+        <a:blipFill>
+          <a:blip xmlns:r="http://schemas.openxmlformats.org/officeDocument/2006/relationships" r:embed="rId1" cstate="print">
+            <a:extLst>
+              <a:ext uri="{28A0092B-C50C-407E-A947-70E740481C1C}">
+                <a14:useLocalDpi xmlns:a14="http://schemas.microsoft.com/office/drawing/2010/main" val="0"/>
+              </a:ext>
+              <a:ext uri="{837473B0-CC2E-450A-ABE3-18F120FF3D39}">
+                <a1611:picAttrSrcUrl xmlns:a1611="http://schemas.microsoft.com/office/drawing/2016/11/main" r:id="rId2"/>
+              </a:ext>
+            </a:extLst>
+          </a:blip>
+          <a:srcRect/>
+          <a:stretch>
+            <a:fillRect/>
+          </a:stretch>
+        </a:blipFill>
+      </dgm:spPr>
+    </dgm:pt>
+    <dgm:pt modelId="{6D45F132-869C-4D39-990F-2EB94BC796CD}" type="pres">
+      <dgm:prSet presAssocID="{1525DACB-A18F-4EEA-AFEC-314E5F7A12AA}" presName="text" presStyleLbl="node1" presStyleIdx="0" presStyleCnt="6">
+        <dgm:presLayoutVars>
+          <dgm:bulletEnabled val="1"/>
+        </dgm:presLayoutVars>
+      </dgm:prSet>
+      <dgm:spPr/>
+    </dgm:pt>
+    <dgm:pt modelId="{BC7511A1-A0E3-45DF-9751-878E4466100C}" type="pres">
+      <dgm:prSet presAssocID="{2A40B089-9F55-44E6-A586-A7F697305F97}" presName="spacer" presStyleCnt="0"/>
+      <dgm:spPr/>
+    </dgm:pt>
+    <dgm:pt modelId="{A6E59C19-98FC-4758-9022-F510537D71CF}" type="pres">
+      <dgm:prSet presAssocID="{1D70E854-6D44-486E-9391-16182549EA95}" presName="comp" presStyleCnt="0"/>
+      <dgm:spPr/>
+    </dgm:pt>
+    <dgm:pt modelId="{2E1F9F8A-60C2-4F3E-B7AA-84D1CF9636C0}" type="pres">
+      <dgm:prSet presAssocID="{1D70E854-6D44-486E-9391-16182549EA95}" presName="box" presStyleLbl="node1" presStyleIdx="1" presStyleCnt="6"/>
+      <dgm:spPr/>
+    </dgm:pt>
+    <dgm:pt modelId="{9C3E831E-00D7-4E00-AE6A-F8569392BC94}" type="pres">
+      <dgm:prSet presAssocID="{1D70E854-6D44-486E-9391-16182549EA95}" presName="img" presStyleLbl="fgImgPlace1" presStyleIdx="1" presStyleCnt="6" custScaleX="55581" custScaleY="125836" custLinFactNeighborX="514" custLinFactNeighborY="148"/>
+      <dgm:spPr>
+        <a:blipFill>
+          <a:blip xmlns:r="http://schemas.openxmlformats.org/officeDocument/2006/relationships" r:embed="rId3">
+            <a:extLst>
+              <a:ext uri="{28A0092B-C50C-407E-A947-70E740481C1C}">
+                <a14:useLocalDpi xmlns:a14="http://schemas.microsoft.com/office/drawing/2010/main" val="0"/>
+              </a:ext>
+              <a:ext uri="{837473B0-CC2E-450A-ABE3-18F120FF3D39}">
+                <a1611:picAttrSrcUrl xmlns:a1611="http://schemas.microsoft.com/office/drawing/2016/11/main" r:id="rId4"/>
+              </a:ext>
+            </a:extLst>
+          </a:blip>
+          <a:srcRect/>
+          <a:stretch>
+            <a:fillRect t="-2000" b="-2000"/>
+          </a:stretch>
+        </a:blipFill>
+      </dgm:spPr>
+    </dgm:pt>
+    <dgm:pt modelId="{8914F8CE-FD19-4599-B42F-6302CF35F85B}" type="pres">
+      <dgm:prSet presAssocID="{1D70E854-6D44-486E-9391-16182549EA95}" presName="text" presStyleLbl="node1" presStyleIdx="1" presStyleCnt="6">
+        <dgm:presLayoutVars>
+          <dgm:bulletEnabled val="1"/>
+        </dgm:presLayoutVars>
+      </dgm:prSet>
+      <dgm:spPr/>
+    </dgm:pt>
+    <dgm:pt modelId="{9B712E0B-CAAC-4520-AD33-C4E69CCC4086}" type="pres">
+      <dgm:prSet presAssocID="{1143893E-B73B-4355-A7D7-C1C02CB21AA6}" presName="spacer" presStyleCnt="0"/>
+      <dgm:spPr/>
+    </dgm:pt>
+    <dgm:pt modelId="{E1B6AF08-5C4A-4180-866F-8FC5C29D9F4C}" type="pres">
+      <dgm:prSet presAssocID="{80DB2653-14C9-42C5-918A-A43166DEC571}" presName="comp" presStyleCnt="0"/>
+      <dgm:spPr/>
+    </dgm:pt>
+    <dgm:pt modelId="{65370D36-8F29-456D-8093-A833EE93C515}" type="pres">
+      <dgm:prSet presAssocID="{80DB2653-14C9-42C5-918A-A43166DEC571}" presName="box" presStyleLbl="node1" presStyleIdx="2" presStyleCnt="6"/>
+      <dgm:spPr/>
+    </dgm:pt>
+    <dgm:pt modelId="{935385C0-FF92-4465-AFF5-AB9B97A02B00}" type="pres">
+      <dgm:prSet presAssocID="{80DB2653-14C9-42C5-918A-A43166DEC571}" presName="img" presStyleLbl="fgImgPlace1" presStyleIdx="2" presStyleCnt="6" custScaleX="54567" custScaleY="126564" custLinFactNeighborX="1543" custLinFactNeighborY="2690"/>
+      <dgm:spPr>
+        <a:blipFill>
+          <a:blip xmlns:r="http://schemas.openxmlformats.org/officeDocument/2006/relationships" r:embed="rId5">
+            <a:extLst>
+              <a:ext uri="{28A0092B-C50C-407E-A947-70E740481C1C}">
+                <a14:useLocalDpi xmlns:a14="http://schemas.microsoft.com/office/drawing/2010/main" val="0"/>
+              </a:ext>
+              <a:ext uri="{96DAC541-7B7A-43D3-8B79-37D633B846F1}">
+                <asvg:svgBlip xmlns:asvg="http://schemas.microsoft.com/office/drawing/2016/SVG/main" r:embed="rId6"/>
+              </a:ext>
+              <a:ext uri="{837473B0-CC2E-450A-ABE3-18F120FF3D39}">
+                <a1611:picAttrSrcUrl xmlns:a1611="http://schemas.microsoft.com/office/drawing/2016/11/main" r:id="rId7"/>
+              </a:ext>
+            </a:extLst>
+          </a:blip>
+          <a:srcRect/>
+          <a:stretch>
+            <a:fillRect/>
+          </a:stretch>
+        </a:blipFill>
+      </dgm:spPr>
+    </dgm:pt>
+    <dgm:pt modelId="{B9FBB381-4E42-477E-86BA-AAC1394A3314}" type="pres">
+      <dgm:prSet presAssocID="{80DB2653-14C9-42C5-918A-A43166DEC571}" presName="text" presStyleLbl="node1" presStyleIdx="2" presStyleCnt="6">
+        <dgm:presLayoutVars>
+          <dgm:bulletEnabled val="1"/>
+        </dgm:presLayoutVars>
+      </dgm:prSet>
+      <dgm:spPr/>
+    </dgm:pt>
+    <dgm:pt modelId="{04DB7B21-09C7-4872-A190-471AC6461AB9}" type="pres">
+      <dgm:prSet presAssocID="{3235B9AF-CB5E-4235-A526-7D39A24E7A58}" presName="spacer" presStyleCnt="0"/>
+      <dgm:spPr/>
+    </dgm:pt>
+    <dgm:pt modelId="{E36B2C12-F66D-4C37-BF4B-45EADEEABB90}" type="pres">
+      <dgm:prSet presAssocID="{9AAF7EDF-010A-403B-8A8F-EC447D92068B}" presName="comp" presStyleCnt="0"/>
+      <dgm:spPr/>
+    </dgm:pt>
+    <dgm:pt modelId="{2ECE8B53-FE1A-4DA5-B643-FA3EB9D3FACC}" type="pres">
+      <dgm:prSet presAssocID="{9AAF7EDF-010A-403B-8A8F-EC447D92068B}" presName="box" presStyleLbl="node1" presStyleIdx="3" presStyleCnt="6"/>
+      <dgm:spPr/>
+    </dgm:pt>
+    <dgm:pt modelId="{0937F075-AB43-4E41-87E5-E4FEC977574A}" type="pres">
+      <dgm:prSet presAssocID="{9AAF7EDF-010A-403B-8A8F-EC447D92068B}" presName="img" presStyleLbl="fgImgPlace1" presStyleIdx="3" presStyleCnt="6" custScaleX="58162" custScaleY="117936" custLinFactNeighborX="2573" custLinFactNeighborY="1976"/>
+      <dgm:spPr>
+        <a:blipFill>
+          <a:blip xmlns:r="http://schemas.openxmlformats.org/officeDocument/2006/relationships" r:embed="rId8">
+            <a:extLst>
+              <a:ext uri="{28A0092B-C50C-407E-A947-70E740481C1C}">
+                <a14:useLocalDpi xmlns:a14="http://schemas.microsoft.com/office/drawing/2010/main" val="0"/>
+              </a:ext>
+              <a:ext uri="{837473B0-CC2E-450A-ABE3-18F120FF3D39}">
+                <a1611:picAttrSrcUrl xmlns:a1611="http://schemas.microsoft.com/office/drawing/2016/11/main" r:id="rId9"/>
+              </a:ext>
+            </a:extLst>
+          </a:blip>
+          <a:srcRect/>
+          <a:stretch>
+            <a:fillRect/>
+          </a:stretch>
+        </a:blipFill>
+      </dgm:spPr>
+    </dgm:pt>
+    <dgm:pt modelId="{07DD7521-E1B3-4D73-BB09-786326438B83}" type="pres">
+      <dgm:prSet presAssocID="{9AAF7EDF-010A-403B-8A8F-EC447D92068B}" presName="text" presStyleLbl="node1" presStyleIdx="3" presStyleCnt="6">
+        <dgm:presLayoutVars>
+          <dgm:bulletEnabled val="1"/>
+        </dgm:presLayoutVars>
+      </dgm:prSet>
+      <dgm:spPr/>
+    </dgm:pt>
+    <dgm:pt modelId="{A215117E-F621-4EE7-A871-09F1D9F299B4}" type="pres">
+      <dgm:prSet presAssocID="{1F60F31B-B8EF-480E-A9FB-5D8BA9FBD3C8}" presName="spacer" presStyleCnt="0"/>
+      <dgm:spPr/>
+    </dgm:pt>
+    <dgm:pt modelId="{747362E0-BB4F-4903-B04C-0E33770CA9F1}" type="pres">
+      <dgm:prSet presAssocID="{D0072536-10E4-4A46-AD9B-80A589F17BE9}" presName="comp" presStyleCnt="0"/>
+      <dgm:spPr/>
+    </dgm:pt>
+    <dgm:pt modelId="{E2B15E2C-D24E-4F2A-948E-582842B35933}" type="pres">
+      <dgm:prSet presAssocID="{D0072536-10E4-4A46-AD9B-80A589F17BE9}" presName="box" presStyleLbl="node1" presStyleIdx="4" presStyleCnt="6"/>
+      <dgm:spPr/>
+    </dgm:pt>
+    <dgm:pt modelId="{0B90FDD1-1C90-4F97-B970-EDE63D615DAD}" type="pres">
+      <dgm:prSet presAssocID="{D0072536-10E4-4A46-AD9B-80A589F17BE9}" presName="img" presStyleLbl="fgImgPlace1" presStyleIdx="4" presStyleCnt="6" custScaleX="56116" custScaleY="120057" custLinFactNeighborX="3086" custLinFactNeighborY="1553"/>
+      <dgm:spPr>
+        <a:blipFill>
+          <a:blip xmlns:r="http://schemas.openxmlformats.org/officeDocument/2006/relationships" r:embed="rId10" cstate="print">
+            <a:extLst>
+              <a:ext uri="{28A0092B-C50C-407E-A947-70E740481C1C}">
+                <a14:useLocalDpi xmlns:a14="http://schemas.microsoft.com/office/drawing/2010/main" val="0"/>
+              </a:ext>
+              <a:ext uri="{837473B0-CC2E-450A-ABE3-18F120FF3D39}">
+                <a1611:picAttrSrcUrl xmlns:a1611="http://schemas.microsoft.com/office/drawing/2016/11/main" r:id="rId11"/>
+              </a:ext>
+            </a:extLst>
+          </a:blip>
+          <a:srcRect/>
+          <a:stretch>
+            <a:fillRect l="-7000" r="-7000"/>
+          </a:stretch>
+        </a:blipFill>
+      </dgm:spPr>
+    </dgm:pt>
+    <dgm:pt modelId="{9223E8F1-A9FF-477E-A08C-B620EB7D8192}" type="pres">
+      <dgm:prSet presAssocID="{D0072536-10E4-4A46-AD9B-80A589F17BE9}" presName="text" presStyleLbl="node1" presStyleIdx="4" presStyleCnt="6">
+        <dgm:presLayoutVars>
+          <dgm:bulletEnabled val="1"/>
+        </dgm:presLayoutVars>
+      </dgm:prSet>
+      <dgm:spPr/>
+    </dgm:pt>
+    <dgm:pt modelId="{95EA36FD-26FC-4381-A384-777707D53C19}" type="pres">
+      <dgm:prSet presAssocID="{639FD2FD-0B6E-4A2D-80F9-7A12F4248603}" presName="spacer" presStyleCnt="0"/>
+      <dgm:spPr/>
+    </dgm:pt>
+    <dgm:pt modelId="{52E9FC4C-5CBD-4FAA-B47B-8404B0682280}" type="pres">
+      <dgm:prSet presAssocID="{7DE40D7B-5F0E-469D-8197-57EED7EC3688}" presName="comp" presStyleCnt="0"/>
+      <dgm:spPr/>
+    </dgm:pt>
+    <dgm:pt modelId="{6CC54D3B-E06D-4801-B4F5-52A3FEA74FBE}" type="pres">
+      <dgm:prSet presAssocID="{7DE40D7B-5F0E-469D-8197-57EED7EC3688}" presName="box" presStyleLbl="node1" presStyleIdx="5" presStyleCnt="6"/>
+      <dgm:spPr/>
+    </dgm:pt>
+    <dgm:pt modelId="{280279AB-BBD6-417C-9A69-4F2F15BDDC13}" type="pres">
+      <dgm:prSet presAssocID="{7DE40D7B-5F0E-469D-8197-57EED7EC3688}" presName="img" presStyleLbl="fgImgPlace1" presStyleIdx="5" presStyleCnt="6" custScaleX="57146" custScaleY="130005" custLinFactNeighborX="3601" custLinFactNeighborY="608"/>
+      <dgm:spPr>
+        <a:blipFill>
+          <a:blip xmlns:r="http://schemas.openxmlformats.org/officeDocument/2006/relationships" r:embed="rId12" cstate="print">
+            <a:extLst>
+              <a:ext uri="{28A0092B-C50C-407E-A947-70E740481C1C}">
+                <a14:useLocalDpi xmlns:a14="http://schemas.microsoft.com/office/drawing/2010/main" val="0"/>
+              </a:ext>
+              <a:ext uri="{837473B0-CC2E-450A-ABE3-18F120FF3D39}">
+                <a1611:picAttrSrcUrl xmlns:a1611="http://schemas.microsoft.com/office/drawing/2016/11/main" r:id="rId13"/>
+              </a:ext>
+            </a:extLst>
+          </a:blip>
+          <a:srcRect/>
+          <a:stretch>
+            <a:fillRect/>
+          </a:stretch>
+        </a:blipFill>
+      </dgm:spPr>
+    </dgm:pt>
+    <dgm:pt modelId="{E7590E2F-8D4D-48CD-B78E-C385FE496647}" type="pres">
+      <dgm:prSet presAssocID="{7DE40D7B-5F0E-469D-8197-57EED7EC3688}" presName="text" presStyleLbl="node1" presStyleIdx="5" presStyleCnt="6">
+        <dgm:presLayoutVars>
+          <dgm:bulletEnabled val="1"/>
+        </dgm:presLayoutVars>
+      </dgm:prSet>
+      <dgm:spPr/>
+    </dgm:pt>
+  </dgm:ptLst>
+  <dgm:cxnLst>
+    <dgm:cxn modelId="{B879ED03-3743-4C23-8333-6CC1E1C053E1}" type="presOf" srcId="{1525DACB-A18F-4EEA-AFEC-314E5F7A12AA}" destId="{5A8A1DA8-9E7C-4899-9767-80EAD0D379B3}" srcOrd="0" destOrd="0" presId="urn:microsoft.com/office/officeart/2005/8/layout/vList4"/>
+    <dgm:cxn modelId="{CD863D15-1B38-45E7-A369-D587562C5AE7}" type="presOf" srcId="{D0072536-10E4-4A46-AD9B-80A589F17BE9}" destId="{9223E8F1-A9FF-477E-A08C-B620EB7D8192}" srcOrd="1" destOrd="0" presId="urn:microsoft.com/office/officeart/2005/8/layout/vList4"/>
+    <dgm:cxn modelId="{D48A3D1C-DA1D-4B45-8396-4F1FBC3821B9}" type="presOf" srcId="{F244C66F-8689-4AF8-9771-8AEF1471ABC5}" destId="{CE19517B-084F-4604-9085-D407AE9D4D44}" srcOrd="0" destOrd="0" presId="urn:microsoft.com/office/officeart/2005/8/layout/vList4"/>
+    <dgm:cxn modelId="{0A3EFD24-AA06-4652-A537-96950A5756C5}" srcId="{F244C66F-8689-4AF8-9771-8AEF1471ABC5}" destId="{7DE40D7B-5F0E-469D-8197-57EED7EC3688}" srcOrd="5" destOrd="0" parTransId="{A8C10447-B7D7-4C4E-A2EF-C9CAD8E9B430}" sibTransId="{573C7F7F-131D-4131-BDD8-581FA6B8F435}"/>
+    <dgm:cxn modelId="{A56D1C2A-AD59-4A3F-8F5A-C4C4C07875D3}" type="presOf" srcId="{7DE40D7B-5F0E-469D-8197-57EED7EC3688}" destId="{E7590E2F-8D4D-48CD-B78E-C385FE496647}" srcOrd="1" destOrd="0" presId="urn:microsoft.com/office/officeart/2005/8/layout/vList4"/>
+    <dgm:cxn modelId="{96D63331-3835-47DC-85EA-ED62A89FA23F}" type="presOf" srcId="{9AAF7EDF-010A-403B-8A8F-EC447D92068B}" destId="{2ECE8B53-FE1A-4DA5-B643-FA3EB9D3FACC}" srcOrd="0" destOrd="0" presId="urn:microsoft.com/office/officeart/2005/8/layout/vList4"/>
+    <dgm:cxn modelId="{7C0F876B-6A08-4DCA-B214-A65C027E2B4A}" type="presOf" srcId="{7DE40D7B-5F0E-469D-8197-57EED7EC3688}" destId="{6CC54D3B-E06D-4801-B4F5-52A3FEA74FBE}" srcOrd="0" destOrd="0" presId="urn:microsoft.com/office/officeart/2005/8/layout/vList4"/>
+    <dgm:cxn modelId="{EBBEDD4E-3C19-4DCC-B735-E117CE780B91}" type="presOf" srcId="{80DB2653-14C9-42C5-918A-A43166DEC571}" destId="{65370D36-8F29-456D-8093-A833EE93C515}" srcOrd="0" destOrd="0" presId="urn:microsoft.com/office/officeart/2005/8/layout/vList4"/>
+    <dgm:cxn modelId="{B6173556-8B39-4587-BC2F-BED6DEE4BD80}" srcId="{F244C66F-8689-4AF8-9771-8AEF1471ABC5}" destId="{1D70E854-6D44-486E-9391-16182549EA95}" srcOrd="1" destOrd="0" parTransId="{D2E1E890-D79A-4301-884D-95B6DF51DC59}" sibTransId="{1143893E-B73B-4355-A7D7-C1C02CB21AA6}"/>
+    <dgm:cxn modelId="{35419B79-F435-4FEC-A585-8AEBE86BDFC3}" type="presOf" srcId="{D0072536-10E4-4A46-AD9B-80A589F17BE9}" destId="{E2B15E2C-D24E-4F2A-948E-582842B35933}" srcOrd="0" destOrd="0" presId="urn:microsoft.com/office/officeart/2005/8/layout/vList4"/>
+    <dgm:cxn modelId="{F17EECB0-D8C5-4F5A-90E7-E80B11F93CFF}" srcId="{F244C66F-8689-4AF8-9771-8AEF1471ABC5}" destId="{1525DACB-A18F-4EEA-AFEC-314E5F7A12AA}" srcOrd="0" destOrd="0" parTransId="{375F462B-98A8-44E2-A7C3-2BEB93E481C3}" sibTransId="{2A40B089-9F55-44E6-A586-A7F697305F97}"/>
+    <dgm:cxn modelId="{EB61BEB9-E0CB-4819-82C5-801294F167EF}" srcId="{F244C66F-8689-4AF8-9771-8AEF1471ABC5}" destId="{D0072536-10E4-4A46-AD9B-80A589F17BE9}" srcOrd="4" destOrd="0" parTransId="{AE0CD9E0-E3B2-44E1-AD60-A2FF41770831}" sibTransId="{639FD2FD-0B6E-4A2D-80F9-7A12F4248603}"/>
+    <dgm:cxn modelId="{4BFD92BC-C3FE-4F75-8A8F-F6C3353CEED1}" type="presOf" srcId="{80DB2653-14C9-42C5-918A-A43166DEC571}" destId="{B9FBB381-4E42-477E-86BA-AAC1394A3314}" srcOrd="1" destOrd="0" presId="urn:microsoft.com/office/officeart/2005/8/layout/vList4"/>
+    <dgm:cxn modelId="{1CC42BCD-6457-47B1-B98A-313379A30394}" type="presOf" srcId="{9AAF7EDF-010A-403B-8A8F-EC447D92068B}" destId="{07DD7521-E1B3-4D73-BB09-786326438B83}" srcOrd="1" destOrd="0" presId="urn:microsoft.com/office/officeart/2005/8/layout/vList4"/>
+    <dgm:cxn modelId="{536DFECF-9718-4962-9F6B-8805D99E7BC8}" type="presOf" srcId="{1D70E854-6D44-486E-9391-16182549EA95}" destId="{2E1F9F8A-60C2-4F3E-B7AA-84D1CF9636C0}" srcOrd="0" destOrd="0" presId="urn:microsoft.com/office/officeart/2005/8/layout/vList4"/>
+    <dgm:cxn modelId="{3F3818DF-19A4-478C-A3DF-6D96530F79B7}" srcId="{F244C66F-8689-4AF8-9771-8AEF1471ABC5}" destId="{80DB2653-14C9-42C5-918A-A43166DEC571}" srcOrd="2" destOrd="0" parTransId="{DCF6A541-F171-47A5-8EF2-7D8E4EDE0E02}" sibTransId="{3235B9AF-CB5E-4235-A526-7D39A24E7A58}"/>
+    <dgm:cxn modelId="{B7D3D1E9-1427-48D6-98FC-94F11D7011E5}" type="presOf" srcId="{1525DACB-A18F-4EEA-AFEC-314E5F7A12AA}" destId="{6D45F132-869C-4D39-990F-2EB94BC796CD}" srcOrd="1" destOrd="0" presId="urn:microsoft.com/office/officeart/2005/8/layout/vList4"/>
+    <dgm:cxn modelId="{38FAD1FE-2DF6-4AF2-8A5F-66F0596A8F08}" type="presOf" srcId="{1D70E854-6D44-486E-9391-16182549EA95}" destId="{8914F8CE-FD19-4599-B42F-6302CF35F85B}" srcOrd="1" destOrd="0" presId="urn:microsoft.com/office/officeart/2005/8/layout/vList4"/>
+    <dgm:cxn modelId="{2CD244FF-7C1D-4542-9131-7A48B6E7CD57}" srcId="{F244C66F-8689-4AF8-9771-8AEF1471ABC5}" destId="{9AAF7EDF-010A-403B-8A8F-EC447D92068B}" srcOrd="3" destOrd="0" parTransId="{A5862004-1E05-4E99-8611-4F6F65C67397}" sibTransId="{1F60F31B-B8EF-480E-A9FB-5D8BA9FBD3C8}"/>
+    <dgm:cxn modelId="{871B2D72-8C55-4E5B-B99B-AEB993DF48B6}" type="presParOf" srcId="{CE19517B-084F-4604-9085-D407AE9D4D44}" destId="{F42BE03A-9474-4D65-AA59-A9DF34D66A13}" srcOrd="0" destOrd="0" presId="urn:microsoft.com/office/officeart/2005/8/layout/vList4"/>
+    <dgm:cxn modelId="{114B8CEB-0DBA-452F-B192-E67EAF0DDE02}" type="presParOf" srcId="{F42BE03A-9474-4D65-AA59-A9DF34D66A13}" destId="{5A8A1DA8-9E7C-4899-9767-80EAD0D379B3}" srcOrd="0" destOrd="0" presId="urn:microsoft.com/office/officeart/2005/8/layout/vList4"/>
+    <dgm:cxn modelId="{3EDD5DA0-6FB4-461E-949B-F2417427A5C5}" type="presParOf" srcId="{F42BE03A-9474-4D65-AA59-A9DF34D66A13}" destId="{55916C73-BD82-4317-82F7-BAD3663A7FE9}" srcOrd="1" destOrd="0" presId="urn:microsoft.com/office/officeart/2005/8/layout/vList4"/>
+    <dgm:cxn modelId="{14A2C818-7489-4AB5-974D-0D3FF53A073C}" type="presParOf" srcId="{F42BE03A-9474-4D65-AA59-A9DF34D66A13}" destId="{6D45F132-869C-4D39-990F-2EB94BC796CD}" srcOrd="2" destOrd="0" presId="urn:microsoft.com/office/officeart/2005/8/layout/vList4"/>
+    <dgm:cxn modelId="{CEFAD461-0C97-4C18-B813-2531C093D344}" type="presParOf" srcId="{CE19517B-084F-4604-9085-D407AE9D4D44}" destId="{BC7511A1-A0E3-45DF-9751-878E4466100C}" srcOrd="1" destOrd="0" presId="urn:microsoft.com/office/officeart/2005/8/layout/vList4"/>
+    <dgm:cxn modelId="{88C27356-A514-4F33-AC04-8F76A9B2FCC2}" type="presParOf" srcId="{CE19517B-084F-4604-9085-D407AE9D4D44}" destId="{A6E59C19-98FC-4758-9022-F510537D71CF}" srcOrd="2" destOrd="0" presId="urn:microsoft.com/office/officeart/2005/8/layout/vList4"/>
+    <dgm:cxn modelId="{35C1DA98-7537-4CAC-AECA-3D5FB1564D4A}" type="presParOf" srcId="{A6E59C19-98FC-4758-9022-F510537D71CF}" destId="{2E1F9F8A-60C2-4F3E-B7AA-84D1CF9636C0}" srcOrd="0" destOrd="0" presId="urn:microsoft.com/office/officeart/2005/8/layout/vList4"/>
+    <dgm:cxn modelId="{9B8113A0-7E82-49C0-B22F-DC78AB551F1A}" type="presParOf" srcId="{A6E59C19-98FC-4758-9022-F510537D71CF}" destId="{9C3E831E-00D7-4E00-AE6A-F8569392BC94}" srcOrd="1" destOrd="0" presId="urn:microsoft.com/office/officeart/2005/8/layout/vList4"/>
+    <dgm:cxn modelId="{78F9C1E9-8052-4DE0-A47B-C2BCB68C926C}" type="presParOf" srcId="{A6E59C19-98FC-4758-9022-F510537D71CF}" destId="{8914F8CE-FD19-4599-B42F-6302CF35F85B}" srcOrd="2" destOrd="0" presId="urn:microsoft.com/office/officeart/2005/8/layout/vList4"/>
+    <dgm:cxn modelId="{450BE716-1ACF-408B-BE7D-0D56BF528354}" type="presParOf" srcId="{CE19517B-084F-4604-9085-D407AE9D4D44}" destId="{9B712E0B-CAAC-4520-AD33-C4E69CCC4086}" srcOrd="3" destOrd="0" presId="urn:microsoft.com/office/officeart/2005/8/layout/vList4"/>
+    <dgm:cxn modelId="{74712B5D-7300-43E2-8690-3EB3BE35D368}" type="presParOf" srcId="{CE19517B-084F-4604-9085-D407AE9D4D44}" destId="{E1B6AF08-5C4A-4180-866F-8FC5C29D9F4C}" srcOrd="4" destOrd="0" presId="urn:microsoft.com/office/officeart/2005/8/layout/vList4"/>
+    <dgm:cxn modelId="{D1086A9D-F6BF-49D0-B3CC-BCFB945CCCBD}" type="presParOf" srcId="{E1B6AF08-5C4A-4180-866F-8FC5C29D9F4C}" destId="{65370D36-8F29-456D-8093-A833EE93C515}" srcOrd="0" destOrd="0" presId="urn:microsoft.com/office/officeart/2005/8/layout/vList4"/>
+    <dgm:cxn modelId="{C655BA49-B533-42AD-ADF9-D2E373008B26}" type="presParOf" srcId="{E1B6AF08-5C4A-4180-866F-8FC5C29D9F4C}" destId="{935385C0-FF92-4465-AFF5-AB9B97A02B00}" srcOrd="1" destOrd="0" presId="urn:microsoft.com/office/officeart/2005/8/layout/vList4"/>
+    <dgm:cxn modelId="{14541DBC-58D5-4C4E-A082-E68975D228AC}" type="presParOf" srcId="{E1B6AF08-5C4A-4180-866F-8FC5C29D9F4C}" destId="{B9FBB381-4E42-477E-86BA-AAC1394A3314}" srcOrd="2" destOrd="0" presId="urn:microsoft.com/office/officeart/2005/8/layout/vList4"/>
+    <dgm:cxn modelId="{870A8E2C-596E-440B-B591-59FBA21D9105}" type="presParOf" srcId="{CE19517B-084F-4604-9085-D407AE9D4D44}" destId="{04DB7B21-09C7-4872-A190-471AC6461AB9}" srcOrd="5" destOrd="0" presId="urn:microsoft.com/office/officeart/2005/8/layout/vList4"/>
+    <dgm:cxn modelId="{EF7A46C8-55A5-41DB-B498-348D933F2A97}" type="presParOf" srcId="{CE19517B-084F-4604-9085-D407AE9D4D44}" destId="{E36B2C12-F66D-4C37-BF4B-45EADEEABB90}" srcOrd="6" destOrd="0" presId="urn:microsoft.com/office/officeart/2005/8/layout/vList4"/>
+    <dgm:cxn modelId="{3F188807-61D9-47AF-94AE-A8622F9AD897}" type="presParOf" srcId="{E36B2C12-F66D-4C37-BF4B-45EADEEABB90}" destId="{2ECE8B53-FE1A-4DA5-B643-FA3EB9D3FACC}" srcOrd="0" destOrd="0" presId="urn:microsoft.com/office/officeart/2005/8/layout/vList4"/>
+    <dgm:cxn modelId="{28EE541E-ACA5-464C-B8D8-B66744ACD671}" type="presParOf" srcId="{E36B2C12-F66D-4C37-BF4B-45EADEEABB90}" destId="{0937F075-AB43-4E41-87E5-E4FEC977574A}" srcOrd="1" destOrd="0" presId="urn:microsoft.com/office/officeart/2005/8/layout/vList4"/>
+    <dgm:cxn modelId="{CF292B94-F5D0-41DA-967F-954D2289986A}" type="presParOf" srcId="{E36B2C12-F66D-4C37-BF4B-45EADEEABB90}" destId="{07DD7521-E1B3-4D73-BB09-786326438B83}" srcOrd="2" destOrd="0" presId="urn:microsoft.com/office/officeart/2005/8/layout/vList4"/>
+    <dgm:cxn modelId="{B451F817-BC11-424C-90A4-2FCE1D0725D4}" type="presParOf" srcId="{CE19517B-084F-4604-9085-D407AE9D4D44}" destId="{A215117E-F621-4EE7-A871-09F1D9F299B4}" srcOrd="7" destOrd="0" presId="urn:microsoft.com/office/officeart/2005/8/layout/vList4"/>
+    <dgm:cxn modelId="{CBEF43C9-CCDB-471E-B885-78C7EE69E348}" type="presParOf" srcId="{CE19517B-084F-4604-9085-D407AE9D4D44}" destId="{747362E0-BB4F-4903-B04C-0E33770CA9F1}" srcOrd="8" destOrd="0" presId="urn:microsoft.com/office/officeart/2005/8/layout/vList4"/>
+    <dgm:cxn modelId="{3CA062B1-1CF5-4D50-87B1-39C53CF7BBFE}" type="presParOf" srcId="{747362E0-BB4F-4903-B04C-0E33770CA9F1}" destId="{E2B15E2C-D24E-4F2A-948E-582842B35933}" srcOrd="0" destOrd="0" presId="urn:microsoft.com/office/officeart/2005/8/layout/vList4"/>
+    <dgm:cxn modelId="{A456EC5F-CC4B-4FFC-B8B0-4B718C91081A}" type="presParOf" srcId="{747362E0-BB4F-4903-B04C-0E33770CA9F1}" destId="{0B90FDD1-1C90-4F97-B970-EDE63D615DAD}" srcOrd="1" destOrd="0" presId="urn:microsoft.com/office/officeart/2005/8/layout/vList4"/>
+    <dgm:cxn modelId="{6A87D3C1-B794-4161-A0CF-3F1563767A4F}" type="presParOf" srcId="{747362E0-BB4F-4903-B04C-0E33770CA9F1}" destId="{9223E8F1-A9FF-477E-A08C-B620EB7D8192}" srcOrd="2" destOrd="0" presId="urn:microsoft.com/office/officeart/2005/8/layout/vList4"/>
+    <dgm:cxn modelId="{6AE8ABA3-D879-4F70-9A5F-C6A2F6753A88}" type="presParOf" srcId="{CE19517B-084F-4604-9085-D407AE9D4D44}" destId="{95EA36FD-26FC-4381-A384-777707D53C19}" srcOrd="9" destOrd="0" presId="urn:microsoft.com/office/officeart/2005/8/layout/vList4"/>
+    <dgm:cxn modelId="{7A9EA918-C930-486D-9787-C8D68CDB2CB7}" type="presParOf" srcId="{CE19517B-084F-4604-9085-D407AE9D4D44}" destId="{52E9FC4C-5CBD-4FAA-B47B-8404B0682280}" srcOrd="10" destOrd="0" presId="urn:microsoft.com/office/officeart/2005/8/layout/vList4"/>
+    <dgm:cxn modelId="{9C94656A-D0A9-4ADE-AAE8-149A69B918C6}" type="presParOf" srcId="{52E9FC4C-5CBD-4FAA-B47B-8404B0682280}" destId="{6CC54D3B-E06D-4801-B4F5-52A3FEA74FBE}" srcOrd="0" destOrd="0" presId="urn:microsoft.com/office/officeart/2005/8/layout/vList4"/>
+    <dgm:cxn modelId="{0ABAF8AC-A6E1-432B-A96A-EBA45040691D}" type="presParOf" srcId="{52E9FC4C-5CBD-4FAA-B47B-8404B0682280}" destId="{280279AB-BBD6-417C-9A69-4F2F15BDDC13}" srcOrd="1" destOrd="0" presId="urn:microsoft.com/office/officeart/2005/8/layout/vList4"/>
+    <dgm:cxn modelId="{D55B7DF1-EA55-4539-AA70-8324A51BE7AD}" type="presParOf" srcId="{52E9FC4C-5CBD-4FAA-B47B-8404B0682280}" destId="{E7590E2F-8D4D-48CD-B78E-C385FE496647}" srcOrd="2" destOrd="0" presId="urn:microsoft.com/office/officeart/2005/8/layout/vList4"/>
+  </dgm:cxnLst>
+  <dgm:bg/>
+  <dgm:whole/>
+  <dgm:extLst>
+    <a:ext uri="http://schemas.microsoft.com/office/drawing/2008/diagram">
+      <dsp:dataModelExt xmlns:dsp="http://schemas.microsoft.com/office/drawing/2008/diagram" relId="rId6" minVer="http://schemas.openxmlformats.org/drawingml/2006/diagram"/>
+    </a:ext>
+  </dgm:extLst>
+</dgm:dataModel>
+</file>
+
+<file path=ppt/diagrams/data7.xml><?xml version="1.0" encoding="utf-8"?>
+<dgm:dataModel xmlns:dgm="http://schemas.openxmlformats.org/drawingml/2006/diagram" xmlns:a="http://schemas.openxmlformats.org/drawingml/2006/main">
+  <dgm:ptLst>
     <dgm:pt modelId="{D9A7FE03-7CF6-4F09-8213-33F0C4DC92E4}" type="doc">
       <dgm:prSet loTypeId="urn:microsoft.com/office/officeart/2005/8/layout/lProcess3" loCatId="process" qsTypeId="urn:microsoft.com/office/officeart/2005/8/quickstyle/simple1" qsCatId="simple" csTypeId="urn:microsoft.com/office/officeart/2005/8/colors/accent1_2" csCatId="accent1" phldr="1"/>
       <dgm:spPr/>
@@ -7283,7 +8561,7 @@
 </dgm:dataModel>
 </file>
 
-<file path=ppt/diagrams/data7.xml><?xml version="1.0" encoding="utf-8"?>
+<file path=ppt/diagrams/data8.xml><?xml version="1.0" encoding="utf-8"?>
 <dgm:dataModel xmlns:dgm="http://schemas.openxmlformats.org/drawingml/2006/diagram" xmlns:a="http://schemas.openxmlformats.org/drawingml/2006/main">
   <dgm:ptLst>
     <dgm:pt modelId="{1F0E7F6F-445D-45BB-96BB-EA3F8472A33D}" type="doc">
@@ -9632,6 +10910,849 @@
       <dsp:cNvGrpSpPr/>
     </dsp:nvGrpSpPr>
     <dsp:grpSpPr/>
+    <dsp:sp modelId="{5A8A1DA8-9E7C-4899-9767-80EAD0D379B3}">
+      <dsp:nvSpPr>
+        <dsp:cNvPr id="0" name=""/>
+        <dsp:cNvSpPr/>
+      </dsp:nvSpPr>
+      <dsp:spPr>
+        <a:xfrm>
+          <a:off x="0" y="0"/>
+          <a:ext cx="7086487" cy="805968"/>
+        </a:xfrm>
+        <a:prstGeom prst="roundRect">
+          <a:avLst>
+            <a:gd name="adj" fmla="val 10000"/>
+          </a:avLst>
+        </a:prstGeom>
+        <a:solidFill>
+          <a:schemeClr val="accent1">
+            <a:hueOff val="0"/>
+            <a:satOff val="0"/>
+            <a:lumOff val="0"/>
+            <a:alphaOff val="0"/>
+          </a:schemeClr>
+        </a:solidFill>
+        <a:ln w="12700" cap="flat" cmpd="sng" algn="ctr">
+          <a:solidFill>
+            <a:schemeClr val="lt1">
+              <a:hueOff val="0"/>
+              <a:satOff val="0"/>
+              <a:lumOff val="0"/>
+              <a:alphaOff val="0"/>
+            </a:schemeClr>
+          </a:solidFill>
+          <a:prstDash val="solid"/>
+          <a:miter lim="800000"/>
+        </a:ln>
+        <a:effectLst/>
+      </dsp:spPr>
+      <dsp:style>
+        <a:lnRef idx="2">
+          <a:scrgbClr r="0" g="0" b="0"/>
+        </a:lnRef>
+        <a:fillRef idx="1">
+          <a:scrgbClr r="0" g="0" b="0"/>
+        </a:fillRef>
+        <a:effectRef idx="0">
+          <a:scrgbClr r="0" g="0" b="0"/>
+        </a:effectRef>
+        <a:fontRef idx="minor">
+          <a:schemeClr val="lt1"/>
+        </a:fontRef>
+      </dsp:style>
+      <dsp:txBody>
+        <a:bodyPr spcFirstLastPara="0" vert="horz" wrap="square" lIns="129540" tIns="129540" rIns="129540" bIns="129540" numCol="1" spcCol="1270" anchor="ctr" anchorCtr="0">
+          <a:noAutofit/>
+        </a:bodyPr>
+        <a:lstStyle/>
+        <a:p>
+          <a:pPr marL="0" lvl="0" indent="0" algn="l" defTabSz="1511300">
+            <a:lnSpc>
+              <a:spcPct val="90000"/>
+            </a:lnSpc>
+            <a:spcBef>
+              <a:spcPct val="0"/>
+            </a:spcBef>
+            <a:spcAft>
+              <a:spcPct val="35000"/>
+            </a:spcAft>
+            <a:buNone/>
+          </a:pPr>
+          <a:r>
+            <a:rPr lang="de-DE" sz="3400" kern="1200" dirty="0"/>
+            <a:t>Drehung</a:t>
+          </a:r>
+        </a:p>
+      </dsp:txBody>
+      <dsp:txXfrm>
+        <a:off x="1497894" y="0"/>
+        <a:ext cx="5588592" cy="805968"/>
+      </dsp:txXfrm>
+    </dsp:sp>
+    <dsp:sp modelId="{55916C73-BD82-4317-82F7-BAD3663A7FE9}">
+      <dsp:nvSpPr>
+        <dsp:cNvPr id="0" name=""/>
+        <dsp:cNvSpPr/>
+      </dsp:nvSpPr>
+      <dsp:spPr>
+        <a:xfrm>
+          <a:off x="380886" y="19910"/>
+          <a:ext cx="816717" cy="766146"/>
+        </a:xfrm>
+        <a:prstGeom prst="roundRect">
+          <a:avLst>
+            <a:gd name="adj" fmla="val 10000"/>
+          </a:avLst>
+        </a:prstGeom>
+        <a:blipFill>
+          <a:blip xmlns:r="http://schemas.openxmlformats.org/officeDocument/2006/relationships" r:embed="rId1" cstate="print">
+            <a:extLst>
+              <a:ext uri="{28A0092B-C50C-407E-A947-70E740481C1C}">
+                <a14:useLocalDpi xmlns:a14="http://schemas.microsoft.com/office/drawing/2010/main" val="0"/>
+              </a:ext>
+              <a:ext uri="{837473B0-CC2E-450A-ABE3-18F120FF3D39}">
+                <a1611:picAttrSrcUrl xmlns:a1611="http://schemas.microsoft.com/office/drawing/2016/11/main" r:id="rId2"/>
+              </a:ext>
+            </a:extLst>
+          </a:blip>
+          <a:srcRect/>
+          <a:stretch>
+            <a:fillRect/>
+          </a:stretch>
+        </a:blipFill>
+        <a:ln w="12700" cap="flat" cmpd="sng" algn="ctr">
+          <a:solidFill>
+            <a:schemeClr val="lt1">
+              <a:hueOff val="0"/>
+              <a:satOff val="0"/>
+              <a:lumOff val="0"/>
+              <a:alphaOff val="0"/>
+            </a:schemeClr>
+          </a:solidFill>
+          <a:prstDash val="solid"/>
+          <a:miter lim="800000"/>
+        </a:ln>
+        <a:effectLst/>
+      </dsp:spPr>
+      <dsp:style>
+        <a:lnRef idx="2">
+          <a:scrgbClr r="0" g="0" b="0"/>
+        </a:lnRef>
+        <a:fillRef idx="1">
+          <a:scrgbClr r="0" g="0" b="0"/>
+        </a:fillRef>
+        <a:effectRef idx="0">
+          <a:scrgbClr r="0" g="0" b="0"/>
+        </a:effectRef>
+        <a:fontRef idx="minor"/>
+      </dsp:style>
+    </dsp:sp>
+    <dsp:sp modelId="{2E1F9F8A-60C2-4F3E-B7AA-84D1CF9636C0}">
+      <dsp:nvSpPr>
+        <dsp:cNvPr id="0" name=""/>
+        <dsp:cNvSpPr/>
+      </dsp:nvSpPr>
+      <dsp:spPr>
+        <a:xfrm>
+          <a:off x="0" y="889260"/>
+          <a:ext cx="7086487" cy="805968"/>
+        </a:xfrm>
+        <a:prstGeom prst="roundRect">
+          <a:avLst>
+            <a:gd name="adj" fmla="val 10000"/>
+          </a:avLst>
+        </a:prstGeom>
+        <a:solidFill>
+          <a:schemeClr val="accent1">
+            <a:hueOff val="0"/>
+            <a:satOff val="0"/>
+            <a:lumOff val="0"/>
+            <a:alphaOff val="0"/>
+          </a:schemeClr>
+        </a:solidFill>
+        <a:ln w="12700" cap="flat" cmpd="sng" algn="ctr">
+          <a:solidFill>
+            <a:schemeClr val="lt1">
+              <a:hueOff val="0"/>
+              <a:satOff val="0"/>
+              <a:lumOff val="0"/>
+              <a:alphaOff val="0"/>
+            </a:schemeClr>
+          </a:solidFill>
+          <a:prstDash val="solid"/>
+          <a:miter lim="800000"/>
+        </a:ln>
+        <a:effectLst/>
+      </dsp:spPr>
+      <dsp:style>
+        <a:lnRef idx="2">
+          <a:scrgbClr r="0" g="0" b="0"/>
+        </a:lnRef>
+        <a:fillRef idx="1">
+          <a:scrgbClr r="0" g="0" b="0"/>
+        </a:fillRef>
+        <a:effectRef idx="0">
+          <a:scrgbClr r="0" g="0" b="0"/>
+        </a:effectRef>
+        <a:fontRef idx="minor">
+          <a:schemeClr val="lt1"/>
+        </a:fontRef>
+      </dsp:style>
+      <dsp:txBody>
+        <a:bodyPr spcFirstLastPara="0" vert="horz" wrap="square" lIns="129540" tIns="129540" rIns="129540" bIns="129540" numCol="1" spcCol="1270" anchor="ctr" anchorCtr="0">
+          <a:noAutofit/>
+        </a:bodyPr>
+        <a:lstStyle/>
+        <a:p>
+          <a:pPr marL="0" lvl="0" indent="0" algn="l" defTabSz="1511300">
+            <a:lnSpc>
+              <a:spcPct val="90000"/>
+            </a:lnSpc>
+            <a:spcBef>
+              <a:spcPct val="0"/>
+            </a:spcBef>
+            <a:spcAft>
+              <a:spcPct val="35000"/>
+            </a:spcAft>
+            <a:buNone/>
+          </a:pPr>
+          <a:r>
+            <a:rPr lang="de-DE" sz="3400" kern="1200" dirty="0"/>
+            <a:t>zu Raum fahren</a:t>
+          </a:r>
+        </a:p>
+      </dsp:txBody>
+      <dsp:txXfrm>
+        <a:off x="1497894" y="889260"/>
+        <a:ext cx="5588592" cy="805968"/>
+      </dsp:txXfrm>
+    </dsp:sp>
+    <dsp:sp modelId="{9C3E831E-00D7-4E00-AE6A-F8569392BC94}">
+      <dsp:nvSpPr>
+        <dsp:cNvPr id="0" name=""/>
+        <dsp:cNvSpPr/>
+      </dsp:nvSpPr>
+      <dsp:spPr>
+        <a:xfrm>
+          <a:off x="402656" y="887519"/>
+          <a:ext cx="787748" cy="811358"/>
+        </a:xfrm>
+        <a:prstGeom prst="roundRect">
+          <a:avLst>
+            <a:gd name="adj" fmla="val 10000"/>
+          </a:avLst>
+        </a:prstGeom>
+        <a:blipFill>
+          <a:blip xmlns:r="http://schemas.openxmlformats.org/officeDocument/2006/relationships" r:embed="rId3">
+            <a:extLst>
+              <a:ext uri="{28A0092B-C50C-407E-A947-70E740481C1C}">
+                <a14:useLocalDpi xmlns:a14="http://schemas.microsoft.com/office/drawing/2010/main" val="0"/>
+              </a:ext>
+              <a:ext uri="{837473B0-CC2E-450A-ABE3-18F120FF3D39}">
+                <a1611:picAttrSrcUrl xmlns:a1611="http://schemas.microsoft.com/office/drawing/2016/11/main" r:id="rId4"/>
+              </a:ext>
+            </a:extLst>
+          </a:blip>
+          <a:srcRect/>
+          <a:stretch>
+            <a:fillRect t="-2000" b="-2000"/>
+          </a:stretch>
+        </a:blipFill>
+        <a:ln w="12700" cap="flat" cmpd="sng" algn="ctr">
+          <a:solidFill>
+            <a:schemeClr val="lt1">
+              <a:hueOff val="0"/>
+              <a:satOff val="0"/>
+              <a:lumOff val="0"/>
+              <a:alphaOff val="0"/>
+            </a:schemeClr>
+          </a:solidFill>
+          <a:prstDash val="solid"/>
+          <a:miter lim="800000"/>
+        </a:ln>
+        <a:effectLst/>
+      </dsp:spPr>
+      <dsp:style>
+        <a:lnRef idx="2">
+          <a:scrgbClr r="0" g="0" b="0"/>
+        </a:lnRef>
+        <a:fillRef idx="1">
+          <a:scrgbClr r="0" g="0" b="0"/>
+        </a:fillRef>
+        <a:effectRef idx="0">
+          <a:scrgbClr r="0" g="0" b="0"/>
+        </a:effectRef>
+        <a:fontRef idx="minor"/>
+      </dsp:style>
+    </dsp:sp>
+    <dsp:sp modelId="{65370D36-8F29-456D-8093-A833EE93C515}">
+      <dsp:nvSpPr>
+        <dsp:cNvPr id="0" name=""/>
+        <dsp:cNvSpPr/>
+      </dsp:nvSpPr>
+      <dsp:spPr>
+        <a:xfrm>
+          <a:off x="0" y="1783562"/>
+          <a:ext cx="7086487" cy="805968"/>
+        </a:xfrm>
+        <a:prstGeom prst="roundRect">
+          <a:avLst>
+            <a:gd name="adj" fmla="val 10000"/>
+          </a:avLst>
+        </a:prstGeom>
+        <a:solidFill>
+          <a:schemeClr val="accent1">
+            <a:hueOff val="0"/>
+            <a:satOff val="0"/>
+            <a:lumOff val="0"/>
+            <a:alphaOff val="0"/>
+          </a:schemeClr>
+        </a:solidFill>
+        <a:ln w="12700" cap="flat" cmpd="sng" algn="ctr">
+          <a:solidFill>
+            <a:schemeClr val="lt1">
+              <a:hueOff val="0"/>
+              <a:satOff val="0"/>
+              <a:lumOff val="0"/>
+              <a:alphaOff val="0"/>
+            </a:schemeClr>
+          </a:solidFill>
+          <a:prstDash val="solid"/>
+          <a:miter lim="800000"/>
+        </a:ln>
+        <a:effectLst/>
+      </dsp:spPr>
+      <dsp:style>
+        <a:lnRef idx="2">
+          <a:scrgbClr r="0" g="0" b="0"/>
+        </a:lnRef>
+        <a:fillRef idx="1">
+          <a:scrgbClr r="0" g="0" b="0"/>
+        </a:fillRef>
+        <a:effectRef idx="0">
+          <a:scrgbClr r="0" g="0" b="0"/>
+        </a:effectRef>
+        <a:fontRef idx="minor">
+          <a:schemeClr val="lt1"/>
+        </a:fontRef>
+      </dsp:style>
+      <dsp:txBody>
+        <a:bodyPr spcFirstLastPara="0" vert="horz" wrap="square" lIns="129540" tIns="129540" rIns="129540" bIns="129540" numCol="1" spcCol="1270" anchor="ctr" anchorCtr="0">
+          <a:noAutofit/>
+        </a:bodyPr>
+        <a:lstStyle/>
+        <a:p>
+          <a:pPr marL="0" lvl="0" indent="0" algn="l" defTabSz="1511300">
+            <a:lnSpc>
+              <a:spcPct val="90000"/>
+            </a:lnSpc>
+            <a:spcBef>
+              <a:spcPct val="0"/>
+            </a:spcBef>
+            <a:spcAft>
+              <a:spcPct val="35000"/>
+            </a:spcAft>
+            <a:buNone/>
+          </a:pPr>
+          <a:r>
+            <a:rPr lang="de-DE" sz="3400" kern="1200" dirty="0"/>
+            <a:t>Gegenstand bringen</a:t>
+          </a:r>
+        </a:p>
+      </dsp:txBody>
+      <dsp:txXfrm>
+        <a:off x="1497894" y="1783562"/>
+        <a:ext cx="5588592" cy="805968"/>
+      </dsp:txXfrm>
+    </dsp:sp>
+    <dsp:sp modelId="{935385C0-FF92-4465-AFF5-AB9B97A02B00}">
+      <dsp:nvSpPr>
+        <dsp:cNvPr id="0" name=""/>
+        <dsp:cNvSpPr/>
+      </dsp:nvSpPr>
+      <dsp:spPr>
+        <a:xfrm>
+          <a:off x="424426" y="1795864"/>
+          <a:ext cx="773376" cy="816052"/>
+        </a:xfrm>
+        <a:prstGeom prst="roundRect">
+          <a:avLst>
+            <a:gd name="adj" fmla="val 10000"/>
+          </a:avLst>
+        </a:prstGeom>
+        <a:blipFill>
+          <a:blip xmlns:r="http://schemas.openxmlformats.org/officeDocument/2006/relationships" r:embed="rId5">
+            <a:extLst>
+              <a:ext uri="{28A0092B-C50C-407E-A947-70E740481C1C}">
+                <a14:useLocalDpi xmlns:a14="http://schemas.microsoft.com/office/drawing/2010/main" val="0"/>
+              </a:ext>
+              <a:ext uri="{96DAC541-7B7A-43D3-8B79-37D633B846F1}">
+                <asvg:svgBlip xmlns:asvg="http://schemas.microsoft.com/office/drawing/2016/SVG/main" r:embed="rId6"/>
+              </a:ext>
+              <a:ext uri="{837473B0-CC2E-450A-ABE3-18F120FF3D39}">
+                <a1611:picAttrSrcUrl xmlns:a1611="http://schemas.microsoft.com/office/drawing/2016/11/main" r:id="rId7"/>
+              </a:ext>
+            </a:extLst>
+          </a:blip>
+          <a:srcRect/>
+          <a:stretch>
+            <a:fillRect/>
+          </a:stretch>
+        </a:blipFill>
+        <a:ln w="12700" cap="flat" cmpd="sng" algn="ctr">
+          <a:solidFill>
+            <a:schemeClr val="lt1">
+              <a:hueOff val="0"/>
+              <a:satOff val="0"/>
+              <a:lumOff val="0"/>
+              <a:alphaOff val="0"/>
+            </a:schemeClr>
+          </a:solidFill>
+          <a:prstDash val="solid"/>
+          <a:miter lim="800000"/>
+        </a:ln>
+        <a:effectLst/>
+      </dsp:spPr>
+      <dsp:style>
+        <a:lnRef idx="2">
+          <a:scrgbClr r="0" g="0" b="0"/>
+        </a:lnRef>
+        <a:fillRef idx="1">
+          <a:scrgbClr r="0" g="0" b="0"/>
+        </a:fillRef>
+        <a:effectRef idx="0">
+          <a:scrgbClr r="0" g="0" b="0"/>
+        </a:effectRef>
+        <a:fontRef idx="minor"/>
+      </dsp:style>
+    </dsp:sp>
+    <dsp:sp modelId="{2ECE8B53-FE1A-4DA5-B643-FA3EB9D3FACC}">
+      <dsp:nvSpPr>
+        <dsp:cNvPr id="0" name=""/>
+        <dsp:cNvSpPr/>
+      </dsp:nvSpPr>
+      <dsp:spPr>
+        <a:xfrm>
+          <a:off x="0" y="2675169"/>
+          <a:ext cx="7086487" cy="805968"/>
+        </a:xfrm>
+        <a:prstGeom prst="roundRect">
+          <a:avLst>
+            <a:gd name="adj" fmla="val 10000"/>
+          </a:avLst>
+        </a:prstGeom>
+        <a:solidFill>
+          <a:schemeClr val="accent1">
+            <a:hueOff val="0"/>
+            <a:satOff val="0"/>
+            <a:lumOff val="0"/>
+            <a:alphaOff val="0"/>
+          </a:schemeClr>
+        </a:solidFill>
+        <a:ln w="12700" cap="flat" cmpd="sng" algn="ctr">
+          <a:solidFill>
+            <a:schemeClr val="lt1">
+              <a:hueOff val="0"/>
+              <a:satOff val="0"/>
+              <a:lumOff val="0"/>
+              <a:alphaOff val="0"/>
+            </a:schemeClr>
+          </a:solidFill>
+          <a:prstDash val="solid"/>
+          <a:miter lim="800000"/>
+        </a:ln>
+        <a:effectLst/>
+      </dsp:spPr>
+      <dsp:style>
+        <a:lnRef idx="2">
+          <a:scrgbClr r="0" g="0" b="0"/>
+        </a:lnRef>
+        <a:fillRef idx="1">
+          <a:scrgbClr r="0" g="0" b="0"/>
+        </a:fillRef>
+        <a:effectRef idx="0">
+          <a:scrgbClr r="0" g="0" b="0"/>
+        </a:effectRef>
+        <a:fontRef idx="minor">
+          <a:schemeClr val="lt1"/>
+        </a:fontRef>
+      </dsp:style>
+      <dsp:txBody>
+        <a:bodyPr spcFirstLastPara="0" vert="horz" wrap="square" lIns="129540" tIns="129540" rIns="129540" bIns="129540" numCol="1" spcCol="1270" anchor="ctr" anchorCtr="0">
+          <a:noAutofit/>
+        </a:bodyPr>
+        <a:lstStyle/>
+        <a:p>
+          <a:pPr marL="0" lvl="0" indent="0" algn="l" defTabSz="1511300">
+            <a:lnSpc>
+              <a:spcPct val="90000"/>
+            </a:lnSpc>
+            <a:spcBef>
+              <a:spcPct val="0"/>
+            </a:spcBef>
+            <a:spcAft>
+              <a:spcPct val="35000"/>
+            </a:spcAft>
+            <a:buNone/>
+          </a:pPr>
+          <a:r>
+            <a:rPr lang="de-DE" sz="3400" kern="1200" dirty="0"/>
+            <a:t>Nutzer ansprechen</a:t>
+          </a:r>
+        </a:p>
+      </dsp:txBody>
+      <dsp:txXfrm>
+        <a:off x="1497894" y="2675169"/>
+        <a:ext cx="5588592" cy="805968"/>
+      </dsp:txXfrm>
+    </dsp:sp>
+    <dsp:sp modelId="{0937F075-AB43-4E41-87E5-E4FEC977574A}">
+      <dsp:nvSpPr>
+        <dsp:cNvPr id="0" name=""/>
+        <dsp:cNvSpPr/>
+      </dsp:nvSpPr>
+      <dsp:spPr>
+        <a:xfrm>
+          <a:off x="413548" y="2710683"/>
+          <a:ext cx="824328" cy="760421"/>
+        </a:xfrm>
+        <a:prstGeom prst="roundRect">
+          <a:avLst>
+            <a:gd name="adj" fmla="val 10000"/>
+          </a:avLst>
+        </a:prstGeom>
+        <a:blipFill>
+          <a:blip xmlns:r="http://schemas.openxmlformats.org/officeDocument/2006/relationships" r:embed="rId8">
+            <a:extLst>
+              <a:ext uri="{28A0092B-C50C-407E-A947-70E740481C1C}">
+                <a14:useLocalDpi xmlns:a14="http://schemas.microsoft.com/office/drawing/2010/main" val="0"/>
+              </a:ext>
+              <a:ext uri="{837473B0-CC2E-450A-ABE3-18F120FF3D39}">
+                <a1611:picAttrSrcUrl xmlns:a1611="http://schemas.microsoft.com/office/drawing/2016/11/main" r:id="rId9"/>
+              </a:ext>
+            </a:extLst>
+          </a:blip>
+          <a:srcRect/>
+          <a:stretch>
+            <a:fillRect/>
+          </a:stretch>
+        </a:blipFill>
+        <a:ln w="12700" cap="flat" cmpd="sng" algn="ctr">
+          <a:solidFill>
+            <a:schemeClr val="lt1">
+              <a:hueOff val="0"/>
+              <a:satOff val="0"/>
+              <a:lumOff val="0"/>
+              <a:alphaOff val="0"/>
+            </a:schemeClr>
+          </a:solidFill>
+          <a:prstDash val="solid"/>
+          <a:miter lim="800000"/>
+        </a:ln>
+        <a:effectLst/>
+      </dsp:spPr>
+      <dsp:style>
+        <a:lnRef idx="2">
+          <a:scrgbClr r="0" g="0" b="0"/>
+        </a:lnRef>
+        <a:fillRef idx="1">
+          <a:scrgbClr r="0" g="0" b="0"/>
+        </a:fillRef>
+        <a:effectRef idx="0">
+          <a:scrgbClr r="0" g="0" b="0"/>
+        </a:effectRef>
+        <a:fontRef idx="minor"/>
+      </dsp:style>
+    </dsp:sp>
+    <dsp:sp modelId="{E2B15E2C-D24E-4F2A-948E-582842B35933}">
+      <dsp:nvSpPr>
+        <dsp:cNvPr id="0" name=""/>
+        <dsp:cNvSpPr/>
+      </dsp:nvSpPr>
+      <dsp:spPr>
+        <a:xfrm>
+          <a:off x="0" y="3561734"/>
+          <a:ext cx="7086487" cy="805968"/>
+        </a:xfrm>
+        <a:prstGeom prst="roundRect">
+          <a:avLst>
+            <a:gd name="adj" fmla="val 10000"/>
+          </a:avLst>
+        </a:prstGeom>
+        <a:solidFill>
+          <a:schemeClr val="accent1">
+            <a:hueOff val="0"/>
+            <a:satOff val="0"/>
+            <a:lumOff val="0"/>
+            <a:alphaOff val="0"/>
+          </a:schemeClr>
+        </a:solidFill>
+        <a:ln w="12700" cap="flat" cmpd="sng" algn="ctr">
+          <a:solidFill>
+            <a:schemeClr val="lt1">
+              <a:hueOff val="0"/>
+              <a:satOff val="0"/>
+              <a:lumOff val="0"/>
+              <a:alphaOff val="0"/>
+            </a:schemeClr>
+          </a:solidFill>
+          <a:prstDash val="solid"/>
+          <a:miter lim="800000"/>
+        </a:ln>
+        <a:effectLst/>
+      </dsp:spPr>
+      <dsp:style>
+        <a:lnRef idx="2">
+          <a:scrgbClr r="0" g="0" b="0"/>
+        </a:lnRef>
+        <a:fillRef idx="1">
+          <a:scrgbClr r="0" g="0" b="0"/>
+        </a:fillRef>
+        <a:effectRef idx="0">
+          <a:scrgbClr r="0" g="0" b="0"/>
+        </a:effectRef>
+        <a:fontRef idx="minor">
+          <a:schemeClr val="lt1"/>
+        </a:fontRef>
+      </dsp:style>
+      <dsp:txBody>
+        <a:bodyPr spcFirstLastPara="0" vert="horz" wrap="square" lIns="129540" tIns="129540" rIns="129540" bIns="129540" numCol="1" spcCol="1270" anchor="ctr" anchorCtr="0">
+          <a:noAutofit/>
+        </a:bodyPr>
+        <a:lstStyle/>
+        <a:p>
+          <a:pPr marL="0" lvl="0" indent="0" algn="l" defTabSz="1511300">
+            <a:lnSpc>
+              <a:spcPct val="90000"/>
+            </a:lnSpc>
+            <a:spcBef>
+              <a:spcPct val="0"/>
+            </a:spcBef>
+            <a:spcAft>
+              <a:spcPct val="35000"/>
+            </a:spcAft>
+            <a:buNone/>
+          </a:pPr>
+          <a:r>
+            <a:rPr lang="de-DE" sz="3400" kern="1200" dirty="0"/>
+            <a:t>aus dem Weg fahren</a:t>
+          </a:r>
+        </a:p>
+      </dsp:txBody>
+      <dsp:txXfrm>
+        <a:off x="1497894" y="3561734"/>
+        <a:ext cx="5588592" cy="805968"/>
+      </dsp:txXfrm>
+    </dsp:sp>
+    <dsp:sp modelId="{0B90FDD1-1C90-4F97-B970-EDE63D615DAD}">
+      <dsp:nvSpPr>
+        <dsp:cNvPr id="0" name=""/>
+        <dsp:cNvSpPr/>
+      </dsp:nvSpPr>
+      <dsp:spPr>
+        <a:xfrm>
+          <a:off x="435317" y="3587682"/>
+          <a:ext cx="795330" cy="774096"/>
+        </a:xfrm>
+        <a:prstGeom prst="roundRect">
+          <a:avLst>
+            <a:gd name="adj" fmla="val 10000"/>
+          </a:avLst>
+        </a:prstGeom>
+        <a:blipFill>
+          <a:blip xmlns:r="http://schemas.openxmlformats.org/officeDocument/2006/relationships" r:embed="rId10" cstate="print">
+            <a:extLst>
+              <a:ext uri="{28A0092B-C50C-407E-A947-70E740481C1C}">
+                <a14:useLocalDpi xmlns:a14="http://schemas.microsoft.com/office/drawing/2010/main" val="0"/>
+              </a:ext>
+              <a:ext uri="{837473B0-CC2E-450A-ABE3-18F120FF3D39}">
+                <a1611:picAttrSrcUrl xmlns:a1611="http://schemas.microsoft.com/office/drawing/2016/11/main" r:id="rId11"/>
+              </a:ext>
+            </a:extLst>
+          </a:blip>
+          <a:srcRect/>
+          <a:stretch>
+            <a:fillRect l="-7000" r="-7000"/>
+          </a:stretch>
+        </a:blipFill>
+        <a:ln w="12700" cap="flat" cmpd="sng" algn="ctr">
+          <a:solidFill>
+            <a:schemeClr val="lt1">
+              <a:hueOff val="0"/>
+              <a:satOff val="0"/>
+              <a:lumOff val="0"/>
+              <a:alphaOff val="0"/>
+            </a:schemeClr>
+          </a:solidFill>
+          <a:prstDash val="solid"/>
+          <a:miter lim="800000"/>
+        </a:ln>
+        <a:effectLst/>
+      </dsp:spPr>
+      <dsp:style>
+        <a:lnRef idx="2">
+          <a:scrgbClr r="0" g="0" b="0"/>
+        </a:lnRef>
+        <a:fillRef idx="1">
+          <a:scrgbClr r="0" g="0" b="0"/>
+        </a:fillRef>
+        <a:effectRef idx="0">
+          <a:scrgbClr r="0" g="0" b="0"/>
+        </a:effectRef>
+        <a:fontRef idx="minor"/>
+      </dsp:style>
+    </dsp:sp>
+    <dsp:sp modelId="{6CC54D3B-E06D-4801-B4F5-52A3FEA74FBE}">
+      <dsp:nvSpPr>
+        <dsp:cNvPr id="0" name=""/>
+        <dsp:cNvSpPr/>
+      </dsp:nvSpPr>
+      <dsp:spPr>
+        <a:xfrm>
+          <a:off x="0" y="4464434"/>
+          <a:ext cx="7086487" cy="805968"/>
+        </a:xfrm>
+        <a:prstGeom prst="roundRect">
+          <a:avLst>
+            <a:gd name="adj" fmla="val 10000"/>
+          </a:avLst>
+        </a:prstGeom>
+        <a:solidFill>
+          <a:schemeClr val="accent1">
+            <a:hueOff val="0"/>
+            <a:satOff val="0"/>
+            <a:lumOff val="0"/>
+            <a:alphaOff val="0"/>
+          </a:schemeClr>
+        </a:solidFill>
+        <a:ln w="12700" cap="flat" cmpd="sng" algn="ctr">
+          <a:solidFill>
+            <a:schemeClr val="lt1">
+              <a:hueOff val="0"/>
+              <a:satOff val="0"/>
+              <a:lumOff val="0"/>
+              <a:alphaOff val="0"/>
+            </a:schemeClr>
+          </a:solidFill>
+          <a:prstDash val="solid"/>
+          <a:miter lim="800000"/>
+        </a:ln>
+        <a:effectLst/>
+      </dsp:spPr>
+      <dsp:style>
+        <a:lnRef idx="2">
+          <a:scrgbClr r="0" g="0" b="0"/>
+        </a:lnRef>
+        <a:fillRef idx="1">
+          <a:scrgbClr r="0" g="0" b="0"/>
+        </a:fillRef>
+        <a:effectRef idx="0">
+          <a:scrgbClr r="0" g="0" b="0"/>
+        </a:effectRef>
+        <a:fontRef idx="minor">
+          <a:schemeClr val="lt1"/>
+        </a:fontRef>
+      </dsp:style>
+      <dsp:txBody>
+        <a:bodyPr spcFirstLastPara="0" vert="horz" wrap="square" lIns="129540" tIns="129540" rIns="129540" bIns="129540" numCol="1" spcCol="1270" anchor="ctr" anchorCtr="0">
+          <a:noAutofit/>
+        </a:bodyPr>
+        <a:lstStyle/>
+        <a:p>
+          <a:pPr marL="0" lvl="0" indent="0" algn="l" defTabSz="1511300">
+            <a:lnSpc>
+              <a:spcPct val="90000"/>
+            </a:lnSpc>
+            <a:spcBef>
+              <a:spcPct val="0"/>
+            </a:spcBef>
+            <a:spcAft>
+              <a:spcPct val="35000"/>
+            </a:spcAft>
+            <a:buNone/>
+          </a:pPr>
+          <a:r>
+            <a:rPr lang="de-DE" sz="3400" kern="1200" dirty="0"/>
+            <a:t> zurückkehren</a:t>
+          </a:r>
+        </a:p>
+      </dsp:txBody>
+      <dsp:txXfrm>
+        <a:off x="1497894" y="4464434"/>
+        <a:ext cx="5588592" cy="805968"/>
+      </dsp:txXfrm>
+    </dsp:sp>
+    <dsp:sp modelId="{280279AB-BBD6-417C-9A69-4F2F15BDDC13}">
+      <dsp:nvSpPr>
+        <dsp:cNvPr id="0" name=""/>
+        <dsp:cNvSpPr/>
+      </dsp:nvSpPr>
+      <dsp:spPr>
+        <a:xfrm>
+          <a:off x="435317" y="4452217"/>
+          <a:ext cx="809928" cy="838239"/>
+        </a:xfrm>
+        <a:prstGeom prst="roundRect">
+          <a:avLst>
+            <a:gd name="adj" fmla="val 10000"/>
+          </a:avLst>
+        </a:prstGeom>
+        <a:blipFill>
+          <a:blip xmlns:r="http://schemas.openxmlformats.org/officeDocument/2006/relationships" r:embed="rId12" cstate="print">
+            <a:extLst>
+              <a:ext uri="{28A0092B-C50C-407E-A947-70E740481C1C}">
+                <a14:useLocalDpi xmlns:a14="http://schemas.microsoft.com/office/drawing/2010/main" val="0"/>
+              </a:ext>
+              <a:ext uri="{837473B0-CC2E-450A-ABE3-18F120FF3D39}">
+                <a1611:picAttrSrcUrl xmlns:a1611="http://schemas.microsoft.com/office/drawing/2016/11/main" r:id="rId13"/>
+              </a:ext>
+            </a:extLst>
+          </a:blip>
+          <a:srcRect/>
+          <a:stretch>
+            <a:fillRect/>
+          </a:stretch>
+        </a:blipFill>
+        <a:ln w="12700" cap="flat" cmpd="sng" algn="ctr">
+          <a:solidFill>
+            <a:schemeClr val="lt1">
+              <a:hueOff val="0"/>
+              <a:satOff val="0"/>
+              <a:lumOff val="0"/>
+              <a:alphaOff val="0"/>
+            </a:schemeClr>
+          </a:solidFill>
+          <a:prstDash val="solid"/>
+          <a:miter lim="800000"/>
+        </a:ln>
+        <a:effectLst/>
+      </dsp:spPr>
+      <dsp:style>
+        <a:lnRef idx="2">
+          <a:scrgbClr r="0" g="0" b="0"/>
+        </a:lnRef>
+        <a:fillRef idx="1">
+          <a:scrgbClr r="0" g="0" b="0"/>
+        </a:fillRef>
+        <a:effectRef idx="0">
+          <a:scrgbClr r="0" g="0" b="0"/>
+        </a:effectRef>
+        <a:fontRef idx="minor"/>
+      </dsp:style>
+    </dsp:sp>
+  </dsp:spTree>
+</dsp:drawing>
+</file>
+
+<file path=ppt/diagrams/drawing7.xml><?xml version="1.0" encoding="utf-8"?>
+<dsp:drawing xmlns:dgm="http://schemas.openxmlformats.org/drawingml/2006/diagram" xmlns:dsp="http://schemas.microsoft.com/office/drawing/2008/diagram" xmlns:a="http://schemas.openxmlformats.org/drawingml/2006/main">
+  <dsp:spTree>
+    <dsp:nvGrpSpPr>
+      <dsp:cNvPr id="0" name=""/>
+      <dsp:cNvGrpSpPr/>
+    </dsp:nvGrpSpPr>
+    <dsp:grpSpPr/>
     <dsp:sp modelId="{B93A7241-D74C-46B6-A1CF-021E81C1CE95}">
       <dsp:nvSpPr>
         <dsp:cNvPr id="0" name=""/>
@@ -9954,7 +12075,7 @@
 </dsp:drawing>
 </file>
 
-<file path=ppt/diagrams/drawing7.xml><?xml version="1.0" encoding="utf-8"?>
+<file path=ppt/diagrams/drawing8.xml><?xml version="1.0" encoding="utf-8"?>
 <dsp:drawing xmlns:dgm="http://schemas.openxmlformats.org/drawingml/2006/diagram" xmlns:dsp="http://schemas.microsoft.com/office/drawing/2008/diagram" xmlns:a="http://schemas.openxmlformats.org/drawingml/2006/main">
   <dsp:spTree>
     <dsp:nvGrpSpPr>
@@ -11034,6 +13155,213 @@
 </file>
 
 <file path=ppt/diagrams/layout6.xml><?xml version="1.0" encoding="utf-8"?>
+<dgm:layoutDef xmlns:dgm="http://schemas.openxmlformats.org/drawingml/2006/diagram" xmlns:a="http://schemas.openxmlformats.org/drawingml/2006/main" uniqueId="urn:microsoft.com/office/officeart/2005/8/layout/vList4">
+  <dgm:title val=""/>
+  <dgm:desc val=""/>
+  <dgm:catLst>
+    <dgm:cat type="list" pri="13000"/>
+    <dgm:cat type="picture" pri="26000"/>
+    <dgm:cat type="pictureconvert" pri="26000"/>
+  </dgm:catLst>
+  <dgm:sampData>
+    <dgm:dataModel>
+      <dgm:ptLst>
+        <dgm:pt modelId="0" type="doc"/>
+        <dgm:pt modelId="1">
+          <dgm:prSet phldr="1"/>
+        </dgm:pt>
+        <dgm:pt modelId="11">
+          <dgm:prSet phldr="1"/>
+        </dgm:pt>
+        <dgm:pt modelId="12">
+          <dgm:prSet phldr="1"/>
+        </dgm:pt>
+        <dgm:pt modelId="2">
+          <dgm:prSet phldr="1"/>
+        </dgm:pt>
+        <dgm:pt modelId="21">
+          <dgm:prSet phldr="1"/>
+        </dgm:pt>
+        <dgm:pt modelId="22">
+          <dgm:prSet phldr="1"/>
+        </dgm:pt>
+        <dgm:pt modelId="3">
+          <dgm:prSet phldr="1"/>
+        </dgm:pt>
+        <dgm:pt modelId="31">
+          <dgm:prSet phldr="1"/>
+        </dgm:pt>
+        <dgm:pt modelId="32">
+          <dgm:prSet phldr="1"/>
+        </dgm:pt>
+      </dgm:ptLst>
+      <dgm:cxnLst>
+        <dgm:cxn modelId="4" srcId="0" destId="1" srcOrd="0" destOrd="0"/>
+        <dgm:cxn modelId="5" srcId="0" destId="2" srcOrd="1" destOrd="0"/>
+        <dgm:cxn modelId="13" srcId="1" destId="11" srcOrd="0" destOrd="0"/>
+        <dgm:cxn modelId="14" srcId="1" destId="12" srcOrd="0" destOrd="0"/>
+        <dgm:cxn modelId="23" srcId="2" destId="21" srcOrd="0" destOrd="0"/>
+        <dgm:cxn modelId="24" srcId="2" destId="22" srcOrd="0" destOrd="0"/>
+        <dgm:cxn modelId="33" srcId="3" destId="31" srcOrd="0" destOrd="0"/>
+        <dgm:cxn modelId="34" srcId="3" destId="32" srcOrd="0" destOrd="0"/>
+      </dgm:cxnLst>
+      <dgm:bg/>
+      <dgm:whole/>
+    </dgm:dataModel>
+  </dgm:sampData>
+  <dgm:styleData>
+    <dgm:dataModel>
+      <dgm:ptLst>
+        <dgm:pt modelId="0" type="doc"/>
+        <dgm:pt modelId="1"/>
+        <dgm:pt modelId="2"/>
+      </dgm:ptLst>
+      <dgm:cxnLst>
+        <dgm:cxn modelId="3" srcId="0" destId="1" srcOrd="0" destOrd="0"/>
+        <dgm:cxn modelId="4" srcId="0" destId="2" srcOrd="1" destOrd="0"/>
+      </dgm:cxnLst>
+      <dgm:bg/>
+      <dgm:whole/>
+    </dgm:dataModel>
+  </dgm:styleData>
+  <dgm:clrData>
+    <dgm:dataModel>
+      <dgm:ptLst>
+        <dgm:pt modelId="0" type="doc"/>
+        <dgm:pt modelId="1"/>
+        <dgm:pt modelId="2"/>
+        <dgm:pt modelId="3"/>
+        <dgm:pt modelId="4"/>
+      </dgm:ptLst>
+      <dgm:cxnLst>
+        <dgm:cxn modelId="5" srcId="0" destId="1" srcOrd="0" destOrd="0"/>
+        <dgm:cxn modelId="6" srcId="0" destId="2" srcOrd="1" destOrd="0"/>
+        <dgm:cxn modelId="7" srcId="0" destId="3" srcOrd="2" destOrd="0"/>
+        <dgm:cxn modelId="8" srcId="0" destId="4" srcOrd="3" destOrd="0"/>
+      </dgm:cxnLst>
+      <dgm:bg/>
+      <dgm:whole/>
+    </dgm:dataModel>
+  </dgm:clrData>
+  <dgm:layoutNode name="linear">
+    <dgm:varLst>
+      <dgm:dir/>
+      <dgm:resizeHandles val="exact"/>
+    </dgm:varLst>
+    <dgm:alg type="lin">
+      <dgm:param type="linDir" val="fromT"/>
+      <dgm:param type="vertAlign" val="t"/>
+    </dgm:alg>
+    <dgm:shape xmlns:r="http://schemas.openxmlformats.org/officeDocument/2006/relationships" r:blip="">
+      <dgm:adjLst/>
+    </dgm:shape>
+    <dgm:presOf/>
+    <dgm:constrLst>
+      <dgm:constr type="w" for="ch" forName="comp" refType="w"/>
+      <dgm:constr type="h" for="ch" forName="comp" refType="h"/>
+      <dgm:constr type="h" for="ch" forName="spacer" refType="h" refFor="ch" refForName="comp" op="equ" fact="0.1"/>
+      <dgm:constr type="primFontSz" for="des" forName="text" op="equ" val="65"/>
+    </dgm:constrLst>
+    <dgm:ruleLst/>
+    <dgm:forEach name="Name0" axis="ch" ptType="node">
+      <dgm:layoutNode name="comp" styleLbl="node1">
+        <dgm:alg type="composite"/>
+        <dgm:shape xmlns:r="http://schemas.openxmlformats.org/officeDocument/2006/relationships" r:blip="">
+          <dgm:adjLst/>
+        </dgm:shape>
+        <dgm:presOf/>
+        <dgm:choose name="Name1">
+          <dgm:if name="Name2" func="var" arg="dir" op="equ" val="norm">
+            <dgm:constrLst>
+              <dgm:constr type="h" for="ch" forName="box" refType="h"/>
+              <dgm:constr type="w" for="ch" forName="box" refType="w"/>
+              <dgm:constr type="w" for="ch" forName="img" refType="w" refFor="ch" refForName="box" fact="0.2"/>
+              <dgm:constr type="h" for="ch" forName="img" refType="h" refFor="ch" refForName="box" fact="0.8"/>
+              <dgm:constr type="t" for="ch" forName="img" refType="h" refFor="ch" refForName="box" fact="0.1"/>
+              <dgm:constr type="l" for="ch" forName="img" refType="h" refFor="ch" refForName="box" fact="0.1"/>
+              <dgm:constr type="h" for="ch" forName="text" refType="h"/>
+              <dgm:constr type="l" for="ch" forName="text" refType="r" refFor="ch" refForName="img"/>
+              <dgm:constr type="r" for="ch" forName="text" refType="w"/>
+            </dgm:constrLst>
+          </dgm:if>
+          <dgm:else name="Name3">
+            <dgm:constrLst>
+              <dgm:constr type="h" for="ch" forName="box" refType="h"/>
+              <dgm:constr type="w" for="ch" forName="box" refType="w"/>
+              <dgm:constr type="w" for="ch" forName="img" refType="w" refFor="ch" refForName="box" fact="0.2"/>
+              <dgm:constr type="h" for="ch" forName="img" refType="h" refFor="ch" refForName="box" fact="0.8"/>
+              <dgm:constr type="t" for="ch" forName="img" refType="h" refFor="ch" refForName="box" fact="0.1"/>
+              <dgm:constr type="r" for="ch" forName="img" refType="w" refFor="ch" refForName="box"/>
+              <dgm:constr type="rOff" for="ch" forName="img" refType="h" refFor="ch" refForName="box" fact="-0.1"/>
+              <dgm:constr type="h" for="ch" forName="text" refType="h"/>
+              <dgm:constr type="r" for="ch" forName="text" refType="l" refFor="ch" refForName="img"/>
+              <dgm:constr type="l" for="ch" forName="text"/>
+            </dgm:constrLst>
+          </dgm:else>
+        </dgm:choose>
+        <dgm:ruleLst/>
+        <dgm:layoutNode name="box" styleLbl="node1">
+          <dgm:alg type="sp"/>
+          <dgm:shape xmlns:r="http://schemas.openxmlformats.org/officeDocument/2006/relationships" type="roundRect" r:blip="">
+            <dgm:adjLst>
+              <dgm:adj idx="1" val="0.1"/>
+            </dgm:adjLst>
+          </dgm:shape>
+          <dgm:presOf axis="desOrSelf" ptType="node"/>
+          <dgm:constrLst/>
+          <dgm:ruleLst/>
+        </dgm:layoutNode>
+        <dgm:layoutNode name="img" styleLbl="fgImgPlace1">
+          <dgm:alg type="sp"/>
+          <dgm:shape xmlns:r="http://schemas.openxmlformats.org/officeDocument/2006/relationships" type="roundRect" r:blip="" blipPhldr="1">
+            <dgm:adjLst>
+              <dgm:adj idx="1" val="0.1"/>
+            </dgm:adjLst>
+          </dgm:shape>
+          <dgm:presOf/>
+          <dgm:constrLst/>
+          <dgm:ruleLst/>
+        </dgm:layoutNode>
+        <dgm:layoutNode name="text">
+          <dgm:varLst>
+            <dgm:bulletEnabled val="1"/>
+          </dgm:varLst>
+          <dgm:alg type="tx">
+            <dgm:param type="parTxLTRAlign" val="l"/>
+            <dgm:param type="parTxRTLAlign" val="r"/>
+          </dgm:alg>
+          <dgm:shape xmlns:r="http://schemas.openxmlformats.org/officeDocument/2006/relationships" type="rect" r:blip="" hideGeom="1">
+            <dgm:adjLst/>
+          </dgm:shape>
+          <dgm:presOf axis="desOrSelf" ptType="node"/>
+          <dgm:constrLst>
+            <dgm:constr type="tMarg" refType="primFontSz" fact="0.3"/>
+            <dgm:constr type="bMarg" refType="primFontSz" fact="0.3"/>
+            <dgm:constr type="lMarg" refType="primFontSz" fact="0.3"/>
+            <dgm:constr type="rMarg" refType="primFontSz" fact="0.3"/>
+          </dgm:constrLst>
+          <dgm:ruleLst>
+            <dgm:rule type="primFontSz" val="5" fact="NaN" max="NaN"/>
+          </dgm:ruleLst>
+        </dgm:layoutNode>
+      </dgm:layoutNode>
+      <dgm:forEach name="Name4" axis="followSib" ptType="sibTrans" cnt="1">
+        <dgm:layoutNode name="spacer">
+          <dgm:alg type="sp"/>
+          <dgm:shape xmlns:r="http://schemas.openxmlformats.org/officeDocument/2006/relationships" r:blip="">
+            <dgm:adjLst/>
+          </dgm:shape>
+          <dgm:presOf axis="self"/>
+          <dgm:constrLst/>
+          <dgm:ruleLst/>
+        </dgm:layoutNode>
+      </dgm:forEach>
+    </dgm:forEach>
+  </dgm:layoutNode>
+</dgm:layoutDef>
+</file>
+
+<file path=ppt/diagrams/layout7.xml><?xml version="1.0" encoding="utf-8"?>
 <dgm:layoutDef xmlns:dgm="http://schemas.openxmlformats.org/drawingml/2006/diagram" xmlns:a="http://schemas.openxmlformats.org/drawingml/2006/main" uniqueId="urn:microsoft.com/office/officeart/2005/8/layout/lProcess3">
   <dgm:title val=""/>
   <dgm:desc val=""/>
@@ -11314,7 +13642,7 @@
 </dgm:layoutDef>
 </file>
 
-<file path=ppt/diagrams/layout7.xml><?xml version="1.0" encoding="utf-8"?>
+<file path=ppt/diagrams/layout8.xml><?xml version="1.0" encoding="utf-8"?>
 <dgm:layoutDef xmlns:dgm="http://schemas.openxmlformats.org/drawingml/2006/diagram" xmlns:a="http://schemas.openxmlformats.org/drawingml/2006/main" uniqueId="urn:microsoft.com/office/officeart/2005/8/layout/chart3">
   <dgm:title val=""/>
   <dgm:desc val=""/>
@@ -19857,6 +22185,1040 @@
 </dgm:styleDef>
 </file>
 
+<file path=ppt/diagrams/quickStyle8.xml><?xml version="1.0" encoding="utf-8"?>
+<dgm:styleDef xmlns:dgm="http://schemas.openxmlformats.org/drawingml/2006/diagram" xmlns:a="http://schemas.openxmlformats.org/drawingml/2006/main" uniqueId="urn:microsoft.com/office/officeart/2005/8/quickstyle/simple1">
+  <dgm:title val=""/>
+  <dgm:desc val=""/>
+  <dgm:catLst>
+    <dgm:cat type="simple" pri="10100"/>
+  </dgm:catLst>
+  <dgm:scene3d>
+    <a:camera prst="orthographicFront"/>
+    <a:lightRig rig="threePt" dir="t"/>
+  </dgm:scene3d>
+  <dgm:styleLbl name="node0">
+    <dgm:scene3d>
+      <a:camera prst="orthographicFront"/>
+      <a:lightRig rig="threePt" dir="t"/>
+    </dgm:scene3d>
+    <dgm:sp3d/>
+    <dgm:txPr/>
+    <dgm:style>
+      <a:lnRef idx="2">
+        <a:scrgbClr r="0" g="0" b="0"/>
+      </a:lnRef>
+      <a:fillRef idx="1">
+        <a:scrgbClr r="0" g="0" b="0"/>
+      </a:fillRef>
+      <a:effectRef idx="0">
+        <a:scrgbClr r="0" g="0" b="0"/>
+      </a:effectRef>
+      <a:fontRef idx="minor">
+        <a:schemeClr val="lt1"/>
+      </a:fontRef>
+    </dgm:style>
+  </dgm:styleLbl>
+  <dgm:styleLbl name="lnNode1">
+    <dgm:scene3d>
+      <a:camera prst="orthographicFront"/>
+      <a:lightRig rig="threePt" dir="t"/>
+    </dgm:scene3d>
+    <dgm:sp3d/>
+    <dgm:txPr/>
+    <dgm:style>
+      <a:lnRef idx="2">
+        <a:scrgbClr r="0" g="0" b="0"/>
+      </a:lnRef>
+      <a:fillRef idx="1">
+        <a:scrgbClr r="0" g="0" b="0"/>
+      </a:fillRef>
+      <a:effectRef idx="0">
+        <a:scrgbClr r="0" g="0" b="0"/>
+      </a:effectRef>
+      <a:fontRef idx="minor">
+        <a:schemeClr val="lt1"/>
+      </a:fontRef>
+    </dgm:style>
+  </dgm:styleLbl>
+  <dgm:styleLbl name="vennNode1">
+    <dgm:scene3d>
+      <a:camera prst="orthographicFront"/>
+      <a:lightRig rig="threePt" dir="t"/>
+    </dgm:scene3d>
+    <dgm:sp3d/>
+    <dgm:txPr/>
+    <dgm:style>
+      <a:lnRef idx="2">
+        <a:scrgbClr r="0" g="0" b="0"/>
+      </a:lnRef>
+      <a:fillRef idx="1">
+        <a:scrgbClr r="0" g="0" b="0"/>
+      </a:fillRef>
+      <a:effectRef idx="0">
+        <a:scrgbClr r="0" g="0" b="0"/>
+      </a:effectRef>
+      <a:fontRef idx="minor">
+        <a:schemeClr val="tx1"/>
+      </a:fontRef>
+    </dgm:style>
+  </dgm:styleLbl>
+  <dgm:styleLbl name="alignNode1">
+    <dgm:scene3d>
+      <a:camera prst="orthographicFront"/>
+      <a:lightRig rig="threePt" dir="t"/>
+    </dgm:scene3d>
+    <dgm:sp3d/>
+    <dgm:txPr/>
+    <dgm:style>
+      <a:lnRef idx="2">
+        <a:scrgbClr r="0" g="0" b="0"/>
+      </a:lnRef>
+      <a:fillRef idx="1">
+        <a:scrgbClr r="0" g="0" b="0"/>
+      </a:fillRef>
+      <a:effectRef idx="0">
+        <a:scrgbClr r="0" g="0" b="0"/>
+      </a:effectRef>
+      <a:fontRef idx="minor">
+        <a:schemeClr val="lt1"/>
+      </a:fontRef>
+    </dgm:style>
+  </dgm:styleLbl>
+  <dgm:styleLbl name="node1">
+    <dgm:scene3d>
+      <a:camera prst="orthographicFront"/>
+      <a:lightRig rig="threePt" dir="t"/>
+    </dgm:scene3d>
+    <dgm:sp3d/>
+    <dgm:txPr/>
+    <dgm:style>
+      <a:lnRef idx="2">
+        <a:scrgbClr r="0" g="0" b="0"/>
+      </a:lnRef>
+      <a:fillRef idx="1">
+        <a:scrgbClr r="0" g="0" b="0"/>
+      </a:fillRef>
+      <a:effectRef idx="0">
+        <a:scrgbClr r="0" g="0" b="0"/>
+      </a:effectRef>
+      <a:fontRef idx="minor">
+        <a:schemeClr val="lt1"/>
+      </a:fontRef>
+    </dgm:style>
+  </dgm:styleLbl>
+  <dgm:styleLbl name="node2">
+    <dgm:scene3d>
+      <a:camera prst="orthographicFront"/>
+      <a:lightRig rig="threePt" dir="t"/>
+    </dgm:scene3d>
+    <dgm:sp3d/>
+    <dgm:txPr/>
+    <dgm:style>
+      <a:lnRef idx="2">
+        <a:scrgbClr r="0" g="0" b="0"/>
+      </a:lnRef>
+      <a:fillRef idx="1">
+        <a:scrgbClr r="0" g="0" b="0"/>
+      </a:fillRef>
+      <a:effectRef idx="0">
+        <a:scrgbClr r="0" g="0" b="0"/>
+      </a:effectRef>
+      <a:fontRef idx="minor">
+        <a:schemeClr val="lt1"/>
+      </a:fontRef>
+    </dgm:style>
+  </dgm:styleLbl>
+  <dgm:styleLbl name="node3">
+    <dgm:scene3d>
+      <a:camera prst="orthographicFront"/>
+      <a:lightRig rig="threePt" dir="t"/>
+    </dgm:scene3d>
+    <dgm:sp3d/>
+    <dgm:txPr/>
+    <dgm:style>
+      <a:lnRef idx="2">
+        <a:scrgbClr r="0" g="0" b="0"/>
+      </a:lnRef>
+      <a:fillRef idx="1">
+        <a:scrgbClr r="0" g="0" b="0"/>
+      </a:fillRef>
+      <a:effectRef idx="0">
+        <a:scrgbClr r="0" g="0" b="0"/>
+      </a:effectRef>
+      <a:fontRef idx="minor">
+        <a:schemeClr val="lt1"/>
+      </a:fontRef>
+    </dgm:style>
+  </dgm:styleLbl>
+  <dgm:styleLbl name="node4">
+    <dgm:scene3d>
+      <a:camera prst="orthographicFront"/>
+      <a:lightRig rig="threePt" dir="t"/>
+    </dgm:scene3d>
+    <dgm:sp3d/>
+    <dgm:txPr/>
+    <dgm:style>
+      <a:lnRef idx="2">
+        <a:scrgbClr r="0" g="0" b="0"/>
+      </a:lnRef>
+      <a:fillRef idx="1">
+        <a:scrgbClr r="0" g="0" b="0"/>
+      </a:fillRef>
+      <a:effectRef idx="0">
+        <a:scrgbClr r="0" g="0" b="0"/>
+      </a:effectRef>
+      <a:fontRef idx="minor">
+        <a:schemeClr val="lt1"/>
+      </a:fontRef>
+    </dgm:style>
+  </dgm:styleLbl>
+  <dgm:styleLbl name="fgImgPlace1">
+    <dgm:scene3d>
+      <a:camera prst="orthographicFront"/>
+      <a:lightRig rig="threePt" dir="t"/>
+    </dgm:scene3d>
+    <dgm:sp3d/>
+    <dgm:txPr/>
+    <dgm:style>
+      <a:lnRef idx="2">
+        <a:scrgbClr r="0" g="0" b="0"/>
+      </a:lnRef>
+      <a:fillRef idx="1">
+        <a:scrgbClr r="0" g="0" b="0"/>
+      </a:fillRef>
+      <a:effectRef idx="0">
+        <a:scrgbClr r="0" g="0" b="0"/>
+      </a:effectRef>
+      <a:fontRef idx="minor"/>
+    </dgm:style>
+  </dgm:styleLbl>
+  <dgm:styleLbl name="alignImgPlace1">
+    <dgm:scene3d>
+      <a:camera prst="orthographicFront"/>
+      <a:lightRig rig="threePt" dir="t"/>
+    </dgm:scene3d>
+    <dgm:sp3d/>
+    <dgm:txPr/>
+    <dgm:style>
+      <a:lnRef idx="2">
+        <a:scrgbClr r="0" g="0" b="0"/>
+      </a:lnRef>
+      <a:fillRef idx="1">
+        <a:scrgbClr r="0" g="0" b="0"/>
+      </a:fillRef>
+      <a:effectRef idx="0">
+        <a:scrgbClr r="0" g="0" b="0"/>
+      </a:effectRef>
+      <a:fontRef idx="minor"/>
+    </dgm:style>
+  </dgm:styleLbl>
+  <dgm:styleLbl name="bgImgPlace1">
+    <dgm:scene3d>
+      <a:camera prst="orthographicFront"/>
+      <a:lightRig rig="threePt" dir="t"/>
+    </dgm:scene3d>
+    <dgm:sp3d/>
+    <dgm:txPr/>
+    <dgm:style>
+      <a:lnRef idx="2">
+        <a:scrgbClr r="0" g="0" b="0"/>
+      </a:lnRef>
+      <a:fillRef idx="1">
+        <a:scrgbClr r="0" g="0" b="0"/>
+      </a:fillRef>
+      <a:effectRef idx="0">
+        <a:scrgbClr r="0" g="0" b="0"/>
+      </a:effectRef>
+      <a:fontRef idx="minor"/>
+    </dgm:style>
+  </dgm:styleLbl>
+  <dgm:styleLbl name="sibTrans2D1">
+    <dgm:scene3d>
+      <a:camera prst="orthographicFront"/>
+      <a:lightRig rig="threePt" dir="t"/>
+    </dgm:scene3d>
+    <dgm:sp3d/>
+    <dgm:txPr/>
+    <dgm:style>
+      <a:lnRef idx="0">
+        <a:scrgbClr r="0" g="0" b="0"/>
+      </a:lnRef>
+      <a:fillRef idx="1">
+        <a:scrgbClr r="0" g="0" b="0"/>
+      </a:fillRef>
+      <a:effectRef idx="0">
+        <a:scrgbClr r="0" g="0" b="0"/>
+      </a:effectRef>
+      <a:fontRef idx="minor">
+        <a:schemeClr val="lt1"/>
+      </a:fontRef>
+    </dgm:style>
+  </dgm:styleLbl>
+  <dgm:styleLbl name="fgSibTrans2D1">
+    <dgm:scene3d>
+      <a:camera prst="orthographicFront"/>
+      <a:lightRig rig="threePt" dir="t"/>
+    </dgm:scene3d>
+    <dgm:sp3d/>
+    <dgm:txPr/>
+    <dgm:style>
+      <a:lnRef idx="0">
+        <a:scrgbClr r="0" g="0" b="0"/>
+      </a:lnRef>
+      <a:fillRef idx="1">
+        <a:scrgbClr r="0" g="0" b="0"/>
+      </a:fillRef>
+      <a:effectRef idx="0">
+        <a:scrgbClr r="0" g="0" b="0"/>
+      </a:effectRef>
+      <a:fontRef idx="minor">
+        <a:schemeClr val="lt1"/>
+      </a:fontRef>
+    </dgm:style>
+  </dgm:styleLbl>
+  <dgm:styleLbl name="bgSibTrans2D1">
+    <dgm:scene3d>
+      <a:camera prst="orthographicFront"/>
+      <a:lightRig rig="threePt" dir="t"/>
+    </dgm:scene3d>
+    <dgm:sp3d/>
+    <dgm:txPr/>
+    <dgm:style>
+      <a:lnRef idx="0">
+        <a:scrgbClr r="0" g="0" b="0"/>
+      </a:lnRef>
+      <a:fillRef idx="1">
+        <a:scrgbClr r="0" g="0" b="0"/>
+      </a:fillRef>
+      <a:effectRef idx="0">
+        <a:scrgbClr r="0" g="0" b="0"/>
+      </a:effectRef>
+      <a:fontRef idx="minor">
+        <a:schemeClr val="lt1"/>
+      </a:fontRef>
+    </dgm:style>
+  </dgm:styleLbl>
+  <dgm:styleLbl name="sibTrans1D1">
+    <dgm:scene3d>
+      <a:camera prst="orthographicFront"/>
+      <a:lightRig rig="threePt" dir="t"/>
+    </dgm:scene3d>
+    <dgm:sp3d/>
+    <dgm:txPr/>
+    <dgm:style>
+      <a:lnRef idx="1">
+        <a:scrgbClr r="0" g="0" b="0"/>
+      </a:lnRef>
+      <a:fillRef idx="0">
+        <a:scrgbClr r="0" g="0" b="0"/>
+      </a:fillRef>
+      <a:effectRef idx="0">
+        <a:scrgbClr r="0" g="0" b="0"/>
+      </a:effectRef>
+      <a:fontRef idx="minor"/>
+    </dgm:style>
+  </dgm:styleLbl>
+  <dgm:styleLbl name="callout">
+    <dgm:scene3d>
+      <a:camera prst="orthographicFront"/>
+      <a:lightRig rig="threePt" dir="t"/>
+    </dgm:scene3d>
+    <dgm:sp3d/>
+    <dgm:txPr/>
+    <dgm:style>
+      <a:lnRef idx="2">
+        <a:scrgbClr r="0" g="0" b="0"/>
+      </a:lnRef>
+      <a:fillRef idx="1">
+        <a:scrgbClr r="0" g="0" b="0"/>
+      </a:fillRef>
+      <a:effectRef idx="0">
+        <a:scrgbClr r="0" g="0" b="0"/>
+      </a:effectRef>
+      <a:fontRef idx="minor"/>
+    </dgm:style>
+  </dgm:styleLbl>
+  <dgm:styleLbl name="asst0">
+    <dgm:scene3d>
+      <a:camera prst="orthographicFront"/>
+      <a:lightRig rig="threePt" dir="t"/>
+    </dgm:scene3d>
+    <dgm:sp3d/>
+    <dgm:txPr/>
+    <dgm:style>
+      <a:lnRef idx="2">
+        <a:scrgbClr r="0" g="0" b="0"/>
+      </a:lnRef>
+      <a:fillRef idx="1">
+        <a:scrgbClr r="0" g="0" b="0"/>
+      </a:fillRef>
+      <a:effectRef idx="0">
+        <a:scrgbClr r="0" g="0" b="0"/>
+      </a:effectRef>
+      <a:fontRef idx="minor">
+        <a:schemeClr val="lt1"/>
+      </a:fontRef>
+    </dgm:style>
+  </dgm:styleLbl>
+  <dgm:styleLbl name="asst1">
+    <dgm:scene3d>
+      <a:camera prst="orthographicFront"/>
+      <a:lightRig rig="threePt" dir="t"/>
+    </dgm:scene3d>
+    <dgm:sp3d/>
+    <dgm:txPr/>
+    <dgm:style>
+      <a:lnRef idx="2">
+        <a:scrgbClr r="0" g="0" b="0"/>
+      </a:lnRef>
+      <a:fillRef idx="1">
+        <a:scrgbClr r="0" g="0" b="0"/>
+      </a:fillRef>
+      <a:effectRef idx="0">
+        <a:scrgbClr r="0" g="0" b="0"/>
+      </a:effectRef>
+      <a:fontRef idx="minor">
+        <a:schemeClr val="lt1"/>
+      </a:fontRef>
+    </dgm:style>
+  </dgm:styleLbl>
+  <dgm:styleLbl name="asst2">
+    <dgm:scene3d>
+      <a:camera prst="orthographicFront"/>
+      <a:lightRig rig="threePt" dir="t"/>
+    </dgm:scene3d>
+    <dgm:sp3d/>
+    <dgm:txPr/>
+    <dgm:style>
+      <a:lnRef idx="2">
+        <a:scrgbClr r="0" g="0" b="0"/>
+      </a:lnRef>
+      <a:fillRef idx="1">
+        <a:scrgbClr r="0" g="0" b="0"/>
+      </a:fillRef>
+      <a:effectRef idx="0">
+        <a:scrgbClr r="0" g="0" b="0"/>
+      </a:effectRef>
+      <a:fontRef idx="minor">
+        <a:schemeClr val="lt1"/>
+      </a:fontRef>
+    </dgm:style>
+  </dgm:styleLbl>
+  <dgm:styleLbl name="asst3">
+    <dgm:scene3d>
+      <a:camera prst="orthographicFront"/>
+      <a:lightRig rig="threePt" dir="t"/>
+    </dgm:scene3d>
+    <dgm:sp3d/>
+    <dgm:txPr/>
+    <dgm:style>
+      <a:lnRef idx="2">
+        <a:scrgbClr r="0" g="0" b="0"/>
+      </a:lnRef>
+      <a:fillRef idx="1">
+        <a:scrgbClr r="0" g="0" b="0"/>
+      </a:fillRef>
+      <a:effectRef idx="0">
+        <a:scrgbClr r="0" g="0" b="0"/>
+      </a:effectRef>
+      <a:fontRef idx="minor">
+        <a:schemeClr val="lt1"/>
+      </a:fontRef>
+    </dgm:style>
+  </dgm:styleLbl>
+  <dgm:styleLbl name="asst4">
+    <dgm:scene3d>
+      <a:camera prst="orthographicFront"/>
+      <a:lightRig rig="threePt" dir="t"/>
+    </dgm:scene3d>
+    <dgm:sp3d/>
+    <dgm:txPr/>
+    <dgm:style>
+      <a:lnRef idx="2">
+        <a:scrgbClr r="0" g="0" b="0"/>
+      </a:lnRef>
+      <a:fillRef idx="1">
+        <a:scrgbClr r="0" g="0" b="0"/>
+      </a:fillRef>
+      <a:effectRef idx="0">
+        <a:scrgbClr r="0" g="0" b="0"/>
+      </a:effectRef>
+      <a:fontRef idx="minor">
+        <a:schemeClr val="lt1"/>
+      </a:fontRef>
+    </dgm:style>
+  </dgm:styleLbl>
+  <dgm:styleLbl name="parChTrans2D1">
+    <dgm:scene3d>
+      <a:camera prst="orthographicFront"/>
+      <a:lightRig rig="threePt" dir="t"/>
+    </dgm:scene3d>
+    <dgm:sp3d/>
+    <dgm:txPr/>
+    <dgm:style>
+      <a:lnRef idx="2">
+        <a:scrgbClr r="0" g="0" b="0"/>
+      </a:lnRef>
+      <a:fillRef idx="1">
+        <a:scrgbClr r="0" g="0" b="0"/>
+      </a:fillRef>
+      <a:effectRef idx="0">
+        <a:scrgbClr r="0" g="0" b="0"/>
+      </a:effectRef>
+      <a:fontRef idx="minor">
+        <a:schemeClr val="lt1"/>
+      </a:fontRef>
+    </dgm:style>
+  </dgm:styleLbl>
+  <dgm:styleLbl name="parChTrans2D2">
+    <dgm:scene3d>
+      <a:camera prst="orthographicFront"/>
+      <a:lightRig rig="threePt" dir="t"/>
+    </dgm:scene3d>
+    <dgm:sp3d/>
+    <dgm:txPr/>
+    <dgm:style>
+      <a:lnRef idx="2">
+        <a:scrgbClr r="0" g="0" b="0"/>
+      </a:lnRef>
+      <a:fillRef idx="1">
+        <a:scrgbClr r="0" g="0" b="0"/>
+      </a:fillRef>
+      <a:effectRef idx="0">
+        <a:scrgbClr r="0" g="0" b="0"/>
+      </a:effectRef>
+      <a:fontRef idx="minor">
+        <a:schemeClr val="lt1"/>
+      </a:fontRef>
+    </dgm:style>
+  </dgm:styleLbl>
+  <dgm:styleLbl name="parChTrans2D3">
+    <dgm:scene3d>
+      <a:camera prst="orthographicFront"/>
+      <a:lightRig rig="threePt" dir="t"/>
+    </dgm:scene3d>
+    <dgm:sp3d/>
+    <dgm:txPr/>
+    <dgm:style>
+      <a:lnRef idx="2">
+        <a:scrgbClr r="0" g="0" b="0"/>
+      </a:lnRef>
+      <a:fillRef idx="1">
+        <a:scrgbClr r="0" g="0" b="0"/>
+      </a:fillRef>
+      <a:effectRef idx="0">
+        <a:scrgbClr r="0" g="0" b="0"/>
+      </a:effectRef>
+      <a:fontRef idx="minor">
+        <a:schemeClr val="lt1"/>
+      </a:fontRef>
+    </dgm:style>
+  </dgm:styleLbl>
+  <dgm:styleLbl name="parChTrans2D4">
+    <dgm:scene3d>
+      <a:camera prst="orthographicFront"/>
+      <a:lightRig rig="threePt" dir="t"/>
+    </dgm:scene3d>
+    <dgm:sp3d/>
+    <dgm:txPr/>
+    <dgm:style>
+      <a:lnRef idx="2">
+        <a:scrgbClr r="0" g="0" b="0"/>
+      </a:lnRef>
+      <a:fillRef idx="1">
+        <a:scrgbClr r="0" g="0" b="0"/>
+      </a:fillRef>
+      <a:effectRef idx="0">
+        <a:scrgbClr r="0" g="0" b="0"/>
+      </a:effectRef>
+      <a:fontRef idx="minor">
+        <a:schemeClr val="lt1"/>
+      </a:fontRef>
+    </dgm:style>
+  </dgm:styleLbl>
+  <dgm:styleLbl name="parChTrans1D1">
+    <dgm:scene3d>
+      <a:camera prst="orthographicFront"/>
+      <a:lightRig rig="threePt" dir="t"/>
+    </dgm:scene3d>
+    <dgm:sp3d/>
+    <dgm:txPr/>
+    <dgm:style>
+      <a:lnRef idx="2">
+        <a:scrgbClr r="0" g="0" b="0"/>
+      </a:lnRef>
+      <a:fillRef idx="0">
+        <a:scrgbClr r="0" g="0" b="0"/>
+      </a:fillRef>
+      <a:effectRef idx="0">
+        <a:scrgbClr r="0" g="0" b="0"/>
+      </a:effectRef>
+      <a:fontRef idx="minor"/>
+    </dgm:style>
+  </dgm:styleLbl>
+  <dgm:styleLbl name="parChTrans1D2">
+    <dgm:scene3d>
+      <a:camera prst="orthographicFront"/>
+      <a:lightRig rig="threePt" dir="t"/>
+    </dgm:scene3d>
+    <dgm:sp3d/>
+    <dgm:txPr/>
+    <dgm:style>
+      <a:lnRef idx="2">
+        <a:scrgbClr r="0" g="0" b="0"/>
+      </a:lnRef>
+      <a:fillRef idx="0">
+        <a:scrgbClr r="0" g="0" b="0"/>
+      </a:fillRef>
+      <a:effectRef idx="0">
+        <a:scrgbClr r="0" g="0" b="0"/>
+      </a:effectRef>
+      <a:fontRef idx="minor"/>
+    </dgm:style>
+  </dgm:styleLbl>
+  <dgm:styleLbl name="parChTrans1D3">
+    <dgm:scene3d>
+      <a:camera prst="orthographicFront"/>
+      <a:lightRig rig="threePt" dir="t"/>
+    </dgm:scene3d>
+    <dgm:sp3d/>
+    <dgm:txPr/>
+    <dgm:style>
+      <a:lnRef idx="2">
+        <a:scrgbClr r="0" g="0" b="0"/>
+      </a:lnRef>
+      <a:fillRef idx="0">
+        <a:scrgbClr r="0" g="0" b="0"/>
+      </a:fillRef>
+      <a:effectRef idx="0">
+        <a:scrgbClr r="0" g="0" b="0"/>
+      </a:effectRef>
+      <a:fontRef idx="minor"/>
+    </dgm:style>
+  </dgm:styleLbl>
+  <dgm:styleLbl name="parChTrans1D4">
+    <dgm:scene3d>
+      <a:camera prst="orthographicFront"/>
+      <a:lightRig rig="threePt" dir="t"/>
+    </dgm:scene3d>
+    <dgm:sp3d/>
+    <dgm:txPr/>
+    <dgm:style>
+      <a:lnRef idx="2">
+        <a:scrgbClr r="0" g="0" b="0"/>
+      </a:lnRef>
+      <a:fillRef idx="0">
+        <a:scrgbClr r="0" g="0" b="0"/>
+      </a:fillRef>
+      <a:effectRef idx="0">
+        <a:scrgbClr r="0" g="0" b="0"/>
+      </a:effectRef>
+      <a:fontRef idx="minor"/>
+    </dgm:style>
+  </dgm:styleLbl>
+  <dgm:styleLbl name="fgAcc1">
+    <dgm:scene3d>
+      <a:camera prst="orthographicFront"/>
+      <a:lightRig rig="threePt" dir="t"/>
+    </dgm:scene3d>
+    <dgm:sp3d/>
+    <dgm:txPr/>
+    <dgm:style>
+      <a:lnRef idx="2">
+        <a:scrgbClr r="0" g="0" b="0"/>
+      </a:lnRef>
+      <a:fillRef idx="1">
+        <a:scrgbClr r="0" g="0" b="0"/>
+      </a:fillRef>
+      <a:effectRef idx="0">
+        <a:scrgbClr r="0" g="0" b="0"/>
+      </a:effectRef>
+      <a:fontRef idx="minor"/>
+    </dgm:style>
+  </dgm:styleLbl>
+  <dgm:styleLbl name="conFgAcc1">
+    <dgm:scene3d>
+      <a:camera prst="orthographicFront"/>
+      <a:lightRig rig="threePt" dir="t"/>
+    </dgm:scene3d>
+    <dgm:sp3d/>
+    <dgm:txPr/>
+    <dgm:style>
+      <a:lnRef idx="2">
+        <a:scrgbClr r="0" g="0" b="0"/>
+      </a:lnRef>
+      <a:fillRef idx="1">
+        <a:scrgbClr r="0" g="0" b="0"/>
+      </a:fillRef>
+      <a:effectRef idx="0">
+        <a:scrgbClr r="0" g="0" b="0"/>
+      </a:effectRef>
+      <a:fontRef idx="minor"/>
+    </dgm:style>
+  </dgm:styleLbl>
+  <dgm:styleLbl name="alignAcc1">
+    <dgm:scene3d>
+      <a:camera prst="orthographicFront"/>
+      <a:lightRig rig="threePt" dir="t"/>
+    </dgm:scene3d>
+    <dgm:sp3d/>
+    <dgm:txPr/>
+    <dgm:style>
+      <a:lnRef idx="2">
+        <a:scrgbClr r="0" g="0" b="0"/>
+      </a:lnRef>
+      <a:fillRef idx="1">
+        <a:scrgbClr r="0" g="0" b="0"/>
+      </a:fillRef>
+      <a:effectRef idx="0">
+        <a:scrgbClr r="0" g="0" b="0"/>
+      </a:effectRef>
+      <a:fontRef idx="minor"/>
+    </dgm:style>
+  </dgm:styleLbl>
+  <dgm:styleLbl name="trAlignAcc1">
+    <dgm:scene3d>
+      <a:camera prst="orthographicFront"/>
+      <a:lightRig rig="threePt" dir="t"/>
+    </dgm:scene3d>
+    <dgm:sp3d/>
+    <dgm:txPr/>
+    <dgm:style>
+      <a:lnRef idx="1">
+        <a:scrgbClr r="0" g="0" b="0"/>
+      </a:lnRef>
+      <a:fillRef idx="1">
+        <a:scrgbClr r="0" g="0" b="0"/>
+      </a:fillRef>
+      <a:effectRef idx="0">
+        <a:scrgbClr r="0" g="0" b="0"/>
+      </a:effectRef>
+      <a:fontRef idx="minor"/>
+    </dgm:style>
+  </dgm:styleLbl>
+  <dgm:styleLbl name="bgAcc1">
+    <dgm:scene3d>
+      <a:camera prst="orthographicFront"/>
+      <a:lightRig rig="threePt" dir="t"/>
+    </dgm:scene3d>
+    <dgm:sp3d/>
+    <dgm:txPr/>
+    <dgm:style>
+      <a:lnRef idx="2">
+        <a:scrgbClr r="0" g="0" b="0"/>
+      </a:lnRef>
+      <a:fillRef idx="1">
+        <a:scrgbClr r="0" g="0" b="0"/>
+      </a:fillRef>
+      <a:effectRef idx="0">
+        <a:scrgbClr r="0" g="0" b="0"/>
+      </a:effectRef>
+      <a:fontRef idx="minor"/>
+    </dgm:style>
+  </dgm:styleLbl>
+  <dgm:styleLbl name="solidFgAcc1">
+    <dgm:scene3d>
+      <a:camera prst="orthographicFront"/>
+      <a:lightRig rig="threePt" dir="t"/>
+    </dgm:scene3d>
+    <dgm:sp3d/>
+    <dgm:txPr/>
+    <dgm:style>
+      <a:lnRef idx="2">
+        <a:scrgbClr r="0" g="0" b="0"/>
+      </a:lnRef>
+      <a:fillRef idx="1">
+        <a:scrgbClr r="0" g="0" b="0"/>
+      </a:fillRef>
+      <a:effectRef idx="0">
+        <a:scrgbClr r="0" g="0" b="0"/>
+      </a:effectRef>
+      <a:fontRef idx="minor"/>
+    </dgm:style>
+  </dgm:styleLbl>
+  <dgm:styleLbl name="solidAlignAcc1">
+    <dgm:scene3d>
+      <a:camera prst="orthographicFront"/>
+      <a:lightRig rig="threePt" dir="t"/>
+    </dgm:scene3d>
+    <dgm:sp3d/>
+    <dgm:txPr/>
+    <dgm:style>
+      <a:lnRef idx="2">
+        <a:scrgbClr r="0" g="0" b="0"/>
+      </a:lnRef>
+      <a:fillRef idx="1">
+        <a:scrgbClr r="0" g="0" b="0"/>
+      </a:fillRef>
+      <a:effectRef idx="0">
+        <a:scrgbClr r="0" g="0" b="0"/>
+      </a:effectRef>
+      <a:fontRef idx="minor"/>
+    </dgm:style>
+  </dgm:styleLbl>
+  <dgm:styleLbl name="solidBgAcc1">
+    <dgm:scene3d>
+      <a:camera prst="orthographicFront"/>
+      <a:lightRig rig="threePt" dir="t"/>
+    </dgm:scene3d>
+    <dgm:sp3d/>
+    <dgm:txPr/>
+    <dgm:style>
+      <a:lnRef idx="2">
+        <a:scrgbClr r="0" g="0" b="0"/>
+      </a:lnRef>
+      <a:fillRef idx="1">
+        <a:scrgbClr r="0" g="0" b="0"/>
+      </a:fillRef>
+      <a:effectRef idx="0">
+        <a:scrgbClr r="0" g="0" b="0"/>
+      </a:effectRef>
+      <a:fontRef idx="minor"/>
+    </dgm:style>
+  </dgm:styleLbl>
+  <dgm:styleLbl name="fgAccFollowNode1">
+    <dgm:scene3d>
+      <a:camera prst="orthographicFront"/>
+      <a:lightRig rig="threePt" dir="t"/>
+    </dgm:scene3d>
+    <dgm:sp3d/>
+    <dgm:txPr/>
+    <dgm:style>
+      <a:lnRef idx="2">
+        <a:scrgbClr r="0" g="0" b="0"/>
+      </a:lnRef>
+      <a:fillRef idx="1">
+        <a:scrgbClr r="0" g="0" b="0"/>
+      </a:fillRef>
+      <a:effectRef idx="0">
+        <a:scrgbClr r="0" g="0" b="0"/>
+      </a:effectRef>
+      <a:fontRef idx="minor"/>
+    </dgm:style>
+  </dgm:styleLbl>
+  <dgm:styleLbl name="alignAccFollowNode1">
+    <dgm:scene3d>
+      <a:camera prst="orthographicFront"/>
+      <a:lightRig rig="threePt" dir="t"/>
+    </dgm:scene3d>
+    <dgm:sp3d/>
+    <dgm:txPr/>
+    <dgm:style>
+      <a:lnRef idx="2">
+        <a:scrgbClr r="0" g="0" b="0"/>
+      </a:lnRef>
+      <a:fillRef idx="1">
+        <a:scrgbClr r="0" g="0" b="0"/>
+      </a:fillRef>
+      <a:effectRef idx="0">
+        <a:scrgbClr r="0" g="0" b="0"/>
+      </a:effectRef>
+      <a:fontRef idx="minor"/>
+    </dgm:style>
+  </dgm:styleLbl>
+  <dgm:styleLbl name="bgAccFollowNode1">
+    <dgm:scene3d>
+      <a:camera prst="orthographicFront"/>
+      <a:lightRig rig="threePt" dir="t"/>
+    </dgm:scene3d>
+    <dgm:sp3d/>
+    <dgm:txPr/>
+    <dgm:style>
+      <a:lnRef idx="2">
+        <a:scrgbClr r="0" g="0" b="0"/>
+      </a:lnRef>
+      <a:fillRef idx="1">
+        <a:scrgbClr r="0" g="0" b="0"/>
+      </a:fillRef>
+      <a:effectRef idx="0">
+        <a:scrgbClr r="0" g="0" b="0"/>
+      </a:effectRef>
+      <a:fontRef idx="minor"/>
+    </dgm:style>
+  </dgm:styleLbl>
+  <dgm:styleLbl name="fgAcc0">
+    <dgm:scene3d>
+      <a:camera prst="orthographicFront"/>
+      <a:lightRig rig="threePt" dir="t"/>
+    </dgm:scene3d>
+    <dgm:sp3d/>
+    <dgm:txPr/>
+    <dgm:style>
+      <a:lnRef idx="2">
+        <a:scrgbClr r="0" g="0" b="0"/>
+      </a:lnRef>
+      <a:fillRef idx="1">
+        <a:scrgbClr r="0" g="0" b="0"/>
+      </a:fillRef>
+      <a:effectRef idx="0">
+        <a:scrgbClr r="0" g="0" b="0"/>
+      </a:effectRef>
+      <a:fontRef idx="minor"/>
+    </dgm:style>
+  </dgm:styleLbl>
+  <dgm:styleLbl name="fgAcc2">
+    <dgm:scene3d>
+      <a:camera prst="orthographicFront"/>
+      <a:lightRig rig="threePt" dir="t"/>
+    </dgm:scene3d>
+    <dgm:sp3d/>
+    <dgm:txPr/>
+    <dgm:style>
+      <a:lnRef idx="2">
+        <a:scrgbClr r="0" g="0" b="0"/>
+      </a:lnRef>
+      <a:fillRef idx="1">
+        <a:scrgbClr r="0" g="0" b="0"/>
+      </a:fillRef>
+      <a:effectRef idx="0">
+        <a:scrgbClr r="0" g="0" b="0"/>
+      </a:effectRef>
+      <a:fontRef idx="minor"/>
+    </dgm:style>
+  </dgm:styleLbl>
+  <dgm:styleLbl name="fgAcc3">
+    <dgm:scene3d>
+      <a:camera prst="orthographicFront"/>
+      <a:lightRig rig="threePt" dir="t"/>
+    </dgm:scene3d>
+    <dgm:sp3d/>
+    <dgm:txPr/>
+    <dgm:style>
+      <a:lnRef idx="2">
+        <a:scrgbClr r="0" g="0" b="0"/>
+      </a:lnRef>
+      <a:fillRef idx="1">
+        <a:scrgbClr r="0" g="0" b="0"/>
+      </a:fillRef>
+      <a:effectRef idx="0">
+        <a:scrgbClr r="0" g="0" b="0"/>
+      </a:effectRef>
+      <a:fontRef idx="minor"/>
+    </dgm:style>
+  </dgm:styleLbl>
+  <dgm:styleLbl name="fgAcc4">
+    <dgm:scene3d>
+      <a:camera prst="orthographicFront"/>
+      <a:lightRig rig="threePt" dir="t"/>
+    </dgm:scene3d>
+    <dgm:sp3d/>
+    <dgm:txPr/>
+    <dgm:style>
+      <a:lnRef idx="2">
+        <a:scrgbClr r="0" g="0" b="0"/>
+      </a:lnRef>
+      <a:fillRef idx="1">
+        <a:scrgbClr r="0" g="0" b="0"/>
+      </a:fillRef>
+      <a:effectRef idx="0">
+        <a:scrgbClr r="0" g="0" b="0"/>
+      </a:effectRef>
+      <a:fontRef idx="minor"/>
+    </dgm:style>
+  </dgm:styleLbl>
+  <dgm:styleLbl name="bgShp">
+    <dgm:scene3d>
+      <a:camera prst="orthographicFront"/>
+      <a:lightRig rig="threePt" dir="t"/>
+    </dgm:scene3d>
+    <dgm:sp3d/>
+    <dgm:txPr/>
+    <dgm:style>
+      <a:lnRef idx="0">
+        <a:scrgbClr r="0" g="0" b="0"/>
+      </a:lnRef>
+      <a:fillRef idx="1">
+        <a:scrgbClr r="0" g="0" b="0"/>
+      </a:fillRef>
+      <a:effectRef idx="0">
+        <a:scrgbClr r="0" g="0" b="0"/>
+      </a:effectRef>
+      <a:fontRef idx="minor"/>
+    </dgm:style>
+  </dgm:styleLbl>
+  <dgm:styleLbl name="dkBgShp">
+    <dgm:scene3d>
+      <a:camera prst="orthographicFront"/>
+      <a:lightRig rig="threePt" dir="t"/>
+    </dgm:scene3d>
+    <dgm:sp3d/>
+    <dgm:txPr/>
+    <dgm:style>
+      <a:lnRef idx="0">
+        <a:scrgbClr r="0" g="0" b="0"/>
+      </a:lnRef>
+      <a:fillRef idx="1">
+        <a:scrgbClr r="0" g="0" b="0"/>
+      </a:fillRef>
+      <a:effectRef idx="0">
+        <a:scrgbClr r="0" g="0" b="0"/>
+      </a:effectRef>
+      <a:fontRef idx="minor"/>
+    </dgm:style>
+  </dgm:styleLbl>
+  <dgm:styleLbl name="trBgShp">
+    <dgm:scene3d>
+      <a:camera prst="orthographicFront"/>
+      <a:lightRig rig="threePt" dir="t"/>
+    </dgm:scene3d>
+    <dgm:sp3d/>
+    <dgm:txPr/>
+    <dgm:style>
+      <a:lnRef idx="0">
+        <a:scrgbClr r="0" g="0" b="0"/>
+      </a:lnRef>
+      <a:fillRef idx="1">
+        <a:scrgbClr r="0" g="0" b="0"/>
+      </a:fillRef>
+      <a:effectRef idx="0">
+        <a:scrgbClr r="0" g="0" b="0"/>
+      </a:effectRef>
+      <a:fontRef idx="minor"/>
+    </dgm:style>
+  </dgm:styleLbl>
+  <dgm:styleLbl name="fgShp">
+    <dgm:scene3d>
+      <a:camera prst="orthographicFront"/>
+      <a:lightRig rig="threePt" dir="t"/>
+    </dgm:scene3d>
+    <dgm:sp3d/>
+    <dgm:txPr/>
+    <dgm:style>
+      <a:lnRef idx="2">
+        <a:scrgbClr r="0" g="0" b="0"/>
+      </a:lnRef>
+      <a:fillRef idx="1">
+        <a:scrgbClr r="0" g="0" b="0"/>
+      </a:fillRef>
+      <a:effectRef idx="0">
+        <a:scrgbClr r="0" g="0" b="0"/>
+      </a:effectRef>
+      <a:fontRef idx="minor"/>
+    </dgm:style>
+  </dgm:styleLbl>
+  <dgm:styleLbl name="revTx">
+    <dgm:scene3d>
+      <a:camera prst="orthographicFront"/>
+      <a:lightRig rig="threePt" dir="t"/>
+    </dgm:scene3d>
+    <dgm:sp3d/>
+    <dgm:txPr/>
+    <dgm:style>
+      <a:lnRef idx="0">
+        <a:scrgbClr r="0" g="0" b="0"/>
+      </a:lnRef>
+      <a:fillRef idx="0">
+        <a:scrgbClr r="0" g="0" b="0"/>
+      </a:fillRef>
+      <a:effectRef idx="0">
+        <a:scrgbClr r="0" g="0" b="0"/>
+      </a:effectRef>
+      <a:fontRef idx="minor"/>
+    </dgm:style>
+  </dgm:styleLbl>
+</dgm:styleDef>
+</file>
+
 <file path=ppt/handoutMasters/handoutMaster1.xml><?xml version="1.0" encoding="utf-8"?>
 <p:handoutMaster xmlns:a="http://schemas.openxmlformats.org/drawingml/2006/main" xmlns:r="http://schemas.openxmlformats.org/officeDocument/2006/relationships" xmlns:p="http://schemas.openxmlformats.org/presentationml/2006/main">
   <p:cSld>
@@ -19939,7 +23301,7 @@
           <a:p>
             <a:fld id="{C6AC6211-610F-44E5-BF19-D3CDF6EDD281}" type="datetimeFigureOut">
               <a:rPr lang="de-DE" smtClean="0"/>
-              <a:t>25.11.2019</a:t>
+              <a:t>26.11.2019</a:t>
             </a:fld>
             <a:endParaRPr lang="de-DE"/>
           </a:p>
@@ -20105,7 +23467,7 @@
           <a:p>
             <a:fld id="{347435D3-23A6-45D3-8DFA-7317DC1E7A64}" type="datetimeFigureOut">
               <a:rPr lang="de-DE" smtClean="0"/>
-              <a:t>25.11.2019</a:t>
+              <a:t>26.11.2019</a:t>
             </a:fld>
             <a:endParaRPr lang="de-DE"/>
           </a:p>
@@ -23982,60 +27344,34 @@
           </a:p>
         </p:txBody>
       </p:sp>
-      <p:sp>
-        <p:nvSpPr>
-          <p:cNvPr id="3" name="Inhaltsplatzhalter 2">
+      <p:graphicFrame>
+        <p:nvGraphicFramePr>
+          <p:cNvPr id="7" name="Diagramm 6">
             <a:extLst>
               <a:ext uri="{FF2B5EF4-FFF2-40B4-BE49-F238E27FC236}">
-                <a16:creationId xmlns:a16="http://schemas.microsoft.com/office/drawing/2014/main" id="{17E5DF30-860B-4ACE-9256-2F43CEE60234}"/>
+                <a16:creationId xmlns:a16="http://schemas.microsoft.com/office/drawing/2014/main" id="{205A3D5C-60CE-446B-A777-4D47065D1A18}"/>
               </a:ext>
             </a:extLst>
           </p:cNvPr>
-          <p:cNvSpPr>
-            <a:spLocks noGrp="1"/>
-          </p:cNvSpPr>
+          <p:cNvGraphicFramePr/>
           <p:nvPr>
-            <p:ph sz="quarter" idx="10"/>
+            <p:extLst>
+              <p:ext uri="{D42A27DB-BD31-4B8C-83A1-F6EECF244321}">
+                <p14:modId xmlns:p14="http://schemas.microsoft.com/office/powerpoint/2010/main" val="1595491829"/>
+              </p:ext>
+            </p:extLst>
           </p:nvPr>
-        </p:nvSpPr>
-        <p:spPr/>
-        <p:txBody>
-          <a:bodyPr/>
-          <a:lstStyle/>
-          <a:p>
-            <a:r>
-              <a:rPr lang="de-DE" dirty="0"/>
-              <a:t>Einsatz mit </a:t>
-            </a:r>
-            <a:r>
-              <a:rPr lang="de-DE" dirty="0" err="1"/>
-              <a:t>Loomo</a:t>
-            </a:r>
-            <a:endParaRPr lang="de-DE" dirty="0"/>
-          </a:p>
-          <a:p>
-            <a:r>
-              <a:rPr lang="de-DE" dirty="0"/>
-              <a:t>Besonderheiten der Umsetzung mit Mycroft</a:t>
-            </a:r>
-          </a:p>
-          <a:p>
-            <a:r>
-              <a:rPr lang="de-DE" dirty="0"/>
-              <a:t>Welche Funktionen sind Teil?</a:t>
-            </a:r>
-          </a:p>
-          <a:p>
-            <a:r>
-              <a:rPr lang="de-DE" dirty="0"/>
-              <a:t>Wie gut wurden Anforderungen erfüllt?</a:t>
-            </a:r>
-          </a:p>
-          <a:p>
-            <a:endParaRPr lang="de-DE" dirty="0"/>
-          </a:p>
-        </p:txBody>
-      </p:sp>
+        </p:nvGraphicFramePr>
+        <p:xfrm>
+          <a:off x="2721542" y="783771"/>
+          <a:ext cx="7086487" cy="5290457"/>
+        </p:xfrm>
+        <a:graphic>
+          <a:graphicData uri="http://schemas.openxmlformats.org/drawingml/2006/diagram">
+            <dgm:relIds xmlns:dgm="http://schemas.openxmlformats.org/drawingml/2006/diagram" xmlns:r="http://schemas.openxmlformats.org/officeDocument/2006/relationships" r:dm="rId2" r:lo="rId3" r:qs="rId4" r:cs="rId5"/>
+          </a:graphicData>
+        </a:graphic>
+      </p:graphicFrame>
     </p:spTree>
     <p:extLst>
       <p:ext uri="{BB962C8B-B14F-4D97-AF65-F5344CB8AC3E}">
@@ -24125,6 +27461,18 @@
               <a:rPr lang="de-DE" dirty="0"/>
               <a:t>Und welche werden aus welchen Gründen nichterfüllt?</a:t>
             </a:r>
+          </a:p>
+          <a:p>
+            <a:endParaRPr lang="de-DE" dirty="0"/>
+          </a:p>
+          <a:p>
+            <a:r>
+              <a:rPr lang="de-DE" dirty="0"/>
+              <a:t>Alle Muss Kriterien erfüllt, auch alle bis auf zwei Kann Kriterien</a:t>
+            </a:r>
+          </a:p>
+          <a:p>
+            <a:endParaRPr lang="de-DE" dirty="0"/>
           </a:p>
         </p:txBody>
       </p:sp>
@@ -24623,31 +27971,31 @@
           <a:p>
             <a:r>
               <a:rPr lang="de-DE" sz="2000" dirty="0"/>
-              <a:t>4. Grundlagen des Einsatzes von Assistenzrobotern</a:t>
+              <a:t>4. Assistenzroboter</a:t>
             </a:r>
           </a:p>
           <a:p>
             <a:r>
               <a:rPr lang="de-DE" sz="2000" dirty="0"/>
-              <a:t>5. Funktionsweise von Mycroft AI</a:t>
+              <a:t>5. Mögliche Sprachassistenten</a:t>
             </a:r>
           </a:p>
           <a:p>
             <a:r>
               <a:rPr lang="de-DE" sz="2000" dirty="0"/>
-              <a:t>6. Konzept für gemeinsamen Einsatz von Sprachassistenten und Assistenzrobotern</a:t>
+              <a:t>6. Konzept</a:t>
             </a:r>
           </a:p>
           <a:p>
             <a:r>
               <a:rPr lang="de-DE" sz="2000" dirty="0"/>
-              <a:t>7. Prototypische Umsetzung des Konzepts</a:t>
+              <a:t>7. Prototyp</a:t>
             </a:r>
           </a:p>
           <a:p>
             <a:r>
               <a:rPr lang="de-DE" sz="2000" dirty="0"/>
-              <a:t>6. Evaluation des Konzepts</a:t>
+              <a:t>6. Evaluation</a:t>
             </a:r>
           </a:p>
           <a:p>
@@ -25321,10 +28669,10 @@
       </p:sp>
       <p:pic>
         <p:nvPicPr>
-          <p:cNvPr id="5" name="Inhaltsplatzhalter 4">
+          <p:cNvPr id="7" name="Inhaltsplatzhalter 6">
             <a:extLst>
               <a:ext uri="{FF2B5EF4-FFF2-40B4-BE49-F238E27FC236}">
-                <a16:creationId xmlns:a16="http://schemas.microsoft.com/office/drawing/2014/main" id="{72964D15-F361-4C99-A98C-805188DDFF8B}"/>
+                <a16:creationId xmlns:a16="http://schemas.microsoft.com/office/drawing/2014/main" id="{1FF713CF-15CA-4393-BA40-6985D258C5AB}"/>
               </a:ext>
             </a:extLst>
           </p:cNvPr>
@@ -25349,8 +28697,8 @@
         </p:blipFill>
         <p:spPr>
           <a:xfrm>
-            <a:off x="1226344" y="837423"/>
-            <a:ext cx="9739311" cy="5183153"/>
+            <a:off x="1295337" y="877660"/>
+            <a:ext cx="9954406" cy="5102679"/>
           </a:xfrm>
         </p:spPr>
       </p:pic>

--- a/verteidigung/verteidigung.pptx
+++ b/verteidigung/verteidigung.pptx
@@ -5,10 +5,10 @@
     <p:sldMasterId id="2147483891" r:id="rId1"/>
   </p:sldMasterIdLst>
   <p:notesMasterIdLst>
-    <p:notesMasterId r:id="rId25"/>
+    <p:notesMasterId r:id="rId24"/>
   </p:notesMasterIdLst>
   <p:handoutMasterIdLst>
-    <p:handoutMasterId r:id="rId26"/>
+    <p:handoutMasterId r:id="rId25"/>
   </p:handoutMasterIdLst>
   <p:sldIdLst>
     <p:sldId id="256" r:id="rId2"/>
@@ -25,32 +25,31 @@
     <p:sldId id="283" r:id="rId13"/>
     <p:sldId id="287" r:id="rId14"/>
     <p:sldId id="274" r:id="rId15"/>
-    <p:sldId id="284" r:id="rId16"/>
-    <p:sldId id="285" r:id="rId17"/>
-    <p:sldId id="286" r:id="rId18"/>
-    <p:sldId id="276" r:id="rId19"/>
-    <p:sldId id="277" r:id="rId20"/>
-    <p:sldId id="290" r:id="rId21"/>
-    <p:sldId id="291" r:id="rId22"/>
-    <p:sldId id="288" r:id="rId23"/>
-    <p:sldId id="289" r:id="rId24"/>
+    <p:sldId id="285" r:id="rId16"/>
+    <p:sldId id="292" r:id="rId17"/>
+    <p:sldId id="276" r:id="rId18"/>
+    <p:sldId id="277" r:id="rId19"/>
+    <p:sldId id="290" r:id="rId20"/>
+    <p:sldId id="291" r:id="rId21"/>
+    <p:sldId id="288" r:id="rId22"/>
+    <p:sldId id="289" r:id="rId23"/>
   </p:sldIdLst>
   <p:sldSz cx="12192000" cy="6858000"/>
   <p:notesSz cx="6858000" cy="9144000"/>
   <p:embeddedFontLst>
     <p:embeddedFont>
       <p:font typeface="Calibri" panose="020F0502020204030204" pitchFamily="34" charset="0"/>
-      <p:regular r:id="rId27"/>
-      <p:bold r:id="rId28"/>
-      <p:italic r:id="rId29"/>
-      <p:boldItalic r:id="rId30"/>
+      <p:regular r:id="rId26"/>
+      <p:bold r:id="rId27"/>
+      <p:italic r:id="rId28"/>
+      <p:boldItalic r:id="rId29"/>
     </p:embeddedFont>
     <p:embeddedFont>
       <p:font typeface="Open Sans" panose="020B0604020202020204" charset="0"/>
-      <p:regular r:id="rId31"/>
-      <p:bold r:id="rId32"/>
-      <p:italic r:id="rId33"/>
-      <p:boldItalic r:id="rId34"/>
+      <p:regular r:id="rId30"/>
+      <p:bold r:id="rId31"/>
+      <p:italic r:id="rId32"/>
+      <p:boldItalic r:id="rId33"/>
     </p:embeddedFont>
   </p:embeddedFontLst>
   <p:defaultTextStyle>
@@ -167,9 +166,8 @@
             <p14:sldId id="283"/>
             <p14:sldId id="287"/>
             <p14:sldId id="274"/>
-            <p14:sldId id="284"/>
             <p14:sldId id="285"/>
-            <p14:sldId id="286"/>
+            <p14:sldId id="292"/>
             <p14:sldId id="276"/>
             <p14:sldId id="277"/>
             <p14:sldId id="290"/>
@@ -196,7 +194,7 @@
       </p:ext>
     </p:extLst>
   </p:cmAuthor>
-  <p:cmAuthor id="2" name="Martin" initials="M" lastIdx="9" clrIdx="1">
+  <p:cmAuthor id="2" name="Martin" initials="M" lastIdx="11" clrIdx="1">
     <p:extLst>
       <p:ext uri="{19B8F6BF-5375-455C-9EA6-DF929625EA0E}">
         <p15:presenceInfo xmlns:p15="http://schemas.microsoft.com/office/powerpoint/2012/main" userId="Martin" providerId="None"/>
@@ -207,20 +205,6 @@
 </file>
 
 <file path=ppt/comments/comment1.xml><?xml version="1.0" encoding="utf-8"?>
-<p:cmLst xmlns:a="http://schemas.openxmlformats.org/drawingml/2006/main" xmlns:r="http://schemas.openxmlformats.org/officeDocument/2006/relationships" xmlns:p="http://schemas.openxmlformats.org/presentationml/2006/main">
-  <p:cm authorId="2" dt="2019-11-26T11:59:31.539" idx="8">
-    <p:pos x="10" y="10"/>
-    <p:text>hier präziser -&gt; mehr auf die vorherige Folie (mit den Anforderungen) eingehen</p:text>
-    <p:extLst>
-      <p:ext uri="{C676402C-5697-4E1C-873F-D02D1690AC5C}">
-        <p15:threadingInfo xmlns:p15="http://schemas.microsoft.com/office/powerpoint/2012/main" timeZoneBias="-60"/>
-      </p:ext>
-    </p:extLst>
-  </p:cm>
-</p:cmLst>
-</file>
-
-<file path=ppt/comments/comment2.xml><?xml version="1.0" encoding="utf-8"?>
 <p:cmLst xmlns:a="http://schemas.openxmlformats.org/drawingml/2006/main" xmlns:r="http://schemas.openxmlformats.org/officeDocument/2006/relationships" xmlns:p="http://schemas.openxmlformats.org/presentationml/2006/main">
   <p:cm authorId="2" dt="2019-11-21T15:30:18.313" idx="5">
     <p:pos x="10" y="10"/>
@@ -981,6 +965,753 @@
 </dgm:colorsDef>
 </file>
 
+<file path=ppt/diagrams/colors10.xml><?xml version="1.0" encoding="utf-8"?>
+<dgm:colorsDef xmlns:dgm="http://schemas.openxmlformats.org/drawingml/2006/diagram" xmlns:a="http://schemas.openxmlformats.org/drawingml/2006/main" uniqueId="urn:microsoft.com/office/officeart/2005/8/colors/accent1_2">
+  <dgm:title val=""/>
+  <dgm:desc val=""/>
+  <dgm:catLst>
+    <dgm:cat type="accent1" pri="11200"/>
+  </dgm:catLst>
+  <dgm:styleLbl name="node0">
+    <dgm:fillClrLst meth="repeat">
+      <a:schemeClr val="accent1"/>
+    </dgm:fillClrLst>
+    <dgm:linClrLst meth="repeat">
+      <a:schemeClr val="lt1"/>
+    </dgm:linClrLst>
+    <dgm:effectClrLst/>
+    <dgm:txLinClrLst/>
+    <dgm:txFillClrLst/>
+    <dgm:txEffectClrLst/>
+  </dgm:styleLbl>
+  <dgm:styleLbl name="alignNode1">
+    <dgm:fillClrLst meth="repeat">
+      <a:schemeClr val="accent1"/>
+    </dgm:fillClrLst>
+    <dgm:linClrLst meth="repeat">
+      <a:schemeClr val="accent1"/>
+    </dgm:linClrLst>
+    <dgm:effectClrLst/>
+    <dgm:txLinClrLst/>
+    <dgm:txFillClrLst/>
+    <dgm:txEffectClrLst/>
+  </dgm:styleLbl>
+  <dgm:styleLbl name="node1">
+    <dgm:fillClrLst meth="repeat">
+      <a:schemeClr val="accent1"/>
+    </dgm:fillClrLst>
+    <dgm:linClrLst meth="repeat">
+      <a:schemeClr val="lt1"/>
+    </dgm:linClrLst>
+    <dgm:effectClrLst/>
+    <dgm:txLinClrLst/>
+    <dgm:txFillClrLst/>
+    <dgm:txEffectClrLst/>
+  </dgm:styleLbl>
+  <dgm:styleLbl name="lnNode1">
+    <dgm:fillClrLst meth="repeat">
+      <a:schemeClr val="accent1"/>
+    </dgm:fillClrLst>
+    <dgm:linClrLst meth="repeat">
+      <a:schemeClr val="lt1"/>
+    </dgm:linClrLst>
+    <dgm:effectClrLst/>
+    <dgm:txLinClrLst/>
+    <dgm:txFillClrLst/>
+    <dgm:txEffectClrLst/>
+  </dgm:styleLbl>
+  <dgm:styleLbl name="vennNode1">
+    <dgm:fillClrLst meth="repeat">
+      <a:schemeClr val="accent1">
+        <a:alpha val="50000"/>
+      </a:schemeClr>
+    </dgm:fillClrLst>
+    <dgm:linClrLst meth="repeat">
+      <a:schemeClr val="lt1"/>
+    </dgm:linClrLst>
+    <dgm:effectClrLst/>
+    <dgm:txLinClrLst/>
+    <dgm:txFillClrLst/>
+    <dgm:txEffectClrLst/>
+  </dgm:styleLbl>
+  <dgm:styleLbl name="node2">
+    <dgm:fillClrLst meth="repeat">
+      <a:schemeClr val="accent1"/>
+    </dgm:fillClrLst>
+    <dgm:linClrLst meth="repeat">
+      <a:schemeClr val="lt1"/>
+    </dgm:linClrLst>
+    <dgm:effectClrLst/>
+    <dgm:txLinClrLst/>
+    <dgm:txFillClrLst/>
+    <dgm:txEffectClrLst/>
+  </dgm:styleLbl>
+  <dgm:styleLbl name="node3">
+    <dgm:fillClrLst meth="repeat">
+      <a:schemeClr val="accent1"/>
+    </dgm:fillClrLst>
+    <dgm:linClrLst meth="repeat">
+      <a:schemeClr val="lt1"/>
+    </dgm:linClrLst>
+    <dgm:effectClrLst/>
+    <dgm:txLinClrLst/>
+    <dgm:txFillClrLst/>
+    <dgm:txEffectClrLst/>
+  </dgm:styleLbl>
+  <dgm:styleLbl name="node4">
+    <dgm:fillClrLst meth="repeat">
+      <a:schemeClr val="accent1"/>
+    </dgm:fillClrLst>
+    <dgm:linClrLst meth="repeat">
+      <a:schemeClr val="lt1"/>
+    </dgm:linClrLst>
+    <dgm:effectClrLst/>
+    <dgm:txLinClrLst/>
+    <dgm:txFillClrLst/>
+    <dgm:txEffectClrLst/>
+  </dgm:styleLbl>
+  <dgm:styleLbl name="fgImgPlace1">
+    <dgm:fillClrLst meth="repeat">
+      <a:schemeClr val="accent1">
+        <a:tint val="50000"/>
+      </a:schemeClr>
+    </dgm:fillClrLst>
+    <dgm:linClrLst meth="repeat">
+      <a:schemeClr val="lt1"/>
+    </dgm:linClrLst>
+    <dgm:effectClrLst/>
+    <dgm:txLinClrLst/>
+    <dgm:txFillClrLst meth="repeat">
+      <a:schemeClr val="lt1"/>
+    </dgm:txFillClrLst>
+    <dgm:txEffectClrLst/>
+  </dgm:styleLbl>
+  <dgm:styleLbl name="alignImgPlace1">
+    <dgm:fillClrLst meth="repeat">
+      <a:schemeClr val="accent1">
+        <a:tint val="50000"/>
+      </a:schemeClr>
+    </dgm:fillClrLst>
+    <dgm:linClrLst meth="repeat">
+      <a:schemeClr val="lt1"/>
+    </dgm:linClrLst>
+    <dgm:effectClrLst/>
+    <dgm:txLinClrLst/>
+    <dgm:txFillClrLst meth="repeat">
+      <a:schemeClr val="lt1"/>
+    </dgm:txFillClrLst>
+    <dgm:txEffectClrLst/>
+  </dgm:styleLbl>
+  <dgm:styleLbl name="bgImgPlace1">
+    <dgm:fillClrLst meth="repeat">
+      <a:schemeClr val="accent1">
+        <a:tint val="50000"/>
+      </a:schemeClr>
+    </dgm:fillClrLst>
+    <dgm:linClrLst meth="repeat">
+      <a:schemeClr val="lt1"/>
+    </dgm:linClrLst>
+    <dgm:effectClrLst/>
+    <dgm:txLinClrLst/>
+    <dgm:txFillClrLst meth="repeat">
+      <a:schemeClr val="lt1"/>
+    </dgm:txFillClrLst>
+    <dgm:txEffectClrLst/>
+  </dgm:styleLbl>
+  <dgm:styleLbl name="sibTrans2D1">
+    <dgm:fillClrLst meth="repeat">
+      <a:schemeClr val="accent1">
+        <a:tint val="60000"/>
+      </a:schemeClr>
+    </dgm:fillClrLst>
+    <dgm:linClrLst meth="repeat">
+      <a:schemeClr val="accent1">
+        <a:tint val="60000"/>
+      </a:schemeClr>
+    </dgm:linClrLst>
+    <dgm:effectClrLst/>
+    <dgm:txLinClrLst/>
+    <dgm:txFillClrLst/>
+    <dgm:txEffectClrLst/>
+  </dgm:styleLbl>
+  <dgm:styleLbl name="fgSibTrans2D1">
+    <dgm:fillClrLst meth="repeat">
+      <a:schemeClr val="accent1">
+        <a:tint val="60000"/>
+      </a:schemeClr>
+    </dgm:fillClrLst>
+    <dgm:linClrLst meth="repeat">
+      <a:schemeClr val="accent1">
+        <a:tint val="60000"/>
+      </a:schemeClr>
+    </dgm:linClrLst>
+    <dgm:effectClrLst/>
+    <dgm:txLinClrLst/>
+    <dgm:txFillClrLst/>
+    <dgm:txEffectClrLst/>
+  </dgm:styleLbl>
+  <dgm:styleLbl name="bgSibTrans2D1">
+    <dgm:fillClrLst meth="repeat">
+      <a:schemeClr val="accent1">
+        <a:tint val="60000"/>
+      </a:schemeClr>
+    </dgm:fillClrLst>
+    <dgm:linClrLst meth="repeat">
+      <a:schemeClr val="accent1">
+        <a:tint val="60000"/>
+      </a:schemeClr>
+    </dgm:linClrLst>
+    <dgm:effectClrLst/>
+    <dgm:txLinClrLst/>
+    <dgm:txFillClrLst/>
+    <dgm:txEffectClrLst/>
+  </dgm:styleLbl>
+  <dgm:styleLbl name="sibTrans1D1">
+    <dgm:fillClrLst meth="repeat">
+      <a:schemeClr val="accent1"/>
+    </dgm:fillClrLst>
+    <dgm:linClrLst meth="repeat">
+      <a:schemeClr val="accent1"/>
+    </dgm:linClrLst>
+    <dgm:effectClrLst/>
+    <dgm:txLinClrLst/>
+    <dgm:txFillClrLst meth="repeat">
+      <a:schemeClr val="tx1"/>
+    </dgm:txFillClrLst>
+    <dgm:txEffectClrLst/>
+  </dgm:styleLbl>
+  <dgm:styleLbl name="callout">
+    <dgm:fillClrLst meth="repeat">
+      <a:schemeClr val="accent1"/>
+    </dgm:fillClrLst>
+    <dgm:linClrLst meth="repeat">
+      <a:schemeClr val="accent1">
+        <a:tint val="50000"/>
+      </a:schemeClr>
+    </dgm:linClrLst>
+    <dgm:effectClrLst/>
+    <dgm:txLinClrLst/>
+    <dgm:txFillClrLst meth="repeat">
+      <a:schemeClr val="tx1"/>
+    </dgm:txFillClrLst>
+    <dgm:txEffectClrLst/>
+  </dgm:styleLbl>
+  <dgm:styleLbl name="asst0">
+    <dgm:fillClrLst meth="repeat">
+      <a:schemeClr val="accent1"/>
+    </dgm:fillClrLst>
+    <dgm:linClrLst meth="repeat">
+      <a:schemeClr val="lt1"/>
+    </dgm:linClrLst>
+    <dgm:effectClrLst/>
+    <dgm:txLinClrLst/>
+    <dgm:txFillClrLst/>
+    <dgm:txEffectClrLst/>
+  </dgm:styleLbl>
+  <dgm:styleLbl name="asst1">
+    <dgm:fillClrLst meth="repeat">
+      <a:schemeClr val="accent1"/>
+    </dgm:fillClrLst>
+    <dgm:linClrLst meth="repeat">
+      <a:schemeClr val="lt1"/>
+    </dgm:linClrLst>
+    <dgm:effectClrLst/>
+    <dgm:txLinClrLst/>
+    <dgm:txFillClrLst/>
+    <dgm:txEffectClrLst/>
+  </dgm:styleLbl>
+  <dgm:styleLbl name="asst2">
+    <dgm:fillClrLst meth="repeat">
+      <a:schemeClr val="accent1"/>
+    </dgm:fillClrLst>
+    <dgm:linClrLst meth="repeat">
+      <a:schemeClr val="lt1"/>
+    </dgm:linClrLst>
+    <dgm:effectClrLst/>
+    <dgm:txLinClrLst/>
+    <dgm:txFillClrLst/>
+    <dgm:txEffectClrLst/>
+  </dgm:styleLbl>
+  <dgm:styleLbl name="asst3">
+    <dgm:fillClrLst meth="repeat">
+      <a:schemeClr val="accent1"/>
+    </dgm:fillClrLst>
+    <dgm:linClrLst meth="repeat">
+      <a:schemeClr val="lt1"/>
+    </dgm:linClrLst>
+    <dgm:effectClrLst/>
+    <dgm:txLinClrLst/>
+    <dgm:txFillClrLst/>
+    <dgm:txEffectClrLst/>
+  </dgm:styleLbl>
+  <dgm:styleLbl name="asst4">
+    <dgm:fillClrLst meth="repeat">
+      <a:schemeClr val="accent1"/>
+    </dgm:fillClrLst>
+    <dgm:linClrLst meth="repeat">
+      <a:schemeClr val="lt1"/>
+    </dgm:linClrLst>
+    <dgm:effectClrLst/>
+    <dgm:txLinClrLst/>
+    <dgm:txFillClrLst/>
+    <dgm:txEffectClrLst/>
+  </dgm:styleLbl>
+  <dgm:styleLbl name="parChTrans2D1">
+    <dgm:fillClrLst meth="repeat">
+      <a:schemeClr val="accent1">
+        <a:tint val="60000"/>
+      </a:schemeClr>
+    </dgm:fillClrLst>
+    <dgm:linClrLst meth="repeat">
+      <a:schemeClr val="accent1">
+        <a:tint val="60000"/>
+      </a:schemeClr>
+    </dgm:linClrLst>
+    <dgm:effectClrLst/>
+    <dgm:txLinClrLst/>
+    <dgm:txFillClrLst meth="repeat">
+      <a:schemeClr val="lt1"/>
+    </dgm:txFillClrLst>
+    <dgm:txEffectClrLst/>
+  </dgm:styleLbl>
+  <dgm:styleLbl name="parChTrans2D2">
+    <dgm:fillClrLst meth="repeat">
+      <a:schemeClr val="accent1"/>
+    </dgm:fillClrLst>
+    <dgm:linClrLst meth="repeat">
+      <a:schemeClr val="accent1"/>
+    </dgm:linClrLst>
+    <dgm:effectClrLst/>
+    <dgm:txLinClrLst/>
+    <dgm:txFillClrLst meth="repeat">
+      <a:schemeClr val="lt1"/>
+    </dgm:txFillClrLst>
+    <dgm:txEffectClrLst/>
+  </dgm:styleLbl>
+  <dgm:styleLbl name="parChTrans2D3">
+    <dgm:fillClrLst meth="repeat">
+      <a:schemeClr val="accent1"/>
+    </dgm:fillClrLst>
+    <dgm:linClrLst meth="repeat">
+      <a:schemeClr val="accent1"/>
+    </dgm:linClrLst>
+    <dgm:effectClrLst/>
+    <dgm:txLinClrLst/>
+    <dgm:txFillClrLst meth="repeat">
+      <a:schemeClr val="lt1"/>
+    </dgm:txFillClrLst>
+    <dgm:txEffectClrLst/>
+  </dgm:styleLbl>
+  <dgm:styleLbl name="parChTrans2D4">
+    <dgm:fillClrLst meth="repeat">
+      <a:schemeClr val="accent1"/>
+    </dgm:fillClrLst>
+    <dgm:linClrLst meth="repeat">
+      <a:schemeClr val="accent1"/>
+    </dgm:linClrLst>
+    <dgm:effectClrLst/>
+    <dgm:txLinClrLst/>
+    <dgm:txFillClrLst meth="repeat">
+      <a:schemeClr val="lt1"/>
+    </dgm:txFillClrLst>
+    <dgm:txEffectClrLst/>
+  </dgm:styleLbl>
+  <dgm:styleLbl name="parChTrans1D1">
+    <dgm:fillClrLst meth="repeat">
+      <a:schemeClr val="accent1"/>
+    </dgm:fillClrLst>
+    <dgm:linClrLst meth="repeat">
+      <a:schemeClr val="accent1">
+        <a:shade val="60000"/>
+      </a:schemeClr>
+    </dgm:linClrLst>
+    <dgm:effectClrLst/>
+    <dgm:txLinClrLst/>
+    <dgm:txFillClrLst meth="repeat">
+      <a:schemeClr val="tx1"/>
+    </dgm:txFillClrLst>
+    <dgm:txEffectClrLst/>
+  </dgm:styleLbl>
+  <dgm:styleLbl name="parChTrans1D2">
+    <dgm:fillClrLst meth="repeat">
+      <a:schemeClr val="accent1"/>
+    </dgm:fillClrLst>
+    <dgm:linClrLst meth="repeat">
+      <a:schemeClr val="accent1">
+        <a:shade val="60000"/>
+      </a:schemeClr>
+    </dgm:linClrLst>
+    <dgm:effectClrLst/>
+    <dgm:txLinClrLst/>
+    <dgm:txFillClrLst meth="repeat">
+      <a:schemeClr val="tx1"/>
+    </dgm:txFillClrLst>
+    <dgm:txEffectClrLst/>
+  </dgm:styleLbl>
+  <dgm:styleLbl name="parChTrans1D3">
+    <dgm:fillClrLst meth="repeat">
+      <a:schemeClr val="accent1"/>
+    </dgm:fillClrLst>
+    <dgm:linClrLst meth="repeat">
+      <a:schemeClr val="accent1">
+        <a:shade val="80000"/>
+      </a:schemeClr>
+    </dgm:linClrLst>
+    <dgm:effectClrLst/>
+    <dgm:txLinClrLst/>
+    <dgm:txFillClrLst meth="repeat">
+      <a:schemeClr val="tx1"/>
+    </dgm:txFillClrLst>
+    <dgm:txEffectClrLst/>
+  </dgm:styleLbl>
+  <dgm:styleLbl name="parChTrans1D4">
+    <dgm:fillClrLst meth="repeat">
+      <a:schemeClr val="accent1"/>
+    </dgm:fillClrLst>
+    <dgm:linClrLst meth="repeat">
+      <a:schemeClr val="accent1">
+        <a:shade val="80000"/>
+      </a:schemeClr>
+    </dgm:linClrLst>
+    <dgm:effectClrLst/>
+    <dgm:txLinClrLst/>
+    <dgm:txFillClrLst meth="repeat">
+      <a:schemeClr val="tx1"/>
+    </dgm:txFillClrLst>
+    <dgm:txEffectClrLst/>
+  </dgm:styleLbl>
+  <dgm:styleLbl name="fgAcc1">
+    <dgm:fillClrLst meth="repeat">
+      <a:schemeClr val="lt1">
+        <a:alpha val="90000"/>
+      </a:schemeClr>
+    </dgm:fillClrLst>
+    <dgm:linClrLst meth="repeat">
+      <a:schemeClr val="accent1"/>
+    </dgm:linClrLst>
+    <dgm:effectClrLst/>
+    <dgm:txLinClrLst/>
+    <dgm:txFillClrLst meth="repeat">
+      <a:schemeClr val="dk1"/>
+    </dgm:txFillClrLst>
+    <dgm:txEffectClrLst/>
+  </dgm:styleLbl>
+  <dgm:styleLbl name="conFgAcc1">
+    <dgm:fillClrLst meth="repeat">
+      <a:schemeClr val="lt1">
+        <a:alpha val="90000"/>
+      </a:schemeClr>
+    </dgm:fillClrLst>
+    <dgm:linClrLst meth="repeat">
+      <a:schemeClr val="accent1"/>
+    </dgm:linClrLst>
+    <dgm:effectClrLst/>
+    <dgm:txLinClrLst/>
+    <dgm:txFillClrLst meth="repeat">
+      <a:schemeClr val="dk1"/>
+    </dgm:txFillClrLst>
+    <dgm:txEffectClrLst/>
+  </dgm:styleLbl>
+  <dgm:styleLbl name="alignAcc1">
+    <dgm:fillClrLst meth="repeat">
+      <a:schemeClr val="lt1">
+        <a:alpha val="90000"/>
+      </a:schemeClr>
+    </dgm:fillClrLst>
+    <dgm:linClrLst meth="repeat">
+      <a:schemeClr val="accent1"/>
+    </dgm:linClrLst>
+    <dgm:effectClrLst/>
+    <dgm:txLinClrLst/>
+    <dgm:txFillClrLst meth="repeat">
+      <a:schemeClr val="dk1"/>
+    </dgm:txFillClrLst>
+    <dgm:txEffectClrLst/>
+  </dgm:styleLbl>
+  <dgm:styleLbl name="trAlignAcc1">
+    <dgm:fillClrLst meth="repeat">
+      <a:schemeClr val="lt1">
+        <a:alpha val="40000"/>
+      </a:schemeClr>
+    </dgm:fillClrLst>
+    <dgm:linClrLst meth="repeat">
+      <a:schemeClr val="accent1"/>
+    </dgm:linClrLst>
+    <dgm:effectClrLst/>
+    <dgm:txLinClrLst/>
+    <dgm:txFillClrLst meth="repeat">
+      <a:schemeClr val="dk1"/>
+    </dgm:txFillClrLst>
+    <dgm:txEffectClrLst/>
+  </dgm:styleLbl>
+  <dgm:styleLbl name="bgAcc1">
+    <dgm:fillClrLst meth="repeat">
+      <a:schemeClr val="lt1">
+        <a:alpha val="90000"/>
+      </a:schemeClr>
+    </dgm:fillClrLst>
+    <dgm:linClrLst meth="repeat">
+      <a:schemeClr val="accent1"/>
+    </dgm:linClrLst>
+    <dgm:effectClrLst/>
+    <dgm:txLinClrLst/>
+    <dgm:txFillClrLst meth="repeat">
+      <a:schemeClr val="dk1"/>
+    </dgm:txFillClrLst>
+    <dgm:txEffectClrLst/>
+  </dgm:styleLbl>
+  <dgm:styleLbl name="solidFgAcc1">
+    <dgm:fillClrLst meth="repeat">
+      <a:schemeClr val="lt1"/>
+    </dgm:fillClrLst>
+    <dgm:linClrLst meth="repeat">
+      <a:schemeClr val="accent1"/>
+    </dgm:linClrLst>
+    <dgm:effectClrLst/>
+    <dgm:txLinClrLst/>
+    <dgm:txFillClrLst meth="repeat">
+      <a:schemeClr val="dk1"/>
+    </dgm:txFillClrLst>
+    <dgm:txEffectClrLst/>
+  </dgm:styleLbl>
+  <dgm:styleLbl name="solidAlignAcc1">
+    <dgm:fillClrLst meth="repeat">
+      <a:schemeClr val="lt1"/>
+    </dgm:fillClrLst>
+    <dgm:linClrLst meth="repeat">
+      <a:schemeClr val="accent1"/>
+    </dgm:linClrLst>
+    <dgm:effectClrLst/>
+    <dgm:txLinClrLst/>
+    <dgm:txFillClrLst meth="repeat">
+      <a:schemeClr val="dk1"/>
+    </dgm:txFillClrLst>
+    <dgm:txEffectClrLst/>
+  </dgm:styleLbl>
+  <dgm:styleLbl name="solidBgAcc1">
+    <dgm:fillClrLst meth="repeat">
+      <a:schemeClr val="lt1"/>
+    </dgm:fillClrLst>
+    <dgm:linClrLst meth="repeat">
+      <a:schemeClr val="accent1"/>
+    </dgm:linClrLst>
+    <dgm:effectClrLst/>
+    <dgm:txLinClrLst/>
+    <dgm:txFillClrLst meth="repeat">
+      <a:schemeClr val="dk1"/>
+    </dgm:txFillClrLst>
+    <dgm:txEffectClrLst/>
+  </dgm:styleLbl>
+  <dgm:styleLbl name="fgAccFollowNode1">
+    <dgm:fillClrLst meth="repeat">
+      <a:schemeClr val="accent1">
+        <a:alpha val="90000"/>
+        <a:tint val="40000"/>
+      </a:schemeClr>
+    </dgm:fillClrLst>
+    <dgm:linClrLst meth="repeat">
+      <a:schemeClr val="accent1">
+        <a:alpha val="90000"/>
+        <a:tint val="40000"/>
+      </a:schemeClr>
+    </dgm:linClrLst>
+    <dgm:effectClrLst/>
+    <dgm:txLinClrLst/>
+    <dgm:txFillClrLst meth="repeat">
+      <a:schemeClr val="dk1"/>
+    </dgm:txFillClrLst>
+    <dgm:txEffectClrLst/>
+  </dgm:styleLbl>
+  <dgm:styleLbl name="alignAccFollowNode1">
+    <dgm:fillClrLst meth="repeat">
+      <a:schemeClr val="accent1">
+        <a:alpha val="90000"/>
+        <a:tint val="40000"/>
+      </a:schemeClr>
+    </dgm:fillClrLst>
+    <dgm:linClrLst meth="repeat">
+      <a:schemeClr val="accent1">
+        <a:alpha val="90000"/>
+        <a:tint val="40000"/>
+      </a:schemeClr>
+    </dgm:linClrLst>
+    <dgm:effectClrLst/>
+    <dgm:txLinClrLst/>
+    <dgm:txFillClrLst meth="repeat">
+      <a:schemeClr val="dk1"/>
+    </dgm:txFillClrLst>
+    <dgm:txEffectClrLst/>
+  </dgm:styleLbl>
+  <dgm:styleLbl name="bgAccFollowNode1">
+    <dgm:fillClrLst meth="repeat">
+      <a:schemeClr val="accent1">
+        <a:alpha val="90000"/>
+        <a:tint val="40000"/>
+      </a:schemeClr>
+    </dgm:fillClrLst>
+    <dgm:linClrLst meth="repeat">
+      <a:schemeClr val="accent1">
+        <a:alpha val="90000"/>
+        <a:tint val="40000"/>
+      </a:schemeClr>
+    </dgm:linClrLst>
+    <dgm:effectClrLst/>
+    <dgm:txLinClrLst/>
+    <dgm:txFillClrLst meth="repeat">
+      <a:schemeClr val="dk1"/>
+    </dgm:txFillClrLst>
+    <dgm:txEffectClrLst/>
+  </dgm:styleLbl>
+  <dgm:styleLbl name="fgAcc0">
+    <dgm:fillClrLst meth="repeat">
+      <a:schemeClr val="lt1">
+        <a:alpha val="90000"/>
+      </a:schemeClr>
+    </dgm:fillClrLst>
+    <dgm:linClrLst meth="repeat">
+      <a:schemeClr val="accent1"/>
+    </dgm:linClrLst>
+    <dgm:effectClrLst/>
+    <dgm:txLinClrLst/>
+    <dgm:txFillClrLst meth="repeat">
+      <a:schemeClr val="dk1"/>
+    </dgm:txFillClrLst>
+    <dgm:txEffectClrLst/>
+  </dgm:styleLbl>
+  <dgm:styleLbl name="fgAcc2">
+    <dgm:fillClrLst meth="repeat">
+      <a:schemeClr val="lt1">
+        <a:alpha val="90000"/>
+      </a:schemeClr>
+    </dgm:fillClrLst>
+    <dgm:linClrLst meth="repeat">
+      <a:schemeClr val="accent1"/>
+    </dgm:linClrLst>
+    <dgm:effectClrLst/>
+    <dgm:txLinClrLst/>
+    <dgm:txFillClrLst meth="repeat">
+      <a:schemeClr val="dk1"/>
+    </dgm:txFillClrLst>
+    <dgm:txEffectClrLst/>
+  </dgm:styleLbl>
+  <dgm:styleLbl name="fgAcc3">
+    <dgm:fillClrLst meth="repeat">
+      <a:schemeClr val="lt1">
+        <a:alpha val="90000"/>
+      </a:schemeClr>
+    </dgm:fillClrLst>
+    <dgm:linClrLst meth="repeat">
+      <a:schemeClr val="accent1"/>
+    </dgm:linClrLst>
+    <dgm:effectClrLst/>
+    <dgm:txLinClrLst/>
+    <dgm:txFillClrLst meth="repeat">
+      <a:schemeClr val="dk1"/>
+    </dgm:txFillClrLst>
+    <dgm:txEffectClrLst/>
+  </dgm:styleLbl>
+  <dgm:styleLbl name="fgAcc4">
+    <dgm:fillClrLst meth="repeat">
+      <a:schemeClr val="lt1">
+        <a:alpha val="90000"/>
+      </a:schemeClr>
+    </dgm:fillClrLst>
+    <dgm:linClrLst meth="repeat">
+      <a:schemeClr val="accent1"/>
+    </dgm:linClrLst>
+    <dgm:effectClrLst/>
+    <dgm:txLinClrLst/>
+    <dgm:txFillClrLst meth="repeat">
+      <a:schemeClr val="dk1"/>
+    </dgm:txFillClrLst>
+    <dgm:txEffectClrLst/>
+  </dgm:styleLbl>
+  <dgm:styleLbl name="bgShp">
+    <dgm:fillClrLst meth="repeat">
+      <a:schemeClr val="accent1">
+        <a:tint val="40000"/>
+      </a:schemeClr>
+    </dgm:fillClrLst>
+    <dgm:linClrLst meth="repeat">
+      <a:schemeClr val="accent1"/>
+    </dgm:linClrLst>
+    <dgm:effectClrLst/>
+    <dgm:txLinClrLst/>
+    <dgm:txFillClrLst meth="repeat">
+      <a:schemeClr val="dk1"/>
+    </dgm:txFillClrLst>
+    <dgm:txEffectClrLst/>
+  </dgm:styleLbl>
+  <dgm:styleLbl name="dkBgShp">
+    <dgm:fillClrLst meth="repeat">
+      <a:schemeClr val="accent1">
+        <a:shade val="80000"/>
+      </a:schemeClr>
+    </dgm:fillClrLst>
+    <dgm:linClrLst meth="repeat">
+      <a:schemeClr val="accent1"/>
+    </dgm:linClrLst>
+    <dgm:effectClrLst/>
+    <dgm:txLinClrLst/>
+    <dgm:txFillClrLst meth="repeat">
+      <a:schemeClr val="lt1"/>
+    </dgm:txFillClrLst>
+    <dgm:txEffectClrLst/>
+  </dgm:styleLbl>
+  <dgm:styleLbl name="trBgShp">
+    <dgm:fillClrLst meth="repeat">
+      <a:schemeClr val="accent1">
+        <a:tint val="50000"/>
+        <a:alpha val="40000"/>
+      </a:schemeClr>
+    </dgm:fillClrLst>
+    <dgm:linClrLst meth="repeat">
+      <a:schemeClr val="accent1"/>
+    </dgm:linClrLst>
+    <dgm:effectClrLst/>
+    <dgm:txLinClrLst/>
+    <dgm:txFillClrLst meth="repeat">
+      <a:schemeClr val="lt1"/>
+    </dgm:txFillClrLst>
+    <dgm:txEffectClrLst/>
+  </dgm:styleLbl>
+  <dgm:styleLbl name="fgShp">
+    <dgm:fillClrLst meth="repeat">
+      <a:schemeClr val="accent1">
+        <a:tint val="60000"/>
+      </a:schemeClr>
+    </dgm:fillClrLst>
+    <dgm:linClrLst meth="repeat">
+      <a:schemeClr val="lt1"/>
+    </dgm:linClrLst>
+    <dgm:effectClrLst/>
+    <dgm:txLinClrLst/>
+    <dgm:txFillClrLst meth="repeat">
+      <a:schemeClr val="dk1"/>
+    </dgm:txFillClrLst>
+    <dgm:txEffectClrLst/>
+  </dgm:styleLbl>
+  <dgm:styleLbl name="revTx">
+    <dgm:fillClrLst meth="repeat">
+      <a:schemeClr val="lt1">
+        <a:alpha val="0"/>
+      </a:schemeClr>
+    </dgm:fillClrLst>
+    <dgm:linClrLst meth="repeat">
+      <a:schemeClr val="dk1">
+        <a:alpha val="0"/>
+      </a:schemeClr>
+    </dgm:linClrLst>
+    <dgm:effectClrLst/>
+    <dgm:txLinClrLst/>
+    <dgm:txFillClrLst meth="repeat">
+      <a:schemeClr val="tx1"/>
+    </dgm:txFillClrLst>
+    <dgm:txEffectClrLst/>
+  </dgm:styleLbl>
+</dgm:colorsDef>
+</file>
+
 <file path=ppt/diagrams/colors2.xml><?xml version="1.0" encoding="utf-8"?>
 <dgm:colorsDef xmlns:dgm="http://schemas.openxmlformats.org/drawingml/2006/diagram" xmlns:a="http://schemas.openxmlformats.org/drawingml/2006/main" uniqueId="urn:microsoft.com/office/officeart/2005/8/colors/accent1_2">
   <dgm:title val=""/>
@@ -5464,6 +6195,753 @@
 </file>
 
 <file path=ppt/diagrams/colors8.xml><?xml version="1.0" encoding="utf-8"?>
+<dgm:colorsDef xmlns:dgm="http://schemas.openxmlformats.org/drawingml/2006/diagram" xmlns:a="http://schemas.openxmlformats.org/drawingml/2006/main" uniqueId="urn:microsoft.com/office/officeart/2005/8/colors/accent1_2">
+  <dgm:title val=""/>
+  <dgm:desc val=""/>
+  <dgm:catLst>
+    <dgm:cat type="accent1" pri="11200"/>
+  </dgm:catLst>
+  <dgm:styleLbl name="node0">
+    <dgm:fillClrLst meth="repeat">
+      <a:schemeClr val="accent1"/>
+    </dgm:fillClrLst>
+    <dgm:linClrLst meth="repeat">
+      <a:schemeClr val="lt1"/>
+    </dgm:linClrLst>
+    <dgm:effectClrLst/>
+    <dgm:txLinClrLst/>
+    <dgm:txFillClrLst/>
+    <dgm:txEffectClrLst/>
+  </dgm:styleLbl>
+  <dgm:styleLbl name="alignNode1">
+    <dgm:fillClrLst meth="repeat">
+      <a:schemeClr val="accent1"/>
+    </dgm:fillClrLst>
+    <dgm:linClrLst meth="repeat">
+      <a:schemeClr val="accent1"/>
+    </dgm:linClrLst>
+    <dgm:effectClrLst/>
+    <dgm:txLinClrLst/>
+    <dgm:txFillClrLst/>
+    <dgm:txEffectClrLst/>
+  </dgm:styleLbl>
+  <dgm:styleLbl name="node1">
+    <dgm:fillClrLst meth="repeat">
+      <a:schemeClr val="accent1"/>
+    </dgm:fillClrLst>
+    <dgm:linClrLst meth="repeat">
+      <a:schemeClr val="lt1"/>
+    </dgm:linClrLst>
+    <dgm:effectClrLst/>
+    <dgm:txLinClrLst/>
+    <dgm:txFillClrLst/>
+    <dgm:txEffectClrLst/>
+  </dgm:styleLbl>
+  <dgm:styleLbl name="lnNode1">
+    <dgm:fillClrLst meth="repeat">
+      <a:schemeClr val="accent1"/>
+    </dgm:fillClrLst>
+    <dgm:linClrLst meth="repeat">
+      <a:schemeClr val="lt1"/>
+    </dgm:linClrLst>
+    <dgm:effectClrLst/>
+    <dgm:txLinClrLst/>
+    <dgm:txFillClrLst/>
+    <dgm:txEffectClrLst/>
+  </dgm:styleLbl>
+  <dgm:styleLbl name="vennNode1">
+    <dgm:fillClrLst meth="repeat">
+      <a:schemeClr val="accent1">
+        <a:alpha val="50000"/>
+      </a:schemeClr>
+    </dgm:fillClrLst>
+    <dgm:linClrLst meth="repeat">
+      <a:schemeClr val="lt1"/>
+    </dgm:linClrLst>
+    <dgm:effectClrLst/>
+    <dgm:txLinClrLst/>
+    <dgm:txFillClrLst/>
+    <dgm:txEffectClrLst/>
+  </dgm:styleLbl>
+  <dgm:styleLbl name="node2">
+    <dgm:fillClrLst meth="repeat">
+      <a:schemeClr val="accent1"/>
+    </dgm:fillClrLst>
+    <dgm:linClrLst meth="repeat">
+      <a:schemeClr val="lt1"/>
+    </dgm:linClrLst>
+    <dgm:effectClrLst/>
+    <dgm:txLinClrLst/>
+    <dgm:txFillClrLst/>
+    <dgm:txEffectClrLst/>
+  </dgm:styleLbl>
+  <dgm:styleLbl name="node3">
+    <dgm:fillClrLst meth="repeat">
+      <a:schemeClr val="accent1"/>
+    </dgm:fillClrLst>
+    <dgm:linClrLst meth="repeat">
+      <a:schemeClr val="lt1"/>
+    </dgm:linClrLst>
+    <dgm:effectClrLst/>
+    <dgm:txLinClrLst/>
+    <dgm:txFillClrLst/>
+    <dgm:txEffectClrLst/>
+  </dgm:styleLbl>
+  <dgm:styleLbl name="node4">
+    <dgm:fillClrLst meth="repeat">
+      <a:schemeClr val="accent1"/>
+    </dgm:fillClrLst>
+    <dgm:linClrLst meth="repeat">
+      <a:schemeClr val="lt1"/>
+    </dgm:linClrLst>
+    <dgm:effectClrLst/>
+    <dgm:txLinClrLst/>
+    <dgm:txFillClrLst/>
+    <dgm:txEffectClrLst/>
+  </dgm:styleLbl>
+  <dgm:styleLbl name="fgImgPlace1">
+    <dgm:fillClrLst meth="repeat">
+      <a:schemeClr val="accent1">
+        <a:tint val="50000"/>
+      </a:schemeClr>
+    </dgm:fillClrLst>
+    <dgm:linClrLst meth="repeat">
+      <a:schemeClr val="lt1"/>
+    </dgm:linClrLst>
+    <dgm:effectClrLst/>
+    <dgm:txLinClrLst/>
+    <dgm:txFillClrLst meth="repeat">
+      <a:schemeClr val="lt1"/>
+    </dgm:txFillClrLst>
+    <dgm:txEffectClrLst/>
+  </dgm:styleLbl>
+  <dgm:styleLbl name="alignImgPlace1">
+    <dgm:fillClrLst meth="repeat">
+      <a:schemeClr val="accent1">
+        <a:tint val="50000"/>
+      </a:schemeClr>
+    </dgm:fillClrLst>
+    <dgm:linClrLst meth="repeat">
+      <a:schemeClr val="lt1"/>
+    </dgm:linClrLst>
+    <dgm:effectClrLst/>
+    <dgm:txLinClrLst/>
+    <dgm:txFillClrLst meth="repeat">
+      <a:schemeClr val="lt1"/>
+    </dgm:txFillClrLst>
+    <dgm:txEffectClrLst/>
+  </dgm:styleLbl>
+  <dgm:styleLbl name="bgImgPlace1">
+    <dgm:fillClrLst meth="repeat">
+      <a:schemeClr val="accent1">
+        <a:tint val="50000"/>
+      </a:schemeClr>
+    </dgm:fillClrLst>
+    <dgm:linClrLst meth="repeat">
+      <a:schemeClr val="lt1"/>
+    </dgm:linClrLst>
+    <dgm:effectClrLst/>
+    <dgm:txLinClrLst/>
+    <dgm:txFillClrLst meth="repeat">
+      <a:schemeClr val="lt1"/>
+    </dgm:txFillClrLst>
+    <dgm:txEffectClrLst/>
+  </dgm:styleLbl>
+  <dgm:styleLbl name="sibTrans2D1">
+    <dgm:fillClrLst meth="repeat">
+      <a:schemeClr val="accent1">
+        <a:tint val="60000"/>
+      </a:schemeClr>
+    </dgm:fillClrLst>
+    <dgm:linClrLst meth="repeat">
+      <a:schemeClr val="accent1">
+        <a:tint val="60000"/>
+      </a:schemeClr>
+    </dgm:linClrLst>
+    <dgm:effectClrLst/>
+    <dgm:txLinClrLst/>
+    <dgm:txFillClrLst/>
+    <dgm:txEffectClrLst/>
+  </dgm:styleLbl>
+  <dgm:styleLbl name="fgSibTrans2D1">
+    <dgm:fillClrLst meth="repeat">
+      <a:schemeClr val="accent1">
+        <a:tint val="60000"/>
+      </a:schemeClr>
+    </dgm:fillClrLst>
+    <dgm:linClrLst meth="repeat">
+      <a:schemeClr val="accent1">
+        <a:tint val="60000"/>
+      </a:schemeClr>
+    </dgm:linClrLst>
+    <dgm:effectClrLst/>
+    <dgm:txLinClrLst/>
+    <dgm:txFillClrLst/>
+    <dgm:txEffectClrLst/>
+  </dgm:styleLbl>
+  <dgm:styleLbl name="bgSibTrans2D1">
+    <dgm:fillClrLst meth="repeat">
+      <a:schemeClr val="accent1">
+        <a:tint val="60000"/>
+      </a:schemeClr>
+    </dgm:fillClrLst>
+    <dgm:linClrLst meth="repeat">
+      <a:schemeClr val="accent1">
+        <a:tint val="60000"/>
+      </a:schemeClr>
+    </dgm:linClrLst>
+    <dgm:effectClrLst/>
+    <dgm:txLinClrLst/>
+    <dgm:txFillClrLst/>
+    <dgm:txEffectClrLst/>
+  </dgm:styleLbl>
+  <dgm:styleLbl name="sibTrans1D1">
+    <dgm:fillClrLst meth="repeat">
+      <a:schemeClr val="accent1"/>
+    </dgm:fillClrLst>
+    <dgm:linClrLst meth="repeat">
+      <a:schemeClr val="accent1"/>
+    </dgm:linClrLst>
+    <dgm:effectClrLst/>
+    <dgm:txLinClrLst/>
+    <dgm:txFillClrLst meth="repeat">
+      <a:schemeClr val="tx1"/>
+    </dgm:txFillClrLst>
+    <dgm:txEffectClrLst/>
+  </dgm:styleLbl>
+  <dgm:styleLbl name="callout">
+    <dgm:fillClrLst meth="repeat">
+      <a:schemeClr val="accent1"/>
+    </dgm:fillClrLst>
+    <dgm:linClrLst meth="repeat">
+      <a:schemeClr val="accent1">
+        <a:tint val="50000"/>
+      </a:schemeClr>
+    </dgm:linClrLst>
+    <dgm:effectClrLst/>
+    <dgm:txLinClrLst/>
+    <dgm:txFillClrLst meth="repeat">
+      <a:schemeClr val="tx1"/>
+    </dgm:txFillClrLst>
+    <dgm:txEffectClrLst/>
+  </dgm:styleLbl>
+  <dgm:styleLbl name="asst0">
+    <dgm:fillClrLst meth="repeat">
+      <a:schemeClr val="accent1"/>
+    </dgm:fillClrLst>
+    <dgm:linClrLst meth="repeat">
+      <a:schemeClr val="lt1"/>
+    </dgm:linClrLst>
+    <dgm:effectClrLst/>
+    <dgm:txLinClrLst/>
+    <dgm:txFillClrLst/>
+    <dgm:txEffectClrLst/>
+  </dgm:styleLbl>
+  <dgm:styleLbl name="asst1">
+    <dgm:fillClrLst meth="repeat">
+      <a:schemeClr val="accent1"/>
+    </dgm:fillClrLst>
+    <dgm:linClrLst meth="repeat">
+      <a:schemeClr val="lt1"/>
+    </dgm:linClrLst>
+    <dgm:effectClrLst/>
+    <dgm:txLinClrLst/>
+    <dgm:txFillClrLst/>
+    <dgm:txEffectClrLst/>
+  </dgm:styleLbl>
+  <dgm:styleLbl name="asst2">
+    <dgm:fillClrLst meth="repeat">
+      <a:schemeClr val="accent1"/>
+    </dgm:fillClrLst>
+    <dgm:linClrLst meth="repeat">
+      <a:schemeClr val="lt1"/>
+    </dgm:linClrLst>
+    <dgm:effectClrLst/>
+    <dgm:txLinClrLst/>
+    <dgm:txFillClrLst/>
+    <dgm:txEffectClrLst/>
+  </dgm:styleLbl>
+  <dgm:styleLbl name="asst3">
+    <dgm:fillClrLst meth="repeat">
+      <a:schemeClr val="accent1"/>
+    </dgm:fillClrLst>
+    <dgm:linClrLst meth="repeat">
+      <a:schemeClr val="lt1"/>
+    </dgm:linClrLst>
+    <dgm:effectClrLst/>
+    <dgm:txLinClrLst/>
+    <dgm:txFillClrLst/>
+    <dgm:txEffectClrLst/>
+  </dgm:styleLbl>
+  <dgm:styleLbl name="asst4">
+    <dgm:fillClrLst meth="repeat">
+      <a:schemeClr val="accent1"/>
+    </dgm:fillClrLst>
+    <dgm:linClrLst meth="repeat">
+      <a:schemeClr val="lt1"/>
+    </dgm:linClrLst>
+    <dgm:effectClrLst/>
+    <dgm:txLinClrLst/>
+    <dgm:txFillClrLst/>
+    <dgm:txEffectClrLst/>
+  </dgm:styleLbl>
+  <dgm:styleLbl name="parChTrans2D1">
+    <dgm:fillClrLst meth="repeat">
+      <a:schemeClr val="accent1">
+        <a:tint val="60000"/>
+      </a:schemeClr>
+    </dgm:fillClrLst>
+    <dgm:linClrLst meth="repeat">
+      <a:schemeClr val="accent1">
+        <a:tint val="60000"/>
+      </a:schemeClr>
+    </dgm:linClrLst>
+    <dgm:effectClrLst/>
+    <dgm:txLinClrLst/>
+    <dgm:txFillClrLst meth="repeat">
+      <a:schemeClr val="lt1"/>
+    </dgm:txFillClrLst>
+    <dgm:txEffectClrLst/>
+  </dgm:styleLbl>
+  <dgm:styleLbl name="parChTrans2D2">
+    <dgm:fillClrLst meth="repeat">
+      <a:schemeClr val="accent1"/>
+    </dgm:fillClrLst>
+    <dgm:linClrLst meth="repeat">
+      <a:schemeClr val="accent1"/>
+    </dgm:linClrLst>
+    <dgm:effectClrLst/>
+    <dgm:txLinClrLst/>
+    <dgm:txFillClrLst meth="repeat">
+      <a:schemeClr val="lt1"/>
+    </dgm:txFillClrLst>
+    <dgm:txEffectClrLst/>
+  </dgm:styleLbl>
+  <dgm:styleLbl name="parChTrans2D3">
+    <dgm:fillClrLst meth="repeat">
+      <a:schemeClr val="accent1"/>
+    </dgm:fillClrLst>
+    <dgm:linClrLst meth="repeat">
+      <a:schemeClr val="accent1"/>
+    </dgm:linClrLst>
+    <dgm:effectClrLst/>
+    <dgm:txLinClrLst/>
+    <dgm:txFillClrLst meth="repeat">
+      <a:schemeClr val="lt1"/>
+    </dgm:txFillClrLst>
+    <dgm:txEffectClrLst/>
+  </dgm:styleLbl>
+  <dgm:styleLbl name="parChTrans2D4">
+    <dgm:fillClrLst meth="repeat">
+      <a:schemeClr val="accent1"/>
+    </dgm:fillClrLst>
+    <dgm:linClrLst meth="repeat">
+      <a:schemeClr val="accent1"/>
+    </dgm:linClrLst>
+    <dgm:effectClrLst/>
+    <dgm:txLinClrLst/>
+    <dgm:txFillClrLst meth="repeat">
+      <a:schemeClr val="lt1"/>
+    </dgm:txFillClrLst>
+    <dgm:txEffectClrLst/>
+  </dgm:styleLbl>
+  <dgm:styleLbl name="parChTrans1D1">
+    <dgm:fillClrLst meth="repeat">
+      <a:schemeClr val="accent1"/>
+    </dgm:fillClrLst>
+    <dgm:linClrLst meth="repeat">
+      <a:schemeClr val="accent1">
+        <a:shade val="60000"/>
+      </a:schemeClr>
+    </dgm:linClrLst>
+    <dgm:effectClrLst/>
+    <dgm:txLinClrLst/>
+    <dgm:txFillClrLst meth="repeat">
+      <a:schemeClr val="tx1"/>
+    </dgm:txFillClrLst>
+    <dgm:txEffectClrLst/>
+  </dgm:styleLbl>
+  <dgm:styleLbl name="parChTrans1D2">
+    <dgm:fillClrLst meth="repeat">
+      <a:schemeClr val="accent1"/>
+    </dgm:fillClrLst>
+    <dgm:linClrLst meth="repeat">
+      <a:schemeClr val="accent1">
+        <a:shade val="60000"/>
+      </a:schemeClr>
+    </dgm:linClrLst>
+    <dgm:effectClrLst/>
+    <dgm:txLinClrLst/>
+    <dgm:txFillClrLst meth="repeat">
+      <a:schemeClr val="tx1"/>
+    </dgm:txFillClrLst>
+    <dgm:txEffectClrLst/>
+  </dgm:styleLbl>
+  <dgm:styleLbl name="parChTrans1D3">
+    <dgm:fillClrLst meth="repeat">
+      <a:schemeClr val="accent1"/>
+    </dgm:fillClrLst>
+    <dgm:linClrLst meth="repeat">
+      <a:schemeClr val="accent1">
+        <a:shade val="80000"/>
+      </a:schemeClr>
+    </dgm:linClrLst>
+    <dgm:effectClrLst/>
+    <dgm:txLinClrLst/>
+    <dgm:txFillClrLst meth="repeat">
+      <a:schemeClr val="tx1"/>
+    </dgm:txFillClrLst>
+    <dgm:txEffectClrLst/>
+  </dgm:styleLbl>
+  <dgm:styleLbl name="parChTrans1D4">
+    <dgm:fillClrLst meth="repeat">
+      <a:schemeClr val="accent1"/>
+    </dgm:fillClrLst>
+    <dgm:linClrLst meth="repeat">
+      <a:schemeClr val="accent1">
+        <a:shade val="80000"/>
+      </a:schemeClr>
+    </dgm:linClrLst>
+    <dgm:effectClrLst/>
+    <dgm:txLinClrLst/>
+    <dgm:txFillClrLst meth="repeat">
+      <a:schemeClr val="tx1"/>
+    </dgm:txFillClrLst>
+    <dgm:txEffectClrLst/>
+  </dgm:styleLbl>
+  <dgm:styleLbl name="fgAcc1">
+    <dgm:fillClrLst meth="repeat">
+      <a:schemeClr val="lt1">
+        <a:alpha val="90000"/>
+      </a:schemeClr>
+    </dgm:fillClrLst>
+    <dgm:linClrLst meth="repeat">
+      <a:schemeClr val="accent1"/>
+    </dgm:linClrLst>
+    <dgm:effectClrLst/>
+    <dgm:txLinClrLst/>
+    <dgm:txFillClrLst meth="repeat">
+      <a:schemeClr val="dk1"/>
+    </dgm:txFillClrLst>
+    <dgm:txEffectClrLst/>
+  </dgm:styleLbl>
+  <dgm:styleLbl name="conFgAcc1">
+    <dgm:fillClrLst meth="repeat">
+      <a:schemeClr val="lt1">
+        <a:alpha val="90000"/>
+      </a:schemeClr>
+    </dgm:fillClrLst>
+    <dgm:linClrLst meth="repeat">
+      <a:schemeClr val="accent1"/>
+    </dgm:linClrLst>
+    <dgm:effectClrLst/>
+    <dgm:txLinClrLst/>
+    <dgm:txFillClrLst meth="repeat">
+      <a:schemeClr val="dk1"/>
+    </dgm:txFillClrLst>
+    <dgm:txEffectClrLst/>
+  </dgm:styleLbl>
+  <dgm:styleLbl name="alignAcc1">
+    <dgm:fillClrLst meth="repeat">
+      <a:schemeClr val="lt1">
+        <a:alpha val="90000"/>
+      </a:schemeClr>
+    </dgm:fillClrLst>
+    <dgm:linClrLst meth="repeat">
+      <a:schemeClr val="accent1"/>
+    </dgm:linClrLst>
+    <dgm:effectClrLst/>
+    <dgm:txLinClrLst/>
+    <dgm:txFillClrLst meth="repeat">
+      <a:schemeClr val="dk1"/>
+    </dgm:txFillClrLst>
+    <dgm:txEffectClrLst/>
+  </dgm:styleLbl>
+  <dgm:styleLbl name="trAlignAcc1">
+    <dgm:fillClrLst meth="repeat">
+      <a:schemeClr val="lt1">
+        <a:alpha val="40000"/>
+      </a:schemeClr>
+    </dgm:fillClrLst>
+    <dgm:linClrLst meth="repeat">
+      <a:schemeClr val="accent1"/>
+    </dgm:linClrLst>
+    <dgm:effectClrLst/>
+    <dgm:txLinClrLst/>
+    <dgm:txFillClrLst meth="repeat">
+      <a:schemeClr val="dk1"/>
+    </dgm:txFillClrLst>
+    <dgm:txEffectClrLst/>
+  </dgm:styleLbl>
+  <dgm:styleLbl name="bgAcc1">
+    <dgm:fillClrLst meth="repeat">
+      <a:schemeClr val="lt1">
+        <a:alpha val="90000"/>
+      </a:schemeClr>
+    </dgm:fillClrLst>
+    <dgm:linClrLst meth="repeat">
+      <a:schemeClr val="accent1"/>
+    </dgm:linClrLst>
+    <dgm:effectClrLst/>
+    <dgm:txLinClrLst/>
+    <dgm:txFillClrLst meth="repeat">
+      <a:schemeClr val="dk1"/>
+    </dgm:txFillClrLst>
+    <dgm:txEffectClrLst/>
+  </dgm:styleLbl>
+  <dgm:styleLbl name="solidFgAcc1">
+    <dgm:fillClrLst meth="repeat">
+      <a:schemeClr val="lt1"/>
+    </dgm:fillClrLst>
+    <dgm:linClrLst meth="repeat">
+      <a:schemeClr val="accent1"/>
+    </dgm:linClrLst>
+    <dgm:effectClrLst/>
+    <dgm:txLinClrLst/>
+    <dgm:txFillClrLst meth="repeat">
+      <a:schemeClr val="dk1"/>
+    </dgm:txFillClrLst>
+    <dgm:txEffectClrLst/>
+  </dgm:styleLbl>
+  <dgm:styleLbl name="solidAlignAcc1">
+    <dgm:fillClrLst meth="repeat">
+      <a:schemeClr val="lt1"/>
+    </dgm:fillClrLst>
+    <dgm:linClrLst meth="repeat">
+      <a:schemeClr val="accent1"/>
+    </dgm:linClrLst>
+    <dgm:effectClrLst/>
+    <dgm:txLinClrLst/>
+    <dgm:txFillClrLst meth="repeat">
+      <a:schemeClr val="dk1"/>
+    </dgm:txFillClrLst>
+    <dgm:txEffectClrLst/>
+  </dgm:styleLbl>
+  <dgm:styleLbl name="solidBgAcc1">
+    <dgm:fillClrLst meth="repeat">
+      <a:schemeClr val="lt1"/>
+    </dgm:fillClrLst>
+    <dgm:linClrLst meth="repeat">
+      <a:schemeClr val="accent1"/>
+    </dgm:linClrLst>
+    <dgm:effectClrLst/>
+    <dgm:txLinClrLst/>
+    <dgm:txFillClrLst meth="repeat">
+      <a:schemeClr val="dk1"/>
+    </dgm:txFillClrLst>
+    <dgm:txEffectClrLst/>
+  </dgm:styleLbl>
+  <dgm:styleLbl name="fgAccFollowNode1">
+    <dgm:fillClrLst meth="repeat">
+      <a:schemeClr val="accent1">
+        <a:alpha val="90000"/>
+        <a:tint val="40000"/>
+      </a:schemeClr>
+    </dgm:fillClrLst>
+    <dgm:linClrLst meth="repeat">
+      <a:schemeClr val="accent1">
+        <a:alpha val="90000"/>
+        <a:tint val="40000"/>
+      </a:schemeClr>
+    </dgm:linClrLst>
+    <dgm:effectClrLst/>
+    <dgm:txLinClrLst/>
+    <dgm:txFillClrLst meth="repeat">
+      <a:schemeClr val="dk1"/>
+    </dgm:txFillClrLst>
+    <dgm:txEffectClrLst/>
+  </dgm:styleLbl>
+  <dgm:styleLbl name="alignAccFollowNode1">
+    <dgm:fillClrLst meth="repeat">
+      <a:schemeClr val="accent1">
+        <a:alpha val="90000"/>
+        <a:tint val="40000"/>
+      </a:schemeClr>
+    </dgm:fillClrLst>
+    <dgm:linClrLst meth="repeat">
+      <a:schemeClr val="accent1">
+        <a:alpha val="90000"/>
+        <a:tint val="40000"/>
+      </a:schemeClr>
+    </dgm:linClrLst>
+    <dgm:effectClrLst/>
+    <dgm:txLinClrLst/>
+    <dgm:txFillClrLst meth="repeat">
+      <a:schemeClr val="dk1"/>
+    </dgm:txFillClrLst>
+    <dgm:txEffectClrLst/>
+  </dgm:styleLbl>
+  <dgm:styleLbl name="bgAccFollowNode1">
+    <dgm:fillClrLst meth="repeat">
+      <a:schemeClr val="accent1">
+        <a:alpha val="90000"/>
+        <a:tint val="40000"/>
+      </a:schemeClr>
+    </dgm:fillClrLst>
+    <dgm:linClrLst meth="repeat">
+      <a:schemeClr val="accent1">
+        <a:alpha val="90000"/>
+        <a:tint val="40000"/>
+      </a:schemeClr>
+    </dgm:linClrLst>
+    <dgm:effectClrLst/>
+    <dgm:txLinClrLst/>
+    <dgm:txFillClrLst meth="repeat">
+      <a:schemeClr val="dk1"/>
+    </dgm:txFillClrLst>
+    <dgm:txEffectClrLst/>
+  </dgm:styleLbl>
+  <dgm:styleLbl name="fgAcc0">
+    <dgm:fillClrLst meth="repeat">
+      <a:schemeClr val="lt1">
+        <a:alpha val="90000"/>
+      </a:schemeClr>
+    </dgm:fillClrLst>
+    <dgm:linClrLst meth="repeat">
+      <a:schemeClr val="accent1"/>
+    </dgm:linClrLst>
+    <dgm:effectClrLst/>
+    <dgm:txLinClrLst/>
+    <dgm:txFillClrLst meth="repeat">
+      <a:schemeClr val="dk1"/>
+    </dgm:txFillClrLst>
+    <dgm:txEffectClrLst/>
+  </dgm:styleLbl>
+  <dgm:styleLbl name="fgAcc2">
+    <dgm:fillClrLst meth="repeat">
+      <a:schemeClr val="lt1">
+        <a:alpha val="90000"/>
+      </a:schemeClr>
+    </dgm:fillClrLst>
+    <dgm:linClrLst meth="repeat">
+      <a:schemeClr val="accent1"/>
+    </dgm:linClrLst>
+    <dgm:effectClrLst/>
+    <dgm:txLinClrLst/>
+    <dgm:txFillClrLst meth="repeat">
+      <a:schemeClr val="dk1"/>
+    </dgm:txFillClrLst>
+    <dgm:txEffectClrLst/>
+  </dgm:styleLbl>
+  <dgm:styleLbl name="fgAcc3">
+    <dgm:fillClrLst meth="repeat">
+      <a:schemeClr val="lt1">
+        <a:alpha val="90000"/>
+      </a:schemeClr>
+    </dgm:fillClrLst>
+    <dgm:linClrLst meth="repeat">
+      <a:schemeClr val="accent1"/>
+    </dgm:linClrLst>
+    <dgm:effectClrLst/>
+    <dgm:txLinClrLst/>
+    <dgm:txFillClrLst meth="repeat">
+      <a:schemeClr val="dk1"/>
+    </dgm:txFillClrLst>
+    <dgm:txEffectClrLst/>
+  </dgm:styleLbl>
+  <dgm:styleLbl name="fgAcc4">
+    <dgm:fillClrLst meth="repeat">
+      <a:schemeClr val="lt1">
+        <a:alpha val="90000"/>
+      </a:schemeClr>
+    </dgm:fillClrLst>
+    <dgm:linClrLst meth="repeat">
+      <a:schemeClr val="accent1"/>
+    </dgm:linClrLst>
+    <dgm:effectClrLst/>
+    <dgm:txLinClrLst/>
+    <dgm:txFillClrLst meth="repeat">
+      <a:schemeClr val="dk1"/>
+    </dgm:txFillClrLst>
+    <dgm:txEffectClrLst/>
+  </dgm:styleLbl>
+  <dgm:styleLbl name="bgShp">
+    <dgm:fillClrLst meth="repeat">
+      <a:schemeClr val="accent1">
+        <a:tint val="40000"/>
+      </a:schemeClr>
+    </dgm:fillClrLst>
+    <dgm:linClrLst meth="repeat">
+      <a:schemeClr val="accent1"/>
+    </dgm:linClrLst>
+    <dgm:effectClrLst/>
+    <dgm:txLinClrLst/>
+    <dgm:txFillClrLst meth="repeat">
+      <a:schemeClr val="dk1"/>
+    </dgm:txFillClrLst>
+    <dgm:txEffectClrLst/>
+  </dgm:styleLbl>
+  <dgm:styleLbl name="dkBgShp">
+    <dgm:fillClrLst meth="repeat">
+      <a:schemeClr val="accent1">
+        <a:shade val="80000"/>
+      </a:schemeClr>
+    </dgm:fillClrLst>
+    <dgm:linClrLst meth="repeat">
+      <a:schemeClr val="accent1"/>
+    </dgm:linClrLst>
+    <dgm:effectClrLst/>
+    <dgm:txLinClrLst/>
+    <dgm:txFillClrLst meth="repeat">
+      <a:schemeClr val="lt1"/>
+    </dgm:txFillClrLst>
+    <dgm:txEffectClrLst/>
+  </dgm:styleLbl>
+  <dgm:styleLbl name="trBgShp">
+    <dgm:fillClrLst meth="repeat">
+      <a:schemeClr val="accent1">
+        <a:tint val="50000"/>
+        <a:alpha val="40000"/>
+      </a:schemeClr>
+    </dgm:fillClrLst>
+    <dgm:linClrLst meth="repeat">
+      <a:schemeClr val="accent1"/>
+    </dgm:linClrLst>
+    <dgm:effectClrLst/>
+    <dgm:txLinClrLst/>
+    <dgm:txFillClrLst meth="repeat">
+      <a:schemeClr val="lt1"/>
+    </dgm:txFillClrLst>
+    <dgm:txEffectClrLst/>
+  </dgm:styleLbl>
+  <dgm:styleLbl name="fgShp">
+    <dgm:fillClrLst meth="repeat">
+      <a:schemeClr val="accent1">
+        <a:tint val="60000"/>
+      </a:schemeClr>
+    </dgm:fillClrLst>
+    <dgm:linClrLst meth="repeat">
+      <a:schemeClr val="lt1"/>
+    </dgm:linClrLst>
+    <dgm:effectClrLst/>
+    <dgm:txLinClrLst/>
+    <dgm:txFillClrLst meth="repeat">
+      <a:schemeClr val="dk1"/>
+    </dgm:txFillClrLst>
+    <dgm:txEffectClrLst/>
+  </dgm:styleLbl>
+  <dgm:styleLbl name="revTx">
+    <dgm:fillClrLst meth="repeat">
+      <a:schemeClr val="lt1">
+        <a:alpha val="0"/>
+      </a:schemeClr>
+    </dgm:fillClrLst>
+    <dgm:linClrLst meth="repeat">
+      <a:schemeClr val="dk1">
+        <a:alpha val="0"/>
+      </a:schemeClr>
+    </dgm:linClrLst>
+    <dgm:effectClrLst/>
+    <dgm:txLinClrLst/>
+    <dgm:txFillClrLst meth="repeat">
+      <a:schemeClr val="tx1"/>
+    </dgm:txFillClrLst>
+    <dgm:txEffectClrLst/>
+  </dgm:styleLbl>
+</dgm:colorsDef>
+</file>
+
+<file path=ppt/diagrams/colors9.xml><?xml version="1.0" encoding="utf-8"?>
 <dgm:colorsDef xmlns:dgm="http://schemas.openxmlformats.org/drawingml/2006/diagram" xmlns:a="http://schemas.openxmlformats.org/drawingml/2006/main" uniqueId="urn:microsoft.com/office/officeart/2005/8/colors/accent1_2">
   <dgm:title val=""/>
   <dgm:desc val=""/>
@@ -6554,6 +8032,254 @@
 </dgm:dataModel>
 </file>
 
+<file path=ppt/diagrams/data10.xml><?xml version="1.0" encoding="utf-8"?>
+<dgm:dataModel xmlns:dgm="http://schemas.openxmlformats.org/drawingml/2006/diagram" xmlns:a="http://schemas.openxmlformats.org/drawingml/2006/main">
+  <dgm:ptLst>
+    <dgm:pt modelId="{C45EB5E7-D213-4A58-885E-E9D7FFF44067}" type="doc">
+      <dgm:prSet loTypeId="urn:microsoft.com/office/officeart/2005/8/layout/default" loCatId="list" qsTypeId="urn:microsoft.com/office/officeart/2005/8/quickstyle/simple1" qsCatId="simple" csTypeId="urn:microsoft.com/office/officeart/2005/8/colors/accent1_2" csCatId="accent1" phldr="1"/>
+      <dgm:spPr/>
+      <dgm:t>
+        <a:bodyPr/>
+        <a:lstStyle/>
+        <a:p>
+          <a:endParaRPr lang="de-DE"/>
+        </a:p>
+      </dgm:t>
+    </dgm:pt>
+    <dgm:pt modelId="{C0C4B3BF-593E-4E88-A88D-BE48816D4A12}">
+      <dgm:prSet phldrT="[Text]"/>
+      <dgm:spPr/>
+      <dgm:t>
+        <a:bodyPr/>
+        <a:lstStyle/>
+        <a:p>
+          <a:r>
+            <a:rPr lang="de-DE" dirty="0"/>
+            <a:t>Unabhängiger Sprachassistent funktioniert</a:t>
+          </a:r>
+        </a:p>
+      </dgm:t>
+    </dgm:pt>
+    <dgm:pt modelId="{7EF3919E-5DFE-43C7-A2B5-F8436B6800D4}" type="parTrans" cxnId="{9F4279E2-EB4E-4D2F-8C82-61817755B39E}">
+      <dgm:prSet/>
+      <dgm:spPr/>
+      <dgm:t>
+        <a:bodyPr/>
+        <a:lstStyle/>
+        <a:p>
+          <a:endParaRPr lang="de-DE"/>
+        </a:p>
+      </dgm:t>
+    </dgm:pt>
+    <dgm:pt modelId="{A1B5B652-19A5-4911-BCA6-9A37E5CB84B1}" type="sibTrans" cxnId="{9F4279E2-EB4E-4D2F-8C82-61817755B39E}">
+      <dgm:prSet/>
+      <dgm:spPr/>
+      <dgm:t>
+        <a:bodyPr/>
+        <a:lstStyle/>
+        <a:p>
+          <a:endParaRPr lang="de-DE"/>
+        </a:p>
+      </dgm:t>
+    </dgm:pt>
+    <dgm:pt modelId="{A5962597-3910-4312-818E-69A83FC12C2C}">
+      <dgm:prSet phldrT="[Text]"/>
+      <dgm:spPr/>
+      <dgm:t>
+        <a:bodyPr/>
+        <a:lstStyle/>
+        <a:p>
+          <a:r>
+            <a:rPr lang="de-DE" dirty="0"/>
+            <a:t>Wahl der Bestandteile ändern</a:t>
+          </a:r>
+        </a:p>
+      </dgm:t>
+    </dgm:pt>
+    <dgm:pt modelId="{8FA6A066-F331-41EB-9CBB-C4B8186496E6}" type="parTrans" cxnId="{16EE8B6D-18E9-4DBA-919E-B29F608EC4F8}">
+      <dgm:prSet/>
+      <dgm:spPr/>
+      <dgm:t>
+        <a:bodyPr/>
+        <a:lstStyle/>
+        <a:p>
+          <a:endParaRPr lang="de-DE"/>
+        </a:p>
+      </dgm:t>
+    </dgm:pt>
+    <dgm:pt modelId="{126EE10E-7B43-4B0B-9A47-D71BD119703C}" type="sibTrans" cxnId="{16EE8B6D-18E9-4DBA-919E-B29F608EC4F8}">
+      <dgm:prSet/>
+      <dgm:spPr/>
+      <dgm:t>
+        <a:bodyPr/>
+        <a:lstStyle/>
+        <a:p>
+          <a:endParaRPr lang="de-DE"/>
+        </a:p>
+      </dgm:t>
+    </dgm:pt>
+    <dgm:pt modelId="{D474864B-72A1-4555-91B6-42554646844B}">
+      <dgm:prSet phldrT="[Text]"/>
+      <dgm:spPr/>
+      <dgm:t>
+        <a:bodyPr/>
+        <a:lstStyle/>
+        <a:p>
+          <a:r>
+            <a:rPr lang="de-DE" dirty="0"/>
+            <a:t>Feedback verbessern</a:t>
+          </a:r>
+        </a:p>
+      </dgm:t>
+    </dgm:pt>
+    <dgm:pt modelId="{14BE907A-88D4-4D58-90CD-7BC2D04A72CC}" type="parTrans" cxnId="{EF05D11A-A106-47B4-9DFB-33F26C8D0C61}">
+      <dgm:prSet/>
+      <dgm:spPr/>
+      <dgm:t>
+        <a:bodyPr/>
+        <a:lstStyle/>
+        <a:p>
+          <a:endParaRPr lang="de-DE"/>
+        </a:p>
+      </dgm:t>
+    </dgm:pt>
+    <dgm:pt modelId="{76D73D9C-BB0E-404E-B072-E749C19AD146}" type="sibTrans" cxnId="{EF05D11A-A106-47B4-9DFB-33F26C8D0C61}">
+      <dgm:prSet/>
+      <dgm:spPr/>
+      <dgm:t>
+        <a:bodyPr/>
+        <a:lstStyle/>
+        <a:p>
+          <a:endParaRPr lang="de-DE"/>
+        </a:p>
+      </dgm:t>
+    </dgm:pt>
+    <dgm:pt modelId="{0CA13021-613E-44A9-9C50-D0897B70C497}">
+      <dgm:prSet phldrT="[Text]"/>
+      <dgm:spPr/>
+      <dgm:t>
+        <a:bodyPr/>
+        <a:lstStyle/>
+        <a:p>
+          <a:r>
+            <a:rPr lang="de-DE" dirty="0"/>
+            <a:t>Konzept mit </a:t>
+          </a:r>
+          <a:r>
+            <a:rPr lang="de-DE" dirty="0" err="1"/>
+            <a:t>Snips</a:t>
+          </a:r>
+          <a:r>
+            <a:rPr lang="de-DE" dirty="0"/>
+            <a:t> anwenden</a:t>
+          </a:r>
+        </a:p>
+      </dgm:t>
+    </dgm:pt>
+    <dgm:pt modelId="{97F8FD21-E994-4D3E-8A36-BCD141E8BA86}" type="parTrans" cxnId="{8358F4D6-5A91-4D60-9305-C6C4DFB5CE34}">
+      <dgm:prSet/>
+      <dgm:spPr/>
+      <dgm:t>
+        <a:bodyPr/>
+        <a:lstStyle/>
+        <a:p>
+          <a:endParaRPr lang="de-DE"/>
+        </a:p>
+      </dgm:t>
+    </dgm:pt>
+    <dgm:pt modelId="{C88B2814-8AE6-4ACF-92D9-E7D2CCC2B5CD}" type="sibTrans" cxnId="{8358F4D6-5A91-4D60-9305-C6C4DFB5CE34}">
+      <dgm:prSet/>
+      <dgm:spPr/>
+      <dgm:t>
+        <a:bodyPr/>
+        <a:lstStyle/>
+        <a:p>
+          <a:endParaRPr lang="de-DE"/>
+        </a:p>
+      </dgm:t>
+    </dgm:pt>
+    <dgm:pt modelId="{20866C6E-8F5A-4793-94CB-A4A38AE1C0F1}" type="pres">
+      <dgm:prSet presAssocID="{C45EB5E7-D213-4A58-885E-E9D7FFF44067}" presName="diagram" presStyleCnt="0">
+        <dgm:presLayoutVars>
+          <dgm:dir/>
+          <dgm:resizeHandles val="exact"/>
+        </dgm:presLayoutVars>
+      </dgm:prSet>
+      <dgm:spPr/>
+    </dgm:pt>
+    <dgm:pt modelId="{D249125C-4122-4847-AA13-8F292BB7DADD}" type="pres">
+      <dgm:prSet presAssocID="{C0C4B3BF-593E-4E88-A88D-BE48816D4A12}" presName="node" presStyleLbl="node1" presStyleIdx="0" presStyleCnt="4">
+        <dgm:presLayoutVars>
+          <dgm:bulletEnabled val="1"/>
+        </dgm:presLayoutVars>
+      </dgm:prSet>
+      <dgm:spPr/>
+    </dgm:pt>
+    <dgm:pt modelId="{23121584-9D49-4984-93D2-96ED67C7C8C2}" type="pres">
+      <dgm:prSet presAssocID="{A1B5B652-19A5-4911-BCA6-9A37E5CB84B1}" presName="sibTrans" presStyleCnt="0"/>
+      <dgm:spPr/>
+    </dgm:pt>
+    <dgm:pt modelId="{9EE3B83E-88CA-4356-A408-468575A354C1}" type="pres">
+      <dgm:prSet presAssocID="{A5962597-3910-4312-818E-69A83FC12C2C}" presName="node" presStyleLbl="node1" presStyleIdx="1" presStyleCnt="4">
+        <dgm:presLayoutVars>
+          <dgm:bulletEnabled val="1"/>
+        </dgm:presLayoutVars>
+      </dgm:prSet>
+      <dgm:spPr/>
+    </dgm:pt>
+    <dgm:pt modelId="{D3440075-F005-4E71-897F-D2164A1BFCA8}" type="pres">
+      <dgm:prSet presAssocID="{126EE10E-7B43-4B0B-9A47-D71BD119703C}" presName="sibTrans" presStyleCnt="0"/>
+      <dgm:spPr/>
+    </dgm:pt>
+    <dgm:pt modelId="{5700BA56-061B-4910-8A6A-95992139A03E}" type="pres">
+      <dgm:prSet presAssocID="{D474864B-72A1-4555-91B6-42554646844B}" presName="node" presStyleLbl="node1" presStyleIdx="2" presStyleCnt="4">
+        <dgm:presLayoutVars>
+          <dgm:bulletEnabled val="1"/>
+        </dgm:presLayoutVars>
+      </dgm:prSet>
+      <dgm:spPr/>
+    </dgm:pt>
+    <dgm:pt modelId="{8432054E-3DCE-46C3-8BD5-82523364D978}" type="pres">
+      <dgm:prSet presAssocID="{76D73D9C-BB0E-404E-B072-E749C19AD146}" presName="sibTrans" presStyleCnt="0"/>
+      <dgm:spPr/>
+    </dgm:pt>
+    <dgm:pt modelId="{D8B4BAAC-1D63-4D4E-A759-93450FFC3BEF}" type="pres">
+      <dgm:prSet presAssocID="{0CA13021-613E-44A9-9C50-D0897B70C497}" presName="node" presStyleLbl="node1" presStyleIdx="3" presStyleCnt="4">
+        <dgm:presLayoutVars>
+          <dgm:bulletEnabled val="1"/>
+        </dgm:presLayoutVars>
+      </dgm:prSet>
+      <dgm:spPr/>
+    </dgm:pt>
+  </dgm:ptLst>
+  <dgm:cxnLst>
+    <dgm:cxn modelId="{F020C30C-58D6-494B-A4C9-50DE4B792B5B}" type="presOf" srcId="{C0C4B3BF-593E-4E88-A88D-BE48816D4A12}" destId="{D249125C-4122-4847-AA13-8F292BB7DADD}" srcOrd="0" destOrd="0" presId="urn:microsoft.com/office/officeart/2005/8/layout/default"/>
+    <dgm:cxn modelId="{EF05D11A-A106-47B4-9DFB-33F26C8D0C61}" srcId="{C45EB5E7-D213-4A58-885E-E9D7FFF44067}" destId="{D474864B-72A1-4555-91B6-42554646844B}" srcOrd="2" destOrd="0" parTransId="{14BE907A-88D4-4D58-90CD-7BC2D04A72CC}" sibTransId="{76D73D9C-BB0E-404E-B072-E749C19AD146}"/>
+    <dgm:cxn modelId="{6BC29F27-A89C-4554-A596-E2DE6DADA05A}" type="presOf" srcId="{C45EB5E7-D213-4A58-885E-E9D7FFF44067}" destId="{20866C6E-8F5A-4793-94CB-A4A38AE1C0F1}" srcOrd="0" destOrd="0" presId="urn:microsoft.com/office/officeart/2005/8/layout/default"/>
+    <dgm:cxn modelId="{47BF5D46-9A9A-496A-9E03-5F7F65093D55}" type="presOf" srcId="{D474864B-72A1-4555-91B6-42554646844B}" destId="{5700BA56-061B-4910-8A6A-95992139A03E}" srcOrd="0" destOrd="0" presId="urn:microsoft.com/office/officeart/2005/8/layout/default"/>
+    <dgm:cxn modelId="{16EE8B6D-18E9-4DBA-919E-B29F608EC4F8}" srcId="{C45EB5E7-D213-4A58-885E-E9D7FFF44067}" destId="{A5962597-3910-4312-818E-69A83FC12C2C}" srcOrd="1" destOrd="0" parTransId="{8FA6A066-F331-41EB-9CBB-C4B8186496E6}" sibTransId="{126EE10E-7B43-4B0B-9A47-D71BD119703C}"/>
+    <dgm:cxn modelId="{D48E696F-EE6C-4FDF-AF87-1D086E47A88F}" type="presOf" srcId="{A5962597-3910-4312-818E-69A83FC12C2C}" destId="{9EE3B83E-88CA-4356-A408-468575A354C1}" srcOrd="0" destOrd="0" presId="urn:microsoft.com/office/officeart/2005/8/layout/default"/>
+    <dgm:cxn modelId="{55C41D5A-7C6A-4853-A555-C92306FAF991}" type="presOf" srcId="{0CA13021-613E-44A9-9C50-D0897B70C497}" destId="{D8B4BAAC-1D63-4D4E-A759-93450FFC3BEF}" srcOrd="0" destOrd="0" presId="urn:microsoft.com/office/officeart/2005/8/layout/default"/>
+    <dgm:cxn modelId="{8358F4D6-5A91-4D60-9305-C6C4DFB5CE34}" srcId="{C45EB5E7-D213-4A58-885E-E9D7FFF44067}" destId="{0CA13021-613E-44A9-9C50-D0897B70C497}" srcOrd="3" destOrd="0" parTransId="{97F8FD21-E994-4D3E-8A36-BCD141E8BA86}" sibTransId="{C88B2814-8AE6-4ACF-92D9-E7D2CCC2B5CD}"/>
+    <dgm:cxn modelId="{9F4279E2-EB4E-4D2F-8C82-61817755B39E}" srcId="{C45EB5E7-D213-4A58-885E-E9D7FFF44067}" destId="{C0C4B3BF-593E-4E88-A88D-BE48816D4A12}" srcOrd="0" destOrd="0" parTransId="{7EF3919E-5DFE-43C7-A2B5-F8436B6800D4}" sibTransId="{A1B5B652-19A5-4911-BCA6-9A37E5CB84B1}"/>
+    <dgm:cxn modelId="{75680467-BE7B-4F4B-82FA-75BD80C4405B}" type="presParOf" srcId="{20866C6E-8F5A-4793-94CB-A4A38AE1C0F1}" destId="{D249125C-4122-4847-AA13-8F292BB7DADD}" srcOrd="0" destOrd="0" presId="urn:microsoft.com/office/officeart/2005/8/layout/default"/>
+    <dgm:cxn modelId="{AB403775-1AF9-43A4-BECA-A10CFDA0F408}" type="presParOf" srcId="{20866C6E-8F5A-4793-94CB-A4A38AE1C0F1}" destId="{23121584-9D49-4984-93D2-96ED67C7C8C2}" srcOrd="1" destOrd="0" presId="urn:microsoft.com/office/officeart/2005/8/layout/default"/>
+    <dgm:cxn modelId="{96A29BDF-B4E5-4BCB-9EC8-C70CB5DD4961}" type="presParOf" srcId="{20866C6E-8F5A-4793-94CB-A4A38AE1C0F1}" destId="{9EE3B83E-88CA-4356-A408-468575A354C1}" srcOrd="2" destOrd="0" presId="urn:microsoft.com/office/officeart/2005/8/layout/default"/>
+    <dgm:cxn modelId="{3A0B4E4D-7BF0-412C-9A3A-58F53A022094}" type="presParOf" srcId="{20866C6E-8F5A-4793-94CB-A4A38AE1C0F1}" destId="{D3440075-F005-4E71-897F-D2164A1BFCA8}" srcOrd="3" destOrd="0" presId="urn:microsoft.com/office/officeart/2005/8/layout/default"/>
+    <dgm:cxn modelId="{34EF90DC-391B-4BA9-972F-0B9EAD56E792}" type="presParOf" srcId="{20866C6E-8F5A-4793-94CB-A4A38AE1C0F1}" destId="{5700BA56-061B-4910-8A6A-95992139A03E}" srcOrd="4" destOrd="0" presId="urn:microsoft.com/office/officeart/2005/8/layout/default"/>
+    <dgm:cxn modelId="{D3650E26-D6F9-4B3B-B529-480948529BEE}" type="presParOf" srcId="{20866C6E-8F5A-4793-94CB-A4A38AE1C0F1}" destId="{8432054E-3DCE-46C3-8BD5-82523364D978}" srcOrd="5" destOrd="0" presId="urn:microsoft.com/office/officeart/2005/8/layout/default"/>
+    <dgm:cxn modelId="{F16D8319-D470-40CF-BF0C-65A0A4F74B79}" type="presParOf" srcId="{20866C6E-8F5A-4793-94CB-A4A38AE1C0F1}" destId="{D8B4BAAC-1D63-4D4E-A759-93450FFC3BEF}" srcOrd="6" destOrd="0" presId="urn:microsoft.com/office/officeart/2005/8/layout/default"/>
+  </dgm:cxnLst>
+  <dgm:bg/>
+  <dgm:whole/>
+  <dgm:extLst>
+    <a:ext uri="http://schemas.microsoft.com/office/drawing/2008/diagram">
+      <dsp:dataModelExt xmlns:dsp="http://schemas.microsoft.com/office/drawing/2008/diagram" relId="rId6" minVer="http://schemas.openxmlformats.org/drawingml/2006/diagram"/>
+    </a:ext>
+  </dgm:extLst>
+</dgm:dataModel>
+</file>
+
 <file path=ppt/diagrams/data2.xml><?xml version="1.0" encoding="utf-8"?>
 <dgm:dataModel xmlns:dgm="http://schemas.openxmlformats.org/drawingml/2006/diagram" xmlns:a="http://schemas.openxmlformats.org/drawingml/2006/main">
   <dgm:ptLst>
@@ -6625,7 +8351,7 @@
         <a:p>
           <a:r>
             <a:rPr lang="de-DE" dirty="0"/>
-            <a:t> „Grundsätze für die die Verarbeitung personenbezogener Daten“</a:t>
+            <a:t> „Grundsätze für die Verarbeitung personenbezogener Daten“</a:t>
           </a:r>
         </a:p>
       </dgm:t>
@@ -8648,10 +10374,9 @@
         <a:lstStyle/>
         <a:p>
           <a:r>
-            <a:rPr lang="de-DE"/>
-            <a:t>SUS</a:t>
+            <a:rPr lang="de-DE" dirty="0"/>
+            <a:t>System Usability Score</a:t>
           </a:r>
-          <a:endParaRPr lang="de-DE" dirty="0"/>
         </a:p>
       </dgm:t>
     </dgm:pt>
@@ -8753,6 +10478,523 @@
   <dgm:extLst>
     <a:ext uri="http://schemas.microsoft.com/office/drawing/2008/diagram">
       <dsp:dataModelExt xmlns:dsp="http://schemas.microsoft.com/office/drawing/2008/diagram" relId="rId11" minVer="http://schemas.openxmlformats.org/drawingml/2006/diagram"/>
+    </a:ext>
+  </dgm:extLst>
+</dgm:dataModel>
+</file>
+
+<file path=ppt/diagrams/data9.xml><?xml version="1.0" encoding="utf-8"?>
+<dgm:dataModel xmlns:dgm="http://schemas.openxmlformats.org/drawingml/2006/diagram" xmlns:a="http://schemas.openxmlformats.org/drawingml/2006/main">
+  <dgm:ptLst>
+    <dgm:pt modelId="{F93F4D75-D40F-49A3-B6C7-7037961DCE04}" type="doc">
+      <dgm:prSet loTypeId="urn:microsoft.com/office/officeart/2005/8/layout/hList2" loCatId="list" qsTypeId="urn:microsoft.com/office/officeart/2005/8/quickstyle/simple1" qsCatId="simple" csTypeId="urn:microsoft.com/office/officeart/2005/8/colors/accent1_2" csCatId="accent1" phldr="1"/>
+      <dgm:spPr/>
+      <dgm:t>
+        <a:bodyPr/>
+        <a:lstStyle/>
+        <a:p>
+          <a:endParaRPr lang="de-DE"/>
+        </a:p>
+      </dgm:t>
+    </dgm:pt>
+    <dgm:pt modelId="{6DCCD4EA-BA2D-4133-A446-7EF25B0CA139}">
+      <dgm:prSet phldrT="[Text]"/>
+      <dgm:spPr/>
+      <dgm:t>
+        <a:bodyPr/>
+        <a:lstStyle/>
+        <a:p>
+          <a:r>
+            <a:rPr lang="de-DE" dirty="0"/>
+            <a:t> </a:t>
+          </a:r>
+        </a:p>
+      </dgm:t>
+    </dgm:pt>
+    <dgm:pt modelId="{396D8E5F-7FF7-4E5D-BD56-7657B9B82ACC}" type="parTrans" cxnId="{F985CABF-BF3F-4E01-9980-59B3F0FE6004}">
+      <dgm:prSet/>
+      <dgm:spPr/>
+      <dgm:t>
+        <a:bodyPr/>
+        <a:lstStyle/>
+        <a:p>
+          <a:endParaRPr lang="de-DE"/>
+        </a:p>
+      </dgm:t>
+    </dgm:pt>
+    <dgm:pt modelId="{3E93BB04-BA9C-46A8-A14A-612B70119A68}" type="sibTrans" cxnId="{F985CABF-BF3F-4E01-9980-59B3F0FE6004}">
+      <dgm:prSet/>
+      <dgm:spPr/>
+      <dgm:t>
+        <a:bodyPr/>
+        <a:lstStyle/>
+        <a:p>
+          <a:endParaRPr lang="de-DE"/>
+        </a:p>
+      </dgm:t>
+    </dgm:pt>
+    <dgm:pt modelId="{EAB98F1A-C243-47B2-85A0-A3C2AC7ED98E}">
+      <dgm:prSet phldrT="[Text]"/>
+      <dgm:spPr/>
+      <dgm:t>
+        <a:bodyPr/>
+        <a:lstStyle/>
+        <a:p>
+          <a:r>
+            <a:rPr lang="de-DE" dirty="0"/>
+            <a:t>SUS 70 Punkte</a:t>
+          </a:r>
+        </a:p>
+      </dgm:t>
+    </dgm:pt>
+    <dgm:pt modelId="{9A33B2C2-7F13-45F5-82B9-81BFEEDE8641}" type="parTrans" cxnId="{F610B340-972C-4BDA-9EF0-6482472F15FC}">
+      <dgm:prSet/>
+      <dgm:spPr/>
+      <dgm:t>
+        <a:bodyPr/>
+        <a:lstStyle/>
+        <a:p>
+          <a:endParaRPr lang="de-DE"/>
+        </a:p>
+      </dgm:t>
+    </dgm:pt>
+    <dgm:pt modelId="{6275185D-D8BA-43C5-8785-0467AF5A9044}" type="sibTrans" cxnId="{F610B340-972C-4BDA-9EF0-6482472F15FC}">
+      <dgm:prSet/>
+      <dgm:spPr/>
+      <dgm:t>
+        <a:bodyPr/>
+        <a:lstStyle/>
+        <a:p>
+          <a:endParaRPr lang="de-DE"/>
+        </a:p>
+      </dgm:t>
+    </dgm:pt>
+    <dgm:pt modelId="{41926212-5E71-4F6F-803B-D7F343289CA6}">
+      <dgm:prSet phldrT="[Text]"/>
+      <dgm:spPr/>
+      <dgm:t>
+        <a:bodyPr/>
+        <a:lstStyle/>
+        <a:p>
+          <a:r>
+            <a:rPr lang="de-DE" dirty="0"/>
+            <a:t>Interaktion natürlich</a:t>
+          </a:r>
+        </a:p>
+      </dgm:t>
+    </dgm:pt>
+    <dgm:pt modelId="{DD8FABBD-63F8-4286-8949-1665C2C84F5F}" type="parTrans" cxnId="{E408F7AE-FDE5-4242-921A-23D8B8C9A3C1}">
+      <dgm:prSet/>
+      <dgm:spPr/>
+      <dgm:t>
+        <a:bodyPr/>
+        <a:lstStyle/>
+        <a:p>
+          <a:endParaRPr lang="de-DE"/>
+        </a:p>
+      </dgm:t>
+    </dgm:pt>
+    <dgm:pt modelId="{859AB984-56FB-4B5F-AABC-7997FBA6EA25}" type="sibTrans" cxnId="{E408F7AE-FDE5-4242-921A-23D8B8C9A3C1}">
+      <dgm:prSet/>
+      <dgm:spPr/>
+      <dgm:t>
+        <a:bodyPr/>
+        <a:lstStyle/>
+        <a:p>
+          <a:endParaRPr lang="de-DE"/>
+        </a:p>
+      </dgm:t>
+    </dgm:pt>
+    <dgm:pt modelId="{60586643-A6C0-4F65-B7FB-39EE8CF43088}">
+      <dgm:prSet phldrT="[Text]"/>
+      <dgm:spPr/>
+      <dgm:t>
+        <a:bodyPr/>
+        <a:lstStyle/>
+        <a:p>
+          <a:r>
+            <a:rPr lang="de-DE" dirty="0"/>
+            <a:t> </a:t>
+          </a:r>
+        </a:p>
+      </dgm:t>
+    </dgm:pt>
+    <dgm:pt modelId="{FD63C932-9709-4671-8923-5289D823BF53}" type="parTrans" cxnId="{BF637CEA-F51F-4E95-943C-F773DADE8338}">
+      <dgm:prSet/>
+      <dgm:spPr/>
+      <dgm:t>
+        <a:bodyPr/>
+        <a:lstStyle/>
+        <a:p>
+          <a:endParaRPr lang="de-DE"/>
+        </a:p>
+      </dgm:t>
+    </dgm:pt>
+    <dgm:pt modelId="{51C57D7B-3A3B-4176-BFE7-241D0D384C40}" type="sibTrans" cxnId="{BF637CEA-F51F-4E95-943C-F773DADE8338}">
+      <dgm:prSet/>
+      <dgm:spPr/>
+      <dgm:t>
+        <a:bodyPr/>
+        <a:lstStyle/>
+        <a:p>
+          <a:endParaRPr lang="de-DE"/>
+        </a:p>
+      </dgm:t>
+    </dgm:pt>
+    <dgm:pt modelId="{65EE96BF-AB3A-4B47-B8B5-D762F561C8AE}">
+      <dgm:prSet phldrT="[Text]"/>
+      <dgm:spPr/>
+      <dgm:t>
+        <a:bodyPr/>
+        <a:lstStyle/>
+        <a:p>
+          <a:r>
+            <a:rPr lang="de-DE" dirty="0"/>
+            <a:t>Reaktionszeit</a:t>
+          </a:r>
+        </a:p>
+      </dgm:t>
+    </dgm:pt>
+    <dgm:pt modelId="{B5F6C0AA-95F3-4925-B07E-AA629E4F8421}" type="parTrans" cxnId="{59460651-AD24-4C68-BF29-4205F6BB1C11}">
+      <dgm:prSet/>
+      <dgm:spPr/>
+      <dgm:t>
+        <a:bodyPr/>
+        <a:lstStyle/>
+        <a:p>
+          <a:endParaRPr lang="de-DE"/>
+        </a:p>
+      </dgm:t>
+    </dgm:pt>
+    <dgm:pt modelId="{A330768B-7DD0-46D8-A6D6-BFC1A2232BC1}" type="sibTrans" cxnId="{59460651-AD24-4C68-BF29-4205F6BB1C11}">
+      <dgm:prSet/>
+      <dgm:spPr/>
+      <dgm:t>
+        <a:bodyPr/>
+        <a:lstStyle/>
+        <a:p>
+          <a:endParaRPr lang="de-DE"/>
+        </a:p>
+      </dgm:t>
+    </dgm:pt>
+    <dgm:pt modelId="{4D5A82A8-EE6B-43C4-94F4-E485ED7C301B}">
+      <dgm:prSet phldrT="[Text]"/>
+      <dgm:spPr/>
+      <dgm:t>
+        <a:bodyPr/>
+        <a:lstStyle/>
+        <a:p>
+          <a:r>
+            <a:rPr lang="de-DE" dirty="0"/>
+            <a:t>Mangelndes Feedback</a:t>
+          </a:r>
+        </a:p>
+      </dgm:t>
+    </dgm:pt>
+    <dgm:pt modelId="{86B9C471-E0AA-4B80-9AC3-CE81E05EE7DB}" type="parTrans" cxnId="{404E47E0-B264-4613-A96B-A1420EFBBC60}">
+      <dgm:prSet/>
+      <dgm:spPr/>
+      <dgm:t>
+        <a:bodyPr/>
+        <a:lstStyle/>
+        <a:p>
+          <a:endParaRPr lang="de-DE"/>
+        </a:p>
+      </dgm:t>
+    </dgm:pt>
+    <dgm:pt modelId="{EFD271CA-4A5D-4775-8F6A-178DCD09710C}" type="sibTrans" cxnId="{404E47E0-B264-4613-A96B-A1420EFBBC60}">
+      <dgm:prSet/>
+      <dgm:spPr/>
+      <dgm:t>
+        <a:bodyPr/>
+        <a:lstStyle/>
+        <a:p>
+          <a:endParaRPr lang="de-DE"/>
+        </a:p>
+      </dgm:t>
+    </dgm:pt>
+    <dgm:pt modelId="{DFED3813-3E46-404A-B330-F0A92F4B147C}">
+      <dgm:prSet phldrT="[Text]"/>
+      <dgm:spPr/>
+      <dgm:t>
+        <a:bodyPr/>
+        <a:lstStyle/>
+        <a:p>
+          <a:r>
+            <a:rPr lang="de-DE" dirty="0"/>
+            <a:t>Datenschutz</a:t>
+          </a:r>
+        </a:p>
+      </dgm:t>
+    </dgm:pt>
+    <dgm:pt modelId="{A2A29AB4-2004-41A2-9C55-B6009FA1CFCB}" type="parTrans" cxnId="{3F37D612-DC1B-465F-870D-0C85AA29B18F}">
+      <dgm:prSet/>
+      <dgm:spPr/>
+      <dgm:t>
+        <a:bodyPr/>
+        <a:lstStyle/>
+        <a:p>
+          <a:endParaRPr lang="de-DE"/>
+        </a:p>
+      </dgm:t>
+    </dgm:pt>
+    <dgm:pt modelId="{0D97C99E-8642-4D0C-B986-0A8AC955B208}" type="sibTrans" cxnId="{3F37D612-DC1B-465F-870D-0C85AA29B18F}">
+      <dgm:prSet/>
+      <dgm:spPr/>
+      <dgm:t>
+        <a:bodyPr/>
+        <a:lstStyle/>
+        <a:p>
+          <a:endParaRPr lang="de-DE"/>
+        </a:p>
+      </dgm:t>
+    </dgm:pt>
+    <dgm:pt modelId="{768B009F-5989-4C3C-974C-AE5E151FA1FE}">
+      <dgm:prSet phldrT="[Text]"/>
+      <dgm:spPr/>
+      <dgm:t>
+        <a:bodyPr/>
+        <a:lstStyle/>
+        <a:p>
+          <a:r>
+            <a:rPr lang="de-DE" dirty="0"/>
+            <a:t>Hilfsangebot</a:t>
+          </a:r>
+        </a:p>
+      </dgm:t>
+    </dgm:pt>
+    <dgm:pt modelId="{85E51EED-1738-4661-BCE0-B1BA86A1C244}" type="parTrans" cxnId="{42673411-D36D-4D8F-AD94-1150FD047D2A}">
+      <dgm:prSet/>
+      <dgm:spPr/>
+      <dgm:t>
+        <a:bodyPr/>
+        <a:lstStyle/>
+        <a:p>
+          <a:endParaRPr lang="de-DE"/>
+        </a:p>
+      </dgm:t>
+    </dgm:pt>
+    <dgm:pt modelId="{820C5CF1-A938-4CE5-AEDF-0B29F7603A99}" type="sibTrans" cxnId="{42673411-D36D-4D8F-AD94-1150FD047D2A}">
+      <dgm:prSet/>
+      <dgm:spPr/>
+      <dgm:t>
+        <a:bodyPr/>
+        <a:lstStyle/>
+        <a:p>
+          <a:endParaRPr lang="de-DE"/>
+        </a:p>
+      </dgm:t>
+    </dgm:pt>
+    <dgm:pt modelId="{BF9C6450-EE75-49AF-982D-6DAF02F2E887}">
+      <dgm:prSet phldrT="[Text]"/>
+      <dgm:spPr/>
+      <dgm:t>
+        <a:bodyPr/>
+        <a:lstStyle/>
+        <a:p>
+          <a:r>
+            <a:rPr lang="de-DE" dirty="0"/>
+            <a:t>Stimme</a:t>
+          </a:r>
+        </a:p>
+      </dgm:t>
+    </dgm:pt>
+    <dgm:pt modelId="{5D7A7E9D-74D2-4023-80E7-31D9B06EF53A}" type="parTrans" cxnId="{17CC6F96-AEBB-4805-90C2-2DBAD374AC42}">
+      <dgm:prSet/>
+      <dgm:spPr/>
+      <dgm:t>
+        <a:bodyPr/>
+        <a:lstStyle/>
+        <a:p>
+          <a:endParaRPr lang="de-DE"/>
+        </a:p>
+      </dgm:t>
+    </dgm:pt>
+    <dgm:pt modelId="{9FFF597E-46FA-484D-ABD2-FE0794DD06AA}" type="sibTrans" cxnId="{17CC6F96-AEBB-4805-90C2-2DBAD374AC42}">
+      <dgm:prSet/>
+      <dgm:spPr/>
+      <dgm:t>
+        <a:bodyPr/>
+        <a:lstStyle/>
+        <a:p>
+          <a:endParaRPr lang="de-DE"/>
+        </a:p>
+      </dgm:t>
+    </dgm:pt>
+    <dgm:pt modelId="{6FF238B4-1742-4B73-8B5A-520603A77D6A}">
+      <dgm:prSet phldrT="[Text]"/>
+      <dgm:spPr/>
+      <dgm:t>
+        <a:bodyPr/>
+        <a:lstStyle/>
+        <a:p>
+          <a:endParaRPr lang="de-DE" dirty="0"/>
+        </a:p>
+      </dgm:t>
+    </dgm:pt>
+    <dgm:pt modelId="{5B4DB68D-0753-4215-B332-EF917249ED1E}" type="parTrans" cxnId="{0807CC11-CA40-4F46-9004-C767BDDD47F5}">
+      <dgm:prSet/>
+      <dgm:spPr/>
+      <dgm:t>
+        <a:bodyPr/>
+        <a:lstStyle/>
+        <a:p>
+          <a:endParaRPr lang="de-DE"/>
+        </a:p>
+      </dgm:t>
+    </dgm:pt>
+    <dgm:pt modelId="{A7F10031-E82B-472E-A925-CAB4C85E2278}" type="sibTrans" cxnId="{0807CC11-CA40-4F46-9004-C767BDDD47F5}">
+      <dgm:prSet/>
+      <dgm:spPr/>
+      <dgm:t>
+        <a:bodyPr/>
+        <a:lstStyle/>
+        <a:p>
+          <a:endParaRPr lang="de-DE"/>
+        </a:p>
+      </dgm:t>
+    </dgm:pt>
+    <dgm:pt modelId="{0FF05181-F379-492F-BFE3-DA371E55F0E6}" type="pres">
+      <dgm:prSet presAssocID="{F93F4D75-D40F-49A3-B6C7-7037961DCE04}" presName="linearFlow" presStyleCnt="0">
+        <dgm:presLayoutVars>
+          <dgm:dir/>
+          <dgm:animLvl val="lvl"/>
+          <dgm:resizeHandles/>
+        </dgm:presLayoutVars>
+      </dgm:prSet>
+      <dgm:spPr/>
+    </dgm:pt>
+    <dgm:pt modelId="{6EC8DA1F-7FA2-49A3-8619-FFD1323B07EE}" type="pres">
+      <dgm:prSet presAssocID="{6DCCD4EA-BA2D-4133-A446-7EF25B0CA139}" presName="compositeNode" presStyleCnt="0">
+        <dgm:presLayoutVars>
+          <dgm:bulletEnabled val="1"/>
+        </dgm:presLayoutVars>
+      </dgm:prSet>
+      <dgm:spPr/>
+    </dgm:pt>
+    <dgm:pt modelId="{00645FCE-1CA5-4540-9593-97ADDC02855F}" type="pres">
+      <dgm:prSet presAssocID="{6DCCD4EA-BA2D-4133-A446-7EF25B0CA139}" presName="image" presStyleLbl="fgImgPlace1" presStyleIdx="0" presStyleCnt="2" custLinFactNeighborX="3065" custLinFactNeighborY="6499"/>
+      <dgm:spPr>
+        <a:blipFill>
+          <a:blip xmlns:r="http://schemas.openxmlformats.org/officeDocument/2006/relationships" r:embed="rId1">
+            <a:extLst>
+              <a:ext uri="{837473B0-CC2E-450A-ABE3-18F120FF3D39}">
+                <a1611:picAttrSrcUrl xmlns:a1611="http://schemas.microsoft.com/office/drawing/2016/11/main" r:id="rId2"/>
+              </a:ext>
+            </a:extLst>
+          </a:blip>
+          <a:srcRect/>
+          <a:stretch>
+            <a:fillRect/>
+          </a:stretch>
+        </a:blipFill>
+      </dgm:spPr>
+    </dgm:pt>
+    <dgm:pt modelId="{2CB5ECE3-8AF0-48A4-A14C-3770B1604AC3}" type="pres">
+      <dgm:prSet presAssocID="{6DCCD4EA-BA2D-4133-A446-7EF25B0CA139}" presName="childNode" presStyleLbl="node1" presStyleIdx="0" presStyleCnt="2" custScaleX="89808" custLinFactNeighborX="15026" custLinFactNeighborY="141">
+        <dgm:presLayoutVars>
+          <dgm:bulletEnabled val="1"/>
+        </dgm:presLayoutVars>
+      </dgm:prSet>
+      <dgm:spPr/>
+    </dgm:pt>
+    <dgm:pt modelId="{9DF7812C-9D50-4A5F-B08E-1C1BBD5D71E8}" type="pres">
+      <dgm:prSet presAssocID="{6DCCD4EA-BA2D-4133-A446-7EF25B0CA139}" presName="parentNode" presStyleLbl="revTx" presStyleIdx="0" presStyleCnt="2">
+        <dgm:presLayoutVars>
+          <dgm:chMax val="0"/>
+          <dgm:bulletEnabled val="1"/>
+        </dgm:presLayoutVars>
+      </dgm:prSet>
+      <dgm:spPr/>
+    </dgm:pt>
+    <dgm:pt modelId="{4D052C0F-7A1D-4DFC-8F55-53B873015EF4}" type="pres">
+      <dgm:prSet presAssocID="{3E93BB04-BA9C-46A8-A14A-612B70119A68}" presName="sibTrans" presStyleCnt="0"/>
+      <dgm:spPr/>
+    </dgm:pt>
+    <dgm:pt modelId="{B4C4E858-AE5D-4AD8-BDE1-E45DF1AA10FC}" type="pres">
+      <dgm:prSet presAssocID="{60586643-A6C0-4F65-B7FB-39EE8CF43088}" presName="compositeNode" presStyleCnt="0">
+        <dgm:presLayoutVars>
+          <dgm:bulletEnabled val="1"/>
+        </dgm:presLayoutVars>
+      </dgm:prSet>
+      <dgm:spPr/>
+    </dgm:pt>
+    <dgm:pt modelId="{3059123B-D816-4E08-87C8-209AD72A0737}" type="pres">
+      <dgm:prSet presAssocID="{60586643-A6C0-4F65-B7FB-39EE8CF43088}" presName="image" presStyleLbl="fgImgPlace1" presStyleIdx="1" presStyleCnt="2" custLinFactNeighborX="-27884" custLinFactNeighborY="-333"/>
+      <dgm:spPr>
+        <a:blipFill>
+          <a:blip xmlns:r="http://schemas.openxmlformats.org/officeDocument/2006/relationships" r:embed="rId3" cstate="print">
+            <a:extLst>
+              <a:ext uri="{28A0092B-C50C-407E-A947-70E740481C1C}">
+                <a14:useLocalDpi xmlns:a14="http://schemas.microsoft.com/office/drawing/2010/main" val="0"/>
+              </a:ext>
+              <a:ext uri="{837473B0-CC2E-450A-ABE3-18F120FF3D39}">
+                <a1611:picAttrSrcUrl xmlns:a1611="http://schemas.microsoft.com/office/drawing/2016/11/main" r:id="rId4"/>
+              </a:ext>
+            </a:extLst>
+          </a:blip>
+          <a:srcRect/>
+          <a:stretch>
+            <a:fillRect/>
+          </a:stretch>
+        </a:blipFill>
+      </dgm:spPr>
+    </dgm:pt>
+    <dgm:pt modelId="{6D7751A8-E03C-405B-A2BE-CD87E8BBB01C}" type="pres">
+      <dgm:prSet presAssocID="{60586643-A6C0-4F65-B7FB-39EE8CF43088}" presName="childNode" presStyleLbl="node1" presStyleIdx="1" presStyleCnt="2" custScaleX="91471" custLinFactNeighborX="1244" custLinFactNeighborY="141">
+        <dgm:presLayoutVars>
+          <dgm:bulletEnabled val="1"/>
+        </dgm:presLayoutVars>
+      </dgm:prSet>
+      <dgm:spPr/>
+    </dgm:pt>
+    <dgm:pt modelId="{AD7697A2-2016-446B-B68F-4DA1974D32F1}" type="pres">
+      <dgm:prSet presAssocID="{60586643-A6C0-4F65-B7FB-39EE8CF43088}" presName="parentNode" presStyleLbl="revTx" presStyleIdx="1" presStyleCnt="2">
+        <dgm:presLayoutVars>
+          <dgm:chMax val="0"/>
+          <dgm:bulletEnabled val="1"/>
+        </dgm:presLayoutVars>
+      </dgm:prSet>
+      <dgm:spPr/>
+    </dgm:pt>
+  </dgm:ptLst>
+  <dgm:cxnLst>
+    <dgm:cxn modelId="{0F1D0407-8CEC-4309-9009-3C594A4BBE02}" type="presOf" srcId="{60586643-A6C0-4F65-B7FB-39EE8CF43088}" destId="{AD7697A2-2016-446B-B68F-4DA1974D32F1}" srcOrd="0" destOrd="0" presId="urn:microsoft.com/office/officeart/2005/8/layout/hList2"/>
+    <dgm:cxn modelId="{42673411-D36D-4D8F-AD94-1150FD047D2A}" srcId="{6DCCD4EA-BA2D-4133-A446-7EF25B0CA139}" destId="{768B009F-5989-4C3C-974C-AE5E151FA1FE}" srcOrd="1" destOrd="0" parTransId="{85E51EED-1738-4661-BCE0-B1BA86A1C244}" sibTransId="{820C5CF1-A938-4CE5-AEDF-0B29F7603A99}"/>
+    <dgm:cxn modelId="{0807CC11-CA40-4F46-9004-C767BDDD47F5}" srcId="{60586643-A6C0-4F65-B7FB-39EE8CF43088}" destId="{6FF238B4-1742-4B73-8B5A-520603A77D6A}" srcOrd="3" destOrd="0" parTransId="{5B4DB68D-0753-4215-B332-EF917249ED1E}" sibTransId="{A7F10031-E82B-472E-A925-CAB4C85E2278}"/>
+    <dgm:cxn modelId="{3F37D612-DC1B-465F-870D-0C85AA29B18F}" srcId="{6DCCD4EA-BA2D-4133-A446-7EF25B0CA139}" destId="{DFED3813-3E46-404A-B330-F0A92F4B147C}" srcOrd="2" destOrd="0" parTransId="{A2A29AB4-2004-41A2-9C55-B6009FA1CFCB}" sibTransId="{0D97C99E-8642-4D0C-B986-0A8AC955B208}"/>
+    <dgm:cxn modelId="{39BB4624-7B03-42BA-9CC0-22A0E15C1CCA}" type="presOf" srcId="{768B009F-5989-4C3C-974C-AE5E151FA1FE}" destId="{2CB5ECE3-8AF0-48A4-A14C-3770B1604AC3}" srcOrd="0" destOrd="1" presId="urn:microsoft.com/office/officeart/2005/8/layout/hList2"/>
+    <dgm:cxn modelId="{0A8E8136-00A4-490B-A3C0-E13757ABA36D}" type="presOf" srcId="{EAB98F1A-C243-47B2-85A0-A3C2AC7ED98E}" destId="{2CB5ECE3-8AF0-48A4-A14C-3770B1604AC3}" srcOrd="0" destOrd="0" presId="urn:microsoft.com/office/officeart/2005/8/layout/hList2"/>
+    <dgm:cxn modelId="{F610B340-972C-4BDA-9EF0-6482472F15FC}" srcId="{6DCCD4EA-BA2D-4133-A446-7EF25B0CA139}" destId="{EAB98F1A-C243-47B2-85A0-A3C2AC7ED98E}" srcOrd="0" destOrd="0" parTransId="{9A33B2C2-7F13-45F5-82B9-81BFEEDE8641}" sibTransId="{6275185D-D8BA-43C5-8785-0467AF5A9044}"/>
+    <dgm:cxn modelId="{60299D4F-BEE8-4B75-979F-85CCE75EB47A}" type="presOf" srcId="{DFED3813-3E46-404A-B330-F0A92F4B147C}" destId="{2CB5ECE3-8AF0-48A4-A14C-3770B1604AC3}" srcOrd="0" destOrd="2" presId="urn:microsoft.com/office/officeart/2005/8/layout/hList2"/>
+    <dgm:cxn modelId="{59460651-AD24-4C68-BF29-4205F6BB1C11}" srcId="{60586643-A6C0-4F65-B7FB-39EE8CF43088}" destId="{65EE96BF-AB3A-4B47-B8B5-D762F561C8AE}" srcOrd="0" destOrd="0" parTransId="{B5F6C0AA-95F3-4925-B07E-AA629E4F8421}" sibTransId="{A330768B-7DD0-46D8-A6D6-BFC1A2232BC1}"/>
+    <dgm:cxn modelId="{AECC6A72-2536-4B97-AB43-198975DF4E95}" type="presOf" srcId="{4D5A82A8-EE6B-43C4-94F4-E485ED7C301B}" destId="{6D7751A8-E03C-405B-A2BE-CD87E8BBB01C}" srcOrd="0" destOrd="1" presId="urn:microsoft.com/office/officeart/2005/8/layout/hList2"/>
+    <dgm:cxn modelId="{17CC6F96-AEBB-4805-90C2-2DBAD374AC42}" srcId="{60586643-A6C0-4F65-B7FB-39EE8CF43088}" destId="{BF9C6450-EE75-49AF-982D-6DAF02F2E887}" srcOrd="2" destOrd="0" parTransId="{5D7A7E9D-74D2-4023-80E7-31D9B06EF53A}" sibTransId="{9FFF597E-46FA-484D-ABD2-FE0794DD06AA}"/>
+    <dgm:cxn modelId="{67F49198-ECAD-448B-ACDA-D7C8BADF70A4}" type="presOf" srcId="{65EE96BF-AB3A-4B47-B8B5-D762F561C8AE}" destId="{6D7751A8-E03C-405B-A2BE-CD87E8BBB01C}" srcOrd="0" destOrd="0" presId="urn:microsoft.com/office/officeart/2005/8/layout/hList2"/>
+    <dgm:cxn modelId="{E408F7AE-FDE5-4242-921A-23D8B8C9A3C1}" srcId="{6DCCD4EA-BA2D-4133-A446-7EF25B0CA139}" destId="{41926212-5E71-4F6F-803B-D7F343289CA6}" srcOrd="3" destOrd="0" parTransId="{DD8FABBD-63F8-4286-8949-1665C2C84F5F}" sibTransId="{859AB984-56FB-4B5F-AABC-7997FBA6EA25}"/>
+    <dgm:cxn modelId="{216B86BF-158A-4F95-8C4D-14E7DA2D570E}" type="presOf" srcId="{BF9C6450-EE75-49AF-982D-6DAF02F2E887}" destId="{6D7751A8-E03C-405B-A2BE-CD87E8BBB01C}" srcOrd="0" destOrd="2" presId="urn:microsoft.com/office/officeart/2005/8/layout/hList2"/>
+    <dgm:cxn modelId="{F985CABF-BF3F-4E01-9980-59B3F0FE6004}" srcId="{F93F4D75-D40F-49A3-B6C7-7037961DCE04}" destId="{6DCCD4EA-BA2D-4133-A446-7EF25B0CA139}" srcOrd="0" destOrd="0" parTransId="{396D8E5F-7FF7-4E5D-BD56-7657B9B82ACC}" sibTransId="{3E93BB04-BA9C-46A8-A14A-612B70119A68}"/>
+    <dgm:cxn modelId="{4A4519C9-4758-46CF-81EC-5E6EB839EC09}" type="presOf" srcId="{F93F4D75-D40F-49A3-B6C7-7037961DCE04}" destId="{0FF05181-F379-492F-BFE3-DA371E55F0E6}" srcOrd="0" destOrd="0" presId="urn:microsoft.com/office/officeart/2005/8/layout/hList2"/>
+    <dgm:cxn modelId="{1C232CCB-1A1E-4FCA-AE3C-B2E2FD05DDF1}" type="presOf" srcId="{6DCCD4EA-BA2D-4133-A446-7EF25B0CA139}" destId="{9DF7812C-9D50-4A5F-B08E-1C1BBD5D71E8}" srcOrd="0" destOrd="0" presId="urn:microsoft.com/office/officeart/2005/8/layout/hList2"/>
+    <dgm:cxn modelId="{404E47E0-B264-4613-A96B-A1420EFBBC60}" srcId="{60586643-A6C0-4F65-B7FB-39EE8CF43088}" destId="{4D5A82A8-EE6B-43C4-94F4-E485ED7C301B}" srcOrd="1" destOrd="0" parTransId="{86B9C471-E0AA-4B80-9AC3-CE81E05EE7DB}" sibTransId="{EFD271CA-4A5D-4775-8F6A-178DCD09710C}"/>
+    <dgm:cxn modelId="{BF637CEA-F51F-4E95-943C-F773DADE8338}" srcId="{F93F4D75-D40F-49A3-B6C7-7037961DCE04}" destId="{60586643-A6C0-4F65-B7FB-39EE8CF43088}" srcOrd="1" destOrd="0" parTransId="{FD63C932-9709-4671-8923-5289D823BF53}" sibTransId="{51C57D7B-3A3B-4176-BFE7-241D0D384C40}"/>
+    <dgm:cxn modelId="{44554AEB-4CF9-453A-BB34-0E941F76BF72}" type="presOf" srcId="{41926212-5E71-4F6F-803B-D7F343289CA6}" destId="{2CB5ECE3-8AF0-48A4-A14C-3770B1604AC3}" srcOrd="0" destOrd="3" presId="urn:microsoft.com/office/officeart/2005/8/layout/hList2"/>
+    <dgm:cxn modelId="{EF0159F5-C86A-4EB1-BD26-502AFD427A3E}" type="presOf" srcId="{6FF238B4-1742-4B73-8B5A-520603A77D6A}" destId="{6D7751A8-E03C-405B-A2BE-CD87E8BBB01C}" srcOrd="0" destOrd="3" presId="urn:microsoft.com/office/officeart/2005/8/layout/hList2"/>
+    <dgm:cxn modelId="{CA3FAD88-FA2D-4A59-871A-908EB4BF68BD}" type="presParOf" srcId="{0FF05181-F379-492F-BFE3-DA371E55F0E6}" destId="{6EC8DA1F-7FA2-49A3-8619-FFD1323B07EE}" srcOrd="0" destOrd="0" presId="urn:microsoft.com/office/officeart/2005/8/layout/hList2"/>
+    <dgm:cxn modelId="{49A3CBAA-FE19-43F3-A579-E2B004FF8BB8}" type="presParOf" srcId="{6EC8DA1F-7FA2-49A3-8619-FFD1323B07EE}" destId="{00645FCE-1CA5-4540-9593-97ADDC02855F}" srcOrd="0" destOrd="0" presId="urn:microsoft.com/office/officeart/2005/8/layout/hList2"/>
+    <dgm:cxn modelId="{B9D86B63-50B2-4E9F-AD77-060E27DEE071}" type="presParOf" srcId="{6EC8DA1F-7FA2-49A3-8619-FFD1323B07EE}" destId="{2CB5ECE3-8AF0-48A4-A14C-3770B1604AC3}" srcOrd="1" destOrd="0" presId="urn:microsoft.com/office/officeart/2005/8/layout/hList2"/>
+    <dgm:cxn modelId="{4DBA6532-D9A7-4462-B523-BC2A0A05AC48}" type="presParOf" srcId="{6EC8DA1F-7FA2-49A3-8619-FFD1323B07EE}" destId="{9DF7812C-9D50-4A5F-B08E-1C1BBD5D71E8}" srcOrd="2" destOrd="0" presId="urn:microsoft.com/office/officeart/2005/8/layout/hList2"/>
+    <dgm:cxn modelId="{A51E3EF9-4E69-4CFC-BCC1-2B2C9C701D0E}" type="presParOf" srcId="{0FF05181-F379-492F-BFE3-DA371E55F0E6}" destId="{4D052C0F-7A1D-4DFC-8F55-53B873015EF4}" srcOrd="1" destOrd="0" presId="urn:microsoft.com/office/officeart/2005/8/layout/hList2"/>
+    <dgm:cxn modelId="{FE2FA9FD-1A3E-4DE5-839E-17125B748303}" type="presParOf" srcId="{0FF05181-F379-492F-BFE3-DA371E55F0E6}" destId="{B4C4E858-AE5D-4AD8-BDE1-E45DF1AA10FC}" srcOrd="2" destOrd="0" presId="urn:microsoft.com/office/officeart/2005/8/layout/hList2"/>
+    <dgm:cxn modelId="{19F6AC4C-5E23-4819-8C0F-24076751C227}" type="presParOf" srcId="{B4C4E858-AE5D-4AD8-BDE1-E45DF1AA10FC}" destId="{3059123B-D816-4E08-87C8-209AD72A0737}" srcOrd="0" destOrd="0" presId="urn:microsoft.com/office/officeart/2005/8/layout/hList2"/>
+    <dgm:cxn modelId="{2473AE04-F85A-4EAB-AAA6-1993C0C7BD88}" type="presParOf" srcId="{B4C4E858-AE5D-4AD8-BDE1-E45DF1AA10FC}" destId="{6D7751A8-E03C-405B-A2BE-CD87E8BBB01C}" srcOrd="1" destOrd="0" presId="urn:microsoft.com/office/officeart/2005/8/layout/hList2"/>
+    <dgm:cxn modelId="{BCD845A9-25FE-415B-A03E-F3C1AD3F0BC6}" type="presParOf" srcId="{B4C4E858-AE5D-4AD8-BDE1-E45DF1AA10FC}" destId="{AD7697A2-2016-446B-B68F-4DA1974D32F1}" srcOrd="2" destOrd="0" presId="urn:microsoft.com/office/officeart/2005/8/layout/hList2"/>
+  </dgm:cxnLst>
+  <dgm:bg/>
+  <dgm:whole/>
+  <dgm:extLst>
+    <a:ext uri="http://schemas.microsoft.com/office/drawing/2008/diagram">
+      <dsp:dataModelExt xmlns:dsp="http://schemas.microsoft.com/office/drawing/2008/diagram" relId="rId6" minVer="http://schemas.openxmlformats.org/drawingml/2006/diagram"/>
     </a:ext>
   </dgm:extLst>
 </dgm:dataModel>
@@ -9238,6 +11480,338 @@
 </dsp:drawing>
 </file>
 
+<file path=ppt/diagrams/drawing10.xml><?xml version="1.0" encoding="utf-8"?>
+<dsp:drawing xmlns:dgm="http://schemas.openxmlformats.org/drawingml/2006/diagram" xmlns:dsp="http://schemas.microsoft.com/office/drawing/2008/diagram" xmlns:a="http://schemas.openxmlformats.org/drawingml/2006/main">
+  <dsp:spTree>
+    <dsp:nvGrpSpPr>
+      <dsp:cNvPr id="0" name=""/>
+      <dsp:cNvGrpSpPr/>
+    </dsp:nvGrpSpPr>
+    <dsp:grpSpPr/>
+    <dsp:sp modelId="{D249125C-4122-4847-AA13-8F292BB7DADD}">
+      <dsp:nvSpPr>
+        <dsp:cNvPr id="0" name=""/>
+        <dsp:cNvSpPr/>
+      </dsp:nvSpPr>
+      <dsp:spPr>
+        <a:xfrm>
+          <a:off x="992" y="194138"/>
+          <a:ext cx="3869531" cy="2321718"/>
+        </a:xfrm>
+        <a:prstGeom prst="rect">
+          <a:avLst/>
+        </a:prstGeom>
+        <a:solidFill>
+          <a:schemeClr val="accent1">
+            <a:hueOff val="0"/>
+            <a:satOff val="0"/>
+            <a:lumOff val="0"/>
+            <a:alphaOff val="0"/>
+          </a:schemeClr>
+        </a:solidFill>
+        <a:ln w="12700" cap="flat" cmpd="sng" algn="ctr">
+          <a:solidFill>
+            <a:schemeClr val="lt1">
+              <a:hueOff val="0"/>
+              <a:satOff val="0"/>
+              <a:lumOff val="0"/>
+              <a:alphaOff val="0"/>
+            </a:schemeClr>
+          </a:solidFill>
+          <a:prstDash val="solid"/>
+          <a:miter lim="800000"/>
+        </a:ln>
+        <a:effectLst/>
+      </dsp:spPr>
+      <dsp:style>
+        <a:lnRef idx="2">
+          <a:scrgbClr r="0" g="0" b="0"/>
+        </a:lnRef>
+        <a:fillRef idx="1">
+          <a:scrgbClr r="0" g="0" b="0"/>
+        </a:fillRef>
+        <a:effectRef idx="0">
+          <a:scrgbClr r="0" g="0" b="0"/>
+        </a:effectRef>
+        <a:fontRef idx="minor">
+          <a:schemeClr val="lt1"/>
+        </a:fontRef>
+      </dsp:style>
+      <dsp:txBody>
+        <a:bodyPr spcFirstLastPara="0" vert="horz" wrap="square" lIns="144780" tIns="144780" rIns="144780" bIns="144780" numCol="1" spcCol="1270" anchor="ctr" anchorCtr="0">
+          <a:noAutofit/>
+        </a:bodyPr>
+        <a:lstStyle/>
+        <a:p>
+          <a:pPr marL="0" lvl="0" indent="0" algn="ctr" defTabSz="1689100">
+            <a:lnSpc>
+              <a:spcPct val="90000"/>
+            </a:lnSpc>
+            <a:spcBef>
+              <a:spcPct val="0"/>
+            </a:spcBef>
+            <a:spcAft>
+              <a:spcPct val="35000"/>
+            </a:spcAft>
+            <a:buNone/>
+          </a:pPr>
+          <a:r>
+            <a:rPr lang="de-DE" sz="3800" kern="1200" dirty="0"/>
+            <a:t>Unabhängiger Sprachassistent funktioniert</a:t>
+          </a:r>
+        </a:p>
+      </dsp:txBody>
+      <dsp:txXfrm>
+        <a:off x="992" y="194138"/>
+        <a:ext cx="3869531" cy="2321718"/>
+      </dsp:txXfrm>
+    </dsp:sp>
+    <dsp:sp modelId="{9EE3B83E-88CA-4356-A408-468575A354C1}">
+      <dsp:nvSpPr>
+        <dsp:cNvPr id="0" name=""/>
+        <dsp:cNvSpPr/>
+      </dsp:nvSpPr>
+      <dsp:spPr>
+        <a:xfrm>
+          <a:off x="4257476" y="194138"/>
+          <a:ext cx="3869531" cy="2321718"/>
+        </a:xfrm>
+        <a:prstGeom prst="rect">
+          <a:avLst/>
+        </a:prstGeom>
+        <a:solidFill>
+          <a:schemeClr val="accent1">
+            <a:hueOff val="0"/>
+            <a:satOff val="0"/>
+            <a:lumOff val="0"/>
+            <a:alphaOff val="0"/>
+          </a:schemeClr>
+        </a:solidFill>
+        <a:ln w="12700" cap="flat" cmpd="sng" algn="ctr">
+          <a:solidFill>
+            <a:schemeClr val="lt1">
+              <a:hueOff val="0"/>
+              <a:satOff val="0"/>
+              <a:lumOff val="0"/>
+              <a:alphaOff val="0"/>
+            </a:schemeClr>
+          </a:solidFill>
+          <a:prstDash val="solid"/>
+          <a:miter lim="800000"/>
+        </a:ln>
+        <a:effectLst/>
+      </dsp:spPr>
+      <dsp:style>
+        <a:lnRef idx="2">
+          <a:scrgbClr r="0" g="0" b="0"/>
+        </a:lnRef>
+        <a:fillRef idx="1">
+          <a:scrgbClr r="0" g="0" b="0"/>
+        </a:fillRef>
+        <a:effectRef idx="0">
+          <a:scrgbClr r="0" g="0" b="0"/>
+        </a:effectRef>
+        <a:fontRef idx="minor">
+          <a:schemeClr val="lt1"/>
+        </a:fontRef>
+      </dsp:style>
+      <dsp:txBody>
+        <a:bodyPr spcFirstLastPara="0" vert="horz" wrap="square" lIns="144780" tIns="144780" rIns="144780" bIns="144780" numCol="1" spcCol="1270" anchor="ctr" anchorCtr="0">
+          <a:noAutofit/>
+        </a:bodyPr>
+        <a:lstStyle/>
+        <a:p>
+          <a:pPr marL="0" lvl="0" indent="0" algn="ctr" defTabSz="1689100">
+            <a:lnSpc>
+              <a:spcPct val="90000"/>
+            </a:lnSpc>
+            <a:spcBef>
+              <a:spcPct val="0"/>
+            </a:spcBef>
+            <a:spcAft>
+              <a:spcPct val="35000"/>
+            </a:spcAft>
+            <a:buNone/>
+          </a:pPr>
+          <a:r>
+            <a:rPr lang="de-DE" sz="3800" kern="1200" dirty="0"/>
+            <a:t>Wahl der Bestandteile ändern</a:t>
+          </a:r>
+        </a:p>
+      </dsp:txBody>
+      <dsp:txXfrm>
+        <a:off x="4257476" y="194138"/>
+        <a:ext cx="3869531" cy="2321718"/>
+      </dsp:txXfrm>
+    </dsp:sp>
+    <dsp:sp modelId="{5700BA56-061B-4910-8A6A-95992139A03E}">
+      <dsp:nvSpPr>
+        <dsp:cNvPr id="0" name=""/>
+        <dsp:cNvSpPr/>
+      </dsp:nvSpPr>
+      <dsp:spPr>
+        <a:xfrm>
+          <a:off x="992" y="2902810"/>
+          <a:ext cx="3869531" cy="2321718"/>
+        </a:xfrm>
+        <a:prstGeom prst="rect">
+          <a:avLst/>
+        </a:prstGeom>
+        <a:solidFill>
+          <a:schemeClr val="accent1">
+            <a:hueOff val="0"/>
+            <a:satOff val="0"/>
+            <a:lumOff val="0"/>
+            <a:alphaOff val="0"/>
+          </a:schemeClr>
+        </a:solidFill>
+        <a:ln w="12700" cap="flat" cmpd="sng" algn="ctr">
+          <a:solidFill>
+            <a:schemeClr val="lt1">
+              <a:hueOff val="0"/>
+              <a:satOff val="0"/>
+              <a:lumOff val="0"/>
+              <a:alphaOff val="0"/>
+            </a:schemeClr>
+          </a:solidFill>
+          <a:prstDash val="solid"/>
+          <a:miter lim="800000"/>
+        </a:ln>
+        <a:effectLst/>
+      </dsp:spPr>
+      <dsp:style>
+        <a:lnRef idx="2">
+          <a:scrgbClr r="0" g="0" b="0"/>
+        </a:lnRef>
+        <a:fillRef idx="1">
+          <a:scrgbClr r="0" g="0" b="0"/>
+        </a:fillRef>
+        <a:effectRef idx="0">
+          <a:scrgbClr r="0" g="0" b="0"/>
+        </a:effectRef>
+        <a:fontRef idx="minor">
+          <a:schemeClr val="lt1"/>
+        </a:fontRef>
+      </dsp:style>
+      <dsp:txBody>
+        <a:bodyPr spcFirstLastPara="0" vert="horz" wrap="square" lIns="144780" tIns="144780" rIns="144780" bIns="144780" numCol="1" spcCol="1270" anchor="ctr" anchorCtr="0">
+          <a:noAutofit/>
+        </a:bodyPr>
+        <a:lstStyle/>
+        <a:p>
+          <a:pPr marL="0" lvl="0" indent="0" algn="ctr" defTabSz="1689100">
+            <a:lnSpc>
+              <a:spcPct val="90000"/>
+            </a:lnSpc>
+            <a:spcBef>
+              <a:spcPct val="0"/>
+            </a:spcBef>
+            <a:spcAft>
+              <a:spcPct val="35000"/>
+            </a:spcAft>
+            <a:buNone/>
+          </a:pPr>
+          <a:r>
+            <a:rPr lang="de-DE" sz="3800" kern="1200" dirty="0"/>
+            <a:t>Feedback verbessern</a:t>
+          </a:r>
+        </a:p>
+      </dsp:txBody>
+      <dsp:txXfrm>
+        <a:off x="992" y="2902810"/>
+        <a:ext cx="3869531" cy="2321718"/>
+      </dsp:txXfrm>
+    </dsp:sp>
+    <dsp:sp modelId="{D8B4BAAC-1D63-4D4E-A759-93450FFC3BEF}">
+      <dsp:nvSpPr>
+        <dsp:cNvPr id="0" name=""/>
+        <dsp:cNvSpPr/>
+      </dsp:nvSpPr>
+      <dsp:spPr>
+        <a:xfrm>
+          <a:off x="4257476" y="2902810"/>
+          <a:ext cx="3869531" cy="2321718"/>
+        </a:xfrm>
+        <a:prstGeom prst="rect">
+          <a:avLst/>
+        </a:prstGeom>
+        <a:solidFill>
+          <a:schemeClr val="accent1">
+            <a:hueOff val="0"/>
+            <a:satOff val="0"/>
+            <a:lumOff val="0"/>
+            <a:alphaOff val="0"/>
+          </a:schemeClr>
+        </a:solidFill>
+        <a:ln w="12700" cap="flat" cmpd="sng" algn="ctr">
+          <a:solidFill>
+            <a:schemeClr val="lt1">
+              <a:hueOff val="0"/>
+              <a:satOff val="0"/>
+              <a:lumOff val="0"/>
+              <a:alphaOff val="0"/>
+            </a:schemeClr>
+          </a:solidFill>
+          <a:prstDash val="solid"/>
+          <a:miter lim="800000"/>
+        </a:ln>
+        <a:effectLst/>
+      </dsp:spPr>
+      <dsp:style>
+        <a:lnRef idx="2">
+          <a:scrgbClr r="0" g="0" b="0"/>
+        </a:lnRef>
+        <a:fillRef idx="1">
+          <a:scrgbClr r="0" g="0" b="0"/>
+        </a:fillRef>
+        <a:effectRef idx="0">
+          <a:scrgbClr r="0" g="0" b="0"/>
+        </a:effectRef>
+        <a:fontRef idx="minor">
+          <a:schemeClr val="lt1"/>
+        </a:fontRef>
+      </dsp:style>
+      <dsp:txBody>
+        <a:bodyPr spcFirstLastPara="0" vert="horz" wrap="square" lIns="144780" tIns="144780" rIns="144780" bIns="144780" numCol="1" spcCol="1270" anchor="ctr" anchorCtr="0">
+          <a:noAutofit/>
+        </a:bodyPr>
+        <a:lstStyle/>
+        <a:p>
+          <a:pPr marL="0" lvl="0" indent="0" algn="ctr" defTabSz="1689100">
+            <a:lnSpc>
+              <a:spcPct val="90000"/>
+            </a:lnSpc>
+            <a:spcBef>
+              <a:spcPct val="0"/>
+            </a:spcBef>
+            <a:spcAft>
+              <a:spcPct val="35000"/>
+            </a:spcAft>
+            <a:buNone/>
+          </a:pPr>
+          <a:r>
+            <a:rPr lang="de-DE" sz="3800" kern="1200" dirty="0"/>
+            <a:t>Konzept mit </a:t>
+          </a:r>
+          <a:r>
+            <a:rPr lang="de-DE" sz="3800" kern="1200" dirty="0" err="1"/>
+            <a:t>Snips</a:t>
+          </a:r>
+          <a:r>
+            <a:rPr lang="de-DE" sz="3800" kern="1200" dirty="0"/>
+            <a:t> anwenden</a:t>
+          </a:r>
+        </a:p>
+      </dsp:txBody>
+      <dsp:txXfrm>
+        <a:off x="4257476" y="2902810"/>
+        <a:ext cx="3869531" cy="2321718"/>
+      </dsp:txXfrm>
+    </dsp:sp>
+  </dsp:spTree>
+</dsp:drawing>
+</file>
+
 <file path=ppt/diagrams/drawing2.xml><?xml version="1.0" encoding="utf-8"?>
 <dsp:drawing xmlns:dgm="http://schemas.openxmlformats.org/drawingml/2006/diagram" xmlns:dsp="http://schemas.microsoft.com/office/drawing/2008/diagram" xmlns:a="http://schemas.openxmlformats.org/drawingml/2006/main">
   <dsp:spTree>
@@ -9429,7 +12003,7 @@
           </a:pPr>
           <a:r>
             <a:rPr lang="de-DE" sz="2500" kern="1200" dirty="0"/>
-            <a:t> „Grundsätze für die die Verarbeitung personenbezogener Daten“</a:t>
+            <a:t> „Grundsätze für die Verarbeitung personenbezogener Daten“</a:t>
           </a:r>
         </a:p>
       </dsp:txBody>
@@ -12136,12 +14710,12 @@
         </a:fontRef>
       </dsp:style>
       <dsp:txBody>
-        <a:bodyPr spcFirstLastPara="0" vert="horz" wrap="square" lIns="33020" tIns="33020" rIns="33020" bIns="33020" numCol="1" spcCol="1270" anchor="ctr" anchorCtr="0">
+        <a:bodyPr spcFirstLastPara="0" vert="horz" wrap="square" lIns="27940" tIns="27940" rIns="27940" bIns="27940" numCol="1" spcCol="1270" anchor="ctr" anchorCtr="0">
           <a:noAutofit/>
         </a:bodyPr>
         <a:lstStyle/>
         <a:p>
-          <a:pPr marL="0" lvl="0" indent="0" algn="ctr" defTabSz="1155700">
+          <a:pPr marL="0" lvl="0" indent="0" algn="ctr" defTabSz="977900">
             <a:lnSpc>
               <a:spcPct val="90000"/>
             </a:lnSpc>
@@ -12154,7 +14728,7 @@
             <a:buNone/>
           </a:pPr>
           <a:r>
-            <a:rPr lang="de-DE" sz="2600" kern="1200" dirty="0"/>
+            <a:rPr lang="de-DE" sz="2200" kern="1200" dirty="0"/>
             <a:t>eigene Fragen</a:t>
           </a:r>
         </a:p>
@@ -12217,12 +14791,12 @@
         </a:fontRef>
       </dsp:style>
       <dsp:txBody>
-        <a:bodyPr spcFirstLastPara="0" vert="horz" wrap="square" lIns="33020" tIns="33020" rIns="33020" bIns="33020" numCol="1" spcCol="1270" anchor="ctr" anchorCtr="0">
+        <a:bodyPr spcFirstLastPara="0" vert="horz" wrap="square" lIns="27940" tIns="27940" rIns="27940" bIns="27940" numCol="1" spcCol="1270" anchor="ctr" anchorCtr="0">
           <a:noAutofit/>
         </a:bodyPr>
         <a:lstStyle/>
         <a:p>
-          <a:pPr marL="0" lvl="0" indent="0" algn="ctr" defTabSz="1155700">
+          <a:pPr marL="0" lvl="0" indent="0" algn="ctr" defTabSz="977900">
             <a:lnSpc>
               <a:spcPct val="90000"/>
             </a:lnSpc>
@@ -12235,7 +14809,7 @@
             <a:buNone/>
           </a:pPr>
           <a:r>
-            <a:rPr lang="de-DE" sz="2600" kern="1200" dirty="0"/>
+            <a:rPr lang="de-DE" sz="2200" kern="1200" dirty="0"/>
             <a:t>Gespräch</a:t>
           </a:r>
         </a:p>
@@ -12298,12 +14872,12 @@
         </a:fontRef>
       </dsp:style>
       <dsp:txBody>
-        <a:bodyPr spcFirstLastPara="0" vert="horz" wrap="square" lIns="33020" tIns="33020" rIns="33020" bIns="33020" numCol="1" spcCol="1270" anchor="ctr" anchorCtr="0">
+        <a:bodyPr spcFirstLastPara="0" vert="horz" wrap="square" lIns="27940" tIns="27940" rIns="27940" bIns="27940" numCol="1" spcCol="1270" anchor="ctr" anchorCtr="0">
           <a:noAutofit/>
         </a:bodyPr>
         <a:lstStyle/>
         <a:p>
-          <a:pPr marL="0" lvl="0" indent="0" algn="ctr" defTabSz="1155700">
+          <a:pPr marL="0" lvl="0" indent="0" algn="ctr" defTabSz="977900">
             <a:lnSpc>
               <a:spcPct val="90000"/>
             </a:lnSpc>
@@ -12316,10 +14890,9 @@
             <a:buNone/>
           </a:pPr>
           <a:r>
-            <a:rPr lang="de-DE" sz="2600" kern="1200"/>
-            <a:t>SUS</a:t>
+            <a:rPr lang="de-DE" sz="2200" kern="1200" dirty="0"/>
+            <a:t>System Usability Score</a:t>
           </a:r>
-          <a:endParaRPr lang="de-DE" sz="2600" kern="1200" dirty="0"/>
         </a:p>
       </dsp:txBody>
       <dsp:txXfrm>
@@ -12331,7 +14904,656 @@
 </dsp:drawing>
 </file>
 
+<file path=ppt/diagrams/drawing9.xml><?xml version="1.0" encoding="utf-8"?>
+<dsp:drawing xmlns:dgm="http://schemas.openxmlformats.org/drawingml/2006/diagram" xmlns:dsp="http://schemas.microsoft.com/office/drawing/2008/diagram" xmlns:a="http://schemas.openxmlformats.org/drawingml/2006/main">
+  <dsp:spTree>
+    <dsp:nvGrpSpPr>
+      <dsp:cNvPr id="0" name=""/>
+      <dsp:cNvGrpSpPr/>
+    </dsp:nvGrpSpPr>
+    <dsp:grpSpPr/>
+    <dsp:sp modelId="{9DF7812C-9D50-4A5F-B08E-1C1BBD5D71E8}">
+      <dsp:nvSpPr>
+        <dsp:cNvPr id="0" name=""/>
+        <dsp:cNvSpPr/>
+      </dsp:nvSpPr>
+      <dsp:spPr>
+        <a:xfrm rot="16200000">
+          <a:off x="-1525014" y="2586366"/>
+          <a:ext cx="3832382" cy="810696"/>
+        </a:xfrm>
+        <a:prstGeom prst="rect">
+          <a:avLst/>
+        </a:prstGeom>
+        <a:noFill/>
+        <a:ln>
+          <a:noFill/>
+        </a:ln>
+        <a:effectLst/>
+      </dsp:spPr>
+      <dsp:style>
+        <a:lnRef idx="0">
+          <a:scrgbClr r="0" g="0" b="0"/>
+        </a:lnRef>
+        <a:fillRef idx="0">
+          <a:scrgbClr r="0" g="0" b="0"/>
+        </a:fillRef>
+        <a:effectRef idx="0">
+          <a:scrgbClr r="0" g="0" b="0"/>
+        </a:effectRef>
+        <a:fontRef idx="minor"/>
+      </dsp:style>
+      <dsp:txBody>
+        <a:bodyPr spcFirstLastPara="0" vert="horz" wrap="square" lIns="0" tIns="0" rIns="714989" bIns="0" numCol="1" spcCol="1270" anchor="t" anchorCtr="0">
+          <a:noAutofit/>
+        </a:bodyPr>
+        <a:lstStyle/>
+        <a:p>
+          <a:pPr marL="0" lvl="0" indent="0" algn="r" defTabSz="2311400">
+            <a:lnSpc>
+              <a:spcPct val="90000"/>
+            </a:lnSpc>
+            <a:spcBef>
+              <a:spcPct val="0"/>
+            </a:spcBef>
+            <a:spcAft>
+              <a:spcPct val="35000"/>
+            </a:spcAft>
+            <a:buNone/>
+          </a:pPr>
+          <a:r>
+            <a:rPr lang="de-DE" sz="5200" kern="1200" dirty="0"/>
+            <a:t> </a:t>
+          </a:r>
+        </a:p>
+      </dsp:txBody>
+      <dsp:txXfrm>
+        <a:off x="-1525014" y="2586366"/>
+        <a:ext cx="3832382" cy="810696"/>
+      </dsp:txXfrm>
+    </dsp:sp>
+    <dsp:sp modelId="{2CB5ECE3-8AF0-48A4-A14C-3770B1604AC3}">
+      <dsp:nvSpPr>
+        <dsp:cNvPr id="0" name=""/>
+        <dsp:cNvSpPr/>
+      </dsp:nvSpPr>
+      <dsp:spPr>
+        <a:xfrm>
+          <a:off x="1723165" y="1080927"/>
+          <a:ext cx="4135757" cy="3832382"/>
+        </a:xfrm>
+        <a:prstGeom prst="rect">
+          <a:avLst/>
+        </a:prstGeom>
+        <a:solidFill>
+          <a:schemeClr val="accent1">
+            <a:hueOff val="0"/>
+            <a:satOff val="0"/>
+            <a:lumOff val="0"/>
+            <a:alphaOff val="0"/>
+          </a:schemeClr>
+        </a:solidFill>
+        <a:ln w="12700" cap="flat" cmpd="sng" algn="ctr">
+          <a:solidFill>
+            <a:schemeClr val="lt1">
+              <a:hueOff val="0"/>
+              <a:satOff val="0"/>
+              <a:lumOff val="0"/>
+              <a:alphaOff val="0"/>
+            </a:schemeClr>
+          </a:solidFill>
+          <a:prstDash val="solid"/>
+          <a:miter lim="800000"/>
+        </a:ln>
+        <a:effectLst/>
+      </dsp:spPr>
+      <dsp:style>
+        <a:lnRef idx="2">
+          <a:scrgbClr r="0" g="0" b="0"/>
+        </a:lnRef>
+        <a:fillRef idx="1">
+          <a:scrgbClr r="0" g="0" b="0"/>
+        </a:fillRef>
+        <a:effectRef idx="0">
+          <a:scrgbClr r="0" g="0" b="0"/>
+        </a:effectRef>
+        <a:fontRef idx="minor">
+          <a:schemeClr val="lt1"/>
+        </a:fontRef>
+      </dsp:style>
+      <dsp:txBody>
+        <a:bodyPr spcFirstLastPara="0" vert="horz" wrap="square" lIns="291592" tIns="714989" rIns="291592" bIns="291592" numCol="1" spcCol="1270" anchor="t" anchorCtr="0">
+          <a:noAutofit/>
+        </a:bodyPr>
+        <a:lstStyle/>
+        <a:p>
+          <a:pPr marL="285750" lvl="1" indent="-285750" algn="l" defTabSz="1422400">
+            <a:lnSpc>
+              <a:spcPct val="90000"/>
+            </a:lnSpc>
+            <a:spcBef>
+              <a:spcPct val="0"/>
+            </a:spcBef>
+            <a:spcAft>
+              <a:spcPct val="15000"/>
+            </a:spcAft>
+            <a:buChar char="•"/>
+          </a:pPr>
+          <a:r>
+            <a:rPr lang="de-DE" sz="3200" kern="1200" dirty="0"/>
+            <a:t>SUS 70 Punkte</a:t>
+          </a:r>
+        </a:p>
+        <a:p>
+          <a:pPr marL="285750" lvl="1" indent="-285750" algn="l" defTabSz="1422400">
+            <a:lnSpc>
+              <a:spcPct val="90000"/>
+            </a:lnSpc>
+            <a:spcBef>
+              <a:spcPct val="0"/>
+            </a:spcBef>
+            <a:spcAft>
+              <a:spcPct val="15000"/>
+            </a:spcAft>
+            <a:buChar char="•"/>
+          </a:pPr>
+          <a:r>
+            <a:rPr lang="de-DE" sz="3200" kern="1200" dirty="0"/>
+            <a:t>Hilfsangebot</a:t>
+          </a:r>
+        </a:p>
+        <a:p>
+          <a:pPr marL="285750" lvl="1" indent="-285750" algn="l" defTabSz="1422400">
+            <a:lnSpc>
+              <a:spcPct val="90000"/>
+            </a:lnSpc>
+            <a:spcBef>
+              <a:spcPct val="0"/>
+            </a:spcBef>
+            <a:spcAft>
+              <a:spcPct val="15000"/>
+            </a:spcAft>
+            <a:buChar char="•"/>
+          </a:pPr>
+          <a:r>
+            <a:rPr lang="de-DE" sz="3200" kern="1200" dirty="0"/>
+            <a:t>Datenschutz</a:t>
+          </a:r>
+        </a:p>
+        <a:p>
+          <a:pPr marL="285750" lvl="1" indent="-285750" algn="l" defTabSz="1422400">
+            <a:lnSpc>
+              <a:spcPct val="90000"/>
+            </a:lnSpc>
+            <a:spcBef>
+              <a:spcPct val="0"/>
+            </a:spcBef>
+            <a:spcAft>
+              <a:spcPct val="15000"/>
+            </a:spcAft>
+            <a:buChar char="•"/>
+          </a:pPr>
+          <a:r>
+            <a:rPr lang="de-DE" sz="3200" kern="1200" dirty="0"/>
+            <a:t>Interaktion natürlich</a:t>
+          </a:r>
+        </a:p>
+      </dsp:txBody>
+      <dsp:txXfrm>
+        <a:off x="1723165" y="1080927"/>
+        <a:ext cx="4135757" cy="3832382"/>
+      </dsp:txXfrm>
+    </dsp:sp>
+    <dsp:sp modelId="{00645FCE-1CA5-4540-9593-97ADDC02855F}">
+      <dsp:nvSpPr>
+        <dsp:cNvPr id="0" name=""/>
+        <dsp:cNvSpPr/>
+      </dsp:nvSpPr>
+      <dsp:spPr>
+        <a:xfrm>
+          <a:off x="35524" y="110778"/>
+          <a:ext cx="1621392" cy="1621392"/>
+        </a:xfrm>
+        <a:prstGeom prst="rect">
+          <a:avLst/>
+        </a:prstGeom>
+        <a:blipFill>
+          <a:blip xmlns:r="http://schemas.openxmlformats.org/officeDocument/2006/relationships" r:embed="rId1">
+            <a:extLst>
+              <a:ext uri="{837473B0-CC2E-450A-ABE3-18F120FF3D39}">
+                <a1611:picAttrSrcUrl xmlns:a1611="http://schemas.microsoft.com/office/drawing/2016/11/main" r:id="rId2"/>
+              </a:ext>
+            </a:extLst>
+          </a:blip>
+          <a:srcRect/>
+          <a:stretch>
+            <a:fillRect/>
+          </a:stretch>
+        </a:blipFill>
+        <a:ln w="12700" cap="flat" cmpd="sng" algn="ctr">
+          <a:solidFill>
+            <a:schemeClr val="lt1">
+              <a:hueOff val="0"/>
+              <a:satOff val="0"/>
+              <a:lumOff val="0"/>
+              <a:alphaOff val="0"/>
+            </a:schemeClr>
+          </a:solidFill>
+          <a:prstDash val="solid"/>
+          <a:miter lim="800000"/>
+        </a:ln>
+        <a:effectLst/>
+      </dsp:spPr>
+      <dsp:style>
+        <a:lnRef idx="2">
+          <a:scrgbClr r="0" g="0" b="0"/>
+        </a:lnRef>
+        <a:fillRef idx="1">
+          <a:scrgbClr r="0" g="0" b="0"/>
+        </a:fillRef>
+        <a:effectRef idx="0">
+          <a:scrgbClr r="0" g="0" b="0"/>
+        </a:effectRef>
+        <a:fontRef idx="minor"/>
+      </dsp:style>
+    </dsp:sp>
+    <dsp:sp modelId="{AD7697A2-2016-446B-B68F-4DA1974D32F1}">
+      <dsp:nvSpPr>
+        <dsp:cNvPr id="0" name=""/>
+        <dsp:cNvSpPr/>
+      </dsp:nvSpPr>
+      <dsp:spPr>
+        <a:xfrm rot="16200000">
+          <a:off x="4833648" y="2586366"/>
+          <a:ext cx="3832382" cy="810696"/>
+        </a:xfrm>
+        <a:prstGeom prst="rect">
+          <a:avLst/>
+        </a:prstGeom>
+        <a:noFill/>
+        <a:ln>
+          <a:noFill/>
+        </a:ln>
+        <a:effectLst/>
+      </dsp:spPr>
+      <dsp:style>
+        <a:lnRef idx="0">
+          <a:scrgbClr r="0" g="0" b="0"/>
+        </a:lnRef>
+        <a:fillRef idx="0">
+          <a:scrgbClr r="0" g="0" b="0"/>
+        </a:fillRef>
+        <a:effectRef idx="0">
+          <a:scrgbClr r="0" g="0" b="0"/>
+        </a:effectRef>
+        <a:fontRef idx="minor"/>
+      </dsp:style>
+      <dsp:txBody>
+        <a:bodyPr spcFirstLastPara="0" vert="horz" wrap="square" lIns="0" tIns="0" rIns="714989" bIns="0" numCol="1" spcCol="1270" anchor="t" anchorCtr="0">
+          <a:noAutofit/>
+        </a:bodyPr>
+        <a:lstStyle/>
+        <a:p>
+          <a:pPr marL="0" lvl="0" indent="0" algn="r" defTabSz="2311400">
+            <a:lnSpc>
+              <a:spcPct val="90000"/>
+            </a:lnSpc>
+            <a:spcBef>
+              <a:spcPct val="0"/>
+            </a:spcBef>
+            <a:spcAft>
+              <a:spcPct val="35000"/>
+            </a:spcAft>
+            <a:buNone/>
+          </a:pPr>
+          <a:r>
+            <a:rPr lang="de-DE" sz="5200" kern="1200" dirty="0"/>
+            <a:t> </a:t>
+          </a:r>
+        </a:p>
+      </dsp:txBody>
+      <dsp:txXfrm>
+        <a:off x="4833648" y="2586366"/>
+        <a:ext cx="3832382" cy="810696"/>
+      </dsp:txXfrm>
+    </dsp:sp>
+    <dsp:sp modelId="{6D7751A8-E03C-405B-A2BE-CD87E8BBB01C}">
+      <dsp:nvSpPr>
+        <dsp:cNvPr id="0" name=""/>
+        <dsp:cNvSpPr/>
+      </dsp:nvSpPr>
+      <dsp:spPr>
+        <a:xfrm>
+          <a:off x="7351572" y="1080927"/>
+          <a:ext cx="4212340" cy="3832382"/>
+        </a:xfrm>
+        <a:prstGeom prst="rect">
+          <a:avLst/>
+        </a:prstGeom>
+        <a:solidFill>
+          <a:schemeClr val="accent1">
+            <a:hueOff val="0"/>
+            <a:satOff val="0"/>
+            <a:lumOff val="0"/>
+            <a:alphaOff val="0"/>
+          </a:schemeClr>
+        </a:solidFill>
+        <a:ln w="12700" cap="flat" cmpd="sng" algn="ctr">
+          <a:solidFill>
+            <a:schemeClr val="lt1">
+              <a:hueOff val="0"/>
+              <a:satOff val="0"/>
+              <a:lumOff val="0"/>
+              <a:alphaOff val="0"/>
+            </a:schemeClr>
+          </a:solidFill>
+          <a:prstDash val="solid"/>
+          <a:miter lim="800000"/>
+        </a:ln>
+        <a:effectLst/>
+      </dsp:spPr>
+      <dsp:style>
+        <a:lnRef idx="2">
+          <a:scrgbClr r="0" g="0" b="0"/>
+        </a:lnRef>
+        <a:fillRef idx="1">
+          <a:scrgbClr r="0" g="0" b="0"/>
+        </a:fillRef>
+        <a:effectRef idx="0">
+          <a:scrgbClr r="0" g="0" b="0"/>
+        </a:effectRef>
+        <a:fontRef idx="minor">
+          <a:schemeClr val="lt1"/>
+        </a:fontRef>
+      </dsp:style>
+      <dsp:txBody>
+        <a:bodyPr spcFirstLastPara="0" vert="horz" wrap="square" lIns="291592" tIns="714989" rIns="291592" bIns="291592" numCol="1" spcCol="1270" anchor="t" anchorCtr="0">
+          <a:noAutofit/>
+        </a:bodyPr>
+        <a:lstStyle/>
+        <a:p>
+          <a:pPr marL="285750" lvl="1" indent="-285750" algn="l" defTabSz="1422400">
+            <a:lnSpc>
+              <a:spcPct val="90000"/>
+            </a:lnSpc>
+            <a:spcBef>
+              <a:spcPct val="0"/>
+            </a:spcBef>
+            <a:spcAft>
+              <a:spcPct val="15000"/>
+            </a:spcAft>
+            <a:buChar char="•"/>
+          </a:pPr>
+          <a:r>
+            <a:rPr lang="de-DE" sz="3200" kern="1200" dirty="0"/>
+            <a:t>Reaktionszeit</a:t>
+          </a:r>
+        </a:p>
+        <a:p>
+          <a:pPr marL="285750" lvl="1" indent="-285750" algn="l" defTabSz="1422400">
+            <a:lnSpc>
+              <a:spcPct val="90000"/>
+            </a:lnSpc>
+            <a:spcBef>
+              <a:spcPct val="0"/>
+            </a:spcBef>
+            <a:spcAft>
+              <a:spcPct val="15000"/>
+            </a:spcAft>
+            <a:buChar char="•"/>
+          </a:pPr>
+          <a:r>
+            <a:rPr lang="de-DE" sz="3200" kern="1200" dirty="0"/>
+            <a:t>Mangelndes Feedback</a:t>
+          </a:r>
+        </a:p>
+        <a:p>
+          <a:pPr marL="285750" lvl="1" indent="-285750" algn="l" defTabSz="1422400">
+            <a:lnSpc>
+              <a:spcPct val="90000"/>
+            </a:lnSpc>
+            <a:spcBef>
+              <a:spcPct val="0"/>
+            </a:spcBef>
+            <a:spcAft>
+              <a:spcPct val="15000"/>
+            </a:spcAft>
+            <a:buChar char="•"/>
+          </a:pPr>
+          <a:r>
+            <a:rPr lang="de-DE" sz="3200" kern="1200" dirty="0"/>
+            <a:t>Stimme</a:t>
+          </a:r>
+        </a:p>
+        <a:p>
+          <a:pPr marL="285750" lvl="1" indent="-285750" algn="l" defTabSz="1422400">
+            <a:lnSpc>
+              <a:spcPct val="90000"/>
+            </a:lnSpc>
+            <a:spcBef>
+              <a:spcPct val="0"/>
+            </a:spcBef>
+            <a:spcAft>
+              <a:spcPct val="15000"/>
+            </a:spcAft>
+            <a:buChar char="•"/>
+          </a:pPr>
+          <a:endParaRPr lang="de-DE" sz="3200" kern="1200" dirty="0"/>
+        </a:p>
+      </dsp:txBody>
+      <dsp:txXfrm>
+        <a:off x="7351572" y="1080927"/>
+        <a:ext cx="4212340" cy="3832382"/>
+      </dsp:txXfrm>
+    </dsp:sp>
+    <dsp:sp modelId="{3059123B-D816-4E08-87C8-209AD72A0737}">
+      <dsp:nvSpPr>
+        <dsp:cNvPr id="0" name=""/>
+        <dsp:cNvSpPr/>
+      </dsp:nvSpPr>
+      <dsp:spPr>
+        <a:xfrm>
+          <a:off x="5892382" y="5"/>
+          <a:ext cx="1621392" cy="1621392"/>
+        </a:xfrm>
+        <a:prstGeom prst="rect">
+          <a:avLst/>
+        </a:prstGeom>
+        <a:blipFill>
+          <a:blip xmlns:r="http://schemas.openxmlformats.org/officeDocument/2006/relationships" r:embed="rId3" cstate="print">
+            <a:extLst>
+              <a:ext uri="{28A0092B-C50C-407E-A947-70E740481C1C}">
+                <a14:useLocalDpi xmlns:a14="http://schemas.microsoft.com/office/drawing/2010/main" val="0"/>
+              </a:ext>
+              <a:ext uri="{837473B0-CC2E-450A-ABE3-18F120FF3D39}">
+                <a1611:picAttrSrcUrl xmlns:a1611="http://schemas.microsoft.com/office/drawing/2016/11/main" r:id="rId4"/>
+              </a:ext>
+            </a:extLst>
+          </a:blip>
+          <a:srcRect/>
+          <a:stretch>
+            <a:fillRect/>
+          </a:stretch>
+        </a:blipFill>
+        <a:ln w="12700" cap="flat" cmpd="sng" algn="ctr">
+          <a:solidFill>
+            <a:schemeClr val="lt1">
+              <a:hueOff val="0"/>
+              <a:satOff val="0"/>
+              <a:lumOff val="0"/>
+              <a:alphaOff val="0"/>
+            </a:schemeClr>
+          </a:solidFill>
+          <a:prstDash val="solid"/>
+          <a:miter lim="800000"/>
+        </a:ln>
+        <a:effectLst/>
+      </dsp:spPr>
+      <dsp:style>
+        <a:lnRef idx="2">
+          <a:scrgbClr r="0" g="0" b="0"/>
+        </a:lnRef>
+        <a:fillRef idx="1">
+          <a:scrgbClr r="0" g="0" b="0"/>
+        </a:fillRef>
+        <a:effectRef idx="0">
+          <a:scrgbClr r="0" g="0" b="0"/>
+        </a:effectRef>
+        <a:fontRef idx="minor"/>
+      </dsp:style>
+    </dsp:sp>
+  </dsp:spTree>
+</dsp:drawing>
+</file>
+
 <file path=ppt/diagrams/layout1.xml><?xml version="1.0" encoding="utf-8"?>
+<dgm:layoutDef xmlns:dgm="http://schemas.openxmlformats.org/drawingml/2006/diagram" xmlns:a="http://schemas.openxmlformats.org/drawingml/2006/main" uniqueId="urn:microsoft.com/office/officeart/2005/8/layout/default">
+  <dgm:title val=""/>
+  <dgm:desc val=""/>
+  <dgm:catLst>
+    <dgm:cat type="list" pri="400"/>
+  </dgm:catLst>
+  <dgm:sampData>
+    <dgm:dataModel>
+      <dgm:ptLst>
+        <dgm:pt modelId="0" type="doc"/>
+        <dgm:pt modelId="1">
+          <dgm:prSet phldr="1"/>
+        </dgm:pt>
+        <dgm:pt modelId="2">
+          <dgm:prSet phldr="1"/>
+        </dgm:pt>
+        <dgm:pt modelId="3">
+          <dgm:prSet phldr="1"/>
+        </dgm:pt>
+        <dgm:pt modelId="4">
+          <dgm:prSet phldr="1"/>
+        </dgm:pt>
+        <dgm:pt modelId="5">
+          <dgm:prSet phldr="1"/>
+        </dgm:pt>
+      </dgm:ptLst>
+      <dgm:cxnLst>
+        <dgm:cxn modelId="6" srcId="0" destId="1" srcOrd="0" destOrd="0"/>
+        <dgm:cxn modelId="7" srcId="0" destId="2" srcOrd="1" destOrd="0"/>
+        <dgm:cxn modelId="8" srcId="0" destId="3" srcOrd="2" destOrd="0"/>
+        <dgm:cxn modelId="9" srcId="0" destId="4" srcOrd="3" destOrd="0"/>
+        <dgm:cxn modelId="10" srcId="0" destId="5" srcOrd="4" destOrd="0"/>
+      </dgm:cxnLst>
+      <dgm:bg/>
+      <dgm:whole/>
+    </dgm:dataModel>
+  </dgm:sampData>
+  <dgm:styleData>
+    <dgm:dataModel>
+      <dgm:ptLst>
+        <dgm:pt modelId="0" type="doc"/>
+        <dgm:pt modelId="1"/>
+        <dgm:pt modelId="2"/>
+      </dgm:ptLst>
+      <dgm:cxnLst>
+        <dgm:cxn modelId="3" srcId="0" destId="1" srcOrd="0" destOrd="0"/>
+        <dgm:cxn modelId="4" srcId="0" destId="2" srcOrd="1" destOrd="0"/>
+      </dgm:cxnLst>
+      <dgm:bg/>
+      <dgm:whole/>
+    </dgm:dataModel>
+  </dgm:styleData>
+  <dgm:clrData>
+    <dgm:dataModel>
+      <dgm:ptLst>
+        <dgm:pt modelId="0" type="doc"/>
+        <dgm:pt modelId="1"/>
+        <dgm:pt modelId="2"/>
+        <dgm:pt modelId="3"/>
+        <dgm:pt modelId="4"/>
+        <dgm:pt modelId="5"/>
+        <dgm:pt modelId="6"/>
+      </dgm:ptLst>
+      <dgm:cxnLst>
+        <dgm:cxn modelId="7" srcId="0" destId="1" srcOrd="0" destOrd="0"/>
+        <dgm:cxn modelId="8" srcId="0" destId="2" srcOrd="1" destOrd="0"/>
+        <dgm:cxn modelId="9" srcId="0" destId="3" srcOrd="2" destOrd="0"/>
+        <dgm:cxn modelId="10" srcId="0" destId="4" srcOrd="3" destOrd="0"/>
+        <dgm:cxn modelId="11" srcId="0" destId="5" srcOrd="4" destOrd="0"/>
+        <dgm:cxn modelId="12" srcId="0" destId="6" srcOrd="5" destOrd="0"/>
+      </dgm:cxnLst>
+      <dgm:bg/>
+      <dgm:whole/>
+    </dgm:dataModel>
+  </dgm:clrData>
+  <dgm:layoutNode name="diagram">
+    <dgm:varLst>
+      <dgm:dir/>
+      <dgm:resizeHandles val="exact"/>
+    </dgm:varLst>
+    <dgm:choose name="Name0">
+      <dgm:if name="Name1" func="var" arg="dir" op="equ" val="norm">
+        <dgm:alg type="snake">
+          <dgm:param type="grDir" val="tL"/>
+          <dgm:param type="flowDir" val="row"/>
+          <dgm:param type="contDir" val="sameDir"/>
+          <dgm:param type="off" val="ctr"/>
+        </dgm:alg>
+      </dgm:if>
+      <dgm:else name="Name2">
+        <dgm:alg type="snake">
+          <dgm:param type="grDir" val="tR"/>
+          <dgm:param type="flowDir" val="row"/>
+          <dgm:param type="contDir" val="sameDir"/>
+          <dgm:param type="off" val="ctr"/>
+        </dgm:alg>
+      </dgm:else>
+    </dgm:choose>
+    <dgm:shape xmlns:r="http://schemas.openxmlformats.org/officeDocument/2006/relationships" r:blip="">
+      <dgm:adjLst/>
+    </dgm:shape>
+    <dgm:presOf/>
+    <dgm:constrLst>
+      <dgm:constr type="w" for="ch" forName="node" refType="w"/>
+      <dgm:constr type="h" for="ch" forName="node" refType="w" refFor="ch" refForName="node" fact="0.6"/>
+      <dgm:constr type="w" for="ch" forName="sibTrans" refType="w" refFor="ch" refForName="node" fact="0.1"/>
+      <dgm:constr type="sp" refType="w" refFor="ch" refForName="sibTrans"/>
+      <dgm:constr type="primFontSz" for="ch" forName="node" op="equ" val="65"/>
+    </dgm:constrLst>
+    <dgm:ruleLst/>
+    <dgm:forEach name="Name3" axis="ch" ptType="node">
+      <dgm:layoutNode name="node">
+        <dgm:varLst>
+          <dgm:bulletEnabled val="1"/>
+        </dgm:varLst>
+        <dgm:alg type="tx"/>
+        <dgm:shape xmlns:r="http://schemas.openxmlformats.org/officeDocument/2006/relationships" type="rect" r:blip="">
+          <dgm:adjLst/>
+        </dgm:shape>
+        <dgm:presOf axis="desOrSelf" ptType="node"/>
+        <dgm:constrLst>
+          <dgm:constr type="lMarg" refType="primFontSz" fact="0.3"/>
+          <dgm:constr type="rMarg" refType="primFontSz" fact="0.3"/>
+          <dgm:constr type="tMarg" refType="primFontSz" fact="0.3"/>
+          <dgm:constr type="bMarg" refType="primFontSz" fact="0.3"/>
+        </dgm:constrLst>
+        <dgm:ruleLst>
+          <dgm:rule type="primFontSz" val="5" fact="NaN" max="NaN"/>
+        </dgm:ruleLst>
+      </dgm:layoutNode>
+      <dgm:forEach name="Name4" axis="followSib" ptType="sibTrans" cnt="1">
+        <dgm:layoutNode name="sibTrans">
+          <dgm:alg type="sp"/>
+          <dgm:shape xmlns:r="http://schemas.openxmlformats.org/officeDocument/2006/relationships" r:blip="">
+            <dgm:adjLst/>
+          </dgm:shape>
+          <dgm:presOf/>
+          <dgm:constrLst/>
+          <dgm:ruleLst/>
+        </dgm:layoutNode>
+      </dgm:forEach>
+    </dgm:forEach>
+  </dgm:layoutNode>
+</dgm:layoutDef>
+</file>
+
+<file path=ppt/diagrams/layout10.xml><?xml version="1.0" encoding="utf-8"?>
 <dgm:layoutDef xmlns:dgm="http://schemas.openxmlformats.org/drawingml/2006/diagram" xmlns:a="http://schemas.openxmlformats.org/drawingml/2006/main" uniqueId="urn:microsoft.com/office/officeart/2005/8/layout/default">
   <dgm:title val=""/>
   <dgm:desc val=""/>
@@ -14947,7 +18169,1326 @@
 </dgm:layoutDef>
 </file>
 
+<file path=ppt/diagrams/layout9.xml><?xml version="1.0" encoding="utf-8"?>
+<dgm:layoutDef xmlns:dgm="http://schemas.openxmlformats.org/drawingml/2006/diagram" xmlns:a="http://schemas.openxmlformats.org/drawingml/2006/main" uniqueId="urn:microsoft.com/office/officeart/2005/8/layout/hList2">
+  <dgm:title val=""/>
+  <dgm:desc val=""/>
+  <dgm:catLst>
+    <dgm:cat type="list" pri="6000"/>
+    <dgm:cat type="relationship" pri="16000"/>
+    <dgm:cat type="picture" pri="29000"/>
+    <dgm:cat type="pictureconvert" pri="29000"/>
+  </dgm:catLst>
+  <dgm:sampData>
+    <dgm:dataModel>
+      <dgm:ptLst>
+        <dgm:pt modelId="0" type="doc"/>
+        <dgm:pt modelId="1">
+          <dgm:prSet phldr="1"/>
+        </dgm:pt>
+        <dgm:pt modelId="11">
+          <dgm:prSet phldr="1"/>
+        </dgm:pt>
+        <dgm:pt modelId="12">
+          <dgm:prSet phldr="1"/>
+        </dgm:pt>
+        <dgm:pt modelId="2">
+          <dgm:prSet phldr="1"/>
+        </dgm:pt>
+        <dgm:pt modelId="21">
+          <dgm:prSet phldr="1"/>
+        </dgm:pt>
+        <dgm:pt modelId="22">
+          <dgm:prSet phldr="1"/>
+        </dgm:pt>
+        <dgm:pt modelId="3">
+          <dgm:prSet phldr="1"/>
+        </dgm:pt>
+        <dgm:pt modelId="31">
+          <dgm:prSet phldr="1"/>
+        </dgm:pt>
+        <dgm:pt modelId="32">
+          <dgm:prSet phldr="1"/>
+        </dgm:pt>
+      </dgm:ptLst>
+      <dgm:cxnLst>
+        <dgm:cxn modelId="4" srcId="0" destId="1" srcOrd="0" destOrd="0"/>
+        <dgm:cxn modelId="5" srcId="0" destId="2" srcOrd="1" destOrd="0"/>
+        <dgm:cxn modelId="6" srcId="0" destId="3" srcOrd="2" destOrd="0"/>
+        <dgm:cxn modelId="13" srcId="1" destId="11" srcOrd="0" destOrd="0"/>
+        <dgm:cxn modelId="14" srcId="1" destId="12" srcOrd="1" destOrd="0"/>
+        <dgm:cxn modelId="23" srcId="2" destId="21" srcOrd="0" destOrd="0"/>
+        <dgm:cxn modelId="24" srcId="2" destId="22" srcOrd="1" destOrd="0"/>
+        <dgm:cxn modelId="33" srcId="3" destId="31" srcOrd="0" destOrd="0"/>
+        <dgm:cxn modelId="34" srcId="3" destId="32" srcOrd="1" destOrd="0"/>
+      </dgm:cxnLst>
+      <dgm:bg/>
+      <dgm:whole/>
+    </dgm:dataModel>
+  </dgm:sampData>
+  <dgm:styleData>
+    <dgm:dataModel>
+      <dgm:ptLst>
+        <dgm:pt modelId="0" type="doc"/>
+        <dgm:pt modelId="1"/>
+        <dgm:pt modelId="11"/>
+        <dgm:pt modelId="2"/>
+        <dgm:pt modelId="21"/>
+      </dgm:ptLst>
+      <dgm:cxnLst>
+        <dgm:cxn modelId="4" srcId="0" destId="1" srcOrd="0" destOrd="0"/>
+        <dgm:cxn modelId="5" srcId="0" destId="2" srcOrd="1" destOrd="0"/>
+        <dgm:cxn modelId="13" srcId="1" destId="11" srcOrd="0" destOrd="0"/>
+        <dgm:cxn modelId="23" srcId="2" destId="21" srcOrd="0" destOrd="0"/>
+      </dgm:cxnLst>
+      <dgm:bg/>
+      <dgm:whole/>
+    </dgm:dataModel>
+  </dgm:styleData>
+  <dgm:clrData>
+    <dgm:dataModel>
+      <dgm:ptLst>
+        <dgm:pt modelId="0" type="doc"/>
+        <dgm:pt modelId="1"/>
+        <dgm:pt modelId="11"/>
+        <dgm:pt modelId="2"/>
+        <dgm:pt modelId="21"/>
+        <dgm:pt modelId="3"/>
+        <dgm:pt modelId="31"/>
+        <dgm:pt modelId="4"/>
+        <dgm:pt modelId="41"/>
+      </dgm:ptLst>
+      <dgm:cxnLst>
+        <dgm:cxn modelId="5" srcId="0" destId="1" srcOrd="0" destOrd="0"/>
+        <dgm:cxn modelId="6" srcId="0" destId="2" srcOrd="1" destOrd="0"/>
+        <dgm:cxn modelId="7" srcId="0" destId="3" srcOrd="2" destOrd="0"/>
+        <dgm:cxn modelId="8" srcId="0" destId="4" srcOrd="3" destOrd="0"/>
+        <dgm:cxn modelId="13" srcId="1" destId="11" srcOrd="0" destOrd="0"/>
+        <dgm:cxn modelId="23" srcId="2" destId="21" srcOrd="0" destOrd="0"/>
+        <dgm:cxn modelId="33" srcId="3" destId="31" srcOrd="0" destOrd="0"/>
+        <dgm:cxn modelId="43" srcId="4" destId="41" srcOrd="0" destOrd="0"/>
+      </dgm:cxnLst>
+      <dgm:bg/>
+      <dgm:whole/>
+    </dgm:dataModel>
+  </dgm:clrData>
+  <dgm:layoutNode name="linearFlow">
+    <dgm:varLst>
+      <dgm:dir/>
+      <dgm:animLvl val="lvl"/>
+      <dgm:resizeHandles/>
+    </dgm:varLst>
+    <dgm:choose name="Name0">
+      <dgm:if name="Name1" func="var" arg="dir" op="equ" val="norm">
+        <dgm:alg type="lin">
+          <dgm:param type="linDir" val="fromL"/>
+          <dgm:param type="nodeVertAlign" val="t"/>
+        </dgm:alg>
+      </dgm:if>
+      <dgm:else name="Name2">
+        <dgm:alg type="lin">
+          <dgm:param type="linDir" val="fromR"/>
+          <dgm:param type="nodeVertAlign" val="t"/>
+        </dgm:alg>
+      </dgm:else>
+    </dgm:choose>
+    <dgm:shape xmlns:r="http://schemas.openxmlformats.org/officeDocument/2006/relationships" r:blip="">
+      <dgm:adjLst/>
+    </dgm:shape>
+    <dgm:presOf/>
+    <dgm:constrLst>
+      <dgm:constr type="w" for="ch" forName="compositeNode" refType="w"/>
+      <dgm:constr type="h" for="ch" forName="compositeNode" refType="h"/>
+      <dgm:constr type="w" for="ch" forName="sibTrans" refType="w" refFor="ch" refForName="compositeNode" op="equ" fact="0.2"/>
+      <dgm:constr type="h" for="des" forName="childNode" op="equ"/>
+      <dgm:constr type="w" for="des" forName="childNode" op="equ"/>
+      <dgm:constr type="w" for="des" forName="parentNode" op="equ"/>
+      <dgm:constr type="h" for="des" forName="image" op="equ"/>
+      <dgm:constr type="w" for="des" forName="image" op="equ"/>
+      <dgm:constr type="primFontSz" for="des" forName="parentNode" op="equ" val="65"/>
+      <dgm:constr type="primFontSz" for="des" forName="childNode" op="equ" val="65"/>
+    </dgm:constrLst>
+    <dgm:ruleLst/>
+    <dgm:forEach name="Name3" axis="ch" ptType="node">
+      <dgm:layoutNode name="compositeNode">
+        <dgm:varLst>
+          <dgm:bulletEnabled val="1"/>
+        </dgm:varLst>
+        <dgm:alg type="composite"/>
+        <dgm:presOf/>
+        <dgm:choose name="Name4">
+          <dgm:if name="Name5" func="var" arg="dir" op="equ" val="norm">
+            <dgm:constrLst>
+              <dgm:constr type="w" for="ch" forName="image" refType="w"/>
+              <dgm:constr type="h" for="ch" forName="image" refType="h"/>
+              <dgm:constr type="h" for="ch" forName="image" refType="w" refFor="ch" refForName="image" op="lte"/>
+              <dgm:constr type="w" for="ch" forName="image" refType="h" refFor="ch" refForName="image" op="lte"/>
+              <dgm:constr type="w" for="ch" forName="image" refType="w" op="lte" fact="0.33"/>
+              <dgm:constr type="h" for="ch" forName="image" refType="h" op="lte" fact="0.33"/>
+              <dgm:constr type="t" for="ch" forName="image"/>
+              <dgm:constr type="l" for="ch" forName="image"/>
+              <dgm:constr type="w" for="ch" forName="childNode" refType="w" fact="0.85"/>
+              <dgm:constr type="h" for="ch" forName="childNode" refType="h" fact="0.78"/>
+              <dgm:constr type="t" for="ch" forName="childNode" refType="h" refFor="ch" refForName="image" fact="0.66"/>
+              <dgm:constr type="l" for="ch" forName="childNode" refType="w" refFor="ch" refForName="image" fact="0.5"/>
+              <dgm:constr type="tMarg" for="ch" forName="childNode" refType="w" refFor="ch" refForName="image" fact="1.25"/>
+              <dgm:constr type="t" for="ch" forName="parentNode" refType="h" refFor="ch" refForName="image" fact="0.66"/>
+              <dgm:constr type="b" for="ch" forName="parentNode" refType="b" refFor="ch" refForName="childNode"/>
+              <dgm:constr type="l" for="ch" forName="parentNode"/>
+              <dgm:constr type="r" for="ch" forName="parentNode" refType="l" refFor="ch" refForName="childNode"/>
+              <dgm:constr type="rMarg" for="ch" forName="parentNode" refType="w" refFor="ch" refForName="image" fact="1.25"/>
+            </dgm:constrLst>
+          </dgm:if>
+          <dgm:else name="Name6">
+            <dgm:constrLst>
+              <dgm:constr type="w" for="ch" forName="image" refType="w"/>
+              <dgm:constr type="h" for="ch" forName="image" refType="h"/>
+              <dgm:constr type="h" for="ch" forName="image" refType="w" refFor="ch" refForName="image" op="lte"/>
+              <dgm:constr type="w" for="ch" forName="image" refType="h" refFor="ch" refForName="image" op="lte"/>
+              <dgm:constr type="w" for="ch" forName="image" refType="w" op="lte" fact="0.33"/>
+              <dgm:constr type="h" for="ch" forName="image" refType="h" op="lte" fact="0.33"/>
+              <dgm:constr type="t" for="ch" forName="image"/>
+              <dgm:constr type="r" for="ch" forName="image" refType="w"/>
+              <dgm:constr type="w" for="ch" forName="childNode" refType="w" fact="0.85"/>
+              <dgm:constr type="h" for="ch" forName="childNode" refType="h" fact="0.78"/>
+              <dgm:constr type="t" for="ch" forName="childNode" refType="h" refFor="ch" refForName="image" fact="0.66"/>
+              <dgm:constr type="r" for="ch" forName="childNode" refType="w"/>
+              <dgm:constr type="rOff" for="ch" forName="childNode" refType="w" refFor="ch" refForName="image" fact="-0.5"/>
+              <dgm:constr type="tMarg" for="ch" forName="childNode" refType="w" refFor="ch" refForName="image" fact="1.25"/>
+              <dgm:constr type="t" for="ch" forName="parentNode" refType="h" refFor="ch" refForName="image" fact="0.66"/>
+              <dgm:constr type="b" for="ch" forName="parentNode" refType="b" refFor="ch" refForName="childNode"/>
+              <dgm:constr type="r" for="ch" forName="parentNode" refType="w"/>
+              <dgm:constr type="l" for="ch" forName="parentNode" refType="r" refFor="ch" refForName="childNode"/>
+              <dgm:constr type="lOff" for="ch" forName="parentNode" refType="rOff" refFor="ch" refForName="childNode"/>
+              <dgm:constr type="lMarg" for="ch" forName="parentNode" refType="w" refFor="ch" refForName="image" fact="1.25"/>
+            </dgm:constrLst>
+          </dgm:else>
+        </dgm:choose>
+        <dgm:ruleLst>
+          <dgm:rule type="w" for="ch" forName="childNode" val="NaN" fact="0.4" max="NaN"/>
+          <dgm:rule type="h" for="ch" forName="childNode" val="NaN" fact="0.5" max="NaN"/>
+        </dgm:ruleLst>
+        <dgm:layoutNode name="image" styleLbl="fgImgPlace1">
+          <dgm:alg type="sp"/>
+          <dgm:shape xmlns:r="http://schemas.openxmlformats.org/officeDocument/2006/relationships" type="rect" r:blip="" zOrderOff="4" blipPhldr="1">
+            <dgm:adjLst/>
+          </dgm:shape>
+          <dgm:presOf/>
+          <dgm:constrLst/>
+          <dgm:ruleLst/>
+        </dgm:layoutNode>
+        <dgm:layoutNode name="childNode" styleLbl="node1">
+          <dgm:varLst>
+            <dgm:bulletEnabled val="1"/>
+          </dgm:varLst>
+          <dgm:alg type="tx">
+            <dgm:param type="stBulletLvl" val="1"/>
+          </dgm:alg>
+          <dgm:shape xmlns:r="http://schemas.openxmlformats.org/officeDocument/2006/relationships" type="rect" r:blip="" zOrderOff="2">
+            <dgm:adjLst/>
+          </dgm:shape>
+          <dgm:presOf axis="des" ptType="node"/>
+          <dgm:constrLst/>
+          <dgm:ruleLst>
+            <dgm:rule type="primFontSz" val="5" fact="NaN" max="NaN"/>
+          </dgm:ruleLst>
+        </dgm:layoutNode>
+        <dgm:layoutNode name="parentNode" styleLbl="revTx">
+          <dgm:varLst>
+            <dgm:chMax val="0"/>
+            <dgm:bulletEnabled val="1"/>
+          </dgm:varLst>
+          <dgm:choose name="Name7">
+            <dgm:if name="Name8" func="var" arg="dir" op="equ" val="norm">
+              <dgm:alg type="tx">
+                <dgm:param type="autoTxRot" val="grav"/>
+                <dgm:param type="txAnchorVert" val="t"/>
+                <dgm:param type="parTxLTRAlign" val="r"/>
+                <dgm:param type="parTxRTLAlign" val="r"/>
+              </dgm:alg>
+              <dgm:shape xmlns:r="http://schemas.openxmlformats.org/officeDocument/2006/relationships" rot="270" type="rect" r:blip="">
+                <dgm:adjLst/>
+              </dgm:shape>
+              <dgm:presOf axis="self"/>
+              <dgm:constrLst>
+                <dgm:constr type="lMarg"/>
+                <dgm:constr type="bMarg"/>
+                <dgm:constr type="tMarg"/>
+              </dgm:constrLst>
+            </dgm:if>
+            <dgm:else name="Name9">
+              <dgm:alg type="tx">
+                <dgm:param type="autoTxRot" val="grav"/>
+                <dgm:param type="parTxLTRAlign" val="l"/>
+                <dgm:param type="parTxRTLAlign" val="l"/>
+              </dgm:alg>
+              <dgm:shape xmlns:r="http://schemas.openxmlformats.org/officeDocument/2006/relationships" rot="90" type="rect" r:blip="">
+                <dgm:adjLst/>
+              </dgm:shape>
+              <dgm:presOf axis="self"/>
+              <dgm:constrLst>
+                <dgm:constr type="rMarg"/>
+                <dgm:constr type="bMarg"/>
+                <dgm:constr type="tMarg"/>
+              </dgm:constrLst>
+            </dgm:else>
+          </dgm:choose>
+          <dgm:ruleLst>
+            <dgm:rule type="primFontSz" val="5" fact="NaN" max="NaN"/>
+          </dgm:ruleLst>
+        </dgm:layoutNode>
+      </dgm:layoutNode>
+      <dgm:forEach name="Name10" axis="followSib" ptType="sibTrans" cnt="1">
+        <dgm:layoutNode name="sibTrans">
+          <dgm:alg type="sp"/>
+          <dgm:shape xmlns:r="http://schemas.openxmlformats.org/officeDocument/2006/relationships" r:blip="">
+            <dgm:adjLst/>
+          </dgm:shape>
+          <dgm:presOf axis="self"/>
+          <dgm:constrLst/>
+          <dgm:ruleLst/>
+        </dgm:layoutNode>
+      </dgm:forEach>
+    </dgm:forEach>
+  </dgm:layoutNode>
+</dgm:layoutDef>
+</file>
+
 <file path=ppt/diagrams/quickStyle1.xml><?xml version="1.0" encoding="utf-8"?>
+<dgm:styleDef xmlns:dgm="http://schemas.openxmlformats.org/drawingml/2006/diagram" xmlns:a="http://schemas.openxmlformats.org/drawingml/2006/main" uniqueId="urn:microsoft.com/office/officeart/2005/8/quickstyle/simple1">
+  <dgm:title val=""/>
+  <dgm:desc val=""/>
+  <dgm:catLst>
+    <dgm:cat type="simple" pri="10100"/>
+  </dgm:catLst>
+  <dgm:scene3d>
+    <a:camera prst="orthographicFront"/>
+    <a:lightRig rig="threePt" dir="t"/>
+  </dgm:scene3d>
+  <dgm:styleLbl name="node0">
+    <dgm:scene3d>
+      <a:camera prst="orthographicFront"/>
+      <a:lightRig rig="threePt" dir="t"/>
+    </dgm:scene3d>
+    <dgm:sp3d/>
+    <dgm:txPr/>
+    <dgm:style>
+      <a:lnRef idx="2">
+        <a:scrgbClr r="0" g="0" b="0"/>
+      </a:lnRef>
+      <a:fillRef idx="1">
+        <a:scrgbClr r="0" g="0" b="0"/>
+      </a:fillRef>
+      <a:effectRef idx="0">
+        <a:scrgbClr r="0" g="0" b="0"/>
+      </a:effectRef>
+      <a:fontRef idx="minor">
+        <a:schemeClr val="lt1"/>
+      </a:fontRef>
+    </dgm:style>
+  </dgm:styleLbl>
+  <dgm:styleLbl name="lnNode1">
+    <dgm:scene3d>
+      <a:camera prst="orthographicFront"/>
+      <a:lightRig rig="threePt" dir="t"/>
+    </dgm:scene3d>
+    <dgm:sp3d/>
+    <dgm:txPr/>
+    <dgm:style>
+      <a:lnRef idx="2">
+        <a:scrgbClr r="0" g="0" b="0"/>
+      </a:lnRef>
+      <a:fillRef idx="1">
+        <a:scrgbClr r="0" g="0" b="0"/>
+      </a:fillRef>
+      <a:effectRef idx="0">
+        <a:scrgbClr r="0" g="0" b="0"/>
+      </a:effectRef>
+      <a:fontRef idx="minor">
+        <a:schemeClr val="lt1"/>
+      </a:fontRef>
+    </dgm:style>
+  </dgm:styleLbl>
+  <dgm:styleLbl name="vennNode1">
+    <dgm:scene3d>
+      <a:camera prst="orthographicFront"/>
+      <a:lightRig rig="threePt" dir="t"/>
+    </dgm:scene3d>
+    <dgm:sp3d/>
+    <dgm:txPr/>
+    <dgm:style>
+      <a:lnRef idx="2">
+        <a:scrgbClr r="0" g="0" b="0"/>
+      </a:lnRef>
+      <a:fillRef idx="1">
+        <a:scrgbClr r="0" g="0" b="0"/>
+      </a:fillRef>
+      <a:effectRef idx="0">
+        <a:scrgbClr r="0" g="0" b="0"/>
+      </a:effectRef>
+      <a:fontRef idx="minor">
+        <a:schemeClr val="tx1"/>
+      </a:fontRef>
+    </dgm:style>
+  </dgm:styleLbl>
+  <dgm:styleLbl name="alignNode1">
+    <dgm:scene3d>
+      <a:camera prst="orthographicFront"/>
+      <a:lightRig rig="threePt" dir="t"/>
+    </dgm:scene3d>
+    <dgm:sp3d/>
+    <dgm:txPr/>
+    <dgm:style>
+      <a:lnRef idx="2">
+        <a:scrgbClr r="0" g="0" b="0"/>
+      </a:lnRef>
+      <a:fillRef idx="1">
+        <a:scrgbClr r="0" g="0" b="0"/>
+      </a:fillRef>
+      <a:effectRef idx="0">
+        <a:scrgbClr r="0" g="0" b="0"/>
+      </a:effectRef>
+      <a:fontRef idx="minor">
+        <a:schemeClr val="lt1"/>
+      </a:fontRef>
+    </dgm:style>
+  </dgm:styleLbl>
+  <dgm:styleLbl name="node1">
+    <dgm:scene3d>
+      <a:camera prst="orthographicFront"/>
+      <a:lightRig rig="threePt" dir="t"/>
+    </dgm:scene3d>
+    <dgm:sp3d/>
+    <dgm:txPr/>
+    <dgm:style>
+      <a:lnRef idx="2">
+        <a:scrgbClr r="0" g="0" b="0"/>
+      </a:lnRef>
+      <a:fillRef idx="1">
+        <a:scrgbClr r="0" g="0" b="0"/>
+      </a:fillRef>
+      <a:effectRef idx="0">
+        <a:scrgbClr r="0" g="0" b="0"/>
+      </a:effectRef>
+      <a:fontRef idx="minor">
+        <a:schemeClr val="lt1"/>
+      </a:fontRef>
+    </dgm:style>
+  </dgm:styleLbl>
+  <dgm:styleLbl name="node2">
+    <dgm:scene3d>
+      <a:camera prst="orthographicFront"/>
+      <a:lightRig rig="threePt" dir="t"/>
+    </dgm:scene3d>
+    <dgm:sp3d/>
+    <dgm:txPr/>
+    <dgm:style>
+      <a:lnRef idx="2">
+        <a:scrgbClr r="0" g="0" b="0"/>
+      </a:lnRef>
+      <a:fillRef idx="1">
+        <a:scrgbClr r="0" g="0" b="0"/>
+      </a:fillRef>
+      <a:effectRef idx="0">
+        <a:scrgbClr r="0" g="0" b="0"/>
+      </a:effectRef>
+      <a:fontRef idx="minor">
+        <a:schemeClr val="lt1"/>
+      </a:fontRef>
+    </dgm:style>
+  </dgm:styleLbl>
+  <dgm:styleLbl name="node3">
+    <dgm:scene3d>
+      <a:camera prst="orthographicFront"/>
+      <a:lightRig rig="threePt" dir="t"/>
+    </dgm:scene3d>
+    <dgm:sp3d/>
+    <dgm:txPr/>
+    <dgm:style>
+      <a:lnRef idx="2">
+        <a:scrgbClr r="0" g="0" b="0"/>
+      </a:lnRef>
+      <a:fillRef idx="1">
+        <a:scrgbClr r="0" g="0" b="0"/>
+      </a:fillRef>
+      <a:effectRef idx="0">
+        <a:scrgbClr r="0" g="0" b="0"/>
+      </a:effectRef>
+      <a:fontRef idx="minor">
+        <a:schemeClr val="lt1"/>
+      </a:fontRef>
+    </dgm:style>
+  </dgm:styleLbl>
+  <dgm:styleLbl name="node4">
+    <dgm:scene3d>
+      <a:camera prst="orthographicFront"/>
+      <a:lightRig rig="threePt" dir="t"/>
+    </dgm:scene3d>
+    <dgm:sp3d/>
+    <dgm:txPr/>
+    <dgm:style>
+      <a:lnRef idx="2">
+        <a:scrgbClr r="0" g="0" b="0"/>
+      </a:lnRef>
+      <a:fillRef idx="1">
+        <a:scrgbClr r="0" g="0" b="0"/>
+      </a:fillRef>
+      <a:effectRef idx="0">
+        <a:scrgbClr r="0" g="0" b="0"/>
+      </a:effectRef>
+      <a:fontRef idx="minor">
+        <a:schemeClr val="lt1"/>
+      </a:fontRef>
+    </dgm:style>
+  </dgm:styleLbl>
+  <dgm:styleLbl name="fgImgPlace1">
+    <dgm:scene3d>
+      <a:camera prst="orthographicFront"/>
+      <a:lightRig rig="threePt" dir="t"/>
+    </dgm:scene3d>
+    <dgm:sp3d/>
+    <dgm:txPr/>
+    <dgm:style>
+      <a:lnRef idx="2">
+        <a:scrgbClr r="0" g="0" b="0"/>
+      </a:lnRef>
+      <a:fillRef idx="1">
+        <a:scrgbClr r="0" g="0" b="0"/>
+      </a:fillRef>
+      <a:effectRef idx="0">
+        <a:scrgbClr r="0" g="0" b="0"/>
+      </a:effectRef>
+      <a:fontRef idx="minor"/>
+    </dgm:style>
+  </dgm:styleLbl>
+  <dgm:styleLbl name="alignImgPlace1">
+    <dgm:scene3d>
+      <a:camera prst="orthographicFront"/>
+      <a:lightRig rig="threePt" dir="t"/>
+    </dgm:scene3d>
+    <dgm:sp3d/>
+    <dgm:txPr/>
+    <dgm:style>
+      <a:lnRef idx="2">
+        <a:scrgbClr r="0" g="0" b="0"/>
+      </a:lnRef>
+      <a:fillRef idx="1">
+        <a:scrgbClr r="0" g="0" b="0"/>
+      </a:fillRef>
+      <a:effectRef idx="0">
+        <a:scrgbClr r="0" g="0" b="0"/>
+      </a:effectRef>
+      <a:fontRef idx="minor"/>
+    </dgm:style>
+  </dgm:styleLbl>
+  <dgm:styleLbl name="bgImgPlace1">
+    <dgm:scene3d>
+      <a:camera prst="orthographicFront"/>
+      <a:lightRig rig="threePt" dir="t"/>
+    </dgm:scene3d>
+    <dgm:sp3d/>
+    <dgm:txPr/>
+    <dgm:style>
+      <a:lnRef idx="2">
+        <a:scrgbClr r="0" g="0" b="0"/>
+      </a:lnRef>
+      <a:fillRef idx="1">
+        <a:scrgbClr r="0" g="0" b="0"/>
+      </a:fillRef>
+      <a:effectRef idx="0">
+        <a:scrgbClr r="0" g="0" b="0"/>
+      </a:effectRef>
+      <a:fontRef idx="minor"/>
+    </dgm:style>
+  </dgm:styleLbl>
+  <dgm:styleLbl name="sibTrans2D1">
+    <dgm:scene3d>
+      <a:camera prst="orthographicFront"/>
+      <a:lightRig rig="threePt" dir="t"/>
+    </dgm:scene3d>
+    <dgm:sp3d/>
+    <dgm:txPr/>
+    <dgm:style>
+      <a:lnRef idx="0">
+        <a:scrgbClr r="0" g="0" b="0"/>
+      </a:lnRef>
+      <a:fillRef idx="1">
+        <a:scrgbClr r="0" g="0" b="0"/>
+      </a:fillRef>
+      <a:effectRef idx="0">
+        <a:scrgbClr r="0" g="0" b="0"/>
+      </a:effectRef>
+      <a:fontRef idx="minor">
+        <a:schemeClr val="lt1"/>
+      </a:fontRef>
+    </dgm:style>
+  </dgm:styleLbl>
+  <dgm:styleLbl name="fgSibTrans2D1">
+    <dgm:scene3d>
+      <a:camera prst="orthographicFront"/>
+      <a:lightRig rig="threePt" dir="t"/>
+    </dgm:scene3d>
+    <dgm:sp3d/>
+    <dgm:txPr/>
+    <dgm:style>
+      <a:lnRef idx="0">
+        <a:scrgbClr r="0" g="0" b="0"/>
+      </a:lnRef>
+      <a:fillRef idx="1">
+        <a:scrgbClr r="0" g="0" b="0"/>
+      </a:fillRef>
+      <a:effectRef idx="0">
+        <a:scrgbClr r="0" g="0" b="0"/>
+      </a:effectRef>
+      <a:fontRef idx="minor">
+        <a:schemeClr val="lt1"/>
+      </a:fontRef>
+    </dgm:style>
+  </dgm:styleLbl>
+  <dgm:styleLbl name="bgSibTrans2D1">
+    <dgm:scene3d>
+      <a:camera prst="orthographicFront"/>
+      <a:lightRig rig="threePt" dir="t"/>
+    </dgm:scene3d>
+    <dgm:sp3d/>
+    <dgm:txPr/>
+    <dgm:style>
+      <a:lnRef idx="0">
+        <a:scrgbClr r="0" g="0" b="0"/>
+      </a:lnRef>
+      <a:fillRef idx="1">
+        <a:scrgbClr r="0" g="0" b="0"/>
+      </a:fillRef>
+      <a:effectRef idx="0">
+        <a:scrgbClr r="0" g="0" b="0"/>
+      </a:effectRef>
+      <a:fontRef idx="minor">
+        <a:schemeClr val="lt1"/>
+      </a:fontRef>
+    </dgm:style>
+  </dgm:styleLbl>
+  <dgm:styleLbl name="sibTrans1D1">
+    <dgm:scene3d>
+      <a:camera prst="orthographicFront"/>
+      <a:lightRig rig="threePt" dir="t"/>
+    </dgm:scene3d>
+    <dgm:sp3d/>
+    <dgm:txPr/>
+    <dgm:style>
+      <a:lnRef idx="1">
+        <a:scrgbClr r="0" g="0" b="0"/>
+      </a:lnRef>
+      <a:fillRef idx="0">
+        <a:scrgbClr r="0" g="0" b="0"/>
+      </a:fillRef>
+      <a:effectRef idx="0">
+        <a:scrgbClr r="0" g="0" b="0"/>
+      </a:effectRef>
+      <a:fontRef idx="minor"/>
+    </dgm:style>
+  </dgm:styleLbl>
+  <dgm:styleLbl name="callout">
+    <dgm:scene3d>
+      <a:camera prst="orthographicFront"/>
+      <a:lightRig rig="threePt" dir="t"/>
+    </dgm:scene3d>
+    <dgm:sp3d/>
+    <dgm:txPr/>
+    <dgm:style>
+      <a:lnRef idx="2">
+        <a:scrgbClr r="0" g="0" b="0"/>
+      </a:lnRef>
+      <a:fillRef idx="1">
+        <a:scrgbClr r="0" g="0" b="0"/>
+      </a:fillRef>
+      <a:effectRef idx="0">
+        <a:scrgbClr r="0" g="0" b="0"/>
+      </a:effectRef>
+      <a:fontRef idx="minor"/>
+    </dgm:style>
+  </dgm:styleLbl>
+  <dgm:styleLbl name="asst0">
+    <dgm:scene3d>
+      <a:camera prst="orthographicFront"/>
+      <a:lightRig rig="threePt" dir="t"/>
+    </dgm:scene3d>
+    <dgm:sp3d/>
+    <dgm:txPr/>
+    <dgm:style>
+      <a:lnRef idx="2">
+        <a:scrgbClr r="0" g="0" b="0"/>
+      </a:lnRef>
+      <a:fillRef idx="1">
+        <a:scrgbClr r="0" g="0" b="0"/>
+      </a:fillRef>
+      <a:effectRef idx="0">
+        <a:scrgbClr r="0" g="0" b="0"/>
+      </a:effectRef>
+      <a:fontRef idx="minor">
+        <a:schemeClr val="lt1"/>
+      </a:fontRef>
+    </dgm:style>
+  </dgm:styleLbl>
+  <dgm:styleLbl name="asst1">
+    <dgm:scene3d>
+      <a:camera prst="orthographicFront"/>
+      <a:lightRig rig="threePt" dir="t"/>
+    </dgm:scene3d>
+    <dgm:sp3d/>
+    <dgm:txPr/>
+    <dgm:style>
+      <a:lnRef idx="2">
+        <a:scrgbClr r="0" g="0" b="0"/>
+      </a:lnRef>
+      <a:fillRef idx="1">
+        <a:scrgbClr r="0" g="0" b="0"/>
+      </a:fillRef>
+      <a:effectRef idx="0">
+        <a:scrgbClr r="0" g="0" b="0"/>
+      </a:effectRef>
+      <a:fontRef idx="minor">
+        <a:schemeClr val="lt1"/>
+      </a:fontRef>
+    </dgm:style>
+  </dgm:styleLbl>
+  <dgm:styleLbl name="asst2">
+    <dgm:scene3d>
+      <a:camera prst="orthographicFront"/>
+      <a:lightRig rig="threePt" dir="t"/>
+    </dgm:scene3d>
+    <dgm:sp3d/>
+    <dgm:txPr/>
+    <dgm:style>
+      <a:lnRef idx="2">
+        <a:scrgbClr r="0" g="0" b="0"/>
+      </a:lnRef>
+      <a:fillRef idx="1">
+        <a:scrgbClr r="0" g="0" b="0"/>
+      </a:fillRef>
+      <a:effectRef idx="0">
+        <a:scrgbClr r="0" g="0" b="0"/>
+      </a:effectRef>
+      <a:fontRef idx="minor">
+        <a:schemeClr val="lt1"/>
+      </a:fontRef>
+    </dgm:style>
+  </dgm:styleLbl>
+  <dgm:styleLbl name="asst3">
+    <dgm:scene3d>
+      <a:camera prst="orthographicFront"/>
+      <a:lightRig rig="threePt" dir="t"/>
+    </dgm:scene3d>
+    <dgm:sp3d/>
+    <dgm:txPr/>
+    <dgm:style>
+      <a:lnRef idx="2">
+        <a:scrgbClr r="0" g="0" b="0"/>
+      </a:lnRef>
+      <a:fillRef idx="1">
+        <a:scrgbClr r="0" g="0" b="0"/>
+      </a:fillRef>
+      <a:effectRef idx="0">
+        <a:scrgbClr r="0" g="0" b="0"/>
+      </a:effectRef>
+      <a:fontRef idx="minor">
+        <a:schemeClr val="lt1"/>
+      </a:fontRef>
+    </dgm:style>
+  </dgm:styleLbl>
+  <dgm:styleLbl name="asst4">
+    <dgm:scene3d>
+      <a:camera prst="orthographicFront"/>
+      <a:lightRig rig="threePt" dir="t"/>
+    </dgm:scene3d>
+    <dgm:sp3d/>
+    <dgm:txPr/>
+    <dgm:style>
+      <a:lnRef idx="2">
+        <a:scrgbClr r="0" g="0" b="0"/>
+      </a:lnRef>
+      <a:fillRef idx="1">
+        <a:scrgbClr r="0" g="0" b="0"/>
+      </a:fillRef>
+      <a:effectRef idx="0">
+        <a:scrgbClr r="0" g="0" b="0"/>
+      </a:effectRef>
+      <a:fontRef idx="minor">
+        <a:schemeClr val="lt1"/>
+      </a:fontRef>
+    </dgm:style>
+  </dgm:styleLbl>
+  <dgm:styleLbl name="parChTrans2D1">
+    <dgm:scene3d>
+      <a:camera prst="orthographicFront"/>
+      <a:lightRig rig="threePt" dir="t"/>
+    </dgm:scene3d>
+    <dgm:sp3d/>
+    <dgm:txPr/>
+    <dgm:style>
+      <a:lnRef idx="2">
+        <a:scrgbClr r="0" g="0" b="0"/>
+      </a:lnRef>
+      <a:fillRef idx="1">
+        <a:scrgbClr r="0" g="0" b="0"/>
+      </a:fillRef>
+      <a:effectRef idx="0">
+        <a:scrgbClr r="0" g="0" b="0"/>
+      </a:effectRef>
+      <a:fontRef idx="minor">
+        <a:schemeClr val="lt1"/>
+      </a:fontRef>
+    </dgm:style>
+  </dgm:styleLbl>
+  <dgm:styleLbl name="parChTrans2D2">
+    <dgm:scene3d>
+      <a:camera prst="orthographicFront"/>
+      <a:lightRig rig="threePt" dir="t"/>
+    </dgm:scene3d>
+    <dgm:sp3d/>
+    <dgm:txPr/>
+    <dgm:style>
+      <a:lnRef idx="2">
+        <a:scrgbClr r="0" g="0" b="0"/>
+      </a:lnRef>
+      <a:fillRef idx="1">
+        <a:scrgbClr r="0" g="0" b="0"/>
+      </a:fillRef>
+      <a:effectRef idx="0">
+        <a:scrgbClr r="0" g="0" b="0"/>
+      </a:effectRef>
+      <a:fontRef idx="minor">
+        <a:schemeClr val="lt1"/>
+      </a:fontRef>
+    </dgm:style>
+  </dgm:styleLbl>
+  <dgm:styleLbl name="parChTrans2D3">
+    <dgm:scene3d>
+      <a:camera prst="orthographicFront"/>
+      <a:lightRig rig="threePt" dir="t"/>
+    </dgm:scene3d>
+    <dgm:sp3d/>
+    <dgm:txPr/>
+    <dgm:style>
+      <a:lnRef idx="2">
+        <a:scrgbClr r="0" g="0" b="0"/>
+      </a:lnRef>
+      <a:fillRef idx="1">
+        <a:scrgbClr r="0" g="0" b="0"/>
+      </a:fillRef>
+      <a:effectRef idx="0">
+        <a:scrgbClr r="0" g="0" b="0"/>
+      </a:effectRef>
+      <a:fontRef idx="minor">
+        <a:schemeClr val="lt1"/>
+      </a:fontRef>
+    </dgm:style>
+  </dgm:styleLbl>
+  <dgm:styleLbl name="parChTrans2D4">
+    <dgm:scene3d>
+      <a:camera prst="orthographicFront"/>
+      <a:lightRig rig="threePt" dir="t"/>
+    </dgm:scene3d>
+    <dgm:sp3d/>
+    <dgm:txPr/>
+    <dgm:style>
+      <a:lnRef idx="2">
+        <a:scrgbClr r="0" g="0" b="0"/>
+      </a:lnRef>
+      <a:fillRef idx="1">
+        <a:scrgbClr r="0" g="0" b="0"/>
+      </a:fillRef>
+      <a:effectRef idx="0">
+        <a:scrgbClr r="0" g="0" b="0"/>
+      </a:effectRef>
+      <a:fontRef idx="minor">
+        <a:schemeClr val="lt1"/>
+      </a:fontRef>
+    </dgm:style>
+  </dgm:styleLbl>
+  <dgm:styleLbl name="parChTrans1D1">
+    <dgm:scene3d>
+      <a:camera prst="orthographicFront"/>
+      <a:lightRig rig="threePt" dir="t"/>
+    </dgm:scene3d>
+    <dgm:sp3d/>
+    <dgm:txPr/>
+    <dgm:style>
+      <a:lnRef idx="2">
+        <a:scrgbClr r="0" g="0" b="0"/>
+      </a:lnRef>
+      <a:fillRef idx="0">
+        <a:scrgbClr r="0" g="0" b="0"/>
+      </a:fillRef>
+      <a:effectRef idx="0">
+        <a:scrgbClr r="0" g="0" b="0"/>
+      </a:effectRef>
+      <a:fontRef idx="minor"/>
+    </dgm:style>
+  </dgm:styleLbl>
+  <dgm:styleLbl name="parChTrans1D2">
+    <dgm:scene3d>
+      <a:camera prst="orthographicFront"/>
+      <a:lightRig rig="threePt" dir="t"/>
+    </dgm:scene3d>
+    <dgm:sp3d/>
+    <dgm:txPr/>
+    <dgm:style>
+      <a:lnRef idx="2">
+        <a:scrgbClr r="0" g="0" b="0"/>
+      </a:lnRef>
+      <a:fillRef idx="0">
+        <a:scrgbClr r="0" g="0" b="0"/>
+      </a:fillRef>
+      <a:effectRef idx="0">
+        <a:scrgbClr r="0" g="0" b="0"/>
+      </a:effectRef>
+      <a:fontRef idx="minor"/>
+    </dgm:style>
+  </dgm:styleLbl>
+  <dgm:styleLbl name="parChTrans1D3">
+    <dgm:scene3d>
+      <a:camera prst="orthographicFront"/>
+      <a:lightRig rig="threePt" dir="t"/>
+    </dgm:scene3d>
+    <dgm:sp3d/>
+    <dgm:txPr/>
+    <dgm:style>
+      <a:lnRef idx="2">
+        <a:scrgbClr r="0" g="0" b="0"/>
+      </a:lnRef>
+      <a:fillRef idx="0">
+        <a:scrgbClr r="0" g="0" b="0"/>
+      </a:fillRef>
+      <a:effectRef idx="0">
+        <a:scrgbClr r="0" g="0" b="0"/>
+      </a:effectRef>
+      <a:fontRef idx="minor"/>
+    </dgm:style>
+  </dgm:styleLbl>
+  <dgm:styleLbl name="parChTrans1D4">
+    <dgm:scene3d>
+      <a:camera prst="orthographicFront"/>
+      <a:lightRig rig="threePt" dir="t"/>
+    </dgm:scene3d>
+    <dgm:sp3d/>
+    <dgm:txPr/>
+    <dgm:style>
+      <a:lnRef idx="2">
+        <a:scrgbClr r="0" g="0" b="0"/>
+      </a:lnRef>
+      <a:fillRef idx="0">
+        <a:scrgbClr r="0" g="0" b="0"/>
+      </a:fillRef>
+      <a:effectRef idx="0">
+        <a:scrgbClr r="0" g="0" b="0"/>
+      </a:effectRef>
+      <a:fontRef idx="minor"/>
+    </dgm:style>
+  </dgm:styleLbl>
+  <dgm:styleLbl name="fgAcc1">
+    <dgm:scene3d>
+      <a:camera prst="orthographicFront"/>
+      <a:lightRig rig="threePt" dir="t"/>
+    </dgm:scene3d>
+    <dgm:sp3d/>
+    <dgm:txPr/>
+    <dgm:style>
+      <a:lnRef idx="2">
+        <a:scrgbClr r="0" g="0" b="0"/>
+      </a:lnRef>
+      <a:fillRef idx="1">
+        <a:scrgbClr r="0" g="0" b="0"/>
+      </a:fillRef>
+      <a:effectRef idx="0">
+        <a:scrgbClr r="0" g="0" b="0"/>
+      </a:effectRef>
+      <a:fontRef idx="minor"/>
+    </dgm:style>
+  </dgm:styleLbl>
+  <dgm:styleLbl name="conFgAcc1">
+    <dgm:scene3d>
+      <a:camera prst="orthographicFront"/>
+      <a:lightRig rig="threePt" dir="t"/>
+    </dgm:scene3d>
+    <dgm:sp3d/>
+    <dgm:txPr/>
+    <dgm:style>
+      <a:lnRef idx="2">
+        <a:scrgbClr r="0" g="0" b="0"/>
+      </a:lnRef>
+      <a:fillRef idx="1">
+        <a:scrgbClr r="0" g="0" b="0"/>
+      </a:fillRef>
+      <a:effectRef idx="0">
+        <a:scrgbClr r="0" g="0" b="0"/>
+      </a:effectRef>
+      <a:fontRef idx="minor"/>
+    </dgm:style>
+  </dgm:styleLbl>
+  <dgm:styleLbl name="alignAcc1">
+    <dgm:scene3d>
+      <a:camera prst="orthographicFront"/>
+      <a:lightRig rig="threePt" dir="t"/>
+    </dgm:scene3d>
+    <dgm:sp3d/>
+    <dgm:txPr/>
+    <dgm:style>
+      <a:lnRef idx="2">
+        <a:scrgbClr r="0" g="0" b="0"/>
+      </a:lnRef>
+      <a:fillRef idx="1">
+        <a:scrgbClr r="0" g="0" b="0"/>
+      </a:fillRef>
+      <a:effectRef idx="0">
+        <a:scrgbClr r="0" g="0" b="0"/>
+      </a:effectRef>
+      <a:fontRef idx="minor"/>
+    </dgm:style>
+  </dgm:styleLbl>
+  <dgm:styleLbl name="trAlignAcc1">
+    <dgm:scene3d>
+      <a:camera prst="orthographicFront"/>
+      <a:lightRig rig="threePt" dir="t"/>
+    </dgm:scene3d>
+    <dgm:sp3d/>
+    <dgm:txPr/>
+    <dgm:style>
+      <a:lnRef idx="1">
+        <a:scrgbClr r="0" g="0" b="0"/>
+      </a:lnRef>
+      <a:fillRef idx="1">
+        <a:scrgbClr r="0" g="0" b="0"/>
+      </a:fillRef>
+      <a:effectRef idx="0">
+        <a:scrgbClr r="0" g="0" b="0"/>
+      </a:effectRef>
+      <a:fontRef idx="minor"/>
+    </dgm:style>
+  </dgm:styleLbl>
+  <dgm:styleLbl name="bgAcc1">
+    <dgm:scene3d>
+      <a:camera prst="orthographicFront"/>
+      <a:lightRig rig="threePt" dir="t"/>
+    </dgm:scene3d>
+    <dgm:sp3d/>
+    <dgm:txPr/>
+    <dgm:style>
+      <a:lnRef idx="2">
+        <a:scrgbClr r="0" g="0" b="0"/>
+      </a:lnRef>
+      <a:fillRef idx="1">
+        <a:scrgbClr r="0" g="0" b="0"/>
+      </a:fillRef>
+      <a:effectRef idx="0">
+        <a:scrgbClr r="0" g="0" b="0"/>
+      </a:effectRef>
+      <a:fontRef idx="minor"/>
+    </dgm:style>
+  </dgm:styleLbl>
+  <dgm:styleLbl name="solidFgAcc1">
+    <dgm:scene3d>
+      <a:camera prst="orthographicFront"/>
+      <a:lightRig rig="threePt" dir="t"/>
+    </dgm:scene3d>
+    <dgm:sp3d/>
+    <dgm:txPr/>
+    <dgm:style>
+      <a:lnRef idx="2">
+        <a:scrgbClr r="0" g="0" b="0"/>
+      </a:lnRef>
+      <a:fillRef idx="1">
+        <a:scrgbClr r="0" g="0" b="0"/>
+      </a:fillRef>
+      <a:effectRef idx="0">
+        <a:scrgbClr r="0" g="0" b="0"/>
+      </a:effectRef>
+      <a:fontRef idx="minor"/>
+    </dgm:style>
+  </dgm:styleLbl>
+  <dgm:styleLbl name="solidAlignAcc1">
+    <dgm:scene3d>
+      <a:camera prst="orthographicFront"/>
+      <a:lightRig rig="threePt" dir="t"/>
+    </dgm:scene3d>
+    <dgm:sp3d/>
+    <dgm:txPr/>
+    <dgm:style>
+      <a:lnRef idx="2">
+        <a:scrgbClr r="0" g="0" b="0"/>
+      </a:lnRef>
+      <a:fillRef idx="1">
+        <a:scrgbClr r="0" g="0" b="0"/>
+      </a:fillRef>
+      <a:effectRef idx="0">
+        <a:scrgbClr r="0" g="0" b="0"/>
+      </a:effectRef>
+      <a:fontRef idx="minor"/>
+    </dgm:style>
+  </dgm:styleLbl>
+  <dgm:styleLbl name="solidBgAcc1">
+    <dgm:scene3d>
+      <a:camera prst="orthographicFront"/>
+      <a:lightRig rig="threePt" dir="t"/>
+    </dgm:scene3d>
+    <dgm:sp3d/>
+    <dgm:txPr/>
+    <dgm:style>
+      <a:lnRef idx="2">
+        <a:scrgbClr r="0" g="0" b="0"/>
+      </a:lnRef>
+      <a:fillRef idx="1">
+        <a:scrgbClr r="0" g="0" b="0"/>
+      </a:fillRef>
+      <a:effectRef idx="0">
+        <a:scrgbClr r="0" g="0" b="0"/>
+      </a:effectRef>
+      <a:fontRef idx="minor"/>
+    </dgm:style>
+  </dgm:styleLbl>
+  <dgm:styleLbl name="fgAccFollowNode1">
+    <dgm:scene3d>
+      <a:camera prst="orthographicFront"/>
+      <a:lightRig rig="threePt" dir="t"/>
+    </dgm:scene3d>
+    <dgm:sp3d/>
+    <dgm:txPr/>
+    <dgm:style>
+      <a:lnRef idx="2">
+        <a:scrgbClr r="0" g="0" b="0"/>
+      </a:lnRef>
+      <a:fillRef idx="1">
+        <a:scrgbClr r="0" g="0" b="0"/>
+      </a:fillRef>
+      <a:effectRef idx="0">
+        <a:scrgbClr r="0" g="0" b="0"/>
+      </a:effectRef>
+      <a:fontRef idx="minor"/>
+    </dgm:style>
+  </dgm:styleLbl>
+  <dgm:styleLbl name="alignAccFollowNode1">
+    <dgm:scene3d>
+      <a:camera prst="orthographicFront"/>
+      <a:lightRig rig="threePt" dir="t"/>
+    </dgm:scene3d>
+    <dgm:sp3d/>
+    <dgm:txPr/>
+    <dgm:style>
+      <a:lnRef idx="2">
+        <a:scrgbClr r="0" g="0" b="0"/>
+      </a:lnRef>
+      <a:fillRef idx="1">
+        <a:scrgbClr r="0" g="0" b="0"/>
+      </a:fillRef>
+      <a:effectRef idx="0">
+        <a:scrgbClr r="0" g="0" b="0"/>
+      </a:effectRef>
+      <a:fontRef idx="minor"/>
+    </dgm:style>
+  </dgm:styleLbl>
+  <dgm:styleLbl name="bgAccFollowNode1">
+    <dgm:scene3d>
+      <a:camera prst="orthographicFront"/>
+      <a:lightRig rig="threePt" dir="t"/>
+    </dgm:scene3d>
+    <dgm:sp3d/>
+    <dgm:txPr/>
+    <dgm:style>
+      <a:lnRef idx="2">
+        <a:scrgbClr r="0" g="0" b="0"/>
+      </a:lnRef>
+      <a:fillRef idx="1">
+        <a:scrgbClr r="0" g="0" b="0"/>
+      </a:fillRef>
+      <a:effectRef idx="0">
+        <a:scrgbClr r="0" g="0" b="0"/>
+      </a:effectRef>
+      <a:fontRef idx="minor"/>
+    </dgm:style>
+  </dgm:styleLbl>
+  <dgm:styleLbl name="fgAcc0">
+    <dgm:scene3d>
+      <a:camera prst="orthographicFront"/>
+      <a:lightRig rig="threePt" dir="t"/>
+    </dgm:scene3d>
+    <dgm:sp3d/>
+    <dgm:txPr/>
+    <dgm:style>
+      <a:lnRef idx="2">
+        <a:scrgbClr r="0" g="0" b="0"/>
+      </a:lnRef>
+      <a:fillRef idx="1">
+        <a:scrgbClr r="0" g="0" b="0"/>
+      </a:fillRef>
+      <a:effectRef idx="0">
+        <a:scrgbClr r="0" g="0" b="0"/>
+      </a:effectRef>
+      <a:fontRef idx="minor"/>
+    </dgm:style>
+  </dgm:styleLbl>
+  <dgm:styleLbl name="fgAcc2">
+    <dgm:scene3d>
+      <a:camera prst="orthographicFront"/>
+      <a:lightRig rig="threePt" dir="t"/>
+    </dgm:scene3d>
+    <dgm:sp3d/>
+    <dgm:txPr/>
+    <dgm:style>
+      <a:lnRef idx="2">
+        <a:scrgbClr r="0" g="0" b="0"/>
+      </a:lnRef>
+      <a:fillRef idx="1">
+        <a:scrgbClr r="0" g="0" b="0"/>
+      </a:fillRef>
+      <a:effectRef idx="0">
+        <a:scrgbClr r="0" g="0" b="0"/>
+      </a:effectRef>
+      <a:fontRef idx="minor"/>
+    </dgm:style>
+  </dgm:styleLbl>
+  <dgm:styleLbl name="fgAcc3">
+    <dgm:scene3d>
+      <a:camera prst="orthographicFront"/>
+      <a:lightRig rig="threePt" dir="t"/>
+    </dgm:scene3d>
+    <dgm:sp3d/>
+    <dgm:txPr/>
+    <dgm:style>
+      <a:lnRef idx="2">
+        <a:scrgbClr r="0" g="0" b="0"/>
+      </a:lnRef>
+      <a:fillRef idx="1">
+        <a:scrgbClr r="0" g="0" b="0"/>
+      </a:fillRef>
+      <a:effectRef idx="0">
+        <a:scrgbClr r="0" g="0" b="0"/>
+      </a:effectRef>
+      <a:fontRef idx="minor"/>
+    </dgm:style>
+  </dgm:styleLbl>
+  <dgm:styleLbl name="fgAcc4">
+    <dgm:scene3d>
+      <a:camera prst="orthographicFront"/>
+      <a:lightRig rig="threePt" dir="t"/>
+    </dgm:scene3d>
+    <dgm:sp3d/>
+    <dgm:txPr/>
+    <dgm:style>
+      <a:lnRef idx="2">
+        <a:scrgbClr r="0" g="0" b="0"/>
+      </a:lnRef>
+      <a:fillRef idx="1">
+        <a:scrgbClr r="0" g="0" b="0"/>
+      </a:fillRef>
+      <a:effectRef idx="0">
+        <a:scrgbClr r="0" g="0" b="0"/>
+      </a:effectRef>
+      <a:fontRef idx="minor"/>
+    </dgm:style>
+  </dgm:styleLbl>
+  <dgm:styleLbl name="bgShp">
+    <dgm:scene3d>
+      <a:camera prst="orthographicFront"/>
+      <a:lightRig rig="threePt" dir="t"/>
+    </dgm:scene3d>
+    <dgm:sp3d/>
+    <dgm:txPr/>
+    <dgm:style>
+      <a:lnRef idx="0">
+        <a:scrgbClr r="0" g="0" b="0"/>
+      </a:lnRef>
+      <a:fillRef idx="1">
+        <a:scrgbClr r="0" g="0" b="0"/>
+      </a:fillRef>
+      <a:effectRef idx="0">
+        <a:scrgbClr r="0" g="0" b="0"/>
+      </a:effectRef>
+      <a:fontRef idx="minor"/>
+    </dgm:style>
+  </dgm:styleLbl>
+  <dgm:styleLbl name="dkBgShp">
+    <dgm:scene3d>
+      <a:camera prst="orthographicFront"/>
+      <a:lightRig rig="threePt" dir="t"/>
+    </dgm:scene3d>
+    <dgm:sp3d/>
+    <dgm:txPr/>
+    <dgm:style>
+      <a:lnRef idx="0">
+        <a:scrgbClr r="0" g="0" b="0"/>
+      </a:lnRef>
+      <a:fillRef idx="1">
+        <a:scrgbClr r="0" g="0" b="0"/>
+      </a:fillRef>
+      <a:effectRef idx="0">
+        <a:scrgbClr r="0" g="0" b="0"/>
+      </a:effectRef>
+      <a:fontRef idx="minor"/>
+    </dgm:style>
+  </dgm:styleLbl>
+  <dgm:styleLbl name="trBgShp">
+    <dgm:scene3d>
+      <a:camera prst="orthographicFront"/>
+      <a:lightRig rig="threePt" dir="t"/>
+    </dgm:scene3d>
+    <dgm:sp3d/>
+    <dgm:txPr/>
+    <dgm:style>
+      <a:lnRef idx="0">
+        <a:scrgbClr r="0" g="0" b="0"/>
+      </a:lnRef>
+      <a:fillRef idx="1">
+        <a:scrgbClr r="0" g="0" b="0"/>
+      </a:fillRef>
+      <a:effectRef idx="0">
+        <a:scrgbClr r="0" g="0" b="0"/>
+      </a:effectRef>
+      <a:fontRef idx="minor"/>
+    </dgm:style>
+  </dgm:styleLbl>
+  <dgm:styleLbl name="fgShp">
+    <dgm:scene3d>
+      <a:camera prst="orthographicFront"/>
+      <a:lightRig rig="threePt" dir="t"/>
+    </dgm:scene3d>
+    <dgm:sp3d/>
+    <dgm:txPr/>
+    <dgm:style>
+      <a:lnRef idx="2">
+        <a:scrgbClr r="0" g="0" b="0"/>
+      </a:lnRef>
+      <a:fillRef idx="1">
+        <a:scrgbClr r="0" g="0" b="0"/>
+      </a:fillRef>
+      <a:effectRef idx="0">
+        <a:scrgbClr r="0" g="0" b="0"/>
+      </a:effectRef>
+      <a:fontRef idx="minor"/>
+    </dgm:style>
+  </dgm:styleLbl>
+  <dgm:styleLbl name="revTx">
+    <dgm:scene3d>
+      <a:camera prst="orthographicFront"/>
+      <a:lightRig rig="threePt" dir="t"/>
+    </dgm:scene3d>
+    <dgm:sp3d/>
+    <dgm:txPr/>
+    <dgm:style>
+      <a:lnRef idx="0">
+        <a:scrgbClr r="0" g="0" b="0"/>
+      </a:lnRef>
+      <a:fillRef idx="0">
+        <a:scrgbClr r="0" g="0" b="0"/>
+      </a:fillRef>
+      <a:effectRef idx="0">
+        <a:scrgbClr r="0" g="0" b="0"/>
+      </a:effectRef>
+      <a:fontRef idx="minor"/>
+    </dgm:style>
+  </dgm:styleLbl>
+</dgm:styleDef>
+</file>
+
+<file path=ppt/diagrams/quickStyle10.xml><?xml version="1.0" encoding="utf-8"?>
 <dgm:styleDef xmlns:dgm="http://schemas.openxmlformats.org/drawingml/2006/diagram" xmlns:a="http://schemas.openxmlformats.org/drawingml/2006/main" uniqueId="urn:microsoft.com/office/officeart/2005/8/quickstyle/simple1">
   <dgm:title val=""/>
   <dgm:desc val=""/>
@@ -22186,6 +26727,1040 @@
 </file>
 
 <file path=ppt/diagrams/quickStyle8.xml><?xml version="1.0" encoding="utf-8"?>
+<dgm:styleDef xmlns:dgm="http://schemas.openxmlformats.org/drawingml/2006/diagram" xmlns:a="http://schemas.openxmlformats.org/drawingml/2006/main" uniqueId="urn:microsoft.com/office/officeart/2005/8/quickstyle/simple1">
+  <dgm:title val=""/>
+  <dgm:desc val=""/>
+  <dgm:catLst>
+    <dgm:cat type="simple" pri="10100"/>
+  </dgm:catLst>
+  <dgm:scene3d>
+    <a:camera prst="orthographicFront"/>
+    <a:lightRig rig="threePt" dir="t"/>
+  </dgm:scene3d>
+  <dgm:styleLbl name="node0">
+    <dgm:scene3d>
+      <a:camera prst="orthographicFront"/>
+      <a:lightRig rig="threePt" dir="t"/>
+    </dgm:scene3d>
+    <dgm:sp3d/>
+    <dgm:txPr/>
+    <dgm:style>
+      <a:lnRef idx="2">
+        <a:scrgbClr r="0" g="0" b="0"/>
+      </a:lnRef>
+      <a:fillRef idx="1">
+        <a:scrgbClr r="0" g="0" b="0"/>
+      </a:fillRef>
+      <a:effectRef idx="0">
+        <a:scrgbClr r="0" g="0" b="0"/>
+      </a:effectRef>
+      <a:fontRef idx="minor">
+        <a:schemeClr val="lt1"/>
+      </a:fontRef>
+    </dgm:style>
+  </dgm:styleLbl>
+  <dgm:styleLbl name="lnNode1">
+    <dgm:scene3d>
+      <a:camera prst="orthographicFront"/>
+      <a:lightRig rig="threePt" dir="t"/>
+    </dgm:scene3d>
+    <dgm:sp3d/>
+    <dgm:txPr/>
+    <dgm:style>
+      <a:lnRef idx="2">
+        <a:scrgbClr r="0" g="0" b="0"/>
+      </a:lnRef>
+      <a:fillRef idx="1">
+        <a:scrgbClr r="0" g="0" b="0"/>
+      </a:fillRef>
+      <a:effectRef idx="0">
+        <a:scrgbClr r="0" g="0" b="0"/>
+      </a:effectRef>
+      <a:fontRef idx="minor">
+        <a:schemeClr val="lt1"/>
+      </a:fontRef>
+    </dgm:style>
+  </dgm:styleLbl>
+  <dgm:styleLbl name="vennNode1">
+    <dgm:scene3d>
+      <a:camera prst="orthographicFront"/>
+      <a:lightRig rig="threePt" dir="t"/>
+    </dgm:scene3d>
+    <dgm:sp3d/>
+    <dgm:txPr/>
+    <dgm:style>
+      <a:lnRef idx="2">
+        <a:scrgbClr r="0" g="0" b="0"/>
+      </a:lnRef>
+      <a:fillRef idx="1">
+        <a:scrgbClr r="0" g="0" b="0"/>
+      </a:fillRef>
+      <a:effectRef idx="0">
+        <a:scrgbClr r="0" g="0" b="0"/>
+      </a:effectRef>
+      <a:fontRef idx="minor">
+        <a:schemeClr val="tx1"/>
+      </a:fontRef>
+    </dgm:style>
+  </dgm:styleLbl>
+  <dgm:styleLbl name="alignNode1">
+    <dgm:scene3d>
+      <a:camera prst="orthographicFront"/>
+      <a:lightRig rig="threePt" dir="t"/>
+    </dgm:scene3d>
+    <dgm:sp3d/>
+    <dgm:txPr/>
+    <dgm:style>
+      <a:lnRef idx="2">
+        <a:scrgbClr r="0" g="0" b="0"/>
+      </a:lnRef>
+      <a:fillRef idx="1">
+        <a:scrgbClr r="0" g="0" b="0"/>
+      </a:fillRef>
+      <a:effectRef idx="0">
+        <a:scrgbClr r="0" g="0" b="0"/>
+      </a:effectRef>
+      <a:fontRef idx="minor">
+        <a:schemeClr val="lt1"/>
+      </a:fontRef>
+    </dgm:style>
+  </dgm:styleLbl>
+  <dgm:styleLbl name="node1">
+    <dgm:scene3d>
+      <a:camera prst="orthographicFront"/>
+      <a:lightRig rig="threePt" dir="t"/>
+    </dgm:scene3d>
+    <dgm:sp3d/>
+    <dgm:txPr/>
+    <dgm:style>
+      <a:lnRef idx="2">
+        <a:scrgbClr r="0" g="0" b="0"/>
+      </a:lnRef>
+      <a:fillRef idx="1">
+        <a:scrgbClr r="0" g="0" b="0"/>
+      </a:fillRef>
+      <a:effectRef idx="0">
+        <a:scrgbClr r="0" g="0" b="0"/>
+      </a:effectRef>
+      <a:fontRef idx="minor">
+        <a:schemeClr val="lt1"/>
+      </a:fontRef>
+    </dgm:style>
+  </dgm:styleLbl>
+  <dgm:styleLbl name="node2">
+    <dgm:scene3d>
+      <a:camera prst="orthographicFront"/>
+      <a:lightRig rig="threePt" dir="t"/>
+    </dgm:scene3d>
+    <dgm:sp3d/>
+    <dgm:txPr/>
+    <dgm:style>
+      <a:lnRef idx="2">
+        <a:scrgbClr r="0" g="0" b="0"/>
+      </a:lnRef>
+      <a:fillRef idx="1">
+        <a:scrgbClr r="0" g="0" b="0"/>
+      </a:fillRef>
+      <a:effectRef idx="0">
+        <a:scrgbClr r="0" g="0" b="0"/>
+      </a:effectRef>
+      <a:fontRef idx="minor">
+        <a:schemeClr val="lt1"/>
+      </a:fontRef>
+    </dgm:style>
+  </dgm:styleLbl>
+  <dgm:styleLbl name="node3">
+    <dgm:scene3d>
+      <a:camera prst="orthographicFront"/>
+      <a:lightRig rig="threePt" dir="t"/>
+    </dgm:scene3d>
+    <dgm:sp3d/>
+    <dgm:txPr/>
+    <dgm:style>
+      <a:lnRef idx="2">
+        <a:scrgbClr r="0" g="0" b="0"/>
+      </a:lnRef>
+      <a:fillRef idx="1">
+        <a:scrgbClr r="0" g="0" b="0"/>
+      </a:fillRef>
+      <a:effectRef idx="0">
+        <a:scrgbClr r="0" g="0" b="0"/>
+      </a:effectRef>
+      <a:fontRef idx="minor">
+        <a:schemeClr val="lt1"/>
+      </a:fontRef>
+    </dgm:style>
+  </dgm:styleLbl>
+  <dgm:styleLbl name="node4">
+    <dgm:scene3d>
+      <a:camera prst="orthographicFront"/>
+      <a:lightRig rig="threePt" dir="t"/>
+    </dgm:scene3d>
+    <dgm:sp3d/>
+    <dgm:txPr/>
+    <dgm:style>
+      <a:lnRef idx="2">
+        <a:scrgbClr r="0" g="0" b="0"/>
+      </a:lnRef>
+      <a:fillRef idx="1">
+        <a:scrgbClr r="0" g="0" b="0"/>
+      </a:fillRef>
+      <a:effectRef idx="0">
+        <a:scrgbClr r="0" g="0" b="0"/>
+      </a:effectRef>
+      <a:fontRef idx="minor">
+        <a:schemeClr val="lt1"/>
+      </a:fontRef>
+    </dgm:style>
+  </dgm:styleLbl>
+  <dgm:styleLbl name="fgImgPlace1">
+    <dgm:scene3d>
+      <a:camera prst="orthographicFront"/>
+      <a:lightRig rig="threePt" dir="t"/>
+    </dgm:scene3d>
+    <dgm:sp3d/>
+    <dgm:txPr/>
+    <dgm:style>
+      <a:lnRef idx="2">
+        <a:scrgbClr r="0" g="0" b="0"/>
+      </a:lnRef>
+      <a:fillRef idx="1">
+        <a:scrgbClr r="0" g="0" b="0"/>
+      </a:fillRef>
+      <a:effectRef idx="0">
+        <a:scrgbClr r="0" g="0" b="0"/>
+      </a:effectRef>
+      <a:fontRef idx="minor"/>
+    </dgm:style>
+  </dgm:styleLbl>
+  <dgm:styleLbl name="alignImgPlace1">
+    <dgm:scene3d>
+      <a:camera prst="orthographicFront"/>
+      <a:lightRig rig="threePt" dir="t"/>
+    </dgm:scene3d>
+    <dgm:sp3d/>
+    <dgm:txPr/>
+    <dgm:style>
+      <a:lnRef idx="2">
+        <a:scrgbClr r="0" g="0" b="0"/>
+      </a:lnRef>
+      <a:fillRef idx="1">
+        <a:scrgbClr r="0" g="0" b="0"/>
+      </a:fillRef>
+      <a:effectRef idx="0">
+        <a:scrgbClr r="0" g="0" b="0"/>
+      </a:effectRef>
+      <a:fontRef idx="minor"/>
+    </dgm:style>
+  </dgm:styleLbl>
+  <dgm:styleLbl name="bgImgPlace1">
+    <dgm:scene3d>
+      <a:camera prst="orthographicFront"/>
+      <a:lightRig rig="threePt" dir="t"/>
+    </dgm:scene3d>
+    <dgm:sp3d/>
+    <dgm:txPr/>
+    <dgm:style>
+      <a:lnRef idx="2">
+        <a:scrgbClr r="0" g="0" b="0"/>
+      </a:lnRef>
+      <a:fillRef idx="1">
+        <a:scrgbClr r="0" g="0" b="0"/>
+      </a:fillRef>
+      <a:effectRef idx="0">
+        <a:scrgbClr r="0" g="0" b="0"/>
+      </a:effectRef>
+      <a:fontRef idx="minor"/>
+    </dgm:style>
+  </dgm:styleLbl>
+  <dgm:styleLbl name="sibTrans2D1">
+    <dgm:scene3d>
+      <a:camera prst="orthographicFront"/>
+      <a:lightRig rig="threePt" dir="t"/>
+    </dgm:scene3d>
+    <dgm:sp3d/>
+    <dgm:txPr/>
+    <dgm:style>
+      <a:lnRef idx="0">
+        <a:scrgbClr r="0" g="0" b="0"/>
+      </a:lnRef>
+      <a:fillRef idx="1">
+        <a:scrgbClr r="0" g="0" b="0"/>
+      </a:fillRef>
+      <a:effectRef idx="0">
+        <a:scrgbClr r="0" g="0" b="0"/>
+      </a:effectRef>
+      <a:fontRef idx="minor">
+        <a:schemeClr val="lt1"/>
+      </a:fontRef>
+    </dgm:style>
+  </dgm:styleLbl>
+  <dgm:styleLbl name="fgSibTrans2D1">
+    <dgm:scene3d>
+      <a:camera prst="orthographicFront"/>
+      <a:lightRig rig="threePt" dir="t"/>
+    </dgm:scene3d>
+    <dgm:sp3d/>
+    <dgm:txPr/>
+    <dgm:style>
+      <a:lnRef idx="0">
+        <a:scrgbClr r="0" g="0" b="0"/>
+      </a:lnRef>
+      <a:fillRef idx="1">
+        <a:scrgbClr r="0" g="0" b="0"/>
+      </a:fillRef>
+      <a:effectRef idx="0">
+        <a:scrgbClr r="0" g="0" b="0"/>
+      </a:effectRef>
+      <a:fontRef idx="minor">
+        <a:schemeClr val="lt1"/>
+      </a:fontRef>
+    </dgm:style>
+  </dgm:styleLbl>
+  <dgm:styleLbl name="bgSibTrans2D1">
+    <dgm:scene3d>
+      <a:camera prst="orthographicFront"/>
+      <a:lightRig rig="threePt" dir="t"/>
+    </dgm:scene3d>
+    <dgm:sp3d/>
+    <dgm:txPr/>
+    <dgm:style>
+      <a:lnRef idx="0">
+        <a:scrgbClr r="0" g="0" b="0"/>
+      </a:lnRef>
+      <a:fillRef idx="1">
+        <a:scrgbClr r="0" g="0" b="0"/>
+      </a:fillRef>
+      <a:effectRef idx="0">
+        <a:scrgbClr r="0" g="0" b="0"/>
+      </a:effectRef>
+      <a:fontRef idx="minor">
+        <a:schemeClr val="lt1"/>
+      </a:fontRef>
+    </dgm:style>
+  </dgm:styleLbl>
+  <dgm:styleLbl name="sibTrans1D1">
+    <dgm:scene3d>
+      <a:camera prst="orthographicFront"/>
+      <a:lightRig rig="threePt" dir="t"/>
+    </dgm:scene3d>
+    <dgm:sp3d/>
+    <dgm:txPr/>
+    <dgm:style>
+      <a:lnRef idx="1">
+        <a:scrgbClr r="0" g="0" b="0"/>
+      </a:lnRef>
+      <a:fillRef idx="0">
+        <a:scrgbClr r="0" g="0" b="0"/>
+      </a:fillRef>
+      <a:effectRef idx="0">
+        <a:scrgbClr r="0" g="0" b="0"/>
+      </a:effectRef>
+      <a:fontRef idx="minor"/>
+    </dgm:style>
+  </dgm:styleLbl>
+  <dgm:styleLbl name="callout">
+    <dgm:scene3d>
+      <a:camera prst="orthographicFront"/>
+      <a:lightRig rig="threePt" dir="t"/>
+    </dgm:scene3d>
+    <dgm:sp3d/>
+    <dgm:txPr/>
+    <dgm:style>
+      <a:lnRef idx="2">
+        <a:scrgbClr r="0" g="0" b="0"/>
+      </a:lnRef>
+      <a:fillRef idx="1">
+        <a:scrgbClr r="0" g="0" b="0"/>
+      </a:fillRef>
+      <a:effectRef idx="0">
+        <a:scrgbClr r="0" g="0" b="0"/>
+      </a:effectRef>
+      <a:fontRef idx="minor"/>
+    </dgm:style>
+  </dgm:styleLbl>
+  <dgm:styleLbl name="asst0">
+    <dgm:scene3d>
+      <a:camera prst="orthographicFront"/>
+      <a:lightRig rig="threePt" dir="t"/>
+    </dgm:scene3d>
+    <dgm:sp3d/>
+    <dgm:txPr/>
+    <dgm:style>
+      <a:lnRef idx="2">
+        <a:scrgbClr r="0" g="0" b="0"/>
+      </a:lnRef>
+      <a:fillRef idx="1">
+        <a:scrgbClr r="0" g="0" b="0"/>
+      </a:fillRef>
+      <a:effectRef idx="0">
+        <a:scrgbClr r="0" g="0" b="0"/>
+      </a:effectRef>
+      <a:fontRef idx="minor">
+        <a:schemeClr val="lt1"/>
+      </a:fontRef>
+    </dgm:style>
+  </dgm:styleLbl>
+  <dgm:styleLbl name="asst1">
+    <dgm:scene3d>
+      <a:camera prst="orthographicFront"/>
+      <a:lightRig rig="threePt" dir="t"/>
+    </dgm:scene3d>
+    <dgm:sp3d/>
+    <dgm:txPr/>
+    <dgm:style>
+      <a:lnRef idx="2">
+        <a:scrgbClr r="0" g="0" b="0"/>
+      </a:lnRef>
+      <a:fillRef idx="1">
+        <a:scrgbClr r="0" g="0" b="0"/>
+      </a:fillRef>
+      <a:effectRef idx="0">
+        <a:scrgbClr r="0" g="0" b="0"/>
+      </a:effectRef>
+      <a:fontRef idx="minor">
+        <a:schemeClr val="lt1"/>
+      </a:fontRef>
+    </dgm:style>
+  </dgm:styleLbl>
+  <dgm:styleLbl name="asst2">
+    <dgm:scene3d>
+      <a:camera prst="orthographicFront"/>
+      <a:lightRig rig="threePt" dir="t"/>
+    </dgm:scene3d>
+    <dgm:sp3d/>
+    <dgm:txPr/>
+    <dgm:style>
+      <a:lnRef idx="2">
+        <a:scrgbClr r="0" g="0" b="0"/>
+      </a:lnRef>
+      <a:fillRef idx="1">
+        <a:scrgbClr r="0" g="0" b="0"/>
+      </a:fillRef>
+      <a:effectRef idx="0">
+        <a:scrgbClr r="0" g="0" b="0"/>
+      </a:effectRef>
+      <a:fontRef idx="minor">
+        <a:schemeClr val="lt1"/>
+      </a:fontRef>
+    </dgm:style>
+  </dgm:styleLbl>
+  <dgm:styleLbl name="asst3">
+    <dgm:scene3d>
+      <a:camera prst="orthographicFront"/>
+      <a:lightRig rig="threePt" dir="t"/>
+    </dgm:scene3d>
+    <dgm:sp3d/>
+    <dgm:txPr/>
+    <dgm:style>
+      <a:lnRef idx="2">
+        <a:scrgbClr r="0" g="0" b="0"/>
+      </a:lnRef>
+      <a:fillRef idx="1">
+        <a:scrgbClr r="0" g="0" b="0"/>
+      </a:fillRef>
+      <a:effectRef idx="0">
+        <a:scrgbClr r="0" g="0" b="0"/>
+      </a:effectRef>
+      <a:fontRef idx="minor">
+        <a:schemeClr val="lt1"/>
+      </a:fontRef>
+    </dgm:style>
+  </dgm:styleLbl>
+  <dgm:styleLbl name="asst4">
+    <dgm:scene3d>
+      <a:camera prst="orthographicFront"/>
+      <a:lightRig rig="threePt" dir="t"/>
+    </dgm:scene3d>
+    <dgm:sp3d/>
+    <dgm:txPr/>
+    <dgm:style>
+      <a:lnRef idx="2">
+        <a:scrgbClr r="0" g="0" b="0"/>
+      </a:lnRef>
+      <a:fillRef idx="1">
+        <a:scrgbClr r="0" g="0" b="0"/>
+      </a:fillRef>
+      <a:effectRef idx="0">
+        <a:scrgbClr r="0" g="0" b="0"/>
+      </a:effectRef>
+      <a:fontRef idx="minor">
+        <a:schemeClr val="lt1"/>
+      </a:fontRef>
+    </dgm:style>
+  </dgm:styleLbl>
+  <dgm:styleLbl name="parChTrans2D1">
+    <dgm:scene3d>
+      <a:camera prst="orthographicFront"/>
+      <a:lightRig rig="threePt" dir="t"/>
+    </dgm:scene3d>
+    <dgm:sp3d/>
+    <dgm:txPr/>
+    <dgm:style>
+      <a:lnRef idx="2">
+        <a:scrgbClr r="0" g="0" b="0"/>
+      </a:lnRef>
+      <a:fillRef idx="1">
+        <a:scrgbClr r="0" g="0" b="0"/>
+      </a:fillRef>
+      <a:effectRef idx="0">
+        <a:scrgbClr r="0" g="0" b="0"/>
+      </a:effectRef>
+      <a:fontRef idx="minor">
+        <a:schemeClr val="lt1"/>
+      </a:fontRef>
+    </dgm:style>
+  </dgm:styleLbl>
+  <dgm:styleLbl name="parChTrans2D2">
+    <dgm:scene3d>
+      <a:camera prst="orthographicFront"/>
+      <a:lightRig rig="threePt" dir="t"/>
+    </dgm:scene3d>
+    <dgm:sp3d/>
+    <dgm:txPr/>
+    <dgm:style>
+      <a:lnRef idx="2">
+        <a:scrgbClr r="0" g="0" b="0"/>
+      </a:lnRef>
+      <a:fillRef idx="1">
+        <a:scrgbClr r="0" g="0" b="0"/>
+      </a:fillRef>
+      <a:effectRef idx="0">
+        <a:scrgbClr r="0" g="0" b="0"/>
+      </a:effectRef>
+      <a:fontRef idx="minor">
+        <a:schemeClr val="lt1"/>
+      </a:fontRef>
+    </dgm:style>
+  </dgm:styleLbl>
+  <dgm:styleLbl name="parChTrans2D3">
+    <dgm:scene3d>
+      <a:camera prst="orthographicFront"/>
+      <a:lightRig rig="threePt" dir="t"/>
+    </dgm:scene3d>
+    <dgm:sp3d/>
+    <dgm:txPr/>
+    <dgm:style>
+      <a:lnRef idx="2">
+        <a:scrgbClr r="0" g="0" b="0"/>
+      </a:lnRef>
+      <a:fillRef idx="1">
+        <a:scrgbClr r="0" g="0" b="0"/>
+      </a:fillRef>
+      <a:effectRef idx="0">
+        <a:scrgbClr r="0" g="0" b="0"/>
+      </a:effectRef>
+      <a:fontRef idx="minor">
+        <a:schemeClr val="lt1"/>
+      </a:fontRef>
+    </dgm:style>
+  </dgm:styleLbl>
+  <dgm:styleLbl name="parChTrans2D4">
+    <dgm:scene3d>
+      <a:camera prst="orthographicFront"/>
+      <a:lightRig rig="threePt" dir="t"/>
+    </dgm:scene3d>
+    <dgm:sp3d/>
+    <dgm:txPr/>
+    <dgm:style>
+      <a:lnRef idx="2">
+        <a:scrgbClr r="0" g="0" b="0"/>
+      </a:lnRef>
+      <a:fillRef idx="1">
+        <a:scrgbClr r="0" g="0" b="0"/>
+      </a:fillRef>
+      <a:effectRef idx="0">
+        <a:scrgbClr r="0" g="0" b="0"/>
+      </a:effectRef>
+      <a:fontRef idx="minor">
+        <a:schemeClr val="lt1"/>
+      </a:fontRef>
+    </dgm:style>
+  </dgm:styleLbl>
+  <dgm:styleLbl name="parChTrans1D1">
+    <dgm:scene3d>
+      <a:camera prst="orthographicFront"/>
+      <a:lightRig rig="threePt" dir="t"/>
+    </dgm:scene3d>
+    <dgm:sp3d/>
+    <dgm:txPr/>
+    <dgm:style>
+      <a:lnRef idx="2">
+        <a:scrgbClr r="0" g="0" b="0"/>
+      </a:lnRef>
+      <a:fillRef idx="0">
+        <a:scrgbClr r="0" g="0" b="0"/>
+      </a:fillRef>
+      <a:effectRef idx="0">
+        <a:scrgbClr r="0" g="0" b="0"/>
+      </a:effectRef>
+      <a:fontRef idx="minor"/>
+    </dgm:style>
+  </dgm:styleLbl>
+  <dgm:styleLbl name="parChTrans1D2">
+    <dgm:scene3d>
+      <a:camera prst="orthographicFront"/>
+      <a:lightRig rig="threePt" dir="t"/>
+    </dgm:scene3d>
+    <dgm:sp3d/>
+    <dgm:txPr/>
+    <dgm:style>
+      <a:lnRef idx="2">
+        <a:scrgbClr r="0" g="0" b="0"/>
+      </a:lnRef>
+      <a:fillRef idx="0">
+        <a:scrgbClr r="0" g="0" b="0"/>
+      </a:fillRef>
+      <a:effectRef idx="0">
+        <a:scrgbClr r="0" g="0" b="0"/>
+      </a:effectRef>
+      <a:fontRef idx="minor"/>
+    </dgm:style>
+  </dgm:styleLbl>
+  <dgm:styleLbl name="parChTrans1D3">
+    <dgm:scene3d>
+      <a:camera prst="orthographicFront"/>
+      <a:lightRig rig="threePt" dir="t"/>
+    </dgm:scene3d>
+    <dgm:sp3d/>
+    <dgm:txPr/>
+    <dgm:style>
+      <a:lnRef idx="2">
+        <a:scrgbClr r="0" g="0" b="0"/>
+      </a:lnRef>
+      <a:fillRef idx="0">
+        <a:scrgbClr r="0" g="0" b="0"/>
+      </a:fillRef>
+      <a:effectRef idx="0">
+        <a:scrgbClr r="0" g="0" b="0"/>
+      </a:effectRef>
+      <a:fontRef idx="minor"/>
+    </dgm:style>
+  </dgm:styleLbl>
+  <dgm:styleLbl name="parChTrans1D4">
+    <dgm:scene3d>
+      <a:camera prst="orthographicFront"/>
+      <a:lightRig rig="threePt" dir="t"/>
+    </dgm:scene3d>
+    <dgm:sp3d/>
+    <dgm:txPr/>
+    <dgm:style>
+      <a:lnRef idx="2">
+        <a:scrgbClr r="0" g="0" b="0"/>
+      </a:lnRef>
+      <a:fillRef idx="0">
+        <a:scrgbClr r="0" g="0" b="0"/>
+      </a:fillRef>
+      <a:effectRef idx="0">
+        <a:scrgbClr r="0" g="0" b="0"/>
+      </a:effectRef>
+      <a:fontRef idx="minor"/>
+    </dgm:style>
+  </dgm:styleLbl>
+  <dgm:styleLbl name="fgAcc1">
+    <dgm:scene3d>
+      <a:camera prst="orthographicFront"/>
+      <a:lightRig rig="threePt" dir="t"/>
+    </dgm:scene3d>
+    <dgm:sp3d/>
+    <dgm:txPr/>
+    <dgm:style>
+      <a:lnRef idx="2">
+        <a:scrgbClr r="0" g="0" b="0"/>
+      </a:lnRef>
+      <a:fillRef idx="1">
+        <a:scrgbClr r="0" g="0" b="0"/>
+      </a:fillRef>
+      <a:effectRef idx="0">
+        <a:scrgbClr r="0" g="0" b="0"/>
+      </a:effectRef>
+      <a:fontRef idx="minor"/>
+    </dgm:style>
+  </dgm:styleLbl>
+  <dgm:styleLbl name="conFgAcc1">
+    <dgm:scene3d>
+      <a:camera prst="orthographicFront"/>
+      <a:lightRig rig="threePt" dir="t"/>
+    </dgm:scene3d>
+    <dgm:sp3d/>
+    <dgm:txPr/>
+    <dgm:style>
+      <a:lnRef idx="2">
+        <a:scrgbClr r="0" g="0" b="0"/>
+      </a:lnRef>
+      <a:fillRef idx="1">
+        <a:scrgbClr r="0" g="0" b="0"/>
+      </a:fillRef>
+      <a:effectRef idx="0">
+        <a:scrgbClr r="0" g="0" b="0"/>
+      </a:effectRef>
+      <a:fontRef idx="minor"/>
+    </dgm:style>
+  </dgm:styleLbl>
+  <dgm:styleLbl name="alignAcc1">
+    <dgm:scene3d>
+      <a:camera prst="orthographicFront"/>
+      <a:lightRig rig="threePt" dir="t"/>
+    </dgm:scene3d>
+    <dgm:sp3d/>
+    <dgm:txPr/>
+    <dgm:style>
+      <a:lnRef idx="2">
+        <a:scrgbClr r="0" g="0" b="0"/>
+      </a:lnRef>
+      <a:fillRef idx="1">
+        <a:scrgbClr r="0" g="0" b="0"/>
+      </a:fillRef>
+      <a:effectRef idx="0">
+        <a:scrgbClr r="0" g="0" b="0"/>
+      </a:effectRef>
+      <a:fontRef idx="minor"/>
+    </dgm:style>
+  </dgm:styleLbl>
+  <dgm:styleLbl name="trAlignAcc1">
+    <dgm:scene3d>
+      <a:camera prst="orthographicFront"/>
+      <a:lightRig rig="threePt" dir="t"/>
+    </dgm:scene3d>
+    <dgm:sp3d/>
+    <dgm:txPr/>
+    <dgm:style>
+      <a:lnRef idx="1">
+        <a:scrgbClr r="0" g="0" b="0"/>
+      </a:lnRef>
+      <a:fillRef idx="1">
+        <a:scrgbClr r="0" g="0" b="0"/>
+      </a:fillRef>
+      <a:effectRef idx="0">
+        <a:scrgbClr r="0" g="0" b="0"/>
+      </a:effectRef>
+      <a:fontRef idx="minor"/>
+    </dgm:style>
+  </dgm:styleLbl>
+  <dgm:styleLbl name="bgAcc1">
+    <dgm:scene3d>
+      <a:camera prst="orthographicFront"/>
+      <a:lightRig rig="threePt" dir="t"/>
+    </dgm:scene3d>
+    <dgm:sp3d/>
+    <dgm:txPr/>
+    <dgm:style>
+      <a:lnRef idx="2">
+        <a:scrgbClr r="0" g="0" b="0"/>
+      </a:lnRef>
+      <a:fillRef idx="1">
+        <a:scrgbClr r="0" g="0" b="0"/>
+      </a:fillRef>
+      <a:effectRef idx="0">
+        <a:scrgbClr r="0" g="0" b="0"/>
+      </a:effectRef>
+      <a:fontRef idx="minor"/>
+    </dgm:style>
+  </dgm:styleLbl>
+  <dgm:styleLbl name="solidFgAcc1">
+    <dgm:scene3d>
+      <a:camera prst="orthographicFront"/>
+      <a:lightRig rig="threePt" dir="t"/>
+    </dgm:scene3d>
+    <dgm:sp3d/>
+    <dgm:txPr/>
+    <dgm:style>
+      <a:lnRef idx="2">
+        <a:scrgbClr r="0" g="0" b="0"/>
+      </a:lnRef>
+      <a:fillRef idx="1">
+        <a:scrgbClr r="0" g="0" b="0"/>
+      </a:fillRef>
+      <a:effectRef idx="0">
+        <a:scrgbClr r="0" g="0" b="0"/>
+      </a:effectRef>
+      <a:fontRef idx="minor"/>
+    </dgm:style>
+  </dgm:styleLbl>
+  <dgm:styleLbl name="solidAlignAcc1">
+    <dgm:scene3d>
+      <a:camera prst="orthographicFront"/>
+      <a:lightRig rig="threePt" dir="t"/>
+    </dgm:scene3d>
+    <dgm:sp3d/>
+    <dgm:txPr/>
+    <dgm:style>
+      <a:lnRef idx="2">
+        <a:scrgbClr r="0" g="0" b="0"/>
+      </a:lnRef>
+      <a:fillRef idx="1">
+        <a:scrgbClr r="0" g="0" b="0"/>
+      </a:fillRef>
+      <a:effectRef idx="0">
+        <a:scrgbClr r="0" g="0" b="0"/>
+      </a:effectRef>
+      <a:fontRef idx="minor"/>
+    </dgm:style>
+  </dgm:styleLbl>
+  <dgm:styleLbl name="solidBgAcc1">
+    <dgm:scene3d>
+      <a:camera prst="orthographicFront"/>
+      <a:lightRig rig="threePt" dir="t"/>
+    </dgm:scene3d>
+    <dgm:sp3d/>
+    <dgm:txPr/>
+    <dgm:style>
+      <a:lnRef idx="2">
+        <a:scrgbClr r="0" g="0" b="0"/>
+      </a:lnRef>
+      <a:fillRef idx="1">
+        <a:scrgbClr r="0" g="0" b="0"/>
+      </a:fillRef>
+      <a:effectRef idx="0">
+        <a:scrgbClr r="0" g="0" b="0"/>
+      </a:effectRef>
+      <a:fontRef idx="minor"/>
+    </dgm:style>
+  </dgm:styleLbl>
+  <dgm:styleLbl name="fgAccFollowNode1">
+    <dgm:scene3d>
+      <a:camera prst="orthographicFront"/>
+      <a:lightRig rig="threePt" dir="t"/>
+    </dgm:scene3d>
+    <dgm:sp3d/>
+    <dgm:txPr/>
+    <dgm:style>
+      <a:lnRef idx="2">
+        <a:scrgbClr r="0" g="0" b="0"/>
+      </a:lnRef>
+      <a:fillRef idx="1">
+        <a:scrgbClr r="0" g="0" b="0"/>
+      </a:fillRef>
+      <a:effectRef idx="0">
+        <a:scrgbClr r="0" g="0" b="0"/>
+      </a:effectRef>
+      <a:fontRef idx="minor"/>
+    </dgm:style>
+  </dgm:styleLbl>
+  <dgm:styleLbl name="alignAccFollowNode1">
+    <dgm:scene3d>
+      <a:camera prst="orthographicFront"/>
+      <a:lightRig rig="threePt" dir="t"/>
+    </dgm:scene3d>
+    <dgm:sp3d/>
+    <dgm:txPr/>
+    <dgm:style>
+      <a:lnRef idx="2">
+        <a:scrgbClr r="0" g="0" b="0"/>
+      </a:lnRef>
+      <a:fillRef idx="1">
+        <a:scrgbClr r="0" g="0" b="0"/>
+      </a:fillRef>
+      <a:effectRef idx="0">
+        <a:scrgbClr r="0" g="0" b="0"/>
+      </a:effectRef>
+      <a:fontRef idx="minor"/>
+    </dgm:style>
+  </dgm:styleLbl>
+  <dgm:styleLbl name="bgAccFollowNode1">
+    <dgm:scene3d>
+      <a:camera prst="orthographicFront"/>
+      <a:lightRig rig="threePt" dir="t"/>
+    </dgm:scene3d>
+    <dgm:sp3d/>
+    <dgm:txPr/>
+    <dgm:style>
+      <a:lnRef idx="2">
+        <a:scrgbClr r="0" g="0" b="0"/>
+      </a:lnRef>
+      <a:fillRef idx="1">
+        <a:scrgbClr r="0" g="0" b="0"/>
+      </a:fillRef>
+      <a:effectRef idx="0">
+        <a:scrgbClr r="0" g="0" b="0"/>
+      </a:effectRef>
+      <a:fontRef idx="minor"/>
+    </dgm:style>
+  </dgm:styleLbl>
+  <dgm:styleLbl name="fgAcc0">
+    <dgm:scene3d>
+      <a:camera prst="orthographicFront"/>
+      <a:lightRig rig="threePt" dir="t"/>
+    </dgm:scene3d>
+    <dgm:sp3d/>
+    <dgm:txPr/>
+    <dgm:style>
+      <a:lnRef idx="2">
+        <a:scrgbClr r="0" g="0" b="0"/>
+      </a:lnRef>
+      <a:fillRef idx="1">
+        <a:scrgbClr r="0" g="0" b="0"/>
+      </a:fillRef>
+      <a:effectRef idx="0">
+        <a:scrgbClr r="0" g="0" b="0"/>
+      </a:effectRef>
+      <a:fontRef idx="minor"/>
+    </dgm:style>
+  </dgm:styleLbl>
+  <dgm:styleLbl name="fgAcc2">
+    <dgm:scene3d>
+      <a:camera prst="orthographicFront"/>
+      <a:lightRig rig="threePt" dir="t"/>
+    </dgm:scene3d>
+    <dgm:sp3d/>
+    <dgm:txPr/>
+    <dgm:style>
+      <a:lnRef idx="2">
+        <a:scrgbClr r="0" g="0" b="0"/>
+      </a:lnRef>
+      <a:fillRef idx="1">
+        <a:scrgbClr r="0" g="0" b="0"/>
+      </a:fillRef>
+      <a:effectRef idx="0">
+        <a:scrgbClr r="0" g="0" b="0"/>
+      </a:effectRef>
+      <a:fontRef idx="minor"/>
+    </dgm:style>
+  </dgm:styleLbl>
+  <dgm:styleLbl name="fgAcc3">
+    <dgm:scene3d>
+      <a:camera prst="orthographicFront"/>
+      <a:lightRig rig="threePt" dir="t"/>
+    </dgm:scene3d>
+    <dgm:sp3d/>
+    <dgm:txPr/>
+    <dgm:style>
+      <a:lnRef idx="2">
+        <a:scrgbClr r="0" g="0" b="0"/>
+      </a:lnRef>
+      <a:fillRef idx="1">
+        <a:scrgbClr r="0" g="0" b="0"/>
+      </a:fillRef>
+      <a:effectRef idx="0">
+        <a:scrgbClr r="0" g="0" b="0"/>
+      </a:effectRef>
+      <a:fontRef idx="minor"/>
+    </dgm:style>
+  </dgm:styleLbl>
+  <dgm:styleLbl name="fgAcc4">
+    <dgm:scene3d>
+      <a:camera prst="orthographicFront"/>
+      <a:lightRig rig="threePt" dir="t"/>
+    </dgm:scene3d>
+    <dgm:sp3d/>
+    <dgm:txPr/>
+    <dgm:style>
+      <a:lnRef idx="2">
+        <a:scrgbClr r="0" g="0" b="0"/>
+      </a:lnRef>
+      <a:fillRef idx="1">
+        <a:scrgbClr r="0" g="0" b="0"/>
+      </a:fillRef>
+      <a:effectRef idx="0">
+        <a:scrgbClr r="0" g="0" b="0"/>
+      </a:effectRef>
+      <a:fontRef idx="minor"/>
+    </dgm:style>
+  </dgm:styleLbl>
+  <dgm:styleLbl name="bgShp">
+    <dgm:scene3d>
+      <a:camera prst="orthographicFront"/>
+      <a:lightRig rig="threePt" dir="t"/>
+    </dgm:scene3d>
+    <dgm:sp3d/>
+    <dgm:txPr/>
+    <dgm:style>
+      <a:lnRef idx="0">
+        <a:scrgbClr r="0" g="0" b="0"/>
+      </a:lnRef>
+      <a:fillRef idx="1">
+        <a:scrgbClr r="0" g="0" b="0"/>
+      </a:fillRef>
+      <a:effectRef idx="0">
+        <a:scrgbClr r="0" g="0" b="0"/>
+      </a:effectRef>
+      <a:fontRef idx="minor"/>
+    </dgm:style>
+  </dgm:styleLbl>
+  <dgm:styleLbl name="dkBgShp">
+    <dgm:scene3d>
+      <a:camera prst="orthographicFront"/>
+      <a:lightRig rig="threePt" dir="t"/>
+    </dgm:scene3d>
+    <dgm:sp3d/>
+    <dgm:txPr/>
+    <dgm:style>
+      <a:lnRef idx="0">
+        <a:scrgbClr r="0" g="0" b="0"/>
+      </a:lnRef>
+      <a:fillRef idx="1">
+        <a:scrgbClr r="0" g="0" b="0"/>
+      </a:fillRef>
+      <a:effectRef idx="0">
+        <a:scrgbClr r="0" g="0" b="0"/>
+      </a:effectRef>
+      <a:fontRef idx="minor"/>
+    </dgm:style>
+  </dgm:styleLbl>
+  <dgm:styleLbl name="trBgShp">
+    <dgm:scene3d>
+      <a:camera prst="orthographicFront"/>
+      <a:lightRig rig="threePt" dir="t"/>
+    </dgm:scene3d>
+    <dgm:sp3d/>
+    <dgm:txPr/>
+    <dgm:style>
+      <a:lnRef idx="0">
+        <a:scrgbClr r="0" g="0" b="0"/>
+      </a:lnRef>
+      <a:fillRef idx="1">
+        <a:scrgbClr r="0" g="0" b="0"/>
+      </a:fillRef>
+      <a:effectRef idx="0">
+        <a:scrgbClr r="0" g="0" b="0"/>
+      </a:effectRef>
+      <a:fontRef idx="minor"/>
+    </dgm:style>
+  </dgm:styleLbl>
+  <dgm:styleLbl name="fgShp">
+    <dgm:scene3d>
+      <a:camera prst="orthographicFront"/>
+      <a:lightRig rig="threePt" dir="t"/>
+    </dgm:scene3d>
+    <dgm:sp3d/>
+    <dgm:txPr/>
+    <dgm:style>
+      <a:lnRef idx="2">
+        <a:scrgbClr r="0" g="0" b="0"/>
+      </a:lnRef>
+      <a:fillRef idx="1">
+        <a:scrgbClr r="0" g="0" b="0"/>
+      </a:fillRef>
+      <a:effectRef idx="0">
+        <a:scrgbClr r="0" g="0" b="0"/>
+      </a:effectRef>
+      <a:fontRef idx="minor"/>
+    </dgm:style>
+  </dgm:styleLbl>
+  <dgm:styleLbl name="revTx">
+    <dgm:scene3d>
+      <a:camera prst="orthographicFront"/>
+      <a:lightRig rig="threePt" dir="t"/>
+    </dgm:scene3d>
+    <dgm:sp3d/>
+    <dgm:txPr/>
+    <dgm:style>
+      <a:lnRef idx="0">
+        <a:scrgbClr r="0" g="0" b="0"/>
+      </a:lnRef>
+      <a:fillRef idx="0">
+        <a:scrgbClr r="0" g="0" b="0"/>
+      </a:fillRef>
+      <a:effectRef idx="0">
+        <a:scrgbClr r="0" g="0" b="0"/>
+      </a:effectRef>
+      <a:fontRef idx="minor"/>
+    </dgm:style>
+  </dgm:styleLbl>
+</dgm:styleDef>
+</file>
+
+<file path=ppt/diagrams/quickStyle9.xml><?xml version="1.0" encoding="utf-8"?>
 <dgm:styleDef xmlns:dgm="http://schemas.openxmlformats.org/drawingml/2006/diagram" xmlns:a="http://schemas.openxmlformats.org/drawingml/2006/main" uniqueId="urn:microsoft.com/office/officeart/2005/8/quickstyle/simple1">
   <dgm:title val=""/>
   <dgm:desc val=""/>
@@ -23301,7 +28876,7 @@
           <a:p>
             <a:fld id="{C6AC6211-610F-44E5-BF19-D3CDF6EDD281}" type="datetimeFigureOut">
               <a:rPr lang="de-DE" smtClean="0"/>
-              <a:t>26.11.2019</a:t>
+              <a:t>27.11.2019</a:t>
             </a:fld>
             <a:endParaRPr lang="de-DE"/>
           </a:p>
@@ -23467,7 +29042,7 @@
           <a:p>
             <a:fld id="{347435D3-23A6-45D3-8DFA-7317DC1E7A64}" type="datetimeFigureOut">
               <a:rPr lang="de-DE" smtClean="0"/>
-              <a:t>26.11.2019</a:t>
+              <a:t>27.11.2019</a:t>
             </a:fld>
             <a:endParaRPr lang="de-DE"/>
           </a:p>
@@ -27339,7 +32914,7 @@
           <a:p>
             <a:r>
               <a:rPr lang="de-DE" dirty="0"/>
-              <a:t>Prototyp</a:t>
+              <a:t>Prototyp - Funktionen</a:t>
             </a:r>
           </a:p>
         </p:txBody>
@@ -27386,110 +32961,6 @@
 </file>
 
 <file path=ppt/slides/slide15.xml><?xml version="1.0" encoding="utf-8"?>
-<p:sld xmlns:a="http://schemas.openxmlformats.org/drawingml/2006/main" xmlns:r="http://schemas.openxmlformats.org/officeDocument/2006/relationships" xmlns:p="http://schemas.openxmlformats.org/presentationml/2006/main">
-  <p:cSld>
-    <p:spTree>
-      <p:nvGrpSpPr>
-        <p:cNvPr id="1" name=""/>
-        <p:cNvGrpSpPr/>
-        <p:nvPr/>
-      </p:nvGrpSpPr>
-      <p:grpSpPr>
-        <a:xfrm>
-          <a:off x="0" y="0"/>
-          <a:ext cx="0" cy="0"/>
-          <a:chOff x="0" y="0"/>
-          <a:chExt cx="0" cy="0"/>
-        </a:xfrm>
-      </p:grpSpPr>
-      <p:sp>
-        <p:nvSpPr>
-          <p:cNvPr id="2" name="Titel 1">
-            <a:extLst>
-              <a:ext uri="{FF2B5EF4-FFF2-40B4-BE49-F238E27FC236}">
-                <a16:creationId xmlns:a16="http://schemas.microsoft.com/office/drawing/2014/main" id="{1722AFB5-AFD4-409B-97A4-AFB670C25491}"/>
-              </a:ext>
-            </a:extLst>
-          </p:cNvPr>
-          <p:cNvSpPr>
-            <a:spLocks noGrp="1"/>
-          </p:cNvSpPr>
-          <p:nvPr>
-            <p:ph type="title"/>
-          </p:nvPr>
-        </p:nvSpPr>
-        <p:spPr/>
-        <p:txBody>
-          <a:bodyPr/>
-          <a:lstStyle/>
-          <a:p>
-            <a:r>
-              <a:rPr lang="de-DE" dirty="0"/>
-              <a:t>Prototyp – Erfüllung der Anforderungen</a:t>
-            </a:r>
-          </a:p>
-        </p:txBody>
-      </p:sp>
-      <p:sp>
-        <p:nvSpPr>
-          <p:cNvPr id="3" name="Inhaltsplatzhalter 2">
-            <a:extLst>
-              <a:ext uri="{FF2B5EF4-FFF2-40B4-BE49-F238E27FC236}">
-                <a16:creationId xmlns:a16="http://schemas.microsoft.com/office/drawing/2014/main" id="{4752B4C2-5BBE-4C84-B361-ABDC5FB6FD52}"/>
-              </a:ext>
-            </a:extLst>
-          </p:cNvPr>
-          <p:cNvSpPr>
-            <a:spLocks noGrp="1"/>
-          </p:cNvSpPr>
-          <p:nvPr>
-            <p:ph sz="quarter" idx="10"/>
-          </p:nvPr>
-        </p:nvSpPr>
-        <p:spPr/>
-        <p:txBody>
-          <a:bodyPr/>
-          <a:lstStyle/>
-          <a:p>
-            <a:r>
-              <a:rPr lang="de-DE" dirty="0"/>
-              <a:t>Welche Anforderungen wurden erfüllt</a:t>
-            </a:r>
-          </a:p>
-          <a:p>
-            <a:r>
-              <a:rPr lang="de-DE" dirty="0"/>
-              <a:t>Und welche werden aus welchen Gründen nichterfüllt?</a:t>
-            </a:r>
-          </a:p>
-          <a:p>
-            <a:endParaRPr lang="de-DE" dirty="0"/>
-          </a:p>
-          <a:p>
-            <a:r>
-              <a:rPr lang="de-DE" dirty="0"/>
-              <a:t>Alle Muss Kriterien erfüllt, auch alle bis auf zwei Kann Kriterien</a:t>
-            </a:r>
-          </a:p>
-          <a:p>
-            <a:endParaRPr lang="de-DE" dirty="0"/>
-          </a:p>
-        </p:txBody>
-      </p:sp>
-    </p:spTree>
-    <p:extLst>
-      <p:ext uri="{BB962C8B-B14F-4D97-AF65-F5344CB8AC3E}">
-        <p14:creationId xmlns:p14="http://schemas.microsoft.com/office/powerpoint/2010/main" val="3757279920"/>
-      </p:ext>
-    </p:extLst>
-  </p:cSld>
-  <p:clrMapOvr>
-    <a:masterClrMapping/>
-  </p:clrMapOvr>
-</p:sld>
-</file>
-
-<file path=ppt/slides/slide16.xml><?xml version="1.0" encoding="utf-8"?>
 <p:sld xmlns:a="http://schemas.openxmlformats.org/drawingml/2006/main" xmlns:r="http://schemas.openxmlformats.org/officeDocument/2006/relationships" xmlns:p="http://schemas.openxmlformats.org/presentationml/2006/main">
   <p:cSld>
     <p:spTree>
@@ -27575,7 +33046,7 @@
           <p:nvPr>
             <p:extLst>
               <p:ext uri="{D42A27DB-BD31-4B8C-83A1-F6EECF244321}">
-                <p14:modId xmlns:p14="http://schemas.microsoft.com/office/powerpoint/2010/main" val="2285874309"/>
+                <p14:modId xmlns:p14="http://schemas.microsoft.com/office/powerpoint/2010/main" val="3616996954"/>
               </p:ext>
             </p:extLst>
           </p:nvPr>
@@ -27590,6 +33061,41 @@
           </a:graphicData>
         </a:graphic>
       </p:graphicFrame>
+      <p:sp>
+        <p:nvSpPr>
+          <p:cNvPr id="4" name="Textfeld 3">
+            <a:extLst>
+              <a:ext uri="{FF2B5EF4-FFF2-40B4-BE49-F238E27FC236}">
+                <a16:creationId xmlns:a16="http://schemas.microsoft.com/office/drawing/2014/main" id="{DFBBFCBC-689F-424D-AD61-BCE71BBC0F2E}"/>
+              </a:ext>
+            </a:extLst>
+          </p:cNvPr>
+          <p:cNvSpPr txBox="1"/>
+          <p:nvPr/>
+        </p:nvSpPr>
+        <p:spPr>
+          <a:xfrm>
+            <a:off x="1139125" y="3231397"/>
+            <a:ext cx="2983424" cy="341632"/>
+          </a:xfrm>
+          <a:prstGeom prst="rect">
+            <a:avLst/>
+          </a:prstGeom>
+          <a:noFill/>
+        </p:spPr>
+        <p:txBody>
+          <a:bodyPr wrap="square" rtlCol="0">
+            <a:spAutoFit/>
+          </a:bodyPr>
+          <a:lstStyle/>
+          <a:p>
+            <a:r>
+              <a:rPr lang="de-DE" dirty="0"/>
+              <a:t>Bestandteile der Evaluation:</a:t>
+            </a:r>
+          </a:p>
+        </p:txBody>
+      </p:sp>
     </p:spTree>
     <p:extLst>
       <p:ext uri="{BB962C8B-B14F-4D97-AF65-F5344CB8AC3E}">
@@ -27603,7 +33109,7 @@
 </p:sld>
 </file>
 
-<file path=ppt/slides/slide17.xml><?xml version="1.0" encoding="utf-8"?>
+<file path=ppt/slides/slide16.xml><?xml version="1.0" encoding="utf-8"?>
 <p:sld xmlns:a="http://schemas.openxmlformats.org/drawingml/2006/main" xmlns:r="http://schemas.openxmlformats.org/officeDocument/2006/relationships" xmlns:p="http://schemas.openxmlformats.org/presentationml/2006/main">
   <p:cSld>
     <p:spTree>
@@ -27625,7 +33131,7 @@
           <p:cNvPr id="2" name="Titel 1">
             <a:extLst>
               <a:ext uri="{FF2B5EF4-FFF2-40B4-BE49-F238E27FC236}">
-                <a16:creationId xmlns:a16="http://schemas.microsoft.com/office/drawing/2014/main" id="{64BC75D6-75F5-41B9-A8FC-2B5711885BD2}"/>
+                <a16:creationId xmlns:a16="http://schemas.microsoft.com/office/drawing/2014/main" id="{F0A69A81-BA66-4ADE-84E9-469A117BAB9F}"/>
               </a:ext>
             </a:extLst>
           </p:cNvPr>
@@ -27648,74 +33154,41 @@
           </a:p>
         </p:txBody>
       </p:sp>
-      <p:sp>
-        <p:nvSpPr>
-          <p:cNvPr id="3" name="Inhaltsplatzhalter 2">
+      <p:graphicFrame>
+        <p:nvGraphicFramePr>
+          <p:cNvPr id="4" name="Inhaltsplatzhalter 3">
             <a:extLst>
               <a:ext uri="{FF2B5EF4-FFF2-40B4-BE49-F238E27FC236}">
-                <a16:creationId xmlns:a16="http://schemas.microsoft.com/office/drawing/2014/main" id="{DE5584C3-8497-4D0D-BBF4-DB90C6E0F9CF}"/>
+                <a16:creationId xmlns:a16="http://schemas.microsoft.com/office/drawing/2014/main" id="{48525A4D-1533-45BB-B996-C5CD0F64B552}"/>
               </a:ext>
             </a:extLst>
           </p:cNvPr>
-          <p:cNvSpPr>
-            <a:spLocks noGrp="1"/>
-          </p:cNvSpPr>
+          <p:cNvGraphicFramePr>
+            <a:graphicFrameLocks noGrp="1"/>
+          </p:cNvGraphicFramePr>
           <p:nvPr>
             <p:ph sz="quarter" idx="10"/>
+            <p:extLst>
+              <p:ext uri="{D42A27DB-BD31-4B8C-83A1-F6EECF244321}">
+                <p14:modId xmlns:p14="http://schemas.microsoft.com/office/powerpoint/2010/main" val="2308555939"/>
+              </p:ext>
+            </p:extLst>
           </p:nvPr>
-        </p:nvSpPr>
-        <p:spPr/>
-        <p:txBody>
-          <a:bodyPr/>
-          <a:lstStyle/>
-          <a:p>
-            <a:r>
-              <a:rPr lang="de-DE" dirty="0"/>
-              <a:t>Welche Ergebnisse hat SUS erzielt -&gt; wie sind diese zu verstehen</a:t>
-            </a:r>
-          </a:p>
-          <a:p>
-            <a:r>
-              <a:rPr lang="de-DE" dirty="0"/>
-              <a:t>Welche Ergebnisse hat die eigene Befragung erzielt</a:t>
-            </a:r>
-          </a:p>
-          <a:p>
-            <a:endParaRPr lang="de-DE" dirty="0"/>
-          </a:p>
-          <a:p>
-            <a:r>
-              <a:rPr lang="de-DE" dirty="0"/>
-              <a:t>Extra Folie oder hier: was kann aus den Ergebnissen abgeleitet werden?</a:t>
-            </a:r>
-          </a:p>
-          <a:p>
-            <a:endParaRPr lang="de-DE" dirty="0"/>
-          </a:p>
-          <a:p>
-            <a:r>
-              <a:rPr lang="de-DE" dirty="0"/>
-              <a:t>SUS: 70 Punkte</a:t>
-            </a:r>
-          </a:p>
-          <a:p>
-            <a:r>
-              <a:rPr lang="de-DE" dirty="0"/>
-              <a:t>Nicht als natürlich empfunden</a:t>
-            </a:r>
-          </a:p>
-          <a:p>
-            <a:endParaRPr lang="de-DE" dirty="0"/>
-          </a:p>
-          <a:p>
-            <a:endParaRPr lang="de-DE" dirty="0"/>
-          </a:p>
-        </p:txBody>
-      </p:sp>
+        </p:nvGraphicFramePr>
+        <p:xfrm>
+          <a:off x="446315" y="1030288"/>
+          <a:ext cx="11549742" cy="4913311"/>
+        </p:xfrm>
+        <a:graphic>
+          <a:graphicData uri="http://schemas.openxmlformats.org/drawingml/2006/diagram">
+            <dgm:relIds xmlns:dgm="http://schemas.openxmlformats.org/drawingml/2006/diagram" xmlns:r="http://schemas.openxmlformats.org/officeDocument/2006/relationships" r:dm="rId2" r:lo="rId3" r:qs="rId4" r:cs="rId5"/>
+          </a:graphicData>
+        </a:graphic>
+      </p:graphicFrame>
     </p:spTree>
     <p:extLst>
       <p:ext uri="{BB962C8B-B14F-4D97-AF65-F5344CB8AC3E}">
-        <p14:creationId xmlns:p14="http://schemas.microsoft.com/office/powerpoint/2010/main" val="1087787937"/>
+        <p14:creationId xmlns:p14="http://schemas.microsoft.com/office/powerpoint/2010/main" val="920921948"/>
       </p:ext>
     </p:extLst>
   </p:cSld>
@@ -27725,7 +33198,7 @@
 </p:sld>
 </file>
 
-<file path=ppt/slides/slide18.xml><?xml version="1.0" encoding="utf-8"?>
+<file path=ppt/slides/slide17.xml><?xml version="1.0" encoding="utf-8"?>
 <p:sld xmlns:a="http://schemas.openxmlformats.org/drawingml/2006/main" xmlns:r="http://schemas.openxmlformats.org/officeDocument/2006/relationships" xmlns:p="http://schemas.openxmlformats.org/presentationml/2006/main">
   <p:cSld>
     <p:spTree>
@@ -27765,57 +33238,211 @@
           <a:p>
             <a:r>
               <a:rPr lang="de-DE" dirty="0"/>
-              <a:t>Fazit</a:t>
+              <a:t>Fazit &amp; Ausblick</a:t>
             </a:r>
           </a:p>
         </p:txBody>
       </p:sp>
       <p:sp>
         <p:nvSpPr>
-          <p:cNvPr id="3" name="Inhaltsplatzhalter 2">
+          <p:cNvPr id="4" name="Inhaltsplatzhalter 2">
             <a:extLst>
               <a:ext uri="{FF2B5EF4-FFF2-40B4-BE49-F238E27FC236}">
-                <a16:creationId xmlns:a16="http://schemas.microsoft.com/office/drawing/2014/main" id="{BF86AC44-4169-416E-87F2-1E8DAF184AAC}"/>
+                <a16:creationId xmlns:a16="http://schemas.microsoft.com/office/drawing/2014/main" id="{7B21C401-03CF-4C21-BFC6-06D70283A912}"/>
               </a:ext>
             </a:extLst>
           </p:cNvPr>
-          <p:cNvSpPr>
-            <a:spLocks noGrp="1"/>
+          <p:cNvSpPr txBox="1">
+            <a:spLocks/>
           </p:cNvSpPr>
-          <p:nvPr>
-            <p:ph sz="quarter" idx="10"/>
-          </p:nvPr>
+          <p:nvPr/>
         </p:nvSpPr>
-        <p:spPr/>
+        <p:spPr>
+          <a:xfrm>
+            <a:off x="874712" y="688181"/>
+            <a:ext cx="10580688" cy="4344987"/>
+          </a:xfrm>
+          <a:prstGeom prst="rect">
+            <a:avLst/>
+          </a:prstGeom>
+          <a:ln>
+            <a:noFill/>
+          </a:ln>
+        </p:spPr>
         <p:txBody>
-          <a:bodyPr/>
-          <a:lstStyle/>
-          <a:p>
-            <a:r>
-              <a:rPr lang="de-DE" dirty="0"/>
-              <a:t>Besonders auf die Diskussion &amp; Ausblick eingehen</a:t>
-            </a:r>
-          </a:p>
+          <a:bodyPr vert="horz" lIns="0" tIns="0" rIns="0" bIns="0" rtlCol="0">
+            <a:noAutofit/>
+          </a:bodyPr>
+          <a:lstStyle>
+            <a:lvl1pPr marL="0" indent="0" algn="l" defTabSz="914269" rtl="0" eaLnBrk="1" latinLnBrk="0" hangingPunct="1">
+              <a:spcBef>
+                <a:spcPts val="1200"/>
+              </a:spcBef>
+              <a:buFont typeface="Arial" panose="020B0604020202020204" pitchFamily="34" charset="0"/>
+              <a:buNone/>
+              <a:defRPr sz="1600" kern="1200">
+                <a:solidFill>
+                  <a:schemeClr val="tx2"/>
+                </a:solidFill>
+                <a:latin typeface="Open Sans" panose="020B0606030504020204" pitchFamily="34" charset="0"/>
+                <a:ea typeface="+mn-ea"/>
+                <a:cs typeface="+mn-cs"/>
+              </a:defRPr>
+            </a:lvl1pPr>
+            <a:lvl2pPr marL="395942" indent="-323953" algn="l" defTabSz="914269" rtl="0" eaLnBrk="1" latinLnBrk="0" hangingPunct="1">
+              <a:spcBef>
+                <a:spcPts val="300"/>
+              </a:spcBef>
+              <a:buFont typeface="Open Sans" panose="020B0606030504020204" pitchFamily="34" charset="0"/>
+              <a:buChar char="—"/>
+              <a:defRPr sz="1600" kern="1200">
+                <a:solidFill>
+                  <a:schemeClr val="tx2"/>
+                </a:solidFill>
+                <a:latin typeface="Open Sans" panose="020B0606030504020204" pitchFamily="34" charset="0"/>
+                <a:ea typeface="+mn-ea"/>
+                <a:cs typeface="+mn-cs"/>
+              </a:defRPr>
+            </a:lvl2pPr>
+            <a:lvl3pPr marL="0" indent="0" algn="l" defTabSz="914269" rtl="0" eaLnBrk="1" latinLnBrk="0" hangingPunct="1">
+              <a:spcBef>
+                <a:spcPts val="1200"/>
+              </a:spcBef>
+              <a:buFont typeface="Arial" panose="020B0604020202020204" pitchFamily="34" charset="0"/>
+              <a:buNone/>
+              <a:defRPr sz="1400" kern="1200">
+                <a:solidFill>
+                  <a:schemeClr val="tx2"/>
+                </a:solidFill>
+                <a:latin typeface="Open Sans" panose="020B0606030504020204" pitchFamily="34" charset="0"/>
+                <a:ea typeface="+mn-ea"/>
+                <a:cs typeface="+mn-cs"/>
+              </a:defRPr>
+            </a:lvl3pPr>
+            <a:lvl4pPr marL="395942" indent="-215969" algn="l" defTabSz="914269" rtl="0" eaLnBrk="1" latinLnBrk="0" hangingPunct="1">
+              <a:spcBef>
+                <a:spcPts val="300"/>
+              </a:spcBef>
+              <a:buFont typeface="Symbol" panose="05050102010706020507" pitchFamily="18" charset="2"/>
+              <a:buChar char="-"/>
+              <a:defRPr sz="1400" kern="1200">
+                <a:solidFill>
+                  <a:schemeClr val="tx2"/>
+                </a:solidFill>
+                <a:latin typeface="Open Sans" panose="020B0606030504020204" pitchFamily="34" charset="0"/>
+                <a:ea typeface="+mn-ea"/>
+                <a:cs typeface="+mn-cs"/>
+              </a:defRPr>
+            </a:lvl4pPr>
+            <a:lvl5pPr marL="575916" indent="-179362" algn="l" defTabSz="914269" rtl="0" eaLnBrk="1" latinLnBrk="0" hangingPunct="1">
+              <a:spcBef>
+                <a:spcPts val="300"/>
+              </a:spcBef>
+              <a:buFont typeface="Symbol" panose="05050102010706020507" pitchFamily="18" charset="2"/>
+              <a:buChar char="-"/>
+              <a:defRPr sz="1400" kern="1200" baseline="0">
+                <a:solidFill>
+                  <a:schemeClr val="tx2"/>
+                </a:solidFill>
+                <a:latin typeface="Open Sans" panose="020B0606030504020204" pitchFamily="34" charset="0"/>
+                <a:ea typeface="+mn-ea"/>
+                <a:cs typeface="+mn-cs"/>
+              </a:defRPr>
+            </a:lvl5pPr>
+            <a:lvl6pPr marL="358723" indent="0" algn="l" defTabSz="914269" rtl="0" eaLnBrk="1" latinLnBrk="0" hangingPunct="1">
+              <a:spcBef>
+                <a:spcPts val="0"/>
+              </a:spcBef>
+              <a:buFont typeface="Arial" panose="020B0604020202020204" pitchFamily="34" charset="0"/>
+              <a:buNone/>
+              <a:defRPr sz="3200" b="1" kern="1200">
+                <a:solidFill>
+                  <a:schemeClr val="bg1"/>
+                </a:solidFill>
+                <a:latin typeface="+mn-lt"/>
+                <a:ea typeface="+mn-ea"/>
+                <a:cs typeface="+mn-cs"/>
+              </a:defRPr>
+            </a:lvl6pPr>
+            <a:lvl7pPr marL="358723" indent="0" algn="l" defTabSz="914269" rtl="0" eaLnBrk="1" latinLnBrk="0" hangingPunct="1">
+              <a:spcBef>
+                <a:spcPts val="0"/>
+              </a:spcBef>
+              <a:buFont typeface="Arial" panose="020B0604020202020204" pitchFamily="34" charset="0"/>
+              <a:buNone/>
+              <a:defRPr sz="3200" kern="1200">
+                <a:solidFill>
+                  <a:schemeClr val="bg1"/>
+                </a:solidFill>
+                <a:latin typeface="+mn-lt"/>
+                <a:ea typeface="+mn-ea"/>
+                <a:cs typeface="+mn-cs"/>
+              </a:defRPr>
+            </a:lvl7pPr>
+            <a:lvl8pPr marL="3428502" indent="-228566" algn="l" defTabSz="914269" rtl="0" eaLnBrk="1" latinLnBrk="0" hangingPunct="1">
+              <a:spcBef>
+                <a:spcPct val="20000"/>
+              </a:spcBef>
+              <a:buFont typeface="Arial" panose="020B0604020202020204" pitchFamily="34" charset="0"/>
+              <a:buChar char="•"/>
+              <a:defRPr sz="2000" kern="1200">
+                <a:solidFill>
+                  <a:schemeClr val="tx1"/>
+                </a:solidFill>
+                <a:latin typeface="+mn-lt"/>
+                <a:ea typeface="+mn-ea"/>
+                <a:cs typeface="+mn-cs"/>
+              </a:defRPr>
+            </a:lvl8pPr>
+            <a:lvl9pPr marL="3885635" indent="-228566" algn="l" defTabSz="914269" rtl="0" eaLnBrk="1" latinLnBrk="0" hangingPunct="1">
+              <a:spcBef>
+                <a:spcPct val="20000"/>
+              </a:spcBef>
+              <a:buFont typeface="Arial" panose="020B0604020202020204" pitchFamily="34" charset="0"/>
+              <a:buChar char="•"/>
+              <a:defRPr sz="2000" kern="1200">
+                <a:solidFill>
+                  <a:schemeClr val="tx1"/>
+                </a:solidFill>
+                <a:latin typeface="+mn-lt"/>
+                <a:ea typeface="+mn-ea"/>
+                <a:cs typeface="+mn-cs"/>
+              </a:defRPr>
+            </a:lvl9pPr>
+          </a:lstStyle>
           <a:p>
             <a:endParaRPr lang="de-DE" dirty="0"/>
           </a:p>
-          <a:p>
-            <a:r>
-              <a:rPr lang="de-DE" dirty="0"/>
-              <a:t>Diskussion: was verbesserungswürdig/gut</a:t>
-            </a:r>
-          </a:p>
-          <a:p>
-            <a:endParaRPr lang="de-DE" dirty="0"/>
-          </a:p>
-          <a:p>
-            <a:r>
-              <a:rPr lang="de-DE" dirty="0"/>
-              <a:t>Ausblick: welche Änderungen sind für eine Verbesserung des Systems möglich</a:t>
-            </a:r>
-          </a:p>
         </p:txBody>
       </p:sp>
+      <p:graphicFrame>
+        <p:nvGraphicFramePr>
+          <p:cNvPr id="5" name="Diagramm 4">
+            <a:extLst>
+              <a:ext uri="{FF2B5EF4-FFF2-40B4-BE49-F238E27FC236}">
+                <a16:creationId xmlns:a16="http://schemas.microsoft.com/office/drawing/2014/main" id="{C43C6FDC-2887-4C17-9352-7AADDB704690}"/>
+              </a:ext>
+            </a:extLst>
+          </p:cNvPr>
+          <p:cNvGraphicFramePr/>
+          <p:nvPr>
+            <p:extLst>
+              <p:ext uri="{D42A27DB-BD31-4B8C-83A1-F6EECF244321}">
+                <p14:modId xmlns:p14="http://schemas.microsoft.com/office/powerpoint/2010/main" val="2847661779"/>
+              </p:ext>
+            </p:extLst>
+          </p:nvPr>
+        </p:nvGraphicFramePr>
+        <p:xfrm>
+          <a:off x="2032000" y="719666"/>
+          <a:ext cx="8128000" cy="5418667"/>
+        </p:xfrm>
+        <a:graphic>
+          <a:graphicData uri="http://schemas.openxmlformats.org/drawingml/2006/diagram">
+            <dgm:relIds xmlns:dgm="http://schemas.openxmlformats.org/drawingml/2006/diagram" xmlns:r="http://schemas.openxmlformats.org/officeDocument/2006/relationships" r:dm="rId2" r:lo="rId3" r:qs="rId4" r:cs="rId5"/>
+          </a:graphicData>
+        </a:graphic>
+      </p:graphicFrame>
     </p:spTree>
     <p:extLst>
       <p:ext uri="{BB962C8B-B14F-4D97-AF65-F5344CB8AC3E}">
@@ -27829,7 +33456,7 @@
 </p:sld>
 </file>
 
-<file path=ppt/slides/slide19.xml><?xml version="1.0" encoding="utf-8"?>
+<file path=ppt/slides/slide18.xml><?xml version="1.0" encoding="utf-8"?>
 <p:sld xmlns:a="http://schemas.openxmlformats.org/drawingml/2006/main" xmlns:r="http://schemas.openxmlformats.org/officeDocument/2006/relationships" xmlns:p="http://schemas.openxmlformats.org/presentationml/2006/main">
   <p:cSld>
     <p:spTree>
@@ -27883,6 +33510,89 @@
     <p:extLst>
       <p:ext uri="{BB962C8B-B14F-4D97-AF65-F5344CB8AC3E}">
         <p14:creationId xmlns:p14="http://schemas.microsoft.com/office/powerpoint/2010/main" val="557414484"/>
+      </p:ext>
+    </p:extLst>
+  </p:cSld>
+  <p:clrMapOvr>
+    <a:masterClrMapping/>
+  </p:clrMapOvr>
+</p:sld>
+</file>
+
+<file path=ppt/slides/slide19.xml><?xml version="1.0" encoding="utf-8"?>
+<p:sld xmlns:a="http://schemas.openxmlformats.org/drawingml/2006/main" xmlns:r="http://schemas.openxmlformats.org/officeDocument/2006/relationships" xmlns:p="http://schemas.openxmlformats.org/presentationml/2006/main">
+  <p:cSld>
+    <p:spTree>
+      <p:nvGrpSpPr>
+        <p:cNvPr id="1" name=""/>
+        <p:cNvGrpSpPr/>
+        <p:nvPr/>
+      </p:nvGrpSpPr>
+      <p:grpSpPr>
+        <a:xfrm>
+          <a:off x="0" y="0"/>
+          <a:ext cx="0" cy="0"/>
+          <a:chOff x="0" y="0"/>
+          <a:chExt cx="0" cy="0"/>
+        </a:xfrm>
+      </p:grpSpPr>
+      <p:sp>
+        <p:nvSpPr>
+          <p:cNvPr id="2" name="Titel 1">
+            <a:extLst>
+              <a:ext uri="{FF2B5EF4-FFF2-40B4-BE49-F238E27FC236}">
+                <a16:creationId xmlns:a16="http://schemas.microsoft.com/office/drawing/2014/main" id="{96F595E9-357D-4FBA-89FB-B13C3414A40A}"/>
+              </a:ext>
+            </a:extLst>
+          </p:cNvPr>
+          <p:cNvSpPr>
+            <a:spLocks noGrp="1"/>
+          </p:cNvSpPr>
+          <p:nvPr>
+            <p:ph type="title"/>
+          </p:nvPr>
+        </p:nvSpPr>
+        <p:spPr/>
+        <p:txBody>
+          <a:bodyPr/>
+          <a:lstStyle/>
+          <a:p>
+            <a:r>
+              <a:rPr lang="de-DE" dirty="0"/>
+              <a:t>Anhang</a:t>
+            </a:r>
+          </a:p>
+        </p:txBody>
+      </p:sp>
+      <p:sp>
+        <p:nvSpPr>
+          <p:cNvPr id="3" name="Inhaltsplatzhalter 2">
+            <a:extLst>
+              <a:ext uri="{FF2B5EF4-FFF2-40B4-BE49-F238E27FC236}">
+                <a16:creationId xmlns:a16="http://schemas.microsoft.com/office/drawing/2014/main" id="{055F85BE-74E6-4E2F-A2DB-9285DEB55AF3}"/>
+              </a:ext>
+            </a:extLst>
+          </p:cNvPr>
+          <p:cNvSpPr>
+            <a:spLocks noGrp="1"/>
+          </p:cNvSpPr>
+          <p:nvPr>
+            <p:ph sz="quarter" idx="10"/>
+          </p:nvPr>
+        </p:nvSpPr>
+        <p:spPr/>
+        <p:txBody>
+          <a:bodyPr/>
+          <a:lstStyle/>
+          <a:p>
+            <a:endParaRPr lang="de-DE"/>
+          </a:p>
+        </p:txBody>
+      </p:sp>
+    </p:spTree>
+    <p:extLst>
+      <p:ext uri="{BB962C8B-B14F-4D97-AF65-F5344CB8AC3E}">
+        <p14:creationId xmlns:p14="http://schemas.microsoft.com/office/powerpoint/2010/main" val="215880519"/>
       </p:ext>
     </p:extLst>
   </p:cSld>
@@ -28001,7 +33711,7 @@
           <a:p>
             <a:r>
               <a:rPr lang="de-DE" sz="2000" dirty="0"/>
-              <a:t>7. Fazit</a:t>
+              <a:t>7. Fazit &amp; Ausblick</a:t>
             </a:r>
           </a:p>
           <a:p>
@@ -28029,89 +33739,6 @@
 </file>
 
 <file path=ppt/slides/slide20.xml><?xml version="1.0" encoding="utf-8"?>
-<p:sld xmlns:a="http://schemas.openxmlformats.org/drawingml/2006/main" xmlns:r="http://schemas.openxmlformats.org/officeDocument/2006/relationships" xmlns:p="http://schemas.openxmlformats.org/presentationml/2006/main">
-  <p:cSld>
-    <p:spTree>
-      <p:nvGrpSpPr>
-        <p:cNvPr id="1" name=""/>
-        <p:cNvGrpSpPr/>
-        <p:nvPr/>
-      </p:nvGrpSpPr>
-      <p:grpSpPr>
-        <a:xfrm>
-          <a:off x="0" y="0"/>
-          <a:ext cx="0" cy="0"/>
-          <a:chOff x="0" y="0"/>
-          <a:chExt cx="0" cy="0"/>
-        </a:xfrm>
-      </p:grpSpPr>
-      <p:sp>
-        <p:nvSpPr>
-          <p:cNvPr id="2" name="Titel 1">
-            <a:extLst>
-              <a:ext uri="{FF2B5EF4-FFF2-40B4-BE49-F238E27FC236}">
-                <a16:creationId xmlns:a16="http://schemas.microsoft.com/office/drawing/2014/main" id="{96F595E9-357D-4FBA-89FB-B13C3414A40A}"/>
-              </a:ext>
-            </a:extLst>
-          </p:cNvPr>
-          <p:cNvSpPr>
-            <a:spLocks noGrp="1"/>
-          </p:cNvSpPr>
-          <p:nvPr>
-            <p:ph type="title"/>
-          </p:nvPr>
-        </p:nvSpPr>
-        <p:spPr/>
-        <p:txBody>
-          <a:bodyPr/>
-          <a:lstStyle/>
-          <a:p>
-            <a:r>
-              <a:rPr lang="de-DE" dirty="0"/>
-              <a:t>Anhang</a:t>
-            </a:r>
-          </a:p>
-        </p:txBody>
-      </p:sp>
-      <p:sp>
-        <p:nvSpPr>
-          <p:cNvPr id="3" name="Inhaltsplatzhalter 2">
-            <a:extLst>
-              <a:ext uri="{FF2B5EF4-FFF2-40B4-BE49-F238E27FC236}">
-                <a16:creationId xmlns:a16="http://schemas.microsoft.com/office/drawing/2014/main" id="{055F85BE-74E6-4E2F-A2DB-9285DEB55AF3}"/>
-              </a:ext>
-            </a:extLst>
-          </p:cNvPr>
-          <p:cNvSpPr>
-            <a:spLocks noGrp="1"/>
-          </p:cNvSpPr>
-          <p:nvPr>
-            <p:ph sz="quarter" idx="10"/>
-          </p:nvPr>
-        </p:nvSpPr>
-        <p:spPr/>
-        <p:txBody>
-          <a:bodyPr/>
-          <a:lstStyle/>
-          <a:p>
-            <a:endParaRPr lang="de-DE"/>
-          </a:p>
-        </p:txBody>
-      </p:sp>
-    </p:spTree>
-    <p:extLst>
-      <p:ext uri="{BB962C8B-B14F-4D97-AF65-F5344CB8AC3E}">
-        <p14:creationId xmlns:p14="http://schemas.microsoft.com/office/powerpoint/2010/main" val="215880519"/>
-      </p:ext>
-    </p:extLst>
-  </p:cSld>
-  <p:clrMapOvr>
-    <a:masterClrMapping/>
-  </p:clrMapOvr>
-</p:sld>
-</file>
-
-<file path=ppt/slides/slide21.xml><?xml version="1.0" encoding="utf-8"?>
 <p:sld xmlns:a="http://schemas.openxmlformats.org/drawingml/2006/main" xmlns:r="http://schemas.openxmlformats.org/officeDocument/2006/relationships" xmlns:p="http://schemas.openxmlformats.org/presentationml/2006/main">
   <p:cSld>
     <p:spTree>
@@ -28194,7 +33821,7 @@
 </p:sld>
 </file>
 
-<file path=ppt/slides/slide22.xml><?xml version="1.0" encoding="utf-8"?>
+<file path=ppt/slides/slide21.xml><?xml version="1.0" encoding="utf-8"?>
 <p:sld xmlns:a="http://schemas.openxmlformats.org/drawingml/2006/main" xmlns:r="http://schemas.openxmlformats.org/officeDocument/2006/relationships" xmlns:p="http://schemas.openxmlformats.org/presentationml/2006/main">
   <p:cSld>
     <p:spTree>
@@ -28277,7 +33904,7 @@
 </p:sld>
 </file>
 
-<file path=ppt/slides/slide23.xml><?xml version="1.0" encoding="utf-8"?>
+<file path=ppt/slides/slide22.xml><?xml version="1.0" encoding="utf-8"?>
 <p:sld xmlns:a="http://schemas.openxmlformats.org/drawingml/2006/main" xmlns:r="http://schemas.openxmlformats.org/officeDocument/2006/relationships" xmlns:p="http://schemas.openxmlformats.org/presentationml/2006/main">
   <p:cSld>
     <p:spTree>
@@ -28594,7 +34221,7 @@
           <p:nvPr>
             <p:extLst>
               <p:ext uri="{D42A27DB-BD31-4B8C-83A1-F6EECF244321}">
-                <p14:modId xmlns:p14="http://schemas.microsoft.com/office/powerpoint/2010/main" val="3249550622"/>
+                <p14:modId xmlns:p14="http://schemas.microsoft.com/office/powerpoint/2010/main" val="1994010381"/>
               </p:ext>
             </p:extLst>
           </p:nvPr>
@@ -29032,7 +34659,15 @@
           <a:p>
             <a:r>
               <a:rPr lang="de-DE" sz="700" dirty="0"/>
-              <a:t>https://mycroft.ai/wp-content/uploads/2019/01/Mycroft_logo_two_markandtype_hires.png</a:t>
+              <a:t>https://mycroft.ai/wp-content/uploads/2019/01/Mycroft_logo_two_markandtype_</a:t>
+            </a:r>
+            <a:r>
+              <a:rPr lang="de-DE" sz="500" dirty="0"/>
+              <a:t>hires</a:t>
+            </a:r>
+            <a:r>
+              <a:rPr lang="de-DE" sz="700" dirty="0"/>
+              <a:t>.png</a:t>
             </a:r>
           </a:p>
         </p:txBody>
@@ -29102,7 +34737,15 @@
           <a:p>
             <a:r>
               <a:rPr lang="de-DE" sz="700" dirty="0"/>
-              <a:t>https://www.panbachi.de/wp-content/uploads/2019/04/snips.jpg</a:t>
+              <a:t>https</a:t>
+            </a:r>
+            <a:r>
+              <a:rPr lang="de-DE" sz="500" dirty="0"/>
+              <a:t>://</a:t>
+            </a:r>
+            <a:r>
+              <a:rPr lang="de-DE" sz="700" dirty="0"/>
+              <a:t>www.panbachi.de/wp-content/uploads/2019/04/snips.jpg</a:t>
             </a:r>
           </a:p>
         </p:txBody>
@@ -29151,8 +34794,8 @@
         </p:nvSpPr>
         <p:spPr>
           <a:xfrm rot="10800000" flipV="1">
-            <a:off x="8361680" y="4043128"/>
-            <a:ext cx="4931506" cy="200055"/>
+            <a:off x="8361680" y="4058516"/>
+            <a:ext cx="4931506" cy="169277"/>
           </a:xfrm>
           <a:prstGeom prst="rect">
             <a:avLst/>
@@ -29165,7 +34808,7 @@
           <a:lstStyle/>
           <a:p>
             <a:r>
-              <a:rPr lang="de-DE" sz="700" dirty="0"/>
+              <a:rPr lang="de-DE" sz="500" dirty="0"/>
               <a:t>https://i0.wp.com/stadt-bremerhaven.de/wp-content/uploads/2018/02/amazon-alexa.jpg</a:t>
             </a:r>
           </a:p>

--- a/verteidigung/verteidigung.pptx
+++ b/verteidigung/verteidigung.pptx
@@ -5,51 +5,57 @@
     <p:sldMasterId id="2147483891" r:id="rId1"/>
   </p:sldMasterIdLst>
   <p:notesMasterIdLst>
-    <p:notesMasterId r:id="rId24"/>
+    <p:notesMasterId r:id="rId30"/>
   </p:notesMasterIdLst>
   <p:handoutMasterIdLst>
-    <p:handoutMasterId r:id="rId25"/>
+    <p:handoutMasterId r:id="rId31"/>
   </p:handoutMasterIdLst>
   <p:sldIdLst>
     <p:sldId id="256" r:id="rId2"/>
     <p:sldId id="264" r:id="rId3"/>
     <p:sldId id="268" r:id="rId4"/>
     <p:sldId id="269" r:id="rId5"/>
-    <p:sldId id="270" r:id="rId6"/>
-    <p:sldId id="278" r:id="rId7"/>
-    <p:sldId id="279" r:id="rId8"/>
-    <p:sldId id="280" r:id="rId9"/>
+    <p:sldId id="278" r:id="rId6"/>
+    <p:sldId id="279" r:id="rId7"/>
+    <p:sldId id="280" r:id="rId8"/>
+    <p:sldId id="272" r:id="rId9"/>
     <p:sldId id="281" r:id="rId10"/>
-    <p:sldId id="282" r:id="rId11"/>
-    <p:sldId id="272" r:id="rId12"/>
-    <p:sldId id="283" r:id="rId13"/>
-    <p:sldId id="287" r:id="rId14"/>
-    <p:sldId id="274" r:id="rId15"/>
-    <p:sldId id="285" r:id="rId16"/>
-    <p:sldId id="292" r:id="rId17"/>
-    <p:sldId id="276" r:id="rId18"/>
-    <p:sldId id="277" r:id="rId19"/>
-    <p:sldId id="290" r:id="rId20"/>
-    <p:sldId id="291" r:id="rId21"/>
-    <p:sldId id="288" r:id="rId22"/>
-    <p:sldId id="289" r:id="rId23"/>
+    <p:sldId id="283" r:id="rId11"/>
+    <p:sldId id="287" r:id="rId12"/>
+    <p:sldId id="274" r:id="rId13"/>
+    <p:sldId id="285" r:id="rId14"/>
+    <p:sldId id="292" r:id="rId15"/>
+    <p:sldId id="276" r:id="rId16"/>
+    <p:sldId id="277" r:id="rId17"/>
+    <p:sldId id="290" r:id="rId18"/>
+    <p:sldId id="270" r:id="rId19"/>
+    <p:sldId id="291" r:id="rId20"/>
+    <p:sldId id="293" r:id="rId21"/>
+    <p:sldId id="294" r:id="rId22"/>
+    <p:sldId id="296" r:id="rId23"/>
+    <p:sldId id="288" r:id="rId24"/>
+    <p:sldId id="295" r:id="rId25"/>
+    <p:sldId id="289" r:id="rId26"/>
+    <p:sldId id="299" r:id="rId27"/>
+    <p:sldId id="297" r:id="rId28"/>
+    <p:sldId id="298" r:id="rId29"/>
   </p:sldIdLst>
   <p:sldSz cx="12192000" cy="6858000"/>
   <p:notesSz cx="6858000" cy="9144000"/>
   <p:embeddedFontLst>
     <p:embeddedFont>
       <p:font typeface="Calibri" panose="020F0502020204030204" pitchFamily="34" charset="0"/>
-      <p:regular r:id="rId26"/>
-      <p:bold r:id="rId27"/>
-      <p:italic r:id="rId28"/>
-      <p:boldItalic r:id="rId29"/>
+      <p:regular r:id="rId32"/>
+      <p:bold r:id="rId33"/>
+      <p:italic r:id="rId34"/>
+      <p:boldItalic r:id="rId35"/>
     </p:embeddedFont>
     <p:embeddedFont>
       <p:font typeface="Open Sans" panose="020B0604020202020204" charset="0"/>
-      <p:regular r:id="rId30"/>
-      <p:bold r:id="rId31"/>
-      <p:italic r:id="rId32"/>
-      <p:boldItalic r:id="rId33"/>
+      <p:regular r:id="rId36"/>
+      <p:bold r:id="rId37"/>
+      <p:italic r:id="rId38"/>
+      <p:boldItalic r:id="rId39"/>
     </p:embeddedFont>
   </p:embeddedFontLst>
   <p:defaultTextStyle>
@@ -156,13 +162,11 @@
             <p14:sldId id="264"/>
             <p14:sldId id="268"/>
             <p14:sldId id="269"/>
-            <p14:sldId id="270"/>
             <p14:sldId id="278"/>
             <p14:sldId id="279"/>
             <p14:sldId id="280"/>
+            <p14:sldId id="272"/>
             <p14:sldId id="281"/>
-            <p14:sldId id="282"/>
-            <p14:sldId id="272"/>
             <p14:sldId id="283"/>
             <p14:sldId id="287"/>
             <p14:sldId id="274"/>
@@ -171,9 +175,17 @@
             <p14:sldId id="276"/>
             <p14:sldId id="277"/>
             <p14:sldId id="290"/>
+            <p14:sldId id="270"/>
             <p14:sldId id="291"/>
+            <p14:sldId id="293"/>
+            <p14:sldId id="294"/>
+            <p14:sldId id="296"/>
             <p14:sldId id="288"/>
+            <p14:sldId id="295"/>
             <p14:sldId id="289"/>
+            <p14:sldId id="299"/>
+            <p14:sldId id="297"/>
+            <p14:sldId id="298"/>
           </p14:sldIdLst>
         </p14:section>
       </p14:sectionLst>
@@ -204,768 +216,7 @@
 </p:cmAuthorLst>
 </file>
 
-<file path=ppt/comments/comment1.xml><?xml version="1.0" encoding="utf-8"?>
-<p:cmLst xmlns:a="http://schemas.openxmlformats.org/drawingml/2006/main" xmlns:r="http://schemas.openxmlformats.org/officeDocument/2006/relationships" xmlns:p="http://schemas.openxmlformats.org/presentationml/2006/main">
-  <p:cm authorId="2" dt="2019-11-21T15:30:18.313" idx="5">
-    <p:pos x="10" y="10"/>
-    <p:text>hier die Zusatzinformationen vorbereiten, die eventuell für Beantwortung benötigt werden</p:text>
-    <p:extLst>
-      <p:ext uri="{C676402C-5697-4E1C-873F-D02D1690AC5C}">
-        <p15:threadingInfo xmlns:p15="http://schemas.microsoft.com/office/powerpoint/2012/main" timeZoneBias="-60"/>
-      </p:ext>
-    </p:extLst>
-  </p:cm>
-</p:cmLst>
-</file>
-
 <file path=ppt/diagrams/colors1.xml><?xml version="1.0" encoding="utf-8"?>
-<dgm:colorsDef xmlns:dgm="http://schemas.openxmlformats.org/drawingml/2006/diagram" xmlns:a="http://schemas.openxmlformats.org/drawingml/2006/main" uniqueId="urn:microsoft.com/office/officeart/2005/8/colors/accent1_2">
-  <dgm:title val=""/>
-  <dgm:desc val=""/>
-  <dgm:catLst>
-    <dgm:cat type="accent1" pri="11200"/>
-  </dgm:catLst>
-  <dgm:styleLbl name="node0">
-    <dgm:fillClrLst meth="repeat">
-      <a:schemeClr val="accent1"/>
-    </dgm:fillClrLst>
-    <dgm:linClrLst meth="repeat">
-      <a:schemeClr val="lt1"/>
-    </dgm:linClrLst>
-    <dgm:effectClrLst/>
-    <dgm:txLinClrLst/>
-    <dgm:txFillClrLst/>
-    <dgm:txEffectClrLst/>
-  </dgm:styleLbl>
-  <dgm:styleLbl name="alignNode1">
-    <dgm:fillClrLst meth="repeat">
-      <a:schemeClr val="accent1"/>
-    </dgm:fillClrLst>
-    <dgm:linClrLst meth="repeat">
-      <a:schemeClr val="accent1"/>
-    </dgm:linClrLst>
-    <dgm:effectClrLst/>
-    <dgm:txLinClrLst/>
-    <dgm:txFillClrLst/>
-    <dgm:txEffectClrLst/>
-  </dgm:styleLbl>
-  <dgm:styleLbl name="node1">
-    <dgm:fillClrLst meth="repeat">
-      <a:schemeClr val="accent1"/>
-    </dgm:fillClrLst>
-    <dgm:linClrLst meth="repeat">
-      <a:schemeClr val="lt1"/>
-    </dgm:linClrLst>
-    <dgm:effectClrLst/>
-    <dgm:txLinClrLst/>
-    <dgm:txFillClrLst/>
-    <dgm:txEffectClrLst/>
-  </dgm:styleLbl>
-  <dgm:styleLbl name="lnNode1">
-    <dgm:fillClrLst meth="repeat">
-      <a:schemeClr val="accent1"/>
-    </dgm:fillClrLst>
-    <dgm:linClrLst meth="repeat">
-      <a:schemeClr val="lt1"/>
-    </dgm:linClrLst>
-    <dgm:effectClrLst/>
-    <dgm:txLinClrLst/>
-    <dgm:txFillClrLst/>
-    <dgm:txEffectClrLst/>
-  </dgm:styleLbl>
-  <dgm:styleLbl name="vennNode1">
-    <dgm:fillClrLst meth="repeat">
-      <a:schemeClr val="accent1">
-        <a:alpha val="50000"/>
-      </a:schemeClr>
-    </dgm:fillClrLst>
-    <dgm:linClrLst meth="repeat">
-      <a:schemeClr val="lt1"/>
-    </dgm:linClrLst>
-    <dgm:effectClrLst/>
-    <dgm:txLinClrLst/>
-    <dgm:txFillClrLst/>
-    <dgm:txEffectClrLst/>
-  </dgm:styleLbl>
-  <dgm:styleLbl name="node2">
-    <dgm:fillClrLst meth="repeat">
-      <a:schemeClr val="accent1"/>
-    </dgm:fillClrLst>
-    <dgm:linClrLst meth="repeat">
-      <a:schemeClr val="lt1"/>
-    </dgm:linClrLst>
-    <dgm:effectClrLst/>
-    <dgm:txLinClrLst/>
-    <dgm:txFillClrLst/>
-    <dgm:txEffectClrLst/>
-  </dgm:styleLbl>
-  <dgm:styleLbl name="node3">
-    <dgm:fillClrLst meth="repeat">
-      <a:schemeClr val="accent1"/>
-    </dgm:fillClrLst>
-    <dgm:linClrLst meth="repeat">
-      <a:schemeClr val="lt1"/>
-    </dgm:linClrLst>
-    <dgm:effectClrLst/>
-    <dgm:txLinClrLst/>
-    <dgm:txFillClrLst/>
-    <dgm:txEffectClrLst/>
-  </dgm:styleLbl>
-  <dgm:styleLbl name="node4">
-    <dgm:fillClrLst meth="repeat">
-      <a:schemeClr val="accent1"/>
-    </dgm:fillClrLst>
-    <dgm:linClrLst meth="repeat">
-      <a:schemeClr val="lt1"/>
-    </dgm:linClrLst>
-    <dgm:effectClrLst/>
-    <dgm:txLinClrLst/>
-    <dgm:txFillClrLst/>
-    <dgm:txEffectClrLst/>
-  </dgm:styleLbl>
-  <dgm:styleLbl name="fgImgPlace1">
-    <dgm:fillClrLst meth="repeat">
-      <a:schemeClr val="accent1">
-        <a:tint val="50000"/>
-      </a:schemeClr>
-    </dgm:fillClrLst>
-    <dgm:linClrLst meth="repeat">
-      <a:schemeClr val="lt1"/>
-    </dgm:linClrLst>
-    <dgm:effectClrLst/>
-    <dgm:txLinClrLst/>
-    <dgm:txFillClrLst meth="repeat">
-      <a:schemeClr val="lt1"/>
-    </dgm:txFillClrLst>
-    <dgm:txEffectClrLst/>
-  </dgm:styleLbl>
-  <dgm:styleLbl name="alignImgPlace1">
-    <dgm:fillClrLst meth="repeat">
-      <a:schemeClr val="accent1">
-        <a:tint val="50000"/>
-      </a:schemeClr>
-    </dgm:fillClrLst>
-    <dgm:linClrLst meth="repeat">
-      <a:schemeClr val="lt1"/>
-    </dgm:linClrLst>
-    <dgm:effectClrLst/>
-    <dgm:txLinClrLst/>
-    <dgm:txFillClrLst meth="repeat">
-      <a:schemeClr val="lt1"/>
-    </dgm:txFillClrLst>
-    <dgm:txEffectClrLst/>
-  </dgm:styleLbl>
-  <dgm:styleLbl name="bgImgPlace1">
-    <dgm:fillClrLst meth="repeat">
-      <a:schemeClr val="accent1">
-        <a:tint val="50000"/>
-      </a:schemeClr>
-    </dgm:fillClrLst>
-    <dgm:linClrLst meth="repeat">
-      <a:schemeClr val="lt1"/>
-    </dgm:linClrLst>
-    <dgm:effectClrLst/>
-    <dgm:txLinClrLst/>
-    <dgm:txFillClrLst meth="repeat">
-      <a:schemeClr val="lt1"/>
-    </dgm:txFillClrLst>
-    <dgm:txEffectClrLst/>
-  </dgm:styleLbl>
-  <dgm:styleLbl name="sibTrans2D1">
-    <dgm:fillClrLst meth="repeat">
-      <a:schemeClr val="accent1">
-        <a:tint val="60000"/>
-      </a:schemeClr>
-    </dgm:fillClrLst>
-    <dgm:linClrLst meth="repeat">
-      <a:schemeClr val="accent1">
-        <a:tint val="60000"/>
-      </a:schemeClr>
-    </dgm:linClrLst>
-    <dgm:effectClrLst/>
-    <dgm:txLinClrLst/>
-    <dgm:txFillClrLst/>
-    <dgm:txEffectClrLst/>
-  </dgm:styleLbl>
-  <dgm:styleLbl name="fgSibTrans2D1">
-    <dgm:fillClrLst meth="repeat">
-      <a:schemeClr val="accent1">
-        <a:tint val="60000"/>
-      </a:schemeClr>
-    </dgm:fillClrLst>
-    <dgm:linClrLst meth="repeat">
-      <a:schemeClr val="accent1">
-        <a:tint val="60000"/>
-      </a:schemeClr>
-    </dgm:linClrLst>
-    <dgm:effectClrLst/>
-    <dgm:txLinClrLst/>
-    <dgm:txFillClrLst/>
-    <dgm:txEffectClrLst/>
-  </dgm:styleLbl>
-  <dgm:styleLbl name="bgSibTrans2D1">
-    <dgm:fillClrLst meth="repeat">
-      <a:schemeClr val="accent1">
-        <a:tint val="60000"/>
-      </a:schemeClr>
-    </dgm:fillClrLst>
-    <dgm:linClrLst meth="repeat">
-      <a:schemeClr val="accent1">
-        <a:tint val="60000"/>
-      </a:schemeClr>
-    </dgm:linClrLst>
-    <dgm:effectClrLst/>
-    <dgm:txLinClrLst/>
-    <dgm:txFillClrLst/>
-    <dgm:txEffectClrLst/>
-  </dgm:styleLbl>
-  <dgm:styleLbl name="sibTrans1D1">
-    <dgm:fillClrLst meth="repeat">
-      <a:schemeClr val="accent1"/>
-    </dgm:fillClrLst>
-    <dgm:linClrLst meth="repeat">
-      <a:schemeClr val="accent1"/>
-    </dgm:linClrLst>
-    <dgm:effectClrLst/>
-    <dgm:txLinClrLst/>
-    <dgm:txFillClrLst meth="repeat">
-      <a:schemeClr val="tx1"/>
-    </dgm:txFillClrLst>
-    <dgm:txEffectClrLst/>
-  </dgm:styleLbl>
-  <dgm:styleLbl name="callout">
-    <dgm:fillClrLst meth="repeat">
-      <a:schemeClr val="accent1"/>
-    </dgm:fillClrLst>
-    <dgm:linClrLst meth="repeat">
-      <a:schemeClr val="accent1">
-        <a:tint val="50000"/>
-      </a:schemeClr>
-    </dgm:linClrLst>
-    <dgm:effectClrLst/>
-    <dgm:txLinClrLst/>
-    <dgm:txFillClrLst meth="repeat">
-      <a:schemeClr val="tx1"/>
-    </dgm:txFillClrLst>
-    <dgm:txEffectClrLst/>
-  </dgm:styleLbl>
-  <dgm:styleLbl name="asst0">
-    <dgm:fillClrLst meth="repeat">
-      <a:schemeClr val="accent1"/>
-    </dgm:fillClrLst>
-    <dgm:linClrLst meth="repeat">
-      <a:schemeClr val="lt1"/>
-    </dgm:linClrLst>
-    <dgm:effectClrLst/>
-    <dgm:txLinClrLst/>
-    <dgm:txFillClrLst/>
-    <dgm:txEffectClrLst/>
-  </dgm:styleLbl>
-  <dgm:styleLbl name="asst1">
-    <dgm:fillClrLst meth="repeat">
-      <a:schemeClr val="accent1"/>
-    </dgm:fillClrLst>
-    <dgm:linClrLst meth="repeat">
-      <a:schemeClr val="lt1"/>
-    </dgm:linClrLst>
-    <dgm:effectClrLst/>
-    <dgm:txLinClrLst/>
-    <dgm:txFillClrLst/>
-    <dgm:txEffectClrLst/>
-  </dgm:styleLbl>
-  <dgm:styleLbl name="asst2">
-    <dgm:fillClrLst meth="repeat">
-      <a:schemeClr val="accent1"/>
-    </dgm:fillClrLst>
-    <dgm:linClrLst meth="repeat">
-      <a:schemeClr val="lt1"/>
-    </dgm:linClrLst>
-    <dgm:effectClrLst/>
-    <dgm:txLinClrLst/>
-    <dgm:txFillClrLst/>
-    <dgm:txEffectClrLst/>
-  </dgm:styleLbl>
-  <dgm:styleLbl name="asst3">
-    <dgm:fillClrLst meth="repeat">
-      <a:schemeClr val="accent1"/>
-    </dgm:fillClrLst>
-    <dgm:linClrLst meth="repeat">
-      <a:schemeClr val="lt1"/>
-    </dgm:linClrLst>
-    <dgm:effectClrLst/>
-    <dgm:txLinClrLst/>
-    <dgm:txFillClrLst/>
-    <dgm:txEffectClrLst/>
-  </dgm:styleLbl>
-  <dgm:styleLbl name="asst4">
-    <dgm:fillClrLst meth="repeat">
-      <a:schemeClr val="accent1"/>
-    </dgm:fillClrLst>
-    <dgm:linClrLst meth="repeat">
-      <a:schemeClr val="lt1"/>
-    </dgm:linClrLst>
-    <dgm:effectClrLst/>
-    <dgm:txLinClrLst/>
-    <dgm:txFillClrLst/>
-    <dgm:txEffectClrLst/>
-  </dgm:styleLbl>
-  <dgm:styleLbl name="parChTrans2D1">
-    <dgm:fillClrLst meth="repeat">
-      <a:schemeClr val="accent1">
-        <a:tint val="60000"/>
-      </a:schemeClr>
-    </dgm:fillClrLst>
-    <dgm:linClrLst meth="repeat">
-      <a:schemeClr val="accent1">
-        <a:tint val="60000"/>
-      </a:schemeClr>
-    </dgm:linClrLst>
-    <dgm:effectClrLst/>
-    <dgm:txLinClrLst/>
-    <dgm:txFillClrLst meth="repeat">
-      <a:schemeClr val="lt1"/>
-    </dgm:txFillClrLst>
-    <dgm:txEffectClrLst/>
-  </dgm:styleLbl>
-  <dgm:styleLbl name="parChTrans2D2">
-    <dgm:fillClrLst meth="repeat">
-      <a:schemeClr val="accent1"/>
-    </dgm:fillClrLst>
-    <dgm:linClrLst meth="repeat">
-      <a:schemeClr val="accent1"/>
-    </dgm:linClrLst>
-    <dgm:effectClrLst/>
-    <dgm:txLinClrLst/>
-    <dgm:txFillClrLst meth="repeat">
-      <a:schemeClr val="lt1"/>
-    </dgm:txFillClrLst>
-    <dgm:txEffectClrLst/>
-  </dgm:styleLbl>
-  <dgm:styleLbl name="parChTrans2D3">
-    <dgm:fillClrLst meth="repeat">
-      <a:schemeClr val="accent1"/>
-    </dgm:fillClrLst>
-    <dgm:linClrLst meth="repeat">
-      <a:schemeClr val="accent1"/>
-    </dgm:linClrLst>
-    <dgm:effectClrLst/>
-    <dgm:txLinClrLst/>
-    <dgm:txFillClrLst meth="repeat">
-      <a:schemeClr val="lt1"/>
-    </dgm:txFillClrLst>
-    <dgm:txEffectClrLst/>
-  </dgm:styleLbl>
-  <dgm:styleLbl name="parChTrans2D4">
-    <dgm:fillClrLst meth="repeat">
-      <a:schemeClr val="accent1"/>
-    </dgm:fillClrLst>
-    <dgm:linClrLst meth="repeat">
-      <a:schemeClr val="accent1"/>
-    </dgm:linClrLst>
-    <dgm:effectClrLst/>
-    <dgm:txLinClrLst/>
-    <dgm:txFillClrLst meth="repeat">
-      <a:schemeClr val="lt1"/>
-    </dgm:txFillClrLst>
-    <dgm:txEffectClrLst/>
-  </dgm:styleLbl>
-  <dgm:styleLbl name="parChTrans1D1">
-    <dgm:fillClrLst meth="repeat">
-      <a:schemeClr val="accent1"/>
-    </dgm:fillClrLst>
-    <dgm:linClrLst meth="repeat">
-      <a:schemeClr val="accent1">
-        <a:shade val="60000"/>
-      </a:schemeClr>
-    </dgm:linClrLst>
-    <dgm:effectClrLst/>
-    <dgm:txLinClrLst/>
-    <dgm:txFillClrLst meth="repeat">
-      <a:schemeClr val="tx1"/>
-    </dgm:txFillClrLst>
-    <dgm:txEffectClrLst/>
-  </dgm:styleLbl>
-  <dgm:styleLbl name="parChTrans1D2">
-    <dgm:fillClrLst meth="repeat">
-      <a:schemeClr val="accent1"/>
-    </dgm:fillClrLst>
-    <dgm:linClrLst meth="repeat">
-      <a:schemeClr val="accent1">
-        <a:shade val="60000"/>
-      </a:schemeClr>
-    </dgm:linClrLst>
-    <dgm:effectClrLst/>
-    <dgm:txLinClrLst/>
-    <dgm:txFillClrLst meth="repeat">
-      <a:schemeClr val="tx1"/>
-    </dgm:txFillClrLst>
-    <dgm:txEffectClrLst/>
-  </dgm:styleLbl>
-  <dgm:styleLbl name="parChTrans1D3">
-    <dgm:fillClrLst meth="repeat">
-      <a:schemeClr val="accent1"/>
-    </dgm:fillClrLst>
-    <dgm:linClrLst meth="repeat">
-      <a:schemeClr val="accent1">
-        <a:shade val="80000"/>
-      </a:schemeClr>
-    </dgm:linClrLst>
-    <dgm:effectClrLst/>
-    <dgm:txLinClrLst/>
-    <dgm:txFillClrLst meth="repeat">
-      <a:schemeClr val="tx1"/>
-    </dgm:txFillClrLst>
-    <dgm:txEffectClrLst/>
-  </dgm:styleLbl>
-  <dgm:styleLbl name="parChTrans1D4">
-    <dgm:fillClrLst meth="repeat">
-      <a:schemeClr val="accent1"/>
-    </dgm:fillClrLst>
-    <dgm:linClrLst meth="repeat">
-      <a:schemeClr val="accent1">
-        <a:shade val="80000"/>
-      </a:schemeClr>
-    </dgm:linClrLst>
-    <dgm:effectClrLst/>
-    <dgm:txLinClrLst/>
-    <dgm:txFillClrLst meth="repeat">
-      <a:schemeClr val="tx1"/>
-    </dgm:txFillClrLst>
-    <dgm:txEffectClrLst/>
-  </dgm:styleLbl>
-  <dgm:styleLbl name="fgAcc1">
-    <dgm:fillClrLst meth="repeat">
-      <a:schemeClr val="lt1">
-        <a:alpha val="90000"/>
-      </a:schemeClr>
-    </dgm:fillClrLst>
-    <dgm:linClrLst meth="repeat">
-      <a:schemeClr val="accent1"/>
-    </dgm:linClrLst>
-    <dgm:effectClrLst/>
-    <dgm:txLinClrLst/>
-    <dgm:txFillClrLst meth="repeat">
-      <a:schemeClr val="dk1"/>
-    </dgm:txFillClrLst>
-    <dgm:txEffectClrLst/>
-  </dgm:styleLbl>
-  <dgm:styleLbl name="conFgAcc1">
-    <dgm:fillClrLst meth="repeat">
-      <a:schemeClr val="lt1">
-        <a:alpha val="90000"/>
-      </a:schemeClr>
-    </dgm:fillClrLst>
-    <dgm:linClrLst meth="repeat">
-      <a:schemeClr val="accent1"/>
-    </dgm:linClrLst>
-    <dgm:effectClrLst/>
-    <dgm:txLinClrLst/>
-    <dgm:txFillClrLst meth="repeat">
-      <a:schemeClr val="dk1"/>
-    </dgm:txFillClrLst>
-    <dgm:txEffectClrLst/>
-  </dgm:styleLbl>
-  <dgm:styleLbl name="alignAcc1">
-    <dgm:fillClrLst meth="repeat">
-      <a:schemeClr val="lt1">
-        <a:alpha val="90000"/>
-      </a:schemeClr>
-    </dgm:fillClrLst>
-    <dgm:linClrLst meth="repeat">
-      <a:schemeClr val="accent1"/>
-    </dgm:linClrLst>
-    <dgm:effectClrLst/>
-    <dgm:txLinClrLst/>
-    <dgm:txFillClrLst meth="repeat">
-      <a:schemeClr val="dk1"/>
-    </dgm:txFillClrLst>
-    <dgm:txEffectClrLst/>
-  </dgm:styleLbl>
-  <dgm:styleLbl name="trAlignAcc1">
-    <dgm:fillClrLst meth="repeat">
-      <a:schemeClr val="lt1">
-        <a:alpha val="40000"/>
-      </a:schemeClr>
-    </dgm:fillClrLst>
-    <dgm:linClrLst meth="repeat">
-      <a:schemeClr val="accent1"/>
-    </dgm:linClrLst>
-    <dgm:effectClrLst/>
-    <dgm:txLinClrLst/>
-    <dgm:txFillClrLst meth="repeat">
-      <a:schemeClr val="dk1"/>
-    </dgm:txFillClrLst>
-    <dgm:txEffectClrLst/>
-  </dgm:styleLbl>
-  <dgm:styleLbl name="bgAcc1">
-    <dgm:fillClrLst meth="repeat">
-      <a:schemeClr val="lt1">
-        <a:alpha val="90000"/>
-      </a:schemeClr>
-    </dgm:fillClrLst>
-    <dgm:linClrLst meth="repeat">
-      <a:schemeClr val="accent1"/>
-    </dgm:linClrLst>
-    <dgm:effectClrLst/>
-    <dgm:txLinClrLst/>
-    <dgm:txFillClrLst meth="repeat">
-      <a:schemeClr val="dk1"/>
-    </dgm:txFillClrLst>
-    <dgm:txEffectClrLst/>
-  </dgm:styleLbl>
-  <dgm:styleLbl name="solidFgAcc1">
-    <dgm:fillClrLst meth="repeat">
-      <a:schemeClr val="lt1"/>
-    </dgm:fillClrLst>
-    <dgm:linClrLst meth="repeat">
-      <a:schemeClr val="accent1"/>
-    </dgm:linClrLst>
-    <dgm:effectClrLst/>
-    <dgm:txLinClrLst/>
-    <dgm:txFillClrLst meth="repeat">
-      <a:schemeClr val="dk1"/>
-    </dgm:txFillClrLst>
-    <dgm:txEffectClrLst/>
-  </dgm:styleLbl>
-  <dgm:styleLbl name="solidAlignAcc1">
-    <dgm:fillClrLst meth="repeat">
-      <a:schemeClr val="lt1"/>
-    </dgm:fillClrLst>
-    <dgm:linClrLst meth="repeat">
-      <a:schemeClr val="accent1"/>
-    </dgm:linClrLst>
-    <dgm:effectClrLst/>
-    <dgm:txLinClrLst/>
-    <dgm:txFillClrLst meth="repeat">
-      <a:schemeClr val="dk1"/>
-    </dgm:txFillClrLst>
-    <dgm:txEffectClrLst/>
-  </dgm:styleLbl>
-  <dgm:styleLbl name="solidBgAcc1">
-    <dgm:fillClrLst meth="repeat">
-      <a:schemeClr val="lt1"/>
-    </dgm:fillClrLst>
-    <dgm:linClrLst meth="repeat">
-      <a:schemeClr val="accent1"/>
-    </dgm:linClrLst>
-    <dgm:effectClrLst/>
-    <dgm:txLinClrLst/>
-    <dgm:txFillClrLst meth="repeat">
-      <a:schemeClr val="dk1"/>
-    </dgm:txFillClrLst>
-    <dgm:txEffectClrLst/>
-  </dgm:styleLbl>
-  <dgm:styleLbl name="fgAccFollowNode1">
-    <dgm:fillClrLst meth="repeat">
-      <a:schemeClr val="accent1">
-        <a:alpha val="90000"/>
-        <a:tint val="40000"/>
-      </a:schemeClr>
-    </dgm:fillClrLst>
-    <dgm:linClrLst meth="repeat">
-      <a:schemeClr val="accent1">
-        <a:alpha val="90000"/>
-        <a:tint val="40000"/>
-      </a:schemeClr>
-    </dgm:linClrLst>
-    <dgm:effectClrLst/>
-    <dgm:txLinClrLst/>
-    <dgm:txFillClrLst meth="repeat">
-      <a:schemeClr val="dk1"/>
-    </dgm:txFillClrLst>
-    <dgm:txEffectClrLst/>
-  </dgm:styleLbl>
-  <dgm:styleLbl name="alignAccFollowNode1">
-    <dgm:fillClrLst meth="repeat">
-      <a:schemeClr val="accent1">
-        <a:alpha val="90000"/>
-        <a:tint val="40000"/>
-      </a:schemeClr>
-    </dgm:fillClrLst>
-    <dgm:linClrLst meth="repeat">
-      <a:schemeClr val="accent1">
-        <a:alpha val="90000"/>
-        <a:tint val="40000"/>
-      </a:schemeClr>
-    </dgm:linClrLst>
-    <dgm:effectClrLst/>
-    <dgm:txLinClrLst/>
-    <dgm:txFillClrLst meth="repeat">
-      <a:schemeClr val="dk1"/>
-    </dgm:txFillClrLst>
-    <dgm:txEffectClrLst/>
-  </dgm:styleLbl>
-  <dgm:styleLbl name="bgAccFollowNode1">
-    <dgm:fillClrLst meth="repeat">
-      <a:schemeClr val="accent1">
-        <a:alpha val="90000"/>
-        <a:tint val="40000"/>
-      </a:schemeClr>
-    </dgm:fillClrLst>
-    <dgm:linClrLst meth="repeat">
-      <a:schemeClr val="accent1">
-        <a:alpha val="90000"/>
-        <a:tint val="40000"/>
-      </a:schemeClr>
-    </dgm:linClrLst>
-    <dgm:effectClrLst/>
-    <dgm:txLinClrLst/>
-    <dgm:txFillClrLst meth="repeat">
-      <a:schemeClr val="dk1"/>
-    </dgm:txFillClrLst>
-    <dgm:txEffectClrLst/>
-  </dgm:styleLbl>
-  <dgm:styleLbl name="fgAcc0">
-    <dgm:fillClrLst meth="repeat">
-      <a:schemeClr val="lt1">
-        <a:alpha val="90000"/>
-      </a:schemeClr>
-    </dgm:fillClrLst>
-    <dgm:linClrLst meth="repeat">
-      <a:schemeClr val="accent1"/>
-    </dgm:linClrLst>
-    <dgm:effectClrLst/>
-    <dgm:txLinClrLst/>
-    <dgm:txFillClrLst meth="repeat">
-      <a:schemeClr val="dk1"/>
-    </dgm:txFillClrLst>
-    <dgm:txEffectClrLst/>
-  </dgm:styleLbl>
-  <dgm:styleLbl name="fgAcc2">
-    <dgm:fillClrLst meth="repeat">
-      <a:schemeClr val="lt1">
-        <a:alpha val="90000"/>
-      </a:schemeClr>
-    </dgm:fillClrLst>
-    <dgm:linClrLst meth="repeat">
-      <a:schemeClr val="accent1"/>
-    </dgm:linClrLst>
-    <dgm:effectClrLst/>
-    <dgm:txLinClrLst/>
-    <dgm:txFillClrLst meth="repeat">
-      <a:schemeClr val="dk1"/>
-    </dgm:txFillClrLst>
-    <dgm:txEffectClrLst/>
-  </dgm:styleLbl>
-  <dgm:styleLbl name="fgAcc3">
-    <dgm:fillClrLst meth="repeat">
-      <a:schemeClr val="lt1">
-        <a:alpha val="90000"/>
-      </a:schemeClr>
-    </dgm:fillClrLst>
-    <dgm:linClrLst meth="repeat">
-      <a:schemeClr val="accent1"/>
-    </dgm:linClrLst>
-    <dgm:effectClrLst/>
-    <dgm:txLinClrLst/>
-    <dgm:txFillClrLst meth="repeat">
-      <a:schemeClr val="dk1"/>
-    </dgm:txFillClrLst>
-    <dgm:txEffectClrLst/>
-  </dgm:styleLbl>
-  <dgm:styleLbl name="fgAcc4">
-    <dgm:fillClrLst meth="repeat">
-      <a:schemeClr val="lt1">
-        <a:alpha val="90000"/>
-      </a:schemeClr>
-    </dgm:fillClrLst>
-    <dgm:linClrLst meth="repeat">
-      <a:schemeClr val="accent1"/>
-    </dgm:linClrLst>
-    <dgm:effectClrLst/>
-    <dgm:txLinClrLst/>
-    <dgm:txFillClrLst meth="repeat">
-      <a:schemeClr val="dk1"/>
-    </dgm:txFillClrLst>
-    <dgm:txEffectClrLst/>
-  </dgm:styleLbl>
-  <dgm:styleLbl name="bgShp">
-    <dgm:fillClrLst meth="repeat">
-      <a:schemeClr val="accent1">
-        <a:tint val="40000"/>
-      </a:schemeClr>
-    </dgm:fillClrLst>
-    <dgm:linClrLst meth="repeat">
-      <a:schemeClr val="accent1"/>
-    </dgm:linClrLst>
-    <dgm:effectClrLst/>
-    <dgm:txLinClrLst/>
-    <dgm:txFillClrLst meth="repeat">
-      <a:schemeClr val="dk1"/>
-    </dgm:txFillClrLst>
-    <dgm:txEffectClrLst/>
-  </dgm:styleLbl>
-  <dgm:styleLbl name="dkBgShp">
-    <dgm:fillClrLst meth="repeat">
-      <a:schemeClr val="accent1">
-        <a:shade val="80000"/>
-      </a:schemeClr>
-    </dgm:fillClrLst>
-    <dgm:linClrLst meth="repeat">
-      <a:schemeClr val="accent1"/>
-    </dgm:linClrLst>
-    <dgm:effectClrLst/>
-    <dgm:txLinClrLst/>
-    <dgm:txFillClrLst meth="repeat">
-      <a:schemeClr val="lt1"/>
-    </dgm:txFillClrLst>
-    <dgm:txEffectClrLst/>
-  </dgm:styleLbl>
-  <dgm:styleLbl name="trBgShp">
-    <dgm:fillClrLst meth="repeat">
-      <a:schemeClr val="accent1">
-        <a:tint val="50000"/>
-        <a:alpha val="40000"/>
-      </a:schemeClr>
-    </dgm:fillClrLst>
-    <dgm:linClrLst meth="repeat">
-      <a:schemeClr val="accent1"/>
-    </dgm:linClrLst>
-    <dgm:effectClrLst/>
-    <dgm:txLinClrLst/>
-    <dgm:txFillClrLst meth="repeat">
-      <a:schemeClr val="lt1"/>
-    </dgm:txFillClrLst>
-    <dgm:txEffectClrLst/>
-  </dgm:styleLbl>
-  <dgm:styleLbl name="fgShp">
-    <dgm:fillClrLst meth="repeat">
-      <a:schemeClr val="accent1">
-        <a:tint val="60000"/>
-      </a:schemeClr>
-    </dgm:fillClrLst>
-    <dgm:linClrLst meth="repeat">
-      <a:schemeClr val="lt1"/>
-    </dgm:linClrLst>
-    <dgm:effectClrLst/>
-    <dgm:txLinClrLst/>
-    <dgm:txFillClrLst meth="repeat">
-      <a:schemeClr val="dk1"/>
-    </dgm:txFillClrLst>
-    <dgm:txEffectClrLst/>
-  </dgm:styleLbl>
-  <dgm:styleLbl name="revTx">
-    <dgm:fillClrLst meth="repeat">
-      <a:schemeClr val="lt1">
-        <a:alpha val="0"/>
-      </a:schemeClr>
-    </dgm:fillClrLst>
-    <dgm:linClrLst meth="repeat">
-      <a:schemeClr val="dk1">
-        <a:alpha val="0"/>
-      </a:schemeClr>
-    </dgm:linClrLst>
-    <dgm:effectClrLst/>
-    <dgm:txLinClrLst/>
-    <dgm:txFillClrLst meth="repeat">
-      <a:schemeClr val="tx1"/>
-    </dgm:txFillClrLst>
-    <dgm:txEffectClrLst/>
-  </dgm:styleLbl>
-</dgm:colorsDef>
-</file>
-
-<file path=ppt/diagrams/colors10.xml><?xml version="1.0" encoding="utf-8"?>
 <dgm:colorsDef xmlns:dgm="http://schemas.openxmlformats.org/drawingml/2006/diagram" xmlns:a="http://schemas.openxmlformats.org/drawingml/2006/main" uniqueId="urn:microsoft.com/office/officeart/2005/8/colors/accent1_2">
   <dgm:title val=""/>
   <dgm:desc val=""/>
@@ -8032,519 +7283,7 @@
 </dgm:dataModel>
 </file>
 
-<file path=ppt/diagrams/data10.xml><?xml version="1.0" encoding="utf-8"?>
-<dgm:dataModel xmlns:dgm="http://schemas.openxmlformats.org/drawingml/2006/diagram" xmlns:a="http://schemas.openxmlformats.org/drawingml/2006/main">
-  <dgm:ptLst>
-    <dgm:pt modelId="{C45EB5E7-D213-4A58-885E-E9D7FFF44067}" type="doc">
-      <dgm:prSet loTypeId="urn:microsoft.com/office/officeart/2005/8/layout/default" loCatId="list" qsTypeId="urn:microsoft.com/office/officeart/2005/8/quickstyle/simple1" qsCatId="simple" csTypeId="urn:microsoft.com/office/officeart/2005/8/colors/accent1_2" csCatId="accent1" phldr="1"/>
-      <dgm:spPr/>
-      <dgm:t>
-        <a:bodyPr/>
-        <a:lstStyle/>
-        <a:p>
-          <a:endParaRPr lang="de-DE"/>
-        </a:p>
-      </dgm:t>
-    </dgm:pt>
-    <dgm:pt modelId="{C0C4B3BF-593E-4E88-A88D-BE48816D4A12}">
-      <dgm:prSet phldrT="[Text]"/>
-      <dgm:spPr/>
-      <dgm:t>
-        <a:bodyPr/>
-        <a:lstStyle/>
-        <a:p>
-          <a:r>
-            <a:rPr lang="de-DE" dirty="0"/>
-            <a:t>Unabhängiger Sprachassistent funktioniert</a:t>
-          </a:r>
-        </a:p>
-      </dgm:t>
-    </dgm:pt>
-    <dgm:pt modelId="{7EF3919E-5DFE-43C7-A2B5-F8436B6800D4}" type="parTrans" cxnId="{9F4279E2-EB4E-4D2F-8C82-61817755B39E}">
-      <dgm:prSet/>
-      <dgm:spPr/>
-      <dgm:t>
-        <a:bodyPr/>
-        <a:lstStyle/>
-        <a:p>
-          <a:endParaRPr lang="de-DE"/>
-        </a:p>
-      </dgm:t>
-    </dgm:pt>
-    <dgm:pt modelId="{A1B5B652-19A5-4911-BCA6-9A37E5CB84B1}" type="sibTrans" cxnId="{9F4279E2-EB4E-4D2F-8C82-61817755B39E}">
-      <dgm:prSet/>
-      <dgm:spPr/>
-      <dgm:t>
-        <a:bodyPr/>
-        <a:lstStyle/>
-        <a:p>
-          <a:endParaRPr lang="de-DE"/>
-        </a:p>
-      </dgm:t>
-    </dgm:pt>
-    <dgm:pt modelId="{A5962597-3910-4312-818E-69A83FC12C2C}">
-      <dgm:prSet phldrT="[Text]"/>
-      <dgm:spPr/>
-      <dgm:t>
-        <a:bodyPr/>
-        <a:lstStyle/>
-        <a:p>
-          <a:r>
-            <a:rPr lang="de-DE" dirty="0"/>
-            <a:t>Wahl der Bestandteile ändern</a:t>
-          </a:r>
-        </a:p>
-      </dgm:t>
-    </dgm:pt>
-    <dgm:pt modelId="{8FA6A066-F331-41EB-9CBB-C4B8186496E6}" type="parTrans" cxnId="{16EE8B6D-18E9-4DBA-919E-B29F608EC4F8}">
-      <dgm:prSet/>
-      <dgm:spPr/>
-      <dgm:t>
-        <a:bodyPr/>
-        <a:lstStyle/>
-        <a:p>
-          <a:endParaRPr lang="de-DE"/>
-        </a:p>
-      </dgm:t>
-    </dgm:pt>
-    <dgm:pt modelId="{126EE10E-7B43-4B0B-9A47-D71BD119703C}" type="sibTrans" cxnId="{16EE8B6D-18E9-4DBA-919E-B29F608EC4F8}">
-      <dgm:prSet/>
-      <dgm:spPr/>
-      <dgm:t>
-        <a:bodyPr/>
-        <a:lstStyle/>
-        <a:p>
-          <a:endParaRPr lang="de-DE"/>
-        </a:p>
-      </dgm:t>
-    </dgm:pt>
-    <dgm:pt modelId="{D474864B-72A1-4555-91B6-42554646844B}">
-      <dgm:prSet phldrT="[Text]"/>
-      <dgm:spPr/>
-      <dgm:t>
-        <a:bodyPr/>
-        <a:lstStyle/>
-        <a:p>
-          <a:r>
-            <a:rPr lang="de-DE" dirty="0"/>
-            <a:t>Feedback verbessern</a:t>
-          </a:r>
-        </a:p>
-      </dgm:t>
-    </dgm:pt>
-    <dgm:pt modelId="{14BE907A-88D4-4D58-90CD-7BC2D04A72CC}" type="parTrans" cxnId="{EF05D11A-A106-47B4-9DFB-33F26C8D0C61}">
-      <dgm:prSet/>
-      <dgm:spPr/>
-      <dgm:t>
-        <a:bodyPr/>
-        <a:lstStyle/>
-        <a:p>
-          <a:endParaRPr lang="de-DE"/>
-        </a:p>
-      </dgm:t>
-    </dgm:pt>
-    <dgm:pt modelId="{76D73D9C-BB0E-404E-B072-E749C19AD146}" type="sibTrans" cxnId="{EF05D11A-A106-47B4-9DFB-33F26C8D0C61}">
-      <dgm:prSet/>
-      <dgm:spPr/>
-      <dgm:t>
-        <a:bodyPr/>
-        <a:lstStyle/>
-        <a:p>
-          <a:endParaRPr lang="de-DE"/>
-        </a:p>
-      </dgm:t>
-    </dgm:pt>
-    <dgm:pt modelId="{0CA13021-613E-44A9-9C50-D0897B70C497}">
-      <dgm:prSet phldrT="[Text]"/>
-      <dgm:spPr/>
-      <dgm:t>
-        <a:bodyPr/>
-        <a:lstStyle/>
-        <a:p>
-          <a:r>
-            <a:rPr lang="de-DE" dirty="0"/>
-            <a:t>Konzept mit </a:t>
-          </a:r>
-          <a:r>
-            <a:rPr lang="de-DE" dirty="0" err="1"/>
-            <a:t>Snips</a:t>
-          </a:r>
-          <a:r>
-            <a:rPr lang="de-DE" dirty="0"/>
-            <a:t> anwenden</a:t>
-          </a:r>
-        </a:p>
-      </dgm:t>
-    </dgm:pt>
-    <dgm:pt modelId="{97F8FD21-E994-4D3E-8A36-BCD141E8BA86}" type="parTrans" cxnId="{8358F4D6-5A91-4D60-9305-C6C4DFB5CE34}">
-      <dgm:prSet/>
-      <dgm:spPr/>
-      <dgm:t>
-        <a:bodyPr/>
-        <a:lstStyle/>
-        <a:p>
-          <a:endParaRPr lang="de-DE"/>
-        </a:p>
-      </dgm:t>
-    </dgm:pt>
-    <dgm:pt modelId="{C88B2814-8AE6-4ACF-92D9-E7D2CCC2B5CD}" type="sibTrans" cxnId="{8358F4D6-5A91-4D60-9305-C6C4DFB5CE34}">
-      <dgm:prSet/>
-      <dgm:spPr/>
-      <dgm:t>
-        <a:bodyPr/>
-        <a:lstStyle/>
-        <a:p>
-          <a:endParaRPr lang="de-DE"/>
-        </a:p>
-      </dgm:t>
-    </dgm:pt>
-    <dgm:pt modelId="{20866C6E-8F5A-4793-94CB-A4A38AE1C0F1}" type="pres">
-      <dgm:prSet presAssocID="{C45EB5E7-D213-4A58-885E-E9D7FFF44067}" presName="diagram" presStyleCnt="0">
-        <dgm:presLayoutVars>
-          <dgm:dir/>
-          <dgm:resizeHandles val="exact"/>
-        </dgm:presLayoutVars>
-      </dgm:prSet>
-      <dgm:spPr/>
-    </dgm:pt>
-    <dgm:pt modelId="{D249125C-4122-4847-AA13-8F292BB7DADD}" type="pres">
-      <dgm:prSet presAssocID="{C0C4B3BF-593E-4E88-A88D-BE48816D4A12}" presName="node" presStyleLbl="node1" presStyleIdx="0" presStyleCnt="4">
-        <dgm:presLayoutVars>
-          <dgm:bulletEnabled val="1"/>
-        </dgm:presLayoutVars>
-      </dgm:prSet>
-      <dgm:spPr/>
-    </dgm:pt>
-    <dgm:pt modelId="{23121584-9D49-4984-93D2-96ED67C7C8C2}" type="pres">
-      <dgm:prSet presAssocID="{A1B5B652-19A5-4911-BCA6-9A37E5CB84B1}" presName="sibTrans" presStyleCnt="0"/>
-      <dgm:spPr/>
-    </dgm:pt>
-    <dgm:pt modelId="{9EE3B83E-88CA-4356-A408-468575A354C1}" type="pres">
-      <dgm:prSet presAssocID="{A5962597-3910-4312-818E-69A83FC12C2C}" presName="node" presStyleLbl="node1" presStyleIdx="1" presStyleCnt="4">
-        <dgm:presLayoutVars>
-          <dgm:bulletEnabled val="1"/>
-        </dgm:presLayoutVars>
-      </dgm:prSet>
-      <dgm:spPr/>
-    </dgm:pt>
-    <dgm:pt modelId="{D3440075-F005-4E71-897F-D2164A1BFCA8}" type="pres">
-      <dgm:prSet presAssocID="{126EE10E-7B43-4B0B-9A47-D71BD119703C}" presName="sibTrans" presStyleCnt="0"/>
-      <dgm:spPr/>
-    </dgm:pt>
-    <dgm:pt modelId="{5700BA56-061B-4910-8A6A-95992139A03E}" type="pres">
-      <dgm:prSet presAssocID="{D474864B-72A1-4555-91B6-42554646844B}" presName="node" presStyleLbl="node1" presStyleIdx="2" presStyleCnt="4">
-        <dgm:presLayoutVars>
-          <dgm:bulletEnabled val="1"/>
-        </dgm:presLayoutVars>
-      </dgm:prSet>
-      <dgm:spPr/>
-    </dgm:pt>
-    <dgm:pt modelId="{8432054E-3DCE-46C3-8BD5-82523364D978}" type="pres">
-      <dgm:prSet presAssocID="{76D73D9C-BB0E-404E-B072-E749C19AD146}" presName="sibTrans" presStyleCnt="0"/>
-      <dgm:spPr/>
-    </dgm:pt>
-    <dgm:pt modelId="{D8B4BAAC-1D63-4D4E-A759-93450FFC3BEF}" type="pres">
-      <dgm:prSet presAssocID="{0CA13021-613E-44A9-9C50-D0897B70C497}" presName="node" presStyleLbl="node1" presStyleIdx="3" presStyleCnt="4">
-        <dgm:presLayoutVars>
-          <dgm:bulletEnabled val="1"/>
-        </dgm:presLayoutVars>
-      </dgm:prSet>
-      <dgm:spPr/>
-    </dgm:pt>
-  </dgm:ptLst>
-  <dgm:cxnLst>
-    <dgm:cxn modelId="{F020C30C-58D6-494B-A4C9-50DE4B792B5B}" type="presOf" srcId="{C0C4B3BF-593E-4E88-A88D-BE48816D4A12}" destId="{D249125C-4122-4847-AA13-8F292BB7DADD}" srcOrd="0" destOrd="0" presId="urn:microsoft.com/office/officeart/2005/8/layout/default"/>
-    <dgm:cxn modelId="{EF05D11A-A106-47B4-9DFB-33F26C8D0C61}" srcId="{C45EB5E7-D213-4A58-885E-E9D7FFF44067}" destId="{D474864B-72A1-4555-91B6-42554646844B}" srcOrd="2" destOrd="0" parTransId="{14BE907A-88D4-4D58-90CD-7BC2D04A72CC}" sibTransId="{76D73D9C-BB0E-404E-B072-E749C19AD146}"/>
-    <dgm:cxn modelId="{6BC29F27-A89C-4554-A596-E2DE6DADA05A}" type="presOf" srcId="{C45EB5E7-D213-4A58-885E-E9D7FFF44067}" destId="{20866C6E-8F5A-4793-94CB-A4A38AE1C0F1}" srcOrd="0" destOrd="0" presId="urn:microsoft.com/office/officeart/2005/8/layout/default"/>
-    <dgm:cxn modelId="{47BF5D46-9A9A-496A-9E03-5F7F65093D55}" type="presOf" srcId="{D474864B-72A1-4555-91B6-42554646844B}" destId="{5700BA56-061B-4910-8A6A-95992139A03E}" srcOrd="0" destOrd="0" presId="urn:microsoft.com/office/officeart/2005/8/layout/default"/>
-    <dgm:cxn modelId="{16EE8B6D-18E9-4DBA-919E-B29F608EC4F8}" srcId="{C45EB5E7-D213-4A58-885E-E9D7FFF44067}" destId="{A5962597-3910-4312-818E-69A83FC12C2C}" srcOrd="1" destOrd="0" parTransId="{8FA6A066-F331-41EB-9CBB-C4B8186496E6}" sibTransId="{126EE10E-7B43-4B0B-9A47-D71BD119703C}"/>
-    <dgm:cxn modelId="{D48E696F-EE6C-4FDF-AF87-1D086E47A88F}" type="presOf" srcId="{A5962597-3910-4312-818E-69A83FC12C2C}" destId="{9EE3B83E-88CA-4356-A408-468575A354C1}" srcOrd="0" destOrd="0" presId="urn:microsoft.com/office/officeart/2005/8/layout/default"/>
-    <dgm:cxn modelId="{55C41D5A-7C6A-4853-A555-C92306FAF991}" type="presOf" srcId="{0CA13021-613E-44A9-9C50-D0897B70C497}" destId="{D8B4BAAC-1D63-4D4E-A759-93450FFC3BEF}" srcOrd="0" destOrd="0" presId="urn:microsoft.com/office/officeart/2005/8/layout/default"/>
-    <dgm:cxn modelId="{8358F4D6-5A91-4D60-9305-C6C4DFB5CE34}" srcId="{C45EB5E7-D213-4A58-885E-E9D7FFF44067}" destId="{0CA13021-613E-44A9-9C50-D0897B70C497}" srcOrd="3" destOrd="0" parTransId="{97F8FD21-E994-4D3E-8A36-BCD141E8BA86}" sibTransId="{C88B2814-8AE6-4ACF-92D9-E7D2CCC2B5CD}"/>
-    <dgm:cxn modelId="{9F4279E2-EB4E-4D2F-8C82-61817755B39E}" srcId="{C45EB5E7-D213-4A58-885E-E9D7FFF44067}" destId="{C0C4B3BF-593E-4E88-A88D-BE48816D4A12}" srcOrd="0" destOrd="0" parTransId="{7EF3919E-5DFE-43C7-A2B5-F8436B6800D4}" sibTransId="{A1B5B652-19A5-4911-BCA6-9A37E5CB84B1}"/>
-    <dgm:cxn modelId="{75680467-BE7B-4F4B-82FA-75BD80C4405B}" type="presParOf" srcId="{20866C6E-8F5A-4793-94CB-A4A38AE1C0F1}" destId="{D249125C-4122-4847-AA13-8F292BB7DADD}" srcOrd="0" destOrd="0" presId="urn:microsoft.com/office/officeart/2005/8/layout/default"/>
-    <dgm:cxn modelId="{AB403775-1AF9-43A4-BECA-A10CFDA0F408}" type="presParOf" srcId="{20866C6E-8F5A-4793-94CB-A4A38AE1C0F1}" destId="{23121584-9D49-4984-93D2-96ED67C7C8C2}" srcOrd="1" destOrd="0" presId="urn:microsoft.com/office/officeart/2005/8/layout/default"/>
-    <dgm:cxn modelId="{96A29BDF-B4E5-4BCB-9EC8-C70CB5DD4961}" type="presParOf" srcId="{20866C6E-8F5A-4793-94CB-A4A38AE1C0F1}" destId="{9EE3B83E-88CA-4356-A408-468575A354C1}" srcOrd="2" destOrd="0" presId="urn:microsoft.com/office/officeart/2005/8/layout/default"/>
-    <dgm:cxn modelId="{3A0B4E4D-7BF0-412C-9A3A-58F53A022094}" type="presParOf" srcId="{20866C6E-8F5A-4793-94CB-A4A38AE1C0F1}" destId="{D3440075-F005-4E71-897F-D2164A1BFCA8}" srcOrd="3" destOrd="0" presId="urn:microsoft.com/office/officeart/2005/8/layout/default"/>
-    <dgm:cxn modelId="{34EF90DC-391B-4BA9-972F-0B9EAD56E792}" type="presParOf" srcId="{20866C6E-8F5A-4793-94CB-A4A38AE1C0F1}" destId="{5700BA56-061B-4910-8A6A-95992139A03E}" srcOrd="4" destOrd="0" presId="urn:microsoft.com/office/officeart/2005/8/layout/default"/>
-    <dgm:cxn modelId="{D3650E26-D6F9-4B3B-B529-480948529BEE}" type="presParOf" srcId="{20866C6E-8F5A-4793-94CB-A4A38AE1C0F1}" destId="{8432054E-3DCE-46C3-8BD5-82523364D978}" srcOrd="5" destOrd="0" presId="urn:microsoft.com/office/officeart/2005/8/layout/default"/>
-    <dgm:cxn modelId="{F16D8319-D470-40CF-BF0C-65A0A4F74B79}" type="presParOf" srcId="{20866C6E-8F5A-4793-94CB-A4A38AE1C0F1}" destId="{D8B4BAAC-1D63-4D4E-A759-93450FFC3BEF}" srcOrd="6" destOrd="0" presId="urn:microsoft.com/office/officeart/2005/8/layout/default"/>
-  </dgm:cxnLst>
-  <dgm:bg/>
-  <dgm:whole/>
-  <dgm:extLst>
-    <a:ext uri="http://schemas.microsoft.com/office/drawing/2008/diagram">
-      <dsp:dataModelExt xmlns:dsp="http://schemas.microsoft.com/office/drawing/2008/diagram" relId="rId6" minVer="http://schemas.openxmlformats.org/drawingml/2006/diagram"/>
-    </a:ext>
-  </dgm:extLst>
-</dgm:dataModel>
-</file>
-
 <file path=ppt/diagrams/data2.xml><?xml version="1.0" encoding="utf-8"?>
-<dgm:dataModel xmlns:dgm="http://schemas.openxmlformats.org/drawingml/2006/diagram" xmlns:a="http://schemas.openxmlformats.org/drawingml/2006/main">
-  <dgm:ptLst>
-    <dgm:pt modelId="{0F1EE41A-8060-4D89-83FA-76A30B099253}" type="doc">
-      <dgm:prSet loTypeId="urn:microsoft.com/office/officeart/2005/8/layout/default" loCatId="list" qsTypeId="urn:microsoft.com/office/officeart/2005/8/quickstyle/simple1" qsCatId="simple" csTypeId="urn:microsoft.com/office/officeart/2005/8/colors/accent1_2" csCatId="accent1" phldr="1"/>
-      <dgm:spPr/>
-      <dgm:t>
-        <a:bodyPr/>
-        <a:lstStyle/>
-        <a:p>
-          <a:endParaRPr lang="de-DE"/>
-        </a:p>
-      </dgm:t>
-    </dgm:pt>
-    <dgm:pt modelId="{3B35E844-6E62-46C5-929A-7AE7B50EDAA6}">
-      <dgm:prSet/>
-      <dgm:spPr/>
-      <dgm:t>
-        <a:bodyPr/>
-        <a:lstStyle/>
-        <a:p>
-          <a:r>
-            <a:rPr lang="de-DE" dirty="0"/>
-            <a:t>§ 3 </a:t>
-          </a:r>
-        </a:p>
-        <a:p>
-          <a:r>
-            <a:rPr lang="de-DE" dirty="0"/>
-            <a:t>„Räumlicher Anwendungsbereich“</a:t>
-          </a:r>
-        </a:p>
-      </dgm:t>
-    </dgm:pt>
-    <dgm:pt modelId="{46C81A67-33AA-4C3A-B744-843B7F7C1CC1}" type="parTrans" cxnId="{5928F79D-AEF9-472B-9B9E-825B8D550F80}">
-      <dgm:prSet/>
-      <dgm:spPr/>
-      <dgm:t>
-        <a:bodyPr/>
-        <a:lstStyle/>
-        <a:p>
-          <a:endParaRPr lang="de-DE"/>
-        </a:p>
-      </dgm:t>
-    </dgm:pt>
-    <dgm:pt modelId="{FD0BDDFF-5655-495E-AC26-514163E81798}" type="sibTrans" cxnId="{5928F79D-AEF9-472B-9B9E-825B8D550F80}">
-      <dgm:prSet/>
-      <dgm:spPr/>
-      <dgm:t>
-        <a:bodyPr/>
-        <a:lstStyle/>
-        <a:p>
-          <a:endParaRPr lang="de-DE"/>
-        </a:p>
-      </dgm:t>
-    </dgm:pt>
-    <dgm:pt modelId="{BCD3CBD7-8498-449F-8B50-8F59B3A61FD6}">
-      <dgm:prSet/>
-      <dgm:spPr/>
-      <dgm:t>
-        <a:bodyPr/>
-        <a:lstStyle/>
-        <a:p>
-          <a:r>
-            <a:rPr lang="de-DE" dirty="0"/>
-            <a:t>§ 5</a:t>
-          </a:r>
-        </a:p>
-        <a:p>
-          <a:r>
-            <a:rPr lang="de-DE" dirty="0"/>
-            <a:t> „Grundsätze für die Verarbeitung personenbezogener Daten“</a:t>
-          </a:r>
-        </a:p>
-      </dgm:t>
-    </dgm:pt>
-    <dgm:pt modelId="{A5ADB686-659C-4569-8A2B-10843E51CBFD}" type="parTrans" cxnId="{09FFA331-903D-4991-A808-95DC90955BDA}">
-      <dgm:prSet/>
-      <dgm:spPr/>
-      <dgm:t>
-        <a:bodyPr/>
-        <a:lstStyle/>
-        <a:p>
-          <a:endParaRPr lang="de-DE"/>
-        </a:p>
-      </dgm:t>
-    </dgm:pt>
-    <dgm:pt modelId="{1F69758D-18CF-4064-B1C2-06D60F7BB429}" type="sibTrans" cxnId="{09FFA331-903D-4991-A808-95DC90955BDA}">
-      <dgm:prSet/>
-      <dgm:spPr/>
-      <dgm:t>
-        <a:bodyPr/>
-        <a:lstStyle/>
-        <a:p>
-          <a:endParaRPr lang="de-DE"/>
-        </a:p>
-      </dgm:t>
-    </dgm:pt>
-    <dgm:pt modelId="{3E10A241-0624-4EAC-B070-C3BE345CFA09}">
-      <dgm:prSet/>
-      <dgm:spPr/>
-      <dgm:t>
-        <a:bodyPr/>
-        <a:lstStyle/>
-        <a:p>
-          <a:r>
-            <a:rPr lang="de-DE" dirty="0"/>
-            <a:t>§ 17</a:t>
-          </a:r>
-        </a:p>
-        <a:p>
-          <a:r>
-            <a:rPr lang="de-DE" dirty="0"/>
-            <a:t> „Recht auf Löschung“</a:t>
-          </a:r>
-        </a:p>
-      </dgm:t>
-    </dgm:pt>
-    <dgm:pt modelId="{5DDF89DC-19F6-4DC4-9C6E-75A7F7A1DA4B}" type="parTrans" cxnId="{0263DF9D-3817-4488-B6B1-51618C622ABA}">
-      <dgm:prSet/>
-      <dgm:spPr/>
-      <dgm:t>
-        <a:bodyPr/>
-        <a:lstStyle/>
-        <a:p>
-          <a:endParaRPr lang="de-DE"/>
-        </a:p>
-      </dgm:t>
-    </dgm:pt>
-    <dgm:pt modelId="{14488086-E4EB-4ABD-8870-A4D6FE4762FE}" type="sibTrans" cxnId="{0263DF9D-3817-4488-B6B1-51618C622ABA}">
-      <dgm:prSet/>
-      <dgm:spPr/>
-      <dgm:t>
-        <a:bodyPr/>
-        <a:lstStyle/>
-        <a:p>
-          <a:endParaRPr lang="de-DE"/>
-        </a:p>
-      </dgm:t>
-    </dgm:pt>
-    <dgm:pt modelId="{600F46DD-7A9D-4F94-B852-5CE2B81242F7}">
-      <dgm:prSet/>
-      <dgm:spPr/>
-      <dgm:t>
-        <a:bodyPr/>
-        <a:lstStyle/>
-        <a:p>
-          <a:r>
-            <a:rPr lang="de-DE" dirty="0"/>
-            <a:t>§ 25</a:t>
-          </a:r>
-        </a:p>
-        <a:p>
-          <a:r>
-            <a:rPr lang="de-DE" dirty="0"/>
-            <a:t> „Datenschutz durch Technikgestaltung und durch datenschutzfreundliche Voreinstellungen“</a:t>
-          </a:r>
-        </a:p>
-      </dgm:t>
-    </dgm:pt>
-    <dgm:pt modelId="{41DB5A9E-3D11-4788-AEA1-133C75DAF38A}" type="parTrans" cxnId="{C4A64730-099F-464D-A9AD-2D5856FD104D}">
-      <dgm:prSet/>
-      <dgm:spPr/>
-      <dgm:t>
-        <a:bodyPr/>
-        <a:lstStyle/>
-        <a:p>
-          <a:endParaRPr lang="de-DE"/>
-        </a:p>
-      </dgm:t>
-    </dgm:pt>
-    <dgm:pt modelId="{50832792-5B1F-43FF-8C4B-7714153A1392}" type="sibTrans" cxnId="{C4A64730-099F-464D-A9AD-2D5856FD104D}">
-      <dgm:prSet/>
-      <dgm:spPr/>
-      <dgm:t>
-        <a:bodyPr/>
-        <a:lstStyle/>
-        <a:p>
-          <a:endParaRPr lang="de-DE"/>
-        </a:p>
-      </dgm:t>
-    </dgm:pt>
-    <dgm:pt modelId="{726F02F4-9F8D-4775-9C81-224515A7803E}" type="pres">
-      <dgm:prSet presAssocID="{0F1EE41A-8060-4D89-83FA-76A30B099253}" presName="diagram" presStyleCnt="0">
-        <dgm:presLayoutVars>
-          <dgm:dir/>
-          <dgm:resizeHandles val="exact"/>
-        </dgm:presLayoutVars>
-      </dgm:prSet>
-      <dgm:spPr/>
-    </dgm:pt>
-    <dgm:pt modelId="{5F2250E0-8781-481D-872F-6323B6C30192}" type="pres">
-      <dgm:prSet presAssocID="{3B35E844-6E62-46C5-929A-7AE7B50EDAA6}" presName="node" presStyleLbl="node1" presStyleIdx="0" presStyleCnt="4">
-        <dgm:presLayoutVars>
-          <dgm:bulletEnabled val="1"/>
-        </dgm:presLayoutVars>
-      </dgm:prSet>
-      <dgm:spPr/>
-    </dgm:pt>
-    <dgm:pt modelId="{8CEAC6B9-3640-4B1F-BC2D-FB5EFE2A8C2A}" type="pres">
-      <dgm:prSet presAssocID="{FD0BDDFF-5655-495E-AC26-514163E81798}" presName="sibTrans" presStyleCnt="0"/>
-      <dgm:spPr/>
-    </dgm:pt>
-    <dgm:pt modelId="{4D4E8C40-59B0-43AB-AF84-E09B0A97989B}" type="pres">
-      <dgm:prSet presAssocID="{BCD3CBD7-8498-449F-8B50-8F59B3A61FD6}" presName="node" presStyleLbl="node1" presStyleIdx="1" presStyleCnt="4">
-        <dgm:presLayoutVars>
-          <dgm:bulletEnabled val="1"/>
-        </dgm:presLayoutVars>
-      </dgm:prSet>
-      <dgm:spPr/>
-    </dgm:pt>
-    <dgm:pt modelId="{7C7E83C9-7603-464C-9984-362522554365}" type="pres">
-      <dgm:prSet presAssocID="{1F69758D-18CF-4064-B1C2-06D60F7BB429}" presName="sibTrans" presStyleCnt="0"/>
-      <dgm:spPr/>
-    </dgm:pt>
-    <dgm:pt modelId="{98F0F990-6069-4005-A022-52F5C3322428}" type="pres">
-      <dgm:prSet presAssocID="{3E10A241-0624-4EAC-B070-C3BE345CFA09}" presName="node" presStyleLbl="node1" presStyleIdx="2" presStyleCnt="4">
-        <dgm:presLayoutVars>
-          <dgm:bulletEnabled val="1"/>
-        </dgm:presLayoutVars>
-      </dgm:prSet>
-      <dgm:spPr/>
-    </dgm:pt>
-    <dgm:pt modelId="{B9F63AAB-2132-4804-85AD-DCDD9B20B1C0}" type="pres">
-      <dgm:prSet presAssocID="{14488086-E4EB-4ABD-8870-A4D6FE4762FE}" presName="sibTrans" presStyleCnt="0"/>
-      <dgm:spPr/>
-    </dgm:pt>
-    <dgm:pt modelId="{6BADA56D-72BA-43AD-B597-CE1E5C02E238}" type="pres">
-      <dgm:prSet presAssocID="{600F46DD-7A9D-4F94-B852-5CE2B81242F7}" presName="node" presStyleLbl="node1" presStyleIdx="3" presStyleCnt="4" custScaleX="168761">
-        <dgm:presLayoutVars>
-          <dgm:bulletEnabled val="1"/>
-        </dgm:presLayoutVars>
-      </dgm:prSet>
-      <dgm:spPr/>
-    </dgm:pt>
-  </dgm:ptLst>
-  <dgm:cxnLst>
-    <dgm:cxn modelId="{C4A64730-099F-464D-A9AD-2D5856FD104D}" srcId="{0F1EE41A-8060-4D89-83FA-76A30B099253}" destId="{600F46DD-7A9D-4F94-B852-5CE2B81242F7}" srcOrd="3" destOrd="0" parTransId="{41DB5A9E-3D11-4788-AEA1-133C75DAF38A}" sibTransId="{50832792-5B1F-43FF-8C4B-7714153A1392}"/>
-    <dgm:cxn modelId="{09FFA331-903D-4991-A808-95DC90955BDA}" srcId="{0F1EE41A-8060-4D89-83FA-76A30B099253}" destId="{BCD3CBD7-8498-449F-8B50-8F59B3A61FD6}" srcOrd="1" destOrd="0" parTransId="{A5ADB686-659C-4569-8A2B-10843E51CBFD}" sibTransId="{1F69758D-18CF-4064-B1C2-06D60F7BB429}"/>
-    <dgm:cxn modelId="{C0025335-A357-417A-AFA3-ECA17F8BA3BF}" type="presOf" srcId="{0F1EE41A-8060-4D89-83FA-76A30B099253}" destId="{726F02F4-9F8D-4775-9C81-224515A7803E}" srcOrd="0" destOrd="0" presId="urn:microsoft.com/office/officeart/2005/8/layout/default"/>
-    <dgm:cxn modelId="{BE689542-76FF-4CF9-98BA-C58A5EFF8B05}" type="presOf" srcId="{3B35E844-6E62-46C5-929A-7AE7B50EDAA6}" destId="{5F2250E0-8781-481D-872F-6323B6C30192}" srcOrd="0" destOrd="0" presId="urn:microsoft.com/office/officeart/2005/8/layout/default"/>
-    <dgm:cxn modelId="{0263DF9D-3817-4488-B6B1-51618C622ABA}" srcId="{0F1EE41A-8060-4D89-83FA-76A30B099253}" destId="{3E10A241-0624-4EAC-B070-C3BE345CFA09}" srcOrd="2" destOrd="0" parTransId="{5DDF89DC-19F6-4DC4-9C6E-75A7F7A1DA4B}" sibTransId="{14488086-E4EB-4ABD-8870-A4D6FE4762FE}"/>
-    <dgm:cxn modelId="{5928F79D-AEF9-472B-9B9E-825B8D550F80}" srcId="{0F1EE41A-8060-4D89-83FA-76A30B099253}" destId="{3B35E844-6E62-46C5-929A-7AE7B50EDAA6}" srcOrd="0" destOrd="0" parTransId="{46C81A67-33AA-4C3A-B744-843B7F7C1CC1}" sibTransId="{FD0BDDFF-5655-495E-AC26-514163E81798}"/>
-    <dgm:cxn modelId="{4E199FA2-863E-48A5-865D-C500084D186A}" type="presOf" srcId="{BCD3CBD7-8498-449F-8B50-8F59B3A61FD6}" destId="{4D4E8C40-59B0-43AB-AF84-E09B0A97989B}" srcOrd="0" destOrd="0" presId="urn:microsoft.com/office/officeart/2005/8/layout/default"/>
-    <dgm:cxn modelId="{87061FD3-ECD6-40F4-8AD4-F2CF1B9F34C9}" type="presOf" srcId="{600F46DD-7A9D-4F94-B852-5CE2B81242F7}" destId="{6BADA56D-72BA-43AD-B597-CE1E5C02E238}" srcOrd="0" destOrd="0" presId="urn:microsoft.com/office/officeart/2005/8/layout/default"/>
-    <dgm:cxn modelId="{37DD6CE7-0634-4FC0-B3CA-8D0B1C9F3034}" type="presOf" srcId="{3E10A241-0624-4EAC-B070-C3BE345CFA09}" destId="{98F0F990-6069-4005-A022-52F5C3322428}" srcOrd="0" destOrd="0" presId="urn:microsoft.com/office/officeart/2005/8/layout/default"/>
-    <dgm:cxn modelId="{C65816BD-4A2A-4290-9B22-749B9C0484B5}" type="presParOf" srcId="{726F02F4-9F8D-4775-9C81-224515A7803E}" destId="{5F2250E0-8781-481D-872F-6323B6C30192}" srcOrd="0" destOrd="0" presId="urn:microsoft.com/office/officeart/2005/8/layout/default"/>
-    <dgm:cxn modelId="{45BE6804-522A-4669-92B2-6D8B7017F97B}" type="presParOf" srcId="{726F02F4-9F8D-4775-9C81-224515A7803E}" destId="{8CEAC6B9-3640-4B1F-BC2D-FB5EFE2A8C2A}" srcOrd="1" destOrd="0" presId="urn:microsoft.com/office/officeart/2005/8/layout/default"/>
-    <dgm:cxn modelId="{CC20C9AD-D867-46C6-9877-54D19B9FE440}" type="presParOf" srcId="{726F02F4-9F8D-4775-9C81-224515A7803E}" destId="{4D4E8C40-59B0-43AB-AF84-E09B0A97989B}" srcOrd="2" destOrd="0" presId="urn:microsoft.com/office/officeart/2005/8/layout/default"/>
-    <dgm:cxn modelId="{1DBFB9BC-3067-4271-BCE8-785778BB2CA3}" type="presParOf" srcId="{726F02F4-9F8D-4775-9C81-224515A7803E}" destId="{7C7E83C9-7603-464C-9984-362522554365}" srcOrd="3" destOrd="0" presId="urn:microsoft.com/office/officeart/2005/8/layout/default"/>
-    <dgm:cxn modelId="{DC1BFD4E-D8B1-4577-B779-560D85D051FF}" type="presParOf" srcId="{726F02F4-9F8D-4775-9C81-224515A7803E}" destId="{98F0F990-6069-4005-A022-52F5C3322428}" srcOrd="4" destOrd="0" presId="urn:microsoft.com/office/officeart/2005/8/layout/default"/>
-    <dgm:cxn modelId="{CF768121-64F2-4F1C-A86E-49B4254165EE}" type="presParOf" srcId="{726F02F4-9F8D-4775-9C81-224515A7803E}" destId="{B9F63AAB-2132-4804-85AD-DCDD9B20B1C0}" srcOrd="5" destOrd="0" presId="urn:microsoft.com/office/officeart/2005/8/layout/default"/>
-    <dgm:cxn modelId="{130B96C4-8106-401E-AFB3-EDD6F8B6CA23}" type="presParOf" srcId="{726F02F4-9F8D-4775-9C81-224515A7803E}" destId="{6BADA56D-72BA-43AD-B597-CE1E5C02E238}" srcOrd="6" destOrd="0" presId="urn:microsoft.com/office/officeart/2005/8/layout/default"/>
-  </dgm:cxnLst>
-  <dgm:bg/>
-  <dgm:whole/>
-  <dgm:extLst>
-    <a:ext uri="http://schemas.microsoft.com/office/drawing/2008/diagram">
-      <dsp:dataModelExt xmlns:dsp="http://schemas.microsoft.com/office/drawing/2008/diagram" relId="rId6" minVer="http://schemas.openxmlformats.org/drawingml/2006/diagram"/>
-    </a:ext>
-  </dgm:extLst>
-</dgm:dataModel>
-</file>
-
-<file path=ppt/diagrams/data3.xml><?xml version="1.0" encoding="utf-8"?>
 <dgm:dataModel xmlns:dgm="http://schemas.openxmlformats.org/drawingml/2006/diagram" xmlns:a="http://schemas.openxmlformats.org/drawingml/2006/main">
   <dgm:ptLst>
     <dgm:pt modelId="{C29770AF-BC96-47DC-9DDA-DFA2A50DF8AD}" type="doc">
@@ -8675,7 +7414,7 @@
         <a:p>
           <a:r>
             <a:rPr lang="de-DE" dirty="0"/>
-            <a:t>keine Produktion</a:t>
+            <a:t>keine Produktion [Kar00]</a:t>
           </a:r>
         </a:p>
       </dgm:t>
@@ -8787,7 +7526,7 @@
 </dgm:dataModel>
 </file>
 
-<file path=ppt/diagrams/data4.xml><?xml version="1.0" encoding="utf-8"?>
+<file path=ppt/diagrams/data3.xml><?xml version="1.0" encoding="utf-8"?>
 <dgm:dataModel xmlns:dgm="http://schemas.openxmlformats.org/drawingml/2006/diagram" xmlns:a="http://schemas.openxmlformats.org/drawingml/2006/main">
   <dgm:ptLst>
     <dgm:pt modelId="{98178139-093B-4885-9A8E-2F97EBF3C515}" type="doc">
@@ -9202,304 +7941,7 @@
 </dgm:dataModel>
 </file>
 
-<file path=ppt/diagrams/data5.xml><?xml version="1.0" encoding="utf-8"?>
-<dgm:dataModel xmlns:dgm="http://schemas.openxmlformats.org/drawingml/2006/diagram" xmlns:a="http://schemas.openxmlformats.org/drawingml/2006/main">
-  <dgm:ptLst>
-    <dgm:pt modelId="{8772810B-62F4-49D6-9690-3F1834164A09}" type="doc">
-      <dgm:prSet loTypeId="urn:microsoft.com/office/officeart/2005/8/layout/vList2" loCatId="list" qsTypeId="urn:microsoft.com/office/officeart/2005/8/quickstyle/simple1" qsCatId="simple" csTypeId="urn:microsoft.com/office/officeart/2005/8/colors/accent1_2" csCatId="accent1" phldr="1"/>
-      <dgm:spPr/>
-      <dgm:t>
-        <a:bodyPr/>
-        <a:lstStyle/>
-        <a:p>
-          <a:endParaRPr lang="de-DE"/>
-        </a:p>
-      </dgm:t>
-    </dgm:pt>
-    <dgm:pt modelId="{DFFC3C7D-F5EA-4A44-ACA4-2D8C9B2521D7}">
-      <dgm:prSet/>
-      <dgm:spPr/>
-      <dgm:t>
-        <a:bodyPr/>
-        <a:lstStyle/>
-        <a:p>
-          <a:r>
-            <a:rPr lang="de-DE" dirty="0"/>
-            <a:t>Steuerung des Roboters mit natürlicher Sprache</a:t>
-          </a:r>
-        </a:p>
-      </dgm:t>
-    </dgm:pt>
-    <dgm:pt modelId="{00351BF8-A3F3-471A-983E-3EEAEB40F7D7}" type="parTrans" cxnId="{4BE5E230-62CF-4046-958F-4FE5B6EB72C3}">
-      <dgm:prSet/>
-      <dgm:spPr/>
-      <dgm:t>
-        <a:bodyPr/>
-        <a:lstStyle/>
-        <a:p>
-          <a:endParaRPr lang="de-DE"/>
-        </a:p>
-      </dgm:t>
-    </dgm:pt>
-    <dgm:pt modelId="{0701BFF3-2052-4A14-9181-9C26FB99D927}" type="sibTrans" cxnId="{4BE5E230-62CF-4046-958F-4FE5B6EB72C3}">
-      <dgm:prSet/>
-      <dgm:spPr/>
-      <dgm:t>
-        <a:bodyPr/>
-        <a:lstStyle/>
-        <a:p>
-          <a:endParaRPr lang="de-DE"/>
-        </a:p>
-      </dgm:t>
-    </dgm:pt>
-    <dgm:pt modelId="{B8F56BA3-87FA-41A3-98E2-DAF4EBFE6EFB}">
-      <dgm:prSet/>
-      <dgm:spPr/>
-      <dgm:t>
-        <a:bodyPr/>
-        <a:lstStyle/>
-        <a:p>
-          <a:r>
-            <a:rPr lang="de-DE" dirty="0"/>
-            <a:t>Bedienung ohne Vorwissen</a:t>
-          </a:r>
-        </a:p>
-      </dgm:t>
-    </dgm:pt>
-    <dgm:pt modelId="{2B33692B-0F01-4CA5-BF7B-ADB4136BB069}" type="parTrans" cxnId="{93D4EB95-03BB-4D39-A7F7-DF6468D0F90B}">
-      <dgm:prSet/>
-      <dgm:spPr/>
-      <dgm:t>
-        <a:bodyPr/>
-        <a:lstStyle/>
-        <a:p>
-          <a:endParaRPr lang="de-DE"/>
-        </a:p>
-      </dgm:t>
-    </dgm:pt>
-    <dgm:pt modelId="{26E25DB2-E33B-4BC7-9FB7-7D7F514FCCCD}" type="sibTrans" cxnId="{93D4EB95-03BB-4D39-A7F7-DF6468D0F90B}">
-      <dgm:prSet/>
-      <dgm:spPr/>
-      <dgm:t>
-        <a:bodyPr/>
-        <a:lstStyle/>
-        <a:p>
-          <a:endParaRPr lang="de-DE"/>
-        </a:p>
-      </dgm:t>
-    </dgm:pt>
-    <dgm:pt modelId="{C53D7F14-AFC0-466A-8428-ED83EF507C66}">
-      <dgm:prSet/>
-      <dgm:spPr/>
-      <dgm:t>
-        <a:bodyPr/>
-        <a:lstStyle/>
-        <a:p>
-          <a:r>
-            <a:rPr lang="de-DE" dirty="0"/>
-            <a:t>möglichst freie Wortwahl für Befehle</a:t>
-          </a:r>
-        </a:p>
-      </dgm:t>
-    </dgm:pt>
-    <dgm:pt modelId="{D82548CA-CB51-430F-A6AE-32DBC9CDB2D3}" type="parTrans" cxnId="{2ABF14EE-0F90-4883-B335-97AE3BAF102B}">
-      <dgm:prSet/>
-      <dgm:spPr/>
-      <dgm:t>
-        <a:bodyPr/>
-        <a:lstStyle/>
-        <a:p>
-          <a:endParaRPr lang="de-DE"/>
-        </a:p>
-      </dgm:t>
-    </dgm:pt>
-    <dgm:pt modelId="{BFC4FC87-F198-4173-9A4C-270B57A15E15}" type="sibTrans" cxnId="{2ABF14EE-0F90-4883-B335-97AE3BAF102B}">
-      <dgm:prSet/>
-      <dgm:spPr/>
-      <dgm:t>
-        <a:bodyPr/>
-        <a:lstStyle/>
-        <a:p>
-          <a:endParaRPr lang="de-DE"/>
-        </a:p>
-      </dgm:t>
-    </dgm:pt>
-    <dgm:pt modelId="{571800A1-F784-4BD1-8ED5-F4A38DED9334}">
-      <dgm:prSet/>
-      <dgm:spPr/>
-      <dgm:t>
-        <a:bodyPr/>
-        <a:lstStyle/>
-        <a:p>
-          <a:r>
-            <a:rPr lang="de-DE" dirty="0"/>
-            <a:t>Schutz der Privatsphäre</a:t>
-          </a:r>
-        </a:p>
-      </dgm:t>
-    </dgm:pt>
-    <dgm:pt modelId="{9359C970-5399-4444-B6DD-B31C299B89CE}" type="parTrans" cxnId="{F7101478-3B48-43B9-8F93-D55B7E0911AC}">
-      <dgm:prSet/>
-      <dgm:spPr/>
-      <dgm:t>
-        <a:bodyPr/>
-        <a:lstStyle/>
-        <a:p>
-          <a:endParaRPr lang="de-DE"/>
-        </a:p>
-      </dgm:t>
-    </dgm:pt>
-    <dgm:pt modelId="{59AF476A-6A20-43FD-A5C1-241A847A58F4}" type="sibTrans" cxnId="{F7101478-3B48-43B9-8F93-D55B7E0911AC}">
-      <dgm:prSet/>
-      <dgm:spPr/>
-      <dgm:t>
-        <a:bodyPr/>
-        <a:lstStyle/>
-        <a:p>
-          <a:endParaRPr lang="de-DE"/>
-        </a:p>
-      </dgm:t>
-    </dgm:pt>
-    <dgm:pt modelId="{D9E380D3-ACE2-4FC3-9357-30F8FBEDE161}">
-      <dgm:prSet/>
-      <dgm:spPr/>
-      <dgm:t>
-        <a:bodyPr/>
-        <a:lstStyle/>
-        <a:p>
-          <a:r>
-            <a:rPr lang="de-DE" dirty="0"/>
-            <a:t>Anpassungen an (Kern-)Funktionen möglich</a:t>
-          </a:r>
-        </a:p>
-      </dgm:t>
-    </dgm:pt>
-    <dgm:pt modelId="{86EC94B6-11EC-4A87-9FB6-3BD97924318A}" type="parTrans" cxnId="{BC4BDC8A-9353-41C6-8808-C781A7327C53}">
-      <dgm:prSet/>
-      <dgm:spPr/>
-      <dgm:t>
-        <a:bodyPr/>
-        <a:lstStyle/>
-        <a:p>
-          <a:endParaRPr lang="de-DE"/>
-        </a:p>
-      </dgm:t>
-    </dgm:pt>
-    <dgm:pt modelId="{06A85352-BBA7-4FB0-9622-9EF702D25EEE}" type="sibTrans" cxnId="{BC4BDC8A-9353-41C6-8808-C781A7327C53}">
-      <dgm:prSet/>
-      <dgm:spPr/>
-      <dgm:t>
-        <a:bodyPr/>
-        <a:lstStyle/>
-        <a:p>
-          <a:endParaRPr lang="de-DE"/>
-        </a:p>
-      </dgm:t>
-    </dgm:pt>
-    <dgm:pt modelId="{F9E44A32-200B-47CB-89B1-44013F8C8DFA}" type="pres">
-      <dgm:prSet presAssocID="{8772810B-62F4-49D6-9690-3F1834164A09}" presName="linear" presStyleCnt="0">
-        <dgm:presLayoutVars>
-          <dgm:animLvl val="lvl"/>
-          <dgm:resizeHandles val="exact"/>
-        </dgm:presLayoutVars>
-      </dgm:prSet>
-      <dgm:spPr/>
-    </dgm:pt>
-    <dgm:pt modelId="{F3505ED3-94CA-42A3-AEBB-B2669B9D474A}" type="pres">
-      <dgm:prSet presAssocID="{DFFC3C7D-F5EA-4A44-ACA4-2D8C9B2521D7}" presName="parentText" presStyleLbl="node1" presStyleIdx="0" presStyleCnt="5">
-        <dgm:presLayoutVars>
-          <dgm:chMax val="0"/>
-          <dgm:bulletEnabled val="1"/>
-        </dgm:presLayoutVars>
-      </dgm:prSet>
-      <dgm:spPr/>
-    </dgm:pt>
-    <dgm:pt modelId="{E634252D-A866-4F71-9E48-9E718987AA5C}" type="pres">
-      <dgm:prSet presAssocID="{0701BFF3-2052-4A14-9181-9C26FB99D927}" presName="spacer" presStyleCnt="0"/>
-      <dgm:spPr/>
-    </dgm:pt>
-    <dgm:pt modelId="{7393F93C-24E6-4D59-99AE-31D74326B3AA}" type="pres">
-      <dgm:prSet presAssocID="{B8F56BA3-87FA-41A3-98E2-DAF4EBFE6EFB}" presName="parentText" presStyleLbl="node1" presStyleIdx="1" presStyleCnt="5" custLinFactNeighborY="-7914">
-        <dgm:presLayoutVars>
-          <dgm:chMax val="0"/>
-          <dgm:bulletEnabled val="1"/>
-        </dgm:presLayoutVars>
-      </dgm:prSet>
-      <dgm:spPr/>
-    </dgm:pt>
-    <dgm:pt modelId="{5B4CAFB6-6864-46EB-AF67-3C40F0C16CFF}" type="pres">
-      <dgm:prSet presAssocID="{26E25DB2-E33B-4BC7-9FB7-7D7F514FCCCD}" presName="spacer" presStyleCnt="0"/>
-      <dgm:spPr/>
-    </dgm:pt>
-    <dgm:pt modelId="{F9107D6F-FB34-4B90-B0B7-77ABF544BC20}" type="pres">
-      <dgm:prSet presAssocID="{C53D7F14-AFC0-466A-8428-ED83EF507C66}" presName="parentText" presStyleLbl="node1" presStyleIdx="2" presStyleCnt="5">
-        <dgm:presLayoutVars>
-          <dgm:chMax val="0"/>
-          <dgm:bulletEnabled val="1"/>
-        </dgm:presLayoutVars>
-      </dgm:prSet>
-      <dgm:spPr/>
-    </dgm:pt>
-    <dgm:pt modelId="{6537C17C-9D73-4EFA-B480-4C515B3FE2E1}" type="pres">
-      <dgm:prSet presAssocID="{BFC4FC87-F198-4173-9A4C-270B57A15E15}" presName="spacer" presStyleCnt="0"/>
-      <dgm:spPr/>
-    </dgm:pt>
-    <dgm:pt modelId="{939EC2AC-5425-400E-B7ED-78BD68B7B7C2}" type="pres">
-      <dgm:prSet presAssocID="{571800A1-F784-4BD1-8ED5-F4A38DED9334}" presName="parentText" presStyleLbl="node1" presStyleIdx="3" presStyleCnt="5">
-        <dgm:presLayoutVars>
-          <dgm:chMax val="0"/>
-          <dgm:bulletEnabled val="1"/>
-        </dgm:presLayoutVars>
-      </dgm:prSet>
-      <dgm:spPr/>
-    </dgm:pt>
-    <dgm:pt modelId="{02F080E3-5B0D-4B8D-B57A-9B8748654D20}" type="pres">
-      <dgm:prSet presAssocID="{59AF476A-6A20-43FD-A5C1-241A847A58F4}" presName="spacer" presStyleCnt="0"/>
-      <dgm:spPr/>
-    </dgm:pt>
-    <dgm:pt modelId="{C7E85622-FB29-4BB5-BAEC-020EA11AC2AA}" type="pres">
-      <dgm:prSet presAssocID="{D9E380D3-ACE2-4FC3-9357-30F8FBEDE161}" presName="parentText" presStyleLbl="node1" presStyleIdx="4" presStyleCnt="5">
-        <dgm:presLayoutVars>
-          <dgm:chMax val="0"/>
-          <dgm:bulletEnabled val="1"/>
-        </dgm:presLayoutVars>
-      </dgm:prSet>
-      <dgm:spPr/>
-    </dgm:pt>
-  </dgm:ptLst>
-  <dgm:cxnLst>
-    <dgm:cxn modelId="{F6937214-E49E-4C1F-8173-D9DDF6840759}" type="presOf" srcId="{C53D7F14-AFC0-466A-8428-ED83EF507C66}" destId="{F9107D6F-FB34-4B90-B0B7-77ABF544BC20}" srcOrd="0" destOrd="0" presId="urn:microsoft.com/office/officeart/2005/8/layout/vList2"/>
-    <dgm:cxn modelId="{4BE5E230-62CF-4046-958F-4FE5B6EB72C3}" srcId="{8772810B-62F4-49D6-9690-3F1834164A09}" destId="{DFFC3C7D-F5EA-4A44-ACA4-2D8C9B2521D7}" srcOrd="0" destOrd="0" parTransId="{00351BF8-A3F3-471A-983E-3EEAEB40F7D7}" sibTransId="{0701BFF3-2052-4A14-9181-9C26FB99D927}"/>
-    <dgm:cxn modelId="{7C037F69-2109-4814-A3F2-88CA23A71273}" type="presOf" srcId="{8772810B-62F4-49D6-9690-3F1834164A09}" destId="{F9E44A32-200B-47CB-89B1-44013F8C8DFA}" srcOrd="0" destOrd="0" presId="urn:microsoft.com/office/officeart/2005/8/layout/vList2"/>
-    <dgm:cxn modelId="{EB0B2A57-A527-4407-BC7F-3448EDC79BF1}" type="presOf" srcId="{DFFC3C7D-F5EA-4A44-ACA4-2D8C9B2521D7}" destId="{F3505ED3-94CA-42A3-AEBB-B2669B9D474A}" srcOrd="0" destOrd="0" presId="urn:microsoft.com/office/officeart/2005/8/layout/vList2"/>
-    <dgm:cxn modelId="{F7101478-3B48-43B9-8F93-D55B7E0911AC}" srcId="{8772810B-62F4-49D6-9690-3F1834164A09}" destId="{571800A1-F784-4BD1-8ED5-F4A38DED9334}" srcOrd="3" destOrd="0" parTransId="{9359C970-5399-4444-B6DD-B31C299B89CE}" sibTransId="{59AF476A-6A20-43FD-A5C1-241A847A58F4}"/>
-    <dgm:cxn modelId="{BC4BDC8A-9353-41C6-8808-C781A7327C53}" srcId="{8772810B-62F4-49D6-9690-3F1834164A09}" destId="{D9E380D3-ACE2-4FC3-9357-30F8FBEDE161}" srcOrd="4" destOrd="0" parTransId="{86EC94B6-11EC-4A87-9FB6-3BD97924318A}" sibTransId="{06A85352-BBA7-4FB0-9622-9EF702D25EEE}"/>
-    <dgm:cxn modelId="{93D4EB95-03BB-4D39-A7F7-DF6468D0F90B}" srcId="{8772810B-62F4-49D6-9690-3F1834164A09}" destId="{B8F56BA3-87FA-41A3-98E2-DAF4EBFE6EFB}" srcOrd="1" destOrd="0" parTransId="{2B33692B-0F01-4CA5-BF7B-ADB4136BB069}" sibTransId="{26E25DB2-E33B-4BC7-9FB7-7D7F514FCCCD}"/>
-    <dgm:cxn modelId="{E8AC63B0-04D4-4E9D-A668-AD01AEAC7300}" type="presOf" srcId="{B8F56BA3-87FA-41A3-98E2-DAF4EBFE6EFB}" destId="{7393F93C-24E6-4D59-99AE-31D74326B3AA}" srcOrd="0" destOrd="0" presId="urn:microsoft.com/office/officeart/2005/8/layout/vList2"/>
-    <dgm:cxn modelId="{2ABF14EE-0F90-4883-B335-97AE3BAF102B}" srcId="{8772810B-62F4-49D6-9690-3F1834164A09}" destId="{C53D7F14-AFC0-466A-8428-ED83EF507C66}" srcOrd="2" destOrd="0" parTransId="{D82548CA-CB51-430F-A6AE-32DBC9CDB2D3}" sibTransId="{BFC4FC87-F198-4173-9A4C-270B57A15E15}"/>
-    <dgm:cxn modelId="{124315F2-6871-44E9-BF5D-60FA85A48AC5}" type="presOf" srcId="{571800A1-F784-4BD1-8ED5-F4A38DED9334}" destId="{939EC2AC-5425-400E-B7ED-78BD68B7B7C2}" srcOrd="0" destOrd="0" presId="urn:microsoft.com/office/officeart/2005/8/layout/vList2"/>
-    <dgm:cxn modelId="{6BB21AF8-41A7-4FE3-B603-752DB2E48A8D}" type="presOf" srcId="{D9E380D3-ACE2-4FC3-9357-30F8FBEDE161}" destId="{C7E85622-FB29-4BB5-BAEC-020EA11AC2AA}" srcOrd="0" destOrd="0" presId="urn:microsoft.com/office/officeart/2005/8/layout/vList2"/>
-    <dgm:cxn modelId="{0DB2C503-4A6C-42B3-93FB-0066A18E0633}" type="presParOf" srcId="{F9E44A32-200B-47CB-89B1-44013F8C8DFA}" destId="{F3505ED3-94CA-42A3-AEBB-B2669B9D474A}" srcOrd="0" destOrd="0" presId="urn:microsoft.com/office/officeart/2005/8/layout/vList2"/>
-    <dgm:cxn modelId="{60031C22-7A29-4815-BEA9-2DF5FAA126CC}" type="presParOf" srcId="{F9E44A32-200B-47CB-89B1-44013F8C8DFA}" destId="{E634252D-A866-4F71-9E48-9E718987AA5C}" srcOrd="1" destOrd="0" presId="urn:microsoft.com/office/officeart/2005/8/layout/vList2"/>
-    <dgm:cxn modelId="{08B120E0-4D4D-46FE-AD17-593C4A3672A3}" type="presParOf" srcId="{F9E44A32-200B-47CB-89B1-44013F8C8DFA}" destId="{7393F93C-24E6-4D59-99AE-31D74326B3AA}" srcOrd="2" destOrd="0" presId="urn:microsoft.com/office/officeart/2005/8/layout/vList2"/>
-    <dgm:cxn modelId="{AD22550F-9604-4C38-B28F-03C5D5288C35}" type="presParOf" srcId="{F9E44A32-200B-47CB-89B1-44013F8C8DFA}" destId="{5B4CAFB6-6864-46EB-AF67-3C40F0C16CFF}" srcOrd="3" destOrd="0" presId="urn:microsoft.com/office/officeart/2005/8/layout/vList2"/>
-    <dgm:cxn modelId="{B76AE0E0-AB91-4673-B5F9-C9AF51566236}" type="presParOf" srcId="{F9E44A32-200B-47CB-89B1-44013F8C8DFA}" destId="{F9107D6F-FB34-4B90-B0B7-77ABF544BC20}" srcOrd="4" destOrd="0" presId="urn:microsoft.com/office/officeart/2005/8/layout/vList2"/>
-    <dgm:cxn modelId="{056F8DCC-ECB2-4027-A79C-A6324A0E2036}" type="presParOf" srcId="{F9E44A32-200B-47CB-89B1-44013F8C8DFA}" destId="{6537C17C-9D73-4EFA-B480-4C515B3FE2E1}" srcOrd="5" destOrd="0" presId="urn:microsoft.com/office/officeart/2005/8/layout/vList2"/>
-    <dgm:cxn modelId="{2E79FDD6-8464-451D-9213-2DE819798887}" type="presParOf" srcId="{F9E44A32-200B-47CB-89B1-44013F8C8DFA}" destId="{939EC2AC-5425-400E-B7ED-78BD68B7B7C2}" srcOrd="6" destOrd="0" presId="urn:microsoft.com/office/officeart/2005/8/layout/vList2"/>
-    <dgm:cxn modelId="{39A256B7-8259-4964-BD83-CA996C65A3E5}" type="presParOf" srcId="{F9E44A32-200B-47CB-89B1-44013F8C8DFA}" destId="{02F080E3-5B0D-4B8D-B57A-9B8748654D20}" srcOrd="7" destOrd="0" presId="urn:microsoft.com/office/officeart/2005/8/layout/vList2"/>
-    <dgm:cxn modelId="{810B2B9E-0CDB-4C23-9F3F-80FF99C920D4}" type="presParOf" srcId="{F9E44A32-200B-47CB-89B1-44013F8C8DFA}" destId="{C7E85622-FB29-4BB5-BAEC-020EA11AC2AA}" srcOrd="8" destOrd="0" presId="urn:microsoft.com/office/officeart/2005/8/layout/vList2"/>
-  </dgm:cxnLst>
-  <dgm:bg/>
-  <dgm:whole/>
-  <dgm:extLst>
-    <a:ext uri="http://schemas.microsoft.com/office/drawing/2008/diagram">
-      <dsp:dataModelExt xmlns:dsp="http://schemas.microsoft.com/office/drawing/2008/diagram" relId="rId6" minVer="http://schemas.openxmlformats.org/drawingml/2006/diagram"/>
-    </a:ext>
-  </dgm:extLst>
-</dgm:dataModel>
-</file>
-
-<file path=ppt/diagrams/data6.xml><?xml version="1.0" encoding="utf-8"?>
+<file path=ppt/diagrams/data4.xml><?xml version="1.0" encoding="utf-8"?>
 <dgm:dataModel xmlns:dgm="http://schemas.openxmlformats.org/drawingml/2006/diagram" xmlns:a="http://schemas.openxmlformats.org/drawingml/2006/main">
   <dgm:ptLst>
     <dgm:pt modelId="{F244C66F-8689-4AF8-9771-8AEF1471ABC5}" type="doc">
@@ -10044,7 +8486,7 @@
 </dgm:dataModel>
 </file>
 
-<file path=ppt/diagrams/data7.xml><?xml version="1.0" encoding="utf-8"?>
+<file path=ppt/diagrams/data5.xml><?xml version="1.0" encoding="utf-8"?>
 <dgm:dataModel xmlns:dgm="http://schemas.openxmlformats.org/drawingml/2006/diagram" xmlns:a="http://schemas.openxmlformats.org/drawingml/2006/main">
   <dgm:ptLst>
     <dgm:pt modelId="{D9A7FE03-7CF6-4F09-8213-33F0C4DC92E4}" type="doc">
@@ -10287,7 +8729,7 @@
 </dgm:dataModel>
 </file>
 
-<file path=ppt/diagrams/data8.xml><?xml version="1.0" encoding="utf-8"?>
+<file path=ppt/diagrams/data6.xml><?xml version="1.0" encoding="utf-8"?>
 <dgm:dataModel xmlns:dgm="http://schemas.openxmlformats.org/drawingml/2006/diagram" xmlns:a="http://schemas.openxmlformats.org/drawingml/2006/main">
   <dgm:ptLst>
     <dgm:pt modelId="{1F0E7F6F-445D-45BB-96BB-EA3F8472A33D}" type="doc">
@@ -10483,7 +8925,7 @@
 </dgm:dataModel>
 </file>
 
-<file path=ppt/diagrams/data9.xml><?xml version="1.0" encoding="utf-8"?>
+<file path=ppt/diagrams/data7.xml><?xml version="1.0" encoding="utf-8"?>
 <dgm:dataModel xmlns:dgm="http://schemas.openxmlformats.org/drawingml/2006/diagram" xmlns:a="http://schemas.openxmlformats.org/drawingml/2006/main">
   <dgm:ptLst>
     <dgm:pt modelId="{F93F4D75-D40F-49A3-B6C7-7037961DCE04}" type="doc">
@@ -10686,7 +9128,7 @@
         <a:p>
           <a:r>
             <a:rPr lang="de-DE" dirty="0"/>
-            <a:t>Mangelndes Feedback</a:t>
+            <a:t>mangelndes Feedback</a:t>
           </a:r>
         </a:p>
       </dgm:t>
@@ -10989,6 +9431,518 @@
     <dgm:cxn modelId="{19F6AC4C-5E23-4819-8C0F-24076751C227}" type="presParOf" srcId="{B4C4E858-AE5D-4AD8-BDE1-E45DF1AA10FC}" destId="{3059123B-D816-4E08-87C8-209AD72A0737}" srcOrd="0" destOrd="0" presId="urn:microsoft.com/office/officeart/2005/8/layout/hList2"/>
     <dgm:cxn modelId="{2473AE04-F85A-4EAB-AAA6-1993C0C7BD88}" type="presParOf" srcId="{B4C4E858-AE5D-4AD8-BDE1-E45DF1AA10FC}" destId="{6D7751A8-E03C-405B-A2BE-CD87E8BBB01C}" srcOrd="1" destOrd="0" presId="urn:microsoft.com/office/officeart/2005/8/layout/hList2"/>
     <dgm:cxn modelId="{BCD845A9-25FE-415B-A03E-F3C1AD3F0BC6}" type="presParOf" srcId="{B4C4E858-AE5D-4AD8-BDE1-E45DF1AA10FC}" destId="{AD7697A2-2016-446B-B68F-4DA1974D32F1}" srcOrd="2" destOrd="0" presId="urn:microsoft.com/office/officeart/2005/8/layout/hList2"/>
+  </dgm:cxnLst>
+  <dgm:bg/>
+  <dgm:whole/>
+  <dgm:extLst>
+    <a:ext uri="http://schemas.microsoft.com/office/drawing/2008/diagram">
+      <dsp:dataModelExt xmlns:dsp="http://schemas.microsoft.com/office/drawing/2008/diagram" relId="rId6" minVer="http://schemas.openxmlformats.org/drawingml/2006/diagram"/>
+    </a:ext>
+  </dgm:extLst>
+</dgm:dataModel>
+</file>
+
+<file path=ppt/diagrams/data8.xml><?xml version="1.0" encoding="utf-8"?>
+<dgm:dataModel xmlns:dgm="http://schemas.openxmlformats.org/drawingml/2006/diagram" xmlns:a="http://schemas.openxmlformats.org/drawingml/2006/main">
+  <dgm:ptLst>
+    <dgm:pt modelId="{C45EB5E7-D213-4A58-885E-E9D7FFF44067}" type="doc">
+      <dgm:prSet loTypeId="urn:microsoft.com/office/officeart/2005/8/layout/default" loCatId="list" qsTypeId="urn:microsoft.com/office/officeart/2005/8/quickstyle/simple1" qsCatId="simple" csTypeId="urn:microsoft.com/office/officeart/2005/8/colors/accent1_2" csCatId="accent1" phldr="1"/>
+      <dgm:spPr/>
+      <dgm:t>
+        <a:bodyPr/>
+        <a:lstStyle/>
+        <a:p>
+          <a:endParaRPr lang="de-DE"/>
+        </a:p>
+      </dgm:t>
+    </dgm:pt>
+    <dgm:pt modelId="{C0C4B3BF-593E-4E88-A88D-BE48816D4A12}">
+      <dgm:prSet phldrT="[Text]"/>
+      <dgm:spPr/>
+      <dgm:t>
+        <a:bodyPr/>
+        <a:lstStyle/>
+        <a:p>
+          <a:r>
+            <a:rPr lang="de-DE" dirty="0"/>
+            <a:t>Unabhängiger Sprachassistent funktioniert</a:t>
+          </a:r>
+        </a:p>
+      </dgm:t>
+    </dgm:pt>
+    <dgm:pt modelId="{7EF3919E-5DFE-43C7-A2B5-F8436B6800D4}" type="parTrans" cxnId="{9F4279E2-EB4E-4D2F-8C82-61817755B39E}">
+      <dgm:prSet/>
+      <dgm:spPr/>
+      <dgm:t>
+        <a:bodyPr/>
+        <a:lstStyle/>
+        <a:p>
+          <a:endParaRPr lang="de-DE"/>
+        </a:p>
+      </dgm:t>
+    </dgm:pt>
+    <dgm:pt modelId="{A1B5B652-19A5-4911-BCA6-9A37E5CB84B1}" type="sibTrans" cxnId="{9F4279E2-EB4E-4D2F-8C82-61817755B39E}">
+      <dgm:prSet/>
+      <dgm:spPr/>
+      <dgm:t>
+        <a:bodyPr/>
+        <a:lstStyle/>
+        <a:p>
+          <a:endParaRPr lang="de-DE"/>
+        </a:p>
+      </dgm:t>
+    </dgm:pt>
+    <dgm:pt modelId="{A5962597-3910-4312-818E-69A83FC12C2C}">
+      <dgm:prSet phldrT="[Text]"/>
+      <dgm:spPr/>
+      <dgm:t>
+        <a:bodyPr/>
+        <a:lstStyle/>
+        <a:p>
+          <a:r>
+            <a:rPr lang="de-DE" dirty="0"/>
+            <a:t>Wahl der Bestandteile ändern</a:t>
+          </a:r>
+        </a:p>
+      </dgm:t>
+    </dgm:pt>
+    <dgm:pt modelId="{8FA6A066-F331-41EB-9CBB-C4B8186496E6}" type="parTrans" cxnId="{16EE8B6D-18E9-4DBA-919E-B29F608EC4F8}">
+      <dgm:prSet/>
+      <dgm:spPr/>
+      <dgm:t>
+        <a:bodyPr/>
+        <a:lstStyle/>
+        <a:p>
+          <a:endParaRPr lang="de-DE"/>
+        </a:p>
+      </dgm:t>
+    </dgm:pt>
+    <dgm:pt modelId="{126EE10E-7B43-4B0B-9A47-D71BD119703C}" type="sibTrans" cxnId="{16EE8B6D-18E9-4DBA-919E-B29F608EC4F8}">
+      <dgm:prSet/>
+      <dgm:spPr/>
+      <dgm:t>
+        <a:bodyPr/>
+        <a:lstStyle/>
+        <a:p>
+          <a:endParaRPr lang="de-DE"/>
+        </a:p>
+      </dgm:t>
+    </dgm:pt>
+    <dgm:pt modelId="{D474864B-72A1-4555-91B6-42554646844B}">
+      <dgm:prSet phldrT="[Text]"/>
+      <dgm:spPr/>
+      <dgm:t>
+        <a:bodyPr/>
+        <a:lstStyle/>
+        <a:p>
+          <a:r>
+            <a:rPr lang="de-DE" dirty="0"/>
+            <a:t>Feedback verbessern</a:t>
+          </a:r>
+        </a:p>
+      </dgm:t>
+    </dgm:pt>
+    <dgm:pt modelId="{14BE907A-88D4-4D58-90CD-7BC2D04A72CC}" type="parTrans" cxnId="{EF05D11A-A106-47B4-9DFB-33F26C8D0C61}">
+      <dgm:prSet/>
+      <dgm:spPr/>
+      <dgm:t>
+        <a:bodyPr/>
+        <a:lstStyle/>
+        <a:p>
+          <a:endParaRPr lang="de-DE"/>
+        </a:p>
+      </dgm:t>
+    </dgm:pt>
+    <dgm:pt modelId="{76D73D9C-BB0E-404E-B072-E749C19AD146}" type="sibTrans" cxnId="{EF05D11A-A106-47B4-9DFB-33F26C8D0C61}">
+      <dgm:prSet/>
+      <dgm:spPr/>
+      <dgm:t>
+        <a:bodyPr/>
+        <a:lstStyle/>
+        <a:p>
+          <a:endParaRPr lang="de-DE"/>
+        </a:p>
+      </dgm:t>
+    </dgm:pt>
+    <dgm:pt modelId="{0CA13021-613E-44A9-9C50-D0897B70C497}">
+      <dgm:prSet phldrT="[Text]"/>
+      <dgm:spPr/>
+      <dgm:t>
+        <a:bodyPr/>
+        <a:lstStyle/>
+        <a:p>
+          <a:r>
+            <a:rPr lang="de-DE" dirty="0"/>
+            <a:t>Konzept mit </a:t>
+          </a:r>
+          <a:r>
+            <a:rPr lang="de-DE" dirty="0" err="1"/>
+            <a:t>Snips</a:t>
+          </a:r>
+          <a:r>
+            <a:rPr lang="de-DE" dirty="0"/>
+            <a:t> anwenden</a:t>
+          </a:r>
+        </a:p>
+      </dgm:t>
+    </dgm:pt>
+    <dgm:pt modelId="{97F8FD21-E994-4D3E-8A36-BCD141E8BA86}" type="parTrans" cxnId="{8358F4D6-5A91-4D60-9305-C6C4DFB5CE34}">
+      <dgm:prSet/>
+      <dgm:spPr/>
+      <dgm:t>
+        <a:bodyPr/>
+        <a:lstStyle/>
+        <a:p>
+          <a:endParaRPr lang="de-DE"/>
+        </a:p>
+      </dgm:t>
+    </dgm:pt>
+    <dgm:pt modelId="{C88B2814-8AE6-4ACF-92D9-E7D2CCC2B5CD}" type="sibTrans" cxnId="{8358F4D6-5A91-4D60-9305-C6C4DFB5CE34}">
+      <dgm:prSet/>
+      <dgm:spPr/>
+      <dgm:t>
+        <a:bodyPr/>
+        <a:lstStyle/>
+        <a:p>
+          <a:endParaRPr lang="de-DE"/>
+        </a:p>
+      </dgm:t>
+    </dgm:pt>
+    <dgm:pt modelId="{20866C6E-8F5A-4793-94CB-A4A38AE1C0F1}" type="pres">
+      <dgm:prSet presAssocID="{C45EB5E7-D213-4A58-885E-E9D7FFF44067}" presName="diagram" presStyleCnt="0">
+        <dgm:presLayoutVars>
+          <dgm:dir/>
+          <dgm:resizeHandles val="exact"/>
+        </dgm:presLayoutVars>
+      </dgm:prSet>
+      <dgm:spPr/>
+    </dgm:pt>
+    <dgm:pt modelId="{D249125C-4122-4847-AA13-8F292BB7DADD}" type="pres">
+      <dgm:prSet presAssocID="{C0C4B3BF-593E-4E88-A88D-BE48816D4A12}" presName="node" presStyleLbl="node1" presStyleIdx="0" presStyleCnt="4" custScaleX="64728" custScaleY="60496" custLinFactNeighborX="31464" custLinFactNeighborY="9271">
+        <dgm:presLayoutVars>
+          <dgm:bulletEnabled val="1"/>
+        </dgm:presLayoutVars>
+      </dgm:prSet>
+      <dgm:spPr/>
+    </dgm:pt>
+    <dgm:pt modelId="{23121584-9D49-4984-93D2-96ED67C7C8C2}" type="pres">
+      <dgm:prSet presAssocID="{A1B5B652-19A5-4911-BCA6-9A37E5CB84B1}" presName="sibTrans" presStyleCnt="0"/>
+      <dgm:spPr/>
+    </dgm:pt>
+    <dgm:pt modelId="{9EE3B83E-88CA-4356-A408-468575A354C1}" type="pres">
+      <dgm:prSet presAssocID="{A5962597-3910-4312-818E-69A83FC12C2C}" presName="node" presStyleLbl="node1" presStyleIdx="1" presStyleCnt="4" custScaleX="50562" custScaleY="58388" custLinFactNeighborX="-95677" custLinFactNeighborY="76916">
+        <dgm:presLayoutVars>
+          <dgm:bulletEnabled val="1"/>
+        </dgm:presLayoutVars>
+      </dgm:prSet>
+      <dgm:spPr/>
+    </dgm:pt>
+    <dgm:pt modelId="{D3440075-F005-4E71-897F-D2164A1BFCA8}" type="pres">
+      <dgm:prSet presAssocID="{126EE10E-7B43-4B0B-9A47-D71BD119703C}" presName="sibTrans" presStyleCnt="0"/>
+      <dgm:spPr/>
+    </dgm:pt>
+    <dgm:pt modelId="{5700BA56-061B-4910-8A6A-95992139A03E}" type="pres">
+      <dgm:prSet presAssocID="{D474864B-72A1-4555-91B6-42554646844B}" presName="node" presStyleLbl="node1" presStyleIdx="2" presStyleCnt="4" custScaleX="56413" custScaleY="57592" custLinFactNeighborX="31499" custLinFactNeighborY="12">
+        <dgm:presLayoutVars>
+          <dgm:bulletEnabled val="1"/>
+        </dgm:presLayoutVars>
+      </dgm:prSet>
+      <dgm:spPr/>
+    </dgm:pt>
+    <dgm:pt modelId="{8432054E-3DCE-46C3-8BD5-82523364D978}" type="pres">
+      <dgm:prSet presAssocID="{76D73D9C-BB0E-404E-B072-E749C19AD146}" presName="sibTrans" presStyleCnt="0"/>
+      <dgm:spPr/>
+    </dgm:pt>
+    <dgm:pt modelId="{D8B4BAAC-1D63-4D4E-A759-93450FFC3BEF}" type="pres">
+      <dgm:prSet presAssocID="{0CA13021-613E-44A9-9C50-D0897B70C497}" presName="node" presStyleLbl="node1" presStyleIdx="3" presStyleCnt="4" custScaleX="52988" custScaleY="57995" custLinFactNeighborX="24849" custLinFactNeighborY="107">
+        <dgm:presLayoutVars>
+          <dgm:bulletEnabled val="1"/>
+        </dgm:presLayoutVars>
+      </dgm:prSet>
+      <dgm:spPr/>
+    </dgm:pt>
+  </dgm:ptLst>
+  <dgm:cxnLst>
+    <dgm:cxn modelId="{F020C30C-58D6-494B-A4C9-50DE4B792B5B}" type="presOf" srcId="{C0C4B3BF-593E-4E88-A88D-BE48816D4A12}" destId="{D249125C-4122-4847-AA13-8F292BB7DADD}" srcOrd="0" destOrd="0" presId="urn:microsoft.com/office/officeart/2005/8/layout/default"/>
+    <dgm:cxn modelId="{EF05D11A-A106-47B4-9DFB-33F26C8D0C61}" srcId="{C45EB5E7-D213-4A58-885E-E9D7FFF44067}" destId="{D474864B-72A1-4555-91B6-42554646844B}" srcOrd="2" destOrd="0" parTransId="{14BE907A-88D4-4D58-90CD-7BC2D04A72CC}" sibTransId="{76D73D9C-BB0E-404E-B072-E749C19AD146}"/>
+    <dgm:cxn modelId="{6BC29F27-A89C-4554-A596-E2DE6DADA05A}" type="presOf" srcId="{C45EB5E7-D213-4A58-885E-E9D7FFF44067}" destId="{20866C6E-8F5A-4793-94CB-A4A38AE1C0F1}" srcOrd="0" destOrd="0" presId="urn:microsoft.com/office/officeart/2005/8/layout/default"/>
+    <dgm:cxn modelId="{47BF5D46-9A9A-496A-9E03-5F7F65093D55}" type="presOf" srcId="{D474864B-72A1-4555-91B6-42554646844B}" destId="{5700BA56-061B-4910-8A6A-95992139A03E}" srcOrd="0" destOrd="0" presId="urn:microsoft.com/office/officeart/2005/8/layout/default"/>
+    <dgm:cxn modelId="{16EE8B6D-18E9-4DBA-919E-B29F608EC4F8}" srcId="{C45EB5E7-D213-4A58-885E-E9D7FFF44067}" destId="{A5962597-3910-4312-818E-69A83FC12C2C}" srcOrd="1" destOrd="0" parTransId="{8FA6A066-F331-41EB-9CBB-C4B8186496E6}" sibTransId="{126EE10E-7B43-4B0B-9A47-D71BD119703C}"/>
+    <dgm:cxn modelId="{D48E696F-EE6C-4FDF-AF87-1D086E47A88F}" type="presOf" srcId="{A5962597-3910-4312-818E-69A83FC12C2C}" destId="{9EE3B83E-88CA-4356-A408-468575A354C1}" srcOrd="0" destOrd="0" presId="urn:microsoft.com/office/officeart/2005/8/layout/default"/>
+    <dgm:cxn modelId="{55C41D5A-7C6A-4853-A555-C92306FAF991}" type="presOf" srcId="{0CA13021-613E-44A9-9C50-D0897B70C497}" destId="{D8B4BAAC-1D63-4D4E-A759-93450FFC3BEF}" srcOrd="0" destOrd="0" presId="urn:microsoft.com/office/officeart/2005/8/layout/default"/>
+    <dgm:cxn modelId="{8358F4D6-5A91-4D60-9305-C6C4DFB5CE34}" srcId="{C45EB5E7-D213-4A58-885E-E9D7FFF44067}" destId="{0CA13021-613E-44A9-9C50-D0897B70C497}" srcOrd="3" destOrd="0" parTransId="{97F8FD21-E994-4D3E-8A36-BCD141E8BA86}" sibTransId="{C88B2814-8AE6-4ACF-92D9-E7D2CCC2B5CD}"/>
+    <dgm:cxn modelId="{9F4279E2-EB4E-4D2F-8C82-61817755B39E}" srcId="{C45EB5E7-D213-4A58-885E-E9D7FFF44067}" destId="{C0C4B3BF-593E-4E88-A88D-BE48816D4A12}" srcOrd="0" destOrd="0" parTransId="{7EF3919E-5DFE-43C7-A2B5-F8436B6800D4}" sibTransId="{A1B5B652-19A5-4911-BCA6-9A37E5CB84B1}"/>
+    <dgm:cxn modelId="{75680467-BE7B-4F4B-82FA-75BD80C4405B}" type="presParOf" srcId="{20866C6E-8F5A-4793-94CB-A4A38AE1C0F1}" destId="{D249125C-4122-4847-AA13-8F292BB7DADD}" srcOrd="0" destOrd="0" presId="urn:microsoft.com/office/officeart/2005/8/layout/default"/>
+    <dgm:cxn modelId="{AB403775-1AF9-43A4-BECA-A10CFDA0F408}" type="presParOf" srcId="{20866C6E-8F5A-4793-94CB-A4A38AE1C0F1}" destId="{23121584-9D49-4984-93D2-96ED67C7C8C2}" srcOrd="1" destOrd="0" presId="urn:microsoft.com/office/officeart/2005/8/layout/default"/>
+    <dgm:cxn modelId="{96A29BDF-B4E5-4BCB-9EC8-C70CB5DD4961}" type="presParOf" srcId="{20866C6E-8F5A-4793-94CB-A4A38AE1C0F1}" destId="{9EE3B83E-88CA-4356-A408-468575A354C1}" srcOrd="2" destOrd="0" presId="urn:microsoft.com/office/officeart/2005/8/layout/default"/>
+    <dgm:cxn modelId="{3A0B4E4D-7BF0-412C-9A3A-58F53A022094}" type="presParOf" srcId="{20866C6E-8F5A-4793-94CB-A4A38AE1C0F1}" destId="{D3440075-F005-4E71-897F-D2164A1BFCA8}" srcOrd="3" destOrd="0" presId="urn:microsoft.com/office/officeart/2005/8/layout/default"/>
+    <dgm:cxn modelId="{34EF90DC-391B-4BA9-972F-0B9EAD56E792}" type="presParOf" srcId="{20866C6E-8F5A-4793-94CB-A4A38AE1C0F1}" destId="{5700BA56-061B-4910-8A6A-95992139A03E}" srcOrd="4" destOrd="0" presId="urn:microsoft.com/office/officeart/2005/8/layout/default"/>
+    <dgm:cxn modelId="{D3650E26-D6F9-4B3B-B529-480948529BEE}" type="presParOf" srcId="{20866C6E-8F5A-4793-94CB-A4A38AE1C0F1}" destId="{8432054E-3DCE-46C3-8BD5-82523364D978}" srcOrd="5" destOrd="0" presId="urn:microsoft.com/office/officeart/2005/8/layout/default"/>
+    <dgm:cxn modelId="{F16D8319-D470-40CF-BF0C-65A0A4F74B79}" type="presParOf" srcId="{20866C6E-8F5A-4793-94CB-A4A38AE1C0F1}" destId="{D8B4BAAC-1D63-4D4E-A759-93450FFC3BEF}" srcOrd="6" destOrd="0" presId="urn:microsoft.com/office/officeart/2005/8/layout/default"/>
+  </dgm:cxnLst>
+  <dgm:bg/>
+  <dgm:whole/>
+  <dgm:extLst>
+    <a:ext uri="http://schemas.microsoft.com/office/drawing/2008/diagram">
+      <dsp:dataModelExt xmlns:dsp="http://schemas.microsoft.com/office/drawing/2008/diagram" relId="rId6" minVer="http://schemas.openxmlformats.org/drawingml/2006/diagram"/>
+    </a:ext>
+  </dgm:extLst>
+</dgm:dataModel>
+</file>
+
+<file path=ppt/diagrams/data9.xml><?xml version="1.0" encoding="utf-8"?>
+<dgm:dataModel xmlns:dgm="http://schemas.openxmlformats.org/drawingml/2006/diagram" xmlns:a="http://schemas.openxmlformats.org/drawingml/2006/main">
+  <dgm:ptLst>
+    <dgm:pt modelId="{0F1EE41A-8060-4D89-83FA-76A30B099253}" type="doc">
+      <dgm:prSet loTypeId="urn:microsoft.com/office/officeart/2005/8/layout/default" loCatId="list" qsTypeId="urn:microsoft.com/office/officeart/2005/8/quickstyle/simple1" qsCatId="simple" csTypeId="urn:microsoft.com/office/officeart/2005/8/colors/accent1_2" csCatId="accent1" phldr="1"/>
+      <dgm:spPr/>
+      <dgm:t>
+        <a:bodyPr/>
+        <a:lstStyle/>
+        <a:p>
+          <a:endParaRPr lang="de-DE"/>
+        </a:p>
+      </dgm:t>
+    </dgm:pt>
+    <dgm:pt modelId="{3B35E844-6E62-46C5-929A-7AE7B50EDAA6}">
+      <dgm:prSet/>
+      <dgm:spPr/>
+      <dgm:t>
+        <a:bodyPr/>
+        <a:lstStyle/>
+        <a:p>
+          <a:r>
+            <a:rPr lang="de-DE" dirty="0"/>
+            <a:t>§ 3 </a:t>
+          </a:r>
+        </a:p>
+        <a:p>
+          <a:r>
+            <a:rPr lang="de-DE" dirty="0"/>
+            <a:t>„Räumlicher Anwendungsbereich“</a:t>
+          </a:r>
+        </a:p>
+      </dgm:t>
+    </dgm:pt>
+    <dgm:pt modelId="{46C81A67-33AA-4C3A-B744-843B7F7C1CC1}" type="parTrans" cxnId="{5928F79D-AEF9-472B-9B9E-825B8D550F80}">
+      <dgm:prSet/>
+      <dgm:spPr/>
+      <dgm:t>
+        <a:bodyPr/>
+        <a:lstStyle/>
+        <a:p>
+          <a:endParaRPr lang="de-DE"/>
+        </a:p>
+      </dgm:t>
+    </dgm:pt>
+    <dgm:pt modelId="{FD0BDDFF-5655-495E-AC26-514163E81798}" type="sibTrans" cxnId="{5928F79D-AEF9-472B-9B9E-825B8D550F80}">
+      <dgm:prSet/>
+      <dgm:spPr/>
+      <dgm:t>
+        <a:bodyPr/>
+        <a:lstStyle/>
+        <a:p>
+          <a:endParaRPr lang="de-DE"/>
+        </a:p>
+      </dgm:t>
+    </dgm:pt>
+    <dgm:pt modelId="{BCD3CBD7-8498-449F-8B50-8F59B3A61FD6}">
+      <dgm:prSet/>
+      <dgm:spPr/>
+      <dgm:t>
+        <a:bodyPr/>
+        <a:lstStyle/>
+        <a:p>
+          <a:r>
+            <a:rPr lang="de-DE" dirty="0"/>
+            <a:t>§ 5</a:t>
+          </a:r>
+        </a:p>
+        <a:p>
+          <a:r>
+            <a:rPr lang="de-DE" dirty="0"/>
+            <a:t> „Grundsätze für die Verarbeitung personenbezogener Daten“</a:t>
+          </a:r>
+        </a:p>
+      </dgm:t>
+    </dgm:pt>
+    <dgm:pt modelId="{A5ADB686-659C-4569-8A2B-10843E51CBFD}" type="parTrans" cxnId="{09FFA331-903D-4991-A808-95DC90955BDA}">
+      <dgm:prSet/>
+      <dgm:spPr/>
+      <dgm:t>
+        <a:bodyPr/>
+        <a:lstStyle/>
+        <a:p>
+          <a:endParaRPr lang="de-DE"/>
+        </a:p>
+      </dgm:t>
+    </dgm:pt>
+    <dgm:pt modelId="{1F69758D-18CF-4064-B1C2-06D60F7BB429}" type="sibTrans" cxnId="{09FFA331-903D-4991-A808-95DC90955BDA}">
+      <dgm:prSet/>
+      <dgm:spPr/>
+      <dgm:t>
+        <a:bodyPr/>
+        <a:lstStyle/>
+        <a:p>
+          <a:endParaRPr lang="de-DE"/>
+        </a:p>
+      </dgm:t>
+    </dgm:pt>
+    <dgm:pt modelId="{3E10A241-0624-4EAC-B070-C3BE345CFA09}">
+      <dgm:prSet/>
+      <dgm:spPr/>
+      <dgm:t>
+        <a:bodyPr/>
+        <a:lstStyle/>
+        <a:p>
+          <a:r>
+            <a:rPr lang="de-DE" dirty="0"/>
+            <a:t>§ 17</a:t>
+          </a:r>
+        </a:p>
+        <a:p>
+          <a:r>
+            <a:rPr lang="de-DE" dirty="0"/>
+            <a:t> „Recht auf Löschung“</a:t>
+          </a:r>
+        </a:p>
+      </dgm:t>
+    </dgm:pt>
+    <dgm:pt modelId="{5DDF89DC-19F6-4DC4-9C6E-75A7F7A1DA4B}" type="parTrans" cxnId="{0263DF9D-3817-4488-B6B1-51618C622ABA}">
+      <dgm:prSet/>
+      <dgm:spPr/>
+      <dgm:t>
+        <a:bodyPr/>
+        <a:lstStyle/>
+        <a:p>
+          <a:endParaRPr lang="de-DE"/>
+        </a:p>
+      </dgm:t>
+    </dgm:pt>
+    <dgm:pt modelId="{14488086-E4EB-4ABD-8870-A4D6FE4762FE}" type="sibTrans" cxnId="{0263DF9D-3817-4488-B6B1-51618C622ABA}">
+      <dgm:prSet/>
+      <dgm:spPr/>
+      <dgm:t>
+        <a:bodyPr/>
+        <a:lstStyle/>
+        <a:p>
+          <a:endParaRPr lang="de-DE"/>
+        </a:p>
+      </dgm:t>
+    </dgm:pt>
+    <dgm:pt modelId="{600F46DD-7A9D-4F94-B852-5CE2B81242F7}">
+      <dgm:prSet/>
+      <dgm:spPr/>
+      <dgm:t>
+        <a:bodyPr/>
+        <a:lstStyle/>
+        <a:p>
+          <a:r>
+            <a:rPr lang="de-DE" dirty="0"/>
+            <a:t>§ 25</a:t>
+          </a:r>
+        </a:p>
+        <a:p>
+          <a:r>
+            <a:rPr lang="de-DE" dirty="0"/>
+            <a:t> „Datenschutz durch Technikgestaltung und durch datenschutzfreundliche Voreinstellungen“</a:t>
+          </a:r>
+        </a:p>
+      </dgm:t>
+    </dgm:pt>
+    <dgm:pt modelId="{41DB5A9E-3D11-4788-AEA1-133C75DAF38A}" type="parTrans" cxnId="{C4A64730-099F-464D-A9AD-2D5856FD104D}">
+      <dgm:prSet/>
+      <dgm:spPr/>
+      <dgm:t>
+        <a:bodyPr/>
+        <a:lstStyle/>
+        <a:p>
+          <a:endParaRPr lang="de-DE"/>
+        </a:p>
+      </dgm:t>
+    </dgm:pt>
+    <dgm:pt modelId="{50832792-5B1F-43FF-8C4B-7714153A1392}" type="sibTrans" cxnId="{C4A64730-099F-464D-A9AD-2D5856FD104D}">
+      <dgm:prSet/>
+      <dgm:spPr/>
+      <dgm:t>
+        <a:bodyPr/>
+        <a:lstStyle/>
+        <a:p>
+          <a:endParaRPr lang="de-DE"/>
+        </a:p>
+      </dgm:t>
+    </dgm:pt>
+    <dgm:pt modelId="{726F02F4-9F8D-4775-9C81-224515A7803E}" type="pres">
+      <dgm:prSet presAssocID="{0F1EE41A-8060-4D89-83FA-76A30B099253}" presName="diagram" presStyleCnt="0">
+        <dgm:presLayoutVars>
+          <dgm:dir/>
+          <dgm:resizeHandles val="exact"/>
+        </dgm:presLayoutVars>
+      </dgm:prSet>
+      <dgm:spPr/>
+    </dgm:pt>
+    <dgm:pt modelId="{5F2250E0-8781-481D-872F-6323B6C30192}" type="pres">
+      <dgm:prSet presAssocID="{3B35E844-6E62-46C5-929A-7AE7B50EDAA6}" presName="node" presStyleLbl="node1" presStyleIdx="0" presStyleCnt="4">
+        <dgm:presLayoutVars>
+          <dgm:bulletEnabled val="1"/>
+        </dgm:presLayoutVars>
+      </dgm:prSet>
+      <dgm:spPr/>
+    </dgm:pt>
+    <dgm:pt modelId="{8CEAC6B9-3640-4B1F-BC2D-FB5EFE2A8C2A}" type="pres">
+      <dgm:prSet presAssocID="{FD0BDDFF-5655-495E-AC26-514163E81798}" presName="sibTrans" presStyleCnt="0"/>
+      <dgm:spPr/>
+    </dgm:pt>
+    <dgm:pt modelId="{4D4E8C40-59B0-43AB-AF84-E09B0A97989B}" type="pres">
+      <dgm:prSet presAssocID="{BCD3CBD7-8498-449F-8B50-8F59B3A61FD6}" presName="node" presStyleLbl="node1" presStyleIdx="1" presStyleCnt="4">
+        <dgm:presLayoutVars>
+          <dgm:bulletEnabled val="1"/>
+        </dgm:presLayoutVars>
+      </dgm:prSet>
+      <dgm:spPr/>
+    </dgm:pt>
+    <dgm:pt modelId="{7C7E83C9-7603-464C-9984-362522554365}" type="pres">
+      <dgm:prSet presAssocID="{1F69758D-18CF-4064-B1C2-06D60F7BB429}" presName="sibTrans" presStyleCnt="0"/>
+      <dgm:spPr/>
+    </dgm:pt>
+    <dgm:pt modelId="{98F0F990-6069-4005-A022-52F5C3322428}" type="pres">
+      <dgm:prSet presAssocID="{3E10A241-0624-4EAC-B070-C3BE345CFA09}" presName="node" presStyleLbl="node1" presStyleIdx="2" presStyleCnt="4">
+        <dgm:presLayoutVars>
+          <dgm:bulletEnabled val="1"/>
+        </dgm:presLayoutVars>
+      </dgm:prSet>
+      <dgm:spPr/>
+    </dgm:pt>
+    <dgm:pt modelId="{B9F63AAB-2132-4804-85AD-DCDD9B20B1C0}" type="pres">
+      <dgm:prSet presAssocID="{14488086-E4EB-4ABD-8870-A4D6FE4762FE}" presName="sibTrans" presStyleCnt="0"/>
+      <dgm:spPr/>
+    </dgm:pt>
+    <dgm:pt modelId="{6BADA56D-72BA-43AD-B597-CE1E5C02E238}" type="pres">
+      <dgm:prSet presAssocID="{600F46DD-7A9D-4F94-B852-5CE2B81242F7}" presName="node" presStyleLbl="node1" presStyleIdx="3" presStyleCnt="4" custScaleX="168761">
+        <dgm:presLayoutVars>
+          <dgm:bulletEnabled val="1"/>
+        </dgm:presLayoutVars>
+      </dgm:prSet>
+      <dgm:spPr/>
+    </dgm:pt>
+  </dgm:ptLst>
+  <dgm:cxnLst>
+    <dgm:cxn modelId="{C4A64730-099F-464D-A9AD-2D5856FD104D}" srcId="{0F1EE41A-8060-4D89-83FA-76A30B099253}" destId="{600F46DD-7A9D-4F94-B852-5CE2B81242F7}" srcOrd="3" destOrd="0" parTransId="{41DB5A9E-3D11-4788-AEA1-133C75DAF38A}" sibTransId="{50832792-5B1F-43FF-8C4B-7714153A1392}"/>
+    <dgm:cxn modelId="{09FFA331-903D-4991-A808-95DC90955BDA}" srcId="{0F1EE41A-8060-4D89-83FA-76A30B099253}" destId="{BCD3CBD7-8498-449F-8B50-8F59B3A61FD6}" srcOrd="1" destOrd="0" parTransId="{A5ADB686-659C-4569-8A2B-10843E51CBFD}" sibTransId="{1F69758D-18CF-4064-B1C2-06D60F7BB429}"/>
+    <dgm:cxn modelId="{C0025335-A357-417A-AFA3-ECA17F8BA3BF}" type="presOf" srcId="{0F1EE41A-8060-4D89-83FA-76A30B099253}" destId="{726F02F4-9F8D-4775-9C81-224515A7803E}" srcOrd="0" destOrd="0" presId="urn:microsoft.com/office/officeart/2005/8/layout/default"/>
+    <dgm:cxn modelId="{BE689542-76FF-4CF9-98BA-C58A5EFF8B05}" type="presOf" srcId="{3B35E844-6E62-46C5-929A-7AE7B50EDAA6}" destId="{5F2250E0-8781-481D-872F-6323B6C30192}" srcOrd="0" destOrd="0" presId="urn:microsoft.com/office/officeart/2005/8/layout/default"/>
+    <dgm:cxn modelId="{0263DF9D-3817-4488-B6B1-51618C622ABA}" srcId="{0F1EE41A-8060-4D89-83FA-76A30B099253}" destId="{3E10A241-0624-4EAC-B070-C3BE345CFA09}" srcOrd="2" destOrd="0" parTransId="{5DDF89DC-19F6-4DC4-9C6E-75A7F7A1DA4B}" sibTransId="{14488086-E4EB-4ABD-8870-A4D6FE4762FE}"/>
+    <dgm:cxn modelId="{5928F79D-AEF9-472B-9B9E-825B8D550F80}" srcId="{0F1EE41A-8060-4D89-83FA-76A30B099253}" destId="{3B35E844-6E62-46C5-929A-7AE7B50EDAA6}" srcOrd="0" destOrd="0" parTransId="{46C81A67-33AA-4C3A-B744-843B7F7C1CC1}" sibTransId="{FD0BDDFF-5655-495E-AC26-514163E81798}"/>
+    <dgm:cxn modelId="{4E199FA2-863E-48A5-865D-C500084D186A}" type="presOf" srcId="{BCD3CBD7-8498-449F-8B50-8F59B3A61FD6}" destId="{4D4E8C40-59B0-43AB-AF84-E09B0A97989B}" srcOrd="0" destOrd="0" presId="urn:microsoft.com/office/officeart/2005/8/layout/default"/>
+    <dgm:cxn modelId="{87061FD3-ECD6-40F4-8AD4-F2CF1B9F34C9}" type="presOf" srcId="{600F46DD-7A9D-4F94-B852-5CE2B81242F7}" destId="{6BADA56D-72BA-43AD-B597-CE1E5C02E238}" srcOrd="0" destOrd="0" presId="urn:microsoft.com/office/officeart/2005/8/layout/default"/>
+    <dgm:cxn modelId="{37DD6CE7-0634-4FC0-B3CA-8D0B1C9F3034}" type="presOf" srcId="{3E10A241-0624-4EAC-B070-C3BE345CFA09}" destId="{98F0F990-6069-4005-A022-52F5C3322428}" srcOrd="0" destOrd="0" presId="urn:microsoft.com/office/officeart/2005/8/layout/default"/>
+    <dgm:cxn modelId="{C65816BD-4A2A-4290-9B22-749B9C0484B5}" type="presParOf" srcId="{726F02F4-9F8D-4775-9C81-224515A7803E}" destId="{5F2250E0-8781-481D-872F-6323B6C30192}" srcOrd="0" destOrd="0" presId="urn:microsoft.com/office/officeart/2005/8/layout/default"/>
+    <dgm:cxn modelId="{45BE6804-522A-4669-92B2-6D8B7017F97B}" type="presParOf" srcId="{726F02F4-9F8D-4775-9C81-224515A7803E}" destId="{8CEAC6B9-3640-4B1F-BC2D-FB5EFE2A8C2A}" srcOrd="1" destOrd="0" presId="urn:microsoft.com/office/officeart/2005/8/layout/default"/>
+    <dgm:cxn modelId="{CC20C9AD-D867-46C6-9877-54D19B9FE440}" type="presParOf" srcId="{726F02F4-9F8D-4775-9C81-224515A7803E}" destId="{4D4E8C40-59B0-43AB-AF84-E09B0A97989B}" srcOrd="2" destOrd="0" presId="urn:microsoft.com/office/officeart/2005/8/layout/default"/>
+    <dgm:cxn modelId="{1DBFB9BC-3067-4271-BCE8-785778BB2CA3}" type="presParOf" srcId="{726F02F4-9F8D-4775-9C81-224515A7803E}" destId="{7C7E83C9-7603-464C-9984-362522554365}" srcOrd="3" destOrd="0" presId="urn:microsoft.com/office/officeart/2005/8/layout/default"/>
+    <dgm:cxn modelId="{DC1BFD4E-D8B1-4577-B779-560D85D051FF}" type="presParOf" srcId="{726F02F4-9F8D-4775-9C81-224515A7803E}" destId="{98F0F990-6069-4005-A022-52F5C3322428}" srcOrd="4" destOrd="0" presId="urn:microsoft.com/office/officeart/2005/8/layout/default"/>
+    <dgm:cxn modelId="{CF768121-64F2-4F1C-A86E-49B4254165EE}" type="presParOf" srcId="{726F02F4-9F8D-4775-9C81-224515A7803E}" destId="{B9F63AAB-2132-4804-85AD-DCDD9B20B1C0}" srcOrd="5" destOrd="0" presId="urn:microsoft.com/office/officeart/2005/8/layout/default"/>
+    <dgm:cxn modelId="{130B96C4-8106-401E-AFB3-EDD6F8B6CA23}" type="presParOf" srcId="{726F02F4-9F8D-4775-9C81-224515A7803E}" destId="{6BADA56D-72BA-43AD-B597-CE1E5C02E238}" srcOrd="6" destOrd="0" presId="urn:microsoft.com/office/officeart/2005/8/layout/default"/>
   </dgm:cxnLst>
   <dgm:bg/>
   <dgm:whole/>
@@ -11480,735 +10434,7 @@
 </dsp:drawing>
 </file>
 
-<file path=ppt/diagrams/drawing10.xml><?xml version="1.0" encoding="utf-8"?>
-<dsp:drawing xmlns:dgm="http://schemas.openxmlformats.org/drawingml/2006/diagram" xmlns:dsp="http://schemas.microsoft.com/office/drawing/2008/diagram" xmlns:a="http://schemas.openxmlformats.org/drawingml/2006/main">
-  <dsp:spTree>
-    <dsp:nvGrpSpPr>
-      <dsp:cNvPr id="0" name=""/>
-      <dsp:cNvGrpSpPr/>
-    </dsp:nvGrpSpPr>
-    <dsp:grpSpPr/>
-    <dsp:sp modelId="{D249125C-4122-4847-AA13-8F292BB7DADD}">
-      <dsp:nvSpPr>
-        <dsp:cNvPr id="0" name=""/>
-        <dsp:cNvSpPr/>
-      </dsp:nvSpPr>
-      <dsp:spPr>
-        <a:xfrm>
-          <a:off x="992" y="194138"/>
-          <a:ext cx="3869531" cy="2321718"/>
-        </a:xfrm>
-        <a:prstGeom prst="rect">
-          <a:avLst/>
-        </a:prstGeom>
-        <a:solidFill>
-          <a:schemeClr val="accent1">
-            <a:hueOff val="0"/>
-            <a:satOff val="0"/>
-            <a:lumOff val="0"/>
-            <a:alphaOff val="0"/>
-          </a:schemeClr>
-        </a:solidFill>
-        <a:ln w="12700" cap="flat" cmpd="sng" algn="ctr">
-          <a:solidFill>
-            <a:schemeClr val="lt1">
-              <a:hueOff val="0"/>
-              <a:satOff val="0"/>
-              <a:lumOff val="0"/>
-              <a:alphaOff val="0"/>
-            </a:schemeClr>
-          </a:solidFill>
-          <a:prstDash val="solid"/>
-          <a:miter lim="800000"/>
-        </a:ln>
-        <a:effectLst/>
-      </dsp:spPr>
-      <dsp:style>
-        <a:lnRef idx="2">
-          <a:scrgbClr r="0" g="0" b="0"/>
-        </a:lnRef>
-        <a:fillRef idx="1">
-          <a:scrgbClr r="0" g="0" b="0"/>
-        </a:fillRef>
-        <a:effectRef idx="0">
-          <a:scrgbClr r="0" g="0" b="0"/>
-        </a:effectRef>
-        <a:fontRef idx="minor">
-          <a:schemeClr val="lt1"/>
-        </a:fontRef>
-      </dsp:style>
-      <dsp:txBody>
-        <a:bodyPr spcFirstLastPara="0" vert="horz" wrap="square" lIns="144780" tIns="144780" rIns="144780" bIns="144780" numCol="1" spcCol="1270" anchor="ctr" anchorCtr="0">
-          <a:noAutofit/>
-        </a:bodyPr>
-        <a:lstStyle/>
-        <a:p>
-          <a:pPr marL="0" lvl="0" indent="0" algn="ctr" defTabSz="1689100">
-            <a:lnSpc>
-              <a:spcPct val="90000"/>
-            </a:lnSpc>
-            <a:spcBef>
-              <a:spcPct val="0"/>
-            </a:spcBef>
-            <a:spcAft>
-              <a:spcPct val="35000"/>
-            </a:spcAft>
-            <a:buNone/>
-          </a:pPr>
-          <a:r>
-            <a:rPr lang="de-DE" sz="3800" kern="1200" dirty="0"/>
-            <a:t>Unabhängiger Sprachassistent funktioniert</a:t>
-          </a:r>
-        </a:p>
-      </dsp:txBody>
-      <dsp:txXfrm>
-        <a:off x="992" y="194138"/>
-        <a:ext cx="3869531" cy="2321718"/>
-      </dsp:txXfrm>
-    </dsp:sp>
-    <dsp:sp modelId="{9EE3B83E-88CA-4356-A408-468575A354C1}">
-      <dsp:nvSpPr>
-        <dsp:cNvPr id="0" name=""/>
-        <dsp:cNvSpPr/>
-      </dsp:nvSpPr>
-      <dsp:spPr>
-        <a:xfrm>
-          <a:off x="4257476" y="194138"/>
-          <a:ext cx="3869531" cy="2321718"/>
-        </a:xfrm>
-        <a:prstGeom prst="rect">
-          <a:avLst/>
-        </a:prstGeom>
-        <a:solidFill>
-          <a:schemeClr val="accent1">
-            <a:hueOff val="0"/>
-            <a:satOff val="0"/>
-            <a:lumOff val="0"/>
-            <a:alphaOff val="0"/>
-          </a:schemeClr>
-        </a:solidFill>
-        <a:ln w="12700" cap="flat" cmpd="sng" algn="ctr">
-          <a:solidFill>
-            <a:schemeClr val="lt1">
-              <a:hueOff val="0"/>
-              <a:satOff val="0"/>
-              <a:lumOff val="0"/>
-              <a:alphaOff val="0"/>
-            </a:schemeClr>
-          </a:solidFill>
-          <a:prstDash val="solid"/>
-          <a:miter lim="800000"/>
-        </a:ln>
-        <a:effectLst/>
-      </dsp:spPr>
-      <dsp:style>
-        <a:lnRef idx="2">
-          <a:scrgbClr r="0" g="0" b="0"/>
-        </a:lnRef>
-        <a:fillRef idx="1">
-          <a:scrgbClr r="0" g="0" b="0"/>
-        </a:fillRef>
-        <a:effectRef idx="0">
-          <a:scrgbClr r="0" g="0" b="0"/>
-        </a:effectRef>
-        <a:fontRef idx="minor">
-          <a:schemeClr val="lt1"/>
-        </a:fontRef>
-      </dsp:style>
-      <dsp:txBody>
-        <a:bodyPr spcFirstLastPara="0" vert="horz" wrap="square" lIns="144780" tIns="144780" rIns="144780" bIns="144780" numCol="1" spcCol="1270" anchor="ctr" anchorCtr="0">
-          <a:noAutofit/>
-        </a:bodyPr>
-        <a:lstStyle/>
-        <a:p>
-          <a:pPr marL="0" lvl="0" indent="0" algn="ctr" defTabSz="1689100">
-            <a:lnSpc>
-              <a:spcPct val="90000"/>
-            </a:lnSpc>
-            <a:spcBef>
-              <a:spcPct val="0"/>
-            </a:spcBef>
-            <a:spcAft>
-              <a:spcPct val="35000"/>
-            </a:spcAft>
-            <a:buNone/>
-          </a:pPr>
-          <a:r>
-            <a:rPr lang="de-DE" sz="3800" kern="1200" dirty="0"/>
-            <a:t>Wahl der Bestandteile ändern</a:t>
-          </a:r>
-        </a:p>
-      </dsp:txBody>
-      <dsp:txXfrm>
-        <a:off x="4257476" y="194138"/>
-        <a:ext cx="3869531" cy="2321718"/>
-      </dsp:txXfrm>
-    </dsp:sp>
-    <dsp:sp modelId="{5700BA56-061B-4910-8A6A-95992139A03E}">
-      <dsp:nvSpPr>
-        <dsp:cNvPr id="0" name=""/>
-        <dsp:cNvSpPr/>
-      </dsp:nvSpPr>
-      <dsp:spPr>
-        <a:xfrm>
-          <a:off x="992" y="2902810"/>
-          <a:ext cx="3869531" cy="2321718"/>
-        </a:xfrm>
-        <a:prstGeom prst="rect">
-          <a:avLst/>
-        </a:prstGeom>
-        <a:solidFill>
-          <a:schemeClr val="accent1">
-            <a:hueOff val="0"/>
-            <a:satOff val="0"/>
-            <a:lumOff val="0"/>
-            <a:alphaOff val="0"/>
-          </a:schemeClr>
-        </a:solidFill>
-        <a:ln w="12700" cap="flat" cmpd="sng" algn="ctr">
-          <a:solidFill>
-            <a:schemeClr val="lt1">
-              <a:hueOff val="0"/>
-              <a:satOff val="0"/>
-              <a:lumOff val="0"/>
-              <a:alphaOff val="0"/>
-            </a:schemeClr>
-          </a:solidFill>
-          <a:prstDash val="solid"/>
-          <a:miter lim="800000"/>
-        </a:ln>
-        <a:effectLst/>
-      </dsp:spPr>
-      <dsp:style>
-        <a:lnRef idx="2">
-          <a:scrgbClr r="0" g="0" b="0"/>
-        </a:lnRef>
-        <a:fillRef idx="1">
-          <a:scrgbClr r="0" g="0" b="0"/>
-        </a:fillRef>
-        <a:effectRef idx="0">
-          <a:scrgbClr r="0" g="0" b="0"/>
-        </a:effectRef>
-        <a:fontRef idx="minor">
-          <a:schemeClr val="lt1"/>
-        </a:fontRef>
-      </dsp:style>
-      <dsp:txBody>
-        <a:bodyPr spcFirstLastPara="0" vert="horz" wrap="square" lIns="144780" tIns="144780" rIns="144780" bIns="144780" numCol="1" spcCol="1270" anchor="ctr" anchorCtr="0">
-          <a:noAutofit/>
-        </a:bodyPr>
-        <a:lstStyle/>
-        <a:p>
-          <a:pPr marL="0" lvl="0" indent="0" algn="ctr" defTabSz="1689100">
-            <a:lnSpc>
-              <a:spcPct val="90000"/>
-            </a:lnSpc>
-            <a:spcBef>
-              <a:spcPct val="0"/>
-            </a:spcBef>
-            <a:spcAft>
-              <a:spcPct val="35000"/>
-            </a:spcAft>
-            <a:buNone/>
-          </a:pPr>
-          <a:r>
-            <a:rPr lang="de-DE" sz="3800" kern="1200" dirty="0"/>
-            <a:t>Feedback verbessern</a:t>
-          </a:r>
-        </a:p>
-      </dsp:txBody>
-      <dsp:txXfrm>
-        <a:off x="992" y="2902810"/>
-        <a:ext cx="3869531" cy="2321718"/>
-      </dsp:txXfrm>
-    </dsp:sp>
-    <dsp:sp modelId="{D8B4BAAC-1D63-4D4E-A759-93450FFC3BEF}">
-      <dsp:nvSpPr>
-        <dsp:cNvPr id="0" name=""/>
-        <dsp:cNvSpPr/>
-      </dsp:nvSpPr>
-      <dsp:spPr>
-        <a:xfrm>
-          <a:off x="4257476" y="2902810"/>
-          <a:ext cx="3869531" cy="2321718"/>
-        </a:xfrm>
-        <a:prstGeom prst="rect">
-          <a:avLst/>
-        </a:prstGeom>
-        <a:solidFill>
-          <a:schemeClr val="accent1">
-            <a:hueOff val="0"/>
-            <a:satOff val="0"/>
-            <a:lumOff val="0"/>
-            <a:alphaOff val="0"/>
-          </a:schemeClr>
-        </a:solidFill>
-        <a:ln w="12700" cap="flat" cmpd="sng" algn="ctr">
-          <a:solidFill>
-            <a:schemeClr val="lt1">
-              <a:hueOff val="0"/>
-              <a:satOff val="0"/>
-              <a:lumOff val="0"/>
-              <a:alphaOff val="0"/>
-            </a:schemeClr>
-          </a:solidFill>
-          <a:prstDash val="solid"/>
-          <a:miter lim="800000"/>
-        </a:ln>
-        <a:effectLst/>
-      </dsp:spPr>
-      <dsp:style>
-        <a:lnRef idx="2">
-          <a:scrgbClr r="0" g="0" b="0"/>
-        </a:lnRef>
-        <a:fillRef idx="1">
-          <a:scrgbClr r="0" g="0" b="0"/>
-        </a:fillRef>
-        <a:effectRef idx="0">
-          <a:scrgbClr r="0" g="0" b="0"/>
-        </a:effectRef>
-        <a:fontRef idx="minor">
-          <a:schemeClr val="lt1"/>
-        </a:fontRef>
-      </dsp:style>
-      <dsp:txBody>
-        <a:bodyPr spcFirstLastPara="0" vert="horz" wrap="square" lIns="144780" tIns="144780" rIns="144780" bIns="144780" numCol="1" spcCol="1270" anchor="ctr" anchorCtr="0">
-          <a:noAutofit/>
-        </a:bodyPr>
-        <a:lstStyle/>
-        <a:p>
-          <a:pPr marL="0" lvl="0" indent="0" algn="ctr" defTabSz="1689100">
-            <a:lnSpc>
-              <a:spcPct val="90000"/>
-            </a:lnSpc>
-            <a:spcBef>
-              <a:spcPct val="0"/>
-            </a:spcBef>
-            <a:spcAft>
-              <a:spcPct val="35000"/>
-            </a:spcAft>
-            <a:buNone/>
-          </a:pPr>
-          <a:r>
-            <a:rPr lang="de-DE" sz="3800" kern="1200" dirty="0"/>
-            <a:t>Konzept mit </a:t>
-          </a:r>
-          <a:r>
-            <a:rPr lang="de-DE" sz="3800" kern="1200" dirty="0" err="1"/>
-            <a:t>Snips</a:t>
-          </a:r>
-          <a:r>
-            <a:rPr lang="de-DE" sz="3800" kern="1200" dirty="0"/>
-            <a:t> anwenden</a:t>
-          </a:r>
-        </a:p>
-      </dsp:txBody>
-      <dsp:txXfrm>
-        <a:off x="4257476" y="2902810"/>
-        <a:ext cx="3869531" cy="2321718"/>
-      </dsp:txXfrm>
-    </dsp:sp>
-  </dsp:spTree>
-</dsp:drawing>
-</file>
-
 <file path=ppt/diagrams/drawing2.xml><?xml version="1.0" encoding="utf-8"?>
-<dsp:drawing xmlns:dgm="http://schemas.openxmlformats.org/drawingml/2006/diagram" xmlns:dsp="http://schemas.microsoft.com/office/drawing/2008/diagram" xmlns:a="http://schemas.openxmlformats.org/drawingml/2006/main">
-  <dsp:spTree>
-    <dsp:nvGrpSpPr>
-      <dsp:cNvPr id="0" name=""/>
-      <dsp:cNvGrpSpPr/>
-    </dsp:nvGrpSpPr>
-    <dsp:grpSpPr/>
-    <dsp:sp modelId="{5F2250E0-8781-481D-872F-6323B6C30192}">
-      <dsp:nvSpPr>
-        <dsp:cNvPr id="0" name=""/>
-        <dsp:cNvSpPr/>
-      </dsp:nvSpPr>
-      <dsp:spPr>
-        <a:xfrm>
-          <a:off x="1853610" y="2779"/>
-          <a:ext cx="3856523" cy="2313914"/>
-        </a:xfrm>
-        <a:prstGeom prst="rect">
-          <a:avLst/>
-        </a:prstGeom>
-        <a:solidFill>
-          <a:schemeClr val="accent1">
-            <a:hueOff val="0"/>
-            <a:satOff val="0"/>
-            <a:lumOff val="0"/>
-            <a:alphaOff val="0"/>
-          </a:schemeClr>
-        </a:solidFill>
-        <a:ln w="12700" cap="flat" cmpd="sng" algn="ctr">
-          <a:solidFill>
-            <a:schemeClr val="lt1">
-              <a:hueOff val="0"/>
-              <a:satOff val="0"/>
-              <a:lumOff val="0"/>
-              <a:alphaOff val="0"/>
-            </a:schemeClr>
-          </a:solidFill>
-          <a:prstDash val="solid"/>
-          <a:miter lim="800000"/>
-        </a:ln>
-        <a:effectLst/>
-      </dsp:spPr>
-      <dsp:style>
-        <a:lnRef idx="2">
-          <a:scrgbClr r="0" g="0" b="0"/>
-        </a:lnRef>
-        <a:fillRef idx="1">
-          <a:scrgbClr r="0" g="0" b="0"/>
-        </a:fillRef>
-        <a:effectRef idx="0">
-          <a:scrgbClr r="0" g="0" b="0"/>
-        </a:effectRef>
-        <a:fontRef idx="minor">
-          <a:schemeClr val="lt1"/>
-        </a:fontRef>
-      </dsp:style>
-      <dsp:txBody>
-        <a:bodyPr spcFirstLastPara="0" vert="horz" wrap="square" lIns="95250" tIns="95250" rIns="95250" bIns="95250" numCol="1" spcCol="1270" anchor="ctr" anchorCtr="0">
-          <a:noAutofit/>
-        </a:bodyPr>
-        <a:lstStyle/>
-        <a:p>
-          <a:pPr marL="0" lvl="0" indent="0" algn="ctr" defTabSz="1111250">
-            <a:lnSpc>
-              <a:spcPct val="90000"/>
-            </a:lnSpc>
-            <a:spcBef>
-              <a:spcPct val="0"/>
-            </a:spcBef>
-            <a:spcAft>
-              <a:spcPct val="35000"/>
-            </a:spcAft>
-            <a:buNone/>
-          </a:pPr>
-          <a:r>
-            <a:rPr lang="de-DE" sz="2500" kern="1200" dirty="0"/>
-            <a:t>§ 3 </a:t>
-          </a:r>
-        </a:p>
-        <a:p>
-          <a:pPr marL="0" lvl="0" indent="0" algn="ctr" defTabSz="1111250">
-            <a:lnSpc>
-              <a:spcPct val="90000"/>
-            </a:lnSpc>
-            <a:spcBef>
-              <a:spcPct val="0"/>
-            </a:spcBef>
-            <a:spcAft>
-              <a:spcPct val="35000"/>
-            </a:spcAft>
-            <a:buNone/>
-          </a:pPr>
-          <a:r>
-            <a:rPr lang="de-DE" sz="2500" kern="1200" dirty="0"/>
-            <a:t>„Räumlicher Anwendungsbereich“</a:t>
-          </a:r>
-        </a:p>
-      </dsp:txBody>
-      <dsp:txXfrm>
-        <a:off x="1853610" y="2779"/>
-        <a:ext cx="3856523" cy="2313914"/>
-      </dsp:txXfrm>
-    </dsp:sp>
-    <dsp:sp modelId="{4D4E8C40-59B0-43AB-AF84-E09B0A97989B}">
-      <dsp:nvSpPr>
-        <dsp:cNvPr id="0" name=""/>
-        <dsp:cNvSpPr/>
-      </dsp:nvSpPr>
-      <dsp:spPr>
-        <a:xfrm>
-          <a:off x="6095786" y="2779"/>
-          <a:ext cx="3856523" cy="2313914"/>
-        </a:xfrm>
-        <a:prstGeom prst="rect">
-          <a:avLst/>
-        </a:prstGeom>
-        <a:solidFill>
-          <a:schemeClr val="accent1">
-            <a:hueOff val="0"/>
-            <a:satOff val="0"/>
-            <a:lumOff val="0"/>
-            <a:alphaOff val="0"/>
-          </a:schemeClr>
-        </a:solidFill>
-        <a:ln w="12700" cap="flat" cmpd="sng" algn="ctr">
-          <a:solidFill>
-            <a:schemeClr val="lt1">
-              <a:hueOff val="0"/>
-              <a:satOff val="0"/>
-              <a:lumOff val="0"/>
-              <a:alphaOff val="0"/>
-            </a:schemeClr>
-          </a:solidFill>
-          <a:prstDash val="solid"/>
-          <a:miter lim="800000"/>
-        </a:ln>
-        <a:effectLst/>
-      </dsp:spPr>
-      <dsp:style>
-        <a:lnRef idx="2">
-          <a:scrgbClr r="0" g="0" b="0"/>
-        </a:lnRef>
-        <a:fillRef idx="1">
-          <a:scrgbClr r="0" g="0" b="0"/>
-        </a:fillRef>
-        <a:effectRef idx="0">
-          <a:scrgbClr r="0" g="0" b="0"/>
-        </a:effectRef>
-        <a:fontRef idx="minor">
-          <a:schemeClr val="lt1"/>
-        </a:fontRef>
-      </dsp:style>
-      <dsp:txBody>
-        <a:bodyPr spcFirstLastPara="0" vert="horz" wrap="square" lIns="95250" tIns="95250" rIns="95250" bIns="95250" numCol="1" spcCol="1270" anchor="ctr" anchorCtr="0">
-          <a:noAutofit/>
-        </a:bodyPr>
-        <a:lstStyle/>
-        <a:p>
-          <a:pPr marL="0" lvl="0" indent="0" algn="ctr" defTabSz="1111250">
-            <a:lnSpc>
-              <a:spcPct val="90000"/>
-            </a:lnSpc>
-            <a:spcBef>
-              <a:spcPct val="0"/>
-            </a:spcBef>
-            <a:spcAft>
-              <a:spcPct val="35000"/>
-            </a:spcAft>
-            <a:buNone/>
-          </a:pPr>
-          <a:r>
-            <a:rPr lang="de-DE" sz="2500" kern="1200" dirty="0"/>
-            <a:t>§ 5</a:t>
-          </a:r>
-        </a:p>
-        <a:p>
-          <a:pPr marL="0" lvl="0" indent="0" algn="ctr" defTabSz="1111250">
-            <a:lnSpc>
-              <a:spcPct val="90000"/>
-            </a:lnSpc>
-            <a:spcBef>
-              <a:spcPct val="0"/>
-            </a:spcBef>
-            <a:spcAft>
-              <a:spcPct val="35000"/>
-            </a:spcAft>
-            <a:buNone/>
-          </a:pPr>
-          <a:r>
-            <a:rPr lang="de-DE" sz="2500" kern="1200" dirty="0"/>
-            <a:t> „Grundsätze für die Verarbeitung personenbezogener Daten“</a:t>
-          </a:r>
-        </a:p>
-      </dsp:txBody>
-      <dsp:txXfrm>
-        <a:off x="6095786" y="2779"/>
-        <a:ext cx="3856523" cy="2313914"/>
-      </dsp:txXfrm>
-    </dsp:sp>
-    <dsp:sp modelId="{98F0F990-6069-4005-A022-52F5C3322428}">
-      <dsp:nvSpPr>
-        <dsp:cNvPr id="0" name=""/>
-        <dsp:cNvSpPr/>
-      </dsp:nvSpPr>
-      <dsp:spPr>
-        <a:xfrm>
-          <a:off x="527718" y="2702346"/>
-          <a:ext cx="3856523" cy="2313914"/>
-        </a:xfrm>
-        <a:prstGeom prst="rect">
-          <a:avLst/>
-        </a:prstGeom>
-        <a:solidFill>
-          <a:schemeClr val="accent1">
-            <a:hueOff val="0"/>
-            <a:satOff val="0"/>
-            <a:lumOff val="0"/>
-            <a:alphaOff val="0"/>
-          </a:schemeClr>
-        </a:solidFill>
-        <a:ln w="12700" cap="flat" cmpd="sng" algn="ctr">
-          <a:solidFill>
-            <a:schemeClr val="lt1">
-              <a:hueOff val="0"/>
-              <a:satOff val="0"/>
-              <a:lumOff val="0"/>
-              <a:alphaOff val="0"/>
-            </a:schemeClr>
-          </a:solidFill>
-          <a:prstDash val="solid"/>
-          <a:miter lim="800000"/>
-        </a:ln>
-        <a:effectLst/>
-      </dsp:spPr>
-      <dsp:style>
-        <a:lnRef idx="2">
-          <a:scrgbClr r="0" g="0" b="0"/>
-        </a:lnRef>
-        <a:fillRef idx="1">
-          <a:scrgbClr r="0" g="0" b="0"/>
-        </a:fillRef>
-        <a:effectRef idx="0">
-          <a:scrgbClr r="0" g="0" b="0"/>
-        </a:effectRef>
-        <a:fontRef idx="minor">
-          <a:schemeClr val="lt1"/>
-        </a:fontRef>
-      </dsp:style>
-      <dsp:txBody>
-        <a:bodyPr spcFirstLastPara="0" vert="horz" wrap="square" lIns="95250" tIns="95250" rIns="95250" bIns="95250" numCol="1" spcCol="1270" anchor="ctr" anchorCtr="0">
-          <a:noAutofit/>
-        </a:bodyPr>
-        <a:lstStyle/>
-        <a:p>
-          <a:pPr marL="0" lvl="0" indent="0" algn="ctr" defTabSz="1111250">
-            <a:lnSpc>
-              <a:spcPct val="90000"/>
-            </a:lnSpc>
-            <a:spcBef>
-              <a:spcPct val="0"/>
-            </a:spcBef>
-            <a:spcAft>
-              <a:spcPct val="35000"/>
-            </a:spcAft>
-            <a:buNone/>
-          </a:pPr>
-          <a:r>
-            <a:rPr lang="de-DE" sz="2500" kern="1200" dirty="0"/>
-            <a:t>§ 17</a:t>
-          </a:r>
-        </a:p>
-        <a:p>
-          <a:pPr marL="0" lvl="0" indent="0" algn="ctr" defTabSz="1111250">
-            <a:lnSpc>
-              <a:spcPct val="90000"/>
-            </a:lnSpc>
-            <a:spcBef>
-              <a:spcPct val="0"/>
-            </a:spcBef>
-            <a:spcAft>
-              <a:spcPct val="35000"/>
-            </a:spcAft>
-            <a:buNone/>
-          </a:pPr>
-          <a:r>
-            <a:rPr lang="de-DE" sz="2500" kern="1200" dirty="0"/>
-            <a:t> „Recht auf Löschung“</a:t>
-          </a:r>
-        </a:p>
-      </dsp:txBody>
-      <dsp:txXfrm>
-        <a:off x="527718" y="2702346"/>
-        <a:ext cx="3856523" cy="2313914"/>
-      </dsp:txXfrm>
-    </dsp:sp>
-    <dsp:sp modelId="{6BADA56D-72BA-43AD-B597-CE1E5C02E238}">
-      <dsp:nvSpPr>
-        <dsp:cNvPr id="0" name=""/>
-        <dsp:cNvSpPr/>
-      </dsp:nvSpPr>
-      <dsp:spPr>
-        <a:xfrm>
-          <a:off x="4769894" y="2702346"/>
-          <a:ext cx="6508307" cy="2313914"/>
-        </a:xfrm>
-        <a:prstGeom prst="rect">
-          <a:avLst/>
-        </a:prstGeom>
-        <a:solidFill>
-          <a:schemeClr val="accent1">
-            <a:hueOff val="0"/>
-            <a:satOff val="0"/>
-            <a:lumOff val="0"/>
-            <a:alphaOff val="0"/>
-          </a:schemeClr>
-        </a:solidFill>
-        <a:ln w="12700" cap="flat" cmpd="sng" algn="ctr">
-          <a:solidFill>
-            <a:schemeClr val="lt1">
-              <a:hueOff val="0"/>
-              <a:satOff val="0"/>
-              <a:lumOff val="0"/>
-              <a:alphaOff val="0"/>
-            </a:schemeClr>
-          </a:solidFill>
-          <a:prstDash val="solid"/>
-          <a:miter lim="800000"/>
-        </a:ln>
-        <a:effectLst/>
-      </dsp:spPr>
-      <dsp:style>
-        <a:lnRef idx="2">
-          <a:scrgbClr r="0" g="0" b="0"/>
-        </a:lnRef>
-        <a:fillRef idx="1">
-          <a:scrgbClr r="0" g="0" b="0"/>
-        </a:fillRef>
-        <a:effectRef idx="0">
-          <a:scrgbClr r="0" g="0" b="0"/>
-        </a:effectRef>
-        <a:fontRef idx="minor">
-          <a:schemeClr val="lt1"/>
-        </a:fontRef>
-      </dsp:style>
-      <dsp:txBody>
-        <a:bodyPr spcFirstLastPara="0" vert="horz" wrap="square" lIns="95250" tIns="95250" rIns="95250" bIns="95250" numCol="1" spcCol="1270" anchor="ctr" anchorCtr="0">
-          <a:noAutofit/>
-        </a:bodyPr>
-        <a:lstStyle/>
-        <a:p>
-          <a:pPr marL="0" lvl="0" indent="0" algn="ctr" defTabSz="1111250">
-            <a:lnSpc>
-              <a:spcPct val="90000"/>
-            </a:lnSpc>
-            <a:spcBef>
-              <a:spcPct val="0"/>
-            </a:spcBef>
-            <a:spcAft>
-              <a:spcPct val="35000"/>
-            </a:spcAft>
-            <a:buNone/>
-          </a:pPr>
-          <a:r>
-            <a:rPr lang="de-DE" sz="2500" kern="1200" dirty="0"/>
-            <a:t>§ 25</a:t>
-          </a:r>
-        </a:p>
-        <a:p>
-          <a:pPr marL="0" lvl="0" indent="0" algn="ctr" defTabSz="1111250">
-            <a:lnSpc>
-              <a:spcPct val="90000"/>
-            </a:lnSpc>
-            <a:spcBef>
-              <a:spcPct val="0"/>
-            </a:spcBef>
-            <a:spcAft>
-              <a:spcPct val="35000"/>
-            </a:spcAft>
-            <a:buNone/>
-          </a:pPr>
-          <a:r>
-            <a:rPr lang="de-DE" sz="2500" kern="1200" dirty="0"/>
-            <a:t> „Datenschutz durch Technikgestaltung und durch datenschutzfreundliche Voreinstellungen“</a:t>
-          </a:r>
-        </a:p>
-      </dsp:txBody>
-      <dsp:txXfrm>
-        <a:off x="4769894" y="2702346"/>
-        <a:ext cx="6508307" cy="2313914"/>
-      </dsp:txXfrm>
-    </dsp:sp>
-  </dsp:spTree>
-</dsp:drawing>
-</file>
-
-<file path=ppt/diagrams/drawing3.xml><?xml version="1.0" encoding="utf-8"?>
 <dsp:drawing xmlns:dgm="http://schemas.openxmlformats.org/drawingml/2006/diagram" xmlns:dsp="http://schemas.microsoft.com/office/drawing/2008/diagram" xmlns:a="http://schemas.openxmlformats.org/drawingml/2006/main">
   <dsp:spTree>
     <dsp:nvGrpSpPr>
@@ -12223,8 +10449,8 @@
       </dsp:nvSpPr>
       <dsp:spPr>
         <a:xfrm>
-          <a:off x="0" y="135888"/>
-          <a:ext cx="5471160" cy="1261259"/>
+          <a:off x="0" y="188332"/>
+          <a:ext cx="5964523" cy="1287000"/>
         </a:xfrm>
         <a:prstGeom prst="roundRect">
           <a:avLst/>
@@ -12266,12 +10492,12 @@
         </a:fontRef>
       </dsp:style>
       <dsp:txBody>
-        <a:bodyPr spcFirstLastPara="0" vert="horz" wrap="square" lIns="186690" tIns="186690" rIns="186690" bIns="186690" numCol="1" spcCol="1270" anchor="ctr" anchorCtr="0">
+        <a:bodyPr spcFirstLastPara="0" vert="horz" wrap="square" lIns="190500" tIns="190500" rIns="190500" bIns="190500" numCol="1" spcCol="1270" anchor="ctr" anchorCtr="0">
           <a:noAutofit/>
         </a:bodyPr>
         <a:lstStyle/>
         <a:p>
-          <a:pPr marL="0" lvl="0" indent="0" algn="l" defTabSz="2178050">
+          <a:pPr marL="0" lvl="0" indent="0" algn="l" defTabSz="2222500">
             <a:lnSpc>
               <a:spcPct val="90000"/>
             </a:lnSpc>
@@ -12284,14 +10510,14 @@
             <a:buNone/>
           </a:pPr>
           <a:r>
-            <a:rPr lang="de-DE" sz="4900" kern="1200" dirty="0"/>
+            <a:rPr lang="de-DE" sz="5000" kern="1200" dirty="0"/>
             <a:t>Assistenzroboter</a:t>
           </a:r>
         </a:p>
       </dsp:txBody>
       <dsp:txXfrm>
-        <a:off x="61570" y="197458"/>
-        <a:ext cx="5348020" cy="1138119"/>
+        <a:off x="62826" y="251158"/>
+        <a:ext cx="5838871" cy="1161348"/>
       </dsp:txXfrm>
     </dsp:sp>
     <dsp:sp modelId="{F668552C-9D35-4361-88EF-2C54D5020D2A}">
@@ -12301,8 +10527,8 @@
       </dsp:nvSpPr>
       <dsp:spPr>
         <a:xfrm>
-          <a:off x="0" y="1281523"/>
-          <a:ext cx="5471160" cy="3550050"/>
+          <a:off x="0" y="1357347"/>
+          <a:ext cx="5964523" cy="3622500"/>
         </a:xfrm>
         <a:prstGeom prst="rect">
           <a:avLst/>
@@ -12326,12 +10552,12 @@
         <a:fontRef idx="minor"/>
       </dsp:style>
       <dsp:txBody>
-        <a:bodyPr spcFirstLastPara="0" vert="horz" wrap="square" lIns="173709" tIns="62230" rIns="348488" bIns="62230" numCol="1" spcCol="1270" anchor="t" anchorCtr="0">
+        <a:bodyPr spcFirstLastPara="0" vert="horz" wrap="square" lIns="189374" tIns="63500" rIns="355600" bIns="63500" numCol="1" spcCol="1270" anchor="t" anchorCtr="0">
           <a:noAutofit/>
         </a:bodyPr>
         <a:lstStyle/>
         <a:p>
-          <a:pPr marL="285750" lvl="1" indent="-285750" algn="l" defTabSz="1689100">
+          <a:pPr marL="285750" lvl="1" indent="-285750" algn="l" defTabSz="1733550">
             <a:lnSpc>
               <a:spcPct val="90000"/>
             </a:lnSpc>
@@ -12344,12 +10570,12 @@
             <a:buChar char="•"/>
           </a:pPr>
           <a:r>
-            <a:rPr lang="de-DE" sz="3800" kern="1200" dirty="0"/>
+            <a:rPr lang="de-DE" sz="3900" kern="1200" dirty="0"/>
             <a:t>(teil-)autonom</a:t>
           </a:r>
         </a:p>
         <a:p>
-          <a:pPr marL="285750" lvl="1" indent="-285750" algn="l" defTabSz="1689100">
+          <a:pPr marL="285750" lvl="1" indent="-285750" algn="l" defTabSz="1733550">
             <a:lnSpc>
               <a:spcPct val="90000"/>
             </a:lnSpc>
@@ -12362,12 +10588,12 @@
             <a:buChar char="•"/>
           </a:pPr>
           <a:r>
-            <a:rPr lang="de-DE" sz="3800" kern="1200" dirty="0"/>
+            <a:rPr lang="de-DE" sz="3900" kern="1200" dirty="0"/>
             <a:t>unterstützt Menschen</a:t>
           </a:r>
         </a:p>
         <a:p>
-          <a:pPr marL="285750" lvl="1" indent="-285750" algn="l" defTabSz="1689100">
+          <a:pPr marL="285750" lvl="1" indent="-285750" algn="l" defTabSz="1733550">
             <a:lnSpc>
               <a:spcPct val="90000"/>
             </a:lnSpc>
@@ -12380,12 +10606,12 @@
             <a:buChar char="•"/>
           </a:pPr>
           <a:r>
-            <a:rPr lang="de-DE" sz="3800" kern="1200" dirty="0"/>
-            <a:t>keine Produktion</a:t>
+            <a:rPr lang="de-DE" sz="3900" kern="1200" dirty="0"/>
+            <a:t>keine Produktion [Kar00]</a:t>
           </a:r>
         </a:p>
         <a:p>
-          <a:pPr marL="285750" lvl="1" indent="-285750" algn="l" defTabSz="1689100">
+          <a:pPr marL="285750" lvl="1" indent="-285750" algn="l" defTabSz="1733550">
             <a:lnSpc>
               <a:spcPct val="90000"/>
             </a:lnSpc>
@@ -12397,19 +10623,19 @@
             </a:spcAft>
             <a:buChar char="•"/>
           </a:pPr>
-          <a:endParaRPr lang="de-DE" sz="3800" kern="1200" dirty="0"/>
+          <a:endParaRPr lang="de-DE" sz="3900" kern="1200" dirty="0"/>
         </a:p>
       </dsp:txBody>
       <dsp:txXfrm>
-        <a:off x="0" y="1281523"/>
-        <a:ext cx="5471160" cy="3550050"/>
+        <a:off x="0" y="1357347"/>
+        <a:ext cx="5964523" cy="3622500"/>
       </dsp:txXfrm>
     </dsp:sp>
   </dsp:spTree>
 </dsp:drawing>
 </file>
 
-<file path=ppt/diagrams/drawing4.xml><?xml version="1.0" encoding="utf-8"?>
+<file path=ppt/diagrams/drawing3.xml><?xml version="1.0" encoding="utf-8"?>
 <dsp:drawing xmlns:dgm="http://schemas.openxmlformats.org/drawingml/2006/diagram" xmlns:dsp="http://schemas.microsoft.com/office/drawing/2008/diagram" xmlns:a="http://schemas.openxmlformats.org/drawingml/2006/main">
   <dsp:spTree>
     <dsp:nvGrpSpPr>
@@ -13074,409 +11300,7 @@
 </dsp:drawing>
 </file>
 
-<file path=ppt/diagrams/drawing5.xml><?xml version="1.0" encoding="utf-8"?>
-<dsp:drawing xmlns:dgm="http://schemas.openxmlformats.org/drawingml/2006/diagram" xmlns:dsp="http://schemas.microsoft.com/office/drawing/2008/diagram" xmlns:a="http://schemas.openxmlformats.org/drawingml/2006/main">
-  <dsp:spTree>
-    <dsp:nvGrpSpPr>
-      <dsp:cNvPr id="0" name=""/>
-      <dsp:cNvGrpSpPr/>
-    </dsp:nvGrpSpPr>
-    <dsp:grpSpPr/>
-    <dsp:sp modelId="{F3505ED3-94CA-42A3-AEBB-B2669B9D474A}">
-      <dsp:nvSpPr>
-        <dsp:cNvPr id="0" name=""/>
-        <dsp:cNvSpPr/>
-      </dsp:nvSpPr>
-      <dsp:spPr>
-        <a:xfrm>
-          <a:off x="0" y="15765"/>
-          <a:ext cx="10066150" cy="875160"/>
-        </a:xfrm>
-        <a:prstGeom prst="roundRect">
-          <a:avLst/>
-        </a:prstGeom>
-        <a:solidFill>
-          <a:schemeClr val="accent1">
-            <a:hueOff val="0"/>
-            <a:satOff val="0"/>
-            <a:lumOff val="0"/>
-            <a:alphaOff val="0"/>
-          </a:schemeClr>
-        </a:solidFill>
-        <a:ln w="12700" cap="flat" cmpd="sng" algn="ctr">
-          <a:solidFill>
-            <a:schemeClr val="lt1">
-              <a:hueOff val="0"/>
-              <a:satOff val="0"/>
-              <a:lumOff val="0"/>
-              <a:alphaOff val="0"/>
-            </a:schemeClr>
-          </a:solidFill>
-          <a:prstDash val="solid"/>
-          <a:miter lim="800000"/>
-        </a:ln>
-        <a:effectLst/>
-      </dsp:spPr>
-      <dsp:style>
-        <a:lnRef idx="2">
-          <a:scrgbClr r="0" g="0" b="0"/>
-        </a:lnRef>
-        <a:fillRef idx="1">
-          <a:scrgbClr r="0" g="0" b="0"/>
-        </a:fillRef>
-        <a:effectRef idx="0">
-          <a:scrgbClr r="0" g="0" b="0"/>
-        </a:effectRef>
-        <a:fontRef idx="minor">
-          <a:schemeClr val="lt1"/>
-        </a:fontRef>
-      </dsp:style>
-      <dsp:txBody>
-        <a:bodyPr spcFirstLastPara="0" vert="horz" wrap="square" lIns="129540" tIns="129540" rIns="129540" bIns="129540" numCol="1" spcCol="1270" anchor="ctr" anchorCtr="0">
-          <a:noAutofit/>
-        </a:bodyPr>
-        <a:lstStyle/>
-        <a:p>
-          <a:pPr marL="0" lvl="0" indent="0" algn="l" defTabSz="1511300">
-            <a:lnSpc>
-              <a:spcPct val="90000"/>
-            </a:lnSpc>
-            <a:spcBef>
-              <a:spcPct val="0"/>
-            </a:spcBef>
-            <a:spcAft>
-              <a:spcPct val="35000"/>
-            </a:spcAft>
-            <a:buNone/>
-          </a:pPr>
-          <a:r>
-            <a:rPr lang="de-DE" sz="3400" kern="1200" dirty="0"/>
-            <a:t>Steuerung des Roboters mit natürlicher Sprache</a:t>
-          </a:r>
-        </a:p>
-      </dsp:txBody>
-      <dsp:txXfrm>
-        <a:off x="42722" y="58487"/>
-        <a:ext cx="9980706" cy="789716"/>
-      </dsp:txXfrm>
-    </dsp:sp>
-    <dsp:sp modelId="{7393F93C-24E6-4D59-99AE-31D74326B3AA}">
-      <dsp:nvSpPr>
-        <dsp:cNvPr id="0" name=""/>
-        <dsp:cNvSpPr/>
-      </dsp:nvSpPr>
-      <dsp:spPr>
-        <a:xfrm>
-          <a:off x="0" y="981096"/>
-          <a:ext cx="10066150" cy="875160"/>
-        </a:xfrm>
-        <a:prstGeom prst="roundRect">
-          <a:avLst/>
-        </a:prstGeom>
-        <a:solidFill>
-          <a:schemeClr val="accent1">
-            <a:hueOff val="0"/>
-            <a:satOff val="0"/>
-            <a:lumOff val="0"/>
-            <a:alphaOff val="0"/>
-          </a:schemeClr>
-        </a:solidFill>
-        <a:ln w="12700" cap="flat" cmpd="sng" algn="ctr">
-          <a:solidFill>
-            <a:schemeClr val="lt1">
-              <a:hueOff val="0"/>
-              <a:satOff val="0"/>
-              <a:lumOff val="0"/>
-              <a:alphaOff val="0"/>
-            </a:schemeClr>
-          </a:solidFill>
-          <a:prstDash val="solid"/>
-          <a:miter lim="800000"/>
-        </a:ln>
-        <a:effectLst/>
-      </dsp:spPr>
-      <dsp:style>
-        <a:lnRef idx="2">
-          <a:scrgbClr r="0" g="0" b="0"/>
-        </a:lnRef>
-        <a:fillRef idx="1">
-          <a:scrgbClr r="0" g="0" b="0"/>
-        </a:fillRef>
-        <a:effectRef idx="0">
-          <a:scrgbClr r="0" g="0" b="0"/>
-        </a:effectRef>
-        <a:fontRef idx="minor">
-          <a:schemeClr val="lt1"/>
-        </a:fontRef>
-      </dsp:style>
-      <dsp:txBody>
-        <a:bodyPr spcFirstLastPara="0" vert="horz" wrap="square" lIns="129540" tIns="129540" rIns="129540" bIns="129540" numCol="1" spcCol="1270" anchor="ctr" anchorCtr="0">
-          <a:noAutofit/>
-        </a:bodyPr>
-        <a:lstStyle/>
-        <a:p>
-          <a:pPr marL="0" lvl="0" indent="0" algn="l" defTabSz="1511300">
-            <a:lnSpc>
-              <a:spcPct val="90000"/>
-            </a:lnSpc>
-            <a:spcBef>
-              <a:spcPct val="0"/>
-            </a:spcBef>
-            <a:spcAft>
-              <a:spcPct val="35000"/>
-            </a:spcAft>
-            <a:buNone/>
-          </a:pPr>
-          <a:r>
-            <a:rPr lang="de-DE" sz="3400" kern="1200" dirty="0"/>
-            <a:t>Bedienung ohne Vorwissen</a:t>
-          </a:r>
-        </a:p>
-      </dsp:txBody>
-      <dsp:txXfrm>
-        <a:off x="42722" y="1023818"/>
-        <a:ext cx="9980706" cy="789716"/>
-      </dsp:txXfrm>
-    </dsp:sp>
-    <dsp:sp modelId="{F9107D6F-FB34-4B90-B0B7-77ABF544BC20}">
-      <dsp:nvSpPr>
-        <dsp:cNvPr id="0" name=""/>
-        <dsp:cNvSpPr/>
-      </dsp:nvSpPr>
-      <dsp:spPr>
-        <a:xfrm>
-          <a:off x="0" y="1961926"/>
-          <a:ext cx="10066150" cy="875160"/>
-        </a:xfrm>
-        <a:prstGeom prst="roundRect">
-          <a:avLst/>
-        </a:prstGeom>
-        <a:solidFill>
-          <a:schemeClr val="accent1">
-            <a:hueOff val="0"/>
-            <a:satOff val="0"/>
-            <a:lumOff val="0"/>
-            <a:alphaOff val="0"/>
-          </a:schemeClr>
-        </a:solidFill>
-        <a:ln w="12700" cap="flat" cmpd="sng" algn="ctr">
-          <a:solidFill>
-            <a:schemeClr val="lt1">
-              <a:hueOff val="0"/>
-              <a:satOff val="0"/>
-              <a:lumOff val="0"/>
-              <a:alphaOff val="0"/>
-            </a:schemeClr>
-          </a:solidFill>
-          <a:prstDash val="solid"/>
-          <a:miter lim="800000"/>
-        </a:ln>
-        <a:effectLst/>
-      </dsp:spPr>
-      <dsp:style>
-        <a:lnRef idx="2">
-          <a:scrgbClr r="0" g="0" b="0"/>
-        </a:lnRef>
-        <a:fillRef idx="1">
-          <a:scrgbClr r="0" g="0" b="0"/>
-        </a:fillRef>
-        <a:effectRef idx="0">
-          <a:scrgbClr r="0" g="0" b="0"/>
-        </a:effectRef>
-        <a:fontRef idx="minor">
-          <a:schemeClr val="lt1"/>
-        </a:fontRef>
-      </dsp:style>
-      <dsp:txBody>
-        <a:bodyPr spcFirstLastPara="0" vert="horz" wrap="square" lIns="129540" tIns="129540" rIns="129540" bIns="129540" numCol="1" spcCol="1270" anchor="ctr" anchorCtr="0">
-          <a:noAutofit/>
-        </a:bodyPr>
-        <a:lstStyle/>
-        <a:p>
-          <a:pPr marL="0" lvl="0" indent="0" algn="l" defTabSz="1511300">
-            <a:lnSpc>
-              <a:spcPct val="90000"/>
-            </a:lnSpc>
-            <a:spcBef>
-              <a:spcPct val="0"/>
-            </a:spcBef>
-            <a:spcAft>
-              <a:spcPct val="35000"/>
-            </a:spcAft>
-            <a:buNone/>
-          </a:pPr>
-          <a:r>
-            <a:rPr lang="de-DE" sz="3400" kern="1200" dirty="0"/>
-            <a:t>möglichst freie Wortwahl für Befehle</a:t>
-          </a:r>
-        </a:p>
-      </dsp:txBody>
-      <dsp:txXfrm>
-        <a:off x="42722" y="2004648"/>
-        <a:ext cx="9980706" cy="789716"/>
-      </dsp:txXfrm>
-    </dsp:sp>
-    <dsp:sp modelId="{939EC2AC-5425-400E-B7ED-78BD68B7B7C2}">
-      <dsp:nvSpPr>
-        <dsp:cNvPr id="0" name=""/>
-        <dsp:cNvSpPr/>
-      </dsp:nvSpPr>
-      <dsp:spPr>
-        <a:xfrm>
-          <a:off x="0" y="2935006"/>
-          <a:ext cx="10066150" cy="875160"/>
-        </a:xfrm>
-        <a:prstGeom prst="roundRect">
-          <a:avLst/>
-        </a:prstGeom>
-        <a:solidFill>
-          <a:schemeClr val="accent1">
-            <a:hueOff val="0"/>
-            <a:satOff val="0"/>
-            <a:lumOff val="0"/>
-            <a:alphaOff val="0"/>
-          </a:schemeClr>
-        </a:solidFill>
-        <a:ln w="12700" cap="flat" cmpd="sng" algn="ctr">
-          <a:solidFill>
-            <a:schemeClr val="lt1">
-              <a:hueOff val="0"/>
-              <a:satOff val="0"/>
-              <a:lumOff val="0"/>
-              <a:alphaOff val="0"/>
-            </a:schemeClr>
-          </a:solidFill>
-          <a:prstDash val="solid"/>
-          <a:miter lim="800000"/>
-        </a:ln>
-        <a:effectLst/>
-      </dsp:spPr>
-      <dsp:style>
-        <a:lnRef idx="2">
-          <a:scrgbClr r="0" g="0" b="0"/>
-        </a:lnRef>
-        <a:fillRef idx="1">
-          <a:scrgbClr r="0" g="0" b="0"/>
-        </a:fillRef>
-        <a:effectRef idx="0">
-          <a:scrgbClr r="0" g="0" b="0"/>
-        </a:effectRef>
-        <a:fontRef idx="minor">
-          <a:schemeClr val="lt1"/>
-        </a:fontRef>
-      </dsp:style>
-      <dsp:txBody>
-        <a:bodyPr spcFirstLastPara="0" vert="horz" wrap="square" lIns="129540" tIns="129540" rIns="129540" bIns="129540" numCol="1" spcCol="1270" anchor="ctr" anchorCtr="0">
-          <a:noAutofit/>
-        </a:bodyPr>
-        <a:lstStyle/>
-        <a:p>
-          <a:pPr marL="0" lvl="0" indent="0" algn="l" defTabSz="1511300">
-            <a:lnSpc>
-              <a:spcPct val="90000"/>
-            </a:lnSpc>
-            <a:spcBef>
-              <a:spcPct val="0"/>
-            </a:spcBef>
-            <a:spcAft>
-              <a:spcPct val="35000"/>
-            </a:spcAft>
-            <a:buNone/>
-          </a:pPr>
-          <a:r>
-            <a:rPr lang="de-DE" sz="3400" kern="1200" dirty="0"/>
-            <a:t>Schutz der Privatsphäre</a:t>
-          </a:r>
-        </a:p>
-      </dsp:txBody>
-      <dsp:txXfrm>
-        <a:off x="42722" y="2977728"/>
-        <a:ext cx="9980706" cy="789716"/>
-      </dsp:txXfrm>
-    </dsp:sp>
-    <dsp:sp modelId="{C7E85622-FB29-4BB5-BAEC-020EA11AC2AA}">
-      <dsp:nvSpPr>
-        <dsp:cNvPr id="0" name=""/>
-        <dsp:cNvSpPr/>
-      </dsp:nvSpPr>
-      <dsp:spPr>
-        <a:xfrm>
-          <a:off x="0" y="3908086"/>
-          <a:ext cx="10066150" cy="875160"/>
-        </a:xfrm>
-        <a:prstGeom prst="roundRect">
-          <a:avLst/>
-        </a:prstGeom>
-        <a:solidFill>
-          <a:schemeClr val="accent1">
-            <a:hueOff val="0"/>
-            <a:satOff val="0"/>
-            <a:lumOff val="0"/>
-            <a:alphaOff val="0"/>
-          </a:schemeClr>
-        </a:solidFill>
-        <a:ln w="12700" cap="flat" cmpd="sng" algn="ctr">
-          <a:solidFill>
-            <a:schemeClr val="lt1">
-              <a:hueOff val="0"/>
-              <a:satOff val="0"/>
-              <a:lumOff val="0"/>
-              <a:alphaOff val="0"/>
-            </a:schemeClr>
-          </a:solidFill>
-          <a:prstDash val="solid"/>
-          <a:miter lim="800000"/>
-        </a:ln>
-        <a:effectLst/>
-      </dsp:spPr>
-      <dsp:style>
-        <a:lnRef idx="2">
-          <a:scrgbClr r="0" g="0" b="0"/>
-        </a:lnRef>
-        <a:fillRef idx="1">
-          <a:scrgbClr r="0" g="0" b="0"/>
-        </a:fillRef>
-        <a:effectRef idx="0">
-          <a:scrgbClr r="0" g="0" b="0"/>
-        </a:effectRef>
-        <a:fontRef idx="minor">
-          <a:schemeClr val="lt1"/>
-        </a:fontRef>
-      </dsp:style>
-      <dsp:txBody>
-        <a:bodyPr spcFirstLastPara="0" vert="horz" wrap="square" lIns="129540" tIns="129540" rIns="129540" bIns="129540" numCol="1" spcCol="1270" anchor="ctr" anchorCtr="0">
-          <a:noAutofit/>
-        </a:bodyPr>
-        <a:lstStyle/>
-        <a:p>
-          <a:pPr marL="0" lvl="0" indent="0" algn="l" defTabSz="1511300">
-            <a:lnSpc>
-              <a:spcPct val="90000"/>
-            </a:lnSpc>
-            <a:spcBef>
-              <a:spcPct val="0"/>
-            </a:spcBef>
-            <a:spcAft>
-              <a:spcPct val="35000"/>
-            </a:spcAft>
-            <a:buNone/>
-          </a:pPr>
-          <a:r>
-            <a:rPr lang="de-DE" sz="3400" kern="1200" dirty="0"/>
-            <a:t>Anpassungen an (Kern-)Funktionen möglich</a:t>
-          </a:r>
-        </a:p>
-      </dsp:txBody>
-      <dsp:txXfrm>
-        <a:off x="42722" y="3950808"/>
-        <a:ext cx="9980706" cy="789716"/>
-      </dsp:txXfrm>
-    </dsp:sp>
-  </dsp:spTree>
-</dsp:drawing>
-</file>
-
-<file path=ppt/diagrams/drawing6.xml><?xml version="1.0" encoding="utf-8"?>
+<file path=ppt/diagrams/drawing4.xml><?xml version="1.0" encoding="utf-8"?>
 <dsp:drawing xmlns:dgm="http://schemas.openxmlformats.org/drawingml/2006/diagram" xmlns:dsp="http://schemas.microsoft.com/office/drawing/2008/diagram" xmlns:a="http://schemas.openxmlformats.org/drawingml/2006/main">
   <dsp:spTree>
     <dsp:nvGrpSpPr>
@@ -14319,7 +12143,7 @@
 </dsp:drawing>
 </file>
 
-<file path=ppt/diagrams/drawing7.xml><?xml version="1.0" encoding="utf-8"?>
+<file path=ppt/diagrams/drawing5.xml><?xml version="1.0" encoding="utf-8"?>
 <dsp:drawing xmlns:dgm="http://schemas.openxmlformats.org/drawingml/2006/diagram" xmlns:dsp="http://schemas.microsoft.com/office/drawing/2008/diagram" xmlns:a="http://schemas.openxmlformats.org/drawingml/2006/main">
   <dsp:spTree>
     <dsp:nvGrpSpPr>
@@ -14649,7 +12473,7 @@
 </dsp:drawing>
 </file>
 
-<file path=ppt/diagrams/drawing8.xml><?xml version="1.0" encoding="utf-8"?>
+<file path=ppt/diagrams/drawing6.xml><?xml version="1.0" encoding="utf-8"?>
 <dsp:drawing xmlns:dgm="http://schemas.openxmlformats.org/drawingml/2006/diagram" xmlns:dsp="http://schemas.microsoft.com/office/drawing/2008/diagram" xmlns:a="http://schemas.openxmlformats.org/drawingml/2006/main">
   <dsp:spTree>
     <dsp:nvGrpSpPr>
@@ -14904,7 +12728,7 @@
 </dsp:drawing>
 </file>
 
-<file path=ppt/diagrams/drawing9.xml><?xml version="1.0" encoding="utf-8"?>
+<file path=ppt/diagrams/drawing7.xml><?xml version="1.0" encoding="utf-8"?>
 <dsp:drawing xmlns:dgm="http://schemas.openxmlformats.org/drawingml/2006/diagram" xmlns:dsp="http://schemas.microsoft.com/office/drawing/2008/diagram" xmlns:a="http://schemas.openxmlformats.org/drawingml/2006/main">
   <dsp:spTree>
     <dsp:nvGrpSpPr>
@@ -15304,7 +13128,7 @@
           </a:pPr>
           <a:r>
             <a:rPr lang="de-DE" sz="3200" kern="1200" dirty="0"/>
-            <a:t>Mangelndes Feedback</a:t>
+            <a:t>mangelndes Feedback</a:t>
           </a:r>
         </a:p>
         <a:p>
@@ -15401,6 +13225,734 @@
         </a:effectRef>
         <a:fontRef idx="minor"/>
       </dsp:style>
+    </dsp:sp>
+  </dsp:spTree>
+</dsp:drawing>
+</file>
+
+<file path=ppt/diagrams/drawing8.xml><?xml version="1.0" encoding="utf-8"?>
+<dsp:drawing xmlns:dgm="http://schemas.openxmlformats.org/drawingml/2006/diagram" xmlns:dsp="http://schemas.microsoft.com/office/drawing/2008/diagram" xmlns:a="http://schemas.openxmlformats.org/drawingml/2006/main">
+  <dsp:spTree>
+    <dsp:nvGrpSpPr>
+      <dsp:cNvPr id="0" name=""/>
+      <dsp:cNvGrpSpPr/>
+    </dsp:nvGrpSpPr>
+    <dsp:grpSpPr/>
+    <dsp:sp modelId="{D249125C-4122-4847-AA13-8F292BB7DADD}">
+      <dsp:nvSpPr>
+        <dsp:cNvPr id="0" name=""/>
+        <dsp:cNvSpPr/>
+      </dsp:nvSpPr>
+      <dsp:spPr>
+        <a:xfrm>
+          <a:off x="3505957" y="363441"/>
+          <a:ext cx="4223765" cy="2368566"/>
+        </a:xfrm>
+        <a:prstGeom prst="rect">
+          <a:avLst/>
+        </a:prstGeom>
+        <a:solidFill>
+          <a:schemeClr val="accent1">
+            <a:hueOff val="0"/>
+            <a:satOff val="0"/>
+            <a:lumOff val="0"/>
+            <a:alphaOff val="0"/>
+          </a:schemeClr>
+        </a:solidFill>
+        <a:ln w="12700" cap="flat" cmpd="sng" algn="ctr">
+          <a:solidFill>
+            <a:schemeClr val="lt1">
+              <a:hueOff val="0"/>
+              <a:satOff val="0"/>
+              <a:lumOff val="0"/>
+              <a:alphaOff val="0"/>
+            </a:schemeClr>
+          </a:solidFill>
+          <a:prstDash val="solid"/>
+          <a:miter lim="800000"/>
+        </a:ln>
+        <a:effectLst/>
+      </dsp:spPr>
+      <dsp:style>
+        <a:lnRef idx="2">
+          <a:scrgbClr r="0" g="0" b="0"/>
+        </a:lnRef>
+        <a:fillRef idx="1">
+          <a:scrgbClr r="0" g="0" b="0"/>
+        </a:fillRef>
+        <a:effectRef idx="0">
+          <a:scrgbClr r="0" g="0" b="0"/>
+        </a:effectRef>
+        <a:fontRef idx="minor">
+          <a:schemeClr val="lt1"/>
+        </a:fontRef>
+      </dsp:style>
+      <dsp:txBody>
+        <a:bodyPr spcFirstLastPara="0" vert="horz" wrap="square" lIns="152400" tIns="152400" rIns="152400" bIns="152400" numCol="1" spcCol="1270" anchor="ctr" anchorCtr="0">
+          <a:noAutofit/>
+        </a:bodyPr>
+        <a:lstStyle/>
+        <a:p>
+          <a:pPr marL="0" lvl="0" indent="0" algn="ctr" defTabSz="1778000">
+            <a:lnSpc>
+              <a:spcPct val="90000"/>
+            </a:lnSpc>
+            <a:spcBef>
+              <a:spcPct val="0"/>
+            </a:spcBef>
+            <a:spcAft>
+              <a:spcPct val="35000"/>
+            </a:spcAft>
+            <a:buNone/>
+          </a:pPr>
+          <a:r>
+            <a:rPr lang="de-DE" sz="4000" kern="1200" dirty="0"/>
+            <a:t>Unabhängiger Sprachassistent funktioniert</a:t>
+          </a:r>
+        </a:p>
+      </dsp:txBody>
+      <dsp:txXfrm>
+        <a:off x="3505957" y="363441"/>
+        <a:ext cx="4223765" cy="2368566"/>
+      </dsp:txXfrm>
+    </dsp:sp>
+    <dsp:sp modelId="{9EE3B83E-88CA-4356-A408-468575A354C1}">
+      <dsp:nvSpPr>
+        <dsp:cNvPr id="0" name=""/>
+        <dsp:cNvSpPr/>
+      </dsp:nvSpPr>
+      <dsp:spPr>
+        <a:xfrm>
+          <a:off x="85795" y="3006638"/>
+          <a:ext cx="3299376" cy="2286032"/>
+        </a:xfrm>
+        <a:prstGeom prst="rect">
+          <a:avLst/>
+        </a:prstGeom>
+        <a:solidFill>
+          <a:schemeClr val="accent1">
+            <a:hueOff val="0"/>
+            <a:satOff val="0"/>
+            <a:lumOff val="0"/>
+            <a:alphaOff val="0"/>
+          </a:schemeClr>
+        </a:solidFill>
+        <a:ln w="12700" cap="flat" cmpd="sng" algn="ctr">
+          <a:solidFill>
+            <a:schemeClr val="lt1">
+              <a:hueOff val="0"/>
+              <a:satOff val="0"/>
+              <a:lumOff val="0"/>
+              <a:alphaOff val="0"/>
+            </a:schemeClr>
+          </a:solidFill>
+          <a:prstDash val="solid"/>
+          <a:miter lim="800000"/>
+        </a:ln>
+        <a:effectLst/>
+      </dsp:spPr>
+      <dsp:style>
+        <a:lnRef idx="2">
+          <a:scrgbClr r="0" g="0" b="0"/>
+        </a:lnRef>
+        <a:fillRef idx="1">
+          <a:scrgbClr r="0" g="0" b="0"/>
+        </a:fillRef>
+        <a:effectRef idx="0">
+          <a:scrgbClr r="0" g="0" b="0"/>
+        </a:effectRef>
+        <a:fontRef idx="minor">
+          <a:schemeClr val="lt1"/>
+        </a:fontRef>
+      </dsp:style>
+      <dsp:txBody>
+        <a:bodyPr spcFirstLastPara="0" vert="horz" wrap="square" lIns="152400" tIns="152400" rIns="152400" bIns="152400" numCol="1" spcCol="1270" anchor="ctr" anchorCtr="0">
+          <a:noAutofit/>
+        </a:bodyPr>
+        <a:lstStyle/>
+        <a:p>
+          <a:pPr marL="0" lvl="0" indent="0" algn="ctr" defTabSz="1778000">
+            <a:lnSpc>
+              <a:spcPct val="90000"/>
+            </a:lnSpc>
+            <a:spcBef>
+              <a:spcPct val="0"/>
+            </a:spcBef>
+            <a:spcAft>
+              <a:spcPct val="35000"/>
+            </a:spcAft>
+            <a:buNone/>
+          </a:pPr>
+          <a:r>
+            <a:rPr lang="de-DE" sz="4000" kern="1200" dirty="0"/>
+            <a:t>Wahl der Bestandteile ändern</a:t>
+          </a:r>
+        </a:p>
+      </dsp:txBody>
+      <dsp:txXfrm>
+        <a:off x="85795" y="3006638"/>
+        <a:ext cx="3299376" cy="2286032"/>
+      </dsp:txXfrm>
+    </dsp:sp>
+    <dsp:sp modelId="{5700BA56-061B-4910-8A6A-95992139A03E}">
+      <dsp:nvSpPr>
+        <dsp:cNvPr id="0" name=""/>
+        <dsp:cNvSpPr/>
+      </dsp:nvSpPr>
+      <dsp:spPr>
+        <a:xfrm>
+          <a:off x="3700381" y="3029925"/>
+          <a:ext cx="3681178" cy="2254867"/>
+        </a:xfrm>
+        <a:prstGeom prst="rect">
+          <a:avLst/>
+        </a:prstGeom>
+        <a:solidFill>
+          <a:schemeClr val="accent1">
+            <a:hueOff val="0"/>
+            <a:satOff val="0"/>
+            <a:lumOff val="0"/>
+            <a:alphaOff val="0"/>
+          </a:schemeClr>
+        </a:solidFill>
+        <a:ln w="12700" cap="flat" cmpd="sng" algn="ctr">
+          <a:solidFill>
+            <a:schemeClr val="lt1">
+              <a:hueOff val="0"/>
+              <a:satOff val="0"/>
+              <a:lumOff val="0"/>
+              <a:alphaOff val="0"/>
+            </a:schemeClr>
+          </a:solidFill>
+          <a:prstDash val="solid"/>
+          <a:miter lim="800000"/>
+        </a:ln>
+        <a:effectLst/>
+      </dsp:spPr>
+      <dsp:style>
+        <a:lnRef idx="2">
+          <a:scrgbClr r="0" g="0" b="0"/>
+        </a:lnRef>
+        <a:fillRef idx="1">
+          <a:scrgbClr r="0" g="0" b="0"/>
+        </a:fillRef>
+        <a:effectRef idx="0">
+          <a:scrgbClr r="0" g="0" b="0"/>
+        </a:effectRef>
+        <a:fontRef idx="minor">
+          <a:schemeClr val="lt1"/>
+        </a:fontRef>
+      </dsp:style>
+      <dsp:txBody>
+        <a:bodyPr spcFirstLastPara="0" vert="horz" wrap="square" lIns="152400" tIns="152400" rIns="152400" bIns="152400" numCol="1" spcCol="1270" anchor="ctr" anchorCtr="0">
+          <a:noAutofit/>
+        </a:bodyPr>
+        <a:lstStyle/>
+        <a:p>
+          <a:pPr marL="0" lvl="0" indent="0" algn="ctr" defTabSz="1778000">
+            <a:lnSpc>
+              <a:spcPct val="90000"/>
+            </a:lnSpc>
+            <a:spcBef>
+              <a:spcPct val="0"/>
+            </a:spcBef>
+            <a:spcAft>
+              <a:spcPct val="35000"/>
+            </a:spcAft>
+            <a:buNone/>
+          </a:pPr>
+          <a:r>
+            <a:rPr lang="de-DE" sz="4000" kern="1200" dirty="0"/>
+            <a:t>Feedback verbessern</a:t>
+          </a:r>
+        </a:p>
+      </dsp:txBody>
+      <dsp:txXfrm>
+        <a:off x="3700381" y="3029925"/>
+        <a:ext cx="3681178" cy="2254867"/>
+      </dsp:txXfrm>
+    </dsp:sp>
+    <dsp:sp modelId="{D8B4BAAC-1D63-4D4E-A759-93450FFC3BEF}">
+      <dsp:nvSpPr>
+        <dsp:cNvPr id="0" name=""/>
+        <dsp:cNvSpPr/>
+      </dsp:nvSpPr>
+      <dsp:spPr>
+        <a:xfrm>
+          <a:off x="7600160" y="3022024"/>
+          <a:ext cx="3457682" cy="2270646"/>
+        </a:xfrm>
+        <a:prstGeom prst="rect">
+          <a:avLst/>
+        </a:prstGeom>
+        <a:solidFill>
+          <a:schemeClr val="accent1">
+            <a:hueOff val="0"/>
+            <a:satOff val="0"/>
+            <a:lumOff val="0"/>
+            <a:alphaOff val="0"/>
+          </a:schemeClr>
+        </a:solidFill>
+        <a:ln w="12700" cap="flat" cmpd="sng" algn="ctr">
+          <a:solidFill>
+            <a:schemeClr val="lt1">
+              <a:hueOff val="0"/>
+              <a:satOff val="0"/>
+              <a:lumOff val="0"/>
+              <a:alphaOff val="0"/>
+            </a:schemeClr>
+          </a:solidFill>
+          <a:prstDash val="solid"/>
+          <a:miter lim="800000"/>
+        </a:ln>
+        <a:effectLst/>
+      </dsp:spPr>
+      <dsp:style>
+        <a:lnRef idx="2">
+          <a:scrgbClr r="0" g="0" b="0"/>
+        </a:lnRef>
+        <a:fillRef idx="1">
+          <a:scrgbClr r="0" g="0" b="0"/>
+        </a:fillRef>
+        <a:effectRef idx="0">
+          <a:scrgbClr r="0" g="0" b="0"/>
+        </a:effectRef>
+        <a:fontRef idx="minor">
+          <a:schemeClr val="lt1"/>
+        </a:fontRef>
+      </dsp:style>
+      <dsp:txBody>
+        <a:bodyPr spcFirstLastPara="0" vert="horz" wrap="square" lIns="152400" tIns="152400" rIns="152400" bIns="152400" numCol="1" spcCol="1270" anchor="ctr" anchorCtr="0">
+          <a:noAutofit/>
+        </a:bodyPr>
+        <a:lstStyle/>
+        <a:p>
+          <a:pPr marL="0" lvl="0" indent="0" algn="ctr" defTabSz="1778000">
+            <a:lnSpc>
+              <a:spcPct val="90000"/>
+            </a:lnSpc>
+            <a:spcBef>
+              <a:spcPct val="0"/>
+            </a:spcBef>
+            <a:spcAft>
+              <a:spcPct val="35000"/>
+            </a:spcAft>
+            <a:buNone/>
+          </a:pPr>
+          <a:r>
+            <a:rPr lang="de-DE" sz="4000" kern="1200" dirty="0"/>
+            <a:t>Konzept mit </a:t>
+          </a:r>
+          <a:r>
+            <a:rPr lang="de-DE" sz="4000" kern="1200" dirty="0" err="1"/>
+            <a:t>Snips</a:t>
+          </a:r>
+          <a:r>
+            <a:rPr lang="de-DE" sz="4000" kern="1200" dirty="0"/>
+            <a:t> anwenden</a:t>
+          </a:r>
+        </a:p>
+      </dsp:txBody>
+      <dsp:txXfrm>
+        <a:off x="7600160" y="3022024"/>
+        <a:ext cx="3457682" cy="2270646"/>
+      </dsp:txXfrm>
+    </dsp:sp>
+  </dsp:spTree>
+</dsp:drawing>
+</file>
+
+<file path=ppt/diagrams/drawing9.xml><?xml version="1.0" encoding="utf-8"?>
+<dsp:drawing xmlns:dgm="http://schemas.openxmlformats.org/drawingml/2006/diagram" xmlns:dsp="http://schemas.microsoft.com/office/drawing/2008/diagram" xmlns:a="http://schemas.openxmlformats.org/drawingml/2006/main">
+  <dsp:spTree>
+    <dsp:nvGrpSpPr>
+      <dsp:cNvPr id="0" name=""/>
+      <dsp:cNvGrpSpPr/>
+    </dsp:nvGrpSpPr>
+    <dsp:grpSpPr/>
+    <dsp:sp modelId="{5F2250E0-8781-481D-872F-6323B6C30192}">
+      <dsp:nvSpPr>
+        <dsp:cNvPr id="0" name=""/>
+        <dsp:cNvSpPr/>
+      </dsp:nvSpPr>
+      <dsp:spPr>
+        <a:xfrm>
+          <a:off x="1853610" y="2779"/>
+          <a:ext cx="3856523" cy="2313914"/>
+        </a:xfrm>
+        <a:prstGeom prst="rect">
+          <a:avLst/>
+        </a:prstGeom>
+        <a:solidFill>
+          <a:schemeClr val="accent1">
+            <a:hueOff val="0"/>
+            <a:satOff val="0"/>
+            <a:lumOff val="0"/>
+            <a:alphaOff val="0"/>
+          </a:schemeClr>
+        </a:solidFill>
+        <a:ln w="12700" cap="flat" cmpd="sng" algn="ctr">
+          <a:solidFill>
+            <a:schemeClr val="lt1">
+              <a:hueOff val="0"/>
+              <a:satOff val="0"/>
+              <a:lumOff val="0"/>
+              <a:alphaOff val="0"/>
+            </a:schemeClr>
+          </a:solidFill>
+          <a:prstDash val="solid"/>
+          <a:miter lim="800000"/>
+        </a:ln>
+        <a:effectLst/>
+      </dsp:spPr>
+      <dsp:style>
+        <a:lnRef idx="2">
+          <a:scrgbClr r="0" g="0" b="0"/>
+        </a:lnRef>
+        <a:fillRef idx="1">
+          <a:scrgbClr r="0" g="0" b="0"/>
+        </a:fillRef>
+        <a:effectRef idx="0">
+          <a:scrgbClr r="0" g="0" b="0"/>
+        </a:effectRef>
+        <a:fontRef idx="minor">
+          <a:schemeClr val="lt1"/>
+        </a:fontRef>
+      </dsp:style>
+      <dsp:txBody>
+        <a:bodyPr spcFirstLastPara="0" vert="horz" wrap="square" lIns="95250" tIns="95250" rIns="95250" bIns="95250" numCol="1" spcCol="1270" anchor="ctr" anchorCtr="0">
+          <a:noAutofit/>
+        </a:bodyPr>
+        <a:lstStyle/>
+        <a:p>
+          <a:pPr marL="0" lvl="0" indent="0" algn="ctr" defTabSz="1111250">
+            <a:lnSpc>
+              <a:spcPct val="90000"/>
+            </a:lnSpc>
+            <a:spcBef>
+              <a:spcPct val="0"/>
+            </a:spcBef>
+            <a:spcAft>
+              <a:spcPct val="35000"/>
+            </a:spcAft>
+            <a:buNone/>
+          </a:pPr>
+          <a:r>
+            <a:rPr lang="de-DE" sz="2500" kern="1200" dirty="0"/>
+            <a:t>§ 3 </a:t>
+          </a:r>
+        </a:p>
+        <a:p>
+          <a:pPr marL="0" lvl="0" indent="0" algn="ctr" defTabSz="1111250">
+            <a:lnSpc>
+              <a:spcPct val="90000"/>
+            </a:lnSpc>
+            <a:spcBef>
+              <a:spcPct val="0"/>
+            </a:spcBef>
+            <a:spcAft>
+              <a:spcPct val="35000"/>
+            </a:spcAft>
+            <a:buNone/>
+          </a:pPr>
+          <a:r>
+            <a:rPr lang="de-DE" sz="2500" kern="1200" dirty="0"/>
+            <a:t>„Räumlicher Anwendungsbereich“</a:t>
+          </a:r>
+        </a:p>
+      </dsp:txBody>
+      <dsp:txXfrm>
+        <a:off x="1853610" y="2779"/>
+        <a:ext cx="3856523" cy="2313914"/>
+      </dsp:txXfrm>
+    </dsp:sp>
+    <dsp:sp modelId="{4D4E8C40-59B0-43AB-AF84-E09B0A97989B}">
+      <dsp:nvSpPr>
+        <dsp:cNvPr id="0" name=""/>
+        <dsp:cNvSpPr/>
+      </dsp:nvSpPr>
+      <dsp:spPr>
+        <a:xfrm>
+          <a:off x="6095786" y="2779"/>
+          <a:ext cx="3856523" cy="2313914"/>
+        </a:xfrm>
+        <a:prstGeom prst="rect">
+          <a:avLst/>
+        </a:prstGeom>
+        <a:solidFill>
+          <a:schemeClr val="accent1">
+            <a:hueOff val="0"/>
+            <a:satOff val="0"/>
+            <a:lumOff val="0"/>
+            <a:alphaOff val="0"/>
+          </a:schemeClr>
+        </a:solidFill>
+        <a:ln w="12700" cap="flat" cmpd="sng" algn="ctr">
+          <a:solidFill>
+            <a:schemeClr val="lt1">
+              <a:hueOff val="0"/>
+              <a:satOff val="0"/>
+              <a:lumOff val="0"/>
+              <a:alphaOff val="0"/>
+            </a:schemeClr>
+          </a:solidFill>
+          <a:prstDash val="solid"/>
+          <a:miter lim="800000"/>
+        </a:ln>
+        <a:effectLst/>
+      </dsp:spPr>
+      <dsp:style>
+        <a:lnRef idx="2">
+          <a:scrgbClr r="0" g="0" b="0"/>
+        </a:lnRef>
+        <a:fillRef idx="1">
+          <a:scrgbClr r="0" g="0" b="0"/>
+        </a:fillRef>
+        <a:effectRef idx="0">
+          <a:scrgbClr r="0" g="0" b="0"/>
+        </a:effectRef>
+        <a:fontRef idx="minor">
+          <a:schemeClr val="lt1"/>
+        </a:fontRef>
+      </dsp:style>
+      <dsp:txBody>
+        <a:bodyPr spcFirstLastPara="0" vert="horz" wrap="square" lIns="95250" tIns="95250" rIns="95250" bIns="95250" numCol="1" spcCol="1270" anchor="ctr" anchorCtr="0">
+          <a:noAutofit/>
+        </a:bodyPr>
+        <a:lstStyle/>
+        <a:p>
+          <a:pPr marL="0" lvl="0" indent="0" algn="ctr" defTabSz="1111250">
+            <a:lnSpc>
+              <a:spcPct val="90000"/>
+            </a:lnSpc>
+            <a:spcBef>
+              <a:spcPct val="0"/>
+            </a:spcBef>
+            <a:spcAft>
+              <a:spcPct val="35000"/>
+            </a:spcAft>
+            <a:buNone/>
+          </a:pPr>
+          <a:r>
+            <a:rPr lang="de-DE" sz="2500" kern="1200" dirty="0"/>
+            <a:t>§ 5</a:t>
+          </a:r>
+        </a:p>
+        <a:p>
+          <a:pPr marL="0" lvl="0" indent="0" algn="ctr" defTabSz="1111250">
+            <a:lnSpc>
+              <a:spcPct val="90000"/>
+            </a:lnSpc>
+            <a:spcBef>
+              <a:spcPct val="0"/>
+            </a:spcBef>
+            <a:spcAft>
+              <a:spcPct val="35000"/>
+            </a:spcAft>
+            <a:buNone/>
+          </a:pPr>
+          <a:r>
+            <a:rPr lang="de-DE" sz="2500" kern="1200" dirty="0"/>
+            <a:t> „Grundsätze für die Verarbeitung personenbezogener Daten“</a:t>
+          </a:r>
+        </a:p>
+      </dsp:txBody>
+      <dsp:txXfrm>
+        <a:off x="6095786" y="2779"/>
+        <a:ext cx="3856523" cy="2313914"/>
+      </dsp:txXfrm>
+    </dsp:sp>
+    <dsp:sp modelId="{98F0F990-6069-4005-A022-52F5C3322428}">
+      <dsp:nvSpPr>
+        <dsp:cNvPr id="0" name=""/>
+        <dsp:cNvSpPr/>
+      </dsp:nvSpPr>
+      <dsp:spPr>
+        <a:xfrm>
+          <a:off x="527718" y="2702346"/>
+          <a:ext cx="3856523" cy="2313914"/>
+        </a:xfrm>
+        <a:prstGeom prst="rect">
+          <a:avLst/>
+        </a:prstGeom>
+        <a:solidFill>
+          <a:schemeClr val="accent1">
+            <a:hueOff val="0"/>
+            <a:satOff val="0"/>
+            <a:lumOff val="0"/>
+            <a:alphaOff val="0"/>
+          </a:schemeClr>
+        </a:solidFill>
+        <a:ln w="12700" cap="flat" cmpd="sng" algn="ctr">
+          <a:solidFill>
+            <a:schemeClr val="lt1">
+              <a:hueOff val="0"/>
+              <a:satOff val="0"/>
+              <a:lumOff val="0"/>
+              <a:alphaOff val="0"/>
+            </a:schemeClr>
+          </a:solidFill>
+          <a:prstDash val="solid"/>
+          <a:miter lim="800000"/>
+        </a:ln>
+        <a:effectLst/>
+      </dsp:spPr>
+      <dsp:style>
+        <a:lnRef idx="2">
+          <a:scrgbClr r="0" g="0" b="0"/>
+        </a:lnRef>
+        <a:fillRef idx="1">
+          <a:scrgbClr r="0" g="0" b="0"/>
+        </a:fillRef>
+        <a:effectRef idx="0">
+          <a:scrgbClr r="0" g="0" b="0"/>
+        </a:effectRef>
+        <a:fontRef idx="minor">
+          <a:schemeClr val="lt1"/>
+        </a:fontRef>
+      </dsp:style>
+      <dsp:txBody>
+        <a:bodyPr spcFirstLastPara="0" vert="horz" wrap="square" lIns="95250" tIns="95250" rIns="95250" bIns="95250" numCol="1" spcCol="1270" anchor="ctr" anchorCtr="0">
+          <a:noAutofit/>
+        </a:bodyPr>
+        <a:lstStyle/>
+        <a:p>
+          <a:pPr marL="0" lvl="0" indent="0" algn="ctr" defTabSz="1111250">
+            <a:lnSpc>
+              <a:spcPct val="90000"/>
+            </a:lnSpc>
+            <a:spcBef>
+              <a:spcPct val="0"/>
+            </a:spcBef>
+            <a:spcAft>
+              <a:spcPct val="35000"/>
+            </a:spcAft>
+            <a:buNone/>
+          </a:pPr>
+          <a:r>
+            <a:rPr lang="de-DE" sz="2500" kern="1200" dirty="0"/>
+            <a:t>§ 17</a:t>
+          </a:r>
+        </a:p>
+        <a:p>
+          <a:pPr marL="0" lvl="0" indent="0" algn="ctr" defTabSz="1111250">
+            <a:lnSpc>
+              <a:spcPct val="90000"/>
+            </a:lnSpc>
+            <a:spcBef>
+              <a:spcPct val="0"/>
+            </a:spcBef>
+            <a:spcAft>
+              <a:spcPct val="35000"/>
+            </a:spcAft>
+            <a:buNone/>
+          </a:pPr>
+          <a:r>
+            <a:rPr lang="de-DE" sz="2500" kern="1200" dirty="0"/>
+            <a:t> „Recht auf Löschung“</a:t>
+          </a:r>
+        </a:p>
+      </dsp:txBody>
+      <dsp:txXfrm>
+        <a:off x="527718" y="2702346"/>
+        <a:ext cx="3856523" cy="2313914"/>
+      </dsp:txXfrm>
+    </dsp:sp>
+    <dsp:sp modelId="{6BADA56D-72BA-43AD-B597-CE1E5C02E238}">
+      <dsp:nvSpPr>
+        <dsp:cNvPr id="0" name=""/>
+        <dsp:cNvSpPr/>
+      </dsp:nvSpPr>
+      <dsp:spPr>
+        <a:xfrm>
+          <a:off x="4769894" y="2702346"/>
+          <a:ext cx="6508307" cy="2313914"/>
+        </a:xfrm>
+        <a:prstGeom prst="rect">
+          <a:avLst/>
+        </a:prstGeom>
+        <a:solidFill>
+          <a:schemeClr val="accent1">
+            <a:hueOff val="0"/>
+            <a:satOff val="0"/>
+            <a:lumOff val="0"/>
+            <a:alphaOff val="0"/>
+          </a:schemeClr>
+        </a:solidFill>
+        <a:ln w="12700" cap="flat" cmpd="sng" algn="ctr">
+          <a:solidFill>
+            <a:schemeClr val="lt1">
+              <a:hueOff val="0"/>
+              <a:satOff val="0"/>
+              <a:lumOff val="0"/>
+              <a:alphaOff val="0"/>
+            </a:schemeClr>
+          </a:solidFill>
+          <a:prstDash val="solid"/>
+          <a:miter lim="800000"/>
+        </a:ln>
+        <a:effectLst/>
+      </dsp:spPr>
+      <dsp:style>
+        <a:lnRef idx="2">
+          <a:scrgbClr r="0" g="0" b="0"/>
+        </a:lnRef>
+        <a:fillRef idx="1">
+          <a:scrgbClr r="0" g="0" b="0"/>
+        </a:fillRef>
+        <a:effectRef idx="0">
+          <a:scrgbClr r="0" g="0" b="0"/>
+        </a:effectRef>
+        <a:fontRef idx="minor">
+          <a:schemeClr val="lt1"/>
+        </a:fontRef>
+      </dsp:style>
+      <dsp:txBody>
+        <a:bodyPr spcFirstLastPara="0" vert="horz" wrap="square" lIns="95250" tIns="95250" rIns="95250" bIns="95250" numCol="1" spcCol="1270" anchor="ctr" anchorCtr="0">
+          <a:noAutofit/>
+        </a:bodyPr>
+        <a:lstStyle/>
+        <a:p>
+          <a:pPr marL="0" lvl="0" indent="0" algn="ctr" defTabSz="1111250">
+            <a:lnSpc>
+              <a:spcPct val="90000"/>
+            </a:lnSpc>
+            <a:spcBef>
+              <a:spcPct val="0"/>
+            </a:spcBef>
+            <a:spcAft>
+              <a:spcPct val="35000"/>
+            </a:spcAft>
+            <a:buNone/>
+          </a:pPr>
+          <a:r>
+            <a:rPr lang="de-DE" sz="2500" kern="1200" dirty="0"/>
+            <a:t>§ 25</a:t>
+          </a:r>
+        </a:p>
+        <a:p>
+          <a:pPr marL="0" lvl="0" indent="0" algn="ctr" defTabSz="1111250">
+            <a:lnSpc>
+              <a:spcPct val="90000"/>
+            </a:lnSpc>
+            <a:spcBef>
+              <a:spcPct val="0"/>
+            </a:spcBef>
+            <a:spcAft>
+              <a:spcPct val="35000"/>
+            </a:spcAft>
+            <a:buNone/>
+          </a:pPr>
+          <a:r>
+            <a:rPr lang="de-DE" sz="2500" kern="1200" dirty="0"/>
+            <a:t> „Datenschutz durch Technikgestaltung und durch datenschutzfreundliche Voreinstellungen“</a:t>
+          </a:r>
+        </a:p>
+      </dsp:txBody>
+      <dsp:txXfrm>
+        <a:off x="4769894" y="2702346"/>
+        <a:ext cx="6508307" cy="2313914"/>
+      </dsp:txXfrm>
     </dsp:sp>
   </dsp:spTree>
 </dsp:drawing>
@@ -15553,301 +14105,7 @@
 </dgm:layoutDef>
 </file>
 
-<file path=ppt/diagrams/layout10.xml><?xml version="1.0" encoding="utf-8"?>
-<dgm:layoutDef xmlns:dgm="http://schemas.openxmlformats.org/drawingml/2006/diagram" xmlns:a="http://schemas.openxmlformats.org/drawingml/2006/main" uniqueId="urn:microsoft.com/office/officeart/2005/8/layout/default">
-  <dgm:title val=""/>
-  <dgm:desc val=""/>
-  <dgm:catLst>
-    <dgm:cat type="list" pri="400"/>
-  </dgm:catLst>
-  <dgm:sampData>
-    <dgm:dataModel>
-      <dgm:ptLst>
-        <dgm:pt modelId="0" type="doc"/>
-        <dgm:pt modelId="1">
-          <dgm:prSet phldr="1"/>
-        </dgm:pt>
-        <dgm:pt modelId="2">
-          <dgm:prSet phldr="1"/>
-        </dgm:pt>
-        <dgm:pt modelId="3">
-          <dgm:prSet phldr="1"/>
-        </dgm:pt>
-        <dgm:pt modelId="4">
-          <dgm:prSet phldr="1"/>
-        </dgm:pt>
-        <dgm:pt modelId="5">
-          <dgm:prSet phldr="1"/>
-        </dgm:pt>
-      </dgm:ptLst>
-      <dgm:cxnLst>
-        <dgm:cxn modelId="6" srcId="0" destId="1" srcOrd="0" destOrd="0"/>
-        <dgm:cxn modelId="7" srcId="0" destId="2" srcOrd="1" destOrd="0"/>
-        <dgm:cxn modelId="8" srcId="0" destId="3" srcOrd="2" destOrd="0"/>
-        <dgm:cxn modelId="9" srcId="0" destId="4" srcOrd="3" destOrd="0"/>
-        <dgm:cxn modelId="10" srcId="0" destId="5" srcOrd="4" destOrd="0"/>
-      </dgm:cxnLst>
-      <dgm:bg/>
-      <dgm:whole/>
-    </dgm:dataModel>
-  </dgm:sampData>
-  <dgm:styleData>
-    <dgm:dataModel>
-      <dgm:ptLst>
-        <dgm:pt modelId="0" type="doc"/>
-        <dgm:pt modelId="1"/>
-        <dgm:pt modelId="2"/>
-      </dgm:ptLst>
-      <dgm:cxnLst>
-        <dgm:cxn modelId="3" srcId="0" destId="1" srcOrd="0" destOrd="0"/>
-        <dgm:cxn modelId="4" srcId="0" destId="2" srcOrd="1" destOrd="0"/>
-      </dgm:cxnLst>
-      <dgm:bg/>
-      <dgm:whole/>
-    </dgm:dataModel>
-  </dgm:styleData>
-  <dgm:clrData>
-    <dgm:dataModel>
-      <dgm:ptLst>
-        <dgm:pt modelId="0" type="doc"/>
-        <dgm:pt modelId="1"/>
-        <dgm:pt modelId="2"/>
-        <dgm:pt modelId="3"/>
-        <dgm:pt modelId="4"/>
-        <dgm:pt modelId="5"/>
-        <dgm:pt modelId="6"/>
-      </dgm:ptLst>
-      <dgm:cxnLst>
-        <dgm:cxn modelId="7" srcId="0" destId="1" srcOrd="0" destOrd="0"/>
-        <dgm:cxn modelId="8" srcId="0" destId="2" srcOrd="1" destOrd="0"/>
-        <dgm:cxn modelId="9" srcId="0" destId="3" srcOrd="2" destOrd="0"/>
-        <dgm:cxn modelId="10" srcId="0" destId="4" srcOrd="3" destOrd="0"/>
-        <dgm:cxn modelId="11" srcId="0" destId="5" srcOrd="4" destOrd="0"/>
-        <dgm:cxn modelId="12" srcId="0" destId="6" srcOrd="5" destOrd="0"/>
-      </dgm:cxnLst>
-      <dgm:bg/>
-      <dgm:whole/>
-    </dgm:dataModel>
-  </dgm:clrData>
-  <dgm:layoutNode name="diagram">
-    <dgm:varLst>
-      <dgm:dir/>
-      <dgm:resizeHandles val="exact"/>
-    </dgm:varLst>
-    <dgm:choose name="Name0">
-      <dgm:if name="Name1" func="var" arg="dir" op="equ" val="norm">
-        <dgm:alg type="snake">
-          <dgm:param type="grDir" val="tL"/>
-          <dgm:param type="flowDir" val="row"/>
-          <dgm:param type="contDir" val="sameDir"/>
-          <dgm:param type="off" val="ctr"/>
-        </dgm:alg>
-      </dgm:if>
-      <dgm:else name="Name2">
-        <dgm:alg type="snake">
-          <dgm:param type="grDir" val="tR"/>
-          <dgm:param type="flowDir" val="row"/>
-          <dgm:param type="contDir" val="sameDir"/>
-          <dgm:param type="off" val="ctr"/>
-        </dgm:alg>
-      </dgm:else>
-    </dgm:choose>
-    <dgm:shape xmlns:r="http://schemas.openxmlformats.org/officeDocument/2006/relationships" r:blip="">
-      <dgm:adjLst/>
-    </dgm:shape>
-    <dgm:presOf/>
-    <dgm:constrLst>
-      <dgm:constr type="w" for="ch" forName="node" refType="w"/>
-      <dgm:constr type="h" for="ch" forName="node" refType="w" refFor="ch" refForName="node" fact="0.6"/>
-      <dgm:constr type="w" for="ch" forName="sibTrans" refType="w" refFor="ch" refForName="node" fact="0.1"/>
-      <dgm:constr type="sp" refType="w" refFor="ch" refForName="sibTrans"/>
-      <dgm:constr type="primFontSz" for="ch" forName="node" op="equ" val="65"/>
-    </dgm:constrLst>
-    <dgm:ruleLst/>
-    <dgm:forEach name="Name3" axis="ch" ptType="node">
-      <dgm:layoutNode name="node">
-        <dgm:varLst>
-          <dgm:bulletEnabled val="1"/>
-        </dgm:varLst>
-        <dgm:alg type="tx"/>
-        <dgm:shape xmlns:r="http://schemas.openxmlformats.org/officeDocument/2006/relationships" type="rect" r:blip="">
-          <dgm:adjLst/>
-        </dgm:shape>
-        <dgm:presOf axis="desOrSelf" ptType="node"/>
-        <dgm:constrLst>
-          <dgm:constr type="lMarg" refType="primFontSz" fact="0.3"/>
-          <dgm:constr type="rMarg" refType="primFontSz" fact="0.3"/>
-          <dgm:constr type="tMarg" refType="primFontSz" fact="0.3"/>
-          <dgm:constr type="bMarg" refType="primFontSz" fact="0.3"/>
-        </dgm:constrLst>
-        <dgm:ruleLst>
-          <dgm:rule type="primFontSz" val="5" fact="NaN" max="NaN"/>
-        </dgm:ruleLst>
-      </dgm:layoutNode>
-      <dgm:forEach name="Name4" axis="followSib" ptType="sibTrans" cnt="1">
-        <dgm:layoutNode name="sibTrans">
-          <dgm:alg type="sp"/>
-          <dgm:shape xmlns:r="http://schemas.openxmlformats.org/officeDocument/2006/relationships" r:blip="">
-            <dgm:adjLst/>
-          </dgm:shape>
-          <dgm:presOf/>
-          <dgm:constrLst/>
-          <dgm:ruleLst/>
-        </dgm:layoutNode>
-      </dgm:forEach>
-    </dgm:forEach>
-  </dgm:layoutNode>
-</dgm:layoutDef>
-</file>
-
 <file path=ppt/diagrams/layout2.xml><?xml version="1.0" encoding="utf-8"?>
-<dgm:layoutDef xmlns:dgm="http://schemas.openxmlformats.org/drawingml/2006/diagram" xmlns:a="http://schemas.openxmlformats.org/drawingml/2006/main" uniqueId="urn:microsoft.com/office/officeart/2005/8/layout/default">
-  <dgm:title val=""/>
-  <dgm:desc val=""/>
-  <dgm:catLst>
-    <dgm:cat type="list" pri="400"/>
-  </dgm:catLst>
-  <dgm:sampData>
-    <dgm:dataModel>
-      <dgm:ptLst>
-        <dgm:pt modelId="0" type="doc"/>
-        <dgm:pt modelId="1">
-          <dgm:prSet phldr="1"/>
-        </dgm:pt>
-        <dgm:pt modelId="2">
-          <dgm:prSet phldr="1"/>
-        </dgm:pt>
-        <dgm:pt modelId="3">
-          <dgm:prSet phldr="1"/>
-        </dgm:pt>
-        <dgm:pt modelId="4">
-          <dgm:prSet phldr="1"/>
-        </dgm:pt>
-        <dgm:pt modelId="5">
-          <dgm:prSet phldr="1"/>
-        </dgm:pt>
-      </dgm:ptLst>
-      <dgm:cxnLst>
-        <dgm:cxn modelId="6" srcId="0" destId="1" srcOrd="0" destOrd="0"/>
-        <dgm:cxn modelId="7" srcId="0" destId="2" srcOrd="1" destOrd="0"/>
-        <dgm:cxn modelId="8" srcId="0" destId="3" srcOrd="2" destOrd="0"/>
-        <dgm:cxn modelId="9" srcId="0" destId="4" srcOrd="3" destOrd="0"/>
-        <dgm:cxn modelId="10" srcId="0" destId="5" srcOrd="4" destOrd="0"/>
-      </dgm:cxnLst>
-      <dgm:bg/>
-      <dgm:whole/>
-    </dgm:dataModel>
-  </dgm:sampData>
-  <dgm:styleData>
-    <dgm:dataModel>
-      <dgm:ptLst>
-        <dgm:pt modelId="0" type="doc"/>
-        <dgm:pt modelId="1"/>
-        <dgm:pt modelId="2"/>
-      </dgm:ptLst>
-      <dgm:cxnLst>
-        <dgm:cxn modelId="3" srcId="0" destId="1" srcOrd="0" destOrd="0"/>
-        <dgm:cxn modelId="4" srcId="0" destId="2" srcOrd="1" destOrd="0"/>
-      </dgm:cxnLst>
-      <dgm:bg/>
-      <dgm:whole/>
-    </dgm:dataModel>
-  </dgm:styleData>
-  <dgm:clrData>
-    <dgm:dataModel>
-      <dgm:ptLst>
-        <dgm:pt modelId="0" type="doc"/>
-        <dgm:pt modelId="1"/>
-        <dgm:pt modelId="2"/>
-        <dgm:pt modelId="3"/>
-        <dgm:pt modelId="4"/>
-        <dgm:pt modelId="5"/>
-        <dgm:pt modelId="6"/>
-      </dgm:ptLst>
-      <dgm:cxnLst>
-        <dgm:cxn modelId="7" srcId="0" destId="1" srcOrd="0" destOrd="0"/>
-        <dgm:cxn modelId="8" srcId="0" destId="2" srcOrd="1" destOrd="0"/>
-        <dgm:cxn modelId="9" srcId="0" destId="3" srcOrd="2" destOrd="0"/>
-        <dgm:cxn modelId="10" srcId="0" destId="4" srcOrd="3" destOrd="0"/>
-        <dgm:cxn modelId="11" srcId="0" destId="5" srcOrd="4" destOrd="0"/>
-        <dgm:cxn modelId="12" srcId="0" destId="6" srcOrd="5" destOrd="0"/>
-      </dgm:cxnLst>
-      <dgm:bg/>
-      <dgm:whole/>
-    </dgm:dataModel>
-  </dgm:clrData>
-  <dgm:layoutNode name="diagram">
-    <dgm:varLst>
-      <dgm:dir/>
-      <dgm:resizeHandles val="exact"/>
-    </dgm:varLst>
-    <dgm:choose name="Name0">
-      <dgm:if name="Name1" func="var" arg="dir" op="equ" val="norm">
-        <dgm:alg type="snake">
-          <dgm:param type="grDir" val="tL"/>
-          <dgm:param type="flowDir" val="row"/>
-          <dgm:param type="contDir" val="sameDir"/>
-          <dgm:param type="off" val="ctr"/>
-        </dgm:alg>
-      </dgm:if>
-      <dgm:else name="Name2">
-        <dgm:alg type="snake">
-          <dgm:param type="grDir" val="tR"/>
-          <dgm:param type="flowDir" val="row"/>
-          <dgm:param type="contDir" val="sameDir"/>
-          <dgm:param type="off" val="ctr"/>
-        </dgm:alg>
-      </dgm:else>
-    </dgm:choose>
-    <dgm:shape xmlns:r="http://schemas.openxmlformats.org/officeDocument/2006/relationships" r:blip="">
-      <dgm:adjLst/>
-    </dgm:shape>
-    <dgm:presOf/>
-    <dgm:constrLst>
-      <dgm:constr type="w" for="ch" forName="node" refType="w"/>
-      <dgm:constr type="h" for="ch" forName="node" refType="w" refFor="ch" refForName="node" fact="0.6"/>
-      <dgm:constr type="w" for="ch" forName="sibTrans" refType="w" refFor="ch" refForName="node" fact="0.1"/>
-      <dgm:constr type="sp" refType="w" refFor="ch" refForName="sibTrans"/>
-      <dgm:constr type="primFontSz" for="ch" forName="node" op="equ" val="65"/>
-    </dgm:constrLst>
-    <dgm:ruleLst/>
-    <dgm:forEach name="Name3" axis="ch" ptType="node">
-      <dgm:layoutNode name="node">
-        <dgm:varLst>
-          <dgm:bulletEnabled val="1"/>
-        </dgm:varLst>
-        <dgm:alg type="tx"/>
-        <dgm:shape xmlns:r="http://schemas.openxmlformats.org/officeDocument/2006/relationships" type="rect" r:blip="">
-          <dgm:adjLst/>
-        </dgm:shape>
-        <dgm:presOf axis="desOrSelf" ptType="node"/>
-        <dgm:constrLst>
-          <dgm:constr type="lMarg" refType="primFontSz" fact="0.3"/>
-          <dgm:constr type="rMarg" refType="primFontSz" fact="0.3"/>
-          <dgm:constr type="tMarg" refType="primFontSz" fact="0.3"/>
-          <dgm:constr type="bMarg" refType="primFontSz" fact="0.3"/>
-        </dgm:constrLst>
-        <dgm:ruleLst>
-          <dgm:rule type="primFontSz" val="5" fact="NaN" max="NaN"/>
-        </dgm:ruleLst>
-      </dgm:layoutNode>
-      <dgm:forEach name="Name4" axis="followSib" ptType="sibTrans" cnt="1">
-        <dgm:layoutNode name="sibTrans">
-          <dgm:alg type="sp"/>
-          <dgm:shape xmlns:r="http://schemas.openxmlformats.org/officeDocument/2006/relationships" r:blip="">
-            <dgm:adjLst/>
-          </dgm:shape>
-          <dgm:presOf/>
-          <dgm:constrLst/>
-          <dgm:ruleLst/>
-        </dgm:layoutNode>
-      </dgm:forEach>
-    </dgm:forEach>
-  </dgm:layoutNode>
-</dgm:layoutDef>
-</file>
-
-<file path=ppt/diagrams/layout3.xml><?xml version="1.0" encoding="utf-8"?>
 <dgm:layoutDef xmlns:dgm="http://schemas.openxmlformats.org/drawingml/2006/diagram" xmlns:a="http://schemas.openxmlformats.org/drawingml/2006/main" uniqueId="urn:microsoft.com/office/officeart/2005/8/layout/vList2">
   <dgm:title val=""/>
   <dgm:desc val=""/>
@@ -16014,7 +14272,7 @@
 </dgm:layoutDef>
 </file>
 
-<file path=ppt/diagrams/layout4.xml><?xml version="1.0" encoding="utf-8"?>
+<file path=ppt/diagrams/layout3.xml><?xml version="1.0" encoding="utf-8"?>
 <dgm:layoutDef xmlns:dgm="http://schemas.openxmlformats.org/drawingml/2006/diagram" xmlns:a="http://schemas.openxmlformats.org/drawingml/2006/main" uniqueId="urn:microsoft.com/office/officeart/2008/layout/PictureStrips">
   <dgm:title val=""/>
   <dgm:desc val=""/>
@@ -16209,174 +14467,7 @@
 </dgm:layoutDef>
 </file>
 
-<file path=ppt/diagrams/layout5.xml><?xml version="1.0" encoding="utf-8"?>
-<dgm:layoutDef xmlns:dgm="http://schemas.openxmlformats.org/drawingml/2006/diagram" xmlns:a="http://schemas.openxmlformats.org/drawingml/2006/main" uniqueId="urn:microsoft.com/office/officeart/2005/8/layout/vList2">
-  <dgm:title val=""/>
-  <dgm:desc val=""/>
-  <dgm:catLst>
-    <dgm:cat type="list" pri="3000"/>
-    <dgm:cat type="convert" pri="1000"/>
-  </dgm:catLst>
-  <dgm:sampData>
-    <dgm:dataModel>
-      <dgm:ptLst>
-        <dgm:pt modelId="0" type="doc"/>
-        <dgm:pt modelId="1">
-          <dgm:prSet phldr="1"/>
-        </dgm:pt>
-        <dgm:pt modelId="11">
-          <dgm:prSet phldr="1"/>
-        </dgm:pt>
-        <dgm:pt modelId="2">
-          <dgm:prSet phldr="1"/>
-        </dgm:pt>
-        <dgm:pt modelId="21">
-          <dgm:prSet phldr="1"/>
-        </dgm:pt>
-      </dgm:ptLst>
-      <dgm:cxnLst>
-        <dgm:cxn modelId="4" srcId="0" destId="1" srcOrd="0" destOrd="0"/>
-        <dgm:cxn modelId="5" srcId="0" destId="2" srcOrd="1" destOrd="0"/>
-        <dgm:cxn modelId="12" srcId="1" destId="11" srcOrd="0" destOrd="0"/>
-        <dgm:cxn modelId="23" srcId="2" destId="21" srcOrd="0" destOrd="0"/>
-      </dgm:cxnLst>
-      <dgm:bg/>
-      <dgm:whole/>
-    </dgm:dataModel>
-  </dgm:sampData>
-  <dgm:styleData>
-    <dgm:dataModel>
-      <dgm:ptLst>
-        <dgm:pt modelId="0" type="doc"/>
-        <dgm:pt modelId="1"/>
-        <dgm:pt modelId="2"/>
-      </dgm:ptLst>
-      <dgm:cxnLst>
-        <dgm:cxn modelId="3" srcId="0" destId="1" srcOrd="0" destOrd="0"/>
-        <dgm:cxn modelId="4" srcId="0" destId="2" srcOrd="1" destOrd="0"/>
-      </dgm:cxnLst>
-      <dgm:bg/>
-      <dgm:whole/>
-    </dgm:dataModel>
-  </dgm:styleData>
-  <dgm:clrData>
-    <dgm:dataModel>
-      <dgm:ptLst>
-        <dgm:pt modelId="0" type="doc"/>
-        <dgm:pt modelId="1"/>
-        <dgm:pt modelId="2"/>
-        <dgm:pt modelId="3"/>
-        <dgm:pt modelId="4"/>
-      </dgm:ptLst>
-      <dgm:cxnLst>
-        <dgm:cxn modelId="5" srcId="0" destId="1" srcOrd="0" destOrd="0"/>
-        <dgm:cxn modelId="6" srcId="0" destId="2" srcOrd="1" destOrd="0"/>
-        <dgm:cxn modelId="7" srcId="0" destId="3" srcOrd="2" destOrd="0"/>
-        <dgm:cxn modelId="8" srcId="0" destId="4" srcOrd="3" destOrd="0"/>
-      </dgm:cxnLst>
-      <dgm:bg/>
-      <dgm:whole/>
-    </dgm:dataModel>
-  </dgm:clrData>
-  <dgm:layoutNode name="linear">
-    <dgm:varLst>
-      <dgm:animLvl val="lvl"/>
-      <dgm:resizeHandles val="exact"/>
-    </dgm:varLst>
-    <dgm:alg type="lin">
-      <dgm:param type="linDir" val="fromT"/>
-      <dgm:param type="vertAlign" val="mid"/>
-    </dgm:alg>
-    <dgm:shape xmlns:r="http://schemas.openxmlformats.org/officeDocument/2006/relationships" r:blip="">
-      <dgm:adjLst/>
-    </dgm:shape>
-    <dgm:presOf/>
-    <dgm:constrLst>
-      <dgm:constr type="w" for="ch" forName="parentText" refType="w"/>
-      <dgm:constr type="h" for="ch" forName="parentText" refType="primFontSz" refFor="ch" refForName="parentText" fact="0.52"/>
-      <dgm:constr type="w" for="ch" forName="childText" refType="w"/>
-      <dgm:constr type="h" for="ch" forName="childText" refType="primFontSz" refFor="ch" refForName="parentText" fact="0.46"/>
-      <dgm:constr type="h" for="ch" forName="parentText" op="equ"/>
-      <dgm:constr type="primFontSz" for="ch" forName="parentText" op="equ" val="65"/>
-      <dgm:constr type="primFontSz" for="ch" forName="childText" refType="primFontSz" refFor="ch" refForName="parentText" op="equ"/>
-      <dgm:constr type="h" for="ch" forName="spacer" refType="primFontSz" refFor="ch" refForName="parentText" fact="0.08"/>
-    </dgm:constrLst>
-    <dgm:ruleLst>
-      <dgm:rule type="primFontSz" for="ch" forName="parentText" val="5" fact="NaN" max="NaN"/>
-    </dgm:ruleLst>
-    <dgm:forEach name="Name0" axis="ch" ptType="node">
-      <dgm:layoutNode name="parentText" styleLbl="node1">
-        <dgm:varLst>
-          <dgm:chMax val="0"/>
-          <dgm:bulletEnabled val="1"/>
-        </dgm:varLst>
-        <dgm:alg type="tx">
-          <dgm:param type="parTxLTRAlign" val="l"/>
-          <dgm:param type="parTxRTLAlign" val="r"/>
-        </dgm:alg>
-        <dgm:shape xmlns:r="http://schemas.openxmlformats.org/officeDocument/2006/relationships" type="roundRect" r:blip="">
-          <dgm:adjLst/>
-        </dgm:shape>
-        <dgm:presOf axis="self"/>
-        <dgm:constrLst>
-          <dgm:constr type="tMarg" refType="primFontSz" fact="0.3"/>
-          <dgm:constr type="bMarg" refType="primFontSz" fact="0.3"/>
-          <dgm:constr type="lMarg" refType="primFontSz" fact="0.3"/>
-          <dgm:constr type="rMarg" refType="primFontSz" fact="0.3"/>
-        </dgm:constrLst>
-        <dgm:ruleLst>
-          <dgm:rule type="h" val="INF" fact="NaN" max="NaN"/>
-        </dgm:ruleLst>
-      </dgm:layoutNode>
-      <dgm:choose name="Name1">
-        <dgm:if name="Name2" axis="ch" ptType="node" func="cnt" op="gte" val="1">
-          <dgm:layoutNode name="childText" styleLbl="revTx">
-            <dgm:varLst>
-              <dgm:bulletEnabled val="1"/>
-            </dgm:varLst>
-            <dgm:alg type="tx">
-              <dgm:param type="stBulletLvl" val="1"/>
-              <dgm:param type="lnSpAfChP" val="20"/>
-            </dgm:alg>
-            <dgm:shape xmlns:r="http://schemas.openxmlformats.org/officeDocument/2006/relationships" type="rect" r:blip="">
-              <dgm:adjLst/>
-            </dgm:shape>
-            <dgm:presOf axis="des" ptType="node"/>
-            <dgm:constrLst>
-              <dgm:constr type="tMarg" refType="primFontSz" fact="0.1"/>
-              <dgm:constr type="bMarg" refType="primFontSz" fact="0.1"/>
-              <dgm:constr type="lMarg" refType="w" fact="0.09"/>
-            </dgm:constrLst>
-            <dgm:ruleLst>
-              <dgm:rule type="h" val="INF" fact="NaN" max="NaN"/>
-            </dgm:ruleLst>
-          </dgm:layoutNode>
-        </dgm:if>
-        <dgm:else name="Name3">
-          <dgm:choose name="Name4">
-            <dgm:if name="Name5" axis="par ch" ptType="doc node" func="cnt" op="gte" val="2">
-              <dgm:forEach name="Name6" axis="followSib" ptType="sibTrans" cnt="1">
-                <dgm:layoutNode name="spacer">
-                  <dgm:alg type="sp"/>
-                  <dgm:shape xmlns:r="http://schemas.openxmlformats.org/officeDocument/2006/relationships" r:blip="">
-                    <dgm:adjLst/>
-                  </dgm:shape>
-                  <dgm:presOf/>
-                  <dgm:constrLst/>
-                  <dgm:ruleLst/>
-                </dgm:layoutNode>
-              </dgm:forEach>
-            </dgm:if>
-            <dgm:else name="Name7"/>
-          </dgm:choose>
-        </dgm:else>
-      </dgm:choose>
-    </dgm:forEach>
-  </dgm:layoutNode>
-</dgm:layoutDef>
-</file>
-
-<file path=ppt/diagrams/layout6.xml><?xml version="1.0" encoding="utf-8"?>
+<file path=ppt/diagrams/layout4.xml><?xml version="1.0" encoding="utf-8"?>
 <dgm:layoutDef xmlns:dgm="http://schemas.openxmlformats.org/drawingml/2006/diagram" xmlns:a="http://schemas.openxmlformats.org/drawingml/2006/main" uniqueId="urn:microsoft.com/office/officeart/2005/8/layout/vList4">
   <dgm:title val=""/>
   <dgm:desc val=""/>
@@ -16583,7 +14674,7 @@
 </dgm:layoutDef>
 </file>
 
-<file path=ppt/diagrams/layout7.xml><?xml version="1.0" encoding="utf-8"?>
+<file path=ppt/diagrams/layout5.xml><?xml version="1.0" encoding="utf-8"?>
 <dgm:layoutDef xmlns:dgm="http://schemas.openxmlformats.org/drawingml/2006/diagram" xmlns:a="http://schemas.openxmlformats.org/drawingml/2006/main" uniqueId="urn:microsoft.com/office/officeart/2005/8/layout/lProcess3">
   <dgm:title val=""/>
   <dgm:desc val=""/>
@@ -16864,7 +14955,7 @@
 </dgm:layoutDef>
 </file>
 
-<file path=ppt/diagrams/layout8.xml><?xml version="1.0" encoding="utf-8"?>
+<file path=ppt/diagrams/layout6.xml><?xml version="1.0" encoding="utf-8"?>
 <dgm:layoutDef xmlns:dgm="http://schemas.openxmlformats.org/drawingml/2006/diagram" xmlns:a="http://schemas.openxmlformats.org/drawingml/2006/main" uniqueId="urn:microsoft.com/office/officeart/2005/8/layout/chart3">
   <dgm:title val=""/>
   <dgm:desc val=""/>
@@ -18169,7 +16260,7 @@
 </dgm:layoutDef>
 </file>
 
-<file path=ppt/diagrams/layout9.xml><?xml version="1.0" encoding="utf-8"?>
+<file path=ppt/diagrams/layout7.xml><?xml version="1.0" encoding="utf-8"?>
 <dgm:layoutDef xmlns:dgm="http://schemas.openxmlformats.org/drawingml/2006/diagram" xmlns:a="http://schemas.openxmlformats.org/drawingml/2006/main" uniqueId="urn:microsoft.com/office/officeart/2005/8/layout/hList2">
   <dgm:title val=""/>
   <dgm:desc val=""/>
@@ -18454,1041 +16545,301 @@
 </dgm:layoutDef>
 </file>
 
-<file path=ppt/diagrams/quickStyle1.xml><?xml version="1.0" encoding="utf-8"?>
-<dgm:styleDef xmlns:dgm="http://schemas.openxmlformats.org/drawingml/2006/diagram" xmlns:a="http://schemas.openxmlformats.org/drawingml/2006/main" uniqueId="urn:microsoft.com/office/officeart/2005/8/quickstyle/simple1">
+<file path=ppt/diagrams/layout8.xml><?xml version="1.0" encoding="utf-8"?>
+<dgm:layoutDef xmlns:dgm="http://schemas.openxmlformats.org/drawingml/2006/diagram" xmlns:a="http://schemas.openxmlformats.org/drawingml/2006/main" uniqueId="urn:microsoft.com/office/officeart/2005/8/layout/default">
   <dgm:title val=""/>
   <dgm:desc val=""/>
   <dgm:catLst>
-    <dgm:cat type="simple" pri="10100"/>
+    <dgm:cat type="list" pri="400"/>
   </dgm:catLst>
-  <dgm:scene3d>
-    <a:camera prst="orthographicFront"/>
-    <a:lightRig rig="threePt" dir="t"/>
-  </dgm:scene3d>
-  <dgm:styleLbl name="node0">
-    <dgm:scene3d>
-      <a:camera prst="orthographicFront"/>
-      <a:lightRig rig="threePt" dir="t"/>
-    </dgm:scene3d>
-    <dgm:sp3d/>
-    <dgm:txPr/>
-    <dgm:style>
-      <a:lnRef idx="2">
-        <a:scrgbClr r="0" g="0" b="0"/>
-      </a:lnRef>
-      <a:fillRef idx="1">
-        <a:scrgbClr r="0" g="0" b="0"/>
-      </a:fillRef>
-      <a:effectRef idx="0">
-        <a:scrgbClr r="0" g="0" b="0"/>
-      </a:effectRef>
-      <a:fontRef idx="minor">
-        <a:schemeClr val="lt1"/>
-      </a:fontRef>
-    </dgm:style>
-  </dgm:styleLbl>
-  <dgm:styleLbl name="lnNode1">
-    <dgm:scene3d>
-      <a:camera prst="orthographicFront"/>
-      <a:lightRig rig="threePt" dir="t"/>
-    </dgm:scene3d>
-    <dgm:sp3d/>
-    <dgm:txPr/>
-    <dgm:style>
-      <a:lnRef idx="2">
-        <a:scrgbClr r="0" g="0" b="0"/>
-      </a:lnRef>
-      <a:fillRef idx="1">
-        <a:scrgbClr r="0" g="0" b="0"/>
-      </a:fillRef>
-      <a:effectRef idx="0">
-        <a:scrgbClr r="0" g="0" b="0"/>
-      </a:effectRef>
-      <a:fontRef idx="minor">
-        <a:schemeClr val="lt1"/>
-      </a:fontRef>
-    </dgm:style>
-  </dgm:styleLbl>
-  <dgm:styleLbl name="vennNode1">
-    <dgm:scene3d>
-      <a:camera prst="orthographicFront"/>
-      <a:lightRig rig="threePt" dir="t"/>
-    </dgm:scene3d>
-    <dgm:sp3d/>
-    <dgm:txPr/>
-    <dgm:style>
-      <a:lnRef idx="2">
-        <a:scrgbClr r="0" g="0" b="0"/>
-      </a:lnRef>
-      <a:fillRef idx="1">
-        <a:scrgbClr r="0" g="0" b="0"/>
-      </a:fillRef>
-      <a:effectRef idx="0">
-        <a:scrgbClr r="0" g="0" b="0"/>
-      </a:effectRef>
-      <a:fontRef idx="minor">
-        <a:schemeClr val="tx1"/>
-      </a:fontRef>
-    </dgm:style>
-  </dgm:styleLbl>
-  <dgm:styleLbl name="alignNode1">
-    <dgm:scene3d>
-      <a:camera prst="orthographicFront"/>
-      <a:lightRig rig="threePt" dir="t"/>
-    </dgm:scene3d>
-    <dgm:sp3d/>
-    <dgm:txPr/>
-    <dgm:style>
-      <a:lnRef idx="2">
-        <a:scrgbClr r="0" g="0" b="0"/>
-      </a:lnRef>
-      <a:fillRef idx="1">
-        <a:scrgbClr r="0" g="0" b="0"/>
-      </a:fillRef>
-      <a:effectRef idx="0">
-        <a:scrgbClr r="0" g="0" b="0"/>
-      </a:effectRef>
-      <a:fontRef idx="minor">
-        <a:schemeClr val="lt1"/>
-      </a:fontRef>
-    </dgm:style>
-  </dgm:styleLbl>
-  <dgm:styleLbl name="node1">
-    <dgm:scene3d>
-      <a:camera prst="orthographicFront"/>
-      <a:lightRig rig="threePt" dir="t"/>
-    </dgm:scene3d>
-    <dgm:sp3d/>
-    <dgm:txPr/>
-    <dgm:style>
-      <a:lnRef idx="2">
-        <a:scrgbClr r="0" g="0" b="0"/>
-      </a:lnRef>
-      <a:fillRef idx="1">
-        <a:scrgbClr r="0" g="0" b="0"/>
-      </a:fillRef>
-      <a:effectRef idx="0">
-        <a:scrgbClr r="0" g="0" b="0"/>
-      </a:effectRef>
-      <a:fontRef idx="minor">
-        <a:schemeClr val="lt1"/>
-      </a:fontRef>
-    </dgm:style>
-  </dgm:styleLbl>
-  <dgm:styleLbl name="node2">
-    <dgm:scene3d>
-      <a:camera prst="orthographicFront"/>
-      <a:lightRig rig="threePt" dir="t"/>
-    </dgm:scene3d>
-    <dgm:sp3d/>
-    <dgm:txPr/>
-    <dgm:style>
-      <a:lnRef idx="2">
-        <a:scrgbClr r="0" g="0" b="0"/>
-      </a:lnRef>
-      <a:fillRef idx="1">
-        <a:scrgbClr r="0" g="0" b="0"/>
-      </a:fillRef>
-      <a:effectRef idx="0">
-        <a:scrgbClr r="0" g="0" b="0"/>
-      </a:effectRef>
-      <a:fontRef idx="minor">
-        <a:schemeClr val="lt1"/>
-      </a:fontRef>
-    </dgm:style>
-  </dgm:styleLbl>
-  <dgm:styleLbl name="node3">
-    <dgm:scene3d>
-      <a:camera prst="orthographicFront"/>
-      <a:lightRig rig="threePt" dir="t"/>
-    </dgm:scene3d>
-    <dgm:sp3d/>
-    <dgm:txPr/>
-    <dgm:style>
-      <a:lnRef idx="2">
-        <a:scrgbClr r="0" g="0" b="0"/>
-      </a:lnRef>
-      <a:fillRef idx="1">
-        <a:scrgbClr r="0" g="0" b="0"/>
-      </a:fillRef>
-      <a:effectRef idx="0">
-        <a:scrgbClr r="0" g="0" b="0"/>
-      </a:effectRef>
-      <a:fontRef idx="minor">
-        <a:schemeClr val="lt1"/>
-      </a:fontRef>
-    </dgm:style>
-  </dgm:styleLbl>
-  <dgm:styleLbl name="node4">
-    <dgm:scene3d>
-      <a:camera prst="orthographicFront"/>
-      <a:lightRig rig="threePt" dir="t"/>
-    </dgm:scene3d>
-    <dgm:sp3d/>
-    <dgm:txPr/>
-    <dgm:style>
-      <a:lnRef idx="2">
-        <a:scrgbClr r="0" g="0" b="0"/>
-      </a:lnRef>
-      <a:fillRef idx="1">
-        <a:scrgbClr r="0" g="0" b="0"/>
-      </a:fillRef>
-      <a:effectRef idx="0">
-        <a:scrgbClr r="0" g="0" b="0"/>
-      </a:effectRef>
-      <a:fontRef idx="minor">
-        <a:schemeClr val="lt1"/>
-      </a:fontRef>
-    </dgm:style>
-  </dgm:styleLbl>
-  <dgm:styleLbl name="fgImgPlace1">
-    <dgm:scene3d>
-      <a:camera prst="orthographicFront"/>
-      <a:lightRig rig="threePt" dir="t"/>
-    </dgm:scene3d>
-    <dgm:sp3d/>
-    <dgm:txPr/>
-    <dgm:style>
-      <a:lnRef idx="2">
-        <a:scrgbClr r="0" g="0" b="0"/>
-      </a:lnRef>
-      <a:fillRef idx="1">
-        <a:scrgbClr r="0" g="0" b="0"/>
-      </a:fillRef>
-      <a:effectRef idx="0">
-        <a:scrgbClr r="0" g="0" b="0"/>
-      </a:effectRef>
-      <a:fontRef idx="minor"/>
-    </dgm:style>
-  </dgm:styleLbl>
-  <dgm:styleLbl name="alignImgPlace1">
-    <dgm:scene3d>
-      <a:camera prst="orthographicFront"/>
-      <a:lightRig rig="threePt" dir="t"/>
-    </dgm:scene3d>
-    <dgm:sp3d/>
-    <dgm:txPr/>
-    <dgm:style>
-      <a:lnRef idx="2">
-        <a:scrgbClr r="0" g="0" b="0"/>
-      </a:lnRef>
-      <a:fillRef idx="1">
-        <a:scrgbClr r="0" g="0" b="0"/>
-      </a:fillRef>
-      <a:effectRef idx="0">
-        <a:scrgbClr r="0" g="0" b="0"/>
-      </a:effectRef>
-      <a:fontRef idx="minor"/>
-    </dgm:style>
-  </dgm:styleLbl>
-  <dgm:styleLbl name="bgImgPlace1">
-    <dgm:scene3d>
-      <a:camera prst="orthographicFront"/>
-      <a:lightRig rig="threePt" dir="t"/>
-    </dgm:scene3d>
-    <dgm:sp3d/>
-    <dgm:txPr/>
-    <dgm:style>
-      <a:lnRef idx="2">
-        <a:scrgbClr r="0" g="0" b="0"/>
-      </a:lnRef>
-      <a:fillRef idx="1">
-        <a:scrgbClr r="0" g="0" b="0"/>
-      </a:fillRef>
-      <a:effectRef idx="0">
-        <a:scrgbClr r="0" g="0" b="0"/>
-      </a:effectRef>
-      <a:fontRef idx="minor"/>
-    </dgm:style>
-  </dgm:styleLbl>
-  <dgm:styleLbl name="sibTrans2D1">
-    <dgm:scene3d>
-      <a:camera prst="orthographicFront"/>
-      <a:lightRig rig="threePt" dir="t"/>
-    </dgm:scene3d>
-    <dgm:sp3d/>
-    <dgm:txPr/>
-    <dgm:style>
-      <a:lnRef idx="0">
-        <a:scrgbClr r="0" g="0" b="0"/>
-      </a:lnRef>
-      <a:fillRef idx="1">
-        <a:scrgbClr r="0" g="0" b="0"/>
-      </a:fillRef>
-      <a:effectRef idx="0">
-        <a:scrgbClr r="0" g="0" b="0"/>
-      </a:effectRef>
-      <a:fontRef idx="minor">
-        <a:schemeClr val="lt1"/>
-      </a:fontRef>
-    </dgm:style>
-  </dgm:styleLbl>
-  <dgm:styleLbl name="fgSibTrans2D1">
-    <dgm:scene3d>
-      <a:camera prst="orthographicFront"/>
-      <a:lightRig rig="threePt" dir="t"/>
-    </dgm:scene3d>
-    <dgm:sp3d/>
-    <dgm:txPr/>
-    <dgm:style>
-      <a:lnRef idx="0">
-        <a:scrgbClr r="0" g="0" b="0"/>
-      </a:lnRef>
-      <a:fillRef idx="1">
-        <a:scrgbClr r="0" g="0" b="0"/>
-      </a:fillRef>
-      <a:effectRef idx="0">
-        <a:scrgbClr r="0" g="0" b="0"/>
-      </a:effectRef>
-      <a:fontRef idx="minor">
-        <a:schemeClr val="lt1"/>
-      </a:fontRef>
-    </dgm:style>
-  </dgm:styleLbl>
-  <dgm:styleLbl name="bgSibTrans2D1">
-    <dgm:scene3d>
-      <a:camera prst="orthographicFront"/>
-      <a:lightRig rig="threePt" dir="t"/>
-    </dgm:scene3d>
-    <dgm:sp3d/>
-    <dgm:txPr/>
-    <dgm:style>
-      <a:lnRef idx="0">
-        <a:scrgbClr r="0" g="0" b="0"/>
-      </a:lnRef>
-      <a:fillRef idx="1">
-        <a:scrgbClr r="0" g="0" b="0"/>
-      </a:fillRef>
-      <a:effectRef idx="0">
-        <a:scrgbClr r="0" g="0" b="0"/>
-      </a:effectRef>
-      <a:fontRef idx="minor">
-        <a:schemeClr val="lt1"/>
-      </a:fontRef>
-    </dgm:style>
-  </dgm:styleLbl>
-  <dgm:styleLbl name="sibTrans1D1">
-    <dgm:scene3d>
-      <a:camera prst="orthographicFront"/>
-      <a:lightRig rig="threePt" dir="t"/>
-    </dgm:scene3d>
-    <dgm:sp3d/>
-    <dgm:txPr/>
-    <dgm:style>
-      <a:lnRef idx="1">
-        <a:scrgbClr r="0" g="0" b="0"/>
-      </a:lnRef>
-      <a:fillRef idx="0">
-        <a:scrgbClr r="0" g="0" b="0"/>
-      </a:fillRef>
-      <a:effectRef idx="0">
-        <a:scrgbClr r="0" g="0" b="0"/>
-      </a:effectRef>
-      <a:fontRef idx="minor"/>
-    </dgm:style>
-  </dgm:styleLbl>
-  <dgm:styleLbl name="callout">
-    <dgm:scene3d>
-      <a:camera prst="orthographicFront"/>
-      <a:lightRig rig="threePt" dir="t"/>
-    </dgm:scene3d>
-    <dgm:sp3d/>
-    <dgm:txPr/>
-    <dgm:style>
-      <a:lnRef idx="2">
-        <a:scrgbClr r="0" g="0" b="0"/>
-      </a:lnRef>
-      <a:fillRef idx="1">
-        <a:scrgbClr r="0" g="0" b="0"/>
-      </a:fillRef>
-      <a:effectRef idx="0">
-        <a:scrgbClr r="0" g="0" b="0"/>
-      </a:effectRef>
-      <a:fontRef idx="minor"/>
-    </dgm:style>
-  </dgm:styleLbl>
-  <dgm:styleLbl name="asst0">
-    <dgm:scene3d>
-      <a:camera prst="orthographicFront"/>
-      <a:lightRig rig="threePt" dir="t"/>
-    </dgm:scene3d>
-    <dgm:sp3d/>
-    <dgm:txPr/>
-    <dgm:style>
-      <a:lnRef idx="2">
-        <a:scrgbClr r="0" g="0" b="0"/>
-      </a:lnRef>
-      <a:fillRef idx="1">
-        <a:scrgbClr r="0" g="0" b="0"/>
-      </a:fillRef>
-      <a:effectRef idx="0">
-        <a:scrgbClr r="0" g="0" b="0"/>
-      </a:effectRef>
-      <a:fontRef idx="minor">
-        <a:schemeClr val="lt1"/>
-      </a:fontRef>
-    </dgm:style>
-  </dgm:styleLbl>
-  <dgm:styleLbl name="asst1">
-    <dgm:scene3d>
-      <a:camera prst="orthographicFront"/>
-      <a:lightRig rig="threePt" dir="t"/>
-    </dgm:scene3d>
-    <dgm:sp3d/>
-    <dgm:txPr/>
-    <dgm:style>
-      <a:lnRef idx="2">
-        <a:scrgbClr r="0" g="0" b="0"/>
-      </a:lnRef>
-      <a:fillRef idx="1">
-        <a:scrgbClr r="0" g="0" b="0"/>
-      </a:fillRef>
-      <a:effectRef idx="0">
-        <a:scrgbClr r="0" g="0" b="0"/>
-      </a:effectRef>
-      <a:fontRef idx="minor">
-        <a:schemeClr val="lt1"/>
-      </a:fontRef>
-    </dgm:style>
-  </dgm:styleLbl>
-  <dgm:styleLbl name="asst2">
-    <dgm:scene3d>
-      <a:camera prst="orthographicFront"/>
-      <a:lightRig rig="threePt" dir="t"/>
-    </dgm:scene3d>
-    <dgm:sp3d/>
-    <dgm:txPr/>
-    <dgm:style>
-      <a:lnRef idx="2">
-        <a:scrgbClr r="0" g="0" b="0"/>
-      </a:lnRef>
-      <a:fillRef idx="1">
-        <a:scrgbClr r="0" g="0" b="0"/>
-      </a:fillRef>
-      <a:effectRef idx="0">
-        <a:scrgbClr r="0" g="0" b="0"/>
-      </a:effectRef>
-      <a:fontRef idx="minor">
-        <a:schemeClr val="lt1"/>
-      </a:fontRef>
-    </dgm:style>
-  </dgm:styleLbl>
-  <dgm:styleLbl name="asst3">
-    <dgm:scene3d>
-      <a:camera prst="orthographicFront"/>
-      <a:lightRig rig="threePt" dir="t"/>
-    </dgm:scene3d>
-    <dgm:sp3d/>
-    <dgm:txPr/>
-    <dgm:style>
-      <a:lnRef idx="2">
-        <a:scrgbClr r="0" g="0" b="0"/>
-      </a:lnRef>
-      <a:fillRef idx="1">
-        <a:scrgbClr r="0" g="0" b="0"/>
-      </a:fillRef>
-      <a:effectRef idx="0">
-        <a:scrgbClr r="0" g="0" b="0"/>
-      </a:effectRef>
-      <a:fontRef idx="minor">
-        <a:schemeClr val="lt1"/>
-      </a:fontRef>
-    </dgm:style>
-  </dgm:styleLbl>
-  <dgm:styleLbl name="asst4">
-    <dgm:scene3d>
-      <a:camera prst="orthographicFront"/>
-      <a:lightRig rig="threePt" dir="t"/>
-    </dgm:scene3d>
-    <dgm:sp3d/>
-    <dgm:txPr/>
-    <dgm:style>
-      <a:lnRef idx="2">
-        <a:scrgbClr r="0" g="0" b="0"/>
-      </a:lnRef>
-      <a:fillRef idx="1">
-        <a:scrgbClr r="0" g="0" b="0"/>
-      </a:fillRef>
-      <a:effectRef idx="0">
-        <a:scrgbClr r="0" g="0" b="0"/>
-      </a:effectRef>
-      <a:fontRef idx="minor">
-        <a:schemeClr val="lt1"/>
-      </a:fontRef>
-    </dgm:style>
-  </dgm:styleLbl>
-  <dgm:styleLbl name="parChTrans2D1">
-    <dgm:scene3d>
-      <a:camera prst="orthographicFront"/>
-      <a:lightRig rig="threePt" dir="t"/>
-    </dgm:scene3d>
-    <dgm:sp3d/>
-    <dgm:txPr/>
-    <dgm:style>
-      <a:lnRef idx="2">
-        <a:scrgbClr r="0" g="0" b="0"/>
-      </a:lnRef>
-      <a:fillRef idx="1">
-        <a:scrgbClr r="0" g="0" b="0"/>
-      </a:fillRef>
-      <a:effectRef idx="0">
-        <a:scrgbClr r="0" g="0" b="0"/>
-      </a:effectRef>
-      <a:fontRef idx="minor">
-        <a:schemeClr val="lt1"/>
-      </a:fontRef>
-    </dgm:style>
-  </dgm:styleLbl>
-  <dgm:styleLbl name="parChTrans2D2">
-    <dgm:scene3d>
-      <a:camera prst="orthographicFront"/>
-      <a:lightRig rig="threePt" dir="t"/>
-    </dgm:scene3d>
-    <dgm:sp3d/>
-    <dgm:txPr/>
-    <dgm:style>
-      <a:lnRef idx="2">
-        <a:scrgbClr r="0" g="0" b="0"/>
-      </a:lnRef>
-      <a:fillRef idx="1">
-        <a:scrgbClr r="0" g="0" b="0"/>
-      </a:fillRef>
-      <a:effectRef idx="0">
-        <a:scrgbClr r="0" g="0" b="0"/>
-      </a:effectRef>
-      <a:fontRef idx="minor">
-        <a:schemeClr val="lt1"/>
-      </a:fontRef>
-    </dgm:style>
-  </dgm:styleLbl>
-  <dgm:styleLbl name="parChTrans2D3">
-    <dgm:scene3d>
-      <a:camera prst="orthographicFront"/>
-      <a:lightRig rig="threePt" dir="t"/>
-    </dgm:scene3d>
-    <dgm:sp3d/>
-    <dgm:txPr/>
-    <dgm:style>
-      <a:lnRef idx="2">
-        <a:scrgbClr r="0" g="0" b="0"/>
-      </a:lnRef>
-      <a:fillRef idx="1">
-        <a:scrgbClr r="0" g="0" b="0"/>
-      </a:fillRef>
-      <a:effectRef idx="0">
-        <a:scrgbClr r="0" g="0" b="0"/>
-      </a:effectRef>
-      <a:fontRef idx="minor">
-        <a:schemeClr val="lt1"/>
-      </a:fontRef>
-    </dgm:style>
-  </dgm:styleLbl>
-  <dgm:styleLbl name="parChTrans2D4">
-    <dgm:scene3d>
-      <a:camera prst="orthographicFront"/>
-      <a:lightRig rig="threePt" dir="t"/>
-    </dgm:scene3d>
-    <dgm:sp3d/>
-    <dgm:txPr/>
-    <dgm:style>
-      <a:lnRef idx="2">
-        <a:scrgbClr r="0" g="0" b="0"/>
-      </a:lnRef>
-      <a:fillRef idx="1">
-        <a:scrgbClr r="0" g="0" b="0"/>
-      </a:fillRef>
-      <a:effectRef idx="0">
-        <a:scrgbClr r="0" g="0" b="0"/>
-      </a:effectRef>
-      <a:fontRef idx="minor">
-        <a:schemeClr val="lt1"/>
-      </a:fontRef>
-    </dgm:style>
-  </dgm:styleLbl>
-  <dgm:styleLbl name="parChTrans1D1">
-    <dgm:scene3d>
-      <a:camera prst="orthographicFront"/>
-      <a:lightRig rig="threePt" dir="t"/>
-    </dgm:scene3d>
-    <dgm:sp3d/>
-    <dgm:txPr/>
-    <dgm:style>
-      <a:lnRef idx="2">
-        <a:scrgbClr r="0" g="0" b="0"/>
-      </a:lnRef>
-      <a:fillRef idx="0">
-        <a:scrgbClr r="0" g="0" b="0"/>
-      </a:fillRef>
-      <a:effectRef idx="0">
-        <a:scrgbClr r="0" g="0" b="0"/>
-      </a:effectRef>
-      <a:fontRef idx="minor"/>
-    </dgm:style>
-  </dgm:styleLbl>
-  <dgm:styleLbl name="parChTrans1D2">
-    <dgm:scene3d>
-      <a:camera prst="orthographicFront"/>
-      <a:lightRig rig="threePt" dir="t"/>
-    </dgm:scene3d>
-    <dgm:sp3d/>
-    <dgm:txPr/>
-    <dgm:style>
-      <a:lnRef idx="2">
-        <a:scrgbClr r="0" g="0" b="0"/>
-      </a:lnRef>
-      <a:fillRef idx="0">
-        <a:scrgbClr r="0" g="0" b="0"/>
-      </a:fillRef>
-      <a:effectRef idx="0">
-        <a:scrgbClr r="0" g="0" b="0"/>
-      </a:effectRef>
-      <a:fontRef idx="minor"/>
-    </dgm:style>
-  </dgm:styleLbl>
-  <dgm:styleLbl name="parChTrans1D3">
-    <dgm:scene3d>
-      <a:camera prst="orthographicFront"/>
-      <a:lightRig rig="threePt" dir="t"/>
-    </dgm:scene3d>
-    <dgm:sp3d/>
-    <dgm:txPr/>
-    <dgm:style>
-      <a:lnRef idx="2">
-        <a:scrgbClr r="0" g="0" b="0"/>
-      </a:lnRef>
-      <a:fillRef idx="0">
-        <a:scrgbClr r="0" g="0" b="0"/>
-      </a:fillRef>
-      <a:effectRef idx="0">
-        <a:scrgbClr r="0" g="0" b="0"/>
-      </a:effectRef>
-      <a:fontRef idx="minor"/>
-    </dgm:style>
-  </dgm:styleLbl>
-  <dgm:styleLbl name="parChTrans1D4">
-    <dgm:scene3d>
-      <a:camera prst="orthographicFront"/>
-      <a:lightRig rig="threePt" dir="t"/>
-    </dgm:scene3d>
-    <dgm:sp3d/>
-    <dgm:txPr/>
-    <dgm:style>
-      <a:lnRef idx="2">
-        <a:scrgbClr r="0" g="0" b="0"/>
-      </a:lnRef>
-      <a:fillRef idx="0">
-        <a:scrgbClr r="0" g="0" b="0"/>
-      </a:fillRef>
-      <a:effectRef idx="0">
-        <a:scrgbClr r="0" g="0" b="0"/>
-      </a:effectRef>
-      <a:fontRef idx="minor"/>
-    </dgm:style>
-  </dgm:styleLbl>
-  <dgm:styleLbl name="fgAcc1">
-    <dgm:scene3d>
-      <a:camera prst="orthographicFront"/>
-      <a:lightRig rig="threePt" dir="t"/>
-    </dgm:scene3d>
-    <dgm:sp3d/>
-    <dgm:txPr/>
-    <dgm:style>
-      <a:lnRef idx="2">
-        <a:scrgbClr r="0" g="0" b="0"/>
-      </a:lnRef>
-      <a:fillRef idx="1">
-        <a:scrgbClr r="0" g="0" b="0"/>
-      </a:fillRef>
-      <a:effectRef idx="0">
-        <a:scrgbClr r="0" g="0" b="0"/>
-      </a:effectRef>
-      <a:fontRef idx="minor"/>
-    </dgm:style>
-  </dgm:styleLbl>
-  <dgm:styleLbl name="conFgAcc1">
-    <dgm:scene3d>
-      <a:camera prst="orthographicFront"/>
-      <a:lightRig rig="threePt" dir="t"/>
-    </dgm:scene3d>
-    <dgm:sp3d/>
-    <dgm:txPr/>
-    <dgm:style>
-      <a:lnRef idx="2">
-        <a:scrgbClr r="0" g="0" b="0"/>
-      </a:lnRef>
-      <a:fillRef idx="1">
-        <a:scrgbClr r="0" g="0" b="0"/>
-      </a:fillRef>
-      <a:effectRef idx="0">
-        <a:scrgbClr r="0" g="0" b="0"/>
-      </a:effectRef>
-      <a:fontRef idx="minor"/>
-    </dgm:style>
-  </dgm:styleLbl>
-  <dgm:styleLbl name="alignAcc1">
-    <dgm:scene3d>
-      <a:camera prst="orthographicFront"/>
-      <a:lightRig rig="threePt" dir="t"/>
-    </dgm:scene3d>
-    <dgm:sp3d/>
-    <dgm:txPr/>
-    <dgm:style>
-      <a:lnRef idx="2">
-        <a:scrgbClr r="0" g="0" b="0"/>
-      </a:lnRef>
-      <a:fillRef idx="1">
-        <a:scrgbClr r="0" g="0" b="0"/>
-      </a:fillRef>
-      <a:effectRef idx="0">
-        <a:scrgbClr r="0" g="0" b="0"/>
-      </a:effectRef>
-      <a:fontRef idx="minor"/>
-    </dgm:style>
-  </dgm:styleLbl>
-  <dgm:styleLbl name="trAlignAcc1">
-    <dgm:scene3d>
-      <a:camera prst="orthographicFront"/>
-      <a:lightRig rig="threePt" dir="t"/>
-    </dgm:scene3d>
-    <dgm:sp3d/>
-    <dgm:txPr/>
-    <dgm:style>
-      <a:lnRef idx="1">
-        <a:scrgbClr r="0" g="0" b="0"/>
-      </a:lnRef>
-      <a:fillRef idx="1">
-        <a:scrgbClr r="0" g="0" b="0"/>
-      </a:fillRef>
-      <a:effectRef idx="0">
-        <a:scrgbClr r="0" g="0" b="0"/>
-      </a:effectRef>
-      <a:fontRef idx="minor"/>
-    </dgm:style>
-  </dgm:styleLbl>
-  <dgm:styleLbl name="bgAcc1">
-    <dgm:scene3d>
-      <a:camera prst="orthographicFront"/>
-      <a:lightRig rig="threePt" dir="t"/>
-    </dgm:scene3d>
-    <dgm:sp3d/>
-    <dgm:txPr/>
-    <dgm:style>
-      <a:lnRef idx="2">
-        <a:scrgbClr r="0" g="0" b="0"/>
-      </a:lnRef>
-      <a:fillRef idx="1">
-        <a:scrgbClr r="0" g="0" b="0"/>
-      </a:fillRef>
-      <a:effectRef idx="0">
-        <a:scrgbClr r="0" g="0" b="0"/>
-      </a:effectRef>
-      <a:fontRef idx="minor"/>
-    </dgm:style>
-  </dgm:styleLbl>
-  <dgm:styleLbl name="solidFgAcc1">
-    <dgm:scene3d>
-      <a:camera prst="orthographicFront"/>
-      <a:lightRig rig="threePt" dir="t"/>
-    </dgm:scene3d>
-    <dgm:sp3d/>
-    <dgm:txPr/>
-    <dgm:style>
-      <a:lnRef idx="2">
-        <a:scrgbClr r="0" g="0" b="0"/>
-      </a:lnRef>
-      <a:fillRef idx="1">
-        <a:scrgbClr r="0" g="0" b="0"/>
-      </a:fillRef>
-      <a:effectRef idx="0">
-        <a:scrgbClr r="0" g="0" b="0"/>
-      </a:effectRef>
-      <a:fontRef idx="minor"/>
-    </dgm:style>
-  </dgm:styleLbl>
-  <dgm:styleLbl name="solidAlignAcc1">
-    <dgm:scene3d>
-      <a:camera prst="orthographicFront"/>
-      <a:lightRig rig="threePt" dir="t"/>
-    </dgm:scene3d>
-    <dgm:sp3d/>
-    <dgm:txPr/>
-    <dgm:style>
-      <a:lnRef idx="2">
-        <a:scrgbClr r="0" g="0" b="0"/>
-      </a:lnRef>
-      <a:fillRef idx="1">
-        <a:scrgbClr r="0" g="0" b="0"/>
-      </a:fillRef>
-      <a:effectRef idx="0">
-        <a:scrgbClr r="0" g="0" b="0"/>
-      </a:effectRef>
-      <a:fontRef idx="minor"/>
-    </dgm:style>
-  </dgm:styleLbl>
-  <dgm:styleLbl name="solidBgAcc1">
-    <dgm:scene3d>
-      <a:camera prst="orthographicFront"/>
-      <a:lightRig rig="threePt" dir="t"/>
-    </dgm:scene3d>
-    <dgm:sp3d/>
-    <dgm:txPr/>
-    <dgm:style>
-      <a:lnRef idx="2">
-        <a:scrgbClr r="0" g="0" b="0"/>
-      </a:lnRef>
-      <a:fillRef idx="1">
-        <a:scrgbClr r="0" g="0" b="0"/>
-      </a:fillRef>
-      <a:effectRef idx="0">
-        <a:scrgbClr r="0" g="0" b="0"/>
-      </a:effectRef>
-      <a:fontRef idx="minor"/>
-    </dgm:style>
-  </dgm:styleLbl>
-  <dgm:styleLbl name="fgAccFollowNode1">
-    <dgm:scene3d>
-      <a:camera prst="orthographicFront"/>
-      <a:lightRig rig="threePt" dir="t"/>
-    </dgm:scene3d>
-    <dgm:sp3d/>
-    <dgm:txPr/>
-    <dgm:style>
-      <a:lnRef idx="2">
-        <a:scrgbClr r="0" g="0" b="0"/>
-      </a:lnRef>
-      <a:fillRef idx="1">
-        <a:scrgbClr r="0" g="0" b="0"/>
-      </a:fillRef>
-      <a:effectRef idx="0">
-        <a:scrgbClr r="0" g="0" b="0"/>
-      </a:effectRef>
-      <a:fontRef idx="minor"/>
-    </dgm:style>
-  </dgm:styleLbl>
-  <dgm:styleLbl name="alignAccFollowNode1">
-    <dgm:scene3d>
-      <a:camera prst="orthographicFront"/>
-      <a:lightRig rig="threePt" dir="t"/>
-    </dgm:scene3d>
-    <dgm:sp3d/>
-    <dgm:txPr/>
-    <dgm:style>
-      <a:lnRef idx="2">
-        <a:scrgbClr r="0" g="0" b="0"/>
-      </a:lnRef>
-      <a:fillRef idx="1">
-        <a:scrgbClr r="0" g="0" b="0"/>
-      </a:fillRef>
-      <a:effectRef idx="0">
-        <a:scrgbClr r="0" g="0" b="0"/>
-      </a:effectRef>
-      <a:fontRef idx="minor"/>
-    </dgm:style>
-  </dgm:styleLbl>
-  <dgm:styleLbl name="bgAccFollowNode1">
-    <dgm:scene3d>
-      <a:camera prst="orthographicFront"/>
-      <a:lightRig rig="threePt" dir="t"/>
-    </dgm:scene3d>
-    <dgm:sp3d/>
-    <dgm:txPr/>
-    <dgm:style>
-      <a:lnRef idx="2">
-        <a:scrgbClr r="0" g="0" b="0"/>
-      </a:lnRef>
-      <a:fillRef idx="1">
-        <a:scrgbClr r="0" g="0" b="0"/>
-      </a:fillRef>
-      <a:effectRef idx="0">
-        <a:scrgbClr r="0" g="0" b="0"/>
-      </a:effectRef>
-      <a:fontRef idx="minor"/>
-    </dgm:style>
-  </dgm:styleLbl>
-  <dgm:styleLbl name="fgAcc0">
-    <dgm:scene3d>
-      <a:camera prst="orthographicFront"/>
-      <a:lightRig rig="threePt" dir="t"/>
-    </dgm:scene3d>
-    <dgm:sp3d/>
-    <dgm:txPr/>
-    <dgm:style>
-      <a:lnRef idx="2">
-        <a:scrgbClr r="0" g="0" b="0"/>
-      </a:lnRef>
-      <a:fillRef idx="1">
-        <a:scrgbClr r="0" g="0" b="0"/>
-      </a:fillRef>
-      <a:effectRef idx="0">
-        <a:scrgbClr r="0" g="0" b="0"/>
-      </a:effectRef>
-      <a:fontRef idx="minor"/>
-    </dgm:style>
-  </dgm:styleLbl>
-  <dgm:styleLbl name="fgAcc2">
-    <dgm:scene3d>
-      <a:camera prst="orthographicFront"/>
-      <a:lightRig rig="threePt" dir="t"/>
-    </dgm:scene3d>
-    <dgm:sp3d/>
-    <dgm:txPr/>
-    <dgm:style>
-      <a:lnRef idx="2">
-        <a:scrgbClr r="0" g="0" b="0"/>
-      </a:lnRef>
-      <a:fillRef idx="1">
-        <a:scrgbClr r="0" g="0" b="0"/>
-      </a:fillRef>
-      <a:effectRef idx="0">
-        <a:scrgbClr r="0" g="0" b="0"/>
-      </a:effectRef>
-      <a:fontRef idx="minor"/>
-    </dgm:style>
-  </dgm:styleLbl>
-  <dgm:styleLbl name="fgAcc3">
-    <dgm:scene3d>
-      <a:camera prst="orthographicFront"/>
-      <a:lightRig rig="threePt" dir="t"/>
-    </dgm:scene3d>
-    <dgm:sp3d/>
-    <dgm:txPr/>
-    <dgm:style>
-      <a:lnRef idx="2">
-        <a:scrgbClr r="0" g="0" b="0"/>
-      </a:lnRef>
-      <a:fillRef idx="1">
-        <a:scrgbClr r="0" g="0" b="0"/>
-      </a:fillRef>
-      <a:effectRef idx="0">
-        <a:scrgbClr r="0" g="0" b="0"/>
-      </a:effectRef>
-      <a:fontRef idx="minor"/>
-    </dgm:style>
-  </dgm:styleLbl>
-  <dgm:styleLbl name="fgAcc4">
-    <dgm:scene3d>
-      <a:camera prst="orthographicFront"/>
-      <a:lightRig rig="threePt" dir="t"/>
-    </dgm:scene3d>
-    <dgm:sp3d/>
-    <dgm:txPr/>
-    <dgm:style>
-      <a:lnRef idx="2">
-        <a:scrgbClr r="0" g="0" b="0"/>
-      </a:lnRef>
-      <a:fillRef idx="1">
-        <a:scrgbClr r="0" g="0" b="0"/>
-      </a:fillRef>
-      <a:effectRef idx="0">
-        <a:scrgbClr r="0" g="0" b="0"/>
-      </a:effectRef>
-      <a:fontRef idx="minor"/>
-    </dgm:style>
-  </dgm:styleLbl>
-  <dgm:styleLbl name="bgShp">
-    <dgm:scene3d>
-      <a:camera prst="orthographicFront"/>
-      <a:lightRig rig="threePt" dir="t"/>
-    </dgm:scene3d>
-    <dgm:sp3d/>
-    <dgm:txPr/>
-    <dgm:style>
-      <a:lnRef idx="0">
-        <a:scrgbClr r="0" g="0" b="0"/>
-      </a:lnRef>
-      <a:fillRef idx="1">
-        <a:scrgbClr r="0" g="0" b="0"/>
-      </a:fillRef>
-      <a:effectRef idx="0">
-        <a:scrgbClr r="0" g="0" b="0"/>
-      </a:effectRef>
-      <a:fontRef idx="minor"/>
-    </dgm:style>
-  </dgm:styleLbl>
-  <dgm:styleLbl name="dkBgShp">
-    <dgm:scene3d>
-      <a:camera prst="orthographicFront"/>
-      <a:lightRig rig="threePt" dir="t"/>
-    </dgm:scene3d>
-    <dgm:sp3d/>
-    <dgm:txPr/>
-    <dgm:style>
-      <a:lnRef idx="0">
-        <a:scrgbClr r="0" g="0" b="0"/>
-      </a:lnRef>
-      <a:fillRef idx="1">
-        <a:scrgbClr r="0" g="0" b="0"/>
-      </a:fillRef>
-      <a:effectRef idx="0">
-        <a:scrgbClr r="0" g="0" b="0"/>
-      </a:effectRef>
-      <a:fontRef idx="minor"/>
-    </dgm:style>
-  </dgm:styleLbl>
-  <dgm:styleLbl name="trBgShp">
-    <dgm:scene3d>
-      <a:camera prst="orthographicFront"/>
-      <a:lightRig rig="threePt" dir="t"/>
-    </dgm:scene3d>
-    <dgm:sp3d/>
-    <dgm:txPr/>
-    <dgm:style>
-      <a:lnRef idx="0">
-        <a:scrgbClr r="0" g="0" b="0"/>
-      </a:lnRef>
-      <a:fillRef idx="1">
-        <a:scrgbClr r="0" g="0" b="0"/>
-      </a:fillRef>
-      <a:effectRef idx="0">
-        <a:scrgbClr r="0" g="0" b="0"/>
-      </a:effectRef>
-      <a:fontRef idx="minor"/>
-    </dgm:style>
-  </dgm:styleLbl>
-  <dgm:styleLbl name="fgShp">
-    <dgm:scene3d>
-      <a:camera prst="orthographicFront"/>
-      <a:lightRig rig="threePt" dir="t"/>
-    </dgm:scene3d>
-    <dgm:sp3d/>
-    <dgm:txPr/>
-    <dgm:style>
-      <a:lnRef idx="2">
-        <a:scrgbClr r="0" g="0" b="0"/>
-      </a:lnRef>
-      <a:fillRef idx="1">
-        <a:scrgbClr r="0" g="0" b="0"/>
-      </a:fillRef>
-      <a:effectRef idx="0">
-        <a:scrgbClr r="0" g="0" b="0"/>
-      </a:effectRef>
-      <a:fontRef idx="minor"/>
-    </dgm:style>
-  </dgm:styleLbl>
-  <dgm:styleLbl name="revTx">
-    <dgm:scene3d>
-      <a:camera prst="orthographicFront"/>
-      <a:lightRig rig="threePt" dir="t"/>
-    </dgm:scene3d>
-    <dgm:sp3d/>
-    <dgm:txPr/>
-    <dgm:style>
-      <a:lnRef idx="0">
-        <a:scrgbClr r="0" g="0" b="0"/>
-      </a:lnRef>
-      <a:fillRef idx="0">
-        <a:scrgbClr r="0" g="0" b="0"/>
-      </a:fillRef>
-      <a:effectRef idx="0">
-        <a:scrgbClr r="0" g="0" b="0"/>
-      </a:effectRef>
-      <a:fontRef idx="minor"/>
-    </dgm:style>
-  </dgm:styleLbl>
-</dgm:styleDef>
+  <dgm:sampData>
+    <dgm:dataModel>
+      <dgm:ptLst>
+        <dgm:pt modelId="0" type="doc"/>
+        <dgm:pt modelId="1">
+          <dgm:prSet phldr="1"/>
+        </dgm:pt>
+        <dgm:pt modelId="2">
+          <dgm:prSet phldr="1"/>
+        </dgm:pt>
+        <dgm:pt modelId="3">
+          <dgm:prSet phldr="1"/>
+        </dgm:pt>
+        <dgm:pt modelId="4">
+          <dgm:prSet phldr="1"/>
+        </dgm:pt>
+        <dgm:pt modelId="5">
+          <dgm:prSet phldr="1"/>
+        </dgm:pt>
+      </dgm:ptLst>
+      <dgm:cxnLst>
+        <dgm:cxn modelId="6" srcId="0" destId="1" srcOrd="0" destOrd="0"/>
+        <dgm:cxn modelId="7" srcId="0" destId="2" srcOrd="1" destOrd="0"/>
+        <dgm:cxn modelId="8" srcId="0" destId="3" srcOrd="2" destOrd="0"/>
+        <dgm:cxn modelId="9" srcId="0" destId="4" srcOrd="3" destOrd="0"/>
+        <dgm:cxn modelId="10" srcId="0" destId="5" srcOrd="4" destOrd="0"/>
+      </dgm:cxnLst>
+      <dgm:bg/>
+      <dgm:whole/>
+    </dgm:dataModel>
+  </dgm:sampData>
+  <dgm:styleData>
+    <dgm:dataModel>
+      <dgm:ptLst>
+        <dgm:pt modelId="0" type="doc"/>
+        <dgm:pt modelId="1"/>
+        <dgm:pt modelId="2"/>
+      </dgm:ptLst>
+      <dgm:cxnLst>
+        <dgm:cxn modelId="3" srcId="0" destId="1" srcOrd="0" destOrd="0"/>
+        <dgm:cxn modelId="4" srcId="0" destId="2" srcOrd="1" destOrd="0"/>
+      </dgm:cxnLst>
+      <dgm:bg/>
+      <dgm:whole/>
+    </dgm:dataModel>
+  </dgm:styleData>
+  <dgm:clrData>
+    <dgm:dataModel>
+      <dgm:ptLst>
+        <dgm:pt modelId="0" type="doc"/>
+        <dgm:pt modelId="1"/>
+        <dgm:pt modelId="2"/>
+        <dgm:pt modelId="3"/>
+        <dgm:pt modelId="4"/>
+        <dgm:pt modelId="5"/>
+        <dgm:pt modelId="6"/>
+      </dgm:ptLst>
+      <dgm:cxnLst>
+        <dgm:cxn modelId="7" srcId="0" destId="1" srcOrd="0" destOrd="0"/>
+        <dgm:cxn modelId="8" srcId="0" destId="2" srcOrd="1" destOrd="0"/>
+        <dgm:cxn modelId="9" srcId="0" destId="3" srcOrd="2" destOrd="0"/>
+        <dgm:cxn modelId="10" srcId="0" destId="4" srcOrd="3" destOrd="0"/>
+        <dgm:cxn modelId="11" srcId="0" destId="5" srcOrd="4" destOrd="0"/>
+        <dgm:cxn modelId="12" srcId="0" destId="6" srcOrd="5" destOrd="0"/>
+      </dgm:cxnLst>
+      <dgm:bg/>
+      <dgm:whole/>
+    </dgm:dataModel>
+  </dgm:clrData>
+  <dgm:layoutNode name="diagram">
+    <dgm:varLst>
+      <dgm:dir/>
+      <dgm:resizeHandles val="exact"/>
+    </dgm:varLst>
+    <dgm:choose name="Name0">
+      <dgm:if name="Name1" func="var" arg="dir" op="equ" val="norm">
+        <dgm:alg type="snake">
+          <dgm:param type="grDir" val="tL"/>
+          <dgm:param type="flowDir" val="row"/>
+          <dgm:param type="contDir" val="sameDir"/>
+          <dgm:param type="off" val="ctr"/>
+        </dgm:alg>
+      </dgm:if>
+      <dgm:else name="Name2">
+        <dgm:alg type="snake">
+          <dgm:param type="grDir" val="tR"/>
+          <dgm:param type="flowDir" val="row"/>
+          <dgm:param type="contDir" val="sameDir"/>
+          <dgm:param type="off" val="ctr"/>
+        </dgm:alg>
+      </dgm:else>
+    </dgm:choose>
+    <dgm:shape xmlns:r="http://schemas.openxmlformats.org/officeDocument/2006/relationships" r:blip="">
+      <dgm:adjLst/>
+    </dgm:shape>
+    <dgm:presOf/>
+    <dgm:constrLst>
+      <dgm:constr type="w" for="ch" forName="node" refType="w"/>
+      <dgm:constr type="h" for="ch" forName="node" refType="w" refFor="ch" refForName="node" fact="0.6"/>
+      <dgm:constr type="w" for="ch" forName="sibTrans" refType="w" refFor="ch" refForName="node" fact="0.1"/>
+      <dgm:constr type="sp" refType="w" refFor="ch" refForName="sibTrans"/>
+      <dgm:constr type="primFontSz" for="ch" forName="node" op="equ" val="65"/>
+    </dgm:constrLst>
+    <dgm:ruleLst/>
+    <dgm:forEach name="Name3" axis="ch" ptType="node">
+      <dgm:layoutNode name="node">
+        <dgm:varLst>
+          <dgm:bulletEnabled val="1"/>
+        </dgm:varLst>
+        <dgm:alg type="tx"/>
+        <dgm:shape xmlns:r="http://schemas.openxmlformats.org/officeDocument/2006/relationships" type="rect" r:blip="">
+          <dgm:adjLst/>
+        </dgm:shape>
+        <dgm:presOf axis="desOrSelf" ptType="node"/>
+        <dgm:constrLst>
+          <dgm:constr type="lMarg" refType="primFontSz" fact="0.3"/>
+          <dgm:constr type="rMarg" refType="primFontSz" fact="0.3"/>
+          <dgm:constr type="tMarg" refType="primFontSz" fact="0.3"/>
+          <dgm:constr type="bMarg" refType="primFontSz" fact="0.3"/>
+        </dgm:constrLst>
+        <dgm:ruleLst>
+          <dgm:rule type="primFontSz" val="5" fact="NaN" max="NaN"/>
+        </dgm:ruleLst>
+      </dgm:layoutNode>
+      <dgm:forEach name="Name4" axis="followSib" ptType="sibTrans" cnt="1">
+        <dgm:layoutNode name="sibTrans">
+          <dgm:alg type="sp"/>
+          <dgm:shape xmlns:r="http://schemas.openxmlformats.org/officeDocument/2006/relationships" r:blip="">
+            <dgm:adjLst/>
+          </dgm:shape>
+          <dgm:presOf/>
+          <dgm:constrLst/>
+          <dgm:ruleLst/>
+        </dgm:layoutNode>
+      </dgm:forEach>
+    </dgm:forEach>
+  </dgm:layoutNode>
+</dgm:layoutDef>
 </file>
 
-<file path=ppt/diagrams/quickStyle10.xml><?xml version="1.0" encoding="utf-8"?>
+<file path=ppt/diagrams/layout9.xml><?xml version="1.0" encoding="utf-8"?>
+<dgm:layoutDef xmlns:dgm="http://schemas.openxmlformats.org/drawingml/2006/diagram" xmlns:a="http://schemas.openxmlformats.org/drawingml/2006/main" uniqueId="urn:microsoft.com/office/officeart/2005/8/layout/default">
+  <dgm:title val=""/>
+  <dgm:desc val=""/>
+  <dgm:catLst>
+    <dgm:cat type="list" pri="400"/>
+  </dgm:catLst>
+  <dgm:sampData>
+    <dgm:dataModel>
+      <dgm:ptLst>
+        <dgm:pt modelId="0" type="doc"/>
+        <dgm:pt modelId="1">
+          <dgm:prSet phldr="1"/>
+        </dgm:pt>
+        <dgm:pt modelId="2">
+          <dgm:prSet phldr="1"/>
+        </dgm:pt>
+        <dgm:pt modelId="3">
+          <dgm:prSet phldr="1"/>
+        </dgm:pt>
+        <dgm:pt modelId="4">
+          <dgm:prSet phldr="1"/>
+        </dgm:pt>
+        <dgm:pt modelId="5">
+          <dgm:prSet phldr="1"/>
+        </dgm:pt>
+      </dgm:ptLst>
+      <dgm:cxnLst>
+        <dgm:cxn modelId="6" srcId="0" destId="1" srcOrd="0" destOrd="0"/>
+        <dgm:cxn modelId="7" srcId="0" destId="2" srcOrd="1" destOrd="0"/>
+        <dgm:cxn modelId="8" srcId="0" destId="3" srcOrd="2" destOrd="0"/>
+        <dgm:cxn modelId="9" srcId="0" destId="4" srcOrd="3" destOrd="0"/>
+        <dgm:cxn modelId="10" srcId="0" destId="5" srcOrd="4" destOrd="0"/>
+      </dgm:cxnLst>
+      <dgm:bg/>
+      <dgm:whole/>
+    </dgm:dataModel>
+  </dgm:sampData>
+  <dgm:styleData>
+    <dgm:dataModel>
+      <dgm:ptLst>
+        <dgm:pt modelId="0" type="doc"/>
+        <dgm:pt modelId="1"/>
+        <dgm:pt modelId="2"/>
+      </dgm:ptLst>
+      <dgm:cxnLst>
+        <dgm:cxn modelId="3" srcId="0" destId="1" srcOrd="0" destOrd="0"/>
+        <dgm:cxn modelId="4" srcId="0" destId="2" srcOrd="1" destOrd="0"/>
+      </dgm:cxnLst>
+      <dgm:bg/>
+      <dgm:whole/>
+    </dgm:dataModel>
+  </dgm:styleData>
+  <dgm:clrData>
+    <dgm:dataModel>
+      <dgm:ptLst>
+        <dgm:pt modelId="0" type="doc"/>
+        <dgm:pt modelId="1"/>
+        <dgm:pt modelId="2"/>
+        <dgm:pt modelId="3"/>
+        <dgm:pt modelId="4"/>
+        <dgm:pt modelId="5"/>
+        <dgm:pt modelId="6"/>
+      </dgm:ptLst>
+      <dgm:cxnLst>
+        <dgm:cxn modelId="7" srcId="0" destId="1" srcOrd="0" destOrd="0"/>
+        <dgm:cxn modelId="8" srcId="0" destId="2" srcOrd="1" destOrd="0"/>
+        <dgm:cxn modelId="9" srcId="0" destId="3" srcOrd="2" destOrd="0"/>
+        <dgm:cxn modelId="10" srcId="0" destId="4" srcOrd="3" destOrd="0"/>
+        <dgm:cxn modelId="11" srcId="0" destId="5" srcOrd="4" destOrd="0"/>
+        <dgm:cxn modelId="12" srcId="0" destId="6" srcOrd="5" destOrd="0"/>
+      </dgm:cxnLst>
+      <dgm:bg/>
+      <dgm:whole/>
+    </dgm:dataModel>
+  </dgm:clrData>
+  <dgm:layoutNode name="diagram">
+    <dgm:varLst>
+      <dgm:dir/>
+      <dgm:resizeHandles val="exact"/>
+    </dgm:varLst>
+    <dgm:choose name="Name0">
+      <dgm:if name="Name1" func="var" arg="dir" op="equ" val="norm">
+        <dgm:alg type="snake">
+          <dgm:param type="grDir" val="tL"/>
+          <dgm:param type="flowDir" val="row"/>
+          <dgm:param type="contDir" val="sameDir"/>
+          <dgm:param type="off" val="ctr"/>
+        </dgm:alg>
+      </dgm:if>
+      <dgm:else name="Name2">
+        <dgm:alg type="snake">
+          <dgm:param type="grDir" val="tR"/>
+          <dgm:param type="flowDir" val="row"/>
+          <dgm:param type="contDir" val="sameDir"/>
+          <dgm:param type="off" val="ctr"/>
+        </dgm:alg>
+      </dgm:else>
+    </dgm:choose>
+    <dgm:shape xmlns:r="http://schemas.openxmlformats.org/officeDocument/2006/relationships" r:blip="">
+      <dgm:adjLst/>
+    </dgm:shape>
+    <dgm:presOf/>
+    <dgm:constrLst>
+      <dgm:constr type="w" for="ch" forName="node" refType="w"/>
+      <dgm:constr type="h" for="ch" forName="node" refType="w" refFor="ch" refForName="node" fact="0.6"/>
+      <dgm:constr type="w" for="ch" forName="sibTrans" refType="w" refFor="ch" refForName="node" fact="0.1"/>
+      <dgm:constr type="sp" refType="w" refFor="ch" refForName="sibTrans"/>
+      <dgm:constr type="primFontSz" for="ch" forName="node" op="equ" val="65"/>
+    </dgm:constrLst>
+    <dgm:ruleLst/>
+    <dgm:forEach name="Name3" axis="ch" ptType="node">
+      <dgm:layoutNode name="node">
+        <dgm:varLst>
+          <dgm:bulletEnabled val="1"/>
+        </dgm:varLst>
+        <dgm:alg type="tx"/>
+        <dgm:shape xmlns:r="http://schemas.openxmlformats.org/officeDocument/2006/relationships" type="rect" r:blip="">
+          <dgm:adjLst/>
+        </dgm:shape>
+        <dgm:presOf axis="desOrSelf" ptType="node"/>
+        <dgm:constrLst>
+          <dgm:constr type="lMarg" refType="primFontSz" fact="0.3"/>
+          <dgm:constr type="rMarg" refType="primFontSz" fact="0.3"/>
+          <dgm:constr type="tMarg" refType="primFontSz" fact="0.3"/>
+          <dgm:constr type="bMarg" refType="primFontSz" fact="0.3"/>
+        </dgm:constrLst>
+        <dgm:ruleLst>
+          <dgm:rule type="primFontSz" val="5" fact="NaN" max="NaN"/>
+        </dgm:ruleLst>
+      </dgm:layoutNode>
+      <dgm:forEach name="Name4" axis="followSib" ptType="sibTrans" cnt="1">
+        <dgm:layoutNode name="sibTrans">
+          <dgm:alg type="sp"/>
+          <dgm:shape xmlns:r="http://schemas.openxmlformats.org/officeDocument/2006/relationships" r:blip="">
+            <dgm:adjLst/>
+          </dgm:shape>
+          <dgm:presOf/>
+          <dgm:constrLst/>
+          <dgm:ruleLst/>
+        </dgm:layoutNode>
+      </dgm:forEach>
+    </dgm:forEach>
+  </dgm:layoutNode>
+</dgm:layoutDef>
+</file>
+
+<file path=ppt/diagrams/quickStyle1.xml><?xml version="1.0" encoding="utf-8"?>
 <dgm:styleDef xmlns:dgm="http://schemas.openxmlformats.org/drawingml/2006/diagram" xmlns:a="http://schemas.openxmlformats.org/drawingml/2006/main" uniqueId="urn:microsoft.com/office/officeart/2005/8/quickstyle/simple1">
   <dgm:title val=""/>
   <dgm:desc val=""/>
@@ -28876,7 +26227,7 @@
           <a:p>
             <a:fld id="{C6AC6211-610F-44E5-BF19-D3CDF6EDD281}" type="datetimeFigureOut">
               <a:rPr lang="de-DE" smtClean="0"/>
-              <a:t>27.11.2019</a:t>
+              <a:t>28.11.2019</a:t>
             </a:fld>
             <a:endParaRPr lang="de-DE"/>
           </a:p>
@@ -29042,7 +26393,7 @@
           <a:p>
             <a:fld id="{347435D3-23A6-45D3-8DFA-7317DC1E7A64}" type="datetimeFigureOut">
               <a:rPr lang="de-DE" smtClean="0"/>
-              <a:t>27.11.2019</a:t>
+              <a:t>28.11.2019</a:t>
             </a:fld>
             <a:endParaRPr lang="de-DE"/>
           </a:p>
@@ -32448,262 +29799,6 @@
           <a:chExt cx="0" cy="0"/>
         </a:xfrm>
       </p:grpSpPr>
-      <p:sp>
-        <p:nvSpPr>
-          <p:cNvPr id="2" name="Titel 1">
-            <a:extLst>
-              <a:ext uri="{FF2B5EF4-FFF2-40B4-BE49-F238E27FC236}">
-                <a16:creationId xmlns:a16="http://schemas.microsoft.com/office/drawing/2014/main" id="{D4AA14FD-CD28-44BB-ADBE-13BF21982478}"/>
-              </a:ext>
-            </a:extLst>
-          </p:cNvPr>
-          <p:cNvSpPr>
-            <a:spLocks noGrp="1"/>
-          </p:cNvSpPr>
-          <p:nvPr>
-            <p:ph type="title"/>
-          </p:nvPr>
-        </p:nvSpPr>
-        <p:spPr/>
-        <p:txBody>
-          <a:bodyPr/>
-          <a:lstStyle/>
-          <a:p>
-            <a:r>
-              <a:rPr lang="de-DE" dirty="0"/>
-              <a:t>Konzept – Kernanforderungen</a:t>
-            </a:r>
-          </a:p>
-        </p:txBody>
-      </p:sp>
-      <p:graphicFrame>
-        <p:nvGraphicFramePr>
-          <p:cNvPr id="4" name="Inhaltsplatzhalter 3">
-            <a:extLst>
-              <a:ext uri="{FF2B5EF4-FFF2-40B4-BE49-F238E27FC236}">
-                <a16:creationId xmlns:a16="http://schemas.microsoft.com/office/drawing/2014/main" id="{D0AA7CBB-D298-4B70-B985-7FF846536EF0}"/>
-              </a:ext>
-            </a:extLst>
-          </p:cNvPr>
-          <p:cNvGraphicFramePr>
-            <a:graphicFrameLocks noGrp="1"/>
-          </p:cNvGraphicFramePr>
-          <p:nvPr>
-            <p:ph sz="quarter" idx="10"/>
-            <p:extLst>
-              <p:ext uri="{D42A27DB-BD31-4B8C-83A1-F6EECF244321}">
-                <p14:modId xmlns:p14="http://schemas.microsoft.com/office/powerpoint/2010/main" val="3765620766"/>
-              </p:ext>
-            </p:extLst>
-          </p:nvPr>
-        </p:nvGraphicFramePr>
-        <p:xfrm>
-          <a:off x="1062925" y="1029494"/>
-          <a:ext cx="10066150" cy="4799012"/>
-        </p:xfrm>
-        <a:graphic>
-          <a:graphicData uri="http://schemas.openxmlformats.org/drawingml/2006/diagram">
-            <dgm:relIds xmlns:dgm="http://schemas.openxmlformats.org/drawingml/2006/diagram" xmlns:r="http://schemas.openxmlformats.org/officeDocument/2006/relationships" r:dm="rId2" r:lo="rId3" r:qs="rId4" r:cs="rId5"/>
-          </a:graphicData>
-        </a:graphic>
-      </p:graphicFrame>
-    </p:spTree>
-    <p:extLst>
-      <p:ext uri="{BB962C8B-B14F-4D97-AF65-F5344CB8AC3E}">
-        <p14:creationId xmlns:p14="http://schemas.microsoft.com/office/powerpoint/2010/main" val="2292009409"/>
-      </p:ext>
-    </p:extLst>
-  </p:cSld>
-  <p:clrMapOvr>
-    <a:masterClrMapping/>
-  </p:clrMapOvr>
-</p:sld>
-</file>
-
-<file path=ppt/slides/slide11.xml><?xml version="1.0" encoding="utf-8"?>
-<p:sld xmlns:a="http://schemas.openxmlformats.org/drawingml/2006/main" xmlns:r="http://schemas.openxmlformats.org/officeDocument/2006/relationships" xmlns:p="http://schemas.openxmlformats.org/presentationml/2006/main">
-  <p:cSld>
-    <p:spTree>
-      <p:nvGrpSpPr>
-        <p:cNvPr id="1" name=""/>
-        <p:cNvGrpSpPr/>
-        <p:nvPr/>
-      </p:nvGrpSpPr>
-      <p:grpSpPr>
-        <a:xfrm>
-          <a:off x="0" y="0"/>
-          <a:ext cx="0" cy="0"/>
-          <a:chOff x="0" y="0"/>
-          <a:chExt cx="0" cy="0"/>
-        </a:xfrm>
-      </p:grpSpPr>
-      <p:sp>
-        <p:nvSpPr>
-          <p:cNvPr id="2" name="Titel 1">
-            <a:extLst>
-              <a:ext uri="{FF2B5EF4-FFF2-40B4-BE49-F238E27FC236}">
-                <a16:creationId xmlns:a16="http://schemas.microsoft.com/office/drawing/2014/main" id="{0231FB51-B0A5-4159-AE41-DB1C26D5CD9F}"/>
-              </a:ext>
-            </a:extLst>
-          </p:cNvPr>
-          <p:cNvSpPr>
-            <a:spLocks noGrp="1"/>
-          </p:cNvSpPr>
-          <p:nvPr>
-            <p:ph type="title"/>
-          </p:nvPr>
-        </p:nvSpPr>
-        <p:spPr/>
-        <p:txBody>
-          <a:bodyPr/>
-          <a:lstStyle/>
-          <a:p>
-            <a:r>
-              <a:rPr lang="de-DE" dirty="0"/>
-              <a:t>Mycroft AI</a:t>
-            </a:r>
-          </a:p>
-        </p:txBody>
-      </p:sp>
-      <p:pic>
-        <p:nvPicPr>
-          <p:cNvPr id="4" name="Inhaltsplatzhalter 5">
-            <a:extLst>
-              <a:ext uri="{FF2B5EF4-FFF2-40B4-BE49-F238E27FC236}">
-                <a16:creationId xmlns:a16="http://schemas.microsoft.com/office/drawing/2014/main" id="{6A75BD11-6BA7-4AE9-B2FA-1A7488100401}"/>
-              </a:ext>
-            </a:extLst>
-          </p:cNvPr>
-          <p:cNvPicPr>
-            <a:picLocks noChangeAspect="1"/>
-          </p:cNvPicPr>
-          <p:nvPr/>
-        </p:nvPicPr>
-        <p:blipFill>
-          <a:blip r:embed="rId2" cstate="print">
-            <a:extLst>
-              <a:ext uri="{28A0092B-C50C-407E-A947-70E740481C1C}">
-                <a14:useLocalDpi xmlns:a14="http://schemas.microsoft.com/office/drawing/2010/main" val="0"/>
-              </a:ext>
-            </a:extLst>
-          </a:blip>
-          <a:stretch>
-            <a:fillRect/>
-          </a:stretch>
-        </p:blipFill>
-        <p:spPr>
-          <a:xfrm>
-            <a:off x="10036560" y="348675"/>
-            <a:ext cx="1418839" cy="1135638"/>
-          </a:xfrm>
-          <a:prstGeom prst="rect">
-            <a:avLst/>
-          </a:prstGeom>
-          <a:ln>
-            <a:noFill/>
-          </a:ln>
-        </p:spPr>
-      </p:pic>
-      <p:sp>
-        <p:nvSpPr>
-          <p:cNvPr id="5" name="Rechteck 4">
-            <a:extLst>
-              <a:ext uri="{FF2B5EF4-FFF2-40B4-BE49-F238E27FC236}">
-                <a16:creationId xmlns:a16="http://schemas.microsoft.com/office/drawing/2014/main" id="{3EF0B8FA-A0B1-4C85-8740-5C2F589136C6}"/>
-              </a:ext>
-            </a:extLst>
-          </p:cNvPr>
-          <p:cNvSpPr/>
-          <p:nvPr/>
-        </p:nvSpPr>
-        <p:spPr>
-          <a:xfrm>
-            <a:off x="11077200" y="421868"/>
-            <a:ext cx="1114800" cy="630942"/>
-          </a:xfrm>
-          <a:prstGeom prst="rect">
-            <a:avLst/>
-          </a:prstGeom>
-        </p:spPr>
-        <p:txBody>
-          <a:bodyPr wrap="square">
-            <a:spAutoFit/>
-          </a:bodyPr>
-          <a:lstStyle/>
-          <a:p>
-            <a:r>
-              <a:rPr lang="de-DE" sz="700" dirty="0"/>
-              <a:t>https://mycroft.ai/wp-content/uploads/2019/01/Mycroft_logo_two_markandtype_hires.png</a:t>
-            </a:r>
-          </a:p>
-        </p:txBody>
-      </p:sp>
-      <p:pic>
-        <p:nvPicPr>
-          <p:cNvPr id="11" name="Grafik 10">
-            <a:extLst>
-              <a:ext uri="{FF2B5EF4-FFF2-40B4-BE49-F238E27FC236}">
-                <a16:creationId xmlns:a16="http://schemas.microsoft.com/office/drawing/2014/main" id="{AE761B5E-8364-4AC8-82DB-C54605BB2641}"/>
-              </a:ext>
-            </a:extLst>
-          </p:cNvPr>
-          <p:cNvPicPr>
-            <a:picLocks noChangeAspect="1"/>
-          </p:cNvPicPr>
-          <p:nvPr/>
-        </p:nvPicPr>
-        <p:blipFill>
-          <a:blip r:embed="rId3">
-            <a:extLst>
-              <a:ext uri="{28A0092B-C50C-407E-A947-70E740481C1C}">
-                <a14:useLocalDpi xmlns:a14="http://schemas.microsoft.com/office/drawing/2010/main" val="0"/>
-              </a:ext>
-            </a:extLst>
-          </a:blip>
-          <a:stretch>
-            <a:fillRect/>
-          </a:stretch>
-        </p:blipFill>
-        <p:spPr>
-          <a:xfrm>
-            <a:off x="2253367" y="1561168"/>
-            <a:ext cx="7685265" cy="3735664"/>
-          </a:xfrm>
-          <a:prstGeom prst="rect">
-            <a:avLst/>
-          </a:prstGeom>
-        </p:spPr>
-      </p:pic>
-    </p:spTree>
-    <p:extLst>
-      <p:ext uri="{BB962C8B-B14F-4D97-AF65-F5344CB8AC3E}">
-        <p14:creationId xmlns:p14="http://schemas.microsoft.com/office/powerpoint/2010/main" val="3113656784"/>
-      </p:ext>
-    </p:extLst>
-  </p:cSld>
-  <p:clrMapOvr>
-    <a:masterClrMapping/>
-  </p:clrMapOvr>
-</p:sld>
-</file>
-
-<file path=ppt/slides/slide12.xml><?xml version="1.0" encoding="utf-8"?>
-<p:sld xmlns:a="http://schemas.openxmlformats.org/drawingml/2006/main" xmlns:r="http://schemas.openxmlformats.org/officeDocument/2006/relationships" xmlns:p="http://schemas.openxmlformats.org/presentationml/2006/main">
-  <p:cSld>
-    <p:spTree>
-      <p:nvGrpSpPr>
-        <p:cNvPr id="1" name=""/>
-        <p:cNvGrpSpPr/>
-        <p:nvPr/>
-      </p:nvGrpSpPr>
-      <p:grpSpPr>
-        <a:xfrm>
-          <a:off x="0" y="0"/>
-          <a:ext cx="0" cy="0"/>
-          <a:chOff x="0" y="0"/>
-          <a:chExt cx="0" cy="0"/>
-        </a:xfrm>
-      </p:grpSpPr>
       <p:pic>
         <p:nvPicPr>
           <p:cNvPr id="5" name="Inhaltsplatzhalter 4">
@@ -32780,7 +29875,7 @@
 </p:sld>
 </file>
 
-<file path=ppt/slides/slide13.xml><?xml version="1.0" encoding="utf-8"?>
+<file path=ppt/slides/slide11.xml><?xml version="1.0" encoding="utf-8"?>
 <p:sld xmlns:a="http://schemas.openxmlformats.org/drawingml/2006/main" xmlns:r="http://schemas.openxmlformats.org/officeDocument/2006/relationships" xmlns:p="http://schemas.openxmlformats.org/presentationml/2006/main">
   <p:cSld>
     <p:spTree>
@@ -32874,7 +29969,7 @@
 </p:sld>
 </file>
 
-<file path=ppt/slides/slide14.xml><?xml version="1.0" encoding="utf-8"?>
+<file path=ppt/slides/slide12.xml><?xml version="1.0" encoding="utf-8"?>
 <p:sld xmlns:a="http://schemas.openxmlformats.org/drawingml/2006/main" xmlns:r="http://schemas.openxmlformats.org/officeDocument/2006/relationships" xmlns:p="http://schemas.openxmlformats.org/presentationml/2006/main">
   <p:cSld>
     <p:spTree>
@@ -32960,7 +30055,7 @@
 </p:sld>
 </file>
 
-<file path=ppt/slides/slide15.xml><?xml version="1.0" encoding="utf-8"?>
+<file path=ppt/slides/slide13.xml><?xml version="1.0" encoding="utf-8"?>
 <p:sld xmlns:a="http://schemas.openxmlformats.org/drawingml/2006/main" xmlns:r="http://schemas.openxmlformats.org/officeDocument/2006/relationships" xmlns:p="http://schemas.openxmlformats.org/presentationml/2006/main">
   <p:cSld>
     <p:spTree>
@@ -33109,7 +30204,7 @@
 </p:sld>
 </file>
 
-<file path=ppt/slides/slide16.xml><?xml version="1.0" encoding="utf-8"?>
+<file path=ppt/slides/slide14.xml><?xml version="1.0" encoding="utf-8"?>
 <p:sld xmlns:a="http://schemas.openxmlformats.org/drawingml/2006/main" xmlns:r="http://schemas.openxmlformats.org/officeDocument/2006/relationships" xmlns:p="http://schemas.openxmlformats.org/presentationml/2006/main">
   <p:cSld>
     <p:spTree>
@@ -33170,7 +30265,7 @@
             <p:ph sz="quarter" idx="10"/>
             <p:extLst>
               <p:ext uri="{D42A27DB-BD31-4B8C-83A1-F6EECF244321}">
-                <p14:modId xmlns:p14="http://schemas.microsoft.com/office/powerpoint/2010/main" val="2308555939"/>
+                <p14:modId xmlns:p14="http://schemas.microsoft.com/office/powerpoint/2010/main" val="4265271618"/>
               </p:ext>
             </p:extLst>
           </p:nvPr>
@@ -33198,7 +30293,7 @@
 </p:sld>
 </file>
 
-<file path=ppt/slides/slide17.xml><?xml version="1.0" encoding="utf-8"?>
+<file path=ppt/slides/slide15.xml><?xml version="1.0" encoding="utf-8"?>
 <p:sld xmlns:a="http://schemas.openxmlformats.org/drawingml/2006/main" xmlns:r="http://schemas.openxmlformats.org/officeDocument/2006/relationships" xmlns:p="http://schemas.openxmlformats.org/presentationml/2006/main">
   <p:cSld>
     <p:spTree>
@@ -33428,14 +30523,14 @@
           <p:nvPr>
             <p:extLst>
               <p:ext uri="{D42A27DB-BD31-4B8C-83A1-F6EECF244321}">
-                <p14:modId xmlns:p14="http://schemas.microsoft.com/office/powerpoint/2010/main" val="2847661779"/>
+                <p14:modId xmlns:p14="http://schemas.microsoft.com/office/powerpoint/2010/main" val="2231113436"/>
               </p:ext>
             </p:extLst>
           </p:nvPr>
         </p:nvGraphicFramePr>
         <p:xfrm>
-          <a:off x="2032000" y="719666"/>
-          <a:ext cx="8128000" cy="5418667"/>
+          <a:off x="480447" y="774915"/>
+          <a:ext cx="11081289" cy="5292671"/>
         </p:xfrm>
         <a:graphic>
           <a:graphicData uri="http://schemas.openxmlformats.org/drawingml/2006/diagram">
@@ -33456,7 +30551,7 @@
 </p:sld>
 </file>
 
-<file path=ppt/slides/slide18.xml><?xml version="1.0" encoding="utf-8"?>
+<file path=ppt/slides/slide16.xml><?xml version="1.0" encoding="utf-8"?>
 <p:sld xmlns:a="http://schemas.openxmlformats.org/drawingml/2006/main" xmlns:r="http://schemas.openxmlformats.org/officeDocument/2006/relationships" xmlns:p="http://schemas.openxmlformats.org/presentationml/2006/main">
   <p:cSld>
     <p:spTree>
@@ -33519,7 +30614,7 @@
 </p:sld>
 </file>
 
-<file path=ppt/slides/slide19.xml><?xml version="1.0" encoding="utf-8"?>
+<file path=ppt/slides/slide17.xml><?xml version="1.0" encoding="utf-8"?>
 <p:sld xmlns:a="http://schemas.openxmlformats.org/drawingml/2006/main" xmlns:r="http://schemas.openxmlformats.org/officeDocument/2006/relationships" xmlns:p="http://schemas.openxmlformats.org/presentationml/2006/main">
   <p:cSld>
     <p:spTree>
@@ -33593,6 +30688,205 @@
     <p:extLst>
       <p:ext uri="{BB962C8B-B14F-4D97-AF65-F5344CB8AC3E}">
         <p14:creationId xmlns:p14="http://schemas.microsoft.com/office/powerpoint/2010/main" val="215880519"/>
+      </p:ext>
+    </p:extLst>
+  </p:cSld>
+  <p:clrMapOvr>
+    <a:masterClrMapping/>
+  </p:clrMapOvr>
+</p:sld>
+</file>
+
+<file path=ppt/slides/slide18.xml><?xml version="1.0" encoding="utf-8"?>
+<p:sld xmlns:a="http://schemas.openxmlformats.org/drawingml/2006/main" xmlns:r="http://schemas.openxmlformats.org/officeDocument/2006/relationships" xmlns:p="http://schemas.openxmlformats.org/presentationml/2006/main">
+  <p:cSld>
+    <p:spTree>
+      <p:nvGrpSpPr>
+        <p:cNvPr id="1" name=""/>
+        <p:cNvGrpSpPr/>
+        <p:nvPr/>
+      </p:nvGrpSpPr>
+      <p:grpSpPr>
+        <a:xfrm>
+          <a:off x="0" y="0"/>
+          <a:ext cx="0" cy="0"/>
+          <a:chOff x="0" y="0"/>
+          <a:chExt cx="0" cy="0"/>
+        </a:xfrm>
+      </p:grpSpPr>
+      <p:sp>
+        <p:nvSpPr>
+          <p:cNvPr id="2" name="Titel 1">
+            <a:extLst>
+              <a:ext uri="{FF2B5EF4-FFF2-40B4-BE49-F238E27FC236}">
+                <a16:creationId xmlns:a16="http://schemas.microsoft.com/office/drawing/2014/main" id="{99B1B9A2-7F9D-4AC5-AE3B-875CA5B5824D}"/>
+              </a:ext>
+            </a:extLst>
+          </p:cNvPr>
+          <p:cNvSpPr>
+            <a:spLocks noGrp="1"/>
+          </p:cNvSpPr>
+          <p:nvPr>
+            <p:ph type="title"/>
+          </p:nvPr>
+        </p:nvSpPr>
+        <p:spPr/>
+        <p:txBody>
+          <a:bodyPr/>
+          <a:lstStyle/>
+          <a:p>
+            <a:r>
+              <a:rPr lang="de-DE" dirty="0"/>
+              <a:t>Betrachtungen zum Datenschutz - DSGVO</a:t>
+            </a:r>
+          </a:p>
+        </p:txBody>
+      </p:sp>
+      <p:graphicFrame>
+        <p:nvGraphicFramePr>
+          <p:cNvPr id="6" name="Diagramm 5">
+            <a:extLst>
+              <a:ext uri="{FF2B5EF4-FFF2-40B4-BE49-F238E27FC236}">
+                <a16:creationId xmlns:a16="http://schemas.microsoft.com/office/drawing/2014/main" id="{758C04CF-A6EC-4289-9EEA-003E91F5358D}"/>
+              </a:ext>
+            </a:extLst>
+          </p:cNvPr>
+          <p:cNvGraphicFramePr/>
+          <p:nvPr>
+            <p:extLst>
+              <p:ext uri="{D42A27DB-BD31-4B8C-83A1-F6EECF244321}">
+                <p14:modId xmlns:p14="http://schemas.microsoft.com/office/powerpoint/2010/main" val="1994010381"/>
+              </p:ext>
+            </p:extLst>
+          </p:nvPr>
+        </p:nvGraphicFramePr>
+        <p:xfrm>
+          <a:off x="264160" y="979488"/>
+          <a:ext cx="11805920" cy="5019040"/>
+        </p:xfrm>
+        <a:graphic>
+          <a:graphicData uri="http://schemas.openxmlformats.org/drawingml/2006/diagram">
+            <dgm:relIds xmlns:dgm="http://schemas.openxmlformats.org/drawingml/2006/diagram" xmlns:r="http://schemas.openxmlformats.org/officeDocument/2006/relationships" r:dm="rId2" r:lo="rId3" r:qs="rId4" r:cs="rId5"/>
+          </a:graphicData>
+        </a:graphic>
+      </p:graphicFrame>
+    </p:spTree>
+    <p:extLst>
+      <p:ext uri="{BB962C8B-B14F-4D97-AF65-F5344CB8AC3E}">
+        <p14:creationId xmlns:p14="http://schemas.microsoft.com/office/powerpoint/2010/main" val="1329256881"/>
+      </p:ext>
+    </p:extLst>
+  </p:cSld>
+  <p:clrMapOvr>
+    <a:masterClrMapping/>
+  </p:clrMapOvr>
+</p:sld>
+</file>
+
+<file path=ppt/slides/slide19.xml><?xml version="1.0" encoding="utf-8"?>
+<p:sld xmlns:a="http://schemas.openxmlformats.org/drawingml/2006/main" xmlns:r="http://schemas.openxmlformats.org/officeDocument/2006/relationships" xmlns:p="http://schemas.openxmlformats.org/presentationml/2006/main">
+  <p:cSld>
+    <p:spTree>
+      <p:nvGrpSpPr>
+        <p:cNvPr id="1" name=""/>
+        <p:cNvGrpSpPr/>
+        <p:nvPr/>
+      </p:nvGrpSpPr>
+      <p:grpSpPr>
+        <a:xfrm>
+          <a:off x="0" y="0"/>
+          <a:ext cx="0" cy="0"/>
+          <a:chOff x="0" y="0"/>
+          <a:chExt cx="0" cy="0"/>
+        </a:xfrm>
+      </p:grpSpPr>
+      <p:sp>
+        <p:nvSpPr>
+          <p:cNvPr id="2" name="Titel 1">
+            <a:extLst>
+              <a:ext uri="{FF2B5EF4-FFF2-40B4-BE49-F238E27FC236}">
+                <a16:creationId xmlns:a16="http://schemas.microsoft.com/office/drawing/2014/main" id="{B2DE300C-A5C9-4D49-8FC1-CB7EBF93AD02}"/>
+              </a:ext>
+            </a:extLst>
+          </p:cNvPr>
+          <p:cNvSpPr>
+            <a:spLocks noGrp="1"/>
+          </p:cNvSpPr>
+          <p:nvPr>
+            <p:ph type="title"/>
+          </p:nvPr>
+        </p:nvSpPr>
+        <p:spPr/>
+        <p:txBody>
+          <a:bodyPr/>
+          <a:lstStyle/>
+          <a:p>
+            <a:r>
+              <a:rPr lang="de-DE" dirty="0"/>
+              <a:t>Sequenzdiagramme</a:t>
+            </a:r>
+          </a:p>
+        </p:txBody>
+      </p:sp>
+      <p:sp>
+        <p:nvSpPr>
+          <p:cNvPr id="7" name="Inhaltsplatzhalter 6">
+            <a:extLst>
+              <a:ext uri="{FF2B5EF4-FFF2-40B4-BE49-F238E27FC236}">
+                <a16:creationId xmlns:a16="http://schemas.microsoft.com/office/drawing/2014/main" id="{891276B7-5BC6-4467-B3AD-1822B7205BAE}"/>
+              </a:ext>
+            </a:extLst>
+          </p:cNvPr>
+          <p:cNvSpPr>
+            <a:spLocks noGrp="1"/>
+          </p:cNvSpPr>
+          <p:nvPr>
+            <p:ph sz="quarter" idx="10"/>
+          </p:nvPr>
+        </p:nvSpPr>
+        <p:spPr/>
+        <p:txBody>
+          <a:bodyPr/>
+          <a:lstStyle/>
+          <a:p>
+            <a:endParaRPr lang="de-DE"/>
+          </a:p>
+        </p:txBody>
+      </p:sp>
+      <p:pic>
+        <p:nvPicPr>
+          <p:cNvPr id="8" name="Grafik 7">
+            <a:extLst>
+              <a:ext uri="{FF2B5EF4-FFF2-40B4-BE49-F238E27FC236}">
+                <a16:creationId xmlns:a16="http://schemas.microsoft.com/office/drawing/2014/main" id="{B2B4E574-5DF0-4552-AC5C-BCFABB6045BF}"/>
+              </a:ext>
+            </a:extLst>
+          </p:cNvPr>
+          <p:cNvPicPr>
+            <a:picLocks noChangeAspect="1"/>
+          </p:cNvPicPr>
+          <p:nvPr/>
+        </p:nvPicPr>
+        <p:blipFill>
+          <a:blip r:embed="rId2"/>
+          <a:stretch>
+            <a:fillRect/>
+          </a:stretch>
+        </p:blipFill>
+        <p:spPr>
+          <a:xfrm>
+            <a:off x="4455117" y="176293"/>
+            <a:ext cx="5829300" cy="5829300"/>
+          </a:xfrm>
+          <a:prstGeom prst="rect">
+            <a:avLst/>
+          </a:prstGeom>
+        </p:spPr>
+      </p:pic>
+    </p:spTree>
+    <p:extLst>
+      <p:ext uri="{BB962C8B-B14F-4D97-AF65-F5344CB8AC3E}">
+        <p14:creationId xmlns:p14="http://schemas.microsoft.com/office/powerpoint/2010/main" val="3835697773"/>
       </p:ext>
     </p:extLst>
   </p:cSld>
@@ -33687,7 +30981,7 @@
           <a:p>
             <a:r>
               <a:rPr lang="de-DE" sz="2000" dirty="0"/>
-              <a:t>5. Mögliche Sprachassistenten</a:t>
+              <a:t>5. Spezifische Sprachassistenten</a:t>
             </a:r>
           </a:p>
           <a:p>
@@ -33705,19 +30999,19 @@
           <a:p>
             <a:r>
               <a:rPr lang="de-DE" sz="2000" dirty="0"/>
-              <a:t>6. Evaluation</a:t>
+              <a:t>8. Evaluation</a:t>
             </a:r>
           </a:p>
           <a:p>
             <a:r>
               <a:rPr lang="de-DE" sz="2000" dirty="0"/>
-              <a:t>7. Fazit &amp; Ausblick</a:t>
+              <a:t>9. Fazit &amp; Ausblick</a:t>
             </a:r>
           </a:p>
           <a:p>
             <a:r>
               <a:rPr lang="de-DE" sz="2000" dirty="0"/>
-              <a:t>8. Demonstration</a:t>
+              <a:t>10. Demonstration</a:t>
             </a:r>
           </a:p>
         </p:txBody>
@@ -33760,7 +31054,7 @@
           <p:cNvPr id="2" name="Titel 1">
             <a:extLst>
               <a:ext uri="{FF2B5EF4-FFF2-40B4-BE49-F238E27FC236}">
-                <a16:creationId xmlns:a16="http://schemas.microsoft.com/office/drawing/2014/main" id="{B2DE300C-A5C9-4D49-8FC1-CB7EBF93AD02}"/>
+                <a16:creationId xmlns:a16="http://schemas.microsoft.com/office/drawing/2014/main" id="{4443D817-5932-4B2A-891F-26B819CAA122}"/>
               </a:ext>
             </a:extLst>
           </p:cNvPr>
@@ -33788,7 +31082,7 @@
           <p:cNvPr id="3" name="Inhaltsplatzhalter 2">
             <a:extLst>
               <a:ext uri="{FF2B5EF4-FFF2-40B4-BE49-F238E27FC236}">
-                <a16:creationId xmlns:a16="http://schemas.microsoft.com/office/drawing/2014/main" id="{5DDC87C7-2986-4CE0-B42F-FC62CB42A165}"/>
+                <a16:creationId xmlns:a16="http://schemas.microsoft.com/office/drawing/2014/main" id="{75A05B1B-180E-428A-A98C-AB55C537F469}"/>
               </a:ext>
             </a:extLst>
           </p:cNvPr>
@@ -33808,10 +31102,40 @@
           </a:p>
         </p:txBody>
       </p:sp>
+      <p:pic>
+        <p:nvPicPr>
+          <p:cNvPr id="4" name="Grafik 3">
+            <a:extLst>
+              <a:ext uri="{FF2B5EF4-FFF2-40B4-BE49-F238E27FC236}">
+                <a16:creationId xmlns:a16="http://schemas.microsoft.com/office/drawing/2014/main" id="{845A8A18-7FF3-4FD2-8244-ADFB6706F504}"/>
+              </a:ext>
+            </a:extLst>
+          </p:cNvPr>
+          <p:cNvPicPr>
+            <a:picLocks noChangeAspect="1"/>
+          </p:cNvPicPr>
+          <p:nvPr/>
+        </p:nvPicPr>
+        <p:blipFill>
+          <a:blip r:embed="rId2"/>
+          <a:stretch>
+            <a:fillRect/>
+          </a:stretch>
+        </p:blipFill>
+        <p:spPr>
+          <a:xfrm>
+            <a:off x="4732361" y="346075"/>
+            <a:ext cx="6654393" cy="5455403"/>
+          </a:xfrm>
+          <a:prstGeom prst="rect">
+            <a:avLst/>
+          </a:prstGeom>
+        </p:spPr>
+      </p:pic>
     </p:spTree>
     <p:extLst>
       <p:ext uri="{BB962C8B-B14F-4D97-AF65-F5344CB8AC3E}">
-        <p14:creationId xmlns:p14="http://schemas.microsoft.com/office/powerpoint/2010/main" val="3835697773"/>
+        <p14:creationId xmlns:p14="http://schemas.microsoft.com/office/powerpoint/2010/main" val="4280906021"/>
       </p:ext>
     </p:extLst>
   </p:cSld>
@@ -33822,6 +31146,322 @@
 </file>
 
 <file path=ppt/slides/slide21.xml><?xml version="1.0" encoding="utf-8"?>
+<p:sld xmlns:a="http://schemas.openxmlformats.org/drawingml/2006/main" xmlns:r="http://schemas.openxmlformats.org/officeDocument/2006/relationships" xmlns:p="http://schemas.openxmlformats.org/presentationml/2006/main">
+  <p:cSld>
+    <p:spTree>
+      <p:nvGrpSpPr>
+        <p:cNvPr id="1" name=""/>
+        <p:cNvGrpSpPr/>
+        <p:nvPr/>
+      </p:nvGrpSpPr>
+      <p:grpSpPr>
+        <a:xfrm>
+          <a:off x="0" y="0"/>
+          <a:ext cx="0" cy="0"/>
+          <a:chOff x="0" y="0"/>
+          <a:chExt cx="0" cy="0"/>
+        </a:xfrm>
+      </p:grpSpPr>
+      <p:sp>
+        <p:nvSpPr>
+          <p:cNvPr id="2" name="Titel 1">
+            <a:extLst>
+              <a:ext uri="{FF2B5EF4-FFF2-40B4-BE49-F238E27FC236}">
+                <a16:creationId xmlns:a16="http://schemas.microsoft.com/office/drawing/2014/main" id="{D455DDFD-0567-4D33-98C4-49F5BA11B4C4}"/>
+              </a:ext>
+            </a:extLst>
+          </p:cNvPr>
+          <p:cNvSpPr>
+            <a:spLocks noGrp="1"/>
+          </p:cNvSpPr>
+          <p:nvPr>
+            <p:ph type="title"/>
+          </p:nvPr>
+        </p:nvSpPr>
+        <p:spPr/>
+        <p:txBody>
+          <a:bodyPr/>
+          <a:lstStyle/>
+          <a:p>
+            <a:r>
+              <a:rPr lang="de-DE" dirty="0"/>
+              <a:t>Sequenzdiagramme</a:t>
+            </a:r>
+          </a:p>
+        </p:txBody>
+      </p:sp>
+      <p:sp>
+        <p:nvSpPr>
+          <p:cNvPr id="3" name="Inhaltsplatzhalter 2">
+            <a:extLst>
+              <a:ext uri="{FF2B5EF4-FFF2-40B4-BE49-F238E27FC236}">
+                <a16:creationId xmlns:a16="http://schemas.microsoft.com/office/drawing/2014/main" id="{B92982A3-6313-4F15-9F2D-E88C0B9EAF0C}"/>
+              </a:ext>
+            </a:extLst>
+          </p:cNvPr>
+          <p:cNvSpPr>
+            <a:spLocks noGrp="1"/>
+          </p:cNvSpPr>
+          <p:nvPr>
+            <p:ph sz="quarter" idx="10"/>
+          </p:nvPr>
+        </p:nvSpPr>
+        <p:spPr/>
+        <p:txBody>
+          <a:bodyPr/>
+          <a:lstStyle/>
+          <a:p>
+            <a:endParaRPr lang="de-DE"/>
+          </a:p>
+        </p:txBody>
+      </p:sp>
+      <p:pic>
+        <p:nvPicPr>
+          <p:cNvPr id="4" name="Grafik 3">
+            <a:extLst>
+              <a:ext uri="{FF2B5EF4-FFF2-40B4-BE49-F238E27FC236}">
+                <a16:creationId xmlns:a16="http://schemas.microsoft.com/office/drawing/2014/main" id="{4D814C76-D900-408F-9E72-9B22BC0E88B3}"/>
+              </a:ext>
+            </a:extLst>
+          </p:cNvPr>
+          <p:cNvPicPr>
+            <a:picLocks noChangeAspect="1"/>
+          </p:cNvPicPr>
+          <p:nvPr/>
+        </p:nvPicPr>
+        <p:blipFill>
+          <a:blip r:embed="rId2"/>
+          <a:stretch>
+            <a:fillRect/>
+          </a:stretch>
+        </p:blipFill>
+        <p:spPr>
+          <a:xfrm>
+            <a:off x="4593731" y="170482"/>
+            <a:ext cx="6946518" cy="5904854"/>
+          </a:xfrm>
+          <a:prstGeom prst="rect">
+            <a:avLst/>
+          </a:prstGeom>
+        </p:spPr>
+      </p:pic>
+    </p:spTree>
+    <p:extLst>
+      <p:ext uri="{BB962C8B-B14F-4D97-AF65-F5344CB8AC3E}">
+        <p14:creationId xmlns:p14="http://schemas.microsoft.com/office/powerpoint/2010/main" val="1346638629"/>
+      </p:ext>
+    </p:extLst>
+  </p:cSld>
+  <p:clrMapOvr>
+    <a:masterClrMapping/>
+  </p:clrMapOvr>
+</p:sld>
+</file>
+
+<file path=ppt/slides/slide22.xml><?xml version="1.0" encoding="utf-8"?>
+<p:sld xmlns:a="http://schemas.openxmlformats.org/drawingml/2006/main" xmlns:r="http://schemas.openxmlformats.org/officeDocument/2006/relationships" xmlns:p="http://schemas.openxmlformats.org/presentationml/2006/main">
+  <p:cSld>
+    <p:spTree>
+      <p:nvGrpSpPr>
+        <p:cNvPr id="1" name=""/>
+        <p:cNvGrpSpPr/>
+        <p:nvPr/>
+      </p:nvGrpSpPr>
+      <p:grpSpPr>
+        <a:xfrm>
+          <a:off x="0" y="0"/>
+          <a:ext cx="0" cy="0"/>
+          <a:chOff x="0" y="0"/>
+          <a:chExt cx="0" cy="0"/>
+        </a:xfrm>
+      </p:grpSpPr>
+      <p:sp>
+        <p:nvSpPr>
+          <p:cNvPr id="2" name="Titel 1">
+            <a:extLst>
+              <a:ext uri="{FF2B5EF4-FFF2-40B4-BE49-F238E27FC236}">
+                <a16:creationId xmlns:a16="http://schemas.microsoft.com/office/drawing/2014/main" id="{8FF3E501-8947-49BD-96A5-59A88831D30B}"/>
+              </a:ext>
+            </a:extLst>
+          </p:cNvPr>
+          <p:cNvSpPr>
+            <a:spLocks noGrp="1"/>
+          </p:cNvSpPr>
+          <p:nvPr>
+            <p:ph type="title"/>
+          </p:nvPr>
+        </p:nvSpPr>
+        <p:spPr/>
+        <p:txBody>
+          <a:bodyPr/>
+          <a:lstStyle/>
+          <a:p>
+            <a:r>
+              <a:rPr lang="de-DE" dirty="0"/>
+              <a:t>Evaluation – Fragen Teil 2</a:t>
+            </a:r>
+          </a:p>
+        </p:txBody>
+      </p:sp>
+      <p:sp>
+        <p:nvSpPr>
+          <p:cNvPr id="3" name="Inhaltsplatzhalter 2">
+            <a:extLst>
+              <a:ext uri="{FF2B5EF4-FFF2-40B4-BE49-F238E27FC236}">
+                <a16:creationId xmlns:a16="http://schemas.microsoft.com/office/drawing/2014/main" id="{5DDA8F2C-090B-4187-A5B8-4B93E3C22451}"/>
+              </a:ext>
+            </a:extLst>
+          </p:cNvPr>
+          <p:cNvSpPr>
+            <a:spLocks noGrp="1"/>
+          </p:cNvSpPr>
+          <p:nvPr>
+            <p:ph sz="quarter" idx="10"/>
+          </p:nvPr>
+        </p:nvSpPr>
+        <p:spPr>
+          <a:xfrm>
+            <a:off x="874712" y="1256506"/>
+            <a:ext cx="10580688" cy="4344987"/>
+          </a:xfrm>
+        </p:spPr>
+        <p:txBody>
+          <a:bodyPr/>
+          <a:lstStyle/>
+          <a:p>
+            <a:pPr marL="342900" indent="-342900">
+              <a:buFont typeface="+mj-lt"/>
+              <a:buAutoNum type="arabicPeriod"/>
+            </a:pPr>
+            <a:r>
+              <a:rPr lang="en-GB" dirty="0"/>
+              <a:t>The spoken answers by the system were clear and natural.</a:t>
+            </a:r>
+          </a:p>
+          <a:p>
+            <a:pPr marL="342900" indent="-342900">
+              <a:buFont typeface="+mj-lt"/>
+              <a:buAutoNum type="arabicPeriod"/>
+            </a:pPr>
+            <a:r>
+              <a:rPr lang="en-GB" dirty="0"/>
+              <a:t>The system responded quickly to my requests.</a:t>
+            </a:r>
+          </a:p>
+          <a:p>
+            <a:pPr marL="342900" indent="-342900">
+              <a:buFont typeface="+mj-lt"/>
+              <a:buAutoNum type="arabicPeriod"/>
+            </a:pPr>
+            <a:r>
+              <a:rPr lang="en-GB" dirty="0"/>
+              <a:t>The system had no problems to correctly understand my requests.</a:t>
+            </a:r>
+          </a:p>
+          <a:p>
+            <a:pPr marL="342900" indent="-342900">
+              <a:buFont typeface="+mj-lt"/>
+              <a:buAutoNum type="arabicPeriod"/>
+            </a:pPr>
+            <a:r>
+              <a:rPr lang="en-GB" dirty="0"/>
+              <a:t>The interaction with the system felt natural.</a:t>
+            </a:r>
+          </a:p>
+          <a:p>
+            <a:pPr marL="342900" indent="-342900">
+              <a:buFont typeface="+mj-lt"/>
+              <a:buAutoNum type="arabicPeriod"/>
+            </a:pPr>
+            <a:r>
+              <a:rPr lang="en-GB" dirty="0"/>
+              <a:t>I had no problems understanding the </a:t>
+            </a:r>
+            <a:r>
+              <a:rPr lang="en-GB" dirty="0" err="1"/>
+              <a:t>wakeword</a:t>
+            </a:r>
+            <a:r>
+              <a:rPr lang="en-GB" dirty="0"/>
+              <a:t>.</a:t>
+            </a:r>
+          </a:p>
+          <a:p>
+            <a:pPr marL="342900" indent="-342900">
+              <a:buFont typeface="+mj-lt"/>
+              <a:buAutoNum type="arabicPeriod"/>
+            </a:pPr>
+            <a:r>
+              <a:rPr lang="en-GB" dirty="0"/>
+              <a:t>I found the delay until the system responded disturbing in the interaction.</a:t>
+            </a:r>
+          </a:p>
+          <a:p>
+            <a:pPr marL="342900" indent="-342900">
+              <a:buFont typeface="+mj-lt"/>
+              <a:buAutoNum type="arabicPeriod"/>
+            </a:pPr>
+            <a:r>
+              <a:rPr lang="en-GB" dirty="0"/>
+              <a:t>When interacting with a voice assistant, answers should be given as quickly as possible even when the answer sounds more like a machine.</a:t>
+            </a:r>
+          </a:p>
+          <a:p>
+            <a:pPr marL="342900" indent="-342900">
+              <a:buFont typeface="+mj-lt"/>
+              <a:buAutoNum type="arabicPeriod"/>
+            </a:pPr>
+            <a:r>
+              <a:rPr lang="en-GB" dirty="0"/>
+              <a:t>It is useful, that the robot is offering help, when he sees me.</a:t>
+            </a:r>
+          </a:p>
+          <a:p>
+            <a:pPr marL="342900" indent="-342900">
+              <a:buFont typeface="+mj-lt"/>
+              <a:buAutoNum type="arabicPeriod"/>
+            </a:pPr>
+            <a:r>
+              <a:rPr lang="en-GB" dirty="0"/>
+              <a:t>Privacy is very important for me.</a:t>
+            </a:r>
+          </a:p>
+          <a:p>
+            <a:pPr marL="342900" indent="-342900">
+              <a:buFont typeface="+mj-lt"/>
+              <a:buAutoNum type="arabicPeriod"/>
+            </a:pPr>
+            <a:r>
+              <a:rPr lang="en-GB" dirty="0"/>
+              <a:t>I would use a voice assistant more often, if my privacy is guaranteed.</a:t>
+            </a:r>
+          </a:p>
+          <a:p>
+            <a:pPr marL="342900" indent="-342900">
+              <a:buFont typeface="+mj-lt"/>
+              <a:buAutoNum type="arabicPeriod"/>
+            </a:pPr>
+            <a:r>
+              <a:rPr lang="en-GB" dirty="0"/>
+              <a:t>When interacting with a voice assistant, it‘s very important, that answers sound natural even when they take a bit longer.</a:t>
+            </a:r>
+          </a:p>
+        </p:txBody>
+      </p:sp>
+    </p:spTree>
+    <p:extLst>
+      <p:ext uri="{BB962C8B-B14F-4D97-AF65-F5344CB8AC3E}">
+        <p14:creationId xmlns:p14="http://schemas.microsoft.com/office/powerpoint/2010/main" val="3401217878"/>
+      </p:ext>
+    </p:extLst>
+  </p:cSld>
+  <p:clrMapOvr>
+    <a:masterClrMapping/>
+  </p:clrMapOvr>
+</p:sld>
+</file>
+
+<file path=ppt/slides/slide23.xml><?xml version="1.0" encoding="utf-8"?>
 <p:sld xmlns:a="http://schemas.openxmlformats.org/drawingml/2006/main" xmlns:r="http://schemas.openxmlformats.org/officeDocument/2006/relationships" xmlns:p="http://schemas.openxmlformats.org/presentationml/2006/main">
   <p:cSld>
     <p:spTree>
@@ -33891,6 +31531,36 @@
           </a:p>
         </p:txBody>
       </p:sp>
+      <p:pic>
+        <p:nvPicPr>
+          <p:cNvPr id="4" name="Grafik 3">
+            <a:extLst>
+              <a:ext uri="{FF2B5EF4-FFF2-40B4-BE49-F238E27FC236}">
+                <a16:creationId xmlns:a16="http://schemas.microsoft.com/office/drawing/2014/main" id="{444FA051-FF6C-43AD-A838-015A06671860}"/>
+              </a:ext>
+            </a:extLst>
+          </p:cNvPr>
+          <p:cNvPicPr>
+            <a:picLocks noChangeAspect="1"/>
+          </p:cNvPicPr>
+          <p:nvPr/>
+        </p:nvPicPr>
+        <p:blipFill>
+          <a:blip r:embed="rId2"/>
+          <a:stretch>
+            <a:fillRect/>
+          </a:stretch>
+        </p:blipFill>
+        <p:spPr>
+          <a:xfrm>
+            <a:off x="1784848" y="1287375"/>
+            <a:ext cx="8622304" cy="4738861"/>
+          </a:xfrm>
+          <a:prstGeom prst="rect">
+            <a:avLst/>
+          </a:prstGeom>
+        </p:spPr>
+      </p:pic>
     </p:spTree>
     <p:extLst>
       <p:ext uri="{BB962C8B-B14F-4D97-AF65-F5344CB8AC3E}">
@@ -33904,7 +31574,150 @@
 </p:sld>
 </file>
 
-<file path=ppt/slides/slide22.xml><?xml version="1.0" encoding="utf-8"?>
+<file path=ppt/slides/slide24.xml><?xml version="1.0" encoding="utf-8"?>
+<p:sld xmlns:a="http://schemas.openxmlformats.org/drawingml/2006/main" xmlns:r="http://schemas.openxmlformats.org/officeDocument/2006/relationships" xmlns:p="http://schemas.openxmlformats.org/presentationml/2006/main">
+  <p:cSld>
+    <p:spTree>
+      <p:nvGrpSpPr>
+        <p:cNvPr id="1" name=""/>
+        <p:cNvGrpSpPr/>
+        <p:nvPr/>
+      </p:nvGrpSpPr>
+      <p:grpSpPr>
+        <a:xfrm>
+          <a:off x="0" y="0"/>
+          <a:ext cx="0" cy="0"/>
+          <a:chOff x="0" y="0"/>
+          <a:chExt cx="0" cy="0"/>
+        </a:xfrm>
+      </p:grpSpPr>
+      <p:sp>
+        <p:nvSpPr>
+          <p:cNvPr id="2" name="Titel 1">
+            <a:extLst>
+              <a:ext uri="{FF2B5EF4-FFF2-40B4-BE49-F238E27FC236}">
+                <a16:creationId xmlns:a16="http://schemas.microsoft.com/office/drawing/2014/main" id="{5891AC9B-0876-4DE4-8716-5D3DE78E8DDF}"/>
+              </a:ext>
+            </a:extLst>
+          </p:cNvPr>
+          <p:cNvSpPr>
+            <a:spLocks noGrp="1"/>
+          </p:cNvSpPr>
+          <p:nvPr>
+            <p:ph type="title"/>
+          </p:nvPr>
+        </p:nvSpPr>
+        <p:spPr/>
+        <p:txBody>
+          <a:bodyPr/>
+          <a:lstStyle/>
+          <a:p>
+            <a:r>
+              <a:rPr lang="de-DE" dirty="0"/>
+              <a:t>Ergebnisse der Studie im Detail</a:t>
+            </a:r>
+          </a:p>
+        </p:txBody>
+      </p:sp>
+      <p:sp>
+        <p:nvSpPr>
+          <p:cNvPr id="3" name="Inhaltsplatzhalter 2">
+            <a:extLst>
+              <a:ext uri="{FF2B5EF4-FFF2-40B4-BE49-F238E27FC236}">
+                <a16:creationId xmlns:a16="http://schemas.microsoft.com/office/drawing/2014/main" id="{E30FBE19-8C2E-47CC-A19A-FF4476A3A29D}"/>
+              </a:ext>
+            </a:extLst>
+          </p:cNvPr>
+          <p:cNvSpPr>
+            <a:spLocks noGrp="1"/>
+          </p:cNvSpPr>
+          <p:nvPr>
+            <p:ph sz="quarter" idx="10"/>
+          </p:nvPr>
+        </p:nvSpPr>
+        <p:spPr/>
+        <p:txBody>
+          <a:bodyPr/>
+          <a:lstStyle/>
+          <a:p>
+            <a:endParaRPr lang="de-DE"/>
+          </a:p>
+        </p:txBody>
+      </p:sp>
+      <p:pic>
+        <p:nvPicPr>
+          <p:cNvPr id="4" name="Grafik 3">
+            <a:extLst>
+              <a:ext uri="{FF2B5EF4-FFF2-40B4-BE49-F238E27FC236}">
+                <a16:creationId xmlns:a16="http://schemas.microsoft.com/office/drawing/2014/main" id="{67E1C171-898A-4427-9292-864D36A0998E}"/>
+              </a:ext>
+            </a:extLst>
+          </p:cNvPr>
+          <p:cNvPicPr>
+            <a:picLocks noChangeAspect="1"/>
+          </p:cNvPicPr>
+          <p:nvPr/>
+        </p:nvPicPr>
+        <p:blipFill>
+          <a:blip r:embed="rId2"/>
+          <a:stretch>
+            <a:fillRect/>
+          </a:stretch>
+        </p:blipFill>
+        <p:spPr>
+          <a:xfrm>
+            <a:off x="2463667" y="1028700"/>
+            <a:ext cx="7402776" cy="2398874"/>
+          </a:xfrm>
+          <a:prstGeom prst="rect">
+            <a:avLst/>
+          </a:prstGeom>
+        </p:spPr>
+      </p:pic>
+      <p:pic>
+        <p:nvPicPr>
+          <p:cNvPr id="5" name="Grafik 4">
+            <a:extLst>
+              <a:ext uri="{FF2B5EF4-FFF2-40B4-BE49-F238E27FC236}">
+                <a16:creationId xmlns:a16="http://schemas.microsoft.com/office/drawing/2014/main" id="{CA48931C-FFA2-4008-B430-1F967E05CEC6}"/>
+              </a:ext>
+            </a:extLst>
+          </p:cNvPr>
+          <p:cNvPicPr>
+            <a:picLocks noChangeAspect="1"/>
+          </p:cNvPicPr>
+          <p:nvPr/>
+        </p:nvPicPr>
+        <p:blipFill>
+          <a:blip r:embed="rId3"/>
+          <a:stretch>
+            <a:fillRect/>
+          </a:stretch>
+        </p:blipFill>
+        <p:spPr>
+          <a:xfrm>
+            <a:off x="2539914" y="3427574"/>
+            <a:ext cx="7326529" cy="2273313"/>
+          </a:xfrm>
+          <a:prstGeom prst="rect">
+            <a:avLst/>
+          </a:prstGeom>
+        </p:spPr>
+      </p:pic>
+    </p:spTree>
+    <p:extLst>
+      <p:ext uri="{BB962C8B-B14F-4D97-AF65-F5344CB8AC3E}">
+        <p14:creationId xmlns:p14="http://schemas.microsoft.com/office/powerpoint/2010/main" val="2435928844"/>
+      </p:ext>
+    </p:extLst>
+  </p:cSld>
+  <p:clrMapOvr>
+    <a:masterClrMapping/>
+  </p:clrMapOvr>
+</p:sld>
+</file>
+
+<file path=ppt/slides/slide25.xml><?xml version="1.0" encoding="utf-8"?>
 <p:sld xmlns:a="http://schemas.openxmlformats.org/drawingml/2006/main" xmlns:r="http://schemas.openxmlformats.org/officeDocument/2006/relationships" xmlns:p="http://schemas.openxmlformats.org/presentationml/2006/main">
   <p:cSld>
     <p:spTree>
@@ -33944,7 +31757,7 @@
           <a:p>
             <a:r>
               <a:rPr lang="de-DE" dirty="0"/>
-              <a:t>Anforderungen im Detail</a:t>
+              <a:t>Anforderungen im Detail - Voraussetzungen</a:t>
             </a:r>
           </a:p>
         </p:txBody>
@@ -33970,7 +31783,60 @@
           <a:bodyPr/>
           <a:lstStyle/>
           <a:p>
-            <a:endParaRPr lang="de-DE"/>
+            <a:r>
+              <a:rPr lang="de-DE" dirty="0"/>
+              <a:t>a) Roboter:</a:t>
+            </a:r>
+          </a:p>
+          <a:p>
+            <a:r>
+              <a:rPr lang="de-DE" dirty="0"/>
+              <a:t>	i. API für Bewegungssteuerung</a:t>
+            </a:r>
+          </a:p>
+          <a:p>
+            <a:r>
+              <a:rPr lang="de-DE" dirty="0"/>
+              <a:t>	ii. API für Navigation und Orientierung</a:t>
+            </a:r>
+          </a:p>
+          <a:p>
+            <a:r>
+              <a:rPr lang="de-DE" dirty="0"/>
+              <a:t>	</a:t>
+            </a:r>
+            <a:r>
+              <a:rPr lang="de-DE" dirty="0" err="1"/>
+              <a:t>iii.</a:t>
+            </a:r>
+            <a:r>
+              <a:rPr lang="de-DE" dirty="0"/>
+              <a:t> WLAN Modul</a:t>
+            </a:r>
+          </a:p>
+          <a:p>
+            <a:r>
+              <a:rPr lang="de-DE" dirty="0"/>
+              <a:t>	iv. Sensor, der Erkennung von Objekten/Personen ermöglicht</a:t>
+            </a:r>
+          </a:p>
+          <a:p>
+            <a:r>
+              <a:rPr lang="de-DE" dirty="0"/>
+              <a:t>	v. Lautsprecher und Mikrofon in ausreichender Qualität</a:t>
+            </a:r>
+          </a:p>
+          <a:p>
+            <a:r>
+              <a:rPr lang="de-DE" dirty="0"/>
+              <a:t>b) Infrastruktur:</a:t>
+            </a:r>
+          </a:p>
+          <a:p>
+            <a:r>
+              <a:rPr lang="de-DE" dirty="0"/>
+              <a:t>	i. Drahtlosnetzwerkverbindung (vorzugsweise mit Internetanbindung)</a:t>
+            </a:r>
           </a:p>
         </p:txBody>
       </p:sp>
@@ -33978,6 +31844,374 @@
     <p:extLst>
       <p:ext uri="{BB962C8B-B14F-4D97-AF65-F5344CB8AC3E}">
         <p14:creationId xmlns:p14="http://schemas.microsoft.com/office/powerpoint/2010/main" val="4137237640"/>
+      </p:ext>
+    </p:extLst>
+  </p:cSld>
+  <p:clrMapOvr>
+    <a:masterClrMapping/>
+  </p:clrMapOvr>
+</p:sld>
+</file>
+
+<file path=ppt/slides/slide26.xml><?xml version="1.0" encoding="utf-8"?>
+<p:sld xmlns:a="http://schemas.openxmlformats.org/drawingml/2006/main" xmlns:r="http://schemas.openxmlformats.org/officeDocument/2006/relationships" xmlns:p="http://schemas.openxmlformats.org/presentationml/2006/main">
+  <p:cSld>
+    <p:spTree>
+      <p:nvGrpSpPr>
+        <p:cNvPr id="1" name=""/>
+        <p:cNvGrpSpPr/>
+        <p:nvPr/>
+      </p:nvGrpSpPr>
+      <p:grpSpPr>
+        <a:xfrm>
+          <a:off x="0" y="0"/>
+          <a:ext cx="0" cy="0"/>
+          <a:chOff x="0" y="0"/>
+          <a:chExt cx="0" cy="0"/>
+        </a:xfrm>
+      </p:grpSpPr>
+      <p:sp>
+        <p:nvSpPr>
+          <p:cNvPr id="2" name="Titel 1">
+            <a:extLst>
+              <a:ext uri="{FF2B5EF4-FFF2-40B4-BE49-F238E27FC236}">
+                <a16:creationId xmlns:a16="http://schemas.microsoft.com/office/drawing/2014/main" id="{E01D3C86-A8F2-4E4A-A3F3-062EB6AEA151}"/>
+              </a:ext>
+            </a:extLst>
+          </p:cNvPr>
+          <p:cNvSpPr>
+            <a:spLocks noGrp="1"/>
+          </p:cNvSpPr>
+          <p:nvPr>
+            <p:ph type="title"/>
+          </p:nvPr>
+        </p:nvSpPr>
+        <p:spPr/>
+        <p:txBody>
+          <a:bodyPr/>
+          <a:lstStyle/>
+          <a:p>
+            <a:r>
+              <a:rPr lang="de-DE" dirty="0"/>
+              <a:t>Anforderungen im Detail – Muss-Ziele I</a:t>
+            </a:r>
+          </a:p>
+        </p:txBody>
+      </p:sp>
+      <p:sp>
+        <p:nvSpPr>
+          <p:cNvPr id="3" name="Inhaltsplatzhalter 2">
+            <a:extLst>
+              <a:ext uri="{FF2B5EF4-FFF2-40B4-BE49-F238E27FC236}">
+                <a16:creationId xmlns:a16="http://schemas.microsoft.com/office/drawing/2014/main" id="{153E8ECA-824F-4597-B722-A77A8CB6BBB7}"/>
+              </a:ext>
+            </a:extLst>
+          </p:cNvPr>
+          <p:cNvSpPr>
+            <a:spLocks noGrp="1"/>
+          </p:cNvSpPr>
+          <p:nvPr>
+            <p:ph sz="quarter" idx="10"/>
+          </p:nvPr>
+        </p:nvSpPr>
+        <p:spPr/>
+        <p:txBody>
+          <a:bodyPr/>
+          <a:lstStyle/>
+          <a:p>
+            <a:r>
+              <a:rPr lang="de-DE" dirty="0"/>
+              <a:t>a) Interaktion:</a:t>
+            </a:r>
+          </a:p>
+          <a:p>
+            <a:r>
+              <a:rPr lang="de-DE" dirty="0"/>
+              <a:t>	i. Steuerung des Roboters mittels natürlicher Sprache</a:t>
+            </a:r>
+          </a:p>
+          <a:p>
+            <a:r>
+              <a:rPr lang="de-DE" dirty="0"/>
+              <a:t>	ii. Bedienung ohne Vorwissen über die Funktionsweise (Ausnahme: Aktivierungswort)</a:t>
+            </a:r>
+          </a:p>
+          <a:p>
+            <a:r>
+              <a:rPr lang="de-DE" dirty="0"/>
+              <a:t>	</a:t>
+            </a:r>
+            <a:r>
+              <a:rPr lang="de-DE" dirty="0" err="1"/>
+              <a:t>iii.</a:t>
+            </a:r>
+            <a:r>
+              <a:rPr lang="de-DE" dirty="0"/>
+              <a:t> möglichst freie Wortwahl für Erteilung von Befehlen</a:t>
+            </a:r>
+          </a:p>
+          <a:p>
+            <a:r>
+              <a:rPr lang="de-DE" dirty="0"/>
+              <a:t>	iv. zuverlässige Sprache-zu-Text Umwandlung</a:t>
+            </a:r>
+          </a:p>
+          <a:p>
+            <a:r>
+              <a:rPr lang="de-DE" dirty="0"/>
+              <a:t>	v. Erzeugen eines natürlichen Gefühls der Interaktion</a:t>
+            </a:r>
+          </a:p>
+          <a:p>
+            <a:r>
+              <a:rPr lang="de-DE" dirty="0"/>
+              <a:t>	vi. möglichst natürliche Antworten (im Bezug auf Klang der Stimme und Ausdrucksweise)</a:t>
+            </a:r>
+          </a:p>
+          <a:p>
+            <a:r>
+              <a:rPr lang="de-DE" dirty="0"/>
+              <a:t>	vii. Personenerkennung und Signalisierung der Erkennung</a:t>
+            </a:r>
+          </a:p>
+        </p:txBody>
+      </p:sp>
+    </p:spTree>
+    <p:extLst>
+      <p:ext uri="{BB962C8B-B14F-4D97-AF65-F5344CB8AC3E}">
+        <p14:creationId xmlns:p14="http://schemas.microsoft.com/office/powerpoint/2010/main" val="2623126609"/>
+      </p:ext>
+    </p:extLst>
+  </p:cSld>
+  <p:clrMapOvr>
+    <a:masterClrMapping/>
+  </p:clrMapOvr>
+</p:sld>
+</file>
+
+<file path=ppt/slides/slide27.xml><?xml version="1.0" encoding="utf-8"?>
+<p:sld xmlns:a="http://schemas.openxmlformats.org/drawingml/2006/main" xmlns:r="http://schemas.openxmlformats.org/officeDocument/2006/relationships" xmlns:p="http://schemas.openxmlformats.org/presentationml/2006/main">
+  <p:cSld>
+    <p:spTree>
+      <p:nvGrpSpPr>
+        <p:cNvPr id="1" name=""/>
+        <p:cNvGrpSpPr/>
+        <p:nvPr/>
+      </p:nvGrpSpPr>
+      <p:grpSpPr>
+        <a:xfrm>
+          <a:off x="0" y="0"/>
+          <a:ext cx="0" cy="0"/>
+          <a:chOff x="0" y="0"/>
+          <a:chExt cx="0" cy="0"/>
+        </a:xfrm>
+      </p:grpSpPr>
+      <p:sp>
+        <p:nvSpPr>
+          <p:cNvPr id="2" name="Titel 1">
+            <a:extLst>
+              <a:ext uri="{FF2B5EF4-FFF2-40B4-BE49-F238E27FC236}">
+                <a16:creationId xmlns:a16="http://schemas.microsoft.com/office/drawing/2014/main" id="{E01D3C86-A8F2-4E4A-A3F3-062EB6AEA151}"/>
+              </a:ext>
+            </a:extLst>
+          </p:cNvPr>
+          <p:cNvSpPr>
+            <a:spLocks noGrp="1"/>
+          </p:cNvSpPr>
+          <p:nvPr>
+            <p:ph type="title"/>
+          </p:nvPr>
+        </p:nvSpPr>
+        <p:spPr/>
+        <p:txBody>
+          <a:bodyPr/>
+          <a:lstStyle/>
+          <a:p>
+            <a:r>
+              <a:rPr lang="de-DE" dirty="0"/>
+              <a:t>Anforderungen im Detail – Muss-Ziele II</a:t>
+            </a:r>
+          </a:p>
+        </p:txBody>
+      </p:sp>
+      <p:sp>
+        <p:nvSpPr>
+          <p:cNvPr id="3" name="Inhaltsplatzhalter 2">
+            <a:extLst>
+              <a:ext uri="{FF2B5EF4-FFF2-40B4-BE49-F238E27FC236}">
+                <a16:creationId xmlns:a16="http://schemas.microsoft.com/office/drawing/2014/main" id="{153E8ECA-824F-4597-B722-A77A8CB6BBB7}"/>
+              </a:ext>
+            </a:extLst>
+          </p:cNvPr>
+          <p:cNvSpPr>
+            <a:spLocks noGrp="1"/>
+          </p:cNvSpPr>
+          <p:nvPr>
+            <p:ph sz="quarter" idx="10"/>
+          </p:nvPr>
+        </p:nvSpPr>
+        <p:spPr/>
+        <p:txBody>
+          <a:bodyPr/>
+          <a:lstStyle/>
+          <a:p>
+            <a:r>
+              <a:rPr lang="de-DE" dirty="0"/>
+              <a:t>b) expliziter Schutz der Privatsphäre</a:t>
+            </a:r>
+          </a:p>
+          <a:p>
+            <a:r>
+              <a:rPr lang="de-DE" dirty="0"/>
+              <a:t>c) Einsatz des Sprachassistenten unabhängig vom Betriebssystem des Assistenzroboters</a:t>
+            </a:r>
+          </a:p>
+          <a:p>
+            <a:r>
+              <a:rPr lang="de-DE" dirty="0"/>
+              <a:t>d) von bestimmter Sprache unabhängiges Konzept</a:t>
+            </a:r>
+          </a:p>
+          <a:p>
+            <a:r>
+              <a:rPr lang="de-DE" dirty="0"/>
+              <a:t>e) Anpassung der Sprache problemlos möglich</a:t>
+            </a:r>
+          </a:p>
+          <a:p>
+            <a:r>
+              <a:rPr lang="de-DE" dirty="0"/>
+              <a:t>f) Problemlose Installation neuer Funktionen</a:t>
+            </a:r>
+          </a:p>
+          <a:p>
+            <a:r>
+              <a:rPr lang="de-DE" dirty="0"/>
+              <a:t>g) Anpassung installierter Funktionen mit geringem Aufwand durchführbar</a:t>
+            </a:r>
+          </a:p>
+          <a:p>
+            <a:r>
+              <a:rPr lang="de-DE" dirty="0"/>
+              <a:t>h) Anpassungen der Kernfunktionen nach eigenem Bedarf möglich</a:t>
+            </a:r>
+          </a:p>
+        </p:txBody>
+      </p:sp>
+    </p:spTree>
+    <p:extLst>
+      <p:ext uri="{BB962C8B-B14F-4D97-AF65-F5344CB8AC3E}">
+        <p14:creationId xmlns:p14="http://schemas.microsoft.com/office/powerpoint/2010/main" val="4067136504"/>
+      </p:ext>
+    </p:extLst>
+  </p:cSld>
+  <p:clrMapOvr>
+    <a:masterClrMapping/>
+  </p:clrMapOvr>
+</p:sld>
+</file>
+
+<file path=ppt/slides/slide28.xml><?xml version="1.0" encoding="utf-8"?>
+<p:sld xmlns:a="http://schemas.openxmlformats.org/drawingml/2006/main" xmlns:r="http://schemas.openxmlformats.org/officeDocument/2006/relationships" xmlns:p="http://schemas.openxmlformats.org/presentationml/2006/main">
+  <p:cSld>
+    <p:spTree>
+      <p:nvGrpSpPr>
+        <p:cNvPr id="1" name=""/>
+        <p:cNvGrpSpPr/>
+        <p:nvPr/>
+      </p:nvGrpSpPr>
+      <p:grpSpPr>
+        <a:xfrm>
+          <a:off x="0" y="0"/>
+          <a:ext cx="0" cy="0"/>
+          <a:chOff x="0" y="0"/>
+          <a:chExt cx="0" cy="0"/>
+        </a:xfrm>
+      </p:grpSpPr>
+      <p:sp>
+        <p:nvSpPr>
+          <p:cNvPr id="2" name="Titel 1">
+            <a:extLst>
+              <a:ext uri="{FF2B5EF4-FFF2-40B4-BE49-F238E27FC236}">
+                <a16:creationId xmlns:a16="http://schemas.microsoft.com/office/drawing/2014/main" id="{E01D3C86-A8F2-4E4A-A3F3-062EB6AEA151}"/>
+              </a:ext>
+            </a:extLst>
+          </p:cNvPr>
+          <p:cNvSpPr>
+            <a:spLocks noGrp="1"/>
+          </p:cNvSpPr>
+          <p:nvPr>
+            <p:ph type="title"/>
+          </p:nvPr>
+        </p:nvSpPr>
+        <p:spPr/>
+        <p:txBody>
+          <a:bodyPr/>
+          <a:lstStyle/>
+          <a:p>
+            <a:r>
+              <a:rPr lang="de-DE" dirty="0"/>
+              <a:t>Anforderungen im Detail – Kann-Ziele</a:t>
+            </a:r>
+          </a:p>
+        </p:txBody>
+      </p:sp>
+      <p:sp>
+        <p:nvSpPr>
+          <p:cNvPr id="3" name="Inhaltsplatzhalter 2">
+            <a:extLst>
+              <a:ext uri="{FF2B5EF4-FFF2-40B4-BE49-F238E27FC236}">
+                <a16:creationId xmlns:a16="http://schemas.microsoft.com/office/drawing/2014/main" id="{153E8ECA-824F-4597-B722-A77A8CB6BBB7}"/>
+              </a:ext>
+            </a:extLst>
+          </p:cNvPr>
+          <p:cNvSpPr>
+            <a:spLocks noGrp="1"/>
+          </p:cNvSpPr>
+          <p:nvPr>
+            <p:ph sz="quarter" idx="10"/>
+          </p:nvPr>
+        </p:nvSpPr>
+        <p:spPr/>
+        <p:txBody>
+          <a:bodyPr/>
+          <a:lstStyle/>
+          <a:p>
+            <a:r>
+              <a:rPr lang="de-DE"/>
+              <a:t>a) Nutzung weiterer Funktionen (z.B. Wetterinformationen) möglich</a:t>
+            </a:r>
+          </a:p>
+          <a:p>
+            <a:r>
+              <a:rPr lang="de-DE"/>
+              <a:t>b) Fähigkeit, ein Arraymikrofon zu nutzen</a:t>
+            </a:r>
+          </a:p>
+          <a:p>
+            <a:r>
+              <a:rPr lang="de-DE"/>
+              <a:t>c) Antworten mit unterschiedlichen Sätzen, deren Bedeutung identisch ist</a:t>
+            </a:r>
+          </a:p>
+          <a:p>
+            <a:r>
+              <a:rPr lang="de-DE"/>
+              <a:t>d) Rücksicht des Roboters auf Sozialnormen (Abstand, Geschwindigkeit,</a:t>
+            </a:r>
+          </a:p>
+          <a:p>
+            <a:r>
+              <a:rPr lang="de-DE"/>
+              <a:t>Reaktion)</a:t>
+            </a:r>
+          </a:p>
+        </p:txBody>
+      </p:sp>
+    </p:spTree>
+    <p:extLst>
+      <p:ext uri="{BB962C8B-B14F-4D97-AF65-F5344CB8AC3E}">
+        <p14:creationId xmlns:p14="http://schemas.microsoft.com/office/powerpoint/2010/main" val="174874942"/>
       </p:ext>
     </p:extLst>
   </p:cSld>
@@ -34185,92 +32419,6 @@
           <p:cNvPr id="2" name="Titel 1">
             <a:extLst>
               <a:ext uri="{FF2B5EF4-FFF2-40B4-BE49-F238E27FC236}">
-                <a16:creationId xmlns:a16="http://schemas.microsoft.com/office/drawing/2014/main" id="{99B1B9A2-7F9D-4AC5-AE3B-875CA5B5824D}"/>
-              </a:ext>
-            </a:extLst>
-          </p:cNvPr>
-          <p:cNvSpPr>
-            <a:spLocks noGrp="1"/>
-          </p:cNvSpPr>
-          <p:nvPr>
-            <p:ph type="title"/>
-          </p:nvPr>
-        </p:nvSpPr>
-        <p:spPr/>
-        <p:txBody>
-          <a:bodyPr/>
-          <a:lstStyle/>
-          <a:p>
-            <a:r>
-              <a:rPr lang="de-DE" dirty="0"/>
-              <a:t>Betrachtungen zum Datenschutz - DSGVO</a:t>
-            </a:r>
-          </a:p>
-        </p:txBody>
-      </p:sp>
-      <p:graphicFrame>
-        <p:nvGraphicFramePr>
-          <p:cNvPr id="6" name="Diagramm 5">
-            <a:extLst>
-              <a:ext uri="{FF2B5EF4-FFF2-40B4-BE49-F238E27FC236}">
-                <a16:creationId xmlns:a16="http://schemas.microsoft.com/office/drawing/2014/main" id="{758C04CF-A6EC-4289-9EEA-003E91F5358D}"/>
-              </a:ext>
-            </a:extLst>
-          </p:cNvPr>
-          <p:cNvGraphicFramePr/>
-          <p:nvPr>
-            <p:extLst>
-              <p:ext uri="{D42A27DB-BD31-4B8C-83A1-F6EECF244321}">
-                <p14:modId xmlns:p14="http://schemas.microsoft.com/office/powerpoint/2010/main" val="1994010381"/>
-              </p:ext>
-            </p:extLst>
-          </p:nvPr>
-        </p:nvGraphicFramePr>
-        <p:xfrm>
-          <a:off x="264160" y="979488"/>
-          <a:ext cx="11805920" cy="5019040"/>
-        </p:xfrm>
-        <a:graphic>
-          <a:graphicData uri="http://schemas.openxmlformats.org/drawingml/2006/diagram">
-            <dgm:relIds xmlns:dgm="http://schemas.openxmlformats.org/drawingml/2006/diagram" xmlns:r="http://schemas.openxmlformats.org/officeDocument/2006/relationships" r:dm="rId2" r:lo="rId3" r:qs="rId4" r:cs="rId5"/>
-          </a:graphicData>
-        </a:graphic>
-      </p:graphicFrame>
-    </p:spTree>
-    <p:extLst>
-      <p:ext uri="{BB962C8B-B14F-4D97-AF65-F5344CB8AC3E}">
-        <p14:creationId xmlns:p14="http://schemas.microsoft.com/office/powerpoint/2010/main" val="1329256881"/>
-      </p:ext>
-    </p:extLst>
-  </p:cSld>
-  <p:clrMapOvr>
-    <a:masterClrMapping/>
-  </p:clrMapOvr>
-</p:sld>
-</file>
-
-<file path=ppt/slides/slide6.xml><?xml version="1.0" encoding="utf-8"?>
-<p:sld xmlns:a="http://schemas.openxmlformats.org/drawingml/2006/main" xmlns:r="http://schemas.openxmlformats.org/officeDocument/2006/relationships" xmlns:p="http://schemas.openxmlformats.org/presentationml/2006/main">
-  <p:cSld>
-    <p:spTree>
-      <p:nvGrpSpPr>
-        <p:cNvPr id="1" name=""/>
-        <p:cNvGrpSpPr/>
-        <p:nvPr/>
-      </p:nvGrpSpPr>
-      <p:grpSpPr>
-        <a:xfrm>
-          <a:off x="0" y="0"/>
-          <a:ext cx="0" cy="0"/>
-          <a:chOff x="0" y="0"/>
-          <a:chExt cx="0" cy="0"/>
-        </a:xfrm>
-      </p:grpSpPr>
-      <p:sp>
-        <p:nvSpPr>
-          <p:cNvPr id="2" name="Titel 1">
-            <a:extLst>
-              <a:ext uri="{FF2B5EF4-FFF2-40B4-BE49-F238E27FC236}">
                 <a16:creationId xmlns:a16="http://schemas.microsoft.com/office/drawing/2014/main" id="{4CFF100E-534F-4DC1-B466-4E192826ABC5}"/>
               </a:ext>
             </a:extLst>
@@ -34289,7 +32437,7 @@
           <a:p>
             <a:r>
               <a:rPr lang="de-DE" dirty="0"/>
-              <a:t>Betrachtungen zum Datenschutz – Mögliche Angriffe</a:t>
+              <a:t>Betrachtungen zum Datenschutz – mögliche Angriffe</a:t>
             </a:r>
           </a:p>
         </p:txBody>
@@ -34342,7 +32490,7 @@
 </p:sld>
 </file>
 
-<file path=ppt/slides/slide7.xml><?xml version="1.0" encoding="utf-8"?>
+<file path=ppt/slides/slide6.xml><?xml version="1.0" encoding="utf-8"?>
 <p:sld xmlns:a="http://schemas.openxmlformats.org/drawingml/2006/main" xmlns:r="http://schemas.openxmlformats.org/officeDocument/2006/relationships" xmlns:p="http://schemas.openxmlformats.org/presentationml/2006/main">
   <p:cSld>
     <p:spTree>
@@ -34372,14 +32520,14 @@
           <p:nvPr>
             <p:extLst>
               <p:ext uri="{D42A27DB-BD31-4B8C-83A1-F6EECF244321}">
-                <p14:modId xmlns:p14="http://schemas.microsoft.com/office/powerpoint/2010/main" val="2130186499"/>
+                <p14:modId xmlns:p14="http://schemas.microsoft.com/office/powerpoint/2010/main" val="1902239201"/>
               </p:ext>
             </p:extLst>
           </p:nvPr>
         </p:nvGraphicFramePr>
         <p:xfrm>
-          <a:off x="320040" y="980035"/>
-          <a:ext cx="5471160" cy="4851836"/>
+          <a:off x="320039" y="980034"/>
+          <a:ext cx="5964523" cy="5050195"/>
         </p:xfrm>
         <a:graphic>
           <a:graphicData uri="http://schemas.openxmlformats.org/drawingml/2006/diagram">
@@ -34550,7 +32698,7 @@
 </p:sld>
 </file>
 
-<file path=ppt/slides/slide8.xml><?xml version="1.0" encoding="utf-8"?>
+<file path=ppt/slides/slide7.xml><?xml version="1.0" encoding="utf-8"?>
 <p:sld xmlns:a="http://schemas.openxmlformats.org/drawingml/2006/main" xmlns:r="http://schemas.openxmlformats.org/officeDocument/2006/relationships" xmlns:p="http://schemas.openxmlformats.org/presentationml/2006/main">
   <p:cSld>
     <p:spTree>
@@ -34999,6 +33147,173 @@
     <p:extLst>
       <p:ext uri="{BB962C8B-B14F-4D97-AF65-F5344CB8AC3E}">
         <p14:creationId xmlns:p14="http://schemas.microsoft.com/office/powerpoint/2010/main" val="3626247138"/>
+      </p:ext>
+    </p:extLst>
+  </p:cSld>
+  <p:clrMapOvr>
+    <a:masterClrMapping/>
+  </p:clrMapOvr>
+</p:sld>
+</file>
+
+<file path=ppt/slides/slide8.xml><?xml version="1.0" encoding="utf-8"?>
+<p:sld xmlns:a="http://schemas.openxmlformats.org/drawingml/2006/main" xmlns:r="http://schemas.openxmlformats.org/officeDocument/2006/relationships" xmlns:p="http://schemas.openxmlformats.org/presentationml/2006/main">
+  <p:cSld>
+    <p:spTree>
+      <p:nvGrpSpPr>
+        <p:cNvPr id="1" name=""/>
+        <p:cNvGrpSpPr/>
+        <p:nvPr/>
+      </p:nvGrpSpPr>
+      <p:grpSpPr>
+        <a:xfrm>
+          <a:off x="0" y="0"/>
+          <a:ext cx="0" cy="0"/>
+          <a:chOff x="0" y="0"/>
+          <a:chExt cx="0" cy="0"/>
+        </a:xfrm>
+      </p:grpSpPr>
+      <p:sp>
+        <p:nvSpPr>
+          <p:cNvPr id="2" name="Titel 1">
+            <a:extLst>
+              <a:ext uri="{FF2B5EF4-FFF2-40B4-BE49-F238E27FC236}">
+                <a16:creationId xmlns:a16="http://schemas.microsoft.com/office/drawing/2014/main" id="{0231FB51-B0A5-4159-AE41-DB1C26D5CD9F}"/>
+              </a:ext>
+            </a:extLst>
+          </p:cNvPr>
+          <p:cNvSpPr>
+            <a:spLocks noGrp="1"/>
+          </p:cNvSpPr>
+          <p:nvPr>
+            <p:ph type="title"/>
+          </p:nvPr>
+        </p:nvSpPr>
+        <p:spPr/>
+        <p:txBody>
+          <a:bodyPr/>
+          <a:lstStyle/>
+          <a:p>
+            <a:r>
+              <a:rPr lang="de-DE" dirty="0"/>
+              <a:t>Mycroft AI</a:t>
+            </a:r>
+          </a:p>
+        </p:txBody>
+      </p:sp>
+      <p:pic>
+        <p:nvPicPr>
+          <p:cNvPr id="4" name="Inhaltsplatzhalter 5">
+            <a:extLst>
+              <a:ext uri="{FF2B5EF4-FFF2-40B4-BE49-F238E27FC236}">
+                <a16:creationId xmlns:a16="http://schemas.microsoft.com/office/drawing/2014/main" id="{6A75BD11-6BA7-4AE9-B2FA-1A7488100401}"/>
+              </a:ext>
+            </a:extLst>
+          </p:cNvPr>
+          <p:cNvPicPr>
+            <a:picLocks noChangeAspect="1"/>
+          </p:cNvPicPr>
+          <p:nvPr/>
+        </p:nvPicPr>
+        <p:blipFill>
+          <a:blip r:embed="rId2" cstate="print">
+            <a:extLst>
+              <a:ext uri="{28A0092B-C50C-407E-A947-70E740481C1C}">
+                <a14:useLocalDpi xmlns:a14="http://schemas.microsoft.com/office/drawing/2010/main" val="0"/>
+              </a:ext>
+            </a:extLst>
+          </a:blip>
+          <a:stretch>
+            <a:fillRect/>
+          </a:stretch>
+        </p:blipFill>
+        <p:spPr>
+          <a:xfrm>
+            <a:off x="10036560" y="348675"/>
+            <a:ext cx="1418839" cy="1135638"/>
+          </a:xfrm>
+          <a:prstGeom prst="rect">
+            <a:avLst/>
+          </a:prstGeom>
+          <a:ln>
+            <a:noFill/>
+          </a:ln>
+        </p:spPr>
+      </p:pic>
+      <p:sp>
+        <p:nvSpPr>
+          <p:cNvPr id="5" name="Rechteck 4">
+            <a:extLst>
+              <a:ext uri="{FF2B5EF4-FFF2-40B4-BE49-F238E27FC236}">
+                <a16:creationId xmlns:a16="http://schemas.microsoft.com/office/drawing/2014/main" id="{3EF0B8FA-A0B1-4C85-8740-5C2F589136C6}"/>
+              </a:ext>
+            </a:extLst>
+          </p:cNvPr>
+          <p:cNvSpPr/>
+          <p:nvPr/>
+        </p:nvSpPr>
+        <p:spPr>
+          <a:xfrm>
+            <a:off x="11077200" y="421868"/>
+            <a:ext cx="1114800" cy="630942"/>
+          </a:xfrm>
+          <a:prstGeom prst="rect">
+            <a:avLst/>
+          </a:prstGeom>
+        </p:spPr>
+        <p:txBody>
+          <a:bodyPr wrap="square">
+            <a:spAutoFit/>
+          </a:bodyPr>
+          <a:lstStyle/>
+          <a:p>
+            <a:r>
+              <a:rPr lang="de-DE" sz="700" dirty="0"/>
+              <a:t>https://mycroft.ai/wp-content/uploads/2019/01/Mycroft_logo_two_markandtype_hires.png</a:t>
+            </a:r>
+          </a:p>
+        </p:txBody>
+      </p:sp>
+      <p:pic>
+        <p:nvPicPr>
+          <p:cNvPr id="6" name="Grafik 5">
+            <a:extLst>
+              <a:ext uri="{FF2B5EF4-FFF2-40B4-BE49-F238E27FC236}">
+                <a16:creationId xmlns:a16="http://schemas.microsoft.com/office/drawing/2014/main" id="{9B5B1CCA-8DBA-4384-AB6D-315C8CA08050}"/>
+              </a:ext>
+            </a:extLst>
+          </p:cNvPr>
+          <p:cNvPicPr>
+            <a:picLocks noChangeAspect="1"/>
+          </p:cNvPicPr>
+          <p:nvPr/>
+        </p:nvPicPr>
+        <p:blipFill>
+          <a:blip r:embed="rId3">
+            <a:extLst>
+              <a:ext uri="{28A0092B-C50C-407E-A947-70E740481C1C}">
+                <a14:useLocalDpi xmlns:a14="http://schemas.microsoft.com/office/drawing/2010/main" val="0"/>
+              </a:ext>
+            </a:extLst>
+          </a:blip>
+          <a:stretch>
+            <a:fillRect/>
+          </a:stretch>
+        </p:blipFill>
+        <p:spPr>
+          <a:xfrm>
+            <a:off x="1563582" y="1484313"/>
+            <a:ext cx="8672497" cy="4215539"/>
+          </a:xfrm>
+          <a:prstGeom prst="rect">
+            <a:avLst/>
+          </a:prstGeom>
+        </p:spPr>
+      </p:pic>
+    </p:spTree>
+    <p:extLst>
+      <p:ext uri="{BB962C8B-B14F-4D97-AF65-F5344CB8AC3E}">
+        <p14:creationId xmlns:p14="http://schemas.microsoft.com/office/powerpoint/2010/main" val="3113656784"/>
       </p:ext>
     </p:extLst>
   </p:cSld>

--- a/verteidigung/verteidigung.pptx
+++ b/verteidigung/verteidigung.pptx
@@ -5,10 +5,10 @@
     <p:sldMasterId id="2147483891" r:id="rId1"/>
   </p:sldMasterIdLst>
   <p:notesMasterIdLst>
-    <p:notesMasterId r:id="rId30"/>
+    <p:notesMasterId r:id="rId31"/>
   </p:notesMasterIdLst>
   <p:handoutMasterIdLst>
-    <p:handoutMasterId r:id="rId31"/>
+    <p:handoutMasterId r:id="rId32"/>
   </p:handoutMasterIdLst>
   <p:sldIdLst>
     <p:sldId id="256" r:id="rId2"/>
@@ -16,46 +16,47 @@
     <p:sldId id="268" r:id="rId4"/>
     <p:sldId id="269" r:id="rId5"/>
     <p:sldId id="278" r:id="rId6"/>
-    <p:sldId id="279" r:id="rId7"/>
+    <p:sldId id="301" r:id="rId7"/>
     <p:sldId id="280" r:id="rId8"/>
     <p:sldId id="272" r:id="rId9"/>
     <p:sldId id="281" r:id="rId10"/>
     <p:sldId id="283" r:id="rId11"/>
     <p:sldId id="287" r:id="rId12"/>
     <p:sldId id="274" r:id="rId13"/>
-    <p:sldId id="285" r:id="rId14"/>
-    <p:sldId id="292" r:id="rId15"/>
-    <p:sldId id="276" r:id="rId16"/>
-    <p:sldId id="277" r:id="rId17"/>
-    <p:sldId id="290" r:id="rId18"/>
-    <p:sldId id="270" r:id="rId19"/>
-    <p:sldId id="291" r:id="rId20"/>
-    <p:sldId id="293" r:id="rId21"/>
-    <p:sldId id="294" r:id="rId22"/>
-    <p:sldId id="296" r:id="rId23"/>
-    <p:sldId id="288" r:id="rId24"/>
-    <p:sldId id="295" r:id="rId25"/>
-    <p:sldId id="289" r:id="rId26"/>
-    <p:sldId id="299" r:id="rId27"/>
-    <p:sldId id="297" r:id="rId28"/>
-    <p:sldId id="298" r:id="rId29"/>
+    <p:sldId id="300" r:id="rId14"/>
+    <p:sldId id="285" r:id="rId15"/>
+    <p:sldId id="292" r:id="rId16"/>
+    <p:sldId id="276" r:id="rId17"/>
+    <p:sldId id="277" r:id="rId18"/>
+    <p:sldId id="290" r:id="rId19"/>
+    <p:sldId id="270" r:id="rId20"/>
+    <p:sldId id="291" r:id="rId21"/>
+    <p:sldId id="293" r:id="rId22"/>
+    <p:sldId id="294" r:id="rId23"/>
+    <p:sldId id="296" r:id="rId24"/>
+    <p:sldId id="288" r:id="rId25"/>
+    <p:sldId id="295" r:id="rId26"/>
+    <p:sldId id="289" r:id="rId27"/>
+    <p:sldId id="299" r:id="rId28"/>
+    <p:sldId id="297" r:id="rId29"/>
+    <p:sldId id="298" r:id="rId30"/>
   </p:sldIdLst>
   <p:sldSz cx="12192000" cy="6858000"/>
   <p:notesSz cx="6858000" cy="9144000"/>
   <p:embeddedFontLst>
     <p:embeddedFont>
       <p:font typeface="Calibri" panose="020F0502020204030204" pitchFamily="34" charset="0"/>
-      <p:regular r:id="rId32"/>
-      <p:bold r:id="rId33"/>
-      <p:italic r:id="rId34"/>
-      <p:boldItalic r:id="rId35"/>
+      <p:regular r:id="rId33"/>
+      <p:bold r:id="rId34"/>
+      <p:italic r:id="rId35"/>
+      <p:boldItalic r:id="rId36"/>
     </p:embeddedFont>
     <p:embeddedFont>
       <p:font typeface="Open Sans" panose="020B0604020202020204" charset="0"/>
-      <p:regular r:id="rId36"/>
-      <p:bold r:id="rId37"/>
-      <p:italic r:id="rId38"/>
-      <p:boldItalic r:id="rId39"/>
+      <p:regular r:id="rId37"/>
+      <p:bold r:id="rId38"/>
+      <p:italic r:id="rId39"/>
+      <p:boldItalic r:id="rId40"/>
     </p:embeddedFont>
   </p:embeddedFontLst>
   <p:defaultTextStyle>
@@ -163,13 +164,14 @@
             <p14:sldId id="268"/>
             <p14:sldId id="269"/>
             <p14:sldId id="278"/>
-            <p14:sldId id="279"/>
+            <p14:sldId id="301"/>
             <p14:sldId id="280"/>
             <p14:sldId id="272"/>
             <p14:sldId id="281"/>
             <p14:sldId id="283"/>
             <p14:sldId id="287"/>
             <p14:sldId id="274"/>
+            <p14:sldId id="300"/>
             <p14:sldId id="285"/>
             <p14:sldId id="292"/>
             <p14:sldId id="276"/>
@@ -6192,753 +6194,6 @@
 </dgm:colorsDef>
 </file>
 
-<file path=ppt/diagrams/colors9.xml><?xml version="1.0" encoding="utf-8"?>
-<dgm:colorsDef xmlns:dgm="http://schemas.openxmlformats.org/drawingml/2006/diagram" xmlns:a="http://schemas.openxmlformats.org/drawingml/2006/main" uniqueId="urn:microsoft.com/office/officeart/2005/8/colors/accent1_2">
-  <dgm:title val=""/>
-  <dgm:desc val=""/>
-  <dgm:catLst>
-    <dgm:cat type="accent1" pri="11200"/>
-  </dgm:catLst>
-  <dgm:styleLbl name="node0">
-    <dgm:fillClrLst meth="repeat">
-      <a:schemeClr val="accent1"/>
-    </dgm:fillClrLst>
-    <dgm:linClrLst meth="repeat">
-      <a:schemeClr val="lt1"/>
-    </dgm:linClrLst>
-    <dgm:effectClrLst/>
-    <dgm:txLinClrLst/>
-    <dgm:txFillClrLst/>
-    <dgm:txEffectClrLst/>
-  </dgm:styleLbl>
-  <dgm:styleLbl name="alignNode1">
-    <dgm:fillClrLst meth="repeat">
-      <a:schemeClr val="accent1"/>
-    </dgm:fillClrLst>
-    <dgm:linClrLst meth="repeat">
-      <a:schemeClr val="accent1"/>
-    </dgm:linClrLst>
-    <dgm:effectClrLst/>
-    <dgm:txLinClrLst/>
-    <dgm:txFillClrLst/>
-    <dgm:txEffectClrLst/>
-  </dgm:styleLbl>
-  <dgm:styleLbl name="node1">
-    <dgm:fillClrLst meth="repeat">
-      <a:schemeClr val="accent1"/>
-    </dgm:fillClrLst>
-    <dgm:linClrLst meth="repeat">
-      <a:schemeClr val="lt1"/>
-    </dgm:linClrLst>
-    <dgm:effectClrLst/>
-    <dgm:txLinClrLst/>
-    <dgm:txFillClrLst/>
-    <dgm:txEffectClrLst/>
-  </dgm:styleLbl>
-  <dgm:styleLbl name="lnNode1">
-    <dgm:fillClrLst meth="repeat">
-      <a:schemeClr val="accent1"/>
-    </dgm:fillClrLst>
-    <dgm:linClrLst meth="repeat">
-      <a:schemeClr val="lt1"/>
-    </dgm:linClrLst>
-    <dgm:effectClrLst/>
-    <dgm:txLinClrLst/>
-    <dgm:txFillClrLst/>
-    <dgm:txEffectClrLst/>
-  </dgm:styleLbl>
-  <dgm:styleLbl name="vennNode1">
-    <dgm:fillClrLst meth="repeat">
-      <a:schemeClr val="accent1">
-        <a:alpha val="50000"/>
-      </a:schemeClr>
-    </dgm:fillClrLst>
-    <dgm:linClrLst meth="repeat">
-      <a:schemeClr val="lt1"/>
-    </dgm:linClrLst>
-    <dgm:effectClrLst/>
-    <dgm:txLinClrLst/>
-    <dgm:txFillClrLst/>
-    <dgm:txEffectClrLst/>
-  </dgm:styleLbl>
-  <dgm:styleLbl name="node2">
-    <dgm:fillClrLst meth="repeat">
-      <a:schemeClr val="accent1"/>
-    </dgm:fillClrLst>
-    <dgm:linClrLst meth="repeat">
-      <a:schemeClr val="lt1"/>
-    </dgm:linClrLst>
-    <dgm:effectClrLst/>
-    <dgm:txLinClrLst/>
-    <dgm:txFillClrLst/>
-    <dgm:txEffectClrLst/>
-  </dgm:styleLbl>
-  <dgm:styleLbl name="node3">
-    <dgm:fillClrLst meth="repeat">
-      <a:schemeClr val="accent1"/>
-    </dgm:fillClrLst>
-    <dgm:linClrLst meth="repeat">
-      <a:schemeClr val="lt1"/>
-    </dgm:linClrLst>
-    <dgm:effectClrLst/>
-    <dgm:txLinClrLst/>
-    <dgm:txFillClrLst/>
-    <dgm:txEffectClrLst/>
-  </dgm:styleLbl>
-  <dgm:styleLbl name="node4">
-    <dgm:fillClrLst meth="repeat">
-      <a:schemeClr val="accent1"/>
-    </dgm:fillClrLst>
-    <dgm:linClrLst meth="repeat">
-      <a:schemeClr val="lt1"/>
-    </dgm:linClrLst>
-    <dgm:effectClrLst/>
-    <dgm:txLinClrLst/>
-    <dgm:txFillClrLst/>
-    <dgm:txEffectClrLst/>
-  </dgm:styleLbl>
-  <dgm:styleLbl name="fgImgPlace1">
-    <dgm:fillClrLst meth="repeat">
-      <a:schemeClr val="accent1">
-        <a:tint val="50000"/>
-      </a:schemeClr>
-    </dgm:fillClrLst>
-    <dgm:linClrLst meth="repeat">
-      <a:schemeClr val="lt1"/>
-    </dgm:linClrLst>
-    <dgm:effectClrLst/>
-    <dgm:txLinClrLst/>
-    <dgm:txFillClrLst meth="repeat">
-      <a:schemeClr val="lt1"/>
-    </dgm:txFillClrLst>
-    <dgm:txEffectClrLst/>
-  </dgm:styleLbl>
-  <dgm:styleLbl name="alignImgPlace1">
-    <dgm:fillClrLst meth="repeat">
-      <a:schemeClr val="accent1">
-        <a:tint val="50000"/>
-      </a:schemeClr>
-    </dgm:fillClrLst>
-    <dgm:linClrLst meth="repeat">
-      <a:schemeClr val="lt1"/>
-    </dgm:linClrLst>
-    <dgm:effectClrLst/>
-    <dgm:txLinClrLst/>
-    <dgm:txFillClrLst meth="repeat">
-      <a:schemeClr val="lt1"/>
-    </dgm:txFillClrLst>
-    <dgm:txEffectClrLst/>
-  </dgm:styleLbl>
-  <dgm:styleLbl name="bgImgPlace1">
-    <dgm:fillClrLst meth="repeat">
-      <a:schemeClr val="accent1">
-        <a:tint val="50000"/>
-      </a:schemeClr>
-    </dgm:fillClrLst>
-    <dgm:linClrLst meth="repeat">
-      <a:schemeClr val="lt1"/>
-    </dgm:linClrLst>
-    <dgm:effectClrLst/>
-    <dgm:txLinClrLst/>
-    <dgm:txFillClrLst meth="repeat">
-      <a:schemeClr val="lt1"/>
-    </dgm:txFillClrLst>
-    <dgm:txEffectClrLst/>
-  </dgm:styleLbl>
-  <dgm:styleLbl name="sibTrans2D1">
-    <dgm:fillClrLst meth="repeat">
-      <a:schemeClr val="accent1">
-        <a:tint val="60000"/>
-      </a:schemeClr>
-    </dgm:fillClrLst>
-    <dgm:linClrLst meth="repeat">
-      <a:schemeClr val="accent1">
-        <a:tint val="60000"/>
-      </a:schemeClr>
-    </dgm:linClrLst>
-    <dgm:effectClrLst/>
-    <dgm:txLinClrLst/>
-    <dgm:txFillClrLst/>
-    <dgm:txEffectClrLst/>
-  </dgm:styleLbl>
-  <dgm:styleLbl name="fgSibTrans2D1">
-    <dgm:fillClrLst meth="repeat">
-      <a:schemeClr val="accent1">
-        <a:tint val="60000"/>
-      </a:schemeClr>
-    </dgm:fillClrLst>
-    <dgm:linClrLst meth="repeat">
-      <a:schemeClr val="accent1">
-        <a:tint val="60000"/>
-      </a:schemeClr>
-    </dgm:linClrLst>
-    <dgm:effectClrLst/>
-    <dgm:txLinClrLst/>
-    <dgm:txFillClrLst/>
-    <dgm:txEffectClrLst/>
-  </dgm:styleLbl>
-  <dgm:styleLbl name="bgSibTrans2D1">
-    <dgm:fillClrLst meth="repeat">
-      <a:schemeClr val="accent1">
-        <a:tint val="60000"/>
-      </a:schemeClr>
-    </dgm:fillClrLst>
-    <dgm:linClrLst meth="repeat">
-      <a:schemeClr val="accent1">
-        <a:tint val="60000"/>
-      </a:schemeClr>
-    </dgm:linClrLst>
-    <dgm:effectClrLst/>
-    <dgm:txLinClrLst/>
-    <dgm:txFillClrLst/>
-    <dgm:txEffectClrLst/>
-  </dgm:styleLbl>
-  <dgm:styleLbl name="sibTrans1D1">
-    <dgm:fillClrLst meth="repeat">
-      <a:schemeClr val="accent1"/>
-    </dgm:fillClrLst>
-    <dgm:linClrLst meth="repeat">
-      <a:schemeClr val="accent1"/>
-    </dgm:linClrLst>
-    <dgm:effectClrLst/>
-    <dgm:txLinClrLst/>
-    <dgm:txFillClrLst meth="repeat">
-      <a:schemeClr val="tx1"/>
-    </dgm:txFillClrLst>
-    <dgm:txEffectClrLst/>
-  </dgm:styleLbl>
-  <dgm:styleLbl name="callout">
-    <dgm:fillClrLst meth="repeat">
-      <a:schemeClr val="accent1"/>
-    </dgm:fillClrLst>
-    <dgm:linClrLst meth="repeat">
-      <a:schemeClr val="accent1">
-        <a:tint val="50000"/>
-      </a:schemeClr>
-    </dgm:linClrLst>
-    <dgm:effectClrLst/>
-    <dgm:txLinClrLst/>
-    <dgm:txFillClrLst meth="repeat">
-      <a:schemeClr val="tx1"/>
-    </dgm:txFillClrLst>
-    <dgm:txEffectClrLst/>
-  </dgm:styleLbl>
-  <dgm:styleLbl name="asst0">
-    <dgm:fillClrLst meth="repeat">
-      <a:schemeClr val="accent1"/>
-    </dgm:fillClrLst>
-    <dgm:linClrLst meth="repeat">
-      <a:schemeClr val="lt1"/>
-    </dgm:linClrLst>
-    <dgm:effectClrLst/>
-    <dgm:txLinClrLst/>
-    <dgm:txFillClrLst/>
-    <dgm:txEffectClrLst/>
-  </dgm:styleLbl>
-  <dgm:styleLbl name="asst1">
-    <dgm:fillClrLst meth="repeat">
-      <a:schemeClr val="accent1"/>
-    </dgm:fillClrLst>
-    <dgm:linClrLst meth="repeat">
-      <a:schemeClr val="lt1"/>
-    </dgm:linClrLst>
-    <dgm:effectClrLst/>
-    <dgm:txLinClrLst/>
-    <dgm:txFillClrLst/>
-    <dgm:txEffectClrLst/>
-  </dgm:styleLbl>
-  <dgm:styleLbl name="asst2">
-    <dgm:fillClrLst meth="repeat">
-      <a:schemeClr val="accent1"/>
-    </dgm:fillClrLst>
-    <dgm:linClrLst meth="repeat">
-      <a:schemeClr val="lt1"/>
-    </dgm:linClrLst>
-    <dgm:effectClrLst/>
-    <dgm:txLinClrLst/>
-    <dgm:txFillClrLst/>
-    <dgm:txEffectClrLst/>
-  </dgm:styleLbl>
-  <dgm:styleLbl name="asst3">
-    <dgm:fillClrLst meth="repeat">
-      <a:schemeClr val="accent1"/>
-    </dgm:fillClrLst>
-    <dgm:linClrLst meth="repeat">
-      <a:schemeClr val="lt1"/>
-    </dgm:linClrLst>
-    <dgm:effectClrLst/>
-    <dgm:txLinClrLst/>
-    <dgm:txFillClrLst/>
-    <dgm:txEffectClrLst/>
-  </dgm:styleLbl>
-  <dgm:styleLbl name="asst4">
-    <dgm:fillClrLst meth="repeat">
-      <a:schemeClr val="accent1"/>
-    </dgm:fillClrLst>
-    <dgm:linClrLst meth="repeat">
-      <a:schemeClr val="lt1"/>
-    </dgm:linClrLst>
-    <dgm:effectClrLst/>
-    <dgm:txLinClrLst/>
-    <dgm:txFillClrLst/>
-    <dgm:txEffectClrLst/>
-  </dgm:styleLbl>
-  <dgm:styleLbl name="parChTrans2D1">
-    <dgm:fillClrLst meth="repeat">
-      <a:schemeClr val="accent1">
-        <a:tint val="60000"/>
-      </a:schemeClr>
-    </dgm:fillClrLst>
-    <dgm:linClrLst meth="repeat">
-      <a:schemeClr val="accent1">
-        <a:tint val="60000"/>
-      </a:schemeClr>
-    </dgm:linClrLst>
-    <dgm:effectClrLst/>
-    <dgm:txLinClrLst/>
-    <dgm:txFillClrLst meth="repeat">
-      <a:schemeClr val="lt1"/>
-    </dgm:txFillClrLst>
-    <dgm:txEffectClrLst/>
-  </dgm:styleLbl>
-  <dgm:styleLbl name="parChTrans2D2">
-    <dgm:fillClrLst meth="repeat">
-      <a:schemeClr val="accent1"/>
-    </dgm:fillClrLst>
-    <dgm:linClrLst meth="repeat">
-      <a:schemeClr val="accent1"/>
-    </dgm:linClrLst>
-    <dgm:effectClrLst/>
-    <dgm:txLinClrLst/>
-    <dgm:txFillClrLst meth="repeat">
-      <a:schemeClr val="lt1"/>
-    </dgm:txFillClrLst>
-    <dgm:txEffectClrLst/>
-  </dgm:styleLbl>
-  <dgm:styleLbl name="parChTrans2D3">
-    <dgm:fillClrLst meth="repeat">
-      <a:schemeClr val="accent1"/>
-    </dgm:fillClrLst>
-    <dgm:linClrLst meth="repeat">
-      <a:schemeClr val="accent1"/>
-    </dgm:linClrLst>
-    <dgm:effectClrLst/>
-    <dgm:txLinClrLst/>
-    <dgm:txFillClrLst meth="repeat">
-      <a:schemeClr val="lt1"/>
-    </dgm:txFillClrLst>
-    <dgm:txEffectClrLst/>
-  </dgm:styleLbl>
-  <dgm:styleLbl name="parChTrans2D4">
-    <dgm:fillClrLst meth="repeat">
-      <a:schemeClr val="accent1"/>
-    </dgm:fillClrLst>
-    <dgm:linClrLst meth="repeat">
-      <a:schemeClr val="accent1"/>
-    </dgm:linClrLst>
-    <dgm:effectClrLst/>
-    <dgm:txLinClrLst/>
-    <dgm:txFillClrLst meth="repeat">
-      <a:schemeClr val="lt1"/>
-    </dgm:txFillClrLst>
-    <dgm:txEffectClrLst/>
-  </dgm:styleLbl>
-  <dgm:styleLbl name="parChTrans1D1">
-    <dgm:fillClrLst meth="repeat">
-      <a:schemeClr val="accent1"/>
-    </dgm:fillClrLst>
-    <dgm:linClrLst meth="repeat">
-      <a:schemeClr val="accent1">
-        <a:shade val="60000"/>
-      </a:schemeClr>
-    </dgm:linClrLst>
-    <dgm:effectClrLst/>
-    <dgm:txLinClrLst/>
-    <dgm:txFillClrLst meth="repeat">
-      <a:schemeClr val="tx1"/>
-    </dgm:txFillClrLst>
-    <dgm:txEffectClrLst/>
-  </dgm:styleLbl>
-  <dgm:styleLbl name="parChTrans1D2">
-    <dgm:fillClrLst meth="repeat">
-      <a:schemeClr val="accent1"/>
-    </dgm:fillClrLst>
-    <dgm:linClrLst meth="repeat">
-      <a:schemeClr val="accent1">
-        <a:shade val="60000"/>
-      </a:schemeClr>
-    </dgm:linClrLst>
-    <dgm:effectClrLst/>
-    <dgm:txLinClrLst/>
-    <dgm:txFillClrLst meth="repeat">
-      <a:schemeClr val="tx1"/>
-    </dgm:txFillClrLst>
-    <dgm:txEffectClrLst/>
-  </dgm:styleLbl>
-  <dgm:styleLbl name="parChTrans1D3">
-    <dgm:fillClrLst meth="repeat">
-      <a:schemeClr val="accent1"/>
-    </dgm:fillClrLst>
-    <dgm:linClrLst meth="repeat">
-      <a:schemeClr val="accent1">
-        <a:shade val="80000"/>
-      </a:schemeClr>
-    </dgm:linClrLst>
-    <dgm:effectClrLst/>
-    <dgm:txLinClrLst/>
-    <dgm:txFillClrLst meth="repeat">
-      <a:schemeClr val="tx1"/>
-    </dgm:txFillClrLst>
-    <dgm:txEffectClrLst/>
-  </dgm:styleLbl>
-  <dgm:styleLbl name="parChTrans1D4">
-    <dgm:fillClrLst meth="repeat">
-      <a:schemeClr val="accent1"/>
-    </dgm:fillClrLst>
-    <dgm:linClrLst meth="repeat">
-      <a:schemeClr val="accent1">
-        <a:shade val="80000"/>
-      </a:schemeClr>
-    </dgm:linClrLst>
-    <dgm:effectClrLst/>
-    <dgm:txLinClrLst/>
-    <dgm:txFillClrLst meth="repeat">
-      <a:schemeClr val="tx1"/>
-    </dgm:txFillClrLst>
-    <dgm:txEffectClrLst/>
-  </dgm:styleLbl>
-  <dgm:styleLbl name="fgAcc1">
-    <dgm:fillClrLst meth="repeat">
-      <a:schemeClr val="lt1">
-        <a:alpha val="90000"/>
-      </a:schemeClr>
-    </dgm:fillClrLst>
-    <dgm:linClrLst meth="repeat">
-      <a:schemeClr val="accent1"/>
-    </dgm:linClrLst>
-    <dgm:effectClrLst/>
-    <dgm:txLinClrLst/>
-    <dgm:txFillClrLst meth="repeat">
-      <a:schemeClr val="dk1"/>
-    </dgm:txFillClrLst>
-    <dgm:txEffectClrLst/>
-  </dgm:styleLbl>
-  <dgm:styleLbl name="conFgAcc1">
-    <dgm:fillClrLst meth="repeat">
-      <a:schemeClr val="lt1">
-        <a:alpha val="90000"/>
-      </a:schemeClr>
-    </dgm:fillClrLst>
-    <dgm:linClrLst meth="repeat">
-      <a:schemeClr val="accent1"/>
-    </dgm:linClrLst>
-    <dgm:effectClrLst/>
-    <dgm:txLinClrLst/>
-    <dgm:txFillClrLst meth="repeat">
-      <a:schemeClr val="dk1"/>
-    </dgm:txFillClrLst>
-    <dgm:txEffectClrLst/>
-  </dgm:styleLbl>
-  <dgm:styleLbl name="alignAcc1">
-    <dgm:fillClrLst meth="repeat">
-      <a:schemeClr val="lt1">
-        <a:alpha val="90000"/>
-      </a:schemeClr>
-    </dgm:fillClrLst>
-    <dgm:linClrLst meth="repeat">
-      <a:schemeClr val="accent1"/>
-    </dgm:linClrLst>
-    <dgm:effectClrLst/>
-    <dgm:txLinClrLst/>
-    <dgm:txFillClrLst meth="repeat">
-      <a:schemeClr val="dk1"/>
-    </dgm:txFillClrLst>
-    <dgm:txEffectClrLst/>
-  </dgm:styleLbl>
-  <dgm:styleLbl name="trAlignAcc1">
-    <dgm:fillClrLst meth="repeat">
-      <a:schemeClr val="lt1">
-        <a:alpha val="40000"/>
-      </a:schemeClr>
-    </dgm:fillClrLst>
-    <dgm:linClrLst meth="repeat">
-      <a:schemeClr val="accent1"/>
-    </dgm:linClrLst>
-    <dgm:effectClrLst/>
-    <dgm:txLinClrLst/>
-    <dgm:txFillClrLst meth="repeat">
-      <a:schemeClr val="dk1"/>
-    </dgm:txFillClrLst>
-    <dgm:txEffectClrLst/>
-  </dgm:styleLbl>
-  <dgm:styleLbl name="bgAcc1">
-    <dgm:fillClrLst meth="repeat">
-      <a:schemeClr val="lt1">
-        <a:alpha val="90000"/>
-      </a:schemeClr>
-    </dgm:fillClrLst>
-    <dgm:linClrLst meth="repeat">
-      <a:schemeClr val="accent1"/>
-    </dgm:linClrLst>
-    <dgm:effectClrLst/>
-    <dgm:txLinClrLst/>
-    <dgm:txFillClrLst meth="repeat">
-      <a:schemeClr val="dk1"/>
-    </dgm:txFillClrLst>
-    <dgm:txEffectClrLst/>
-  </dgm:styleLbl>
-  <dgm:styleLbl name="solidFgAcc1">
-    <dgm:fillClrLst meth="repeat">
-      <a:schemeClr val="lt1"/>
-    </dgm:fillClrLst>
-    <dgm:linClrLst meth="repeat">
-      <a:schemeClr val="accent1"/>
-    </dgm:linClrLst>
-    <dgm:effectClrLst/>
-    <dgm:txLinClrLst/>
-    <dgm:txFillClrLst meth="repeat">
-      <a:schemeClr val="dk1"/>
-    </dgm:txFillClrLst>
-    <dgm:txEffectClrLst/>
-  </dgm:styleLbl>
-  <dgm:styleLbl name="solidAlignAcc1">
-    <dgm:fillClrLst meth="repeat">
-      <a:schemeClr val="lt1"/>
-    </dgm:fillClrLst>
-    <dgm:linClrLst meth="repeat">
-      <a:schemeClr val="accent1"/>
-    </dgm:linClrLst>
-    <dgm:effectClrLst/>
-    <dgm:txLinClrLst/>
-    <dgm:txFillClrLst meth="repeat">
-      <a:schemeClr val="dk1"/>
-    </dgm:txFillClrLst>
-    <dgm:txEffectClrLst/>
-  </dgm:styleLbl>
-  <dgm:styleLbl name="solidBgAcc1">
-    <dgm:fillClrLst meth="repeat">
-      <a:schemeClr val="lt1"/>
-    </dgm:fillClrLst>
-    <dgm:linClrLst meth="repeat">
-      <a:schemeClr val="accent1"/>
-    </dgm:linClrLst>
-    <dgm:effectClrLst/>
-    <dgm:txLinClrLst/>
-    <dgm:txFillClrLst meth="repeat">
-      <a:schemeClr val="dk1"/>
-    </dgm:txFillClrLst>
-    <dgm:txEffectClrLst/>
-  </dgm:styleLbl>
-  <dgm:styleLbl name="fgAccFollowNode1">
-    <dgm:fillClrLst meth="repeat">
-      <a:schemeClr val="accent1">
-        <a:alpha val="90000"/>
-        <a:tint val="40000"/>
-      </a:schemeClr>
-    </dgm:fillClrLst>
-    <dgm:linClrLst meth="repeat">
-      <a:schemeClr val="accent1">
-        <a:alpha val="90000"/>
-        <a:tint val="40000"/>
-      </a:schemeClr>
-    </dgm:linClrLst>
-    <dgm:effectClrLst/>
-    <dgm:txLinClrLst/>
-    <dgm:txFillClrLst meth="repeat">
-      <a:schemeClr val="dk1"/>
-    </dgm:txFillClrLst>
-    <dgm:txEffectClrLst/>
-  </dgm:styleLbl>
-  <dgm:styleLbl name="alignAccFollowNode1">
-    <dgm:fillClrLst meth="repeat">
-      <a:schemeClr val="accent1">
-        <a:alpha val="90000"/>
-        <a:tint val="40000"/>
-      </a:schemeClr>
-    </dgm:fillClrLst>
-    <dgm:linClrLst meth="repeat">
-      <a:schemeClr val="accent1">
-        <a:alpha val="90000"/>
-        <a:tint val="40000"/>
-      </a:schemeClr>
-    </dgm:linClrLst>
-    <dgm:effectClrLst/>
-    <dgm:txLinClrLst/>
-    <dgm:txFillClrLst meth="repeat">
-      <a:schemeClr val="dk1"/>
-    </dgm:txFillClrLst>
-    <dgm:txEffectClrLst/>
-  </dgm:styleLbl>
-  <dgm:styleLbl name="bgAccFollowNode1">
-    <dgm:fillClrLst meth="repeat">
-      <a:schemeClr val="accent1">
-        <a:alpha val="90000"/>
-        <a:tint val="40000"/>
-      </a:schemeClr>
-    </dgm:fillClrLst>
-    <dgm:linClrLst meth="repeat">
-      <a:schemeClr val="accent1">
-        <a:alpha val="90000"/>
-        <a:tint val="40000"/>
-      </a:schemeClr>
-    </dgm:linClrLst>
-    <dgm:effectClrLst/>
-    <dgm:txLinClrLst/>
-    <dgm:txFillClrLst meth="repeat">
-      <a:schemeClr val="dk1"/>
-    </dgm:txFillClrLst>
-    <dgm:txEffectClrLst/>
-  </dgm:styleLbl>
-  <dgm:styleLbl name="fgAcc0">
-    <dgm:fillClrLst meth="repeat">
-      <a:schemeClr val="lt1">
-        <a:alpha val="90000"/>
-      </a:schemeClr>
-    </dgm:fillClrLst>
-    <dgm:linClrLst meth="repeat">
-      <a:schemeClr val="accent1"/>
-    </dgm:linClrLst>
-    <dgm:effectClrLst/>
-    <dgm:txLinClrLst/>
-    <dgm:txFillClrLst meth="repeat">
-      <a:schemeClr val="dk1"/>
-    </dgm:txFillClrLst>
-    <dgm:txEffectClrLst/>
-  </dgm:styleLbl>
-  <dgm:styleLbl name="fgAcc2">
-    <dgm:fillClrLst meth="repeat">
-      <a:schemeClr val="lt1">
-        <a:alpha val="90000"/>
-      </a:schemeClr>
-    </dgm:fillClrLst>
-    <dgm:linClrLst meth="repeat">
-      <a:schemeClr val="accent1"/>
-    </dgm:linClrLst>
-    <dgm:effectClrLst/>
-    <dgm:txLinClrLst/>
-    <dgm:txFillClrLst meth="repeat">
-      <a:schemeClr val="dk1"/>
-    </dgm:txFillClrLst>
-    <dgm:txEffectClrLst/>
-  </dgm:styleLbl>
-  <dgm:styleLbl name="fgAcc3">
-    <dgm:fillClrLst meth="repeat">
-      <a:schemeClr val="lt1">
-        <a:alpha val="90000"/>
-      </a:schemeClr>
-    </dgm:fillClrLst>
-    <dgm:linClrLst meth="repeat">
-      <a:schemeClr val="accent1"/>
-    </dgm:linClrLst>
-    <dgm:effectClrLst/>
-    <dgm:txLinClrLst/>
-    <dgm:txFillClrLst meth="repeat">
-      <a:schemeClr val="dk1"/>
-    </dgm:txFillClrLst>
-    <dgm:txEffectClrLst/>
-  </dgm:styleLbl>
-  <dgm:styleLbl name="fgAcc4">
-    <dgm:fillClrLst meth="repeat">
-      <a:schemeClr val="lt1">
-        <a:alpha val="90000"/>
-      </a:schemeClr>
-    </dgm:fillClrLst>
-    <dgm:linClrLst meth="repeat">
-      <a:schemeClr val="accent1"/>
-    </dgm:linClrLst>
-    <dgm:effectClrLst/>
-    <dgm:txLinClrLst/>
-    <dgm:txFillClrLst meth="repeat">
-      <a:schemeClr val="dk1"/>
-    </dgm:txFillClrLst>
-    <dgm:txEffectClrLst/>
-  </dgm:styleLbl>
-  <dgm:styleLbl name="bgShp">
-    <dgm:fillClrLst meth="repeat">
-      <a:schemeClr val="accent1">
-        <a:tint val="40000"/>
-      </a:schemeClr>
-    </dgm:fillClrLst>
-    <dgm:linClrLst meth="repeat">
-      <a:schemeClr val="accent1"/>
-    </dgm:linClrLst>
-    <dgm:effectClrLst/>
-    <dgm:txLinClrLst/>
-    <dgm:txFillClrLst meth="repeat">
-      <a:schemeClr val="dk1"/>
-    </dgm:txFillClrLst>
-    <dgm:txEffectClrLst/>
-  </dgm:styleLbl>
-  <dgm:styleLbl name="dkBgShp">
-    <dgm:fillClrLst meth="repeat">
-      <a:schemeClr val="accent1">
-        <a:shade val="80000"/>
-      </a:schemeClr>
-    </dgm:fillClrLst>
-    <dgm:linClrLst meth="repeat">
-      <a:schemeClr val="accent1"/>
-    </dgm:linClrLst>
-    <dgm:effectClrLst/>
-    <dgm:txLinClrLst/>
-    <dgm:txFillClrLst meth="repeat">
-      <a:schemeClr val="lt1"/>
-    </dgm:txFillClrLst>
-    <dgm:txEffectClrLst/>
-  </dgm:styleLbl>
-  <dgm:styleLbl name="trBgShp">
-    <dgm:fillClrLst meth="repeat">
-      <a:schemeClr val="accent1">
-        <a:tint val="50000"/>
-        <a:alpha val="40000"/>
-      </a:schemeClr>
-    </dgm:fillClrLst>
-    <dgm:linClrLst meth="repeat">
-      <a:schemeClr val="accent1"/>
-    </dgm:linClrLst>
-    <dgm:effectClrLst/>
-    <dgm:txLinClrLst/>
-    <dgm:txFillClrLst meth="repeat">
-      <a:schemeClr val="lt1"/>
-    </dgm:txFillClrLst>
-    <dgm:txEffectClrLst/>
-  </dgm:styleLbl>
-  <dgm:styleLbl name="fgShp">
-    <dgm:fillClrLst meth="repeat">
-      <a:schemeClr val="accent1">
-        <a:tint val="60000"/>
-      </a:schemeClr>
-    </dgm:fillClrLst>
-    <dgm:linClrLst meth="repeat">
-      <a:schemeClr val="lt1"/>
-    </dgm:linClrLst>
-    <dgm:effectClrLst/>
-    <dgm:txLinClrLst/>
-    <dgm:txFillClrLst meth="repeat">
-      <a:schemeClr val="dk1"/>
-    </dgm:txFillClrLst>
-    <dgm:txEffectClrLst/>
-  </dgm:styleLbl>
-  <dgm:styleLbl name="revTx">
-    <dgm:fillClrLst meth="repeat">
-      <a:schemeClr val="lt1">
-        <a:alpha val="0"/>
-      </a:schemeClr>
-    </dgm:fillClrLst>
-    <dgm:linClrLst meth="repeat">
-      <a:schemeClr val="dk1">
-        <a:alpha val="0"/>
-      </a:schemeClr>
-    </dgm:linClrLst>
-    <dgm:effectClrLst/>
-    <dgm:txLinClrLst/>
-    <dgm:txFillClrLst meth="repeat">
-      <a:schemeClr val="tx1"/>
-    </dgm:txFillClrLst>
-    <dgm:txEffectClrLst/>
-  </dgm:styleLbl>
-</dgm:colorsDef>
-</file>
-
 <file path=ppt/diagrams/data1.xml><?xml version="1.0" encoding="utf-8"?>
 <dgm:dataModel xmlns:dgm="http://schemas.openxmlformats.org/drawingml/2006/diagram" xmlns:a="http://schemas.openxmlformats.org/drawingml/2006/main">
   <dgm:ptLst>
@@ -6954,14 +6209,14 @@
       </dgm:t>
     </dgm:pt>
     <dgm:pt modelId="{DF07074D-9BA1-4B05-8167-15C0931F38AC}">
-      <dgm:prSet/>
+      <dgm:prSet custT="1"/>
       <dgm:spPr/>
       <dgm:t>
         <a:bodyPr/>
         <a:lstStyle/>
         <a:p>
           <a:r>
-            <a:rPr lang="de-DE" dirty="0"/>
+            <a:rPr lang="de-DE" sz="2000" dirty="0"/>
             <a:t>Interaktion mit gesprochener Sprache</a:t>
           </a:r>
         </a:p>
@@ -6990,15 +6245,15 @@
       </dgm:t>
     </dgm:pt>
     <dgm:pt modelId="{9C668A5C-C6F6-477C-926F-513FDD19D807}">
-      <dgm:prSet/>
+      <dgm:prSet custT="1"/>
       <dgm:spPr/>
       <dgm:t>
         <a:bodyPr/>
         <a:lstStyle/>
         <a:p>
           <a:r>
-            <a:rPr lang="de-DE" dirty="0"/>
-            <a:t>geringes Vorwissen</a:t>
+            <a:rPr lang="de-DE" sz="2000" dirty="0"/>
+            <a:t>geringes Vorwissen nötig</a:t>
           </a:r>
         </a:p>
       </dgm:t>
@@ -7026,14 +6281,14 @@
       </dgm:t>
     </dgm:pt>
     <dgm:pt modelId="{3445A5B9-0C7C-4AF3-9F3D-6B2CEE6041E4}">
-      <dgm:prSet/>
+      <dgm:prSet custT="1"/>
       <dgm:spPr/>
       <dgm:t>
         <a:bodyPr/>
         <a:lstStyle/>
         <a:p>
           <a:r>
-            <a:rPr lang="de-DE" dirty="0"/>
+            <a:rPr lang="de-DE" sz="2000" dirty="0"/>
             <a:t>Nutzung auch mit motorischen Einschränkungen</a:t>
           </a:r>
         </a:p>
@@ -7062,15 +6317,15 @@
       </dgm:t>
     </dgm:pt>
     <dgm:pt modelId="{0B95CDD2-A358-45D9-B4FD-3206D5977520}">
-      <dgm:prSet/>
+      <dgm:prSet custT="1"/>
       <dgm:spPr/>
       <dgm:t>
         <a:bodyPr/>
         <a:lstStyle/>
         <a:p>
           <a:r>
-            <a:rPr lang="de-DE" dirty="0"/>
-            <a:t>universelles Konzept</a:t>
+            <a:rPr lang="de-DE" sz="2000" dirty="0"/>
+            <a:t>Konzept für Sprachsteuerung eines Assistenzroboters </a:t>
           </a:r>
         </a:p>
       </dgm:t>
@@ -7098,14 +6353,14 @@
       </dgm:t>
     </dgm:pt>
     <dgm:pt modelId="{A70894FE-986B-4374-8549-1F462FA89A8C}">
-      <dgm:prSet/>
+      <dgm:prSet custT="1"/>
       <dgm:spPr/>
       <dgm:t>
         <a:bodyPr/>
         <a:lstStyle/>
         <a:p>
           <a:r>
-            <a:rPr lang="de-DE" dirty="0"/>
+            <a:rPr lang="de-DE" sz="2000" dirty="0"/>
             <a:t>Schutz der Privatsphäre</a:t>
           </a:r>
         </a:p>
@@ -7134,14 +6389,14 @@
       </dgm:t>
     </dgm:pt>
     <dgm:pt modelId="{BEB35BA5-8F58-4BE7-87D4-B4C01948BE5D}">
-      <dgm:prSet/>
+      <dgm:prSet custT="1"/>
       <dgm:spPr/>
       <dgm:t>
         <a:bodyPr/>
         <a:lstStyle/>
         <a:p>
           <a:r>
-            <a:rPr lang="de-DE" dirty="0"/>
+            <a:rPr lang="de-DE" sz="2000" dirty="0"/>
             <a:t>Test mit Prototyp</a:t>
           </a:r>
         </a:p>
@@ -7286,249 +6541,6 @@
 <file path=ppt/diagrams/data2.xml><?xml version="1.0" encoding="utf-8"?>
 <dgm:dataModel xmlns:dgm="http://schemas.openxmlformats.org/drawingml/2006/diagram" xmlns:a="http://schemas.openxmlformats.org/drawingml/2006/main">
   <dgm:ptLst>
-    <dgm:pt modelId="{C29770AF-BC96-47DC-9DDA-DFA2A50DF8AD}" type="doc">
-      <dgm:prSet loTypeId="urn:microsoft.com/office/officeart/2005/8/layout/vList2" loCatId="list" qsTypeId="urn:microsoft.com/office/officeart/2005/8/quickstyle/simple1" qsCatId="simple" csTypeId="urn:microsoft.com/office/officeart/2005/8/colors/accent1_2" csCatId="accent1" phldr="1"/>
-      <dgm:spPr/>
-      <dgm:t>
-        <a:bodyPr/>
-        <a:lstStyle/>
-        <a:p>
-          <a:endParaRPr lang="de-DE"/>
-        </a:p>
-      </dgm:t>
-    </dgm:pt>
-    <dgm:pt modelId="{0F00EF19-60C3-46B4-A4CD-7D119C1BA512}">
-      <dgm:prSet phldrT="[Text]"/>
-      <dgm:spPr/>
-      <dgm:t>
-        <a:bodyPr/>
-        <a:lstStyle/>
-        <a:p>
-          <a:r>
-            <a:rPr lang="de-DE" dirty="0"/>
-            <a:t>Assistenzroboter</a:t>
-          </a:r>
-        </a:p>
-      </dgm:t>
-    </dgm:pt>
-    <dgm:pt modelId="{F4E2CB18-4F0E-465D-8E6A-76C0CA2514DD}" type="parTrans" cxnId="{296E4165-780A-43A8-85F7-19BBE141ED2F}">
-      <dgm:prSet/>
-      <dgm:spPr/>
-      <dgm:t>
-        <a:bodyPr/>
-        <a:lstStyle/>
-        <a:p>
-          <a:endParaRPr lang="de-DE"/>
-        </a:p>
-      </dgm:t>
-    </dgm:pt>
-    <dgm:pt modelId="{2A7FE31B-F696-437B-856B-B469C212D4AB}" type="sibTrans" cxnId="{296E4165-780A-43A8-85F7-19BBE141ED2F}">
-      <dgm:prSet/>
-      <dgm:spPr/>
-      <dgm:t>
-        <a:bodyPr/>
-        <a:lstStyle/>
-        <a:p>
-          <a:endParaRPr lang="de-DE"/>
-        </a:p>
-      </dgm:t>
-    </dgm:pt>
-    <dgm:pt modelId="{D645FAD9-24F6-4E29-923B-EA43FD36BFF7}">
-      <dgm:prSet phldrT="[Text]"/>
-      <dgm:spPr/>
-      <dgm:t>
-        <a:bodyPr/>
-        <a:lstStyle/>
-        <a:p>
-          <a:r>
-            <a:rPr lang="de-DE" dirty="0"/>
-            <a:t>(teil-)autonom</a:t>
-          </a:r>
-        </a:p>
-      </dgm:t>
-    </dgm:pt>
-    <dgm:pt modelId="{19FEBECE-720A-44DA-B897-CF17D2988F9C}" type="parTrans" cxnId="{9EF67F11-B7B7-471E-81D7-246BE20D4862}">
-      <dgm:prSet/>
-      <dgm:spPr/>
-      <dgm:t>
-        <a:bodyPr/>
-        <a:lstStyle/>
-        <a:p>
-          <a:endParaRPr lang="de-DE"/>
-        </a:p>
-      </dgm:t>
-    </dgm:pt>
-    <dgm:pt modelId="{3A3125BF-C817-4658-A640-BB90EB84263D}" type="sibTrans" cxnId="{9EF67F11-B7B7-471E-81D7-246BE20D4862}">
-      <dgm:prSet/>
-      <dgm:spPr/>
-      <dgm:t>
-        <a:bodyPr/>
-        <a:lstStyle/>
-        <a:p>
-          <a:endParaRPr lang="de-DE"/>
-        </a:p>
-      </dgm:t>
-    </dgm:pt>
-    <dgm:pt modelId="{338D88CB-FE8F-4857-9133-270654867B47}">
-      <dgm:prSet phldrT="[Text]"/>
-      <dgm:spPr/>
-      <dgm:t>
-        <a:bodyPr/>
-        <a:lstStyle/>
-        <a:p>
-          <a:r>
-            <a:rPr lang="de-DE" dirty="0"/>
-            <a:t>unterstützt Menschen</a:t>
-          </a:r>
-        </a:p>
-      </dgm:t>
-    </dgm:pt>
-    <dgm:pt modelId="{45A8C108-A371-4FC7-BE27-93BFE6831A52}" type="parTrans" cxnId="{DE8C7E84-A768-4D8B-887E-795898E0EDC7}">
-      <dgm:prSet/>
-      <dgm:spPr/>
-      <dgm:t>
-        <a:bodyPr/>
-        <a:lstStyle/>
-        <a:p>
-          <a:endParaRPr lang="de-DE"/>
-        </a:p>
-      </dgm:t>
-    </dgm:pt>
-    <dgm:pt modelId="{33C85E30-E532-4C91-807E-A0A3BD2AD4D1}" type="sibTrans" cxnId="{DE8C7E84-A768-4D8B-887E-795898E0EDC7}">
-      <dgm:prSet/>
-      <dgm:spPr/>
-      <dgm:t>
-        <a:bodyPr/>
-        <a:lstStyle/>
-        <a:p>
-          <a:endParaRPr lang="de-DE"/>
-        </a:p>
-      </dgm:t>
-    </dgm:pt>
-    <dgm:pt modelId="{F87FCF17-536E-4D14-8F0E-67B377101832}">
-      <dgm:prSet phldrT="[Text]"/>
-      <dgm:spPr/>
-      <dgm:t>
-        <a:bodyPr/>
-        <a:lstStyle/>
-        <a:p>
-          <a:r>
-            <a:rPr lang="de-DE" dirty="0"/>
-            <a:t>keine Produktion [Kar00]</a:t>
-          </a:r>
-        </a:p>
-      </dgm:t>
-    </dgm:pt>
-    <dgm:pt modelId="{5CF15917-9824-4787-A660-607002ADEAB2}" type="parTrans" cxnId="{5B9669D1-D05D-4A02-BF97-6E630C1B4B10}">
-      <dgm:prSet/>
-      <dgm:spPr/>
-      <dgm:t>
-        <a:bodyPr/>
-        <a:lstStyle/>
-        <a:p>
-          <a:endParaRPr lang="de-DE"/>
-        </a:p>
-      </dgm:t>
-    </dgm:pt>
-    <dgm:pt modelId="{95360F48-B064-4115-9989-C3BAB94B36EF}" type="sibTrans" cxnId="{5B9669D1-D05D-4A02-BF97-6E630C1B4B10}">
-      <dgm:prSet/>
-      <dgm:spPr/>
-      <dgm:t>
-        <a:bodyPr/>
-        <a:lstStyle/>
-        <a:p>
-          <a:endParaRPr lang="de-DE"/>
-        </a:p>
-      </dgm:t>
-    </dgm:pt>
-    <dgm:pt modelId="{AE1C4170-B8B4-4315-822C-74619EE95B8F}">
-      <dgm:prSet phldrT="[Text]"/>
-      <dgm:spPr/>
-      <dgm:t>
-        <a:bodyPr/>
-        <a:lstStyle/>
-        <a:p>
-          <a:endParaRPr lang="de-DE" dirty="0"/>
-        </a:p>
-      </dgm:t>
-    </dgm:pt>
-    <dgm:pt modelId="{B15E26DE-90F6-4786-A928-1BFCADF1253B}" type="parTrans" cxnId="{116240C4-80F0-412D-9396-DC316B3F0B6A}">
-      <dgm:prSet/>
-      <dgm:spPr/>
-      <dgm:t>
-        <a:bodyPr/>
-        <a:lstStyle/>
-        <a:p>
-          <a:endParaRPr lang="de-DE"/>
-        </a:p>
-      </dgm:t>
-    </dgm:pt>
-    <dgm:pt modelId="{926A2C05-1600-4C47-934E-88654268F785}" type="sibTrans" cxnId="{116240C4-80F0-412D-9396-DC316B3F0B6A}">
-      <dgm:prSet/>
-      <dgm:spPr/>
-      <dgm:t>
-        <a:bodyPr/>
-        <a:lstStyle/>
-        <a:p>
-          <a:endParaRPr lang="de-DE"/>
-        </a:p>
-      </dgm:t>
-    </dgm:pt>
-    <dgm:pt modelId="{003AEAB9-F4F7-4A56-B7A7-B3A19FA501D2}" type="pres">
-      <dgm:prSet presAssocID="{C29770AF-BC96-47DC-9DDA-DFA2A50DF8AD}" presName="linear" presStyleCnt="0">
-        <dgm:presLayoutVars>
-          <dgm:animLvl val="lvl"/>
-          <dgm:resizeHandles val="exact"/>
-        </dgm:presLayoutVars>
-      </dgm:prSet>
-      <dgm:spPr/>
-    </dgm:pt>
-    <dgm:pt modelId="{5614F034-8AB8-4EBE-ACDD-D0A46DD7C079}" type="pres">
-      <dgm:prSet presAssocID="{0F00EF19-60C3-46B4-A4CD-7D119C1BA512}" presName="parentText" presStyleLbl="node1" presStyleIdx="0" presStyleCnt="1" custLinFactNeighborY="3257">
-        <dgm:presLayoutVars>
-          <dgm:chMax val="0"/>
-          <dgm:bulletEnabled val="1"/>
-        </dgm:presLayoutVars>
-      </dgm:prSet>
-      <dgm:spPr/>
-    </dgm:pt>
-    <dgm:pt modelId="{F668552C-9D35-4361-88EF-2C54D5020D2A}" type="pres">
-      <dgm:prSet presAssocID="{0F00EF19-60C3-46B4-A4CD-7D119C1BA512}" presName="childText" presStyleLbl="revTx" presStyleIdx="0" presStyleCnt="1">
-        <dgm:presLayoutVars>
-          <dgm:bulletEnabled val="1"/>
-        </dgm:presLayoutVars>
-      </dgm:prSet>
-      <dgm:spPr/>
-    </dgm:pt>
-  </dgm:ptLst>
-  <dgm:cxnLst>
-    <dgm:cxn modelId="{3524F702-DA5F-415F-A846-BA33C4AA1791}" type="presOf" srcId="{D645FAD9-24F6-4E29-923B-EA43FD36BFF7}" destId="{F668552C-9D35-4361-88EF-2C54D5020D2A}" srcOrd="0" destOrd="0" presId="urn:microsoft.com/office/officeart/2005/8/layout/vList2"/>
-    <dgm:cxn modelId="{9EF67F11-B7B7-471E-81D7-246BE20D4862}" srcId="{0F00EF19-60C3-46B4-A4CD-7D119C1BA512}" destId="{D645FAD9-24F6-4E29-923B-EA43FD36BFF7}" srcOrd="0" destOrd="0" parTransId="{19FEBECE-720A-44DA-B897-CF17D2988F9C}" sibTransId="{3A3125BF-C817-4658-A640-BB90EB84263D}"/>
-    <dgm:cxn modelId="{FF471923-8FF0-40C0-BF60-2AC81D6B77AB}" type="presOf" srcId="{338D88CB-FE8F-4857-9133-270654867B47}" destId="{F668552C-9D35-4361-88EF-2C54D5020D2A}" srcOrd="0" destOrd="1" presId="urn:microsoft.com/office/officeart/2005/8/layout/vList2"/>
-    <dgm:cxn modelId="{EC74A143-2468-444C-B337-0C8A7ABA4A04}" type="presOf" srcId="{F87FCF17-536E-4D14-8F0E-67B377101832}" destId="{F668552C-9D35-4361-88EF-2C54D5020D2A}" srcOrd="0" destOrd="2" presId="urn:microsoft.com/office/officeart/2005/8/layout/vList2"/>
-    <dgm:cxn modelId="{296E4165-780A-43A8-85F7-19BBE141ED2F}" srcId="{C29770AF-BC96-47DC-9DDA-DFA2A50DF8AD}" destId="{0F00EF19-60C3-46B4-A4CD-7D119C1BA512}" srcOrd="0" destOrd="0" parTransId="{F4E2CB18-4F0E-465D-8E6A-76C0CA2514DD}" sibTransId="{2A7FE31B-F696-437B-856B-B469C212D4AB}"/>
-    <dgm:cxn modelId="{DE8C7E84-A768-4D8B-887E-795898E0EDC7}" srcId="{0F00EF19-60C3-46B4-A4CD-7D119C1BA512}" destId="{338D88CB-FE8F-4857-9133-270654867B47}" srcOrd="1" destOrd="0" parTransId="{45A8C108-A371-4FC7-BE27-93BFE6831A52}" sibTransId="{33C85E30-E532-4C91-807E-A0A3BD2AD4D1}"/>
-    <dgm:cxn modelId="{13691E98-D289-4C76-BDCF-A2460E5D4600}" type="presOf" srcId="{C29770AF-BC96-47DC-9DDA-DFA2A50DF8AD}" destId="{003AEAB9-F4F7-4A56-B7A7-B3A19FA501D2}" srcOrd="0" destOrd="0" presId="urn:microsoft.com/office/officeart/2005/8/layout/vList2"/>
-    <dgm:cxn modelId="{99F7CDAA-1BD3-4020-8C26-50CC4736473E}" type="presOf" srcId="{AE1C4170-B8B4-4315-822C-74619EE95B8F}" destId="{F668552C-9D35-4361-88EF-2C54D5020D2A}" srcOrd="0" destOrd="3" presId="urn:microsoft.com/office/officeart/2005/8/layout/vList2"/>
-    <dgm:cxn modelId="{BC9552BE-6F01-4914-9BD8-8A4CFE86BE66}" type="presOf" srcId="{0F00EF19-60C3-46B4-A4CD-7D119C1BA512}" destId="{5614F034-8AB8-4EBE-ACDD-D0A46DD7C079}" srcOrd="0" destOrd="0" presId="urn:microsoft.com/office/officeart/2005/8/layout/vList2"/>
-    <dgm:cxn modelId="{116240C4-80F0-412D-9396-DC316B3F0B6A}" srcId="{0F00EF19-60C3-46B4-A4CD-7D119C1BA512}" destId="{AE1C4170-B8B4-4315-822C-74619EE95B8F}" srcOrd="3" destOrd="0" parTransId="{B15E26DE-90F6-4786-A928-1BFCADF1253B}" sibTransId="{926A2C05-1600-4C47-934E-88654268F785}"/>
-    <dgm:cxn modelId="{5B9669D1-D05D-4A02-BF97-6E630C1B4B10}" srcId="{0F00EF19-60C3-46B4-A4CD-7D119C1BA512}" destId="{F87FCF17-536E-4D14-8F0E-67B377101832}" srcOrd="2" destOrd="0" parTransId="{5CF15917-9824-4787-A660-607002ADEAB2}" sibTransId="{95360F48-B064-4115-9989-C3BAB94B36EF}"/>
-    <dgm:cxn modelId="{C30816BA-3B33-420A-9457-D0D24F8F2583}" type="presParOf" srcId="{003AEAB9-F4F7-4A56-B7A7-B3A19FA501D2}" destId="{5614F034-8AB8-4EBE-ACDD-D0A46DD7C079}" srcOrd="0" destOrd="0" presId="urn:microsoft.com/office/officeart/2005/8/layout/vList2"/>
-    <dgm:cxn modelId="{02A9CE5F-4FBE-46F4-9675-A797724F13BA}" type="presParOf" srcId="{003AEAB9-F4F7-4A56-B7A7-B3A19FA501D2}" destId="{F668552C-9D35-4361-88EF-2C54D5020D2A}" srcOrd="1" destOrd="0" presId="urn:microsoft.com/office/officeart/2005/8/layout/vList2"/>
-  </dgm:cxnLst>
-  <dgm:bg/>
-  <dgm:whole/>
-  <dgm:extLst>
-    <a:ext uri="http://schemas.microsoft.com/office/drawing/2008/diagram">
-      <dsp:dataModelExt xmlns:dsp="http://schemas.microsoft.com/office/drawing/2008/diagram" relId="rId6" minVer="http://schemas.openxmlformats.org/drawingml/2006/diagram"/>
-    </a:ext>
-  </dgm:extLst>
-</dgm:dataModel>
-</file>
-
-<file path=ppt/diagrams/data3.xml><?xml version="1.0" encoding="utf-8"?>
-<dgm:dataModel xmlns:dgm="http://schemas.openxmlformats.org/drawingml/2006/diagram" xmlns:a="http://schemas.openxmlformats.org/drawingml/2006/main">
-  <dgm:ptLst>
     <dgm:pt modelId="{98178139-093B-4885-9A8E-2F97EBF3C515}" type="doc">
       <dgm:prSet loTypeId="urn:microsoft.com/office/officeart/2008/layout/PictureStrips" loCatId="list" qsTypeId="urn:microsoft.com/office/officeart/2005/8/quickstyle/simple1" qsCatId="simple" csTypeId="urn:microsoft.com/office/officeart/2005/8/colors/accent1_2" csCatId="accent1" phldr="1"/>
       <dgm:spPr/>
@@ -7541,14 +6553,14 @@
       </dgm:t>
     </dgm:pt>
     <dgm:pt modelId="{E6C9F924-505E-445F-A62B-9456AA9EBAB4}">
-      <dgm:prSet/>
+      <dgm:prSet custT="1"/>
       <dgm:spPr/>
       <dgm:t>
         <a:bodyPr/>
         <a:lstStyle/>
         <a:p>
           <a:r>
-            <a:rPr lang="de-DE" dirty="0"/>
+            <a:rPr lang="de-DE" sz="2000" dirty="0"/>
             <a:t>Pflege von Patienten</a:t>
           </a:r>
         </a:p>
@@ -7577,15 +6589,15 @@
       </dgm:t>
     </dgm:pt>
     <dgm:pt modelId="{1BB0C428-A73A-4513-B171-5043A833A4FE}">
-      <dgm:prSet/>
+      <dgm:prSet custT="1"/>
       <dgm:spPr/>
       <dgm:t>
         <a:bodyPr/>
         <a:lstStyle/>
         <a:p>
           <a:r>
-            <a:rPr lang="de-DE" dirty="0"/>
-            <a:t>Unabhängigkeit der Patienten</a:t>
+            <a:rPr lang="de-DE" sz="2000" dirty="0"/>
+            <a:t>Unabhängigkeit/ Eigenständigkeit der Patienten</a:t>
           </a:r>
         </a:p>
       </dgm:t>
@@ -7613,16 +6625,17 @@
       </dgm:t>
     </dgm:pt>
     <dgm:pt modelId="{F5539D45-2927-4F59-9113-F505DB212276}">
-      <dgm:prSet/>
+      <dgm:prSet custT="1"/>
       <dgm:spPr/>
       <dgm:t>
         <a:bodyPr/>
         <a:lstStyle/>
         <a:p>
           <a:r>
-            <a:rPr lang="de-DE" dirty="0"/>
+            <a:rPr lang="de-DE" sz="2000" dirty="0"/>
             <a:t>Mobilitätshilfe</a:t>
           </a:r>
+          <a:endParaRPr lang="de-DE" sz="3000" dirty="0"/>
         </a:p>
       </dgm:t>
     </dgm:pt>
@@ -7649,14 +6662,14 @@
       </dgm:t>
     </dgm:pt>
     <dgm:pt modelId="{882E1440-09D9-4A94-A05D-48D579947211}">
-      <dgm:prSet/>
+      <dgm:prSet custT="1"/>
       <dgm:spPr/>
       <dgm:t>
         <a:bodyPr/>
         <a:lstStyle/>
         <a:p>
           <a:r>
-            <a:rPr lang="de-DE" dirty="0"/>
+            <a:rPr lang="de-DE" sz="2000" dirty="0"/>
             <a:t>Haushaltshilfe (z.B. Bodenreinigung)</a:t>
           </a:r>
         </a:p>
@@ -7685,16 +6698,17 @@
       </dgm:t>
     </dgm:pt>
     <dgm:pt modelId="{830AC063-D972-4AFE-BCDA-9B26E23F3F2B}">
-      <dgm:prSet/>
+      <dgm:prSet custT="1"/>
       <dgm:spPr/>
       <dgm:t>
         <a:bodyPr/>
         <a:lstStyle/>
         <a:p>
           <a:r>
-            <a:rPr lang="de-DE" dirty="0"/>
+            <a:rPr lang="de-DE" sz="2000" dirty="0"/>
             <a:t>Navigationshilfe</a:t>
           </a:r>
+          <a:endParaRPr lang="de-DE" sz="3000" dirty="0"/>
         </a:p>
       </dgm:t>
     </dgm:pt>
@@ -7941,11 +6955,11 @@
 </dgm:dataModel>
 </file>
 
-<file path=ppt/diagrams/data4.xml><?xml version="1.0" encoding="utf-8"?>
+<file path=ppt/diagrams/data3.xml><?xml version="1.0" encoding="utf-8"?>
 <dgm:dataModel xmlns:dgm="http://schemas.openxmlformats.org/drawingml/2006/diagram" xmlns:a="http://schemas.openxmlformats.org/drawingml/2006/main">
   <dgm:ptLst>
     <dgm:pt modelId="{F244C66F-8689-4AF8-9771-8AEF1471ABC5}" type="doc">
-      <dgm:prSet loTypeId="urn:microsoft.com/office/officeart/2005/8/layout/vList4" loCatId="list" qsTypeId="urn:microsoft.com/office/officeart/2005/8/quickstyle/simple1" qsCatId="simple" csTypeId="urn:microsoft.com/office/officeart/2005/8/colors/accent1_2" csCatId="accent1" phldr="1"/>
+      <dgm:prSet loTypeId="urn:microsoft.com/office/officeart/2005/8/layout/default" loCatId="list" qsTypeId="urn:microsoft.com/office/officeart/2005/8/quickstyle/simple1" qsCatId="simple" csTypeId="urn:microsoft.com/office/officeart/2005/8/colors/accent1_2" csCatId="accent1" phldr="1"/>
       <dgm:spPr/>
       <dgm:t>
         <a:bodyPr/>
@@ -7956,14 +6970,14 @@
       </dgm:t>
     </dgm:pt>
     <dgm:pt modelId="{1525DACB-A18F-4EEA-AFEC-314E5F7A12AA}">
-      <dgm:prSet/>
+      <dgm:prSet custT="1"/>
       <dgm:spPr/>
       <dgm:t>
         <a:bodyPr/>
         <a:lstStyle/>
         <a:p>
           <a:r>
-            <a:rPr lang="de-DE" dirty="0"/>
+            <a:rPr lang="de-DE" sz="2000" dirty="0"/>
             <a:t>Drehung</a:t>
           </a:r>
         </a:p>
@@ -7992,14 +7006,14 @@
       </dgm:t>
     </dgm:pt>
     <dgm:pt modelId="{1D70E854-6D44-486E-9391-16182549EA95}">
-      <dgm:prSet/>
+      <dgm:prSet custT="1"/>
       <dgm:spPr/>
       <dgm:t>
         <a:bodyPr/>
         <a:lstStyle/>
         <a:p>
           <a:r>
-            <a:rPr lang="de-DE" dirty="0"/>
+            <a:rPr lang="de-DE" sz="2000" dirty="0"/>
             <a:t>zu Raum fahren</a:t>
           </a:r>
         </a:p>
@@ -8028,16 +7042,25 @@
       </dgm:t>
     </dgm:pt>
     <dgm:pt modelId="{80DB2653-14C9-42C5-918A-A43166DEC571}">
-      <dgm:prSet/>
+      <dgm:prSet custT="1"/>
       <dgm:spPr/>
       <dgm:t>
         <a:bodyPr/>
         <a:lstStyle/>
         <a:p>
           <a:r>
-            <a:rPr lang="de-DE" dirty="0"/>
-            <a:t>Gegenstand bringen</a:t>
+            <a:rPr lang="de-DE" sz="2000" dirty="0"/>
+            <a:t>Gegenstand</a:t>
           </a:r>
+          <a:r>
+            <a:rPr lang="de-DE" sz="3400" dirty="0"/>
+            <a:t> </a:t>
+          </a:r>
+          <a:r>
+            <a:rPr lang="de-DE" sz="2000" dirty="0"/>
+            <a:t>liefern</a:t>
+          </a:r>
+          <a:endParaRPr lang="de-DE" sz="3400" dirty="0"/>
         </a:p>
       </dgm:t>
     </dgm:pt>
@@ -8064,14 +7087,14 @@
       </dgm:t>
     </dgm:pt>
     <dgm:pt modelId="{9AAF7EDF-010A-403B-8A8F-EC447D92068B}">
-      <dgm:prSet/>
+      <dgm:prSet custT="1"/>
       <dgm:spPr/>
       <dgm:t>
         <a:bodyPr/>
         <a:lstStyle/>
         <a:p>
           <a:r>
-            <a:rPr lang="de-DE" dirty="0"/>
+            <a:rPr lang="de-DE" sz="2000" dirty="0"/>
             <a:t>Nutzer ansprechen</a:t>
           </a:r>
         </a:p>
@@ -8100,14 +7123,14 @@
       </dgm:t>
     </dgm:pt>
     <dgm:pt modelId="{D0072536-10E4-4A46-AD9B-80A589F17BE9}">
-      <dgm:prSet/>
+      <dgm:prSet custT="1"/>
       <dgm:spPr/>
       <dgm:t>
         <a:bodyPr/>
         <a:lstStyle/>
         <a:p>
           <a:r>
-            <a:rPr lang="de-DE" dirty="0"/>
+            <a:rPr lang="de-DE" sz="2000" dirty="0"/>
             <a:t>aus dem Weg fahren</a:t>
           </a:r>
         </a:p>
@@ -8136,15 +7159,19 @@
       </dgm:t>
     </dgm:pt>
     <dgm:pt modelId="{7DE40D7B-5F0E-469D-8197-57EED7EC3688}">
-      <dgm:prSet/>
+      <dgm:prSet custT="1"/>
       <dgm:spPr/>
       <dgm:t>
         <a:bodyPr/>
         <a:lstStyle/>
         <a:p>
           <a:r>
-            <a:rPr lang="de-DE" dirty="0"/>
-            <a:t> zurückkehren</a:t>
+            <a:rPr lang="de-DE" sz="3400" dirty="0"/>
+            <a:t> </a:t>
+          </a:r>
+          <a:r>
+            <a:rPr lang="de-DE" sz="2000" dirty="0"/>
+            <a:t>zurückkehren</a:t>
           </a:r>
         </a:p>
       </dgm:t>
@@ -8171,8 +7198,8 @@
         </a:p>
       </dgm:t>
     </dgm:pt>
-    <dgm:pt modelId="{CE19517B-084F-4604-9085-D407AE9D4D44}" type="pres">
-      <dgm:prSet presAssocID="{F244C66F-8689-4AF8-9771-8AEF1471ABC5}" presName="linear" presStyleCnt="0">
+    <dgm:pt modelId="{0222E18B-024D-425D-863A-F942E67B25B7}" type="pres">
+      <dgm:prSet presAssocID="{F244C66F-8689-4AF8-9771-8AEF1471ABC5}" presName="diagram" presStyleCnt="0">
         <dgm:presLayoutVars>
           <dgm:dir/>
           <dgm:resizeHandles val="exact"/>
@@ -8180,245 +7207,68 @@
       </dgm:prSet>
       <dgm:spPr/>
     </dgm:pt>
-    <dgm:pt modelId="{F42BE03A-9474-4D65-AA59-A9DF34D66A13}" type="pres">
-      <dgm:prSet presAssocID="{1525DACB-A18F-4EEA-AFEC-314E5F7A12AA}" presName="comp" presStyleCnt="0"/>
-      <dgm:spPr/>
-    </dgm:pt>
-    <dgm:pt modelId="{5A8A1DA8-9E7C-4899-9767-80EAD0D379B3}" type="pres">
-      <dgm:prSet presAssocID="{1525DACB-A18F-4EEA-AFEC-314E5F7A12AA}" presName="box" presStyleLbl="node1" presStyleIdx="0" presStyleCnt="6"/>
-      <dgm:spPr/>
-    </dgm:pt>
-    <dgm:pt modelId="{55916C73-BD82-4317-82F7-BAD3663A7FE9}" type="pres">
-      <dgm:prSet presAssocID="{1525DACB-A18F-4EEA-AFEC-314E5F7A12AA}" presName="img" presStyleLbl="fgImgPlace1" presStyleIdx="0" presStyleCnt="6" custScaleX="57625" custScaleY="118824"/>
-      <dgm:spPr>
-        <a:blipFill>
-          <a:blip xmlns:r="http://schemas.openxmlformats.org/officeDocument/2006/relationships" r:embed="rId1" cstate="print">
-            <a:extLst>
-              <a:ext uri="{28A0092B-C50C-407E-A947-70E740481C1C}">
-                <a14:useLocalDpi xmlns:a14="http://schemas.microsoft.com/office/drawing/2010/main" val="0"/>
-              </a:ext>
-              <a:ext uri="{837473B0-CC2E-450A-ABE3-18F120FF3D39}">
-                <a1611:picAttrSrcUrl xmlns:a1611="http://schemas.microsoft.com/office/drawing/2016/11/main" r:id="rId2"/>
-              </a:ext>
-            </a:extLst>
-          </a:blip>
-          <a:srcRect/>
-          <a:stretch>
-            <a:fillRect/>
-          </a:stretch>
-        </a:blipFill>
-      </dgm:spPr>
-    </dgm:pt>
-    <dgm:pt modelId="{6D45F132-869C-4D39-990F-2EB94BC796CD}" type="pres">
-      <dgm:prSet presAssocID="{1525DACB-A18F-4EEA-AFEC-314E5F7A12AA}" presName="text" presStyleLbl="node1" presStyleIdx="0" presStyleCnt="6">
+    <dgm:pt modelId="{AE6B4B18-E717-4FB2-82EB-37051C5CEDC0}" type="pres">
+      <dgm:prSet presAssocID="{1525DACB-A18F-4EEA-AFEC-314E5F7A12AA}" presName="node" presStyleLbl="node1" presStyleIdx="0" presStyleCnt="6">
         <dgm:presLayoutVars>
           <dgm:bulletEnabled val="1"/>
         </dgm:presLayoutVars>
       </dgm:prSet>
       <dgm:spPr/>
     </dgm:pt>
-    <dgm:pt modelId="{BC7511A1-A0E3-45DF-9751-878E4466100C}" type="pres">
-      <dgm:prSet presAssocID="{2A40B089-9F55-44E6-A586-A7F697305F97}" presName="spacer" presStyleCnt="0"/>
+    <dgm:pt modelId="{34C0D402-5910-4CB8-9EBB-0CAF023DE690}" type="pres">
+      <dgm:prSet presAssocID="{2A40B089-9F55-44E6-A586-A7F697305F97}" presName="sibTrans" presStyleCnt="0"/>
       <dgm:spPr/>
     </dgm:pt>
-    <dgm:pt modelId="{A6E59C19-98FC-4758-9022-F510537D71CF}" type="pres">
-      <dgm:prSet presAssocID="{1D70E854-6D44-486E-9391-16182549EA95}" presName="comp" presStyleCnt="0"/>
-      <dgm:spPr/>
-    </dgm:pt>
-    <dgm:pt modelId="{2E1F9F8A-60C2-4F3E-B7AA-84D1CF9636C0}" type="pres">
-      <dgm:prSet presAssocID="{1D70E854-6D44-486E-9391-16182549EA95}" presName="box" presStyleLbl="node1" presStyleIdx="1" presStyleCnt="6"/>
-      <dgm:spPr/>
-    </dgm:pt>
-    <dgm:pt modelId="{9C3E831E-00D7-4E00-AE6A-F8569392BC94}" type="pres">
-      <dgm:prSet presAssocID="{1D70E854-6D44-486E-9391-16182549EA95}" presName="img" presStyleLbl="fgImgPlace1" presStyleIdx="1" presStyleCnt="6" custScaleX="55581" custScaleY="125836" custLinFactNeighborX="514" custLinFactNeighborY="148"/>
-      <dgm:spPr>
-        <a:blipFill>
-          <a:blip xmlns:r="http://schemas.openxmlformats.org/officeDocument/2006/relationships" r:embed="rId3">
-            <a:extLst>
-              <a:ext uri="{28A0092B-C50C-407E-A947-70E740481C1C}">
-                <a14:useLocalDpi xmlns:a14="http://schemas.microsoft.com/office/drawing/2010/main" val="0"/>
-              </a:ext>
-              <a:ext uri="{837473B0-CC2E-450A-ABE3-18F120FF3D39}">
-                <a1611:picAttrSrcUrl xmlns:a1611="http://schemas.microsoft.com/office/drawing/2016/11/main" r:id="rId4"/>
-              </a:ext>
-            </a:extLst>
-          </a:blip>
-          <a:srcRect/>
-          <a:stretch>
-            <a:fillRect t="-2000" b="-2000"/>
-          </a:stretch>
-        </a:blipFill>
-      </dgm:spPr>
-    </dgm:pt>
-    <dgm:pt modelId="{8914F8CE-FD19-4599-B42F-6302CF35F85B}" type="pres">
-      <dgm:prSet presAssocID="{1D70E854-6D44-486E-9391-16182549EA95}" presName="text" presStyleLbl="node1" presStyleIdx="1" presStyleCnt="6">
+    <dgm:pt modelId="{97D252E8-08D1-42A7-903A-65C0885F16B8}" type="pres">
+      <dgm:prSet presAssocID="{1D70E854-6D44-486E-9391-16182549EA95}" presName="node" presStyleLbl="node1" presStyleIdx="1" presStyleCnt="6">
         <dgm:presLayoutVars>
           <dgm:bulletEnabled val="1"/>
         </dgm:presLayoutVars>
       </dgm:prSet>
       <dgm:spPr/>
     </dgm:pt>
-    <dgm:pt modelId="{9B712E0B-CAAC-4520-AD33-C4E69CCC4086}" type="pres">
-      <dgm:prSet presAssocID="{1143893E-B73B-4355-A7D7-C1C02CB21AA6}" presName="spacer" presStyleCnt="0"/>
+    <dgm:pt modelId="{F5E587C8-AD1A-41D9-AEDD-A6E146561258}" type="pres">
+      <dgm:prSet presAssocID="{1143893E-B73B-4355-A7D7-C1C02CB21AA6}" presName="sibTrans" presStyleCnt="0"/>
       <dgm:spPr/>
     </dgm:pt>
-    <dgm:pt modelId="{E1B6AF08-5C4A-4180-866F-8FC5C29D9F4C}" type="pres">
-      <dgm:prSet presAssocID="{80DB2653-14C9-42C5-918A-A43166DEC571}" presName="comp" presStyleCnt="0"/>
-      <dgm:spPr/>
-    </dgm:pt>
-    <dgm:pt modelId="{65370D36-8F29-456D-8093-A833EE93C515}" type="pres">
-      <dgm:prSet presAssocID="{80DB2653-14C9-42C5-918A-A43166DEC571}" presName="box" presStyleLbl="node1" presStyleIdx="2" presStyleCnt="6"/>
-      <dgm:spPr/>
-    </dgm:pt>
-    <dgm:pt modelId="{935385C0-FF92-4465-AFF5-AB9B97A02B00}" type="pres">
-      <dgm:prSet presAssocID="{80DB2653-14C9-42C5-918A-A43166DEC571}" presName="img" presStyleLbl="fgImgPlace1" presStyleIdx="2" presStyleCnt="6" custScaleX="54567" custScaleY="126564" custLinFactNeighborX="1543" custLinFactNeighborY="2690"/>
-      <dgm:spPr>
-        <a:blipFill>
-          <a:blip xmlns:r="http://schemas.openxmlformats.org/officeDocument/2006/relationships" r:embed="rId5">
-            <a:extLst>
-              <a:ext uri="{28A0092B-C50C-407E-A947-70E740481C1C}">
-                <a14:useLocalDpi xmlns:a14="http://schemas.microsoft.com/office/drawing/2010/main" val="0"/>
-              </a:ext>
-              <a:ext uri="{96DAC541-7B7A-43D3-8B79-37D633B846F1}">
-                <asvg:svgBlip xmlns:asvg="http://schemas.microsoft.com/office/drawing/2016/SVG/main" r:embed="rId6"/>
-              </a:ext>
-              <a:ext uri="{837473B0-CC2E-450A-ABE3-18F120FF3D39}">
-                <a1611:picAttrSrcUrl xmlns:a1611="http://schemas.microsoft.com/office/drawing/2016/11/main" r:id="rId7"/>
-              </a:ext>
-            </a:extLst>
-          </a:blip>
-          <a:srcRect/>
-          <a:stretch>
-            <a:fillRect/>
-          </a:stretch>
-        </a:blipFill>
-      </dgm:spPr>
-    </dgm:pt>
-    <dgm:pt modelId="{B9FBB381-4E42-477E-86BA-AAC1394A3314}" type="pres">
-      <dgm:prSet presAssocID="{80DB2653-14C9-42C5-918A-A43166DEC571}" presName="text" presStyleLbl="node1" presStyleIdx="2" presStyleCnt="6">
+    <dgm:pt modelId="{E057935C-C005-45EB-A0A9-A96D815C253E}" type="pres">
+      <dgm:prSet presAssocID="{80DB2653-14C9-42C5-918A-A43166DEC571}" presName="node" presStyleLbl="node1" presStyleIdx="2" presStyleCnt="6">
         <dgm:presLayoutVars>
           <dgm:bulletEnabled val="1"/>
         </dgm:presLayoutVars>
       </dgm:prSet>
       <dgm:spPr/>
     </dgm:pt>
-    <dgm:pt modelId="{04DB7B21-09C7-4872-A190-471AC6461AB9}" type="pres">
-      <dgm:prSet presAssocID="{3235B9AF-CB5E-4235-A526-7D39A24E7A58}" presName="spacer" presStyleCnt="0"/>
+    <dgm:pt modelId="{E43D385D-3B04-451A-B4C6-2736413CEB7B}" type="pres">
+      <dgm:prSet presAssocID="{3235B9AF-CB5E-4235-A526-7D39A24E7A58}" presName="sibTrans" presStyleCnt="0"/>
       <dgm:spPr/>
     </dgm:pt>
-    <dgm:pt modelId="{E36B2C12-F66D-4C37-BF4B-45EADEEABB90}" type="pres">
-      <dgm:prSet presAssocID="{9AAF7EDF-010A-403B-8A8F-EC447D92068B}" presName="comp" presStyleCnt="0"/>
-      <dgm:spPr/>
-    </dgm:pt>
-    <dgm:pt modelId="{2ECE8B53-FE1A-4DA5-B643-FA3EB9D3FACC}" type="pres">
-      <dgm:prSet presAssocID="{9AAF7EDF-010A-403B-8A8F-EC447D92068B}" presName="box" presStyleLbl="node1" presStyleIdx="3" presStyleCnt="6"/>
-      <dgm:spPr/>
-    </dgm:pt>
-    <dgm:pt modelId="{0937F075-AB43-4E41-87E5-E4FEC977574A}" type="pres">
-      <dgm:prSet presAssocID="{9AAF7EDF-010A-403B-8A8F-EC447D92068B}" presName="img" presStyleLbl="fgImgPlace1" presStyleIdx="3" presStyleCnt="6" custScaleX="58162" custScaleY="117936" custLinFactNeighborX="2573" custLinFactNeighborY="1976"/>
-      <dgm:spPr>
-        <a:blipFill>
-          <a:blip xmlns:r="http://schemas.openxmlformats.org/officeDocument/2006/relationships" r:embed="rId8">
-            <a:extLst>
-              <a:ext uri="{28A0092B-C50C-407E-A947-70E740481C1C}">
-                <a14:useLocalDpi xmlns:a14="http://schemas.microsoft.com/office/drawing/2010/main" val="0"/>
-              </a:ext>
-              <a:ext uri="{837473B0-CC2E-450A-ABE3-18F120FF3D39}">
-                <a1611:picAttrSrcUrl xmlns:a1611="http://schemas.microsoft.com/office/drawing/2016/11/main" r:id="rId9"/>
-              </a:ext>
-            </a:extLst>
-          </a:blip>
-          <a:srcRect/>
-          <a:stretch>
-            <a:fillRect/>
-          </a:stretch>
-        </a:blipFill>
-      </dgm:spPr>
-    </dgm:pt>
-    <dgm:pt modelId="{07DD7521-E1B3-4D73-BB09-786326438B83}" type="pres">
-      <dgm:prSet presAssocID="{9AAF7EDF-010A-403B-8A8F-EC447D92068B}" presName="text" presStyleLbl="node1" presStyleIdx="3" presStyleCnt="6">
+    <dgm:pt modelId="{B64FF374-1A7A-414E-A490-A3977AB0829C}" type="pres">
+      <dgm:prSet presAssocID="{9AAF7EDF-010A-403B-8A8F-EC447D92068B}" presName="node" presStyleLbl="node1" presStyleIdx="3" presStyleCnt="6">
         <dgm:presLayoutVars>
           <dgm:bulletEnabled val="1"/>
         </dgm:presLayoutVars>
       </dgm:prSet>
       <dgm:spPr/>
     </dgm:pt>
-    <dgm:pt modelId="{A215117E-F621-4EE7-A871-09F1D9F299B4}" type="pres">
-      <dgm:prSet presAssocID="{1F60F31B-B8EF-480E-A9FB-5D8BA9FBD3C8}" presName="spacer" presStyleCnt="0"/>
+    <dgm:pt modelId="{C10FF6BB-3FE3-41B1-9B3A-AE3771925FE2}" type="pres">
+      <dgm:prSet presAssocID="{1F60F31B-B8EF-480E-A9FB-5D8BA9FBD3C8}" presName="sibTrans" presStyleCnt="0"/>
       <dgm:spPr/>
     </dgm:pt>
-    <dgm:pt modelId="{747362E0-BB4F-4903-B04C-0E33770CA9F1}" type="pres">
-      <dgm:prSet presAssocID="{D0072536-10E4-4A46-AD9B-80A589F17BE9}" presName="comp" presStyleCnt="0"/>
-      <dgm:spPr/>
-    </dgm:pt>
-    <dgm:pt modelId="{E2B15E2C-D24E-4F2A-948E-582842B35933}" type="pres">
-      <dgm:prSet presAssocID="{D0072536-10E4-4A46-AD9B-80A589F17BE9}" presName="box" presStyleLbl="node1" presStyleIdx="4" presStyleCnt="6"/>
-      <dgm:spPr/>
-    </dgm:pt>
-    <dgm:pt modelId="{0B90FDD1-1C90-4F97-B970-EDE63D615DAD}" type="pres">
-      <dgm:prSet presAssocID="{D0072536-10E4-4A46-AD9B-80A589F17BE9}" presName="img" presStyleLbl="fgImgPlace1" presStyleIdx="4" presStyleCnt="6" custScaleX="56116" custScaleY="120057" custLinFactNeighborX="3086" custLinFactNeighborY="1553"/>
-      <dgm:spPr>
-        <a:blipFill>
-          <a:blip xmlns:r="http://schemas.openxmlformats.org/officeDocument/2006/relationships" r:embed="rId10" cstate="print">
-            <a:extLst>
-              <a:ext uri="{28A0092B-C50C-407E-A947-70E740481C1C}">
-                <a14:useLocalDpi xmlns:a14="http://schemas.microsoft.com/office/drawing/2010/main" val="0"/>
-              </a:ext>
-              <a:ext uri="{837473B0-CC2E-450A-ABE3-18F120FF3D39}">
-                <a1611:picAttrSrcUrl xmlns:a1611="http://schemas.microsoft.com/office/drawing/2016/11/main" r:id="rId11"/>
-              </a:ext>
-            </a:extLst>
-          </a:blip>
-          <a:srcRect/>
-          <a:stretch>
-            <a:fillRect l="-7000" r="-7000"/>
-          </a:stretch>
-        </a:blipFill>
-      </dgm:spPr>
-    </dgm:pt>
-    <dgm:pt modelId="{9223E8F1-A9FF-477E-A08C-B620EB7D8192}" type="pres">
-      <dgm:prSet presAssocID="{D0072536-10E4-4A46-AD9B-80A589F17BE9}" presName="text" presStyleLbl="node1" presStyleIdx="4" presStyleCnt="6">
+    <dgm:pt modelId="{DD04B52B-0415-43B2-B56F-F8F11748AA58}" type="pres">
+      <dgm:prSet presAssocID="{D0072536-10E4-4A46-AD9B-80A589F17BE9}" presName="node" presStyleLbl="node1" presStyleIdx="4" presStyleCnt="6">
         <dgm:presLayoutVars>
           <dgm:bulletEnabled val="1"/>
         </dgm:presLayoutVars>
       </dgm:prSet>
       <dgm:spPr/>
     </dgm:pt>
-    <dgm:pt modelId="{95EA36FD-26FC-4381-A384-777707D53C19}" type="pres">
-      <dgm:prSet presAssocID="{639FD2FD-0B6E-4A2D-80F9-7A12F4248603}" presName="spacer" presStyleCnt="0"/>
+    <dgm:pt modelId="{CBDD3B9B-0948-4D0D-9366-83D35041BC8A}" type="pres">
+      <dgm:prSet presAssocID="{639FD2FD-0B6E-4A2D-80F9-7A12F4248603}" presName="sibTrans" presStyleCnt="0"/>
       <dgm:spPr/>
     </dgm:pt>
-    <dgm:pt modelId="{52E9FC4C-5CBD-4FAA-B47B-8404B0682280}" type="pres">
-      <dgm:prSet presAssocID="{7DE40D7B-5F0E-469D-8197-57EED7EC3688}" presName="comp" presStyleCnt="0"/>
-      <dgm:spPr/>
-    </dgm:pt>
-    <dgm:pt modelId="{6CC54D3B-E06D-4801-B4F5-52A3FEA74FBE}" type="pres">
-      <dgm:prSet presAssocID="{7DE40D7B-5F0E-469D-8197-57EED7EC3688}" presName="box" presStyleLbl="node1" presStyleIdx="5" presStyleCnt="6"/>
-      <dgm:spPr/>
-    </dgm:pt>
-    <dgm:pt modelId="{280279AB-BBD6-417C-9A69-4F2F15BDDC13}" type="pres">
-      <dgm:prSet presAssocID="{7DE40D7B-5F0E-469D-8197-57EED7EC3688}" presName="img" presStyleLbl="fgImgPlace1" presStyleIdx="5" presStyleCnt="6" custScaleX="57146" custScaleY="130005" custLinFactNeighborX="3601" custLinFactNeighborY="608"/>
-      <dgm:spPr>
-        <a:blipFill>
-          <a:blip xmlns:r="http://schemas.openxmlformats.org/officeDocument/2006/relationships" r:embed="rId12" cstate="print">
-            <a:extLst>
-              <a:ext uri="{28A0092B-C50C-407E-A947-70E740481C1C}">
-                <a14:useLocalDpi xmlns:a14="http://schemas.microsoft.com/office/drawing/2010/main" val="0"/>
-              </a:ext>
-              <a:ext uri="{837473B0-CC2E-450A-ABE3-18F120FF3D39}">
-                <a1611:picAttrSrcUrl xmlns:a1611="http://schemas.microsoft.com/office/drawing/2016/11/main" r:id="rId13"/>
-              </a:ext>
-            </a:extLst>
-          </a:blip>
-          <a:srcRect/>
-          <a:stretch>
-            <a:fillRect/>
-          </a:stretch>
-        </a:blipFill>
-      </dgm:spPr>
-    </dgm:pt>
-    <dgm:pt modelId="{E7590E2F-8D4D-48CD-B78E-C385FE496647}" type="pres">
-      <dgm:prSet presAssocID="{7DE40D7B-5F0E-469D-8197-57EED7EC3688}" presName="text" presStyleLbl="node1" presStyleIdx="5" presStyleCnt="6">
+    <dgm:pt modelId="{FF718049-8D40-42BB-BD10-871E13F29D82}" type="pres">
+      <dgm:prSet presAssocID="{7DE40D7B-5F0E-469D-8197-57EED7EC3688}" presName="node" presStyleLbl="node1" presStyleIdx="5" presStyleCnt="6">
         <dgm:presLayoutVars>
           <dgm:bulletEnabled val="1"/>
         </dgm:presLayoutVars>
@@ -8427,54 +7277,30 @@
     </dgm:pt>
   </dgm:ptLst>
   <dgm:cxnLst>
-    <dgm:cxn modelId="{B879ED03-3743-4C23-8333-6CC1E1C053E1}" type="presOf" srcId="{1525DACB-A18F-4EEA-AFEC-314E5F7A12AA}" destId="{5A8A1DA8-9E7C-4899-9767-80EAD0D379B3}" srcOrd="0" destOrd="0" presId="urn:microsoft.com/office/officeart/2005/8/layout/vList4"/>
-    <dgm:cxn modelId="{CD863D15-1B38-45E7-A369-D587562C5AE7}" type="presOf" srcId="{D0072536-10E4-4A46-AD9B-80A589F17BE9}" destId="{9223E8F1-A9FF-477E-A08C-B620EB7D8192}" srcOrd="1" destOrd="0" presId="urn:microsoft.com/office/officeart/2005/8/layout/vList4"/>
-    <dgm:cxn modelId="{D48A3D1C-DA1D-4B45-8396-4F1FBC3821B9}" type="presOf" srcId="{F244C66F-8689-4AF8-9771-8AEF1471ABC5}" destId="{CE19517B-084F-4604-9085-D407AE9D4D44}" srcOrd="0" destOrd="0" presId="urn:microsoft.com/office/officeart/2005/8/layout/vList4"/>
     <dgm:cxn modelId="{0A3EFD24-AA06-4652-A537-96950A5756C5}" srcId="{F244C66F-8689-4AF8-9771-8AEF1471ABC5}" destId="{7DE40D7B-5F0E-469D-8197-57EED7EC3688}" srcOrd="5" destOrd="0" parTransId="{A8C10447-B7D7-4C4E-A2EF-C9CAD8E9B430}" sibTransId="{573C7F7F-131D-4131-BDD8-581FA6B8F435}"/>
-    <dgm:cxn modelId="{A56D1C2A-AD59-4A3F-8F5A-C4C4C07875D3}" type="presOf" srcId="{7DE40D7B-5F0E-469D-8197-57EED7EC3688}" destId="{E7590E2F-8D4D-48CD-B78E-C385FE496647}" srcOrd="1" destOrd="0" presId="urn:microsoft.com/office/officeart/2005/8/layout/vList4"/>
-    <dgm:cxn modelId="{96D63331-3835-47DC-85EA-ED62A89FA23F}" type="presOf" srcId="{9AAF7EDF-010A-403B-8A8F-EC447D92068B}" destId="{2ECE8B53-FE1A-4DA5-B643-FA3EB9D3FACC}" srcOrd="0" destOrd="0" presId="urn:microsoft.com/office/officeart/2005/8/layout/vList4"/>
-    <dgm:cxn modelId="{7C0F876B-6A08-4DCA-B214-A65C027E2B4A}" type="presOf" srcId="{7DE40D7B-5F0E-469D-8197-57EED7EC3688}" destId="{6CC54D3B-E06D-4801-B4F5-52A3FEA74FBE}" srcOrd="0" destOrd="0" presId="urn:microsoft.com/office/officeart/2005/8/layout/vList4"/>
-    <dgm:cxn modelId="{EBBEDD4E-3C19-4DCC-B735-E117CE780B91}" type="presOf" srcId="{80DB2653-14C9-42C5-918A-A43166DEC571}" destId="{65370D36-8F29-456D-8093-A833EE93C515}" srcOrd="0" destOrd="0" presId="urn:microsoft.com/office/officeart/2005/8/layout/vList4"/>
+    <dgm:cxn modelId="{F12C0F30-9E75-4425-998D-774E2AE61477}" type="presOf" srcId="{1525DACB-A18F-4EEA-AFEC-314E5F7A12AA}" destId="{AE6B4B18-E717-4FB2-82EB-37051C5CEDC0}" srcOrd="0" destOrd="0" presId="urn:microsoft.com/office/officeart/2005/8/layout/default"/>
     <dgm:cxn modelId="{B6173556-8B39-4587-BC2F-BED6DEE4BD80}" srcId="{F244C66F-8689-4AF8-9771-8AEF1471ABC5}" destId="{1D70E854-6D44-486E-9391-16182549EA95}" srcOrd="1" destOrd="0" parTransId="{D2E1E890-D79A-4301-884D-95B6DF51DC59}" sibTransId="{1143893E-B73B-4355-A7D7-C1C02CB21AA6}"/>
-    <dgm:cxn modelId="{35419B79-F435-4FEC-A585-8AEBE86BDFC3}" type="presOf" srcId="{D0072536-10E4-4A46-AD9B-80A589F17BE9}" destId="{E2B15E2C-D24E-4F2A-948E-582842B35933}" srcOrd="0" destOrd="0" presId="urn:microsoft.com/office/officeart/2005/8/layout/vList4"/>
+    <dgm:cxn modelId="{9EEEAEA7-8572-4059-8887-96083311075D}" type="presOf" srcId="{1D70E854-6D44-486E-9391-16182549EA95}" destId="{97D252E8-08D1-42A7-903A-65C0885F16B8}" srcOrd="0" destOrd="0" presId="urn:microsoft.com/office/officeart/2005/8/layout/default"/>
     <dgm:cxn modelId="{F17EECB0-D8C5-4F5A-90E7-E80B11F93CFF}" srcId="{F244C66F-8689-4AF8-9771-8AEF1471ABC5}" destId="{1525DACB-A18F-4EEA-AFEC-314E5F7A12AA}" srcOrd="0" destOrd="0" parTransId="{375F462B-98A8-44E2-A7C3-2BEB93E481C3}" sibTransId="{2A40B089-9F55-44E6-A586-A7F697305F97}"/>
     <dgm:cxn modelId="{EB61BEB9-E0CB-4819-82C5-801294F167EF}" srcId="{F244C66F-8689-4AF8-9771-8AEF1471ABC5}" destId="{D0072536-10E4-4A46-AD9B-80A589F17BE9}" srcOrd="4" destOrd="0" parTransId="{AE0CD9E0-E3B2-44E1-AD60-A2FF41770831}" sibTransId="{639FD2FD-0B6E-4A2D-80F9-7A12F4248603}"/>
-    <dgm:cxn modelId="{4BFD92BC-C3FE-4F75-8A8F-F6C3353CEED1}" type="presOf" srcId="{80DB2653-14C9-42C5-918A-A43166DEC571}" destId="{B9FBB381-4E42-477E-86BA-AAC1394A3314}" srcOrd="1" destOrd="0" presId="urn:microsoft.com/office/officeart/2005/8/layout/vList4"/>
-    <dgm:cxn modelId="{1CC42BCD-6457-47B1-B98A-313379A30394}" type="presOf" srcId="{9AAF7EDF-010A-403B-8A8F-EC447D92068B}" destId="{07DD7521-E1B3-4D73-BB09-786326438B83}" srcOrd="1" destOrd="0" presId="urn:microsoft.com/office/officeart/2005/8/layout/vList4"/>
-    <dgm:cxn modelId="{536DFECF-9718-4962-9F6B-8805D99E7BC8}" type="presOf" srcId="{1D70E854-6D44-486E-9391-16182549EA95}" destId="{2E1F9F8A-60C2-4F3E-B7AA-84D1CF9636C0}" srcOrd="0" destOrd="0" presId="urn:microsoft.com/office/officeart/2005/8/layout/vList4"/>
+    <dgm:cxn modelId="{915835C1-8404-4DB3-BDB0-9822AA14CA34}" type="presOf" srcId="{7DE40D7B-5F0E-469D-8197-57EED7EC3688}" destId="{FF718049-8D40-42BB-BD10-871E13F29D82}" srcOrd="0" destOrd="0" presId="urn:microsoft.com/office/officeart/2005/8/layout/default"/>
+    <dgm:cxn modelId="{385AA6C3-A4BE-4E64-96CD-1F2DDF8B1819}" type="presOf" srcId="{80DB2653-14C9-42C5-918A-A43166DEC571}" destId="{E057935C-C005-45EB-A0A9-A96D815C253E}" srcOrd="0" destOrd="0" presId="urn:microsoft.com/office/officeart/2005/8/layout/default"/>
     <dgm:cxn modelId="{3F3818DF-19A4-478C-A3DF-6D96530F79B7}" srcId="{F244C66F-8689-4AF8-9771-8AEF1471ABC5}" destId="{80DB2653-14C9-42C5-918A-A43166DEC571}" srcOrd="2" destOrd="0" parTransId="{DCF6A541-F171-47A5-8EF2-7D8E4EDE0E02}" sibTransId="{3235B9AF-CB5E-4235-A526-7D39A24E7A58}"/>
-    <dgm:cxn modelId="{B7D3D1E9-1427-48D6-98FC-94F11D7011E5}" type="presOf" srcId="{1525DACB-A18F-4EEA-AFEC-314E5F7A12AA}" destId="{6D45F132-869C-4D39-990F-2EB94BC796CD}" srcOrd="1" destOrd="0" presId="urn:microsoft.com/office/officeart/2005/8/layout/vList4"/>
-    <dgm:cxn modelId="{38FAD1FE-2DF6-4AF2-8A5F-66F0596A8F08}" type="presOf" srcId="{1D70E854-6D44-486E-9391-16182549EA95}" destId="{8914F8CE-FD19-4599-B42F-6302CF35F85B}" srcOrd="1" destOrd="0" presId="urn:microsoft.com/office/officeart/2005/8/layout/vList4"/>
+    <dgm:cxn modelId="{CF7DB2E5-DF7F-44BE-88A3-348B1ACD16E7}" type="presOf" srcId="{9AAF7EDF-010A-403B-8A8F-EC447D92068B}" destId="{B64FF374-1A7A-414E-A490-A3977AB0829C}" srcOrd="0" destOrd="0" presId="urn:microsoft.com/office/officeart/2005/8/layout/default"/>
+    <dgm:cxn modelId="{5790C7E7-6EA9-4990-A3D7-67D1F20FBCDA}" type="presOf" srcId="{D0072536-10E4-4A46-AD9B-80A589F17BE9}" destId="{DD04B52B-0415-43B2-B56F-F8F11748AA58}" srcOrd="0" destOrd="0" presId="urn:microsoft.com/office/officeart/2005/8/layout/default"/>
+    <dgm:cxn modelId="{A1B859EA-46ED-4208-9458-401E7D8738C5}" type="presOf" srcId="{F244C66F-8689-4AF8-9771-8AEF1471ABC5}" destId="{0222E18B-024D-425D-863A-F942E67B25B7}" srcOrd="0" destOrd="0" presId="urn:microsoft.com/office/officeart/2005/8/layout/default"/>
     <dgm:cxn modelId="{2CD244FF-7C1D-4542-9131-7A48B6E7CD57}" srcId="{F244C66F-8689-4AF8-9771-8AEF1471ABC5}" destId="{9AAF7EDF-010A-403B-8A8F-EC447D92068B}" srcOrd="3" destOrd="0" parTransId="{A5862004-1E05-4E99-8611-4F6F65C67397}" sibTransId="{1F60F31B-B8EF-480E-A9FB-5D8BA9FBD3C8}"/>
-    <dgm:cxn modelId="{871B2D72-8C55-4E5B-B99B-AEB993DF48B6}" type="presParOf" srcId="{CE19517B-084F-4604-9085-D407AE9D4D44}" destId="{F42BE03A-9474-4D65-AA59-A9DF34D66A13}" srcOrd="0" destOrd="0" presId="urn:microsoft.com/office/officeart/2005/8/layout/vList4"/>
-    <dgm:cxn modelId="{114B8CEB-0DBA-452F-B192-E67EAF0DDE02}" type="presParOf" srcId="{F42BE03A-9474-4D65-AA59-A9DF34D66A13}" destId="{5A8A1DA8-9E7C-4899-9767-80EAD0D379B3}" srcOrd="0" destOrd="0" presId="urn:microsoft.com/office/officeart/2005/8/layout/vList4"/>
-    <dgm:cxn modelId="{3EDD5DA0-6FB4-461E-949B-F2417427A5C5}" type="presParOf" srcId="{F42BE03A-9474-4D65-AA59-A9DF34D66A13}" destId="{55916C73-BD82-4317-82F7-BAD3663A7FE9}" srcOrd="1" destOrd="0" presId="urn:microsoft.com/office/officeart/2005/8/layout/vList4"/>
-    <dgm:cxn modelId="{14A2C818-7489-4AB5-974D-0D3FF53A073C}" type="presParOf" srcId="{F42BE03A-9474-4D65-AA59-A9DF34D66A13}" destId="{6D45F132-869C-4D39-990F-2EB94BC796CD}" srcOrd="2" destOrd="0" presId="urn:microsoft.com/office/officeart/2005/8/layout/vList4"/>
-    <dgm:cxn modelId="{CEFAD461-0C97-4C18-B813-2531C093D344}" type="presParOf" srcId="{CE19517B-084F-4604-9085-D407AE9D4D44}" destId="{BC7511A1-A0E3-45DF-9751-878E4466100C}" srcOrd="1" destOrd="0" presId="urn:microsoft.com/office/officeart/2005/8/layout/vList4"/>
-    <dgm:cxn modelId="{88C27356-A514-4F33-AC04-8F76A9B2FCC2}" type="presParOf" srcId="{CE19517B-084F-4604-9085-D407AE9D4D44}" destId="{A6E59C19-98FC-4758-9022-F510537D71CF}" srcOrd="2" destOrd="0" presId="urn:microsoft.com/office/officeart/2005/8/layout/vList4"/>
-    <dgm:cxn modelId="{35C1DA98-7537-4CAC-AECA-3D5FB1564D4A}" type="presParOf" srcId="{A6E59C19-98FC-4758-9022-F510537D71CF}" destId="{2E1F9F8A-60C2-4F3E-B7AA-84D1CF9636C0}" srcOrd="0" destOrd="0" presId="urn:microsoft.com/office/officeart/2005/8/layout/vList4"/>
-    <dgm:cxn modelId="{9B8113A0-7E82-49C0-B22F-DC78AB551F1A}" type="presParOf" srcId="{A6E59C19-98FC-4758-9022-F510537D71CF}" destId="{9C3E831E-00D7-4E00-AE6A-F8569392BC94}" srcOrd="1" destOrd="0" presId="urn:microsoft.com/office/officeart/2005/8/layout/vList4"/>
-    <dgm:cxn modelId="{78F9C1E9-8052-4DE0-A47B-C2BCB68C926C}" type="presParOf" srcId="{A6E59C19-98FC-4758-9022-F510537D71CF}" destId="{8914F8CE-FD19-4599-B42F-6302CF35F85B}" srcOrd="2" destOrd="0" presId="urn:microsoft.com/office/officeart/2005/8/layout/vList4"/>
-    <dgm:cxn modelId="{450BE716-1ACF-408B-BE7D-0D56BF528354}" type="presParOf" srcId="{CE19517B-084F-4604-9085-D407AE9D4D44}" destId="{9B712E0B-CAAC-4520-AD33-C4E69CCC4086}" srcOrd="3" destOrd="0" presId="urn:microsoft.com/office/officeart/2005/8/layout/vList4"/>
-    <dgm:cxn modelId="{74712B5D-7300-43E2-8690-3EB3BE35D368}" type="presParOf" srcId="{CE19517B-084F-4604-9085-D407AE9D4D44}" destId="{E1B6AF08-5C4A-4180-866F-8FC5C29D9F4C}" srcOrd="4" destOrd="0" presId="urn:microsoft.com/office/officeart/2005/8/layout/vList4"/>
-    <dgm:cxn modelId="{D1086A9D-F6BF-49D0-B3CC-BCFB945CCCBD}" type="presParOf" srcId="{E1B6AF08-5C4A-4180-866F-8FC5C29D9F4C}" destId="{65370D36-8F29-456D-8093-A833EE93C515}" srcOrd="0" destOrd="0" presId="urn:microsoft.com/office/officeart/2005/8/layout/vList4"/>
-    <dgm:cxn modelId="{C655BA49-B533-42AD-ADF9-D2E373008B26}" type="presParOf" srcId="{E1B6AF08-5C4A-4180-866F-8FC5C29D9F4C}" destId="{935385C0-FF92-4465-AFF5-AB9B97A02B00}" srcOrd="1" destOrd="0" presId="urn:microsoft.com/office/officeart/2005/8/layout/vList4"/>
-    <dgm:cxn modelId="{14541DBC-58D5-4C4E-A082-E68975D228AC}" type="presParOf" srcId="{E1B6AF08-5C4A-4180-866F-8FC5C29D9F4C}" destId="{B9FBB381-4E42-477E-86BA-AAC1394A3314}" srcOrd="2" destOrd="0" presId="urn:microsoft.com/office/officeart/2005/8/layout/vList4"/>
-    <dgm:cxn modelId="{870A8E2C-596E-440B-B591-59FBA21D9105}" type="presParOf" srcId="{CE19517B-084F-4604-9085-D407AE9D4D44}" destId="{04DB7B21-09C7-4872-A190-471AC6461AB9}" srcOrd="5" destOrd="0" presId="urn:microsoft.com/office/officeart/2005/8/layout/vList4"/>
-    <dgm:cxn modelId="{EF7A46C8-55A5-41DB-B498-348D933F2A97}" type="presParOf" srcId="{CE19517B-084F-4604-9085-D407AE9D4D44}" destId="{E36B2C12-F66D-4C37-BF4B-45EADEEABB90}" srcOrd="6" destOrd="0" presId="urn:microsoft.com/office/officeart/2005/8/layout/vList4"/>
-    <dgm:cxn modelId="{3F188807-61D9-47AF-94AE-A8622F9AD897}" type="presParOf" srcId="{E36B2C12-F66D-4C37-BF4B-45EADEEABB90}" destId="{2ECE8B53-FE1A-4DA5-B643-FA3EB9D3FACC}" srcOrd="0" destOrd="0" presId="urn:microsoft.com/office/officeart/2005/8/layout/vList4"/>
-    <dgm:cxn modelId="{28EE541E-ACA5-464C-B8D8-B66744ACD671}" type="presParOf" srcId="{E36B2C12-F66D-4C37-BF4B-45EADEEABB90}" destId="{0937F075-AB43-4E41-87E5-E4FEC977574A}" srcOrd="1" destOrd="0" presId="urn:microsoft.com/office/officeart/2005/8/layout/vList4"/>
-    <dgm:cxn modelId="{CF292B94-F5D0-41DA-967F-954D2289986A}" type="presParOf" srcId="{E36B2C12-F66D-4C37-BF4B-45EADEEABB90}" destId="{07DD7521-E1B3-4D73-BB09-786326438B83}" srcOrd="2" destOrd="0" presId="urn:microsoft.com/office/officeart/2005/8/layout/vList4"/>
-    <dgm:cxn modelId="{B451F817-BC11-424C-90A4-2FCE1D0725D4}" type="presParOf" srcId="{CE19517B-084F-4604-9085-D407AE9D4D44}" destId="{A215117E-F621-4EE7-A871-09F1D9F299B4}" srcOrd="7" destOrd="0" presId="urn:microsoft.com/office/officeart/2005/8/layout/vList4"/>
-    <dgm:cxn modelId="{CBEF43C9-CCDB-471E-B885-78C7EE69E348}" type="presParOf" srcId="{CE19517B-084F-4604-9085-D407AE9D4D44}" destId="{747362E0-BB4F-4903-B04C-0E33770CA9F1}" srcOrd="8" destOrd="0" presId="urn:microsoft.com/office/officeart/2005/8/layout/vList4"/>
-    <dgm:cxn modelId="{3CA062B1-1CF5-4D50-87B1-39C53CF7BBFE}" type="presParOf" srcId="{747362E0-BB4F-4903-B04C-0E33770CA9F1}" destId="{E2B15E2C-D24E-4F2A-948E-582842B35933}" srcOrd="0" destOrd="0" presId="urn:microsoft.com/office/officeart/2005/8/layout/vList4"/>
-    <dgm:cxn modelId="{A456EC5F-CC4B-4FFC-B8B0-4B718C91081A}" type="presParOf" srcId="{747362E0-BB4F-4903-B04C-0E33770CA9F1}" destId="{0B90FDD1-1C90-4F97-B970-EDE63D615DAD}" srcOrd="1" destOrd="0" presId="urn:microsoft.com/office/officeart/2005/8/layout/vList4"/>
-    <dgm:cxn modelId="{6A87D3C1-B794-4161-A0CF-3F1563767A4F}" type="presParOf" srcId="{747362E0-BB4F-4903-B04C-0E33770CA9F1}" destId="{9223E8F1-A9FF-477E-A08C-B620EB7D8192}" srcOrd="2" destOrd="0" presId="urn:microsoft.com/office/officeart/2005/8/layout/vList4"/>
-    <dgm:cxn modelId="{6AE8ABA3-D879-4F70-9A5F-C6A2F6753A88}" type="presParOf" srcId="{CE19517B-084F-4604-9085-D407AE9D4D44}" destId="{95EA36FD-26FC-4381-A384-777707D53C19}" srcOrd="9" destOrd="0" presId="urn:microsoft.com/office/officeart/2005/8/layout/vList4"/>
-    <dgm:cxn modelId="{7A9EA918-C930-486D-9787-C8D68CDB2CB7}" type="presParOf" srcId="{CE19517B-084F-4604-9085-D407AE9D4D44}" destId="{52E9FC4C-5CBD-4FAA-B47B-8404B0682280}" srcOrd="10" destOrd="0" presId="urn:microsoft.com/office/officeart/2005/8/layout/vList4"/>
-    <dgm:cxn modelId="{9C94656A-D0A9-4ADE-AAE8-149A69B918C6}" type="presParOf" srcId="{52E9FC4C-5CBD-4FAA-B47B-8404B0682280}" destId="{6CC54D3B-E06D-4801-B4F5-52A3FEA74FBE}" srcOrd="0" destOrd="0" presId="urn:microsoft.com/office/officeart/2005/8/layout/vList4"/>
-    <dgm:cxn modelId="{0ABAF8AC-A6E1-432B-A96A-EBA45040691D}" type="presParOf" srcId="{52E9FC4C-5CBD-4FAA-B47B-8404B0682280}" destId="{280279AB-BBD6-417C-9A69-4F2F15BDDC13}" srcOrd="1" destOrd="0" presId="urn:microsoft.com/office/officeart/2005/8/layout/vList4"/>
-    <dgm:cxn modelId="{D55B7DF1-EA55-4539-AA70-8324A51BE7AD}" type="presParOf" srcId="{52E9FC4C-5CBD-4FAA-B47B-8404B0682280}" destId="{E7590E2F-8D4D-48CD-B78E-C385FE496647}" srcOrd="2" destOrd="0" presId="urn:microsoft.com/office/officeart/2005/8/layout/vList4"/>
+    <dgm:cxn modelId="{861A78B8-28CA-49BE-950D-789A3A9FA3D8}" type="presParOf" srcId="{0222E18B-024D-425D-863A-F942E67B25B7}" destId="{AE6B4B18-E717-4FB2-82EB-37051C5CEDC0}" srcOrd="0" destOrd="0" presId="urn:microsoft.com/office/officeart/2005/8/layout/default"/>
+    <dgm:cxn modelId="{531D8247-3691-4D50-92FB-629AA3B8179F}" type="presParOf" srcId="{0222E18B-024D-425D-863A-F942E67B25B7}" destId="{34C0D402-5910-4CB8-9EBB-0CAF023DE690}" srcOrd="1" destOrd="0" presId="urn:microsoft.com/office/officeart/2005/8/layout/default"/>
+    <dgm:cxn modelId="{051D7DEA-153A-4A2E-936D-EBFAE02D0C3B}" type="presParOf" srcId="{0222E18B-024D-425D-863A-F942E67B25B7}" destId="{97D252E8-08D1-42A7-903A-65C0885F16B8}" srcOrd="2" destOrd="0" presId="urn:microsoft.com/office/officeart/2005/8/layout/default"/>
+    <dgm:cxn modelId="{0C893756-EE9A-41E8-9DD4-838741B48DE4}" type="presParOf" srcId="{0222E18B-024D-425D-863A-F942E67B25B7}" destId="{F5E587C8-AD1A-41D9-AEDD-A6E146561258}" srcOrd="3" destOrd="0" presId="urn:microsoft.com/office/officeart/2005/8/layout/default"/>
+    <dgm:cxn modelId="{62CC3F17-DB95-40A4-A537-A67635CAAB69}" type="presParOf" srcId="{0222E18B-024D-425D-863A-F942E67B25B7}" destId="{E057935C-C005-45EB-A0A9-A96D815C253E}" srcOrd="4" destOrd="0" presId="urn:microsoft.com/office/officeart/2005/8/layout/default"/>
+    <dgm:cxn modelId="{B5BBDEF0-7EB7-4CFC-BD95-1D21B3CA0849}" type="presParOf" srcId="{0222E18B-024D-425D-863A-F942E67B25B7}" destId="{E43D385D-3B04-451A-B4C6-2736413CEB7B}" srcOrd="5" destOrd="0" presId="urn:microsoft.com/office/officeart/2005/8/layout/default"/>
+    <dgm:cxn modelId="{5682C59E-0A6F-456E-8344-9FB8A4A43D36}" type="presParOf" srcId="{0222E18B-024D-425D-863A-F942E67B25B7}" destId="{B64FF374-1A7A-414E-A490-A3977AB0829C}" srcOrd="6" destOrd="0" presId="urn:microsoft.com/office/officeart/2005/8/layout/default"/>
+    <dgm:cxn modelId="{F0E6742E-0165-44B8-AF70-FD28518336A3}" type="presParOf" srcId="{0222E18B-024D-425D-863A-F942E67B25B7}" destId="{C10FF6BB-3FE3-41B1-9B3A-AE3771925FE2}" srcOrd="7" destOrd="0" presId="urn:microsoft.com/office/officeart/2005/8/layout/default"/>
+    <dgm:cxn modelId="{B0A732F1-6CA1-49B5-91A9-49C3CDBD2E9E}" type="presParOf" srcId="{0222E18B-024D-425D-863A-F942E67B25B7}" destId="{DD04B52B-0415-43B2-B56F-F8F11748AA58}" srcOrd="8" destOrd="0" presId="urn:microsoft.com/office/officeart/2005/8/layout/default"/>
+    <dgm:cxn modelId="{FC729E6C-DBEC-4B58-A30E-EA0190DAAEDC}" type="presParOf" srcId="{0222E18B-024D-425D-863A-F942E67B25B7}" destId="{CBDD3B9B-0948-4D0D-9366-83D35041BC8A}" srcOrd="9" destOrd="0" presId="urn:microsoft.com/office/officeart/2005/8/layout/default"/>
+    <dgm:cxn modelId="{E6B5588C-4BD8-44CA-B3DD-27EA1052EA59}" type="presParOf" srcId="{0222E18B-024D-425D-863A-F942E67B25B7}" destId="{FF718049-8D40-42BB-BD10-871E13F29D82}" srcOrd="10" destOrd="0" presId="urn:microsoft.com/office/officeart/2005/8/layout/default"/>
   </dgm:cxnLst>
   <dgm:bg/>
   <dgm:whole/>
@@ -8486,7 +7312,7 @@
 </dgm:dataModel>
 </file>
 
-<file path=ppt/diagrams/data5.xml><?xml version="1.0" encoding="utf-8"?>
+<file path=ppt/diagrams/data4.xml><?xml version="1.0" encoding="utf-8"?>
 <dgm:dataModel xmlns:dgm="http://schemas.openxmlformats.org/drawingml/2006/diagram" xmlns:a="http://schemas.openxmlformats.org/drawingml/2006/main">
   <dgm:ptLst>
     <dgm:pt modelId="{D9A7FE03-7CF6-4F09-8213-33F0C4DC92E4}" type="doc">
@@ -8501,16 +7327,17 @@
       </dgm:t>
     </dgm:pt>
     <dgm:pt modelId="{94E298EC-2A29-448D-A729-6D823B3B2770}">
-      <dgm:prSet/>
+      <dgm:prSet custT="1"/>
       <dgm:spPr/>
       <dgm:t>
         <a:bodyPr/>
         <a:lstStyle/>
         <a:p>
           <a:r>
-            <a:rPr lang="de-DE" dirty="0"/>
+            <a:rPr lang="de-DE" sz="2400" dirty="0"/>
             <a:t>Hypothesen</a:t>
           </a:r>
+          <a:endParaRPr lang="de-DE" sz="2600" dirty="0"/>
         </a:p>
       </dgm:t>
     </dgm:pt>
@@ -8537,14 +7364,14 @@
       </dgm:t>
     </dgm:pt>
     <dgm:pt modelId="{ADBBFF63-0505-458F-922A-179E0CD2F561}">
-      <dgm:prSet/>
+      <dgm:prSet custT="1"/>
       <dgm:spPr/>
       <dgm:t>
         <a:bodyPr/>
         <a:lstStyle/>
         <a:p>
           <a:r>
-            <a:rPr lang="de-DE"/>
+            <a:rPr lang="de-DE" sz="1800" dirty="0"/>
             <a:t>Nutzung ist selbsterklärend</a:t>
           </a:r>
         </a:p>
@@ -8573,14 +7400,14 @@
       </dgm:t>
     </dgm:pt>
     <dgm:pt modelId="{4C1110F0-40B0-408D-99DE-2B86F1F155AB}">
-      <dgm:prSet/>
+      <dgm:prSet custT="1"/>
       <dgm:spPr/>
       <dgm:t>
         <a:bodyPr/>
         <a:lstStyle/>
         <a:p>
           <a:r>
-            <a:rPr lang="de-DE" dirty="0"/>
+            <a:rPr lang="de-DE" sz="1800" dirty="0"/>
             <a:t>Gefühl von Natürlichkeit</a:t>
           </a:r>
         </a:p>
@@ -8609,14 +7436,14 @@
       </dgm:t>
     </dgm:pt>
     <dgm:pt modelId="{61DE167A-B4CB-406F-B292-6C82B9619EAD}">
-      <dgm:prSet/>
+      <dgm:prSet custT="1"/>
       <dgm:spPr/>
       <dgm:t>
         <a:bodyPr/>
         <a:lstStyle/>
         <a:p>
           <a:r>
-            <a:rPr lang="de-DE"/>
+            <a:rPr lang="de-DE" sz="1800" dirty="0"/>
             <a:t>Datenschutz erhöht Bereitschaft zur Nutzung</a:t>
           </a:r>
         </a:p>
@@ -8729,7 +7556,7 @@
 </dgm:dataModel>
 </file>
 
-<file path=ppt/diagrams/data6.xml><?xml version="1.0" encoding="utf-8"?>
+<file path=ppt/diagrams/data5.xml><?xml version="1.0" encoding="utf-8"?>
 <dgm:dataModel xmlns:dgm="http://schemas.openxmlformats.org/drawingml/2006/diagram" xmlns:a="http://schemas.openxmlformats.org/drawingml/2006/main">
   <dgm:ptLst>
     <dgm:pt modelId="{1F0E7F6F-445D-45BB-96BB-EA3F8472A33D}" type="doc">
@@ -8737,14 +7564,14 @@
       <dgm:spPr/>
     </dgm:pt>
     <dgm:pt modelId="{90E678A8-4847-4B51-A2AF-7E4F77EF1C74}">
-      <dgm:prSet phldrT="[Text]"/>
+      <dgm:prSet phldrT="[Text]" custT="1"/>
       <dgm:spPr/>
       <dgm:t>
         <a:bodyPr/>
         <a:lstStyle/>
         <a:p>
           <a:r>
-            <a:rPr lang="de-DE" dirty="0"/>
+            <a:rPr lang="de-DE" sz="2000" dirty="0"/>
             <a:t>eigene Fragen</a:t>
           </a:r>
         </a:p>
@@ -8773,16 +7600,17 @@
       </dgm:t>
     </dgm:pt>
     <dgm:pt modelId="{7BF52609-2B38-4388-8F48-0E29D9F76884}">
-      <dgm:prSet phldrT="[Text]"/>
+      <dgm:prSet phldrT="[Text]" custT="1"/>
       <dgm:spPr/>
       <dgm:t>
         <a:bodyPr/>
         <a:lstStyle/>
         <a:p>
           <a:r>
-            <a:rPr lang="de-DE" dirty="0"/>
+            <a:rPr lang="de-DE" sz="2000" dirty="0"/>
             <a:t>Gespräch</a:t>
           </a:r>
+          <a:endParaRPr lang="de-DE" sz="2600" dirty="0"/>
         </a:p>
       </dgm:t>
     </dgm:pt>
@@ -8809,14 +7637,14 @@
       </dgm:t>
     </dgm:pt>
     <dgm:pt modelId="{42593D0B-C21F-4B12-A1A3-261373C25C9E}">
-      <dgm:prSet phldrT="[Text]"/>
+      <dgm:prSet phldrT="[Text]" custT="1"/>
       <dgm:spPr/>
       <dgm:t>
         <a:bodyPr/>
         <a:lstStyle/>
         <a:p>
           <a:r>
-            <a:rPr lang="de-DE" dirty="0"/>
+            <a:rPr lang="de-DE" sz="2000" dirty="0"/>
             <a:t>System Usability Score</a:t>
           </a:r>
         </a:p>
@@ -8925,7 +7753,7 @@
 </dgm:dataModel>
 </file>
 
-<file path=ppt/diagrams/data7.xml><?xml version="1.0" encoding="utf-8"?>
+<file path=ppt/diagrams/data6.xml><?xml version="1.0" encoding="utf-8"?>
 <dgm:dataModel xmlns:dgm="http://schemas.openxmlformats.org/drawingml/2006/diagram" xmlns:a="http://schemas.openxmlformats.org/drawingml/2006/main">
   <dgm:ptLst>
     <dgm:pt modelId="{F93F4D75-D40F-49A3-B6C7-7037961DCE04}" type="doc">
@@ -8976,14 +7804,14 @@
       </dgm:t>
     </dgm:pt>
     <dgm:pt modelId="{EAB98F1A-C243-47B2-85A0-A3C2AC7ED98E}">
-      <dgm:prSet phldrT="[Text]"/>
+      <dgm:prSet phldrT="[Text]" custT="1"/>
       <dgm:spPr/>
       <dgm:t>
         <a:bodyPr/>
         <a:lstStyle/>
         <a:p>
           <a:r>
-            <a:rPr lang="de-DE" dirty="0"/>
+            <a:rPr lang="de-DE" sz="2000" dirty="0"/>
             <a:t>SUS 70 Punkte</a:t>
           </a:r>
         </a:p>
@@ -9012,14 +7840,14 @@
       </dgm:t>
     </dgm:pt>
     <dgm:pt modelId="{41926212-5E71-4F6F-803B-D7F343289CA6}">
-      <dgm:prSet phldrT="[Text]"/>
+      <dgm:prSet phldrT="[Text]" custT="1"/>
       <dgm:spPr/>
       <dgm:t>
         <a:bodyPr/>
         <a:lstStyle/>
         <a:p>
           <a:r>
-            <a:rPr lang="de-DE" dirty="0"/>
+            <a:rPr lang="de-DE" sz="2000" dirty="0"/>
             <a:t>Interaktion natürlich</a:t>
           </a:r>
         </a:p>
@@ -9084,14 +7912,14 @@
       </dgm:t>
     </dgm:pt>
     <dgm:pt modelId="{65EE96BF-AB3A-4B47-B8B5-D762F561C8AE}">
-      <dgm:prSet phldrT="[Text]"/>
+      <dgm:prSet phldrT="[Text]" custT="1"/>
       <dgm:spPr/>
       <dgm:t>
         <a:bodyPr/>
         <a:lstStyle/>
         <a:p>
           <a:r>
-            <a:rPr lang="de-DE" dirty="0"/>
+            <a:rPr lang="de-DE" sz="2000" dirty="0"/>
             <a:t>Reaktionszeit</a:t>
           </a:r>
         </a:p>
@@ -9120,14 +7948,14 @@
       </dgm:t>
     </dgm:pt>
     <dgm:pt modelId="{4D5A82A8-EE6B-43C4-94F4-E485ED7C301B}">
-      <dgm:prSet phldrT="[Text]"/>
+      <dgm:prSet phldrT="[Text]" custT="1"/>
       <dgm:spPr/>
       <dgm:t>
         <a:bodyPr/>
         <a:lstStyle/>
         <a:p>
           <a:r>
-            <a:rPr lang="de-DE" dirty="0"/>
+            <a:rPr lang="de-DE" sz="2000" dirty="0"/>
             <a:t>mangelndes Feedback</a:t>
           </a:r>
         </a:p>
@@ -9156,14 +7984,14 @@
       </dgm:t>
     </dgm:pt>
     <dgm:pt modelId="{DFED3813-3E46-404A-B330-F0A92F4B147C}">
-      <dgm:prSet phldrT="[Text]"/>
+      <dgm:prSet phldrT="[Text]" custT="1"/>
       <dgm:spPr/>
       <dgm:t>
         <a:bodyPr/>
         <a:lstStyle/>
         <a:p>
           <a:r>
-            <a:rPr lang="de-DE" dirty="0"/>
+            <a:rPr lang="de-DE" sz="2000" dirty="0"/>
             <a:t>Datenschutz</a:t>
           </a:r>
         </a:p>
@@ -9192,14 +8020,14 @@
       </dgm:t>
     </dgm:pt>
     <dgm:pt modelId="{768B009F-5989-4C3C-974C-AE5E151FA1FE}">
-      <dgm:prSet phldrT="[Text]"/>
+      <dgm:prSet phldrT="[Text]" custT="1"/>
       <dgm:spPr/>
       <dgm:t>
         <a:bodyPr/>
         <a:lstStyle/>
         <a:p>
           <a:r>
-            <a:rPr lang="de-DE" dirty="0"/>
+            <a:rPr lang="de-DE" sz="2000" dirty="0"/>
             <a:t>Hilfsangebot</a:t>
           </a:r>
         </a:p>
@@ -9228,14 +8056,14 @@
       </dgm:t>
     </dgm:pt>
     <dgm:pt modelId="{BF9C6450-EE75-49AF-982D-6DAF02F2E887}">
-      <dgm:prSet phldrT="[Text]"/>
+      <dgm:prSet phldrT="[Text]" custT="1"/>
       <dgm:spPr/>
       <dgm:t>
         <a:bodyPr/>
         <a:lstStyle/>
         <a:p>
           <a:r>
-            <a:rPr lang="de-DE" dirty="0"/>
+            <a:rPr lang="de-DE" sz="2000" dirty="0"/>
             <a:t>Stimme</a:t>
           </a:r>
         </a:p>
@@ -9270,7 +8098,7 @@
         <a:bodyPr/>
         <a:lstStyle/>
         <a:p>
-          <a:endParaRPr lang="de-DE" dirty="0"/>
+          <a:endParaRPr lang="de-DE" sz="3200" dirty="0"/>
         </a:p>
       </dgm:t>
     </dgm:pt>
@@ -9315,7 +8143,7 @@
       <dgm:spPr/>
     </dgm:pt>
     <dgm:pt modelId="{00645FCE-1CA5-4540-9593-97ADDC02855F}" type="pres">
-      <dgm:prSet presAssocID="{6DCCD4EA-BA2D-4133-A446-7EF25B0CA139}" presName="image" presStyleLbl="fgImgPlace1" presStyleIdx="0" presStyleCnt="2" custLinFactNeighborX="3065" custLinFactNeighborY="6499"/>
+      <dgm:prSet presAssocID="{6DCCD4EA-BA2D-4133-A446-7EF25B0CA139}" presName="image" presStyleLbl="fgImgPlace1" presStyleIdx="0" presStyleCnt="2" custScaleX="84225" custScaleY="80166" custLinFactNeighborX="5933" custLinFactNeighborY="28484"/>
       <dgm:spPr>
         <a:blipFill>
           <a:blip xmlns:r="http://schemas.openxmlformats.org/officeDocument/2006/relationships" r:embed="rId1">
@@ -9333,7 +8161,7 @@
       </dgm:spPr>
     </dgm:pt>
     <dgm:pt modelId="{2CB5ECE3-8AF0-48A4-A14C-3770B1604AC3}" type="pres">
-      <dgm:prSet presAssocID="{6DCCD4EA-BA2D-4133-A446-7EF25B0CA139}" presName="childNode" presStyleLbl="node1" presStyleIdx="0" presStyleCnt="2" custScaleX="89808" custLinFactNeighborX="15026" custLinFactNeighborY="141">
+      <dgm:prSet presAssocID="{6DCCD4EA-BA2D-4133-A446-7EF25B0CA139}" presName="childNode" presStyleLbl="node1" presStyleIdx="0" presStyleCnt="2" custScaleX="71733" custScaleY="72905" custLinFactNeighborX="8885" custLinFactNeighborY="-2690">
         <dgm:presLayoutVars>
           <dgm:bulletEnabled val="1"/>
         </dgm:presLayoutVars>
@@ -9362,7 +8190,7 @@
       <dgm:spPr/>
     </dgm:pt>
     <dgm:pt modelId="{3059123B-D816-4E08-87C8-209AD72A0737}" type="pres">
-      <dgm:prSet presAssocID="{60586643-A6C0-4F65-B7FB-39EE8CF43088}" presName="image" presStyleLbl="fgImgPlace1" presStyleIdx="1" presStyleCnt="2" custLinFactNeighborX="-27884" custLinFactNeighborY="-333"/>
+      <dgm:prSet presAssocID="{60586643-A6C0-4F65-B7FB-39EE8CF43088}" presName="image" presStyleLbl="fgImgPlace1" presStyleIdx="1" presStyleCnt="2" custScaleX="80604" custScaleY="77657" custLinFactNeighborX="-25495" custLinFactNeighborY="28821"/>
       <dgm:spPr>
         <a:blipFill>
           <a:blip xmlns:r="http://schemas.openxmlformats.org/officeDocument/2006/relationships" r:embed="rId3" cstate="print">
@@ -9383,7 +8211,7 @@
       </dgm:spPr>
     </dgm:pt>
     <dgm:pt modelId="{6D7751A8-E03C-405B-A2BE-CD87E8BBB01C}" type="pres">
-      <dgm:prSet presAssocID="{60586643-A6C0-4F65-B7FB-39EE8CF43088}" presName="childNode" presStyleLbl="node1" presStyleIdx="1" presStyleCnt="2" custScaleX="91471" custLinFactNeighborX="1244" custLinFactNeighborY="141">
+      <dgm:prSet presAssocID="{60586643-A6C0-4F65-B7FB-39EE8CF43088}" presName="childNode" presStyleLbl="node1" presStyleIdx="1" presStyleCnt="2" custScaleX="70336" custScaleY="70883" custLinFactNeighborX="-8640" custLinFactNeighborY="-1679">
         <dgm:presLayoutVars>
           <dgm:bulletEnabled val="1"/>
         </dgm:presLayoutVars>
@@ -9442,7 +8270,7 @@
 </dgm:dataModel>
 </file>
 
-<file path=ppt/diagrams/data8.xml><?xml version="1.0" encoding="utf-8"?>
+<file path=ppt/diagrams/data7.xml><?xml version="1.0" encoding="utf-8"?>
 <dgm:dataModel xmlns:dgm="http://schemas.openxmlformats.org/drawingml/2006/diagram" xmlns:a="http://schemas.openxmlformats.org/drawingml/2006/main">
   <dgm:ptLst>
     <dgm:pt modelId="{C45EB5E7-D213-4A58-885E-E9D7FFF44067}" type="doc">
@@ -9457,14 +8285,14 @@
       </dgm:t>
     </dgm:pt>
     <dgm:pt modelId="{C0C4B3BF-593E-4E88-A88D-BE48816D4A12}">
-      <dgm:prSet phldrT="[Text]"/>
+      <dgm:prSet phldrT="[Text]" custT="1"/>
       <dgm:spPr/>
       <dgm:t>
         <a:bodyPr/>
         <a:lstStyle/>
         <a:p>
           <a:r>
-            <a:rPr lang="de-DE" dirty="0"/>
+            <a:rPr lang="de-DE" sz="2000" dirty="0"/>
             <a:t>Unabhängiger Sprachassistent funktioniert</a:t>
           </a:r>
         </a:p>
@@ -9493,14 +8321,14 @@
       </dgm:t>
     </dgm:pt>
     <dgm:pt modelId="{A5962597-3910-4312-818E-69A83FC12C2C}">
-      <dgm:prSet phldrT="[Text]"/>
+      <dgm:prSet phldrT="[Text]" custT="1"/>
       <dgm:spPr/>
       <dgm:t>
         <a:bodyPr/>
         <a:lstStyle/>
         <a:p>
           <a:r>
-            <a:rPr lang="de-DE" dirty="0"/>
+            <a:rPr lang="de-DE" sz="2000" dirty="0"/>
             <a:t>Wahl der Bestandteile ändern</a:t>
           </a:r>
         </a:p>
@@ -9529,14 +8357,14 @@
       </dgm:t>
     </dgm:pt>
     <dgm:pt modelId="{D474864B-72A1-4555-91B6-42554646844B}">
-      <dgm:prSet phldrT="[Text]"/>
+      <dgm:prSet phldrT="[Text]" custT="1"/>
       <dgm:spPr/>
       <dgm:t>
         <a:bodyPr/>
         <a:lstStyle/>
         <a:p>
           <a:r>
-            <a:rPr lang="de-DE" dirty="0"/>
+            <a:rPr lang="de-DE" sz="2000" dirty="0"/>
             <a:t>Feedback verbessern</a:t>
           </a:r>
         </a:p>
@@ -9565,22 +8393,22 @@
       </dgm:t>
     </dgm:pt>
     <dgm:pt modelId="{0CA13021-613E-44A9-9C50-D0897B70C497}">
-      <dgm:prSet phldrT="[Text]"/>
+      <dgm:prSet phldrT="[Text]" custT="1"/>
       <dgm:spPr/>
       <dgm:t>
         <a:bodyPr/>
         <a:lstStyle/>
         <a:p>
           <a:r>
-            <a:rPr lang="de-DE" dirty="0"/>
+            <a:rPr lang="de-DE" sz="2000" dirty="0"/>
             <a:t>Konzept mit </a:t>
           </a:r>
           <a:r>
-            <a:rPr lang="de-DE" dirty="0" err="1"/>
+            <a:rPr lang="de-DE" sz="2000" dirty="0" err="1"/>
             <a:t>Snips</a:t>
           </a:r>
           <a:r>
-            <a:rPr lang="de-DE" dirty="0"/>
+            <a:rPr lang="de-DE" sz="2000" dirty="0"/>
             <a:t> anwenden</a:t>
           </a:r>
         </a:p>
@@ -9618,7 +8446,7 @@
       <dgm:spPr/>
     </dgm:pt>
     <dgm:pt modelId="{D249125C-4122-4847-AA13-8F292BB7DADD}" type="pres">
-      <dgm:prSet presAssocID="{C0C4B3BF-593E-4E88-A88D-BE48816D4A12}" presName="node" presStyleLbl="node1" presStyleIdx="0" presStyleCnt="4" custScaleX="64728" custScaleY="60496" custLinFactNeighborX="31464" custLinFactNeighborY="9271">
+      <dgm:prSet presAssocID="{C0C4B3BF-593E-4E88-A88D-BE48816D4A12}" presName="node" presStyleLbl="node1" presStyleIdx="0" presStyleCnt="4" custScaleX="63140" custScaleY="57330" custLinFactNeighborX="31429" custLinFactNeighborY="-12">
         <dgm:presLayoutVars>
           <dgm:bulletEnabled val="1"/>
         </dgm:presLayoutVars>
@@ -9690,7 +8518,7 @@
 </dgm:dataModel>
 </file>
 
-<file path=ppt/diagrams/data9.xml><?xml version="1.0" encoding="utf-8"?>
+<file path=ppt/diagrams/data8.xml><?xml version="1.0" encoding="utf-8"?>
 <dgm:dataModel xmlns:dgm="http://schemas.openxmlformats.org/drawingml/2006/diagram" xmlns:a="http://schemas.openxmlformats.org/drawingml/2006/main">
   <dgm:ptLst>
     <dgm:pt modelId="{0F1EE41A-8060-4D89-83FA-76A30B099253}" type="doc">
@@ -9705,20 +8533,20 @@
       </dgm:t>
     </dgm:pt>
     <dgm:pt modelId="{3B35E844-6E62-46C5-929A-7AE7B50EDAA6}">
-      <dgm:prSet/>
+      <dgm:prSet custT="1"/>
       <dgm:spPr/>
       <dgm:t>
         <a:bodyPr/>
         <a:lstStyle/>
         <a:p>
           <a:r>
-            <a:rPr lang="de-DE" dirty="0"/>
+            <a:rPr lang="de-DE" sz="2000" dirty="0"/>
             <a:t>§ 3 </a:t>
           </a:r>
         </a:p>
         <a:p>
           <a:r>
-            <a:rPr lang="de-DE" dirty="0"/>
+            <a:rPr lang="de-DE" sz="2000" dirty="0"/>
             <a:t>„Räumlicher Anwendungsbereich“</a:t>
           </a:r>
         </a:p>
@@ -9747,20 +8575,20 @@
       </dgm:t>
     </dgm:pt>
     <dgm:pt modelId="{BCD3CBD7-8498-449F-8B50-8F59B3A61FD6}">
-      <dgm:prSet/>
+      <dgm:prSet custT="1"/>
       <dgm:spPr/>
       <dgm:t>
         <a:bodyPr/>
         <a:lstStyle/>
         <a:p>
           <a:r>
-            <a:rPr lang="de-DE" dirty="0"/>
+            <a:rPr lang="de-DE" sz="2000" dirty="0"/>
             <a:t>§ 5</a:t>
           </a:r>
         </a:p>
         <a:p>
           <a:r>
-            <a:rPr lang="de-DE" dirty="0"/>
+            <a:rPr lang="de-DE" sz="2000" dirty="0"/>
             <a:t> „Grundsätze für die Verarbeitung personenbezogener Daten“</a:t>
           </a:r>
         </a:p>
@@ -9789,20 +8617,20 @@
       </dgm:t>
     </dgm:pt>
     <dgm:pt modelId="{3E10A241-0624-4EAC-B070-C3BE345CFA09}">
-      <dgm:prSet/>
+      <dgm:prSet custT="1"/>
       <dgm:spPr/>
       <dgm:t>
         <a:bodyPr/>
         <a:lstStyle/>
         <a:p>
           <a:r>
-            <a:rPr lang="de-DE" dirty="0"/>
+            <a:rPr lang="de-DE" sz="2000" dirty="0"/>
             <a:t>§ 17</a:t>
           </a:r>
         </a:p>
         <a:p>
           <a:r>
-            <a:rPr lang="de-DE" dirty="0"/>
+            <a:rPr lang="de-DE" sz="2000" dirty="0"/>
             <a:t> „Recht auf Löschung“</a:t>
           </a:r>
         </a:p>
@@ -9831,20 +8659,20 @@
       </dgm:t>
     </dgm:pt>
     <dgm:pt modelId="{600F46DD-7A9D-4F94-B852-5CE2B81242F7}">
-      <dgm:prSet/>
+      <dgm:prSet custT="1"/>
       <dgm:spPr/>
       <dgm:t>
         <a:bodyPr/>
         <a:lstStyle/>
         <a:p>
           <a:r>
-            <a:rPr lang="de-DE" dirty="0"/>
+            <a:rPr lang="de-DE" sz="2000" dirty="0"/>
             <a:t>§ 25</a:t>
           </a:r>
         </a:p>
         <a:p>
           <a:r>
-            <a:rPr lang="de-DE" dirty="0"/>
+            <a:rPr lang="de-DE" sz="2000" dirty="0"/>
             <a:t> „Datenschutz durch Technikgestaltung und durch datenschutzfreundliche Voreinstellungen“</a:t>
           </a:r>
         </a:p>
@@ -9882,7 +8710,7 @@
       <dgm:spPr/>
     </dgm:pt>
     <dgm:pt modelId="{5F2250E0-8781-481D-872F-6323B6C30192}" type="pres">
-      <dgm:prSet presAssocID="{3B35E844-6E62-46C5-929A-7AE7B50EDAA6}" presName="node" presStyleLbl="node1" presStyleIdx="0" presStyleCnt="4">
+      <dgm:prSet presAssocID="{3B35E844-6E62-46C5-929A-7AE7B50EDAA6}" presName="node" presStyleLbl="node1" presStyleIdx="0" presStyleCnt="4" custLinFactNeighborX="402" custLinFactNeighborY="-120">
         <dgm:presLayoutVars>
           <dgm:bulletEnabled val="1"/>
         </dgm:presLayoutVars>
@@ -10012,12 +8840,12 @@
         </a:fontRef>
       </dsp:style>
       <dsp:txBody>
-        <a:bodyPr spcFirstLastPara="0" vert="horz" wrap="square" lIns="114300" tIns="114300" rIns="114300" bIns="114300" numCol="1" spcCol="1270" anchor="ctr" anchorCtr="0">
+        <a:bodyPr spcFirstLastPara="0" vert="horz" wrap="square" lIns="76200" tIns="76200" rIns="76200" bIns="76200" numCol="1" spcCol="1270" anchor="ctr" anchorCtr="0">
           <a:noAutofit/>
         </a:bodyPr>
         <a:lstStyle/>
         <a:p>
-          <a:pPr marL="0" lvl="0" indent="0" algn="ctr" defTabSz="1333500">
+          <a:pPr marL="0" lvl="0" indent="0" algn="ctr" defTabSz="889000">
             <a:lnSpc>
               <a:spcPct val="90000"/>
             </a:lnSpc>
@@ -10030,7 +8858,7 @@
             <a:buNone/>
           </a:pPr>
           <a:r>
-            <a:rPr lang="de-DE" sz="3000" kern="1200" dirty="0"/>
+            <a:rPr lang="de-DE" sz="2000" kern="1200" dirty="0"/>
             <a:t>Interaktion mit gesprochener Sprache</a:t>
           </a:r>
         </a:p>
@@ -10090,12 +8918,12 @@
         </a:fontRef>
       </dsp:style>
       <dsp:txBody>
-        <a:bodyPr spcFirstLastPara="0" vert="horz" wrap="square" lIns="114300" tIns="114300" rIns="114300" bIns="114300" numCol="1" spcCol="1270" anchor="ctr" anchorCtr="0">
+        <a:bodyPr spcFirstLastPara="0" vert="horz" wrap="square" lIns="76200" tIns="76200" rIns="76200" bIns="76200" numCol="1" spcCol="1270" anchor="ctr" anchorCtr="0">
           <a:noAutofit/>
         </a:bodyPr>
         <a:lstStyle/>
         <a:p>
-          <a:pPr marL="0" lvl="0" indent="0" algn="ctr" defTabSz="1333500">
+          <a:pPr marL="0" lvl="0" indent="0" algn="ctr" defTabSz="889000">
             <a:lnSpc>
               <a:spcPct val="90000"/>
             </a:lnSpc>
@@ -10108,8 +8936,8 @@
             <a:buNone/>
           </a:pPr>
           <a:r>
-            <a:rPr lang="de-DE" sz="3000" kern="1200" dirty="0"/>
-            <a:t>geringes Vorwissen</a:t>
+            <a:rPr lang="de-DE" sz="2000" kern="1200" dirty="0"/>
+            <a:t>geringes Vorwissen nötig</a:t>
           </a:r>
         </a:p>
       </dsp:txBody>
@@ -10168,12 +8996,12 @@
         </a:fontRef>
       </dsp:style>
       <dsp:txBody>
-        <a:bodyPr spcFirstLastPara="0" vert="horz" wrap="square" lIns="114300" tIns="114300" rIns="114300" bIns="114300" numCol="1" spcCol="1270" anchor="ctr" anchorCtr="0">
+        <a:bodyPr spcFirstLastPara="0" vert="horz" wrap="square" lIns="76200" tIns="76200" rIns="76200" bIns="76200" numCol="1" spcCol="1270" anchor="ctr" anchorCtr="0">
           <a:noAutofit/>
         </a:bodyPr>
         <a:lstStyle/>
         <a:p>
-          <a:pPr marL="0" lvl="0" indent="0" algn="ctr" defTabSz="1333500">
+          <a:pPr marL="0" lvl="0" indent="0" algn="ctr" defTabSz="889000">
             <a:lnSpc>
               <a:spcPct val="90000"/>
             </a:lnSpc>
@@ -10186,7 +9014,7 @@
             <a:buNone/>
           </a:pPr>
           <a:r>
-            <a:rPr lang="de-DE" sz="3000" kern="1200" dirty="0"/>
+            <a:rPr lang="de-DE" sz="2000" kern="1200" dirty="0"/>
             <a:t>Nutzung auch mit motorischen Einschränkungen</a:t>
           </a:r>
         </a:p>
@@ -10246,12 +9074,12 @@
         </a:fontRef>
       </dsp:style>
       <dsp:txBody>
-        <a:bodyPr spcFirstLastPara="0" vert="horz" wrap="square" lIns="114300" tIns="114300" rIns="114300" bIns="114300" numCol="1" spcCol="1270" anchor="ctr" anchorCtr="0">
+        <a:bodyPr spcFirstLastPara="0" vert="horz" wrap="square" lIns="76200" tIns="76200" rIns="76200" bIns="76200" numCol="1" spcCol="1270" anchor="ctr" anchorCtr="0">
           <a:noAutofit/>
         </a:bodyPr>
         <a:lstStyle/>
         <a:p>
-          <a:pPr marL="0" lvl="0" indent="0" algn="ctr" defTabSz="1333500">
+          <a:pPr marL="0" lvl="0" indent="0" algn="ctr" defTabSz="889000">
             <a:lnSpc>
               <a:spcPct val="90000"/>
             </a:lnSpc>
@@ -10264,8 +9092,8 @@
             <a:buNone/>
           </a:pPr>
           <a:r>
-            <a:rPr lang="de-DE" sz="3000" kern="1200" dirty="0"/>
-            <a:t>universelles Konzept</a:t>
+            <a:rPr lang="de-DE" sz="2000" kern="1200" dirty="0"/>
+            <a:t>Konzept für Sprachsteuerung eines Assistenzroboters </a:t>
           </a:r>
         </a:p>
       </dsp:txBody>
@@ -10324,12 +9152,12 @@
         </a:fontRef>
       </dsp:style>
       <dsp:txBody>
-        <a:bodyPr spcFirstLastPara="0" vert="horz" wrap="square" lIns="114300" tIns="114300" rIns="114300" bIns="114300" numCol="1" spcCol="1270" anchor="ctr" anchorCtr="0">
+        <a:bodyPr spcFirstLastPara="0" vert="horz" wrap="square" lIns="76200" tIns="76200" rIns="76200" bIns="76200" numCol="1" spcCol="1270" anchor="ctr" anchorCtr="0">
           <a:noAutofit/>
         </a:bodyPr>
         <a:lstStyle/>
         <a:p>
-          <a:pPr marL="0" lvl="0" indent="0" algn="ctr" defTabSz="1333500">
+          <a:pPr marL="0" lvl="0" indent="0" algn="ctr" defTabSz="889000">
             <a:lnSpc>
               <a:spcPct val="90000"/>
             </a:lnSpc>
@@ -10342,7 +9170,7 @@
             <a:buNone/>
           </a:pPr>
           <a:r>
-            <a:rPr lang="de-DE" sz="3000" kern="1200" dirty="0"/>
+            <a:rPr lang="de-DE" sz="2000" kern="1200" dirty="0"/>
             <a:t>Schutz der Privatsphäre</a:t>
           </a:r>
         </a:p>
@@ -10402,12 +9230,12 @@
         </a:fontRef>
       </dsp:style>
       <dsp:txBody>
-        <a:bodyPr spcFirstLastPara="0" vert="horz" wrap="square" lIns="114300" tIns="114300" rIns="114300" bIns="114300" numCol="1" spcCol="1270" anchor="ctr" anchorCtr="0">
+        <a:bodyPr spcFirstLastPara="0" vert="horz" wrap="square" lIns="76200" tIns="76200" rIns="76200" bIns="76200" numCol="1" spcCol="1270" anchor="ctr" anchorCtr="0">
           <a:noAutofit/>
         </a:bodyPr>
         <a:lstStyle/>
         <a:p>
-          <a:pPr marL="0" lvl="0" indent="0" algn="ctr" defTabSz="1333500">
+          <a:pPr marL="0" lvl="0" indent="0" algn="ctr" defTabSz="889000">
             <a:lnSpc>
               <a:spcPct val="90000"/>
             </a:lnSpc>
@@ -10420,7 +9248,7 @@
             <a:buNone/>
           </a:pPr>
           <a:r>
-            <a:rPr lang="de-DE" sz="3000" kern="1200" dirty="0"/>
+            <a:rPr lang="de-DE" sz="2000" kern="1200" dirty="0"/>
             <a:t>Test mit Prototyp</a:t>
           </a:r>
         </a:p>
@@ -10435,207 +9263,6 @@
 </file>
 
 <file path=ppt/diagrams/drawing2.xml><?xml version="1.0" encoding="utf-8"?>
-<dsp:drawing xmlns:dgm="http://schemas.openxmlformats.org/drawingml/2006/diagram" xmlns:dsp="http://schemas.microsoft.com/office/drawing/2008/diagram" xmlns:a="http://schemas.openxmlformats.org/drawingml/2006/main">
-  <dsp:spTree>
-    <dsp:nvGrpSpPr>
-      <dsp:cNvPr id="0" name=""/>
-      <dsp:cNvGrpSpPr/>
-    </dsp:nvGrpSpPr>
-    <dsp:grpSpPr/>
-    <dsp:sp modelId="{5614F034-8AB8-4EBE-ACDD-D0A46DD7C079}">
-      <dsp:nvSpPr>
-        <dsp:cNvPr id="0" name=""/>
-        <dsp:cNvSpPr/>
-      </dsp:nvSpPr>
-      <dsp:spPr>
-        <a:xfrm>
-          <a:off x="0" y="188332"/>
-          <a:ext cx="5964523" cy="1287000"/>
-        </a:xfrm>
-        <a:prstGeom prst="roundRect">
-          <a:avLst/>
-        </a:prstGeom>
-        <a:solidFill>
-          <a:schemeClr val="accent1">
-            <a:hueOff val="0"/>
-            <a:satOff val="0"/>
-            <a:lumOff val="0"/>
-            <a:alphaOff val="0"/>
-          </a:schemeClr>
-        </a:solidFill>
-        <a:ln w="12700" cap="flat" cmpd="sng" algn="ctr">
-          <a:solidFill>
-            <a:schemeClr val="lt1">
-              <a:hueOff val="0"/>
-              <a:satOff val="0"/>
-              <a:lumOff val="0"/>
-              <a:alphaOff val="0"/>
-            </a:schemeClr>
-          </a:solidFill>
-          <a:prstDash val="solid"/>
-          <a:miter lim="800000"/>
-        </a:ln>
-        <a:effectLst/>
-      </dsp:spPr>
-      <dsp:style>
-        <a:lnRef idx="2">
-          <a:scrgbClr r="0" g="0" b="0"/>
-        </a:lnRef>
-        <a:fillRef idx="1">
-          <a:scrgbClr r="0" g="0" b="0"/>
-        </a:fillRef>
-        <a:effectRef idx="0">
-          <a:scrgbClr r="0" g="0" b="0"/>
-        </a:effectRef>
-        <a:fontRef idx="minor">
-          <a:schemeClr val="lt1"/>
-        </a:fontRef>
-      </dsp:style>
-      <dsp:txBody>
-        <a:bodyPr spcFirstLastPara="0" vert="horz" wrap="square" lIns="190500" tIns="190500" rIns="190500" bIns="190500" numCol="1" spcCol="1270" anchor="ctr" anchorCtr="0">
-          <a:noAutofit/>
-        </a:bodyPr>
-        <a:lstStyle/>
-        <a:p>
-          <a:pPr marL="0" lvl="0" indent="0" algn="l" defTabSz="2222500">
-            <a:lnSpc>
-              <a:spcPct val="90000"/>
-            </a:lnSpc>
-            <a:spcBef>
-              <a:spcPct val="0"/>
-            </a:spcBef>
-            <a:spcAft>
-              <a:spcPct val="35000"/>
-            </a:spcAft>
-            <a:buNone/>
-          </a:pPr>
-          <a:r>
-            <a:rPr lang="de-DE" sz="5000" kern="1200" dirty="0"/>
-            <a:t>Assistenzroboter</a:t>
-          </a:r>
-        </a:p>
-      </dsp:txBody>
-      <dsp:txXfrm>
-        <a:off x="62826" y="251158"/>
-        <a:ext cx="5838871" cy="1161348"/>
-      </dsp:txXfrm>
-    </dsp:sp>
-    <dsp:sp modelId="{F668552C-9D35-4361-88EF-2C54D5020D2A}">
-      <dsp:nvSpPr>
-        <dsp:cNvPr id="0" name=""/>
-        <dsp:cNvSpPr/>
-      </dsp:nvSpPr>
-      <dsp:spPr>
-        <a:xfrm>
-          <a:off x="0" y="1357347"/>
-          <a:ext cx="5964523" cy="3622500"/>
-        </a:xfrm>
-        <a:prstGeom prst="rect">
-          <a:avLst/>
-        </a:prstGeom>
-        <a:noFill/>
-        <a:ln>
-          <a:noFill/>
-        </a:ln>
-        <a:effectLst/>
-      </dsp:spPr>
-      <dsp:style>
-        <a:lnRef idx="0">
-          <a:scrgbClr r="0" g="0" b="0"/>
-        </a:lnRef>
-        <a:fillRef idx="0">
-          <a:scrgbClr r="0" g="0" b="0"/>
-        </a:fillRef>
-        <a:effectRef idx="0">
-          <a:scrgbClr r="0" g="0" b="0"/>
-        </a:effectRef>
-        <a:fontRef idx="minor"/>
-      </dsp:style>
-      <dsp:txBody>
-        <a:bodyPr spcFirstLastPara="0" vert="horz" wrap="square" lIns="189374" tIns="63500" rIns="355600" bIns="63500" numCol="1" spcCol="1270" anchor="t" anchorCtr="0">
-          <a:noAutofit/>
-        </a:bodyPr>
-        <a:lstStyle/>
-        <a:p>
-          <a:pPr marL="285750" lvl="1" indent="-285750" algn="l" defTabSz="1733550">
-            <a:lnSpc>
-              <a:spcPct val="90000"/>
-            </a:lnSpc>
-            <a:spcBef>
-              <a:spcPct val="0"/>
-            </a:spcBef>
-            <a:spcAft>
-              <a:spcPct val="20000"/>
-            </a:spcAft>
-            <a:buChar char="•"/>
-          </a:pPr>
-          <a:r>
-            <a:rPr lang="de-DE" sz="3900" kern="1200" dirty="0"/>
-            <a:t>(teil-)autonom</a:t>
-          </a:r>
-        </a:p>
-        <a:p>
-          <a:pPr marL="285750" lvl="1" indent="-285750" algn="l" defTabSz="1733550">
-            <a:lnSpc>
-              <a:spcPct val="90000"/>
-            </a:lnSpc>
-            <a:spcBef>
-              <a:spcPct val="0"/>
-            </a:spcBef>
-            <a:spcAft>
-              <a:spcPct val="20000"/>
-            </a:spcAft>
-            <a:buChar char="•"/>
-          </a:pPr>
-          <a:r>
-            <a:rPr lang="de-DE" sz="3900" kern="1200" dirty="0"/>
-            <a:t>unterstützt Menschen</a:t>
-          </a:r>
-        </a:p>
-        <a:p>
-          <a:pPr marL="285750" lvl="1" indent="-285750" algn="l" defTabSz="1733550">
-            <a:lnSpc>
-              <a:spcPct val="90000"/>
-            </a:lnSpc>
-            <a:spcBef>
-              <a:spcPct val="0"/>
-            </a:spcBef>
-            <a:spcAft>
-              <a:spcPct val="20000"/>
-            </a:spcAft>
-            <a:buChar char="•"/>
-          </a:pPr>
-          <a:r>
-            <a:rPr lang="de-DE" sz="3900" kern="1200" dirty="0"/>
-            <a:t>keine Produktion [Kar00]</a:t>
-          </a:r>
-        </a:p>
-        <a:p>
-          <a:pPr marL="285750" lvl="1" indent="-285750" algn="l" defTabSz="1733550">
-            <a:lnSpc>
-              <a:spcPct val="90000"/>
-            </a:lnSpc>
-            <a:spcBef>
-              <a:spcPct val="0"/>
-            </a:spcBef>
-            <a:spcAft>
-              <a:spcPct val="20000"/>
-            </a:spcAft>
-            <a:buChar char="•"/>
-          </a:pPr>
-          <a:endParaRPr lang="de-DE" sz="3900" kern="1200" dirty="0"/>
-        </a:p>
-      </dsp:txBody>
-      <dsp:txXfrm>
-        <a:off x="0" y="1357347"/>
-        <a:ext cx="5964523" cy="3622500"/>
-      </dsp:txXfrm>
-    </dsp:sp>
-  </dsp:spTree>
-</dsp:drawing>
-</file>
-
-<file path=ppt/diagrams/drawing3.xml><?xml version="1.0" encoding="utf-8"?>
 <dsp:drawing xmlns:dgm="http://schemas.openxmlformats.org/drawingml/2006/diagram" xmlns:dsp="http://schemas.microsoft.com/office/drawing/2008/diagram" xmlns:a="http://schemas.openxmlformats.org/drawingml/2006/main">
   <dsp:spTree>
     <dsp:nvGrpSpPr>
@@ -10692,12 +9319,12 @@
         <a:fontRef idx="minor"/>
       </dsp:style>
       <dsp:txBody>
-        <a:bodyPr spcFirstLastPara="0" vert="horz" wrap="square" lIns="952390" tIns="114300" rIns="114300" bIns="114300" numCol="1" spcCol="1270" anchor="ctr" anchorCtr="0">
+        <a:bodyPr spcFirstLastPara="0" vert="horz" wrap="square" lIns="952390" tIns="76200" rIns="76200" bIns="76200" numCol="1" spcCol="1270" anchor="ctr" anchorCtr="0">
           <a:noAutofit/>
         </a:bodyPr>
         <a:lstStyle/>
         <a:p>
-          <a:pPr marL="0" lvl="0" indent="0" algn="l" defTabSz="1333500">
+          <a:pPr marL="0" lvl="0" indent="0" algn="l" defTabSz="889000">
             <a:lnSpc>
               <a:spcPct val="90000"/>
             </a:lnSpc>
@@ -10710,7 +9337,7 @@
             <a:buNone/>
           </a:pPr>
           <a:r>
-            <a:rPr lang="de-DE" sz="3000" kern="1200" dirty="0"/>
+            <a:rPr lang="de-DE" sz="2000" kern="1200" dirty="0"/>
             <a:t>Pflege von Patienten</a:t>
           </a:r>
         </a:p>
@@ -10822,12 +9449,12 @@
         <a:fontRef idx="minor"/>
       </dsp:style>
       <dsp:txBody>
-        <a:bodyPr spcFirstLastPara="0" vert="horz" wrap="square" lIns="952390" tIns="114300" rIns="114300" bIns="114300" numCol="1" spcCol="1270" anchor="ctr" anchorCtr="0">
+        <a:bodyPr spcFirstLastPara="0" vert="horz" wrap="square" lIns="952390" tIns="76200" rIns="76200" bIns="76200" numCol="1" spcCol="1270" anchor="ctr" anchorCtr="0">
           <a:noAutofit/>
         </a:bodyPr>
         <a:lstStyle/>
         <a:p>
-          <a:pPr marL="0" lvl="0" indent="0" algn="l" defTabSz="1333500">
+          <a:pPr marL="0" lvl="0" indent="0" algn="l" defTabSz="889000">
             <a:lnSpc>
               <a:spcPct val="90000"/>
             </a:lnSpc>
@@ -10840,8 +9467,8 @@
             <a:buNone/>
           </a:pPr>
           <a:r>
-            <a:rPr lang="de-DE" sz="3000" kern="1200" dirty="0"/>
-            <a:t>Unabhängigkeit der Patienten</a:t>
+            <a:rPr lang="de-DE" sz="2000" kern="1200" dirty="0"/>
+            <a:t>Unabhängigkeit/ Eigenständigkeit der Patienten</a:t>
           </a:r>
         </a:p>
       </dsp:txBody>
@@ -10952,12 +9579,12 @@
         <a:fontRef idx="minor"/>
       </dsp:style>
       <dsp:txBody>
-        <a:bodyPr spcFirstLastPara="0" vert="horz" wrap="square" lIns="952390" tIns="114300" rIns="114300" bIns="114300" numCol="1" spcCol="1270" anchor="ctr" anchorCtr="0">
+        <a:bodyPr spcFirstLastPara="0" vert="horz" wrap="square" lIns="952390" tIns="76200" rIns="76200" bIns="76200" numCol="1" spcCol="1270" anchor="ctr" anchorCtr="0">
           <a:noAutofit/>
         </a:bodyPr>
         <a:lstStyle/>
         <a:p>
-          <a:pPr marL="0" lvl="0" indent="0" algn="l" defTabSz="1333500">
+          <a:pPr marL="0" lvl="0" indent="0" algn="l" defTabSz="889000">
             <a:lnSpc>
               <a:spcPct val="90000"/>
             </a:lnSpc>
@@ -10970,9 +9597,10 @@
             <a:buNone/>
           </a:pPr>
           <a:r>
-            <a:rPr lang="de-DE" sz="3000" kern="1200" dirty="0"/>
+            <a:rPr lang="de-DE" sz="2000" kern="1200" dirty="0"/>
             <a:t>Mobilitätshilfe</a:t>
           </a:r>
+          <a:endParaRPr lang="de-DE" sz="3000" kern="1200" dirty="0"/>
         </a:p>
       </dsp:txBody>
       <dsp:txXfrm>
@@ -11082,12 +9710,12 @@
         <a:fontRef idx="minor"/>
       </dsp:style>
       <dsp:txBody>
-        <a:bodyPr spcFirstLastPara="0" vert="horz" wrap="square" lIns="952390" tIns="114300" rIns="114300" bIns="114300" numCol="1" spcCol="1270" anchor="ctr" anchorCtr="0">
+        <a:bodyPr spcFirstLastPara="0" vert="horz" wrap="square" lIns="952390" tIns="76200" rIns="76200" bIns="76200" numCol="1" spcCol="1270" anchor="ctr" anchorCtr="0">
           <a:noAutofit/>
         </a:bodyPr>
         <a:lstStyle/>
         <a:p>
-          <a:pPr marL="0" lvl="0" indent="0" algn="l" defTabSz="1333500">
+          <a:pPr marL="0" lvl="0" indent="0" algn="l" defTabSz="889000">
             <a:lnSpc>
               <a:spcPct val="90000"/>
             </a:lnSpc>
@@ -11100,9 +9728,10 @@
             <a:buNone/>
           </a:pPr>
           <a:r>
-            <a:rPr lang="de-DE" sz="3000" kern="1200" dirty="0"/>
+            <a:rPr lang="de-DE" sz="2000" kern="1200" dirty="0"/>
             <a:t>Navigationshilfe</a:t>
           </a:r>
+          <a:endParaRPr lang="de-DE" sz="3000" kern="1200" dirty="0"/>
         </a:p>
       </dsp:txBody>
       <dsp:txXfrm>
@@ -11215,12 +9844,12 @@
         <a:fontRef idx="minor"/>
       </dsp:style>
       <dsp:txBody>
-        <a:bodyPr spcFirstLastPara="0" vert="horz" wrap="square" lIns="952390" tIns="114300" rIns="114300" bIns="114300" numCol="1" spcCol="1270" anchor="ctr" anchorCtr="0">
+        <a:bodyPr spcFirstLastPara="0" vert="horz" wrap="square" lIns="952390" tIns="76200" rIns="76200" bIns="76200" numCol="1" spcCol="1270" anchor="ctr" anchorCtr="0">
           <a:noAutofit/>
         </a:bodyPr>
         <a:lstStyle/>
         <a:p>
-          <a:pPr marL="0" lvl="0" indent="0" algn="l" defTabSz="1333500">
+          <a:pPr marL="0" lvl="0" indent="0" algn="l" defTabSz="889000">
             <a:lnSpc>
               <a:spcPct val="90000"/>
             </a:lnSpc>
@@ -11233,7 +9862,7 @@
             <a:buNone/>
           </a:pPr>
           <a:r>
-            <a:rPr lang="de-DE" sz="3000" kern="1200" dirty="0"/>
+            <a:rPr lang="de-DE" sz="2000" kern="1200" dirty="0"/>
             <a:t>Haushaltshilfe (z.B. Bodenreinigung)</a:t>
           </a:r>
         </a:p>
@@ -11300,7 +9929,7 @@
 </dsp:drawing>
 </file>
 
-<file path=ppt/diagrams/drawing4.xml><?xml version="1.0" encoding="utf-8"?>
+<file path=ppt/diagrams/drawing3.xml><?xml version="1.0" encoding="utf-8"?>
 <dsp:drawing xmlns:dgm="http://schemas.openxmlformats.org/drawingml/2006/diagram" xmlns:dsp="http://schemas.microsoft.com/office/drawing/2008/diagram" xmlns:a="http://schemas.openxmlformats.org/drawingml/2006/main">
   <dsp:spTree>
     <dsp:nvGrpSpPr>
@@ -11308,20 +9937,417 @@
       <dsp:cNvGrpSpPr/>
     </dsp:nvGrpSpPr>
     <dsp:grpSpPr/>
-    <dsp:sp modelId="{5A8A1DA8-9E7C-4899-9767-80EAD0D379B3}">
+    <dsp:sp modelId="{AE6B4B18-E717-4FB2-82EB-37051C5CEDC0}">
       <dsp:nvSpPr>
         <dsp:cNvPr id="0" name=""/>
         <dsp:cNvSpPr/>
       </dsp:nvSpPr>
       <dsp:spPr>
         <a:xfrm>
-          <a:off x="0" y="0"/>
-          <a:ext cx="7086487" cy="805968"/>
+          <a:off x="0" y="836971"/>
+          <a:ext cx="2781933" cy="1669160"/>
         </a:xfrm>
-        <a:prstGeom prst="roundRect">
-          <a:avLst>
-            <a:gd name="adj" fmla="val 10000"/>
-          </a:avLst>
+        <a:prstGeom prst="rect">
+          <a:avLst/>
+        </a:prstGeom>
+        <a:solidFill>
+          <a:schemeClr val="accent1">
+            <a:hueOff val="0"/>
+            <a:satOff val="0"/>
+            <a:lumOff val="0"/>
+            <a:alphaOff val="0"/>
+          </a:schemeClr>
+        </a:solidFill>
+        <a:ln w="12700" cap="flat" cmpd="sng" algn="ctr">
+          <a:solidFill>
+            <a:schemeClr val="lt1">
+              <a:hueOff val="0"/>
+              <a:satOff val="0"/>
+              <a:lumOff val="0"/>
+              <a:alphaOff val="0"/>
+            </a:schemeClr>
+          </a:solidFill>
+          <a:prstDash val="solid"/>
+          <a:miter lim="800000"/>
+        </a:ln>
+        <a:effectLst/>
+      </dsp:spPr>
+      <dsp:style>
+        <a:lnRef idx="2">
+          <a:scrgbClr r="0" g="0" b="0"/>
+        </a:lnRef>
+        <a:fillRef idx="1">
+          <a:scrgbClr r="0" g="0" b="0"/>
+        </a:fillRef>
+        <a:effectRef idx="0">
+          <a:scrgbClr r="0" g="0" b="0"/>
+        </a:effectRef>
+        <a:fontRef idx="minor">
+          <a:schemeClr val="lt1"/>
+        </a:fontRef>
+      </dsp:style>
+      <dsp:txBody>
+        <a:bodyPr spcFirstLastPara="0" vert="horz" wrap="square" lIns="76200" tIns="76200" rIns="76200" bIns="76200" numCol="1" spcCol="1270" anchor="ctr" anchorCtr="0">
+          <a:noAutofit/>
+        </a:bodyPr>
+        <a:lstStyle/>
+        <a:p>
+          <a:pPr marL="0" lvl="0" indent="0" algn="ctr" defTabSz="889000">
+            <a:lnSpc>
+              <a:spcPct val="90000"/>
+            </a:lnSpc>
+            <a:spcBef>
+              <a:spcPct val="0"/>
+            </a:spcBef>
+            <a:spcAft>
+              <a:spcPct val="35000"/>
+            </a:spcAft>
+            <a:buNone/>
+          </a:pPr>
+          <a:r>
+            <a:rPr lang="de-DE" sz="2000" kern="1200" dirty="0"/>
+            <a:t>Drehung</a:t>
+          </a:r>
+        </a:p>
+      </dsp:txBody>
+      <dsp:txXfrm>
+        <a:off x="0" y="836971"/>
+        <a:ext cx="2781933" cy="1669160"/>
+      </dsp:txXfrm>
+    </dsp:sp>
+    <dsp:sp modelId="{97D252E8-08D1-42A7-903A-65C0885F16B8}">
+      <dsp:nvSpPr>
+        <dsp:cNvPr id="0" name=""/>
+        <dsp:cNvSpPr/>
+      </dsp:nvSpPr>
+      <dsp:spPr>
+        <a:xfrm>
+          <a:off x="3060126" y="836971"/>
+          <a:ext cx="2781933" cy="1669160"/>
+        </a:xfrm>
+        <a:prstGeom prst="rect">
+          <a:avLst/>
+        </a:prstGeom>
+        <a:solidFill>
+          <a:schemeClr val="accent1">
+            <a:hueOff val="0"/>
+            <a:satOff val="0"/>
+            <a:lumOff val="0"/>
+            <a:alphaOff val="0"/>
+          </a:schemeClr>
+        </a:solidFill>
+        <a:ln w="12700" cap="flat" cmpd="sng" algn="ctr">
+          <a:solidFill>
+            <a:schemeClr val="lt1">
+              <a:hueOff val="0"/>
+              <a:satOff val="0"/>
+              <a:lumOff val="0"/>
+              <a:alphaOff val="0"/>
+            </a:schemeClr>
+          </a:solidFill>
+          <a:prstDash val="solid"/>
+          <a:miter lim="800000"/>
+        </a:ln>
+        <a:effectLst/>
+      </dsp:spPr>
+      <dsp:style>
+        <a:lnRef idx="2">
+          <a:scrgbClr r="0" g="0" b="0"/>
+        </a:lnRef>
+        <a:fillRef idx="1">
+          <a:scrgbClr r="0" g="0" b="0"/>
+        </a:fillRef>
+        <a:effectRef idx="0">
+          <a:scrgbClr r="0" g="0" b="0"/>
+        </a:effectRef>
+        <a:fontRef idx="minor">
+          <a:schemeClr val="lt1"/>
+        </a:fontRef>
+      </dsp:style>
+      <dsp:txBody>
+        <a:bodyPr spcFirstLastPara="0" vert="horz" wrap="square" lIns="76200" tIns="76200" rIns="76200" bIns="76200" numCol="1" spcCol="1270" anchor="ctr" anchorCtr="0">
+          <a:noAutofit/>
+        </a:bodyPr>
+        <a:lstStyle/>
+        <a:p>
+          <a:pPr marL="0" lvl="0" indent="0" algn="ctr" defTabSz="889000">
+            <a:lnSpc>
+              <a:spcPct val="90000"/>
+            </a:lnSpc>
+            <a:spcBef>
+              <a:spcPct val="0"/>
+            </a:spcBef>
+            <a:spcAft>
+              <a:spcPct val="35000"/>
+            </a:spcAft>
+            <a:buNone/>
+          </a:pPr>
+          <a:r>
+            <a:rPr lang="de-DE" sz="2000" kern="1200" dirty="0"/>
+            <a:t>zu Raum fahren</a:t>
+          </a:r>
+        </a:p>
+      </dsp:txBody>
+      <dsp:txXfrm>
+        <a:off x="3060126" y="836971"/>
+        <a:ext cx="2781933" cy="1669160"/>
+      </dsp:txXfrm>
+    </dsp:sp>
+    <dsp:sp modelId="{E057935C-C005-45EB-A0A9-A96D815C253E}">
+      <dsp:nvSpPr>
+        <dsp:cNvPr id="0" name=""/>
+        <dsp:cNvSpPr/>
+      </dsp:nvSpPr>
+      <dsp:spPr>
+        <a:xfrm>
+          <a:off x="6120253" y="836971"/>
+          <a:ext cx="2781933" cy="1669160"/>
+        </a:xfrm>
+        <a:prstGeom prst="rect">
+          <a:avLst/>
+        </a:prstGeom>
+        <a:solidFill>
+          <a:schemeClr val="accent1">
+            <a:hueOff val="0"/>
+            <a:satOff val="0"/>
+            <a:lumOff val="0"/>
+            <a:alphaOff val="0"/>
+          </a:schemeClr>
+        </a:solidFill>
+        <a:ln w="12700" cap="flat" cmpd="sng" algn="ctr">
+          <a:solidFill>
+            <a:schemeClr val="lt1">
+              <a:hueOff val="0"/>
+              <a:satOff val="0"/>
+              <a:lumOff val="0"/>
+              <a:alphaOff val="0"/>
+            </a:schemeClr>
+          </a:solidFill>
+          <a:prstDash val="solid"/>
+          <a:miter lim="800000"/>
+        </a:ln>
+        <a:effectLst/>
+      </dsp:spPr>
+      <dsp:style>
+        <a:lnRef idx="2">
+          <a:scrgbClr r="0" g="0" b="0"/>
+        </a:lnRef>
+        <a:fillRef idx="1">
+          <a:scrgbClr r="0" g="0" b="0"/>
+        </a:fillRef>
+        <a:effectRef idx="0">
+          <a:scrgbClr r="0" g="0" b="0"/>
+        </a:effectRef>
+        <a:fontRef idx="minor">
+          <a:schemeClr val="lt1"/>
+        </a:fontRef>
+      </dsp:style>
+      <dsp:txBody>
+        <a:bodyPr spcFirstLastPara="0" vert="horz" wrap="square" lIns="76200" tIns="76200" rIns="76200" bIns="76200" numCol="1" spcCol="1270" anchor="ctr" anchorCtr="0">
+          <a:noAutofit/>
+        </a:bodyPr>
+        <a:lstStyle/>
+        <a:p>
+          <a:pPr marL="0" lvl="0" indent="0" algn="ctr" defTabSz="889000">
+            <a:lnSpc>
+              <a:spcPct val="90000"/>
+            </a:lnSpc>
+            <a:spcBef>
+              <a:spcPct val="0"/>
+            </a:spcBef>
+            <a:spcAft>
+              <a:spcPct val="35000"/>
+            </a:spcAft>
+            <a:buNone/>
+          </a:pPr>
+          <a:r>
+            <a:rPr lang="de-DE" sz="2000" kern="1200" dirty="0"/>
+            <a:t>Gegenstand</a:t>
+          </a:r>
+          <a:r>
+            <a:rPr lang="de-DE" sz="3400" kern="1200" dirty="0"/>
+            <a:t> </a:t>
+          </a:r>
+          <a:r>
+            <a:rPr lang="de-DE" sz="2000" kern="1200" dirty="0"/>
+            <a:t>liefern</a:t>
+          </a:r>
+          <a:endParaRPr lang="de-DE" sz="3400" kern="1200" dirty="0"/>
+        </a:p>
+      </dsp:txBody>
+      <dsp:txXfrm>
+        <a:off x="6120253" y="836971"/>
+        <a:ext cx="2781933" cy="1669160"/>
+      </dsp:txXfrm>
+    </dsp:sp>
+    <dsp:sp modelId="{B64FF374-1A7A-414E-A490-A3977AB0829C}">
+      <dsp:nvSpPr>
+        <dsp:cNvPr id="0" name=""/>
+        <dsp:cNvSpPr/>
+      </dsp:nvSpPr>
+      <dsp:spPr>
+        <a:xfrm>
+          <a:off x="0" y="2784325"/>
+          <a:ext cx="2781933" cy="1669160"/>
+        </a:xfrm>
+        <a:prstGeom prst="rect">
+          <a:avLst/>
+        </a:prstGeom>
+        <a:solidFill>
+          <a:schemeClr val="accent1">
+            <a:hueOff val="0"/>
+            <a:satOff val="0"/>
+            <a:lumOff val="0"/>
+            <a:alphaOff val="0"/>
+          </a:schemeClr>
+        </a:solidFill>
+        <a:ln w="12700" cap="flat" cmpd="sng" algn="ctr">
+          <a:solidFill>
+            <a:schemeClr val="lt1">
+              <a:hueOff val="0"/>
+              <a:satOff val="0"/>
+              <a:lumOff val="0"/>
+              <a:alphaOff val="0"/>
+            </a:schemeClr>
+          </a:solidFill>
+          <a:prstDash val="solid"/>
+          <a:miter lim="800000"/>
+        </a:ln>
+        <a:effectLst/>
+      </dsp:spPr>
+      <dsp:style>
+        <a:lnRef idx="2">
+          <a:scrgbClr r="0" g="0" b="0"/>
+        </a:lnRef>
+        <a:fillRef idx="1">
+          <a:scrgbClr r="0" g="0" b="0"/>
+        </a:fillRef>
+        <a:effectRef idx="0">
+          <a:scrgbClr r="0" g="0" b="0"/>
+        </a:effectRef>
+        <a:fontRef idx="minor">
+          <a:schemeClr val="lt1"/>
+        </a:fontRef>
+      </dsp:style>
+      <dsp:txBody>
+        <a:bodyPr spcFirstLastPara="0" vert="horz" wrap="square" lIns="76200" tIns="76200" rIns="76200" bIns="76200" numCol="1" spcCol="1270" anchor="ctr" anchorCtr="0">
+          <a:noAutofit/>
+        </a:bodyPr>
+        <a:lstStyle/>
+        <a:p>
+          <a:pPr marL="0" lvl="0" indent="0" algn="ctr" defTabSz="889000">
+            <a:lnSpc>
+              <a:spcPct val="90000"/>
+            </a:lnSpc>
+            <a:spcBef>
+              <a:spcPct val="0"/>
+            </a:spcBef>
+            <a:spcAft>
+              <a:spcPct val="35000"/>
+            </a:spcAft>
+            <a:buNone/>
+          </a:pPr>
+          <a:r>
+            <a:rPr lang="de-DE" sz="2000" kern="1200" dirty="0"/>
+            <a:t>Nutzer ansprechen</a:t>
+          </a:r>
+        </a:p>
+      </dsp:txBody>
+      <dsp:txXfrm>
+        <a:off x="0" y="2784325"/>
+        <a:ext cx="2781933" cy="1669160"/>
+      </dsp:txXfrm>
+    </dsp:sp>
+    <dsp:sp modelId="{DD04B52B-0415-43B2-B56F-F8F11748AA58}">
+      <dsp:nvSpPr>
+        <dsp:cNvPr id="0" name=""/>
+        <dsp:cNvSpPr/>
+      </dsp:nvSpPr>
+      <dsp:spPr>
+        <a:xfrm>
+          <a:off x="3060126" y="2784325"/>
+          <a:ext cx="2781933" cy="1669160"/>
+        </a:xfrm>
+        <a:prstGeom prst="rect">
+          <a:avLst/>
+        </a:prstGeom>
+        <a:solidFill>
+          <a:schemeClr val="accent1">
+            <a:hueOff val="0"/>
+            <a:satOff val="0"/>
+            <a:lumOff val="0"/>
+            <a:alphaOff val="0"/>
+          </a:schemeClr>
+        </a:solidFill>
+        <a:ln w="12700" cap="flat" cmpd="sng" algn="ctr">
+          <a:solidFill>
+            <a:schemeClr val="lt1">
+              <a:hueOff val="0"/>
+              <a:satOff val="0"/>
+              <a:lumOff val="0"/>
+              <a:alphaOff val="0"/>
+            </a:schemeClr>
+          </a:solidFill>
+          <a:prstDash val="solid"/>
+          <a:miter lim="800000"/>
+        </a:ln>
+        <a:effectLst/>
+      </dsp:spPr>
+      <dsp:style>
+        <a:lnRef idx="2">
+          <a:scrgbClr r="0" g="0" b="0"/>
+        </a:lnRef>
+        <a:fillRef idx="1">
+          <a:scrgbClr r="0" g="0" b="0"/>
+        </a:fillRef>
+        <a:effectRef idx="0">
+          <a:scrgbClr r="0" g="0" b="0"/>
+        </a:effectRef>
+        <a:fontRef idx="minor">
+          <a:schemeClr val="lt1"/>
+        </a:fontRef>
+      </dsp:style>
+      <dsp:txBody>
+        <a:bodyPr spcFirstLastPara="0" vert="horz" wrap="square" lIns="76200" tIns="76200" rIns="76200" bIns="76200" numCol="1" spcCol="1270" anchor="ctr" anchorCtr="0">
+          <a:noAutofit/>
+        </a:bodyPr>
+        <a:lstStyle/>
+        <a:p>
+          <a:pPr marL="0" lvl="0" indent="0" algn="ctr" defTabSz="889000">
+            <a:lnSpc>
+              <a:spcPct val="90000"/>
+            </a:lnSpc>
+            <a:spcBef>
+              <a:spcPct val="0"/>
+            </a:spcBef>
+            <a:spcAft>
+              <a:spcPct val="35000"/>
+            </a:spcAft>
+            <a:buNone/>
+          </a:pPr>
+          <a:r>
+            <a:rPr lang="de-DE" sz="2000" kern="1200" dirty="0"/>
+            <a:t>aus dem Weg fahren</a:t>
+          </a:r>
+        </a:p>
+      </dsp:txBody>
+      <dsp:txXfrm>
+        <a:off x="3060126" y="2784325"/>
+        <a:ext cx="2781933" cy="1669160"/>
+      </dsp:txXfrm>
+    </dsp:sp>
+    <dsp:sp modelId="{FF718049-8D40-42BB-BD10-871E13F29D82}">
+      <dsp:nvSpPr>
+        <dsp:cNvPr id="0" name=""/>
+        <dsp:cNvSpPr/>
+      </dsp:nvSpPr>
+      <dsp:spPr>
+        <a:xfrm>
+          <a:off x="6120253" y="2784325"/>
+          <a:ext cx="2781933" cy="1669160"/>
+        </a:xfrm>
+        <a:prstGeom prst="rect">
+          <a:avLst/>
         </a:prstGeom>
         <a:solidFill>
           <a:schemeClr val="accent1">
@@ -11365,7 +10391,7 @@
         </a:bodyPr>
         <a:lstStyle/>
         <a:p>
-          <a:pPr marL="0" lvl="0" indent="0" algn="l" defTabSz="1511300">
+          <a:pPr marL="0" lvl="0" indent="0" algn="ctr" defTabSz="1511300">
             <a:lnSpc>
               <a:spcPct val="90000"/>
             </a:lnSpc>
@@ -11379,771 +10405,24 @@
           </a:pPr>
           <a:r>
             <a:rPr lang="de-DE" sz="3400" kern="1200" dirty="0"/>
-            <a:t>Drehung</a:t>
+            <a:t> </a:t>
+          </a:r>
+          <a:r>
+            <a:rPr lang="de-DE" sz="2000" kern="1200" dirty="0"/>
+            <a:t>zurückkehren</a:t>
           </a:r>
         </a:p>
       </dsp:txBody>
       <dsp:txXfrm>
-        <a:off x="1497894" y="0"/>
-        <a:ext cx="5588592" cy="805968"/>
+        <a:off x="6120253" y="2784325"/>
+        <a:ext cx="2781933" cy="1669160"/>
       </dsp:txXfrm>
-    </dsp:sp>
-    <dsp:sp modelId="{55916C73-BD82-4317-82F7-BAD3663A7FE9}">
-      <dsp:nvSpPr>
-        <dsp:cNvPr id="0" name=""/>
-        <dsp:cNvSpPr/>
-      </dsp:nvSpPr>
-      <dsp:spPr>
-        <a:xfrm>
-          <a:off x="380886" y="19910"/>
-          <a:ext cx="816717" cy="766146"/>
-        </a:xfrm>
-        <a:prstGeom prst="roundRect">
-          <a:avLst>
-            <a:gd name="adj" fmla="val 10000"/>
-          </a:avLst>
-        </a:prstGeom>
-        <a:blipFill>
-          <a:blip xmlns:r="http://schemas.openxmlformats.org/officeDocument/2006/relationships" r:embed="rId1" cstate="print">
-            <a:extLst>
-              <a:ext uri="{28A0092B-C50C-407E-A947-70E740481C1C}">
-                <a14:useLocalDpi xmlns:a14="http://schemas.microsoft.com/office/drawing/2010/main" val="0"/>
-              </a:ext>
-              <a:ext uri="{837473B0-CC2E-450A-ABE3-18F120FF3D39}">
-                <a1611:picAttrSrcUrl xmlns:a1611="http://schemas.microsoft.com/office/drawing/2016/11/main" r:id="rId2"/>
-              </a:ext>
-            </a:extLst>
-          </a:blip>
-          <a:srcRect/>
-          <a:stretch>
-            <a:fillRect/>
-          </a:stretch>
-        </a:blipFill>
-        <a:ln w="12700" cap="flat" cmpd="sng" algn="ctr">
-          <a:solidFill>
-            <a:schemeClr val="lt1">
-              <a:hueOff val="0"/>
-              <a:satOff val="0"/>
-              <a:lumOff val="0"/>
-              <a:alphaOff val="0"/>
-            </a:schemeClr>
-          </a:solidFill>
-          <a:prstDash val="solid"/>
-          <a:miter lim="800000"/>
-        </a:ln>
-        <a:effectLst/>
-      </dsp:spPr>
-      <dsp:style>
-        <a:lnRef idx="2">
-          <a:scrgbClr r="0" g="0" b="0"/>
-        </a:lnRef>
-        <a:fillRef idx="1">
-          <a:scrgbClr r="0" g="0" b="0"/>
-        </a:fillRef>
-        <a:effectRef idx="0">
-          <a:scrgbClr r="0" g="0" b="0"/>
-        </a:effectRef>
-        <a:fontRef idx="minor"/>
-      </dsp:style>
-    </dsp:sp>
-    <dsp:sp modelId="{2E1F9F8A-60C2-4F3E-B7AA-84D1CF9636C0}">
-      <dsp:nvSpPr>
-        <dsp:cNvPr id="0" name=""/>
-        <dsp:cNvSpPr/>
-      </dsp:nvSpPr>
-      <dsp:spPr>
-        <a:xfrm>
-          <a:off x="0" y="889260"/>
-          <a:ext cx="7086487" cy="805968"/>
-        </a:xfrm>
-        <a:prstGeom prst="roundRect">
-          <a:avLst>
-            <a:gd name="adj" fmla="val 10000"/>
-          </a:avLst>
-        </a:prstGeom>
-        <a:solidFill>
-          <a:schemeClr val="accent1">
-            <a:hueOff val="0"/>
-            <a:satOff val="0"/>
-            <a:lumOff val="0"/>
-            <a:alphaOff val="0"/>
-          </a:schemeClr>
-        </a:solidFill>
-        <a:ln w="12700" cap="flat" cmpd="sng" algn="ctr">
-          <a:solidFill>
-            <a:schemeClr val="lt1">
-              <a:hueOff val="0"/>
-              <a:satOff val="0"/>
-              <a:lumOff val="0"/>
-              <a:alphaOff val="0"/>
-            </a:schemeClr>
-          </a:solidFill>
-          <a:prstDash val="solid"/>
-          <a:miter lim="800000"/>
-        </a:ln>
-        <a:effectLst/>
-      </dsp:spPr>
-      <dsp:style>
-        <a:lnRef idx="2">
-          <a:scrgbClr r="0" g="0" b="0"/>
-        </a:lnRef>
-        <a:fillRef idx="1">
-          <a:scrgbClr r="0" g="0" b="0"/>
-        </a:fillRef>
-        <a:effectRef idx="0">
-          <a:scrgbClr r="0" g="0" b="0"/>
-        </a:effectRef>
-        <a:fontRef idx="minor">
-          <a:schemeClr val="lt1"/>
-        </a:fontRef>
-      </dsp:style>
-      <dsp:txBody>
-        <a:bodyPr spcFirstLastPara="0" vert="horz" wrap="square" lIns="129540" tIns="129540" rIns="129540" bIns="129540" numCol="1" spcCol="1270" anchor="ctr" anchorCtr="0">
-          <a:noAutofit/>
-        </a:bodyPr>
-        <a:lstStyle/>
-        <a:p>
-          <a:pPr marL="0" lvl="0" indent="0" algn="l" defTabSz="1511300">
-            <a:lnSpc>
-              <a:spcPct val="90000"/>
-            </a:lnSpc>
-            <a:spcBef>
-              <a:spcPct val="0"/>
-            </a:spcBef>
-            <a:spcAft>
-              <a:spcPct val="35000"/>
-            </a:spcAft>
-            <a:buNone/>
-          </a:pPr>
-          <a:r>
-            <a:rPr lang="de-DE" sz="3400" kern="1200" dirty="0"/>
-            <a:t>zu Raum fahren</a:t>
-          </a:r>
-        </a:p>
-      </dsp:txBody>
-      <dsp:txXfrm>
-        <a:off x="1497894" y="889260"/>
-        <a:ext cx="5588592" cy="805968"/>
-      </dsp:txXfrm>
-    </dsp:sp>
-    <dsp:sp modelId="{9C3E831E-00D7-4E00-AE6A-F8569392BC94}">
-      <dsp:nvSpPr>
-        <dsp:cNvPr id="0" name=""/>
-        <dsp:cNvSpPr/>
-      </dsp:nvSpPr>
-      <dsp:spPr>
-        <a:xfrm>
-          <a:off x="402656" y="887519"/>
-          <a:ext cx="787748" cy="811358"/>
-        </a:xfrm>
-        <a:prstGeom prst="roundRect">
-          <a:avLst>
-            <a:gd name="adj" fmla="val 10000"/>
-          </a:avLst>
-        </a:prstGeom>
-        <a:blipFill>
-          <a:blip xmlns:r="http://schemas.openxmlformats.org/officeDocument/2006/relationships" r:embed="rId3">
-            <a:extLst>
-              <a:ext uri="{28A0092B-C50C-407E-A947-70E740481C1C}">
-                <a14:useLocalDpi xmlns:a14="http://schemas.microsoft.com/office/drawing/2010/main" val="0"/>
-              </a:ext>
-              <a:ext uri="{837473B0-CC2E-450A-ABE3-18F120FF3D39}">
-                <a1611:picAttrSrcUrl xmlns:a1611="http://schemas.microsoft.com/office/drawing/2016/11/main" r:id="rId4"/>
-              </a:ext>
-            </a:extLst>
-          </a:blip>
-          <a:srcRect/>
-          <a:stretch>
-            <a:fillRect t="-2000" b="-2000"/>
-          </a:stretch>
-        </a:blipFill>
-        <a:ln w="12700" cap="flat" cmpd="sng" algn="ctr">
-          <a:solidFill>
-            <a:schemeClr val="lt1">
-              <a:hueOff val="0"/>
-              <a:satOff val="0"/>
-              <a:lumOff val="0"/>
-              <a:alphaOff val="0"/>
-            </a:schemeClr>
-          </a:solidFill>
-          <a:prstDash val="solid"/>
-          <a:miter lim="800000"/>
-        </a:ln>
-        <a:effectLst/>
-      </dsp:spPr>
-      <dsp:style>
-        <a:lnRef idx="2">
-          <a:scrgbClr r="0" g="0" b="0"/>
-        </a:lnRef>
-        <a:fillRef idx="1">
-          <a:scrgbClr r="0" g="0" b="0"/>
-        </a:fillRef>
-        <a:effectRef idx="0">
-          <a:scrgbClr r="0" g="0" b="0"/>
-        </a:effectRef>
-        <a:fontRef idx="minor"/>
-      </dsp:style>
-    </dsp:sp>
-    <dsp:sp modelId="{65370D36-8F29-456D-8093-A833EE93C515}">
-      <dsp:nvSpPr>
-        <dsp:cNvPr id="0" name=""/>
-        <dsp:cNvSpPr/>
-      </dsp:nvSpPr>
-      <dsp:spPr>
-        <a:xfrm>
-          <a:off x="0" y="1783562"/>
-          <a:ext cx="7086487" cy="805968"/>
-        </a:xfrm>
-        <a:prstGeom prst="roundRect">
-          <a:avLst>
-            <a:gd name="adj" fmla="val 10000"/>
-          </a:avLst>
-        </a:prstGeom>
-        <a:solidFill>
-          <a:schemeClr val="accent1">
-            <a:hueOff val="0"/>
-            <a:satOff val="0"/>
-            <a:lumOff val="0"/>
-            <a:alphaOff val="0"/>
-          </a:schemeClr>
-        </a:solidFill>
-        <a:ln w="12700" cap="flat" cmpd="sng" algn="ctr">
-          <a:solidFill>
-            <a:schemeClr val="lt1">
-              <a:hueOff val="0"/>
-              <a:satOff val="0"/>
-              <a:lumOff val="0"/>
-              <a:alphaOff val="0"/>
-            </a:schemeClr>
-          </a:solidFill>
-          <a:prstDash val="solid"/>
-          <a:miter lim="800000"/>
-        </a:ln>
-        <a:effectLst/>
-      </dsp:spPr>
-      <dsp:style>
-        <a:lnRef idx="2">
-          <a:scrgbClr r="0" g="0" b="0"/>
-        </a:lnRef>
-        <a:fillRef idx="1">
-          <a:scrgbClr r="0" g="0" b="0"/>
-        </a:fillRef>
-        <a:effectRef idx="0">
-          <a:scrgbClr r="0" g="0" b="0"/>
-        </a:effectRef>
-        <a:fontRef idx="minor">
-          <a:schemeClr val="lt1"/>
-        </a:fontRef>
-      </dsp:style>
-      <dsp:txBody>
-        <a:bodyPr spcFirstLastPara="0" vert="horz" wrap="square" lIns="129540" tIns="129540" rIns="129540" bIns="129540" numCol="1" spcCol="1270" anchor="ctr" anchorCtr="0">
-          <a:noAutofit/>
-        </a:bodyPr>
-        <a:lstStyle/>
-        <a:p>
-          <a:pPr marL="0" lvl="0" indent="0" algn="l" defTabSz="1511300">
-            <a:lnSpc>
-              <a:spcPct val="90000"/>
-            </a:lnSpc>
-            <a:spcBef>
-              <a:spcPct val="0"/>
-            </a:spcBef>
-            <a:spcAft>
-              <a:spcPct val="35000"/>
-            </a:spcAft>
-            <a:buNone/>
-          </a:pPr>
-          <a:r>
-            <a:rPr lang="de-DE" sz="3400" kern="1200" dirty="0"/>
-            <a:t>Gegenstand bringen</a:t>
-          </a:r>
-        </a:p>
-      </dsp:txBody>
-      <dsp:txXfrm>
-        <a:off x="1497894" y="1783562"/>
-        <a:ext cx="5588592" cy="805968"/>
-      </dsp:txXfrm>
-    </dsp:sp>
-    <dsp:sp modelId="{935385C0-FF92-4465-AFF5-AB9B97A02B00}">
-      <dsp:nvSpPr>
-        <dsp:cNvPr id="0" name=""/>
-        <dsp:cNvSpPr/>
-      </dsp:nvSpPr>
-      <dsp:spPr>
-        <a:xfrm>
-          <a:off x="424426" y="1795864"/>
-          <a:ext cx="773376" cy="816052"/>
-        </a:xfrm>
-        <a:prstGeom prst="roundRect">
-          <a:avLst>
-            <a:gd name="adj" fmla="val 10000"/>
-          </a:avLst>
-        </a:prstGeom>
-        <a:blipFill>
-          <a:blip xmlns:r="http://schemas.openxmlformats.org/officeDocument/2006/relationships" r:embed="rId5">
-            <a:extLst>
-              <a:ext uri="{28A0092B-C50C-407E-A947-70E740481C1C}">
-                <a14:useLocalDpi xmlns:a14="http://schemas.microsoft.com/office/drawing/2010/main" val="0"/>
-              </a:ext>
-              <a:ext uri="{96DAC541-7B7A-43D3-8B79-37D633B846F1}">
-                <asvg:svgBlip xmlns:asvg="http://schemas.microsoft.com/office/drawing/2016/SVG/main" r:embed="rId6"/>
-              </a:ext>
-              <a:ext uri="{837473B0-CC2E-450A-ABE3-18F120FF3D39}">
-                <a1611:picAttrSrcUrl xmlns:a1611="http://schemas.microsoft.com/office/drawing/2016/11/main" r:id="rId7"/>
-              </a:ext>
-            </a:extLst>
-          </a:blip>
-          <a:srcRect/>
-          <a:stretch>
-            <a:fillRect/>
-          </a:stretch>
-        </a:blipFill>
-        <a:ln w="12700" cap="flat" cmpd="sng" algn="ctr">
-          <a:solidFill>
-            <a:schemeClr val="lt1">
-              <a:hueOff val="0"/>
-              <a:satOff val="0"/>
-              <a:lumOff val="0"/>
-              <a:alphaOff val="0"/>
-            </a:schemeClr>
-          </a:solidFill>
-          <a:prstDash val="solid"/>
-          <a:miter lim="800000"/>
-        </a:ln>
-        <a:effectLst/>
-      </dsp:spPr>
-      <dsp:style>
-        <a:lnRef idx="2">
-          <a:scrgbClr r="0" g="0" b="0"/>
-        </a:lnRef>
-        <a:fillRef idx="1">
-          <a:scrgbClr r="0" g="0" b="0"/>
-        </a:fillRef>
-        <a:effectRef idx="0">
-          <a:scrgbClr r="0" g="0" b="0"/>
-        </a:effectRef>
-        <a:fontRef idx="minor"/>
-      </dsp:style>
-    </dsp:sp>
-    <dsp:sp modelId="{2ECE8B53-FE1A-4DA5-B643-FA3EB9D3FACC}">
-      <dsp:nvSpPr>
-        <dsp:cNvPr id="0" name=""/>
-        <dsp:cNvSpPr/>
-      </dsp:nvSpPr>
-      <dsp:spPr>
-        <a:xfrm>
-          <a:off x="0" y="2675169"/>
-          <a:ext cx="7086487" cy="805968"/>
-        </a:xfrm>
-        <a:prstGeom prst="roundRect">
-          <a:avLst>
-            <a:gd name="adj" fmla="val 10000"/>
-          </a:avLst>
-        </a:prstGeom>
-        <a:solidFill>
-          <a:schemeClr val="accent1">
-            <a:hueOff val="0"/>
-            <a:satOff val="0"/>
-            <a:lumOff val="0"/>
-            <a:alphaOff val="0"/>
-          </a:schemeClr>
-        </a:solidFill>
-        <a:ln w="12700" cap="flat" cmpd="sng" algn="ctr">
-          <a:solidFill>
-            <a:schemeClr val="lt1">
-              <a:hueOff val="0"/>
-              <a:satOff val="0"/>
-              <a:lumOff val="0"/>
-              <a:alphaOff val="0"/>
-            </a:schemeClr>
-          </a:solidFill>
-          <a:prstDash val="solid"/>
-          <a:miter lim="800000"/>
-        </a:ln>
-        <a:effectLst/>
-      </dsp:spPr>
-      <dsp:style>
-        <a:lnRef idx="2">
-          <a:scrgbClr r="0" g="0" b="0"/>
-        </a:lnRef>
-        <a:fillRef idx="1">
-          <a:scrgbClr r="0" g="0" b="0"/>
-        </a:fillRef>
-        <a:effectRef idx="0">
-          <a:scrgbClr r="0" g="0" b="0"/>
-        </a:effectRef>
-        <a:fontRef idx="minor">
-          <a:schemeClr val="lt1"/>
-        </a:fontRef>
-      </dsp:style>
-      <dsp:txBody>
-        <a:bodyPr spcFirstLastPara="0" vert="horz" wrap="square" lIns="129540" tIns="129540" rIns="129540" bIns="129540" numCol="1" spcCol="1270" anchor="ctr" anchorCtr="0">
-          <a:noAutofit/>
-        </a:bodyPr>
-        <a:lstStyle/>
-        <a:p>
-          <a:pPr marL="0" lvl="0" indent="0" algn="l" defTabSz="1511300">
-            <a:lnSpc>
-              <a:spcPct val="90000"/>
-            </a:lnSpc>
-            <a:spcBef>
-              <a:spcPct val="0"/>
-            </a:spcBef>
-            <a:spcAft>
-              <a:spcPct val="35000"/>
-            </a:spcAft>
-            <a:buNone/>
-          </a:pPr>
-          <a:r>
-            <a:rPr lang="de-DE" sz="3400" kern="1200" dirty="0"/>
-            <a:t>Nutzer ansprechen</a:t>
-          </a:r>
-        </a:p>
-      </dsp:txBody>
-      <dsp:txXfrm>
-        <a:off x="1497894" y="2675169"/>
-        <a:ext cx="5588592" cy="805968"/>
-      </dsp:txXfrm>
-    </dsp:sp>
-    <dsp:sp modelId="{0937F075-AB43-4E41-87E5-E4FEC977574A}">
-      <dsp:nvSpPr>
-        <dsp:cNvPr id="0" name=""/>
-        <dsp:cNvSpPr/>
-      </dsp:nvSpPr>
-      <dsp:spPr>
-        <a:xfrm>
-          <a:off x="413548" y="2710683"/>
-          <a:ext cx="824328" cy="760421"/>
-        </a:xfrm>
-        <a:prstGeom prst="roundRect">
-          <a:avLst>
-            <a:gd name="adj" fmla="val 10000"/>
-          </a:avLst>
-        </a:prstGeom>
-        <a:blipFill>
-          <a:blip xmlns:r="http://schemas.openxmlformats.org/officeDocument/2006/relationships" r:embed="rId8">
-            <a:extLst>
-              <a:ext uri="{28A0092B-C50C-407E-A947-70E740481C1C}">
-                <a14:useLocalDpi xmlns:a14="http://schemas.microsoft.com/office/drawing/2010/main" val="0"/>
-              </a:ext>
-              <a:ext uri="{837473B0-CC2E-450A-ABE3-18F120FF3D39}">
-                <a1611:picAttrSrcUrl xmlns:a1611="http://schemas.microsoft.com/office/drawing/2016/11/main" r:id="rId9"/>
-              </a:ext>
-            </a:extLst>
-          </a:blip>
-          <a:srcRect/>
-          <a:stretch>
-            <a:fillRect/>
-          </a:stretch>
-        </a:blipFill>
-        <a:ln w="12700" cap="flat" cmpd="sng" algn="ctr">
-          <a:solidFill>
-            <a:schemeClr val="lt1">
-              <a:hueOff val="0"/>
-              <a:satOff val="0"/>
-              <a:lumOff val="0"/>
-              <a:alphaOff val="0"/>
-            </a:schemeClr>
-          </a:solidFill>
-          <a:prstDash val="solid"/>
-          <a:miter lim="800000"/>
-        </a:ln>
-        <a:effectLst/>
-      </dsp:spPr>
-      <dsp:style>
-        <a:lnRef idx="2">
-          <a:scrgbClr r="0" g="0" b="0"/>
-        </a:lnRef>
-        <a:fillRef idx="1">
-          <a:scrgbClr r="0" g="0" b="0"/>
-        </a:fillRef>
-        <a:effectRef idx="0">
-          <a:scrgbClr r="0" g="0" b="0"/>
-        </a:effectRef>
-        <a:fontRef idx="minor"/>
-      </dsp:style>
-    </dsp:sp>
-    <dsp:sp modelId="{E2B15E2C-D24E-4F2A-948E-582842B35933}">
-      <dsp:nvSpPr>
-        <dsp:cNvPr id="0" name=""/>
-        <dsp:cNvSpPr/>
-      </dsp:nvSpPr>
-      <dsp:spPr>
-        <a:xfrm>
-          <a:off x="0" y="3561734"/>
-          <a:ext cx="7086487" cy="805968"/>
-        </a:xfrm>
-        <a:prstGeom prst="roundRect">
-          <a:avLst>
-            <a:gd name="adj" fmla="val 10000"/>
-          </a:avLst>
-        </a:prstGeom>
-        <a:solidFill>
-          <a:schemeClr val="accent1">
-            <a:hueOff val="0"/>
-            <a:satOff val="0"/>
-            <a:lumOff val="0"/>
-            <a:alphaOff val="0"/>
-          </a:schemeClr>
-        </a:solidFill>
-        <a:ln w="12700" cap="flat" cmpd="sng" algn="ctr">
-          <a:solidFill>
-            <a:schemeClr val="lt1">
-              <a:hueOff val="0"/>
-              <a:satOff val="0"/>
-              <a:lumOff val="0"/>
-              <a:alphaOff val="0"/>
-            </a:schemeClr>
-          </a:solidFill>
-          <a:prstDash val="solid"/>
-          <a:miter lim="800000"/>
-        </a:ln>
-        <a:effectLst/>
-      </dsp:spPr>
-      <dsp:style>
-        <a:lnRef idx="2">
-          <a:scrgbClr r="0" g="0" b="0"/>
-        </a:lnRef>
-        <a:fillRef idx="1">
-          <a:scrgbClr r="0" g="0" b="0"/>
-        </a:fillRef>
-        <a:effectRef idx="0">
-          <a:scrgbClr r="0" g="0" b="0"/>
-        </a:effectRef>
-        <a:fontRef idx="minor">
-          <a:schemeClr val="lt1"/>
-        </a:fontRef>
-      </dsp:style>
-      <dsp:txBody>
-        <a:bodyPr spcFirstLastPara="0" vert="horz" wrap="square" lIns="129540" tIns="129540" rIns="129540" bIns="129540" numCol="1" spcCol="1270" anchor="ctr" anchorCtr="0">
-          <a:noAutofit/>
-        </a:bodyPr>
-        <a:lstStyle/>
-        <a:p>
-          <a:pPr marL="0" lvl="0" indent="0" algn="l" defTabSz="1511300">
-            <a:lnSpc>
-              <a:spcPct val="90000"/>
-            </a:lnSpc>
-            <a:spcBef>
-              <a:spcPct val="0"/>
-            </a:spcBef>
-            <a:spcAft>
-              <a:spcPct val="35000"/>
-            </a:spcAft>
-            <a:buNone/>
-          </a:pPr>
-          <a:r>
-            <a:rPr lang="de-DE" sz="3400" kern="1200" dirty="0"/>
-            <a:t>aus dem Weg fahren</a:t>
-          </a:r>
-        </a:p>
-      </dsp:txBody>
-      <dsp:txXfrm>
-        <a:off x="1497894" y="3561734"/>
-        <a:ext cx="5588592" cy="805968"/>
-      </dsp:txXfrm>
-    </dsp:sp>
-    <dsp:sp modelId="{0B90FDD1-1C90-4F97-B970-EDE63D615DAD}">
-      <dsp:nvSpPr>
-        <dsp:cNvPr id="0" name=""/>
-        <dsp:cNvSpPr/>
-      </dsp:nvSpPr>
-      <dsp:spPr>
-        <a:xfrm>
-          <a:off x="435317" y="3587682"/>
-          <a:ext cx="795330" cy="774096"/>
-        </a:xfrm>
-        <a:prstGeom prst="roundRect">
-          <a:avLst>
-            <a:gd name="adj" fmla="val 10000"/>
-          </a:avLst>
-        </a:prstGeom>
-        <a:blipFill>
-          <a:blip xmlns:r="http://schemas.openxmlformats.org/officeDocument/2006/relationships" r:embed="rId10" cstate="print">
-            <a:extLst>
-              <a:ext uri="{28A0092B-C50C-407E-A947-70E740481C1C}">
-                <a14:useLocalDpi xmlns:a14="http://schemas.microsoft.com/office/drawing/2010/main" val="0"/>
-              </a:ext>
-              <a:ext uri="{837473B0-CC2E-450A-ABE3-18F120FF3D39}">
-                <a1611:picAttrSrcUrl xmlns:a1611="http://schemas.microsoft.com/office/drawing/2016/11/main" r:id="rId11"/>
-              </a:ext>
-            </a:extLst>
-          </a:blip>
-          <a:srcRect/>
-          <a:stretch>
-            <a:fillRect l="-7000" r="-7000"/>
-          </a:stretch>
-        </a:blipFill>
-        <a:ln w="12700" cap="flat" cmpd="sng" algn="ctr">
-          <a:solidFill>
-            <a:schemeClr val="lt1">
-              <a:hueOff val="0"/>
-              <a:satOff val="0"/>
-              <a:lumOff val="0"/>
-              <a:alphaOff val="0"/>
-            </a:schemeClr>
-          </a:solidFill>
-          <a:prstDash val="solid"/>
-          <a:miter lim="800000"/>
-        </a:ln>
-        <a:effectLst/>
-      </dsp:spPr>
-      <dsp:style>
-        <a:lnRef idx="2">
-          <a:scrgbClr r="0" g="0" b="0"/>
-        </a:lnRef>
-        <a:fillRef idx="1">
-          <a:scrgbClr r="0" g="0" b="0"/>
-        </a:fillRef>
-        <a:effectRef idx="0">
-          <a:scrgbClr r="0" g="0" b="0"/>
-        </a:effectRef>
-        <a:fontRef idx="minor"/>
-      </dsp:style>
-    </dsp:sp>
-    <dsp:sp modelId="{6CC54D3B-E06D-4801-B4F5-52A3FEA74FBE}">
-      <dsp:nvSpPr>
-        <dsp:cNvPr id="0" name=""/>
-        <dsp:cNvSpPr/>
-      </dsp:nvSpPr>
-      <dsp:spPr>
-        <a:xfrm>
-          <a:off x="0" y="4464434"/>
-          <a:ext cx="7086487" cy="805968"/>
-        </a:xfrm>
-        <a:prstGeom prst="roundRect">
-          <a:avLst>
-            <a:gd name="adj" fmla="val 10000"/>
-          </a:avLst>
-        </a:prstGeom>
-        <a:solidFill>
-          <a:schemeClr val="accent1">
-            <a:hueOff val="0"/>
-            <a:satOff val="0"/>
-            <a:lumOff val="0"/>
-            <a:alphaOff val="0"/>
-          </a:schemeClr>
-        </a:solidFill>
-        <a:ln w="12700" cap="flat" cmpd="sng" algn="ctr">
-          <a:solidFill>
-            <a:schemeClr val="lt1">
-              <a:hueOff val="0"/>
-              <a:satOff val="0"/>
-              <a:lumOff val="0"/>
-              <a:alphaOff val="0"/>
-            </a:schemeClr>
-          </a:solidFill>
-          <a:prstDash val="solid"/>
-          <a:miter lim="800000"/>
-        </a:ln>
-        <a:effectLst/>
-      </dsp:spPr>
-      <dsp:style>
-        <a:lnRef idx="2">
-          <a:scrgbClr r="0" g="0" b="0"/>
-        </a:lnRef>
-        <a:fillRef idx="1">
-          <a:scrgbClr r="0" g="0" b="0"/>
-        </a:fillRef>
-        <a:effectRef idx="0">
-          <a:scrgbClr r="0" g="0" b="0"/>
-        </a:effectRef>
-        <a:fontRef idx="minor">
-          <a:schemeClr val="lt1"/>
-        </a:fontRef>
-      </dsp:style>
-      <dsp:txBody>
-        <a:bodyPr spcFirstLastPara="0" vert="horz" wrap="square" lIns="129540" tIns="129540" rIns="129540" bIns="129540" numCol="1" spcCol="1270" anchor="ctr" anchorCtr="0">
-          <a:noAutofit/>
-        </a:bodyPr>
-        <a:lstStyle/>
-        <a:p>
-          <a:pPr marL="0" lvl="0" indent="0" algn="l" defTabSz="1511300">
-            <a:lnSpc>
-              <a:spcPct val="90000"/>
-            </a:lnSpc>
-            <a:spcBef>
-              <a:spcPct val="0"/>
-            </a:spcBef>
-            <a:spcAft>
-              <a:spcPct val="35000"/>
-            </a:spcAft>
-            <a:buNone/>
-          </a:pPr>
-          <a:r>
-            <a:rPr lang="de-DE" sz="3400" kern="1200" dirty="0"/>
-            <a:t> zurückkehren</a:t>
-          </a:r>
-        </a:p>
-      </dsp:txBody>
-      <dsp:txXfrm>
-        <a:off x="1497894" y="4464434"/>
-        <a:ext cx="5588592" cy="805968"/>
-      </dsp:txXfrm>
-    </dsp:sp>
-    <dsp:sp modelId="{280279AB-BBD6-417C-9A69-4F2F15BDDC13}">
-      <dsp:nvSpPr>
-        <dsp:cNvPr id="0" name=""/>
-        <dsp:cNvSpPr/>
-      </dsp:nvSpPr>
-      <dsp:spPr>
-        <a:xfrm>
-          <a:off x="435317" y="4452217"/>
-          <a:ext cx="809928" cy="838239"/>
-        </a:xfrm>
-        <a:prstGeom prst="roundRect">
-          <a:avLst>
-            <a:gd name="adj" fmla="val 10000"/>
-          </a:avLst>
-        </a:prstGeom>
-        <a:blipFill>
-          <a:blip xmlns:r="http://schemas.openxmlformats.org/officeDocument/2006/relationships" r:embed="rId12" cstate="print">
-            <a:extLst>
-              <a:ext uri="{28A0092B-C50C-407E-A947-70E740481C1C}">
-                <a14:useLocalDpi xmlns:a14="http://schemas.microsoft.com/office/drawing/2010/main" val="0"/>
-              </a:ext>
-              <a:ext uri="{837473B0-CC2E-450A-ABE3-18F120FF3D39}">
-                <a1611:picAttrSrcUrl xmlns:a1611="http://schemas.microsoft.com/office/drawing/2016/11/main" r:id="rId13"/>
-              </a:ext>
-            </a:extLst>
-          </a:blip>
-          <a:srcRect/>
-          <a:stretch>
-            <a:fillRect/>
-          </a:stretch>
-        </a:blipFill>
-        <a:ln w="12700" cap="flat" cmpd="sng" algn="ctr">
-          <a:solidFill>
-            <a:schemeClr val="lt1">
-              <a:hueOff val="0"/>
-              <a:satOff val="0"/>
-              <a:lumOff val="0"/>
-              <a:alphaOff val="0"/>
-            </a:schemeClr>
-          </a:solidFill>
-          <a:prstDash val="solid"/>
-          <a:miter lim="800000"/>
-        </a:ln>
-        <a:effectLst/>
-      </dsp:spPr>
-      <dsp:style>
-        <a:lnRef idx="2">
-          <a:scrgbClr r="0" g="0" b="0"/>
-        </a:lnRef>
-        <a:fillRef idx="1">
-          <a:scrgbClr r="0" g="0" b="0"/>
-        </a:fillRef>
-        <a:effectRef idx="0">
-          <a:scrgbClr r="0" g="0" b="0"/>
-        </a:effectRef>
-        <a:fontRef idx="minor"/>
-      </dsp:style>
     </dsp:sp>
   </dsp:spTree>
 </dsp:drawing>
 </file>
 
-<file path=ppt/diagrams/drawing5.xml><?xml version="1.0" encoding="utf-8"?>
+<file path=ppt/diagrams/drawing4.xml><?xml version="1.0" encoding="utf-8"?>
 <dsp:drawing xmlns:dgm="http://schemas.openxmlformats.org/drawingml/2006/diagram" xmlns:dsp="http://schemas.microsoft.com/office/drawing/2008/diagram" xmlns:a="http://schemas.openxmlformats.org/drawingml/2006/main">
   <dsp:spTree>
     <dsp:nvGrpSpPr>
@@ -12158,8 +10437,8 @@
       </dsp:nvSpPr>
       <dsp:spPr>
         <a:xfrm>
-          <a:off x="6301" y="845903"/>
-          <a:ext cx="3232866" cy="1293146"/>
+          <a:off x="7234" y="1079895"/>
+          <a:ext cx="3711268" cy="1484507"/>
         </a:xfrm>
         <a:prstGeom prst="chevron">
           <a:avLst/>
@@ -12201,12 +10480,12 @@
         </a:fontRef>
       </dsp:style>
       <dsp:txBody>
-        <a:bodyPr spcFirstLastPara="0" vert="horz" wrap="square" lIns="33020" tIns="16510" rIns="0" bIns="16510" numCol="1" spcCol="1270" anchor="ctr" anchorCtr="0">
+        <a:bodyPr spcFirstLastPara="0" vert="horz" wrap="square" lIns="30480" tIns="15240" rIns="0" bIns="15240" numCol="1" spcCol="1270" anchor="ctr" anchorCtr="0">
           <a:noAutofit/>
         </a:bodyPr>
         <a:lstStyle/>
         <a:p>
-          <a:pPr marL="0" lvl="0" indent="0" algn="ctr" defTabSz="1155700">
+          <a:pPr marL="0" lvl="0" indent="0" algn="ctr" defTabSz="1066800">
             <a:lnSpc>
               <a:spcPct val="90000"/>
             </a:lnSpc>
@@ -12219,14 +10498,15 @@
             <a:buNone/>
           </a:pPr>
           <a:r>
-            <a:rPr lang="de-DE" sz="2600" kern="1200" dirty="0"/>
+            <a:rPr lang="de-DE" sz="2400" kern="1200" dirty="0"/>
             <a:t>Hypothesen</a:t>
           </a:r>
+          <a:endParaRPr lang="de-DE" sz="2600" kern="1200" dirty="0"/>
         </a:p>
       </dsp:txBody>
       <dsp:txXfrm>
-        <a:off x="652874" y="845903"/>
-        <a:ext cx="1939720" cy="1293146"/>
+        <a:off x="749488" y="1079895"/>
+        <a:ext cx="2226761" cy="1484507"/>
       </dsp:txXfrm>
     </dsp:sp>
     <dsp:sp modelId="{1107599F-9E43-42B1-A089-A9393A1BBEFA}">
@@ -12236,8 +10516,8 @@
       </dsp:nvSpPr>
       <dsp:spPr>
         <a:xfrm>
-          <a:off x="2818895" y="955821"/>
-          <a:ext cx="2683278" cy="1073311"/>
+          <a:off x="3236038" y="1206078"/>
+          <a:ext cx="3080353" cy="1232141"/>
         </a:xfrm>
         <a:prstGeom prst="chevron">
           <a:avLst/>
@@ -12281,12 +10561,12 @@
         <a:fontRef idx="minor"/>
       </dsp:style>
       <dsp:txBody>
-        <a:bodyPr spcFirstLastPara="0" vert="horz" wrap="square" lIns="20320" tIns="10160" rIns="0" bIns="10160" numCol="1" spcCol="1270" anchor="ctr" anchorCtr="0">
+        <a:bodyPr spcFirstLastPara="0" vert="horz" wrap="square" lIns="22860" tIns="11430" rIns="0" bIns="11430" numCol="1" spcCol="1270" anchor="ctr" anchorCtr="0">
           <a:noAutofit/>
         </a:bodyPr>
         <a:lstStyle/>
         <a:p>
-          <a:pPr marL="0" lvl="0" indent="0" algn="ctr" defTabSz="711200">
+          <a:pPr marL="0" lvl="0" indent="0" algn="ctr" defTabSz="800100">
             <a:lnSpc>
               <a:spcPct val="90000"/>
             </a:lnSpc>
@@ -12299,14 +10579,14 @@
             <a:buNone/>
           </a:pPr>
           <a:r>
-            <a:rPr lang="de-DE" sz="1600" kern="1200"/>
+            <a:rPr lang="de-DE" sz="1800" kern="1200" dirty="0"/>
             <a:t>Nutzung ist selbsterklärend</a:t>
           </a:r>
         </a:p>
       </dsp:txBody>
       <dsp:txXfrm>
-        <a:off x="3355551" y="955821"/>
-        <a:ext cx="1609967" cy="1073311"/>
+        <a:off x="3852109" y="1206078"/>
+        <a:ext cx="1848212" cy="1232141"/>
       </dsp:txXfrm>
     </dsp:sp>
     <dsp:sp modelId="{B41C0435-9F75-4905-B680-1E44DB9C2A49}">
@@ -12316,8 +10596,8 @@
       </dsp:nvSpPr>
       <dsp:spPr>
         <a:xfrm>
-          <a:off x="5126514" y="955821"/>
-          <a:ext cx="2683278" cy="1073311"/>
+          <a:off x="5885141" y="1206078"/>
+          <a:ext cx="3080353" cy="1232141"/>
         </a:xfrm>
         <a:prstGeom prst="chevron">
           <a:avLst/>
@@ -12361,12 +10641,12 @@
         <a:fontRef idx="minor"/>
       </dsp:style>
       <dsp:txBody>
-        <a:bodyPr spcFirstLastPara="0" vert="horz" wrap="square" lIns="20320" tIns="10160" rIns="0" bIns="10160" numCol="1" spcCol="1270" anchor="ctr" anchorCtr="0">
+        <a:bodyPr spcFirstLastPara="0" vert="horz" wrap="square" lIns="22860" tIns="11430" rIns="0" bIns="11430" numCol="1" spcCol="1270" anchor="ctr" anchorCtr="0">
           <a:noAutofit/>
         </a:bodyPr>
         <a:lstStyle/>
         <a:p>
-          <a:pPr marL="0" lvl="0" indent="0" algn="ctr" defTabSz="711200">
+          <a:pPr marL="0" lvl="0" indent="0" algn="ctr" defTabSz="800100">
             <a:lnSpc>
               <a:spcPct val="90000"/>
             </a:lnSpc>
@@ -12379,14 +10659,14 @@
             <a:buNone/>
           </a:pPr>
           <a:r>
-            <a:rPr lang="de-DE" sz="1600" kern="1200" dirty="0"/>
+            <a:rPr lang="de-DE" sz="1800" kern="1200" dirty="0"/>
             <a:t>Gefühl von Natürlichkeit</a:t>
           </a:r>
         </a:p>
       </dsp:txBody>
       <dsp:txXfrm>
-        <a:off x="5663170" y="955821"/>
-        <a:ext cx="1609967" cy="1073311"/>
+        <a:off x="6501212" y="1206078"/>
+        <a:ext cx="1848212" cy="1232141"/>
       </dsp:txXfrm>
     </dsp:sp>
     <dsp:sp modelId="{E64522DB-4E3E-431D-9187-EFE621B066BB}">
@@ -12396,8 +10676,8 @@
       </dsp:nvSpPr>
       <dsp:spPr>
         <a:xfrm>
-          <a:off x="7434134" y="955821"/>
-          <a:ext cx="2683278" cy="1073311"/>
+          <a:off x="8534245" y="1206078"/>
+          <a:ext cx="3080353" cy="1232141"/>
         </a:xfrm>
         <a:prstGeom prst="chevron">
           <a:avLst/>
@@ -12441,12 +10721,12 @@
         <a:fontRef idx="minor"/>
       </dsp:style>
       <dsp:txBody>
-        <a:bodyPr spcFirstLastPara="0" vert="horz" wrap="square" lIns="20320" tIns="10160" rIns="0" bIns="10160" numCol="1" spcCol="1270" anchor="ctr" anchorCtr="0">
+        <a:bodyPr spcFirstLastPara="0" vert="horz" wrap="square" lIns="22860" tIns="11430" rIns="0" bIns="11430" numCol="1" spcCol="1270" anchor="ctr" anchorCtr="0">
           <a:noAutofit/>
         </a:bodyPr>
         <a:lstStyle/>
         <a:p>
-          <a:pPr marL="0" lvl="0" indent="0" algn="ctr" defTabSz="711200">
+          <a:pPr marL="0" lvl="0" indent="0" algn="ctr" defTabSz="800100">
             <a:lnSpc>
               <a:spcPct val="90000"/>
             </a:lnSpc>
@@ -12459,21 +10739,21 @@
             <a:buNone/>
           </a:pPr>
           <a:r>
-            <a:rPr lang="de-DE" sz="1600" kern="1200"/>
+            <a:rPr lang="de-DE" sz="1800" kern="1200" dirty="0"/>
             <a:t>Datenschutz erhöht Bereitschaft zur Nutzung</a:t>
           </a:r>
         </a:p>
       </dsp:txBody>
       <dsp:txXfrm>
-        <a:off x="7970790" y="955821"/>
-        <a:ext cx="1609967" cy="1073311"/>
+        <a:off x="9150316" y="1206078"/>
+        <a:ext cx="1848212" cy="1232141"/>
       </dsp:txXfrm>
     </dsp:sp>
   </dsp:spTree>
 </dsp:drawing>
 </file>
 
-<file path=ppt/diagrams/drawing6.xml><?xml version="1.0" encoding="utf-8"?>
+<file path=ppt/diagrams/drawing5.xml><?xml version="1.0" encoding="utf-8"?>
 <dsp:drawing xmlns:dgm="http://schemas.openxmlformats.org/drawingml/2006/diagram" xmlns:dsp="http://schemas.microsoft.com/office/drawing/2008/diagram" xmlns:a="http://schemas.openxmlformats.org/drawingml/2006/main">
   <dsp:spTree>
     <dsp:nvGrpSpPr>
@@ -12534,12 +10814,12 @@
         </a:fontRef>
       </dsp:style>
       <dsp:txBody>
-        <a:bodyPr spcFirstLastPara="0" vert="horz" wrap="square" lIns="27940" tIns="27940" rIns="27940" bIns="27940" numCol="1" spcCol="1270" anchor="ctr" anchorCtr="0">
+        <a:bodyPr spcFirstLastPara="0" vert="horz" wrap="square" lIns="25400" tIns="25400" rIns="25400" bIns="25400" numCol="1" spcCol="1270" anchor="ctr" anchorCtr="0">
           <a:noAutofit/>
         </a:bodyPr>
         <a:lstStyle/>
         <a:p>
-          <a:pPr marL="0" lvl="0" indent="0" algn="ctr" defTabSz="977900">
+          <a:pPr marL="0" lvl="0" indent="0" algn="ctr" defTabSz="889000">
             <a:lnSpc>
               <a:spcPct val="90000"/>
             </a:lnSpc>
@@ -12552,7 +10832,7 @@
             <a:buNone/>
           </a:pPr>
           <a:r>
-            <a:rPr lang="de-DE" sz="2200" kern="1200" dirty="0"/>
+            <a:rPr lang="de-DE" sz="2000" kern="1200" dirty="0"/>
             <a:t>eigene Fragen</a:t>
           </a:r>
         </a:p>
@@ -12615,12 +10895,12 @@
         </a:fontRef>
       </dsp:style>
       <dsp:txBody>
-        <a:bodyPr spcFirstLastPara="0" vert="horz" wrap="square" lIns="27940" tIns="27940" rIns="27940" bIns="27940" numCol="1" spcCol="1270" anchor="ctr" anchorCtr="0">
+        <a:bodyPr spcFirstLastPara="0" vert="horz" wrap="square" lIns="25400" tIns="25400" rIns="25400" bIns="25400" numCol="1" spcCol="1270" anchor="ctr" anchorCtr="0">
           <a:noAutofit/>
         </a:bodyPr>
         <a:lstStyle/>
         <a:p>
-          <a:pPr marL="0" lvl="0" indent="0" algn="ctr" defTabSz="977900">
+          <a:pPr marL="0" lvl="0" indent="0" algn="ctr" defTabSz="889000">
             <a:lnSpc>
               <a:spcPct val="90000"/>
             </a:lnSpc>
@@ -12633,9 +10913,10 @@
             <a:buNone/>
           </a:pPr>
           <a:r>
-            <a:rPr lang="de-DE" sz="2200" kern="1200" dirty="0"/>
+            <a:rPr lang="de-DE" sz="2000" kern="1200" dirty="0"/>
             <a:t>Gespräch</a:t>
           </a:r>
+          <a:endParaRPr lang="de-DE" sz="2600" kern="1200" dirty="0"/>
         </a:p>
       </dsp:txBody>
       <dsp:txXfrm>
@@ -12696,12 +10977,12 @@
         </a:fontRef>
       </dsp:style>
       <dsp:txBody>
-        <a:bodyPr spcFirstLastPara="0" vert="horz" wrap="square" lIns="27940" tIns="27940" rIns="27940" bIns="27940" numCol="1" spcCol="1270" anchor="ctr" anchorCtr="0">
+        <a:bodyPr spcFirstLastPara="0" vert="horz" wrap="square" lIns="25400" tIns="25400" rIns="25400" bIns="25400" numCol="1" spcCol="1270" anchor="ctr" anchorCtr="0">
           <a:noAutofit/>
         </a:bodyPr>
         <a:lstStyle/>
         <a:p>
-          <a:pPr marL="0" lvl="0" indent="0" algn="ctr" defTabSz="977900">
+          <a:pPr marL="0" lvl="0" indent="0" algn="ctr" defTabSz="889000">
             <a:lnSpc>
               <a:spcPct val="90000"/>
             </a:lnSpc>
@@ -12714,7 +10995,7 @@
             <a:buNone/>
           </a:pPr>
           <a:r>
-            <a:rPr lang="de-DE" sz="2200" kern="1200" dirty="0"/>
+            <a:rPr lang="de-DE" sz="2000" kern="1200" dirty="0"/>
             <a:t>System Usability Score</a:t>
           </a:r>
         </a:p>
@@ -12728,7 +11009,7 @@
 </dsp:drawing>
 </file>
 
-<file path=ppt/diagrams/drawing7.xml><?xml version="1.0" encoding="utf-8"?>
+<file path=ppt/diagrams/drawing6.xml><?xml version="1.0" encoding="utf-8"?>
 <dsp:drawing xmlns:dgm="http://schemas.openxmlformats.org/drawingml/2006/diagram" xmlns:dsp="http://schemas.microsoft.com/office/drawing/2008/diagram" xmlns:a="http://schemas.openxmlformats.org/drawingml/2006/main">
   <dsp:spTree>
     <dsp:nvGrpSpPr>
@@ -12743,7 +11024,7 @@
       </dsp:nvSpPr>
       <dsp:spPr>
         <a:xfrm rot="16200000">
-          <a:off x="-1525014" y="2586366"/>
+          <a:off x="-1489868" y="2505970"/>
           <a:ext cx="3832382" cy="810696"/>
         </a:xfrm>
         <a:prstGeom prst="rect">
@@ -12792,7 +11073,7 @@
         </a:p>
       </dsp:txBody>
       <dsp:txXfrm>
-        <a:off x="-1525014" y="2586366"/>
+        <a:off x="-1489868" y="2505970"/>
         <a:ext cx="3832382" cy="810696"/>
       </dsp:txXfrm>
     </dsp:sp>
@@ -12803,8 +11084,8 @@
       </dsp:nvSpPr>
       <dsp:spPr>
         <a:xfrm>
-          <a:off x="1723165" y="1080927"/>
-          <a:ext cx="4135757" cy="3832382"/>
+          <a:off x="1989172" y="1411227"/>
+          <a:ext cx="3607143" cy="2793998"/>
         </a:xfrm>
         <a:prstGeom prst="rect">
           <a:avLst/>
@@ -12846,12 +11127,12 @@
         </a:fontRef>
       </dsp:style>
       <dsp:txBody>
-        <a:bodyPr spcFirstLastPara="0" vert="horz" wrap="square" lIns="291592" tIns="714989" rIns="291592" bIns="291592" numCol="1" spcCol="1270" anchor="t" anchorCtr="0">
+        <a:bodyPr spcFirstLastPara="0" vert="horz" wrap="square" lIns="142240" tIns="714989" rIns="142240" bIns="142240" numCol="1" spcCol="1270" anchor="t" anchorCtr="0">
           <a:noAutofit/>
         </a:bodyPr>
         <a:lstStyle/>
         <a:p>
-          <a:pPr marL="285750" lvl="1" indent="-285750" algn="l" defTabSz="1422400">
+          <a:pPr marL="228600" lvl="1" indent="-228600" algn="l" defTabSz="889000">
             <a:lnSpc>
               <a:spcPct val="90000"/>
             </a:lnSpc>
@@ -12864,12 +11145,12 @@
             <a:buChar char="•"/>
           </a:pPr>
           <a:r>
-            <a:rPr lang="de-DE" sz="3200" kern="1200" dirty="0"/>
+            <a:rPr lang="de-DE" sz="2000" kern="1200" dirty="0"/>
             <a:t>SUS 70 Punkte</a:t>
           </a:r>
         </a:p>
         <a:p>
-          <a:pPr marL="285750" lvl="1" indent="-285750" algn="l" defTabSz="1422400">
+          <a:pPr marL="228600" lvl="1" indent="-228600" algn="l" defTabSz="889000">
             <a:lnSpc>
               <a:spcPct val="90000"/>
             </a:lnSpc>
@@ -12882,12 +11163,12 @@
             <a:buChar char="•"/>
           </a:pPr>
           <a:r>
-            <a:rPr lang="de-DE" sz="3200" kern="1200" dirty="0"/>
+            <a:rPr lang="de-DE" sz="2000" kern="1200" dirty="0"/>
             <a:t>Hilfsangebot</a:t>
           </a:r>
         </a:p>
         <a:p>
-          <a:pPr marL="285750" lvl="1" indent="-285750" algn="l" defTabSz="1422400">
+          <a:pPr marL="228600" lvl="1" indent="-228600" algn="l" defTabSz="889000">
             <a:lnSpc>
               <a:spcPct val="90000"/>
             </a:lnSpc>
@@ -12900,12 +11181,12 @@
             <a:buChar char="•"/>
           </a:pPr>
           <a:r>
-            <a:rPr lang="de-DE" sz="3200" kern="1200" dirty="0"/>
+            <a:rPr lang="de-DE" sz="2000" kern="1200" dirty="0"/>
             <a:t>Datenschutz</a:t>
           </a:r>
         </a:p>
         <a:p>
-          <a:pPr marL="285750" lvl="1" indent="-285750" algn="l" defTabSz="1422400">
+          <a:pPr marL="228600" lvl="1" indent="-228600" algn="l" defTabSz="889000">
             <a:lnSpc>
               <a:spcPct val="90000"/>
             </a:lnSpc>
@@ -12918,14 +11199,14 @@
             <a:buChar char="•"/>
           </a:pPr>
           <a:r>
-            <a:rPr lang="de-DE" sz="3200" kern="1200" dirty="0"/>
+            <a:rPr lang="de-DE" sz="2000" kern="1200" dirty="0"/>
             <a:t>Interaktion natürlich</a:t>
           </a:r>
         </a:p>
       </dsp:txBody>
       <dsp:txXfrm>
-        <a:off x="1723165" y="1080927"/>
-        <a:ext cx="4135757" cy="3832382"/>
+        <a:off x="1989172" y="1411227"/>
+        <a:ext cx="3607143" cy="2793998"/>
       </dsp:txXfrm>
     </dsp:sp>
     <dsp:sp modelId="{00645FCE-1CA5-4540-9593-97ADDC02855F}">
@@ -12935,8 +11216,8 @@
       </dsp:nvSpPr>
       <dsp:spPr>
         <a:xfrm>
-          <a:off x="35524" y="110778"/>
-          <a:ext cx="1621392" cy="1621392"/>
+          <a:off x="245059" y="547638"/>
+          <a:ext cx="1365617" cy="1299805"/>
         </a:xfrm>
         <a:prstGeom prst="rect">
           <a:avLst/>
@@ -12988,7 +11269,7 @@
       </dsp:nvSpPr>
       <dsp:spPr>
         <a:xfrm rot="16200000">
-          <a:off x="4833648" y="2586366"/>
+          <a:off x="4924495" y="2485629"/>
           <a:ext cx="3832382" cy="810696"/>
         </a:xfrm>
         <a:prstGeom prst="rect">
@@ -13037,7 +11318,7 @@
         </a:p>
       </dsp:txBody>
       <dsp:txXfrm>
-        <a:off x="4833648" y="2586366"/>
+        <a:off x="4924495" y="2485629"/>
         <a:ext cx="3832382" cy="810696"/>
       </dsp:txXfrm>
     </dsp:sp>
@@ -13048,8 +11329,8 @@
       </dsp:nvSpPr>
       <dsp:spPr>
         <a:xfrm>
-          <a:off x="7351572" y="1080927"/>
-          <a:ext cx="4212340" cy="3832382"/>
+          <a:off x="7557404" y="1468378"/>
+          <a:ext cx="3536894" cy="2716507"/>
         </a:xfrm>
         <a:prstGeom prst="rect">
           <a:avLst/>
@@ -13091,12 +11372,12 @@
         </a:fontRef>
       </dsp:style>
       <dsp:txBody>
-        <a:bodyPr spcFirstLastPara="0" vert="horz" wrap="square" lIns="291592" tIns="714989" rIns="291592" bIns="291592" numCol="1" spcCol="1270" anchor="t" anchorCtr="0">
+        <a:bodyPr spcFirstLastPara="0" vert="horz" wrap="square" lIns="142240" tIns="714989" rIns="142240" bIns="142240" numCol="1" spcCol="1270" anchor="t" anchorCtr="0">
           <a:noAutofit/>
         </a:bodyPr>
         <a:lstStyle/>
         <a:p>
-          <a:pPr marL="285750" lvl="1" indent="-285750" algn="l" defTabSz="1422400">
+          <a:pPr marL="228600" lvl="1" indent="-228600" algn="l" defTabSz="889000">
             <a:lnSpc>
               <a:spcPct val="90000"/>
             </a:lnSpc>
@@ -13109,12 +11390,12 @@
             <a:buChar char="•"/>
           </a:pPr>
           <a:r>
-            <a:rPr lang="de-DE" sz="3200" kern="1200" dirty="0"/>
+            <a:rPr lang="de-DE" sz="2000" kern="1200" dirty="0"/>
             <a:t>Reaktionszeit</a:t>
           </a:r>
         </a:p>
         <a:p>
-          <a:pPr marL="285750" lvl="1" indent="-285750" algn="l" defTabSz="1422400">
+          <a:pPr marL="228600" lvl="1" indent="-228600" algn="l" defTabSz="889000">
             <a:lnSpc>
               <a:spcPct val="90000"/>
             </a:lnSpc>
@@ -13127,12 +11408,12 @@
             <a:buChar char="•"/>
           </a:pPr>
           <a:r>
-            <a:rPr lang="de-DE" sz="3200" kern="1200" dirty="0"/>
+            <a:rPr lang="de-DE" sz="2000" kern="1200" dirty="0"/>
             <a:t>mangelndes Feedback</a:t>
           </a:r>
         </a:p>
         <a:p>
-          <a:pPr marL="285750" lvl="1" indent="-285750" algn="l" defTabSz="1422400">
+          <a:pPr marL="228600" lvl="1" indent="-228600" algn="l" defTabSz="889000">
             <a:lnSpc>
               <a:spcPct val="90000"/>
             </a:lnSpc>
@@ -13145,7 +11426,7 @@
             <a:buChar char="•"/>
           </a:pPr>
           <a:r>
-            <a:rPr lang="de-DE" sz="3200" kern="1200" dirty="0"/>
+            <a:rPr lang="de-DE" sz="2000" kern="1200" dirty="0"/>
             <a:t>Stimme</a:t>
           </a:r>
         </a:p>
@@ -13166,8 +11447,8 @@
         </a:p>
       </dsp:txBody>
       <dsp:txXfrm>
-        <a:off x="7351572" y="1080927"/>
-        <a:ext cx="4212340" cy="3832382"/>
+        <a:off x="7557404" y="1468378"/>
+        <a:ext cx="3536894" cy="2716507"/>
       </dsp:txXfrm>
     </dsp:sp>
     <dsp:sp modelId="{3059123B-D816-4E08-87C8-209AD72A0737}">
@@ -13177,8 +11458,8 @@
       </dsp:nvSpPr>
       <dsp:spPr>
         <a:xfrm>
-          <a:off x="5892382" y="5"/>
-          <a:ext cx="1621392" cy="1621392"/>
+          <a:off x="6179207" y="553102"/>
+          <a:ext cx="1306907" cy="1259124"/>
         </a:xfrm>
         <a:prstGeom prst="rect">
           <a:avLst/>
@@ -13230,7 +11511,7 @@
 </dsp:drawing>
 </file>
 
-<file path=ppt/diagrams/drawing8.xml><?xml version="1.0" encoding="utf-8"?>
+<file path=ppt/diagrams/drawing7.xml><?xml version="1.0" encoding="utf-8"?>
 <dsp:drawing xmlns:dgm="http://schemas.openxmlformats.org/drawingml/2006/diagram" xmlns:dsp="http://schemas.microsoft.com/office/drawing/2008/diagram" xmlns:a="http://schemas.openxmlformats.org/drawingml/2006/main">
   <dsp:spTree>
     <dsp:nvGrpSpPr>
@@ -13245,8 +11526,8 @@
       </dsp:nvSpPr>
       <dsp:spPr>
         <a:xfrm>
-          <a:off x="3505957" y="363441"/>
-          <a:ext cx="4223765" cy="2368566"/>
+          <a:off x="3525855" y="23394"/>
+          <a:ext cx="4181636" cy="2278111"/>
         </a:xfrm>
         <a:prstGeom prst="rect">
           <a:avLst/>
@@ -13288,12 +11569,12 @@
         </a:fontRef>
       </dsp:style>
       <dsp:txBody>
-        <a:bodyPr spcFirstLastPara="0" vert="horz" wrap="square" lIns="152400" tIns="152400" rIns="152400" bIns="152400" numCol="1" spcCol="1270" anchor="ctr" anchorCtr="0">
+        <a:bodyPr spcFirstLastPara="0" vert="horz" wrap="square" lIns="76200" tIns="76200" rIns="76200" bIns="76200" numCol="1" spcCol="1270" anchor="ctr" anchorCtr="0">
           <a:noAutofit/>
         </a:bodyPr>
         <a:lstStyle/>
         <a:p>
-          <a:pPr marL="0" lvl="0" indent="0" algn="ctr" defTabSz="1778000">
+          <a:pPr marL="0" lvl="0" indent="0" algn="ctr" defTabSz="889000">
             <a:lnSpc>
               <a:spcPct val="90000"/>
             </a:lnSpc>
@@ -13306,14 +11587,14 @@
             <a:buNone/>
           </a:pPr>
           <a:r>
-            <a:rPr lang="de-DE" sz="4000" kern="1200" dirty="0"/>
+            <a:rPr lang="de-DE" sz="2000" kern="1200" dirty="0"/>
             <a:t>Unabhängiger Sprachassistent funktioniert</a:t>
           </a:r>
         </a:p>
       </dsp:txBody>
       <dsp:txXfrm>
-        <a:off x="3505957" y="363441"/>
-        <a:ext cx="4223765" cy="2368566"/>
+        <a:off x="3525855" y="23394"/>
+        <a:ext cx="4181636" cy="2278111"/>
       </dsp:txXfrm>
     </dsp:sp>
     <dsp:sp modelId="{9EE3B83E-88CA-4356-A408-468575A354C1}">
@@ -13323,8 +11604,8 @@
       </dsp:nvSpPr>
       <dsp:spPr>
         <a:xfrm>
-          <a:off x="85795" y="3006638"/>
-          <a:ext cx="3299376" cy="2286032"/>
+          <a:off x="0" y="2972518"/>
+          <a:ext cx="3348620" cy="2320152"/>
         </a:xfrm>
         <a:prstGeom prst="rect">
           <a:avLst/>
@@ -13366,12 +11647,12 @@
         </a:fontRef>
       </dsp:style>
       <dsp:txBody>
-        <a:bodyPr spcFirstLastPara="0" vert="horz" wrap="square" lIns="152400" tIns="152400" rIns="152400" bIns="152400" numCol="1" spcCol="1270" anchor="ctr" anchorCtr="0">
+        <a:bodyPr spcFirstLastPara="0" vert="horz" wrap="square" lIns="76200" tIns="76200" rIns="76200" bIns="76200" numCol="1" spcCol="1270" anchor="ctr" anchorCtr="0">
           <a:noAutofit/>
         </a:bodyPr>
         <a:lstStyle/>
         <a:p>
-          <a:pPr marL="0" lvl="0" indent="0" algn="ctr" defTabSz="1778000">
+          <a:pPr marL="0" lvl="0" indent="0" algn="ctr" defTabSz="889000">
             <a:lnSpc>
               <a:spcPct val="90000"/>
             </a:lnSpc>
@@ -13384,14 +11665,14 @@
             <a:buNone/>
           </a:pPr>
           <a:r>
-            <a:rPr lang="de-DE" sz="4000" kern="1200" dirty="0"/>
+            <a:rPr lang="de-DE" sz="2000" kern="1200" dirty="0"/>
             <a:t>Wahl der Bestandteile ändern</a:t>
           </a:r>
         </a:p>
       </dsp:txBody>
       <dsp:txXfrm>
-        <a:off x="85795" y="3006638"/>
-        <a:ext cx="3299376" cy="2286032"/>
+        <a:off x="0" y="2972518"/>
+        <a:ext cx="3348620" cy="2320152"/>
       </dsp:txXfrm>
     </dsp:sp>
     <dsp:sp modelId="{5700BA56-061B-4910-8A6A-95992139A03E}">
@@ -13401,8 +11682,8 @@
       </dsp:nvSpPr>
       <dsp:spPr>
         <a:xfrm>
-          <a:off x="3700381" y="3029925"/>
-          <a:ext cx="3681178" cy="2254867"/>
+          <a:off x="3672915" y="2993767"/>
+          <a:ext cx="3736121" cy="2288522"/>
         </a:xfrm>
         <a:prstGeom prst="rect">
           <a:avLst/>
@@ -13444,12 +11725,12 @@
         </a:fontRef>
       </dsp:style>
       <dsp:txBody>
-        <a:bodyPr spcFirstLastPara="0" vert="horz" wrap="square" lIns="152400" tIns="152400" rIns="152400" bIns="152400" numCol="1" spcCol="1270" anchor="ctr" anchorCtr="0">
+        <a:bodyPr spcFirstLastPara="0" vert="horz" wrap="square" lIns="76200" tIns="76200" rIns="76200" bIns="76200" numCol="1" spcCol="1270" anchor="ctr" anchorCtr="0">
           <a:noAutofit/>
         </a:bodyPr>
         <a:lstStyle/>
         <a:p>
-          <a:pPr marL="0" lvl="0" indent="0" algn="ctr" defTabSz="1778000">
+          <a:pPr marL="0" lvl="0" indent="0" algn="ctr" defTabSz="889000">
             <a:lnSpc>
               <a:spcPct val="90000"/>
             </a:lnSpc>
@@ -13462,14 +11743,14 @@
             <a:buNone/>
           </a:pPr>
           <a:r>
-            <a:rPr lang="de-DE" sz="4000" kern="1200" dirty="0"/>
+            <a:rPr lang="de-DE" sz="2000" kern="1200" dirty="0"/>
             <a:t>Feedback verbessern</a:t>
           </a:r>
         </a:p>
       </dsp:txBody>
       <dsp:txXfrm>
-        <a:off x="3700381" y="3029925"/>
-        <a:ext cx="3681178" cy="2254867"/>
+        <a:off x="3672915" y="2993767"/>
+        <a:ext cx="3736121" cy="2288522"/>
       </dsp:txXfrm>
     </dsp:sp>
     <dsp:sp modelId="{D8B4BAAC-1D63-4D4E-A759-93450FFC3BEF}">
@@ -13479,8 +11760,8 @@
       </dsp:nvSpPr>
       <dsp:spPr>
         <a:xfrm>
-          <a:off x="7600160" y="3022024"/>
-          <a:ext cx="3457682" cy="2270646"/>
+          <a:off x="7571998" y="2988134"/>
+          <a:ext cx="3509290" cy="2304536"/>
         </a:xfrm>
         <a:prstGeom prst="rect">
           <a:avLst/>
@@ -13522,12 +11803,12 @@
         </a:fontRef>
       </dsp:style>
       <dsp:txBody>
-        <a:bodyPr spcFirstLastPara="0" vert="horz" wrap="square" lIns="152400" tIns="152400" rIns="152400" bIns="152400" numCol="1" spcCol="1270" anchor="ctr" anchorCtr="0">
+        <a:bodyPr spcFirstLastPara="0" vert="horz" wrap="square" lIns="76200" tIns="76200" rIns="76200" bIns="76200" numCol="1" spcCol="1270" anchor="ctr" anchorCtr="0">
           <a:noAutofit/>
         </a:bodyPr>
         <a:lstStyle/>
         <a:p>
-          <a:pPr marL="0" lvl="0" indent="0" algn="ctr" defTabSz="1778000">
+          <a:pPr marL="0" lvl="0" indent="0" algn="ctr" defTabSz="889000">
             <a:lnSpc>
               <a:spcPct val="90000"/>
             </a:lnSpc>
@@ -13540,29 +11821,29 @@
             <a:buNone/>
           </a:pPr>
           <a:r>
-            <a:rPr lang="de-DE" sz="4000" kern="1200" dirty="0"/>
+            <a:rPr lang="de-DE" sz="2000" kern="1200" dirty="0"/>
             <a:t>Konzept mit </a:t>
           </a:r>
           <a:r>
-            <a:rPr lang="de-DE" sz="4000" kern="1200" dirty="0" err="1"/>
+            <a:rPr lang="de-DE" sz="2000" kern="1200" dirty="0" err="1"/>
             <a:t>Snips</a:t>
           </a:r>
           <a:r>
-            <a:rPr lang="de-DE" sz="4000" kern="1200" dirty="0"/>
+            <a:rPr lang="de-DE" sz="2000" kern="1200" dirty="0"/>
             <a:t> anwenden</a:t>
           </a:r>
         </a:p>
       </dsp:txBody>
       <dsp:txXfrm>
-        <a:off x="7600160" y="3022024"/>
-        <a:ext cx="3457682" cy="2270646"/>
+        <a:off x="7571998" y="2988134"/>
+        <a:ext cx="3509290" cy="2304536"/>
       </dsp:txXfrm>
     </dsp:sp>
   </dsp:spTree>
 </dsp:drawing>
 </file>
 
-<file path=ppt/diagrams/drawing9.xml><?xml version="1.0" encoding="utf-8"?>
+<file path=ppt/diagrams/drawing8.xml><?xml version="1.0" encoding="utf-8"?>
 <dsp:drawing xmlns:dgm="http://schemas.openxmlformats.org/drawingml/2006/diagram" xmlns:dsp="http://schemas.microsoft.com/office/drawing/2008/diagram" xmlns:a="http://schemas.openxmlformats.org/drawingml/2006/main">
   <dsp:spTree>
     <dsp:nvGrpSpPr>
@@ -13577,7 +11858,7 @@
       </dsp:nvSpPr>
       <dsp:spPr>
         <a:xfrm>
-          <a:off x="1853610" y="2779"/>
+          <a:off x="1869113" y="2"/>
           <a:ext cx="3856523" cy="2313914"/>
         </a:xfrm>
         <a:prstGeom prst="rect">
@@ -13620,12 +11901,12 @@
         </a:fontRef>
       </dsp:style>
       <dsp:txBody>
-        <a:bodyPr spcFirstLastPara="0" vert="horz" wrap="square" lIns="95250" tIns="95250" rIns="95250" bIns="95250" numCol="1" spcCol="1270" anchor="ctr" anchorCtr="0">
+        <a:bodyPr spcFirstLastPara="0" vert="horz" wrap="square" lIns="76200" tIns="76200" rIns="76200" bIns="76200" numCol="1" spcCol="1270" anchor="ctr" anchorCtr="0">
           <a:noAutofit/>
         </a:bodyPr>
         <a:lstStyle/>
         <a:p>
-          <a:pPr marL="0" lvl="0" indent="0" algn="ctr" defTabSz="1111250">
+          <a:pPr marL="0" lvl="0" indent="0" algn="ctr" defTabSz="889000">
             <a:lnSpc>
               <a:spcPct val="90000"/>
             </a:lnSpc>
@@ -13638,12 +11919,12 @@
             <a:buNone/>
           </a:pPr>
           <a:r>
-            <a:rPr lang="de-DE" sz="2500" kern="1200" dirty="0"/>
+            <a:rPr lang="de-DE" sz="2000" kern="1200" dirty="0"/>
             <a:t>§ 3 </a:t>
           </a:r>
         </a:p>
         <a:p>
-          <a:pPr marL="0" lvl="0" indent="0" algn="ctr" defTabSz="1111250">
+          <a:pPr marL="0" lvl="0" indent="0" algn="ctr" defTabSz="889000">
             <a:lnSpc>
               <a:spcPct val="90000"/>
             </a:lnSpc>
@@ -13656,13 +11937,13 @@
             <a:buNone/>
           </a:pPr>
           <a:r>
-            <a:rPr lang="de-DE" sz="2500" kern="1200" dirty="0"/>
+            <a:rPr lang="de-DE" sz="2000" kern="1200" dirty="0"/>
             <a:t>„Räumlicher Anwendungsbereich“</a:t>
           </a:r>
         </a:p>
       </dsp:txBody>
       <dsp:txXfrm>
-        <a:off x="1853610" y="2779"/>
+        <a:off x="1869113" y="2"/>
         <a:ext cx="3856523" cy="2313914"/>
       </dsp:txXfrm>
     </dsp:sp>
@@ -13716,12 +11997,12 @@
         </a:fontRef>
       </dsp:style>
       <dsp:txBody>
-        <a:bodyPr spcFirstLastPara="0" vert="horz" wrap="square" lIns="95250" tIns="95250" rIns="95250" bIns="95250" numCol="1" spcCol="1270" anchor="ctr" anchorCtr="0">
+        <a:bodyPr spcFirstLastPara="0" vert="horz" wrap="square" lIns="76200" tIns="76200" rIns="76200" bIns="76200" numCol="1" spcCol="1270" anchor="ctr" anchorCtr="0">
           <a:noAutofit/>
         </a:bodyPr>
         <a:lstStyle/>
         <a:p>
-          <a:pPr marL="0" lvl="0" indent="0" algn="ctr" defTabSz="1111250">
+          <a:pPr marL="0" lvl="0" indent="0" algn="ctr" defTabSz="889000">
             <a:lnSpc>
               <a:spcPct val="90000"/>
             </a:lnSpc>
@@ -13734,12 +12015,12 @@
             <a:buNone/>
           </a:pPr>
           <a:r>
-            <a:rPr lang="de-DE" sz="2500" kern="1200" dirty="0"/>
+            <a:rPr lang="de-DE" sz="2000" kern="1200" dirty="0"/>
             <a:t>§ 5</a:t>
           </a:r>
         </a:p>
         <a:p>
-          <a:pPr marL="0" lvl="0" indent="0" algn="ctr" defTabSz="1111250">
+          <a:pPr marL="0" lvl="0" indent="0" algn="ctr" defTabSz="889000">
             <a:lnSpc>
               <a:spcPct val="90000"/>
             </a:lnSpc>
@@ -13752,7 +12033,7 @@
             <a:buNone/>
           </a:pPr>
           <a:r>
-            <a:rPr lang="de-DE" sz="2500" kern="1200" dirty="0"/>
+            <a:rPr lang="de-DE" sz="2000" kern="1200" dirty="0"/>
             <a:t> „Grundsätze für die Verarbeitung personenbezogener Daten“</a:t>
           </a:r>
         </a:p>
@@ -13812,12 +12093,12 @@
         </a:fontRef>
       </dsp:style>
       <dsp:txBody>
-        <a:bodyPr spcFirstLastPara="0" vert="horz" wrap="square" lIns="95250" tIns="95250" rIns="95250" bIns="95250" numCol="1" spcCol="1270" anchor="ctr" anchorCtr="0">
+        <a:bodyPr spcFirstLastPara="0" vert="horz" wrap="square" lIns="76200" tIns="76200" rIns="76200" bIns="76200" numCol="1" spcCol="1270" anchor="ctr" anchorCtr="0">
           <a:noAutofit/>
         </a:bodyPr>
         <a:lstStyle/>
         <a:p>
-          <a:pPr marL="0" lvl="0" indent="0" algn="ctr" defTabSz="1111250">
+          <a:pPr marL="0" lvl="0" indent="0" algn="ctr" defTabSz="889000">
             <a:lnSpc>
               <a:spcPct val="90000"/>
             </a:lnSpc>
@@ -13830,12 +12111,12 @@
             <a:buNone/>
           </a:pPr>
           <a:r>
-            <a:rPr lang="de-DE" sz="2500" kern="1200" dirty="0"/>
+            <a:rPr lang="de-DE" sz="2000" kern="1200" dirty="0"/>
             <a:t>§ 17</a:t>
           </a:r>
         </a:p>
         <a:p>
-          <a:pPr marL="0" lvl="0" indent="0" algn="ctr" defTabSz="1111250">
+          <a:pPr marL="0" lvl="0" indent="0" algn="ctr" defTabSz="889000">
             <a:lnSpc>
               <a:spcPct val="90000"/>
             </a:lnSpc>
@@ -13848,7 +12129,7 @@
             <a:buNone/>
           </a:pPr>
           <a:r>
-            <a:rPr lang="de-DE" sz="2500" kern="1200" dirty="0"/>
+            <a:rPr lang="de-DE" sz="2000" kern="1200" dirty="0"/>
             <a:t> „Recht auf Löschung“</a:t>
           </a:r>
         </a:p>
@@ -13908,12 +12189,12 @@
         </a:fontRef>
       </dsp:style>
       <dsp:txBody>
-        <a:bodyPr spcFirstLastPara="0" vert="horz" wrap="square" lIns="95250" tIns="95250" rIns="95250" bIns="95250" numCol="1" spcCol="1270" anchor="ctr" anchorCtr="0">
+        <a:bodyPr spcFirstLastPara="0" vert="horz" wrap="square" lIns="76200" tIns="76200" rIns="76200" bIns="76200" numCol="1" spcCol="1270" anchor="ctr" anchorCtr="0">
           <a:noAutofit/>
         </a:bodyPr>
         <a:lstStyle/>
         <a:p>
-          <a:pPr marL="0" lvl="0" indent="0" algn="ctr" defTabSz="1111250">
+          <a:pPr marL="0" lvl="0" indent="0" algn="ctr" defTabSz="889000">
             <a:lnSpc>
               <a:spcPct val="90000"/>
             </a:lnSpc>
@@ -13926,12 +12207,12 @@
             <a:buNone/>
           </a:pPr>
           <a:r>
-            <a:rPr lang="de-DE" sz="2500" kern="1200" dirty="0"/>
+            <a:rPr lang="de-DE" sz="2000" kern="1200" dirty="0"/>
             <a:t>§ 25</a:t>
           </a:r>
         </a:p>
         <a:p>
-          <a:pPr marL="0" lvl="0" indent="0" algn="ctr" defTabSz="1111250">
+          <a:pPr marL="0" lvl="0" indent="0" algn="ctr" defTabSz="889000">
             <a:lnSpc>
               <a:spcPct val="90000"/>
             </a:lnSpc>
@@ -13944,7 +12225,7 @@
             <a:buNone/>
           </a:pPr>
           <a:r>
-            <a:rPr lang="de-DE" sz="2500" kern="1200" dirty="0"/>
+            <a:rPr lang="de-DE" sz="2000" kern="1200" dirty="0"/>
             <a:t> „Datenschutz durch Technikgestaltung und durch datenschutzfreundliche Voreinstellungen“</a:t>
           </a:r>
         </a:p>
@@ -14106,173 +12387,6 @@
 </file>
 
 <file path=ppt/diagrams/layout2.xml><?xml version="1.0" encoding="utf-8"?>
-<dgm:layoutDef xmlns:dgm="http://schemas.openxmlformats.org/drawingml/2006/diagram" xmlns:a="http://schemas.openxmlformats.org/drawingml/2006/main" uniqueId="urn:microsoft.com/office/officeart/2005/8/layout/vList2">
-  <dgm:title val=""/>
-  <dgm:desc val=""/>
-  <dgm:catLst>
-    <dgm:cat type="list" pri="3000"/>
-    <dgm:cat type="convert" pri="1000"/>
-  </dgm:catLst>
-  <dgm:sampData>
-    <dgm:dataModel>
-      <dgm:ptLst>
-        <dgm:pt modelId="0" type="doc"/>
-        <dgm:pt modelId="1">
-          <dgm:prSet phldr="1"/>
-        </dgm:pt>
-        <dgm:pt modelId="11">
-          <dgm:prSet phldr="1"/>
-        </dgm:pt>
-        <dgm:pt modelId="2">
-          <dgm:prSet phldr="1"/>
-        </dgm:pt>
-        <dgm:pt modelId="21">
-          <dgm:prSet phldr="1"/>
-        </dgm:pt>
-      </dgm:ptLst>
-      <dgm:cxnLst>
-        <dgm:cxn modelId="4" srcId="0" destId="1" srcOrd="0" destOrd="0"/>
-        <dgm:cxn modelId="5" srcId="0" destId="2" srcOrd="1" destOrd="0"/>
-        <dgm:cxn modelId="12" srcId="1" destId="11" srcOrd="0" destOrd="0"/>
-        <dgm:cxn modelId="23" srcId="2" destId="21" srcOrd="0" destOrd="0"/>
-      </dgm:cxnLst>
-      <dgm:bg/>
-      <dgm:whole/>
-    </dgm:dataModel>
-  </dgm:sampData>
-  <dgm:styleData>
-    <dgm:dataModel>
-      <dgm:ptLst>
-        <dgm:pt modelId="0" type="doc"/>
-        <dgm:pt modelId="1"/>
-        <dgm:pt modelId="2"/>
-      </dgm:ptLst>
-      <dgm:cxnLst>
-        <dgm:cxn modelId="3" srcId="0" destId="1" srcOrd="0" destOrd="0"/>
-        <dgm:cxn modelId="4" srcId="0" destId="2" srcOrd="1" destOrd="0"/>
-      </dgm:cxnLst>
-      <dgm:bg/>
-      <dgm:whole/>
-    </dgm:dataModel>
-  </dgm:styleData>
-  <dgm:clrData>
-    <dgm:dataModel>
-      <dgm:ptLst>
-        <dgm:pt modelId="0" type="doc"/>
-        <dgm:pt modelId="1"/>
-        <dgm:pt modelId="2"/>
-        <dgm:pt modelId="3"/>
-        <dgm:pt modelId="4"/>
-      </dgm:ptLst>
-      <dgm:cxnLst>
-        <dgm:cxn modelId="5" srcId="0" destId="1" srcOrd="0" destOrd="0"/>
-        <dgm:cxn modelId="6" srcId="0" destId="2" srcOrd="1" destOrd="0"/>
-        <dgm:cxn modelId="7" srcId="0" destId="3" srcOrd="2" destOrd="0"/>
-        <dgm:cxn modelId="8" srcId="0" destId="4" srcOrd="3" destOrd="0"/>
-      </dgm:cxnLst>
-      <dgm:bg/>
-      <dgm:whole/>
-    </dgm:dataModel>
-  </dgm:clrData>
-  <dgm:layoutNode name="linear">
-    <dgm:varLst>
-      <dgm:animLvl val="lvl"/>
-      <dgm:resizeHandles val="exact"/>
-    </dgm:varLst>
-    <dgm:alg type="lin">
-      <dgm:param type="linDir" val="fromT"/>
-      <dgm:param type="vertAlign" val="mid"/>
-    </dgm:alg>
-    <dgm:shape xmlns:r="http://schemas.openxmlformats.org/officeDocument/2006/relationships" r:blip="">
-      <dgm:adjLst/>
-    </dgm:shape>
-    <dgm:presOf/>
-    <dgm:constrLst>
-      <dgm:constr type="w" for="ch" forName="parentText" refType="w"/>
-      <dgm:constr type="h" for="ch" forName="parentText" refType="primFontSz" refFor="ch" refForName="parentText" fact="0.52"/>
-      <dgm:constr type="w" for="ch" forName="childText" refType="w"/>
-      <dgm:constr type="h" for="ch" forName="childText" refType="primFontSz" refFor="ch" refForName="parentText" fact="0.46"/>
-      <dgm:constr type="h" for="ch" forName="parentText" op="equ"/>
-      <dgm:constr type="primFontSz" for="ch" forName="parentText" op="equ" val="65"/>
-      <dgm:constr type="primFontSz" for="ch" forName="childText" refType="primFontSz" refFor="ch" refForName="parentText" op="equ"/>
-      <dgm:constr type="h" for="ch" forName="spacer" refType="primFontSz" refFor="ch" refForName="parentText" fact="0.08"/>
-    </dgm:constrLst>
-    <dgm:ruleLst>
-      <dgm:rule type="primFontSz" for="ch" forName="parentText" val="5" fact="NaN" max="NaN"/>
-    </dgm:ruleLst>
-    <dgm:forEach name="Name0" axis="ch" ptType="node">
-      <dgm:layoutNode name="parentText" styleLbl="node1">
-        <dgm:varLst>
-          <dgm:chMax val="0"/>
-          <dgm:bulletEnabled val="1"/>
-        </dgm:varLst>
-        <dgm:alg type="tx">
-          <dgm:param type="parTxLTRAlign" val="l"/>
-          <dgm:param type="parTxRTLAlign" val="r"/>
-        </dgm:alg>
-        <dgm:shape xmlns:r="http://schemas.openxmlformats.org/officeDocument/2006/relationships" type="roundRect" r:blip="">
-          <dgm:adjLst/>
-        </dgm:shape>
-        <dgm:presOf axis="self"/>
-        <dgm:constrLst>
-          <dgm:constr type="tMarg" refType="primFontSz" fact="0.3"/>
-          <dgm:constr type="bMarg" refType="primFontSz" fact="0.3"/>
-          <dgm:constr type="lMarg" refType="primFontSz" fact="0.3"/>
-          <dgm:constr type="rMarg" refType="primFontSz" fact="0.3"/>
-        </dgm:constrLst>
-        <dgm:ruleLst>
-          <dgm:rule type="h" val="INF" fact="NaN" max="NaN"/>
-        </dgm:ruleLst>
-      </dgm:layoutNode>
-      <dgm:choose name="Name1">
-        <dgm:if name="Name2" axis="ch" ptType="node" func="cnt" op="gte" val="1">
-          <dgm:layoutNode name="childText" styleLbl="revTx">
-            <dgm:varLst>
-              <dgm:bulletEnabled val="1"/>
-            </dgm:varLst>
-            <dgm:alg type="tx">
-              <dgm:param type="stBulletLvl" val="1"/>
-              <dgm:param type="lnSpAfChP" val="20"/>
-            </dgm:alg>
-            <dgm:shape xmlns:r="http://schemas.openxmlformats.org/officeDocument/2006/relationships" type="rect" r:blip="">
-              <dgm:adjLst/>
-            </dgm:shape>
-            <dgm:presOf axis="des" ptType="node"/>
-            <dgm:constrLst>
-              <dgm:constr type="tMarg" refType="primFontSz" fact="0.1"/>
-              <dgm:constr type="bMarg" refType="primFontSz" fact="0.1"/>
-              <dgm:constr type="lMarg" refType="w" fact="0.09"/>
-            </dgm:constrLst>
-            <dgm:ruleLst>
-              <dgm:rule type="h" val="INF" fact="NaN" max="NaN"/>
-            </dgm:ruleLst>
-          </dgm:layoutNode>
-        </dgm:if>
-        <dgm:else name="Name3">
-          <dgm:choose name="Name4">
-            <dgm:if name="Name5" axis="par ch" ptType="doc node" func="cnt" op="gte" val="2">
-              <dgm:forEach name="Name6" axis="followSib" ptType="sibTrans" cnt="1">
-                <dgm:layoutNode name="spacer">
-                  <dgm:alg type="sp"/>
-                  <dgm:shape xmlns:r="http://schemas.openxmlformats.org/officeDocument/2006/relationships" r:blip="">
-                    <dgm:adjLst/>
-                  </dgm:shape>
-                  <dgm:presOf/>
-                  <dgm:constrLst/>
-                  <dgm:ruleLst/>
-                </dgm:layoutNode>
-              </dgm:forEach>
-            </dgm:if>
-            <dgm:else name="Name7"/>
-          </dgm:choose>
-        </dgm:else>
-      </dgm:choose>
-    </dgm:forEach>
-  </dgm:layoutNode>
-</dgm:layoutDef>
-</file>
-
-<file path=ppt/diagrams/layout3.xml><?xml version="1.0" encoding="utf-8"?>
 <dgm:layoutDef xmlns:dgm="http://schemas.openxmlformats.org/drawingml/2006/diagram" xmlns:a="http://schemas.openxmlformats.org/drawingml/2006/main" uniqueId="urn:microsoft.com/office/officeart/2008/layout/PictureStrips">
   <dgm:title val=""/>
   <dgm:desc val=""/>
@@ -14467,14 +12581,12 @@
 </dgm:layoutDef>
 </file>
 
-<file path=ppt/diagrams/layout4.xml><?xml version="1.0" encoding="utf-8"?>
-<dgm:layoutDef xmlns:dgm="http://schemas.openxmlformats.org/drawingml/2006/diagram" xmlns:a="http://schemas.openxmlformats.org/drawingml/2006/main" uniqueId="urn:microsoft.com/office/officeart/2005/8/layout/vList4">
+<file path=ppt/diagrams/layout3.xml><?xml version="1.0" encoding="utf-8"?>
+<dgm:layoutDef xmlns:dgm="http://schemas.openxmlformats.org/drawingml/2006/diagram" xmlns:a="http://schemas.openxmlformats.org/drawingml/2006/main" uniqueId="urn:microsoft.com/office/officeart/2005/8/layout/default">
   <dgm:title val=""/>
   <dgm:desc val=""/>
   <dgm:catLst>
-    <dgm:cat type="list" pri="13000"/>
-    <dgm:cat type="picture" pri="26000"/>
-    <dgm:cat type="pictureconvert" pri="26000"/>
+    <dgm:cat type="list" pri="400"/>
   </dgm:catLst>
   <dgm:sampData>
     <dgm:dataModel>
@@ -14483,40 +12595,25 @@
         <dgm:pt modelId="1">
           <dgm:prSet phldr="1"/>
         </dgm:pt>
-        <dgm:pt modelId="11">
-          <dgm:prSet phldr="1"/>
-        </dgm:pt>
-        <dgm:pt modelId="12">
-          <dgm:prSet phldr="1"/>
-        </dgm:pt>
         <dgm:pt modelId="2">
-          <dgm:prSet phldr="1"/>
-        </dgm:pt>
-        <dgm:pt modelId="21">
-          <dgm:prSet phldr="1"/>
-        </dgm:pt>
-        <dgm:pt modelId="22">
           <dgm:prSet phldr="1"/>
         </dgm:pt>
         <dgm:pt modelId="3">
           <dgm:prSet phldr="1"/>
         </dgm:pt>
-        <dgm:pt modelId="31">
+        <dgm:pt modelId="4">
           <dgm:prSet phldr="1"/>
         </dgm:pt>
-        <dgm:pt modelId="32">
+        <dgm:pt modelId="5">
           <dgm:prSet phldr="1"/>
         </dgm:pt>
       </dgm:ptLst>
       <dgm:cxnLst>
-        <dgm:cxn modelId="4" srcId="0" destId="1" srcOrd="0" destOrd="0"/>
-        <dgm:cxn modelId="5" srcId="0" destId="2" srcOrd="1" destOrd="0"/>
-        <dgm:cxn modelId="13" srcId="1" destId="11" srcOrd="0" destOrd="0"/>
-        <dgm:cxn modelId="14" srcId="1" destId="12" srcOrd="0" destOrd="0"/>
-        <dgm:cxn modelId="23" srcId="2" destId="21" srcOrd="0" destOrd="0"/>
-        <dgm:cxn modelId="24" srcId="2" destId="22" srcOrd="0" destOrd="0"/>
-        <dgm:cxn modelId="33" srcId="3" destId="31" srcOrd="0" destOrd="0"/>
-        <dgm:cxn modelId="34" srcId="3" destId="32" srcOrd="0" destOrd="0"/>
+        <dgm:cxn modelId="6" srcId="0" destId="1" srcOrd="0" destOrd="0"/>
+        <dgm:cxn modelId="7" srcId="0" destId="2" srcOrd="1" destOrd="0"/>
+        <dgm:cxn modelId="8" srcId="0" destId="3" srcOrd="2" destOrd="0"/>
+        <dgm:cxn modelId="9" srcId="0" destId="4" srcOrd="3" destOrd="0"/>
+        <dgm:cxn modelId="10" srcId="0" destId="5" srcOrd="4" destOrd="0"/>
       </dgm:cxnLst>
       <dgm:bg/>
       <dgm:whole/>
@@ -14545,126 +12642,83 @@
         <dgm:pt modelId="2"/>
         <dgm:pt modelId="3"/>
         <dgm:pt modelId="4"/>
+        <dgm:pt modelId="5"/>
+        <dgm:pt modelId="6"/>
       </dgm:ptLst>
       <dgm:cxnLst>
-        <dgm:cxn modelId="5" srcId="0" destId="1" srcOrd="0" destOrd="0"/>
-        <dgm:cxn modelId="6" srcId="0" destId="2" srcOrd="1" destOrd="0"/>
-        <dgm:cxn modelId="7" srcId="0" destId="3" srcOrd="2" destOrd="0"/>
-        <dgm:cxn modelId="8" srcId="0" destId="4" srcOrd="3" destOrd="0"/>
+        <dgm:cxn modelId="7" srcId="0" destId="1" srcOrd="0" destOrd="0"/>
+        <dgm:cxn modelId="8" srcId="0" destId="2" srcOrd="1" destOrd="0"/>
+        <dgm:cxn modelId="9" srcId="0" destId="3" srcOrd="2" destOrd="0"/>
+        <dgm:cxn modelId="10" srcId="0" destId="4" srcOrd="3" destOrd="0"/>
+        <dgm:cxn modelId="11" srcId="0" destId="5" srcOrd="4" destOrd="0"/>
+        <dgm:cxn modelId="12" srcId="0" destId="6" srcOrd="5" destOrd="0"/>
       </dgm:cxnLst>
       <dgm:bg/>
       <dgm:whole/>
     </dgm:dataModel>
   </dgm:clrData>
-  <dgm:layoutNode name="linear">
+  <dgm:layoutNode name="diagram">
     <dgm:varLst>
       <dgm:dir/>
       <dgm:resizeHandles val="exact"/>
     </dgm:varLst>
-    <dgm:alg type="lin">
-      <dgm:param type="linDir" val="fromT"/>
-      <dgm:param type="vertAlign" val="t"/>
-    </dgm:alg>
+    <dgm:choose name="Name0">
+      <dgm:if name="Name1" func="var" arg="dir" op="equ" val="norm">
+        <dgm:alg type="snake">
+          <dgm:param type="grDir" val="tL"/>
+          <dgm:param type="flowDir" val="row"/>
+          <dgm:param type="contDir" val="sameDir"/>
+          <dgm:param type="off" val="ctr"/>
+        </dgm:alg>
+      </dgm:if>
+      <dgm:else name="Name2">
+        <dgm:alg type="snake">
+          <dgm:param type="grDir" val="tR"/>
+          <dgm:param type="flowDir" val="row"/>
+          <dgm:param type="contDir" val="sameDir"/>
+          <dgm:param type="off" val="ctr"/>
+        </dgm:alg>
+      </dgm:else>
+    </dgm:choose>
     <dgm:shape xmlns:r="http://schemas.openxmlformats.org/officeDocument/2006/relationships" r:blip="">
       <dgm:adjLst/>
     </dgm:shape>
     <dgm:presOf/>
     <dgm:constrLst>
-      <dgm:constr type="w" for="ch" forName="comp" refType="w"/>
-      <dgm:constr type="h" for="ch" forName="comp" refType="h"/>
-      <dgm:constr type="h" for="ch" forName="spacer" refType="h" refFor="ch" refForName="comp" op="equ" fact="0.1"/>
-      <dgm:constr type="primFontSz" for="des" forName="text" op="equ" val="65"/>
+      <dgm:constr type="w" for="ch" forName="node" refType="w"/>
+      <dgm:constr type="h" for="ch" forName="node" refType="w" refFor="ch" refForName="node" fact="0.6"/>
+      <dgm:constr type="w" for="ch" forName="sibTrans" refType="w" refFor="ch" refForName="node" fact="0.1"/>
+      <dgm:constr type="sp" refType="w" refFor="ch" refForName="sibTrans"/>
+      <dgm:constr type="primFontSz" for="ch" forName="node" op="equ" val="65"/>
     </dgm:constrLst>
     <dgm:ruleLst/>
-    <dgm:forEach name="Name0" axis="ch" ptType="node">
-      <dgm:layoutNode name="comp" styleLbl="node1">
-        <dgm:alg type="composite"/>
-        <dgm:shape xmlns:r="http://schemas.openxmlformats.org/officeDocument/2006/relationships" r:blip="">
+    <dgm:forEach name="Name3" axis="ch" ptType="node">
+      <dgm:layoutNode name="node">
+        <dgm:varLst>
+          <dgm:bulletEnabled val="1"/>
+        </dgm:varLst>
+        <dgm:alg type="tx"/>
+        <dgm:shape xmlns:r="http://schemas.openxmlformats.org/officeDocument/2006/relationships" type="rect" r:blip="">
           <dgm:adjLst/>
         </dgm:shape>
-        <dgm:presOf/>
-        <dgm:choose name="Name1">
-          <dgm:if name="Name2" func="var" arg="dir" op="equ" val="norm">
-            <dgm:constrLst>
-              <dgm:constr type="h" for="ch" forName="box" refType="h"/>
-              <dgm:constr type="w" for="ch" forName="box" refType="w"/>
-              <dgm:constr type="w" for="ch" forName="img" refType="w" refFor="ch" refForName="box" fact="0.2"/>
-              <dgm:constr type="h" for="ch" forName="img" refType="h" refFor="ch" refForName="box" fact="0.8"/>
-              <dgm:constr type="t" for="ch" forName="img" refType="h" refFor="ch" refForName="box" fact="0.1"/>
-              <dgm:constr type="l" for="ch" forName="img" refType="h" refFor="ch" refForName="box" fact="0.1"/>
-              <dgm:constr type="h" for="ch" forName="text" refType="h"/>
-              <dgm:constr type="l" for="ch" forName="text" refType="r" refFor="ch" refForName="img"/>
-              <dgm:constr type="r" for="ch" forName="text" refType="w"/>
-            </dgm:constrLst>
-          </dgm:if>
-          <dgm:else name="Name3">
-            <dgm:constrLst>
-              <dgm:constr type="h" for="ch" forName="box" refType="h"/>
-              <dgm:constr type="w" for="ch" forName="box" refType="w"/>
-              <dgm:constr type="w" for="ch" forName="img" refType="w" refFor="ch" refForName="box" fact="0.2"/>
-              <dgm:constr type="h" for="ch" forName="img" refType="h" refFor="ch" refForName="box" fact="0.8"/>
-              <dgm:constr type="t" for="ch" forName="img" refType="h" refFor="ch" refForName="box" fact="0.1"/>
-              <dgm:constr type="r" for="ch" forName="img" refType="w" refFor="ch" refForName="box"/>
-              <dgm:constr type="rOff" for="ch" forName="img" refType="h" refFor="ch" refForName="box" fact="-0.1"/>
-              <dgm:constr type="h" for="ch" forName="text" refType="h"/>
-              <dgm:constr type="r" for="ch" forName="text" refType="l" refFor="ch" refForName="img"/>
-              <dgm:constr type="l" for="ch" forName="text"/>
-            </dgm:constrLst>
-          </dgm:else>
-        </dgm:choose>
-        <dgm:ruleLst/>
-        <dgm:layoutNode name="box" styleLbl="node1">
-          <dgm:alg type="sp"/>
-          <dgm:shape xmlns:r="http://schemas.openxmlformats.org/officeDocument/2006/relationships" type="roundRect" r:blip="">
-            <dgm:adjLst>
-              <dgm:adj idx="1" val="0.1"/>
-            </dgm:adjLst>
-          </dgm:shape>
-          <dgm:presOf axis="desOrSelf" ptType="node"/>
-          <dgm:constrLst/>
-          <dgm:ruleLst/>
-        </dgm:layoutNode>
-        <dgm:layoutNode name="img" styleLbl="fgImgPlace1">
-          <dgm:alg type="sp"/>
-          <dgm:shape xmlns:r="http://schemas.openxmlformats.org/officeDocument/2006/relationships" type="roundRect" r:blip="" blipPhldr="1">
-            <dgm:adjLst>
-              <dgm:adj idx="1" val="0.1"/>
-            </dgm:adjLst>
-          </dgm:shape>
-          <dgm:presOf/>
-          <dgm:constrLst/>
-          <dgm:ruleLst/>
-        </dgm:layoutNode>
-        <dgm:layoutNode name="text">
-          <dgm:varLst>
-            <dgm:bulletEnabled val="1"/>
-          </dgm:varLst>
-          <dgm:alg type="tx">
-            <dgm:param type="parTxLTRAlign" val="l"/>
-            <dgm:param type="parTxRTLAlign" val="r"/>
-          </dgm:alg>
-          <dgm:shape xmlns:r="http://schemas.openxmlformats.org/officeDocument/2006/relationships" type="rect" r:blip="" hideGeom="1">
-            <dgm:adjLst/>
-          </dgm:shape>
-          <dgm:presOf axis="desOrSelf" ptType="node"/>
-          <dgm:constrLst>
-            <dgm:constr type="tMarg" refType="primFontSz" fact="0.3"/>
-            <dgm:constr type="bMarg" refType="primFontSz" fact="0.3"/>
-            <dgm:constr type="lMarg" refType="primFontSz" fact="0.3"/>
-            <dgm:constr type="rMarg" refType="primFontSz" fact="0.3"/>
-          </dgm:constrLst>
-          <dgm:ruleLst>
-            <dgm:rule type="primFontSz" val="5" fact="NaN" max="NaN"/>
-          </dgm:ruleLst>
-        </dgm:layoutNode>
+        <dgm:presOf axis="desOrSelf" ptType="node"/>
+        <dgm:constrLst>
+          <dgm:constr type="lMarg" refType="primFontSz" fact="0.3"/>
+          <dgm:constr type="rMarg" refType="primFontSz" fact="0.3"/>
+          <dgm:constr type="tMarg" refType="primFontSz" fact="0.3"/>
+          <dgm:constr type="bMarg" refType="primFontSz" fact="0.3"/>
+        </dgm:constrLst>
+        <dgm:ruleLst>
+          <dgm:rule type="primFontSz" val="5" fact="NaN" max="NaN"/>
+        </dgm:ruleLst>
       </dgm:layoutNode>
       <dgm:forEach name="Name4" axis="followSib" ptType="sibTrans" cnt="1">
-        <dgm:layoutNode name="spacer">
+        <dgm:layoutNode name="sibTrans">
           <dgm:alg type="sp"/>
           <dgm:shape xmlns:r="http://schemas.openxmlformats.org/officeDocument/2006/relationships" r:blip="">
             <dgm:adjLst/>
           </dgm:shape>
-          <dgm:presOf axis="self"/>
+          <dgm:presOf/>
           <dgm:constrLst/>
           <dgm:ruleLst/>
         </dgm:layoutNode>
@@ -14674,7 +12728,7 @@
 </dgm:layoutDef>
 </file>
 
-<file path=ppt/diagrams/layout5.xml><?xml version="1.0" encoding="utf-8"?>
+<file path=ppt/diagrams/layout4.xml><?xml version="1.0" encoding="utf-8"?>
 <dgm:layoutDef xmlns:dgm="http://schemas.openxmlformats.org/drawingml/2006/diagram" xmlns:a="http://schemas.openxmlformats.org/drawingml/2006/main" uniqueId="urn:microsoft.com/office/officeart/2005/8/layout/lProcess3">
   <dgm:title val=""/>
   <dgm:desc val=""/>
@@ -14955,7 +13009,7 @@
 </dgm:layoutDef>
 </file>
 
-<file path=ppt/diagrams/layout6.xml><?xml version="1.0" encoding="utf-8"?>
+<file path=ppt/diagrams/layout5.xml><?xml version="1.0" encoding="utf-8"?>
 <dgm:layoutDef xmlns:dgm="http://schemas.openxmlformats.org/drawingml/2006/diagram" xmlns:a="http://schemas.openxmlformats.org/drawingml/2006/main" uniqueId="urn:microsoft.com/office/officeart/2005/8/layout/chart3">
   <dgm:title val=""/>
   <dgm:desc val=""/>
@@ -16260,7 +14314,7 @@
 </dgm:layoutDef>
 </file>
 
-<file path=ppt/diagrams/layout7.xml><?xml version="1.0" encoding="utf-8"?>
+<file path=ppt/diagrams/layout6.xml><?xml version="1.0" encoding="utf-8"?>
 <dgm:layoutDef xmlns:dgm="http://schemas.openxmlformats.org/drawingml/2006/diagram" xmlns:a="http://schemas.openxmlformats.org/drawingml/2006/main" uniqueId="urn:microsoft.com/office/officeart/2005/8/layout/hList2">
   <dgm:title val=""/>
   <dgm:desc val=""/>
@@ -16545,7 +14599,7 @@
 </dgm:layoutDef>
 </file>
 
-<file path=ppt/diagrams/layout8.xml><?xml version="1.0" encoding="utf-8"?>
+<file path=ppt/diagrams/layout7.xml><?xml version="1.0" encoding="utf-8"?>
 <dgm:layoutDef xmlns:dgm="http://schemas.openxmlformats.org/drawingml/2006/diagram" xmlns:a="http://schemas.openxmlformats.org/drawingml/2006/main" uniqueId="urn:microsoft.com/office/officeart/2005/8/layout/default">
   <dgm:title val=""/>
   <dgm:desc val=""/>
@@ -16692,7 +14746,7 @@
 </dgm:layoutDef>
 </file>
 
-<file path=ppt/diagrams/layout9.xml><?xml version="1.0" encoding="utf-8"?>
+<file path=ppt/diagrams/layout8.xml><?xml version="1.0" encoding="utf-8"?>
 <dgm:layoutDef xmlns:dgm="http://schemas.openxmlformats.org/drawingml/2006/diagram" xmlns:a="http://schemas.openxmlformats.org/drawingml/2006/main" uniqueId="urn:microsoft.com/office/officeart/2005/8/layout/default">
   <dgm:title val=""/>
   <dgm:desc val=""/>
@@ -25111,1040 +23165,6 @@
 </dgm:styleDef>
 </file>
 
-<file path=ppt/diagrams/quickStyle9.xml><?xml version="1.0" encoding="utf-8"?>
-<dgm:styleDef xmlns:dgm="http://schemas.openxmlformats.org/drawingml/2006/diagram" xmlns:a="http://schemas.openxmlformats.org/drawingml/2006/main" uniqueId="urn:microsoft.com/office/officeart/2005/8/quickstyle/simple1">
-  <dgm:title val=""/>
-  <dgm:desc val=""/>
-  <dgm:catLst>
-    <dgm:cat type="simple" pri="10100"/>
-  </dgm:catLst>
-  <dgm:scene3d>
-    <a:camera prst="orthographicFront"/>
-    <a:lightRig rig="threePt" dir="t"/>
-  </dgm:scene3d>
-  <dgm:styleLbl name="node0">
-    <dgm:scene3d>
-      <a:camera prst="orthographicFront"/>
-      <a:lightRig rig="threePt" dir="t"/>
-    </dgm:scene3d>
-    <dgm:sp3d/>
-    <dgm:txPr/>
-    <dgm:style>
-      <a:lnRef idx="2">
-        <a:scrgbClr r="0" g="0" b="0"/>
-      </a:lnRef>
-      <a:fillRef idx="1">
-        <a:scrgbClr r="0" g="0" b="0"/>
-      </a:fillRef>
-      <a:effectRef idx="0">
-        <a:scrgbClr r="0" g="0" b="0"/>
-      </a:effectRef>
-      <a:fontRef idx="minor">
-        <a:schemeClr val="lt1"/>
-      </a:fontRef>
-    </dgm:style>
-  </dgm:styleLbl>
-  <dgm:styleLbl name="lnNode1">
-    <dgm:scene3d>
-      <a:camera prst="orthographicFront"/>
-      <a:lightRig rig="threePt" dir="t"/>
-    </dgm:scene3d>
-    <dgm:sp3d/>
-    <dgm:txPr/>
-    <dgm:style>
-      <a:lnRef idx="2">
-        <a:scrgbClr r="0" g="0" b="0"/>
-      </a:lnRef>
-      <a:fillRef idx="1">
-        <a:scrgbClr r="0" g="0" b="0"/>
-      </a:fillRef>
-      <a:effectRef idx="0">
-        <a:scrgbClr r="0" g="0" b="0"/>
-      </a:effectRef>
-      <a:fontRef idx="minor">
-        <a:schemeClr val="lt1"/>
-      </a:fontRef>
-    </dgm:style>
-  </dgm:styleLbl>
-  <dgm:styleLbl name="vennNode1">
-    <dgm:scene3d>
-      <a:camera prst="orthographicFront"/>
-      <a:lightRig rig="threePt" dir="t"/>
-    </dgm:scene3d>
-    <dgm:sp3d/>
-    <dgm:txPr/>
-    <dgm:style>
-      <a:lnRef idx="2">
-        <a:scrgbClr r="0" g="0" b="0"/>
-      </a:lnRef>
-      <a:fillRef idx="1">
-        <a:scrgbClr r="0" g="0" b="0"/>
-      </a:fillRef>
-      <a:effectRef idx="0">
-        <a:scrgbClr r="0" g="0" b="0"/>
-      </a:effectRef>
-      <a:fontRef idx="minor">
-        <a:schemeClr val="tx1"/>
-      </a:fontRef>
-    </dgm:style>
-  </dgm:styleLbl>
-  <dgm:styleLbl name="alignNode1">
-    <dgm:scene3d>
-      <a:camera prst="orthographicFront"/>
-      <a:lightRig rig="threePt" dir="t"/>
-    </dgm:scene3d>
-    <dgm:sp3d/>
-    <dgm:txPr/>
-    <dgm:style>
-      <a:lnRef idx="2">
-        <a:scrgbClr r="0" g="0" b="0"/>
-      </a:lnRef>
-      <a:fillRef idx="1">
-        <a:scrgbClr r="0" g="0" b="0"/>
-      </a:fillRef>
-      <a:effectRef idx="0">
-        <a:scrgbClr r="0" g="0" b="0"/>
-      </a:effectRef>
-      <a:fontRef idx="minor">
-        <a:schemeClr val="lt1"/>
-      </a:fontRef>
-    </dgm:style>
-  </dgm:styleLbl>
-  <dgm:styleLbl name="node1">
-    <dgm:scene3d>
-      <a:camera prst="orthographicFront"/>
-      <a:lightRig rig="threePt" dir="t"/>
-    </dgm:scene3d>
-    <dgm:sp3d/>
-    <dgm:txPr/>
-    <dgm:style>
-      <a:lnRef idx="2">
-        <a:scrgbClr r="0" g="0" b="0"/>
-      </a:lnRef>
-      <a:fillRef idx="1">
-        <a:scrgbClr r="0" g="0" b="0"/>
-      </a:fillRef>
-      <a:effectRef idx="0">
-        <a:scrgbClr r="0" g="0" b="0"/>
-      </a:effectRef>
-      <a:fontRef idx="minor">
-        <a:schemeClr val="lt1"/>
-      </a:fontRef>
-    </dgm:style>
-  </dgm:styleLbl>
-  <dgm:styleLbl name="node2">
-    <dgm:scene3d>
-      <a:camera prst="orthographicFront"/>
-      <a:lightRig rig="threePt" dir="t"/>
-    </dgm:scene3d>
-    <dgm:sp3d/>
-    <dgm:txPr/>
-    <dgm:style>
-      <a:lnRef idx="2">
-        <a:scrgbClr r="0" g="0" b="0"/>
-      </a:lnRef>
-      <a:fillRef idx="1">
-        <a:scrgbClr r="0" g="0" b="0"/>
-      </a:fillRef>
-      <a:effectRef idx="0">
-        <a:scrgbClr r="0" g="0" b="0"/>
-      </a:effectRef>
-      <a:fontRef idx="minor">
-        <a:schemeClr val="lt1"/>
-      </a:fontRef>
-    </dgm:style>
-  </dgm:styleLbl>
-  <dgm:styleLbl name="node3">
-    <dgm:scene3d>
-      <a:camera prst="orthographicFront"/>
-      <a:lightRig rig="threePt" dir="t"/>
-    </dgm:scene3d>
-    <dgm:sp3d/>
-    <dgm:txPr/>
-    <dgm:style>
-      <a:lnRef idx="2">
-        <a:scrgbClr r="0" g="0" b="0"/>
-      </a:lnRef>
-      <a:fillRef idx="1">
-        <a:scrgbClr r="0" g="0" b="0"/>
-      </a:fillRef>
-      <a:effectRef idx="0">
-        <a:scrgbClr r="0" g="0" b="0"/>
-      </a:effectRef>
-      <a:fontRef idx="minor">
-        <a:schemeClr val="lt1"/>
-      </a:fontRef>
-    </dgm:style>
-  </dgm:styleLbl>
-  <dgm:styleLbl name="node4">
-    <dgm:scene3d>
-      <a:camera prst="orthographicFront"/>
-      <a:lightRig rig="threePt" dir="t"/>
-    </dgm:scene3d>
-    <dgm:sp3d/>
-    <dgm:txPr/>
-    <dgm:style>
-      <a:lnRef idx="2">
-        <a:scrgbClr r="0" g="0" b="0"/>
-      </a:lnRef>
-      <a:fillRef idx="1">
-        <a:scrgbClr r="0" g="0" b="0"/>
-      </a:fillRef>
-      <a:effectRef idx="0">
-        <a:scrgbClr r="0" g="0" b="0"/>
-      </a:effectRef>
-      <a:fontRef idx="minor">
-        <a:schemeClr val="lt1"/>
-      </a:fontRef>
-    </dgm:style>
-  </dgm:styleLbl>
-  <dgm:styleLbl name="fgImgPlace1">
-    <dgm:scene3d>
-      <a:camera prst="orthographicFront"/>
-      <a:lightRig rig="threePt" dir="t"/>
-    </dgm:scene3d>
-    <dgm:sp3d/>
-    <dgm:txPr/>
-    <dgm:style>
-      <a:lnRef idx="2">
-        <a:scrgbClr r="0" g="0" b="0"/>
-      </a:lnRef>
-      <a:fillRef idx="1">
-        <a:scrgbClr r="0" g="0" b="0"/>
-      </a:fillRef>
-      <a:effectRef idx="0">
-        <a:scrgbClr r="0" g="0" b="0"/>
-      </a:effectRef>
-      <a:fontRef idx="minor"/>
-    </dgm:style>
-  </dgm:styleLbl>
-  <dgm:styleLbl name="alignImgPlace1">
-    <dgm:scene3d>
-      <a:camera prst="orthographicFront"/>
-      <a:lightRig rig="threePt" dir="t"/>
-    </dgm:scene3d>
-    <dgm:sp3d/>
-    <dgm:txPr/>
-    <dgm:style>
-      <a:lnRef idx="2">
-        <a:scrgbClr r="0" g="0" b="0"/>
-      </a:lnRef>
-      <a:fillRef idx="1">
-        <a:scrgbClr r="0" g="0" b="0"/>
-      </a:fillRef>
-      <a:effectRef idx="0">
-        <a:scrgbClr r="0" g="0" b="0"/>
-      </a:effectRef>
-      <a:fontRef idx="minor"/>
-    </dgm:style>
-  </dgm:styleLbl>
-  <dgm:styleLbl name="bgImgPlace1">
-    <dgm:scene3d>
-      <a:camera prst="orthographicFront"/>
-      <a:lightRig rig="threePt" dir="t"/>
-    </dgm:scene3d>
-    <dgm:sp3d/>
-    <dgm:txPr/>
-    <dgm:style>
-      <a:lnRef idx="2">
-        <a:scrgbClr r="0" g="0" b="0"/>
-      </a:lnRef>
-      <a:fillRef idx="1">
-        <a:scrgbClr r="0" g="0" b="0"/>
-      </a:fillRef>
-      <a:effectRef idx="0">
-        <a:scrgbClr r="0" g="0" b="0"/>
-      </a:effectRef>
-      <a:fontRef idx="minor"/>
-    </dgm:style>
-  </dgm:styleLbl>
-  <dgm:styleLbl name="sibTrans2D1">
-    <dgm:scene3d>
-      <a:camera prst="orthographicFront"/>
-      <a:lightRig rig="threePt" dir="t"/>
-    </dgm:scene3d>
-    <dgm:sp3d/>
-    <dgm:txPr/>
-    <dgm:style>
-      <a:lnRef idx="0">
-        <a:scrgbClr r="0" g="0" b="0"/>
-      </a:lnRef>
-      <a:fillRef idx="1">
-        <a:scrgbClr r="0" g="0" b="0"/>
-      </a:fillRef>
-      <a:effectRef idx="0">
-        <a:scrgbClr r="0" g="0" b="0"/>
-      </a:effectRef>
-      <a:fontRef idx="minor">
-        <a:schemeClr val="lt1"/>
-      </a:fontRef>
-    </dgm:style>
-  </dgm:styleLbl>
-  <dgm:styleLbl name="fgSibTrans2D1">
-    <dgm:scene3d>
-      <a:camera prst="orthographicFront"/>
-      <a:lightRig rig="threePt" dir="t"/>
-    </dgm:scene3d>
-    <dgm:sp3d/>
-    <dgm:txPr/>
-    <dgm:style>
-      <a:lnRef idx="0">
-        <a:scrgbClr r="0" g="0" b="0"/>
-      </a:lnRef>
-      <a:fillRef idx="1">
-        <a:scrgbClr r="0" g="0" b="0"/>
-      </a:fillRef>
-      <a:effectRef idx="0">
-        <a:scrgbClr r="0" g="0" b="0"/>
-      </a:effectRef>
-      <a:fontRef idx="minor">
-        <a:schemeClr val="lt1"/>
-      </a:fontRef>
-    </dgm:style>
-  </dgm:styleLbl>
-  <dgm:styleLbl name="bgSibTrans2D1">
-    <dgm:scene3d>
-      <a:camera prst="orthographicFront"/>
-      <a:lightRig rig="threePt" dir="t"/>
-    </dgm:scene3d>
-    <dgm:sp3d/>
-    <dgm:txPr/>
-    <dgm:style>
-      <a:lnRef idx="0">
-        <a:scrgbClr r="0" g="0" b="0"/>
-      </a:lnRef>
-      <a:fillRef idx="1">
-        <a:scrgbClr r="0" g="0" b="0"/>
-      </a:fillRef>
-      <a:effectRef idx="0">
-        <a:scrgbClr r="0" g="0" b="0"/>
-      </a:effectRef>
-      <a:fontRef idx="minor">
-        <a:schemeClr val="lt1"/>
-      </a:fontRef>
-    </dgm:style>
-  </dgm:styleLbl>
-  <dgm:styleLbl name="sibTrans1D1">
-    <dgm:scene3d>
-      <a:camera prst="orthographicFront"/>
-      <a:lightRig rig="threePt" dir="t"/>
-    </dgm:scene3d>
-    <dgm:sp3d/>
-    <dgm:txPr/>
-    <dgm:style>
-      <a:lnRef idx="1">
-        <a:scrgbClr r="0" g="0" b="0"/>
-      </a:lnRef>
-      <a:fillRef idx="0">
-        <a:scrgbClr r="0" g="0" b="0"/>
-      </a:fillRef>
-      <a:effectRef idx="0">
-        <a:scrgbClr r="0" g="0" b="0"/>
-      </a:effectRef>
-      <a:fontRef idx="minor"/>
-    </dgm:style>
-  </dgm:styleLbl>
-  <dgm:styleLbl name="callout">
-    <dgm:scene3d>
-      <a:camera prst="orthographicFront"/>
-      <a:lightRig rig="threePt" dir="t"/>
-    </dgm:scene3d>
-    <dgm:sp3d/>
-    <dgm:txPr/>
-    <dgm:style>
-      <a:lnRef idx="2">
-        <a:scrgbClr r="0" g="0" b="0"/>
-      </a:lnRef>
-      <a:fillRef idx="1">
-        <a:scrgbClr r="0" g="0" b="0"/>
-      </a:fillRef>
-      <a:effectRef idx="0">
-        <a:scrgbClr r="0" g="0" b="0"/>
-      </a:effectRef>
-      <a:fontRef idx="minor"/>
-    </dgm:style>
-  </dgm:styleLbl>
-  <dgm:styleLbl name="asst0">
-    <dgm:scene3d>
-      <a:camera prst="orthographicFront"/>
-      <a:lightRig rig="threePt" dir="t"/>
-    </dgm:scene3d>
-    <dgm:sp3d/>
-    <dgm:txPr/>
-    <dgm:style>
-      <a:lnRef idx="2">
-        <a:scrgbClr r="0" g="0" b="0"/>
-      </a:lnRef>
-      <a:fillRef idx="1">
-        <a:scrgbClr r="0" g="0" b="0"/>
-      </a:fillRef>
-      <a:effectRef idx="0">
-        <a:scrgbClr r="0" g="0" b="0"/>
-      </a:effectRef>
-      <a:fontRef idx="minor">
-        <a:schemeClr val="lt1"/>
-      </a:fontRef>
-    </dgm:style>
-  </dgm:styleLbl>
-  <dgm:styleLbl name="asst1">
-    <dgm:scene3d>
-      <a:camera prst="orthographicFront"/>
-      <a:lightRig rig="threePt" dir="t"/>
-    </dgm:scene3d>
-    <dgm:sp3d/>
-    <dgm:txPr/>
-    <dgm:style>
-      <a:lnRef idx="2">
-        <a:scrgbClr r="0" g="0" b="0"/>
-      </a:lnRef>
-      <a:fillRef idx="1">
-        <a:scrgbClr r="0" g="0" b="0"/>
-      </a:fillRef>
-      <a:effectRef idx="0">
-        <a:scrgbClr r="0" g="0" b="0"/>
-      </a:effectRef>
-      <a:fontRef idx="minor">
-        <a:schemeClr val="lt1"/>
-      </a:fontRef>
-    </dgm:style>
-  </dgm:styleLbl>
-  <dgm:styleLbl name="asst2">
-    <dgm:scene3d>
-      <a:camera prst="orthographicFront"/>
-      <a:lightRig rig="threePt" dir="t"/>
-    </dgm:scene3d>
-    <dgm:sp3d/>
-    <dgm:txPr/>
-    <dgm:style>
-      <a:lnRef idx="2">
-        <a:scrgbClr r="0" g="0" b="0"/>
-      </a:lnRef>
-      <a:fillRef idx="1">
-        <a:scrgbClr r="0" g="0" b="0"/>
-      </a:fillRef>
-      <a:effectRef idx="0">
-        <a:scrgbClr r="0" g="0" b="0"/>
-      </a:effectRef>
-      <a:fontRef idx="minor">
-        <a:schemeClr val="lt1"/>
-      </a:fontRef>
-    </dgm:style>
-  </dgm:styleLbl>
-  <dgm:styleLbl name="asst3">
-    <dgm:scene3d>
-      <a:camera prst="orthographicFront"/>
-      <a:lightRig rig="threePt" dir="t"/>
-    </dgm:scene3d>
-    <dgm:sp3d/>
-    <dgm:txPr/>
-    <dgm:style>
-      <a:lnRef idx="2">
-        <a:scrgbClr r="0" g="0" b="0"/>
-      </a:lnRef>
-      <a:fillRef idx="1">
-        <a:scrgbClr r="0" g="0" b="0"/>
-      </a:fillRef>
-      <a:effectRef idx="0">
-        <a:scrgbClr r="0" g="0" b="0"/>
-      </a:effectRef>
-      <a:fontRef idx="minor">
-        <a:schemeClr val="lt1"/>
-      </a:fontRef>
-    </dgm:style>
-  </dgm:styleLbl>
-  <dgm:styleLbl name="asst4">
-    <dgm:scene3d>
-      <a:camera prst="orthographicFront"/>
-      <a:lightRig rig="threePt" dir="t"/>
-    </dgm:scene3d>
-    <dgm:sp3d/>
-    <dgm:txPr/>
-    <dgm:style>
-      <a:lnRef idx="2">
-        <a:scrgbClr r="0" g="0" b="0"/>
-      </a:lnRef>
-      <a:fillRef idx="1">
-        <a:scrgbClr r="0" g="0" b="0"/>
-      </a:fillRef>
-      <a:effectRef idx="0">
-        <a:scrgbClr r="0" g="0" b="0"/>
-      </a:effectRef>
-      <a:fontRef idx="minor">
-        <a:schemeClr val="lt1"/>
-      </a:fontRef>
-    </dgm:style>
-  </dgm:styleLbl>
-  <dgm:styleLbl name="parChTrans2D1">
-    <dgm:scene3d>
-      <a:camera prst="orthographicFront"/>
-      <a:lightRig rig="threePt" dir="t"/>
-    </dgm:scene3d>
-    <dgm:sp3d/>
-    <dgm:txPr/>
-    <dgm:style>
-      <a:lnRef idx="2">
-        <a:scrgbClr r="0" g="0" b="0"/>
-      </a:lnRef>
-      <a:fillRef idx="1">
-        <a:scrgbClr r="0" g="0" b="0"/>
-      </a:fillRef>
-      <a:effectRef idx="0">
-        <a:scrgbClr r="0" g="0" b="0"/>
-      </a:effectRef>
-      <a:fontRef idx="minor">
-        <a:schemeClr val="lt1"/>
-      </a:fontRef>
-    </dgm:style>
-  </dgm:styleLbl>
-  <dgm:styleLbl name="parChTrans2D2">
-    <dgm:scene3d>
-      <a:camera prst="orthographicFront"/>
-      <a:lightRig rig="threePt" dir="t"/>
-    </dgm:scene3d>
-    <dgm:sp3d/>
-    <dgm:txPr/>
-    <dgm:style>
-      <a:lnRef idx="2">
-        <a:scrgbClr r="0" g="0" b="0"/>
-      </a:lnRef>
-      <a:fillRef idx="1">
-        <a:scrgbClr r="0" g="0" b="0"/>
-      </a:fillRef>
-      <a:effectRef idx="0">
-        <a:scrgbClr r="0" g="0" b="0"/>
-      </a:effectRef>
-      <a:fontRef idx="minor">
-        <a:schemeClr val="lt1"/>
-      </a:fontRef>
-    </dgm:style>
-  </dgm:styleLbl>
-  <dgm:styleLbl name="parChTrans2D3">
-    <dgm:scene3d>
-      <a:camera prst="orthographicFront"/>
-      <a:lightRig rig="threePt" dir="t"/>
-    </dgm:scene3d>
-    <dgm:sp3d/>
-    <dgm:txPr/>
-    <dgm:style>
-      <a:lnRef idx="2">
-        <a:scrgbClr r="0" g="0" b="0"/>
-      </a:lnRef>
-      <a:fillRef idx="1">
-        <a:scrgbClr r="0" g="0" b="0"/>
-      </a:fillRef>
-      <a:effectRef idx="0">
-        <a:scrgbClr r="0" g="0" b="0"/>
-      </a:effectRef>
-      <a:fontRef idx="minor">
-        <a:schemeClr val="lt1"/>
-      </a:fontRef>
-    </dgm:style>
-  </dgm:styleLbl>
-  <dgm:styleLbl name="parChTrans2D4">
-    <dgm:scene3d>
-      <a:camera prst="orthographicFront"/>
-      <a:lightRig rig="threePt" dir="t"/>
-    </dgm:scene3d>
-    <dgm:sp3d/>
-    <dgm:txPr/>
-    <dgm:style>
-      <a:lnRef idx="2">
-        <a:scrgbClr r="0" g="0" b="0"/>
-      </a:lnRef>
-      <a:fillRef idx="1">
-        <a:scrgbClr r="0" g="0" b="0"/>
-      </a:fillRef>
-      <a:effectRef idx="0">
-        <a:scrgbClr r="0" g="0" b="0"/>
-      </a:effectRef>
-      <a:fontRef idx="minor">
-        <a:schemeClr val="lt1"/>
-      </a:fontRef>
-    </dgm:style>
-  </dgm:styleLbl>
-  <dgm:styleLbl name="parChTrans1D1">
-    <dgm:scene3d>
-      <a:camera prst="orthographicFront"/>
-      <a:lightRig rig="threePt" dir="t"/>
-    </dgm:scene3d>
-    <dgm:sp3d/>
-    <dgm:txPr/>
-    <dgm:style>
-      <a:lnRef idx="2">
-        <a:scrgbClr r="0" g="0" b="0"/>
-      </a:lnRef>
-      <a:fillRef idx="0">
-        <a:scrgbClr r="0" g="0" b="0"/>
-      </a:fillRef>
-      <a:effectRef idx="0">
-        <a:scrgbClr r="0" g="0" b="0"/>
-      </a:effectRef>
-      <a:fontRef idx="minor"/>
-    </dgm:style>
-  </dgm:styleLbl>
-  <dgm:styleLbl name="parChTrans1D2">
-    <dgm:scene3d>
-      <a:camera prst="orthographicFront"/>
-      <a:lightRig rig="threePt" dir="t"/>
-    </dgm:scene3d>
-    <dgm:sp3d/>
-    <dgm:txPr/>
-    <dgm:style>
-      <a:lnRef idx="2">
-        <a:scrgbClr r="0" g="0" b="0"/>
-      </a:lnRef>
-      <a:fillRef idx="0">
-        <a:scrgbClr r="0" g="0" b="0"/>
-      </a:fillRef>
-      <a:effectRef idx="0">
-        <a:scrgbClr r="0" g="0" b="0"/>
-      </a:effectRef>
-      <a:fontRef idx="minor"/>
-    </dgm:style>
-  </dgm:styleLbl>
-  <dgm:styleLbl name="parChTrans1D3">
-    <dgm:scene3d>
-      <a:camera prst="orthographicFront"/>
-      <a:lightRig rig="threePt" dir="t"/>
-    </dgm:scene3d>
-    <dgm:sp3d/>
-    <dgm:txPr/>
-    <dgm:style>
-      <a:lnRef idx="2">
-        <a:scrgbClr r="0" g="0" b="0"/>
-      </a:lnRef>
-      <a:fillRef idx="0">
-        <a:scrgbClr r="0" g="0" b="0"/>
-      </a:fillRef>
-      <a:effectRef idx="0">
-        <a:scrgbClr r="0" g="0" b="0"/>
-      </a:effectRef>
-      <a:fontRef idx="minor"/>
-    </dgm:style>
-  </dgm:styleLbl>
-  <dgm:styleLbl name="parChTrans1D4">
-    <dgm:scene3d>
-      <a:camera prst="orthographicFront"/>
-      <a:lightRig rig="threePt" dir="t"/>
-    </dgm:scene3d>
-    <dgm:sp3d/>
-    <dgm:txPr/>
-    <dgm:style>
-      <a:lnRef idx="2">
-        <a:scrgbClr r="0" g="0" b="0"/>
-      </a:lnRef>
-      <a:fillRef idx="0">
-        <a:scrgbClr r="0" g="0" b="0"/>
-      </a:fillRef>
-      <a:effectRef idx="0">
-        <a:scrgbClr r="0" g="0" b="0"/>
-      </a:effectRef>
-      <a:fontRef idx="minor"/>
-    </dgm:style>
-  </dgm:styleLbl>
-  <dgm:styleLbl name="fgAcc1">
-    <dgm:scene3d>
-      <a:camera prst="orthographicFront"/>
-      <a:lightRig rig="threePt" dir="t"/>
-    </dgm:scene3d>
-    <dgm:sp3d/>
-    <dgm:txPr/>
-    <dgm:style>
-      <a:lnRef idx="2">
-        <a:scrgbClr r="0" g="0" b="0"/>
-      </a:lnRef>
-      <a:fillRef idx="1">
-        <a:scrgbClr r="0" g="0" b="0"/>
-      </a:fillRef>
-      <a:effectRef idx="0">
-        <a:scrgbClr r="0" g="0" b="0"/>
-      </a:effectRef>
-      <a:fontRef idx="minor"/>
-    </dgm:style>
-  </dgm:styleLbl>
-  <dgm:styleLbl name="conFgAcc1">
-    <dgm:scene3d>
-      <a:camera prst="orthographicFront"/>
-      <a:lightRig rig="threePt" dir="t"/>
-    </dgm:scene3d>
-    <dgm:sp3d/>
-    <dgm:txPr/>
-    <dgm:style>
-      <a:lnRef idx="2">
-        <a:scrgbClr r="0" g="0" b="0"/>
-      </a:lnRef>
-      <a:fillRef idx="1">
-        <a:scrgbClr r="0" g="0" b="0"/>
-      </a:fillRef>
-      <a:effectRef idx="0">
-        <a:scrgbClr r="0" g="0" b="0"/>
-      </a:effectRef>
-      <a:fontRef idx="minor"/>
-    </dgm:style>
-  </dgm:styleLbl>
-  <dgm:styleLbl name="alignAcc1">
-    <dgm:scene3d>
-      <a:camera prst="orthographicFront"/>
-      <a:lightRig rig="threePt" dir="t"/>
-    </dgm:scene3d>
-    <dgm:sp3d/>
-    <dgm:txPr/>
-    <dgm:style>
-      <a:lnRef idx="2">
-        <a:scrgbClr r="0" g="0" b="0"/>
-      </a:lnRef>
-      <a:fillRef idx="1">
-        <a:scrgbClr r="0" g="0" b="0"/>
-      </a:fillRef>
-      <a:effectRef idx="0">
-        <a:scrgbClr r="0" g="0" b="0"/>
-      </a:effectRef>
-      <a:fontRef idx="minor"/>
-    </dgm:style>
-  </dgm:styleLbl>
-  <dgm:styleLbl name="trAlignAcc1">
-    <dgm:scene3d>
-      <a:camera prst="orthographicFront"/>
-      <a:lightRig rig="threePt" dir="t"/>
-    </dgm:scene3d>
-    <dgm:sp3d/>
-    <dgm:txPr/>
-    <dgm:style>
-      <a:lnRef idx="1">
-        <a:scrgbClr r="0" g="0" b="0"/>
-      </a:lnRef>
-      <a:fillRef idx="1">
-        <a:scrgbClr r="0" g="0" b="0"/>
-      </a:fillRef>
-      <a:effectRef idx="0">
-        <a:scrgbClr r="0" g="0" b="0"/>
-      </a:effectRef>
-      <a:fontRef idx="minor"/>
-    </dgm:style>
-  </dgm:styleLbl>
-  <dgm:styleLbl name="bgAcc1">
-    <dgm:scene3d>
-      <a:camera prst="orthographicFront"/>
-      <a:lightRig rig="threePt" dir="t"/>
-    </dgm:scene3d>
-    <dgm:sp3d/>
-    <dgm:txPr/>
-    <dgm:style>
-      <a:lnRef idx="2">
-        <a:scrgbClr r="0" g="0" b="0"/>
-      </a:lnRef>
-      <a:fillRef idx="1">
-        <a:scrgbClr r="0" g="0" b="0"/>
-      </a:fillRef>
-      <a:effectRef idx="0">
-        <a:scrgbClr r="0" g="0" b="0"/>
-      </a:effectRef>
-      <a:fontRef idx="minor"/>
-    </dgm:style>
-  </dgm:styleLbl>
-  <dgm:styleLbl name="solidFgAcc1">
-    <dgm:scene3d>
-      <a:camera prst="orthographicFront"/>
-      <a:lightRig rig="threePt" dir="t"/>
-    </dgm:scene3d>
-    <dgm:sp3d/>
-    <dgm:txPr/>
-    <dgm:style>
-      <a:lnRef idx="2">
-        <a:scrgbClr r="0" g="0" b="0"/>
-      </a:lnRef>
-      <a:fillRef idx="1">
-        <a:scrgbClr r="0" g="0" b="0"/>
-      </a:fillRef>
-      <a:effectRef idx="0">
-        <a:scrgbClr r="0" g="0" b="0"/>
-      </a:effectRef>
-      <a:fontRef idx="minor"/>
-    </dgm:style>
-  </dgm:styleLbl>
-  <dgm:styleLbl name="solidAlignAcc1">
-    <dgm:scene3d>
-      <a:camera prst="orthographicFront"/>
-      <a:lightRig rig="threePt" dir="t"/>
-    </dgm:scene3d>
-    <dgm:sp3d/>
-    <dgm:txPr/>
-    <dgm:style>
-      <a:lnRef idx="2">
-        <a:scrgbClr r="0" g="0" b="0"/>
-      </a:lnRef>
-      <a:fillRef idx="1">
-        <a:scrgbClr r="0" g="0" b="0"/>
-      </a:fillRef>
-      <a:effectRef idx="0">
-        <a:scrgbClr r="0" g="0" b="0"/>
-      </a:effectRef>
-      <a:fontRef idx="minor"/>
-    </dgm:style>
-  </dgm:styleLbl>
-  <dgm:styleLbl name="solidBgAcc1">
-    <dgm:scene3d>
-      <a:camera prst="orthographicFront"/>
-      <a:lightRig rig="threePt" dir="t"/>
-    </dgm:scene3d>
-    <dgm:sp3d/>
-    <dgm:txPr/>
-    <dgm:style>
-      <a:lnRef idx="2">
-        <a:scrgbClr r="0" g="0" b="0"/>
-      </a:lnRef>
-      <a:fillRef idx="1">
-        <a:scrgbClr r="0" g="0" b="0"/>
-      </a:fillRef>
-      <a:effectRef idx="0">
-        <a:scrgbClr r="0" g="0" b="0"/>
-      </a:effectRef>
-      <a:fontRef idx="minor"/>
-    </dgm:style>
-  </dgm:styleLbl>
-  <dgm:styleLbl name="fgAccFollowNode1">
-    <dgm:scene3d>
-      <a:camera prst="orthographicFront"/>
-      <a:lightRig rig="threePt" dir="t"/>
-    </dgm:scene3d>
-    <dgm:sp3d/>
-    <dgm:txPr/>
-    <dgm:style>
-      <a:lnRef idx="2">
-        <a:scrgbClr r="0" g="0" b="0"/>
-      </a:lnRef>
-      <a:fillRef idx="1">
-        <a:scrgbClr r="0" g="0" b="0"/>
-      </a:fillRef>
-      <a:effectRef idx="0">
-        <a:scrgbClr r="0" g="0" b="0"/>
-      </a:effectRef>
-      <a:fontRef idx="minor"/>
-    </dgm:style>
-  </dgm:styleLbl>
-  <dgm:styleLbl name="alignAccFollowNode1">
-    <dgm:scene3d>
-      <a:camera prst="orthographicFront"/>
-      <a:lightRig rig="threePt" dir="t"/>
-    </dgm:scene3d>
-    <dgm:sp3d/>
-    <dgm:txPr/>
-    <dgm:style>
-      <a:lnRef idx="2">
-        <a:scrgbClr r="0" g="0" b="0"/>
-      </a:lnRef>
-      <a:fillRef idx="1">
-        <a:scrgbClr r="0" g="0" b="0"/>
-      </a:fillRef>
-      <a:effectRef idx="0">
-        <a:scrgbClr r="0" g="0" b="0"/>
-      </a:effectRef>
-      <a:fontRef idx="minor"/>
-    </dgm:style>
-  </dgm:styleLbl>
-  <dgm:styleLbl name="bgAccFollowNode1">
-    <dgm:scene3d>
-      <a:camera prst="orthographicFront"/>
-      <a:lightRig rig="threePt" dir="t"/>
-    </dgm:scene3d>
-    <dgm:sp3d/>
-    <dgm:txPr/>
-    <dgm:style>
-      <a:lnRef idx="2">
-        <a:scrgbClr r="0" g="0" b="0"/>
-      </a:lnRef>
-      <a:fillRef idx="1">
-        <a:scrgbClr r="0" g="0" b="0"/>
-      </a:fillRef>
-      <a:effectRef idx="0">
-        <a:scrgbClr r="0" g="0" b="0"/>
-      </a:effectRef>
-      <a:fontRef idx="minor"/>
-    </dgm:style>
-  </dgm:styleLbl>
-  <dgm:styleLbl name="fgAcc0">
-    <dgm:scene3d>
-      <a:camera prst="orthographicFront"/>
-      <a:lightRig rig="threePt" dir="t"/>
-    </dgm:scene3d>
-    <dgm:sp3d/>
-    <dgm:txPr/>
-    <dgm:style>
-      <a:lnRef idx="2">
-        <a:scrgbClr r="0" g="0" b="0"/>
-      </a:lnRef>
-      <a:fillRef idx="1">
-        <a:scrgbClr r="0" g="0" b="0"/>
-      </a:fillRef>
-      <a:effectRef idx="0">
-        <a:scrgbClr r="0" g="0" b="0"/>
-      </a:effectRef>
-      <a:fontRef idx="minor"/>
-    </dgm:style>
-  </dgm:styleLbl>
-  <dgm:styleLbl name="fgAcc2">
-    <dgm:scene3d>
-      <a:camera prst="orthographicFront"/>
-      <a:lightRig rig="threePt" dir="t"/>
-    </dgm:scene3d>
-    <dgm:sp3d/>
-    <dgm:txPr/>
-    <dgm:style>
-      <a:lnRef idx="2">
-        <a:scrgbClr r="0" g="0" b="0"/>
-      </a:lnRef>
-      <a:fillRef idx="1">
-        <a:scrgbClr r="0" g="0" b="0"/>
-      </a:fillRef>
-      <a:effectRef idx="0">
-        <a:scrgbClr r="0" g="0" b="0"/>
-      </a:effectRef>
-      <a:fontRef idx="minor"/>
-    </dgm:style>
-  </dgm:styleLbl>
-  <dgm:styleLbl name="fgAcc3">
-    <dgm:scene3d>
-      <a:camera prst="orthographicFront"/>
-      <a:lightRig rig="threePt" dir="t"/>
-    </dgm:scene3d>
-    <dgm:sp3d/>
-    <dgm:txPr/>
-    <dgm:style>
-      <a:lnRef idx="2">
-        <a:scrgbClr r="0" g="0" b="0"/>
-      </a:lnRef>
-      <a:fillRef idx="1">
-        <a:scrgbClr r="0" g="0" b="0"/>
-      </a:fillRef>
-      <a:effectRef idx="0">
-        <a:scrgbClr r="0" g="0" b="0"/>
-      </a:effectRef>
-      <a:fontRef idx="minor"/>
-    </dgm:style>
-  </dgm:styleLbl>
-  <dgm:styleLbl name="fgAcc4">
-    <dgm:scene3d>
-      <a:camera prst="orthographicFront"/>
-      <a:lightRig rig="threePt" dir="t"/>
-    </dgm:scene3d>
-    <dgm:sp3d/>
-    <dgm:txPr/>
-    <dgm:style>
-      <a:lnRef idx="2">
-        <a:scrgbClr r="0" g="0" b="0"/>
-      </a:lnRef>
-      <a:fillRef idx="1">
-        <a:scrgbClr r="0" g="0" b="0"/>
-      </a:fillRef>
-      <a:effectRef idx="0">
-        <a:scrgbClr r="0" g="0" b="0"/>
-      </a:effectRef>
-      <a:fontRef idx="minor"/>
-    </dgm:style>
-  </dgm:styleLbl>
-  <dgm:styleLbl name="bgShp">
-    <dgm:scene3d>
-      <a:camera prst="orthographicFront"/>
-      <a:lightRig rig="threePt" dir="t"/>
-    </dgm:scene3d>
-    <dgm:sp3d/>
-    <dgm:txPr/>
-    <dgm:style>
-      <a:lnRef idx="0">
-        <a:scrgbClr r="0" g="0" b="0"/>
-      </a:lnRef>
-      <a:fillRef idx="1">
-        <a:scrgbClr r="0" g="0" b="0"/>
-      </a:fillRef>
-      <a:effectRef idx="0">
-        <a:scrgbClr r="0" g="0" b="0"/>
-      </a:effectRef>
-      <a:fontRef idx="minor"/>
-    </dgm:style>
-  </dgm:styleLbl>
-  <dgm:styleLbl name="dkBgShp">
-    <dgm:scene3d>
-      <a:camera prst="orthographicFront"/>
-      <a:lightRig rig="threePt" dir="t"/>
-    </dgm:scene3d>
-    <dgm:sp3d/>
-    <dgm:txPr/>
-    <dgm:style>
-      <a:lnRef idx="0">
-        <a:scrgbClr r="0" g="0" b="0"/>
-      </a:lnRef>
-      <a:fillRef idx="1">
-        <a:scrgbClr r="0" g="0" b="0"/>
-      </a:fillRef>
-      <a:effectRef idx="0">
-        <a:scrgbClr r="0" g="0" b="0"/>
-      </a:effectRef>
-      <a:fontRef idx="minor"/>
-    </dgm:style>
-  </dgm:styleLbl>
-  <dgm:styleLbl name="trBgShp">
-    <dgm:scene3d>
-      <a:camera prst="orthographicFront"/>
-      <a:lightRig rig="threePt" dir="t"/>
-    </dgm:scene3d>
-    <dgm:sp3d/>
-    <dgm:txPr/>
-    <dgm:style>
-      <a:lnRef idx="0">
-        <a:scrgbClr r="0" g="0" b="0"/>
-      </a:lnRef>
-      <a:fillRef idx="1">
-        <a:scrgbClr r="0" g="0" b="0"/>
-      </a:fillRef>
-      <a:effectRef idx="0">
-        <a:scrgbClr r="0" g="0" b="0"/>
-      </a:effectRef>
-      <a:fontRef idx="minor"/>
-    </dgm:style>
-  </dgm:styleLbl>
-  <dgm:styleLbl name="fgShp">
-    <dgm:scene3d>
-      <a:camera prst="orthographicFront"/>
-      <a:lightRig rig="threePt" dir="t"/>
-    </dgm:scene3d>
-    <dgm:sp3d/>
-    <dgm:txPr/>
-    <dgm:style>
-      <a:lnRef idx="2">
-        <a:scrgbClr r="0" g="0" b="0"/>
-      </a:lnRef>
-      <a:fillRef idx="1">
-        <a:scrgbClr r="0" g="0" b="0"/>
-      </a:fillRef>
-      <a:effectRef idx="0">
-        <a:scrgbClr r="0" g="0" b="0"/>
-      </a:effectRef>
-      <a:fontRef idx="minor"/>
-    </dgm:style>
-  </dgm:styleLbl>
-  <dgm:styleLbl name="revTx">
-    <dgm:scene3d>
-      <a:camera prst="orthographicFront"/>
-      <a:lightRig rig="threePt" dir="t"/>
-    </dgm:scene3d>
-    <dgm:sp3d/>
-    <dgm:txPr/>
-    <dgm:style>
-      <a:lnRef idx="0">
-        <a:scrgbClr r="0" g="0" b="0"/>
-      </a:lnRef>
-      <a:fillRef idx="0">
-        <a:scrgbClr r="0" g="0" b="0"/>
-      </a:fillRef>
-      <a:effectRef idx="0">
-        <a:scrgbClr r="0" g="0" b="0"/>
-      </a:effectRef>
-      <a:fontRef idx="minor"/>
-    </dgm:style>
-  </dgm:styleLbl>
-</dgm:styleDef>
-</file>
-
 <file path=ppt/handoutMasters/handoutMaster1.xml><?xml version="1.0" encoding="utf-8"?>
 <p:handoutMaster xmlns:a="http://schemas.openxmlformats.org/drawingml/2006/main" xmlns:r="http://schemas.openxmlformats.org/officeDocument/2006/relationships" xmlns:p="http://schemas.openxmlformats.org/presentationml/2006/main">
   <p:cSld>
@@ -26227,7 +23247,7 @@
           <a:p>
             <a:fld id="{C6AC6211-610F-44E5-BF19-D3CDF6EDD281}" type="datetimeFigureOut">
               <a:rPr lang="de-DE" smtClean="0"/>
-              <a:t>28.11.2019</a:t>
+              <a:t>03.12.2019</a:t>
             </a:fld>
             <a:endParaRPr lang="de-DE"/>
           </a:p>
@@ -26393,7 +23413,7 @@
           <a:p>
             <a:fld id="{347435D3-23A6-45D3-8DFA-7317DC1E7A64}" type="datetimeFigureOut">
               <a:rPr lang="de-DE" smtClean="0"/>
-              <a:t>28.11.2019</a:t>
+              <a:t>03.12.2019</a:t>
             </a:fld>
             <a:endParaRPr lang="de-DE"/>
           </a:p>
@@ -29922,10 +26942,10 @@
       </p:sp>
       <p:pic>
         <p:nvPicPr>
-          <p:cNvPr id="7" name="Grafik 6">
+          <p:cNvPr id="4" name="Grafik 3">
             <a:extLst>
               <a:ext uri="{FF2B5EF4-FFF2-40B4-BE49-F238E27FC236}">
-                <a16:creationId xmlns:a16="http://schemas.microsoft.com/office/drawing/2014/main" id="{7BC988C1-DB1C-447C-BA95-285394B222A4}"/>
+                <a16:creationId xmlns:a16="http://schemas.microsoft.com/office/drawing/2014/main" id="{08F95F9A-65DE-4D5A-A794-8C7E6BBA8DB0}"/>
               </a:ext>
             </a:extLst>
           </p:cNvPr>
@@ -29948,8 +26968,8 @@
         </p:blipFill>
         <p:spPr>
           <a:xfrm>
-            <a:off x="1495295" y="2123146"/>
-            <a:ext cx="9758169" cy="2611707"/>
+            <a:off x="943147" y="1301858"/>
+            <a:ext cx="10512252" cy="3758338"/>
           </a:xfrm>
           <a:prstGeom prst="rect">
             <a:avLst/>
@@ -30027,14 +27047,14 @@
           <p:nvPr>
             <p:extLst>
               <p:ext uri="{D42A27DB-BD31-4B8C-83A1-F6EECF244321}">
-                <p14:modId xmlns:p14="http://schemas.microsoft.com/office/powerpoint/2010/main" val="1595491829"/>
+                <p14:modId xmlns:p14="http://schemas.microsoft.com/office/powerpoint/2010/main" val="912382678"/>
               </p:ext>
             </p:extLst>
           </p:nvPr>
         </p:nvGraphicFramePr>
         <p:xfrm>
-          <a:off x="2721542" y="783771"/>
-          <a:ext cx="7086487" cy="5290457"/>
+          <a:off x="1713961" y="688181"/>
+          <a:ext cx="8902187" cy="5290457"/>
         </p:xfrm>
         <a:graphic>
           <a:graphicData uri="http://schemas.openxmlformats.org/drawingml/2006/diagram">
@@ -30056,6 +27076,89 @@
 </file>
 
 <file path=ppt/slides/slide13.xml><?xml version="1.0" encoding="utf-8"?>
+<p:sld xmlns:a="http://schemas.openxmlformats.org/drawingml/2006/main" xmlns:r="http://schemas.openxmlformats.org/officeDocument/2006/relationships" xmlns:p="http://schemas.openxmlformats.org/presentationml/2006/main">
+  <p:cSld>
+    <p:spTree>
+      <p:nvGrpSpPr>
+        <p:cNvPr id="1" name=""/>
+        <p:cNvGrpSpPr/>
+        <p:nvPr/>
+      </p:nvGrpSpPr>
+      <p:grpSpPr>
+        <a:xfrm>
+          <a:off x="0" y="0"/>
+          <a:ext cx="0" cy="0"/>
+          <a:chOff x="0" y="0"/>
+          <a:chExt cx="0" cy="0"/>
+        </a:xfrm>
+      </p:grpSpPr>
+      <p:sp>
+        <p:nvSpPr>
+          <p:cNvPr id="2" name="Titel 1">
+            <a:extLst>
+              <a:ext uri="{FF2B5EF4-FFF2-40B4-BE49-F238E27FC236}">
+                <a16:creationId xmlns:a16="http://schemas.microsoft.com/office/drawing/2014/main" id="{74EE744E-8FC3-4E78-B89A-BDC05E4E3934}"/>
+              </a:ext>
+            </a:extLst>
+          </p:cNvPr>
+          <p:cNvSpPr>
+            <a:spLocks noGrp="1"/>
+          </p:cNvSpPr>
+          <p:nvPr>
+            <p:ph type="title"/>
+          </p:nvPr>
+        </p:nvSpPr>
+        <p:spPr/>
+        <p:txBody>
+          <a:bodyPr/>
+          <a:lstStyle/>
+          <a:p>
+            <a:r>
+              <a:rPr lang="de-DE" dirty="0"/>
+              <a:t>Prototyp</a:t>
+            </a:r>
+          </a:p>
+        </p:txBody>
+      </p:sp>
+      <p:sp>
+        <p:nvSpPr>
+          <p:cNvPr id="3" name="Inhaltsplatzhalter 2">
+            <a:extLst>
+              <a:ext uri="{FF2B5EF4-FFF2-40B4-BE49-F238E27FC236}">
+                <a16:creationId xmlns:a16="http://schemas.microsoft.com/office/drawing/2014/main" id="{24097F7F-056C-4EBC-81A7-457EE7239683}"/>
+              </a:ext>
+            </a:extLst>
+          </p:cNvPr>
+          <p:cNvSpPr>
+            <a:spLocks noGrp="1"/>
+          </p:cNvSpPr>
+          <p:nvPr>
+            <p:ph sz="quarter" idx="10"/>
+          </p:nvPr>
+        </p:nvSpPr>
+        <p:spPr/>
+        <p:txBody>
+          <a:bodyPr/>
+          <a:lstStyle/>
+          <a:p>
+            <a:endParaRPr lang="de-DE"/>
+          </a:p>
+        </p:txBody>
+      </p:sp>
+    </p:spTree>
+    <p:extLst>
+      <p:ext uri="{BB962C8B-B14F-4D97-AF65-F5344CB8AC3E}">
+        <p14:creationId xmlns:p14="http://schemas.microsoft.com/office/powerpoint/2010/main" val="1699667486"/>
+      </p:ext>
+    </p:extLst>
+  </p:cSld>
+  <p:clrMapOvr>
+    <a:masterClrMapping/>
+  </p:clrMapOvr>
+</p:sld>
+</file>
+
+<file path=ppt/slides/slide14.xml><?xml version="1.0" encoding="utf-8"?>
 <p:sld xmlns:a="http://schemas.openxmlformats.org/drawingml/2006/main" xmlns:r="http://schemas.openxmlformats.org/officeDocument/2006/relationships" xmlns:p="http://schemas.openxmlformats.org/presentationml/2006/main">
   <p:cSld>
     <p:spTree>
@@ -30113,14 +27216,14 @@
           <p:nvPr>
             <p:extLst>
               <p:ext uri="{D42A27DB-BD31-4B8C-83A1-F6EECF244321}">
-                <p14:modId xmlns:p14="http://schemas.microsoft.com/office/powerpoint/2010/main" val="927207611"/>
+                <p14:modId xmlns:p14="http://schemas.microsoft.com/office/powerpoint/2010/main" val="4196843584"/>
               </p:ext>
             </p:extLst>
           </p:nvPr>
         </p:nvGraphicFramePr>
         <p:xfrm>
-          <a:off x="805656" y="119517"/>
-          <a:ext cx="10123715" cy="2984954"/>
+          <a:off x="335108" y="-71269"/>
+          <a:ext cx="11621833" cy="3644298"/>
         </p:xfrm>
         <a:graphic>
           <a:graphicData uri="http://schemas.openxmlformats.org/drawingml/2006/diagram">
@@ -30141,7 +27244,7 @@
           <p:nvPr>
             <p:extLst>
               <p:ext uri="{D42A27DB-BD31-4B8C-83A1-F6EECF244321}">
-                <p14:modId xmlns:p14="http://schemas.microsoft.com/office/powerpoint/2010/main" val="3616996954"/>
+                <p14:modId xmlns:p14="http://schemas.microsoft.com/office/powerpoint/2010/main" val="1599291456"/>
               </p:ext>
             </p:extLst>
           </p:nvPr>
@@ -30171,7 +27274,7 @@
         <p:spPr>
           <a:xfrm>
             <a:off x="1139125" y="3231397"/>
-            <a:ext cx="2983424" cy="341632"/>
+            <a:ext cx="2983424" cy="707886"/>
           </a:xfrm>
           <a:prstGeom prst="rect">
             <a:avLst/>
@@ -30185,7 +27288,7 @@
           <a:lstStyle/>
           <a:p>
             <a:r>
-              <a:rPr lang="de-DE" dirty="0"/>
+              <a:rPr lang="de-DE" sz="2000" dirty="0"/>
               <a:t>Bestandteile der Evaluation:</a:t>
             </a:r>
           </a:p>
@@ -30204,7 +27307,7 @@
 </p:sld>
 </file>
 
-<file path=ppt/slides/slide14.xml><?xml version="1.0" encoding="utf-8"?>
+<file path=ppt/slides/slide15.xml><?xml version="1.0" encoding="utf-8"?>
 <p:sld xmlns:a="http://schemas.openxmlformats.org/drawingml/2006/main" xmlns:r="http://schemas.openxmlformats.org/officeDocument/2006/relationships" xmlns:p="http://schemas.openxmlformats.org/presentationml/2006/main">
   <p:cSld>
     <p:spTree>
@@ -30265,7 +27368,7 @@
             <p:ph sz="quarter" idx="10"/>
             <p:extLst>
               <p:ext uri="{D42A27DB-BD31-4B8C-83A1-F6EECF244321}">
-                <p14:modId xmlns:p14="http://schemas.microsoft.com/office/powerpoint/2010/main" val="4265271618"/>
+                <p14:modId xmlns:p14="http://schemas.microsoft.com/office/powerpoint/2010/main" val="3953263087"/>
               </p:ext>
             </p:extLst>
           </p:nvPr>
@@ -30293,7 +27396,7 @@
 </p:sld>
 </file>
 
-<file path=ppt/slides/slide15.xml><?xml version="1.0" encoding="utf-8"?>
+<file path=ppt/slides/slide16.xml><?xml version="1.0" encoding="utf-8"?>
 <p:sld xmlns:a="http://schemas.openxmlformats.org/drawingml/2006/main" xmlns:r="http://schemas.openxmlformats.org/officeDocument/2006/relationships" xmlns:p="http://schemas.openxmlformats.org/presentationml/2006/main">
   <p:cSld>
     <p:spTree>
@@ -30523,7 +27626,7 @@
           <p:nvPr>
             <p:extLst>
               <p:ext uri="{D42A27DB-BD31-4B8C-83A1-F6EECF244321}">
-                <p14:modId xmlns:p14="http://schemas.microsoft.com/office/powerpoint/2010/main" val="2231113436"/>
+                <p14:modId xmlns:p14="http://schemas.microsoft.com/office/powerpoint/2010/main" val="1118303467"/>
               </p:ext>
             </p:extLst>
           </p:nvPr>
@@ -30551,7 +27654,7 @@
 </p:sld>
 </file>
 
-<file path=ppt/slides/slide16.xml><?xml version="1.0" encoding="utf-8"?>
+<file path=ppt/slides/slide17.xml><?xml version="1.0" encoding="utf-8"?>
 <p:sld xmlns:a="http://schemas.openxmlformats.org/drawingml/2006/main" xmlns:r="http://schemas.openxmlformats.org/officeDocument/2006/relationships" xmlns:p="http://schemas.openxmlformats.org/presentationml/2006/main">
   <p:cSld>
     <p:spTree>
@@ -30614,7 +27717,7 @@
 </p:sld>
 </file>
 
-<file path=ppt/slides/slide17.xml><?xml version="1.0" encoding="utf-8"?>
+<file path=ppt/slides/slide18.xml><?xml version="1.0" encoding="utf-8"?>
 <p:sld xmlns:a="http://schemas.openxmlformats.org/drawingml/2006/main" xmlns:r="http://schemas.openxmlformats.org/officeDocument/2006/relationships" xmlns:p="http://schemas.openxmlformats.org/presentationml/2006/main">
   <p:cSld>
     <p:spTree>
@@ -30697,7 +27800,7 @@
 </p:sld>
 </file>
 
-<file path=ppt/slides/slide18.xml><?xml version="1.0" encoding="utf-8"?>
+<file path=ppt/slides/slide19.xml><?xml version="1.0" encoding="utf-8"?>
 <p:sld xmlns:a="http://schemas.openxmlformats.org/drawingml/2006/main" xmlns:r="http://schemas.openxmlformats.org/officeDocument/2006/relationships" xmlns:p="http://schemas.openxmlformats.org/presentationml/2006/main">
   <p:cSld>
     <p:spTree>
@@ -30755,7 +27858,7 @@
           <p:nvPr>
             <p:extLst>
               <p:ext uri="{D42A27DB-BD31-4B8C-83A1-F6EECF244321}">
-                <p14:modId xmlns:p14="http://schemas.microsoft.com/office/powerpoint/2010/main" val="1994010381"/>
+                <p14:modId xmlns:p14="http://schemas.microsoft.com/office/powerpoint/2010/main" val="2421690805"/>
               </p:ext>
             </p:extLst>
           </p:nvPr>
@@ -30783,7 +27886,164 @@
 </p:sld>
 </file>
 
-<file path=ppt/slides/slide19.xml><?xml version="1.0" encoding="utf-8"?>
+<file path=ppt/slides/slide2.xml><?xml version="1.0" encoding="utf-8"?>
+<p:sld xmlns:a="http://schemas.openxmlformats.org/drawingml/2006/main" xmlns:r="http://schemas.openxmlformats.org/officeDocument/2006/relationships" xmlns:p="http://schemas.openxmlformats.org/presentationml/2006/main">
+  <p:cSld>
+    <p:spTree>
+      <p:nvGrpSpPr>
+        <p:cNvPr id="1" name=""/>
+        <p:cNvGrpSpPr/>
+        <p:nvPr/>
+      </p:nvGrpSpPr>
+      <p:grpSpPr>
+        <a:xfrm>
+          <a:off x="0" y="0"/>
+          <a:ext cx="0" cy="0"/>
+          <a:chOff x="0" y="0"/>
+          <a:chExt cx="0" cy="0"/>
+        </a:xfrm>
+      </p:grpSpPr>
+      <p:sp>
+        <p:nvSpPr>
+          <p:cNvPr id="3" name="Titel 2"/>
+          <p:cNvSpPr>
+            <a:spLocks noGrp="1"/>
+          </p:cNvSpPr>
+          <p:nvPr>
+            <p:ph type="title"/>
+          </p:nvPr>
+        </p:nvSpPr>
+        <p:spPr/>
+        <p:txBody>
+          <a:bodyPr/>
+          <a:lstStyle/>
+          <a:p>
+            <a:r>
+              <a:rPr lang="de-DE" dirty="0"/>
+              <a:t>Gliederung</a:t>
+            </a:r>
+          </a:p>
+        </p:txBody>
+      </p:sp>
+      <p:sp>
+        <p:nvSpPr>
+          <p:cNvPr id="6" name="Inhaltsplatzhalter 5">
+            <a:extLst>
+              <a:ext uri="{FF2B5EF4-FFF2-40B4-BE49-F238E27FC236}">
+                <a16:creationId xmlns:a16="http://schemas.microsoft.com/office/drawing/2014/main" id="{85E77171-EA1F-4A43-BCD6-A89C59D3344A}"/>
+              </a:ext>
+            </a:extLst>
+          </p:cNvPr>
+          <p:cNvSpPr>
+            <a:spLocks noGrp="1"/>
+          </p:cNvSpPr>
+          <p:nvPr>
+            <p:ph sz="quarter" idx="10"/>
+          </p:nvPr>
+        </p:nvSpPr>
+        <p:spPr/>
+        <p:txBody>
+          <a:bodyPr/>
+          <a:lstStyle/>
+          <a:p>
+            <a:pPr marL="342900" indent="-342900">
+              <a:buFont typeface="+mj-lt"/>
+              <a:buAutoNum type="arabicPeriod"/>
+            </a:pPr>
+            <a:r>
+              <a:rPr lang="de-DE" sz="2000" dirty="0"/>
+              <a:t>Ziele</a:t>
+            </a:r>
+          </a:p>
+          <a:p>
+            <a:pPr marL="342900" indent="-342900">
+              <a:buFont typeface="+mj-lt"/>
+              <a:buAutoNum type="arabicPeriod"/>
+            </a:pPr>
+            <a:r>
+              <a:rPr lang="de-DE" sz="2000" dirty="0"/>
+              <a:t>Architektur von Sprachassistenten</a:t>
+            </a:r>
+          </a:p>
+          <a:p>
+            <a:pPr marL="342900" indent="-342900">
+              <a:buFont typeface="+mj-lt"/>
+              <a:buAutoNum type="arabicPeriod"/>
+            </a:pPr>
+            <a:r>
+              <a:rPr lang="de-DE" sz="2000" dirty="0"/>
+              <a:t>Assistenzroboter</a:t>
+            </a:r>
+          </a:p>
+          <a:p>
+            <a:pPr marL="342900" indent="-342900">
+              <a:buFont typeface="+mj-lt"/>
+              <a:buAutoNum type="arabicPeriod"/>
+            </a:pPr>
+            <a:r>
+              <a:rPr lang="de-DE" sz="2000" dirty="0"/>
+              <a:t>Spezifische Sprachassistenten</a:t>
+            </a:r>
+          </a:p>
+          <a:p>
+            <a:pPr marL="342900" indent="-342900">
+              <a:buFont typeface="+mj-lt"/>
+              <a:buAutoNum type="arabicPeriod"/>
+            </a:pPr>
+            <a:r>
+              <a:rPr lang="de-DE" sz="2000" dirty="0"/>
+              <a:t>Konzept</a:t>
+            </a:r>
+          </a:p>
+          <a:p>
+            <a:pPr marL="342900" indent="-342900">
+              <a:buFont typeface="+mj-lt"/>
+              <a:buAutoNum type="arabicPeriod"/>
+            </a:pPr>
+            <a:r>
+              <a:rPr lang="de-DE" sz="2000" dirty="0"/>
+              <a:t>Prototyp</a:t>
+            </a:r>
+          </a:p>
+          <a:p>
+            <a:pPr marL="342900" indent="-342900">
+              <a:buFont typeface="+mj-lt"/>
+              <a:buAutoNum type="arabicPeriod"/>
+            </a:pPr>
+            <a:r>
+              <a:rPr lang="de-DE" sz="2000" dirty="0"/>
+              <a:t>Evaluation</a:t>
+            </a:r>
+          </a:p>
+          <a:p>
+            <a:pPr marL="342900" indent="-342900">
+              <a:buFont typeface="+mj-lt"/>
+              <a:buAutoNum type="arabicPeriod"/>
+            </a:pPr>
+            <a:r>
+              <a:rPr lang="de-DE" sz="2000" dirty="0"/>
+              <a:t>Fazit &amp; Ausblick</a:t>
+            </a:r>
+          </a:p>
+        </p:txBody>
+      </p:sp>
+    </p:spTree>
+    <p:custDataLst>
+      <p:tags r:id="rId1"/>
+    </p:custDataLst>
+    <p:extLst>
+      <p:ext uri="{BB962C8B-B14F-4D97-AF65-F5344CB8AC3E}">
+        <p14:creationId xmlns:p14="http://schemas.microsoft.com/office/powerpoint/2010/main" val="296809162"/>
+      </p:ext>
+    </p:extLst>
+  </p:cSld>
+  <p:clrMapOvr>
+    <a:masterClrMapping/>
+  </p:clrMapOvr>
+</p:sld>
+</file>
+
+<file path=ppt/slides/slide20.xml><?xml version="1.0" encoding="utf-8"?>
 <p:sld xmlns:a="http://schemas.openxmlformats.org/drawingml/2006/main" xmlns:r="http://schemas.openxmlformats.org/officeDocument/2006/relationships" xmlns:p="http://schemas.openxmlformats.org/presentationml/2006/main">
   <p:cSld>
     <p:spTree>
@@ -30896,143 +28156,7 @@
 </p:sld>
 </file>
 
-<file path=ppt/slides/slide2.xml><?xml version="1.0" encoding="utf-8"?>
-<p:sld xmlns:a="http://schemas.openxmlformats.org/drawingml/2006/main" xmlns:r="http://schemas.openxmlformats.org/officeDocument/2006/relationships" xmlns:p="http://schemas.openxmlformats.org/presentationml/2006/main">
-  <p:cSld>
-    <p:spTree>
-      <p:nvGrpSpPr>
-        <p:cNvPr id="1" name=""/>
-        <p:cNvGrpSpPr/>
-        <p:nvPr/>
-      </p:nvGrpSpPr>
-      <p:grpSpPr>
-        <a:xfrm>
-          <a:off x="0" y="0"/>
-          <a:ext cx="0" cy="0"/>
-          <a:chOff x="0" y="0"/>
-          <a:chExt cx="0" cy="0"/>
-        </a:xfrm>
-      </p:grpSpPr>
-      <p:sp>
-        <p:nvSpPr>
-          <p:cNvPr id="3" name="Titel 2"/>
-          <p:cNvSpPr>
-            <a:spLocks noGrp="1"/>
-          </p:cNvSpPr>
-          <p:nvPr>
-            <p:ph type="title"/>
-          </p:nvPr>
-        </p:nvSpPr>
-        <p:spPr/>
-        <p:txBody>
-          <a:bodyPr/>
-          <a:lstStyle/>
-          <a:p>
-            <a:r>
-              <a:rPr lang="de-DE" dirty="0"/>
-              <a:t>Gliederung</a:t>
-            </a:r>
-          </a:p>
-        </p:txBody>
-      </p:sp>
-      <p:sp>
-        <p:nvSpPr>
-          <p:cNvPr id="2" name="Inhaltsplatzhalter 1"/>
-          <p:cNvSpPr>
-            <a:spLocks noGrp="1"/>
-          </p:cNvSpPr>
-          <p:nvPr>
-            <p:ph sz="quarter" idx="10"/>
-          </p:nvPr>
-        </p:nvSpPr>
-        <p:spPr>
-          <a:xfrm>
-            <a:off x="874711" y="1040525"/>
-            <a:ext cx="10580688" cy="4344987"/>
-          </a:xfrm>
-        </p:spPr>
-        <p:txBody>
-          <a:bodyPr/>
-          <a:lstStyle/>
-          <a:p>
-            <a:r>
-              <a:rPr lang="de-DE" sz="2000" dirty="0"/>
-              <a:t>1. Ziele</a:t>
-            </a:r>
-          </a:p>
-          <a:p>
-            <a:r>
-              <a:rPr lang="de-DE" sz="2000" dirty="0"/>
-              <a:t>2. Architektur von Sprachassistenzsystemen</a:t>
-            </a:r>
-          </a:p>
-          <a:p>
-            <a:r>
-              <a:rPr lang="de-DE" sz="2000" dirty="0"/>
-              <a:t>3. Betrachtungen zum Datenschutz</a:t>
-            </a:r>
-          </a:p>
-          <a:p>
-            <a:r>
-              <a:rPr lang="de-DE" sz="2000" dirty="0"/>
-              <a:t>4. Assistenzroboter</a:t>
-            </a:r>
-          </a:p>
-          <a:p>
-            <a:r>
-              <a:rPr lang="de-DE" sz="2000" dirty="0"/>
-              <a:t>5. Spezifische Sprachassistenten</a:t>
-            </a:r>
-          </a:p>
-          <a:p>
-            <a:r>
-              <a:rPr lang="de-DE" sz="2000" dirty="0"/>
-              <a:t>6. Konzept</a:t>
-            </a:r>
-          </a:p>
-          <a:p>
-            <a:r>
-              <a:rPr lang="de-DE" sz="2000" dirty="0"/>
-              <a:t>7. Prototyp</a:t>
-            </a:r>
-          </a:p>
-          <a:p>
-            <a:r>
-              <a:rPr lang="de-DE" sz="2000" dirty="0"/>
-              <a:t>8. Evaluation</a:t>
-            </a:r>
-          </a:p>
-          <a:p>
-            <a:r>
-              <a:rPr lang="de-DE" sz="2000" dirty="0"/>
-              <a:t>9. Fazit &amp; Ausblick</a:t>
-            </a:r>
-          </a:p>
-          <a:p>
-            <a:r>
-              <a:rPr lang="de-DE" sz="2000" dirty="0"/>
-              <a:t>10. Demonstration</a:t>
-            </a:r>
-          </a:p>
-        </p:txBody>
-      </p:sp>
-    </p:spTree>
-    <p:custDataLst>
-      <p:tags r:id="rId1"/>
-    </p:custDataLst>
-    <p:extLst>
-      <p:ext uri="{BB962C8B-B14F-4D97-AF65-F5344CB8AC3E}">
-        <p14:creationId xmlns:p14="http://schemas.microsoft.com/office/powerpoint/2010/main" val="296809162"/>
-      </p:ext>
-    </p:extLst>
-  </p:cSld>
-  <p:clrMapOvr>
-    <a:masterClrMapping/>
-  </p:clrMapOvr>
-</p:sld>
-</file>
-
-<file path=ppt/slides/slide20.xml><?xml version="1.0" encoding="utf-8"?>
+<file path=ppt/slides/slide21.xml><?xml version="1.0" encoding="utf-8"?>
 <p:sld xmlns:a="http://schemas.openxmlformats.org/drawingml/2006/main" xmlns:r="http://schemas.openxmlformats.org/officeDocument/2006/relationships" xmlns:p="http://schemas.openxmlformats.org/presentationml/2006/main">
   <p:cSld>
     <p:spTree>
@@ -31145,7 +28269,7 @@
 </p:sld>
 </file>
 
-<file path=ppt/slides/slide21.xml><?xml version="1.0" encoding="utf-8"?>
+<file path=ppt/slides/slide22.xml><?xml version="1.0" encoding="utf-8"?>
 <p:sld xmlns:a="http://schemas.openxmlformats.org/drawingml/2006/main" xmlns:r="http://schemas.openxmlformats.org/officeDocument/2006/relationships" xmlns:p="http://schemas.openxmlformats.org/presentationml/2006/main">
   <p:cSld>
     <p:spTree>
@@ -31258,7 +28382,7 @@
 </p:sld>
 </file>
 
-<file path=ppt/slides/slide22.xml><?xml version="1.0" encoding="utf-8"?>
+<file path=ppt/slides/slide23.xml><?xml version="1.0" encoding="utf-8"?>
 <p:sld xmlns:a="http://schemas.openxmlformats.org/drawingml/2006/main" xmlns:r="http://schemas.openxmlformats.org/officeDocument/2006/relationships" xmlns:p="http://schemas.openxmlformats.org/presentationml/2006/main">
   <p:cSld>
     <p:spTree>
@@ -31461,7 +28585,7 @@
 </p:sld>
 </file>
 
-<file path=ppt/slides/slide23.xml><?xml version="1.0" encoding="utf-8"?>
+<file path=ppt/slides/slide24.xml><?xml version="1.0" encoding="utf-8"?>
 <p:sld xmlns:a="http://schemas.openxmlformats.org/drawingml/2006/main" xmlns:r="http://schemas.openxmlformats.org/officeDocument/2006/relationships" xmlns:p="http://schemas.openxmlformats.org/presentationml/2006/main">
   <p:cSld>
     <p:spTree>
@@ -31574,7 +28698,7 @@
 </p:sld>
 </file>
 
-<file path=ppt/slides/slide24.xml><?xml version="1.0" encoding="utf-8"?>
+<file path=ppt/slides/slide25.xml><?xml version="1.0" encoding="utf-8"?>
 <p:sld xmlns:a="http://schemas.openxmlformats.org/drawingml/2006/main" xmlns:r="http://schemas.openxmlformats.org/officeDocument/2006/relationships" xmlns:p="http://schemas.openxmlformats.org/presentationml/2006/main">
   <p:cSld>
     <p:spTree>
@@ -31717,7 +28841,7 @@
 </p:sld>
 </file>
 
-<file path=ppt/slides/slide25.xml><?xml version="1.0" encoding="utf-8"?>
+<file path=ppt/slides/slide26.xml><?xml version="1.0" encoding="utf-8"?>
 <p:sld xmlns:a="http://schemas.openxmlformats.org/drawingml/2006/main" xmlns:r="http://schemas.openxmlformats.org/officeDocument/2006/relationships" xmlns:p="http://schemas.openxmlformats.org/presentationml/2006/main">
   <p:cSld>
     <p:spTree>
@@ -31853,7 +28977,7 @@
 </p:sld>
 </file>
 
-<file path=ppt/slides/slide26.xml><?xml version="1.0" encoding="utf-8"?>
+<file path=ppt/slides/slide27.xml><?xml version="1.0" encoding="utf-8"?>
 <p:sld xmlns:a="http://schemas.openxmlformats.org/drawingml/2006/main" xmlns:r="http://schemas.openxmlformats.org/officeDocument/2006/relationships" xmlns:p="http://schemas.openxmlformats.org/presentationml/2006/main">
   <p:cSld>
     <p:spTree>
@@ -31989,7 +29113,7 @@
 </p:sld>
 </file>
 
-<file path=ppt/slides/slide27.xml><?xml version="1.0" encoding="utf-8"?>
+<file path=ppt/slides/slide28.xml><?xml version="1.0" encoding="utf-8"?>
 <p:sld xmlns:a="http://schemas.openxmlformats.org/drawingml/2006/main" xmlns:r="http://schemas.openxmlformats.org/officeDocument/2006/relationships" xmlns:p="http://schemas.openxmlformats.org/presentationml/2006/main">
   <p:cSld>
     <p:spTree>
@@ -32111,7 +29235,7 @@
 </p:sld>
 </file>
 
-<file path=ppt/slides/slide28.xml><?xml version="1.0" encoding="utf-8"?>
+<file path=ppt/slides/slide29.xml><?xml version="1.0" encoding="utf-8"?>
 <p:sld xmlns:a="http://schemas.openxmlformats.org/drawingml/2006/main" xmlns:r="http://schemas.openxmlformats.org/officeDocument/2006/relationships" xmlns:p="http://schemas.openxmlformats.org/presentationml/2006/main">
   <p:cSld>
     <p:spTree>
@@ -32276,7 +29400,7 @@
             <p:ph sz="quarter" idx="10"/>
             <p:extLst>
               <p:ext uri="{D42A27DB-BD31-4B8C-83A1-F6EECF244321}">
-                <p14:modId xmlns:p14="http://schemas.microsoft.com/office/powerpoint/2010/main" val="3714489969"/>
+                <p14:modId xmlns:p14="http://schemas.microsoft.com/office/powerpoint/2010/main" val="202474910"/>
               </p:ext>
             </p:extLst>
           </p:nvPr>
@@ -32507,40 +29631,100 @@
           <a:chExt cx="0" cy="0"/>
         </a:xfrm>
       </p:grpSpPr>
-      <p:graphicFrame>
-        <p:nvGraphicFramePr>
-          <p:cNvPr id="4" name="Diagramm 3">
+      <p:sp>
+        <p:nvSpPr>
+          <p:cNvPr id="2" name="Titel 1">
             <a:extLst>
               <a:ext uri="{FF2B5EF4-FFF2-40B4-BE49-F238E27FC236}">
-                <a16:creationId xmlns:a16="http://schemas.microsoft.com/office/drawing/2014/main" id="{008286CF-E513-4E96-88C8-A71F49342BFC}"/>
+                <a16:creationId xmlns:a16="http://schemas.microsoft.com/office/drawing/2014/main" id="{6DC4761D-FAE3-4C8D-BD64-4539D3C4CAAF}"/>
               </a:ext>
             </a:extLst>
           </p:cNvPr>
-          <p:cNvGraphicFramePr/>
+          <p:cNvSpPr>
+            <a:spLocks noGrp="1"/>
+          </p:cNvSpPr>
           <p:nvPr>
-            <p:extLst>
-              <p:ext uri="{D42A27DB-BD31-4B8C-83A1-F6EECF244321}">
-                <p14:modId xmlns:p14="http://schemas.microsoft.com/office/powerpoint/2010/main" val="1902239201"/>
-              </p:ext>
-            </p:extLst>
+            <p:ph type="title"/>
           </p:nvPr>
-        </p:nvGraphicFramePr>
-        <p:xfrm>
-          <a:off x="320039" y="980034"/>
-          <a:ext cx="5964523" cy="5050195"/>
-        </p:xfrm>
-        <a:graphic>
-          <a:graphicData uri="http://schemas.openxmlformats.org/drawingml/2006/diagram">
-            <dgm:relIds xmlns:dgm="http://schemas.openxmlformats.org/drawingml/2006/diagram" xmlns:r="http://schemas.openxmlformats.org/officeDocument/2006/relationships" r:dm="rId2" r:lo="rId3" r:qs="rId4" r:cs="rId5"/>
-          </a:graphicData>
-        </a:graphic>
-      </p:graphicFrame>
+        </p:nvSpPr>
+        <p:spPr/>
+        <p:txBody>
+          <a:bodyPr/>
+          <a:lstStyle/>
+          <a:p>
+            <a:r>
+              <a:rPr lang="de-DE" dirty="0"/>
+              <a:t>Assistenzroboter</a:t>
+            </a:r>
+          </a:p>
+        </p:txBody>
+      </p:sp>
+      <p:sp>
+        <p:nvSpPr>
+          <p:cNvPr id="3" name="Inhaltsplatzhalter 2">
+            <a:extLst>
+              <a:ext uri="{FF2B5EF4-FFF2-40B4-BE49-F238E27FC236}">
+                <a16:creationId xmlns:a16="http://schemas.microsoft.com/office/drawing/2014/main" id="{FAA740F0-9008-45FA-B53E-B7CA8FFC4ECD}"/>
+              </a:ext>
+            </a:extLst>
+          </p:cNvPr>
+          <p:cNvSpPr>
+            <a:spLocks noGrp="1"/>
+          </p:cNvSpPr>
+          <p:nvPr>
+            <p:ph sz="quarter" idx="10"/>
+          </p:nvPr>
+        </p:nvSpPr>
+        <p:spPr>
+          <a:xfrm>
+            <a:off x="874711" y="1484314"/>
+            <a:ext cx="4836414" cy="1289884"/>
+          </a:xfrm>
+        </p:spPr>
+        <p:txBody>
+          <a:bodyPr/>
+          <a:lstStyle/>
+          <a:p>
+            <a:pPr marL="285750" lvl="0" indent="-285750">
+              <a:buFont typeface="Arial" panose="020B0604020202020204" pitchFamily="34" charset="0"/>
+              <a:buChar char="•"/>
+            </a:pPr>
+            <a:r>
+              <a:rPr lang="de-DE" sz="2000" dirty="0"/>
+              <a:t>(teil-)autonom</a:t>
+            </a:r>
+          </a:p>
+          <a:p>
+            <a:pPr marL="285750" lvl="0" indent="-285750">
+              <a:buFont typeface="Arial" panose="020B0604020202020204" pitchFamily="34" charset="0"/>
+              <a:buChar char="•"/>
+            </a:pPr>
+            <a:r>
+              <a:rPr lang="de-DE" sz="2000" dirty="0"/>
+              <a:t>unterstützt Menschen</a:t>
+            </a:r>
+          </a:p>
+          <a:p>
+            <a:pPr marL="285750" lvl="0" indent="-285750">
+              <a:buFont typeface="Arial" panose="020B0604020202020204" pitchFamily="34" charset="0"/>
+              <a:buChar char="•"/>
+            </a:pPr>
+            <a:r>
+              <a:rPr lang="de-DE" sz="2000" dirty="0"/>
+              <a:t>nicht für Produktionszwecke [Kar00]</a:t>
+            </a:r>
+          </a:p>
+          <a:p>
+            <a:endParaRPr lang="de-DE" dirty="0"/>
+          </a:p>
+        </p:txBody>
+      </p:sp>
       <p:pic>
         <p:nvPicPr>
-          <p:cNvPr id="8" name="Grafik 7">
+          <p:cNvPr id="4" name="Grafik 3">
             <a:extLst>
               <a:ext uri="{FF2B5EF4-FFF2-40B4-BE49-F238E27FC236}">
-                <a16:creationId xmlns:a16="http://schemas.microsoft.com/office/drawing/2014/main" id="{C940B9A0-FAF1-44EA-8702-09A34C5D95FD}"/>
+                <a16:creationId xmlns:a16="http://schemas.microsoft.com/office/drawing/2014/main" id="{11EC004B-8486-42B4-80B1-8B900B88F880}"/>
               </a:ext>
             </a:extLst>
           </p:cNvPr>
@@ -32550,7 +29734,7 @@
           <p:nvPr/>
         </p:nvPicPr>
         <p:blipFill>
-          <a:blip r:embed="rId7">
+          <a:blip r:embed="rId2">
             <a:extLst>
               <a:ext uri="{28A0092B-C50C-407E-A947-70E740481C1C}">
                 <a14:useLocalDpi xmlns:a14="http://schemas.microsoft.com/office/drawing/2010/main" val="0"/>
@@ -32563,8 +29747,8 @@
         </p:blipFill>
         <p:spPr>
           <a:xfrm>
-            <a:off x="6878320" y="3429000"/>
-            <a:ext cx="4749800" cy="2224539"/>
+            <a:off x="1364800" y="3391229"/>
+            <a:ext cx="3742926" cy="1752976"/>
           </a:xfrm>
           <a:prstGeom prst="rect">
             <a:avLst/>
@@ -32573,10 +29757,10 @@
       </p:pic>
       <p:pic>
         <p:nvPicPr>
-          <p:cNvPr id="12" name="Grafik 11">
+          <p:cNvPr id="5" name="Grafik 4">
             <a:extLst>
               <a:ext uri="{FF2B5EF4-FFF2-40B4-BE49-F238E27FC236}">
-                <a16:creationId xmlns:a16="http://schemas.microsoft.com/office/drawing/2014/main" id="{EC37B9C2-4626-4D8B-A603-50A9D302345F}"/>
+                <a16:creationId xmlns:a16="http://schemas.microsoft.com/office/drawing/2014/main" id="{FC1B4F6F-9ABB-4DE8-A23E-861709D075AA}"/>
               </a:ext>
             </a:extLst>
           </p:cNvPr>
@@ -32586,7 +29770,7 @@
           <p:nvPr/>
         </p:nvPicPr>
         <p:blipFill>
-          <a:blip r:embed="rId8">
+          <a:blip r:embed="rId3">
             <a:extLst>
               <a:ext uri="{28A0092B-C50C-407E-A947-70E740481C1C}">
                 <a14:useLocalDpi xmlns:a14="http://schemas.microsoft.com/office/drawing/2010/main" val="0"/>
@@ -32599,8 +29783,8 @@
         </p:blipFill>
         <p:spPr>
           <a:xfrm>
-            <a:off x="8260081" y="99893"/>
-            <a:ext cx="2458720" cy="2971845"/>
+            <a:off x="7557752" y="688181"/>
+            <a:ext cx="3403600" cy="4113918"/>
           </a:xfrm>
           <a:prstGeom prst="rect">
             <a:avLst/>
@@ -32609,10 +29793,10 @@
       </p:pic>
       <p:sp>
         <p:nvSpPr>
-          <p:cNvPr id="15" name="Textfeld 14">
+          <p:cNvPr id="6" name="Textfeld 5">
             <a:extLst>
               <a:ext uri="{FF2B5EF4-FFF2-40B4-BE49-F238E27FC236}">
-                <a16:creationId xmlns:a16="http://schemas.microsoft.com/office/drawing/2014/main" id="{3231B203-6ABC-4036-AD4B-353460B5A70F}"/>
+                <a16:creationId xmlns:a16="http://schemas.microsoft.com/office/drawing/2014/main" id="{ED5F0C1C-4563-41AC-A950-0593DC2E2DE5}"/>
               </a:ext>
             </a:extLst>
           </p:cNvPr>
@@ -32621,7 +29805,7 @@
         </p:nvSpPr>
         <p:spPr>
           <a:xfrm>
-            <a:off x="6875781" y="5688598"/>
+            <a:off x="679258" y="5196072"/>
             <a:ext cx="5227320" cy="341632"/>
           </a:xfrm>
           <a:prstGeom prst="rect">
@@ -32652,10 +29836,10 @@
       </p:sp>
       <p:sp>
         <p:nvSpPr>
-          <p:cNvPr id="16" name="Textfeld 15">
+          <p:cNvPr id="7" name="Textfeld 6">
             <a:extLst>
               <a:ext uri="{FF2B5EF4-FFF2-40B4-BE49-F238E27FC236}">
-                <a16:creationId xmlns:a16="http://schemas.microsoft.com/office/drawing/2014/main" id="{557E397E-6B4C-41D0-A94C-764F689E8FE3}"/>
+                <a16:creationId xmlns:a16="http://schemas.microsoft.com/office/drawing/2014/main" id="{B4EEE096-4A78-46EE-B764-4FA0B84D6EBA}"/>
               </a:ext>
             </a:extLst>
           </p:cNvPr>
@@ -32664,7 +29848,7 @@
         </p:nvSpPr>
         <p:spPr>
           <a:xfrm>
-            <a:off x="8260081" y="3069839"/>
+            <a:off x="8051799" y="4973389"/>
             <a:ext cx="3403600" cy="341632"/>
           </a:xfrm>
           <a:prstGeom prst="rect">
@@ -32688,7 +29872,7 @@
     </p:spTree>
     <p:extLst>
       <p:ext uri="{BB962C8B-B14F-4D97-AF65-F5344CB8AC3E}">
-        <p14:creationId xmlns:p14="http://schemas.microsoft.com/office/powerpoint/2010/main" val="868570738"/>
+        <p14:creationId xmlns:p14="http://schemas.microsoft.com/office/powerpoint/2010/main" val="3113720356"/>
       </p:ext>
     </p:extLst>
   </p:cSld>
@@ -33130,16 +30314,18 @@
             </a:lvl9pPr>
           </a:lstStyle>
           <a:p>
-            <a:r>
-              <a:rPr lang="de-DE" sz="1400" dirty="0"/>
-              <a:t>Besonderheit:</a:t>
-            </a:r>
+            <a:endParaRPr lang="de-DE" sz="1400" dirty="0"/>
           </a:p>
           <a:p>
             <a:r>
               <a:rPr lang="de-DE" dirty="0"/>
-              <a:t>	Modular			             Datenschutz im Mittelpunkt			Marktführer</a:t>
+              <a:t>	</a:t>
             </a:r>
+            <a:r>
+              <a:rPr lang="de-DE" sz="2000" dirty="0"/>
+              <a:t>Modular		    Datenschutz im Mittelpunkt			hohe Verbreitung</a:t>
+            </a:r>
+            <a:endParaRPr lang="de-DE" dirty="0"/>
           </a:p>
         </p:txBody>
       </p:sp>
@@ -33384,7 +30570,7 @@
             <p:ph sz="quarter" idx="10"/>
             <p:extLst>
               <p:ext uri="{D42A27DB-BD31-4B8C-83A1-F6EECF244321}">
-                <p14:modId xmlns:p14="http://schemas.microsoft.com/office/powerpoint/2010/main" val="685721724"/>
+                <p14:modId xmlns:p14="http://schemas.microsoft.com/office/powerpoint/2010/main" val="4009016523"/>
               </p:ext>
             </p:extLst>
           </p:nvPr>
